--- a/Presentation/tools-visual-studio.pptx
+++ b/Presentation/tools-visual-studio.pptx
@@ -6,7 +6,7 @@
     <p:sldMasterId id="2147483663" r:id="rId2"/>
   </p:sldMasterIdLst>
   <p:notesMasterIdLst>
-    <p:notesMasterId r:id="rId17"/>
+    <p:notesMasterId r:id="rId18"/>
   </p:notesMasterIdLst>
   <p:sldIdLst>
     <p:sldId id="257" r:id="rId3"/>
@@ -16,13 +16,14 @@
     <p:sldId id="263" r:id="rId7"/>
     <p:sldId id="262" r:id="rId8"/>
     <p:sldId id="265" r:id="rId9"/>
-    <p:sldId id="266" r:id="rId10"/>
-    <p:sldId id="269" r:id="rId11"/>
-    <p:sldId id="267" r:id="rId12"/>
-    <p:sldId id="268" r:id="rId13"/>
-    <p:sldId id="260" r:id="rId14"/>
-    <p:sldId id="261" r:id="rId15"/>
-    <p:sldId id="258" r:id="rId16"/>
+    <p:sldId id="271" r:id="rId10"/>
+    <p:sldId id="266" r:id="rId11"/>
+    <p:sldId id="269" r:id="rId12"/>
+    <p:sldId id="267" r:id="rId13"/>
+    <p:sldId id="268" r:id="rId14"/>
+    <p:sldId id="260" r:id="rId15"/>
+    <p:sldId id="261" r:id="rId16"/>
+    <p:sldId id="258" r:id="rId17"/>
   </p:sldIdLst>
   <p:sldSz cx="9144000" cy="6858000" type="screen4x3"/>
   <p:notesSz cx="6858000" cy="9144000"/>
@@ -206,7 +207,7 @@
           <a:p>
             <a:fld id="{B24A7054-7FFB-49F4-A126-5DF6E687FF53}" type="datetimeFigureOut">
               <a:rPr lang="ru-RU" smtClean="0"/>
-              <a:t>01.03.2013</a:t>
+              <a:t>19.06.2013</a:t>
             </a:fld>
             <a:endParaRPr lang="ru-RU"/>
           </a:p>
@@ -1488,7 +1489,7 @@
           <a:p>
             <a:fld id="{8E6E6A2A-E9D3-4A0D-B04A-ABDD367A1E08}" type="datetimeFigureOut">
               <a:rPr lang="ru-RU" smtClean="0"/>
-              <a:t>01.03.2013</a:t>
+              <a:t>19.06.2013</a:t>
             </a:fld>
             <a:endParaRPr lang="ru-RU"/>
           </a:p>
@@ -4001,7 +4002,7 @@
                 </a:solidFill>
               </a:rPr>
               <a:pPr/>
-              <a:t>01.03.2013</a:t>
+              <a:t>19.06.2013</a:t>
             </a:fld>
             <a:endParaRPr lang="ru-RU">
               <a:solidFill>
@@ -5262,7 +5263,7 @@
           <a:p>
             <a:fld id="{AC3D3127-B7C4-45E3-9797-C527EC9FDD78}" type="datetimeFigureOut">
               <a:rPr lang="ru-RU" smtClean="0"/>
-              <a:t>01.03.2013</a:t>
+              <a:t>19.06.2013</a:t>
             </a:fld>
             <a:endParaRPr lang="ru-RU"/>
           </a:p>
@@ -5798,7 +5799,7 @@
                 </a:solidFill>
               </a:rPr>
               <a:pPr/>
-              <a:t>01.03.2013</a:t>
+              <a:t>19.06.2013</a:t>
             </a:fld>
             <a:endParaRPr lang="ru-RU">
               <a:solidFill>
@@ -6436,11 +6437,15 @@
           <a:p>
             <a:r>
               <a:rPr lang="ru-RU" dirty="0" smtClean="0"/>
-              <a:t>Окна: </a:t>
+              <a:t>Редактор</a:t>
             </a:r>
             <a:r>
               <a:rPr lang="en-US" dirty="0" smtClean="0"/>
-              <a:t>Bookmarks</a:t>
+              <a:t>: </a:t>
+            </a:r>
+            <a:r>
+              <a:rPr lang="ru-RU" dirty="0" smtClean="0"/>
+              <a:t>Навигация по коду</a:t>
             </a:r>
             <a:endParaRPr lang="en-US" dirty="0"/>
           </a:p>
@@ -6469,12 +6474,83 @@
               </a:buClr>
             </a:pPr>
             <a:r>
-              <a:rPr lang="ru-RU" dirty="0">
+              <a:rPr lang="en-US" dirty="0" smtClean="0">
                 <a:solidFill>
                   <a:schemeClr val="bg1"/>
                 </a:solidFill>
               </a:rPr>
-              <a:t>Закладки в текстовых файлах</a:t>
+              <a:t>ReSharper </a:t>
+            </a:r>
+            <a:r>
+              <a:rPr lang="ru-RU" dirty="0" smtClean="0">
+                <a:solidFill>
+                  <a:schemeClr val="bg1"/>
+                </a:solidFill>
+              </a:rPr>
+              <a:t>ускоряет навигацию по коду за счет следующих команд:</a:t>
+            </a:r>
+            <a:r>
+              <a:rPr lang="en-US" dirty="0" smtClean="0">
+                <a:solidFill>
+                  <a:schemeClr val="bg1"/>
+                </a:solidFill>
+              </a:rPr>
+              <a:t> Go To Type, Go To File, Go To Symbol </a:t>
+            </a:r>
+            <a:r>
+              <a:rPr lang="ru-RU" dirty="0" smtClean="0">
+                <a:solidFill>
+                  <a:schemeClr val="bg1"/>
+                </a:solidFill>
+              </a:rPr>
+              <a:t>и других</a:t>
+            </a:r>
+          </a:p>
+          <a:p>
+            <a:pPr>
+              <a:buClr>
+                <a:schemeClr val="bg1"/>
+              </a:buClr>
+            </a:pPr>
+            <a:r>
+              <a:rPr lang="ru-RU" dirty="0" smtClean="0">
+                <a:solidFill>
+                  <a:schemeClr val="bg1"/>
+                </a:solidFill>
+              </a:rPr>
+              <a:t>Если искомые имена используют </a:t>
+            </a:r>
+            <a:r>
+              <a:rPr lang="en-US" dirty="0" err="1" smtClean="0">
+                <a:solidFill>
+                  <a:schemeClr val="bg1"/>
+                </a:solidFill>
+              </a:rPr>
+              <a:t>CamelCase</a:t>
+            </a:r>
+            <a:r>
+              <a:rPr lang="ru-RU" dirty="0" smtClean="0">
+                <a:solidFill>
+                  <a:schemeClr val="bg1"/>
+                </a:solidFill>
+              </a:rPr>
+              <a:t>,</a:t>
+            </a:r>
+            <a:r>
+              <a:rPr lang="en-US" dirty="0" smtClean="0">
+                <a:solidFill>
+                  <a:schemeClr val="bg1"/>
+                </a:solidFill>
+              </a:rPr>
+              <a:t> </a:t>
+            </a:r>
+            <a:r>
+              <a:rPr lang="ru-RU" dirty="0" smtClean="0">
+                <a:solidFill>
+                  <a:schemeClr val="bg1"/>
+                </a:solidFill>
+              </a:rPr>
+              <a:t>то в окне поиска символов можно вводить только первые буквы из каждого слова</a:t>
             </a:r>
             <a:endParaRPr lang="en-US" dirty="0" smtClean="0">
               <a:solidFill>
@@ -6494,7 +6570,15 @@
                   <a:schemeClr val="bg1"/>
                 </a:solidFill>
               </a:rPr>
-              <a:t>Команды меню </a:t>
+              <a:t>См. также меню </a:t>
+            </a:r>
+            <a:r>
+              <a:rPr lang="en-US" dirty="0" err="1" smtClean="0">
+                <a:solidFill>
+                  <a:schemeClr val="bg1"/>
+                </a:solidFill>
+              </a:rPr>
+              <a:t>Resharper</a:t>
             </a:r>
             <a:r>
               <a:rPr lang="en-US" dirty="0" smtClean="0">
@@ -6502,68 +6586,8 @@
                   <a:schemeClr val="bg1"/>
                 </a:solidFill>
               </a:rPr>
-              <a:t>View -&gt; Bookmark Window</a:t>
-            </a:r>
-            <a:r>
-              <a:rPr lang="ru-RU" dirty="0" smtClean="0">
-                <a:solidFill>
-                  <a:schemeClr val="bg1"/>
-                </a:solidFill>
-              </a:rPr>
-              <a:t> и </a:t>
-            </a:r>
-            <a:r>
-              <a:rPr lang="en-US" dirty="0" smtClean="0">
-                <a:solidFill>
-                  <a:schemeClr val="bg1"/>
-                </a:solidFill>
-              </a:rPr>
-              <a:t>Edit -&gt; Bookmarks.</a:t>
-            </a:r>
-          </a:p>
-          <a:p>
-            <a:pPr>
-              <a:buClr>
-                <a:schemeClr val="bg1"/>
-              </a:buClr>
-            </a:pPr>
-            <a:endParaRPr lang="ru-RU" dirty="0" smtClean="0">
-              <a:solidFill>
-                <a:schemeClr val="bg1"/>
-              </a:solidFill>
-            </a:endParaRPr>
-          </a:p>
-          <a:p>
-            <a:pPr>
-              <a:buClr>
-                <a:schemeClr val="bg1"/>
-              </a:buClr>
-            </a:pPr>
-            <a:endParaRPr lang="ru-RU" dirty="0" smtClean="0">
-              <a:solidFill>
-                <a:schemeClr val="bg1"/>
-              </a:solidFill>
-            </a:endParaRPr>
-          </a:p>
-          <a:p>
-            <a:pPr>
-              <a:buClr>
-                <a:schemeClr val="bg1"/>
-              </a:buClr>
-            </a:pPr>
-            <a:endParaRPr lang="ru-RU" dirty="0" smtClean="0">
-              <a:solidFill>
-                <a:schemeClr val="bg1"/>
-              </a:solidFill>
-            </a:endParaRPr>
-          </a:p>
-          <a:p>
-            <a:pPr marL="0" indent="0">
-              <a:buClr>
-                <a:schemeClr val="bg1"/>
-              </a:buClr>
-              <a:buNone/>
-            </a:pPr>
+              <a:t> -&gt; Navigate</a:t>
+            </a:r>
             <a:endParaRPr lang="en-US" dirty="0">
               <a:solidFill>
                 <a:schemeClr val="bg1"/>
@@ -6575,7 +6599,7 @@
     </p:spTree>
     <p:extLst>
       <p:ext uri="{BB962C8B-B14F-4D97-AF65-F5344CB8AC3E}">
-        <p14:creationId xmlns:p14="http://schemas.microsoft.com/office/powerpoint/2010/main" val="3985499755"/>
+        <p14:creationId xmlns:p14="http://schemas.microsoft.com/office/powerpoint/2010/main" val="1382214877"/>
       </p:ext>
     </p:extLst>
   </p:cSld>
@@ -6637,7 +6661,7 @@
             </a:r>
             <a:r>
               <a:rPr lang="en-US" dirty="0" smtClean="0"/>
-              <a:t>Task List</a:t>
+              <a:t>Bookmarks</a:t>
             </a:r>
             <a:endParaRPr lang="en-US" dirty="0"/>
           </a:p>
@@ -6671,7 +6695,7 @@
                   <a:schemeClr val="bg1"/>
                 </a:solidFill>
               </a:rPr>
-              <a:t>Список можно использовать для хранения заметок по проекту</a:t>
+              <a:t>Закладки в текстовых файлах</a:t>
             </a:r>
             <a:endParaRPr lang="en-US" dirty="0" smtClean="0">
               <a:solidFill>
@@ -6691,7 +6715,7 @@
                   <a:schemeClr val="bg1"/>
                 </a:solidFill>
               </a:rPr>
-              <a:t>Команда меню </a:t>
+              <a:t>Команды меню </a:t>
             </a:r>
             <a:r>
               <a:rPr lang="en-US" dirty="0" smtClean="0">
@@ -6699,15 +6723,15 @@
                   <a:schemeClr val="bg1"/>
                 </a:solidFill>
               </a:rPr>
-              <a:t>View -&gt; </a:t>
-            </a:r>
-            <a:r>
-              <a:rPr lang="en-US" dirty="0">
+              <a:t>View -&gt; Bookmark Window</a:t>
+            </a:r>
+            <a:r>
+              <a:rPr lang="ru-RU" dirty="0" smtClean="0">
                 <a:solidFill>
                   <a:schemeClr val="bg1"/>
                 </a:solidFill>
               </a:rPr>
-              <a:t>Task </a:t>
+              <a:t> и </a:t>
             </a:r>
             <a:r>
               <a:rPr lang="en-US" dirty="0" smtClean="0">
@@ -6715,13 +6739,8 @@
                   <a:schemeClr val="bg1"/>
                 </a:solidFill>
               </a:rPr>
-              <a:t>List.</a:t>
-            </a:r>
-            <a:endParaRPr lang="en-US" dirty="0" smtClean="0">
-              <a:solidFill>
-                <a:schemeClr val="bg1"/>
-              </a:solidFill>
-            </a:endParaRPr>
+              <a:t>Edit -&gt; Bookmarks.</a:t>
+            </a:r>
           </a:p>
           <a:p>
             <a:pPr>
@@ -6729,46 +6748,30 @@
                 <a:schemeClr val="bg1"/>
               </a:buClr>
             </a:pPr>
-            <a:r>
-              <a:rPr lang="ru-RU" dirty="0" smtClean="0">
-                <a:solidFill>
-                  <a:schemeClr val="bg1"/>
-                </a:solidFill>
-              </a:rPr>
-              <a:t>Текст комментария написанный после </a:t>
-            </a:r>
-            <a:r>
-              <a:rPr lang="en-US" dirty="0" smtClean="0">
-                <a:solidFill>
-                  <a:schemeClr val="bg1"/>
-                </a:solidFill>
-              </a:rPr>
-              <a:t>TODO </a:t>
-            </a:r>
-            <a:r>
-              <a:rPr lang="ru-RU" dirty="0" smtClean="0">
-                <a:solidFill>
-                  <a:schemeClr val="bg1"/>
-                </a:solidFill>
-              </a:rPr>
-              <a:t>попадает в</a:t>
-            </a:r>
-            <a:r>
-              <a:rPr lang="en-US" dirty="0" smtClean="0">
-                <a:solidFill>
-                  <a:schemeClr val="bg1"/>
-                </a:solidFill>
-              </a:rPr>
-              <a:t> </a:t>
-            </a:r>
-            <a:r>
-              <a:rPr lang="ru-RU" dirty="0" smtClean="0">
-                <a:solidFill>
-                  <a:schemeClr val="bg1"/>
-                </a:solidFill>
-              </a:rPr>
-              <a:t>него автоматически</a:t>
-            </a:r>
+            <a:endParaRPr lang="ru-RU" dirty="0" smtClean="0">
+              <a:solidFill>
+                <a:schemeClr val="bg1"/>
+              </a:solidFill>
+            </a:endParaRPr>
+          </a:p>
+          <a:p>
+            <a:pPr>
+              <a:buClr>
+                <a:schemeClr val="bg1"/>
+              </a:buClr>
+            </a:pPr>
+            <a:endParaRPr lang="ru-RU" dirty="0" smtClean="0">
+              <a:solidFill>
+                <a:schemeClr val="bg1"/>
+              </a:solidFill>
+            </a:endParaRPr>
+          </a:p>
+          <a:p>
+            <a:pPr>
+              <a:buClr>
+                <a:schemeClr val="bg1"/>
+              </a:buClr>
+            </a:pPr>
             <a:endParaRPr lang="ru-RU" dirty="0" smtClean="0">
               <a:solidFill>
                 <a:schemeClr val="bg1"/>
@@ -6793,7 +6796,7 @@
     </p:spTree>
     <p:extLst>
       <p:ext uri="{BB962C8B-B14F-4D97-AF65-F5344CB8AC3E}">
-        <p14:creationId xmlns:p14="http://schemas.microsoft.com/office/powerpoint/2010/main" val="1384232909"/>
+        <p14:creationId xmlns:p14="http://schemas.microsoft.com/office/powerpoint/2010/main" val="3985499755"/>
       </p:ext>
     </p:extLst>
   </p:cSld>
@@ -6806,6 +6809,20 @@
 <file path=ppt/slides/slide12.xml><?xml version="1.0" encoding="utf-8"?>
 <p:sld xmlns:a="http://schemas.openxmlformats.org/drawingml/2006/main" xmlns:r="http://schemas.openxmlformats.org/officeDocument/2006/relationships" xmlns:p="http://schemas.openxmlformats.org/presentationml/2006/main">
   <p:cSld>
+    <p:bg>
+      <p:bgPr>
+        <a:blipFill dpi="0" rotWithShape="1">
+          <a:blip r:embed="rId3">
+            <a:lum/>
+          </a:blip>
+          <a:srcRect/>
+          <a:stretch>
+            <a:fillRect/>
+          </a:stretch>
+        </a:blipFill>
+        <a:effectLst/>
+      </p:bgPr>
+    </p:bg>
     <p:spTree>
       <p:nvGrpSpPr>
         <p:cNvPr id="1" name=""/>
@@ -6837,7 +6854,11 @@
           <a:p>
             <a:r>
               <a:rPr lang="ru-RU" dirty="0" smtClean="0"/>
-              <a:t>Отладчик</a:t>
+              <a:t>Окна: </a:t>
+            </a:r>
+            <a:r>
+              <a:rPr lang="en-US" dirty="0" smtClean="0"/>
+              <a:t>Task List</a:t>
             </a:r>
             <a:endParaRPr lang="en-US" dirty="0"/>
           </a:p>
@@ -6855,22 +6876,140 @@
         </p:nvSpPr>
         <p:spPr/>
         <p:txBody>
-          <a:bodyPr/>
+          <a:bodyPr>
+            <a:normAutofit/>
+          </a:bodyPr>
           <a:lstStyle/>
           <a:p>
-            <a:endParaRPr lang="en-US" dirty="0"/>
+            <a:pPr>
+              <a:buClr>
+                <a:schemeClr val="bg1"/>
+              </a:buClr>
+            </a:pPr>
+            <a:r>
+              <a:rPr lang="ru-RU" dirty="0">
+                <a:solidFill>
+                  <a:schemeClr val="bg1"/>
+                </a:solidFill>
+              </a:rPr>
+              <a:t>Список можно использовать для хранения заметок по проекту</a:t>
+            </a:r>
+            <a:endParaRPr lang="en-US" dirty="0" smtClean="0">
+              <a:solidFill>
+                <a:schemeClr val="bg1"/>
+              </a:solidFill>
+            </a:endParaRPr>
+          </a:p>
+          <a:p>
+            <a:pPr>
+              <a:buClr>
+                <a:schemeClr val="bg1"/>
+              </a:buClr>
+            </a:pPr>
+            <a:r>
+              <a:rPr lang="ru-RU" dirty="0" smtClean="0">
+                <a:solidFill>
+                  <a:schemeClr val="bg1"/>
+                </a:solidFill>
+              </a:rPr>
+              <a:t>Команда меню </a:t>
+            </a:r>
+            <a:r>
+              <a:rPr lang="en-US" dirty="0" smtClean="0">
+                <a:solidFill>
+                  <a:schemeClr val="bg1"/>
+                </a:solidFill>
+              </a:rPr>
+              <a:t>View -&gt; </a:t>
+            </a:r>
+            <a:r>
+              <a:rPr lang="en-US" dirty="0">
+                <a:solidFill>
+                  <a:schemeClr val="bg1"/>
+                </a:solidFill>
+              </a:rPr>
+              <a:t>Task </a:t>
+            </a:r>
+            <a:r>
+              <a:rPr lang="en-US" dirty="0" smtClean="0">
+                <a:solidFill>
+                  <a:schemeClr val="bg1"/>
+                </a:solidFill>
+              </a:rPr>
+              <a:t>List.</a:t>
+            </a:r>
+          </a:p>
+          <a:p>
+            <a:pPr>
+              <a:buClr>
+                <a:schemeClr val="bg1"/>
+              </a:buClr>
+            </a:pPr>
+            <a:r>
+              <a:rPr lang="ru-RU" dirty="0" smtClean="0">
+                <a:solidFill>
+                  <a:schemeClr val="bg1"/>
+                </a:solidFill>
+              </a:rPr>
+              <a:t>Текст комментария написанный после </a:t>
+            </a:r>
+            <a:r>
+              <a:rPr lang="en-US" dirty="0" smtClean="0">
+                <a:solidFill>
+                  <a:schemeClr val="bg1"/>
+                </a:solidFill>
+              </a:rPr>
+              <a:t>TODO </a:t>
+            </a:r>
+            <a:r>
+              <a:rPr lang="ru-RU" dirty="0" smtClean="0">
+                <a:solidFill>
+                  <a:schemeClr val="bg1"/>
+                </a:solidFill>
+              </a:rPr>
+              <a:t>попадает в</a:t>
+            </a:r>
+            <a:r>
+              <a:rPr lang="en-US" dirty="0" smtClean="0">
+                <a:solidFill>
+                  <a:schemeClr val="bg1"/>
+                </a:solidFill>
+              </a:rPr>
+              <a:t> </a:t>
+            </a:r>
+            <a:r>
+              <a:rPr lang="ru-RU" dirty="0" smtClean="0">
+                <a:solidFill>
+                  <a:schemeClr val="bg1"/>
+                </a:solidFill>
+              </a:rPr>
+              <a:t>него автоматически</a:t>
+            </a:r>
+          </a:p>
+          <a:p>
+            <a:pPr marL="0" indent="0">
+              <a:buClr>
+                <a:schemeClr val="bg1"/>
+              </a:buClr>
+              <a:buNone/>
+            </a:pPr>
+            <a:endParaRPr lang="en-US" dirty="0">
+              <a:solidFill>
+                <a:schemeClr val="bg1"/>
+              </a:solidFill>
+            </a:endParaRPr>
           </a:p>
         </p:txBody>
       </p:sp>
     </p:spTree>
     <p:extLst>
       <p:ext uri="{BB962C8B-B14F-4D97-AF65-F5344CB8AC3E}">
-        <p14:creationId xmlns:p14="http://schemas.microsoft.com/office/powerpoint/2010/main" val="1495295926"/>
+        <p14:creationId xmlns:p14="http://schemas.microsoft.com/office/powerpoint/2010/main" val="1384232909"/>
       </p:ext>
     </p:extLst>
   </p:cSld>
   <p:clrMapOvr>
-    <a:masterClrMapping/>
+    <a:overrideClrMapping bg1="lt1" tx1="dk1" bg2="lt2" tx2="dk2" accent1="accent1" accent2="accent2" accent3="accent3" accent4="accent4" accent5="accent5" accent6="accent6" hlink="hlink" folHlink="folHlink"/>
   </p:clrMapOvr>
 </p:sld>
 </file>
@@ -6909,6 +7048,78 @@
           <a:p>
             <a:r>
               <a:rPr lang="ru-RU" dirty="0" smtClean="0"/>
+              <a:t>Отладчик</a:t>
+            </a:r>
+            <a:endParaRPr lang="en-US" dirty="0"/>
+          </a:p>
+        </p:txBody>
+      </p:sp>
+      <p:sp>
+        <p:nvSpPr>
+          <p:cNvPr id="3" name="Content Placeholder 2"/>
+          <p:cNvSpPr>
+            <a:spLocks noGrp="1"/>
+          </p:cNvSpPr>
+          <p:nvPr>
+            <p:ph idx="1"/>
+          </p:nvPr>
+        </p:nvSpPr>
+        <p:spPr/>
+        <p:txBody>
+          <a:bodyPr/>
+          <a:lstStyle/>
+          <a:p>
+            <a:endParaRPr lang="en-US" dirty="0"/>
+          </a:p>
+        </p:txBody>
+      </p:sp>
+    </p:spTree>
+    <p:extLst>
+      <p:ext uri="{BB962C8B-B14F-4D97-AF65-F5344CB8AC3E}">
+        <p14:creationId xmlns:p14="http://schemas.microsoft.com/office/powerpoint/2010/main" val="1495295926"/>
+      </p:ext>
+    </p:extLst>
+  </p:cSld>
+  <p:clrMapOvr>
+    <a:masterClrMapping/>
+  </p:clrMapOvr>
+</p:sld>
+</file>
+
+<file path=ppt/slides/slide14.xml><?xml version="1.0" encoding="utf-8"?>
+<p:sld xmlns:a="http://schemas.openxmlformats.org/drawingml/2006/main" xmlns:r="http://schemas.openxmlformats.org/officeDocument/2006/relationships" xmlns:p="http://schemas.openxmlformats.org/presentationml/2006/main">
+  <p:cSld>
+    <p:spTree>
+      <p:nvGrpSpPr>
+        <p:cNvPr id="1" name=""/>
+        <p:cNvGrpSpPr/>
+        <p:nvPr/>
+      </p:nvGrpSpPr>
+      <p:grpSpPr>
+        <a:xfrm>
+          <a:off x="0" y="0"/>
+          <a:ext cx="0" cy="0"/>
+          <a:chOff x="0" y="0"/>
+          <a:chExt cx="0" cy="0"/>
+        </a:xfrm>
+      </p:grpSpPr>
+      <p:sp>
+        <p:nvSpPr>
+          <p:cNvPr id="2" name="Title 1"/>
+          <p:cNvSpPr>
+            <a:spLocks noGrp="1"/>
+          </p:cNvSpPr>
+          <p:nvPr>
+            <p:ph type="title"/>
+          </p:nvPr>
+        </p:nvSpPr>
+        <p:spPr/>
+        <p:txBody>
+          <a:bodyPr/>
+          <a:lstStyle/>
+          <a:p>
+            <a:r>
+              <a:rPr lang="ru-RU" dirty="0" smtClean="0"/>
               <a:t>Расширения для </a:t>
             </a:r>
             <a:r>
@@ -7074,7 +7285,7 @@
 </p:sld>
 </file>
 
-<file path=ppt/slides/slide14.xml><?xml version="1.0" encoding="utf-8"?>
+<file path=ppt/slides/slide15.xml><?xml version="1.0" encoding="utf-8"?>
 <p:sld xmlns:a="http://schemas.openxmlformats.org/drawingml/2006/main" xmlns:r="http://schemas.openxmlformats.org/officeDocument/2006/relationships" xmlns:p="http://schemas.openxmlformats.org/presentationml/2006/main">
   <p:cSld>
     <p:spTree>
@@ -8744,20 +8955,6 @@
 <file path=ppt/slides/slide8.xml><?xml version="1.0" encoding="utf-8"?>
 <p:sld xmlns:a="http://schemas.openxmlformats.org/drawingml/2006/main" xmlns:r="http://schemas.openxmlformats.org/officeDocument/2006/relationships" xmlns:p="http://schemas.openxmlformats.org/presentationml/2006/main">
   <p:cSld>
-    <p:bg>
-      <p:bgPr>
-        <a:blipFill dpi="0" rotWithShape="1">
-          <a:blip r:embed="rId3">
-            <a:lum/>
-          </a:blip>
-          <a:srcRect/>
-          <a:stretch>
-            <a:fillRect/>
-          </a:stretch>
-        </a:blipFill>
-        <a:effectLst/>
-      </p:bgPr>
-    </p:bg>
     <p:spTree>
       <p:nvGrpSpPr>
         <p:cNvPr id="1" name=""/>
@@ -8796,8 +8993,8 @@
               <a:t>: </a:t>
             </a:r>
             <a:r>
-              <a:rPr lang="ru-RU" dirty="0" smtClean="0"/>
-              <a:t>Навигация по коду</a:t>
+              <a:rPr lang="en-US" dirty="0" smtClean="0"/>
+              <a:t>Column mode</a:t>
             </a:r>
             <a:endParaRPr lang="en-US" dirty="0"/>
           </a:p>
@@ -8816,7 +9013,7 @@
         <p:spPr/>
         <p:txBody>
           <a:bodyPr>
-            <a:normAutofit fontScale="92500" lnSpcReduction="20000"/>
+            <a:normAutofit/>
           </a:bodyPr>
           <a:lstStyle/>
           <a:p>
@@ -8826,15 +9023,15 @@
               </a:buClr>
             </a:pPr>
             <a:r>
-              <a:rPr lang="en-US" smtClean="0">
+              <a:rPr lang="en-US" dirty="0" err="1" smtClean="0">
                 <a:solidFill>
                   <a:srgbClr val="F6AE1E"/>
                 </a:solidFill>
               </a:rPr>
-              <a:t>F12</a:t>
-            </a:r>
-            <a:r>
-              <a:rPr lang="en-US" smtClean="0">
+              <a:t>Shift+Alt+Arrow</a:t>
+            </a:r>
+            <a:r>
+              <a:rPr lang="ru-RU" dirty="0" smtClean="0">
                 <a:solidFill>
                   <a:schemeClr val="bg1"/>
                 </a:solidFill>
@@ -8847,7 +9044,15 @@
                   <a:schemeClr val="bg1"/>
                 </a:solidFill>
               </a:rPr>
-              <a:t>перейти к объявлению</a:t>
+              <a:t>позволяет </a:t>
+            </a:r>
+            <a:r>
+              <a:rPr lang="ru-RU" dirty="0" smtClean="0">
+                <a:solidFill>
+                  <a:schemeClr val="bg1"/>
+                </a:solidFill>
+              </a:rPr>
+              <a:t>выделить прямоугольный блок текста</a:t>
             </a:r>
           </a:p>
           <a:p>
@@ -8862,7 +9067,7 @@
                   <a:srgbClr val="F6AE1E"/>
                 </a:solidFill>
               </a:rPr>
-              <a:t>Shift+F12</a:t>
+              <a:t>Alt + Left Mouse</a:t>
             </a:r>
             <a:r>
               <a:rPr lang="en-US" dirty="0" smtClean="0">
@@ -8870,7 +9075,7 @@
                   <a:schemeClr val="bg1"/>
                 </a:solidFill>
               </a:rPr>
-              <a:t> </a:t>
+              <a:t> Button </a:t>
             </a:r>
             <a:r>
               <a:rPr lang="ru-RU" dirty="0" smtClean="0">
@@ -8878,8 +9083,29 @@
                   <a:schemeClr val="bg1"/>
                 </a:solidFill>
               </a:rPr>
-              <a:t>найти все места где используется имя</a:t>
-            </a:r>
+              <a:t>позиционирует курсор за концом строки даже если опция «</a:t>
+            </a:r>
+            <a:r>
+              <a:rPr lang="en-US" dirty="0" smtClean="0">
+                <a:solidFill>
+                  <a:schemeClr val="bg1"/>
+                </a:solidFill>
+              </a:rPr>
+              <a:t>enable virtual space</a:t>
+            </a:r>
+            <a:r>
+              <a:rPr lang="ru-RU" dirty="0" smtClean="0">
+                <a:solidFill>
+                  <a:schemeClr val="bg1"/>
+                </a:solidFill>
+              </a:rPr>
+              <a:t>» выключена</a:t>
+            </a:r>
+            <a:endParaRPr lang="ru-RU" dirty="0" smtClean="0">
+              <a:solidFill>
+                <a:schemeClr val="bg1"/>
+              </a:solidFill>
+            </a:endParaRPr>
           </a:p>
           <a:p>
             <a:pPr>
@@ -8887,118 +9113,20 @@
                 <a:schemeClr val="bg1"/>
               </a:buClr>
             </a:pPr>
-            <a:r>
-              <a:rPr lang="en-US" dirty="0">
-                <a:solidFill>
-                  <a:srgbClr val="F6AE1E"/>
-                </a:solidFill>
-              </a:rPr>
-              <a:t>Ctrl+</a:t>
-            </a:r>
-            <a:r>
-              <a:rPr lang="ru-RU" dirty="0">
-                <a:solidFill>
-                  <a:srgbClr val="F6AE1E"/>
-                </a:solidFill>
-              </a:rPr>
-              <a:t>Минус</a:t>
-            </a:r>
-            <a:r>
-              <a:rPr lang="en-US" dirty="0" smtClean="0">
-                <a:solidFill>
-                  <a:schemeClr val="bg1"/>
-                </a:solidFill>
-              </a:rPr>
-              <a:t> </a:t>
-            </a:r>
-            <a:r>
-              <a:rPr lang="ru-RU" dirty="0" smtClean="0">
-                <a:solidFill>
-                  <a:schemeClr val="bg1"/>
-                </a:solidFill>
-              </a:rPr>
-              <a:t>и </a:t>
-            </a:r>
-            <a:r>
-              <a:rPr lang="en-US" dirty="0" err="1" smtClean="0">
-                <a:solidFill>
-                  <a:srgbClr val="F6AE1E"/>
-                </a:solidFill>
-              </a:rPr>
-              <a:t>Shift+Ctrl</a:t>
-            </a:r>
-            <a:r>
-              <a:rPr lang="en-US" dirty="0" smtClean="0">
-                <a:solidFill>
-                  <a:srgbClr val="F6AE1E"/>
-                </a:solidFill>
-              </a:rPr>
-              <a:t>+</a:t>
-            </a:r>
-            <a:r>
-              <a:rPr lang="ru-RU" dirty="0" smtClean="0">
-                <a:solidFill>
-                  <a:srgbClr val="F6AE1E"/>
-                </a:solidFill>
-              </a:rPr>
-              <a:t>Минус</a:t>
-            </a:r>
-            <a:r>
-              <a:rPr lang="en-US" dirty="0" smtClean="0">
-                <a:solidFill>
-                  <a:schemeClr val="bg1"/>
-                </a:solidFill>
-              </a:rPr>
-              <a:t> </a:t>
-            </a:r>
-            <a:r>
-              <a:rPr lang="ru-RU" dirty="0" smtClean="0">
-                <a:solidFill>
-                  <a:schemeClr val="bg1"/>
-                </a:solidFill>
-              </a:rPr>
-              <a:t>навигация «вперед»/«назад»</a:t>
-            </a:r>
-          </a:p>
-          <a:p>
-            <a:pPr>
+            <a:endParaRPr lang="en-US" dirty="0" smtClean="0">
+              <a:solidFill>
+                <a:schemeClr val="bg1"/>
+              </a:solidFill>
+            </a:endParaRPr>
+          </a:p>
+          <a:p>
+            <a:pPr marL="0" indent="0">
               <a:buClr>
                 <a:schemeClr val="bg1"/>
               </a:buClr>
+              <a:buNone/>
             </a:pPr>
-            <a:r>
-              <a:rPr lang="en-US" dirty="0" err="1">
-                <a:solidFill>
-                  <a:srgbClr val="F6AE1E"/>
-                </a:solidFill>
-              </a:rPr>
-              <a:t>Ctrl+Alt</a:t>
-            </a:r>
-            <a:r>
-              <a:rPr lang="en-US" dirty="0">
-                <a:solidFill>
-                  <a:srgbClr val="F6AE1E"/>
-                </a:solidFill>
-              </a:rPr>
-              <a:t>+</a:t>
-            </a:r>
-            <a:r>
-              <a:rPr lang="ru-RU" dirty="0">
-                <a:solidFill>
-                  <a:srgbClr val="F6AE1E"/>
-                </a:solidFill>
-              </a:rPr>
-              <a:t>Стрелка вниз</a:t>
-            </a:r>
-            <a:r>
-              <a:rPr lang="ru-RU" dirty="0" smtClean="0">
-                <a:solidFill>
-                  <a:schemeClr val="bg1"/>
-                </a:solidFill>
-              </a:rPr>
-              <a:t> показать список открытых файлов</a:t>
-            </a:r>
-            <a:endParaRPr lang="en-US" dirty="0" smtClean="0">
+            <a:endParaRPr lang="ru-RU" dirty="0" smtClean="0">
               <a:solidFill>
                 <a:schemeClr val="bg1"/>
               </a:solidFill>
@@ -9023,37 +9151,6 @@
               </a:buClr>
               <a:buNone/>
             </a:pPr>
-            <a:r>
-              <a:rPr lang="en-US" dirty="0">
-                <a:solidFill>
-                  <a:schemeClr val="bg1"/>
-                </a:solidFill>
-                <a:hlinkClick r:id="rId4"/>
-              </a:rPr>
-              <a:t>http://</a:t>
-            </a:r>
-            <a:r>
-              <a:rPr lang="en-US" dirty="0" smtClean="0">
-                <a:solidFill>
-                  <a:schemeClr val="bg1"/>
-                </a:solidFill>
-                <a:hlinkClick r:id="rId4"/>
-              </a:rPr>
-              <a:t>weblogs.asp.net/scottgu/archive/2010/08/24/search-and-navigation-tips-tricks-with-visual-studio.aspx</a:t>
-            </a:r>
-            <a:endParaRPr lang="ru-RU" dirty="0" smtClean="0">
-              <a:solidFill>
-                <a:schemeClr val="bg1"/>
-              </a:solidFill>
-            </a:endParaRPr>
-          </a:p>
-          <a:p>
-            <a:pPr marL="0" indent="0">
-              <a:buClr>
-                <a:schemeClr val="bg1"/>
-              </a:buClr>
-              <a:buNone/>
-            </a:pPr>
             <a:endParaRPr lang="en-US" dirty="0">
               <a:solidFill>
                 <a:schemeClr val="bg1"/>
@@ -9065,12 +9162,12 @@
     </p:spTree>
     <p:extLst>
       <p:ext uri="{BB962C8B-B14F-4D97-AF65-F5344CB8AC3E}">
-        <p14:creationId xmlns:p14="http://schemas.microsoft.com/office/powerpoint/2010/main" val="1465218823"/>
+        <p14:creationId xmlns:p14="http://schemas.microsoft.com/office/powerpoint/2010/main" val="1998512366"/>
       </p:ext>
     </p:extLst>
   </p:cSld>
   <p:clrMapOvr>
-    <a:overrideClrMapping bg1="lt1" tx1="dk1" bg2="lt2" tx2="dk2" accent1="accent1" accent2="accent2" accent3="accent3" accent4="accent4" accent5="accent5" accent6="accent6" hlink="hlink" folHlink="folHlink"/>
+    <a:masterClrMapping/>
   </p:clrMapOvr>
 </p:sld>
 </file>
@@ -9131,11 +9228,7 @@
             </a:r>
             <a:r>
               <a:rPr lang="ru-RU" dirty="0" smtClean="0"/>
-              <a:t>Навигация по </a:t>
-            </a:r>
-            <a:r>
-              <a:rPr lang="ru-RU" dirty="0" smtClean="0"/>
-              <a:t>коду</a:t>
+              <a:t>Навигация по коду</a:t>
             </a:r>
             <a:endParaRPr lang="en-US" dirty="0"/>
           </a:p>
@@ -9154,7 +9247,7 @@
         <p:spPr/>
         <p:txBody>
           <a:bodyPr>
-            <a:normAutofit/>
+            <a:normAutofit fontScale="92500" lnSpcReduction="20000"/>
           </a:bodyPr>
           <a:lstStyle/>
           <a:p>
@@ -9164,12 +9257,20 @@
               </a:buClr>
             </a:pPr>
             <a:r>
-              <a:rPr lang="en-US" dirty="0" smtClean="0">
+              <a:rPr lang="en-US" smtClean="0">
+                <a:solidFill>
+                  <a:srgbClr val="F6AE1E"/>
+                </a:solidFill>
+              </a:rPr>
+              <a:t>F12</a:t>
+            </a:r>
+            <a:r>
+              <a:rPr lang="en-US" smtClean="0">
                 <a:solidFill>
                   <a:schemeClr val="bg1"/>
                 </a:solidFill>
               </a:rPr>
-              <a:t>ReSharper </a:t>
+              <a:t> </a:t>
             </a:r>
             <a:r>
               <a:rPr lang="ru-RU" dirty="0" smtClean="0">
@@ -9177,23 +9278,7 @@
                   <a:schemeClr val="bg1"/>
                 </a:solidFill>
               </a:rPr>
-              <a:t>ускоряет навигацию по коду за счет следующих команд:</a:t>
-            </a:r>
-            <a:r>
-              <a:rPr lang="en-US" dirty="0" smtClean="0">
-                <a:solidFill>
-                  <a:schemeClr val="bg1"/>
-                </a:solidFill>
-              </a:rPr>
-              <a:t> Go To Type, Go To File, Go To Symbol </a:t>
-            </a:r>
-            <a:r>
-              <a:rPr lang="ru-RU" dirty="0" smtClean="0">
-                <a:solidFill>
-                  <a:schemeClr val="bg1"/>
-                </a:solidFill>
-              </a:rPr>
-              <a:t>и других</a:t>
+              <a:t>перейти к объявлению</a:t>
             </a:r>
           </a:p>
           <a:p>
@@ -9203,20 +9288,99 @@
               </a:buClr>
             </a:pPr>
             <a:r>
+              <a:rPr lang="en-US" dirty="0">
+                <a:solidFill>
+                  <a:srgbClr val="F6AE1E"/>
+                </a:solidFill>
+              </a:rPr>
+              <a:t>Shift+F12</a:t>
+            </a:r>
+            <a:r>
+              <a:rPr lang="en-US" dirty="0" smtClean="0">
+                <a:solidFill>
+                  <a:schemeClr val="bg1"/>
+                </a:solidFill>
+              </a:rPr>
+              <a:t> </a:t>
+            </a:r>
+            <a:r>
               <a:rPr lang="ru-RU" dirty="0" smtClean="0">
                 <a:solidFill>
                   <a:schemeClr val="bg1"/>
                 </a:solidFill>
               </a:rPr>
-              <a:t>Если искомые имена используют </a:t>
+              <a:t>найти все места где используется имя</a:t>
+            </a:r>
+          </a:p>
+          <a:p>
+            <a:pPr>
+              <a:buClr>
+                <a:schemeClr val="bg1"/>
+              </a:buClr>
+            </a:pPr>
+            <a:r>
+              <a:rPr lang="en-US" dirty="0">
+                <a:solidFill>
+                  <a:srgbClr val="F6AE1E"/>
+                </a:solidFill>
+              </a:rPr>
+              <a:t>Ctrl+</a:t>
+            </a:r>
+            <a:r>
+              <a:rPr lang="ru-RU" dirty="0">
+                <a:solidFill>
+                  <a:srgbClr val="F6AE1E"/>
+                </a:solidFill>
+              </a:rPr>
+              <a:t>Минус</a:t>
+            </a:r>
+            <a:r>
+              <a:rPr lang="en-US" dirty="0" smtClean="0">
+                <a:solidFill>
+                  <a:schemeClr val="bg1"/>
+                </a:solidFill>
+              </a:rPr>
+              <a:t> </a:t>
+            </a:r>
+            <a:r>
+              <a:rPr lang="ru-RU" dirty="0" smtClean="0">
+                <a:solidFill>
+                  <a:schemeClr val="bg1"/>
+                </a:solidFill>
+              </a:rPr>
+              <a:t>и </a:t>
             </a:r>
             <a:r>
               <a:rPr lang="en-US" dirty="0" err="1" smtClean="0">
                 <a:solidFill>
+                  <a:srgbClr val="F6AE1E"/>
+                </a:solidFill>
+              </a:rPr>
+              <a:t>Shift+Ctrl</a:t>
+            </a:r>
+            <a:r>
+              <a:rPr lang="en-US" dirty="0" smtClean="0">
+                <a:solidFill>
+                  <a:srgbClr val="F6AE1E"/>
+                </a:solidFill>
+              </a:rPr>
+              <a:t>+</a:t>
+            </a:r>
+            <a:r>
+              <a:rPr lang="ru-RU" dirty="0" smtClean="0">
+                <a:solidFill>
+                  <a:srgbClr val="F6AE1E"/>
+                </a:solidFill>
+              </a:rPr>
+              <a:t>Минус</a:t>
+            </a:r>
+            <a:r>
+              <a:rPr lang="en-US" dirty="0" smtClean="0">
+                <a:solidFill>
                   <a:schemeClr val="bg1"/>
                 </a:solidFill>
               </a:rPr>
-              <a:t>CamelCase</a:t>
+              <a:t> </a:t>
             </a:r>
             <a:r>
               <a:rPr lang="ru-RU" dirty="0" smtClean="0">
@@ -9224,23 +9388,46 @@
                   <a:schemeClr val="bg1"/>
                 </a:solidFill>
               </a:rPr>
-              <a:t>,</a:t>
-            </a:r>
-            <a:r>
-              <a:rPr lang="en-US" dirty="0" smtClean="0">
+              <a:t>навигация «вперед»/«назад»</a:t>
+            </a:r>
+          </a:p>
+          <a:p>
+            <a:pPr>
+              <a:buClr>
+                <a:schemeClr val="bg1"/>
+              </a:buClr>
+            </a:pPr>
+            <a:r>
+              <a:rPr lang="en-US" dirty="0" err="1">
+                <a:solidFill>
+                  <a:srgbClr val="F6AE1E"/>
+                </a:solidFill>
+              </a:rPr>
+              <a:t>Ctrl+Alt</a:t>
+            </a:r>
+            <a:r>
+              <a:rPr lang="en-US" dirty="0">
+                <a:solidFill>
+                  <a:srgbClr val="F6AE1E"/>
+                </a:solidFill>
+              </a:rPr>
+              <a:t>+</a:t>
+            </a:r>
+            <a:r>
+              <a:rPr lang="ru-RU" dirty="0">
+                <a:solidFill>
+                  <a:srgbClr val="F6AE1E"/>
+                </a:solidFill>
+              </a:rPr>
+              <a:t>Стрелка вниз</a:t>
+            </a:r>
+            <a:r>
+              <a:rPr lang="ru-RU" dirty="0" smtClean="0">
                 <a:solidFill>
                   <a:schemeClr val="bg1"/>
                 </a:solidFill>
               </a:rPr>
-              <a:t> </a:t>
-            </a:r>
-            <a:r>
-              <a:rPr lang="ru-RU" dirty="0" smtClean="0">
-                <a:solidFill>
-                  <a:schemeClr val="bg1"/>
-                </a:solidFill>
-              </a:rPr>
-              <a:t>то в окне поиска символов можно вводить только первые буквы из каждого слова</a:t>
+              <a:t> показать список открытых файлов</a:t>
             </a:r>
             <a:endParaRPr lang="en-US" dirty="0" smtClean="0">
               <a:solidFill>
@@ -9254,30 +9441,50 @@
                 <a:schemeClr val="bg1"/>
               </a:buClr>
             </a:pPr>
-            <a:r>
-              <a:rPr lang="ru-RU" dirty="0" smtClean="0">
+            <a:endParaRPr lang="ru-RU" dirty="0">
+              <a:solidFill>
+                <a:schemeClr val="bg1"/>
+              </a:solidFill>
+            </a:endParaRPr>
+          </a:p>
+          <a:p>
+            <a:pPr marL="0" indent="0">
+              <a:buClr>
+                <a:schemeClr val="bg1"/>
+              </a:buClr>
+              <a:buNone/>
+            </a:pPr>
+            <a:r>
+              <a:rPr lang="en-US" dirty="0">
                 <a:solidFill>
                   <a:schemeClr val="bg1"/>
                 </a:solidFill>
-              </a:rPr>
-              <a:t>См. также меню </a:t>
-            </a:r>
-            <a:r>
-              <a:rPr lang="en-US" dirty="0" err="1" smtClean="0">
+                <a:hlinkClick r:id="rId4"/>
+              </a:rPr>
+              <a:t>http://</a:t>
+            </a:r>
+            <a:r>
+              <a:rPr lang="en-US" dirty="0" smtClean="0">
                 <a:solidFill>
                   <a:schemeClr val="bg1"/>
                 </a:solidFill>
-              </a:rPr>
-              <a:t>Resharper</a:t>
-            </a:r>
-            <a:r>
-              <a:rPr lang="en-US" dirty="0" smtClean="0">
-                <a:solidFill>
-                  <a:schemeClr val="bg1"/>
-                </a:solidFill>
-              </a:rPr>
-              <a:t> -&gt; Navigate</a:t>
-            </a:r>
+                <a:hlinkClick r:id="rId4"/>
+              </a:rPr>
+              <a:t>weblogs.asp.net/scottgu/archive/2010/08/24/search-and-navigation-tips-tricks-with-visual-studio.aspx</a:t>
+            </a:r>
+            <a:endParaRPr lang="ru-RU" dirty="0" smtClean="0">
+              <a:solidFill>
+                <a:schemeClr val="bg1"/>
+              </a:solidFill>
+            </a:endParaRPr>
+          </a:p>
+          <a:p>
+            <a:pPr marL="0" indent="0">
+              <a:buClr>
+                <a:schemeClr val="bg1"/>
+              </a:buClr>
+              <a:buNone/>
+            </a:pPr>
             <a:endParaRPr lang="en-US" dirty="0">
               <a:solidFill>
                 <a:schemeClr val="bg1"/>
@@ -9289,7 +9496,7 @@
     </p:spTree>
     <p:extLst>
       <p:ext uri="{BB962C8B-B14F-4D97-AF65-F5344CB8AC3E}">
-        <p14:creationId xmlns:p14="http://schemas.microsoft.com/office/powerpoint/2010/main" val="1382214877"/>
+        <p14:creationId xmlns:p14="http://schemas.microsoft.com/office/powerpoint/2010/main" val="1465218823"/>
       </p:ext>
     </p:extLst>
   </p:cSld>

--- a/Presentation/tools-visual-studio.pptx
+++ b/Presentation/tools-visual-studio.pptx
@@ -6,7 +6,7 @@
     <p:sldMasterId id="2147483663" r:id="rId2"/>
   </p:sldMasterIdLst>
   <p:notesMasterIdLst>
-    <p:notesMasterId r:id="rId18"/>
+    <p:notesMasterId r:id="rId19"/>
   </p:notesMasterIdLst>
   <p:sldIdLst>
     <p:sldId id="257" r:id="rId3"/>
@@ -14,16 +14,17 @@
     <p:sldId id="264" r:id="rId5"/>
     <p:sldId id="270" r:id="rId6"/>
     <p:sldId id="263" r:id="rId7"/>
-    <p:sldId id="262" r:id="rId8"/>
-    <p:sldId id="265" r:id="rId9"/>
-    <p:sldId id="271" r:id="rId10"/>
-    <p:sldId id="266" r:id="rId11"/>
-    <p:sldId id="269" r:id="rId12"/>
-    <p:sldId id="267" r:id="rId13"/>
-    <p:sldId id="268" r:id="rId14"/>
-    <p:sldId id="260" r:id="rId15"/>
-    <p:sldId id="261" r:id="rId16"/>
-    <p:sldId id="258" r:id="rId17"/>
+    <p:sldId id="272" r:id="rId8"/>
+    <p:sldId id="262" r:id="rId9"/>
+    <p:sldId id="265" r:id="rId10"/>
+    <p:sldId id="271" r:id="rId11"/>
+    <p:sldId id="266" r:id="rId12"/>
+    <p:sldId id="269" r:id="rId13"/>
+    <p:sldId id="267" r:id="rId14"/>
+    <p:sldId id="268" r:id="rId15"/>
+    <p:sldId id="260" r:id="rId16"/>
+    <p:sldId id="261" r:id="rId17"/>
+    <p:sldId id="258" r:id="rId18"/>
   </p:sldIdLst>
   <p:sldSz cx="9144000" cy="6858000" type="screen4x3"/>
   <p:notesSz cx="6858000" cy="9144000"/>
@@ -207,7 +208,7 @@
           <a:p>
             <a:fld id="{B24A7054-7FFB-49F4-A126-5DF6E687FF53}" type="datetimeFigureOut">
               <a:rPr lang="ru-RU" smtClean="0"/>
-              <a:t>19.06.2013</a:t>
+              <a:t>26.09.2013</a:t>
             </a:fld>
             <a:endParaRPr lang="ru-RU"/>
           </a:p>
@@ -1489,7 +1490,7 @@
           <a:p>
             <a:fld id="{8E6E6A2A-E9D3-4A0D-B04A-ABDD367A1E08}" type="datetimeFigureOut">
               <a:rPr lang="ru-RU" smtClean="0"/>
-              <a:t>19.06.2013</a:t>
+              <a:t>26.09.2013</a:t>
             </a:fld>
             <a:endParaRPr lang="ru-RU"/>
           </a:p>
@@ -4002,7 +4003,7 @@
                 </a:solidFill>
               </a:rPr>
               <a:pPr/>
-              <a:t>19.06.2013</a:t>
+              <a:t>26.09.2013</a:t>
             </a:fld>
             <a:endParaRPr lang="ru-RU">
               <a:solidFill>
@@ -5263,7 +5264,7 @@
           <a:p>
             <a:fld id="{AC3D3127-B7C4-45E3-9797-C527EC9FDD78}" type="datetimeFigureOut">
               <a:rPr lang="ru-RU" smtClean="0"/>
-              <a:t>19.06.2013</a:t>
+              <a:t>26.09.2013</a:t>
             </a:fld>
             <a:endParaRPr lang="ru-RU"/>
           </a:p>
@@ -5799,7 +5800,7 @@
                 </a:solidFill>
               </a:rPr>
               <a:pPr/>
-              <a:t>19.06.2013</a:t>
+              <a:t>26.09.2013</a:t>
             </a:fld>
             <a:endParaRPr lang="ru-RU">
               <a:solidFill>
@@ -6464,7 +6465,7 @@
         <p:spPr/>
         <p:txBody>
           <a:bodyPr>
-            <a:normAutofit/>
+            <a:normAutofit fontScale="92500" lnSpcReduction="20000"/>
           </a:bodyPr>
           <a:lstStyle/>
           <a:p>
@@ -6474,12 +6475,20 @@
               </a:buClr>
             </a:pPr>
             <a:r>
-              <a:rPr lang="en-US" dirty="0" smtClean="0">
+              <a:rPr lang="en-US" smtClean="0">
+                <a:solidFill>
+                  <a:srgbClr val="F6AE1E"/>
+                </a:solidFill>
+              </a:rPr>
+              <a:t>F12</a:t>
+            </a:r>
+            <a:r>
+              <a:rPr lang="en-US" smtClean="0">
                 <a:solidFill>
                   <a:schemeClr val="bg1"/>
                 </a:solidFill>
               </a:rPr>
-              <a:t>ReSharper </a:t>
+              <a:t> </a:t>
             </a:r>
             <a:r>
               <a:rPr lang="ru-RU" dirty="0" smtClean="0">
@@ -6487,23 +6496,7 @@
                   <a:schemeClr val="bg1"/>
                 </a:solidFill>
               </a:rPr>
-              <a:t>ускоряет навигацию по коду за счет следующих команд:</a:t>
-            </a:r>
-            <a:r>
-              <a:rPr lang="en-US" dirty="0" smtClean="0">
-                <a:solidFill>
-                  <a:schemeClr val="bg1"/>
-                </a:solidFill>
-              </a:rPr>
-              <a:t> Go To Type, Go To File, Go To Symbol </a:t>
-            </a:r>
-            <a:r>
-              <a:rPr lang="ru-RU" dirty="0" smtClean="0">
-                <a:solidFill>
-                  <a:schemeClr val="bg1"/>
-                </a:solidFill>
-              </a:rPr>
-              <a:t>и других</a:t>
+              <a:t>перейти к объявлению</a:t>
             </a:r>
           </a:p>
           <a:p>
@@ -6513,20 +6506,99 @@
               </a:buClr>
             </a:pPr>
             <a:r>
+              <a:rPr lang="en-US" dirty="0">
+                <a:solidFill>
+                  <a:srgbClr val="F6AE1E"/>
+                </a:solidFill>
+              </a:rPr>
+              <a:t>Shift+F12</a:t>
+            </a:r>
+            <a:r>
+              <a:rPr lang="en-US" dirty="0" smtClean="0">
+                <a:solidFill>
+                  <a:schemeClr val="bg1"/>
+                </a:solidFill>
+              </a:rPr>
+              <a:t> </a:t>
+            </a:r>
+            <a:r>
               <a:rPr lang="ru-RU" dirty="0" smtClean="0">
                 <a:solidFill>
                   <a:schemeClr val="bg1"/>
                 </a:solidFill>
               </a:rPr>
-              <a:t>Если искомые имена используют </a:t>
+              <a:t>найти все места где используется имя</a:t>
+            </a:r>
+          </a:p>
+          <a:p>
+            <a:pPr>
+              <a:buClr>
+                <a:schemeClr val="bg1"/>
+              </a:buClr>
+            </a:pPr>
+            <a:r>
+              <a:rPr lang="en-US" dirty="0">
+                <a:solidFill>
+                  <a:srgbClr val="F6AE1E"/>
+                </a:solidFill>
+              </a:rPr>
+              <a:t>Ctrl+</a:t>
+            </a:r>
+            <a:r>
+              <a:rPr lang="ru-RU" dirty="0">
+                <a:solidFill>
+                  <a:srgbClr val="F6AE1E"/>
+                </a:solidFill>
+              </a:rPr>
+              <a:t>Минус</a:t>
+            </a:r>
+            <a:r>
+              <a:rPr lang="en-US" dirty="0" smtClean="0">
+                <a:solidFill>
+                  <a:schemeClr val="bg1"/>
+                </a:solidFill>
+              </a:rPr>
+              <a:t> </a:t>
+            </a:r>
+            <a:r>
+              <a:rPr lang="ru-RU" dirty="0" smtClean="0">
+                <a:solidFill>
+                  <a:schemeClr val="bg1"/>
+                </a:solidFill>
+              </a:rPr>
+              <a:t>и </a:t>
             </a:r>
             <a:r>
               <a:rPr lang="en-US" dirty="0" err="1" smtClean="0">
                 <a:solidFill>
+                  <a:srgbClr val="F6AE1E"/>
+                </a:solidFill>
+              </a:rPr>
+              <a:t>Shift+Ctrl</a:t>
+            </a:r>
+            <a:r>
+              <a:rPr lang="en-US" dirty="0" smtClean="0">
+                <a:solidFill>
+                  <a:srgbClr val="F6AE1E"/>
+                </a:solidFill>
+              </a:rPr>
+              <a:t>+</a:t>
+            </a:r>
+            <a:r>
+              <a:rPr lang="ru-RU" dirty="0" smtClean="0">
+                <a:solidFill>
+                  <a:srgbClr val="F6AE1E"/>
+                </a:solidFill>
+              </a:rPr>
+              <a:t>Минус</a:t>
+            </a:r>
+            <a:r>
+              <a:rPr lang="en-US" dirty="0" smtClean="0">
+                <a:solidFill>
                   <a:schemeClr val="bg1"/>
                 </a:solidFill>
               </a:rPr>
-              <a:t>CamelCase</a:t>
+              <a:t> </a:t>
             </a:r>
             <a:r>
               <a:rPr lang="ru-RU" dirty="0" smtClean="0">
@@ -6534,23 +6606,46 @@
                   <a:schemeClr val="bg1"/>
                 </a:solidFill>
               </a:rPr>
-              <a:t>,</a:t>
-            </a:r>
-            <a:r>
-              <a:rPr lang="en-US" dirty="0" smtClean="0">
+              <a:t>навигация «вперед»/«назад»</a:t>
+            </a:r>
+          </a:p>
+          <a:p>
+            <a:pPr>
+              <a:buClr>
+                <a:schemeClr val="bg1"/>
+              </a:buClr>
+            </a:pPr>
+            <a:r>
+              <a:rPr lang="en-US" dirty="0" err="1">
+                <a:solidFill>
+                  <a:srgbClr val="F6AE1E"/>
+                </a:solidFill>
+              </a:rPr>
+              <a:t>Ctrl+Alt</a:t>
+            </a:r>
+            <a:r>
+              <a:rPr lang="en-US" dirty="0">
+                <a:solidFill>
+                  <a:srgbClr val="F6AE1E"/>
+                </a:solidFill>
+              </a:rPr>
+              <a:t>+</a:t>
+            </a:r>
+            <a:r>
+              <a:rPr lang="ru-RU" dirty="0">
+                <a:solidFill>
+                  <a:srgbClr val="F6AE1E"/>
+                </a:solidFill>
+              </a:rPr>
+              <a:t>Стрелка вниз</a:t>
+            </a:r>
+            <a:r>
+              <a:rPr lang="ru-RU" dirty="0" smtClean="0">
                 <a:solidFill>
                   <a:schemeClr val="bg1"/>
                 </a:solidFill>
               </a:rPr>
-              <a:t> </a:t>
-            </a:r>
-            <a:r>
-              <a:rPr lang="ru-RU" dirty="0" smtClean="0">
-                <a:solidFill>
-                  <a:schemeClr val="bg1"/>
-                </a:solidFill>
-              </a:rPr>
-              <a:t>то в окне поиска символов можно вводить только первые буквы из каждого слова</a:t>
+              <a:t> показать список открытых файлов</a:t>
             </a:r>
             <a:endParaRPr lang="en-US" dirty="0" smtClean="0">
               <a:solidFill>
@@ -6564,30 +6659,50 @@
                 <a:schemeClr val="bg1"/>
               </a:buClr>
             </a:pPr>
-            <a:r>
-              <a:rPr lang="ru-RU" dirty="0" smtClean="0">
+            <a:endParaRPr lang="ru-RU" dirty="0">
+              <a:solidFill>
+                <a:schemeClr val="bg1"/>
+              </a:solidFill>
+            </a:endParaRPr>
+          </a:p>
+          <a:p>
+            <a:pPr marL="0" indent="0">
+              <a:buClr>
+                <a:schemeClr val="bg1"/>
+              </a:buClr>
+              <a:buNone/>
+            </a:pPr>
+            <a:r>
+              <a:rPr lang="en-US" dirty="0">
                 <a:solidFill>
                   <a:schemeClr val="bg1"/>
                 </a:solidFill>
-              </a:rPr>
-              <a:t>См. также меню </a:t>
-            </a:r>
-            <a:r>
-              <a:rPr lang="en-US" dirty="0" err="1" smtClean="0">
+                <a:hlinkClick r:id="rId4"/>
+              </a:rPr>
+              <a:t>http://</a:t>
+            </a:r>
+            <a:r>
+              <a:rPr lang="en-US" dirty="0" smtClean="0">
                 <a:solidFill>
                   <a:schemeClr val="bg1"/>
                 </a:solidFill>
-              </a:rPr>
-              <a:t>Resharper</a:t>
-            </a:r>
-            <a:r>
-              <a:rPr lang="en-US" dirty="0" smtClean="0">
-                <a:solidFill>
-                  <a:schemeClr val="bg1"/>
-                </a:solidFill>
-              </a:rPr>
-              <a:t> -&gt; Navigate</a:t>
-            </a:r>
+                <a:hlinkClick r:id="rId4"/>
+              </a:rPr>
+              <a:t>weblogs.asp.net/scottgu/archive/2010/08/24/search-and-navigation-tips-tricks-with-visual-studio.aspx</a:t>
+            </a:r>
+            <a:endParaRPr lang="ru-RU" dirty="0" smtClean="0">
+              <a:solidFill>
+                <a:schemeClr val="bg1"/>
+              </a:solidFill>
+            </a:endParaRPr>
+          </a:p>
+          <a:p>
+            <a:pPr marL="0" indent="0">
+              <a:buClr>
+                <a:schemeClr val="bg1"/>
+              </a:buClr>
+              <a:buNone/>
+            </a:pPr>
             <a:endParaRPr lang="en-US" dirty="0">
               <a:solidFill>
                 <a:schemeClr val="bg1"/>
@@ -6599,7 +6714,7 @@
     </p:spTree>
     <p:extLst>
       <p:ext uri="{BB962C8B-B14F-4D97-AF65-F5344CB8AC3E}">
-        <p14:creationId xmlns:p14="http://schemas.microsoft.com/office/powerpoint/2010/main" val="1382214877"/>
+        <p14:creationId xmlns:p14="http://schemas.microsoft.com/office/powerpoint/2010/main" val="1465218823"/>
       </p:ext>
     </p:extLst>
   </p:cSld>
@@ -6657,11 +6772,15 @@
           <a:p>
             <a:r>
               <a:rPr lang="ru-RU" dirty="0" smtClean="0"/>
-              <a:t>Окна: </a:t>
+              <a:t>Редактор</a:t>
             </a:r>
             <a:r>
               <a:rPr lang="en-US" dirty="0" smtClean="0"/>
-              <a:t>Bookmarks</a:t>
+              <a:t>: </a:t>
+            </a:r>
+            <a:r>
+              <a:rPr lang="ru-RU" dirty="0" smtClean="0"/>
+              <a:t>Навигация по коду</a:t>
             </a:r>
             <a:endParaRPr lang="en-US" dirty="0"/>
           </a:p>
@@ -6690,12 +6809,83 @@
               </a:buClr>
             </a:pPr>
             <a:r>
-              <a:rPr lang="ru-RU" dirty="0">
+              <a:rPr lang="en-US" dirty="0" smtClean="0">
                 <a:solidFill>
                   <a:schemeClr val="bg1"/>
                 </a:solidFill>
               </a:rPr>
-              <a:t>Закладки в текстовых файлах</a:t>
+              <a:t>ReSharper </a:t>
+            </a:r>
+            <a:r>
+              <a:rPr lang="ru-RU" dirty="0" smtClean="0">
+                <a:solidFill>
+                  <a:schemeClr val="bg1"/>
+                </a:solidFill>
+              </a:rPr>
+              <a:t>ускоряет навигацию по коду за счет следующих команд:</a:t>
+            </a:r>
+            <a:r>
+              <a:rPr lang="en-US" dirty="0" smtClean="0">
+                <a:solidFill>
+                  <a:schemeClr val="bg1"/>
+                </a:solidFill>
+              </a:rPr>
+              <a:t> Go To Type, Go To File, Go To Symbol </a:t>
+            </a:r>
+            <a:r>
+              <a:rPr lang="ru-RU" dirty="0" smtClean="0">
+                <a:solidFill>
+                  <a:schemeClr val="bg1"/>
+                </a:solidFill>
+              </a:rPr>
+              <a:t>и других</a:t>
+            </a:r>
+          </a:p>
+          <a:p>
+            <a:pPr>
+              <a:buClr>
+                <a:schemeClr val="bg1"/>
+              </a:buClr>
+            </a:pPr>
+            <a:r>
+              <a:rPr lang="ru-RU" dirty="0" smtClean="0">
+                <a:solidFill>
+                  <a:schemeClr val="bg1"/>
+                </a:solidFill>
+              </a:rPr>
+              <a:t>Если искомые имена используют </a:t>
+            </a:r>
+            <a:r>
+              <a:rPr lang="en-US" dirty="0" err="1" smtClean="0">
+                <a:solidFill>
+                  <a:schemeClr val="bg1"/>
+                </a:solidFill>
+              </a:rPr>
+              <a:t>CamelCase</a:t>
+            </a:r>
+            <a:r>
+              <a:rPr lang="ru-RU" dirty="0" smtClean="0">
+                <a:solidFill>
+                  <a:schemeClr val="bg1"/>
+                </a:solidFill>
+              </a:rPr>
+              <a:t>,</a:t>
+            </a:r>
+            <a:r>
+              <a:rPr lang="en-US" dirty="0" smtClean="0">
+                <a:solidFill>
+                  <a:schemeClr val="bg1"/>
+                </a:solidFill>
+              </a:rPr>
+              <a:t> </a:t>
+            </a:r>
+            <a:r>
+              <a:rPr lang="ru-RU" dirty="0" smtClean="0">
+                <a:solidFill>
+                  <a:schemeClr val="bg1"/>
+                </a:solidFill>
+              </a:rPr>
+              <a:t>то в окне поиска символов можно вводить только первые буквы из каждого слова</a:t>
             </a:r>
             <a:endParaRPr lang="en-US" dirty="0" smtClean="0">
               <a:solidFill>
@@ -6715,7 +6905,15 @@
                   <a:schemeClr val="bg1"/>
                 </a:solidFill>
               </a:rPr>
-              <a:t>Команды меню </a:t>
+              <a:t>См. также меню </a:t>
+            </a:r>
+            <a:r>
+              <a:rPr lang="en-US" dirty="0" err="1" smtClean="0">
+                <a:solidFill>
+                  <a:schemeClr val="bg1"/>
+                </a:solidFill>
+              </a:rPr>
+              <a:t>Resharper</a:t>
             </a:r>
             <a:r>
               <a:rPr lang="en-US" dirty="0" smtClean="0">
@@ -6723,68 +6921,8 @@
                   <a:schemeClr val="bg1"/>
                 </a:solidFill>
               </a:rPr>
-              <a:t>View -&gt; Bookmark Window</a:t>
-            </a:r>
-            <a:r>
-              <a:rPr lang="ru-RU" dirty="0" smtClean="0">
-                <a:solidFill>
-                  <a:schemeClr val="bg1"/>
-                </a:solidFill>
-              </a:rPr>
-              <a:t> и </a:t>
-            </a:r>
-            <a:r>
-              <a:rPr lang="en-US" dirty="0" smtClean="0">
-                <a:solidFill>
-                  <a:schemeClr val="bg1"/>
-                </a:solidFill>
-              </a:rPr>
-              <a:t>Edit -&gt; Bookmarks.</a:t>
-            </a:r>
-          </a:p>
-          <a:p>
-            <a:pPr>
-              <a:buClr>
-                <a:schemeClr val="bg1"/>
-              </a:buClr>
-            </a:pPr>
-            <a:endParaRPr lang="ru-RU" dirty="0" smtClean="0">
-              <a:solidFill>
-                <a:schemeClr val="bg1"/>
-              </a:solidFill>
-            </a:endParaRPr>
-          </a:p>
-          <a:p>
-            <a:pPr>
-              <a:buClr>
-                <a:schemeClr val="bg1"/>
-              </a:buClr>
-            </a:pPr>
-            <a:endParaRPr lang="ru-RU" dirty="0" smtClean="0">
-              <a:solidFill>
-                <a:schemeClr val="bg1"/>
-              </a:solidFill>
-            </a:endParaRPr>
-          </a:p>
-          <a:p>
-            <a:pPr>
-              <a:buClr>
-                <a:schemeClr val="bg1"/>
-              </a:buClr>
-            </a:pPr>
-            <a:endParaRPr lang="ru-RU" dirty="0" smtClean="0">
-              <a:solidFill>
-                <a:schemeClr val="bg1"/>
-              </a:solidFill>
-            </a:endParaRPr>
-          </a:p>
-          <a:p>
-            <a:pPr marL="0" indent="0">
-              <a:buClr>
-                <a:schemeClr val="bg1"/>
-              </a:buClr>
-              <a:buNone/>
-            </a:pPr>
+              <a:t> -&gt; Navigate</a:t>
+            </a:r>
             <a:endParaRPr lang="en-US" dirty="0">
               <a:solidFill>
                 <a:schemeClr val="bg1"/>
@@ -6796,7 +6934,7 @@
     </p:spTree>
     <p:extLst>
       <p:ext uri="{BB962C8B-B14F-4D97-AF65-F5344CB8AC3E}">
-        <p14:creationId xmlns:p14="http://schemas.microsoft.com/office/powerpoint/2010/main" val="3985499755"/>
+        <p14:creationId xmlns:p14="http://schemas.microsoft.com/office/powerpoint/2010/main" val="1382214877"/>
       </p:ext>
     </p:extLst>
   </p:cSld>
@@ -6858,7 +6996,7 @@
             </a:r>
             <a:r>
               <a:rPr lang="en-US" dirty="0" smtClean="0"/>
-              <a:t>Task List</a:t>
+              <a:t>Bookmarks</a:t>
             </a:r>
             <a:endParaRPr lang="en-US" dirty="0"/>
           </a:p>
@@ -6892,7 +7030,7 @@
                   <a:schemeClr val="bg1"/>
                 </a:solidFill>
               </a:rPr>
-              <a:t>Список можно использовать для хранения заметок по проекту</a:t>
+              <a:t>Закладки в текстовых файлах</a:t>
             </a:r>
             <a:endParaRPr lang="en-US" dirty="0" smtClean="0">
               <a:solidFill>
@@ -6912,7 +7050,7 @@
                   <a:schemeClr val="bg1"/>
                 </a:solidFill>
               </a:rPr>
-              <a:t>Команда меню </a:t>
+              <a:t>Команды меню </a:t>
             </a:r>
             <a:r>
               <a:rPr lang="en-US" dirty="0" smtClean="0">
@@ -6920,15 +7058,15 @@
                   <a:schemeClr val="bg1"/>
                 </a:solidFill>
               </a:rPr>
-              <a:t>View -&gt; </a:t>
-            </a:r>
-            <a:r>
-              <a:rPr lang="en-US" dirty="0">
+              <a:t>View -&gt; Bookmark Window</a:t>
+            </a:r>
+            <a:r>
+              <a:rPr lang="ru-RU" dirty="0" smtClean="0">
                 <a:solidFill>
                   <a:schemeClr val="bg1"/>
                 </a:solidFill>
               </a:rPr>
-              <a:t>Task </a:t>
+              <a:t> и </a:t>
             </a:r>
             <a:r>
               <a:rPr lang="en-US" dirty="0" smtClean="0">
@@ -6936,7 +7074,7 @@
                   <a:schemeClr val="bg1"/>
                 </a:solidFill>
               </a:rPr>
-              <a:t>List.</a:t>
+              <a:t>Edit -&gt; Bookmarks.</a:t>
             </a:r>
           </a:p>
           <a:p>
@@ -6945,46 +7083,35 @@
                 <a:schemeClr val="bg1"/>
               </a:buClr>
             </a:pPr>
-            <a:r>
-              <a:rPr lang="ru-RU" dirty="0" smtClean="0">
-                <a:solidFill>
-                  <a:schemeClr val="bg1"/>
-                </a:solidFill>
-              </a:rPr>
-              <a:t>Текст комментария написанный после </a:t>
-            </a:r>
-            <a:r>
-              <a:rPr lang="en-US" dirty="0" smtClean="0">
-                <a:solidFill>
-                  <a:schemeClr val="bg1"/>
-                </a:solidFill>
-              </a:rPr>
-              <a:t>TODO </a:t>
-            </a:r>
-            <a:r>
-              <a:rPr lang="ru-RU" dirty="0" smtClean="0">
-                <a:solidFill>
-                  <a:schemeClr val="bg1"/>
-                </a:solidFill>
-              </a:rPr>
-              <a:t>попадает в</a:t>
-            </a:r>
-            <a:r>
-              <a:rPr lang="en-US" dirty="0" smtClean="0">
-                <a:solidFill>
-                  <a:schemeClr val="bg1"/>
-                </a:solidFill>
-              </a:rPr>
-              <a:t> </a:t>
-            </a:r>
-            <a:r>
-              <a:rPr lang="ru-RU" dirty="0" smtClean="0">
-                <a:solidFill>
-                  <a:schemeClr val="bg1"/>
-                </a:solidFill>
-              </a:rPr>
-              <a:t>него автоматически</a:t>
-            </a:r>
+            <a:endParaRPr lang="ru-RU" dirty="0" smtClean="0">
+              <a:solidFill>
+                <a:schemeClr val="bg1"/>
+              </a:solidFill>
+            </a:endParaRPr>
+          </a:p>
+          <a:p>
+            <a:pPr>
+              <a:buClr>
+                <a:schemeClr val="bg1"/>
+              </a:buClr>
+            </a:pPr>
+            <a:endParaRPr lang="ru-RU" dirty="0" smtClean="0">
+              <a:solidFill>
+                <a:schemeClr val="bg1"/>
+              </a:solidFill>
+            </a:endParaRPr>
+          </a:p>
+          <a:p>
+            <a:pPr>
+              <a:buClr>
+                <a:schemeClr val="bg1"/>
+              </a:buClr>
+            </a:pPr>
+            <a:endParaRPr lang="ru-RU" dirty="0" smtClean="0">
+              <a:solidFill>
+                <a:schemeClr val="bg1"/>
+              </a:solidFill>
+            </a:endParaRPr>
           </a:p>
           <a:p>
             <a:pPr marL="0" indent="0">
@@ -7004,7 +7131,7 @@
     </p:spTree>
     <p:extLst>
       <p:ext uri="{BB962C8B-B14F-4D97-AF65-F5344CB8AC3E}">
-        <p14:creationId xmlns:p14="http://schemas.microsoft.com/office/powerpoint/2010/main" val="1384232909"/>
+        <p14:creationId xmlns:p14="http://schemas.microsoft.com/office/powerpoint/2010/main" val="3985499755"/>
       </p:ext>
     </p:extLst>
   </p:cSld>
@@ -7017,6 +7144,20 @@
 <file path=ppt/slides/slide13.xml><?xml version="1.0" encoding="utf-8"?>
 <p:sld xmlns:a="http://schemas.openxmlformats.org/drawingml/2006/main" xmlns:r="http://schemas.openxmlformats.org/officeDocument/2006/relationships" xmlns:p="http://schemas.openxmlformats.org/presentationml/2006/main">
   <p:cSld>
+    <p:bg>
+      <p:bgPr>
+        <a:blipFill dpi="0" rotWithShape="1">
+          <a:blip r:embed="rId3">
+            <a:lum/>
+          </a:blip>
+          <a:srcRect/>
+          <a:stretch>
+            <a:fillRect/>
+          </a:stretch>
+        </a:blipFill>
+        <a:effectLst/>
+      </p:bgPr>
+    </p:bg>
     <p:spTree>
       <p:nvGrpSpPr>
         <p:cNvPr id="1" name=""/>
@@ -7048,7 +7189,11 @@
           <a:p>
             <a:r>
               <a:rPr lang="ru-RU" dirty="0" smtClean="0"/>
-              <a:t>Отладчик</a:t>
+              <a:t>Окна: </a:t>
+            </a:r>
+            <a:r>
+              <a:rPr lang="en-US" dirty="0" smtClean="0"/>
+              <a:t>Task List</a:t>
             </a:r>
             <a:endParaRPr lang="en-US" dirty="0"/>
           </a:p>
@@ -7066,22 +7211,140 @@
         </p:nvSpPr>
         <p:spPr/>
         <p:txBody>
-          <a:bodyPr/>
+          <a:bodyPr>
+            <a:normAutofit/>
+          </a:bodyPr>
           <a:lstStyle/>
           <a:p>
-            <a:endParaRPr lang="en-US" dirty="0"/>
+            <a:pPr>
+              <a:buClr>
+                <a:schemeClr val="bg1"/>
+              </a:buClr>
+            </a:pPr>
+            <a:r>
+              <a:rPr lang="ru-RU" dirty="0">
+                <a:solidFill>
+                  <a:schemeClr val="bg1"/>
+                </a:solidFill>
+              </a:rPr>
+              <a:t>Список можно использовать для хранения заметок по проекту</a:t>
+            </a:r>
+            <a:endParaRPr lang="en-US" dirty="0" smtClean="0">
+              <a:solidFill>
+                <a:schemeClr val="bg1"/>
+              </a:solidFill>
+            </a:endParaRPr>
+          </a:p>
+          <a:p>
+            <a:pPr>
+              <a:buClr>
+                <a:schemeClr val="bg1"/>
+              </a:buClr>
+            </a:pPr>
+            <a:r>
+              <a:rPr lang="ru-RU" dirty="0" smtClean="0">
+                <a:solidFill>
+                  <a:schemeClr val="bg1"/>
+                </a:solidFill>
+              </a:rPr>
+              <a:t>Команда меню </a:t>
+            </a:r>
+            <a:r>
+              <a:rPr lang="en-US" dirty="0" smtClean="0">
+                <a:solidFill>
+                  <a:schemeClr val="bg1"/>
+                </a:solidFill>
+              </a:rPr>
+              <a:t>View -&gt; </a:t>
+            </a:r>
+            <a:r>
+              <a:rPr lang="en-US" dirty="0">
+                <a:solidFill>
+                  <a:schemeClr val="bg1"/>
+                </a:solidFill>
+              </a:rPr>
+              <a:t>Task </a:t>
+            </a:r>
+            <a:r>
+              <a:rPr lang="en-US" dirty="0" smtClean="0">
+                <a:solidFill>
+                  <a:schemeClr val="bg1"/>
+                </a:solidFill>
+              </a:rPr>
+              <a:t>List.</a:t>
+            </a:r>
+          </a:p>
+          <a:p>
+            <a:pPr>
+              <a:buClr>
+                <a:schemeClr val="bg1"/>
+              </a:buClr>
+            </a:pPr>
+            <a:r>
+              <a:rPr lang="ru-RU" dirty="0" smtClean="0">
+                <a:solidFill>
+                  <a:schemeClr val="bg1"/>
+                </a:solidFill>
+              </a:rPr>
+              <a:t>Текст комментария написанный после </a:t>
+            </a:r>
+            <a:r>
+              <a:rPr lang="en-US" dirty="0" smtClean="0">
+                <a:solidFill>
+                  <a:schemeClr val="bg1"/>
+                </a:solidFill>
+              </a:rPr>
+              <a:t>TODO </a:t>
+            </a:r>
+            <a:r>
+              <a:rPr lang="ru-RU" dirty="0" smtClean="0">
+                <a:solidFill>
+                  <a:schemeClr val="bg1"/>
+                </a:solidFill>
+              </a:rPr>
+              <a:t>попадает в</a:t>
+            </a:r>
+            <a:r>
+              <a:rPr lang="en-US" dirty="0" smtClean="0">
+                <a:solidFill>
+                  <a:schemeClr val="bg1"/>
+                </a:solidFill>
+              </a:rPr>
+              <a:t> </a:t>
+            </a:r>
+            <a:r>
+              <a:rPr lang="ru-RU" dirty="0" smtClean="0">
+                <a:solidFill>
+                  <a:schemeClr val="bg1"/>
+                </a:solidFill>
+              </a:rPr>
+              <a:t>него автоматически</a:t>
+            </a:r>
+          </a:p>
+          <a:p>
+            <a:pPr marL="0" indent="0">
+              <a:buClr>
+                <a:schemeClr val="bg1"/>
+              </a:buClr>
+              <a:buNone/>
+            </a:pPr>
+            <a:endParaRPr lang="en-US" dirty="0">
+              <a:solidFill>
+                <a:schemeClr val="bg1"/>
+              </a:solidFill>
+            </a:endParaRPr>
           </a:p>
         </p:txBody>
       </p:sp>
     </p:spTree>
     <p:extLst>
       <p:ext uri="{BB962C8B-B14F-4D97-AF65-F5344CB8AC3E}">
-        <p14:creationId xmlns:p14="http://schemas.microsoft.com/office/powerpoint/2010/main" val="1495295926"/>
+        <p14:creationId xmlns:p14="http://schemas.microsoft.com/office/powerpoint/2010/main" val="1384232909"/>
       </p:ext>
     </p:extLst>
   </p:cSld>
   <p:clrMapOvr>
-    <a:masterClrMapping/>
+    <a:overrideClrMapping bg1="lt1" tx1="dk1" bg2="lt2" tx2="dk2" accent1="accent1" accent2="accent2" accent3="accent3" accent4="accent4" accent5="accent5" accent6="accent6" hlink="hlink" folHlink="folHlink"/>
   </p:clrMapOvr>
 </p:sld>
 </file>
@@ -7120,6 +7383,78 @@
           <a:p>
             <a:r>
               <a:rPr lang="ru-RU" dirty="0" smtClean="0"/>
+              <a:t>Отладчик</a:t>
+            </a:r>
+            <a:endParaRPr lang="en-US" dirty="0"/>
+          </a:p>
+        </p:txBody>
+      </p:sp>
+      <p:sp>
+        <p:nvSpPr>
+          <p:cNvPr id="3" name="Content Placeholder 2"/>
+          <p:cNvSpPr>
+            <a:spLocks noGrp="1"/>
+          </p:cNvSpPr>
+          <p:nvPr>
+            <p:ph idx="1"/>
+          </p:nvPr>
+        </p:nvSpPr>
+        <p:spPr/>
+        <p:txBody>
+          <a:bodyPr/>
+          <a:lstStyle/>
+          <a:p>
+            <a:endParaRPr lang="en-US" dirty="0"/>
+          </a:p>
+        </p:txBody>
+      </p:sp>
+    </p:spTree>
+    <p:extLst>
+      <p:ext uri="{BB962C8B-B14F-4D97-AF65-F5344CB8AC3E}">
+        <p14:creationId xmlns:p14="http://schemas.microsoft.com/office/powerpoint/2010/main" val="1495295926"/>
+      </p:ext>
+    </p:extLst>
+  </p:cSld>
+  <p:clrMapOvr>
+    <a:masterClrMapping/>
+  </p:clrMapOvr>
+</p:sld>
+</file>
+
+<file path=ppt/slides/slide15.xml><?xml version="1.0" encoding="utf-8"?>
+<p:sld xmlns:a="http://schemas.openxmlformats.org/drawingml/2006/main" xmlns:r="http://schemas.openxmlformats.org/officeDocument/2006/relationships" xmlns:p="http://schemas.openxmlformats.org/presentationml/2006/main">
+  <p:cSld>
+    <p:spTree>
+      <p:nvGrpSpPr>
+        <p:cNvPr id="1" name=""/>
+        <p:cNvGrpSpPr/>
+        <p:nvPr/>
+      </p:nvGrpSpPr>
+      <p:grpSpPr>
+        <a:xfrm>
+          <a:off x="0" y="0"/>
+          <a:ext cx="0" cy="0"/>
+          <a:chOff x="0" y="0"/>
+          <a:chExt cx="0" cy="0"/>
+        </a:xfrm>
+      </p:grpSpPr>
+      <p:sp>
+        <p:nvSpPr>
+          <p:cNvPr id="2" name="Title 1"/>
+          <p:cNvSpPr>
+            <a:spLocks noGrp="1"/>
+          </p:cNvSpPr>
+          <p:nvPr>
+            <p:ph type="title"/>
+          </p:nvPr>
+        </p:nvSpPr>
+        <p:spPr/>
+        <p:txBody>
+          <a:bodyPr/>
+          <a:lstStyle/>
+          <a:p>
+            <a:r>
+              <a:rPr lang="ru-RU" dirty="0" smtClean="0"/>
               <a:t>Расширения для </a:t>
             </a:r>
             <a:r>
@@ -7285,7 +7620,7 @@
 </p:sld>
 </file>
 
-<file path=ppt/slides/slide15.xml><?xml version="1.0" encoding="utf-8"?>
+<file path=ppt/slides/slide16.xml><?xml version="1.0" encoding="utf-8"?>
 <p:sld xmlns:a="http://schemas.openxmlformats.org/drawingml/2006/main" xmlns:r="http://schemas.openxmlformats.org/officeDocument/2006/relationships" xmlns:p="http://schemas.openxmlformats.org/presentationml/2006/main">
   <p:cSld>
     <p:spTree>
@@ -7945,7 +8280,7 @@
                   <a:schemeClr val="bg1"/>
                 </a:solidFill>
               </a:rPr>
-              <a:t>ReSharper</a:t>
+              <a:t>JetBrains ReSharper</a:t>
             </a:r>
             <a:endParaRPr lang="ru-RU" dirty="0" smtClean="0">
               <a:solidFill>
@@ -8355,12 +8690,18 @@
         </p:nvSpPr>
         <p:spPr/>
         <p:txBody>
-          <a:bodyPr/>
+          <a:bodyPr>
+            <a:normAutofit fontScale="90000"/>
+          </a:bodyPr>
           <a:lstStyle/>
           <a:p>
             <a:r>
+              <a:rPr lang="en-US" dirty="0" smtClean="0"/>
+              <a:t>Visual Studio </a:t>
+            </a:r>
+            <a:r>
               <a:rPr lang="ru-RU" dirty="0" smtClean="0"/>
-              <a:t>Редактор</a:t>
+              <a:t>и права администратора</a:t>
             </a:r>
             <a:endParaRPr lang="en-US" dirty="0"/>
           </a:p>
@@ -8379,290 +8720,188 @@
         <p:spPr/>
         <p:txBody>
           <a:bodyPr>
-            <a:normAutofit lnSpcReduction="10000"/>
+            <a:normAutofit fontScale="70000" lnSpcReduction="20000"/>
           </a:bodyPr>
           <a:lstStyle/>
           <a:p>
-            <a:pPr>
-              <a:buClr>
-                <a:schemeClr val="bg1"/>
-              </a:buClr>
+            <a:pPr marL="0" indent="0">
+              <a:buNone/>
             </a:pPr>
             <a:r>
-              <a:rPr lang="en-US" dirty="0" smtClean="0">
-                <a:solidFill>
-                  <a:srgbClr val="92D050"/>
-                </a:solidFill>
-              </a:rPr>
-              <a:t>[10]</a:t>
+              <a:rPr lang="ru-RU" dirty="0" smtClean="0"/>
+              <a:t>Если у вас установлена </a:t>
+            </a:r>
+            <a:r>
+              <a:rPr lang="en-US" dirty="0"/>
+              <a:t>Windows </a:t>
             </a:r>
             <a:r>
               <a:rPr lang="en-US" dirty="0" smtClean="0"/>
-              <a:t> </a:t>
+              <a:t>Vista, Windows 7 </a:t>
             </a:r>
             <a:r>
               <a:rPr lang="ru-RU" dirty="0" smtClean="0"/>
-              <a:t>Изменение размера шрифта </a:t>
-            </a:r>
-            <a:r>
-              <a:rPr lang="en-US" dirty="0">
-                <a:solidFill>
-                  <a:srgbClr val="F6AE1E"/>
-                </a:solidFill>
-              </a:rPr>
-              <a:t>(</a:t>
-            </a:r>
-            <a:r>
-              <a:rPr lang="en-US" dirty="0" err="1">
-                <a:solidFill>
-                  <a:srgbClr val="F6AE1E"/>
-                </a:solidFill>
-              </a:rPr>
-              <a:t>Ctrl+Shift</a:t>
-            </a:r>
-            <a:r>
-              <a:rPr lang="en-US" dirty="0">
-                <a:solidFill>
-                  <a:srgbClr val="F6AE1E"/>
-                </a:solidFill>
-              </a:rPr>
-              <a:t> + &lt;/&gt; </a:t>
-            </a:r>
-            <a:r>
-              <a:rPr lang="ru-RU" dirty="0" smtClean="0">
-                <a:solidFill>
-                  <a:schemeClr val="bg1"/>
-                </a:solidFill>
-              </a:rPr>
-              <a:t>или</a:t>
-            </a:r>
-            <a:r>
-              <a:rPr lang="en-US" dirty="0" smtClean="0">
-                <a:solidFill>
-                  <a:srgbClr val="F6AE1E"/>
-                </a:solidFill>
-              </a:rPr>
-              <a:t> </a:t>
-            </a:r>
-            <a:r>
-              <a:rPr lang="en-US" dirty="0">
-                <a:solidFill>
-                  <a:srgbClr val="F6AE1E"/>
-                </a:solidFill>
-              </a:rPr>
-              <a:t>Ctrl + Mouse Scroll</a:t>
-            </a:r>
-            <a:r>
-              <a:rPr lang="en-US" dirty="0" smtClean="0">
-                <a:solidFill>
-                  <a:srgbClr val="F6AE1E"/>
-                </a:solidFill>
-              </a:rPr>
-              <a:t>)</a:t>
-            </a:r>
-            <a:endParaRPr lang="ru-RU" dirty="0" smtClean="0">
-              <a:solidFill>
-                <a:srgbClr val="F6AE1E"/>
-              </a:solidFill>
-            </a:endParaRPr>
-          </a:p>
-          <a:p>
-            <a:pPr>
-              <a:buClr>
-                <a:schemeClr val="bg1"/>
-              </a:buClr>
-            </a:pPr>
-            <a:r>
-              <a:rPr lang="en-US" dirty="0">
-                <a:solidFill>
-                  <a:srgbClr val="92D050"/>
-                </a:solidFill>
-              </a:rPr>
-              <a:t>[10]</a:t>
+              <a:t>или </a:t>
             </a:r>
             <a:r>
               <a:rPr lang="en-US" dirty="0" smtClean="0"/>
-              <a:t> </a:t>
+              <a:t>Windows 8 </a:t>
             </a:r>
             <a:r>
               <a:rPr lang="ru-RU" dirty="0" smtClean="0"/>
-              <a:t>Многострочное редактирование</a:t>
+              <a:t>с включенным </a:t>
             </a:r>
             <a:r>
               <a:rPr lang="en-US" dirty="0" smtClean="0"/>
-              <a:t> </a:t>
-            </a:r>
-            <a:r>
-              <a:rPr lang="en-US" dirty="0" smtClean="0">
-                <a:solidFill>
-                  <a:srgbClr val="F6AE1E"/>
-                </a:solidFill>
-              </a:rPr>
-              <a:t>(</a:t>
-            </a:r>
-            <a:r>
-              <a:rPr lang="en-US" dirty="0" err="1">
-                <a:solidFill>
-                  <a:srgbClr val="F6AE1E"/>
-                </a:solidFill>
-              </a:rPr>
-              <a:t>Alt+Shift</a:t>
-            </a:r>
-            <a:r>
-              <a:rPr lang="en-US" dirty="0">
-                <a:solidFill>
-                  <a:srgbClr val="F6AE1E"/>
-                </a:solidFill>
-              </a:rPr>
-              <a:t> + Up/Down</a:t>
-            </a:r>
+              <a:t>UAC</a:t>
+            </a:r>
+            <a:r>
+              <a:rPr lang="ru-RU" dirty="0" smtClean="0"/>
+              <a:t>, то для корректной работы отладчика рекомендуется всегда запускать </a:t>
+            </a:r>
+            <a:r>
+              <a:rPr lang="en-US" dirty="0" smtClean="0"/>
+              <a:t>VS </a:t>
+            </a:r>
+            <a:r>
+              <a:rPr lang="ru-RU" dirty="0" smtClean="0"/>
+              <a:t>с правами администратора. Для этого откройте свойства следующих файлов, перейдите на закладку </a:t>
+            </a:r>
+            <a:r>
+              <a:rPr lang="en-US" dirty="0" smtClean="0"/>
+              <a:t>Compatibility</a:t>
+            </a:r>
+            <a:r>
+              <a:rPr lang="ru-RU" dirty="0" smtClean="0"/>
+              <a:t> и </a:t>
+            </a:r>
+            <a:r>
+              <a:rPr lang="ru-RU" smtClean="0"/>
+              <a:t>включите опцию </a:t>
+            </a:r>
+            <a:r>
+              <a:rPr lang="ru-RU" dirty="0" smtClean="0"/>
+              <a:t>«</a:t>
+            </a:r>
+            <a:r>
+              <a:rPr lang="en-US" dirty="0" smtClean="0"/>
+              <a:t>Run this program as administrator</a:t>
+            </a:r>
+            <a:r>
+              <a:rPr lang="ru-RU" dirty="0" smtClean="0"/>
+              <a:t>»</a:t>
+            </a:r>
+            <a:r>
+              <a:rPr lang="en-US" dirty="0" smtClean="0"/>
+              <a:t>:</a:t>
+            </a:r>
+          </a:p>
+          <a:p>
+            <a:r>
+              <a:rPr lang="en-US" dirty="0" smtClean="0"/>
+              <a:t>Devenv.exe</a:t>
+            </a:r>
+          </a:p>
+          <a:p>
+            <a:pPr lvl="1"/>
             <a:r>
               <a:rPr lang="en-US" dirty="0"/>
-              <a:t> </a:t>
-            </a:r>
-            <a:r>
-              <a:rPr lang="ru-RU" dirty="0" smtClean="0"/>
-              <a:t>или</a:t>
+              <a:t>(win 64) "C:\Program Files (x86)\Microsoft Visual Studio </a:t>
             </a:r>
             <a:r>
               <a:rPr lang="en-US" dirty="0" smtClean="0"/>
-              <a:t> </a:t>
-            </a:r>
-            <a:r>
-              <a:rPr lang="en-US" dirty="0">
-                <a:solidFill>
-                  <a:srgbClr val="F6AE1E"/>
-                </a:solidFill>
-              </a:rPr>
-              <a:t>Alt + Mouse Up/Down</a:t>
-            </a:r>
-            <a:r>
-              <a:rPr lang="en-US" dirty="0" smtClean="0">
-                <a:solidFill>
-                  <a:srgbClr val="F6AE1E"/>
-                </a:solidFill>
-              </a:rPr>
-              <a:t>)</a:t>
-            </a:r>
-            <a:endParaRPr lang="ru-RU" dirty="0" smtClean="0">
-              <a:solidFill>
-                <a:srgbClr val="F6AE1E"/>
-              </a:solidFill>
-            </a:endParaRPr>
-          </a:p>
-          <a:p>
-            <a:pPr>
-              <a:buClr>
-                <a:schemeClr val="bg1"/>
-              </a:buClr>
-            </a:pPr>
-            <a:r>
-              <a:rPr lang="en-US" dirty="0" smtClean="0">
-                <a:solidFill>
-                  <a:srgbClr val="92D050"/>
-                </a:solidFill>
-              </a:rPr>
-              <a:t>[0</a:t>
-            </a:r>
-            <a:r>
-              <a:rPr lang="ru-RU" dirty="0" smtClean="0">
-                <a:solidFill>
-                  <a:srgbClr val="92D050"/>
-                </a:solidFill>
-              </a:rPr>
-              <a:t>5</a:t>
-            </a:r>
-            <a:r>
-              <a:rPr lang="en-US" dirty="0" smtClean="0">
-                <a:solidFill>
-                  <a:srgbClr val="92D050"/>
-                </a:solidFill>
-              </a:rPr>
-              <a:t>]</a:t>
+              <a:t>XX.Y\Common7\IDE\“</a:t>
+            </a:r>
+          </a:p>
+          <a:p>
+            <a:pPr lvl="1"/>
+            <a:r>
+              <a:rPr lang="en-US" dirty="0"/>
+              <a:t>(win </a:t>
             </a:r>
             <a:r>
               <a:rPr lang="en-US" dirty="0" smtClean="0"/>
-              <a:t> </a:t>
-            </a:r>
-            <a:r>
-              <a:rPr lang="ru-RU" dirty="0" smtClean="0"/>
-              <a:t>Вставка текста из ц</a:t>
-            </a:r>
-            <a:r>
-              <a:rPr lang="ru-RU" dirty="0" smtClean="0">
-                <a:solidFill>
-                  <a:schemeClr val="bg1"/>
-                </a:solidFill>
-              </a:rPr>
-              <a:t>иклического буфера обмена </a:t>
-            </a:r>
-            <a:r>
-              <a:rPr lang="en-US" dirty="0">
-                <a:solidFill>
-                  <a:srgbClr val="F6AE1E"/>
-                </a:solidFill>
-              </a:rPr>
-              <a:t>(</a:t>
-            </a:r>
-            <a:r>
-              <a:rPr lang="en-US" dirty="0" err="1">
-                <a:solidFill>
-                  <a:srgbClr val="F6AE1E"/>
-                </a:solidFill>
-              </a:rPr>
-              <a:t>Ctrl+Shift</a:t>
-            </a:r>
-            <a:r>
-              <a:rPr lang="en-US" dirty="0">
-                <a:solidFill>
-                  <a:srgbClr val="F6AE1E"/>
-                </a:solidFill>
-              </a:rPr>
-              <a:t> + V</a:t>
-            </a:r>
-            <a:r>
-              <a:rPr lang="en-US" dirty="0" smtClean="0">
-                <a:solidFill>
-                  <a:srgbClr val="F6AE1E"/>
-                </a:solidFill>
-              </a:rPr>
-              <a:t>)</a:t>
-            </a:r>
-            <a:endParaRPr lang="ru-RU" dirty="0" smtClean="0">
-              <a:solidFill>
-                <a:srgbClr val="F6AE1E"/>
-              </a:solidFill>
-            </a:endParaRPr>
-          </a:p>
-          <a:p>
-            <a:pPr>
-              <a:buClr>
-                <a:schemeClr val="bg1"/>
-              </a:buClr>
-            </a:pPr>
-            <a:r>
-              <a:rPr lang="ru-RU" smtClean="0">
-                <a:solidFill>
-                  <a:schemeClr val="bg1"/>
-                </a:solidFill>
-              </a:rPr>
-              <a:t>Прокрутка текста без изменения положения курсора</a:t>
-            </a:r>
-            <a:r>
-              <a:rPr lang="en-US" dirty="0" smtClean="0">
-                <a:solidFill>
-                  <a:schemeClr val="bg1"/>
-                </a:solidFill>
-              </a:rPr>
-              <a:t> </a:t>
-            </a:r>
-            <a:r>
-              <a:rPr lang="en-US" dirty="0">
-                <a:solidFill>
-                  <a:srgbClr val="F6AE1E"/>
-                </a:solidFill>
-              </a:rPr>
-              <a:t>(Ctrl + Up/Down Arrow)</a:t>
+              <a:t>32) </a:t>
+            </a:r>
+            <a:r>
+              <a:rPr lang="en-US" dirty="0"/>
+              <a:t>"C:\Program </a:t>
+            </a:r>
+            <a:r>
+              <a:rPr lang="en-US" dirty="0" smtClean="0"/>
+              <a:t>Files\Microsoft </a:t>
+            </a:r>
+            <a:r>
+              <a:rPr lang="en-US" dirty="0"/>
+              <a:t>Visual Studio XX.Y\Common7\IDE</a:t>
+            </a:r>
+            <a:r>
+              <a:rPr lang="en-US" dirty="0" smtClean="0"/>
+              <a:t>\“</a:t>
+            </a:r>
+          </a:p>
+          <a:p>
+            <a:r>
+              <a:rPr lang="en-US" dirty="0" smtClean="0"/>
+              <a:t>VSLauncher.exe</a:t>
+            </a:r>
+          </a:p>
+          <a:p>
+            <a:pPr lvl="1"/>
+            <a:r>
+              <a:rPr lang="en-US" dirty="0" smtClean="0"/>
+              <a:t>(win 64) "C</a:t>
+            </a:r>
+            <a:r>
+              <a:rPr lang="en-US" dirty="0"/>
+              <a:t>:\Program Files (x86)\Common Files\</a:t>
+            </a:r>
+            <a:r>
+              <a:rPr lang="en-US" dirty="0" err="1"/>
+              <a:t>microsoft</a:t>
+            </a:r>
+            <a:r>
+              <a:rPr lang="en-US" dirty="0"/>
+              <a:t> shared\</a:t>
+            </a:r>
+            <a:r>
+              <a:rPr lang="en-US" dirty="0" err="1"/>
+              <a:t>MSEnv</a:t>
+            </a:r>
+            <a:r>
+              <a:rPr lang="en-US" dirty="0" smtClean="0"/>
+              <a:t>\“</a:t>
+            </a:r>
+          </a:p>
+          <a:p>
+            <a:pPr lvl="1"/>
+            <a:r>
+              <a:rPr lang="en-US" dirty="0"/>
+              <a:t>(win 32) "C:\Program </a:t>
+            </a:r>
+            <a:r>
+              <a:rPr lang="en-US" dirty="0" smtClean="0"/>
+              <a:t>Files\Common </a:t>
+            </a:r>
+            <a:r>
+              <a:rPr lang="en-US" dirty="0"/>
+              <a:t>Files\</a:t>
+            </a:r>
+            <a:r>
+              <a:rPr lang="en-US" dirty="0" err="1"/>
+              <a:t>microsoft</a:t>
+            </a:r>
+            <a:r>
+              <a:rPr lang="en-US" dirty="0"/>
+              <a:t> shared\</a:t>
+            </a:r>
+            <a:r>
+              <a:rPr lang="en-US" dirty="0" err="1"/>
+              <a:t>MSEnv</a:t>
+            </a:r>
+            <a:r>
+              <a:rPr lang="en-US" dirty="0"/>
+              <a:t>\"</a:t>
             </a:r>
           </a:p>
         </p:txBody>
@@ -8670,7 +8909,7 @@
     </p:spTree>
     <p:extLst>
       <p:ext uri="{BB962C8B-B14F-4D97-AF65-F5344CB8AC3E}">
-        <p14:creationId xmlns:p14="http://schemas.microsoft.com/office/powerpoint/2010/main" val="468185828"/>
+        <p14:creationId xmlns:p14="http://schemas.microsoft.com/office/powerpoint/2010/main" val="536631026"/>
       </p:ext>
     </p:extLst>
   </p:cSld>
@@ -8716,14 +8955,6 @@
               <a:rPr lang="ru-RU" dirty="0" smtClean="0"/>
               <a:t>Редактор</a:t>
             </a:r>
-            <a:r>
-              <a:rPr lang="en-US" dirty="0" smtClean="0"/>
-              <a:t>: </a:t>
-            </a:r>
-            <a:r>
-              <a:rPr lang="ru-RU" dirty="0" smtClean="0"/>
-              <a:t>Поиск текста</a:t>
-            </a:r>
             <a:endParaRPr lang="en-US" dirty="0"/>
           </a:p>
         </p:txBody>
@@ -8741,7 +8972,7 @@
         <p:spPr/>
         <p:txBody>
           <a:bodyPr>
-            <a:normAutofit fontScale="85000" lnSpcReduction="10000"/>
+            <a:normAutofit lnSpcReduction="10000"/>
           </a:bodyPr>
           <a:lstStyle/>
           <a:p>
@@ -8751,12 +8982,44 @@
               </a:buClr>
             </a:pPr>
             <a:r>
-              <a:rPr lang="en-US" dirty="0" err="1" smtClean="0">
+              <a:rPr lang="en-US" dirty="0" smtClean="0">
+                <a:solidFill>
+                  <a:srgbClr val="92D050"/>
+                </a:solidFill>
+              </a:rPr>
+              <a:t>[10]</a:t>
+            </a:r>
+            <a:r>
+              <a:rPr lang="en-US" dirty="0" smtClean="0"/>
+              <a:t> </a:t>
+            </a:r>
+            <a:r>
+              <a:rPr lang="ru-RU" dirty="0" smtClean="0"/>
+              <a:t>Изменение размера шрифта </a:t>
+            </a:r>
+            <a:r>
+              <a:rPr lang="en-US" dirty="0">
                 <a:solidFill>
                   <a:srgbClr val="F6AE1E"/>
                 </a:solidFill>
               </a:rPr>
-              <a:t>Ctrl+i</a:t>
+              <a:t>(</a:t>
+            </a:r>
+            <a:r>
+              <a:rPr lang="en-US" dirty="0" err="1">
+                <a:solidFill>
+                  <a:srgbClr val="F6AE1E"/>
+                </a:solidFill>
+              </a:rPr>
+              <a:t>Ctrl+Shift</a:t>
+            </a:r>
+            <a:r>
+              <a:rPr lang="en-US" dirty="0">
+                <a:solidFill>
+                  <a:srgbClr val="F6AE1E"/>
+                </a:solidFill>
+              </a:rPr>
+              <a:t> + &lt;/&gt; </a:t>
             </a:r>
             <a:r>
               <a:rPr lang="ru-RU" dirty="0" smtClean="0">
@@ -8764,8 +9027,37 @@
                   <a:schemeClr val="bg1"/>
                 </a:solidFill>
               </a:rPr>
-              <a:t> поиск</a:t>
-            </a:r>
+              <a:t>или</a:t>
+            </a:r>
+            <a:r>
+              <a:rPr lang="en-US" dirty="0" smtClean="0">
+                <a:solidFill>
+                  <a:srgbClr val="F6AE1E"/>
+                </a:solidFill>
+              </a:rPr>
+              <a:t> </a:t>
+            </a:r>
+            <a:r>
+              <a:rPr lang="en-US" dirty="0">
+                <a:solidFill>
+                  <a:srgbClr val="F6AE1E"/>
+                </a:solidFill>
+              </a:rPr>
+              <a:t>Ctrl + Mouse Scroll</a:t>
+            </a:r>
+            <a:r>
+              <a:rPr lang="en-US" dirty="0" smtClean="0">
+                <a:solidFill>
+                  <a:srgbClr val="F6AE1E"/>
+                </a:solidFill>
+              </a:rPr>
+              <a:t>)</a:t>
+            </a:r>
+            <a:endParaRPr lang="ru-RU" dirty="0" smtClean="0">
+              <a:solidFill>
+                <a:srgbClr val="F6AE1E"/>
+              </a:solidFill>
+            </a:endParaRPr>
           </a:p>
           <a:p>
             <a:pPr>
@@ -8776,27 +9068,80 @@
             <a:r>
               <a:rPr lang="en-US" dirty="0">
                 <a:solidFill>
+                  <a:srgbClr val="92D050"/>
+                </a:solidFill>
+              </a:rPr>
+              <a:t>[10]</a:t>
+            </a:r>
+            <a:r>
+              <a:rPr lang="en-US" dirty="0" smtClean="0"/>
+              <a:t> </a:t>
+            </a:r>
+            <a:r>
+              <a:rPr lang="ru-RU" dirty="0" smtClean="0"/>
+              <a:t>Многострочное редактирование</a:t>
+            </a:r>
+            <a:r>
+              <a:rPr lang="en-US" dirty="0" smtClean="0"/>
+              <a:t> </a:t>
+            </a:r>
+            <a:r>
+              <a:rPr lang="en-US" dirty="0" smtClean="0">
+                <a:solidFill>
                   <a:srgbClr val="F6AE1E"/>
                 </a:solidFill>
               </a:rPr>
-              <a:t>F3/Shift+F3</a:t>
+              <a:t>(</a:t>
+            </a:r>
+            <a:r>
+              <a:rPr lang="en-US" dirty="0" err="1">
+                <a:solidFill>
+                  <a:srgbClr val="F6AE1E"/>
+                </a:solidFill>
+              </a:rPr>
+              <a:t>Alt+Shift</a:t>
+            </a:r>
+            <a:r>
+              <a:rPr lang="en-US" dirty="0">
+                <a:solidFill>
+                  <a:srgbClr val="F6AE1E"/>
+                </a:solidFill>
+              </a:rPr>
+              <a:t> + Up/Down</a:t>
+            </a:r>
+            <a:r>
+              <a:rPr lang="en-US" dirty="0"/>
+              <a:t> </a:t>
+            </a:r>
+            <a:r>
+              <a:rPr lang="ru-RU" dirty="0" smtClean="0"/>
+              <a:t>или</a:t>
+            </a:r>
+            <a:r>
+              <a:rPr lang="en-US" dirty="0" smtClean="0"/>
+              <a:t> </a:t>
+            </a:r>
+            <a:r>
+              <a:rPr lang="en-US" dirty="0">
+                <a:solidFill>
+                  <a:srgbClr val="F6AE1E"/>
+                </a:solidFill>
+              </a:rPr>
+              <a:t>Alt + Mouse Up/Down</a:t>
             </a:r>
             <a:r>
               <a:rPr lang="en-US" dirty="0" smtClean="0">
                 <a:solidFill>
-                  <a:schemeClr val="bg1"/>
-                </a:solidFill>
-              </a:rPr>
-              <a:t> </a:t>
-            </a:r>
-            <a:r>
-              <a:rPr lang="ru-RU" dirty="0" smtClean="0">
-                <a:solidFill>
-                  <a:schemeClr val="bg1"/>
-                </a:solidFill>
-              </a:rPr>
-              <a:t>найти следующее/предыдущее вхождение строки</a:t>
-            </a:r>
+                  <a:srgbClr val="F6AE1E"/>
+                </a:solidFill>
+              </a:rPr>
+              <a:t>)</a:t>
+            </a:r>
+            <a:endParaRPr lang="ru-RU" dirty="0" smtClean="0">
+              <a:solidFill>
+                <a:srgbClr val="F6AE1E"/>
+              </a:solidFill>
+            </a:endParaRPr>
           </a:p>
           <a:p>
             <a:pPr>
@@ -8805,29 +9150,82 @@
               </a:buClr>
             </a:pPr>
             <a:r>
+              <a:rPr lang="en-US" dirty="0" smtClean="0">
+                <a:solidFill>
+                  <a:srgbClr val="92D050"/>
+                </a:solidFill>
+              </a:rPr>
+              <a:t>[0</a:t>
+            </a:r>
+            <a:r>
+              <a:rPr lang="ru-RU" dirty="0" smtClean="0">
+                <a:solidFill>
+                  <a:srgbClr val="92D050"/>
+                </a:solidFill>
+              </a:rPr>
+              <a:t>5</a:t>
+            </a:r>
+            <a:r>
+              <a:rPr lang="en-US" dirty="0" smtClean="0">
+                <a:solidFill>
+                  <a:srgbClr val="92D050"/>
+                </a:solidFill>
+              </a:rPr>
+              <a:t>]</a:t>
+            </a:r>
+            <a:r>
+              <a:rPr lang="en-US" dirty="0" smtClean="0"/>
+              <a:t> </a:t>
+            </a:r>
+            <a:r>
+              <a:rPr lang="ru-RU" dirty="0" smtClean="0"/>
+              <a:t>Вставка текста из ц</a:t>
+            </a:r>
+            <a:r>
+              <a:rPr lang="ru-RU" dirty="0" smtClean="0">
+                <a:solidFill>
+                  <a:schemeClr val="bg1"/>
+                </a:solidFill>
+              </a:rPr>
+              <a:t>иклического буфера обмена </a:t>
+            </a:r>
+            <a:r>
               <a:rPr lang="en-US" dirty="0">
                 <a:solidFill>
                   <a:srgbClr val="F6AE1E"/>
                 </a:solidFill>
               </a:rPr>
-              <a:t>Ctrl+F3</a:t>
+              <a:t>(</a:t>
+            </a:r>
+            <a:r>
+              <a:rPr lang="en-US" dirty="0" err="1">
+                <a:solidFill>
+                  <a:srgbClr val="F6AE1E"/>
+                </a:solidFill>
+              </a:rPr>
+              <a:t>Ctrl+Shift</a:t>
+            </a:r>
+            <a:r>
+              <a:rPr lang="en-US" dirty="0">
+                <a:solidFill>
+                  <a:srgbClr val="F6AE1E"/>
+                </a:solidFill>
+              </a:rPr>
+              <a:t> + V</a:t>
             </a:r>
             <a:r>
               <a:rPr lang="en-US" dirty="0" smtClean="0">
                 <a:solidFill>
-                  <a:schemeClr val="bg1"/>
-                </a:solidFill>
-              </a:rPr>
-              <a:t> </a:t>
-            </a:r>
-            <a:r>
-              <a:rPr lang="ru-RU" dirty="0" smtClean="0">
-                <a:solidFill>
-                  <a:schemeClr val="bg1"/>
-                </a:solidFill>
-              </a:rPr>
-              <a:t>найти следующее вхождение выделенного текста</a:t>
-            </a:r>
+                  <a:srgbClr val="F6AE1E"/>
+                </a:solidFill>
+              </a:rPr>
+              <a:t>)</a:t>
+            </a:r>
+            <a:endParaRPr lang="ru-RU" dirty="0" smtClean="0">
+              <a:solidFill>
+                <a:srgbClr val="F6AE1E"/>
+              </a:solidFill>
+            </a:endParaRPr>
           </a:p>
           <a:p>
             <a:pPr>
@@ -8836,113 +9234,36 @@
               </a:buClr>
             </a:pPr>
             <a:r>
-              <a:rPr lang="en-US" dirty="0" err="1">
+              <a:rPr lang="ru-RU" smtClean="0">
+                <a:solidFill>
+                  <a:schemeClr val="bg1"/>
+                </a:solidFill>
+              </a:rPr>
+              <a:t>Прокрутка текста без изменения положения курсора</a:t>
+            </a:r>
+            <a:r>
+              <a:rPr lang="en-US" dirty="0" smtClean="0">
+                <a:solidFill>
+                  <a:schemeClr val="bg1"/>
+                </a:solidFill>
+              </a:rPr>
+              <a:t> </a:t>
+            </a:r>
+            <a:r>
+              <a:rPr lang="en-US" dirty="0">
                 <a:solidFill>
                   <a:srgbClr val="F6AE1E"/>
                 </a:solidFill>
               </a:rPr>
-              <a:t>Ctrl+Shift+F</a:t>
-            </a:r>
-            <a:r>
-              <a:rPr lang="en-US" dirty="0" smtClean="0">
-                <a:solidFill>
-                  <a:schemeClr val="bg1"/>
-                </a:solidFill>
-              </a:rPr>
-              <a:t> </a:t>
-            </a:r>
-            <a:r>
-              <a:rPr lang="ru-RU" dirty="0" smtClean="0">
-                <a:solidFill>
-                  <a:schemeClr val="bg1"/>
-                </a:solidFill>
-              </a:rPr>
-              <a:t>найти в </a:t>
-            </a:r>
-            <a:r>
-              <a:rPr lang="en-US" dirty="0" smtClean="0">
-                <a:solidFill>
-                  <a:schemeClr val="bg1"/>
-                </a:solidFill>
-              </a:rPr>
-              <a:t>solution</a:t>
-            </a:r>
-          </a:p>
-          <a:p>
-            <a:pPr marL="0" indent="0">
-              <a:buClr>
-                <a:schemeClr val="bg1"/>
-              </a:buClr>
-              <a:buNone/>
-            </a:pPr>
-            <a:endParaRPr lang="ru-RU" dirty="0" smtClean="0">
-              <a:solidFill>
-                <a:schemeClr val="bg1"/>
-              </a:solidFill>
-            </a:endParaRPr>
-          </a:p>
-          <a:p>
-            <a:pPr>
-              <a:buClr>
-                <a:schemeClr val="bg1"/>
-              </a:buClr>
-            </a:pPr>
-            <a:endParaRPr lang="ru-RU" dirty="0">
-              <a:solidFill>
-                <a:schemeClr val="bg1"/>
-              </a:solidFill>
-            </a:endParaRPr>
-          </a:p>
-          <a:p>
-            <a:pPr marL="0" indent="0">
-              <a:buClr>
-                <a:schemeClr val="bg1"/>
-              </a:buClr>
-              <a:buNone/>
-            </a:pPr>
-            <a:r>
-              <a:rPr lang="en-US" dirty="0">
-                <a:solidFill>
-                  <a:schemeClr val="bg1"/>
-                </a:solidFill>
-                <a:hlinkClick r:id="rId2"/>
-              </a:rPr>
-              <a:t>http://</a:t>
-            </a:r>
-            <a:r>
-              <a:rPr lang="en-US" dirty="0" smtClean="0">
-                <a:solidFill>
-                  <a:schemeClr val="bg1"/>
-                </a:solidFill>
-                <a:hlinkClick r:id="rId2"/>
-              </a:rPr>
-              <a:t>weblogs.asp.net/scottgu/archive/2010/08/24/search-and-navigation-tips-tricks-with-visual-studio.aspx</a:t>
-            </a:r>
-            <a:endParaRPr lang="ru-RU" dirty="0" smtClean="0">
-              <a:solidFill>
-                <a:schemeClr val="bg1"/>
-              </a:solidFill>
-            </a:endParaRPr>
-          </a:p>
-          <a:p>
-            <a:pPr marL="0" indent="0">
-              <a:buClr>
-                <a:schemeClr val="bg1"/>
-              </a:buClr>
-              <a:buNone/>
-            </a:pPr>
-            <a:endParaRPr lang="en-US" dirty="0">
-              <a:solidFill>
-                <a:schemeClr val="bg1"/>
-              </a:solidFill>
-            </a:endParaRPr>
+              <a:t>(Ctrl + Up/Down Arrow)</a:t>
+            </a:r>
           </a:p>
         </p:txBody>
       </p:sp>
     </p:spTree>
     <p:extLst>
       <p:ext uri="{BB962C8B-B14F-4D97-AF65-F5344CB8AC3E}">
-        <p14:creationId xmlns:p14="http://schemas.microsoft.com/office/powerpoint/2010/main" val="1967395690"/>
+        <p14:creationId xmlns:p14="http://schemas.microsoft.com/office/powerpoint/2010/main" val="468185828"/>
       </p:ext>
     </p:extLst>
   </p:cSld>
@@ -8993,8 +9314,8 @@
               <a:t>: </a:t>
             </a:r>
             <a:r>
-              <a:rPr lang="en-US" dirty="0" smtClean="0"/>
-              <a:t>Column mode</a:t>
+              <a:rPr lang="ru-RU" dirty="0" smtClean="0"/>
+              <a:t>Поиск текста</a:t>
             </a:r>
             <a:endParaRPr lang="en-US" dirty="0"/>
           </a:p>
@@ -9013,7 +9334,7 @@
         <p:spPr/>
         <p:txBody>
           <a:bodyPr>
-            <a:normAutofit/>
+            <a:normAutofit fontScale="85000" lnSpcReduction="10000"/>
           </a:bodyPr>
           <a:lstStyle/>
           <a:p>
@@ -9028,7 +9349,7 @@
                   <a:srgbClr val="F6AE1E"/>
                 </a:solidFill>
               </a:rPr>
-              <a:t>Shift+Alt+Arrow</a:t>
+              <a:t>Ctrl+i</a:t>
             </a:r>
             <a:r>
               <a:rPr lang="ru-RU" dirty="0" smtClean="0">
@@ -9036,23 +9357,7 @@
                   <a:schemeClr val="bg1"/>
                 </a:solidFill>
               </a:rPr>
-              <a:t> </a:t>
-            </a:r>
-            <a:r>
-              <a:rPr lang="ru-RU" dirty="0" smtClean="0">
-                <a:solidFill>
-                  <a:schemeClr val="bg1"/>
-                </a:solidFill>
-              </a:rPr>
-              <a:t>позволяет </a:t>
-            </a:r>
-            <a:r>
-              <a:rPr lang="ru-RU" dirty="0" smtClean="0">
-                <a:solidFill>
-                  <a:schemeClr val="bg1"/>
-                </a:solidFill>
-              </a:rPr>
-              <a:t>выделить прямоугольный блок текста</a:t>
+              <a:t> поиск</a:t>
             </a:r>
           </a:p>
           <a:p>
@@ -9067,7 +9372,7 @@
                   <a:srgbClr val="F6AE1E"/>
                 </a:solidFill>
               </a:rPr>
-              <a:t>Alt + Left Mouse</a:t>
+              <a:t>F3/Shift+F3</a:t>
             </a:r>
             <a:r>
               <a:rPr lang="en-US" dirty="0" smtClean="0">
@@ -9075,7 +9380,7 @@
                   <a:schemeClr val="bg1"/>
                 </a:solidFill>
               </a:rPr>
-              <a:t> Button </a:t>
+              <a:t> </a:t>
             </a:r>
             <a:r>
               <a:rPr lang="ru-RU" dirty="0" smtClean="0">
@@ -9083,29 +9388,8 @@
                   <a:schemeClr val="bg1"/>
                 </a:solidFill>
               </a:rPr>
-              <a:t>позиционирует курсор за концом строки даже если опция «</a:t>
-            </a:r>
-            <a:r>
-              <a:rPr lang="en-US" dirty="0" smtClean="0">
-                <a:solidFill>
-                  <a:schemeClr val="bg1"/>
-                </a:solidFill>
-              </a:rPr>
-              <a:t>enable virtual space</a:t>
-            </a:r>
-            <a:r>
-              <a:rPr lang="ru-RU" dirty="0" smtClean="0">
-                <a:solidFill>
-                  <a:schemeClr val="bg1"/>
-                </a:solidFill>
-              </a:rPr>
-              <a:t>» выключена</a:t>
-            </a:r>
-            <a:endParaRPr lang="ru-RU" dirty="0" smtClean="0">
-              <a:solidFill>
-                <a:schemeClr val="bg1"/>
-              </a:solidFill>
-            </a:endParaRPr>
+              <a:t>найти следующее/предыдущее вхождение строки</a:t>
+            </a:r>
           </a:p>
           <a:p>
             <a:pPr>
@@ -9113,11 +9397,69 @@
                 <a:schemeClr val="bg1"/>
               </a:buClr>
             </a:pPr>
-            <a:endParaRPr lang="en-US" dirty="0" smtClean="0">
-              <a:solidFill>
+            <a:r>
+              <a:rPr lang="en-US" dirty="0">
+                <a:solidFill>
+                  <a:srgbClr val="F6AE1E"/>
+                </a:solidFill>
+              </a:rPr>
+              <a:t>Ctrl+F3</a:t>
+            </a:r>
+            <a:r>
+              <a:rPr lang="en-US" dirty="0" smtClean="0">
+                <a:solidFill>
+                  <a:schemeClr val="bg1"/>
+                </a:solidFill>
+              </a:rPr>
+              <a:t> </a:t>
+            </a:r>
+            <a:r>
+              <a:rPr lang="ru-RU" dirty="0" smtClean="0">
+                <a:solidFill>
+                  <a:schemeClr val="bg1"/>
+                </a:solidFill>
+              </a:rPr>
+              <a:t>найти следующее вхождение выделенного текста</a:t>
+            </a:r>
+          </a:p>
+          <a:p>
+            <a:pPr>
+              <a:buClr>
                 <a:schemeClr val="bg1"/>
-              </a:solidFill>
-            </a:endParaRPr>
+              </a:buClr>
+            </a:pPr>
+            <a:r>
+              <a:rPr lang="en-US" dirty="0" err="1">
+                <a:solidFill>
+                  <a:srgbClr val="F6AE1E"/>
+                </a:solidFill>
+              </a:rPr>
+              <a:t>Ctrl+Shift+F</a:t>
+            </a:r>
+            <a:r>
+              <a:rPr lang="en-US" dirty="0" smtClean="0">
+                <a:solidFill>
+                  <a:schemeClr val="bg1"/>
+                </a:solidFill>
+              </a:rPr>
+              <a:t> </a:t>
+            </a:r>
+            <a:r>
+              <a:rPr lang="ru-RU" dirty="0" smtClean="0">
+                <a:solidFill>
+                  <a:schemeClr val="bg1"/>
+                </a:solidFill>
+              </a:rPr>
+              <a:t>найти в </a:t>
+            </a:r>
+            <a:r>
+              <a:rPr lang="en-US" dirty="0" smtClean="0">
+                <a:solidFill>
+                  <a:schemeClr val="bg1"/>
+                </a:solidFill>
+              </a:rPr>
+              <a:t>solution</a:t>
+            </a:r>
           </a:p>
           <a:p>
             <a:pPr marL="0" indent="0">
@@ -9151,6 +9493,37 @@
               </a:buClr>
               <a:buNone/>
             </a:pPr>
+            <a:r>
+              <a:rPr lang="en-US" dirty="0">
+                <a:solidFill>
+                  <a:schemeClr val="bg1"/>
+                </a:solidFill>
+                <a:hlinkClick r:id="rId2"/>
+              </a:rPr>
+              <a:t>http://</a:t>
+            </a:r>
+            <a:r>
+              <a:rPr lang="en-US" dirty="0" smtClean="0">
+                <a:solidFill>
+                  <a:schemeClr val="bg1"/>
+                </a:solidFill>
+                <a:hlinkClick r:id="rId2"/>
+              </a:rPr>
+              <a:t>weblogs.asp.net/scottgu/archive/2010/08/24/search-and-navigation-tips-tricks-with-visual-studio.aspx</a:t>
+            </a:r>
+            <a:endParaRPr lang="ru-RU" dirty="0" smtClean="0">
+              <a:solidFill>
+                <a:schemeClr val="bg1"/>
+              </a:solidFill>
+            </a:endParaRPr>
+          </a:p>
+          <a:p>
+            <a:pPr marL="0" indent="0">
+              <a:buClr>
+                <a:schemeClr val="bg1"/>
+              </a:buClr>
+              <a:buNone/>
+            </a:pPr>
             <a:endParaRPr lang="en-US" dirty="0">
               <a:solidFill>
                 <a:schemeClr val="bg1"/>
@@ -9162,7 +9535,7 @@
     </p:spTree>
     <p:extLst>
       <p:ext uri="{BB962C8B-B14F-4D97-AF65-F5344CB8AC3E}">
-        <p14:creationId xmlns:p14="http://schemas.microsoft.com/office/powerpoint/2010/main" val="1998512366"/>
+        <p14:creationId xmlns:p14="http://schemas.microsoft.com/office/powerpoint/2010/main" val="1967395690"/>
       </p:ext>
     </p:extLst>
   </p:cSld>
@@ -9175,20 +9548,6 @@
 <file path=ppt/slides/slide9.xml><?xml version="1.0" encoding="utf-8"?>
 <p:sld xmlns:a="http://schemas.openxmlformats.org/drawingml/2006/main" xmlns:r="http://schemas.openxmlformats.org/officeDocument/2006/relationships" xmlns:p="http://schemas.openxmlformats.org/presentationml/2006/main">
   <p:cSld>
-    <p:bg>
-      <p:bgPr>
-        <a:blipFill dpi="0" rotWithShape="1">
-          <a:blip r:embed="rId3">
-            <a:lum/>
-          </a:blip>
-          <a:srcRect/>
-          <a:stretch>
-            <a:fillRect/>
-          </a:stretch>
-        </a:blipFill>
-        <a:effectLst/>
-      </p:bgPr>
-    </p:bg>
     <p:spTree>
       <p:nvGrpSpPr>
         <p:cNvPr id="1" name=""/>
@@ -9224,11 +9583,7 @@
             </a:r>
             <a:r>
               <a:rPr lang="en-US" dirty="0" smtClean="0"/>
-              <a:t>: </a:t>
-            </a:r>
-            <a:r>
-              <a:rPr lang="ru-RU" dirty="0" smtClean="0"/>
-              <a:t>Навигация по коду</a:t>
+              <a:t>: Column mode</a:t>
             </a:r>
             <a:endParaRPr lang="en-US" dirty="0"/>
           </a:p>
@@ -9247,7 +9602,7 @@
         <p:spPr/>
         <p:txBody>
           <a:bodyPr>
-            <a:normAutofit fontScale="92500" lnSpcReduction="20000"/>
+            <a:normAutofit/>
           </a:bodyPr>
           <a:lstStyle/>
           <a:p>
@@ -9257,28 +9612,20 @@
               </a:buClr>
             </a:pPr>
             <a:r>
-              <a:rPr lang="en-US" smtClean="0">
+              <a:rPr lang="en-US" dirty="0" err="1" smtClean="0">
                 <a:solidFill>
                   <a:srgbClr val="F6AE1E"/>
                 </a:solidFill>
               </a:rPr>
-              <a:t>F12</a:t>
-            </a:r>
-            <a:r>
-              <a:rPr lang="en-US" smtClean="0">
+              <a:t>Shift+Alt+Arrow</a:t>
+            </a:r>
+            <a:r>
+              <a:rPr lang="ru-RU" dirty="0" smtClean="0">
                 <a:solidFill>
                   <a:schemeClr val="bg1"/>
                 </a:solidFill>
               </a:rPr>
-              <a:t> </a:t>
-            </a:r>
-            <a:r>
-              <a:rPr lang="ru-RU" dirty="0" smtClean="0">
-                <a:solidFill>
-                  <a:schemeClr val="bg1"/>
-                </a:solidFill>
-              </a:rPr>
-              <a:t>перейти к объявлению</a:t>
+              <a:t> позволяет выделить прямоугольный блок текста</a:t>
             </a:r>
           </a:p>
           <a:p>
@@ -9293,7 +9640,7 @@
                   <a:srgbClr val="F6AE1E"/>
                 </a:solidFill>
               </a:rPr>
-              <a:t>Shift+F12</a:t>
+              <a:t>Alt + Left Mouse</a:t>
             </a:r>
             <a:r>
               <a:rPr lang="en-US" dirty="0" smtClean="0">
@@ -9301,7 +9648,7 @@
                   <a:schemeClr val="bg1"/>
                 </a:solidFill>
               </a:rPr>
-              <a:t> </a:t>
+              <a:t> Button </a:t>
             </a:r>
             <a:r>
               <a:rPr lang="ru-RU" dirty="0" smtClean="0">
@@ -9309,7 +9656,23 @@
                   <a:schemeClr val="bg1"/>
                 </a:solidFill>
               </a:rPr>
-              <a:t>найти все места где используется имя</a:t>
+              <a:t>позиционирует курсор за концом строки даже если опция «</a:t>
+            </a:r>
+            <a:r>
+              <a:rPr lang="en-US" dirty="0" smtClean="0">
+                <a:solidFill>
+                  <a:schemeClr val="bg1"/>
+                </a:solidFill>
+              </a:rPr>
+              <a:t>enable virtual space</a:t>
+            </a:r>
+            <a:r>
+              <a:rPr lang="ru-RU" dirty="0" smtClean="0">
+                <a:solidFill>
+                  <a:schemeClr val="bg1"/>
+                </a:solidFill>
+              </a:rPr>
+              <a:t>» выключена</a:t>
             </a:r>
           </a:p>
           <a:p>
@@ -9318,118 +9681,20 @@
                 <a:schemeClr val="bg1"/>
               </a:buClr>
             </a:pPr>
-            <a:r>
-              <a:rPr lang="en-US" dirty="0">
-                <a:solidFill>
-                  <a:srgbClr val="F6AE1E"/>
-                </a:solidFill>
-              </a:rPr>
-              <a:t>Ctrl+</a:t>
-            </a:r>
-            <a:r>
-              <a:rPr lang="ru-RU" dirty="0">
-                <a:solidFill>
-                  <a:srgbClr val="F6AE1E"/>
-                </a:solidFill>
-              </a:rPr>
-              <a:t>Минус</a:t>
-            </a:r>
-            <a:r>
-              <a:rPr lang="en-US" dirty="0" smtClean="0">
-                <a:solidFill>
-                  <a:schemeClr val="bg1"/>
-                </a:solidFill>
-              </a:rPr>
-              <a:t> </a:t>
-            </a:r>
-            <a:r>
-              <a:rPr lang="ru-RU" dirty="0" smtClean="0">
-                <a:solidFill>
-                  <a:schemeClr val="bg1"/>
-                </a:solidFill>
-              </a:rPr>
-              <a:t>и </a:t>
-            </a:r>
-            <a:r>
-              <a:rPr lang="en-US" dirty="0" err="1" smtClean="0">
-                <a:solidFill>
-                  <a:srgbClr val="F6AE1E"/>
-                </a:solidFill>
-              </a:rPr>
-              <a:t>Shift+Ctrl</a:t>
-            </a:r>
-            <a:r>
-              <a:rPr lang="en-US" dirty="0" smtClean="0">
-                <a:solidFill>
-                  <a:srgbClr val="F6AE1E"/>
-                </a:solidFill>
-              </a:rPr>
-              <a:t>+</a:t>
-            </a:r>
-            <a:r>
-              <a:rPr lang="ru-RU" dirty="0" smtClean="0">
-                <a:solidFill>
-                  <a:srgbClr val="F6AE1E"/>
-                </a:solidFill>
-              </a:rPr>
-              <a:t>Минус</a:t>
-            </a:r>
-            <a:r>
-              <a:rPr lang="en-US" dirty="0" smtClean="0">
-                <a:solidFill>
-                  <a:schemeClr val="bg1"/>
-                </a:solidFill>
-              </a:rPr>
-              <a:t> </a:t>
-            </a:r>
-            <a:r>
-              <a:rPr lang="ru-RU" dirty="0" smtClean="0">
-                <a:solidFill>
-                  <a:schemeClr val="bg1"/>
-                </a:solidFill>
-              </a:rPr>
-              <a:t>навигация «вперед»/«назад»</a:t>
-            </a:r>
-          </a:p>
-          <a:p>
-            <a:pPr>
+            <a:endParaRPr lang="en-US" dirty="0" smtClean="0">
+              <a:solidFill>
+                <a:schemeClr val="bg1"/>
+              </a:solidFill>
+            </a:endParaRPr>
+          </a:p>
+          <a:p>
+            <a:pPr marL="0" indent="0">
               <a:buClr>
                 <a:schemeClr val="bg1"/>
               </a:buClr>
+              <a:buNone/>
             </a:pPr>
-            <a:r>
-              <a:rPr lang="en-US" dirty="0" err="1">
-                <a:solidFill>
-                  <a:srgbClr val="F6AE1E"/>
-                </a:solidFill>
-              </a:rPr>
-              <a:t>Ctrl+Alt</a:t>
-            </a:r>
-            <a:r>
-              <a:rPr lang="en-US" dirty="0">
-                <a:solidFill>
-                  <a:srgbClr val="F6AE1E"/>
-                </a:solidFill>
-              </a:rPr>
-              <a:t>+</a:t>
-            </a:r>
-            <a:r>
-              <a:rPr lang="ru-RU" dirty="0">
-                <a:solidFill>
-                  <a:srgbClr val="F6AE1E"/>
-                </a:solidFill>
-              </a:rPr>
-              <a:t>Стрелка вниз</a:t>
-            </a:r>
-            <a:r>
-              <a:rPr lang="ru-RU" dirty="0" smtClean="0">
-                <a:solidFill>
-                  <a:schemeClr val="bg1"/>
-                </a:solidFill>
-              </a:rPr>
-              <a:t> показать список открытых файлов</a:t>
-            </a:r>
-            <a:endParaRPr lang="en-US" dirty="0" smtClean="0">
+            <a:endParaRPr lang="ru-RU" dirty="0" smtClean="0">
               <a:solidFill>
                 <a:schemeClr val="bg1"/>
               </a:solidFill>
@@ -9454,37 +9719,6 @@
               </a:buClr>
               <a:buNone/>
             </a:pPr>
-            <a:r>
-              <a:rPr lang="en-US" dirty="0">
-                <a:solidFill>
-                  <a:schemeClr val="bg1"/>
-                </a:solidFill>
-                <a:hlinkClick r:id="rId4"/>
-              </a:rPr>
-              <a:t>http://</a:t>
-            </a:r>
-            <a:r>
-              <a:rPr lang="en-US" dirty="0" smtClean="0">
-                <a:solidFill>
-                  <a:schemeClr val="bg1"/>
-                </a:solidFill>
-                <a:hlinkClick r:id="rId4"/>
-              </a:rPr>
-              <a:t>weblogs.asp.net/scottgu/archive/2010/08/24/search-and-navigation-tips-tricks-with-visual-studio.aspx</a:t>
-            </a:r>
-            <a:endParaRPr lang="ru-RU" dirty="0" smtClean="0">
-              <a:solidFill>
-                <a:schemeClr val="bg1"/>
-              </a:solidFill>
-            </a:endParaRPr>
-          </a:p>
-          <a:p>
-            <a:pPr marL="0" indent="0">
-              <a:buClr>
-                <a:schemeClr val="bg1"/>
-              </a:buClr>
-              <a:buNone/>
-            </a:pPr>
             <a:endParaRPr lang="en-US" dirty="0">
               <a:solidFill>
                 <a:schemeClr val="bg1"/>
@@ -9496,12 +9730,12 @@
     </p:spTree>
     <p:extLst>
       <p:ext uri="{BB962C8B-B14F-4D97-AF65-F5344CB8AC3E}">
-        <p14:creationId xmlns:p14="http://schemas.microsoft.com/office/powerpoint/2010/main" val="1465218823"/>
+        <p14:creationId xmlns:p14="http://schemas.microsoft.com/office/powerpoint/2010/main" val="1998512366"/>
       </p:ext>
     </p:extLst>
   </p:cSld>
   <p:clrMapOvr>
-    <a:overrideClrMapping bg1="lt1" tx1="dk1" bg2="lt2" tx2="dk2" accent1="accent1" accent2="accent2" accent3="accent3" accent4="accent4" accent5="accent5" accent6="accent6" hlink="hlink" folHlink="folHlink"/>
+    <a:masterClrMapping/>
   </p:clrMapOvr>
 </p:sld>
 </file>

--- a/Presentation/tools-visual-studio.pptx
+++ b/Presentation/tools-visual-studio.pptx
@@ -6,7 +6,7 @@
     <p:sldMasterId id="2147483663" r:id="rId2"/>
   </p:sldMasterIdLst>
   <p:notesMasterIdLst>
-    <p:notesMasterId r:id="rId19"/>
+    <p:notesMasterId r:id="rId21"/>
   </p:notesMasterIdLst>
   <p:sldIdLst>
     <p:sldId id="257" r:id="rId3"/>
@@ -20,11 +20,13 @@
     <p:sldId id="271" r:id="rId11"/>
     <p:sldId id="266" r:id="rId12"/>
     <p:sldId id="269" r:id="rId13"/>
-    <p:sldId id="267" r:id="rId14"/>
-    <p:sldId id="268" r:id="rId15"/>
-    <p:sldId id="260" r:id="rId16"/>
-    <p:sldId id="261" r:id="rId17"/>
-    <p:sldId id="258" r:id="rId18"/>
+    <p:sldId id="273" r:id="rId14"/>
+    <p:sldId id="274" r:id="rId15"/>
+    <p:sldId id="267" r:id="rId16"/>
+    <p:sldId id="268" r:id="rId17"/>
+    <p:sldId id="260" r:id="rId18"/>
+    <p:sldId id="261" r:id="rId19"/>
+    <p:sldId id="258" r:id="rId20"/>
   </p:sldIdLst>
   <p:sldSz cx="9144000" cy="6858000" type="screen4x3"/>
   <p:notesSz cx="6858000" cy="9144000"/>
@@ -208,7 +210,7 @@
           <a:p>
             <a:fld id="{B24A7054-7FFB-49F4-A126-5DF6E687FF53}" type="datetimeFigureOut">
               <a:rPr lang="ru-RU" smtClean="0"/>
-              <a:t>26.09.2013</a:t>
+              <a:t>27.09.2013</a:t>
             </a:fld>
             <a:endParaRPr lang="ru-RU"/>
           </a:p>
@@ -1490,7 +1492,7 @@
           <a:p>
             <a:fld id="{8E6E6A2A-E9D3-4A0D-B04A-ABDD367A1E08}" type="datetimeFigureOut">
               <a:rPr lang="ru-RU" smtClean="0"/>
-              <a:t>26.09.2013</a:t>
+              <a:t>27.09.2013</a:t>
             </a:fld>
             <a:endParaRPr lang="ru-RU"/>
           </a:p>
@@ -4003,7 +4005,7 @@
                 </a:solidFill>
               </a:rPr>
               <a:pPr/>
-              <a:t>26.09.2013</a:t>
+              <a:t>27.09.2013</a:t>
             </a:fld>
             <a:endParaRPr lang="ru-RU">
               <a:solidFill>
@@ -5264,7 +5266,7 @@
           <a:p>
             <a:fld id="{AC3D3127-B7C4-45E3-9797-C527EC9FDD78}" type="datetimeFigureOut">
               <a:rPr lang="ru-RU" smtClean="0"/>
-              <a:t>26.09.2013</a:t>
+              <a:t>27.09.2013</a:t>
             </a:fld>
             <a:endParaRPr lang="ru-RU"/>
           </a:p>
@@ -5800,7 +5802,7 @@
                 </a:solidFill>
               </a:rPr>
               <a:pPr/>
-              <a:t>26.09.2013</a:t>
+              <a:t>27.09.2013</a:t>
             </a:fld>
             <a:endParaRPr lang="ru-RU">
               <a:solidFill>
@@ -6475,7 +6477,7 @@
               </a:buClr>
             </a:pPr>
             <a:r>
-              <a:rPr lang="en-US" smtClean="0">
+              <a:rPr lang="en-US" dirty="0" smtClean="0">
                 <a:solidFill>
                   <a:srgbClr val="F6AE1E"/>
                 </a:solidFill>
@@ -6483,7 +6485,7 @@
               <a:t>F12</a:t>
             </a:r>
             <a:r>
-              <a:rPr lang="en-US" smtClean="0">
+              <a:rPr lang="en-US" dirty="0" smtClean="0">
                 <a:solidFill>
                   <a:schemeClr val="bg1"/>
                 </a:solidFill>
@@ -6721,6 +6723,13 @@
   <p:clrMapOvr>
     <a:overrideClrMapping bg1="lt1" tx1="dk1" bg2="lt2" tx2="dk2" accent1="accent1" accent2="accent2" accent3="accent3" accent4="accent4" accent5="accent5" accent6="accent6" hlink="hlink" folHlink="folHlink"/>
   </p:clrMapOvr>
+  <p:timing>
+    <p:tnLst>
+      <p:par>
+        <p:cTn id="1" dur="indefinite" restart="never" nodeType="tmRoot"/>
+      </p:par>
+    </p:tnLst>
+  </p:timing>
 </p:sld>
 </file>
 
@@ -6947,20 +6956,6 @@
 <file path=ppt/slides/slide12.xml><?xml version="1.0" encoding="utf-8"?>
 <p:sld xmlns:a="http://schemas.openxmlformats.org/drawingml/2006/main" xmlns:r="http://schemas.openxmlformats.org/officeDocument/2006/relationships" xmlns:p="http://schemas.openxmlformats.org/presentationml/2006/main">
   <p:cSld>
-    <p:bg>
-      <p:bgPr>
-        <a:blipFill dpi="0" rotWithShape="1">
-          <a:blip r:embed="rId3">
-            <a:lum/>
-          </a:blip>
-          <a:srcRect/>
-          <a:stretch>
-            <a:fillRect/>
-          </a:stretch>
-        </a:blipFill>
-        <a:effectLst/>
-      </p:bgPr>
-    </p:bg>
     <p:spTree>
       <p:nvGrpSpPr>
         <p:cNvPr id="1" name=""/>
@@ -6992,11 +6987,15 @@
           <a:p>
             <a:r>
               <a:rPr lang="ru-RU" dirty="0" smtClean="0"/>
-              <a:t>Окна: </a:t>
+              <a:t>Редактор</a:t>
             </a:r>
             <a:r>
               <a:rPr lang="en-US" dirty="0" smtClean="0"/>
-              <a:t>Bookmarks</a:t>
+              <a:t>: </a:t>
+            </a:r>
+            <a:r>
+              <a:rPr lang="en-US" dirty="0" smtClean="0"/>
+              <a:t>Code Snippets</a:t>
             </a:r>
             <a:endParaRPr lang="en-US" dirty="0"/>
           </a:p>
@@ -7019,70 +7018,31 @@
           </a:bodyPr>
           <a:lstStyle/>
           <a:p>
-            <a:pPr>
+            <a:pPr marL="0" indent="0">
+              <a:spcAft>
+                <a:spcPts val="600"/>
+              </a:spcAft>
               <a:buClr>
                 <a:schemeClr val="bg1"/>
               </a:buClr>
+              <a:buNone/>
             </a:pPr>
             <a:r>
-              <a:rPr lang="ru-RU" dirty="0">
+              <a:rPr lang="en-US" dirty="0" smtClean="0">
                 <a:solidFill>
                   <a:schemeClr val="bg1"/>
                 </a:solidFill>
               </a:rPr>
-              <a:t>Закладки в текстовых файлах</a:t>
-            </a:r>
-            <a:endParaRPr lang="en-US" dirty="0" smtClean="0">
-              <a:solidFill>
-                <a:schemeClr val="bg1"/>
-              </a:solidFill>
-            </a:endParaRPr>
-          </a:p>
-          <a:p>
-            <a:pPr>
-              <a:buClr>
-                <a:schemeClr val="bg1"/>
-              </a:buClr>
-            </a:pPr>
+              <a:t>“Code Snippets” </a:t>
+            </a:r>
             <a:r>
               <a:rPr lang="ru-RU" dirty="0" smtClean="0">
                 <a:solidFill>
                   <a:schemeClr val="bg1"/>
                 </a:solidFill>
               </a:rPr>
-              <a:t>Команды меню </a:t>
-            </a:r>
-            <a:r>
-              <a:rPr lang="en-US" dirty="0" smtClean="0">
-                <a:solidFill>
-                  <a:schemeClr val="bg1"/>
-                </a:solidFill>
-              </a:rPr>
-              <a:t>View -&gt; Bookmark Window</a:t>
-            </a:r>
-            <a:r>
-              <a:rPr lang="ru-RU" dirty="0" smtClean="0">
-                <a:solidFill>
-                  <a:schemeClr val="bg1"/>
-                </a:solidFill>
-              </a:rPr>
-              <a:t> и </a:t>
-            </a:r>
-            <a:r>
-              <a:rPr lang="en-US" dirty="0" smtClean="0">
-                <a:solidFill>
-                  <a:schemeClr val="bg1"/>
-                </a:solidFill>
-              </a:rPr>
-              <a:t>Edit -&gt; Bookmarks.</a:t>
-            </a:r>
-          </a:p>
-          <a:p>
-            <a:pPr>
-              <a:buClr>
-                <a:schemeClr val="bg1"/>
-              </a:buClr>
-            </a:pPr>
+              <a:t>это короткие шаблоны кода на различных языках программирования.</a:t>
+            </a:r>
             <a:endParaRPr lang="ru-RU" dirty="0" smtClean="0">
               <a:solidFill>
                 <a:schemeClr val="bg1"/>
@@ -7090,11 +7050,103 @@
             </a:endParaRPr>
           </a:p>
           <a:p>
-            <a:pPr>
+            <a:pPr marL="0" indent="0">
+              <a:spcAft>
+                <a:spcPts val="600"/>
+              </a:spcAft>
               <a:buClr>
                 <a:schemeClr val="bg1"/>
               </a:buClr>
+              <a:buNone/>
             </a:pPr>
+            <a:r>
+              <a:rPr lang="ru-RU" dirty="0" smtClean="0">
+                <a:solidFill>
+                  <a:schemeClr val="bg1"/>
+                </a:solidFill>
+              </a:rPr>
+              <a:t>Шаблону может быть назначена короткая комбинация (</a:t>
+            </a:r>
+            <a:r>
+              <a:rPr lang="en-US" dirty="0" smtClean="0">
+                <a:solidFill>
+                  <a:schemeClr val="bg1"/>
+                </a:solidFill>
+              </a:rPr>
+              <a:t>shortcut</a:t>
+            </a:r>
+            <a:r>
+              <a:rPr lang="ru-RU" dirty="0" smtClean="0">
+                <a:solidFill>
+                  <a:schemeClr val="bg1"/>
+                </a:solidFill>
+              </a:rPr>
+              <a:t>) для быстрой вставки. Набрав</a:t>
+            </a:r>
+            <a:r>
+              <a:rPr lang="en-US" dirty="0">
+                <a:solidFill>
+                  <a:schemeClr val="bg1"/>
+                </a:solidFill>
+              </a:rPr>
+              <a:t> </a:t>
+            </a:r>
+            <a:r>
+              <a:rPr lang="en-US" dirty="0" smtClean="0">
+                <a:solidFill>
+                  <a:schemeClr val="bg1"/>
+                </a:solidFill>
+              </a:rPr>
+              <a:t>shortcut </a:t>
+            </a:r>
+            <a:r>
+              <a:rPr lang="ru-RU" dirty="0" smtClean="0">
+                <a:solidFill>
+                  <a:schemeClr val="bg1"/>
+                </a:solidFill>
+              </a:rPr>
+              <a:t>и нажав </a:t>
+            </a:r>
+            <a:r>
+              <a:rPr lang="en-US" dirty="0" smtClean="0">
+                <a:solidFill>
+                  <a:srgbClr val="F6AE1E"/>
+                </a:solidFill>
+              </a:rPr>
+              <a:t>Tab</a:t>
+            </a:r>
+            <a:r>
+              <a:rPr lang="en-US" dirty="0" smtClean="0">
+                <a:solidFill>
+                  <a:schemeClr val="bg1"/>
+                </a:solidFill>
+              </a:rPr>
+              <a:t> </a:t>
+            </a:r>
+            <a:r>
+              <a:rPr lang="ru-RU" dirty="0">
+                <a:solidFill>
+                  <a:schemeClr val="bg1"/>
+                </a:solidFill>
+              </a:rPr>
+              <a:t>мы </a:t>
+            </a:r>
+            <a:r>
+              <a:rPr lang="ru-RU" dirty="0" smtClean="0">
+                <a:solidFill>
+                  <a:schemeClr val="bg1"/>
+                </a:solidFill>
+              </a:rPr>
+              <a:t>получим текст шаблона в месте где был </a:t>
+            </a:r>
+            <a:r>
+              <a:rPr lang="en-US" dirty="0" smtClean="0">
+                <a:solidFill>
+                  <a:schemeClr val="bg1"/>
+                </a:solidFill>
+              </a:rPr>
+              <a:t>shortcut.</a:t>
+            </a:r>
             <a:endParaRPr lang="ru-RU" dirty="0" smtClean="0">
               <a:solidFill>
                 <a:schemeClr val="bg1"/>
@@ -7102,11 +7154,31 @@
             </a:endParaRPr>
           </a:p>
           <a:p>
-            <a:pPr>
+            <a:pPr marL="0" indent="0">
+              <a:spcAft>
+                <a:spcPts val="600"/>
+              </a:spcAft>
               <a:buClr>
                 <a:schemeClr val="bg1"/>
               </a:buClr>
+              <a:buNone/>
             </a:pPr>
+            <a:r>
+              <a:rPr lang="ru-RU" dirty="0" smtClean="0">
+                <a:solidFill>
+                  <a:schemeClr val="bg1"/>
+                </a:solidFill>
+              </a:rPr>
+              <a:t>Настройка производится через меню </a:t>
+            </a:r>
+            <a:r>
+              <a:rPr lang="en-US" dirty="0" smtClean="0">
+                <a:solidFill>
+                  <a:schemeClr val="bg1"/>
+                </a:solidFill>
+              </a:rPr>
+              <a:t>Tools -&gt; Code Snippets Manager.</a:t>
+            </a:r>
             <a:endParaRPr lang="ru-RU" dirty="0" smtClean="0">
               <a:solidFill>
                 <a:schemeClr val="bg1"/>
@@ -7131,17 +7203,1281 @@
     </p:spTree>
     <p:extLst>
       <p:ext uri="{BB962C8B-B14F-4D97-AF65-F5344CB8AC3E}">
-        <p14:creationId xmlns:p14="http://schemas.microsoft.com/office/powerpoint/2010/main" val="3985499755"/>
+        <p14:creationId xmlns:p14="http://schemas.microsoft.com/office/powerpoint/2010/main" val="3245183492"/>
       </p:ext>
     </p:extLst>
   </p:cSld>
   <p:clrMapOvr>
-    <a:overrideClrMapping bg1="lt1" tx1="dk1" bg2="lt2" tx2="dk2" accent1="accent1" accent2="accent2" accent3="accent3" accent4="accent4" accent5="accent5" accent6="accent6" hlink="hlink" folHlink="folHlink"/>
+    <a:masterClrMapping/>
   </p:clrMapOvr>
+  <p:timing>
+    <p:tnLst>
+      <p:par>
+        <p:cTn id="1" dur="indefinite" restart="never" nodeType="tmRoot"/>
+      </p:par>
+    </p:tnLst>
+  </p:timing>
 </p:sld>
 </file>
 
 <file path=ppt/slides/slide13.xml><?xml version="1.0" encoding="utf-8"?>
+<p:sld xmlns:a="http://schemas.openxmlformats.org/drawingml/2006/main" xmlns:r="http://schemas.openxmlformats.org/officeDocument/2006/relationships" xmlns:p="http://schemas.openxmlformats.org/presentationml/2006/main">
+  <p:cSld>
+    <p:spTree>
+      <p:nvGrpSpPr>
+        <p:cNvPr id="1" name=""/>
+        <p:cNvGrpSpPr/>
+        <p:nvPr/>
+      </p:nvGrpSpPr>
+      <p:grpSpPr>
+        <a:xfrm>
+          <a:off x="0" y="0"/>
+          <a:ext cx="0" cy="0"/>
+          <a:chOff x="0" y="0"/>
+          <a:chExt cx="0" cy="0"/>
+        </a:xfrm>
+      </p:grpSpPr>
+      <p:sp>
+        <p:nvSpPr>
+          <p:cNvPr id="2" name="Title 1"/>
+          <p:cNvSpPr>
+            <a:spLocks noGrp="1"/>
+          </p:cNvSpPr>
+          <p:nvPr>
+            <p:ph type="title"/>
+          </p:nvPr>
+        </p:nvSpPr>
+        <p:spPr/>
+        <p:txBody>
+          <a:bodyPr/>
+          <a:lstStyle/>
+          <a:p>
+            <a:r>
+              <a:rPr lang="en-US" dirty="0" smtClean="0"/>
+              <a:t>Code Snippets (C#)</a:t>
+            </a:r>
+            <a:endParaRPr lang="en-US" dirty="0"/>
+          </a:p>
+        </p:txBody>
+      </p:sp>
+      <p:graphicFrame>
+        <p:nvGraphicFramePr>
+          <p:cNvPr id="4" name="Content Placeholder 3"/>
+          <p:cNvGraphicFramePr>
+            <a:graphicFrameLocks noGrp="1"/>
+          </p:cNvGraphicFramePr>
+          <p:nvPr>
+            <p:ph idx="1"/>
+            <p:extLst>
+              <p:ext uri="{D42A27DB-BD31-4B8C-83A1-F6EECF244321}">
+                <p14:modId xmlns:p14="http://schemas.microsoft.com/office/powerpoint/2010/main" val="1417421607"/>
+              </p:ext>
+            </p:extLst>
+          </p:nvPr>
+        </p:nvGraphicFramePr>
+        <p:xfrm>
+          <a:off x="457200" y="1600200"/>
+          <a:ext cx="8229600" cy="2966720"/>
+        </p:xfrm>
+        <a:graphic>
+          <a:graphicData uri="http://schemas.openxmlformats.org/drawingml/2006/table">
+            <a:tbl>
+              <a:tblPr firstRow="1" bandRow="1">
+                <a:tableStyleId>{5C22544A-7EE6-4342-B048-85BDC9FD1C3A}</a:tableStyleId>
+              </a:tblPr>
+              <a:tblGrid>
+                <a:gridCol w="2098576"/>
+                <a:gridCol w="6131024"/>
+              </a:tblGrid>
+              <a:tr h="370840">
+                <a:tc>
+                  <a:txBody>
+                    <a:bodyPr/>
+                    <a:lstStyle/>
+                    <a:p>
+                      <a:r>
+                        <a:rPr lang="en-US" dirty="0" smtClean="0">
+                          <a:solidFill>
+                            <a:srgbClr val="0070C0"/>
+                          </a:solidFill>
+                        </a:rPr>
+                        <a:t>Shortcut</a:t>
+                      </a:r>
+                      <a:endParaRPr lang="en-US" dirty="0">
+                        <a:solidFill>
+                          <a:srgbClr val="0070C0"/>
+                        </a:solidFill>
+                      </a:endParaRPr>
+                    </a:p>
+                  </a:txBody>
+                  <a:tcPr>
+                    <a:lnL w="12700" cap="flat" cmpd="sng" algn="ctr">
+                      <a:solidFill>
+                        <a:schemeClr val="tx1"/>
+                      </a:solidFill>
+                      <a:prstDash val="solid"/>
+                      <a:round/>
+                      <a:headEnd type="none" w="med" len="med"/>
+                      <a:tailEnd type="none" w="med" len="med"/>
+                    </a:lnL>
+                    <a:lnR w="12700" cap="flat" cmpd="sng" algn="ctr">
+                      <a:solidFill>
+                        <a:srgbClr val="0070C0"/>
+                      </a:solidFill>
+                      <a:prstDash val="solid"/>
+                      <a:round/>
+                      <a:headEnd type="none" w="med" len="med"/>
+                      <a:tailEnd type="none" w="med" len="med"/>
+                    </a:lnR>
+                    <a:lnT w="12700" cap="flat" cmpd="sng" algn="ctr">
+                      <a:solidFill>
+                        <a:schemeClr val="tx1"/>
+                      </a:solidFill>
+                      <a:prstDash val="solid"/>
+                      <a:round/>
+                      <a:headEnd type="none" w="med" len="med"/>
+                      <a:tailEnd type="none" w="med" len="med"/>
+                    </a:lnT>
+                    <a:lnB w="12700" cap="flat" cmpd="sng" algn="ctr">
+                      <a:solidFill>
+                        <a:schemeClr val="tx1"/>
+                      </a:solidFill>
+                      <a:prstDash val="solid"/>
+                      <a:round/>
+                      <a:headEnd type="none" w="med" len="med"/>
+                      <a:tailEnd type="none" w="med" len="med"/>
+                    </a:lnB>
+                    <a:lnTlToBr w="12700" cmpd="sng">
+                      <a:noFill/>
+                      <a:prstDash val="solid"/>
+                    </a:lnTlToBr>
+                    <a:lnBlToTr w="12700" cmpd="sng">
+                      <a:noFill/>
+                      <a:prstDash val="solid"/>
+                    </a:lnBlToTr>
+                    <a:solidFill>
+                      <a:schemeClr val="bg1"/>
+                    </a:solidFill>
+                  </a:tcPr>
+                </a:tc>
+                <a:tc>
+                  <a:txBody>
+                    <a:bodyPr/>
+                    <a:lstStyle/>
+                    <a:p>
+                      <a:r>
+                        <a:rPr lang="ru-RU" dirty="0" smtClean="0">
+                          <a:solidFill>
+                            <a:srgbClr val="0070C0"/>
+                          </a:solidFill>
+                        </a:rPr>
+                        <a:t>Назначение</a:t>
+                      </a:r>
+                      <a:endParaRPr lang="en-US" dirty="0">
+                        <a:solidFill>
+                          <a:srgbClr val="0070C0"/>
+                        </a:solidFill>
+                      </a:endParaRPr>
+                    </a:p>
+                  </a:txBody>
+                  <a:tcPr>
+                    <a:lnL w="12700" cap="flat" cmpd="sng" algn="ctr">
+                      <a:solidFill>
+                        <a:srgbClr val="0070C0"/>
+                      </a:solidFill>
+                      <a:prstDash val="solid"/>
+                      <a:round/>
+                      <a:headEnd type="none" w="med" len="med"/>
+                      <a:tailEnd type="none" w="med" len="med"/>
+                    </a:lnL>
+                    <a:lnR w="12700" cap="flat" cmpd="sng" algn="ctr">
+                      <a:solidFill>
+                        <a:schemeClr val="tx1"/>
+                      </a:solidFill>
+                      <a:prstDash val="solid"/>
+                      <a:round/>
+                      <a:headEnd type="none" w="med" len="med"/>
+                      <a:tailEnd type="none" w="med" len="med"/>
+                    </a:lnR>
+                    <a:lnT w="12700" cap="flat" cmpd="sng" algn="ctr">
+                      <a:solidFill>
+                        <a:schemeClr val="tx1"/>
+                      </a:solidFill>
+                      <a:prstDash val="solid"/>
+                      <a:round/>
+                      <a:headEnd type="none" w="med" len="med"/>
+                      <a:tailEnd type="none" w="med" len="med"/>
+                    </a:lnT>
+                    <a:lnB w="12700" cap="flat" cmpd="sng" algn="ctr">
+                      <a:solidFill>
+                        <a:schemeClr val="tx1"/>
+                      </a:solidFill>
+                      <a:prstDash val="solid"/>
+                      <a:round/>
+                      <a:headEnd type="none" w="med" len="med"/>
+                      <a:tailEnd type="none" w="med" len="med"/>
+                    </a:lnB>
+                    <a:lnTlToBr w="12700" cmpd="sng">
+                      <a:noFill/>
+                      <a:prstDash val="solid"/>
+                    </a:lnTlToBr>
+                    <a:lnBlToTr w="12700" cmpd="sng">
+                      <a:noFill/>
+                      <a:prstDash val="solid"/>
+                    </a:lnBlToTr>
+                    <a:solidFill>
+                      <a:schemeClr val="bg1"/>
+                    </a:solidFill>
+                  </a:tcPr>
+                </a:tc>
+              </a:tr>
+              <a:tr h="370840">
+                <a:tc>
+                  <a:txBody>
+                    <a:bodyPr/>
+                    <a:lstStyle/>
+                    <a:p>
+                      <a:r>
+                        <a:rPr lang="en-US" dirty="0" smtClean="0">
+                          <a:solidFill>
+                            <a:schemeClr val="bg1"/>
+                          </a:solidFill>
+                        </a:rPr>
+                        <a:t>class</a:t>
+                      </a:r>
+                      <a:endParaRPr lang="en-US" dirty="0">
+                        <a:solidFill>
+                          <a:schemeClr val="bg1"/>
+                        </a:solidFill>
+                      </a:endParaRPr>
+                    </a:p>
+                  </a:txBody>
+                  <a:tcPr>
+                    <a:lnL w="12700" cap="flat" cmpd="sng" algn="ctr">
+                      <a:solidFill>
+                        <a:schemeClr val="tx1"/>
+                      </a:solidFill>
+                      <a:prstDash val="solid"/>
+                      <a:round/>
+                      <a:headEnd type="none" w="med" len="med"/>
+                      <a:tailEnd type="none" w="med" len="med"/>
+                    </a:lnL>
+                    <a:lnR w="12700" cap="flat" cmpd="sng" algn="ctr">
+                      <a:solidFill>
+                        <a:schemeClr val="tx1"/>
+                      </a:solidFill>
+                      <a:prstDash val="solid"/>
+                      <a:round/>
+                      <a:headEnd type="none" w="med" len="med"/>
+                      <a:tailEnd type="none" w="med" len="med"/>
+                    </a:lnR>
+                    <a:lnT w="12700" cap="flat" cmpd="sng" algn="ctr">
+                      <a:solidFill>
+                        <a:schemeClr val="tx1"/>
+                      </a:solidFill>
+                      <a:prstDash val="solid"/>
+                      <a:round/>
+                      <a:headEnd type="none" w="med" len="med"/>
+                      <a:tailEnd type="none" w="med" len="med"/>
+                    </a:lnT>
+                    <a:lnB w="12700" cap="flat" cmpd="sng" algn="ctr">
+                      <a:solidFill>
+                        <a:schemeClr val="tx1"/>
+                      </a:solidFill>
+                      <a:prstDash val="solid"/>
+                      <a:round/>
+                      <a:headEnd type="none" w="med" len="med"/>
+                      <a:tailEnd type="none" w="med" len="med"/>
+                    </a:lnB>
+                    <a:lnTlToBr w="12700" cmpd="sng">
+                      <a:noFill/>
+                      <a:prstDash val="solid"/>
+                    </a:lnTlToBr>
+                    <a:lnBlToTr w="12700" cmpd="sng">
+                      <a:noFill/>
+                      <a:prstDash val="solid"/>
+                    </a:lnBlToTr>
+                    <a:noFill/>
+                  </a:tcPr>
+                </a:tc>
+                <a:tc>
+                  <a:txBody>
+                    <a:bodyPr/>
+                    <a:lstStyle/>
+                    <a:p>
+                      <a:r>
+                        <a:rPr lang="ru-RU" dirty="0" smtClean="0">
+                          <a:solidFill>
+                            <a:schemeClr val="bg1"/>
+                          </a:solidFill>
+                        </a:rPr>
+                        <a:t>Новый класс</a:t>
+                      </a:r>
+                      <a:endParaRPr lang="en-US" dirty="0">
+                        <a:solidFill>
+                          <a:schemeClr val="bg1"/>
+                        </a:solidFill>
+                      </a:endParaRPr>
+                    </a:p>
+                  </a:txBody>
+                  <a:tcPr>
+                    <a:lnL w="12700" cap="flat" cmpd="sng" algn="ctr">
+                      <a:solidFill>
+                        <a:schemeClr val="tx1"/>
+                      </a:solidFill>
+                      <a:prstDash val="solid"/>
+                      <a:round/>
+                      <a:headEnd type="none" w="med" len="med"/>
+                      <a:tailEnd type="none" w="med" len="med"/>
+                    </a:lnL>
+                    <a:lnR w="12700" cap="flat" cmpd="sng" algn="ctr">
+                      <a:solidFill>
+                        <a:schemeClr val="tx1"/>
+                      </a:solidFill>
+                      <a:prstDash val="solid"/>
+                      <a:round/>
+                      <a:headEnd type="none" w="med" len="med"/>
+                      <a:tailEnd type="none" w="med" len="med"/>
+                    </a:lnR>
+                    <a:lnT w="12700" cap="flat" cmpd="sng" algn="ctr">
+                      <a:solidFill>
+                        <a:schemeClr val="tx1"/>
+                      </a:solidFill>
+                      <a:prstDash val="solid"/>
+                      <a:round/>
+                      <a:headEnd type="none" w="med" len="med"/>
+                      <a:tailEnd type="none" w="med" len="med"/>
+                    </a:lnT>
+                    <a:lnB w="12700" cap="flat" cmpd="sng" algn="ctr">
+                      <a:solidFill>
+                        <a:schemeClr val="tx1"/>
+                      </a:solidFill>
+                      <a:prstDash val="solid"/>
+                      <a:round/>
+                      <a:headEnd type="none" w="med" len="med"/>
+                      <a:tailEnd type="none" w="med" len="med"/>
+                    </a:lnB>
+                    <a:lnTlToBr w="12700" cmpd="sng">
+                      <a:noFill/>
+                      <a:prstDash val="solid"/>
+                    </a:lnTlToBr>
+                    <a:lnBlToTr w="12700" cmpd="sng">
+                      <a:noFill/>
+                      <a:prstDash val="solid"/>
+                    </a:lnBlToTr>
+                    <a:noFill/>
+                  </a:tcPr>
+                </a:tc>
+              </a:tr>
+              <a:tr h="370840">
+                <a:tc>
+                  <a:txBody>
+                    <a:bodyPr/>
+                    <a:lstStyle/>
+                    <a:p>
+                      <a:r>
+                        <a:rPr lang="en-US" dirty="0" err="1" smtClean="0">
+                          <a:solidFill>
+                            <a:schemeClr val="bg1"/>
+                          </a:solidFill>
+                        </a:rPr>
+                        <a:t>ctor</a:t>
+                      </a:r>
+                      <a:endParaRPr lang="en-US" dirty="0">
+                        <a:solidFill>
+                          <a:schemeClr val="bg1"/>
+                        </a:solidFill>
+                      </a:endParaRPr>
+                    </a:p>
+                  </a:txBody>
+                  <a:tcPr>
+                    <a:lnL w="12700" cap="flat" cmpd="sng" algn="ctr">
+                      <a:solidFill>
+                        <a:schemeClr val="tx1"/>
+                      </a:solidFill>
+                      <a:prstDash val="solid"/>
+                      <a:round/>
+                      <a:headEnd type="none" w="med" len="med"/>
+                      <a:tailEnd type="none" w="med" len="med"/>
+                    </a:lnL>
+                    <a:lnR w="12700" cap="flat" cmpd="sng" algn="ctr">
+                      <a:solidFill>
+                        <a:schemeClr val="tx1"/>
+                      </a:solidFill>
+                      <a:prstDash val="solid"/>
+                      <a:round/>
+                      <a:headEnd type="none" w="med" len="med"/>
+                      <a:tailEnd type="none" w="med" len="med"/>
+                    </a:lnR>
+                    <a:lnT w="12700" cap="flat" cmpd="sng" algn="ctr">
+                      <a:solidFill>
+                        <a:schemeClr val="tx1"/>
+                      </a:solidFill>
+                      <a:prstDash val="solid"/>
+                      <a:round/>
+                      <a:headEnd type="none" w="med" len="med"/>
+                      <a:tailEnd type="none" w="med" len="med"/>
+                    </a:lnT>
+                    <a:lnB w="12700" cap="flat" cmpd="sng" algn="ctr">
+                      <a:solidFill>
+                        <a:schemeClr val="tx1"/>
+                      </a:solidFill>
+                      <a:prstDash val="solid"/>
+                      <a:round/>
+                      <a:headEnd type="none" w="med" len="med"/>
+                      <a:tailEnd type="none" w="med" len="med"/>
+                    </a:lnB>
+                    <a:lnTlToBr w="12700" cmpd="sng">
+                      <a:noFill/>
+                      <a:prstDash val="solid"/>
+                    </a:lnTlToBr>
+                    <a:lnBlToTr w="12700" cmpd="sng">
+                      <a:noFill/>
+                      <a:prstDash val="solid"/>
+                    </a:lnBlToTr>
+                    <a:noFill/>
+                  </a:tcPr>
+                </a:tc>
+                <a:tc>
+                  <a:txBody>
+                    <a:bodyPr/>
+                    <a:lstStyle/>
+                    <a:p>
+                      <a:r>
+                        <a:rPr lang="ru-RU" dirty="0" smtClean="0">
+                          <a:solidFill>
+                            <a:schemeClr val="bg1"/>
+                          </a:solidFill>
+                        </a:rPr>
+                        <a:t>Конструктор</a:t>
+                      </a:r>
+                      <a:r>
+                        <a:rPr lang="ru-RU" baseline="0" dirty="0" smtClean="0">
+                          <a:solidFill>
+                            <a:schemeClr val="bg1"/>
+                          </a:solidFill>
+                        </a:rPr>
+                        <a:t> класса</a:t>
+                      </a:r>
+                      <a:endParaRPr lang="en-US" dirty="0">
+                        <a:solidFill>
+                          <a:schemeClr val="bg1"/>
+                        </a:solidFill>
+                      </a:endParaRPr>
+                    </a:p>
+                  </a:txBody>
+                  <a:tcPr>
+                    <a:lnL w="12700" cap="flat" cmpd="sng" algn="ctr">
+                      <a:solidFill>
+                        <a:schemeClr val="tx1"/>
+                      </a:solidFill>
+                      <a:prstDash val="solid"/>
+                      <a:round/>
+                      <a:headEnd type="none" w="med" len="med"/>
+                      <a:tailEnd type="none" w="med" len="med"/>
+                    </a:lnL>
+                    <a:lnR w="12700" cap="flat" cmpd="sng" algn="ctr">
+                      <a:solidFill>
+                        <a:schemeClr val="tx1"/>
+                      </a:solidFill>
+                      <a:prstDash val="solid"/>
+                      <a:round/>
+                      <a:headEnd type="none" w="med" len="med"/>
+                      <a:tailEnd type="none" w="med" len="med"/>
+                    </a:lnR>
+                    <a:lnT w="12700" cap="flat" cmpd="sng" algn="ctr">
+                      <a:solidFill>
+                        <a:schemeClr val="tx1"/>
+                      </a:solidFill>
+                      <a:prstDash val="solid"/>
+                      <a:round/>
+                      <a:headEnd type="none" w="med" len="med"/>
+                      <a:tailEnd type="none" w="med" len="med"/>
+                    </a:lnT>
+                    <a:lnB w="12700" cap="flat" cmpd="sng" algn="ctr">
+                      <a:solidFill>
+                        <a:schemeClr val="tx1"/>
+                      </a:solidFill>
+                      <a:prstDash val="solid"/>
+                      <a:round/>
+                      <a:headEnd type="none" w="med" len="med"/>
+                      <a:tailEnd type="none" w="med" len="med"/>
+                    </a:lnB>
+                    <a:lnTlToBr w="12700" cmpd="sng">
+                      <a:noFill/>
+                      <a:prstDash val="solid"/>
+                    </a:lnTlToBr>
+                    <a:lnBlToTr w="12700" cmpd="sng">
+                      <a:noFill/>
+                      <a:prstDash val="solid"/>
+                    </a:lnBlToTr>
+                    <a:noFill/>
+                  </a:tcPr>
+                </a:tc>
+              </a:tr>
+              <a:tr h="370840">
+                <a:tc>
+                  <a:txBody>
+                    <a:bodyPr/>
+                    <a:lstStyle/>
+                    <a:p>
+                      <a:r>
+                        <a:rPr lang="en-US" dirty="0" smtClean="0">
+                          <a:solidFill>
+                            <a:schemeClr val="bg1"/>
+                          </a:solidFill>
+                        </a:rPr>
+                        <a:t>~</a:t>
+                      </a:r>
+                      <a:endParaRPr lang="en-US" dirty="0">
+                        <a:solidFill>
+                          <a:schemeClr val="bg1"/>
+                        </a:solidFill>
+                      </a:endParaRPr>
+                    </a:p>
+                  </a:txBody>
+                  <a:tcPr>
+                    <a:lnL w="12700" cap="flat" cmpd="sng" algn="ctr">
+                      <a:solidFill>
+                        <a:schemeClr val="tx1"/>
+                      </a:solidFill>
+                      <a:prstDash val="solid"/>
+                      <a:round/>
+                      <a:headEnd type="none" w="med" len="med"/>
+                      <a:tailEnd type="none" w="med" len="med"/>
+                    </a:lnL>
+                    <a:lnR w="12700" cap="flat" cmpd="sng" algn="ctr">
+                      <a:solidFill>
+                        <a:schemeClr val="tx1"/>
+                      </a:solidFill>
+                      <a:prstDash val="solid"/>
+                      <a:round/>
+                      <a:headEnd type="none" w="med" len="med"/>
+                      <a:tailEnd type="none" w="med" len="med"/>
+                    </a:lnR>
+                    <a:lnT w="12700" cap="flat" cmpd="sng" algn="ctr">
+                      <a:solidFill>
+                        <a:schemeClr val="tx1"/>
+                      </a:solidFill>
+                      <a:prstDash val="solid"/>
+                      <a:round/>
+                      <a:headEnd type="none" w="med" len="med"/>
+                      <a:tailEnd type="none" w="med" len="med"/>
+                    </a:lnT>
+                    <a:lnB w="12700" cap="flat" cmpd="sng" algn="ctr">
+                      <a:solidFill>
+                        <a:schemeClr val="tx1"/>
+                      </a:solidFill>
+                      <a:prstDash val="solid"/>
+                      <a:round/>
+                      <a:headEnd type="none" w="med" len="med"/>
+                      <a:tailEnd type="none" w="med" len="med"/>
+                    </a:lnB>
+                    <a:lnTlToBr w="12700" cmpd="sng">
+                      <a:noFill/>
+                      <a:prstDash val="solid"/>
+                    </a:lnTlToBr>
+                    <a:lnBlToTr w="12700" cmpd="sng">
+                      <a:noFill/>
+                      <a:prstDash val="solid"/>
+                    </a:lnBlToTr>
+                    <a:noFill/>
+                  </a:tcPr>
+                </a:tc>
+                <a:tc>
+                  <a:txBody>
+                    <a:bodyPr/>
+                    <a:lstStyle/>
+                    <a:p>
+                      <a:r>
+                        <a:rPr lang="ru-RU" dirty="0" smtClean="0">
+                          <a:solidFill>
+                            <a:schemeClr val="bg1"/>
+                          </a:solidFill>
+                        </a:rPr>
+                        <a:t>Финализатор класса</a:t>
+                      </a:r>
+                      <a:endParaRPr lang="en-US" dirty="0">
+                        <a:solidFill>
+                          <a:schemeClr val="bg1"/>
+                        </a:solidFill>
+                      </a:endParaRPr>
+                    </a:p>
+                  </a:txBody>
+                  <a:tcPr>
+                    <a:lnL w="12700" cap="flat" cmpd="sng" algn="ctr">
+                      <a:solidFill>
+                        <a:schemeClr val="tx1"/>
+                      </a:solidFill>
+                      <a:prstDash val="solid"/>
+                      <a:round/>
+                      <a:headEnd type="none" w="med" len="med"/>
+                      <a:tailEnd type="none" w="med" len="med"/>
+                    </a:lnL>
+                    <a:lnR w="12700" cap="flat" cmpd="sng" algn="ctr">
+                      <a:solidFill>
+                        <a:schemeClr val="tx1"/>
+                      </a:solidFill>
+                      <a:prstDash val="solid"/>
+                      <a:round/>
+                      <a:headEnd type="none" w="med" len="med"/>
+                      <a:tailEnd type="none" w="med" len="med"/>
+                    </a:lnR>
+                    <a:lnT w="12700" cap="flat" cmpd="sng" algn="ctr">
+                      <a:solidFill>
+                        <a:schemeClr val="tx1"/>
+                      </a:solidFill>
+                      <a:prstDash val="solid"/>
+                      <a:round/>
+                      <a:headEnd type="none" w="med" len="med"/>
+                      <a:tailEnd type="none" w="med" len="med"/>
+                    </a:lnT>
+                    <a:lnB w="12700" cap="flat" cmpd="sng" algn="ctr">
+                      <a:solidFill>
+                        <a:schemeClr val="tx1"/>
+                      </a:solidFill>
+                      <a:prstDash val="solid"/>
+                      <a:round/>
+                      <a:headEnd type="none" w="med" len="med"/>
+                      <a:tailEnd type="none" w="med" len="med"/>
+                    </a:lnB>
+                    <a:lnTlToBr w="12700" cmpd="sng">
+                      <a:noFill/>
+                      <a:prstDash val="solid"/>
+                    </a:lnTlToBr>
+                    <a:lnBlToTr w="12700" cmpd="sng">
+                      <a:noFill/>
+                      <a:prstDash val="solid"/>
+                    </a:lnBlToTr>
+                    <a:noFill/>
+                  </a:tcPr>
+                </a:tc>
+              </a:tr>
+              <a:tr h="370840">
+                <a:tc>
+                  <a:txBody>
+                    <a:bodyPr/>
+                    <a:lstStyle/>
+                    <a:p>
+                      <a:r>
+                        <a:rPr lang="en-US" dirty="0" smtClean="0">
+                          <a:solidFill>
+                            <a:schemeClr val="bg1"/>
+                          </a:solidFill>
+                        </a:rPr>
+                        <a:t>prop</a:t>
+                      </a:r>
+                      <a:endParaRPr lang="en-US" dirty="0">
+                        <a:solidFill>
+                          <a:schemeClr val="bg1"/>
+                        </a:solidFill>
+                      </a:endParaRPr>
+                    </a:p>
+                  </a:txBody>
+                  <a:tcPr>
+                    <a:lnL w="12700" cap="flat" cmpd="sng" algn="ctr">
+                      <a:solidFill>
+                        <a:schemeClr val="tx1"/>
+                      </a:solidFill>
+                      <a:prstDash val="solid"/>
+                      <a:round/>
+                      <a:headEnd type="none" w="med" len="med"/>
+                      <a:tailEnd type="none" w="med" len="med"/>
+                    </a:lnL>
+                    <a:lnR w="12700" cap="flat" cmpd="sng" algn="ctr">
+                      <a:solidFill>
+                        <a:schemeClr val="tx1"/>
+                      </a:solidFill>
+                      <a:prstDash val="solid"/>
+                      <a:round/>
+                      <a:headEnd type="none" w="med" len="med"/>
+                      <a:tailEnd type="none" w="med" len="med"/>
+                    </a:lnR>
+                    <a:lnT w="12700" cap="flat" cmpd="sng" algn="ctr">
+                      <a:solidFill>
+                        <a:schemeClr val="tx1"/>
+                      </a:solidFill>
+                      <a:prstDash val="solid"/>
+                      <a:round/>
+                      <a:headEnd type="none" w="med" len="med"/>
+                      <a:tailEnd type="none" w="med" len="med"/>
+                    </a:lnT>
+                    <a:lnB w="12700" cap="flat" cmpd="sng" algn="ctr">
+                      <a:solidFill>
+                        <a:schemeClr val="tx1"/>
+                      </a:solidFill>
+                      <a:prstDash val="solid"/>
+                      <a:round/>
+                      <a:headEnd type="none" w="med" len="med"/>
+                      <a:tailEnd type="none" w="med" len="med"/>
+                    </a:lnB>
+                    <a:lnTlToBr w="12700" cmpd="sng">
+                      <a:noFill/>
+                      <a:prstDash val="solid"/>
+                    </a:lnTlToBr>
+                    <a:lnBlToTr w="12700" cmpd="sng">
+                      <a:noFill/>
+                      <a:prstDash val="solid"/>
+                    </a:lnBlToTr>
+                    <a:noFill/>
+                  </a:tcPr>
+                </a:tc>
+                <a:tc>
+                  <a:txBody>
+                    <a:bodyPr/>
+                    <a:lstStyle/>
+                    <a:p>
+                      <a:r>
+                        <a:rPr lang="en-US" dirty="0" smtClean="0">
+                          <a:solidFill>
+                            <a:schemeClr val="bg1"/>
+                          </a:solidFill>
+                        </a:rPr>
+                        <a:t>Auto-</a:t>
+                      </a:r>
+                      <a:r>
+                        <a:rPr lang="ru-RU" dirty="0" smtClean="0">
+                          <a:solidFill>
+                            <a:schemeClr val="bg1"/>
+                          </a:solidFill>
+                        </a:rPr>
+                        <a:t>свойство</a:t>
+                      </a:r>
+                      <a:endParaRPr lang="en-US" dirty="0">
+                        <a:solidFill>
+                          <a:schemeClr val="bg1"/>
+                        </a:solidFill>
+                      </a:endParaRPr>
+                    </a:p>
+                  </a:txBody>
+                  <a:tcPr>
+                    <a:lnL w="12700" cap="flat" cmpd="sng" algn="ctr">
+                      <a:solidFill>
+                        <a:schemeClr val="tx1"/>
+                      </a:solidFill>
+                      <a:prstDash val="solid"/>
+                      <a:round/>
+                      <a:headEnd type="none" w="med" len="med"/>
+                      <a:tailEnd type="none" w="med" len="med"/>
+                    </a:lnL>
+                    <a:lnR w="12700" cap="flat" cmpd="sng" algn="ctr">
+                      <a:solidFill>
+                        <a:schemeClr val="tx1"/>
+                      </a:solidFill>
+                      <a:prstDash val="solid"/>
+                      <a:round/>
+                      <a:headEnd type="none" w="med" len="med"/>
+                      <a:tailEnd type="none" w="med" len="med"/>
+                    </a:lnR>
+                    <a:lnT w="12700" cap="flat" cmpd="sng" algn="ctr">
+                      <a:solidFill>
+                        <a:schemeClr val="tx1"/>
+                      </a:solidFill>
+                      <a:prstDash val="solid"/>
+                      <a:round/>
+                      <a:headEnd type="none" w="med" len="med"/>
+                      <a:tailEnd type="none" w="med" len="med"/>
+                    </a:lnT>
+                    <a:lnB w="12700" cap="flat" cmpd="sng" algn="ctr">
+                      <a:solidFill>
+                        <a:schemeClr val="tx1"/>
+                      </a:solidFill>
+                      <a:prstDash val="solid"/>
+                      <a:round/>
+                      <a:headEnd type="none" w="med" len="med"/>
+                      <a:tailEnd type="none" w="med" len="med"/>
+                    </a:lnB>
+                    <a:lnTlToBr w="12700" cmpd="sng">
+                      <a:noFill/>
+                      <a:prstDash val="solid"/>
+                    </a:lnTlToBr>
+                    <a:lnBlToTr w="12700" cmpd="sng">
+                      <a:noFill/>
+                      <a:prstDash val="solid"/>
+                    </a:lnBlToTr>
+                    <a:noFill/>
+                  </a:tcPr>
+                </a:tc>
+              </a:tr>
+              <a:tr h="370840">
+                <a:tc>
+                  <a:txBody>
+                    <a:bodyPr/>
+                    <a:lstStyle/>
+                    <a:p>
+                      <a:r>
+                        <a:rPr lang="en-US" dirty="0" err="1" smtClean="0">
+                          <a:solidFill>
+                            <a:schemeClr val="bg1"/>
+                          </a:solidFill>
+                        </a:rPr>
+                        <a:t>propfull</a:t>
+                      </a:r>
+                      <a:endParaRPr lang="en-US" dirty="0">
+                        <a:solidFill>
+                          <a:schemeClr val="bg1"/>
+                        </a:solidFill>
+                      </a:endParaRPr>
+                    </a:p>
+                  </a:txBody>
+                  <a:tcPr>
+                    <a:lnL w="12700" cap="flat" cmpd="sng" algn="ctr">
+                      <a:solidFill>
+                        <a:schemeClr val="tx1"/>
+                      </a:solidFill>
+                      <a:prstDash val="solid"/>
+                      <a:round/>
+                      <a:headEnd type="none" w="med" len="med"/>
+                      <a:tailEnd type="none" w="med" len="med"/>
+                    </a:lnL>
+                    <a:lnR w="12700" cap="flat" cmpd="sng" algn="ctr">
+                      <a:solidFill>
+                        <a:schemeClr val="tx1"/>
+                      </a:solidFill>
+                      <a:prstDash val="solid"/>
+                      <a:round/>
+                      <a:headEnd type="none" w="med" len="med"/>
+                      <a:tailEnd type="none" w="med" len="med"/>
+                    </a:lnR>
+                    <a:lnT w="12700" cap="flat" cmpd="sng" algn="ctr">
+                      <a:solidFill>
+                        <a:schemeClr val="tx1"/>
+                      </a:solidFill>
+                      <a:prstDash val="solid"/>
+                      <a:round/>
+                      <a:headEnd type="none" w="med" len="med"/>
+                      <a:tailEnd type="none" w="med" len="med"/>
+                    </a:lnT>
+                    <a:lnB w="12700" cap="flat" cmpd="sng" algn="ctr">
+                      <a:solidFill>
+                        <a:schemeClr val="tx1"/>
+                      </a:solidFill>
+                      <a:prstDash val="solid"/>
+                      <a:round/>
+                      <a:headEnd type="none" w="med" len="med"/>
+                      <a:tailEnd type="none" w="med" len="med"/>
+                    </a:lnB>
+                    <a:lnTlToBr w="12700" cmpd="sng">
+                      <a:noFill/>
+                      <a:prstDash val="solid"/>
+                    </a:lnTlToBr>
+                    <a:lnBlToTr w="12700" cmpd="sng">
+                      <a:noFill/>
+                      <a:prstDash val="solid"/>
+                    </a:lnBlToTr>
+                    <a:noFill/>
+                  </a:tcPr>
+                </a:tc>
+                <a:tc>
+                  <a:txBody>
+                    <a:bodyPr/>
+                    <a:lstStyle/>
+                    <a:p>
+                      <a:r>
+                        <a:rPr lang="ru-RU" dirty="0" smtClean="0">
+                          <a:solidFill>
+                            <a:schemeClr val="bg1"/>
+                          </a:solidFill>
+                        </a:rPr>
+                        <a:t>Свойство</a:t>
+                      </a:r>
+                      <a:r>
+                        <a:rPr lang="ru-RU" baseline="0" dirty="0" smtClean="0">
+                          <a:solidFill>
+                            <a:schemeClr val="bg1"/>
+                          </a:solidFill>
+                        </a:rPr>
+                        <a:t> с  </a:t>
+                      </a:r>
+                      <a:r>
+                        <a:rPr lang="en-US" baseline="0" dirty="0" smtClean="0">
+                          <a:solidFill>
+                            <a:schemeClr val="bg1"/>
+                          </a:solidFill>
+                        </a:rPr>
+                        <a:t>get/set </a:t>
+                      </a:r>
+                      <a:r>
+                        <a:rPr lang="ru-RU" baseline="0" dirty="0" smtClean="0">
+                          <a:solidFill>
+                            <a:schemeClr val="bg1"/>
+                          </a:solidFill>
+                        </a:rPr>
+                        <a:t>и полем класса</a:t>
+                      </a:r>
+                      <a:endParaRPr lang="en-US" dirty="0">
+                        <a:solidFill>
+                          <a:schemeClr val="bg1"/>
+                        </a:solidFill>
+                      </a:endParaRPr>
+                    </a:p>
+                  </a:txBody>
+                  <a:tcPr>
+                    <a:lnL w="12700" cap="flat" cmpd="sng" algn="ctr">
+                      <a:solidFill>
+                        <a:schemeClr val="tx1"/>
+                      </a:solidFill>
+                      <a:prstDash val="solid"/>
+                      <a:round/>
+                      <a:headEnd type="none" w="med" len="med"/>
+                      <a:tailEnd type="none" w="med" len="med"/>
+                    </a:lnL>
+                    <a:lnR w="12700" cap="flat" cmpd="sng" algn="ctr">
+                      <a:solidFill>
+                        <a:schemeClr val="tx1"/>
+                      </a:solidFill>
+                      <a:prstDash val="solid"/>
+                      <a:round/>
+                      <a:headEnd type="none" w="med" len="med"/>
+                      <a:tailEnd type="none" w="med" len="med"/>
+                    </a:lnR>
+                    <a:lnT w="12700" cap="flat" cmpd="sng" algn="ctr">
+                      <a:solidFill>
+                        <a:schemeClr val="tx1"/>
+                      </a:solidFill>
+                      <a:prstDash val="solid"/>
+                      <a:round/>
+                      <a:headEnd type="none" w="med" len="med"/>
+                      <a:tailEnd type="none" w="med" len="med"/>
+                    </a:lnT>
+                    <a:lnB w="12700" cap="flat" cmpd="sng" algn="ctr">
+                      <a:solidFill>
+                        <a:schemeClr val="tx1"/>
+                      </a:solidFill>
+                      <a:prstDash val="solid"/>
+                      <a:round/>
+                      <a:headEnd type="none" w="med" len="med"/>
+                      <a:tailEnd type="none" w="med" len="med"/>
+                    </a:lnB>
+                    <a:lnTlToBr w="12700" cmpd="sng">
+                      <a:noFill/>
+                      <a:prstDash val="solid"/>
+                    </a:lnTlToBr>
+                    <a:lnBlToTr w="12700" cmpd="sng">
+                      <a:noFill/>
+                      <a:prstDash val="solid"/>
+                    </a:lnBlToTr>
+                    <a:noFill/>
+                  </a:tcPr>
+                </a:tc>
+              </a:tr>
+              <a:tr h="370840">
+                <a:tc>
+                  <a:txBody>
+                    <a:bodyPr/>
+                    <a:lstStyle/>
+                    <a:p>
+                      <a:r>
+                        <a:rPr lang="en-US" dirty="0" err="1" smtClean="0">
+                          <a:solidFill>
+                            <a:schemeClr val="bg1"/>
+                          </a:solidFill>
+                        </a:rPr>
+                        <a:t>propg</a:t>
+                      </a:r>
+                      <a:endParaRPr lang="en-US" dirty="0" smtClean="0">
+                        <a:solidFill>
+                          <a:schemeClr val="bg1"/>
+                        </a:solidFill>
+                      </a:endParaRPr>
+                    </a:p>
+                  </a:txBody>
+                  <a:tcPr>
+                    <a:lnL w="12700" cap="flat" cmpd="sng" algn="ctr">
+                      <a:solidFill>
+                        <a:schemeClr val="tx1"/>
+                      </a:solidFill>
+                      <a:prstDash val="solid"/>
+                      <a:round/>
+                      <a:headEnd type="none" w="med" len="med"/>
+                      <a:tailEnd type="none" w="med" len="med"/>
+                    </a:lnL>
+                    <a:lnR w="12700" cap="flat" cmpd="sng" algn="ctr">
+                      <a:solidFill>
+                        <a:schemeClr val="tx1"/>
+                      </a:solidFill>
+                      <a:prstDash val="solid"/>
+                      <a:round/>
+                      <a:headEnd type="none" w="med" len="med"/>
+                      <a:tailEnd type="none" w="med" len="med"/>
+                    </a:lnR>
+                    <a:lnT w="12700" cap="flat" cmpd="sng" algn="ctr">
+                      <a:solidFill>
+                        <a:schemeClr val="tx1"/>
+                      </a:solidFill>
+                      <a:prstDash val="solid"/>
+                      <a:round/>
+                      <a:headEnd type="none" w="med" len="med"/>
+                      <a:tailEnd type="none" w="med" len="med"/>
+                    </a:lnT>
+                    <a:lnB w="12700" cap="flat" cmpd="sng" algn="ctr">
+                      <a:solidFill>
+                        <a:schemeClr val="tx1"/>
+                      </a:solidFill>
+                      <a:prstDash val="solid"/>
+                      <a:round/>
+                      <a:headEnd type="none" w="med" len="med"/>
+                      <a:tailEnd type="none" w="med" len="med"/>
+                    </a:lnB>
+                    <a:lnTlToBr w="12700" cmpd="sng">
+                      <a:noFill/>
+                      <a:prstDash val="solid"/>
+                    </a:lnTlToBr>
+                    <a:lnBlToTr w="12700" cmpd="sng">
+                      <a:noFill/>
+                      <a:prstDash val="solid"/>
+                    </a:lnBlToTr>
+                    <a:noFill/>
+                  </a:tcPr>
+                </a:tc>
+                <a:tc>
+                  <a:txBody>
+                    <a:bodyPr/>
+                    <a:lstStyle/>
+                    <a:p>
+                      <a:r>
+                        <a:rPr lang="en-US" dirty="0" smtClean="0">
+                          <a:solidFill>
+                            <a:schemeClr val="bg1"/>
+                          </a:solidFill>
+                        </a:rPr>
+                        <a:t>Auto-c</a:t>
+                      </a:r>
+                      <a:r>
+                        <a:rPr lang="ru-RU" dirty="0" smtClean="0">
+                          <a:solidFill>
+                            <a:schemeClr val="bg1"/>
+                          </a:solidFill>
+                        </a:rPr>
+                        <a:t>войство с </a:t>
+                      </a:r>
+                      <a:r>
+                        <a:rPr lang="en-US" dirty="0" smtClean="0">
+                          <a:solidFill>
+                            <a:schemeClr val="bg1"/>
+                          </a:solidFill>
+                        </a:rPr>
+                        <a:t>public get </a:t>
+                      </a:r>
+                      <a:r>
+                        <a:rPr lang="ru-RU" dirty="0" smtClean="0">
+                          <a:solidFill>
+                            <a:schemeClr val="bg1"/>
+                          </a:solidFill>
+                        </a:rPr>
+                        <a:t>и </a:t>
+                      </a:r>
+                      <a:r>
+                        <a:rPr lang="en-US" dirty="0" smtClean="0">
+                          <a:solidFill>
+                            <a:schemeClr val="bg1"/>
+                          </a:solidFill>
+                        </a:rPr>
+                        <a:t>private set</a:t>
+                      </a:r>
+                      <a:endParaRPr lang="en-US" dirty="0">
+                        <a:solidFill>
+                          <a:schemeClr val="bg1"/>
+                        </a:solidFill>
+                      </a:endParaRPr>
+                    </a:p>
+                  </a:txBody>
+                  <a:tcPr>
+                    <a:lnL w="12700" cap="flat" cmpd="sng" algn="ctr">
+                      <a:solidFill>
+                        <a:schemeClr val="tx1"/>
+                      </a:solidFill>
+                      <a:prstDash val="solid"/>
+                      <a:round/>
+                      <a:headEnd type="none" w="med" len="med"/>
+                      <a:tailEnd type="none" w="med" len="med"/>
+                    </a:lnL>
+                    <a:lnR w="12700" cap="flat" cmpd="sng" algn="ctr">
+                      <a:solidFill>
+                        <a:schemeClr val="tx1"/>
+                      </a:solidFill>
+                      <a:prstDash val="solid"/>
+                      <a:round/>
+                      <a:headEnd type="none" w="med" len="med"/>
+                      <a:tailEnd type="none" w="med" len="med"/>
+                    </a:lnR>
+                    <a:lnT w="12700" cap="flat" cmpd="sng" algn="ctr">
+                      <a:solidFill>
+                        <a:schemeClr val="tx1"/>
+                      </a:solidFill>
+                      <a:prstDash val="solid"/>
+                      <a:round/>
+                      <a:headEnd type="none" w="med" len="med"/>
+                      <a:tailEnd type="none" w="med" len="med"/>
+                    </a:lnT>
+                    <a:lnB w="12700" cap="flat" cmpd="sng" algn="ctr">
+                      <a:solidFill>
+                        <a:schemeClr val="tx1"/>
+                      </a:solidFill>
+                      <a:prstDash val="solid"/>
+                      <a:round/>
+                      <a:headEnd type="none" w="med" len="med"/>
+                      <a:tailEnd type="none" w="med" len="med"/>
+                    </a:lnB>
+                    <a:lnTlToBr w="12700" cmpd="sng">
+                      <a:noFill/>
+                      <a:prstDash val="solid"/>
+                    </a:lnTlToBr>
+                    <a:lnBlToTr w="12700" cmpd="sng">
+                      <a:noFill/>
+                      <a:prstDash val="solid"/>
+                    </a:lnBlToTr>
+                    <a:noFill/>
+                  </a:tcPr>
+                </a:tc>
+              </a:tr>
+              <a:tr h="370840">
+                <a:tc>
+                  <a:txBody>
+                    <a:bodyPr/>
+                    <a:lstStyle/>
+                    <a:p>
+                      <a:endParaRPr lang="en-US" dirty="0">
+                        <a:solidFill>
+                          <a:schemeClr val="bg1"/>
+                        </a:solidFill>
+                      </a:endParaRPr>
+                    </a:p>
+                  </a:txBody>
+                  <a:tcPr>
+                    <a:lnL w="12700" cap="flat" cmpd="sng" algn="ctr">
+                      <a:solidFill>
+                        <a:schemeClr val="tx1"/>
+                      </a:solidFill>
+                      <a:prstDash val="solid"/>
+                      <a:round/>
+                      <a:headEnd type="none" w="med" len="med"/>
+                      <a:tailEnd type="none" w="med" len="med"/>
+                    </a:lnL>
+                    <a:lnR w="12700" cap="flat" cmpd="sng" algn="ctr">
+                      <a:solidFill>
+                        <a:schemeClr val="tx1"/>
+                      </a:solidFill>
+                      <a:prstDash val="solid"/>
+                      <a:round/>
+                      <a:headEnd type="none" w="med" len="med"/>
+                      <a:tailEnd type="none" w="med" len="med"/>
+                    </a:lnR>
+                    <a:lnT w="12700" cap="flat" cmpd="sng" algn="ctr">
+                      <a:solidFill>
+                        <a:schemeClr val="tx1"/>
+                      </a:solidFill>
+                      <a:prstDash val="solid"/>
+                      <a:round/>
+                      <a:headEnd type="none" w="med" len="med"/>
+                      <a:tailEnd type="none" w="med" len="med"/>
+                    </a:lnT>
+                    <a:lnB w="12700" cap="flat" cmpd="sng" algn="ctr">
+                      <a:solidFill>
+                        <a:schemeClr val="tx1"/>
+                      </a:solidFill>
+                      <a:prstDash val="solid"/>
+                      <a:round/>
+                      <a:headEnd type="none" w="med" len="med"/>
+                      <a:tailEnd type="none" w="med" len="med"/>
+                    </a:lnB>
+                    <a:lnTlToBr w="12700" cmpd="sng">
+                      <a:noFill/>
+                      <a:prstDash val="solid"/>
+                    </a:lnTlToBr>
+                    <a:lnBlToTr w="12700" cmpd="sng">
+                      <a:noFill/>
+                      <a:prstDash val="solid"/>
+                    </a:lnBlToTr>
+                    <a:noFill/>
+                  </a:tcPr>
+                </a:tc>
+                <a:tc>
+                  <a:txBody>
+                    <a:bodyPr/>
+                    <a:lstStyle/>
+                    <a:p>
+                      <a:endParaRPr lang="en-US" dirty="0">
+                        <a:solidFill>
+                          <a:schemeClr val="bg1"/>
+                        </a:solidFill>
+                      </a:endParaRPr>
+                    </a:p>
+                  </a:txBody>
+                  <a:tcPr>
+                    <a:lnL w="12700" cap="flat" cmpd="sng" algn="ctr">
+                      <a:solidFill>
+                        <a:schemeClr val="tx1"/>
+                      </a:solidFill>
+                      <a:prstDash val="solid"/>
+                      <a:round/>
+                      <a:headEnd type="none" w="med" len="med"/>
+                      <a:tailEnd type="none" w="med" len="med"/>
+                    </a:lnL>
+                    <a:lnR w="12700" cap="flat" cmpd="sng" algn="ctr">
+                      <a:solidFill>
+                        <a:schemeClr val="tx1"/>
+                      </a:solidFill>
+                      <a:prstDash val="solid"/>
+                      <a:round/>
+                      <a:headEnd type="none" w="med" len="med"/>
+                      <a:tailEnd type="none" w="med" len="med"/>
+                    </a:lnR>
+                    <a:lnT w="12700" cap="flat" cmpd="sng" algn="ctr">
+                      <a:solidFill>
+                        <a:schemeClr val="tx1"/>
+                      </a:solidFill>
+                      <a:prstDash val="solid"/>
+                      <a:round/>
+                      <a:headEnd type="none" w="med" len="med"/>
+                      <a:tailEnd type="none" w="med" len="med"/>
+                    </a:lnT>
+                    <a:lnB w="12700" cap="flat" cmpd="sng" algn="ctr">
+                      <a:solidFill>
+                        <a:schemeClr val="tx1"/>
+                      </a:solidFill>
+                      <a:prstDash val="solid"/>
+                      <a:round/>
+                      <a:headEnd type="none" w="med" len="med"/>
+                      <a:tailEnd type="none" w="med" len="med"/>
+                    </a:lnB>
+                    <a:lnTlToBr w="12700" cmpd="sng">
+                      <a:noFill/>
+                      <a:prstDash val="solid"/>
+                    </a:lnTlToBr>
+                    <a:lnBlToTr w="12700" cmpd="sng">
+                      <a:noFill/>
+                      <a:prstDash val="solid"/>
+                    </a:lnBlToTr>
+                    <a:noFill/>
+                  </a:tcPr>
+                </a:tc>
+              </a:tr>
+            </a:tbl>
+          </a:graphicData>
+        </a:graphic>
+      </p:graphicFrame>
+    </p:spTree>
+    <p:extLst>
+      <p:ext uri="{BB962C8B-B14F-4D97-AF65-F5344CB8AC3E}">
+        <p14:creationId xmlns:p14="http://schemas.microsoft.com/office/powerpoint/2010/main" val="1906430335"/>
+      </p:ext>
+    </p:extLst>
+  </p:cSld>
+  <p:clrMapOvr>
+    <a:masterClrMapping/>
+  </p:clrMapOvr>
+  <p:timing>
+    <p:tnLst>
+      <p:par>
+        <p:cTn id="1" dur="indefinite" restart="never" nodeType="tmRoot"/>
+      </p:par>
+    </p:tnLst>
+  </p:timing>
+</p:sld>
+</file>
+
+<file path=ppt/slides/slide14.xml><?xml version="1.0" encoding="utf-8"?>
 <p:sld xmlns:a="http://schemas.openxmlformats.org/drawingml/2006/main" xmlns:r="http://schemas.openxmlformats.org/officeDocument/2006/relationships" xmlns:p="http://schemas.openxmlformats.org/presentationml/2006/main">
   <p:cSld>
     <p:bg>
@@ -7193,7 +8529,7 @@
             </a:r>
             <a:r>
               <a:rPr lang="en-US" dirty="0" smtClean="0"/>
-              <a:t>Task List</a:t>
+              <a:t>Bookmarks</a:t>
             </a:r>
             <a:endParaRPr lang="en-US" dirty="0"/>
           </a:p>
@@ -7227,6 +8563,203 @@
                   <a:schemeClr val="bg1"/>
                 </a:solidFill>
               </a:rPr>
+              <a:t>Закладки в текстовых файлах</a:t>
+            </a:r>
+            <a:endParaRPr lang="en-US" dirty="0" smtClean="0">
+              <a:solidFill>
+                <a:schemeClr val="bg1"/>
+              </a:solidFill>
+            </a:endParaRPr>
+          </a:p>
+          <a:p>
+            <a:pPr>
+              <a:buClr>
+                <a:schemeClr val="bg1"/>
+              </a:buClr>
+            </a:pPr>
+            <a:r>
+              <a:rPr lang="ru-RU" dirty="0" smtClean="0">
+                <a:solidFill>
+                  <a:schemeClr val="bg1"/>
+                </a:solidFill>
+              </a:rPr>
+              <a:t>Команды меню </a:t>
+            </a:r>
+            <a:r>
+              <a:rPr lang="en-US" dirty="0" smtClean="0">
+                <a:solidFill>
+                  <a:schemeClr val="bg1"/>
+                </a:solidFill>
+              </a:rPr>
+              <a:t>View -&gt; Bookmark Window</a:t>
+            </a:r>
+            <a:r>
+              <a:rPr lang="ru-RU" dirty="0" smtClean="0">
+                <a:solidFill>
+                  <a:schemeClr val="bg1"/>
+                </a:solidFill>
+              </a:rPr>
+              <a:t> и </a:t>
+            </a:r>
+            <a:r>
+              <a:rPr lang="en-US" dirty="0" smtClean="0">
+                <a:solidFill>
+                  <a:schemeClr val="bg1"/>
+                </a:solidFill>
+              </a:rPr>
+              <a:t>Edit -&gt; Bookmarks.</a:t>
+            </a:r>
+          </a:p>
+          <a:p>
+            <a:pPr>
+              <a:buClr>
+                <a:schemeClr val="bg1"/>
+              </a:buClr>
+            </a:pPr>
+            <a:endParaRPr lang="ru-RU" dirty="0" smtClean="0">
+              <a:solidFill>
+                <a:schemeClr val="bg1"/>
+              </a:solidFill>
+            </a:endParaRPr>
+          </a:p>
+          <a:p>
+            <a:pPr>
+              <a:buClr>
+                <a:schemeClr val="bg1"/>
+              </a:buClr>
+            </a:pPr>
+            <a:endParaRPr lang="ru-RU" dirty="0" smtClean="0">
+              <a:solidFill>
+                <a:schemeClr val="bg1"/>
+              </a:solidFill>
+            </a:endParaRPr>
+          </a:p>
+          <a:p>
+            <a:pPr>
+              <a:buClr>
+                <a:schemeClr val="bg1"/>
+              </a:buClr>
+            </a:pPr>
+            <a:endParaRPr lang="ru-RU" dirty="0" smtClean="0">
+              <a:solidFill>
+                <a:schemeClr val="bg1"/>
+              </a:solidFill>
+            </a:endParaRPr>
+          </a:p>
+          <a:p>
+            <a:pPr marL="0" indent="0">
+              <a:buClr>
+                <a:schemeClr val="bg1"/>
+              </a:buClr>
+              <a:buNone/>
+            </a:pPr>
+            <a:endParaRPr lang="en-US" dirty="0">
+              <a:solidFill>
+                <a:schemeClr val="bg1"/>
+              </a:solidFill>
+            </a:endParaRPr>
+          </a:p>
+        </p:txBody>
+      </p:sp>
+    </p:spTree>
+    <p:extLst>
+      <p:ext uri="{BB962C8B-B14F-4D97-AF65-F5344CB8AC3E}">
+        <p14:creationId xmlns:p14="http://schemas.microsoft.com/office/powerpoint/2010/main" val="3985499755"/>
+      </p:ext>
+    </p:extLst>
+  </p:cSld>
+  <p:clrMapOvr>
+    <a:overrideClrMapping bg1="lt1" tx1="dk1" bg2="lt2" tx2="dk2" accent1="accent1" accent2="accent2" accent3="accent3" accent4="accent4" accent5="accent5" accent6="accent6" hlink="hlink" folHlink="folHlink"/>
+  </p:clrMapOvr>
+</p:sld>
+</file>
+
+<file path=ppt/slides/slide15.xml><?xml version="1.0" encoding="utf-8"?>
+<p:sld xmlns:a="http://schemas.openxmlformats.org/drawingml/2006/main" xmlns:r="http://schemas.openxmlformats.org/officeDocument/2006/relationships" xmlns:p="http://schemas.openxmlformats.org/presentationml/2006/main">
+  <p:cSld>
+    <p:bg>
+      <p:bgPr>
+        <a:blipFill dpi="0" rotWithShape="1">
+          <a:blip r:embed="rId3">
+            <a:lum/>
+          </a:blip>
+          <a:srcRect/>
+          <a:stretch>
+            <a:fillRect/>
+          </a:stretch>
+        </a:blipFill>
+        <a:effectLst/>
+      </p:bgPr>
+    </p:bg>
+    <p:spTree>
+      <p:nvGrpSpPr>
+        <p:cNvPr id="1" name=""/>
+        <p:cNvGrpSpPr/>
+        <p:nvPr/>
+      </p:nvGrpSpPr>
+      <p:grpSpPr>
+        <a:xfrm>
+          <a:off x="0" y="0"/>
+          <a:ext cx="0" cy="0"/>
+          <a:chOff x="0" y="0"/>
+          <a:chExt cx="0" cy="0"/>
+        </a:xfrm>
+      </p:grpSpPr>
+      <p:sp>
+        <p:nvSpPr>
+          <p:cNvPr id="2" name="Title 1"/>
+          <p:cNvSpPr>
+            <a:spLocks noGrp="1"/>
+          </p:cNvSpPr>
+          <p:nvPr>
+            <p:ph type="title"/>
+          </p:nvPr>
+        </p:nvSpPr>
+        <p:spPr/>
+        <p:txBody>
+          <a:bodyPr/>
+          <a:lstStyle/>
+          <a:p>
+            <a:r>
+              <a:rPr lang="ru-RU" dirty="0" smtClean="0"/>
+              <a:t>Окна: </a:t>
+            </a:r>
+            <a:r>
+              <a:rPr lang="en-US" dirty="0" smtClean="0"/>
+              <a:t>Task List</a:t>
+            </a:r>
+            <a:endParaRPr lang="en-US" dirty="0"/>
+          </a:p>
+        </p:txBody>
+      </p:sp>
+      <p:sp>
+        <p:nvSpPr>
+          <p:cNvPr id="3" name="Content Placeholder 2"/>
+          <p:cNvSpPr>
+            <a:spLocks noGrp="1"/>
+          </p:cNvSpPr>
+          <p:nvPr>
+            <p:ph idx="1"/>
+          </p:nvPr>
+        </p:nvSpPr>
+        <p:spPr/>
+        <p:txBody>
+          <a:bodyPr>
+            <a:normAutofit/>
+          </a:bodyPr>
+          <a:lstStyle/>
+          <a:p>
+            <a:pPr>
+              <a:buClr>
+                <a:schemeClr val="bg1"/>
+              </a:buClr>
+            </a:pPr>
+            <a:r>
+              <a:rPr lang="ru-RU" dirty="0">
+                <a:solidFill>
+                  <a:schemeClr val="bg1"/>
+                </a:solidFill>
+              </a:rPr>
               <a:t>Список можно использовать для хранения заметок по проекту</a:t>
             </a:r>
             <a:endParaRPr lang="en-US" dirty="0" smtClean="0">
@@ -7349,7 +8882,7 @@
 </p:sld>
 </file>
 
-<file path=ppt/slides/slide14.xml><?xml version="1.0" encoding="utf-8"?>
+<file path=ppt/slides/slide16.xml><?xml version="1.0" encoding="utf-8"?>
 <p:sld xmlns:a="http://schemas.openxmlformats.org/drawingml/2006/main" xmlns:r="http://schemas.openxmlformats.org/officeDocument/2006/relationships" xmlns:p="http://schemas.openxmlformats.org/presentationml/2006/main">
   <p:cSld>
     <p:spTree>
@@ -7421,7 +8954,7 @@
 </p:sld>
 </file>
 
-<file path=ppt/slides/slide15.xml><?xml version="1.0" encoding="utf-8"?>
+<file path=ppt/slides/slide17.xml><?xml version="1.0" encoding="utf-8"?>
 <p:sld xmlns:a="http://schemas.openxmlformats.org/drawingml/2006/main" xmlns:r="http://schemas.openxmlformats.org/officeDocument/2006/relationships" xmlns:p="http://schemas.openxmlformats.org/presentationml/2006/main">
   <p:cSld>
     <p:spTree>
@@ -7620,7 +9153,7 @@
 </p:sld>
 </file>
 
-<file path=ppt/slides/slide16.xml><?xml version="1.0" encoding="utf-8"?>
+<file path=ppt/slides/slide18.xml><?xml version="1.0" encoding="utf-8"?>
 <p:sld xmlns:a="http://schemas.openxmlformats.org/drawingml/2006/main" xmlns:r="http://schemas.openxmlformats.org/officeDocument/2006/relationships" xmlns:p="http://schemas.openxmlformats.org/presentationml/2006/main">
   <p:cSld>
     <p:spTree>

--- a/Presentation/tools-visual-studio.pptx
+++ b/Presentation/tools-visual-studio.pptx
@@ -6,27 +6,26 @@
     <p:sldMasterId id="2147483663" r:id="rId2"/>
   </p:sldMasterIdLst>
   <p:notesMasterIdLst>
-    <p:notesMasterId r:id="rId21"/>
+    <p:notesMasterId r:id="rId20"/>
   </p:notesMasterIdLst>
   <p:sldIdLst>
     <p:sldId id="257" r:id="rId3"/>
     <p:sldId id="259" r:id="rId4"/>
     <p:sldId id="264" r:id="rId5"/>
     <p:sldId id="270" r:id="rId6"/>
-    <p:sldId id="263" r:id="rId7"/>
-    <p:sldId id="272" r:id="rId8"/>
-    <p:sldId id="262" r:id="rId9"/>
-    <p:sldId id="265" r:id="rId10"/>
-    <p:sldId id="271" r:id="rId11"/>
-    <p:sldId id="266" r:id="rId12"/>
-    <p:sldId id="269" r:id="rId13"/>
-    <p:sldId id="273" r:id="rId14"/>
-    <p:sldId id="274" r:id="rId15"/>
-    <p:sldId id="267" r:id="rId16"/>
-    <p:sldId id="268" r:id="rId17"/>
-    <p:sldId id="260" r:id="rId18"/>
-    <p:sldId id="261" r:id="rId19"/>
-    <p:sldId id="258" r:id="rId20"/>
+    <p:sldId id="272" r:id="rId7"/>
+    <p:sldId id="262" r:id="rId8"/>
+    <p:sldId id="265" r:id="rId9"/>
+    <p:sldId id="271" r:id="rId10"/>
+    <p:sldId id="266" r:id="rId11"/>
+    <p:sldId id="269" r:id="rId12"/>
+    <p:sldId id="273" r:id="rId13"/>
+    <p:sldId id="274" r:id="rId14"/>
+    <p:sldId id="267" r:id="rId15"/>
+    <p:sldId id="268" r:id="rId16"/>
+    <p:sldId id="260" r:id="rId17"/>
+    <p:sldId id="261" r:id="rId18"/>
+    <p:sldId id="258" r:id="rId19"/>
   </p:sldIdLst>
   <p:sldSz cx="9144000" cy="6858000" type="screen4x3"/>
   <p:notesSz cx="6858000" cy="9144000"/>
@@ -210,7 +209,7 @@
           <a:p>
             <a:fld id="{B24A7054-7FFB-49F4-A126-5DF6E687FF53}" type="datetimeFigureOut">
               <a:rPr lang="ru-RU" smtClean="0"/>
-              <a:t>27.09.2013</a:t>
+              <a:t>22.10.2013</a:t>
             </a:fld>
             <a:endParaRPr lang="ru-RU"/>
           </a:p>
@@ -1492,7 +1491,7 @@
           <a:p>
             <a:fld id="{8E6E6A2A-E9D3-4A0D-B04A-ABDD367A1E08}" type="datetimeFigureOut">
               <a:rPr lang="ru-RU" smtClean="0"/>
-              <a:t>27.09.2013</a:t>
+              <a:t>22.10.2013</a:t>
             </a:fld>
             <a:endParaRPr lang="ru-RU"/>
           </a:p>
@@ -4005,7 +4004,7 @@
                 </a:solidFill>
               </a:rPr>
               <a:pPr/>
-              <a:t>27.09.2013</a:t>
+              <a:t>22.10.2013</a:t>
             </a:fld>
             <a:endParaRPr lang="ru-RU">
               <a:solidFill>
@@ -5266,7 +5265,7 @@
           <a:p>
             <a:fld id="{AC3D3127-B7C4-45E3-9797-C527EC9FDD78}" type="datetimeFigureOut">
               <a:rPr lang="ru-RU" smtClean="0"/>
-              <a:t>27.09.2013</a:t>
+              <a:t>22.10.2013</a:t>
             </a:fld>
             <a:endParaRPr lang="ru-RU"/>
           </a:p>
@@ -5802,7 +5801,7 @@
                 </a:solidFill>
               </a:rPr>
               <a:pPr/>
-              <a:t>27.09.2013</a:t>
+              <a:t>22.10.2013</a:t>
             </a:fld>
             <a:endParaRPr lang="ru-RU">
               <a:solidFill>
@@ -6467,347 +6466,6 @@
         <p:spPr/>
         <p:txBody>
           <a:bodyPr>
-            <a:normAutofit fontScale="92500" lnSpcReduction="20000"/>
-          </a:bodyPr>
-          <a:lstStyle/>
-          <a:p>
-            <a:pPr>
-              <a:buClr>
-                <a:schemeClr val="bg1"/>
-              </a:buClr>
-            </a:pPr>
-            <a:r>
-              <a:rPr lang="en-US" dirty="0" smtClean="0">
-                <a:solidFill>
-                  <a:srgbClr val="F6AE1E"/>
-                </a:solidFill>
-              </a:rPr>
-              <a:t>F12</a:t>
-            </a:r>
-            <a:r>
-              <a:rPr lang="en-US" dirty="0" smtClean="0">
-                <a:solidFill>
-                  <a:schemeClr val="bg1"/>
-                </a:solidFill>
-              </a:rPr>
-              <a:t> </a:t>
-            </a:r>
-            <a:r>
-              <a:rPr lang="ru-RU" dirty="0" smtClean="0">
-                <a:solidFill>
-                  <a:schemeClr val="bg1"/>
-                </a:solidFill>
-              </a:rPr>
-              <a:t>перейти к объявлению</a:t>
-            </a:r>
-          </a:p>
-          <a:p>
-            <a:pPr>
-              <a:buClr>
-                <a:schemeClr val="bg1"/>
-              </a:buClr>
-            </a:pPr>
-            <a:r>
-              <a:rPr lang="en-US" dirty="0">
-                <a:solidFill>
-                  <a:srgbClr val="F6AE1E"/>
-                </a:solidFill>
-              </a:rPr>
-              <a:t>Shift+F12</a:t>
-            </a:r>
-            <a:r>
-              <a:rPr lang="en-US" dirty="0" smtClean="0">
-                <a:solidFill>
-                  <a:schemeClr val="bg1"/>
-                </a:solidFill>
-              </a:rPr>
-              <a:t> </a:t>
-            </a:r>
-            <a:r>
-              <a:rPr lang="ru-RU" dirty="0" smtClean="0">
-                <a:solidFill>
-                  <a:schemeClr val="bg1"/>
-                </a:solidFill>
-              </a:rPr>
-              <a:t>найти все места где используется имя</a:t>
-            </a:r>
-          </a:p>
-          <a:p>
-            <a:pPr>
-              <a:buClr>
-                <a:schemeClr val="bg1"/>
-              </a:buClr>
-            </a:pPr>
-            <a:r>
-              <a:rPr lang="en-US" dirty="0">
-                <a:solidFill>
-                  <a:srgbClr val="F6AE1E"/>
-                </a:solidFill>
-              </a:rPr>
-              <a:t>Ctrl+</a:t>
-            </a:r>
-            <a:r>
-              <a:rPr lang="ru-RU" dirty="0">
-                <a:solidFill>
-                  <a:srgbClr val="F6AE1E"/>
-                </a:solidFill>
-              </a:rPr>
-              <a:t>Минус</a:t>
-            </a:r>
-            <a:r>
-              <a:rPr lang="en-US" dirty="0" smtClean="0">
-                <a:solidFill>
-                  <a:schemeClr val="bg1"/>
-                </a:solidFill>
-              </a:rPr>
-              <a:t> </a:t>
-            </a:r>
-            <a:r>
-              <a:rPr lang="ru-RU" dirty="0" smtClean="0">
-                <a:solidFill>
-                  <a:schemeClr val="bg1"/>
-                </a:solidFill>
-              </a:rPr>
-              <a:t>и </a:t>
-            </a:r>
-            <a:r>
-              <a:rPr lang="en-US" dirty="0" err="1" smtClean="0">
-                <a:solidFill>
-                  <a:srgbClr val="F6AE1E"/>
-                </a:solidFill>
-              </a:rPr>
-              <a:t>Shift+Ctrl</a:t>
-            </a:r>
-            <a:r>
-              <a:rPr lang="en-US" dirty="0" smtClean="0">
-                <a:solidFill>
-                  <a:srgbClr val="F6AE1E"/>
-                </a:solidFill>
-              </a:rPr>
-              <a:t>+</a:t>
-            </a:r>
-            <a:r>
-              <a:rPr lang="ru-RU" dirty="0" smtClean="0">
-                <a:solidFill>
-                  <a:srgbClr val="F6AE1E"/>
-                </a:solidFill>
-              </a:rPr>
-              <a:t>Минус</a:t>
-            </a:r>
-            <a:r>
-              <a:rPr lang="en-US" dirty="0" smtClean="0">
-                <a:solidFill>
-                  <a:schemeClr val="bg1"/>
-                </a:solidFill>
-              </a:rPr>
-              <a:t> </a:t>
-            </a:r>
-            <a:r>
-              <a:rPr lang="ru-RU" dirty="0" smtClean="0">
-                <a:solidFill>
-                  <a:schemeClr val="bg1"/>
-                </a:solidFill>
-              </a:rPr>
-              <a:t>навигация «вперед»/«назад»</a:t>
-            </a:r>
-          </a:p>
-          <a:p>
-            <a:pPr>
-              <a:buClr>
-                <a:schemeClr val="bg1"/>
-              </a:buClr>
-            </a:pPr>
-            <a:r>
-              <a:rPr lang="en-US" dirty="0" err="1">
-                <a:solidFill>
-                  <a:srgbClr val="F6AE1E"/>
-                </a:solidFill>
-              </a:rPr>
-              <a:t>Ctrl+Alt</a:t>
-            </a:r>
-            <a:r>
-              <a:rPr lang="en-US" dirty="0">
-                <a:solidFill>
-                  <a:srgbClr val="F6AE1E"/>
-                </a:solidFill>
-              </a:rPr>
-              <a:t>+</a:t>
-            </a:r>
-            <a:r>
-              <a:rPr lang="ru-RU" dirty="0">
-                <a:solidFill>
-                  <a:srgbClr val="F6AE1E"/>
-                </a:solidFill>
-              </a:rPr>
-              <a:t>Стрелка вниз</a:t>
-            </a:r>
-            <a:r>
-              <a:rPr lang="ru-RU" dirty="0" smtClean="0">
-                <a:solidFill>
-                  <a:schemeClr val="bg1"/>
-                </a:solidFill>
-              </a:rPr>
-              <a:t> показать список открытых файлов</a:t>
-            </a:r>
-            <a:endParaRPr lang="en-US" dirty="0" smtClean="0">
-              <a:solidFill>
-                <a:schemeClr val="bg1"/>
-              </a:solidFill>
-            </a:endParaRPr>
-          </a:p>
-          <a:p>
-            <a:pPr>
-              <a:buClr>
-                <a:schemeClr val="bg1"/>
-              </a:buClr>
-            </a:pPr>
-            <a:endParaRPr lang="ru-RU" dirty="0">
-              <a:solidFill>
-                <a:schemeClr val="bg1"/>
-              </a:solidFill>
-            </a:endParaRPr>
-          </a:p>
-          <a:p>
-            <a:pPr marL="0" indent="0">
-              <a:buClr>
-                <a:schemeClr val="bg1"/>
-              </a:buClr>
-              <a:buNone/>
-            </a:pPr>
-            <a:r>
-              <a:rPr lang="en-US" dirty="0">
-                <a:solidFill>
-                  <a:schemeClr val="bg1"/>
-                </a:solidFill>
-                <a:hlinkClick r:id="rId4"/>
-              </a:rPr>
-              <a:t>http://</a:t>
-            </a:r>
-            <a:r>
-              <a:rPr lang="en-US" dirty="0" smtClean="0">
-                <a:solidFill>
-                  <a:schemeClr val="bg1"/>
-                </a:solidFill>
-                <a:hlinkClick r:id="rId4"/>
-              </a:rPr>
-              <a:t>weblogs.asp.net/scottgu/archive/2010/08/24/search-and-navigation-tips-tricks-with-visual-studio.aspx</a:t>
-            </a:r>
-            <a:endParaRPr lang="ru-RU" dirty="0" smtClean="0">
-              <a:solidFill>
-                <a:schemeClr val="bg1"/>
-              </a:solidFill>
-            </a:endParaRPr>
-          </a:p>
-          <a:p>
-            <a:pPr marL="0" indent="0">
-              <a:buClr>
-                <a:schemeClr val="bg1"/>
-              </a:buClr>
-              <a:buNone/>
-            </a:pPr>
-            <a:endParaRPr lang="en-US" dirty="0">
-              <a:solidFill>
-                <a:schemeClr val="bg1"/>
-              </a:solidFill>
-            </a:endParaRPr>
-          </a:p>
-        </p:txBody>
-      </p:sp>
-    </p:spTree>
-    <p:extLst>
-      <p:ext uri="{BB962C8B-B14F-4D97-AF65-F5344CB8AC3E}">
-        <p14:creationId xmlns:p14="http://schemas.microsoft.com/office/powerpoint/2010/main" val="1465218823"/>
-      </p:ext>
-    </p:extLst>
-  </p:cSld>
-  <p:clrMapOvr>
-    <a:overrideClrMapping bg1="lt1" tx1="dk1" bg2="lt2" tx2="dk2" accent1="accent1" accent2="accent2" accent3="accent3" accent4="accent4" accent5="accent5" accent6="accent6" hlink="hlink" folHlink="folHlink"/>
-  </p:clrMapOvr>
-  <p:timing>
-    <p:tnLst>
-      <p:par>
-        <p:cTn id="1" dur="indefinite" restart="never" nodeType="tmRoot"/>
-      </p:par>
-    </p:tnLst>
-  </p:timing>
-</p:sld>
-</file>
-
-<file path=ppt/slides/slide11.xml><?xml version="1.0" encoding="utf-8"?>
-<p:sld xmlns:a="http://schemas.openxmlformats.org/drawingml/2006/main" xmlns:r="http://schemas.openxmlformats.org/officeDocument/2006/relationships" xmlns:p="http://schemas.openxmlformats.org/presentationml/2006/main">
-  <p:cSld>
-    <p:bg>
-      <p:bgPr>
-        <a:blipFill dpi="0" rotWithShape="1">
-          <a:blip r:embed="rId3">
-            <a:lum/>
-          </a:blip>
-          <a:srcRect/>
-          <a:stretch>
-            <a:fillRect/>
-          </a:stretch>
-        </a:blipFill>
-        <a:effectLst/>
-      </p:bgPr>
-    </p:bg>
-    <p:spTree>
-      <p:nvGrpSpPr>
-        <p:cNvPr id="1" name=""/>
-        <p:cNvGrpSpPr/>
-        <p:nvPr/>
-      </p:nvGrpSpPr>
-      <p:grpSpPr>
-        <a:xfrm>
-          <a:off x="0" y="0"/>
-          <a:ext cx="0" cy="0"/>
-          <a:chOff x="0" y="0"/>
-          <a:chExt cx="0" cy="0"/>
-        </a:xfrm>
-      </p:grpSpPr>
-      <p:sp>
-        <p:nvSpPr>
-          <p:cNvPr id="2" name="Title 1"/>
-          <p:cNvSpPr>
-            <a:spLocks noGrp="1"/>
-          </p:cNvSpPr>
-          <p:nvPr>
-            <p:ph type="title"/>
-          </p:nvPr>
-        </p:nvSpPr>
-        <p:spPr/>
-        <p:txBody>
-          <a:bodyPr/>
-          <a:lstStyle/>
-          <a:p>
-            <a:r>
-              <a:rPr lang="ru-RU" dirty="0" smtClean="0"/>
-              <a:t>Редактор</a:t>
-            </a:r>
-            <a:r>
-              <a:rPr lang="en-US" dirty="0" smtClean="0"/>
-              <a:t>: </a:t>
-            </a:r>
-            <a:r>
-              <a:rPr lang="ru-RU" dirty="0" smtClean="0"/>
-              <a:t>Навигация по коду</a:t>
-            </a:r>
-            <a:endParaRPr lang="en-US" dirty="0"/>
-          </a:p>
-        </p:txBody>
-      </p:sp>
-      <p:sp>
-        <p:nvSpPr>
-          <p:cNvPr id="3" name="Content Placeholder 2"/>
-          <p:cNvSpPr>
-            <a:spLocks noGrp="1"/>
-          </p:cNvSpPr>
-          <p:nvPr>
-            <p:ph idx="1"/>
-          </p:nvPr>
-        </p:nvSpPr>
-        <p:spPr/>
-        <p:txBody>
-          <a:bodyPr>
             <a:normAutofit/>
           </a:bodyPr>
           <a:lstStyle/>
@@ -6953,7 +6611,7 @@
 </p:sld>
 </file>
 
-<file path=ppt/slides/slide12.xml><?xml version="1.0" encoding="utf-8"?>
+<file path=ppt/slides/slide11.xml><?xml version="1.0" encoding="utf-8"?>
 <p:sld xmlns:a="http://schemas.openxmlformats.org/drawingml/2006/main" xmlns:r="http://schemas.openxmlformats.org/officeDocument/2006/relationships" xmlns:p="http://schemas.openxmlformats.org/presentationml/2006/main">
   <p:cSld>
     <p:spTree>
@@ -6991,11 +6649,7 @@
             </a:r>
             <a:r>
               <a:rPr lang="en-US" dirty="0" smtClean="0"/>
-              <a:t>: </a:t>
-            </a:r>
-            <a:r>
-              <a:rPr lang="en-US" dirty="0" smtClean="0"/>
-              <a:t>Code Snippets</a:t>
+              <a:t>: Code Snippets</a:t>
             </a:r>
             <a:endParaRPr lang="en-US" dirty="0"/>
           </a:p>
@@ -7043,11 +6697,6 @@
               </a:rPr>
               <a:t>это короткие шаблоны кода на различных языках программирования.</a:t>
             </a:r>
-            <a:endParaRPr lang="ru-RU" dirty="0" smtClean="0">
-              <a:solidFill>
-                <a:schemeClr val="bg1"/>
-              </a:solidFill>
-            </a:endParaRPr>
           </a:p>
           <a:p>
             <a:pPr marL="0" indent="0">
@@ -7220,7 +6869,7 @@
 </p:sld>
 </file>
 
-<file path=ppt/slides/slide13.xml><?xml version="1.0" encoding="utf-8"?>
+<file path=ppt/slides/slide12.xml><?xml version="1.0" encoding="utf-8"?>
 <p:sld xmlns:a="http://schemas.openxmlformats.org/drawingml/2006/main" xmlns:r="http://schemas.openxmlformats.org/officeDocument/2006/relationships" xmlns:p="http://schemas.openxmlformats.org/presentationml/2006/main">
   <p:cSld>
     <p:spTree>
@@ -8477,6 +8126,203 @@
 </p:sld>
 </file>
 
+<file path=ppt/slides/slide13.xml><?xml version="1.0" encoding="utf-8"?>
+<p:sld xmlns:a="http://schemas.openxmlformats.org/drawingml/2006/main" xmlns:r="http://schemas.openxmlformats.org/officeDocument/2006/relationships" xmlns:p="http://schemas.openxmlformats.org/presentationml/2006/main">
+  <p:cSld>
+    <p:bg>
+      <p:bgPr>
+        <a:blipFill dpi="0" rotWithShape="1">
+          <a:blip r:embed="rId3">
+            <a:lum/>
+          </a:blip>
+          <a:srcRect/>
+          <a:stretch>
+            <a:fillRect/>
+          </a:stretch>
+        </a:blipFill>
+        <a:effectLst/>
+      </p:bgPr>
+    </p:bg>
+    <p:spTree>
+      <p:nvGrpSpPr>
+        <p:cNvPr id="1" name=""/>
+        <p:cNvGrpSpPr/>
+        <p:nvPr/>
+      </p:nvGrpSpPr>
+      <p:grpSpPr>
+        <a:xfrm>
+          <a:off x="0" y="0"/>
+          <a:ext cx="0" cy="0"/>
+          <a:chOff x="0" y="0"/>
+          <a:chExt cx="0" cy="0"/>
+        </a:xfrm>
+      </p:grpSpPr>
+      <p:sp>
+        <p:nvSpPr>
+          <p:cNvPr id="2" name="Title 1"/>
+          <p:cNvSpPr>
+            <a:spLocks noGrp="1"/>
+          </p:cNvSpPr>
+          <p:nvPr>
+            <p:ph type="title"/>
+          </p:nvPr>
+        </p:nvSpPr>
+        <p:spPr/>
+        <p:txBody>
+          <a:bodyPr/>
+          <a:lstStyle/>
+          <a:p>
+            <a:r>
+              <a:rPr lang="ru-RU" dirty="0" smtClean="0"/>
+              <a:t>Окна: </a:t>
+            </a:r>
+            <a:r>
+              <a:rPr lang="en-US" dirty="0" smtClean="0"/>
+              <a:t>Bookmarks</a:t>
+            </a:r>
+            <a:endParaRPr lang="en-US" dirty="0"/>
+          </a:p>
+        </p:txBody>
+      </p:sp>
+      <p:sp>
+        <p:nvSpPr>
+          <p:cNvPr id="3" name="Content Placeholder 2"/>
+          <p:cNvSpPr>
+            <a:spLocks noGrp="1"/>
+          </p:cNvSpPr>
+          <p:nvPr>
+            <p:ph idx="1"/>
+          </p:nvPr>
+        </p:nvSpPr>
+        <p:spPr/>
+        <p:txBody>
+          <a:bodyPr>
+            <a:normAutofit/>
+          </a:bodyPr>
+          <a:lstStyle/>
+          <a:p>
+            <a:pPr>
+              <a:buClr>
+                <a:schemeClr val="bg1"/>
+              </a:buClr>
+            </a:pPr>
+            <a:r>
+              <a:rPr lang="ru-RU" dirty="0">
+                <a:solidFill>
+                  <a:schemeClr val="bg1"/>
+                </a:solidFill>
+              </a:rPr>
+              <a:t>Закладки в текстовых файлах</a:t>
+            </a:r>
+            <a:endParaRPr lang="en-US" dirty="0" smtClean="0">
+              <a:solidFill>
+                <a:schemeClr val="bg1"/>
+              </a:solidFill>
+            </a:endParaRPr>
+          </a:p>
+          <a:p>
+            <a:pPr>
+              <a:buClr>
+                <a:schemeClr val="bg1"/>
+              </a:buClr>
+            </a:pPr>
+            <a:r>
+              <a:rPr lang="ru-RU" dirty="0" smtClean="0">
+                <a:solidFill>
+                  <a:schemeClr val="bg1"/>
+                </a:solidFill>
+              </a:rPr>
+              <a:t>Команды меню </a:t>
+            </a:r>
+            <a:r>
+              <a:rPr lang="en-US" dirty="0" smtClean="0">
+                <a:solidFill>
+                  <a:schemeClr val="bg1"/>
+                </a:solidFill>
+              </a:rPr>
+              <a:t>View -&gt; Bookmark Window</a:t>
+            </a:r>
+            <a:r>
+              <a:rPr lang="ru-RU" dirty="0" smtClean="0">
+                <a:solidFill>
+                  <a:schemeClr val="bg1"/>
+                </a:solidFill>
+              </a:rPr>
+              <a:t> и </a:t>
+            </a:r>
+            <a:r>
+              <a:rPr lang="en-US" dirty="0" smtClean="0">
+                <a:solidFill>
+                  <a:schemeClr val="bg1"/>
+                </a:solidFill>
+              </a:rPr>
+              <a:t>Edit -&gt; Bookmarks.</a:t>
+            </a:r>
+          </a:p>
+          <a:p>
+            <a:pPr>
+              <a:buClr>
+                <a:schemeClr val="bg1"/>
+              </a:buClr>
+            </a:pPr>
+            <a:endParaRPr lang="ru-RU" dirty="0" smtClean="0">
+              <a:solidFill>
+                <a:schemeClr val="bg1"/>
+              </a:solidFill>
+            </a:endParaRPr>
+          </a:p>
+          <a:p>
+            <a:pPr>
+              <a:buClr>
+                <a:schemeClr val="bg1"/>
+              </a:buClr>
+            </a:pPr>
+            <a:endParaRPr lang="ru-RU" dirty="0" smtClean="0">
+              <a:solidFill>
+                <a:schemeClr val="bg1"/>
+              </a:solidFill>
+            </a:endParaRPr>
+          </a:p>
+          <a:p>
+            <a:pPr>
+              <a:buClr>
+                <a:schemeClr val="bg1"/>
+              </a:buClr>
+            </a:pPr>
+            <a:endParaRPr lang="ru-RU" dirty="0" smtClean="0">
+              <a:solidFill>
+                <a:schemeClr val="bg1"/>
+              </a:solidFill>
+            </a:endParaRPr>
+          </a:p>
+          <a:p>
+            <a:pPr marL="0" indent="0">
+              <a:buClr>
+                <a:schemeClr val="bg1"/>
+              </a:buClr>
+              <a:buNone/>
+            </a:pPr>
+            <a:endParaRPr lang="en-US" dirty="0">
+              <a:solidFill>
+                <a:schemeClr val="bg1"/>
+              </a:solidFill>
+            </a:endParaRPr>
+          </a:p>
+        </p:txBody>
+      </p:sp>
+    </p:spTree>
+    <p:extLst>
+      <p:ext uri="{BB962C8B-B14F-4D97-AF65-F5344CB8AC3E}">
+        <p14:creationId xmlns:p14="http://schemas.microsoft.com/office/powerpoint/2010/main" val="3985499755"/>
+      </p:ext>
+    </p:extLst>
+  </p:cSld>
+  <p:clrMapOvr>
+    <a:overrideClrMapping bg1="lt1" tx1="dk1" bg2="lt2" tx2="dk2" accent1="accent1" accent2="accent2" accent3="accent3" accent4="accent4" accent5="accent5" accent6="accent6" hlink="hlink" folHlink="folHlink"/>
+  </p:clrMapOvr>
+</p:sld>
+</file>
+
 <file path=ppt/slides/slide14.xml><?xml version="1.0" encoding="utf-8"?>
 <p:sld xmlns:a="http://schemas.openxmlformats.org/drawingml/2006/main" xmlns:r="http://schemas.openxmlformats.org/officeDocument/2006/relationships" xmlns:p="http://schemas.openxmlformats.org/presentationml/2006/main">
   <p:cSld>
@@ -8529,7 +8375,7 @@
             </a:r>
             <a:r>
               <a:rPr lang="en-US" dirty="0" smtClean="0"/>
-              <a:t>Bookmarks</a:t>
+              <a:t>Task List</a:t>
             </a:r>
             <a:endParaRPr lang="en-US" dirty="0"/>
           </a:p>
@@ -8563,7 +8409,7 @@
                   <a:schemeClr val="bg1"/>
                 </a:solidFill>
               </a:rPr>
-              <a:t>Закладки в текстовых файлах</a:t>
+              <a:t>Список можно использовать для хранения заметок по проекту</a:t>
             </a:r>
             <a:endParaRPr lang="en-US" dirty="0" smtClean="0">
               <a:solidFill>
@@ -8583,7 +8429,7 @@
                   <a:schemeClr val="bg1"/>
                 </a:solidFill>
               </a:rPr>
-              <a:t>Команды меню </a:t>
+              <a:t>Команда меню </a:t>
             </a:r>
             <a:r>
               <a:rPr lang="en-US" dirty="0" smtClean="0">
@@ -8591,15 +8437,15 @@
                   <a:schemeClr val="bg1"/>
                 </a:solidFill>
               </a:rPr>
-              <a:t>View -&gt; Bookmark Window</a:t>
-            </a:r>
-            <a:r>
-              <a:rPr lang="ru-RU" dirty="0" smtClean="0">
+              <a:t>View -&gt; </a:t>
+            </a:r>
+            <a:r>
+              <a:rPr lang="en-US" dirty="0">
                 <a:solidFill>
                   <a:schemeClr val="bg1"/>
                 </a:solidFill>
               </a:rPr>
-              <a:t> и </a:t>
+              <a:t>Task </a:t>
             </a:r>
             <a:r>
               <a:rPr lang="en-US" dirty="0" smtClean="0">
@@ -8607,7 +8453,7 @@
                   <a:schemeClr val="bg1"/>
                 </a:solidFill>
               </a:rPr>
-              <a:t>Edit -&gt; Bookmarks.</a:t>
+              <a:t>List.</a:t>
             </a:r>
           </a:p>
           <a:p>
@@ -8616,35 +8462,46 @@
                 <a:schemeClr val="bg1"/>
               </a:buClr>
             </a:pPr>
-            <a:endParaRPr lang="ru-RU" dirty="0" smtClean="0">
-              <a:solidFill>
-                <a:schemeClr val="bg1"/>
-              </a:solidFill>
-            </a:endParaRPr>
-          </a:p>
-          <a:p>
-            <a:pPr>
-              <a:buClr>
-                <a:schemeClr val="bg1"/>
-              </a:buClr>
-            </a:pPr>
-            <a:endParaRPr lang="ru-RU" dirty="0" smtClean="0">
-              <a:solidFill>
-                <a:schemeClr val="bg1"/>
-              </a:solidFill>
-            </a:endParaRPr>
-          </a:p>
-          <a:p>
-            <a:pPr>
-              <a:buClr>
-                <a:schemeClr val="bg1"/>
-              </a:buClr>
-            </a:pPr>
-            <a:endParaRPr lang="ru-RU" dirty="0" smtClean="0">
-              <a:solidFill>
-                <a:schemeClr val="bg1"/>
-              </a:solidFill>
-            </a:endParaRPr>
+            <a:r>
+              <a:rPr lang="ru-RU" dirty="0" smtClean="0">
+                <a:solidFill>
+                  <a:schemeClr val="bg1"/>
+                </a:solidFill>
+              </a:rPr>
+              <a:t>Текст комментария написанный после </a:t>
+            </a:r>
+            <a:r>
+              <a:rPr lang="en-US" dirty="0" smtClean="0">
+                <a:solidFill>
+                  <a:schemeClr val="bg1"/>
+                </a:solidFill>
+              </a:rPr>
+              <a:t>TODO </a:t>
+            </a:r>
+            <a:r>
+              <a:rPr lang="ru-RU" dirty="0" smtClean="0">
+                <a:solidFill>
+                  <a:schemeClr val="bg1"/>
+                </a:solidFill>
+              </a:rPr>
+              <a:t>попадает в</a:t>
+            </a:r>
+            <a:r>
+              <a:rPr lang="en-US" dirty="0" smtClean="0">
+                <a:solidFill>
+                  <a:schemeClr val="bg1"/>
+                </a:solidFill>
+              </a:rPr>
+              <a:t> </a:t>
+            </a:r>
+            <a:r>
+              <a:rPr lang="ru-RU" dirty="0" smtClean="0">
+                <a:solidFill>
+                  <a:schemeClr val="bg1"/>
+                </a:solidFill>
+              </a:rPr>
+              <a:t>него автоматически</a:t>
+            </a:r>
           </a:p>
           <a:p>
             <a:pPr marL="0" indent="0">
@@ -8664,7 +8521,7 @@
     </p:spTree>
     <p:extLst>
       <p:ext uri="{BB962C8B-B14F-4D97-AF65-F5344CB8AC3E}">
-        <p14:creationId xmlns:p14="http://schemas.microsoft.com/office/powerpoint/2010/main" val="3985499755"/>
+        <p14:creationId xmlns:p14="http://schemas.microsoft.com/office/powerpoint/2010/main" val="1384232909"/>
       </p:ext>
     </p:extLst>
   </p:cSld>
@@ -8677,20 +8534,6 @@
 <file path=ppt/slides/slide15.xml><?xml version="1.0" encoding="utf-8"?>
 <p:sld xmlns:a="http://schemas.openxmlformats.org/drawingml/2006/main" xmlns:r="http://schemas.openxmlformats.org/officeDocument/2006/relationships" xmlns:p="http://schemas.openxmlformats.org/presentationml/2006/main">
   <p:cSld>
-    <p:bg>
-      <p:bgPr>
-        <a:blipFill dpi="0" rotWithShape="1">
-          <a:blip r:embed="rId3">
-            <a:lum/>
-          </a:blip>
-          <a:srcRect/>
-          <a:stretch>
-            <a:fillRect/>
-          </a:stretch>
-        </a:blipFill>
-        <a:effectLst/>
-      </p:bgPr>
-    </p:bg>
     <p:spTree>
       <p:nvGrpSpPr>
         <p:cNvPr id="1" name=""/>
@@ -8722,11 +8565,7 @@
           <a:p>
             <a:r>
               <a:rPr lang="ru-RU" dirty="0" smtClean="0"/>
-              <a:t>Окна: </a:t>
-            </a:r>
-            <a:r>
-              <a:rPr lang="en-US" dirty="0" smtClean="0"/>
-              <a:t>Task List</a:t>
+              <a:t>Отладчик</a:t>
             </a:r>
             <a:endParaRPr lang="en-US" dirty="0"/>
           </a:p>
@@ -8744,140 +8583,22 @@
         </p:nvSpPr>
         <p:spPr/>
         <p:txBody>
-          <a:bodyPr>
-            <a:normAutofit/>
-          </a:bodyPr>
+          <a:bodyPr/>
           <a:lstStyle/>
           <a:p>
-            <a:pPr>
-              <a:buClr>
-                <a:schemeClr val="bg1"/>
-              </a:buClr>
-            </a:pPr>
-            <a:r>
-              <a:rPr lang="ru-RU" dirty="0">
-                <a:solidFill>
-                  <a:schemeClr val="bg1"/>
-                </a:solidFill>
-              </a:rPr>
-              <a:t>Список можно использовать для хранения заметок по проекту</a:t>
-            </a:r>
-            <a:endParaRPr lang="en-US" dirty="0" smtClean="0">
-              <a:solidFill>
-                <a:schemeClr val="bg1"/>
-              </a:solidFill>
-            </a:endParaRPr>
-          </a:p>
-          <a:p>
-            <a:pPr>
-              <a:buClr>
-                <a:schemeClr val="bg1"/>
-              </a:buClr>
-            </a:pPr>
-            <a:r>
-              <a:rPr lang="ru-RU" dirty="0" smtClean="0">
-                <a:solidFill>
-                  <a:schemeClr val="bg1"/>
-                </a:solidFill>
-              </a:rPr>
-              <a:t>Команда меню </a:t>
-            </a:r>
-            <a:r>
-              <a:rPr lang="en-US" dirty="0" smtClean="0">
-                <a:solidFill>
-                  <a:schemeClr val="bg1"/>
-                </a:solidFill>
-              </a:rPr>
-              <a:t>View -&gt; </a:t>
-            </a:r>
-            <a:r>
-              <a:rPr lang="en-US" dirty="0">
-                <a:solidFill>
-                  <a:schemeClr val="bg1"/>
-                </a:solidFill>
-              </a:rPr>
-              <a:t>Task </a:t>
-            </a:r>
-            <a:r>
-              <a:rPr lang="en-US" dirty="0" smtClean="0">
-                <a:solidFill>
-                  <a:schemeClr val="bg1"/>
-                </a:solidFill>
-              </a:rPr>
-              <a:t>List.</a:t>
-            </a:r>
-          </a:p>
-          <a:p>
-            <a:pPr>
-              <a:buClr>
-                <a:schemeClr val="bg1"/>
-              </a:buClr>
-            </a:pPr>
-            <a:r>
-              <a:rPr lang="ru-RU" dirty="0" smtClean="0">
-                <a:solidFill>
-                  <a:schemeClr val="bg1"/>
-                </a:solidFill>
-              </a:rPr>
-              <a:t>Текст комментария написанный после </a:t>
-            </a:r>
-            <a:r>
-              <a:rPr lang="en-US" dirty="0" smtClean="0">
-                <a:solidFill>
-                  <a:schemeClr val="bg1"/>
-                </a:solidFill>
-              </a:rPr>
-              <a:t>TODO </a:t>
-            </a:r>
-            <a:r>
-              <a:rPr lang="ru-RU" dirty="0" smtClean="0">
-                <a:solidFill>
-                  <a:schemeClr val="bg1"/>
-                </a:solidFill>
-              </a:rPr>
-              <a:t>попадает в</a:t>
-            </a:r>
-            <a:r>
-              <a:rPr lang="en-US" dirty="0" smtClean="0">
-                <a:solidFill>
-                  <a:schemeClr val="bg1"/>
-                </a:solidFill>
-              </a:rPr>
-              <a:t> </a:t>
-            </a:r>
-            <a:r>
-              <a:rPr lang="ru-RU" dirty="0" smtClean="0">
-                <a:solidFill>
-                  <a:schemeClr val="bg1"/>
-                </a:solidFill>
-              </a:rPr>
-              <a:t>него автоматически</a:t>
-            </a:r>
-          </a:p>
-          <a:p>
-            <a:pPr marL="0" indent="0">
-              <a:buClr>
-                <a:schemeClr val="bg1"/>
-              </a:buClr>
-              <a:buNone/>
-            </a:pPr>
-            <a:endParaRPr lang="en-US" dirty="0">
-              <a:solidFill>
-                <a:schemeClr val="bg1"/>
-              </a:solidFill>
-            </a:endParaRPr>
+            <a:endParaRPr lang="en-US" dirty="0"/>
           </a:p>
         </p:txBody>
       </p:sp>
     </p:spTree>
     <p:extLst>
       <p:ext uri="{BB962C8B-B14F-4D97-AF65-F5344CB8AC3E}">
-        <p14:creationId xmlns:p14="http://schemas.microsoft.com/office/powerpoint/2010/main" val="1384232909"/>
+        <p14:creationId xmlns:p14="http://schemas.microsoft.com/office/powerpoint/2010/main" val="1495295926"/>
       </p:ext>
     </p:extLst>
   </p:cSld>
   <p:clrMapOvr>
-    <a:overrideClrMapping bg1="lt1" tx1="dk1" bg2="lt2" tx2="dk2" accent1="accent1" accent2="accent2" accent3="accent3" accent4="accent4" accent5="accent5" accent6="accent6" hlink="hlink" folHlink="folHlink"/>
+    <a:masterClrMapping/>
   </p:clrMapOvr>
 </p:sld>
 </file>
@@ -8916,78 +8637,6 @@
           <a:p>
             <a:r>
               <a:rPr lang="ru-RU" dirty="0" smtClean="0"/>
-              <a:t>Отладчик</a:t>
-            </a:r>
-            <a:endParaRPr lang="en-US" dirty="0"/>
-          </a:p>
-        </p:txBody>
-      </p:sp>
-      <p:sp>
-        <p:nvSpPr>
-          <p:cNvPr id="3" name="Content Placeholder 2"/>
-          <p:cNvSpPr>
-            <a:spLocks noGrp="1"/>
-          </p:cNvSpPr>
-          <p:nvPr>
-            <p:ph idx="1"/>
-          </p:nvPr>
-        </p:nvSpPr>
-        <p:spPr/>
-        <p:txBody>
-          <a:bodyPr/>
-          <a:lstStyle/>
-          <a:p>
-            <a:endParaRPr lang="en-US" dirty="0"/>
-          </a:p>
-        </p:txBody>
-      </p:sp>
-    </p:spTree>
-    <p:extLst>
-      <p:ext uri="{BB962C8B-B14F-4D97-AF65-F5344CB8AC3E}">
-        <p14:creationId xmlns:p14="http://schemas.microsoft.com/office/powerpoint/2010/main" val="1495295926"/>
-      </p:ext>
-    </p:extLst>
-  </p:cSld>
-  <p:clrMapOvr>
-    <a:masterClrMapping/>
-  </p:clrMapOvr>
-</p:sld>
-</file>
-
-<file path=ppt/slides/slide17.xml><?xml version="1.0" encoding="utf-8"?>
-<p:sld xmlns:a="http://schemas.openxmlformats.org/drawingml/2006/main" xmlns:r="http://schemas.openxmlformats.org/officeDocument/2006/relationships" xmlns:p="http://schemas.openxmlformats.org/presentationml/2006/main">
-  <p:cSld>
-    <p:spTree>
-      <p:nvGrpSpPr>
-        <p:cNvPr id="1" name=""/>
-        <p:cNvGrpSpPr/>
-        <p:nvPr/>
-      </p:nvGrpSpPr>
-      <p:grpSpPr>
-        <a:xfrm>
-          <a:off x="0" y="0"/>
-          <a:ext cx="0" cy="0"/>
-          <a:chOff x="0" y="0"/>
-          <a:chExt cx="0" cy="0"/>
-        </a:xfrm>
-      </p:grpSpPr>
-      <p:sp>
-        <p:nvSpPr>
-          <p:cNvPr id="2" name="Title 1"/>
-          <p:cNvSpPr>
-            <a:spLocks noGrp="1"/>
-          </p:cNvSpPr>
-          <p:nvPr>
-            <p:ph type="title"/>
-          </p:nvPr>
-        </p:nvSpPr>
-        <p:spPr/>
-        <p:txBody>
-          <a:bodyPr/>
-          <a:lstStyle/>
-          <a:p>
-            <a:r>
-              <a:rPr lang="ru-RU" dirty="0" smtClean="0"/>
               <a:t>Расширения для </a:t>
             </a:r>
             <a:r>
@@ -9153,7 +8802,7 @@
 </p:sld>
 </file>
 
-<file path=ppt/slides/slide18.xml><?xml version="1.0" encoding="utf-8"?>
+<file path=ppt/slides/slide17.xml><?xml version="1.0" encoding="utf-8"?>
 <p:sld xmlns:a="http://schemas.openxmlformats.org/drawingml/2006/main" xmlns:r="http://schemas.openxmlformats.org/officeDocument/2006/relationships" xmlns:p="http://schemas.openxmlformats.org/presentationml/2006/main">
   <p:cSld>
     <p:spTree>
@@ -9928,12 +9577,12 @@
           <a:lstStyle/>
           <a:p>
             <a:r>
+              <a:rPr lang="en-US" dirty="0" smtClean="0"/>
+              <a:t>Visual Studio </a:t>
+            </a:r>
+            <a:r>
               <a:rPr lang="ru-RU" dirty="0" smtClean="0"/>
-              <a:t>Клавиатурные комбинации </a:t>
-            </a:r>
-            <a:r>
-              <a:rPr lang="en-US" dirty="0" smtClean="0"/>
-              <a:t>Windows</a:t>
+              <a:t>и права администратора</a:t>
             </a:r>
             <a:endParaRPr lang="en-US" dirty="0"/>
           </a:p>
@@ -9952,239 +9601,196 @@
         <p:spPr/>
         <p:txBody>
           <a:bodyPr>
-            <a:normAutofit/>
+            <a:normAutofit fontScale="70000" lnSpcReduction="20000"/>
           </a:bodyPr>
           <a:lstStyle/>
           <a:p>
-            <a:r>
-              <a:rPr lang="en-US" sz="2800" dirty="0" smtClean="0">
-                <a:solidFill>
-                  <a:srgbClr val="92D050"/>
-                </a:solidFill>
-              </a:rPr>
-              <a:t>[win 7,8]</a:t>
-            </a:r>
-            <a:r>
-              <a:rPr lang="en-US" sz="2800" dirty="0" smtClean="0"/>
-              <a:t> </a:t>
-            </a:r>
-            <a:r>
-              <a:rPr lang="ru-RU" sz="2800" dirty="0" smtClean="0"/>
-              <a:t>Панель задач</a:t>
-            </a:r>
-            <a:endParaRPr lang="en-US" sz="2800" dirty="0" smtClean="0"/>
+            <a:pPr marL="0" indent="0">
+              <a:buNone/>
+            </a:pPr>
+            <a:r>
+              <a:rPr lang="ru-RU" dirty="0" smtClean="0"/>
+              <a:t>Если у вас установлена </a:t>
+            </a:r>
+            <a:r>
+              <a:rPr lang="en-US" dirty="0"/>
+              <a:t>Windows </a:t>
+            </a:r>
+            <a:r>
+              <a:rPr lang="en-US" dirty="0" smtClean="0"/>
+              <a:t>Vista, Windows 7 </a:t>
+            </a:r>
+            <a:r>
+              <a:rPr lang="ru-RU" dirty="0" smtClean="0"/>
+              <a:t>или </a:t>
+            </a:r>
+            <a:r>
+              <a:rPr lang="en-US" dirty="0" smtClean="0"/>
+              <a:t>Windows 8 </a:t>
+            </a:r>
+            <a:r>
+              <a:rPr lang="ru-RU" dirty="0" smtClean="0"/>
+              <a:t>с включенным </a:t>
+            </a:r>
+            <a:r>
+              <a:rPr lang="en-US" dirty="0" smtClean="0"/>
+              <a:t>UAC</a:t>
+            </a:r>
+            <a:r>
+              <a:rPr lang="ru-RU" dirty="0" smtClean="0"/>
+              <a:t>, то для корректной работы отладчика рекомендуется всегда запускать </a:t>
+            </a:r>
+            <a:r>
+              <a:rPr lang="en-US" dirty="0" smtClean="0"/>
+              <a:t>VS </a:t>
+            </a:r>
+            <a:r>
+              <a:rPr lang="ru-RU" dirty="0" smtClean="0"/>
+              <a:t>с правами администратора. Для этого откройте свойства следующих файлов, перейдите на закладку </a:t>
+            </a:r>
+            <a:r>
+              <a:rPr lang="en-US" dirty="0" smtClean="0"/>
+              <a:t>Compatibility</a:t>
+            </a:r>
+            <a:r>
+              <a:rPr lang="ru-RU" dirty="0" smtClean="0"/>
+              <a:t> и </a:t>
+            </a:r>
+            <a:r>
+              <a:rPr lang="ru-RU" smtClean="0"/>
+              <a:t>включите опцию </a:t>
+            </a:r>
+            <a:r>
+              <a:rPr lang="ru-RU" dirty="0" smtClean="0"/>
+              <a:t>«</a:t>
+            </a:r>
+            <a:r>
+              <a:rPr lang="en-US" dirty="0" smtClean="0"/>
+              <a:t>Run this program as administrator</a:t>
+            </a:r>
+            <a:r>
+              <a:rPr lang="ru-RU" dirty="0" smtClean="0"/>
+              <a:t>»</a:t>
+            </a:r>
+            <a:r>
+              <a:rPr lang="en-US" dirty="0" smtClean="0"/>
+              <a:t>:</a:t>
+            </a:r>
+          </a:p>
+          <a:p>
+            <a:r>
+              <a:rPr lang="en-US" dirty="0" smtClean="0"/>
+              <a:t>Devenv.exe</a:t>
+            </a:r>
           </a:p>
           <a:p>
             <a:pPr lvl="1"/>
             <a:r>
-              <a:rPr lang="ru-RU" sz="2400" dirty="0" smtClean="0"/>
-              <a:t>Пользуйтесь возможностью </a:t>
-            </a:r>
-            <a:r>
-              <a:rPr lang="en-US" sz="2400" dirty="0" smtClean="0"/>
-              <a:t>“pin to this list”</a:t>
+              <a:rPr lang="en-US" dirty="0"/>
+              <a:t>(win 64) "C:\Program Files (x86)\Microsoft Visual Studio </a:t>
+            </a:r>
+            <a:r>
+              <a:rPr lang="en-US" dirty="0" smtClean="0"/>
+              <a:t>XX.Y\Common7\IDE\“</a:t>
             </a:r>
           </a:p>
           <a:p>
             <a:pPr lvl="1"/>
             <a:r>
-              <a:rPr lang="en-US" sz="2400" dirty="0"/>
-              <a:t>Show Jump List </a:t>
-            </a:r>
-            <a:r>
-              <a:rPr lang="en-US" sz="2400" dirty="0">
-                <a:solidFill>
-                  <a:srgbClr val="F6AE1E"/>
-                </a:solidFill>
-              </a:rPr>
-              <a:t>(</a:t>
-            </a:r>
-            <a:r>
-              <a:rPr lang="en-US" sz="2400" dirty="0" err="1">
-                <a:solidFill>
-                  <a:srgbClr val="F6AE1E"/>
-                </a:solidFill>
-              </a:rPr>
-              <a:t>Win+Alt</a:t>
-            </a:r>
-            <a:r>
-              <a:rPr lang="en-US" sz="2400" dirty="0">
-                <a:solidFill>
-                  <a:srgbClr val="F6AE1E"/>
-                </a:solidFill>
-              </a:rPr>
-              <a:t> + n)</a:t>
+              <a:rPr lang="en-US" dirty="0"/>
+              <a:t>(win </a:t>
+            </a:r>
+            <a:r>
+              <a:rPr lang="en-US" dirty="0" smtClean="0"/>
+              <a:t>32) </a:t>
+            </a:r>
+            <a:r>
+              <a:rPr lang="en-US" dirty="0"/>
+              <a:t>"C:\Program </a:t>
+            </a:r>
+            <a:r>
+              <a:rPr lang="en-US" dirty="0" smtClean="0"/>
+              <a:t>Files\Microsoft </a:t>
+            </a:r>
+            <a:r>
+              <a:rPr lang="en-US" dirty="0"/>
+              <a:t>Visual Studio XX.Y\Common7\IDE</a:t>
+            </a:r>
+            <a:r>
+              <a:rPr lang="en-US" dirty="0" smtClean="0"/>
+              <a:t>\“</a:t>
+            </a:r>
+          </a:p>
+          <a:p>
+            <a:r>
+              <a:rPr lang="en-US" dirty="0" smtClean="0"/>
+              <a:t>VSLauncher.exe</a:t>
             </a:r>
           </a:p>
           <a:p>
             <a:pPr lvl="1"/>
             <a:r>
-              <a:rPr lang="en-US" sz="2400" dirty="0"/>
-              <a:t>Start new instance </a:t>
-            </a:r>
-            <a:r>
-              <a:rPr lang="en-US" sz="2400" dirty="0">
-                <a:solidFill>
-                  <a:srgbClr val="F6AE1E"/>
-                </a:solidFill>
-              </a:rPr>
-              <a:t>(</a:t>
-            </a:r>
-            <a:r>
-              <a:rPr lang="en-US" sz="2400" dirty="0" err="1">
-                <a:solidFill>
-                  <a:srgbClr val="F6AE1E"/>
-                </a:solidFill>
-              </a:rPr>
-              <a:t>Win+Shift</a:t>
-            </a:r>
-            <a:r>
-              <a:rPr lang="en-US" sz="2400" dirty="0">
-                <a:solidFill>
-                  <a:srgbClr val="F6AE1E"/>
-                </a:solidFill>
-              </a:rPr>
-              <a:t> + n)</a:t>
+              <a:rPr lang="en-US" dirty="0" smtClean="0"/>
+              <a:t>(win 64) "C</a:t>
+            </a:r>
+            <a:r>
+              <a:rPr lang="en-US" dirty="0"/>
+              <a:t>:\Program Files (x86)\Common Files\</a:t>
+            </a:r>
+            <a:r>
+              <a:rPr lang="en-US" dirty="0" err="1"/>
+              <a:t>microsoft</a:t>
+            </a:r>
+            <a:r>
+              <a:rPr lang="en-US" dirty="0"/>
+              <a:t> shared\</a:t>
+            </a:r>
+            <a:r>
+              <a:rPr lang="en-US" dirty="0" err="1"/>
+              <a:t>MSEnv</a:t>
+            </a:r>
+            <a:r>
+              <a:rPr lang="en-US" dirty="0" smtClean="0"/>
+              <a:t>\“</a:t>
             </a:r>
           </a:p>
           <a:p>
             <a:pPr lvl="1"/>
             <a:r>
-              <a:rPr lang="en-US" sz="2400" dirty="0"/>
-              <a:t>Start new instance as admin </a:t>
-            </a:r>
-            <a:r>
-              <a:rPr lang="en-US" sz="2400" dirty="0">
-                <a:solidFill>
-                  <a:srgbClr val="F6AE1E"/>
-                </a:solidFill>
-              </a:rPr>
-              <a:t>(</a:t>
-            </a:r>
-            <a:r>
-              <a:rPr lang="en-US" sz="2400" dirty="0" err="1">
-                <a:solidFill>
-                  <a:srgbClr val="F6AE1E"/>
-                </a:solidFill>
-              </a:rPr>
-              <a:t>Win+Shift+Ctrl</a:t>
-            </a:r>
-            <a:r>
-              <a:rPr lang="en-US" sz="2400" dirty="0">
-                <a:solidFill>
-                  <a:srgbClr val="F6AE1E"/>
-                </a:solidFill>
-              </a:rPr>
-              <a:t> + n)</a:t>
-            </a:r>
-          </a:p>
-          <a:p>
-            <a:pPr lvl="1"/>
-            <a:r>
-              <a:rPr lang="en-US" sz="2400" dirty="0"/>
-              <a:t>Toggle instances </a:t>
-            </a:r>
-            <a:r>
-              <a:rPr lang="en-US" sz="2400" dirty="0">
-                <a:solidFill>
-                  <a:srgbClr val="F6AE1E"/>
-                </a:solidFill>
-              </a:rPr>
-              <a:t>(Win + n)</a:t>
-            </a:r>
-          </a:p>
-          <a:p>
-            <a:pPr lvl="1"/>
-            <a:r>
-              <a:rPr lang="en-US" sz="2400" dirty="0"/>
-              <a:t>Toggle instances (without Aero Peek) </a:t>
-            </a:r>
-            <a:r>
-              <a:rPr lang="en-US" sz="2400" dirty="0">
-                <a:solidFill>
-                  <a:srgbClr val="F6AE1E"/>
-                </a:solidFill>
-              </a:rPr>
-              <a:t>(</a:t>
-            </a:r>
-            <a:r>
-              <a:rPr lang="en-US" sz="2400" dirty="0" err="1">
-                <a:solidFill>
-                  <a:srgbClr val="F6AE1E"/>
-                </a:solidFill>
-              </a:rPr>
-              <a:t>Win+Ctrl</a:t>
-            </a:r>
-            <a:r>
-              <a:rPr lang="en-US" sz="2400" dirty="0">
-                <a:solidFill>
-                  <a:srgbClr val="F6AE1E"/>
-                </a:solidFill>
-              </a:rPr>
-              <a:t> + n</a:t>
-            </a:r>
-            <a:r>
-              <a:rPr lang="en-US" sz="2400" dirty="0" smtClean="0">
-                <a:solidFill>
-                  <a:srgbClr val="F6AE1E"/>
-                </a:solidFill>
-              </a:rPr>
-              <a:t>)</a:t>
-            </a:r>
-          </a:p>
-          <a:p>
-            <a:r>
-              <a:rPr lang="en-US" dirty="0">
-                <a:solidFill>
-                  <a:srgbClr val="92D050"/>
-                </a:solidFill>
-              </a:rPr>
-              <a:t>[win 7,8]</a:t>
-            </a:r>
-            <a:r>
               <a:rPr lang="en-US" dirty="0"/>
-              <a:t> </a:t>
-            </a:r>
-            <a:r>
-              <a:rPr lang="ru-RU" dirty="0" smtClean="0"/>
-              <a:t>Перемещение окон </a:t>
-            </a:r>
-            <a:r>
-              <a:rPr lang="ru-RU" dirty="0" smtClean="0">
-                <a:solidFill>
-                  <a:srgbClr val="F6AE1E"/>
-                </a:solidFill>
-              </a:rPr>
-              <a:t>(</a:t>
-            </a:r>
-            <a:r>
-              <a:rPr lang="en-US" dirty="0" smtClean="0">
-                <a:solidFill>
-                  <a:srgbClr val="F6AE1E"/>
-                </a:solidFill>
-              </a:rPr>
-              <a:t>Win + </a:t>
-            </a:r>
-            <a:r>
-              <a:rPr lang="ru-RU" dirty="0" smtClean="0">
-                <a:solidFill>
-                  <a:srgbClr val="F6AE1E"/>
-                </a:solidFill>
-              </a:rPr>
-              <a:t>курсорные клавиши)</a:t>
-            </a:r>
-            <a:endParaRPr lang="en-US" dirty="0">
-              <a:solidFill>
-                <a:srgbClr val="F6AE1E"/>
-              </a:solidFill>
-            </a:endParaRPr>
+              <a:t>(win 32) "C:\Program </a:t>
+            </a:r>
+            <a:r>
+              <a:rPr lang="en-US" dirty="0" smtClean="0"/>
+              <a:t>Files\Common </a:t>
+            </a:r>
+            <a:r>
+              <a:rPr lang="en-US" dirty="0"/>
+              <a:t>Files\</a:t>
+            </a:r>
+            <a:r>
+              <a:rPr lang="en-US" dirty="0" err="1"/>
+              <a:t>microsoft</a:t>
+            </a:r>
+            <a:r>
+              <a:rPr lang="en-US" dirty="0"/>
+              <a:t> shared\</a:t>
+            </a:r>
+            <a:r>
+              <a:rPr lang="en-US" dirty="0" err="1"/>
+              <a:t>MSEnv</a:t>
+            </a:r>
+            <a:r>
+              <a:rPr lang="en-US" dirty="0"/>
+              <a:t>\"</a:t>
+            </a:r>
           </a:p>
         </p:txBody>
       </p:sp>
     </p:spTree>
     <p:extLst>
       <p:ext uri="{BB962C8B-B14F-4D97-AF65-F5344CB8AC3E}">
-        <p14:creationId xmlns:p14="http://schemas.microsoft.com/office/powerpoint/2010/main" val="734954698"/>
+        <p14:creationId xmlns:p14="http://schemas.microsoft.com/office/powerpoint/2010/main" val="536631026"/>
       </p:ext>
     </p:extLst>
   </p:cSld>
@@ -10223,18 +9829,12 @@
         </p:nvSpPr>
         <p:spPr/>
         <p:txBody>
-          <a:bodyPr>
-            <a:normAutofit fontScale="90000"/>
-          </a:bodyPr>
+          <a:bodyPr/>
           <a:lstStyle/>
           <a:p>
             <a:r>
-              <a:rPr lang="en-US" dirty="0" smtClean="0"/>
-              <a:t>Visual Studio </a:t>
-            </a:r>
-            <a:r>
               <a:rPr lang="ru-RU" dirty="0" smtClean="0"/>
-              <a:t>и права администратора</a:t>
+              <a:t>Редактор</a:t>
             </a:r>
             <a:endParaRPr lang="en-US" dirty="0"/>
           </a:p>
@@ -10253,188 +9853,290 @@
         <p:spPr/>
         <p:txBody>
           <a:bodyPr>
-            <a:normAutofit fontScale="70000" lnSpcReduction="20000"/>
+            <a:normAutofit lnSpcReduction="10000"/>
           </a:bodyPr>
           <a:lstStyle/>
           <a:p>
-            <a:pPr marL="0" indent="0">
-              <a:buNone/>
+            <a:pPr>
+              <a:buClr>
+                <a:schemeClr val="bg1"/>
+              </a:buClr>
             </a:pPr>
             <a:r>
+              <a:rPr lang="en-US" dirty="0" smtClean="0">
+                <a:solidFill>
+                  <a:srgbClr val="92D050"/>
+                </a:solidFill>
+              </a:rPr>
+              <a:t>[10]</a:t>
+            </a:r>
+            <a:r>
+              <a:rPr lang="en-US" dirty="0" smtClean="0"/>
+              <a:t> </a:t>
+            </a:r>
+            <a:r>
               <a:rPr lang="ru-RU" dirty="0" smtClean="0"/>
-              <a:t>Если у вас установлена </a:t>
+              <a:t>Изменение размера шрифта </a:t>
+            </a:r>
+            <a:r>
+              <a:rPr lang="en-US" dirty="0">
+                <a:solidFill>
+                  <a:srgbClr val="F6AE1E"/>
+                </a:solidFill>
+              </a:rPr>
+              <a:t>(</a:t>
+            </a:r>
+            <a:r>
+              <a:rPr lang="en-US" dirty="0" err="1">
+                <a:solidFill>
+                  <a:srgbClr val="F6AE1E"/>
+                </a:solidFill>
+              </a:rPr>
+              <a:t>Ctrl+Shift</a:t>
+            </a:r>
+            <a:r>
+              <a:rPr lang="en-US" dirty="0">
+                <a:solidFill>
+                  <a:srgbClr val="F6AE1E"/>
+                </a:solidFill>
+              </a:rPr>
+              <a:t> + &lt;/&gt; </a:t>
+            </a:r>
+            <a:r>
+              <a:rPr lang="ru-RU" dirty="0" smtClean="0">
+                <a:solidFill>
+                  <a:schemeClr val="bg1"/>
+                </a:solidFill>
+              </a:rPr>
+              <a:t>или</a:t>
+            </a:r>
+            <a:r>
+              <a:rPr lang="en-US" dirty="0" smtClean="0">
+                <a:solidFill>
+                  <a:srgbClr val="F6AE1E"/>
+                </a:solidFill>
+              </a:rPr>
+              <a:t> </a:t>
+            </a:r>
+            <a:r>
+              <a:rPr lang="en-US" dirty="0">
+                <a:solidFill>
+                  <a:srgbClr val="F6AE1E"/>
+                </a:solidFill>
+              </a:rPr>
+              <a:t>Ctrl + Mouse Scroll</a:t>
+            </a:r>
+            <a:r>
+              <a:rPr lang="en-US" dirty="0" smtClean="0">
+                <a:solidFill>
+                  <a:srgbClr val="F6AE1E"/>
+                </a:solidFill>
+              </a:rPr>
+              <a:t>)</a:t>
+            </a:r>
+            <a:endParaRPr lang="ru-RU" dirty="0" smtClean="0">
+              <a:solidFill>
+                <a:srgbClr val="F6AE1E"/>
+              </a:solidFill>
+            </a:endParaRPr>
+          </a:p>
+          <a:p>
+            <a:pPr>
+              <a:buClr>
+                <a:schemeClr val="bg1"/>
+              </a:buClr>
+            </a:pPr>
+            <a:r>
+              <a:rPr lang="en-US" dirty="0">
+                <a:solidFill>
+                  <a:srgbClr val="92D050"/>
+                </a:solidFill>
+              </a:rPr>
+              <a:t>[10]</a:t>
+            </a:r>
+            <a:r>
+              <a:rPr lang="en-US" dirty="0" smtClean="0"/>
+              <a:t> </a:t>
+            </a:r>
+            <a:r>
+              <a:rPr lang="ru-RU" dirty="0" smtClean="0"/>
+              <a:t>Многострочное редактирование</a:t>
+            </a:r>
+            <a:r>
+              <a:rPr lang="en-US" dirty="0" smtClean="0"/>
+              <a:t> </a:t>
+            </a:r>
+            <a:r>
+              <a:rPr lang="en-US" dirty="0" smtClean="0">
+                <a:solidFill>
+                  <a:srgbClr val="F6AE1E"/>
+                </a:solidFill>
+              </a:rPr>
+              <a:t>(</a:t>
+            </a:r>
+            <a:r>
+              <a:rPr lang="en-US" dirty="0" err="1">
+                <a:solidFill>
+                  <a:srgbClr val="F6AE1E"/>
+                </a:solidFill>
+              </a:rPr>
+              <a:t>Alt+Shift</a:t>
+            </a:r>
+            <a:r>
+              <a:rPr lang="en-US" dirty="0">
+                <a:solidFill>
+                  <a:srgbClr val="F6AE1E"/>
+                </a:solidFill>
+              </a:rPr>
+              <a:t> + Up/Down</a:t>
             </a:r>
             <a:r>
               <a:rPr lang="en-US" dirty="0"/>
-              <a:t>Windows </a:t>
+              <a:t> </a:t>
+            </a:r>
+            <a:r>
+              <a:rPr lang="ru-RU" dirty="0" smtClean="0"/>
+              <a:t>или</a:t>
             </a:r>
             <a:r>
               <a:rPr lang="en-US" dirty="0" smtClean="0"/>
-              <a:t>Vista, Windows 7 </a:t>
+              <a:t> </a:t>
+            </a:r>
+            <a:r>
+              <a:rPr lang="en-US" dirty="0">
+                <a:solidFill>
+                  <a:srgbClr val="F6AE1E"/>
+                </a:solidFill>
+              </a:rPr>
+              <a:t>Alt + Mouse Up/Down</a:t>
+            </a:r>
+            <a:r>
+              <a:rPr lang="en-US" dirty="0" smtClean="0">
+                <a:solidFill>
+                  <a:srgbClr val="F6AE1E"/>
+                </a:solidFill>
+              </a:rPr>
+              <a:t>)</a:t>
+            </a:r>
+            <a:endParaRPr lang="ru-RU" dirty="0" smtClean="0">
+              <a:solidFill>
+                <a:srgbClr val="F6AE1E"/>
+              </a:solidFill>
+            </a:endParaRPr>
+          </a:p>
+          <a:p>
+            <a:pPr>
+              <a:buClr>
+                <a:schemeClr val="bg1"/>
+              </a:buClr>
+            </a:pPr>
+            <a:r>
+              <a:rPr lang="en-US" dirty="0" smtClean="0">
+                <a:solidFill>
+                  <a:srgbClr val="92D050"/>
+                </a:solidFill>
+              </a:rPr>
+              <a:t>[0</a:t>
+            </a:r>
+            <a:r>
+              <a:rPr lang="ru-RU" dirty="0" smtClean="0">
+                <a:solidFill>
+                  <a:srgbClr val="92D050"/>
+                </a:solidFill>
+              </a:rPr>
+              <a:t>5</a:t>
+            </a:r>
+            <a:r>
+              <a:rPr lang="en-US" dirty="0" smtClean="0">
+                <a:solidFill>
+                  <a:srgbClr val="92D050"/>
+                </a:solidFill>
+              </a:rPr>
+              <a:t>]</a:t>
+            </a:r>
+            <a:r>
+              <a:rPr lang="en-US" dirty="0" smtClean="0"/>
+              <a:t> </a:t>
             </a:r>
             <a:r>
               <a:rPr lang="ru-RU" dirty="0" smtClean="0"/>
-              <a:t>или </a:t>
-            </a:r>
-            <a:r>
-              <a:rPr lang="en-US" dirty="0" smtClean="0"/>
-              <a:t>Windows 8 </a:t>
-            </a:r>
-            <a:r>
-              <a:rPr lang="ru-RU" dirty="0" smtClean="0"/>
-              <a:t>с включенным </a:t>
-            </a:r>
-            <a:r>
-              <a:rPr lang="en-US" dirty="0" smtClean="0"/>
-              <a:t>UAC</a:t>
-            </a:r>
-            <a:r>
-              <a:rPr lang="ru-RU" dirty="0" smtClean="0"/>
-              <a:t>, то для корректной работы отладчика рекомендуется всегда запускать </a:t>
-            </a:r>
-            <a:r>
-              <a:rPr lang="en-US" dirty="0" smtClean="0"/>
-              <a:t>VS </a:t>
-            </a:r>
-            <a:r>
-              <a:rPr lang="ru-RU" dirty="0" smtClean="0"/>
-              <a:t>с правами администратора. Для этого откройте свойства следующих файлов, перейдите на закладку </a:t>
-            </a:r>
-            <a:r>
-              <a:rPr lang="en-US" dirty="0" smtClean="0"/>
-              <a:t>Compatibility</a:t>
-            </a:r>
-            <a:r>
-              <a:rPr lang="ru-RU" dirty="0" smtClean="0"/>
-              <a:t> и </a:t>
-            </a:r>
-            <a:r>
-              <a:rPr lang="ru-RU" smtClean="0"/>
-              <a:t>включите опцию </a:t>
-            </a:r>
-            <a:r>
-              <a:rPr lang="ru-RU" dirty="0" smtClean="0"/>
-              <a:t>«</a:t>
-            </a:r>
-            <a:r>
-              <a:rPr lang="en-US" dirty="0" smtClean="0"/>
-              <a:t>Run this program as administrator</a:t>
-            </a:r>
-            <a:r>
-              <a:rPr lang="ru-RU" dirty="0" smtClean="0"/>
-              <a:t>»</a:t>
-            </a:r>
-            <a:r>
-              <a:rPr lang="en-US" dirty="0" smtClean="0"/>
-              <a:t>:</a:t>
-            </a:r>
-          </a:p>
-          <a:p>
-            <a:r>
-              <a:rPr lang="en-US" dirty="0" smtClean="0"/>
-              <a:t>Devenv.exe</a:t>
-            </a:r>
-          </a:p>
-          <a:p>
-            <a:pPr lvl="1"/>
-            <a:r>
-              <a:rPr lang="en-US" dirty="0"/>
-              <a:t>(win 64) "C:\Program Files (x86)\Microsoft Visual Studio </a:t>
-            </a:r>
-            <a:r>
-              <a:rPr lang="en-US" dirty="0" smtClean="0"/>
-              <a:t>XX.Y\Common7\IDE\“</a:t>
-            </a:r>
-          </a:p>
-          <a:p>
-            <a:pPr lvl="1"/>
-            <a:r>
-              <a:rPr lang="en-US" dirty="0"/>
-              <a:t>(win </a:t>
-            </a:r>
-            <a:r>
-              <a:rPr lang="en-US" dirty="0" smtClean="0"/>
-              <a:t>32) </a:t>
-            </a:r>
-            <a:r>
-              <a:rPr lang="en-US" dirty="0"/>
-              <a:t>"C:\Program </a:t>
-            </a:r>
-            <a:r>
-              <a:rPr lang="en-US" dirty="0" smtClean="0"/>
-              <a:t>Files\Microsoft </a:t>
-            </a:r>
-            <a:r>
-              <a:rPr lang="en-US" dirty="0"/>
-              <a:t>Visual Studio XX.Y\Common7\IDE</a:t>
-            </a:r>
-            <a:r>
-              <a:rPr lang="en-US" dirty="0" smtClean="0"/>
-              <a:t>\“</a:t>
-            </a:r>
-          </a:p>
-          <a:p>
-            <a:r>
-              <a:rPr lang="en-US" dirty="0" smtClean="0"/>
-              <a:t>VSLauncher.exe</a:t>
-            </a:r>
-          </a:p>
-          <a:p>
-            <a:pPr lvl="1"/>
-            <a:r>
-              <a:rPr lang="en-US" dirty="0" smtClean="0"/>
-              <a:t>(win 64) "C</a:t>
-            </a:r>
-            <a:r>
-              <a:rPr lang="en-US" dirty="0"/>
-              <a:t>:\Program Files (x86)\Common Files\</a:t>
-            </a:r>
-            <a:r>
-              <a:rPr lang="en-US" dirty="0" err="1"/>
-              <a:t>microsoft</a:t>
-            </a:r>
-            <a:r>
-              <a:rPr lang="en-US" dirty="0"/>
-              <a:t> shared\</a:t>
-            </a:r>
-            <a:r>
-              <a:rPr lang="en-US" dirty="0" err="1"/>
-              <a:t>MSEnv</a:t>
-            </a:r>
-            <a:r>
-              <a:rPr lang="en-US" dirty="0" smtClean="0"/>
-              <a:t>\“</a:t>
-            </a:r>
-          </a:p>
-          <a:p>
-            <a:pPr lvl="1"/>
-            <a:r>
-              <a:rPr lang="en-US" dirty="0"/>
-              <a:t>(win 32) "C:\Program </a:t>
-            </a:r>
-            <a:r>
-              <a:rPr lang="en-US" dirty="0" smtClean="0"/>
-              <a:t>Files\Common </a:t>
-            </a:r>
-            <a:r>
-              <a:rPr lang="en-US" dirty="0"/>
-              <a:t>Files\</a:t>
-            </a:r>
-            <a:r>
-              <a:rPr lang="en-US" dirty="0" err="1"/>
-              <a:t>microsoft</a:t>
-            </a:r>
-            <a:r>
-              <a:rPr lang="en-US" dirty="0"/>
-              <a:t> shared\</a:t>
-            </a:r>
-            <a:r>
-              <a:rPr lang="en-US" dirty="0" err="1"/>
-              <a:t>MSEnv</a:t>
-            </a:r>
-            <a:r>
-              <a:rPr lang="en-US" dirty="0"/>
-              <a:t>\"</a:t>
+              <a:t>Вставка текста из ц</a:t>
+            </a:r>
+            <a:r>
+              <a:rPr lang="ru-RU" dirty="0" smtClean="0">
+                <a:solidFill>
+                  <a:schemeClr val="bg1"/>
+                </a:solidFill>
+              </a:rPr>
+              <a:t>иклического буфера обмена </a:t>
+            </a:r>
+            <a:r>
+              <a:rPr lang="en-US" dirty="0">
+                <a:solidFill>
+                  <a:srgbClr val="F6AE1E"/>
+                </a:solidFill>
+              </a:rPr>
+              <a:t>(</a:t>
+            </a:r>
+            <a:r>
+              <a:rPr lang="en-US" dirty="0" err="1">
+                <a:solidFill>
+                  <a:srgbClr val="F6AE1E"/>
+                </a:solidFill>
+              </a:rPr>
+              <a:t>Ctrl+Shift</a:t>
+            </a:r>
+            <a:r>
+              <a:rPr lang="en-US" dirty="0">
+                <a:solidFill>
+                  <a:srgbClr val="F6AE1E"/>
+                </a:solidFill>
+              </a:rPr>
+              <a:t> + V</a:t>
+            </a:r>
+            <a:r>
+              <a:rPr lang="en-US" dirty="0" smtClean="0">
+                <a:solidFill>
+                  <a:srgbClr val="F6AE1E"/>
+                </a:solidFill>
+              </a:rPr>
+              <a:t>)</a:t>
+            </a:r>
+            <a:endParaRPr lang="ru-RU" dirty="0" smtClean="0">
+              <a:solidFill>
+                <a:srgbClr val="F6AE1E"/>
+              </a:solidFill>
+            </a:endParaRPr>
+          </a:p>
+          <a:p>
+            <a:pPr>
+              <a:buClr>
+                <a:schemeClr val="bg1"/>
+              </a:buClr>
+            </a:pPr>
+            <a:r>
+              <a:rPr lang="ru-RU" smtClean="0">
+                <a:solidFill>
+                  <a:schemeClr val="bg1"/>
+                </a:solidFill>
+              </a:rPr>
+              <a:t>Прокрутка текста без изменения положения курсора</a:t>
+            </a:r>
+            <a:r>
+              <a:rPr lang="en-US" dirty="0" smtClean="0">
+                <a:solidFill>
+                  <a:schemeClr val="bg1"/>
+                </a:solidFill>
+              </a:rPr>
+              <a:t> </a:t>
+            </a:r>
+            <a:r>
+              <a:rPr lang="en-US" dirty="0">
+                <a:solidFill>
+                  <a:srgbClr val="F6AE1E"/>
+                </a:solidFill>
+              </a:rPr>
+              <a:t>(Ctrl + Up/Down Arrow)</a:t>
             </a:r>
           </a:p>
         </p:txBody>
@@ -10442,7 +10144,7 @@
     </p:spTree>
     <p:extLst>
       <p:ext uri="{BB962C8B-B14F-4D97-AF65-F5344CB8AC3E}">
-        <p14:creationId xmlns:p14="http://schemas.microsoft.com/office/powerpoint/2010/main" val="536631026"/>
+        <p14:creationId xmlns:p14="http://schemas.microsoft.com/office/powerpoint/2010/main" val="468185828"/>
       </p:ext>
     </p:extLst>
   </p:cSld>
@@ -10488,6 +10190,14 @@
               <a:rPr lang="ru-RU" dirty="0" smtClean="0"/>
               <a:t>Редактор</a:t>
             </a:r>
+            <a:r>
+              <a:rPr lang="en-US" dirty="0" smtClean="0"/>
+              <a:t>: </a:t>
+            </a:r>
+            <a:r>
+              <a:rPr lang="ru-RU" dirty="0" smtClean="0"/>
+              <a:t>Поиск текста</a:t>
+            </a:r>
             <a:endParaRPr lang="en-US" dirty="0"/>
           </a:p>
         </p:txBody>
@@ -10505,7 +10215,7 @@
         <p:spPr/>
         <p:txBody>
           <a:bodyPr>
-            <a:normAutofit lnSpcReduction="10000"/>
+            <a:normAutofit fontScale="85000" lnSpcReduction="10000"/>
           </a:bodyPr>
           <a:lstStyle/>
           <a:p>
@@ -10515,44 +10225,12 @@
               </a:buClr>
             </a:pPr>
             <a:r>
-              <a:rPr lang="en-US" dirty="0" smtClean="0">
-                <a:solidFill>
-                  <a:srgbClr val="92D050"/>
-                </a:solidFill>
-              </a:rPr>
-              <a:t>[10]</a:t>
-            </a:r>
-            <a:r>
-              <a:rPr lang="en-US" dirty="0" smtClean="0"/>
-              <a:t> </a:t>
-            </a:r>
-            <a:r>
-              <a:rPr lang="ru-RU" dirty="0" smtClean="0"/>
-              <a:t>Изменение размера шрифта </a:t>
-            </a:r>
-            <a:r>
-              <a:rPr lang="en-US" dirty="0">
+              <a:rPr lang="en-US" dirty="0" err="1" smtClean="0">
                 <a:solidFill>
                   <a:srgbClr val="F6AE1E"/>
                 </a:solidFill>
               </a:rPr>
-              <a:t>(</a:t>
-            </a:r>
-            <a:r>
-              <a:rPr lang="en-US" dirty="0" err="1">
-                <a:solidFill>
-                  <a:srgbClr val="F6AE1E"/>
-                </a:solidFill>
-              </a:rPr>
-              <a:t>Ctrl+Shift</a:t>
-            </a:r>
-            <a:r>
-              <a:rPr lang="en-US" dirty="0">
-                <a:solidFill>
-                  <a:srgbClr val="F6AE1E"/>
-                </a:solidFill>
-              </a:rPr>
-              <a:t> + &lt;/&gt; </a:t>
+              <a:t>Ctrl+i</a:t>
             </a:r>
             <a:r>
               <a:rPr lang="ru-RU" dirty="0" smtClean="0">
@@ -10560,37 +10238,8 @@
                   <a:schemeClr val="bg1"/>
                 </a:solidFill>
               </a:rPr>
-              <a:t>или</a:t>
-            </a:r>
-            <a:r>
-              <a:rPr lang="en-US" dirty="0" smtClean="0">
-                <a:solidFill>
-                  <a:srgbClr val="F6AE1E"/>
-                </a:solidFill>
-              </a:rPr>
-              <a:t> </a:t>
-            </a:r>
-            <a:r>
-              <a:rPr lang="en-US" dirty="0">
-                <a:solidFill>
-                  <a:srgbClr val="F6AE1E"/>
-                </a:solidFill>
-              </a:rPr>
-              <a:t>Ctrl + Mouse Scroll</a:t>
-            </a:r>
-            <a:r>
-              <a:rPr lang="en-US" dirty="0" smtClean="0">
-                <a:solidFill>
-                  <a:srgbClr val="F6AE1E"/>
-                </a:solidFill>
-              </a:rPr>
-              <a:t>)</a:t>
-            </a:r>
-            <a:endParaRPr lang="ru-RU" dirty="0" smtClean="0">
-              <a:solidFill>
-                <a:srgbClr val="F6AE1E"/>
-              </a:solidFill>
-            </a:endParaRPr>
+              <a:t> поиск</a:t>
+            </a:r>
           </a:p>
           <a:p>
             <a:pPr>
@@ -10601,80 +10250,27 @@
             <a:r>
               <a:rPr lang="en-US" dirty="0">
                 <a:solidFill>
-                  <a:srgbClr val="92D050"/>
-                </a:solidFill>
-              </a:rPr>
-              <a:t>[10]</a:t>
-            </a:r>
-            <a:r>
-              <a:rPr lang="en-US" dirty="0" smtClean="0"/>
+                  <a:srgbClr val="F6AE1E"/>
+                </a:solidFill>
+              </a:rPr>
+              <a:t>F3/Shift+F3</a:t>
+            </a:r>
+            <a:r>
+              <a:rPr lang="en-US" dirty="0" smtClean="0">
+                <a:solidFill>
+                  <a:schemeClr val="bg1"/>
+                </a:solidFill>
+              </a:rPr>
               <a:t> </a:t>
             </a:r>
             <a:r>
-              <a:rPr lang="ru-RU" dirty="0" smtClean="0"/>
-              <a:t>Многострочное редактирование</a:t>
-            </a:r>
-            <a:r>
-              <a:rPr lang="en-US" dirty="0" smtClean="0"/>
-              <a:t> </a:t>
-            </a:r>
-            <a:r>
-              <a:rPr lang="en-US" dirty="0" smtClean="0">
-                <a:solidFill>
-                  <a:srgbClr val="F6AE1E"/>
-                </a:solidFill>
-              </a:rPr>
-              <a:t>(</a:t>
-            </a:r>
-            <a:r>
-              <a:rPr lang="en-US" dirty="0" err="1">
-                <a:solidFill>
-                  <a:srgbClr val="F6AE1E"/>
-                </a:solidFill>
-              </a:rPr>
-              <a:t>Alt+Shift</a:t>
-            </a:r>
-            <a:r>
-              <a:rPr lang="en-US" dirty="0">
-                <a:solidFill>
-                  <a:srgbClr val="F6AE1E"/>
-                </a:solidFill>
-              </a:rPr>
-              <a:t> + Up/Down</a:t>
-            </a:r>
-            <a:r>
-              <a:rPr lang="en-US" dirty="0"/>
-              <a:t> </a:t>
-            </a:r>
-            <a:r>
-              <a:rPr lang="ru-RU" dirty="0" smtClean="0"/>
-              <a:t>или</a:t>
-            </a:r>
-            <a:r>
-              <a:rPr lang="en-US" dirty="0" smtClean="0"/>
-              <a:t> </a:t>
-            </a:r>
-            <a:r>
-              <a:rPr lang="en-US" dirty="0">
-                <a:solidFill>
-                  <a:srgbClr val="F6AE1E"/>
-                </a:solidFill>
-              </a:rPr>
-              <a:t>Alt + Mouse Up/Down</a:t>
-            </a:r>
-            <a:r>
-              <a:rPr lang="en-US" dirty="0" smtClean="0">
-                <a:solidFill>
-                  <a:srgbClr val="F6AE1E"/>
-                </a:solidFill>
-              </a:rPr>
-              <a:t>)</a:t>
-            </a:r>
-            <a:endParaRPr lang="ru-RU" dirty="0" smtClean="0">
-              <a:solidFill>
-                <a:srgbClr val="F6AE1E"/>
-              </a:solidFill>
-            </a:endParaRPr>
+              <a:rPr lang="ru-RU" dirty="0" smtClean="0">
+                <a:solidFill>
+                  <a:schemeClr val="bg1"/>
+                </a:solidFill>
+              </a:rPr>
+              <a:t>найти следующее/предыдущее вхождение строки</a:t>
+            </a:r>
           </a:p>
           <a:p>
             <a:pPr>
@@ -10683,82 +10279,29 @@
               </a:buClr>
             </a:pPr>
             <a:r>
+              <a:rPr lang="en-US" dirty="0">
+                <a:solidFill>
+                  <a:srgbClr val="F6AE1E"/>
+                </a:solidFill>
+              </a:rPr>
+              <a:t>Ctrl+F3</a:t>
+            </a:r>
+            <a:r>
               <a:rPr lang="en-US" dirty="0" smtClean="0">
                 <a:solidFill>
-                  <a:srgbClr val="92D050"/>
-                </a:solidFill>
-              </a:rPr>
-              <a:t>[0</a:t>
+                  <a:schemeClr val="bg1"/>
+                </a:solidFill>
+              </a:rPr>
+              <a:t> </a:t>
             </a:r>
             <a:r>
               <a:rPr lang="ru-RU" dirty="0" smtClean="0">
                 <a:solidFill>
-                  <a:srgbClr val="92D050"/>
-                </a:solidFill>
-              </a:rPr>
-              <a:t>5</a:t>
-            </a:r>
-            <a:r>
-              <a:rPr lang="en-US" dirty="0" smtClean="0">
-                <a:solidFill>
-                  <a:srgbClr val="92D050"/>
-                </a:solidFill>
-              </a:rPr>
-              <a:t>]</a:t>
-            </a:r>
-            <a:r>
-              <a:rPr lang="en-US" dirty="0" smtClean="0"/>
-              <a:t> </a:t>
-            </a:r>
-            <a:r>
-              <a:rPr lang="ru-RU" dirty="0" smtClean="0"/>
-              <a:t>Вставка текста из ц</a:t>
-            </a:r>
-            <a:r>
-              <a:rPr lang="ru-RU" dirty="0" smtClean="0">
-                <a:solidFill>
                   <a:schemeClr val="bg1"/>
                 </a:solidFill>
               </a:rPr>
-              <a:t>иклического буфера обмена </a:t>
-            </a:r>
-            <a:r>
-              <a:rPr lang="en-US" dirty="0">
-                <a:solidFill>
-                  <a:srgbClr val="F6AE1E"/>
-                </a:solidFill>
-              </a:rPr>
-              <a:t>(</a:t>
-            </a:r>
-            <a:r>
-              <a:rPr lang="en-US" dirty="0" err="1">
-                <a:solidFill>
-                  <a:srgbClr val="F6AE1E"/>
-                </a:solidFill>
-              </a:rPr>
-              <a:t>Ctrl+Shift</a:t>
-            </a:r>
-            <a:r>
-              <a:rPr lang="en-US" dirty="0">
-                <a:solidFill>
-                  <a:srgbClr val="F6AE1E"/>
-                </a:solidFill>
-              </a:rPr>
-              <a:t> + V</a:t>
-            </a:r>
-            <a:r>
-              <a:rPr lang="en-US" dirty="0" smtClean="0">
-                <a:solidFill>
-                  <a:srgbClr val="F6AE1E"/>
-                </a:solidFill>
-              </a:rPr>
-              <a:t>)</a:t>
-            </a:r>
-            <a:endParaRPr lang="ru-RU" dirty="0" smtClean="0">
-              <a:solidFill>
-                <a:srgbClr val="F6AE1E"/>
-              </a:solidFill>
-            </a:endParaRPr>
+              <a:t>найти следующее вхождение выделенного текста</a:t>
+            </a:r>
           </a:p>
           <a:p>
             <a:pPr>
@@ -10767,12 +10310,28 @@
               </a:buClr>
             </a:pPr>
             <a:r>
-              <a:rPr lang="ru-RU" smtClean="0">
+              <a:rPr lang="en-US" dirty="0" err="1">
+                <a:solidFill>
+                  <a:srgbClr val="F6AE1E"/>
+                </a:solidFill>
+              </a:rPr>
+              <a:t>Ctrl+Shift+F</a:t>
+            </a:r>
+            <a:r>
+              <a:rPr lang="en-US" dirty="0" smtClean="0">
                 <a:solidFill>
                   <a:schemeClr val="bg1"/>
                 </a:solidFill>
               </a:rPr>
-              <a:t>Прокрутка текста без изменения положения курсора</a:t>
+              <a:t> </a:t>
+            </a:r>
+            <a:r>
+              <a:rPr lang="ru-RU" dirty="0" smtClean="0">
+                <a:solidFill>
+                  <a:schemeClr val="bg1"/>
+                </a:solidFill>
+              </a:rPr>
+              <a:t>найти в </a:t>
             </a:r>
             <a:r>
               <a:rPr lang="en-US" dirty="0" smtClean="0">
@@ -10780,23 +10339,84 @@
                   <a:schemeClr val="bg1"/>
                 </a:solidFill>
               </a:rPr>
-              <a:t> </a:t>
-            </a:r>
+              <a:t>solution</a:t>
+            </a:r>
+          </a:p>
+          <a:p>
+            <a:pPr marL="0" indent="0">
+              <a:buClr>
+                <a:schemeClr val="bg1"/>
+              </a:buClr>
+              <a:buNone/>
+            </a:pPr>
+            <a:endParaRPr lang="ru-RU" dirty="0" smtClean="0">
+              <a:solidFill>
+                <a:schemeClr val="bg1"/>
+              </a:solidFill>
+            </a:endParaRPr>
+          </a:p>
+          <a:p>
+            <a:pPr>
+              <a:buClr>
+                <a:schemeClr val="bg1"/>
+              </a:buClr>
+            </a:pPr>
+            <a:endParaRPr lang="ru-RU" dirty="0">
+              <a:solidFill>
+                <a:schemeClr val="bg1"/>
+              </a:solidFill>
+            </a:endParaRPr>
+          </a:p>
+          <a:p>
+            <a:pPr marL="0" indent="0">
+              <a:buClr>
+                <a:schemeClr val="bg1"/>
+              </a:buClr>
+              <a:buNone/>
+            </a:pPr>
             <a:r>
               <a:rPr lang="en-US" dirty="0">
                 <a:solidFill>
-                  <a:srgbClr val="F6AE1E"/>
-                </a:solidFill>
-              </a:rPr>
-              <a:t>(Ctrl + Up/Down Arrow)</a:t>
-            </a:r>
+                  <a:schemeClr val="bg1"/>
+                </a:solidFill>
+                <a:hlinkClick r:id="rId2"/>
+              </a:rPr>
+              <a:t>http://</a:t>
+            </a:r>
+            <a:r>
+              <a:rPr lang="en-US" dirty="0" smtClean="0">
+                <a:solidFill>
+                  <a:schemeClr val="bg1"/>
+                </a:solidFill>
+                <a:hlinkClick r:id="rId2"/>
+              </a:rPr>
+              <a:t>weblogs.asp.net/scottgu/archive/2010/08/24/search-and-navigation-tips-tricks-with-visual-studio.aspx</a:t>
+            </a:r>
+            <a:endParaRPr lang="ru-RU" dirty="0" smtClean="0">
+              <a:solidFill>
+                <a:schemeClr val="bg1"/>
+              </a:solidFill>
+            </a:endParaRPr>
+          </a:p>
+          <a:p>
+            <a:pPr marL="0" indent="0">
+              <a:buClr>
+                <a:schemeClr val="bg1"/>
+              </a:buClr>
+              <a:buNone/>
+            </a:pPr>
+            <a:endParaRPr lang="en-US" dirty="0">
+              <a:solidFill>
+                <a:schemeClr val="bg1"/>
+              </a:solidFill>
+            </a:endParaRPr>
           </a:p>
         </p:txBody>
       </p:sp>
     </p:spTree>
     <p:extLst>
       <p:ext uri="{BB962C8B-B14F-4D97-AF65-F5344CB8AC3E}">
-        <p14:creationId xmlns:p14="http://schemas.microsoft.com/office/powerpoint/2010/main" val="468185828"/>
+        <p14:creationId xmlns:p14="http://schemas.microsoft.com/office/powerpoint/2010/main" val="1967395690"/>
       </p:ext>
     </p:extLst>
   </p:cSld>
@@ -10844,11 +10464,7 @@
             </a:r>
             <a:r>
               <a:rPr lang="en-US" dirty="0" smtClean="0"/>
-              <a:t>: </a:t>
-            </a:r>
-            <a:r>
-              <a:rPr lang="ru-RU" dirty="0" smtClean="0"/>
-              <a:t>Поиск текста</a:t>
+              <a:t>: Column mode</a:t>
             </a:r>
             <a:endParaRPr lang="en-US" dirty="0"/>
           </a:p>
@@ -10867,7 +10483,7 @@
         <p:spPr/>
         <p:txBody>
           <a:bodyPr>
-            <a:normAutofit fontScale="85000" lnSpcReduction="10000"/>
+            <a:normAutofit/>
           </a:bodyPr>
           <a:lstStyle/>
           <a:p>
@@ -10882,7 +10498,7 @@
                   <a:srgbClr val="F6AE1E"/>
                 </a:solidFill>
               </a:rPr>
-              <a:t>Ctrl+i</a:t>
+              <a:t>Shift+Alt+Arrow</a:t>
             </a:r>
             <a:r>
               <a:rPr lang="ru-RU" dirty="0" smtClean="0">
@@ -10890,7 +10506,7 @@
                   <a:schemeClr val="bg1"/>
                 </a:solidFill>
               </a:rPr>
-              <a:t> поиск</a:t>
+              <a:t> позволяет выделить прямоугольный блок текста</a:t>
             </a:r>
           </a:p>
           <a:p>
@@ -10905,7 +10521,7 @@
                   <a:srgbClr val="F6AE1E"/>
                 </a:solidFill>
               </a:rPr>
-              <a:t>F3/Shift+F3</a:t>
+              <a:t>Alt + Left Mouse</a:t>
             </a:r>
             <a:r>
               <a:rPr lang="en-US" dirty="0" smtClean="0">
@@ -10913,7 +10529,7 @@
                   <a:schemeClr val="bg1"/>
                 </a:solidFill>
               </a:rPr>
-              <a:t> </a:t>
+              <a:t> Button </a:t>
             </a:r>
             <a:r>
               <a:rPr lang="ru-RU" dirty="0" smtClean="0">
@@ -10921,7 +10537,23 @@
                   <a:schemeClr val="bg1"/>
                 </a:solidFill>
               </a:rPr>
-              <a:t>найти следующее/предыдущее вхождение строки</a:t>
+              <a:t>позиционирует курсор за концом строки даже если опция «</a:t>
+            </a:r>
+            <a:r>
+              <a:rPr lang="en-US" dirty="0" smtClean="0">
+                <a:solidFill>
+                  <a:schemeClr val="bg1"/>
+                </a:solidFill>
+              </a:rPr>
+              <a:t>enable virtual space</a:t>
+            </a:r>
+            <a:r>
+              <a:rPr lang="ru-RU" dirty="0" smtClean="0">
+                <a:solidFill>
+                  <a:schemeClr val="bg1"/>
+                </a:solidFill>
+              </a:rPr>
+              <a:t>» выключена</a:t>
             </a:r>
           </a:p>
           <a:p>
@@ -10930,69 +10562,11 @@
                 <a:schemeClr val="bg1"/>
               </a:buClr>
             </a:pPr>
-            <a:r>
-              <a:rPr lang="en-US" dirty="0">
-                <a:solidFill>
-                  <a:srgbClr val="F6AE1E"/>
-                </a:solidFill>
-              </a:rPr>
-              <a:t>Ctrl+F3</a:t>
-            </a:r>
-            <a:r>
-              <a:rPr lang="en-US" dirty="0" smtClean="0">
-                <a:solidFill>
-                  <a:schemeClr val="bg1"/>
-                </a:solidFill>
-              </a:rPr>
-              <a:t> </a:t>
-            </a:r>
-            <a:r>
-              <a:rPr lang="ru-RU" dirty="0" smtClean="0">
-                <a:solidFill>
-                  <a:schemeClr val="bg1"/>
-                </a:solidFill>
-              </a:rPr>
-              <a:t>найти следующее вхождение выделенного текста</a:t>
-            </a:r>
-          </a:p>
-          <a:p>
-            <a:pPr>
-              <a:buClr>
+            <a:endParaRPr lang="en-US" dirty="0" smtClean="0">
+              <a:solidFill>
                 <a:schemeClr val="bg1"/>
-              </a:buClr>
-            </a:pPr>
-            <a:r>
-              <a:rPr lang="en-US" dirty="0" err="1">
-                <a:solidFill>
-                  <a:srgbClr val="F6AE1E"/>
-                </a:solidFill>
-              </a:rPr>
-              <a:t>Ctrl+Shift+F</a:t>
-            </a:r>
-            <a:r>
-              <a:rPr lang="en-US" dirty="0" smtClean="0">
-                <a:solidFill>
-                  <a:schemeClr val="bg1"/>
-                </a:solidFill>
-              </a:rPr>
-              <a:t> </a:t>
-            </a:r>
-            <a:r>
-              <a:rPr lang="ru-RU" dirty="0" smtClean="0">
-                <a:solidFill>
-                  <a:schemeClr val="bg1"/>
-                </a:solidFill>
-              </a:rPr>
-              <a:t>найти в </a:t>
-            </a:r>
-            <a:r>
-              <a:rPr lang="en-US" dirty="0" smtClean="0">
-                <a:solidFill>
-                  <a:schemeClr val="bg1"/>
-                </a:solidFill>
-              </a:rPr>
-              <a:t>solution</a:t>
-            </a:r>
+              </a:solidFill>
+            </a:endParaRPr>
           </a:p>
           <a:p>
             <a:pPr marL="0" indent="0">
@@ -11026,37 +10600,6 @@
               </a:buClr>
               <a:buNone/>
             </a:pPr>
-            <a:r>
-              <a:rPr lang="en-US" dirty="0">
-                <a:solidFill>
-                  <a:schemeClr val="bg1"/>
-                </a:solidFill>
-                <a:hlinkClick r:id="rId2"/>
-              </a:rPr>
-              <a:t>http://</a:t>
-            </a:r>
-            <a:r>
-              <a:rPr lang="en-US" dirty="0" smtClean="0">
-                <a:solidFill>
-                  <a:schemeClr val="bg1"/>
-                </a:solidFill>
-                <a:hlinkClick r:id="rId2"/>
-              </a:rPr>
-              <a:t>weblogs.asp.net/scottgu/archive/2010/08/24/search-and-navigation-tips-tricks-with-visual-studio.aspx</a:t>
-            </a:r>
-            <a:endParaRPr lang="ru-RU" dirty="0" smtClean="0">
-              <a:solidFill>
-                <a:schemeClr val="bg1"/>
-              </a:solidFill>
-            </a:endParaRPr>
-          </a:p>
-          <a:p>
-            <a:pPr marL="0" indent="0">
-              <a:buClr>
-                <a:schemeClr val="bg1"/>
-              </a:buClr>
-              <a:buNone/>
-            </a:pPr>
             <a:endParaRPr lang="en-US" dirty="0">
               <a:solidFill>
                 <a:schemeClr val="bg1"/>
@@ -11068,7 +10611,7 @@
     </p:spTree>
     <p:extLst>
       <p:ext uri="{BB962C8B-B14F-4D97-AF65-F5344CB8AC3E}">
-        <p14:creationId xmlns:p14="http://schemas.microsoft.com/office/powerpoint/2010/main" val="1967395690"/>
+        <p14:creationId xmlns:p14="http://schemas.microsoft.com/office/powerpoint/2010/main" val="1998512366"/>
       </p:ext>
     </p:extLst>
   </p:cSld>
@@ -11081,6 +10624,20 @@
 <file path=ppt/slides/slide9.xml><?xml version="1.0" encoding="utf-8"?>
 <p:sld xmlns:a="http://schemas.openxmlformats.org/drawingml/2006/main" xmlns:r="http://schemas.openxmlformats.org/officeDocument/2006/relationships" xmlns:p="http://schemas.openxmlformats.org/presentationml/2006/main">
   <p:cSld>
+    <p:bg>
+      <p:bgPr>
+        <a:blipFill dpi="0" rotWithShape="1">
+          <a:blip r:embed="rId3">
+            <a:lum/>
+          </a:blip>
+          <a:srcRect/>
+          <a:stretch>
+            <a:fillRect/>
+          </a:stretch>
+        </a:blipFill>
+        <a:effectLst/>
+      </p:bgPr>
+    </p:bg>
     <p:spTree>
       <p:nvGrpSpPr>
         <p:cNvPr id="1" name=""/>
@@ -11116,7 +10673,11 @@
             </a:r>
             <a:r>
               <a:rPr lang="en-US" dirty="0" smtClean="0"/>
-              <a:t>: Column mode</a:t>
+              <a:t>: </a:t>
+            </a:r>
+            <a:r>
+              <a:rPr lang="ru-RU" dirty="0" smtClean="0"/>
+              <a:t>Навигация по коду</a:t>
             </a:r>
             <a:endParaRPr lang="en-US" dirty="0"/>
           </a:p>
@@ -11135,7 +10696,7 @@
         <p:spPr/>
         <p:txBody>
           <a:bodyPr>
-            <a:normAutofit/>
+            <a:normAutofit fontScale="92500" lnSpcReduction="20000"/>
           </a:bodyPr>
           <a:lstStyle/>
           <a:p>
@@ -11145,12 +10706,20 @@
               </a:buClr>
             </a:pPr>
             <a:r>
-              <a:rPr lang="en-US" dirty="0" err="1" smtClean="0">
+              <a:rPr lang="en-US" dirty="0" smtClean="0">
                 <a:solidFill>
                   <a:srgbClr val="F6AE1E"/>
                 </a:solidFill>
               </a:rPr>
-              <a:t>Shift+Alt+Arrow</a:t>
+              <a:t>F12</a:t>
+            </a:r>
+            <a:r>
+              <a:rPr lang="en-US" dirty="0" smtClean="0">
+                <a:solidFill>
+                  <a:schemeClr val="bg1"/>
+                </a:solidFill>
+              </a:rPr>
+              <a:t> </a:t>
             </a:r>
             <a:r>
               <a:rPr lang="ru-RU" dirty="0" smtClean="0">
@@ -11158,7 +10727,7 @@
                   <a:schemeClr val="bg1"/>
                 </a:solidFill>
               </a:rPr>
-              <a:t> позволяет выделить прямоугольный блок текста</a:t>
+              <a:t>перейти к объявлению</a:t>
             </a:r>
           </a:p>
           <a:p>
@@ -11173,7 +10742,7 @@
                   <a:srgbClr val="F6AE1E"/>
                 </a:solidFill>
               </a:rPr>
-              <a:t>Alt + Left Mouse</a:t>
+              <a:t>Shift+F12</a:t>
             </a:r>
             <a:r>
               <a:rPr lang="en-US" dirty="0" smtClean="0">
@@ -11181,7 +10750,7 @@
                   <a:schemeClr val="bg1"/>
                 </a:solidFill>
               </a:rPr>
-              <a:t> Button </a:t>
+              <a:t> </a:t>
             </a:r>
             <a:r>
               <a:rPr lang="ru-RU" dirty="0" smtClean="0">
@@ -11189,23 +10758,7 @@
                   <a:schemeClr val="bg1"/>
                 </a:solidFill>
               </a:rPr>
-              <a:t>позиционирует курсор за концом строки даже если опция «</a:t>
-            </a:r>
-            <a:r>
-              <a:rPr lang="en-US" dirty="0" smtClean="0">
-                <a:solidFill>
-                  <a:schemeClr val="bg1"/>
-                </a:solidFill>
-              </a:rPr>
-              <a:t>enable virtual space</a:t>
-            </a:r>
-            <a:r>
-              <a:rPr lang="ru-RU" dirty="0" smtClean="0">
-                <a:solidFill>
-                  <a:schemeClr val="bg1"/>
-                </a:solidFill>
-              </a:rPr>
-              <a:t>» выключена</a:t>
+              <a:t>найти все места где используется имя</a:t>
             </a:r>
           </a:p>
           <a:p>
@@ -11214,20 +10767,118 @@
                 <a:schemeClr val="bg1"/>
               </a:buClr>
             </a:pPr>
-            <a:endParaRPr lang="en-US" dirty="0" smtClean="0">
-              <a:solidFill>
-                <a:schemeClr val="bg1"/>
-              </a:solidFill>
-            </a:endParaRPr>
-          </a:p>
-          <a:p>
-            <a:pPr marL="0" indent="0">
+            <a:r>
+              <a:rPr lang="en-US" dirty="0">
+                <a:solidFill>
+                  <a:srgbClr val="F6AE1E"/>
+                </a:solidFill>
+              </a:rPr>
+              <a:t>Ctrl+</a:t>
+            </a:r>
+            <a:r>
+              <a:rPr lang="ru-RU" dirty="0">
+                <a:solidFill>
+                  <a:srgbClr val="F6AE1E"/>
+                </a:solidFill>
+              </a:rPr>
+              <a:t>Минус</a:t>
+            </a:r>
+            <a:r>
+              <a:rPr lang="en-US" dirty="0" smtClean="0">
+                <a:solidFill>
+                  <a:schemeClr val="bg1"/>
+                </a:solidFill>
+              </a:rPr>
+              <a:t> </a:t>
+            </a:r>
+            <a:r>
+              <a:rPr lang="ru-RU" dirty="0" smtClean="0">
+                <a:solidFill>
+                  <a:schemeClr val="bg1"/>
+                </a:solidFill>
+              </a:rPr>
+              <a:t>и </a:t>
+            </a:r>
+            <a:r>
+              <a:rPr lang="en-US" dirty="0" err="1" smtClean="0">
+                <a:solidFill>
+                  <a:srgbClr val="F6AE1E"/>
+                </a:solidFill>
+              </a:rPr>
+              <a:t>Shift+Ctrl</a:t>
+            </a:r>
+            <a:r>
+              <a:rPr lang="en-US" dirty="0" smtClean="0">
+                <a:solidFill>
+                  <a:srgbClr val="F6AE1E"/>
+                </a:solidFill>
+              </a:rPr>
+              <a:t>+</a:t>
+            </a:r>
+            <a:r>
+              <a:rPr lang="ru-RU" dirty="0" smtClean="0">
+                <a:solidFill>
+                  <a:srgbClr val="F6AE1E"/>
+                </a:solidFill>
+              </a:rPr>
+              <a:t>Минус</a:t>
+            </a:r>
+            <a:r>
+              <a:rPr lang="en-US" dirty="0" smtClean="0">
+                <a:solidFill>
+                  <a:schemeClr val="bg1"/>
+                </a:solidFill>
+              </a:rPr>
+              <a:t> </a:t>
+            </a:r>
+            <a:r>
+              <a:rPr lang="ru-RU" dirty="0" smtClean="0">
+                <a:solidFill>
+                  <a:schemeClr val="bg1"/>
+                </a:solidFill>
+              </a:rPr>
+              <a:t>навигация «вперед»/«назад»</a:t>
+            </a:r>
+          </a:p>
+          <a:p>
+            <a:pPr>
               <a:buClr>
                 <a:schemeClr val="bg1"/>
               </a:buClr>
-              <a:buNone/>
             </a:pPr>
-            <a:endParaRPr lang="ru-RU" dirty="0" smtClean="0">
+            <a:r>
+              <a:rPr lang="en-US" dirty="0" err="1">
+                <a:solidFill>
+                  <a:srgbClr val="F6AE1E"/>
+                </a:solidFill>
+              </a:rPr>
+              <a:t>Ctrl+Alt</a:t>
+            </a:r>
+            <a:r>
+              <a:rPr lang="en-US" dirty="0">
+                <a:solidFill>
+                  <a:srgbClr val="F6AE1E"/>
+                </a:solidFill>
+              </a:rPr>
+              <a:t>+</a:t>
+            </a:r>
+            <a:r>
+              <a:rPr lang="ru-RU" dirty="0">
+                <a:solidFill>
+                  <a:srgbClr val="F6AE1E"/>
+                </a:solidFill>
+              </a:rPr>
+              <a:t>Стрелка вниз</a:t>
+            </a:r>
+            <a:r>
+              <a:rPr lang="ru-RU" dirty="0" smtClean="0">
+                <a:solidFill>
+                  <a:schemeClr val="bg1"/>
+                </a:solidFill>
+              </a:rPr>
+              <a:t> показать список открытых файлов</a:t>
+            </a:r>
+            <a:endParaRPr lang="en-US" dirty="0" smtClean="0">
               <a:solidFill>
                 <a:schemeClr val="bg1"/>
               </a:solidFill>
@@ -11252,6 +10903,37 @@
               </a:buClr>
               <a:buNone/>
             </a:pPr>
+            <a:r>
+              <a:rPr lang="en-US" dirty="0">
+                <a:solidFill>
+                  <a:schemeClr val="bg1"/>
+                </a:solidFill>
+                <a:hlinkClick r:id="rId4"/>
+              </a:rPr>
+              <a:t>http://</a:t>
+            </a:r>
+            <a:r>
+              <a:rPr lang="en-US" dirty="0" smtClean="0">
+                <a:solidFill>
+                  <a:schemeClr val="bg1"/>
+                </a:solidFill>
+                <a:hlinkClick r:id="rId4"/>
+              </a:rPr>
+              <a:t>weblogs.asp.net/scottgu/archive/2010/08/24/search-and-navigation-tips-tricks-with-visual-studio.aspx</a:t>
+            </a:r>
+            <a:endParaRPr lang="ru-RU" dirty="0" smtClean="0">
+              <a:solidFill>
+                <a:schemeClr val="bg1"/>
+              </a:solidFill>
+            </a:endParaRPr>
+          </a:p>
+          <a:p>
+            <a:pPr marL="0" indent="0">
+              <a:buClr>
+                <a:schemeClr val="bg1"/>
+              </a:buClr>
+              <a:buNone/>
+            </a:pPr>
             <a:endParaRPr lang="en-US" dirty="0">
               <a:solidFill>
                 <a:schemeClr val="bg1"/>
@@ -11263,13 +10945,20 @@
     </p:spTree>
     <p:extLst>
       <p:ext uri="{BB962C8B-B14F-4D97-AF65-F5344CB8AC3E}">
-        <p14:creationId xmlns:p14="http://schemas.microsoft.com/office/powerpoint/2010/main" val="1998512366"/>
+        <p14:creationId xmlns:p14="http://schemas.microsoft.com/office/powerpoint/2010/main" val="1465218823"/>
       </p:ext>
     </p:extLst>
   </p:cSld>
   <p:clrMapOvr>
-    <a:masterClrMapping/>
+    <a:overrideClrMapping bg1="lt1" tx1="dk1" bg2="lt2" tx2="dk2" accent1="accent1" accent2="accent2" accent3="accent3" accent4="accent4" accent5="accent5" accent6="accent6" hlink="hlink" folHlink="folHlink"/>
   </p:clrMapOvr>
+  <p:timing>
+    <p:tnLst>
+      <p:par>
+        <p:cTn id="1" dur="indefinite" restart="never" nodeType="tmRoot"/>
+      </p:par>
+    </p:tnLst>
+  </p:timing>
 </p:sld>
 </file>
 

--- a/Presentation/tools-visual-studio.pptx
+++ b/Presentation/tools-visual-studio.pptx
@@ -6,7 +6,7 @@
     <p:sldMasterId id="2147483663" r:id="rId2"/>
   </p:sldMasterIdLst>
   <p:notesMasterIdLst>
-    <p:notesMasterId r:id="rId20"/>
+    <p:notesMasterId r:id="rId22"/>
   </p:notesMasterIdLst>
   <p:sldIdLst>
     <p:sldId id="257" r:id="rId3"/>
@@ -14,18 +14,20 @@
     <p:sldId id="264" r:id="rId5"/>
     <p:sldId id="270" r:id="rId6"/>
     <p:sldId id="272" r:id="rId7"/>
-    <p:sldId id="262" r:id="rId8"/>
-    <p:sldId id="265" r:id="rId9"/>
-    <p:sldId id="271" r:id="rId10"/>
-    <p:sldId id="266" r:id="rId11"/>
-    <p:sldId id="269" r:id="rId12"/>
-    <p:sldId id="273" r:id="rId13"/>
-    <p:sldId id="274" r:id="rId14"/>
-    <p:sldId id="267" r:id="rId15"/>
-    <p:sldId id="268" r:id="rId16"/>
-    <p:sldId id="260" r:id="rId17"/>
-    <p:sldId id="261" r:id="rId18"/>
-    <p:sldId id="258" r:id="rId19"/>
+    <p:sldId id="275" r:id="rId8"/>
+    <p:sldId id="262" r:id="rId9"/>
+    <p:sldId id="265" r:id="rId10"/>
+    <p:sldId id="277" r:id="rId11"/>
+    <p:sldId id="271" r:id="rId12"/>
+    <p:sldId id="266" r:id="rId13"/>
+    <p:sldId id="269" r:id="rId14"/>
+    <p:sldId id="273" r:id="rId15"/>
+    <p:sldId id="274" r:id="rId16"/>
+    <p:sldId id="267" r:id="rId17"/>
+    <p:sldId id="268" r:id="rId18"/>
+    <p:sldId id="260" r:id="rId19"/>
+    <p:sldId id="261" r:id="rId20"/>
+    <p:sldId id="276" r:id="rId21"/>
   </p:sldIdLst>
   <p:sldSz cx="9144000" cy="6858000" type="screen4x3"/>
   <p:notesSz cx="6858000" cy="9144000"/>
@@ -209,7 +211,7 @@
           <a:p>
             <a:fld id="{B24A7054-7FFB-49F4-A126-5DF6E687FF53}" type="datetimeFigureOut">
               <a:rPr lang="ru-RU" smtClean="0"/>
-              <a:t>22.10.2013</a:t>
+              <a:t>26.10.2013</a:t>
             </a:fld>
             <a:endParaRPr lang="ru-RU"/>
           </a:p>
@@ -1491,7 +1493,7 @@
           <a:p>
             <a:fld id="{8E6E6A2A-E9D3-4A0D-B04A-ABDD367A1E08}" type="datetimeFigureOut">
               <a:rPr lang="ru-RU" smtClean="0"/>
-              <a:t>22.10.2013</a:t>
+              <a:t>26.10.2013</a:t>
             </a:fld>
             <a:endParaRPr lang="ru-RU"/>
           </a:p>
@@ -4004,7 +4006,7 @@
                 </a:solidFill>
               </a:rPr>
               <a:pPr/>
-              <a:t>22.10.2013</a:t>
+              <a:t>26.10.2013</a:t>
             </a:fld>
             <a:endParaRPr lang="ru-RU">
               <a:solidFill>
@@ -5265,7 +5267,7 @@
           <a:p>
             <a:fld id="{AC3D3127-B7C4-45E3-9797-C527EC9FDD78}" type="datetimeFigureOut">
               <a:rPr lang="ru-RU" smtClean="0"/>
-              <a:t>22.10.2013</a:t>
+              <a:t>26.10.2013</a:t>
             </a:fld>
             <a:endParaRPr lang="ru-RU"/>
           </a:p>
@@ -5801,7 +5803,7 @@
                 </a:solidFill>
               </a:rPr>
               <a:pPr/>
-              <a:t>22.10.2013</a:t>
+              <a:t>26.10.2013</a:t>
             </a:fld>
             <a:endParaRPr lang="ru-RU">
               <a:solidFill>
@@ -6394,6 +6396,205 @@
 <file path=ppt/slides/slide10.xml><?xml version="1.0" encoding="utf-8"?>
 <p:sld xmlns:a="http://schemas.openxmlformats.org/drawingml/2006/main" xmlns:r="http://schemas.openxmlformats.org/officeDocument/2006/relationships" xmlns:p="http://schemas.openxmlformats.org/presentationml/2006/main">
   <p:cSld>
+    <p:spTree>
+      <p:nvGrpSpPr>
+        <p:cNvPr id="1" name=""/>
+        <p:cNvGrpSpPr/>
+        <p:nvPr/>
+      </p:nvGrpSpPr>
+      <p:grpSpPr>
+        <a:xfrm>
+          <a:off x="0" y="0"/>
+          <a:ext cx="0" cy="0"/>
+          <a:chOff x="0" y="0"/>
+          <a:chExt cx="0" cy="0"/>
+        </a:xfrm>
+      </p:grpSpPr>
+      <p:sp>
+        <p:nvSpPr>
+          <p:cNvPr id="2" name="Title 1"/>
+          <p:cNvSpPr>
+            <a:spLocks noGrp="1"/>
+          </p:cNvSpPr>
+          <p:nvPr>
+            <p:ph type="title"/>
+          </p:nvPr>
+        </p:nvSpPr>
+        <p:spPr/>
+        <p:txBody>
+          <a:bodyPr/>
+          <a:lstStyle/>
+          <a:p>
+            <a:r>
+              <a:rPr lang="ru-RU" dirty="0" smtClean="0"/>
+              <a:t>Редактор</a:t>
+            </a:r>
+            <a:r>
+              <a:rPr lang="en-US" dirty="0" smtClean="0"/>
+              <a:t>: </a:t>
+            </a:r>
+            <a:r>
+              <a:rPr lang="ru-RU" dirty="0" smtClean="0"/>
+              <a:t>Колоночный режим</a:t>
+            </a:r>
+            <a:endParaRPr lang="en-US" dirty="0"/>
+          </a:p>
+        </p:txBody>
+      </p:sp>
+      <p:sp>
+        <p:nvSpPr>
+          <p:cNvPr id="3" name="Content Placeholder 2"/>
+          <p:cNvSpPr>
+            <a:spLocks noGrp="1"/>
+          </p:cNvSpPr>
+          <p:nvPr>
+            <p:ph idx="1"/>
+          </p:nvPr>
+        </p:nvSpPr>
+        <p:spPr/>
+        <p:txBody>
+          <a:bodyPr>
+            <a:normAutofit/>
+          </a:bodyPr>
+          <a:lstStyle/>
+          <a:p>
+            <a:pPr>
+              <a:buClr>
+                <a:schemeClr val="bg1"/>
+              </a:buClr>
+            </a:pPr>
+            <a:r>
+              <a:rPr lang="en-US" dirty="0" err="1" smtClean="0">
+                <a:solidFill>
+                  <a:srgbClr val="F6AE1E"/>
+                </a:solidFill>
+              </a:rPr>
+              <a:t>Shift+Alt+Arrow</a:t>
+            </a:r>
+            <a:r>
+              <a:rPr lang="ru-RU" dirty="0" smtClean="0">
+                <a:solidFill>
+                  <a:schemeClr val="bg1"/>
+                </a:solidFill>
+              </a:rPr>
+              <a:t> позволяет выделить прямоугольный блок текста</a:t>
+            </a:r>
+          </a:p>
+          <a:p>
+            <a:pPr>
+              <a:buClr>
+                <a:schemeClr val="bg1"/>
+              </a:buClr>
+            </a:pPr>
+            <a:r>
+              <a:rPr lang="en-US" dirty="0">
+                <a:solidFill>
+                  <a:srgbClr val="F6AE1E"/>
+                </a:solidFill>
+              </a:rPr>
+              <a:t>Alt + Left Mouse</a:t>
+            </a:r>
+            <a:r>
+              <a:rPr lang="en-US" dirty="0" smtClean="0">
+                <a:solidFill>
+                  <a:schemeClr val="bg1"/>
+                </a:solidFill>
+              </a:rPr>
+              <a:t> Button </a:t>
+            </a:r>
+            <a:r>
+              <a:rPr lang="ru-RU" dirty="0" smtClean="0">
+                <a:solidFill>
+                  <a:schemeClr val="bg1"/>
+                </a:solidFill>
+              </a:rPr>
+              <a:t>позиционирует курсор за концом строки даже если опция «</a:t>
+            </a:r>
+            <a:r>
+              <a:rPr lang="en-US" dirty="0" smtClean="0">
+                <a:solidFill>
+                  <a:schemeClr val="bg1"/>
+                </a:solidFill>
+              </a:rPr>
+              <a:t>enable virtual space</a:t>
+            </a:r>
+            <a:r>
+              <a:rPr lang="ru-RU" dirty="0" smtClean="0">
+                <a:solidFill>
+                  <a:schemeClr val="bg1"/>
+                </a:solidFill>
+              </a:rPr>
+              <a:t>» выключена</a:t>
+            </a:r>
+          </a:p>
+          <a:p>
+            <a:pPr>
+              <a:buClr>
+                <a:schemeClr val="bg1"/>
+              </a:buClr>
+            </a:pPr>
+            <a:endParaRPr lang="en-US" dirty="0" smtClean="0">
+              <a:solidFill>
+                <a:schemeClr val="bg1"/>
+              </a:solidFill>
+            </a:endParaRPr>
+          </a:p>
+          <a:p>
+            <a:pPr marL="0" indent="0">
+              <a:buClr>
+                <a:schemeClr val="bg1"/>
+              </a:buClr>
+              <a:buNone/>
+            </a:pPr>
+            <a:endParaRPr lang="ru-RU" dirty="0" smtClean="0">
+              <a:solidFill>
+                <a:schemeClr val="bg1"/>
+              </a:solidFill>
+            </a:endParaRPr>
+          </a:p>
+          <a:p>
+            <a:pPr>
+              <a:buClr>
+                <a:schemeClr val="bg1"/>
+              </a:buClr>
+            </a:pPr>
+            <a:endParaRPr lang="ru-RU" dirty="0">
+              <a:solidFill>
+                <a:schemeClr val="bg1"/>
+              </a:solidFill>
+            </a:endParaRPr>
+          </a:p>
+          <a:p>
+            <a:pPr marL="0" indent="0">
+              <a:buClr>
+                <a:schemeClr val="bg1"/>
+              </a:buClr>
+              <a:buNone/>
+            </a:pPr>
+            <a:endParaRPr lang="en-US" dirty="0">
+              <a:solidFill>
+                <a:schemeClr val="bg1"/>
+              </a:solidFill>
+            </a:endParaRPr>
+          </a:p>
+        </p:txBody>
+      </p:sp>
+    </p:spTree>
+    <p:extLst>
+      <p:ext uri="{BB962C8B-B14F-4D97-AF65-F5344CB8AC3E}">
+        <p14:creationId xmlns:p14="http://schemas.microsoft.com/office/powerpoint/2010/main" val="1998512366"/>
+      </p:ext>
+    </p:extLst>
+  </p:cSld>
+  <p:clrMapOvr>
+    <a:masterClrMapping/>
+  </p:clrMapOvr>
+</p:sld>
+</file>
+
+<file path=ppt/slides/slide11.xml><?xml version="1.0" encoding="utf-8"?>
+<p:sld xmlns:a="http://schemas.openxmlformats.org/drawingml/2006/main" xmlns:r="http://schemas.openxmlformats.org/officeDocument/2006/relationships" xmlns:p="http://schemas.openxmlformats.org/presentationml/2006/main">
+  <p:cSld>
     <p:bg>
       <p:bgPr>
         <a:blipFill dpi="0" rotWithShape="1">
@@ -6466,6 +6667,391 @@
         <p:spPr/>
         <p:txBody>
           <a:bodyPr>
+            <a:normAutofit fontScale="85000" lnSpcReduction="10000"/>
+          </a:bodyPr>
+          <a:lstStyle/>
+          <a:p>
+            <a:pPr>
+              <a:buClr>
+                <a:schemeClr val="bg1"/>
+              </a:buClr>
+            </a:pPr>
+            <a:r>
+              <a:rPr lang="en-US" dirty="0" smtClean="0">
+                <a:solidFill>
+                  <a:srgbClr val="F6AE1E"/>
+                </a:solidFill>
+              </a:rPr>
+              <a:t>F12</a:t>
+            </a:r>
+            <a:r>
+              <a:rPr lang="en-US" dirty="0" smtClean="0">
+                <a:solidFill>
+                  <a:schemeClr val="bg1"/>
+                </a:solidFill>
+              </a:rPr>
+              <a:t> </a:t>
+            </a:r>
+            <a:r>
+              <a:rPr lang="ru-RU" dirty="0" smtClean="0">
+                <a:solidFill>
+                  <a:schemeClr val="bg1"/>
+                </a:solidFill>
+              </a:rPr>
+              <a:t>перейти к объявлению</a:t>
+            </a:r>
+          </a:p>
+          <a:p>
+            <a:pPr>
+              <a:buClr>
+                <a:schemeClr val="bg1"/>
+              </a:buClr>
+            </a:pPr>
+            <a:r>
+              <a:rPr lang="en-US" dirty="0">
+                <a:solidFill>
+                  <a:srgbClr val="F6AE1E"/>
+                </a:solidFill>
+              </a:rPr>
+              <a:t>Shift+F12</a:t>
+            </a:r>
+            <a:r>
+              <a:rPr lang="en-US" dirty="0" smtClean="0">
+                <a:solidFill>
+                  <a:schemeClr val="bg1"/>
+                </a:solidFill>
+              </a:rPr>
+              <a:t> </a:t>
+            </a:r>
+            <a:r>
+              <a:rPr lang="ru-RU" dirty="0" smtClean="0">
+                <a:solidFill>
+                  <a:schemeClr val="bg1"/>
+                </a:solidFill>
+              </a:rPr>
+              <a:t>найти все места где используется имя</a:t>
+            </a:r>
+          </a:p>
+          <a:p>
+            <a:pPr>
+              <a:buClr>
+                <a:schemeClr val="bg1"/>
+              </a:buClr>
+            </a:pPr>
+            <a:r>
+              <a:rPr lang="en-US" dirty="0">
+                <a:solidFill>
+                  <a:srgbClr val="F6AE1E"/>
+                </a:solidFill>
+              </a:rPr>
+              <a:t>Ctrl+</a:t>
+            </a:r>
+            <a:r>
+              <a:rPr lang="ru-RU" dirty="0">
+                <a:solidFill>
+                  <a:srgbClr val="F6AE1E"/>
+                </a:solidFill>
+              </a:rPr>
+              <a:t>Минус</a:t>
+            </a:r>
+            <a:r>
+              <a:rPr lang="en-US" dirty="0" smtClean="0">
+                <a:solidFill>
+                  <a:schemeClr val="bg1"/>
+                </a:solidFill>
+              </a:rPr>
+              <a:t> </a:t>
+            </a:r>
+            <a:r>
+              <a:rPr lang="ru-RU" dirty="0" smtClean="0">
+                <a:solidFill>
+                  <a:schemeClr val="bg1"/>
+                </a:solidFill>
+              </a:rPr>
+              <a:t>и </a:t>
+            </a:r>
+            <a:r>
+              <a:rPr lang="en-US" dirty="0" err="1" smtClean="0">
+                <a:solidFill>
+                  <a:srgbClr val="F6AE1E"/>
+                </a:solidFill>
+              </a:rPr>
+              <a:t>Shift+Ctrl</a:t>
+            </a:r>
+            <a:r>
+              <a:rPr lang="en-US" dirty="0" smtClean="0">
+                <a:solidFill>
+                  <a:srgbClr val="F6AE1E"/>
+                </a:solidFill>
+              </a:rPr>
+              <a:t>+</a:t>
+            </a:r>
+            <a:r>
+              <a:rPr lang="ru-RU" dirty="0" smtClean="0">
+                <a:solidFill>
+                  <a:srgbClr val="F6AE1E"/>
+                </a:solidFill>
+              </a:rPr>
+              <a:t>Минус</a:t>
+            </a:r>
+            <a:r>
+              <a:rPr lang="en-US" dirty="0" smtClean="0">
+                <a:solidFill>
+                  <a:schemeClr val="bg1"/>
+                </a:solidFill>
+              </a:rPr>
+              <a:t> </a:t>
+            </a:r>
+            <a:r>
+              <a:rPr lang="ru-RU" dirty="0" smtClean="0">
+                <a:solidFill>
+                  <a:schemeClr val="bg1"/>
+                </a:solidFill>
+              </a:rPr>
+              <a:t>навигация «вперед»/«назад»</a:t>
+            </a:r>
+          </a:p>
+          <a:p>
+            <a:pPr>
+              <a:buClr>
+                <a:schemeClr val="bg1"/>
+              </a:buClr>
+            </a:pPr>
+            <a:r>
+              <a:rPr lang="en-US" dirty="0" err="1">
+                <a:solidFill>
+                  <a:srgbClr val="F6AE1E"/>
+                </a:solidFill>
+              </a:rPr>
+              <a:t>Ctrl+Alt</a:t>
+            </a:r>
+            <a:r>
+              <a:rPr lang="en-US" dirty="0">
+                <a:solidFill>
+                  <a:srgbClr val="F6AE1E"/>
+                </a:solidFill>
+              </a:rPr>
+              <a:t>+</a:t>
+            </a:r>
+            <a:r>
+              <a:rPr lang="ru-RU" dirty="0">
+                <a:solidFill>
+                  <a:srgbClr val="F6AE1E"/>
+                </a:solidFill>
+              </a:rPr>
+              <a:t>Стрелка вниз</a:t>
+            </a:r>
+            <a:r>
+              <a:rPr lang="ru-RU" dirty="0" smtClean="0">
+                <a:solidFill>
+                  <a:schemeClr val="bg1"/>
+                </a:solidFill>
+              </a:rPr>
+              <a:t> показать список открытых </a:t>
+            </a:r>
+            <a:r>
+              <a:rPr lang="ru-RU" dirty="0" smtClean="0">
+                <a:solidFill>
+                  <a:schemeClr val="bg1"/>
+                </a:solidFill>
+              </a:rPr>
+              <a:t>файлов</a:t>
+            </a:r>
+            <a:endParaRPr lang="en-US" dirty="0" smtClean="0">
+              <a:solidFill>
+                <a:schemeClr val="bg1"/>
+              </a:solidFill>
+            </a:endParaRPr>
+          </a:p>
+          <a:p>
+            <a:pPr>
+              <a:buClr>
+                <a:schemeClr val="bg1"/>
+              </a:buClr>
+            </a:pPr>
+            <a:r>
+              <a:rPr lang="en-US" dirty="0" err="1">
+                <a:solidFill>
+                  <a:srgbClr val="F6AE1E"/>
+                </a:solidFill>
+              </a:rPr>
+              <a:t>Ctrl+G</a:t>
+            </a:r>
+            <a:r>
+              <a:rPr lang="en-US" dirty="0">
+                <a:solidFill>
+                  <a:schemeClr val="bg1"/>
+                </a:solidFill>
+              </a:rPr>
+              <a:t> </a:t>
+            </a:r>
+            <a:r>
+              <a:rPr lang="ru-RU" dirty="0">
+                <a:solidFill>
+                  <a:schemeClr val="bg1"/>
+                </a:solidFill>
+              </a:rPr>
+              <a:t>перейти на строку №</a:t>
+            </a:r>
+            <a:endParaRPr lang="en-US" dirty="0" smtClean="0">
+              <a:solidFill>
+                <a:schemeClr val="bg1"/>
+              </a:solidFill>
+            </a:endParaRPr>
+          </a:p>
+          <a:p>
+            <a:pPr>
+              <a:buClr>
+                <a:schemeClr val="bg1"/>
+              </a:buClr>
+            </a:pPr>
+            <a:endParaRPr lang="ru-RU" dirty="0">
+              <a:solidFill>
+                <a:schemeClr val="bg1"/>
+              </a:solidFill>
+            </a:endParaRPr>
+          </a:p>
+          <a:p>
+            <a:pPr marL="0" indent="0">
+              <a:buClr>
+                <a:schemeClr val="bg1"/>
+              </a:buClr>
+              <a:buNone/>
+            </a:pPr>
+            <a:r>
+              <a:rPr lang="en-US" dirty="0">
+                <a:solidFill>
+                  <a:schemeClr val="bg1"/>
+                </a:solidFill>
+                <a:hlinkClick r:id="rId4"/>
+              </a:rPr>
+              <a:t>http://</a:t>
+            </a:r>
+            <a:r>
+              <a:rPr lang="en-US" dirty="0" smtClean="0">
+                <a:solidFill>
+                  <a:schemeClr val="bg1"/>
+                </a:solidFill>
+                <a:hlinkClick r:id="rId4"/>
+              </a:rPr>
+              <a:t>weblogs.asp.net/scottgu/archive/2010/08/24/search-and-navigation-tips-tricks-with-visual-studio.aspx</a:t>
+            </a:r>
+            <a:endParaRPr lang="ru-RU" dirty="0" smtClean="0">
+              <a:solidFill>
+                <a:schemeClr val="bg1"/>
+              </a:solidFill>
+            </a:endParaRPr>
+          </a:p>
+          <a:p>
+            <a:pPr marL="0" indent="0">
+              <a:buClr>
+                <a:schemeClr val="bg1"/>
+              </a:buClr>
+              <a:buNone/>
+            </a:pPr>
+            <a:endParaRPr lang="en-US" dirty="0">
+              <a:solidFill>
+                <a:schemeClr val="bg1"/>
+              </a:solidFill>
+            </a:endParaRPr>
+          </a:p>
+        </p:txBody>
+      </p:sp>
+    </p:spTree>
+    <p:extLst>
+      <p:ext uri="{BB962C8B-B14F-4D97-AF65-F5344CB8AC3E}">
+        <p14:creationId xmlns:p14="http://schemas.microsoft.com/office/powerpoint/2010/main" val="1465218823"/>
+      </p:ext>
+    </p:extLst>
+  </p:cSld>
+  <p:clrMapOvr>
+    <a:overrideClrMapping bg1="lt1" tx1="dk1" bg2="lt2" tx2="dk2" accent1="accent1" accent2="accent2" accent3="accent3" accent4="accent4" accent5="accent5" accent6="accent6" hlink="hlink" folHlink="folHlink"/>
+  </p:clrMapOvr>
+  <p:timing>
+    <p:tnLst>
+      <p:par>
+        <p:cTn id="1" dur="indefinite" restart="never" nodeType="tmRoot"/>
+      </p:par>
+    </p:tnLst>
+  </p:timing>
+</p:sld>
+</file>
+
+<file path=ppt/slides/slide12.xml><?xml version="1.0" encoding="utf-8"?>
+<p:sld xmlns:a="http://schemas.openxmlformats.org/drawingml/2006/main" xmlns:r="http://schemas.openxmlformats.org/officeDocument/2006/relationships" xmlns:p="http://schemas.openxmlformats.org/presentationml/2006/main">
+  <p:cSld>
+    <p:bg>
+      <p:bgPr>
+        <a:blipFill dpi="0" rotWithShape="1">
+          <a:blip r:embed="rId3">
+            <a:lum/>
+          </a:blip>
+          <a:srcRect/>
+          <a:stretch>
+            <a:fillRect/>
+          </a:stretch>
+        </a:blipFill>
+        <a:effectLst/>
+      </p:bgPr>
+    </p:bg>
+    <p:spTree>
+      <p:nvGrpSpPr>
+        <p:cNvPr id="1" name=""/>
+        <p:cNvGrpSpPr/>
+        <p:nvPr/>
+      </p:nvGrpSpPr>
+      <p:grpSpPr>
+        <a:xfrm>
+          <a:off x="0" y="0"/>
+          <a:ext cx="0" cy="0"/>
+          <a:chOff x="0" y="0"/>
+          <a:chExt cx="0" cy="0"/>
+        </a:xfrm>
+      </p:grpSpPr>
+      <p:sp>
+        <p:nvSpPr>
+          <p:cNvPr id="2" name="Title 1"/>
+          <p:cNvSpPr>
+            <a:spLocks noGrp="1"/>
+          </p:cNvSpPr>
+          <p:nvPr>
+            <p:ph type="title"/>
+          </p:nvPr>
+        </p:nvSpPr>
+        <p:spPr/>
+        <p:txBody>
+          <a:bodyPr/>
+          <a:lstStyle/>
+          <a:p>
+            <a:r>
+              <a:rPr lang="ru-RU" dirty="0" smtClean="0"/>
+              <a:t>Редактор</a:t>
+            </a:r>
+            <a:r>
+              <a:rPr lang="en-US" dirty="0" smtClean="0"/>
+              <a:t>: </a:t>
+            </a:r>
+            <a:r>
+              <a:rPr lang="ru-RU" dirty="0" smtClean="0"/>
+              <a:t>Навигация по коду</a:t>
+            </a:r>
+            <a:endParaRPr lang="en-US" dirty="0"/>
+          </a:p>
+        </p:txBody>
+      </p:sp>
+      <p:sp>
+        <p:nvSpPr>
+          <p:cNvPr id="3" name="Content Placeholder 2"/>
+          <p:cNvSpPr>
+            <a:spLocks noGrp="1"/>
+          </p:cNvSpPr>
+          <p:nvPr>
+            <p:ph idx="1"/>
+          </p:nvPr>
+        </p:nvSpPr>
+        <p:spPr/>
+        <p:txBody>
+          <a:bodyPr>
             <a:normAutofit/>
           </a:bodyPr>
           <a:lstStyle/>
@@ -6611,7 +7197,7 @@
 </p:sld>
 </file>
 
-<file path=ppt/slides/slide11.xml><?xml version="1.0" encoding="utf-8"?>
+<file path=ppt/slides/slide13.xml><?xml version="1.0" encoding="utf-8"?>
 <p:sld xmlns:a="http://schemas.openxmlformats.org/drawingml/2006/main" xmlns:r="http://schemas.openxmlformats.org/officeDocument/2006/relationships" xmlns:p="http://schemas.openxmlformats.org/presentationml/2006/main">
   <p:cSld>
     <p:spTree>
@@ -6869,7 +7455,7 @@
 </p:sld>
 </file>
 
-<file path=ppt/slides/slide12.xml><?xml version="1.0" encoding="utf-8"?>
+<file path=ppt/slides/slide14.xml><?xml version="1.0" encoding="utf-8"?>
 <p:sld xmlns:a="http://schemas.openxmlformats.org/drawingml/2006/main" xmlns:r="http://schemas.openxmlformats.org/officeDocument/2006/relationships" xmlns:p="http://schemas.openxmlformats.org/presentationml/2006/main">
   <p:cSld>
     <p:spTree>
@@ -8126,7 +8712,7 @@
 </p:sld>
 </file>
 
-<file path=ppt/slides/slide13.xml><?xml version="1.0" encoding="utf-8"?>
+<file path=ppt/slides/slide15.xml><?xml version="1.0" encoding="utf-8"?>
 <p:sld xmlns:a="http://schemas.openxmlformats.org/drawingml/2006/main" xmlns:r="http://schemas.openxmlformats.org/officeDocument/2006/relationships" xmlns:p="http://schemas.openxmlformats.org/presentationml/2006/main">
   <p:cSld>
     <p:bg>
@@ -8323,7 +8909,7 @@
 </p:sld>
 </file>
 
-<file path=ppt/slides/slide14.xml><?xml version="1.0" encoding="utf-8"?>
+<file path=ppt/slides/slide16.xml><?xml version="1.0" encoding="utf-8"?>
 <p:sld xmlns:a="http://schemas.openxmlformats.org/drawingml/2006/main" xmlns:r="http://schemas.openxmlformats.org/officeDocument/2006/relationships" xmlns:p="http://schemas.openxmlformats.org/presentationml/2006/main">
   <p:cSld>
     <p:bg>
@@ -8531,277 +9117,6 @@
 </p:sld>
 </file>
 
-<file path=ppt/slides/slide15.xml><?xml version="1.0" encoding="utf-8"?>
-<p:sld xmlns:a="http://schemas.openxmlformats.org/drawingml/2006/main" xmlns:r="http://schemas.openxmlformats.org/officeDocument/2006/relationships" xmlns:p="http://schemas.openxmlformats.org/presentationml/2006/main">
-  <p:cSld>
-    <p:spTree>
-      <p:nvGrpSpPr>
-        <p:cNvPr id="1" name=""/>
-        <p:cNvGrpSpPr/>
-        <p:nvPr/>
-      </p:nvGrpSpPr>
-      <p:grpSpPr>
-        <a:xfrm>
-          <a:off x="0" y="0"/>
-          <a:ext cx="0" cy="0"/>
-          <a:chOff x="0" y="0"/>
-          <a:chExt cx="0" cy="0"/>
-        </a:xfrm>
-      </p:grpSpPr>
-      <p:sp>
-        <p:nvSpPr>
-          <p:cNvPr id="2" name="Title 1"/>
-          <p:cNvSpPr>
-            <a:spLocks noGrp="1"/>
-          </p:cNvSpPr>
-          <p:nvPr>
-            <p:ph type="title"/>
-          </p:nvPr>
-        </p:nvSpPr>
-        <p:spPr/>
-        <p:txBody>
-          <a:bodyPr/>
-          <a:lstStyle/>
-          <a:p>
-            <a:r>
-              <a:rPr lang="ru-RU" dirty="0" smtClean="0"/>
-              <a:t>Отладчик</a:t>
-            </a:r>
-            <a:endParaRPr lang="en-US" dirty="0"/>
-          </a:p>
-        </p:txBody>
-      </p:sp>
-      <p:sp>
-        <p:nvSpPr>
-          <p:cNvPr id="3" name="Content Placeholder 2"/>
-          <p:cNvSpPr>
-            <a:spLocks noGrp="1"/>
-          </p:cNvSpPr>
-          <p:nvPr>
-            <p:ph idx="1"/>
-          </p:nvPr>
-        </p:nvSpPr>
-        <p:spPr/>
-        <p:txBody>
-          <a:bodyPr/>
-          <a:lstStyle/>
-          <a:p>
-            <a:endParaRPr lang="en-US" dirty="0"/>
-          </a:p>
-        </p:txBody>
-      </p:sp>
-    </p:spTree>
-    <p:extLst>
-      <p:ext uri="{BB962C8B-B14F-4D97-AF65-F5344CB8AC3E}">
-        <p14:creationId xmlns:p14="http://schemas.microsoft.com/office/powerpoint/2010/main" val="1495295926"/>
-      </p:ext>
-    </p:extLst>
-  </p:cSld>
-  <p:clrMapOvr>
-    <a:masterClrMapping/>
-  </p:clrMapOvr>
-</p:sld>
-</file>
-
-<file path=ppt/slides/slide16.xml><?xml version="1.0" encoding="utf-8"?>
-<p:sld xmlns:a="http://schemas.openxmlformats.org/drawingml/2006/main" xmlns:r="http://schemas.openxmlformats.org/officeDocument/2006/relationships" xmlns:p="http://schemas.openxmlformats.org/presentationml/2006/main">
-  <p:cSld>
-    <p:spTree>
-      <p:nvGrpSpPr>
-        <p:cNvPr id="1" name=""/>
-        <p:cNvGrpSpPr/>
-        <p:nvPr/>
-      </p:nvGrpSpPr>
-      <p:grpSpPr>
-        <a:xfrm>
-          <a:off x="0" y="0"/>
-          <a:ext cx="0" cy="0"/>
-          <a:chOff x="0" y="0"/>
-          <a:chExt cx="0" cy="0"/>
-        </a:xfrm>
-      </p:grpSpPr>
-      <p:sp>
-        <p:nvSpPr>
-          <p:cNvPr id="2" name="Title 1"/>
-          <p:cNvSpPr>
-            <a:spLocks noGrp="1"/>
-          </p:cNvSpPr>
-          <p:nvPr>
-            <p:ph type="title"/>
-          </p:nvPr>
-        </p:nvSpPr>
-        <p:spPr/>
-        <p:txBody>
-          <a:bodyPr/>
-          <a:lstStyle/>
-          <a:p>
-            <a:r>
-              <a:rPr lang="ru-RU" dirty="0" smtClean="0"/>
-              <a:t>Расширения для </a:t>
-            </a:r>
-            <a:r>
-              <a:rPr lang="en-US" dirty="0" smtClean="0"/>
-              <a:t>VS</a:t>
-            </a:r>
-            <a:endParaRPr lang="en-US" dirty="0"/>
-          </a:p>
-        </p:txBody>
-      </p:sp>
-      <p:sp>
-        <p:nvSpPr>
-          <p:cNvPr id="3" name="Content Placeholder 2"/>
-          <p:cNvSpPr>
-            <a:spLocks noGrp="1"/>
-          </p:cNvSpPr>
-          <p:nvPr>
-            <p:ph idx="1"/>
-          </p:nvPr>
-        </p:nvSpPr>
-        <p:spPr/>
-        <p:txBody>
-          <a:bodyPr>
-            <a:normAutofit fontScale="85000" lnSpcReduction="10000"/>
-          </a:bodyPr>
-          <a:lstStyle/>
-          <a:p>
-            <a:r>
-              <a:rPr lang="en-US" dirty="0"/>
-              <a:t>ReSharper - </a:t>
-            </a:r>
-            <a:r>
-              <a:rPr lang="en-US" dirty="0">
-                <a:hlinkClick r:id="rId2"/>
-              </a:rPr>
-              <a:t>http://www.jetbrains.com/resharper</a:t>
-            </a:r>
-            <a:r>
-              <a:rPr lang="en-US" dirty="0" smtClean="0">
-                <a:hlinkClick r:id="rId2"/>
-              </a:rPr>
-              <a:t>/</a:t>
-            </a:r>
-            <a:endParaRPr lang="en-US" dirty="0" smtClean="0"/>
-          </a:p>
-          <a:p>
-            <a:r>
-              <a:rPr lang="en-US" dirty="0" smtClean="0"/>
-              <a:t>Productivity </a:t>
-            </a:r>
-            <a:r>
-              <a:rPr lang="en-US" dirty="0"/>
-              <a:t>Power </a:t>
-            </a:r>
-            <a:r>
-              <a:rPr lang="en-US" dirty="0" smtClean="0"/>
-              <a:t>Tools</a:t>
-            </a:r>
-          </a:p>
-          <a:p>
-            <a:pPr lvl="1"/>
-            <a:r>
-              <a:rPr lang="en-US" dirty="0" smtClean="0"/>
-              <a:t>VS 2010:</a:t>
-            </a:r>
-            <a:br>
-              <a:rPr lang="en-US" dirty="0" smtClean="0"/>
-            </a:br>
-            <a:r>
-              <a:rPr lang="en-US" dirty="0" smtClean="0">
-                <a:hlinkClick r:id="rId3"/>
-              </a:rPr>
-              <a:t>http</a:t>
-            </a:r>
-            <a:r>
-              <a:rPr lang="en-US" dirty="0">
-                <a:hlinkClick r:id="rId3"/>
-              </a:rPr>
-              <a:t>://</a:t>
-            </a:r>
-            <a:r>
-              <a:rPr lang="en-US" dirty="0" smtClean="0">
-                <a:hlinkClick r:id="rId3"/>
-              </a:rPr>
-              <a:t>visualstudiogallery.msdn.microsoft.com/d0d33361-18e2-46c0-8ff2-4adea1e34fef</a:t>
-            </a:r>
-            <a:endParaRPr lang="en-US" dirty="0" smtClean="0"/>
-          </a:p>
-          <a:p>
-            <a:pPr lvl="1"/>
-            <a:r>
-              <a:rPr lang="en-US" dirty="0"/>
-              <a:t>VS 2012: </a:t>
-            </a:r>
-            <a:r>
-              <a:rPr lang="en-US" dirty="0">
-                <a:hlinkClick r:id="rId4"/>
-              </a:rPr>
-              <a:t>http://</a:t>
-            </a:r>
-            <a:r>
-              <a:rPr lang="en-US" dirty="0" smtClean="0">
-                <a:hlinkClick r:id="rId4"/>
-              </a:rPr>
-              <a:t>visualstudiogallery.msdn.microsoft.com/3a96a4dc-ba9c-4589-92c5-640e07332afd</a:t>
-            </a:r>
-            <a:endParaRPr lang="ru-RU" dirty="0" smtClean="0"/>
-          </a:p>
-          <a:p>
-            <a:r>
-              <a:rPr lang="ru-RU" dirty="0" smtClean="0"/>
-              <a:t>Безопасный режим</a:t>
-            </a:r>
-            <a:r>
-              <a:rPr lang="en-US" dirty="0" smtClean="0"/>
-              <a:t> (</a:t>
-            </a:r>
-            <a:r>
-              <a:rPr lang="ru-RU" dirty="0" smtClean="0"/>
-              <a:t>отключает все расширения</a:t>
-            </a:r>
-            <a:r>
-              <a:rPr lang="en-US" dirty="0" smtClean="0"/>
-              <a:t>)</a:t>
-            </a:r>
-            <a:endParaRPr lang="ru-RU" dirty="0" smtClean="0"/>
-          </a:p>
-          <a:p>
-            <a:pPr lvl="1"/>
-            <a:r>
-              <a:rPr lang="en-US" dirty="0" smtClean="0"/>
-              <a:t>Devenv.exe </a:t>
-            </a:r>
-            <a:r>
-              <a:rPr lang="en-US" dirty="0"/>
-              <a:t>/</a:t>
-            </a:r>
-            <a:r>
-              <a:rPr lang="en-US" dirty="0" err="1"/>
-              <a:t>SafeMode</a:t>
-            </a:r>
-            <a:endParaRPr lang="en-US" dirty="0"/>
-          </a:p>
-          <a:p>
-            <a:pPr lvl="1"/>
-            <a:endParaRPr lang="en-US" dirty="0" smtClean="0"/>
-          </a:p>
-          <a:p>
-            <a:endParaRPr lang="en-US" dirty="0"/>
-          </a:p>
-        </p:txBody>
-      </p:sp>
-    </p:spTree>
-    <p:extLst>
-      <p:ext uri="{BB962C8B-B14F-4D97-AF65-F5344CB8AC3E}">
-        <p14:creationId xmlns:p14="http://schemas.microsoft.com/office/powerpoint/2010/main" val="1235442158"/>
-      </p:ext>
-    </p:extLst>
-  </p:cSld>
-  <p:clrMapOvr>
-    <a:masterClrMapping/>
-  </p:clrMapOvr>
-</p:sld>
-</file>
-
 <file path=ppt/slides/slide17.xml><?xml version="1.0" encoding="utf-8"?>
 <p:sld xmlns:a="http://schemas.openxmlformats.org/drawingml/2006/main" xmlns:r="http://schemas.openxmlformats.org/officeDocument/2006/relationships" xmlns:p="http://schemas.openxmlformats.org/presentationml/2006/main">
   <p:cSld>
@@ -8835,28 +9150,8 @@
           <a:lstStyle/>
           <a:p>
             <a:r>
-              <a:rPr lang="ru-RU" dirty="0">
-                <a:solidFill>
-                  <a:schemeClr val="bg1"/>
-                </a:solidFill>
-              </a:rPr>
-              <a:t>Г</a:t>
-            </a:r>
-            <a:r>
-              <a:rPr lang="ru-RU" dirty="0" smtClean="0">
-                <a:solidFill>
-                  <a:schemeClr val="bg1"/>
-                </a:solidFill>
-              </a:rPr>
-              <a:t>орячие </a:t>
-            </a:r>
-            <a:r>
-              <a:rPr lang="ru-RU" dirty="0">
-                <a:solidFill>
-                  <a:schemeClr val="bg1"/>
-                </a:solidFill>
-              </a:rPr>
-              <a:t>клавиши</a:t>
+              <a:rPr lang="ru-RU" dirty="0" smtClean="0"/>
+              <a:t>Отладчик</a:t>
             </a:r>
             <a:endParaRPr lang="en-US" dirty="0"/>
           </a:p>
@@ -8877,162 +9172,6 @@
           <a:bodyPr/>
           <a:lstStyle/>
           <a:p>
-            <a:r>
-              <a:rPr lang="ru-RU" dirty="0" smtClean="0">
-                <a:solidFill>
-                  <a:schemeClr val="bg1"/>
-                </a:solidFill>
-              </a:rPr>
-              <a:t>Редактор</a:t>
-            </a:r>
-          </a:p>
-          <a:p>
-            <a:pPr lvl="1"/>
-            <a:r>
-              <a:rPr lang="en-US" dirty="0" err="1" smtClean="0"/>
-              <a:t>Ctrl+</a:t>
-            </a:r>
-            <a:r>
-              <a:rPr lang="en-US" dirty="0" err="1" smtClean="0">
-                <a:solidFill>
-                  <a:schemeClr val="bg1"/>
-                </a:solidFill>
-              </a:rPr>
-              <a:t>G</a:t>
-            </a:r>
-            <a:r>
-              <a:rPr lang="en-US" dirty="0" smtClean="0">
-                <a:solidFill>
-                  <a:schemeClr val="bg1"/>
-                </a:solidFill>
-              </a:rPr>
-              <a:t> </a:t>
-            </a:r>
-            <a:r>
-              <a:rPr lang="ru-RU" dirty="0">
-                <a:solidFill>
-                  <a:schemeClr val="bg1"/>
-                </a:solidFill>
-              </a:rPr>
-              <a:t>перейти на строку </a:t>
-            </a:r>
-            <a:r>
-              <a:rPr lang="ru-RU" dirty="0" smtClean="0">
-                <a:solidFill>
-                  <a:schemeClr val="bg1"/>
-                </a:solidFill>
-              </a:rPr>
-              <a:t>№</a:t>
-            </a:r>
-          </a:p>
-          <a:p>
-            <a:pPr lvl="1"/>
-            <a:r>
-              <a:rPr lang="en-US" dirty="0" err="1" smtClean="0"/>
-              <a:t>C</a:t>
-            </a:r>
-            <a:r>
-              <a:rPr lang="en-US" dirty="0" err="1"/>
-              <a:t>trl</a:t>
-            </a:r>
-            <a:r>
-              <a:rPr lang="en-US" dirty="0" err="1" smtClean="0"/>
-              <a:t>+K</a:t>
-            </a:r>
-            <a:r>
-              <a:rPr lang="en-US" dirty="0"/>
-              <a:t>, </a:t>
-            </a:r>
-            <a:r>
-              <a:rPr lang="en-US" dirty="0" err="1" smtClean="0"/>
-              <a:t>C</a:t>
-            </a:r>
-            <a:r>
-              <a:rPr lang="en-US" dirty="0" err="1"/>
-              <a:t>trl</a:t>
-            </a:r>
-            <a:r>
-              <a:rPr lang="en-US" dirty="0" err="1" smtClean="0"/>
-              <a:t>+</a:t>
-            </a:r>
-            <a:r>
-              <a:rPr lang="en-US" dirty="0" err="1" smtClean="0">
-                <a:solidFill>
-                  <a:schemeClr val="bg1"/>
-                </a:solidFill>
-              </a:rPr>
-              <a:t>C</a:t>
-            </a:r>
-            <a:r>
-              <a:rPr lang="en-US" dirty="0" smtClean="0">
-                <a:solidFill>
-                  <a:schemeClr val="bg1"/>
-                </a:solidFill>
-              </a:rPr>
-              <a:t> </a:t>
-            </a:r>
-            <a:r>
-              <a:rPr lang="ru-RU" dirty="0" smtClean="0">
-                <a:solidFill>
-                  <a:schemeClr val="bg1"/>
-                </a:solidFill>
-              </a:rPr>
-              <a:t>закоментировать выбранные строки</a:t>
-            </a:r>
-          </a:p>
-          <a:p>
-            <a:pPr lvl="1"/>
-            <a:r>
-              <a:rPr lang="en-US" dirty="0" err="1" smtClean="0"/>
-              <a:t>C</a:t>
-            </a:r>
-            <a:r>
-              <a:rPr lang="en-US" dirty="0" err="1"/>
-              <a:t>trl</a:t>
-            </a:r>
-            <a:r>
-              <a:rPr lang="en-US" dirty="0" err="1" smtClean="0"/>
-              <a:t>+K</a:t>
-            </a:r>
-            <a:r>
-              <a:rPr lang="en-US" dirty="0"/>
-              <a:t>, </a:t>
-            </a:r>
-            <a:r>
-              <a:rPr lang="en-US" dirty="0" err="1" smtClean="0"/>
-              <a:t>Ctrl+U</a:t>
-            </a:r>
-            <a:r>
-              <a:rPr lang="en-US" dirty="0" smtClean="0"/>
-              <a:t> </a:t>
-            </a:r>
-            <a:r>
-              <a:rPr lang="ru-RU" dirty="0" smtClean="0"/>
-              <a:t>снять коментарий с выбранных строк</a:t>
-            </a:r>
-            <a:endParaRPr lang="en-US" dirty="0"/>
-          </a:p>
-          <a:p>
-            <a:pPr lvl="1"/>
-            <a:endParaRPr lang="ru-RU" dirty="0" smtClean="0">
-              <a:solidFill>
-                <a:schemeClr val="bg1"/>
-              </a:solidFill>
-            </a:endParaRPr>
-          </a:p>
-          <a:p>
-            <a:pPr lvl="1"/>
-            <a:r>
-              <a:rPr lang="ru-RU" dirty="0" smtClean="0">
-                <a:solidFill>
-                  <a:schemeClr val="bg1"/>
-                </a:solidFill>
-              </a:rPr>
-              <a:t>Закладки</a:t>
-            </a:r>
-          </a:p>
-          <a:p>
-            <a:pPr lvl="1"/>
             <a:endParaRPr lang="en-US" dirty="0"/>
           </a:p>
         </p:txBody>
@@ -9040,7 +9179,7 @@
     </p:spTree>
     <p:extLst>
       <p:ext uri="{BB962C8B-B14F-4D97-AF65-F5344CB8AC3E}">
-        <p14:creationId xmlns:p14="http://schemas.microsoft.com/office/powerpoint/2010/main" val="111183208"/>
+        <p14:creationId xmlns:p14="http://schemas.microsoft.com/office/powerpoint/2010/main" val="1495295926"/>
       </p:ext>
     </p:extLst>
   </p:cSld>
@@ -9050,7 +9189,7 @@
 </p:sld>
 </file>
 
-<file path=ppt/slides/slide2.xml><?xml version="1.0" encoding="utf-8"?>
+<file path=ppt/slides/slide18.xml><?xml version="1.0" encoding="utf-8"?>
 <p:sld xmlns:a="http://schemas.openxmlformats.org/drawingml/2006/main" xmlns:r="http://schemas.openxmlformats.org/officeDocument/2006/relationships" xmlns:p="http://schemas.openxmlformats.org/presentationml/2006/main">
   <p:cSld>
     <p:spTree>
@@ -9084,9 +9223,264 @@
           <a:p>
             <a:r>
               <a:rPr lang="ru-RU" dirty="0" smtClean="0"/>
-              <a:t>Литература</a:t>
+              <a:t>Бесплатные расширения </a:t>
+            </a:r>
+            <a:r>
+              <a:rPr lang="ru-RU" dirty="0" smtClean="0"/>
+              <a:t>для </a:t>
+            </a:r>
+            <a:r>
+              <a:rPr lang="en-US" dirty="0" smtClean="0"/>
+              <a:t>VS</a:t>
             </a:r>
             <a:endParaRPr lang="en-US" dirty="0"/>
+          </a:p>
+        </p:txBody>
+      </p:sp>
+      <p:sp>
+        <p:nvSpPr>
+          <p:cNvPr id="3" name="Content Placeholder 2"/>
+          <p:cNvSpPr>
+            <a:spLocks noGrp="1"/>
+          </p:cNvSpPr>
+          <p:nvPr>
+            <p:ph idx="1"/>
+          </p:nvPr>
+        </p:nvSpPr>
+        <p:spPr/>
+        <p:txBody>
+          <a:bodyPr>
+            <a:normAutofit fontScale="70000" lnSpcReduction="20000"/>
+          </a:bodyPr>
+          <a:lstStyle/>
+          <a:p>
+            <a:r>
+              <a:rPr lang="en-US" dirty="0" smtClean="0"/>
+              <a:t>Productivity </a:t>
+            </a:r>
+            <a:r>
+              <a:rPr lang="en-US" dirty="0"/>
+              <a:t>Power </a:t>
+            </a:r>
+            <a:r>
+              <a:rPr lang="en-US" dirty="0" smtClean="0"/>
+              <a:t>Tools</a:t>
+            </a:r>
+          </a:p>
+          <a:p>
+            <a:pPr lvl="1"/>
+            <a:r>
+              <a:rPr lang="en-US" dirty="0" smtClean="0"/>
+              <a:t>VS </a:t>
+            </a:r>
+            <a:r>
+              <a:rPr lang="en-US" dirty="0" smtClean="0"/>
+              <a:t>2010: </a:t>
+            </a:r>
+            <a:r>
+              <a:rPr lang="en-US" dirty="0" smtClean="0">
+                <a:hlinkClick r:id="rId2"/>
+              </a:rPr>
+              <a:t>http</a:t>
+            </a:r>
+            <a:r>
+              <a:rPr lang="en-US" dirty="0">
+                <a:hlinkClick r:id="rId2"/>
+              </a:rPr>
+              <a:t>://</a:t>
+            </a:r>
+            <a:r>
+              <a:rPr lang="en-US" dirty="0" smtClean="0">
+                <a:hlinkClick r:id="rId2"/>
+              </a:rPr>
+              <a:t>visualstudiogallery.msdn.microsoft.com/d0d33361-18e2-46c0-8ff2-4adea1e34fef</a:t>
+            </a:r>
+            <a:endParaRPr lang="en-US" dirty="0" smtClean="0"/>
+          </a:p>
+          <a:p>
+            <a:pPr lvl="1"/>
+            <a:r>
+              <a:rPr lang="en-US" dirty="0"/>
+              <a:t>VS 2012: </a:t>
+            </a:r>
+            <a:r>
+              <a:rPr lang="en-US" dirty="0">
+                <a:hlinkClick r:id="rId3"/>
+              </a:rPr>
+              <a:t>http://</a:t>
+            </a:r>
+            <a:r>
+              <a:rPr lang="en-US" dirty="0" smtClean="0">
+                <a:hlinkClick r:id="rId3"/>
+              </a:rPr>
+              <a:t>visualstudiogallery.msdn.microsoft.com/3a96a4dc-ba9c-4589-92c5-640e07332afd</a:t>
+            </a:r>
+            <a:endParaRPr lang="en-US" dirty="0" smtClean="0"/>
+          </a:p>
+          <a:p>
+            <a:r>
+              <a:rPr lang="en-US" dirty="0" smtClean="0"/>
+              <a:t>Entity </a:t>
+            </a:r>
+            <a:r>
+              <a:rPr lang="en-US" dirty="0"/>
+              <a:t>Framework Power Tools Beta </a:t>
+            </a:r>
+            <a:r>
+              <a:rPr lang="en-US" dirty="0" smtClean="0"/>
+              <a:t>4</a:t>
+            </a:r>
+          </a:p>
+          <a:p>
+            <a:pPr lvl="1"/>
+            <a:r>
+              <a:rPr lang="en-US" dirty="0" smtClean="0">
+                <a:hlinkClick r:id="rId4"/>
+              </a:rPr>
+              <a:t>http</a:t>
+            </a:r>
+            <a:r>
+              <a:rPr lang="en-US" dirty="0">
+                <a:hlinkClick r:id="rId4"/>
+              </a:rPr>
+              <a:t>://</a:t>
+            </a:r>
+            <a:r>
+              <a:rPr lang="en-US" dirty="0" smtClean="0">
+                <a:hlinkClick r:id="rId4"/>
+              </a:rPr>
+              <a:t>visualstudiogallery.msdn.microsoft.com/72a60b14-1581-4b9b-89f2-846072eff19d</a:t>
+            </a:r>
+            <a:endParaRPr lang="en-US" dirty="0" smtClean="0"/>
+          </a:p>
+          <a:p>
+            <a:r>
+              <a:rPr lang="ru-RU" dirty="0" smtClean="0"/>
+              <a:t>Подсветка синтаксиса для </a:t>
+            </a:r>
+            <a:r>
+              <a:rPr lang="en-US" dirty="0" smtClean="0"/>
+              <a:t>T4</a:t>
+            </a:r>
+          </a:p>
+          <a:p>
+            <a:pPr lvl="1"/>
+            <a:r>
+              <a:rPr lang="en-US" dirty="0"/>
+              <a:t>tangible T4 </a:t>
+            </a:r>
+            <a:r>
+              <a:rPr lang="en-US" dirty="0" smtClean="0"/>
+              <a:t>Editor</a:t>
+            </a:r>
+          </a:p>
+          <a:p>
+            <a:pPr lvl="2"/>
+            <a:r>
+              <a:rPr lang="en-US" dirty="0">
+                <a:hlinkClick r:id="rId5"/>
+              </a:rPr>
+              <a:t>http://</a:t>
+            </a:r>
+            <a:r>
+              <a:rPr lang="en-US" dirty="0" smtClean="0">
+                <a:hlinkClick r:id="rId5"/>
+              </a:rPr>
+              <a:t>visualstudiogallery.msdn.microsoft.com/60297607-5fd4-4da4-97e1-3715e90c1a23</a:t>
+            </a:r>
+            <a:endParaRPr lang="en-US" dirty="0" smtClean="0"/>
+          </a:p>
+          <a:p>
+            <a:pPr lvl="1"/>
+            <a:r>
+              <a:rPr lang="en-US" dirty="0" smtClean="0"/>
+              <a:t>Visual T4 (</a:t>
+            </a:r>
+            <a:r>
+              <a:rPr lang="en-US" dirty="0" err="1" smtClean="0"/>
+              <a:t>Clarius</a:t>
+            </a:r>
+            <a:r>
+              <a:rPr lang="en-US" dirty="0" smtClean="0"/>
+              <a:t>)</a:t>
+            </a:r>
+          </a:p>
+          <a:p>
+            <a:pPr lvl="2"/>
+            <a:r>
+              <a:rPr lang="en-US" dirty="0"/>
+              <a:t>http://visualstudiogallery.msdn.microsoft.com/40a887aa-f3be-40ec-a85d-37044b239591</a:t>
+            </a:r>
+            <a:endParaRPr lang="ru-RU" dirty="0" smtClean="0"/>
+          </a:p>
+          <a:p>
+            <a:endParaRPr lang="en-US" dirty="0" smtClean="0"/>
+          </a:p>
+          <a:p>
+            <a:pPr lvl="1"/>
+            <a:endParaRPr lang="en-US" dirty="0" smtClean="0"/>
+          </a:p>
+          <a:p>
+            <a:endParaRPr lang="en-US" dirty="0"/>
+          </a:p>
+        </p:txBody>
+      </p:sp>
+    </p:spTree>
+    <p:extLst>
+      <p:ext uri="{BB962C8B-B14F-4D97-AF65-F5344CB8AC3E}">
+        <p14:creationId xmlns:p14="http://schemas.microsoft.com/office/powerpoint/2010/main" val="1235442158"/>
+      </p:ext>
+    </p:extLst>
+  </p:cSld>
+  <p:clrMapOvr>
+    <a:masterClrMapping/>
+  </p:clrMapOvr>
+</p:sld>
+</file>
+
+<file path=ppt/slides/slide19.xml><?xml version="1.0" encoding="utf-8"?>
+<p:sld xmlns:a="http://schemas.openxmlformats.org/drawingml/2006/main" xmlns:r="http://schemas.openxmlformats.org/officeDocument/2006/relationships" xmlns:p="http://schemas.openxmlformats.org/presentationml/2006/main">
+  <p:cSld>
+    <p:spTree>
+      <p:nvGrpSpPr>
+        <p:cNvPr id="1" name=""/>
+        <p:cNvGrpSpPr/>
+        <p:nvPr/>
+      </p:nvGrpSpPr>
+      <p:grpSpPr>
+        <a:xfrm>
+          <a:off x="0" y="0"/>
+          <a:ext cx="0" cy="0"/>
+          <a:chOff x="0" y="0"/>
+          <a:chExt cx="0" cy="0"/>
+        </a:xfrm>
+      </p:grpSpPr>
+      <p:sp>
+        <p:nvSpPr>
+          <p:cNvPr id="2" name="Title 1"/>
+          <p:cNvSpPr>
+            <a:spLocks noGrp="1"/>
+          </p:cNvSpPr>
+          <p:nvPr>
+            <p:ph type="title"/>
+          </p:nvPr>
+        </p:nvSpPr>
+        <p:spPr/>
+        <p:txBody>
+          <a:bodyPr>
+            <a:normAutofit fontScale="90000"/>
+          </a:bodyPr>
+          <a:lstStyle/>
+          <a:p>
+            <a:r>
+              <a:rPr lang="ru-RU" dirty="0" smtClean="0"/>
+              <a:t>Платные расширения для </a:t>
+            </a:r>
+            <a:r>
+              <a:rPr lang="en-US" dirty="0" smtClean="0"/>
+              <a:t>Visual Studio</a:t>
+            </a:r>
+            <a:endParaRPr lang="ru-RU" dirty="0"/>
           </a:p>
         </p:txBody>
       </p:sp>
@@ -9107,6 +9501,106 @@
           <a:p>
             <a:r>
               <a:rPr lang="en-US" dirty="0" smtClean="0"/>
+              <a:t>JetBrains ReSharper</a:t>
+            </a:r>
+          </a:p>
+          <a:p>
+            <a:pPr lvl="1"/>
+            <a:r>
+              <a:rPr lang="en-US" dirty="0" smtClean="0">
+                <a:hlinkClick r:id="rId2"/>
+              </a:rPr>
+              <a:t>http</a:t>
+            </a:r>
+            <a:r>
+              <a:rPr lang="en-US" dirty="0">
+                <a:hlinkClick r:id="rId2"/>
+              </a:rPr>
+              <a:t>://www.jetbrains.com/resharper</a:t>
+            </a:r>
+            <a:r>
+              <a:rPr lang="en-US" dirty="0" smtClean="0">
+                <a:hlinkClick r:id="rId2"/>
+              </a:rPr>
+              <a:t>/</a:t>
+            </a:r>
+            <a:endParaRPr lang="en-US" dirty="0" smtClean="0"/>
+          </a:p>
+          <a:p>
+            <a:endParaRPr lang="ru-RU" dirty="0"/>
+          </a:p>
+        </p:txBody>
+      </p:sp>
+    </p:spTree>
+    <p:extLst>
+      <p:ext uri="{BB962C8B-B14F-4D97-AF65-F5344CB8AC3E}">
+        <p14:creationId xmlns:p14="http://schemas.microsoft.com/office/powerpoint/2010/main" val="2755780728"/>
+      </p:ext>
+    </p:extLst>
+  </p:cSld>
+  <p:clrMapOvr>
+    <a:masterClrMapping/>
+  </p:clrMapOvr>
+</p:sld>
+</file>
+
+<file path=ppt/slides/slide2.xml><?xml version="1.0" encoding="utf-8"?>
+<p:sld xmlns:a="http://schemas.openxmlformats.org/drawingml/2006/main" xmlns:r="http://schemas.openxmlformats.org/officeDocument/2006/relationships" xmlns:p="http://schemas.openxmlformats.org/presentationml/2006/main" show="0">
+  <p:cSld>
+    <p:spTree>
+      <p:nvGrpSpPr>
+        <p:cNvPr id="1" name=""/>
+        <p:cNvGrpSpPr/>
+        <p:nvPr/>
+      </p:nvGrpSpPr>
+      <p:grpSpPr>
+        <a:xfrm>
+          <a:off x="0" y="0"/>
+          <a:ext cx="0" cy="0"/>
+          <a:chOff x="0" y="0"/>
+          <a:chExt cx="0" cy="0"/>
+        </a:xfrm>
+      </p:grpSpPr>
+      <p:sp>
+        <p:nvSpPr>
+          <p:cNvPr id="2" name="Title 1"/>
+          <p:cNvSpPr>
+            <a:spLocks noGrp="1"/>
+          </p:cNvSpPr>
+          <p:nvPr>
+            <p:ph type="title"/>
+          </p:nvPr>
+        </p:nvSpPr>
+        <p:spPr/>
+        <p:txBody>
+          <a:bodyPr/>
+          <a:lstStyle/>
+          <a:p>
+            <a:r>
+              <a:rPr lang="ru-RU" dirty="0" smtClean="0"/>
+              <a:t>Литература</a:t>
+            </a:r>
+            <a:endParaRPr lang="en-US" dirty="0"/>
+          </a:p>
+        </p:txBody>
+      </p:sp>
+      <p:sp>
+        <p:nvSpPr>
+          <p:cNvPr id="3" name="Content Placeholder 2"/>
+          <p:cNvSpPr>
+            <a:spLocks noGrp="1"/>
+          </p:cNvSpPr>
+          <p:nvPr>
+            <p:ph idx="1"/>
+          </p:nvPr>
+        </p:nvSpPr>
+        <p:spPr/>
+        <p:txBody>
+          <a:bodyPr/>
+          <a:lstStyle/>
+          <a:p>
+            <a:r>
+              <a:rPr lang="en-US" dirty="0" smtClean="0"/>
               <a:t>TODO!</a:t>
             </a:r>
             <a:endParaRPr lang="en-US" dirty="0"/>
@@ -9123,6 +9617,14 @@
   <p:clrMapOvr>
     <a:masterClrMapping/>
   </p:clrMapOvr>
+  <mc:AlternateContent xmlns:mc="http://schemas.openxmlformats.org/markup-compatibility/2006">
+    <mc:Choice xmlns:p14="http://schemas.microsoft.com/office/powerpoint/2010/main" Requires="p14">
+      <p:transition spd="slow" p14:dur="2000"/>
+    </mc:Choice>
+    <mc:Fallback>
+      <p:transition spd="slow"/>
+    </mc:Fallback>
+  </mc:AlternateContent>
 </p:sld>
 </file>
 
@@ -9829,14 +10331,20 @@
         </p:nvSpPr>
         <p:spPr/>
         <p:txBody>
-          <a:bodyPr/>
+          <a:bodyPr>
+            <a:normAutofit fontScale="90000"/>
+          </a:bodyPr>
           <a:lstStyle/>
           <a:p>
             <a:r>
               <a:rPr lang="ru-RU" dirty="0" smtClean="0"/>
-              <a:t>Редактор</a:t>
-            </a:r>
-            <a:endParaRPr lang="en-US" dirty="0"/>
+              <a:t>Аргументы командной строки для </a:t>
+            </a:r>
+            <a:r>
+              <a:rPr lang="en-US" dirty="0"/>
+              <a:t>Visual Studio (Devenv.exe)</a:t>
+            </a:r>
+            <a:endParaRPr lang="ru-RU" dirty="0"/>
           </a:p>
         </p:txBody>
       </p:sp>
@@ -9852,299 +10360,53 @@
         </p:nvSpPr>
         <p:spPr/>
         <p:txBody>
-          <a:bodyPr>
-            <a:normAutofit lnSpcReduction="10000"/>
-          </a:bodyPr>
+          <a:bodyPr/>
           <a:lstStyle/>
           <a:p>
-            <a:pPr>
-              <a:buClr>
-                <a:schemeClr val="bg1"/>
-              </a:buClr>
-            </a:pPr>
-            <a:r>
-              <a:rPr lang="en-US" dirty="0" smtClean="0">
-                <a:solidFill>
-                  <a:srgbClr val="92D050"/>
-                </a:solidFill>
-              </a:rPr>
-              <a:t>[10]</a:t>
-            </a:r>
-            <a:r>
-              <a:rPr lang="en-US" dirty="0" smtClean="0"/>
-              <a:t> </a:t>
-            </a:r>
+            <a:r>
+              <a:rPr lang="en-US" dirty="0"/>
+              <a:t>/</a:t>
+            </a:r>
+            <a:r>
+              <a:rPr lang="en-US" dirty="0" err="1" smtClean="0"/>
+              <a:t>SafeMode</a:t>
+            </a:r>
+            <a:endParaRPr lang="en-US" dirty="0" smtClean="0"/>
+          </a:p>
+          <a:p>
+            <a:pPr lvl="1"/>
             <a:r>
               <a:rPr lang="ru-RU" dirty="0" smtClean="0"/>
-              <a:t>Изменение размера шрифта </a:t>
-            </a:r>
-            <a:r>
-              <a:rPr lang="en-US" dirty="0">
-                <a:solidFill>
-                  <a:srgbClr val="F6AE1E"/>
-                </a:solidFill>
-              </a:rPr>
-              <a:t>(</a:t>
-            </a:r>
-            <a:r>
-              <a:rPr lang="en-US" dirty="0" err="1">
-                <a:solidFill>
-                  <a:srgbClr val="F6AE1E"/>
-                </a:solidFill>
-              </a:rPr>
-              <a:t>Ctrl+Shift</a:t>
-            </a:r>
-            <a:r>
-              <a:rPr lang="en-US" dirty="0">
-                <a:solidFill>
-                  <a:srgbClr val="F6AE1E"/>
-                </a:solidFill>
-              </a:rPr>
-              <a:t> + &lt;/&gt; </a:t>
-            </a:r>
-            <a:r>
-              <a:rPr lang="ru-RU" dirty="0" smtClean="0">
-                <a:solidFill>
-                  <a:schemeClr val="bg1"/>
-                </a:solidFill>
-              </a:rPr>
-              <a:t>или</a:t>
-            </a:r>
-            <a:r>
-              <a:rPr lang="en-US" dirty="0" smtClean="0">
-                <a:solidFill>
-                  <a:srgbClr val="F6AE1E"/>
-                </a:solidFill>
-              </a:rPr>
-              <a:t> </a:t>
-            </a:r>
-            <a:r>
-              <a:rPr lang="en-US" dirty="0">
-                <a:solidFill>
-                  <a:srgbClr val="F6AE1E"/>
-                </a:solidFill>
-              </a:rPr>
-              <a:t>Ctrl + Mouse Scroll</a:t>
-            </a:r>
-            <a:r>
-              <a:rPr lang="en-US" dirty="0" smtClean="0">
-                <a:solidFill>
-                  <a:srgbClr val="F6AE1E"/>
-                </a:solidFill>
-              </a:rPr>
+              <a:t>Безопасный </a:t>
+            </a:r>
+            <a:r>
+              <a:rPr lang="ru-RU" dirty="0"/>
+              <a:t>режим</a:t>
+            </a:r>
+            <a:r>
+              <a:rPr lang="en-US" dirty="0"/>
+              <a:t> (</a:t>
+            </a:r>
+            <a:r>
+              <a:rPr lang="ru-RU" dirty="0"/>
+              <a:t>отключает все расширения</a:t>
+            </a:r>
+            <a:r>
+              <a:rPr lang="en-US" dirty="0"/>
               <a:t>)</a:t>
             </a:r>
-            <a:endParaRPr lang="ru-RU" dirty="0" smtClean="0">
-              <a:solidFill>
-                <a:srgbClr val="F6AE1E"/>
-              </a:solidFill>
-            </a:endParaRPr>
-          </a:p>
-          <a:p>
-            <a:pPr>
-              <a:buClr>
-                <a:schemeClr val="bg1"/>
-              </a:buClr>
-            </a:pPr>
-            <a:r>
-              <a:rPr lang="en-US" dirty="0">
-                <a:solidFill>
-                  <a:srgbClr val="92D050"/>
-                </a:solidFill>
-              </a:rPr>
-              <a:t>[10]</a:t>
-            </a:r>
-            <a:r>
-              <a:rPr lang="en-US" dirty="0" smtClean="0"/>
-              <a:t> </a:t>
-            </a:r>
-            <a:r>
-              <a:rPr lang="ru-RU" dirty="0" smtClean="0"/>
-              <a:t>Многострочное редактирование</a:t>
-            </a:r>
-            <a:r>
-              <a:rPr lang="en-US" dirty="0" smtClean="0"/>
-              <a:t> </a:t>
-            </a:r>
-            <a:r>
-              <a:rPr lang="en-US" dirty="0" smtClean="0">
-                <a:solidFill>
-                  <a:srgbClr val="F6AE1E"/>
-                </a:solidFill>
-              </a:rPr>
-              <a:t>(</a:t>
-            </a:r>
-            <a:r>
-              <a:rPr lang="en-US" dirty="0" err="1">
-                <a:solidFill>
-                  <a:srgbClr val="F6AE1E"/>
-                </a:solidFill>
-              </a:rPr>
-              <a:t>Alt+Shift</a:t>
-            </a:r>
-            <a:r>
-              <a:rPr lang="en-US" dirty="0">
-                <a:solidFill>
-                  <a:srgbClr val="F6AE1E"/>
-                </a:solidFill>
-              </a:rPr>
-              <a:t> + Up/Down</a:t>
-            </a:r>
-            <a:r>
-              <a:rPr lang="en-US" dirty="0"/>
-              <a:t> </a:t>
-            </a:r>
-            <a:r>
-              <a:rPr lang="ru-RU" dirty="0" smtClean="0"/>
-              <a:t>или</a:t>
-            </a:r>
-            <a:r>
-              <a:rPr lang="en-US" dirty="0" smtClean="0"/>
-              <a:t> </a:t>
-            </a:r>
-            <a:r>
-              <a:rPr lang="en-US" dirty="0">
-                <a:solidFill>
-                  <a:srgbClr val="F6AE1E"/>
-                </a:solidFill>
-              </a:rPr>
-              <a:t>Alt + Mouse Up/Down</a:t>
-            </a:r>
-            <a:r>
-              <a:rPr lang="en-US" dirty="0" smtClean="0">
-                <a:solidFill>
-                  <a:srgbClr val="F6AE1E"/>
-                </a:solidFill>
-              </a:rPr>
-              <a:t>)</a:t>
-            </a:r>
-            <a:endParaRPr lang="ru-RU" dirty="0" smtClean="0">
-              <a:solidFill>
-                <a:srgbClr val="F6AE1E"/>
-              </a:solidFill>
-            </a:endParaRPr>
-          </a:p>
-          <a:p>
-            <a:pPr>
-              <a:buClr>
-                <a:schemeClr val="bg1"/>
-              </a:buClr>
-            </a:pPr>
-            <a:r>
-              <a:rPr lang="en-US" dirty="0" smtClean="0">
-                <a:solidFill>
-                  <a:srgbClr val="92D050"/>
-                </a:solidFill>
-              </a:rPr>
-              <a:t>[0</a:t>
-            </a:r>
-            <a:r>
-              <a:rPr lang="ru-RU" dirty="0" smtClean="0">
-                <a:solidFill>
-                  <a:srgbClr val="92D050"/>
-                </a:solidFill>
-              </a:rPr>
-              <a:t>5</a:t>
-            </a:r>
-            <a:r>
-              <a:rPr lang="en-US" dirty="0" smtClean="0">
-                <a:solidFill>
-                  <a:srgbClr val="92D050"/>
-                </a:solidFill>
-              </a:rPr>
-              <a:t>]</a:t>
-            </a:r>
-            <a:r>
-              <a:rPr lang="en-US" dirty="0" smtClean="0"/>
-              <a:t> </a:t>
-            </a:r>
-            <a:r>
-              <a:rPr lang="ru-RU" dirty="0" smtClean="0"/>
-              <a:t>Вставка текста из ц</a:t>
-            </a:r>
-            <a:r>
-              <a:rPr lang="ru-RU" dirty="0" smtClean="0">
-                <a:solidFill>
-                  <a:schemeClr val="bg1"/>
-                </a:solidFill>
-              </a:rPr>
-              <a:t>иклического буфера обмена </a:t>
-            </a:r>
-            <a:r>
-              <a:rPr lang="en-US" dirty="0">
-                <a:solidFill>
-                  <a:srgbClr val="F6AE1E"/>
-                </a:solidFill>
-              </a:rPr>
-              <a:t>(</a:t>
-            </a:r>
-            <a:r>
-              <a:rPr lang="en-US" dirty="0" err="1">
-                <a:solidFill>
-                  <a:srgbClr val="F6AE1E"/>
-                </a:solidFill>
-              </a:rPr>
-              <a:t>Ctrl+Shift</a:t>
-            </a:r>
-            <a:r>
-              <a:rPr lang="en-US" dirty="0">
-                <a:solidFill>
-                  <a:srgbClr val="F6AE1E"/>
-                </a:solidFill>
-              </a:rPr>
-              <a:t> + V</a:t>
-            </a:r>
-            <a:r>
-              <a:rPr lang="en-US" dirty="0" smtClean="0">
-                <a:solidFill>
-                  <a:srgbClr val="F6AE1E"/>
-                </a:solidFill>
-              </a:rPr>
-              <a:t>)</a:t>
-            </a:r>
-            <a:endParaRPr lang="ru-RU" dirty="0" smtClean="0">
-              <a:solidFill>
-                <a:srgbClr val="F6AE1E"/>
-              </a:solidFill>
-            </a:endParaRPr>
-          </a:p>
-          <a:p>
-            <a:pPr>
-              <a:buClr>
-                <a:schemeClr val="bg1"/>
-              </a:buClr>
-            </a:pPr>
-            <a:r>
-              <a:rPr lang="ru-RU" smtClean="0">
-                <a:solidFill>
-                  <a:schemeClr val="bg1"/>
-                </a:solidFill>
-              </a:rPr>
-              <a:t>Прокрутка текста без изменения положения курсора</a:t>
-            </a:r>
-            <a:r>
-              <a:rPr lang="en-US" dirty="0" smtClean="0">
-                <a:solidFill>
-                  <a:schemeClr val="bg1"/>
-                </a:solidFill>
-              </a:rPr>
-              <a:t> </a:t>
-            </a:r>
-            <a:r>
-              <a:rPr lang="en-US" dirty="0">
-                <a:solidFill>
-                  <a:srgbClr val="F6AE1E"/>
-                </a:solidFill>
-              </a:rPr>
-              <a:t>(Ctrl + Up/Down Arrow)</a:t>
-            </a:r>
+            <a:endParaRPr lang="ru-RU" dirty="0"/>
+          </a:p>
+          <a:p>
+            <a:pPr lvl="1"/>
+            <a:endParaRPr lang="ru-RU" dirty="0"/>
           </a:p>
         </p:txBody>
       </p:sp>
     </p:spTree>
     <p:extLst>
       <p:ext uri="{BB962C8B-B14F-4D97-AF65-F5344CB8AC3E}">
-        <p14:creationId xmlns:p14="http://schemas.microsoft.com/office/powerpoint/2010/main" val="468185828"/>
+        <p14:creationId xmlns:p14="http://schemas.microsoft.com/office/powerpoint/2010/main" val="3059897896"/>
       </p:ext>
     </p:extLst>
   </p:cSld>
@@ -10190,14 +10452,6 @@
               <a:rPr lang="ru-RU" dirty="0" smtClean="0"/>
               <a:t>Редактор</a:t>
             </a:r>
-            <a:r>
-              <a:rPr lang="en-US" dirty="0" smtClean="0"/>
-              <a:t>: </a:t>
-            </a:r>
-            <a:r>
-              <a:rPr lang="ru-RU" dirty="0" smtClean="0"/>
-              <a:t>Поиск текста</a:t>
-            </a:r>
             <a:endParaRPr lang="en-US" dirty="0"/>
           </a:p>
         </p:txBody>
@@ -10215,7 +10469,7 @@
         <p:spPr/>
         <p:txBody>
           <a:bodyPr>
-            <a:normAutofit fontScale="85000" lnSpcReduction="10000"/>
+            <a:normAutofit lnSpcReduction="10000"/>
           </a:bodyPr>
           <a:lstStyle/>
           <a:p>
@@ -10225,12 +10479,44 @@
               </a:buClr>
             </a:pPr>
             <a:r>
-              <a:rPr lang="en-US" dirty="0" err="1" smtClean="0">
+              <a:rPr lang="en-US" dirty="0" smtClean="0">
+                <a:solidFill>
+                  <a:srgbClr val="92D050"/>
+                </a:solidFill>
+              </a:rPr>
+              <a:t>[10]</a:t>
+            </a:r>
+            <a:r>
+              <a:rPr lang="en-US" dirty="0" smtClean="0"/>
+              <a:t> </a:t>
+            </a:r>
+            <a:r>
+              <a:rPr lang="ru-RU" dirty="0" smtClean="0"/>
+              <a:t>Изменение размера шрифта </a:t>
+            </a:r>
+            <a:r>
+              <a:rPr lang="en-US" dirty="0">
                 <a:solidFill>
                   <a:srgbClr val="F6AE1E"/>
                 </a:solidFill>
               </a:rPr>
-              <a:t>Ctrl+i</a:t>
+              <a:t>(</a:t>
+            </a:r>
+            <a:r>
+              <a:rPr lang="en-US" dirty="0" err="1">
+                <a:solidFill>
+                  <a:srgbClr val="F6AE1E"/>
+                </a:solidFill>
+              </a:rPr>
+              <a:t>Ctrl+Shift</a:t>
+            </a:r>
+            <a:r>
+              <a:rPr lang="en-US" dirty="0">
+                <a:solidFill>
+                  <a:srgbClr val="F6AE1E"/>
+                </a:solidFill>
+              </a:rPr>
+              <a:t> + &lt;/&gt; </a:t>
             </a:r>
             <a:r>
               <a:rPr lang="ru-RU" dirty="0" smtClean="0">
@@ -10238,8 +10524,37 @@
                   <a:schemeClr val="bg1"/>
                 </a:solidFill>
               </a:rPr>
-              <a:t> поиск</a:t>
-            </a:r>
+              <a:t>или</a:t>
+            </a:r>
+            <a:r>
+              <a:rPr lang="en-US" dirty="0" smtClean="0">
+                <a:solidFill>
+                  <a:srgbClr val="F6AE1E"/>
+                </a:solidFill>
+              </a:rPr>
+              <a:t> </a:t>
+            </a:r>
+            <a:r>
+              <a:rPr lang="en-US" dirty="0">
+                <a:solidFill>
+                  <a:srgbClr val="F6AE1E"/>
+                </a:solidFill>
+              </a:rPr>
+              <a:t>Ctrl + Mouse Scroll</a:t>
+            </a:r>
+            <a:r>
+              <a:rPr lang="en-US" dirty="0" smtClean="0">
+                <a:solidFill>
+                  <a:srgbClr val="F6AE1E"/>
+                </a:solidFill>
+              </a:rPr>
+              <a:t>)</a:t>
+            </a:r>
+            <a:endParaRPr lang="ru-RU" dirty="0" smtClean="0">
+              <a:solidFill>
+                <a:srgbClr val="F6AE1E"/>
+              </a:solidFill>
+            </a:endParaRPr>
           </a:p>
           <a:p>
             <a:pPr>
@@ -10250,27 +10565,80 @@
             <a:r>
               <a:rPr lang="en-US" dirty="0">
                 <a:solidFill>
+                  <a:srgbClr val="92D050"/>
+                </a:solidFill>
+              </a:rPr>
+              <a:t>[10]</a:t>
+            </a:r>
+            <a:r>
+              <a:rPr lang="en-US" dirty="0" smtClean="0"/>
+              <a:t> </a:t>
+            </a:r>
+            <a:r>
+              <a:rPr lang="ru-RU" dirty="0" smtClean="0"/>
+              <a:t>Многострочное редактирование</a:t>
+            </a:r>
+            <a:r>
+              <a:rPr lang="en-US" dirty="0" smtClean="0"/>
+              <a:t> </a:t>
+            </a:r>
+            <a:r>
+              <a:rPr lang="en-US" dirty="0" smtClean="0">
+                <a:solidFill>
                   <a:srgbClr val="F6AE1E"/>
                 </a:solidFill>
               </a:rPr>
-              <a:t>F3/Shift+F3</a:t>
+              <a:t>(</a:t>
+            </a:r>
+            <a:r>
+              <a:rPr lang="en-US" dirty="0" err="1">
+                <a:solidFill>
+                  <a:srgbClr val="F6AE1E"/>
+                </a:solidFill>
+              </a:rPr>
+              <a:t>Alt+Shift</a:t>
+            </a:r>
+            <a:r>
+              <a:rPr lang="en-US" dirty="0">
+                <a:solidFill>
+                  <a:srgbClr val="F6AE1E"/>
+                </a:solidFill>
+              </a:rPr>
+              <a:t> + Up/Down</a:t>
+            </a:r>
+            <a:r>
+              <a:rPr lang="en-US" dirty="0"/>
+              <a:t> </a:t>
+            </a:r>
+            <a:r>
+              <a:rPr lang="ru-RU" dirty="0" smtClean="0"/>
+              <a:t>или</a:t>
+            </a:r>
+            <a:r>
+              <a:rPr lang="en-US" dirty="0" smtClean="0"/>
+              <a:t> </a:t>
+            </a:r>
+            <a:r>
+              <a:rPr lang="en-US" dirty="0">
+                <a:solidFill>
+                  <a:srgbClr val="F6AE1E"/>
+                </a:solidFill>
+              </a:rPr>
+              <a:t>Alt + Mouse Up/Down</a:t>
             </a:r>
             <a:r>
               <a:rPr lang="en-US" dirty="0" smtClean="0">
                 <a:solidFill>
-                  <a:schemeClr val="bg1"/>
-                </a:solidFill>
-              </a:rPr>
-              <a:t> </a:t>
-            </a:r>
-            <a:r>
-              <a:rPr lang="ru-RU" dirty="0" smtClean="0">
-                <a:solidFill>
-                  <a:schemeClr val="bg1"/>
-                </a:solidFill>
-              </a:rPr>
-              <a:t>найти следующее/предыдущее вхождение строки</a:t>
-            </a:r>
+                  <a:srgbClr val="F6AE1E"/>
+                </a:solidFill>
+              </a:rPr>
+              <a:t>)</a:t>
+            </a:r>
+            <a:endParaRPr lang="ru-RU" dirty="0" smtClean="0">
+              <a:solidFill>
+                <a:srgbClr val="F6AE1E"/>
+              </a:solidFill>
+            </a:endParaRPr>
           </a:p>
           <a:p>
             <a:pPr>
@@ -10279,29 +10647,82 @@
               </a:buClr>
             </a:pPr>
             <a:r>
+              <a:rPr lang="en-US" dirty="0" smtClean="0">
+                <a:solidFill>
+                  <a:srgbClr val="92D050"/>
+                </a:solidFill>
+              </a:rPr>
+              <a:t>[0</a:t>
+            </a:r>
+            <a:r>
+              <a:rPr lang="ru-RU" dirty="0" smtClean="0">
+                <a:solidFill>
+                  <a:srgbClr val="92D050"/>
+                </a:solidFill>
+              </a:rPr>
+              <a:t>5</a:t>
+            </a:r>
+            <a:r>
+              <a:rPr lang="en-US" dirty="0" smtClean="0">
+                <a:solidFill>
+                  <a:srgbClr val="92D050"/>
+                </a:solidFill>
+              </a:rPr>
+              <a:t>]</a:t>
+            </a:r>
+            <a:r>
+              <a:rPr lang="en-US" dirty="0" smtClean="0"/>
+              <a:t> </a:t>
+            </a:r>
+            <a:r>
+              <a:rPr lang="ru-RU" dirty="0" smtClean="0"/>
+              <a:t>Вставка текста из ц</a:t>
+            </a:r>
+            <a:r>
+              <a:rPr lang="ru-RU" dirty="0" smtClean="0">
+                <a:solidFill>
+                  <a:schemeClr val="bg1"/>
+                </a:solidFill>
+              </a:rPr>
+              <a:t>иклического буфера обмена </a:t>
+            </a:r>
+            <a:r>
               <a:rPr lang="en-US" dirty="0">
                 <a:solidFill>
                   <a:srgbClr val="F6AE1E"/>
                 </a:solidFill>
               </a:rPr>
-              <a:t>Ctrl+F3</a:t>
+              <a:t>(</a:t>
+            </a:r>
+            <a:r>
+              <a:rPr lang="en-US" dirty="0" err="1">
+                <a:solidFill>
+                  <a:srgbClr val="F6AE1E"/>
+                </a:solidFill>
+              </a:rPr>
+              <a:t>Ctrl+Shift</a:t>
+            </a:r>
+            <a:r>
+              <a:rPr lang="en-US" dirty="0">
+                <a:solidFill>
+                  <a:srgbClr val="F6AE1E"/>
+                </a:solidFill>
+              </a:rPr>
+              <a:t> + V</a:t>
             </a:r>
             <a:r>
               <a:rPr lang="en-US" dirty="0" smtClean="0">
                 <a:solidFill>
-                  <a:schemeClr val="bg1"/>
-                </a:solidFill>
-              </a:rPr>
-              <a:t> </a:t>
-            </a:r>
-            <a:r>
-              <a:rPr lang="ru-RU" dirty="0" smtClean="0">
-                <a:solidFill>
-                  <a:schemeClr val="bg1"/>
-                </a:solidFill>
-              </a:rPr>
-              <a:t>найти следующее вхождение выделенного текста</a:t>
-            </a:r>
+                  <a:srgbClr val="F6AE1E"/>
+                </a:solidFill>
+              </a:rPr>
+              <a:t>)</a:t>
+            </a:r>
+            <a:endParaRPr lang="ru-RU" dirty="0" smtClean="0">
+              <a:solidFill>
+                <a:srgbClr val="F6AE1E"/>
+              </a:solidFill>
+            </a:endParaRPr>
           </a:p>
           <a:p>
             <a:pPr>
@@ -10310,113 +10731,36 @@
               </a:buClr>
             </a:pPr>
             <a:r>
-              <a:rPr lang="en-US" dirty="0" err="1">
+              <a:rPr lang="ru-RU" smtClean="0">
+                <a:solidFill>
+                  <a:schemeClr val="bg1"/>
+                </a:solidFill>
+              </a:rPr>
+              <a:t>Прокрутка текста без изменения положения курсора</a:t>
+            </a:r>
+            <a:r>
+              <a:rPr lang="en-US" dirty="0" smtClean="0">
+                <a:solidFill>
+                  <a:schemeClr val="bg1"/>
+                </a:solidFill>
+              </a:rPr>
+              <a:t> </a:t>
+            </a:r>
+            <a:r>
+              <a:rPr lang="en-US" dirty="0">
                 <a:solidFill>
                   <a:srgbClr val="F6AE1E"/>
                 </a:solidFill>
               </a:rPr>
-              <a:t>Ctrl+Shift+F</a:t>
-            </a:r>
-            <a:r>
-              <a:rPr lang="en-US" dirty="0" smtClean="0">
-                <a:solidFill>
-                  <a:schemeClr val="bg1"/>
-                </a:solidFill>
-              </a:rPr>
-              <a:t> </a:t>
-            </a:r>
-            <a:r>
-              <a:rPr lang="ru-RU" dirty="0" smtClean="0">
-                <a:solidFill>
-                  <a:schemeClr val="bg1"/>
-                </a:solidFill>
-              </a:rPr>
-              <a:t>найти в </a:t>
-            </a:r>
-            <a:r>
-              <a:rPr lang="en-US" dirty="0" smtClean="0">
-                <a:solidFill>
-                  <a:schemeClr val="bg1"/>
-                </a:solidFill>
-              </a:rPr>
-              <a:t>solution</a:t>
-            </a:r>
-          </a:p>
-          <a:p>
-            <a:pPr marL="0" indent="0">
-              <a:buClr>
-                <a:schemeClr val="bg1"/>
-              </a:buClr>
-              <a:buNone/>
-            </a:pPr>
-            <a:endParaRPr lang="ru-RU" dirty="0" smtClean="0">
-              <a:solidFill>
-                <a:schemeClr val="bg1"/>
-              </a:solidFill>
-            </a:endParaRPr>
-          </a:p>
-          <a:p>
-            <a:pPr>
-              <a:buClr>
-                <a:schemeClr val="bg1"/>
-              </a:buClr>
-            </a:pPr>
-            <a:endParaRPr lang="ru-RU" dirty="0">
-              <a:solidFill>
-                <a:schemeClr val="bg1"/>
-              </a:solidFill>
-            </a:endParaRPr>
-          </a:p>
-          <a:p>
-            <a:pPr marL="0" indent="0">
-              <a:buClr>
-                <a:schemeClr val="bg1"/>
-              </a:buClr>
-              <a:buNone/>
-            </a:pPr>
-            <a:r>
-              <a:rPr lang="en-US" dirty="0">
-                <a:solidFill>
-                  <a:schemeClr val="bg1"/>
-                </a:solidFill>
-                <a:hlinkClick r:id="rId2"/>
-              </a:rPr>
-              <a:t>http://</a:t>
-            </a:r>
-            <a:r>
-              <a:rPr lang="en-US" dirty="0" smtClean="0">
-                <a:solidFill>
-                  <a:schemeClr val="bg1"/>
-                </a:solidFill>
-                <a:hlinkClick r:id="rId2"/>
-              </a:rPr>
-              <a:t>weblogs.asp.net/scottgu/archive/2010/08/24/search-and-navigation-tips-tricks-with-visual-studio.aspx</a:t>
-            </a:r>
-            <a:endParaRPr lang="ru-RU" dirty="0" smtClean="0">
-              <a:solidFill>
-                <a:schemeClr val="bg1"/>
-              </a:solidFill>
-            </a:endParaRPr>
-          </a:p>
-          <a:p>
-            <a:pPr marL="0" indent="0">
-              <a:buClr>
-                <a:schemeClr val="bg1"/>
-              </a:buClr>
-              <a:buNone/>
-            </a:pPr>
-            <a:endParaRPr lang="en-US" dirty="0">
-              <a:solidFill>
-                <a:schemeClr val="bg1"/>
-              </a:solidFill>
-            </a:endParaRPr>
+              <a:t>(Ctrl + Up/Down Arrow)</a:t>
+            </a:r>
           </a:p>
         </p:txBody>
       </p:sp>
     </p:spTree>
     <p:extLst>
       <p:ext uri="{BB962C8B-B14F-4D97-AF65-F5344CB8AC3E}">
-        <p14:creationId xmlns:p14="http://schemas.microsoft.com/office/powerpoint/2010/main" val="1967395690"/>
+        <p14:creationId xmlns:p14="http://schemas.microsoft.com/office/powerpoint/2010/main" val="468185828"/>
       </p:ext>
     </p:extLst>
   </p:cSld>
@@ -10464,7 +10808,11 @@
             </a:r>
             <a:r>
               <a:rPr lang="en-US" dirty="0" smtClean="0"/>
-              <a:t>: Column mode</a:t>
+              <a:t>: </a:t>
+            </a:r>
+            <a:r>
+              <a:rPr lang="ru-RU" dirty="0" smtClean="0"/>
+              <a:t>Поиск текста</a:t>
             </a:r>
             <a:endParaRPr lang="en-US" dirty="0"/>
           </a:p>
@@ -10483,7 +10831,7 @@
         <p:spPr/>
         <p:txBody>
           <a:bodyPr>
-            <a:normAutofit/>
+            <a:normAutofit fontScale="85000" lnSpcReduction="10000"/>
           </a:bodyPr>
           <a:lstStyle/>
           <a:p>
@@ -10498,7 +10846,7 @@
                   <a:srgbClr val="F6AE1E"/>
                 </a:solidFill>
               </a:rPr>
-              <a:t>Shift+Alt+Arrow</a:t>
+              <a:t>Ctrl+i</a:t>
             </a:r>
             <a:r>
               <a:rPr lang="ru-RU" dirty="0" smtClean="0">
@@ -10506,7 +10854,7 @@
                   <a:schemeClr val="bg1"/>
                 </a:solidFill>
               </a:rPr>
-              <a:t> позволяет выделить прямоугольный блок текста</a:t>
+              <a:t> поиск</a:t>
             </a:r>
           </a:p>
           <a:p>
@@ -10521,7 +10869,7 @@
                   <a:srgbClr val="F6AE1E"/>
                 </a:solidFill>
               </a:rPr>
-              <a:t>Alt + Left Mouse</a:t>
+              <a:t>F3/Shift+F3</a:t>
             </a:r>
             <a:r>
               <a:rPr lang="en-US" dirty="0" smtClean="0">
@@ -10529,7 +10877,7 @@
                   <a:schemeClr val="bg1"/>
                 </a:solidFill>
               </a:rPr>
-              <a:t> Button </a:t>
+              <a:t> </a:t>
             </a:r>
             <a:r>
               <a:rPr lang="ru-RU" dirty="0" smtClean="0">
@@ -10537,23 +10885,7 @@
                   <a:schemeClr val="bg1"/>
                 </a:solidFill>
               </a:rPr>
-              <a:t>позиционирует курсор за концом строки даже если опция «</a:t>
-            </a:r>
-            <a:r>
-              <a:rPr lang="en-US" dirty="0" smtClean="0">
-                <a:solidFill>
-                  <a:schemeClr val="bg1"/>
-                </a:solidFill>
-              </a:rPr>
-              <a:t>enable virtual space</a:t>
-            </a:r>
-            <a:r>
-              <a:rPr lang="ru-RU" dirty="0" smtClean="0">
-                <a:solidFill>
-                  <a:schemeClr val="bg1"/>
-                </a:solidFill>
-              </a:rPr>
-              <a:t>» выключена</a:t>
+              <a:t>найти следующее/предыдущее вхождение строки</a:t>
             </a:r>
           </a:p>
           <a:p>
@@ -10562,11 +10894,69 @@
                 <a:schemeClr val="bg1"/>
               </a:buClr>
             </a:pPr>
-            <a:endParaRPr lang="en-US" dirty="0" smtClean="0">
-              <a:solidFill>
+            <a:r>
+              <a:rPr lang="en-US" dirty="0">
+                <a:solidFill>
+                  <a:srgbClr val="F6AE1E"/>
+                </a:solidFill>
+              </a:rPr>
+              <a:t>Ctrl+F3</a:t>
+            </a:r>
+            <a:r>
+              <a:rPr lang="en-US" dirty="0" smtClean="0">
+                <a:solidFill>
+                  <a:schemeClr val="bg1"/>
+                </a:solidFill>
+              </a:rPr>
+              <a:t> </a:t>
+            </a:r>
+            <a:r>
+              <a:rPr lang="ru-RU" dirty="0" smtClean="0">
+                <a:solidFill>
+                  <a:schemeClr val="bg1"/>
+                </a:solidFill>
+              </a:rPr>
+              <a:t>найти следующее вхождение выделенного текста</a:t>
+            </a:r>
+          </a:p>
+          <a:p>
+            <a:pPr>
+              <a:buClr>
                 <a:schemeClr val="bg1"/>
-              </a:solidFill>
-            </a:endParaRPr>
+              </a:buClr>
+            </a:pPr>
+            <a:r>
+              <a:rPr lang="en-US" dirty="0" err="1">
+                <a:solidFill>
+                  <a:srgbClr val="F6AE1E"/>
+                </a:solidFill>
+              </a:rPr>
+              <a:t>Ctrl+Shift+F</a:t>
+            </a:r>
+            <a:r>
+              <a:rPr lang="en-US" dirty="0" smtClean="0">
+                <a:solidFill>
+                  <a:schemeClr val="bg1"/>
+                </a:solidFill>
+              </a:rPr>
+              <a:t> </a:t>
+            </a:r>
+            <a:r>
+              <a:rPr lang="ru-RU" dirty="0" smtClean="0">
+                <a:solidFill>
+                  <a:schemeClr val="bg1"/>
+                </a:solidFill>
+              </a:rPr>
+              <a:t>найти в </a:t>
+            </a:r>
+            <a:r>
+              <a:rPr lang="en-US" dirty="0" smtClean="0">
+                <a:solidFill>
+                  <a:schemeClr val="bg1"/>
+                </a:solidFill>
+              </a:rPr>
+              <a:t>solution</a:t>
+            </a:r>
           </a:p>
           <a:p>
             <a:pPr marL="0" indent="0">
@@ -10600,6 +10990,37 @@
               </a:buClr>
               <a:buNone/>
             </a:pPr>
+            <a:r>
+              <a:rPr lang="en-US" dirty="0">
+                <a:solidFill>
+                  <a:schemeClr val="bg1"/>
+                </a:solidFill>
+                <a:hlinkClick r:id="rId2"/>
+              </a:rPr>
+              <a:t>http://</a:t>
+            </a:r>
+            <a:r>
+              <a:rPr lang="en-US" dirty="0" smtClean="0">
+                <a:solidFill>
+                  <a:schemeClr val="bg1"/>
+                </a:solidFill>
+                <a:hlinkClick r:id="rId2"/>
+              </a:rPr>
+              <a:t>weblogs.asp.net/scottgu/archive/2010/08/24/search-and-navigation-tips-tricks-with-visual-studio.aspx</a:t>
+            </a:r>
+            <a:endParaRPr lang="ru-RU" dirty="0" smtClean="0">
+              <a:solidFill>
+                <a:schemeClr val="bg1"/>
+              </a:solidFill>
+            </a:endParaRPr>
+          </a:p>
+          <a:p>
+            <a:pPr marL="0" indent="0">
+              <a:buClr>
+                <a:schemeClr val="bg1"/>
+              </a:buClr>
+              <a:buNone/>
+            </a:pPr>
             <a:endParaRPr lang="en-US" dirty="0">
               <a:solidFill>
                 <a:schemeClr val="bg1"/>
@@ -10611,7 +11032,7 @@
     </p:spTree>
     <p:extLst>
       <p:ext uri="{BB962C8B-B14F-4D97-AF65-F5344CB8AC3E}">
-        <p14:creationId xmlns:p14="http://schemas.microsoft.com/office/powerpoint/2010/main" val="1998512366"/>
+        <p14:creationId xmlns:p14="http://schemas.microsoft.com/office/powerpoint/2010/main" val="1967395690"/>
       </p:ext>
     </p:extLst>
   </p:cSld>
@@ -10624,20 +11045,6 @@
 <file path=ppt/slides/slide9.xml><?xml version="1.0" encoding="utf-8"?>
 <p:sld xmlns:a="http://schemas.openxmlformats.org/drawingml/2006/main" xmlns:r="http://schemas.openxmlformats.org/officeDocument/2006/relationships" xmlns:p="http://schemas.openxmlformats.org/presentationml/2006/main">
   <p:cSld>
-    <p:bg>
-      <p:bgPr>
-        <a:blipFill dpi="0" rotWithShape="1">
-          <a:blip r:embed="rId3">
-            <a:lum/>
-          </a:blip>
-          <a:srcRect/>
-          <a:stretch>
-            <a:fillRect/>
-          </a:stretch>
-        </a:blipFill>
-        <a:effectLst/>
-      </p:bgPr>
-    </p:bg>
     <p:spTree>
       <p:nvGrpSpPr>
         <p:cNvPr id="1" name=""/>
@@ -10669,17 +11076,9 @@
           <a:p>
             <a:r>
               <a:rPr lang="ru-RU" dirty="0" smtClean="0"/>
-              <a:t>Редактор</a:t>
-            </a:r>
-            <a:r>
-              <a:rPr lang="en-US" dirty="0" smtClean="0"/>
-              <a:t>: </a:t>
-            </a:r>
-            <a:r>
-              <a:rPr lang="ru-RU" dirty="0" smtClean="0"/>
-              <a:t>Навигация по коду</a:t>
-            </a:r>
-            <a:endParaRPr lang="en-US" dirty="0"/>
+              <a:t>Редактор: комментарии</a:t>
+            </a:r>
+            <a:endParaRPr lang="ru-RU" dirty="0"/>
           </a:p>
         </p:txBody>
       </p:sp>
@@ -10696,25 +11095,36 @@
         <p:spPr/>
         <p:txBody>
           <a:bodyPr>
-            <a:normAutofit fontScale="92500" lnSpcReduction="20000"/>
+            <a:normAutofit/>
           </a:bodyPr>
           <a:lstStyle/>
           <a:p>
-            <a:pPr>
-              <a:buClr>
-                <a:schemeClr val="bg1"/>
-              </a:buClr>
-            </a:pPr>
-            <a:r>
-              <a:rPr lang="en-US" dirty="0" smtClean="0">
+            <a:r>
+              <a:rPr lang="en-US" sz="2800" dirty="0" err="1">
                 <a:solidFill>
                   <a:srgbClr val="F6AE1E"/>
                 </a:solidFill>
               </a:rPr>
-              <a:t>F12</a:t>
-            </a:r>
-            <a:r>
-              <a:rPr lang="en-US" dirty="0" smtClean="0">
+              <a:t>Ctrl+K</a:t>
+            </a:r>
+            <a:r>
+              <a:rPr lang="en-US" sz="2800" dirty="0">
+                <a:solidFill>
+                  <a:srgbClr val="F6AE1E"/>
+                </a:solidFill>
+              </a:rPr>
+              <a:t>, </a:t>
+            </a:r>
+            <a:r>
+              <a:rPr lang="en-US" sz="2800" dirty="0" err="1">
+                <a:solidFill>
+                  <a:srgbClr val="F6AE1E"/>
+                </a:solidFill>
+              </a:rPr>
+              <a:t>Ctrl+C</a:t>
+            </a:r>
+            <a:r>
+              <a:rPr lang="en-US" sz="2800" dirty="0">
                 <a:solidFill>
                   <a:schemeClr val="bg1"/>
                 </a:solidFill>
@@ -10722,243 +11132,68 @@
               <a:t> </a:t>
             </a:r>
             <a:r>
-              <a:rPr lang="ru-RU" dirty="0" smtClean="0">
+              <a:rPr lang="ru-RU" sz="2800" dirty="0">
                 <a:solidFill>
                   <a:schemeClr val="bg1"/>
                 </a:solidFill>
               </a:rPr>
-              <a:t>перейти к объявлению</a:t>
-            </a:r>
-          </a:p>
-          <a:p>
-            <a:pPr>
-              <a:buClr>
-                <a:schemeClr val="bg1"/>
-              </a:buClr>
-            </a:pPr>
-            <a:r>
-              <a:rPr lang="en-US" dirty="0">
+              <a:t>закоментировать выбранные </a:t>
+            </a:r>
+            <a:r>
+              <a:rPr lang="ru-RU" sz="2800" dirty="0" smtClean="0">
+                <a:solidFill>
+                  <a:schemeClr val="bg1"/>
+                </a:solidFill>
+              </a:rPr>
+              <a:t>строки</a:t>
+            </a:r>
+          </a:p>
+          <a:p>
+            <a:r>
+              <a:rPr lang="en-US" sz="2800" dirty="0" err="1">
                 <a:solidFill>
                   <a:srgbClr val="F6AE1E"/>
                 </a:solidFill>
               </a:rPr>
-              <a:t>Shift+F12</a:t>
-            </a:r>
-            <a:r>
-              <a:rPr lang="en-US" dirty="0" smtClean="0">
-                <a:solidFill>
-                  <a:schemeClr val="bg1"/>
-                </a:solidFill>
-              </a:rPr>
+              <a:t>Ctrl+K</a:t>
+            </a:r>
+            <a:r>
+              <a:rPr lang="en-US" sz="2800" dirty="0">
+                <a:solidFill>
+                  <a:srgbClr val="F6AE1E"/>
+                </a:solidFill>
+              </a:rPr>
+              <a:t>, </a:t>
+            </a:r>
+            <a:r>
+              <a:rPr lang="en-US" sz="2800" dirty="0" err="1">
+                <a:solidFill>
+                  <a:srgbClr val="F6AE1E"/>
+                </a:solidFill>
+              </a:rPr>
+              <a:t>Ctrl+U</a:t>
+            </a:r>
+            <a:r>
+              <a:rPr lang="en-US" sz="2800" dirty="0"/>
               <a:t> </a:t>
             </a:r>
             <a:r>
-              <a:rPr lang="ru-RU" dirty="0" smtClean="0">
-                <a:solidFill>
-                  <a:schemeClr val="bg1"/>
-                </a:solidFill>
-              </a:rPr>
-              <a:t>найти все места где используется имя</a:t>
-            </a:r>
-          </a:p>
-          <a:p>
-            <a:pPr>
-              <a:buClr>
-                <a:schemeClr val="bg1"/>
-              </a:buClr>
-            </a:pPr>
-            <a:r>
-              <a:rPr lang="en-US" dirty="0">
-                <a:solidFill>
-                  <a:srgbClr val="F6AE1E"/>
-                </a:solidFill>
-              </a:rPr>
-              <a:t>Ctrl+</a:t>
-            </a:r>
-            <a:r>
-              <a:rPr lang="ru-RU" dirty="0">
-                <a:solidFill>
-                  <a:srgbClr val="F6AE1E"/>
-                </a:solidFill>
-              </a:rPr>
-              <a:t>Минус</a:t>
-            </a:r>
-            <a:r>
-              <a:rPr lang="en-US" dirty="0" smtClean="0">
-                <a:solidFill>
-                  <a:schemeClr val="bg1"/>
-                </a:solidFill>
-              </a:rPr>
-              <a:t> </a:t>
-            </a:r>
-            <a:r>
-              <a:rPr lang="ru-RU" dirty="0" smtClean="0">
-                <a:solidFill>
-                  <a:schemeClr val="bg1"/>
-                </a:solidFill>
-              </a:rPr>
-              <a:t>и </a:t>
-            </a:r>
-            <a:r>
-              <a:rPr lang="en-US" dirty="0" err="1" smtClean="0">
-                <a:solidFill>
-                  <a:srgbClr val="F6AE1E"/>
-                </a:solidFill>
-              </a:rPr>
-              <a:t>Shift+Ctrl</a:t>
-            </a:r>
-            <a:r>
-              <a:rPr lang="en-US" dirty="0" smtClean="0">
-                <a:solidFill>
-                  <a:srgbClr val="F6AE1E"/>
-                </a:solidFill>
-              </a:rPr>
-              <a:t>+</a:t>
-            </a:r>
-            <a:r>
-              <a:rPr lang="ru-RU" dirty="0" smtClean="0">
-                <a:solidFill>
-                  <a:srgbClr val="F6AE1E"/>
-                </a:solidFill>
-              </a:rPr>
-              <a:t>Минус</a:t>
-            </a:r>
-            <a:r>
-              <a:rPr lang="en-US" dirty="0" smtClean="0">
-                <a:solidFill>
-                  <a:schemeClr val="bg1"/>
-                </a:solidFill>
-              </a:rPr>
-              <a:t> </a:t>
-            </a:r>
-            <a:r>
-              <a:rPr lang="ru-RU" dirty="0" smtClean="0">
-                <a:solidFill>
-                  <a:schemeClr val="bg1"/>
-                </a:solidFill>
-              </a:rPr>
-              <a:t>навигация «вперед»/«назад»</a:t>
-            </a:r>
-          </a:p>
-          <a:p>
-            <a:pPr>
-              <a:buClr>
-                <a:schemeClr val="bg1"/>
-              </a:buClr>
-            </a:pPr>
-            <a:r>
-              <a:rPr lang="en-US" dirty="0" err="1">
-                <a:solidFill>
-                  <a:srgbClr val="F6AE1E"/>
-                </a:solidFill>
-              </a:rPr>
-              <a:t>Ctrl+Alt</a:t>
-            </a:r>
-            <a:r>
-              <a:rPr lang="en-US" dirty="0">
-                <a:solidFill>
-                  <a:srgbClr val="F6AE1E"/>
-                </a:solidFill>
-              </a:rPr>
-              <a:t>+</a:t>
-            </a:r>
-            <a:r>
-              <a:rPr lang="ru-RU" dirty="0">
-                <a:solidFill>
-                  <a:srgbClr val="F6AE1E"/>
-                </a:solidFill>
-              </a:rPr>
-              <a:t>Стрелка вниз</a:t>
-            </a:r>
-            <a:r>
-              <a:rPr lang="ru-RU" dirty="0" smtClean="0">
-                <a:solidFill>
-                  <a:schemeClr val="bg1"/>
-                </a:solidFill>
-              </a:rPr>
-              <a:t> показать список открытых файлов</a:t>
-            </a:r>
-            <a:endParaRPr lang="en-US" dirty="0" smtClean="0">
-              <a:solidFill>
-                <a:schemeClr val="bg1"/>
-              </a:solidFill>
-            </a:endParaRPr>
-          </a:p>
-          <a:p>
-            <a:pPr>
-              <a:buClr>
-                <a:schemeClr val="bg1"/>
-              </a:buClr>
-            </a:pPr>
-            <a:endParaRPr lang="ru-RU" dirty="0">
-              <a:solidFill>
-                <a:schemeClr val="bg1"/>
-              </a:solidFill>
-            </a:endParaRPr>
-          </a:p>
-          <a:p>
-            <a:pPr marL="0" indent="0">
-              <a:buClr>
-                <a:schemeClr val="bg1"/>
-              </a:buClr>
-              <a:buNone/>
-            </a:pPr>
-            <a:r>
-              <a:rPr lang="en-US" dirty="0">
-                <a:solidFill>
-                  <a:schemeClr val="bg1"/>
-                </a:solidFill>
-                <a:hlinkClick r:id="rId4"/>
-              </a:rPr>
-              <a:t>http://</a:t>
-            </a:r>
-            <a:r>
-              <a:rPr lang="en-US" dirty="0" smtClean="0">
-                <a:solidFill>
-                  <a:schemeClr val="bg1"/>
-                </a:solidFill>
-                <a:hlinkClick r:id="rId4"/>
-              </a:rPr>
-              <a:t>weblogs.asp.net/scottgu/archive/2010/08/24/search-and-navigation-tips-tricks-with-visual-studio.aspx</a:t>
-            </a:r>
-            <a:endParaRPr lang="ru-RU" dirty="0" smtClean="0">
-              <a:solidFill>
-                <a:schemeClr val="bg1"/>
-              </a:solidFill>
-            </a:endParaRPr>
-          </a:p>
-          <a:p>
-            <a:pPr marL="0" indent="0">
-              <a:buClr>
-                <a:schemeClr val="bg1"/>
-              </a:buClr>
-              <a:buNone/>
-            </a:pPr>
-            <a:endParaRPr lang="en-US" dirty="0">
-              <a:solidFill>
-                <a:schemeClr val="bg1"/>
-              </a:solidFill>
-            </a:endParaRPr>
+              <a:rPr lang="ru-RU" sz="2800" dirty="0"/>
+              <a:t>снять коментарий с выбранных строк</a:t>
+            </a:r>
           </a:p>
         </p:txBody>
       </p:sp>
     </p:spTree>
     <p:extLst>
       <p:ext uri="{BB962C8B-B14F-4D97-AF65-F5344CB8AC3E}">
-        <p14:creationId xmlns:p14="http://schemas.microsoft.com/office/powerpoint/2010/main" val="1465218823"/>
+        <p14:creationId xmlns:p14="http://schemas.microsoft.com/office/powerpoint/2010/main" val="4274730761"/>
       </p:ext>
     </p:extLst>
   </p:cSld>
   <p:clrMapOvr>
-    <a:overrideClrMapping bg1="lt1" tx1="dk1" bg2="lt2" tx2="dk2" accent1="accent1" accent2="accent2" accent3="accent3" accent4="accent4" accent5="accent5" accent6="accent6" hlink="hlink" folHlink="folHlink"/>
+    <a:masterClrMapping/>
   </p:clrMapOvr>
-  <p:timing>
-    <p:tnLst>
-      <p:par>
-        <p:cTn id="1" dur="indefinite" restart="never" nodeType="tmRoot"/>
-      </p:par>
-    </p:tnLst>
-  </p:timing>
 </p:sld>
 </file>
 

--- a/Presentation/tools-visual-studio.pptx
+++ b/Presentation/tools-visual-studio.pptx
@@ -6,28 +6,29 @@
     <p:sldMasterId id="2147483663" r:id="rId2"/>
   </p:sldMasterIdLst>
   <p:notesMasterIdLst>
-    <p:notesMasterId r:id="rId22"/>
+    <p:notesMasterId r:id="rId23"/>
   </p:notesMasterIdLst>
   <p:sldIdLst>
     <p:sldId id="257" r:id="rId3"/>
     <p:sldId id="259" r:id="rId4"/>
-    <p:sldId id="264" r:id="rId5"/>
-    <p:sldId id="270" r:id="rId6"/>
-    <p:sldId id="272" r:id="rId7"/>
-    <p:sldId id="275" r:id="rId8"/>
-    <p:sldId id="262" r:id="rId9"/>
-    <p:sldId id="265" r:id="rId10"/>
-    <p:sldId id="277" r:id="rId11"/>
-    <p:sldId id="271" r:id="rId12"/>
-    <p:sldId id="266" r:id="rId13"/>
-    <p:sldId id="269" r:id="rId14"/>
-    <p:sldId id="273" r:id="rId15"/>
-    <p:sldId id="274" r:id="rId16"/>
-    <p:sldId id="267" r:id="rId17"/>
-    <p:sldId id="268" r:id="rId18"/>
-    <p:sldId id="260" r:id="rId19"/>
-    <p:sldId id="261" r:id="rId20"/>
-    <p:sldId id="276" r:id="rId21"/>
+    <p:sldId id="278" r:id="rId5"/>
+    <p:sldId id="264" r:id="rId6"/>
+    <p:sldId id="270" r:id="rId7"/>
+    <p:sldId id="272" r:id="rId8"/>
+    <p:sldId id="275" r:id="rId9"/>
+    <p:sldId id="262" r:id="rId10"/>
+    <p:sldId id="265" r:id="rId11"/>
+    <p:sldId id="277" r:id="rId12"/>
+    <p:sldId id="271" r:id="rId13"/>
+    <p:sldId id="266" r:id="rId14"/>
+    <p:sldId id="269" r:id="rId15"/>
+    <p:sldId id="273" r:id="rId16"/>
+    <p:sldId id="274" r:id="rId17"/>
+    <p:sldId id="267" r:id="rId18"/>
+    <p:sldId id="268" r:id="rId19"/>
+    <p:sldId id="260" r:id="rId20"/>
+    <p:sldId id="261" r:id="rId21"/>
+    <p:sldId id="276" r:id="rId22"/>
   </p:sldIdLst>
   <p:sldSz cx="9144000" cy="6858000" type="screen4x3"/>
   <p:notesSz cx="6858000" cy="9144000"/>
@@ -211,7 +212,7 @@
           <a:p>
             <a:fld id="{B24A7054-7FFB-49F4-A126-5DF6E687FF53}" type="datetimeFigureOut">
               <a:rPr lang="ru-RU" smtClean="0"/>
-              <a:t>26.10.2013</a:t>
+              <a:t>27.10.2013</a:t>
             </a:fld>
             <a:endParaRPr lang="ru-RU"/>
           </a:p>
@@ -1493,7 +1494,7 @@
           <a:p>
             <a:fld id="{8E6E6A2A-E9D3-4A0D-B04A-ABDD367A1E08}" type="datetimeFigureOut">
               <a:rPr lang="ru-RU" smtClean="0"/>
-              <a:t>26.10.2013</a:t>
+              <a:t>27.10.2013</a:t>
             </a:fld>
             <a:endParaRPr lang="ru-RU"/>
           </a:p>
@@ -4006,7 +4007,7 @@
                 </a:solidFill>
               </a:rPr>
               <a:pPr/>
-              <a:t>26.10.2013</a:t>
+              <a:t>27.10.2013</a:t>
             </a:fld>
             <a:endParaRPr lang="ru-RU">
               <a:solidFill>
@@ -5267,7 +5268,7 @@
           <a:p>
             <a:fld id="{AC3D3127-B7C4-45E3-9797-C527EC9FDD78}" type="datetimeFigureOut">
               <a:rPr lang="ru-RU" smtClean="0"/>
-              <a:t>26.10.2013</a:t>
+              <a:t>27.10.2013</a:t>
             </a:fld>
             <a:endParaRPr lang="ru-RU"/>
           </a:p>
@@ -5803,7 +5804,7 @@
                 </a:solidFill>
               </a:rPr>
               <a:pPr/>
-              <a:t>26.10.2013</a:t>
+              <a:t>27.10.2013</a:t>
             </a:fld>
             <a:endParaRPr lang="ru-RU">
               <a:solidFill>
@@ -6427,17 +6428,9 @@
           <a:p>
             <a:r>
               <a:rPr lang="ru-RU" dirty="0" smtClean="0"/>
-              <a:t>Редактор</a:t>
-            </a:r>
-            <a:r>
-              <a:rPr lang="en-US" dirty="0" smtClean="0"/>
-              <a:t>: </a:t>
-            </a:r>
-            <a:r>
-              <a:rPr lang="ru-RU" dirty="0" smtClean="0"/>
-              <a:t>Колоночный режим</a:t>
-            </a:r>
-            <a:endParaRPr lang="en-US" dirty="0"/>
+              <a:t>Редактор: комментарии</a:t>
+            </a:r>
+            <a:endParaRPr lang="ru-RU" dirty="0"/>
           </a:p>
         </p:txBody>
       </p:sp>
@@ -6458,131 +6451,95 @@
           </a:bodyPr>
           <a:lstStyle/>
           <a:p>
-            <a:pPr>
-              <a:buClr>
-                <a:schemeClr val="bg1"/>
-              </a:buClr>
-            </a:pPr>
-            <a:r>
-              <a:rPr lang="en-US" dirty="0" err="1" smtClean="0">
+            <a:r>
+              <a:rPr lang="en-US" sz="2800" dirty="0" err="1">
                 <a:solidFill>
                   <a:srgbClr val="F6AE1E"/>
                 </a:solidFill>
               </a:rPr>
-              <a:t>Shift+Alt+Arrow</a:t>
-            </a:r>
-            <a:r>
-              <a:rPr lang="ru-RU" dirty="0" smtClean="0">
+              <a:t>Ctrl+K</a:t>
+            </a:r>
+            <a:r>
+              <a:rPr lang="en-US" sz="2800" dirty="0">
+                <a:solidFill>
+                  <a:srgbClr val="F6AE1E"/>
+                </a:solidFill>
+              </a:rPr>
+              <a:t>, </a:t>
+            </a:r>
+            <a:r>
+              <a:rPr lang="en-US" sz="2800" dirty="0" err="1">
+                <a:solidFill>
+                  <a:srgbClr val="F6AE1E"/>
+                </a:solidFill>
+              </a:rPr>
+              <a:t>Ctrl+C</a:t>
+            </a:r>
+            <a:r>
+              <a:rPr lang="en-US" sz="2800" dirty="0">
                 <a:solidFill>
                   <a:schemeClr val="bg1"/>
                 </a:solidFill>
               </a:rPr>
-              <a:t> позволяет выделить прямоугольный блок текста</a:t>
-            </a:r>
-          </a:p>
-          <a:p>
-            <a:pPr>
-              <a:buClr>
-                <a:schemeClr val="bg1"/>
-              </a:buClr>
-            </a:pPr>
-            <a:r>
-              <a:rPr lang="en-US" dirty="0">
+              <a:t> </a:t>
+            </a:r>
+            <a:r>
+              <a:rPr lang="ru-RU" sz="2800" dirty="0">
+                <a:solidFill>
+                  <a:schemeClr val="bg1"/>
+                </a:solidFill>
+              </a:rPr>
+              <a:t>закоментировать выбранные </a:t>
+            </a:r>
+            <a:r>
+              <a:rPr lang="ru-RU" sz="2800" dirty="0" smtClean="0">
+                <a:solidFill>
+                  <a:schemeClr val="bg1"/>
+                </a:solidFill>
+              </a:rPr>
+              <a:t>строки</a:t>
+            </a:r>
+          </a:p>
+          <a:p>
+            <a:r>
+              <a:rPr lang="en-US" sz="2800" dirty="0" err="1">
                 <a:solidFill>
                   <a:srgbClr val="F6AE1E"/>
                 </a:solidFill>
               </a:rPr>
-              <a:t>Alt + Left Mouse</a:t>
-            </a:r>
-            <a:r>
-              <a:rPr lang="en-US" dirty="0" smtClean="0">
-                <a:solidFill>
-                  <a:schemeClr val="bg1"/>
-                </a:solidFill>
-              </a:rPr>
-              <a:t> Button </a:t>
-            </a:r>
-            <a:r>
-              <a:rPr lang="ru-RU" dirty="0" smtClean="0">
-                <a:solidFill>
-                  <a:schemeClr val="bg1"/>
-                </a:solidFill>
-              </a:rPr>
-              <a:t>позиционирует курсор за концом строки даже если опция «</a:t>
-            </a:r>
-            <a:r>
-              <a:rPr lang="en-US" dirty="0" smtClean="0">
-                <a:solidFill>
-                  <a:schemeClr val="bg1"/>
-                </a:solidFill>
-              </a:rPr>
-              <a:t>enable virtual space</a:t>
-            </a:r>
-            <a:r>
-              <a:rPr lang="ru-RU" dirty="0" smtClean="0">
-                <a:solidFill>
-                  <a:schemeClr val="bg1"/>
-                </a:solidFill>
-              </a:rPr>
-              <a:t>» выключена</a:t>
-            </a:r>
-          </a:p>
-          <a:p>
-            <a:pPr>
-              <a:buClr>
-                <a:schemeClr val="bg1"/>
-              </a:buClr>
-            </a:pPr>
-            <a:endParaRPr lang="en-US" dirty="0" smtClean="0">
-              <a:solidFill>
-                <a:schemeClr val="bg1"/>
-              </a:solidFill>
-            </a:endParaRPr>
-          </a:p>
-          <a:p>
-            <a:pPr marL="0" indent="0">
-              <a:buClr>
-                <a:schemeClr val="bg1"/>
-              </a:buClr>
-              <a:buNone/>
-            </a:pPr>
-            <a:endParaRPr lang="ru-RU" dirty="0" smtClean="0">
-              <a:solidFill>
-                <a:schemeClr val="bg1"/>
-              </a:solidFill>
-            </a:endParaRPr>
-          </a:p>
-          <a:p>
-            <a:pPr>
-              <a:buClr>
-                <a:schemeClr val="bg1"/>
-              </a:buClr>
-            </a:pPr>
-            <a:endParaRPr lang="ru-RU" dirty="0">
-              <a:solidFill>
-                <a:schemeClr val="bg1"/>
-              </a:solidFill>
-            </a:endParaRPr>
-          </a:p>
-          <a:p>
-            <a:pPr marL="0" indent="0">
-              <a:buClr>
-                <a:schemeClr val="bg1"/>
-              </a:buClr>
-              <a:buNone/>
-            </a:pPr>
-            <a:endParaRPr lang="en-US" dirty="0">
-              <a:solidFill>
-                <a:schemeClr val="bg1"/>
-              </a:solidFill>
-            </a:endParaRPr>
+              <a:t>Ctrl+K</a:t>
+            </a:r>
+            <a:r>
+              <a:rPr lang="en-US" sz="2800" dirty="0">
+                <a:solidFill>
+                  <a:srgbClr val="F6AE1E"/>
+                </a:solidFill>
+              </a:rPr>
+              <a:t>, </a:t>
+            </a:r>
+            <a:r>
+              <a:rPr lang="en-US" sz="2800" dirty="0" err="1">
+                <a:solidFill>
+                  <a:srgbClr val="F6AE1E"/>
+                </a:solidFill>
+              </a:rPr>
+              <a:t>Ctrl+U</a:t>
+            </a:r>
+            <a:r>
+              <a:rPr lang="en-US" sz="2800" dirty="0"/>
+              <a:t> </a:t>
+            </a:r>
+            <a:r>
+              <a:rPr lang="ru-RU" sz="2800" dirty="0"/>
+              <a:t>снять коментарий с выбранных строк</a:t>
+            </a:r>
           </a:p>
         </p:txBody>
       </p:sp>
     </p:spTree>
     <p:extLst>
       <p:ext uri="{BB962C8B-B14F-4D97-AF65-F5344CB8AC3E}">
-        <p14:creationId xmlns:p14="http://schemas.microsoft.com/office/powerpoint/2010/main" val="1998512366"/>
+        <p14:creationId xmlns:p14="http://schemas.microsoft.com/office/powerpoint/2010/main" val="4274730761"/>
       </p:ext>
     </p:extLst>
   </p:cSld>
@@ -6595,20 +6552,6 @@
 <file path=ppt/slides/slide11.xml><?xml version="1.0" encoding="utf-8"?>
 <p:sld xmlns:a="http://schemas.openxmlformats.org/drawingml/2006/main" xmlns:r="http://schemas.openxmlformats.org/officeDocument/2006/relationships" xmlns:p="http://schemas.openxmlformats.org/presentationml/2006/main">
   <p:cSld>
-    <p:bg>
-      <p:bgPr>
-        <a:blipFill dpi="0" rotWithShape="1">
-          <a:blip r:embed="rId3">
-            <a:lum/>
-          </a:blip>
-          <a:srcRect/>
-          <a:stretch>
-            <a:fillRect/>
-          </a:stretch>
-        </a:blipFill>
-        <a:effectLst/>
-      </p:bgPr>
-    </p:bg>
     <p:spTree>
       <p:nvGrpSpPr>
         <p:cNvPr id="1" name=""/>
@@ -6648,7 +6591,7 @@
             </a:r>
             <a:r>
               <a:rPr lang="ru-RU" dirty="0" smtClean="0"/>
-              <a:t>Навигация по коду</a:t>
+              <a:t>Колоночный режим</a:t>
             </a:r>
             <a:endParaRPr lang="en-US" dirty="0"/>
           </a:p>
@@ -6667,7 +6610,7 @@
         <p:spPr/>
         <p:txBody>
           <a:bodyPr>
-            <a:normAutofit fontScale="85000" lnSpcReduction="10000"/>
+            <a:normAutofit/>
           </a:bodyPr>
           <a:lstStyle/>
           <a:p>
@@ -6677,28 +6620,20 @@
               </a:buClr>
             </a:pPr>
             <a:r>
-              <a:rPr lang="en-US" dirty="0" smtClean="0">
+              <a:rPr lang="en-US" dirty="0" err="1" smtClean="0">
                 <a:solidFill>
                   <a:srgbClr val="F6AE1E"/>
                 </a:solidFill>
               </a:rPr>
-              <a:t>F12</a:t>
-            </a:r>
-            <a:r>
-              <a:rPr lang="en-US" dirty="0" smtClean="0">
+              <a:t>Shift+Alt+Arrow</a:t>
+            </a:r>
+            <a:r>
+              <a:rPr lang="ru-RU" dirty="0" smtClean="0">
                 <a:solidFill>
                   <a:schemeClr val="bg1"/>
                 </a:solidFill>
               </a:rPr>
-              <a:t> </a:t>
-            </a:r>
-            <a:r>
-              <a:rPr lang="ru-RU" dirty="0" smtClean="0">
-                <a:solidFill>
-                  <a:schemeClr val="bg1"/>
-                </a:solidFill>
-              </a:rPr>
-              <a:t>перейти к объявлению</a:t>
+              <a:t> позволяет выделить прямоугольный блок текста</a:t>
             </a:r>
           </a:p>
           <a:p>
@@ -6713,7 +6648,7 @@
                   <a:srgbClr val="F6AE1E"/>
                 </a:solidFill>
               </a:rPr>
-              <a:t>Shift+F12</a:t>
+              <a:t>Alt + Left Mouse</a:t>
             </a:r>
             <a:r>
               <a:rPr lang="en-US" dirty="0" smtClean="0">
@@ -6721,7 +6656,7 @@
                   <a:schemeClr val="bg1"/>
                 </a:solidFill>
               </a:rPr>
-              <a:t> </a:t>
+              <a:t> Button </a:t>
             </a:r>
             <a:r>
               <a:rPr lang="ru-RU" dirty="0" smtClean="0">
@@ -6729,7 +6664,23 @@
                   <a:schemeClr val="bg1"/>
                 </a:solidFill>
               </a:rPr>
-              <a:t>найти все места где используется имя</a:t>
+              <a:t>позиционирует курсор за концом строки даже если опция «</a:t>
+            </a:r>
+            <a:r>
+              <a:rPr lang="en-US" dirty="0" smtClean="0">
+                <a:solidFill>
+                  <a:schemeClr val="bg1"/>
+                </a:solidFill>
+              </a:rPr>
+              <a:t>enable virtual space</a:t>
+            </a:r>
+            <a:r>
+              <a:rPr lang="ru-RU" dirty="0" smtClean="0">
+                <a:solidFill>
+                  <a:schemeClr val="bg1"/>
+                </a:solidFill>
+              </a:rPr>
+              <a:t>» выключена</a:t>
             </a:r>
           </a:p>
           <a:p>
@@ -6738,125 +6689,6 @@
                 <a:schemeClr val="bg1"/>
               </a:buClr>
             </a:pPr>
-            <a:r>
-              <a:rPr lang="en-US" dirty="0">
-                <a:solidFill>
-                  <a:srgbClr val="F6AE1E"/>
-                </a:solidFill>
-              </a:rPr>
-              <a:t>Ctrl+</a:t>
-            </a:r>
-            <a:r>
-              <a:rPr lang="ru-RU" dirty="0">
-                <a:solidFill>
-                  <a:srgbClr val="F6AE1E"/>
-                </a:solidFill>
-              </a:rPr>
-              <a:t>Минус</a:t>
-            </a:r>
-            <a:r>
-              <a:rPr lang="en-US" dirty="0" smtClean="0">
-                <a:solidFill>
-                  <a:schemeClr val="bg1"/>
-                </a:solidFill>
-              </a:rPr>
-              <a:t> </a:t>
-            </a:r>
-            <a:r>
-              <a:rPr lang="ru-RU" dirty="0" smtClean="0">
-                <a:solidFill>
-                  <a:schemeClr val="bg1"/>
-                </a:solidFill>
-              </a:rPr>
-              <a:t>и </a:t>
-            </a:r>
-            <a:r>
-              <a:rPr lang="en-US" dirty="0" err="1" smtClean="0">
-                <a:solidFill>
-                  <a:srgbClr val="F6AE1E"/>
-                </a:solidFill>
-              </a:rPr>
-              <a:t>Shift+Ctrl</a:t>
-            </a:r>
-            <a:r>
-              <a:rPr lang="en-US" dirty="0" smtClean="0">
-                <a:solidFill>
-                  <a:srgbClr val="F6AE1E"/>
-                </a:solidFill>
-              </a:rPr>
-              <a:t>+</a:t>
-            </a:r>
-            <a:r>
-              <a:rPr lang="ru-RU" dirty="0" smtClean="0">
-                <a:solidFill>
-                  <a:srgbClr val="F6AE1E"/>
-                </a:solidFill>
-              </a:rPr>
-              <a:t>Минус</a:t>
-            </a:r>
-            <a:r>
-              <a:rPr lang="en-US" dirty="0" smtClean="0">
-                <a:solidFill>
-                  <a:schemeClr val="bg1"/>
-                </a:solidFill>
-              </a:rPr>
-              <a:t> </a:t>
-            </a:r>
-            <a:r>
-              <a:rPr lang="ru-RU" dirty="0" smtClean="0">
-                <a:solidFill>
-                  <a:schemeClr val="bg1"/>
-                </a:solidFill>
-              </a:rPr>
-              <a:t>навигация «вперед»/«назад»</a:t>
-            </a:r>
-          </a:p>
-          <a:p>
-            <a:pPr>
-              <a:buClr>
-                <a:schemeClr val="bg1"/>
-              </a:buClr>
-            </a:pPr>
-            <a:r>
-              <a:rPr lang="en-US" dirty="0" err="1">
-                <a:solidFill>
-                  <a:srgbClr val="F6AE1E"/>
-                </a:solidFill>
-              </a:rPr>
-              <a:t>Ctrl+Alt</a:t>
-            </a:r>
-            <a:r>
-              <a:rPr lang="en-US" dirty="0">
-                <a:solidFill>
-                  <a:srgbClr val="F6AE1E"/>
-                </a:solidFill>
-              </a:rPr>
-              <a:t>+</a:t>
-            </a:r>
-            <a:r>
-              <a:rPr lang="ru-RU" dirty="0">
-                <a:solidFill>
-                  <a:srgbClr val="F6AE1E"/>
-                </a:solidFill>
-              </a:rPr>
-              <a:t>Стрелка вниз</a:t>
-            </a:r>
-            <a:r>
-              <a:rPr lang="ru-RU" dirty="0" smtClean="0">
-                <a:solidFill>
-                  <a:schemeClr val="bg1"/>
-                </a:solidFill>
-              </a:rPr>
-              <a:t> показать список открытых </a:t>
-            </a:r>
-            <a:r>
-              <a:rPr lang="ru-RU" dirty="0" smtClean="0">
-                <a:solidFill>
-                  <a:schemeClr val="bg1"/>
-                </a:solidFill>
-              </a:rPr>
-              <a:t>файлов</a:t>
-            </a:r>
             <a:endParaRPr lang="en-US" dirty="0" smtClean="0">
               <a:solidFill>
                 <a:schemeClr val="bg1"/>
@@ -6864,36 +6696,13 @@
             </a:endParaRPr>
           </a:p>
           <a:p>
-            <a:pPr>
+            <a:pPr marL="0" indent="0">
               <a:buClr>
                 <a:schemeClr val="bg1"/>
               </a:buClr>
+              <a:buNone/>
             </a:pPr>
-            <a:r>
-              <a:rPr lang="en-US" dirty="0" err="1">
-                <a:solidFill>
-                  <a:srgbClr val="F6AE1E"/>
-                </a:solidFill>
-              </a:rPr>
-              <a:t>Ctrl+G</a:t>
-            </a:r>
-            <a:r>
-              <a:rPr lang="en-US" dirty="0">
-                <a:solidFill>
-                  <a:schemeClr val="bg1"/>
-                </a:solidFill>
-              </a:rPr>
-              <a:t> </a:t>
-            </a:r>
-            <a:r>
-              <a:rPr lang="ru-RU" dirty="0">
-                <a:solidFill>
-                  <a:schemeClr val="bg1"/>
-                </a:solidFill>
-              </a:rPr>
-              <a:t>перейти на строку №</a:t>
-            </a:r>
-            <a:endParaRPr lang="en-US" dirty="0" smtClean="0">
+            <a:endParaRPr lang="ru-RU" dirty="0" smtClean="0">
               <a:solidFill>
                 <a:schemeClr val="bg1"/>
               </a:solidFill>
@@ -6918,37 +6727,6 @@
               </a:buClr>
               <a:buNone/>
             </a:pPr>
-            <a:r>
-              <a:rPr lang="en-US" dirty="0">
-                <a:solidFill>
-                  <a:schemeClr val="bg1"/>
-                </a:solidFill>
-                <a:hlinkClick r:id="rId4"/>
-              </a:rPr>
-              <a:t>http://</a:t>
-            </a:r>
-            <a:r>
-              <a:rPr lang="en-US" dirty="0" smtClean="0">
-                <a:solidFill>
-                  <a:schemeClr val="bg1"/>
-                </a:solidFill>
-                <a:hlinkClick r:id="rId4"/>
-              </a:rPr>
-              <a:t>weblogs.asp.net/scottgu/archive/2010/08/24/search-and-navigation-tips-tricks-with-visual-studio.aspx</a:t>
-            </a:r>
-            <a:endParaRPr lang="ru-RU" dirty="0" smtClean="0">
-              <a:solidFill>
-                <a:schemeClr val="bg1"/>
-              </a:solidFill>
-            </a:endParaRPr>
-          </a:p>
-          <a:p>
-            <a:pPr marL="0" indent="0">
-              <a:buClr>
-                <a:schemeClr val="bg1"/>
-              </a:buClr>
-              <a:buNone/>
-            </a:pPr>
             <a:endParaRPr lang="en-US" dirty="0">
               <a:solidFill>
                 <a:schemeClr val="bg1"/>
@@ -6960,20 +6738,13 @@
     </p:spTree>
     <p:extLst>
       <p:ext uri="{BB962C8B-B14F-4D97-AF65-F5344CB8AC3E}">
-        <p14:creationId xmlns:p14="http://schemas.microsoft.com/office/powerpoint/2010/main" val="1465218823"/>
+        <p14:creationId xmlns:p14="http://schemas.microsoft.com/office/powerpoint/2010/main" val="1998512366"/>
       </p:ext>
     </p:extLst>
   </p:cSld>
   <p:clrMapOvr>
-    <a:overrideClrMapping bg1="lt1" tx1="dk1" bg2="lt2" tx2="dk2" accent1="accent1" accent2="accent2" accent3="accent3" accent4="accent4" accent5="accent5" accent6="accent6" hlink="hlink" folHlink="folHlink"/>
+    <a:masterClrMapping/>
   </p:clrMapOvr>
-  <p:timing>
-    <p:tnLst>
-      <p:par>
-        <p:cTn id="1" dur="indefinite" restart="never" nodeType="tmRoot"/>
-      </p:par>
-    </p:tnLst>
-  </p:timing>
 </p:sld>
 </file>
 
@@ -7052,6 +6823,383 @@
         <p:spPr/>
         <p:txBody>
           <a:bodyPr>
+            <a:normAutofit fontScale="85000" lnSpcReduction="10000"/>
+          </a:bodyPr>
+          <a:lstStyle/>
+          <a:p>
+            <a:pPr>
+              <a:buClr>
+                <a:schemeClr val="bg1"/>
+              </a:buClr>
+            </a:pPr>
+            <a:r>
+              <a:rPr lang="en-US" dirty="0" smtClean="0">
+                <a:solidFill>
+                  <a:srgbClr val="F6AE1E"/>
+                </a:solidFill>
+              </a:rPr>
+              <a:t>F12</a:t>
+            </a:r>
+            <a:r>
+              <a:rPr lang="en-US" dirty="0" smtClean="0">
+                <a:solidFill>
+                  <a:schemeClr val="bg1"/>
+                </a:solidFill>
+              </a:rPr>
+              <a:t> </a:t>
+            </a:r>
+            <a:r>
+              <a:rPr lang="ru-RU" dirty="0" smtClean="0">
+                <a:solidFill>
+                  <a:schemeClr val="bg1"/>
+                </a:solidFill>
+              </a:rPr>
+              <a:t>перейти к объявлению</a:t>
+            </a:r>
+          </a:p>
+          <a:p>
+            <a:pPr>
+              <a:buClr>
+                <a:schemeClr val="bg1"/>
+              </a:buClr>
+            </a:pPr>
+            <a:r>
+              <a:rPr lang="en-US" dirty="0">
+                <a:solidFill>
+                  <a:srgbClr val="F6AE1E"/>
+                </a:solidFill>
+              </a:rPr>
+              <a:t>Shift+F12</a:t>
+            </a:r>
+            <a:r>
+              <a:rPr lang="en-US" dirty="0" smtClean="0">
+                <a:solidFill>
+                  <a:schemeClr val="bg1"/>
+                </a:solidFill>
+              </a:rPr>
+              <a:t> </a:t>
+            </a:r>
+            <a:r>
+              <a:rPr lang="ru-RU" dirty="0" smtClean="0">
+                <a:solidFill>
+                  <a:schemeClr val="bg1"/>
+                </a:solidFill>
+              </a:rPr>
+              <a:t>найти все места где используется имя</a:t>
+            </a:r>
+          </a:p>
+          <a:p>
+            <a:pPr>
+              <a:buClr>
+                <a:schemeClr val="bg1"/>
+              </a:buClr>
+            </a:pPr>
+            <a:r>
+              <a:rPr lang="en-US" dirty="0">
+                <a:solidFill>
+                  <a:srgbClr val="F6AE1E"/>
+                </a:solidFill>
+              </a:rPr>
+              <a:t>Ctrl+</a:t>
+            </a:r>
+            <a:r>
+              <a:rPr lang="ru-RU" dirty="0">
+                <a:solidFill>
+                  <a:srgbClr val="F6AE1E"/>
+                </a:solidFill>
+              </a:rPr>
+              <a:t>Минус</a:t>
+            </a:r>
+            <a:r>
+              <a:rPr lang="en-US" dirty="0" smtClean="0">
+                <a:solidFill>
+                  <a:schemeClr val="bg1"/>
+                </a:solidFill>
+              </a:rPr>
+              <a:t> </a:t>
+            </a:r>
+            <a:r>
+              <a:rPr lang="ru-RU" dirty="0" smtClean="0">
+                <a:solidFill>
+                  <a:schemeClr val="bg1"/>
+                </a:solidFill>
+              </a:rPr>
+              <a:t>и </a:t>
+            </a:r>
+            <a:r>
+              <a:rPr lang="en-US" dirty="0" err="1" smtClean="0">
+                <a:solidFill>
+                  <a:srgbClr val="F6AE1E"/>
+                </a:solidFill>
+              </a:rPr>
+              <a:t>Shift+Ctrl</a:t>
+            </a:r>
+            <a:r>
+              <a:rPr lang="en-US" dirty="0" smtClean="0">
+                <a:solidFill>
+                  <a:srgbClr val="F6AE1E"/>
+                </a:solidFill>
+              </a:rPr>
+              <a:t>+</a:t>
+            </a:r>
+            <a:r>
+              <a:rPr lang="ru-RU" dirty="0" smtClean="0">
+                <a:solidFill>
+                  <a:srgbClr val="F6AE1E"/>
+                </a:solidFill>
+              </a:rPr>
+              <a:t>Минус</a:t>
+            </a:r>
+            <a:r>
+              <a:rPr lang="en-US" dirty="0" smtClean="0">
+                <a:solidFill>
+                  <a:schemeClr val="bg1"/>
+                </a:solidFill>
+              </a:rPr>
+              <a:t> </a:t>
+            </a:r>
+            <a:r>
+              <a:rPr lang="ru-RU" dirty="0" smtClean="0">
+                <a:solidFill>
+                  <a:schemeClr val="bg1"/>
+                </a:solidFill>
+              </a:rPr>
+              <a:t>навигация «вперед»/«назад»</a:t>
+            </a:r>
+          </a:p>
+          <a:p>
+            <a:pPr>
+              <a:buClr>
+                <a:schemeClr val="bg1"/>
+              </a:buClr>
+            </a:pPr>
+            <a:r>
+              <a:rPr lang="en-US" dirty="0" err="1">
+                <a:solidFill>
+                  <a:srgbClr val="F6AE1E"/>
+                </a:solidFill>
+              </a:rPr>
+              <a:t>Ctrl+Alt</a:t>
+            </a:r>
+            <a:r>
+              <a:rPr lang="en-US" dirty="0">
+                <a:solidFill>
+                  <a:srgbClr val="F6AE1E"/>
+                </a:solidFill>
+              </a:rPr>
+              <a:t>+</a:t>
+            </a:r>
+            <a:r>
+              <a:rPr lang="ru-RU" dirty="0">
+                <a:solidFill>
+                  <a:srgbClr val="F6AE1E"/>
+                </a:solidFill>
+              </a:rPr>
+              <a:t>Стрелка вниз</a:t>
+            </a:r>
+            <a:r>
+              <a:rPr lang="ru-RU" dirty="0" smtClean="0">
+                <a:solidFill>
+                  <a:schemeClr val="bg1"/>
+                </a:solidFill>
+              </a:rPr>
+              <a:t> показать список открытых файлов</a:t>
+            </a:r>
+            <a:endParaRPr lang="en-US" dirty="0" smtClean="0">
+              <a:solidFill>
+                <a:schemeClr val="bg1"/>
+              </a:solidFill>
+            </a:endParaRPr>
+          </a:p>
+          <a:p>
+            <a:pPr>
+              <a:buClr>
+                <a:schemeClr val="bg1"/>
+              </a:buClr>
+            </a:pPr>
+            <a:r>
+              <a:rPr lang="en-US" dirty="0" err="1">
+                <a:solidFill>
+                  <a:srgbClr val="F6AE1E"/>
+                </a:solidFill>
+              </a:rPr>
+              <a:t>Ctrl+G</a:t>
+            </a:r>
+            <a:r>
+              <a:rPr lang="en-US" dirty="0">
+                <a:solidFill>
+                  <a:schemeClr val="bg1"/>
+                </a:solidFill>
+              </a:rPr>
+              <a:t> </a:t>
+            </a:r>
+            <a:r>
+              <a:rPr lang="ru-RU" dirty="0">
+                <a:solidFill>
+                  <a:schemeClr val="bg1"/>
+                </a:solidFill>
+              </a:rPr>
+              <a:t>перейти на строку №</a:t>
+            </a:r>
+            <a:endParaRPr lang="en-US" dirty="0" smtClean="0">
+              <a:solidFill>
+                <a:schemeClr val="bg1"/>
+              </a:solidFill>
+            </a:endParaRPr>
+          </a:p>
+          <a:p>
+            <a:pPr>
+              <a:buClr>
+                <a:schemeClr val="bg1"/>
+              </a:buClr>
+            </a:pPr>
+            <a:endParaRPr lang="ru-RU" dirty="0">
+              <a:solidFill>
+                <a:schemeClr val="bg1"/>
+              </a:solidFill>
+            </a:endParaRPr>
+          </a:p>
+          <a:p>
+            <a:pPr marL="0" indent="0">
+              <a:buClr>
+                <a:schemeClr val="bg1"/>
+              </a:buClr>
+              <a:buNone/>
+            </a:pPr>
+            <a:r>
+              <a:rPr lang="en-US" dirty="0">
+                <a:solidFill>
+                  <a:schemeClr val="bg1"/>
+                </a:solidFill>
+                <a:hlinkClick r:id="rId4"/>
+              </a:rPr>
+              <a:t>http://</a:t>
+            </a:r>
+            <a:r>
+              <a:rPr lang="en-US" dirty="0" smtClean="0">
+                <a:solidFill>
+                  <a:schemeClr val="bg1"/>
+                </a:solidFill>
+                <a:hlinkClick r:id="rId4"/>
+              </a:rPr>
+              <a:t>weblogs.asp.net/scottgu/archive/2010/08/24/search-and-navigation-tips-tricks-with-visual-studio.aspx</a:t>
+            </a:r>
+            <a:endParaRPr lang="ru-RU" dirty="0" smtClean="0">
+              <a:solidFill>
+                <a:schemeClr val="bg1"/>
+              </a:solidFill>
+            </a:endParaRPr>
+          </a:p>
+          <a:p>
+            <a:pPr marL="0" indent="0">
+              <a:buClr>
+                <a:schemeClr val="bg1"/>
+              </a:buClr>
+              <a:buNone/>
+            </a:pPr>
+            <a:endParaRPr lang="en-US" dirty="0">
+              <a:solidFill>
+                <a:schemeClr val="bg1"/>
+              </a:solidFill>
+            </a:endParaRPr>
+          </a:p>
+        </p:txBody>
+      </p:sp>
+    </p:spTree>
+    <p:extLst>
+      <p:ext uri="{BB962C8B-B14F-4D97-AF65-F5344CB8AC3E}">
+        <p14:creationId xmlns:p14="http://schemas.microsoft.com/office/powerpoint/2010/main" val="1465218823"/>
+      </p:ext>
+    </p:extLst>
+  </p:cSld>
+  <p:clrMapOvr>
+    <a:overrideClrMapping bg1="lt1" tx1="dk1" bg2="lt2" tx2="dk2" accent1="accent1" accent2="accent2" accent3="accent3" accent4="accent4" accent5="accent5" accent6="accent6" hlink="hlink" folHlink="folHlink"/>
+  </p:clrMapOvr>
+  <p:timing>
+    <p:tnLst>
+      <p:par>
+        <p:cTn id="1" dur="indefinite" restart="never" nodeType="tmRoot"/>
+      </p:par>
+    </p:tnLst>
+  </p:timing>
+</p:sld>
+</file>
+
+<file path=ppt/slides/slide13.xml><?xml version="1.0" encoding="utf-8"?>
+<p:sld xmlns:a="http://schemas.openxmlformats.org/drawingml/2006/main" xmlns:r="http://schemas.openxmlformats.org/officeDocument/2006/relationships" xmlns:p="http://schemas.openxmlformats.org/presentationml/2006/main">
+  <p:cSld>
+    <p:bg>
+      <p:bgPr>
+        <a:blipFill dpi="0" rotWithShape="1">
+          <a:blip r:embed="rId3">
+            <a:lum/>
+          </a:blip>
+          <a:srcRect/>
+          <a:stretch>
+            <a:fillRect/>
+          </a:stretch>
+        </a:blipFill>
+        <a:effectLst/>
+      </p:bgPr>
+    </p:bg>
+    <p:spTree>
+      <p:nvGrpSpPr>
+        <p:cNvPr id="1" name=""/>
+        <p:cNvGrpSpPr/>
+        <p:nvPr/>
+      </p:nvGrpSpPr>
+      <p:grpSpPr>
+        <a:xfrm>
+          <a:off x="0" y="0"/>
+          <a:ext cx="0" cy="0"/>
+          <a:chOff x="0" y="0"/>
+          <a:chExt cx="0" cy="0"/>
+        </a:xfrm>
+      </p:grpSpPr>
+      <p:sp>
+        <p:nvSpPr>
+          <p:cNvPr id="2" name="Title 1"/>
+          <p:cNvSpPr>
+            <a:spLocks noGrp="1"/>
+          </p:cNvSpPr>
+          <p:nvPr>
+            <p:ph type="title"/>
+          </p:nvPr>
+        </p:nvSpPr>
+        <p:spPr/>
+        <p:txBody>
+          <a:bodyPr/>
+          <a:lstStyle/>
+          <a:p>
+            <a:r>
+              <a:rPr lang="ru-RU" dirty="0" smtClean="0"/>
+              <a:t>Редактор</a:t>
+            </a:r>
+            <a:r>
+              <a:rPr lang="en-US" dirty="0" smtClean="0"/>
+              <a:t>: </a:t>
+            </a:r>
+            <a:r>
+              <a:rPr lang="ru-RU" dirty="0" smtClean="0"/>
+              <a:t>Навигация по коду</a:t>
+            </a:r>
+            <a:endParaRPr lang="en-US" dirty="0"/>
+          </a:p>
+        </p:txBody>
+      </p:sp>
+      <p:sp>
+        <p:nvSpPr>
+          <p:cNvPr id="3" name="Content Placeholder 2"/>
+          <p:cNvSpPr>
+            <a:spLocks noGrp="1"/>
+          </p:cNvSpPr>
+          <p:nvPr>
+            <p:ph idx="1"/>
+          </p:nvPr>
+        </p:nvSpPr>
+        <p:spPr/>
+        <p:txBody>
+          <a:bodyPr>
             <a:normAutofit/>
           </a:bodyPr>
           <a:lstStyle/>
@@ -7197,7 +7345,7 @@
 </p:sld>
 </file>
 
-<file path=ppt/slides/slide13.xml><?xml version="1.0" encoding="utf-8"?>
+<file path=ppt/slides/slide14.xml><?xml version="1.0" encoding="utf-8"?>
 <p:sld xmlns:a="http://schemas.openxmlformats.org/drawingml/2006/main" xmlns:r="http://schemas.openxmlformats.org/officeDocument/2006/relationships" xmlns:p="http://schemas.openxmlformats.org/presentationml/2006/main">
   <p:cSld>
     <p:spTree>
@@ -7455,7 +7603,7 @@
 </p:sld>
 </file>
 
-<file path=ppt/slides/slide14.xml><?xml version="1.0" encoding="utf-8"?>
+<file path=ppt/slides/slide15.xml><?xml version="1.0" encoding="utf-8"?>
 <p:sld xmlns:a="http://schemas.openxmlformats.org/drawingml/2006/main" xmlns:r="http://schemas.openxmlformats.org/officeDocument/2006/relationships" xmlns:p="http://schemas.openxmlformats.org/presentationml/2006/main">
   <p:cSld>
     <p:spTree>
@@ -8712,203 +8860,6 @@
 </p:sld>
 </file>
 
-<file path=ppt/slides/slide15.xml><?xml version="1.0" encoding="utf-8"?>
-<p:sld xmlns:a="http://schemas.openxmlformats.org/drawingml/2006/main" xmlns:r="http://schemas.openxmlformats.org/officeDocument/2006/relationships" xmlns:p="http://schemas.openxmlformats.org/presentationml/2006/main">
-  <p:cSld>
-    <p:bg>
-      <p:bgPr>
-        <a:blipFill dpi="0" rotWithShape="1">
-          <a:blip r:embed="rId3">
-            <a:lum/>
-          </a:blip>
-          <a:srcRect/>
-          <a:stretch>
-            <a:fillRect/>
-          </a:stretch>
-        </a:blipFill>
-        <a:effectLst/>
-      </p:bgPr>
-    </p:bg>
-    <p:spTree>
-      <p:nvGrpSpPr>
-        <p:cNvPr id="1" name=""/>
-        <p:cNvGrpSpPr/>
-        <p:nvPr/>
-      </p:nvGrpSpPr>
-      <p:grpSpPr>
-        <a:xfrm>
-          <a:off x="0" y="0"/>
-          <a:ext cx="0" cy="0"/>
-          <a:chOff x="0" y="0"/>
-          <a:chExt cx="0" cy="0"/>
-        </a:xfrm>
-      </p:grpSpPr>
-      <p:sp>
-        <p:nvSpPr>
-          <p:cNvPr id="2" name="Title 1"/>
-          <p:cNvSpPr>
-            <a:spLocks noGrp="1"/>
-          </p:cNvSpPr>
-          <p:nvPr>
-            <p:ph type="title"/>
-          </p:nvPr>
-        </p:nvSpPr>
-        <p:spPr/>
-        <p:txBody>
-          <a:bodyPr/>
-          <a:lstStyle/>
-          <a:p>
-            <a:r>
-              <a:rPr lang="ru-RU" dirty="0" smtClean="0"/>
-              <a:t>Окна: </a:t>
-            </a:r>
-            <a:r>
-              <a:rPr lang="en-US" dirty="0" smtClean="0"/>
-              <a:t>Bookmarks</a:t>
-            </a:r>
-            <a:endParaRPr lang="en-US" dirty="0"/>
-          </a:p>
-        </p:txBody>
-      </p:sp>
-      <p:sp>
-        <p:nvSpPr>
-          <p:cNvPr id="3" name="Content Placeholder 2"/>
-          <p:cNvSpPr>
-            <a:spLocks noGrp="1"/>
-          </p:cNvSpPr>
-          <p:nvPr>
-            <p:ph idx="1"/>
-          </p:nvPr>
-        </p:nvSpPr>
-        <p:spPr/>
-        <p:txBody>
-          <a:bodyPr>
-            <a:normAutofit/>
-          </a:bodyPr>
-          <a:lstStyle/>
-          <a:p>
-            <a:pPr>
-              <a:buClr>
-                <a:schemeClr val="bg1"/>
-              </a:buClr>
-            </a:pPr>
-            <a:r>
-              <a:rPr lang="ru-RU" dirty="0">
-                <a:solidFill>
-                  <a:schemeClr val="bg1"/>
-                </a:solidFill>
-              </a:rPr>
-              <a:t>Закладки в текстовых файлах</a:t>
-            </a:r>
-            <a:endParaRPr lang="en-US" dirty="0" smtClean="0">
-              <a:solidFill>
-                <a:schemeClr val="bg1"/>
-              </a:solidFill>
-            </a:endParaRPr>
-          </a:p>
-          <a:p>
-            <a:pPr>
-              <a:buClr>
-                <a:schemeClr val="bg1"/>
-              </a:buClr>
-            </a:pPr>
-            <a:r>
-              <a:rPr lang="ru-RU" dirty="0" smtClean="0">
-                <a:solidFill>
-                  <a:schemeClr val="bg1"/>
-                </a:solidFill>
-              </a:rPr>
-              <a:t>Команды меню </a:t>
-            </a:r>
-            <a:r>
-              <a:rPr lang="en-US" dirty="0" smtClean="0">
-                <a:solidFill>
-                  <a:schemeClr val="bg1"/>
-                </a:solidFill>
-              </a:rPr>
-              <a:t>View -&gt; Bookmark Window</a:t>
-            </a:r>
-            <a:r>
-              <a:rPr lang="ru-RU" dirty="0" smtClean="0">
-                <a:solidFill>
-                  <a:schemeClr val="bg1"/>
-                </a:solidFill>
-              </a:rPr>
-              <a:t> и </a:t>
-            </a:r>
-            <a:r>
-              <a:rPr lang="en-US" dirty="0" smtClean="0">
-                <a:solidFill>
-                  <a:schemeClr val="bg1"/>
-                </a:solidFill>
-              </a:rPr>
-              <a:t>Edit -&gt; Bookmarks.</a:t>
-            </a:r>
-          </a:p>
-          <a:p>
-            <a:pPr>
-              <a:buClr>
-                <a:schemeClr val="bg1"/>
-              </a:buClr>
-            </a:pPr>
-            <a:endParaRPr lang="ru-RU" dirty="0" smtClean="0">
-              <a:solidFill>
-                <a:schemeClr val="bg1"/>
-              </a:solidFill>
-            </a:endParaRPr>
-          </a:p>
-          <a:p>
-            <a:pPr>
-              <a:buClr>
-                <a:schemeClr val="bg1"/>
-              </a:buClr>
-            </a:pPr>
-            <a:endParaRPr lang="ru-RU" dirty="0" smtClean="0">
-              <a:solidFill>
-                <a:schemeClr val="bg1"/>
-              </a:solidFill>
-            </a:endParaRPr>
-          </a:p>
-          <a:p>
-            <a:pPr>
-              <a:buClr>
-                <a:schemeClr val="bg1"/>
-              </a:buClr>
-            </a:pPr>
-            <a:endParaRPr lang="ru-RU" dirty="0" smtClean="0">
-              <a:solidFill>
-                <a:schemeClr val="bg1"/>
-              </a:solidFill>
-            </a:endParaRPr>
-          </a:p>
-          <a:p>
-            <a:pPr marL="0" indent="0">
-              <a:buClr>
-                <a:schemeClr val="bg1"/>
-              </a:buClr>
-              <a:buNone/>
-            </a:pPr>
-            <a:endParaRPr lang="en-US" dirty="0">
-              <a:solidFill>
-                <a:schemeClr val="bg1"/>
-              </a:solidFill>
-            </a:endParaRPr>
-          </a:p>
-        </p:txBody>
-      </p:sp>
-    </p:spTree>
-    <p:extLst>
-      <p:ext uri="{BB962C8B-B14F-4D97-AF65-F5344CB8AC3E}">
-        <p14:creationId xmlns:p14="http://schemas.microsoft.com/office/powerpoint/2010/main" val="3985499755"/>
-      </p:ext>
-    </p:extLst>
-  </p:cSld>
-  <p:clrMapOvr>
-    <a:overrideClrMapping bg1="lt1" tx1="dk1" bg2="lt2" tx2="dk2" accent1="accent1" accent2="accent2" accent3="accent3" accent4="accent4" accent5="accent5" accent6="accent6" hlink="hlink" folHlink="folHlink"/>
-  </p:clrMapOvr>
-</p:sld>
-</file>
-
 <file path=ppt/slides/slide16.xml><?xml version="1.0" encoding="utf-8"?>
 <p:sld xmlns:a="http://schemas.openxmlformats.org/drawingml/2006/main" xmlns:r="http://schemas.openxmlformats.org/officeDocument/2006/relationships" xmlns:p="http://schemas.openxmlformats.org/presentationml/2006/main">
   <p:cSld>
@@ -8961,7 +8912,7 @@
             </a:r>
             <a:r>
               <a:rPr lang="en-US" dirty="0" smtClean="0"/>
-              <a:t>Task List</a:t>
+              <a:t>Bookmarks</a:t>
             </a:r>
             <a:endParaRPr lang="en-US" dirty="0"/>
           </a:p>
@@ -8995,7 +8946,7 @@
                   <a:schemeClr val="bg1"/>
                 </a:solidFill>
               </a:rPr>
-              <a:t>Список можно использовать для хранения заметок по проекту</a:t>
+              <a:t>Закладки в текстовых файлах</a:t>
             </a:r>
             <a:endParaRPr lang="en-US" dirty="0" smtClean="0">
               <a:solidFill>
@@ -9015,7 +8966,7 @@
                   <a:schemeClr val="bg1"/>
                 </a:solidFill>
               </a:rPr>
-              <a:t>Команда меню </a:t>
+              <a:t>Команды меню </a:t>
             </a:r>
             <a:r>
               <a:rPr lang="en-US" dirty="0" smtClean="0">
@@ -9023,15 +8974,15 @@
                   <a:schemeClr val="bg1"/>
                 </a:solidFill>
               </a:rPr>
-              <a:t>View -&gt; </a:t>
-            </a:r>
-            <a:r>
-              <a:rPr lang="en-US" dirty="0">
+              <a:t>View -&gt; Bookmark Window</a:t>
+            </a:r>
+            <a:r>
+              <a:rPr lang="ru-RU" dirty="0" smtClean="0">
                 <a:solidFill>
                   <a:schemeClr val="bg1"/>
                 </a:solidFill>
               </a:rPr>
-              <a:t>Task </a:t>
+              <a:t> и </a:t>
             </a:r>
             <a:r>
               <a:rPr lang="en-US" dirty="0" smtClean="0">
@@ -9039,7 +8990,7 @@
                   <a:schemeClr val="bg1"/>
                 </a:solidFill>
               </a:rPr>
-              <a:t>List.</a:t>
+              <a:t>Edit -&gt; Bookmarks.</a:t>
             </a:r>
           </a:p>
           <a:p>
@@ -9048,46 +8999,35 @@
                 <a:schemeClr val="bg1"/>
               </a:buClr>
             </a:pPr>
-            <a:r>
-              <a:rPr lang="ru-RU" dirty="0" smtClean="0">
-                <a:solidFill>
-                  <a:schemeClr val="bg1"/>
-                </a:solidFill>
-              </a:rPr>
-              <a:t>Текст комментария написанный после </a:t>
-            </a:r>
-            <a:r>
-              <a:rPr lang="en-US" dirty="0" smtClean="0">
-                <a:solidFill>
-                  <a:schemeClr val="bg1"/>
-                </a:solidFill>
-              </a:rPr>
-              <a:t>TODO </a:t>
-            </a:r>
-            <a:r>
-              <a:rPr lang="ru-RU" dirty="0" smtClean="0">
-                <a:solidFill>
-                  <a:schemeClr val="bg1"/>
-                </a:solidFill>
-              </a:rPr>
-              <a:t>попадает в</a:t>
-            </a:r>
-            <a:r>
-              <a:rPr lang="en-US" dirty="0" smtClean="0">
-                <a:solidFill>
-                  <a:schemeClr val="bg1"/>
-                </a:solidFill>
-              </a:rPr>
-              <a:t> </a:t>
-            </a:r>
-            <a:r>
-              <a:rPr lang="ru-RU" dirty="0" smtClean="0">
-                <a:solidFill>
-                  <a:schemeClr val="bg1"/>
-                </a:solidFill>
-              </a:rPr>
-              <a:t>него автоматически</a:t>
-            </a:r>
+            <a:endParaRPr lang="ru-RU" dirty="0" smtClean="0">
+              <a:solidFill>
+                <a:schemeClr val="bg1"/>
+              </a:solidFill>
+            </a:endParaRPr>
+          </a:p>
+          <a:p>
+            <a:pPr>
+              <a:buClr>
+                <a:schemeClr val="bg1"/>
+              </a:buClr>
+            </a:pPr>
+            <a:endParaRPr lang="ru-RU" dirty="0" smtClean="0">
+              <a:solidFill>
+                <a:schemeClr val="bg1"/>
+              </a:solidFill>
+            </a:endParaRPr>
+          </a:p>
+          <a:p>
+            <a:pPr>
+              <a:buClr>
+                <a:schemeClr val="bg1"/>
+              </a:buClr>
+            </a:pPr>
+            <a:endParaRPr lang="ru-RU" dirty="0" smtClean="0">
+              <a:solidFill>
+                <a:schemeClr val="bg1"/>
+              </a:solidFill>
+            </a:endParaRPr>
           </a:p>
           <a:p>
             <a:pPr marL="0" indent="0">
@@ -9107,7 +9047,7 @@
     </p:spTree>
     <p:extLst>
       <p:ext uri="{BB962C8B-B14F-4D97-AF65-F5344CB8AC3E}">
-        <p14:creationId xmlns:p14="http://schemas.microsoft.com/office/powerpoint/2010/main" val="1384232909"/>
+        <p14:creationId xmlns:p14="http://schemas.microsoft.com/office/powerpoint/2010/main" val="3985499755"/>
       </p:ext>
     </p:extLst>
   </p:cSld>
@@ -9118,746 +9058,6 @@
 </file>
 
 <file path=ppt/slides/slide17.xml><?xml version="1.0" encoding="utf-8"?>
-<p:sld xmlns:a="http://schemas.openxmlformats.org/drawingml/2006/main" xmlns:r="http://schemas.openxmlformats.org/officeDocument/2006/relationships" xmlns:p="http://schemas.openxmlformats.org/presentationml/2006/main">
-  <p:cSld>
-    <p:spTree>
-      <p:nvGrpSpPr>
-        <p:cNvPr id="1" name=""/>
-        <p:cNvGrpSpPr/>
-        <p:nvPr/>
-      </p:nvGrpSpPr>
-      <p:grpSpPr>
-        <a:xfrm>
-          <a:off x="0" y="0"/>
-          <a:ext cx="0" cy="0"/>
-          <a:chOff x="0" y="0"/>
-          <a:chExt cx="0" cy="0"/>
-        </a:xfrm>
-      </p:grpSpPr>
-      <p:sp>
-        <p:nvSpPr>
-          <p:cNvPr id="2" name="Title 1"/>
-          <p:cNvSpPr>
-            <a:spLocks noGrp="1"/>
-          </p:cNvSpPr>
-          <p:nvPr>
-            <p:ph type="title"/>
-          </p:nvPr>
-        </p:nvSpPr>
-        <p:spPr/>
-        <p:txBody>
-          <a:bodyPr/>
-          <a:lstStyle/>
-          <a:p>
-            <a:r>
-              <a:rPr lang="ru-RU" dirty="0" smtClean="0"/>
-              <a:t>Отладчик</a:t>
-            </a:r>
-            <a:endParaRPr lang="en-US" dirty="0"/>
-          </a:p>
-        </p:txBody>
-      </p:sp>
-      <p:sp>
-        <p:nvSpPr>
-          <p:cNvPr id="3" name="Content Placeholder 2"/>
-          <p:cNvSpPr>
-            <a:spLocks noGrp="1"/>
-          </p:cNvSpPr>
-          <p:nvPr>
-            <p:ph idx="1"/>
-          </p:nvPr>
-        </p:nvSpPr>
-        <p:spPr/>
-        <p:txBody>
-          <a:bodyPr/>
-          <a:lstStyle/>
-          <a:p>
-            <a:endParaRPr lang="en-US" dirty="0"/>
-          </a:p>
-        </p:txBody>
-      </p:sp>
-    </p:spTree>
-    <p:extLst>
-      <p:ext uri="{BB962C8B-B14F-4D97-AF65-F5344CB8AC3E}">
-        <p14:creationId xmlns:p14="http://schemas.microsoft.com/office/powerpoint/2010/main" val="1495295926"/>
-      </p:ext>
-    </p:extLst>
-  </p:cSld>
-  <p:clrMapOvr>
-    <a:masterClrMapping/>
-  </p:clrMapOvr>
-</p:sld>
-</file>
-
-<file path=ppt/slides/slide18.xml><?xml version="1.0" encoding="utf-8"?>
-<p:sld xmlns:a="http://schemas.openxmlformats.org/drawingml/2006/main" xmlns:r="http://schemas.openxmlformats.org/officeDocument/2006/relationships" xmlns:p="http://schemas.openxmlformats.org/presentationml/2006/main">
-  <p:cSld>
-    <p:spTree>
-      <p:nvGrpSpPr>
-        <p:cNvPr id="1" name=""/>
-        <p:cNvGrpSpPr/>
-        <p:nvPr/>
-      </p:nvGrpSpPr>
-      <p:grpSpPr>
-        <a:xfrm>
-          <a:off x="0" y="0"/>
-          <a:ext cx="0" cy="0"/>
-          <a:chOff x="0" y="0"/>
-          <a:chExt cx="0" cy="0"/>
-        </a:xfrm>
-      </p:grpSpPr>
-      <p:sp>
-        <p:nvSpPr>
-          <p:cNvPr id="2" name="Title 1"/>
-          <p:cNvSpPr>
-            <a:spLocks noGrp="1"/>
-          </p:cNvSpPr>
-          <p:nvPr>
-            <p:ph type="title"/>
-          </p:nvPr>
-        </p:nvSpPr>
-        <p:spPr/>
-        <p:txBody>
-          <a:bodyPr/>
-          <a:lstStyle/>
-          <a:p>
-            <a:r>
-              <a:rPr lang="ru-RU" dirty="0" smtClean="0"/>
-              <a:t>Бесплатные расширения </a:t>
-            </a:r>
-            <a:r>
-              <a:rPr lang="ru-RU" dirty="0" smtClean="0"/>
-              <a:t>для </a:t>
-            </a:r>
-            <a:r>
-              <a:rPr lang="en-US" dirty="0" smtClean="0"/>
-              <a:t>VS</a:t>
-            </a:r>
-            <a:endParaRPr lang="en-US" dirty="0"/>
-          </a:p>
-        </p:txBody>
-      </p:sp>
-      <p:sp>
-        <p:nvSpPr>
-          <p:cNvPr id="3" name="Content Placeholder 2"/>
-          <p:cNvSpPr>
-            <a:spLocks noGrp="1"/>
-          </p:cNvSpPr>
-          <p:nvPr>
-            <p:ph idx="1"/>
-          </p:nvPr>
-        </p:nvSpPr>
-        <p:spPr/>
-        <p:txBody>
-          <a:bodyPr>
-            <a:normAutofit fontScale="70000" lnSpcReduction="20000"/>
-          </a:bodyPr>
-          <a:lstStyle/>
-          <a:p>
-            <a:r>
-              <a:rPr lang="en-US" dirty="0" smtClean="0"/>
-              <a:t>Productivity </a:t>
-            </a:r>
-            <a:r>
-              <a:rPr lang="en-US" dirty="0"/>
-              <a:t>Power </a:t>
-            </a:r>
-            <a:r>
-              <a:rPr lang="en-US" dirty="0" smtClean="0"/>
-              <a:t>Tools</a:t>
-            </a:r>
-          </a:p>
-          <a:p>
-            <a:pPr lvl="1"/>
-            <a:r>
-              <a:rPr lang="en-US" dirty="0" smtClean="0"/>
-              <a:t>VS </a:t>
-            </a:r>
-            <a:r>
-              <a:rPr lang="en-US" dirty="0" smtClean="0"/>
-              <a:t>2010: </a:t>
-            </a:r>
-            <a:r>
-              <a:rPr lang="en-US" dirty="0" smtClean="0">
-                <a:hlinkClick r:id="rId2"/>
-              </a:rPr>
-              <a:t>http</a:t>
-            </a:r>
-            <a:r>
-              <a:rPr lang="en-US" dirty="0">
-                <a:hlinkClick r:id="rId2"/>
-              </a:rPr>
-              <a:t>://</a:t>
-            </a:r>
-            <a:r>
-              <a:rPr lang="en-US" dirty="0" smtClean="0">
-                <a:hlinkClick r:id="rId2"/>
-              </a:rPr>
-              <a:t>visualstudiogallery.msdn.microsoft.com/d0d33361-18e2-46c0-8ff2-4adea1e34fef</a:t>
-            </a:r>
-            <a:endParaRPr lang="en-US" dirty="0" smtClean="0"/>
-          </a:p>
-          <a:p>
-            <a:pPr lvl="1"/>
-            <a:r>
-              <a:rPr lang="en-US" dirty="0"/>
-              <a:t>VS 2012: </a:t>
-            </a:r>
-            <a:r>
-              <a:rPr lang="en-US" dirty="0">
-                <a:hlinkClick r:id="rId3"/>
-              </a:rPr>
-              <a:t>http://</a:t>
-            </a:r>
-            <a:r>
-              <a:rPr lang="en-US" dirty="0" smtClean="0">
-                <a:hlinkClick r:id="rId3"/>
-              </a:rPr>
-              <a:t>visualstudiogallery.msdn.microsoft.com/3a96a4dc-ba9c-4589-92c5-640e07332afd</a:t>
-            </a:r>
-            <a:endParaRPr lang="en-US" dirty="0" smtClean="0"/>
-          </a:p>
-          <a:p>
-            <a:r>
-              <a:rPr lang="en-US" dirty="0" smtClean="0"/>
-              <a:t>Entity </a:t>
-            </a:r>
-            <a:r>
-              <a:rPr lang="en-US" dirty="0"/>
-              <a:t>Framework Power Tools Beta </a:t>
-            </a:r>
-            <a:r>
-              <a:rPr lang="en-US" dirty="0" smtClean="0"/>
-              <a:t>4</a:t>
-            </a:r>
-          </a:p>
-          <a:p>
-            <a:pPr lvl="1"/>
-            <a:r>
-              <a:rPr lang="en-US" dirty="0" smtClean="0">
-                <a:hlinkClick r:id="rId4"/>
-              </a:rPr>
-              <a:t>http</a:t>
-            </a:r>
-            <a:r>
-              <a:rPr lang="en-US" dirty="0">
-                <a:hlinkClick r:id="rId4"/>
-              </a:rPr>
-              <a:t>://</a:t>
-            </a:r>
-            <a:r>
-              <a:rPr lang="en-US" dirty="0" smtClean="0">
-                <a:hlinkClick r:id="rId4"/>
-              </a:rPr>
-              <a:t>visualstudiogallery.msdn.microsoft.com/72a60b14-1581-4b9b-89f2-846072eff19d</a:t>
-            </a:r>
-            <a:endParaRPr lang="en-US" dirty="0" smtClean="0"/>
-          </a:p>
-          <a:p>
-            <a:r>
-              <a:rPr lang="ru-RU" dirty="0" smtClean="0"/>
-              <a:t>Подсветка синтаксиса для </a:t>
-            </a:r>
-            <a:r>
-              <a:rPr lang="en-US" dirty="0" smtClean="0"/>
-              <a:t>T4</a:t>
-            </a:r>
-          </a:p>
-          <a:p>
-            <a:pPr lvl="1"/>
-            <a:r>
-              <a:rPr lang="en-US" dirty="0"/>
-              <a:t>tangible T4 </a:t>
-            </a:r>
-            <a:r>
-              <a:rPr lang="en-US" dirty="0" smtClean="0"/>
-              <a:t>Editor</a:t>
-            </a:r>
-          </a:p>
-          <a:p>
-            <a:pPr lvl="2"/>
-            <a:r>
-              <a:rPr lang="en-US" dirty="0">
-                <a:hlinkClick r:id="rId5"/>
-              </a:rPr>
-              <a:t>http://</a:t>
-            </a:r>
-            <a:r>
-              <a:rPr lang="en-US" dirty="0" smtClean="0">
-                <a:hlinkClick r:id="rId5"/>
-              </a:rPr>
-              <a:t>visualstudiogallery.msdn.microsoft.com/60297607-5fd4-4da4-97e1-3715e90c1a23</a:t>
-            </a:r>
-            <a:endParaRPr lang="en-US" dirty="0" smtClean="0"/>
-          </a:p>
-          <a:p>
-            <a:pPr lvl="1"/>
-            <a:r>
-              <a:rPr lang="en-US" dirty="0" smtClean="0"/>
-              <a:t>Visual T4 (</a:t>
-            </a:r>
-            <a:r>
-              <a:rPr lang="en-US" dirty="0" err="1" smtClean="0"/>
-              <a:t>Clarius</a:t>
-            </a:r>
-            <a:r>
-              <a:rPr lang="en-US" dirty="0" smtClean="0"/>
-              <a:t>)</a:t>
-            </a:r>
-          </a:p>
-          <a:p>
-            <a:pPr lvl="2"/>
-            <a:r>
-              <a:rPr lang="en-US" dirty="0"/>
-              <a:t>http://visualstudiogallery.msdn.microsoft.com/40a887aa-f3be-40ec-a85d-37044b239591</a:t>
-            </a:r>
-            <a:endParaRPr lang="ru-RU" dirty="0" smtClean="0"/>
-          </a:p>
-          <a:p>
-            <a:endParaRPr lang="en-US" dirty="0" smtClean="0"/>
-          </a:p>
-          <a:p>
-            <a:pPr lvl="1"/>
-            <a:endParaRPr lang="en-US" dirty="0" smtClean="0"/>
-          </a:p>
-          <a:p>
-            <a:endParaRPr lang="en-US" dirty="0"/>
-          </a:p>
-        </p:txBody>
-      </p:sp>
-    </p:spTree>
-    <p:extLst>
-      <p:ext uri="{BB962C8B-B14F-4D97-AF65-F5344CB8AC3E}">
-        <p14:creationId xmlns:p14="http://schemas.microsoft.com/office/powerpoint/2010/main" val="1235442158"/>
-      </p:ext>
-    </p:extLst>
-  </p:cSld>
-  <p:clrMapOvr>
-    <a:masterClrMapping/>
-  </p:clrMapOvr>
-</p:sld>
-</file>
-
-<file path=ppt/slides/slide19.xml><?xml version="1.0" encoding="utf-8"?>
-<p:sld xmlns:a="http://schemas.openxmlformats.org/drawingml/2006/main" xmlns:r="http://schemas.openxmlformats.org/officeDocument/2006/relationships" xmlns:p="http://schemas.openxmlformats.org/presentationml/2006/main">
-  <p:cSld>
-    <p:spTree>
-      <p:nvGrpSpPr>
-        <p:cNvPr id="1" name=""/>
-        <p:cNvGrpSpPr/>
-        <p:nvPr/>
-      </p:nvGrpSpPr>
-      <p:grpSpPr>
-        <a:xfrm>
-          <a:off x="0" y="0"/>
-          <a:ext cx="0" cy="0"/>
-          <a:chOff x="0" y="0"/>
-          <a:chExt cx="0" cy="0"/>
-        </a:xfrm>
-      </p:grpSpPr>
-      <p:sp>
-        <p:nvSpPr>
-          <p:cNvPr id="2" name="Title 1"/>
-          <p:cNvSpPr>
-            <a:spLocks noGrp="1"/>
-          </p:cNvSpPr>
-          <p:nvPr>
-            <p:ph type="title"/>
-          </p:nvPr>
-        </p:nvSpPr>
-        <p:spPr/>
-        <p:txBody>
-          <a:bodyPr>
-            <a:normAutofit fontScale="90000"/>
-          </a:bodyPr>
-          <a:lstStyle/>
-          <a:p>
-            <a:r>
-              <a:rPr lang="ru-RU" dirty="0" smtClean="0"/>
-              <a:t>Платные расширения для </a:t>
-            </a:r>
-            <a:r>
-              <a:rPr lang="en-US" dirty="0" smtClean="0"/>
-              <a:t>Visual Studio</a:t>
-            </a:r>
-            <a:endParaRPr lang="ru-RU" dirty="0"/>
-          </a:p>
-        </p:txBody>
-      </p:sp>
-      <p:sp>
-        <p:nvSpPr>
-          <p:cNvPr id="3" name="Content Placeholder 2"/>
-          <p:cNvSpPr>
-            <a:spLocks noGrp="1"/>
-          </p:cNvSpPr>
-          <p:nvPr>
-            <p:ph idx="1"/>
-          </p:nvPr>
-        </p:nvSpPr>
-        <p:spPr/>
-        <p:txBody>
-          <a:bodyPr/>
-          <a:lstStyle/>
-          <a:p>
-            <a:r>
-              <a:rPr lang="en-US" dirty="0" smtClean="0"/>
-              <a:t>JetBrains ReSharper</a:t>
-            </a:r>
-          </a:p>
-          <a:p>
-            <a:pPr lvl="1"/>
-            <a:r>
-              <a:rPr lang="en-US" dirty="0" smtClean="0">
-                <a:hlinkClick r:id="rId2"/>
-              </a:rPr>
-              <a:t>http</a:t>
-            </a:r>
-            <a:r>
-              <a:rPr lang="en-US" dirty="0">
-                <a:hlinkClick r:id="rId2"/>
-              </a:rPr>
-              <a:t>://www.jetbrains.com/resharper</a:t>
-            </a:r>
-            <a:r>
-              <a:rPr lang="en-US" dirty="0" smtClean="0">
-                <a:hlinkClick r:id="rId2"/>
-              </a:rPr>
-              <a:t>/</a:t>
-            </a:r>
-            <a:endParaRPr lang="en-US" dirty="0" smtClean="0"/>
-          </a:p>
-          <a:p>
-            <a:endParaRPr lang="ru-RU" dirty="0"/>
-          </a:p>
-        </p:txBody>
-      </p:sp>
-    </p:spTree>
-    <p:extLst>
-      <p:ext uri="{BB962C8B-B14F-4D97-AF65-F5344CB8AC3E}">
-        <p14:creationId xmlns:p14="http://schemas.microsoft.com/office/powerpoint/2010/main" val="2755780728"/>
-      </p:ext>
-    </p:extLst>
-  </p:cSld>
-  <p:clrMapOvr>
-    <a:masterClrMapping/>
-  </p:clrMapOvr>
-</p:sld>
-</file>
-
-<file path=ppt/slides/slide2.xml><?xml version="1.0" encoding="utf-8"?>
-<p:sld xmlns:a="http://schemas.openxmlformats.org/drawingml/2006/main" xmlns:r="http://schemas.openxmlformats.org/officeDocument/2006/relationships" xmlns:p="http://schemas.openxmlformats.org/presentationml/2006/main" show="0">
-  <p:cSld>
-    <p:spTree>
-      <p:nvGrpSpPr>
-        <p:cNvPr id="1" name=""/>
-        <p:cNvGrpSpPr/>
-        <p:nvPr/>
-      </p:nvGrpSpPr>
-      <p:grpSpPr>
-        <a:xfrm>
-          <a:off x="0" y="0"/>
-          <a:ext cx="0" cy="0"/>
-          <a:chOff x="0" y="0"/>
-          <a:chExt cx="0" cy="0"/>
-        </a:xfrm>
-      </p:grpSpPr>
-      <p:sp>
-        <p:nvSpPr>
-          <p:cNvPr id="2" name="Title 1"/>
-          <p:cNvSpPr>
-            <a:spLocks noGrp="1"/>
-          </p:cNvSpPr>
-          <p:nvPr>
-            <p:ph type="title"/>
-          </p:nvPr>
-        </p:nvSpPr>
-        <p:spPr/>
-        <p:txBody>
-          <a:bodyPr/>
-          <a:lstStyle/>
-          <a:p>
-            <a:r>
-              <a:rPr lang="ru-RU" dirty="0" smtClean="0"/>
-              <a:t>Литература</a:t>
-            </a:r>
-            <a:endParaRPr lang="en-US" dirty="0"/>
-          </a:p>
-        </p:txBody>
-      </p:sp>
-      <p:sp>
-        <p:nvSpPr>
-          <p:cNvPr id="3" name="Content Placeholder 2"/>
-          <p:cNvSpPr>
-            <a:spLocks noGrp="1"/>
-          </p:cNvSpPr>
-          <p:nvPr>
-            <p:ph idx="1"/>
-          </p:nvPr>
-        </p:nvSpPr>
-        <p:spPr/>
-        <p:txBody>
-          <a:bodyPr/>
-          <a:lstStyle/>
-          <a:p>
-            <a:r>
-              <a:rPr lang="en-US" dirty="0" smtClean="0"/>
-              <a:t>TODO!</a:t>
-            </a:r>
-            <a:endParaRPr lang="en-US" dirty="0"/>
-          </a:p>
-        </p:txBody>
-      </p:sp>
-    </p:spTree>
-    <p:extLst>
-      <p:ext uri="{BB962C8B-B14F-4D97-AF65-F5344CB8AC3E}">
-        <p14:creationId xmlns:p14="http://schemas.microsoft.com/office/powerpoint/2010/main" val="1333002201"/>
-      </p:ext>
-    </p:extLst>
-  </p:cSld>
-  <p:clrMapOvr>
-    <a:masterClrMapping/>
-  </p:clrMapOvr>
-  <mc:AlternateContent xmlns:mc="http://schemas.openxmlformats.org/markup-compatibility/2006">
-    <mc:Choice xmlns:p14="http://schemas.microsoft.com/office/powerpoint/2010/main" Requires="p14">
-      <p:transition spd="slow" p14:dur="2000"/>
-    </mc:Choice>
-    <mc:Fallback>
-      <p:transition spd="slow"/>
-    </mc:Fallback>
-  </mc:AlternateContent>
-</p:sld>
-</file>
-
-<file path=ppt/slides/slide3.xml><?xml version="1.0" encoding="utf-8"?>
-<p:sld xmlns:a="http://schemas.openxmlformats.org/drawingml/2006/main" xmlns:r="http://schemas.openxmlformats.org/officeDocument/2006/relationships" xmlns:p="http://schemas.openxmlformats.org/presentationml/2006/main">
-  <p:cSld>
-    <p:spTree>
-      <p:nvGrpSpPr>
-        <p:cNvPr id="1" name=""/>
-        <p:cNvGrpSpPr/>
-        <p:nvPr/>
-      </p:nvGrpSpPr>
-      <p:grpSpPr>
-        <a:xfrm>
-          <a:off x="0" y="0"/>
-          <a:ext cx="0" cy="0"/>
-          <a:chOff x="0" y="0"/>
-          <a:chExt cx="0" cy="0"/>
-        </a:xfrm>
-      </p:grpSpPr>
-      <p:sp>
-        <p:nvSpPr>
-          <p:cNvPr id="2" name="Title 1"/>
-          <p:cNvSpPr>
-            <a:spLocks noGrp="1"/>
-          </p:cNvSpPr>
-          <p:nvPr>
-            <p:ph type="title"/>
-          </p:nvPr>
-        </p:nvSpPr>
-        <p:spPr/>
-        <p:txBody>
-          <a:bodyPr/>
-          <a:lstStyle/>
-          <a:p>
-            <a:r>
-              <a:rPr lang="ru-RU" dirty="0" smtClean="0"/>
-              <a:t>Условные обозначения</a:t>
-            </a:r>
-            <a:endParaRPr lang="en-US" dirty="0"/>
-          </a:p>
-        </p:txBody>
-      </p:sp>
-      <p:sp>
-        <p:nvSpPr>
-          <p:cNvPr id="3" name="Content Placeholder 2"/>
-          <p:cNvSpPr>
-            <a:spLocks noGrp="1"/>
-          </p:cNvSpPr>
-          <p:nvPr>
-            <p:ph idx="1"/>
-          </p:nvPr>
-        </p:nvSpPr>
-        <p:spPr/>
-        <p:txBody>
-          <a:bodyPr>
-            <a:normAutofit lnSpcReduction="10000"/>
-          </a:bodyPr>
-          <a:lstStyle/>
-          <a:p>
-            <a:pPr marL="0" indent="0">
-              <a:buNone/>
-            </a:pPr>
-            <a:r>
-              <a:rPr lang="ru-RU" dirty="0" smtClean="0"/>
-              <a:t>Версия </a:t>
-            </a:r>
-            <a:r>
-              <a:rPr lang="en-US" dirty="0" smtClean="0"/>
-              <a:t>Visual Studio </a:t>
-            </a:r>
-            <a:r>
-              <a:rPr lang="ru-RU" dirty="0" smtClean="0"/>
-              <a:t>начиная с которой можно использовать указанные возможности указывается в квадратных скобках:</a:t>
-            </a:r>
-          </a:p>
-          <a:p>
-            <a:pPr lvl="1">
-              <a:buClr>
-                <a:schemeClr val="bg1"/>
-              </a:buClr>
-            </a:pPr>
-            <a:r>
-              <a:rPr lang="en-US" dirty="0" smtClean="0">
-                <a:solidFill>
-                  <a:srgbClr val="92D050"/>
-                </a:solidFill>
-              </a:rPr>
-              <a:t>[0</a:t>
-            </a:r>
-            <a:r>
-              <a:rPr lang="ru-RU" dirty="0" smtClean="0">
-                <a:solidFill>
-                  <a:srgbClr val="92D050"/>
-                </a:solidFill>
-              </a:rPr>
-              <a:t>5</a:t>
-            </a:r>
-            <a:r>
-              <a:rPr lang="en-US" dirty="0" smtClean="0">
-                <a:solidFill>
-                  <a:srgbClr val="92D050"/>
-                </a:solidFill>
-              </a:rPr>
-              <a:t>]</a:t>
-            </a:r>
-            <a:r>
-              <a:rPr lang="en-US" dirty="0" smtClean="0"/>
-              <a:t> </a:t>
-            </a:r>
-            <a:r>
-              <a:rPr lang="en-US" dirty="0"/>
-              <a:t>Visual Studio </a:t>
-            </a:r>
-            <a:r>
-              <a:rPr lang="en-US" dirty="0" smtClean="0"/>
-              <a:t>200</a:t>
-            </a:r>
-            <a:r>
-              <a:rPr lang="ru-RU" dirty="0" smtClean="0"/>
-              <a:t>5</a:t>
-            </a:r>
-            <a:endParaRPr lang="ru-RU" dirty="0" smtClean="0">
-              <a:solidFill>
-                <a:srgbClr val="92D050"/>
-              </a:solidFill>
-            </a:endParaRPr>
-          </a:p>
-          <a:p>
-            <a:pPr lvl="1">
-              <a:buClr>
-                <a:schemeClr val="bg1"/>
-              </a:buClr>
-            </a:pPr>
-            <a:r>
-              <a:rPr lang="en-US" dirty="0" smtClean="0">
-                <a:solidFill>
-                  <a:srgbClr val="92D050"/>
-                </a:solidFill>
-              </a:rPr>
-              <a:t>[10</a:t>
-            </a:r>
-            <a:r>
-              <a:rPr lang="en-US" dirty="0">
-                <a:solidFill>
-                  <a:srgbClr val="92D050"/>
-                </a:solidFill>
-              </a:rPr>
-              <a:t>]</a:t>
-            </a:r>
-            <a:r>
-              <a:rPr lang="en-US" dirty="0"/>
-              <a:t> </a:t>
-            </a:r>
-            <a:r>
-              <a:rPr lang="en-US" dirty="0" smtClean="0"/>
-              <a:t>Visual Studio 2010</a:t>
-            </a:r>
-          </a:p>
-          <a:p>
-            <a:pPr lvl="1">
-              <a:buClr>
-                <a:schemeClr val="bg1"/>
-              </a:buClr>
-            </a:pPr>
-            <a:r>
-              <a:rPr lang="en-US" dirty="0" smtClean="0">
-                <a:solidFill>
-                  <a:srgbClr val="92D050"/>
-                </a:solidFill>
-              </a:rPr>
-              <a:t>[</a:t>
-            </a:r>
-            <a:r>
-              <a:rPr lang="en-US" dirty="0">
-                <a:solidFill>
-                  <a:srgbClr val="92D050"/>
-                </a:solidFill>
-              </a:rPr>
-              <a:t>12]</a:t>
-            </a:r>
-            <a:r>
-              <a:rPr lang="en-US" dirty="0"/>
-              <a:t> Visual Studio </a:t>
-            </a:r>
-            <a:r>
-              <a:rPr lang="en-US" dirty="0" smtClean="0"/>
-              <a:t>2012</a:t>
-            </a:r>
-            <a:endParaRPr lang="ru-RU" dirty="0" smtClean="0"/>
-          </a:p>
-          <a:p>
-            <a:pPr marL="0" indent="0">
-              <a:buClr>
-                <a:schemeClr val="bg1"/>
-              </a:buClr>
-              <a:buNone/>
-            </a:pPr>
-            <a:endParaRPr lang="en-US" dirty="0" smtClean="0"/>
-          </a:p>
-          <a:p>
-            <a:pPr marL="0" indent="0">
-              <a:buClr>
-                <a:schemeClr val="bg1"/>
-              </a:buClr>
-              <a:buNone/>
-            </a:pPr>
-            <a:r>
-              <a:rPr lang="ru-RU" dirty="0" smtClean="0"/>
-              <a:t>Аналогично обозначаются версии ОС </a:t>
-            </a:r>
-            <a:r>
-              <a:rPr lang="en-US" dirty="0" smtClean="0"/>
-              <a:t>Windows</a:t>
-            </a:r>
-            <a:endParaRPr lang="en-US" dirty="0"/>
-          </a:p>
-        </p:txBody>
-      </p:sp>
-    </p:spTree>
-    <p:extLst>
-      <p:ext uri="{BB962C8B-B14F-4D97-AF65-F5344CB8AC3E}">
-        <p14:creationId xmlns:p14="http://schemas.microsoft.com/office/powerpoint/2010/main" val="2311832295"/>
-      </p:ext>
-    </p:extLst>
-  </p:cSld>
-  <p:clrMapOvr>
-    <a:masterClrMapping/>
-  </p:clrMapOvr>
-</p:sld>
-</file>
-
-<file path=ppt/slides/slide4.xml><?xml version="1.0" encoding="utf-8"?>
 <p:sld xmlns:a="http://schemas.openxmlformats.org/drawingml/2006/main" xmlns:r="http://schemas.openxmlformats.org/officeDocument/2006/relationships" xmlns:p="http://schemas.openxmlformats.org/presentationml/2006/main">
   <p:cSld>
     <p:bg>
@@ -9904,8 +9104,12 @@
           <a:lstStyle/>
           <a:p>
             <a:r>
-              <a:rPr lang="ru-RU" dirty="0"/>
-              <a:t>Условные обозначения</a:t>
+              <a:rPr lang="ru-RU" dirty="0" smtClean="0"/>
+              <a:t>Окна: </a:t>
+            </a:r>
+            <a:r>
+              <a:rPr lang="en-US" dirty="0" smtClean="0"/>
+              <a:t>Task List</a:t>
             </a:r>
             <a:endParaRPr lang="en-US" dirty="0"/>
           </a:p>
@@ -9928,93 +9132,110 @@
           </a:bodyPr>
           <a:lstStyle/>
           <a:p>
-            <a:pPr marL="0" indent="0">
+            <a:pPr>
               <a:buClr>
                 <a:schemeClr val="bg1"/>
               </a:buClr>
-              <a:buNone/>
             </a:pPr>
             <a:r>
-              <a:rPr lang="ru-RU" dirty="0" smtClean="0">
+              <a:rPr lang="ru-RU" dirty="0">
                 <a:solidFill>
                   <a:schemeClr val="bg1"/>
                 </a:solidFill>
               </a:rPr>
-              <a:t>Информация на слайдах с красным фоном относится к </a:t>
-            </a:r>
-            <a:r>
-              <a:rPr lang="en-US" dirty="0" smtClean="0">
-                <a:solidFill>
-                  <a:schemeClr val="bg1"/>
-                </a:solidFill>
-              </a:rPr>
-              <a:t>Visual Studio </a:t>
-            </a:r>
-            <a:r>
-              <a:rPr lang="ru-RU" dirty="0" smtClean="0">
-                <a:solidFill>
-                  <a:schemeClr val="bg1"/>
-                </a:solidFill>
-              </a:rPr>
-              <a:t>с установленным </a:t>
-            </a:r>
-            <a:r>
-              <a:rPr lang="en-US" dirty="0" smtClean="0">
-                <a:solidFill>
-                  <a:schemeClr val="bg1"/>
-                </a:solidFill>
-              </a:rPr>
-              <a:t>JetBrains ReSharper</a:t>
-            </a:r>
-            <a:endParaRPr lang="ru-RU" dirty="0" smtClean="0">
+              <a:t>Список можно использовать для хранения заметок по проекту</a:t>
+            </a:r>
+            <a:endParaRPr lang="en-US" dirty="0" smtClean="0">
               <a:solidFill>
                 <a:schemeClr val="bg1"/>
               </a:solidFill>
             </a:endParaRPr>
           </a:p>
           <a:p>
-            <a:pPr marL="0" indent="0">
+            <a:pPr>
               <a:buClr>
                 <a:schemeClr val="bg1"/>
               </a:buClr>
-              <a:buNone/>
             </a:pPr>
-            <a:endParaRPr lang="ru-RU" dirty="0">
-              <a:solidFill>
-                <a:schemeClr val="bg1"/>
-              </a:solidFill>
-            </a:endParaRPr>
-          </a:p>
-          <a:p>
-            <a:pPr marL="0" indent="0">
+            <a:r>
+              <a:rPr lang="ru-RU" dirty="0" smtClean="0">
+                <a:solidFill>
+                  <a:schemeClr val="bg1"/>
+                </a:solidFill>
+              </a:rPr>
+              <a:t>Команда меню </a:t>
+            </a:r>
+            <a:r>
+              <a:rPr lang="en-US" dirty="0" smtClean="0">
+                <a:solidFill>
+                  <a:schemeClr val="bg1"/>
+                </a:solidFill>
+              </a:rPr>
+              <a:t>View -&gt; </a:t>
+            </a:r>
+            <a:r>
+              <a:rPr lang="en-US" dirty="0">
+                <a:solidFill>
+                  <a:schemeClr val="bg1"/>
+                </a:solidFill>
+              </a:rPr>
+              <a:t>Task </a:t>
+            </a:r>
+            <a:r>
+              <a:rPr lang="en-US" dirty="0" smtClean="0">
+                <a:solidFill>
+                  <a:schemeClr val="bg1"/>
+                </a:solidFill>
+              </a:rPr>
+              <a:t>List.</a:t>
+            </a:r>
+          </a:p>
+          <a:p>
+            <a:pPr>
               <a:buClr>
                 <a:schemeClr val="bg1"/>
               </a:buClr>
-              <a:buNone/>
             </a:pPr>
             <a:r>
-              <a:rPr lang="en-US" dirty="0">
+              <a:rPr lang="ru-RU" dirty="0" smtClean="0">
                 <a:solidFill>
                   <a:schemeClr val="bg1"/>
                 </a:solidFill>
-                <a:hlinkClick r:id="rId4"/>
-              </a:rPr>
-              <a:t>http://www.jetbrains.com/resharper</a:t>
+              </a:rPr>
+              <a:t>Текст комментария написанный после </a:t>
             </a:r>
             <a:r>
               <a:rPr lang="en-US" dirty="0" smtClean="0">
                 <a:solidFill>
                   <a:schemeClr val="bg1"/>
                 </a:solidFill>
-                <a:hlinkClick r:id="rId4"/>
-              </a:rPr>
-              <a:t>/</a:t>
-            </a:r>
-            <a:endParaRPr lang="ru-RU" dirty="0" smtClean="0">
-              <a:solidFill>
-                <a:schemeClr val="bg1"/>
-              </a:solidFill>
-            </a:endParaRPr>
+              </a:rPr>
+              <a:t>TODO </a:t>
+            </a:r>
+            <a:r>
+              <a:rPr lang="ru-RU" dirty="0" smtClean="0">
+                <a:solidFill>
+                  <a:schemeClr val="bg1"/>
+                </a:solidFill>
+              </a:rPr>
+              <a:t>попадает в</a:t>
+            </a:r>
+            <a:r>
+              <a:rPr lang="en-US" dirty="0" smtClean="0">
+                <a:solidFill>
+                  <a:schemeClr val="bg1"/>
+                </a:solidFill>
+              </a:rPr>
+              <a:t> </a:t>
+            </a:r>
+            <a:r>
+              <a:rPr lang="ru-RU" dirty="0" smtClean="0">
+                <a:solidFill>
+                  <a:schemeClr val="bg1"/>
+                </a:solidFill>
+              </a:rPr>
+              <a:t>него автоматически</a:t>
+            </a:r>
           </a:p>
           <a:p>
             <a:pPr marL="0" indent="0">
@@ -10034,7 +9255,7 @@
     </p:spTree>
     <p:extLst>
       <p:ext uri="{BB962C8B-B14F-4D97-AF65-F5344CB8AC3E}">
-        <p14:creationId xmlns:p14="http://schemas.microsoft.com/office/powerpoint/2010/main" val="1403348644"/>
+        <p14:creationId xmlns:p14="http://schemas.microsoft.com/office/powerpoint/2010/main" val="1384232909"/>
       </p:ext>
     </p:extLst>
   </p:cSld>
@@ -10044,7 +9265,404 @@
 </p:sld>
 </file>
 
-<file path=ppt/slides/slide5.xml><?xml version="1.0" encoding="utf-8"?>
+<file path=ppt/slides/slide18.xml><?xml version="1.0" encoding="utf-8"?>
+<p:sld xmlns:a="http://schemas.openxmlformats.org/drawingml/2006/main" xmlns:r="http://schemas.openxmlformats.org/officeDocument/2006/relationships" xmlns:p="http://schemas.openxmlformats.org/presentationml/2006/main">
+  <p:cSld>
+    <p:spTree>
+      <p:nvGrpSpPr>
+        <p:cNvPr id="1" name=""/>
+        <p:cNvGrpSpPr/>
+        <p:nvPr/>
+      </p:nvGrpSpPr>
+      <p:grpSpPr>
+        <a:xfrm>
+          <a:off x="0" y="0"/>
+          <a:ext cx="0" cy="0"/>
+          <a:chOff x="0" y="0"/>
+          <a:chExt cx="0" cy="0"/>
+        </a:xfrm>
+      </p:grpSpPr>
+      <p:sp>
+        <p:nvSpPr>
+          <p:cNvPr id="2" name="Title 1"/>
+          <p:cNvSpPr>
+            <a:spLocks noGrp="1"/>
+          </p:cNvSpPr>
+          <p:nvPr>
+            <p:ph type="title"/>
+          </p:nvPr>
+        </p:nvSpPr>
+        <p:spPr/>
+        <p:txBody>
+          <a:bodyPr/>
+          <a:lstStyle/>
+          <a:p>
+            <a:r>
+              <a:rPr lang="ru-RU" dirty="0" smtClean="0"/>
+              <a:t>Отладчик</a:t>
+            </a:r>
+            <a:endParaRPr lang="en-US" dirty="0"/>
+          </a:p>
+        </p:txBody>
+      </p:sp>
+      <p:sp>
+        <p:nvSpPr>
+          <p:cNvPr id="3" name="Content Placeholder 2"/>
+          <p:cNvSpPr>
+            <a:spLocks noGrp="1"/>
+          </p:cNvSpPr>
+          <p:nvPr>
+            <p:ph idx="1"/>
+          </p:nvPr>
+        </p:nvSpPr>
+        <p:spPr/>
+        <p:txBody>
+          <a:bodyPr/>
+          <a:lstStyle/>
+          <a:p>
+            <a:endParaRPr lang="en-US" dirty="0"/>
+          </a:p>
+        </p:txBody>
+      </p:sp>
+    </p:spTree>
+    <p:extLst>
+      <p:ext uri="{BB962C8B-B14F-4D97-AF65-F5344CB8AC3E}">
+        <p14:creationId xmlns:p14="http://schemas.microsoft.com/office/powerpoint/2010/main" val="1495295926"/>
+      </p:ext>
+    </p:extLst>
+  </p:cSld>
+  <p:clrMapOvr>
+    <a:masterClrMapping/>
+  </p:clrMapOvr>
+</p:sld>
+</file>
+
+<file path=ppt/slides/slide19.xml><?xml version="1.0" encoding="utf-8"?>
+<p:sld xmlns:a="http://schemas.openxmlformats.org/drawingml/2006/main" xmlns:r="http://schemas.openxmlformats.org/officeDocument/2006/relationships" xmlns:p="http://schemas.openxmlformats.org/presentationml/2006/main">
+  <p:cSld>
+    <p:spTree>
+      <p:nvGrpSpPr>
+        <p:cNvPr id="1" name=""/>
+        <p:cNvGrpSpPr/>
+        <p:nvPr/>
+      </p:nvGrpSpPr>
+      <p:grpSpPr>
+        <a:xfrm>
+          <a:off x="0" y="0"/>
+          <a:ext cx="0" cy="0"/>
+          <a:chOff x="0" y="0"/>
+          <a:chExt cx="0" cy="0"/>
+        </a:xfrm>
+      </p:grpSpPr>
+      <p:sp>
+        <p:nvSpPr>
+          <p:cNvPr id="2" name="Title 1"/>
+          <p:cNvSpPr>
+            <a:spLocks noGrp="1"/>
+          </p:cNvSpPr>
+          <p:nvPr>
+            <p:ph type="title"/>
+          </p:nvPr>
+        </p:nvSpPr>
+        <p:spPr/>
+        <p:txBody>
+          <a:bodyPr/>
+          <a:lstStyle/>
+          <a:p>
+            <a:r>
+              <a:rPr lang="ru-RU" dirty="0" smtClean="0"/>
+              <a:t>Бесплатные расширения для </a:t>
+            </a:r>
+            <a:r>
+              <a:rPr lang="en-US" dirty="0" smtClean="0"/>
+              <a:t>VS</a:t>
+            </a:r>
+            <a:endParaRPr lang="en-US" dirty="0"/>
+          </a:p>
+        </p:txBody>
+      </p:sp>
+      <p:sp>
+        <p:nvSpPr>
+          <p:cNvPr id="3" name="Content Placeholder 2"/>
+          <p:cNvSpPr>
+            <a:spLocks noGrp="1"/>
+          </p:cNvSpPr>
+          <p:nvPr>
+            <p:ph idx="1"/>
+          </p:nvPr>
+        </p:nvSpPr>
+        <p:spPr/>
+        <p:txBody>
+          <a:bodyPr>
+            <a:normAutofit fontScale="70000" lnSpcReduction="20000"/>
+          </a:bodyPr>
+          <a:lstStyle/>
+          <a:p>
+            <a:r>
+              <a:rPr lang="en-US" dirty="0" smtClean="0"/>
+              <a:t>Productivity </a:t>
+            </a:r>
+            <a:r>
+              <a:rPr lang="en-US" dirty="0"/>
+              <a:t>Power </a:t>
+            </a:r>
+            <a:r>
+              <a:rPr lang="en-US" dirty="0" smtClean="0"/>
+              <a:t>Tools</a:t>
+            </a:r>
+          </a:p>
+          <a:p>
+            <a:pPr lvl="1"/>
+            <a:r>
+              <a:rPr lang="en-US" dirty="0" smtClean="0"/>
+              <a:t>VS 2010: </a:t>
+            </a:r>
+            <a:r>
+              <a:rPr lang="en-US" dirty="0" smtClean="0">
+                <a:hlinkClick r:id="rId2"/>
+              </a:rPr>
+              <a:t>http</a:t>
+            </a:r>
+            <a:r>
+              <a:rPr lang="en-US" dirty="0">
+                <a:hlinkClick r:id="rId2"/>
+              </a:rPr>
+              <a:t>://</a:t>
+            </a:r>
+            <a:r>
+              <a:rPr lang="en-US" dirty="0" smtClean="0">
+                <a:hlinkClick r:id="rId2"/>
+              </a:rPr>
+              <a:t>visualstudiogallery.msdn.microsoft.com/d0d33361-18e2-46c0-8ff2-4adea1e34fef</a:t>
+            </a:r>
+            <a:endParaRPr lang="en-US" dirty="0" smtClean="0"/>
+          </a:p>
+          <a:p>
+            <a:pPr lvl="1"/>
+            <a:r>
+              <a:rPr lang="en-US" dirty="0"/>
+              <a:t>VS 2012: </a:t>
+            </a:r>
+            <a:r>
+              <a:rPr lang="en-US" dirty="0">
+                <a:hlinkClick r:id="rId3"/>
+              </a:rPr>
+              <a:t>http://</a:t>
+            </a:r>
+            <a:r>
+              <a:rPr lang="en-US" dirty="0" smtClean="0">
+                <a:hlinkClick r:id="rId3"/>
+              </a:rPr>
+              <a:t>visualstudiogallery.msdn.microsoft.com/3a96a4dc-ba9c-4589-92c5-640e07332afd</a:t>
+            </a:r>
+            <a:endParaRPr lang="en-US" dirty="0" smtClean="0"/>
+          </a:p>
+          <a:p>
+            <a:r>
+              <a:rPr lang="en-US" dirty="0" smtClean="0"/>
+              <a:t>Entity </a:t>
+            </a:r>
+            <a:r>
+              <a:rPr lang="en-US" dirty="0"/>
+              <a:t>Framework Power Tools Beta </a:t>
+            </a:r>
+            <a:r>
+              <a:rPr lang="en-US" dirty="0" smtClean="0"/>
+              <a:t>4</a:t>
+            </a:r>
+          </a:p>
+          <a:p>
+            <a:pPr lvl="1"/>
+            <a:r>
+              <a:rPr lang="en-US" dirty="0" smtClean="0">
+                <a:hlinkClick r:id="rId4"/>
+              </a:rPr>
+              <a:t>http</a:t>
+            </a:r>
+            <a:r>
+              <a:rPr lang="en-US" dirty="0">
+                <a:hlinkClick r:id="rId4"/>
+              </a:rPr>
+              <a:t>://</a:t>
+            </a:r>
+            <a:r>
+              <a:rPr lang="en-US" dirty="0" smtClean="0">
+                <a:hlinkClick r:id="rId4"/>
+              </a:rPr>
+              <a:t>visualstudiogallery.msdn.microsoft.com/72a60b14-1581-4b9b-89f2-846072eff19d</a:t>
+            </a:r>
+            <a:endParaRPr lang="en-US" dirty="0" smtClean="0"/>
+          </a:p>
+          <a:p>
+            <a:r>
+              <a:rPr lang="ru-RU" dirty="0" smtClean="0"/>
+              <a:t>Подсветка синтаксиса для </a:t>
+            </a:r>
+            <a:r>
+              <a:rPr lang="en-US" dirty="0" smtClean="0"/>
+              <a:t>T4</a:t>
+            </a:r>
+          </a:p>
+          <a:p>
+            <a:pPr lvl="1"/>
+            <a:r>
+              <a:rPr lang="en-US" dirty="0"/>
+              <a:t>tangible T4 </a:t>
+            </a:r>
+            <a:r>
+              <a:rPr lang="en-US" dirty="0" smtClean="0"/>
+              <a:t>Editor</a:t>
+            </a:r>
+          </a:p>
+          <a:p>
+            <a:pPr lvl="2"/>
+            <a:r>
+              <a:rPr lang="en-US" dirty="0">
+                <a:hlinkClick r:id="rId5"/>
+              </a:rPr>
+              <a:t>http://</a:t>
+            </a:r>
+            <a:r>
+              <a:rPr lang="en-US" dirty="0" smtClean="0">
+                <a:hlinkClick r:id="rId5"/>
+              </a:rPr>
+              <a:t>visualstudiogallery.msdn.microsoft.com/60297607-5fd4-4da4-97e1-3715e90c1a23</a:t>
+            </a:r>
+            <a:endParaRPr lang="en-US" dirty="0" smtClean="0"/>
+          </a:p>
+          <a:p>
+            <a:pPr lvl="1"/>
+            <a:r>
+              <a:rPr lang="en-US" dirty="0" smtClean="0"/>
+              <a:t>Visual T4 (</a:t>
+            </a:r>
+            <a:r>
+              <a:rPr lang="en-US" dirty="0" err="1" smtClean="0"/>
+              <a:t>Clarius</a:t>
+            </a:r>
+            <a:r>
+              <a:rPr lang="en-US" dirty="0" smtClean="0"/>
+              <a:t>)</a:t>
+            </a:r>
+          </a:p>
+          <a:p>
+            <a:pPr lvl="2"/>
+            <a:r>
+              <a:rPr lang="en-US" dirty="0"/>
+              <a:t>http://visualstudiogallery.msdn.microsoft.com/40a887aa-f3be-40ec-a85d-37044b239591</a:t>
+            </a:r>
+            <a:endParaRPr lang="ru-RU" dirty="0" smtClean="0"/>
+          </a:p>
+          <a:p>
+            <a:endParaRPr lang="en-US" dirty="0" smtClean="0"/>
+          </a:p>
+          <a:p>
+            <a:pPr lvl="1"/>
+            <a:endParaRPr lang="en-US" dirty="0" smtClean="0"/>
+          </a:p>
+          <a:p>
+            <a:endParaRPr lang="en-US" dirty="0"/>
+          </a:p>
+        </p:txBody>
+      </p:sp>
+    </p:spTree>
+    <p:extLst>
+      <p:ext uri="{BB962C8B-B14F-4D97-AF65-F5344CB8AC3E}">
+        <p14:creationId xmlns:p14="http://schemas.microsoft.com/office/powerpoint/2010/main" val="1235442158"/>
+      </p:ext>
+    </p:extLst>
+  </p:cSld>
+  <p:clrMapOvr>
+    <a:masterClrMapping/>
+  </p:clrMapOvr>
+</p:sld>
+</file>
+
+<file path=ppt/slides/slide2.xml><?xml version="1.0" encoding="utf-8"?>
+<p:sld xmlns:a="http://schemas.openxmlformats.org/drawingml/2006/main" xmlns:r="http://schemas.openxmlformats.org/officeDocument/2006/relationships" xmlns:p="http://schemas.openxmlformats.org/presentationml/2006/main" show="0">
+  <p:cSld>
+    <p:spTree>
+      <p:nvGrpSpPr>
+        <p:cNvPr id="1" name=""/>
+        <p:cNvGrpSpPr/>
+        <p:nvPr/>
+      </p:nvGrpSpPr>
+      <p:grpSpPr>
+        <a:xfrm>
+          <a:off x="0" y="0"/>
+          <a:ext cx="0" cy="0"/>
+          <a:chOff x="0" y="0"/>
+          <a:chExt cx="0" cy="0"/>
+        </a:xfrm>
+      </p:grpSpPr>
+      <p:sp>
+        <p:nvSpPr>
+          <p:cNvPr id="2" name="Title 1"/>
+          <p:cNvSpPr>
+            <a:spLocks noGrp="1"/>
+          </p:cNvSpPr>
+          <p:nvPr>
+            <p:ph type="title"/>
+          </p:nvPr>
+        </p:nvSpPr>
+        <p:spPr/>
+        <p:txBody>
+          <a:bodyPr/>
+          <a:lstStyle/>
+          <a:p>
+            <a:r>
+              <a:rPr lang="ru-RU" dirty="0" smtClean="0"/>
+              <a:t>Литература</a:t>
+            </a:r>
+            <a:endParaRPr lang="en-US" dirty="0"/>
+          </a:p>
+        </p:txBody>
+      </p:sp>
+      <p:sp>
+        <p:nvSpPr>
+          <p:cNvPr id="3" name="Content Placeholder 2"/>
+          <p:cNvSpPr>
+            <a:spLocks noGrp="1"/>
+          </p:cNvSpPr>
+          <p:nvPr>
+            <p:ph idx="1"/>
+          </p:nvPr>
+        </p:nvSpPr>
+        <p:spPr/>
+        <p:txBody>
+          <a:bodyPr/>
+          <a:lstStyle/>
+          <a:p>
+            <a:r>
+              <a:rPr lang="en-US" dirty="0" smtClean="0"/>
+              <a:t>TODO!</a:t>
+            </a:r>
+            <a:endParaRPr lang="en-US" dirty="0"/>
+          </a:p>
+        </p:txBody>
+      </p:sp>
+    </p:spTree>
+    <p:extLst>
+      <p:ext uri="{BB962C8B-B14F-4D97-AF65-F5344CB8AC3E}">
+        <p14:creationId xmlns:p14="http://schemas.microsoft.com/office/powerpoint/2010/main" val="1333002201"/>
+      </p:ext>
+    </p:extLst>
+  </p:cSld>
+  <p:clrMapOvr>
+    <a:masterClrMapping/>
+  </p:clrMapOvr>
+  <mc:AlternateContent xmlns:mc="http://schemas.openxmlformats.org/markup-compatibility/2006" xmlns:p14="http://schemas.microsoft.com/office/powerpoint/2010/main">
+    <mc:Choice Requires="p14">
+      <p:transition spd="slow" p14:dur="2000"/>
+    </mc:Choice>
+    <mc:Fallback xmlns="">
+      <p:transition spd="slow"/>
+    </mc:Fallback>
+  </mc:AlternateContent>
+</p:sld>
+</file>
+
+<file path=ppt/slides/slide20.xml><?xml version="1.0" encoding="utf-8"?>
 <p:sld xmlns:a="http://schemas.openxmlformats.org/drawingml/2006/main" xmlns:r="http://schemas.openxmlformats.org/officeDocument/2006/relationships" xmlns:p="http://schemas.openxmlformats.org/presentationml/2006/main">
   <p:cSld>
     <p:spTree>
@@ -10079,12 +9697,235 @@
           <a:lstStyle/>
           <a:p>
             <a:r>
+              <a:rPr lang="ru-RU" dirty="0" smtClean="0"/>
+              <a:t>Платные расширения для </a:t>
+            </a:r>
+            <a:r>
               <a:rPr lang="en-US" dirty="0" smtClean="0"/>
-              <a:t>Visual Studio </a:t>
-            </a:r>
+              <a:t>Visual Studio</a:t>
+            </a:r>
+            <a:endParaRPr lang="ru-RU" dirty="0"/>
+          </a:p>
+        </p:txBody>
+      </p:sp>
+      <p:sp>
+        <p:nvSpPr>
+          <p:cNvPr id="3" name="Content Placeholder 2"/>
+          <p:cNvSpPr>
+            <a:spLocks noGrp="1"/>
+          </p:cNvSpPr>
+          <p:nvPr>
+            <p:ph idx="1"/>
+          </p:nvPr>
+        </p:nvSpPr>
+        <p:spPr/>
+        <p:txBody>
+          <a:bodyPr/>
+          <a:lstStyle/>
+          <a:p>
+            <a:r>
+              <a:rPr lang="en-US" dirty="0" smtClean="0"/>
+              <a:t>JetBrains ReSharper</a:t>
+            </a:r>
+          </a:p>
+          <a:p>
+            <a:pPr lvl="1"/>
+            <a:r>
+              <a:rPr lang="en-US" dirty="0" smtClean="0">
+                <a:hlinkClick r:id="rId2"/>
+              </a:rPr>
+              <a:t>http</a:t>
+            </a:r>
+            <a:r>
+              <a:rPr lang="en-US" dirty="0">
+                <a:hlinkClick r:id="rId2"/>
+              </a:rPr>
+              <a:t>://www.jetbrains.com/resharper</a:t>
+            </a:r>
+            <a:r>
+              <a:rPr lang="en-US" dirty="0" smtClean="0">
+                <a:hlinkClick r:id="rId2"/>
+              </a:rPr>
+              <a:t>/</a:t>
+            </a:r>
+            <a:endParaRPr lang="en-US" dirty="0" smtClean="0"/>
+          </a:p>
+          <a:p>
+            <a:endParaRPr lang="ru-RU" dirty="0"/>
+          </a:p>
+        </p:txBody>
+      </p:sp>
+    </p:spTree>
+    <p:extLst>
+      <p:ext uri="{BB962C8B-B14F-4D97-AF65-F5344CB8AC3E}">
+        <p14:creationId xmlns:p14="http://schemas.microsoft.com/office/powerpoint/2010/main" val="2755780728"/>
+      </p:ext>
+    </p:extLst>
+  </p:cSld>
+  <p:clrMapOvr>
+    <a:masterClrMapping/>
+  </p:clrMapOvr>
+</p:sld>
+</file>
+
+<file path=ppt/slides/slide3.xml><?xml version="1.0" encoding="utf-8"?>
+<p:sld xmlns:a="http://schemas.openxmlformats.org/drawingml/2006/main" xmlns:r="http://schemas.openxmlformats.org/officeDocument/2006/relationships" xmlns:p="http://schemas.openxmlformats.org/presentationml/2006/main">
+  <p:cSld>
+    <p:spTree>
+      <p:nvGrpSpPr>
+        <p:cNvPr id="1" name=""/>
+        <p:cNvGrpSpPr/>
+        <p:nvPr/>
+      </p:nvGrpSpPr>
+      <p:grpSpPr>
+        <a:xfrm>
+          <a:off x="0" y="0"/>
+          <a:ext cx="0" cy="0"/>
+          <a:chOff x="0" y="0"/>
+          <a:chExt cx="0" cy="0"/>
+        </a:xfrm>
+      </p:grpSpPr>
+      <p:sp>
+        <p:nvSpPr>
+          <p:cNvPr id="2" name="Title 1"/>
+          <p:cNvSpPr>
+            <a:spLocks noGrp="1"/>
+          </p:cNvSpPr>
+          <p:nvPr>
+            <p:ph type="title"/>
+          </p:nvPr>
+        </p:nvSpPr>
+        <p:spPr/>
+        <p:txBody>
+          <a:bodyPr/>
+          <a:lstStyle/>
+          <a:p>
             <a:r>
               <a:rPr lang="ru-RU" dirty="0" smtClean="0"/>
-              <a:t>и права администратора</a:t>
+              <a:t>Ссылки</a:t>
+            </a:r>
+            <a:endParaRPr lang="ru-RU" dirty="0"/>
+          </a:p>
+        </p:txBody>
+      </p:sp>
+      <p:sp>
+        <p:nvSpPr>
+          <p:cNvPr id="3" name="Content Placeholder 2"/>
+          <p:cNvSpPr>
+            <a:spLocks noGrp="1"/>
+          </p:cNvSpPr>
+          <p:nvPr>
+            <p:ph idx="1"/>
+          </p:nvPr>
+        </p:nvSpPr>
+        <p:spPr/>
+        <p:txBody>
+          <a:bodyPr/>
+          <a:lstStyle/>
+          <a:p>
+            <a:r>
+              <a:rPr lang="ru-RU" dirty="0" smtClean="0"/>
+              <a:t>Официальная страница</a:t>
+            </a:r>
+            <a:br>
+              <a:rPr lang="ru-RU" dirty="0" smtClean="0"/>
+            </a:br>
+            <a:r>
+              <a:rPr lang="en-US" dirty="0" smtClean="0">
+                <a:hlinkClick r:id="rId2"/>
+              </a:rPr>
+              <a:t>http://msdn.microsoft.com/visualstudio</a:t>
+            </a:r>
+            <a:endParaRPr lang="ru-RU" dirty="0" smtClean="0"/>
+          </a:p>
+          <a:p>
+            <a:r>
+              <a:rPr lang="ru-RU" dirty="0" smtClean="0"/>
+              <a:t>Расширения</a:t>
+            </a:r>
+            <a:br>
+              <a:rPr lang="ru-RU" dirty="0" smtClean="0"/>
+            </a:br>
+            <a:r>
+              <a:rPr lang="en-US" dirty="0" smtClean="0">
+                <a:hlinkClick r:id="rId3"/>
+              </a:rPr>
+              <a:t>http://visualstudiogallery.msdn.microsoft.com</a:t>
+            </a:r>
+            <a:endParaRPr lang="ru-RU" dirty="0" smtClean="0"/>
+          </a:p>
+          <a:p>
+            <a:r>
+              <a:rPr lang="ru-RU" dirty="0" smtClean="0"/>
+              <a:t>Предложения по улучшению</a:t>
+            </a:r>
+            <a:br>
+              <a:rPr lang="ru-RU" dirty="0" smtClean="0"/>
+            </a:br>
+            <a:r>
+              <a:rPr lang="en-US" dirty="0" smtClean="0">
+                <a:hlinkClick r:id="rId4"/>
+              </a:rPr>
+              <a:t>http://visualstudio.uservoice.com</a:t>
+            </a:r>
+            <a:endParaRPr lang="ru-RU" dirty="0" smtClean="0"/>
+          </a:p>
+          <a:p>
+            <a:endParaRPr lang="ru-RU" dirty="0" smtClean="0"/>
+          </a:p>
+          <a:p>
+            <a:endParaRPr lang="ru-RU" dirty="0"/>
+          </a:p>
+        </p:txBody>
+      </p:sp>
+    </p:spTree>
+    <p:extLst>
+      <p:ext uri="{BB962C8B-B14F-4D97-AF65-F5344CB8AC3E}">
+        <p14:creationId xmlns:p14="http://schemas.microsoft.com/office/powerpoint/2010/main" val="1256543289"/>
+      </p:ext>
+    </p:extLst>
+  </p:cSld>
+  <p:clrMapOvr>
+    <a:masterClrMapping/>
+  </p:clrMapOvr>
+</p:sld>
+</file>
+
+<file path=ppt/slides/slide4.xml><?xml version="1.0" encoding="utf-8"?>
+<p:sld xmlns:a="http://schemas.openxmlformats.org/drawingml/2006/main" xmlns:r="http://schemas.openxmlformats.org/officeDocument/2006/relationships" xmlns:p="http://schemas.openxmlformats.org/presentationml/2006/main">
+  <p:cSld>
+    <p:spTree>
+      <p:nvGrpSpPr>
+        <p:cNvPr id="1" name=""/>
+        <p:cNvGrpSpPr/>
+        <p:nvPr/>
+      </p:nvGrpSpPr>
+      <p:grpSpPr>
+        <a:xfrm>
+          <a:off x="0" y="0"/>
+          <a:ext cx="0" cy="0"/>
+          <a:chOff x="0" y="0"/>
+          <a:chExt cx="0" cy="0"/>
+        </a:xfrm>
+      </p:grpSpPr>
+      <p:sp>
+        <p:nvSpPr>
+          <p:cNvPr id="2" name="Title 1"/>
+          <p:cNvSpPr>
+            <a:spLocks noGrp="1"/>
+          </p:cNvSpPr>
+          <p:nvPr>
+            <p:ph type="title"/>
+          </p:nvPr>
+        </p:nvSpPr>
+        <p:spPr/>
+        <p:txBody>
+          <a:bodyPr/>
+          <a:lstStyle/>
+          <a:p>
+            <a:r>
+              <a:rPr lang="ru-RU" dirty="0" smtClean="0"/>
+              <a:t>Условные обозначения</a:t>
             </a:r>
             <a:endParaRPr lang="en-US" dirty="0"/>
           </a:p>
@@ -10103,7 +9944,7 @@
         <p:spPr/>
         <p:txBody>
           <a:bodyPr>
-            <a:normAutofit fontScale="70000" lnSpcReduction="20000"/>
+            <a:normAutofit lnSpcReduction="10000"/>
           </a:bodyPr>
           <a:lstStyle/>
           <a:p>
@@ -10112,192 +9953,356 @@
             </a:pPr>
             <a:r>
               <a:rPr lang="ru-RU" dirty="0" smtClean="0"/>
-              <a:t>Если у вас установлена </a:t>
+              <a:t>Версия </a:t>
+            </a:r>
+            <a:r>
+              <a:rPr lang="en-US" dirty="0" smtClean="0"/>
+              <a:t>Visual Studio </a:t>
+            </a:r>
+            <a:r>
+              <a:rPr lang="ru-RU" dirty="0" smtClean="0"/>
+              <a:t>начиная с которой можно использовать указанные возможности указывается в квадратных скобках:</a:t>
+            </a:r>
+          </a:p>
+          <a:p>
+            <a:pPr lvl="1">
+              <a:buClr>
+                <a:schemeClr val="bg1"/>
+              </a:buClr>
+            </a:pPr>
+            <a:r>
+              <a:rPr lang="en-US" dirty="0" smtClean="0">
+                <a:solidFill>
+                  <a:srgbClr val="92D050"/>
+                </a:solidFill>
+              </a:rPr>
+              <a:t>[0</a:t>
+            </a:r>
+            <a:r>
+              <a:rPr lang="ru-RU" dirty="0" smtClean="0">
+                <a:solidFill>
+                  <a:srgbClr val="92D050"/>
+                </a:solidFill>
+              </a:rPr>
+              <a:t>5</a:t>
+            </a:r>
+            <a:r>
+              <a:rPr lang="en-US" dirty="0" smtClean="0">
+                <a:solidFill>
+                  <a:srgbClr val="92D050"/>
+                </a:solidFill>
+              </a:rPr>
+              <a:t>]</a:t>
+            </a:r>
+            <a:r>
+              <a:rPr lang="en-US" dirty="0" smtClean="0"/>
+              <a:t> </a:t>
             </a:r>
             <a:r>
               <a:rPr lang="en-US" dirty="0"/>
-              <a:t>Windows </a:t>
+              <a:t>Visual Studio </a:t>
             </a:r>
             <a:r>
               <a:rPr lang="en-US" dirty="0" smtClean="0"/>
-              <a:t>Vista, Windows 7 </a:t>
+              <a:t>200</a:t>
             </a:r>
             <a:r>
               <a:rPr lang="ru-RU" dirty="0" smtClean="0"/>
-              <a:t>или </a:t>
+              <a:t>5</a:t>
+            </a:r>
+            <a:endParaRPr lang="ru-RU" dirty="0" smtClean="0">
+              <a:solidFill>
+                <a:srgbClr val="92D050"/>
+              </a:solidFill>
+            </a:endParaRPr>
+          </a:p>
+          <a:p>
+            <a:pPr lvl="1">
+              <a:buClr>
+                <a:schemeClr val="bg1"/>
+              </a:buClr>
+            </a:pPr>
+            <a:r>
+              <a:rPr lang="en-US" dirty="0" smtClean="0">
+                <a:solidFill>
+                  <a:srgbClr val="92D050"/>
+                </a:solidFill>
+              </a:rPr>
+              <a:t>[10</a:t>
+            </a:r>
+            <a:r>
+              <a:rPr lang="en-US" dirty="0">
+                <a:solidFill>
+                  <a:srgbClr val="92D050"/>
+                </a:solidFill>
+              </a:rPr>
+              <a:t>]</a:t>
+            </a:r>
+            <a:r>
+              <a:rPr lang="en-US" dirty="0"/>
+              <a:t> </a:t>
             </a:r>
             <a:r>
               <a:rPr lang="en-US" dirty="0" smtClean="0"/>
-              <a:t>Windows 8 </a:t>
-            </a:r>
+              <a:t>Visual Studio 2010</a:t>
+            </a:r>
+          </a:p>
+          <a:p>
+            <a:pPr lvl="1">
+              <a:buClr>
+                <a:schemeClr val="bg1"/>
+              </a:buClr>
+            </a:pPr>
+            <a:r>
+              <a:rPr lang="en-US" dirty="0" smtClean="0">
+                <a:solidFill>
+                  <a:srgbClr val="92D050"/>
+                </a:solidFill>
+              </a:rPr>
+              <a:t>[</a:t>
+            </a:r>
+            <a:r>
+              <a:rPr lang="en-US" dirty="0">
+                <a:solidFill>
+                  <a:srgbClr val="92D050"/>
+                </a:solidFill>
+              </a:rPr>
+              <a:t>12]</a:t>
+            </a:r>
+            <a:r>
+              <a:rPr lang="en-US" dirty="0"/>
+              <a:t> Visual Studio </a:t>
+            </a:r>
+            <a:r>
+              <a:rPr lang="en-US" dirty="0" smtClean="0"/>
+              <a:t>2012</a:t>
+            </a:r>
+            <a:endParaRPr lang="ru-RU" dirty="0" smtClean="0"/>
+          </a:p>
+          <a:p>
+            <a:pPr marL="0" indent="0">
+              <a:buClr>
+                <a:schemeClr val="bg1"/>
+              </a:buClr>
+              <a:buNone/>
+            </a:pPr>
+            <a:endParaRPr lang="en-US" dirty="0" smtClean="0"/>
+          </a:p>
+          <a:p>
+            <a:pPr marL="0" indent="0">
+              <a:buClr>
+                <a:schemeClr val="bg1"/>
+              </a:buClr>
+              <a:buNone/>
+            </a:pPr>
             <a:r>
               <a:rPr lang="ru-RU" dirty="0" smtClean="0"/>
-              <a:t>с включенным </a:t>
+              <a:t>Аналогично обозначаются версии ОС </a:t>
             </a:r>
             <a:r>
               <a:rPr lang="en-US" dirty="0" smtClean="0"/>
-              <a:t>UAC</a:t>
-            </a:r>
-            <a:r>
-              <a:rPr lang="ru-RU" dirty="0" smtClean="0"/>
-              <a:t>, то для корректной работы отладчика рекомендуется всегда запускать </a:t>
-            </a:r>
-            <a:r>
-              <a:rPr lang="en-US" dirty="0" smtClean="0"/>
-              <a:t>VS </a:t>
-            </a:r>
-            <a:r>
-              <a:rPr lang="ru-RU" dirty="0" smtClean="0"/>
-              <a:t>с правами администратора. Для этого откройте свойства следующих файлов, перейдите на закладку </a:t>
-            </a:r>
-            <a:r>
-              <a:rPr lang="en-US" dirty="0" smtClean="0"/>
-              <a:t>Compatibility</a:t>
-            </a:r>
-            <a:r>
-              <a:rPr lang="ru-RU" dirty="0" smtClean="0"/>
-              <a:t> и </a:t>
-            </a:r>
-            <a:r>
-              <a:rPr lang="ru-RU" smtClean="0"/>
-              <a:t>включите опцию </a:t>
-            </a:r>
-            <a:r>
-              <a:rPr lang="ru-RU" dirty="0" smtClean="0"/>
-              <a:t>«</a:t>
-            </a:r>
-            <a:r>
-              <a:rPr lang="en-US" dirty="0" smtClean="0"/>
-              <a:t>Run this program as administrator</a:t>
-            </a:r>
-            <a:r>
-              <a:rPr lang="ru-RU" dirty="0" smtClean="0"/>
-              <a:t>»</a:t>
-            </a:r>
-            <a:r>
-              <a:rPr lang="en-US" dirty="0" smtClean="0"/>
-              <a:t>:</a:t>
-            </a:r>
-          </a:p>
-          <a:p>
-            <a:r>
-              <a:rPr lang="en-US" dirty="0" smtClean="0"/>
-              <a:t>Devenv.exe</a:t>
-            </a:r>
-          </a:p>
-          <a:p>
-            <a:pPr lvl="1"/>
-            <a:r>
-              <a:rPr lang="en-US" dirty="0"/>
-              <a:t>(win 64) "C:\Program Files (x86)\Microsoft Visual Studio </a:t>
-            </a:r>
-            <a:r>
-              <a:rPr lang="en-US" dirty="0" smtClean="0"/>
-              <a:t>XX.Y\Common7\IDE\“</a:t>
-            </a:r>
-          </a:p>
-          <a:p>
-            <a:pPr lvl="1"/>
-            <a:r>
-              <a:rPr lang="en-US" dirty="0"/>
-              <a:t>(win </a:t>
-            </a:r>
-            <a:r>
-              <a:rPr lang="en-US" dirty="0" smtClean="0"/>
-              <a:t>32) </a:t>
-            </a:r>
-            <a:r>
-              <a:rPr lang="en-US" dirty="0"/>
-              <a:t>"C:\Program </a:t>
-            </a:r>
-            <a:r>
-              <a:rPr lang="en-US" dirty="0" smtClean="0"/>
-              <a:t>Files\Microsoft </a:t>
-            </a:r>
-            <a:r>
-              <a:rPr lang="en-US" dirty="0"/>
-              <a:t>Visual Studio XX.Y\Common7\IDE</a:t>
-            </a:r>
-            <a:r>
-              <a:rPr lang="en-US" dirty="0" smtClean="0"/>
-              <a:t>\“</a:t>
-            </a:r>
-          </a:p>
-          <a:p>
-            <a:r>
-              <a:rPr lang="en-US" dirty="0" smtClean="0"/>
-              <a:t>VSLauncher.exe</a:t>
-            </a:r>
-          </a:p>
-          <a:p>
-            <a:pPr lvl="1"/>
-            <a:r>
-              <a:rPr lang="en-US" dirty="0" smtClean="0"/>
-              <a:t>(win 64) "C</a:t>
-            </a:r>
-            <a:r>
-              <a:rPr lang="en-US" dirty="0"/>
-              <a:t>:\Program Files (x86)\Common Files\</a:t>
-            </a:r>
-            <a:r>
-              <a:rPr lang="en-US" dirty="0" err="1"/>
-              <a:t>microsoft</a:t>
-            </a:r>
-            <a:r>
-              <a:rPr lang="en-US" dirty="0"/>
-              <a:t> shared\</a:t>
-            </a:r>
-            <a:r>
-              <a:rPr lang="en-US" dirty="0" err="1"/>
-              <a:t>MSEnv</a:t>
-            </a:r>
-            <a:r>
-              <a:rPr lang="en-US" dirty="0" smtClean="0"/>
-              <a:t>\“</a:t>
-            </a:r>
-          </a:p>
-          <a:p>
-            <a:pPr lvl="1"/>
-            <a:r>
-              <a:rPr lang="en-US" dirty="0"/>
-              <a:t>(win 32) "C:\Program </a:t>
-            </a:r>
-            <a:r>
-              <a:rPr lang="en-US" dirty="0" smtClean="0"/>
-              <a:t>Files\Common </a:t>
-            </a:r>
-            <a:r>
-              <a:rPr lang="en-US" dirty="0"/>
-              <a:t>Files\</a:t>
-            </a:r>
-            <a:r>
-              <a:rPr lang="en-US" dirty="0" err="1"/>
-              <a:t>microsoft</a:t>
-            </a:r>
-            <a:r>
-              <a:rPr lang="en-US" dirty="0"/>
-              <a:t> shared\</a:t>
-            </a:r>
-            <a:r>
-              <a:rPr lang="en-US" dirty="0" err="1"/>
-              <a:t>MSEnv</a:t>
-            </a:r>
-            <a:r>
-              <a:rPr lang="en-US" dirty="0"/>
-              <a:t>\"</a:t>
-            </a:r>
+              <a:t>Windows</a:t>
+            </a:r>
+            <a:endParaRPr lang="en-US" dirty="0"/>
           </a:p>
         </p:txBody>
       </p:sp>
     </p:spTree>
     <p:extLst>
       <p:ext uri="{BB962C8B-B14F-4D97-AF65-F5344CB8AC3E}">
-        <p14:creationId xmlns:p14="http://schemas.microsoft.com/office/powerpoint/2010/main" val="536631026"/>
+        <p14:creationId xmlns:p14="http://schemas.microsoft.com/office/powerpoint/2010/main" val="2311832295"/>
       </p:ext>
     </p:extLst>
   </p:cSld>
   <p:clrMapOvr>
     <a:masterClrMapping/>
+  </p:clrMapOvr>
+</p:sld>
+</file>
+
+<file path=ppt/slides/slide5.xml><?xml version="1.0" encoding="utf-8"?>
+<p:sld xmlns:a="http://schemas.openxmlformats.org/drawingml/2006/main" xmlns:r="http://schemas.openxmlformats.org/officeDocument/2006/relationships" xmlns:p="http://schemas.openxmlformats.org/presentationml/2006/main">
+  <p:cSld>
+    <p:bg>
+      <p:bgPr>
+        <a:blipFill dpi="0" rotWithShape="1">
+          <a:blip r:embed="rId3">
+            <a:lum/>
+          </a:blip>
+          <a:srcRect/>
+          <a:stretch>
+            <a:fillRect/>
+          </a:stretch>
+        </a:blipFill>
+        <a:effectLst/>
+      </p:bgPr>
+    </p:bg>
+    <p:spTree>
+      <p:nvGrpSpPr>
+        <p:cNvPr id="1" name=""/>
+        <p:cNvGrpSpPr/>
+        <p:nvPr/>
+      </p:nvGrpSpPr>
+      <p:grpSpPr>
+        <a:xfrm>
+          <a:off x="0" y="0"/>
+          <a:ext cx="0" cy="0"/>
+          <a:chOff x="0" y="0"/>
+          <a:chExt cx="0" cy="0"/>
+        </a:xfrm>
+      </p:grpSpPr>
+      <p:sp>
+        <p:nvSpPr>
+          <p:cNvPr id="2" name="Title 1"/>
+          <p:cNvSpPr>
+            <a:spLocks noGrp="1"/>
+          </p:cNvSpPr>
+          <p:nvPr>
+            <p:ph type="title"/>
+          </p:nvPr>
+        </p:nvSpPr>
+        <p:spPr/>
+        <p:txBody>
+          <a:bodyPr/>
+          <a:lstStyle/>
+          <a:p>
+            <a:r>
+              <a:rPr lang="ru-RU" dirty="0"/>
+              <a:t>Условные обозначения</a:t>
+            </a:r>
+            <a:endParaRPr lang="en-US" dirty="0"/>
+          </a:p>
+        </p:txBody>
+      </p:sp>
+      <p:sp>
+        <p:nvSpPr>
+          <p:cNvPr id="3" name="Content Placeholder 2"/>
+          <p:cNvSpPr>
+            <a:spLocks noGrp="1"/>
+          </p:cNvSpPr>
+          <p:nvPr>
+            <p:ph idx="1"/>
+          </p:nvPr>
+        </p:nvSpPr>
+        <p:spPr/>
+        <p:txBody>
+          <a:bodyPr>
+            <a:normAutofit/>
+          </a:bodyPr>
+          <a:lstStyle/>
+          <a:p>
+            <a:pPr marL="0" indent="0">
+              <a:buClr>
+                <a:schemeClr val="bg1"/>
+              </a:buClr>
+              <a:buNone/>
+            </a:pPr>
+            <a:r>
+              <a:rPr lang="ru-RU" dirty="0" smtClean="0">
+                <a:solidFill>
+                  <a:schemeClr val="bg1"/>
+                </a:solidFill>
+              </a:rPr>
+              <a:t>Информация на слайдах с красным фоном относится к </a:t>
+            </a:r>
+            <a:r>
+              <a:rPr lang="en-US" dirty="0" smtClean="0">
+                <a:solidFill>
+                  <a:schemeClr val="bg1"/>
+                </a:solidFill>
+              </a:rPr>
+              <a:t>Visual Studio </a:t>
+            </a:r>
+            <a:r>
+              <a:rPr lang="ru-RU" dirty="0" smtClean="0">
+                <a:solidFill>
+                  <a:schemeClr val="bg1"/>
+                </a:solidFill>
+              </a:rPr>
+              <a:t>с установленным </a:t>
+            </a:r>
+            <a:r>
+              <a:rPr lang="en-US" dirty="0" smtClean="0">
+                <a:solidFill>
+                  <a:schemeClr val="bg1"/>
+                </a:solidFill>
+              </a:rPr>
+              <a:t>JetBrains ReSharper</a:t>
+            </a:r>
+            <a:endParaRPr lang="ru-RU" dirty="0" smtClean="0">
+              <a:solidFill>
+                <a:schemeClr val="bg1"/>
+              </a:solidFill>
+            </a:endParaRPr>
+          </a:p>
+          <a:p>
+            <a:pPr marL="0" indent="0">
+              <a:buClr>
+                <a:schemeClr val="bg1"/>
+              </a:buClr>
+              <a:buNone/>
+            </a:pPr>
+            <a:endParaRPr lang="ru-RU" dirty="0">
+              <a:solidFill>
+                <a:schemeClr val="bg1"/>
+              </a:solidFill>
+            </a:endParaRPr>
+          </a:p>
+          <a:p>
+            <a:pPr marL="0" indent="0">
+              <a:buClr>
+                <a:schemeClr val="bg1"/>
+              </a:buClr>
+              <a:buNone/>
+            </a:pPr>
+            <a:r>
+              <a:rPr lang="en-US" dirty="0">
+                <a:solidFill>
+                  <a:schemeClr val="bg1"/>
+                </a:solidFill>
+                <a:hlinkClick r:id="rId4"/>
+              </a:rPr>
+              <a:t>http://www.jetbrains.com/resharper</a:t>
+            </a:r>
+            <a:r>
+              <a:rPr lang="en-US" dirty="0" smtClean="0">
+                <a:solidFill>
+                  <a:schemeClr val="bg1"/>
+                </a:solidFill>
+                <a:hlinkClick r:id="rId4"/>
+              </a:rPr>
+              <a:t>/</a:t>
+            </a:r>
+            <a:endParaRPr lang="ru-RU" dirty="0" smtClean="0">
+              <a:solidFill>
+                <a:schemeClr val="bg1"/>
+              </a:solidFill>
+            </a:endParaRPr>
+          </a:p>
+          <a:p>
+            <a:pPr marL="0" indent="0">
+              <a:buClr>
+                <a:schemeClr val="bg1"/>
+              </a:buClr>
+              <a:buNone/>
+            </a:pPr>
+            <a:endParaRPr lang="en-US" dirty="0">
+              <a:solidFill>
+                <a:schemeClr val="bg1"/>
+              </a:solidFill>
+            </a:endParaRPr>
+          </a:p>
+        </p:txBody>
+      </p:sp>
+    </p:spTree>
+    <p:extLst>
+      <p:ext uri="{BB962C8B-B14F-4D97-AF65-F5344CB8AC3E}">
+        <p14:creationId xmlns:p14="http://schemas.microsoft.com/office/powerpoint/2010/main" val="1403348644"/>
+      </p:ext>
+    </p:extLst>
+  </p:cSld>
+  <p:clrMapOvr>
+    <a:overrideClrMapping bg1="lt1" tx1="dk1" bg2="lt2" tx2="dk2" accent1="accent1" accent2="accent2" accent3="accent3" accent4="accent4" accent5="accent5" accent6="accent6" hlink="hlink" folHlink="folHlink"/>
   </p:clrMapOvr>
 </p:sld>
 </file>
@@ -10337,14 +10342,14 @@
           <a:lstStyle/>
           <a:p>
             <a:r>
+              <a:rPr lang="en-US" dirty="0" smtClean="0"/>
+              <a:t>Visual Studio </a:t>
+            </a:r>
+            <a:r>
               <a:rPr lang="ru-RU" dirty="0" smtClean="0"/>
-              <a:t>Аргументы командной строки для </a:t>
-            </a:r>
-            <a:r>
-              <a:rPr lang="en-US" dirty="0"/>
-              <a:t>Visual Studio (Devenv.exe)</a:t>
-            </a:r>
-            <a:endParaRPr lang="ru-RU" dirty="0"/>
+              <a:t>и права администратора</a:t>
+            </a:r>
+            <a:endParaRPr lang="en-US" dirty="0"/>
           </a:p>
         </p:txBody>
       </p:sp>
@@ -10360,53 +10365,197 @@
         </p:nvSpPr>
         <p:spPr/>
         <p:txBody>
-          <a:bodyPr/>
+          <a:bodyPr>
+            <a:normAutofit fontScale="70000" lnSpcReduction="20000"/>
+          </a:bodyPr>
           <a:lstStyle/>
           <a:p>
+            <a:pPr marL="0" indent="0">
+              <a:buNone/>
+            </a:pPr>
+            <a:r>
+              <a:rPr lang="ru-RU" dirty="0" smtClean="0"/>
+              <a:t>Если у вас установлена </a:t>
+            </a:r>
             <a:r>
               <a:rPr lang="en-US" dirty="0"/>
-              <a:t>/</a:t>
-            </a:r>
-            <a:r>
-              <a:rPr lang="en-US" dirty="0" err="1" smtClean="0"/>
-              <a:t>SafeMode</a:t>
-            </a:r>
-            <a:endParaRPr lang="en-US" dirty="0" smtClean="0"/>
+              <a:t>Windows </a:t>
+            </a:r>
+            <a:r>
+              <a:rPr lang="en-US" dirty="0" smtClean="0"/>
+              <a:t>Vista, Windows 7 </a:t>
+            </a:r>
+            <a:r>
+              <a:rPr lang="ru-RU" dirty="0" smtClean="0"/>
+              <a:t>или </a:t>
+            </a:r>
+            <a:r>
+              <a:rPr lang="en-US" dirty="0" smtClean="0"/>
+              <a:t>Windows 8 </a:t>
+            </a:r>
+            <a:r>
+              <a:rPr lang="ru-RU" dirty="0" smtClean="0"/>
+              <a:t>с включенным </a:t>
+            </a:r>
+            <a:r>
+              <a:rPr lang="en-US" dirty="0" smtClean="0"/>
+              <a:t>UAC</a:t>
+            </a:r>
+            <a:r>
+              <a:rPr lang="ru-RU" dirty="0" smtClean="0"/>
+              <a:t>, то для корректной работы отладчика рекомендуется всегда запускать </a:t>
+            </a:r>
+            <a:r>
+              <a:rPr lang="en-US" dirty="0" smtClean="0"/>
+              <a:t>VS </a:t>
+            </a:r>
+            <a:r>
+              <a:rPr lang="ru-RU" dirty="0" smtClean="0"/>
+              <a:t>с правами администратора. Для этого откройте свойства следующих файлов, перейдите на закладку </a:t>
+            </a:r>
+            <a:r>
+              <a:rPr lang="en-US" dirty="0" smtClean="0"/>
+              <a:t>Compatibility</a:t>
+            </a:r>
+            <a:r>
+              <a:rPr lang="ru-RU" dirty="0" smtClean="0"/>
+              <a:t> и </a:t>
+            </a:r>
+            <a:r>
+              <a:rPr lang="ru-RU" smtClean="0"/>
+              <a:t>включите опцию </a:t>
+            </a:r>
+            <a:r>
+              <a:rPr lang="ru-RU" dirty="0" smtClean="0"/>
+              <a:t>«</a:t>
+            </a:r>
+            <a:r>
+              <a:rPr lang="en-US" dirty="0" smtClean="0"/>
+              <a:t>Run this program as administrator</a:t>
+            </a:r>
+            <a:r>
+              <a:rPr lang="ru-RU" dirty="0" smtClean="0"/>
+              <a:t>»</a:t>
+            </a:r>
+            <a:r>
+              <a:rPr lang="en-US" dirty="0" smtClean="0"/>
+              <a:t>:</a:t>
+            </a:r>
+          </a:p>
+          <a:p>
+            <a:r>
+              <a:rPr lang="en-US" dirty="0" smtClean="0"/>
+              <a:t>Devenv.exe</a:t>
+            </a:r>
           </a:p>
           <a:p>
             <a:pPr lvl="1"/>
             <a:r>
-              <a:rPr lang="ru-RU" dirty="0" smtClean="0"/>
-              <a:t>Безопасный </a:t>
-            </a:r>
-            <a:r>
-              <a:rPr lang="ru-RU" dirty="0"/>
-              <a:t>режим</a:t>
-            </a:r>
-            <a:r>
               <a:rPr lang="en-US" dirty="0"/>
-              <a:t> (</a:t>
-            </a:r>
-            <a:r>
-              <a:rPr lang="ru-RU" dirty="0"/>
-              <a:t>отключает все расширения</a:t>
-            </a:r>
+              <a:t>(win 64) "C:\Program Files (x86)\Microsoft Visual Studio </a:t>
+            </a:r>
+            <a:r>
+              <a:rPr lang="en-US" dirty="0" smtClean="0"/>
+              <a:t>XX.Y\Common7\IDE\“</a:t>
+            </a:r>
+          </a:p>
+          <a:p>
+            <a:pPr lvl="1"/>
             <a:r>
               <a:rPr lang="en-US" dirty="0"/>
-              <a:t>)</a:t>
-            </a:r>
-            <a:endParaRPr lang="ru-RU" dirty="0"/>
+              <a:t>(win </a:t>
+            </a:r>
+            <a:r>
+              <a:rPr lang="en-US" dirty="0" smtClean="0"/>
+              <a:t>32) </a:t>
+            </a:r>
+            <a:r>
+              <a:rPr lang="en-US" dirty="0"/>
+              <a:t>"C:\Program </a:t>
+            </a:r>
+            <a:r>
+              <a:rPr lang="en-US" dirty="0" smtClean="0"/>
+              <a:t>Files\Microsoft </a:t>
+            </a:r>
+            <a:r>
+              <a:rPr lang="en-US" dirty="0"/>
+              <a:t>Visual Studio XX.Y\Common7\IDE</a:t>
+            </a:r>
+            <a:r>
+              <a:rPr lang="en-US" dirty="0" smtClean="0"/>
+              <a:t>\“</a:t>
+            </a:r>
+          </a:p>
+          <a:p>
+            <a:r>
+              <a:rPr lang="en-US" dirty="0" smtClean="0"/>
+              <a:t>VSLauncher.exe</a:t>
+            </a:r>
           </a:p>
           <a:p>
             <a:pPr lvl="1"/>
-            <a:endParaRPr lang="ru-RU" dirty="0"/>
+            <a:r>
+              <a:rPr lang="en-US" dirty="0" smtClean="0"/>
+              <a:t>(win 64) "C</a:t>
+            </a:r>
+            <a:r>
+              <a:rPr lang="en-US" dirty="0"/>
+              <a:t>:\Program Files (x86)\Common Files\</a:t>
+            </a:r>
+            <a:r>
+              <a:rPr lang="en-US" dirty="0" err="1"/>
+              <a:t>microsoft</a:t>
+            </a:r>
+            <a:r>
+              <a:rPr lang="en-US" dirty="0"/>
+              <a:t> shared\</a:t>
+            </a:r>
+            <a:r>
+              <a:rPr lang="en-US" dirty="0" err="1"/>
+              <a:t>MSEnv</a:t>
+            </a:r>
+            <a:r>
+              <a:rPr lang="en-US" dirty="0" smtClean="0"/>
+              <a:t>\“</a:t>
+            </a:r>
+          </a:p>
+          <a:p>
+            <a:pPr lvl="1"/>
+            <a:r>
+              <a:rPr lang="en-US" dirty="0"/>
+              <a:t>(win 32) "C:\Program </a:t>
+            </a:r>
+            <a:r>
+              <a:rPr lang="en-US" dirty="0" smtClean="0"/>
+              <a:t>Files\Common </a:t>
+            </a:r>
+            <a:r>
+              <a:rPr lang="en-US" dirty="0"/>
+              <a:t>Files\</a:t>
+            </a:r>
+            <a:r>
+              <a:rPr lang="en-US" dirty="0" err="1"/>
+              <a:t>microsoft</a:t>
+            </a:r>
+            <a:r>
+              <a:rPr lang="en-US" dirty="0"/>
+              <a:t> shared\</a:t>
+            </a:r>
+            <a:r>
+              <a:rPr lang="en-US" dirty="0" err="1"/>
+              <a:t>MSEnv</a:t>
+            </a:r>
+            <a:r>
+              <a:rPr lang="en-US" dirty="0"/>
+              <a:t>\"</a:t>
+            </a:r>
           </a:p>
         </p:txBody>
       </p:sp>
     </p:spTree>
     <p:extLst>
       <p:ext uri="{BB962C8B-B14F-4D97-AF65-F5344CB8AC3E}">
-        <p14:creationId xmlns:p14="http://schemas.microsoft.com/office/powerpoint/2010/main" val="3059897896"/>
+        <p14:creationId xmlns:p14="http://schemas.microsoft.com/office/powerpoint/2010/main" val="536631026"/>
       </p:ext>
     </p:extLst>
   </p:cSld>
@@ -10445,14 +10594,20 @@
         </p:nvSpPr>
         <p:spPr/>
         <p:txBody>
-          <a:bodyPr/>
+          <a:bodyPr>
+            <a:normAutofit fontScale="90000"/>
+          </a:bodyPr>
           <a:lstStyle/>
           <a:p>
             <a:r>
               <a:rPr lang="ru-RU" dirty="0" smtClean="0"/>
-              <a:t>Редактор</a:t>
-            </a:r>
-            <a:endParaRPr lang="en-US" dirty="0"/>
+              <a:t>Аргументы командной строки для </a:t>
+            </a:r>
+            <a:r>
+              <a:rPr lang="en-US" dirty="0"/>
+              <a:t>Visual Studio (Devenv.exe)</a:t>
+            </a:r>
+            <a:endParaRPr lang="ru-RU" dirty="0"/>
           </a:p>
         </p:txBody>
       </p:sp>
@@ -10468,299 +10623,53 @@
         </p:nvSpPr>
         <p:spPr/>
         <p:txBody>
-          <a:bodyPr>
-            <a:normAutofit lnSpcReduction="10000"/>
-          </a:bodyPr>
+          <a:bodyPr/>
           <a:lstStyle/>
           <a:p>
-            <a:pPr>
-              <a:buClr>
-                <a:schemeClr val="bg1"/>
-              </a:buClr>
-            </a:pPr>
-            <a:r>
-              <a:rPr lang="en-US" dirty="0" smtClean="0">
-                <a:solidFill>
-                  <a:srgbClr val="92D050"/>
-                </a:solidFill>
-              </a:rPr>
-              <a:t>[10]</a:t>
-            </a:r>
-            <a:r>
-              <a:rPr lang="en-US" dirty="0" smtClean="0"/>
-              <a:t> </a:t>
-            </a:r>
+            <a:r>
+              <a:rPr lang="en-US" dirty="0"/>
+              <a:t>/</a:t>
+            </a:r>
+            <a:r>
+              <a:rPr lang="en-US" dirty="0" err="1" smtClean="0"/>
+              <a:t>SafeMode</a:t>
+            </a:r>
+            <a:endParaRPr lang="en-US" dirty="0" smtClean="0"/>
+          </a:p>
+          <a:p>
+            <a:pPr lvl="1"/>
             <a:r>
               <a:rPr lang="ru-RU" dirty="0" smtClean="0"/>
-              <a:t>Изменение размера шрифта </a:t>
-            </a:r>
-            <a:r>
-              <a:rPr lang="en-US" dirty="0">
-                <a:solidFill>
-                  <a:srgbClr val="F6AE1E"/>
-                </a:solidFill>
-              </a:rPr>
-              <a:t>(</a:t>
-            </a:r>
-            <a:r>
-              <a:rPr lang="en-US" dirty="0" err="1">
-                <a:solidFill>
-                  <a:srgbClr val="F6AE1E"/>
-                </a:solidFill>
-              </a:rPr>
-              <a:t>Ctrl+Shift</a:t>
-            </a:r>
-            <a:r>
-              <a:rPr lang="en-US" dirty="0">
-                <a:solidFill>
-                  <a:srgbClr val="F6AE1E"/>
-                </a:solidFill>
-              </a:rPr>
-              <a:t> + &lt;/&gt; </a:t>
-            </a:r>
-            <a:r>
-              <a:rPr lang="ru-RU" dirty="0" smtClean="0">
-                <a:solidFill>
-                  <a:schemeClr val="bg1"/>
-                </a:solidFill>
-              </a:rPr>
-              <a:t>или</a:t>
-            </a:r>
-            <a:r>
-              <a:rPr lang="en-US" dirty="0" smtClean="0">
-                <a:solidFill>
-                  <a:srgbClr val="F6AE1E"/>
-                </a:solidFill>
-              </a:rPr>
-              <a:t> </a:t>
-            </a:r>
-            <a:r>
-              <a:rPr lang="en-US" dirty="0">
-                <a:solidFill>
-                  <a:srgbClr val="F6AE1E"/>
-                </a:solidFill>
-              </a:rPr>
-              <a:t>Ctrl + Mouse Scroll</a:t>
-            </a:r>
-            <a:r>
-              <a:rPr lang="en-US" dirty="0" smtClean="0">
-                <a:solidFill>
-                  <a:srgbClr val="F6AE1E"/>
-                </a:solidFill>
-              </a:rPr>
+              <a:t>Безопасный </a:t>
+            </a:r>
+            <a:r>
+              <a:rPr lang="ru-RU" dirty="0"/>
+              <a:t>режим</a:t>
+            </a:r>
+            <a:r>
+              <a:rPr lang="en-US" dirty="0"/>
+              <a:t> (</a:t>
+            </a:r>
+            <a:r>
+              <a:rPr lang="ru-RU" dirty="0"/>
+              <a:t>отключает все расширения</a:t>
+            </a:r>
+            <a:r>
+              <a:rPr lang="en-US" dirty="0"/>
               <a:t>)</a:t>
             </a:r>
-            <a:endParaRPr lang="ru-RU" dirty="0" smtClean="0">
-              <a:solidFill>
-                <a:srgbClr val="F6AE1E"/>
-              </a:solidFill>
-            </a:endParaRPr>
-          </a:p>
-          <a:p>
-            <a:pPr>
-              <a:buClr>
-                <a:schemeClr val="bg1"/>
-              </a:buClr>
-            </a:pPr>
-            <a:r>
-              <a:rPr lang="en-US" dirty="0">
-                <a:solidFill>
-                  <a:srgbClr val="92D050"/>
-                </a:solidFill>
-              </a:rPr>
-              <a:t>[10]</a:t>
-            </a:r>
-            <a:r>
-              <a:rPr lang="en-US" dirty="0" smtClean="0"/>
-              <a:t> </a:t>
-            </a:r>
-            <a:r>
-              <a:rPr lang="ru-RU" dirty="0" smtClean="0"/>
-              <a:t>Многострочное редактирование</a:t>
-            </a:r>
-            <a:r>
-              <a:rPr lang="en-US" dirty="0" smtClean="0"/>
-              <a:t> </a:t>
-            </a:r>
-            <a:r>
-              <a:rPr lang="en-US" dirty="0" smtClean="0">
-                <a:solidFill>
-                  <a:srgbClr val="F6AE1E"/>
-                </a:solidFill>
-              </a:rPr>
-              <a:t>(</a:t>
-            </a:r>
-            <a:r>
-              <a:rPr lang="en-US" dirty="0" err="1">
-                <a:solidFill>
-                  <a:srgbClr val="F6AE1E"/>
-                </a:solidFill>
-              </a:rPr>
-              <a:t>Alt+Shift</a:t>
-            </a:r>
-            <a:r>
-              <a:rPr lang="en-US" dirty="0">
-                <a:solidFill>
-                  <a:srgbClr val="F6AE1E"/>
-                </a:solidFill>
-              </a:rPr>
-              <a:t> + Up/Down</a:t>
-            </a:r>
-            <a:r>
-              <a:rPr lang="en-US" dirty="0"/>
-              <a:t> </a:t>
-            </a:r>
-            <a:r>
-              <a:rPr lang="ru-RU" dirty="0" smtClean="0"/>
-              <a:t>или</a:t>
-            </a:r>
-            <a:r>
-              <a:rPr lang="en-US" dirty="0" smtClean="0"/>
-              <a:t> </a:t>
-            </a:r>
-            <a:r>
-              <a:rPr lang="en-US" dirty="0">
-                <a:solidFill>
-                  <a:srgbClr val="F6AE1E"/>
-                </a:solidFill>
-              </a:rPr>
-              <a:t>Alt + Mouse Up/Down</a:t>
-            </a:r>
-            <a:r>
-              <a:rPr lang="en-US" dirty="0" smtClean="0">
-                <a:solidFill>
-                  <a:srgbClr val="F6AE1E"/>
-                </a:solidFill>
-              </a:rPr>
-              <a:t>)</a:t>
-            </a:r>
-            <a:endParaRPr lang="ru-RU" dirty="0" smtClean="0">
-              <a:solidFill>
-                <a:srgbClr val="F6AE1E"/>
-              </a:solidFill>
-            </a:endParaRPr>
-          </a:p>
-          <a:p>
-            <a:pPr>
-              <a:buClr>
-                <a:schemeClr val="bg1"/>
-              </a:buClr>
-            </a:pPr>
-            <a:r>
-              <a:rPr lang="en-US" dirty="0" smtClean="0">
-                <a:solidFill>
-                  <a:srgbClr val="92D050"/>
-                </a:solidFill>
-              </a:rPr>
-              <a:t>[0</a:t>
-            </a:r>
-            <a:r>
-              <a:rPr lang="ru-RU" dirty="0" smtClean="0">
-                <a:solidFill>
-                  <a:srgbClr val="92D050"/>
-                </a:solidFill>
-              </a:rPr>
-              <a:t>5</a:t>
-            </a:r>
-            <a:r>
-              <a:rPr lang="en-US" dirty="0" smtClean="0">
-                <a:solidFill>
-                  <a:srgbClr val="92D050"/>
-                </a:solidFill>
-              </a:rPr>
-              <a:t>]</a:t>
-            </a:r>
-            <a:r>
-              <a:rPr lang="en-US" dirty="0" smtClean="0"/>
-              <a:t> </a:t>
-            </a:r>
-            <a:r>
-              <a:rPr lang="ru-RU" dirty="0" smtClean="0"/>
-              <a:t>Вставка текста из ц</a:t>
-            </a:r>
-            <a:r>
-              <a:rPr lang="ru-RU" dirty="0" smtClean="0">
-                <a:solidFill>
-                  <a:schemeClr val="bg1"/>
-                </a:solidFill>
-              </a:rPr>
-              <a:t>иклического буфера обмена </a:t>
-            </a:r>
-            <a:r>
-              <a:rPr lang="en-US" dirty="0">
-                <a:solidFill>
-                  <a:srgbClr val="F6AE1E"/>
-                </a:solidFill>
-              </a:rPr>
-              <a:t>(</a:t>
-            </a:r>
-            <a:r>
-              <a:rPr lang="en-US" dirty="0" err="1">
-                <a:solidFill>
-                  <a:srgbClr val="F6AE1E"/>
-                </a:solidFill>
-              </a:rPr>
-              <a:t>Ctrl+Shift</a:t>
-            </a:r>
-            <a:r>
-              <a:rPr lang="en-US" dirty="0">
-                <a:solidFill>
-                  <a:srgbClr val="F6AE1E"/>
-                </a:solidFill>
-              </a:rPr>
-              <a:t> + V</a:t>
-            </a:r>
-            <a:r>
-              <a:rPr lang="en-US" dirty="0" smtClean="0">
-                <a:solidFill>
-                  <a:srgbClr val="F6AE1E"/>
-                </a:solidFill>
-              </a:rPr>
-              <a:t>)</a:t>
-            </a:r>
-            <a:endParaRPr lang="ru-RU" dirty="0" smtClean="0">
-              <a:solidFill>
-                <a:srgbClr val="F6AE1E"/>
-              </a:solidFill>
-            </a:endParaRPr>
-          </a:p>
-          <a:p>
-            <a:pPr>
-              <a:buClr>
-                <a:schemeClr val="bg1"/>
-              </a:buClr>
-            </a:pPr>
-            <a:r>
-              <a:rPr lang="ru-RU" smtClean="0">
-                <a:solidFill>
-                  <a:schemeClr val="bg1"/>
-                </a:solidFill>
-              </a:rPr>
-              <a:t>Прокрутка текста без изменения положения курсора</a:t>
-            </a:r>
-            <a:r>
-              <a:rPr lang="en-US" dirty="0" smtClean="0">
-                <a:solidFill>
-                  <a:schemeClr val="bg1"/>
-                </a:solidFill>
-              </a:rPr>
-              <a:t> </a:t>
-            </a:r>
-            <a:r>
-              <a:rPr lang="en-US" dirty="0">
-                <a:solidFill>
-                  <a:srgbClr val="F6AE1E"/>
-                </a:solidFill>
-              </a:rPr>
-              <a:t>(Ctrl + Up/Down Arrow)</a:t>
-            </a:r>
+            <a:endParaRPr lang="ru-RU" dirty="0"/>
+          </a:p>
+          <a:p>
+            <a:pPr lvl="1"/>
+            <a:endParaRPr lang="ru-RU" dirty="0"/>
           </a:p>
         </p:txBody>
       </p:sp>
     </p:spTree>
     <p:extLst>
       <p:ext uri="{BB962C8B-B14F-4D97-AF65-F5344CB8AC3E}">
-        <p14:creationId xmlns:p14="http://schemas.microsoft.com/office/powerpoint/2010/main" val="468185828"/>
+        <p14:creationId xmlns:p14="http://schemas.microsoft.com/office/powerpoint/2010/main" val="3059897896"/>
       </p:ext>
     </p:extLst>
   </p:cSld>
@@ -10806,14 +10715,6 @@
               <a:rPr lang="ru-RU" dirty="0" smtClean="0"/>
               <a:t>Редактор</a:t>
             </a:r>
-            <a:r>
-              <a:rPr lang="en-US" dirty="0" smtClean="0"/>
-              <a:t>: </a:t>
-            </a:r>
-            <a:r>
-              <a:rPr lang="ru-RU" dirty="0" smtClean="0"/>
-              <a:t>Поиск текста</a:t>
-            </a:r>
             <a:endParaRPr lang="en-US" dirty="0"/>
           </a:p>
         </p:txBody>
@@ -10831,7 +10732,7 @@
         <p:spPr/>
         <p:txBody>
           <a:bodyPr>
-            <a:normAutofit fontScale="85000" lnSpcReduction="10000"/>
+            <a:normAutofit lnSpcReduction="10000"/>
           </a:bodyPr>
           <a:lstStyle/>
           <a:p>
@@ -10841,12 +10742,44 @@
               </a:buClr>
             </a:pPr>
             <a:r>
-              <a:rPr lang="en-US" dirty="0" err="1" smtClean="0">
+              <a:rPr lang="en-US" dirty="0" smtClean="0">
+                <a:solidFill>
+                  <a:srgbClr val="92D050"/>
+                </a:solidFill>
+              </a:rPr>
+              <a:t>[10]</a:t>
+            </a:r>
+            <a:r>
+              <a:rPr lang="en-US" dirty="0" smtClean="0"/>
+              <a:t> </a:t>
+            </a:r>
+            <a:r>
+              <a:rPr lang="ru-RU" dirty="0" smtClean="0"/>
+              <a:t>Изменение размера шрифта </a:t>
+            </a:r>
+            <a:r>
+              <a:rPr lang="en-US" dirty="0">
                 <a:solidFill>
                   <a:srgbClr val="F6AE1E"/>
                 </a:solidFill>
               </a:rPr>
-              <a:t>Ctrl+i</a:t>
+              <a:t>(</a:t>
+            </a:r>
+            <a:r>
+              <a:rPr lang="en-US" dirty="0" err="1">
+                <a:solidFill>
+                  <a:srgbClr val="F6AE1E"/>
+                </a:solidFill>
+              </a:rPr>
+              <a:t>Ctrl+Shift</a:t>
+            </a:r>
+            <a:r>
+              <a:rPr lang="en-US" dirty="0">
+                <a:solidFill>
+                  <a:srgbClr val="F6AE1E"/>
+                </a:solidFill>
+              </a:rPr>
+              <a:t> + &lt;/&gt; </a:t>
             </a:r>
             <a:r>
               <a:rPr lang="ru-RU" dirty="0" smtClean="0">
@@ -10854,8 +10787,37 @@
                   <a:schemeClr val="bg1"/>
                 </a:solidFill>
               </a:rPr>
-              <a:t> поиск</a:t>
-            </a:r>
+              <a:t>или</a:t>
+            </a:r>
+            <a:r>
+              <a:rPr lang="en-US" dirty="0" smtClean="0">
+                <a:solidFill>
+                  <a:srgbClr val="F6AE1E"/>
+                </a:solidFill>
+              </a:rPr>
+              <a:t> </a:t>
+            </a:r>
+            <a:r>
+              <a:rPr lang="en-US" dirty="0">
+                <a:solidFill>
+                  <a:srgbClr val="F6AE1E"/>
+                </a:solidFill>
+              </a:rPr>
+              <a:t>Ctrl + Mouse Scroll</a:t>
+            </a:r>
+            <a:r>
+              <a:rPr lang="en-US" dirty="0" smtClean="0">
+                <a:solidFill>
+                  <a:srgbClr val="F6AE1E"/>
+                </a:solidFill>
+              </a:rPr>
+              <a:t>)</a:t>
+            </a:r>
+            <a:endParaRPr lang="ru-RU" dirty="0" smtClean="0">
+              <a:solidFill>
+                <a:srgbClr val="F6AE1E"/>
+              </a:solidFill>
+            </a:endParaRPr>
           </a:p>
           <a:p>
             <a:pPr>
@@ -10866,27 +10828,80 @@
             <a:r>
               <a:rPr lang="en-US" dirty="0">
                 <a:solidFill>
+                  <a:srgbClr val="92D050"/>
+                </a:solidFill>
+              </a:rPr>
+              <a:t>[10]</a:t>
+            </a:r>
+            <a:r>
+              <a:rPr lang="en-US" dirty="0" smtClean="0"/>
+              <a:t> </a:t>
+            </a:r>
+            <a:r>
+              <a:rPr lang="ru-RU" dirty="0" smtClean="0"/>
+              <a:t>Многострочное редактирование</a:t>
+            </a:r>
+            <a:r>
+              <a:rPr lang="en-US" dirty="0" smtClean="0"/>
+              <a:t> </a:t>
+            </a:r>
+            <a:r>
+              <a:rPr lang="en-US" dirty="0" smtClean="0">
+                <a:solidFill>
                   <a:srgbClr val="F6AE1E"/>
                 </a:solidFill>
               </a:rPr>
-              <a:t>F3/Shift+F3</a:t>
+              <a:t>(</a:t>
+            </a:r>
+            <a:r>
+              <a:rPr lang="en-US" dirty="0" err="1">
+                <a:solidFill>
+                  <a:srgbClr val="F6AE1E"/>
+                </a:solidFill>
+              </a:rPr>
+              <a:t>Alt+Shift</a:t>
+            </a:r>
+            <a:r>
+              <a:rPr lang="en-US" dirty="0">
+                <a:solidFill>
+                  <a:srgbClr val="F6AE1E"/>
+                </a:solidFill>
+              </a:rPr>
+              <a:t> + Up/Down</a:t>
+            </a:r>
+            <a:r>
+              <a:rPr lang="en-US" dirty="0"/>
+              <a:t> </a:t>
+            </a:r>
+            <a:r>
+              <a:rPr lang="ru-RU" dirty="0" smtClean="0"/>
+              <a:t>или</a:t>
+            </a:r>
+            <a:r>
+              <a:rPr lang="en-US" dirty="0" smtClean="0"/>
+              <a:t> </a:t>
+            </a:r>
+            <a:r>
+              <a:rPr lang="en-US" dirty="0">
+                <a:solidFill>
+                  <a:srgbClr val="F6AE1E"/>
+                </a:solidFill>
+              </a:rPr>
+              <a:t>Alt + Mouse Up/Down</a:t>
             </a:r>
             <a:r>
               <a:rPr lang="en-US" dirty="0" smtClean="0">
                 <a:solidFill>
-                  <a:schemeClr val="bg1"/>
-                </a:solidFill>
-              </a:rPr>
-              <a:t> </a:t>
-            </a:r>
-            <a:r>
-              <a:rPr lang="ru-RU" dirty="0" smtClean="0">
-                <a:solidFill>
-                  <a:schemeClr val="bg1"/>
-                </a:solidFill>
-              </a:rPr>
-              <a:t>найти следующее/предыдущее вхождение строки</a:t>
-            </a:r>
+                  <a:srgbClr val="F6AE1E"/>
+                </a:solidFill>
+              </a:rPr>
+              <a:t>)</a:t>
+            </a:r>
+            <a:endParaRPr lang="ru-RU" dirty="0" smtClean="0">
+              <a:solidFill>
+                <a:srgbClr val="F6AE1E"/>
+              </a:solidFill>
+            </a:endParaRPr>
           </a:p>
           <a:p>
             <a:pPr>
@@ -10895,29 +10910,82 @@
               </a:buClr>
             </a:pPr>
             <a:r>
+              <a:rPr lang="en-US" dirty="0" smtClean="0">
+                <a:solidFill>
+                  <a:srgbClr val="92D050"/>
+                </a:solidFill>
+              </a:rPr>
+              <a:t>[0</a:t>
+            </a:r>
+            <a:r>
+              <a:rPr lang="ru-RU" dirty="0" smtClean="0">
+                <a:solidFill>
+                  <a:srgbClr val="92D050"/>
+                </a:solidFill>
+              </a:rPr>
+              <a:t>5</a:t>
+            </a:r>
+            <a:r>
+              <a:rPr lang="en-US" dirty="0" smtClean="0">
+                <a:solidFill>
+                  <a:srgbClr val="92D050"/>
+                </a:solidFill>
+              </a:rPr>
+              <a:t>]</a:t>
+            </a:r>
+            <a:r>
+              <a:rPr lang="en-US" dirty="0" smtClean="0"/>
+              <a:t> </a:t>
+            </a:r>
+            <a:r>
+              <a:rPr lang="ru-RU" dirty="0" smtClean="0"/>
+              <a:t>Вставка текста из ц</a:t>
+            </a:r>
+            <a:r>
+              <a:rPr lang="ru-RU" dirty="0" smtClean="0">
+                <a:solidFill>
+                  <a:schemeClr val="bg1"/>
+                </a:solidFill>
+              </a:rPr>
+              <a:t>иклического буфера обмена </a:t>
+            </a:r>
+            <a:r>
               <a:rPr lang="en-US" dirty="0">
                 <a:solidFill>
                   <a:srgbClr val="F6AE1E"/>
                 </a:solidFill>
               </a:rPr>
-              <a:t>Ctrl+F3</a:t>
+              <a:t>(</a:t>
+            </a:r>
+            <a:r>
+              <a:rPr lang="en-US" dirty="0" err="1">
+                <a:solidFill>
+                  <a:srgbClr val="F6AE1E"/>
+                </a:solidFill>
+              </a:rPr>
+              <a:t>Ctrl+Shift</a:t>
+            </a:r>
+            <a:r>
+              <a:rPr lang="en-US" dirty="0">
+                <a:solidFill>
+                  <a:srgbClr val="F6AE1E"/>
+                </a:solidFill>
+              </a:rPr>
+              <a:t> + V</a:t>
             </a:r>
             <a:r>
               <a:rPr lang="en-US" dirty="0" smtClean="0">
                 <a:solidFill>
-                  <a:schemeClr val="bg1"/>
-                </a:solidFill>
-              </a:rPr>
-              <a:t> </a:t>
-            </a:r>
-            <a:r>
-              <a:rPr lang="ru-RU" dirty="0" smtClean="0">
-                <a:solidFill>
-                  <a:schemeClr val="bg1"/>
-                </a:solidFill>
-              </a:rPr>
-              <a:t>найти следующее вхождение выделенного текста</a:t>
-            </a:r>
+                  <a:srgbClr val="F6AE1E"/>
+                </a:solidFill>
+              </a:rPr>
+              <a:t>)</a:t>
+            </a:r>
+            <a:endParaRPr lang="ru-RU" dirty="0" smtClean="0">
+              <a:solidFill>
+                <a:srgbClr val="F6AE1E"/>
+              </a:solidFill>
+            </a:endParaRPr>
           </a:p>
           <a:p>
             <a:pPr>
@@ -10926,113 +10994,36 @@
               </a:buClr>
             </a:pPr>
             <a:r>
-              <a:rPr lang="en-US" dirty="0" err="1">
+              <a:rPr lang="ru-RU" smtClean="0">
+                <a:solidFill>
+                  <a:schemeClr val="bg1"/>
+                </a:solidFill>
+              </a:rPr>
+              <a:t>Прокрутка текста без изменения положения курсора</a:t>
+            </a:r>
+            <a:r>
+              <a:rPr lang="en-US" dirty="0" smtClean="0">
+                <a:solidFill>
+                  <a:schemeClr val="bg1"/>
+                </a:solidFill>
+              </a:rPr>
+              <a:t> </a:t>
+            </a:r>
+            <a:r>
+              <a:rPr lang="en-US" dirty="0">
                 <a:solidFill>
                   <a:srgbClr val="F6AE1E"/>
                 </a:solidFill>
               </a:rPr>
-              <a:t>Ctrl+Shift+F</a:t>
-            </a:r>
-            <a:r>
-              <a:rPr lang="en-US" dirty="0" smtClean="0">
-                <a:solidFill>
-                  <a:schemeClr val="bg1"/>
-                </a:solidFill>
-              </a:rPr>
-              <a:t> </a:t>
-            </a:r>
-            <a:r>
-              <a:rPr lang="ru-RU" dirty="0" smtClean="0">
-                <a:solidFill>
-                  <a:schemeClr val="bg1"/>
-                </a:solidFill>
-              </a:rPr>
-              <a:t>найти в </a:t>
-            </a:r>
-            <a:r>
-              <a:rPr lang="en-US" dirty="0" smtClean="0">
-                <a:solidFill>
-                  <a:schemeClr val="bg1"/>
-                </a:solidFill>
-              </a:rPr>
-              <a:t>solution</a:t>
-            </a:r>
-          </a:p>
-          <a:p>
-            <a:pPr marL="0" indent="0">
-              <a:buClr>
-                <a:schemeClr val="bg1"/>
-              </a:buClr>
-              <a:buNone/>
-            </a:pPr>
-            <a:endParaRPr lang="ru-RU" dirty="0" smtClean="0">
-              <a:solidFill>
-                <a:schemeClr val="bg1"/>
-              </a:solidFill>
-            </a:endParaRPr>
-          </a:p>
-          <a:p>
-            <a:pPr>
-              <a:buClr>
-                <a:schemeClr val="bg1"/>
-              </a:buClr>
-            </a:pPr>
-            <a:endParaRPr lang="ru-RU" dirty="0">
-              <a:solidFill>
-                <a:schemeClr val="bg1"/>
-              </a:solidFill>
-            </a:endParaRPr>
-          </a:p>
-          <a:p>
-            <a:pPr marL="0" indent="0">
-              <a:buClr>
-                <a:schemeClr val="bg1"/>
-              </a:buClr>
-              <a:buNone/>
-            </a:pPr>
-            <a:r>
-              <a:rPr lang="en-US" dirty="0">
-                <a:solidFill>
-                  <a:schemeClr val="bg1"/>
-                </a:solidFill>
-                <a:hlinkClick r:id="rId2"/>
-              </a:rPr>
-              <a:t>http://</a:t>
-            </a:r>
-            <a:r>
-              <a:rPr lang="en-US" dirty="0" smtClean="0">
-                <a:solidFill>
-                  <a:schemeClr val="bg1"/>
-                </a:solidFill>
-                <a:hlinkClick r:id="rId2"/>
-              </a:rPr>
-              <a:t>weblogs.asp.net/scottgu/archive/2010/08/24/search-and-navigation-tips-tricks-with-visual-studio.aspx</a:t>
-            </a:r>
-            <a:endParaRPr lang="ru-RU" dirty="0" smtClean="0">
-              <a:solidFill>
-                <a:schemeClr val="bg1"/>
-              </a:solidFill>
-            </a:endParaRPr>
-          </a:p>
-          <a:p>
-            <a:pPr marL="0" indent="0">
-              <a:buClr>
-                <a:schemeClr val="bg1"/>
-              </a:buClr>
-              <a:buNone/>
-            </a:pPr>
-            <a:endParaRPr lang="en-US" dirty="0">
-              <a:solidFill>
-                <a:schemeClr val="bg1"/>
-              </a:solidFill>
-            </a:endParaRPr>
+              <a:t>(Ctrl + Up/Down Arrow)</a:t>
+            </a:r>
           </a:p>
         </p:txBody>
       </p:sp>
     </p:spTree>
     <p:extLst>
       <p:ext uri="{BB962C8B-B14F-4D97-AF65-F5344CB8AC3E}">
-        <p14:creationId xmlns:p14="http://schemas.microsoft.com/office/powerpoint/2010/main" val="1967395690"/>
+        <p14:creationId xmlns:p14="http://schemas.microsoft.com/office/powerpoint/2010/main" val="468185828"/>
       </p:ext>
     </p:extLst>
   </p:cSld>
@@ -11076,9 +11067,17 @@
           <a:p>
             <a:r>
               <a:rPr lang="ru-RU" dirty="0" smtClean="0"/>
-              <a:t>Редактор: комментарии</a:t>
-            </a:r>
-            <a:endParaRPr lang="ru-RU" dirty="0"/>
+              <a:t>Редактор</a:t>
+            </a:r>
+            <a:r>
+              <a:rPr lang="en-US" dirty="0" smtClean="0"/>
+              <a:t>: </a:t>
+            </a:r>
+            <a:r>
+              <a:rPr lang="ru-RU" dirty="0" smtClean="0"/>
+              <a:t>Поиск текста</a:t>
+            </a:r>
+            <a:endParaRPr lang="en-US" dirty="0"/>
           </a:p>
         </p:txBody>
       </p:sp>
@@ -11095,36 +11094,79 @@
         <p:spPr/>
         <p:txBody>
           <a:bodyPr>
-            <a:normAutofit/>
+            <a:normAutofit fontScale="85000" lnSpcReduction="10000"/>
           </a:bodyPr>
           <a:lstStyle/>
           <a:p>
-            <a:r>
-              <a:rPr lang="en-US" sz="2800" dirty="0" err="1">
+            <a:pPr>
+              <a:buClr>
+                <a:schemeClr val="bg1"/>
+              </a:buClr>
+            </a:pPr>
+            <a:r>
+              <a:rPr lang="en-US" dirty="0" err="1" smtClean="0">
                 <a:solidFill>
                   <a:srgbClr val="F6AE1E"/>
                 </a:solidFill>
               </a:rPr>
-              <a:t>Ctrl+K</a:t>
-            </a:r>
-            <a:r>
-              <a:rPr lang="en-US" sz="2800" dirty="0">
+              <a:t>Ctrl+i</a:t>
+            </a:r>
+            <a:r>
+              <a:rPr lang="ru-RU" dirty="0" smtClean="0">
+                <a:solidFill>
+                  <a:schemeClr val="bg1"/>
+                </a:solidFill>
+              </a:rPr>
+              <a:t> поиск</a:t>
+            </a:r>
+          </a:p>
+          <a:p>
+            <a:pPr>
+              <a:buClr>
+                <a:schemeClr val="bg1"/>
+              </a:buClr>
+            </a:pPr>
+            <a:r>
+              <a:rPr lang="en-US" dirty="0">
                 <a:solidFill>
                   <a:srgbClr val="F6AE1E"/>
                 </a:solidFill>
               </a:rPr>
-              <a:t>, </a:t>
-            </a:r>
-            <a:r>
-              <a:rPr lang="en-US" sz="2800" dirty="0" err="1">
+              <a:t>F3/Shift+F3</a:t>
+            </a:r>
+            <a:r>
+              <a:rPr lang="en-US" dirty="0" smtClean="0">
+                <a:solidFill>
+                  <a:schemeClr val="bg1"/>
+                </a:solidFill>
+              </a:rPr>
+              <a:t> </a:t>
+            </a:r>
+            <a:r>
+              <a:rPr lang="ru-RU" dirty="0" smtClean="0">
+                <a:solidFill>
+                  <a:schemeClr val="bg1"/>
+                </a:solidFill>
+              </a:rPr>
+              <a:t>найти следующее/предыдущее вхождение строки</a:t>
+            </a:r>
+          </a:p>
+          <a:p>
+            <a:pPr>
+              <a:buClr>
+                <a:schemeClr val="bg1"/>
+              </a:buClr>
+            </a:pPr>
+            <a:r>
+              <a:rPr lang="en-US" dirty="0">
                 <a:solidFill>
                   <a:srgbClr val="F6AE1E"/>
                 </a:solidFill>
               </a:rPr>
-              <a:t>Ctrl+C</a:t>
-            </a:r>
-            <a:r>
-              <a:rPr lang="en-US" sz="2800" dirty="0">
+              <a:t>Ctrl+F3</a:t>
+            </a:r>
+            <a:r>
+              <a:rPr lang="en-US" dirty="0" smtClean="0">
                 <a:solidFill>
                   <a:schemeClr val="bg1"/>
                 </a:solidFill>
@@ -11132,62 +11174,128 @@
               <a:t> </a:t>
             </a:r>
             <a:r>
-              <a:rPr lang="ru-RU" sz="2800" dirty="0">
+              <a:rPr lang="ru-RU" dirty="0" smtClean="0">
                 <a:solidFill>
                   <a:schemeClr val="bg1"/>
                 </a:solidFill>
               </a:rPr>
-              <a:t>закоментировать выбранные </a:t>
-            </a:r>
-            <a:r>
-              <a:rPr lang="ru-RU" sz="2800" dirty="0" smtClean="0">
+              <a:t>найти следующее вхождение выделенного текста</a:t>
+            </a:r>
+          </a:p>
+          <a:p>
+            <a:pPr>
+              <a:buClr>
+                <a:schemeClr val="bg1"/>
+              </a:buClr>
+            </a:pPr>
+            <a:r>
+              <a:rPr lang="en-US" dirty="0" err="1">
+                <a:solidFill>
+                  <a:srgbClr val="F6AE1E"/>
+                </a:solidFill>
+              </a:rPr>
+              <a:t>Ctrl+Shift+F</a:t>
+            </a:r>
+            <a:r>
+              <a:rPr lang="en-US" dirty="0" smtClean="0">
                 <a:solidFill>
                   <a:schemeClr val="bg1"/>
                 </a:solidFill>
               </a:rPr>
-              <a:t>строки</a:t>
-            </a:r>
-          </a:p>
-          <a:p>
-            <a:r>
-              <a:rPr lang="en-US" sz="2800" dirty="0" err="1">
-                <a:solidFill>
-                  <a:srgbClr val="F6AE1E"/>
-                </a:solidFill>
-              </a:rPr>
-              <a:t>Ctrl+K</a:t>
-            </a:r>
-            <a:r>
-              <a:rPr lang="en-US" sz="2800" dirty="0">
-                <a:solidFill>
-                  <a:srgbClr val="F6AE1E"/>
-                </a:solidFill>
-              </a:rPr>
-              <a:t>, </a:t>
-            </a:r>
-            <a:r>
-              <a:rPr lang="en-US" sz="2800" dirty="0" err="1">
-                <a:solidFill>
-                  <a:srgbClr val="F6AE1E"/>
-                </a:solidFill>
-              </a:rPr>
-              <a:t>Ctrl+U</a:t>
-            </a:r>
-            <a:r>
-              <a:rPr lang="en-US" sz="2800" dirty="0"/>
               <a:t> </a:t>
             </a:r>
             <a:r>
-              <a:rPr lang="ru-RU" sz="2800" dirty="0"/>
-              <a:t>снять коментарий с выбранных строк</a:t>
-            </a:r>
+              <a:rPr lang="ru-RU" dirty="0" smtClean="0">
+                <a:solidFill>
+                  <a:schemeClr val="bg1"/>
+                </a:solidFill>
+              </a:rPr>
+              <a:t>найти в </a:t>
+            </a:r>
+            <a:r>
+              <a:rPr lang="en-US" dirty="0" smtClean="0">
+                <a:solidFill>
+                  <a:schemeClr val="bg1"/>
+                </a:solidFill>
+              </a:rPr>
+              <a:t>solution</a:t>
+            </a:r>
+          </a:p>
+          <a:p>
+            <a:pPr marL="0" indent="0">
+              <a:buClr>
+                <a:schemeClr val="bg1"/>
+              </a:buClr>
+              <a:buNone/>
+            </a:pPr>
+            <a:endParaRPr lang="ru-RU" dirty="0" smtClean="0">
+              <a:solidFill>
+                <a:schemeClr val="bg1"/>
+              </a:solidFill>
+            </a:endParaRPr>
+          </a:p>
+          <a:p>
+            <a:pPr>
+              <a:buClr>
+                <a:schemeClr val="bg1"/>
+              </a:buClr>
+            </a:pPr>
+            <a:endParaRPr lang="ru-RU" dirty="0">
+              <a:solidFill>
+                <a:schemeClr val="bg1"/>
+              </a:solidFill>
+            </a:endParaRPr>
+          </a:p>
+          <a:p>
+            <a:pPr marL="0" indent="0">
+              <a:buClr>
+                <a:schemeClr val="bg1"/>
+              </a:buClr>
+              <a:buNone/>
+            </a:pPr>
+            <a:r>
+              <a:rPr lang="en-US" dirty="0">
+                <a:solidFill>
+                  <a:schemeClr val="bg1"/>
+                </a:solidFill>
+                <a:hlinkClick r:id="rId2"/>
+              </a:rPr>
+              <a:t>http://</a:t>
+            </a:r>
+            <a:r>
+              <a:rPr lang="en-US" dirty="0" smtClean="0">
+                <a:solidFill>
+                  <a:schemeClr val="bg1"/>
+                </a:solidFill>
+                <a:hlinkClick r:id="rId2"/>
+              </a:rPr>
+              <a:t>weblogs.asp.net/scottgu/archive/2010/08/24/search-and-navigation-tips-tricks-with-visual-studio.aspx</a:t>
+            </a:r>
+            <a:endParaRPr lang="ru-RU" dirty="0" smtClean="0">
+              <a:solidFill>
+                <a:schemeClr val="bg1"/>
+              </a:solidFill>
+            </a:endParaRPr>
+          </a:p>
+          <a:p>
+            <a:pPr marL="0" indent="0">
+              <a:buClr>
+                <a:schemeClr val="bg1"/>
+              </a:buClr>
+              <a:buNone/>
+            </a:pPr>
+            <a:endParaRPr lang="en-US" dirty="0">
+              <a:solidFill>
+                <a:schemeClr val="bg1"/>
+              </a:solidFill>
+            </a:endParaRPr>
           </a:p>
         </p:txBody>
       </p:sp>
     </p:spTree>
     <p:extLst>
       <p:ext uri="{BB962C8B-B14F-4D97-AF65-F5344CB8AC3E}">
-        <p14:creationId xmlns:p14="http://schemas.microsoft.com/office/powerpoint/2010/main" val="4274730761"/>
+        <p14:creationId xmlns:p14="http://schemas.microsoft.com/office/powerpoint/2010/main" val="1967395690"/>
       </p:ext>
     </p:extLst>
   </p:cSld>

--- a/Presentation/tools-visual-studio.pptx
+++ b/Presentation/tools-visual-studio.pptx
@@ -6,7 +6,7 @@
     <p:sldMasterId id="2147483663" r:id="rId2"/>
   </p:sldMasterIdLst>
   <p:notesMasterIdLst>
-    <p:notesMasterId r:id="rId23"/>
+    <p:notesMasterId r:id="rId24"/>
   </p:notesMasterIdLst>
   <p:sldIdLst>
     <p:sldId id="257" r:id="rId3"/>
@@ -21,14 +21,15 @@
     <p:sldId id="277" r:id="rId12"/>
     <p:sldId id="271" r:id="rId13"/>
     <p:sldId id="266" r:id="rId14"/>
-    <p:sldId id="269" r:id="rId15"/>
-    <p:sldId id="273" r:id="rId16"/>
-    <p:sldId id="274" r:id="rId17"/>
-    <p:sldId id="267" r:id="rId18"/>
-    <p:sldId id="268" r:id="rId19"/>
-    <p:sldId id="260" r:id="rId20"/>
-    <p:sldId id="261" r:id="rId21"/>
-    <p:sldId id="276" r:id="rId22"/>
+    <p:sldId id="279" r:id="rId15"/>
+    <p:sldId id="269" r:id="rId16"/>
+    <p:sldId id="273" r:id="rId17"/>
+    <p:sldId id="274" r:id="rId18"/>
+    <p:sldId id="267" r:id="rId19"/>
+    <p:sldId id="268" r:id="rId20"/>
+    <p:sldId id="260" r:id="rId21"/>
+    <p:sldId id="261" r:id="rId22"/>
+    <p:sldId id="276" r:id="rId23"/>
   </p:sldIdLst>
   <p:sldSz cx="9144000" cy="6858000" type="screen4x3"/>
   <p:notesSz cx="6858000" cy="9144000"/>
@@ -127,6 +128,22 @@
       </a:defRPr>
     </a:lvl9pPr>
   </p:defaultTextStyle>
+  <p:extLst>
+    <p:ext uri="{EFAFB233-063F-42B5-8137-9DF3F51BA10A}">
+      <p15:sldGuideLst xmlns:p15="http://schemas.microsoft.com/office/powerpoint/2012/main">
+        <p15:guide id="1" orient="horz" pos="2160">
+          <p15:clr>
+            <a:srgbClr val="A4A3A4"/>
+          </p15:clr>
+        </p15:guide>
+        <p15:guide id="2" pos="2880">
+          <p15:clr>
+            <a:srgbClr val="A4A3A4"/>
+          </p15:clr>
+        </p15:guide>
+      </p15:sldGuideLst>
+    </p:ext>
+  </p:extLst>
 </p:presentation>
 </file>
 
@@ -212,7 +229,7 @@
           <a:p>
             <a:fld id="{B24A7054-7FFB-49F4-A126-5DF6E687FF53}" type="datetimeFigureOut">
               <a:rPr lang="ru-RU" smtClean="0"/>
-              <a:t>27.10.2013</a:t>
+              <a:t>28.11.2013</a:t>
             </a:fld>
             <a:endParaRPr lang="ru-RU"/>
           </a:p>
@@ -1494,7 +1511,7 @@
           <a:p>
             <a:fld id="{8E6E6A2A-E9D3-4A0D-B04A-ABDD367A1E08}" type="datetimeFigureOut">
               <a:rPr lang="ru-RU" smtClean="0"/>
-              <a:t>27.10.2013</a:t>
+              <a:t>28.11.2013</a:t>
             </a:fld>
             <a:endParaRPr lang="ru-RU"/>
           </a:p>
@@ -4007,7 +4024,7 @@
                 </a:solidFill>
               </a:rPr>
               <a:pPr/>
-              <a:t>27.10.2013</a:t>
+              <a:t>28.11.2013</a:t>
             </a:fld>
             <a:endParaRPr lang="ru-RU">
               <a:solidFill>
@@ -5268,7 +5285,7 @@
           <a:p>
             <a:fld id="{AC3D3127-B7C4-45E3-9797-C527EC9FDD78}" type="datetimeFigureOut">
               <a:rPr lang="ru-RU" smtClean="0"/>
-              <a:t>27.10.2013</a:t>
+              <a:t>28.11.2013</a:t>
             </a:fld>
             <a:endParaRPr lang="ru-RU"/>
           </a:p>
@@ -5804,7 +5821,7 @@
                 </a:solidFill>
               </a:rPr>
               <a:pPr/>
-              <a:t>27.10.2013</a:t>
+              <a:t>28.11.2013</a:t>
             </a:fld>
             <a:endParaRPr lang="ru-RU">
               <a:solidFill>
@@ -7128,6 +7145,110 @@
 <file path=ppt/slides/slide13.xml><?xml version="1.0" encoding="utf-8"?>
 <p:sld xmlns:a="http://schemas.openxmlformats.org/drawingml/2006/main" xmlns:r="http://schemas.openxmlformats.org/officeDocument/2006/relationships" xmlns:p="http://schemas.openxmlformats.org/presentationml/2006/main">
   <p:cSld>
+    <p:spTree>
+      <p:nvGrpSpPr>
+        <p:cNvPr id="1" name=""/>
+        <p:cNvGrpSpPr/>
+        <p:nvPr/>
+      </p:nvGrpSpPr>
+      <p:grpSpPr>
+        <a:xfrm>
+          <a:off x="0" y="0"/>
+          <a:ext cx="0" cy="0"/>
+          <a:chOff x="0" y="0"/>
+          <a:chExt cx="0" cy="0"/>
+        </a:xfrm>
+      </p:grpSpPr>
+      <p:sp>
+        <p:nvSpPr>
+          <p:cNvPr id="2" name="Title 1"/>
+          <p:cNvSpPr>
+            <a:spLocks noGrp="1"/>
+          </p:cNvSpPr>
+          <p:nvPr>
+            <p:ph type="title"/>
+          </p:nvPr>
+        </p:nvSpPr>
+        <p:spPr/>
+        <p:txBody>
+          <a:bodyPr/>
+          <a:lstStyle/>
+          <a:p>
+            <a:r>
+              <a:rPr lang="ru-RU" dirty="0" smtClean="0"/>
+              <a:t>Редактор: Смарт-тег</a:t>
+            </a:r>
+            <a:endParaRPr lang="ru-RU" dirty="0"/>
+          </a:p>
+        </p:txBody>
+      </p:sp>
+      <p:sp>
+        <p:nvSpPr>
+          <p:cNvPr id="3" name="Content Placeholder 2"/>
+          <p:cNvSpPr>
+            <a:spLocks noGrp="1"/>
+          </p:cNvSpPr>
+          <p:nvPr>
+            <p:ph idx="1"/>
+          </p:nvPr>
+        </p:nvSpPr>
+        <p:spPr/>
+        <p:txBody>
+          <a:bodyPr/>
+          <a:lstStyle/>
+          <a:p>
+            <a:r>
+              <a:rPr lang="en-US" dirty="0" smtClean="0">
+                <a:solidFill>
+                  <a:srgbClr val="F6AE1E"/>
+                </a:solidFill>
+              </a:rPr>
+              <a:t>Alt + Shift + F10</a:t>
+            </a:r>
+            <a:r>
+              <a:rPr lang="en-US" dirty="0" smtClean="0"/>
+              <a:t> </a:t>
+            </a:r>
+            <a:r>
+              <a:rPr lang="ru-RU" dirty="0" smtClean="0"/>
+              <a:t>или </a:t>
+            </a:r>
+            <a:r>
+              <a:rPr lang="en-US" dirty="0" smtClean="0">
+                <a:solidFill>
+                  <a:srgbClr val="F6AE1E"/>
+                </a:solidFill>
+              </a:rPr>
+              <a:t>Ctrl + .</a:t>
+            </a:r>
+            <a:r>
+              <a:rPr lang="en-US" dirty="0" smtClean="0"/>
+              <a:t> – </a:t>
+            </a:r>
+            <a:r>
+              <a:rPr lang="ru-RU" dirty="0" smtClean="0"/>
+              <a:t>открыть меню смарт-тега</a:t>
+            </a:r>
+            <a:endParaRPr lang="ru-RU" dirty="0"/>
+          </a:p>
+        </p:txBody>
+      </p:sp>
+    </p:spTree>
+    <p:extLst>
+      <p:ext uri="{BB962C8B-B14F-4D97-AF65-F5344CB8AC3E}">
+        <p14:creationId xmlns:p14="http://schemas.microsoft.com/office/powerpoint/2010/main" val="3059698048"/>
+      </p:ext>
+    </p:extLst>
+  </p:cSld>
+  <p:clrMapOvr>
+    <a:masterClrMapping/>
+  </p:clrMapOvr>
+</p:sld>
+</file>
+
+<file path=ppt/slides/slide14.xml><?xml version="1.0" encoding="utf-8"?>
+<p:sld xmlns:a="http://schemas.openxmlformats.org/drawingml/2006/main" xmlns:r="http://schemas.openxmlformats.org/officeDocument/2006/relationships" xmlns:p="http://schemas.openxmlformats.org/presentationml/2006/main">
+  <p:cSld>
     <p:bg>
       <p:bgPr>
         <a:blipFill dpi="0" rotWithShape="1">
@@ -7345,7 +7466,7 @@
 </p:sld>
 </file>
 
-<file path=ppt/slides/slide14.xml><?xml version="1.0" encoding="utf-8"?>
+<file path=ppt/slides/slide15.xml><?xml version="1.0" encoding="utf-8"?>
 <p:sld xmlns:a="http://schemas.openxmlformats.org/drawingml/2006/main" xmlns:r="http://schemas.openxmlformats.org/officeDocument/2006/relationships" xmlns:p="http://schemas.openxmlformats.org/presentationml/2006/main">
   <p:cSld>
     <p:spTree>
@@ -7603,7 +7724,7 @@
 </p:sld>
 </file>
 
-<file path=ppt/slides/slide15.xml><?xml version="1.0" encoding="utf-8"?>
+<file path=ppt/slides/slide16.xml><?xml version="1.0" encoding="utf-8"?>
 <p:sld xmlns:a="http://schemas.openxmlformats.org/drawingml/2006/main" xmlns:r="http://schemas.openxmlformats.org/officeDocument/2006/relationships" xmlns:p="http://schemas.openxmlformats.org/presentationml/2006/main">
   <p:cSld>
     <p:spTree>
@@ -8860,203 +8981,6 @@
 </p:sld>
 </file>
 
-<file path=ppt/slides/slide16.xml><?xml version="1.0" encoding="utf-8"?>
-<p:sld xmlns:a="http://schemas.openxmlformats.org/drawingml/2006/main" xmlns:r="http://schemas.openxmlformats.org/officeDocument/2006/relationships" xmlns:p="http://schemas.openxmlformats.org/presentationml/2006/main">
-  <p:cSld>
-    <p:bg>
-      <p:bgPr>
-        <a:blipFill dpi="0" rotWithShape="1">
-          <a:blip r:embed="rId3">
-            <a:lum/>
-          </a:blip>
-          <a:srcRect/>
-          <a:stretch>
-            <a:fillRect/>
-          </a:stretch>
-        </a:blipFill>
-        <a:effectLst/>
-      </p:bgPr>
-    </p:bg>
-    <p:spTree>
-      <p:nvGrpSpPr>
-        <p:cNvPr id="1" name=""/>
-        <p:cNvGrpSpPr/>
-        <p:nvPr/>
-      </p:nvGrpSpPr>
-      <p:grpSpPr>
-        <a:xfrm>
-          <a:off x="0" y="0"/>
-          <a:ext cx="0" cy="0"/>
-          <a:chOff x="0" y="0"/>
-          <a:chExt cx="0" cy="0"/>
-        </a:xfrm>
-      </p:grpSpPr>
-      <p:sp>
-        <p:nvSpPr>
-          <p:cNvPr id="2" name="Title 1"/>
-          <p:cNvSpPr>
-            <a:spLocks noGrp="1"/>
-          </p:cNvSpPr>
-          <p:nvPr>
-            <p:ph type="title"/>
-          </p:nvPr>
-        </p:nvSpPr>
-        <p:spPr/>
-        <p:txBody>
-          <a:bodyPr/>
-          <a:lstStyle/>
-          <a:p>
-            <a:r>
-              <a:rPr lang="ru-RU" dirty="0" smtClean="0"/>
-              <a:t>Окна: </a:t>
-            </a:r>
-            <a:r>
-              <a:rPr lang="en-US" dirty="0" smtClean="0"/>
-              <a:t>Bookmarks</a:t>
-            </a:r>
-            <a:endParaRPr lang="en-US" dirty="0"/>
-          </a:p>
-        </p:txBody>
-      </p:sp>
-      <p:sp>
-        <p:nvSpPr>
-          <p:cNvPr id="3" name="Content Placeholder 2"/>
-          <p:cNvSpPr>
-            <a:spLocks noGrp="1"/>
-          </p:cNvSpPr>
-          <p:nvPr>
-            <p:ph idx="1"/>
-          </p:nvPr>
-        </p:nvSpPr>
-        <p:spPr/>
-        <p:txBody>
-          <a:bodyPr>
-            <a:normAutofit/>
-          </a:bodyPr>
-          <a:lstStyle/>
-          <a:p>
-            <a:pPr>
-              <a:buClr>
-                <a:schemeClr val="bg1"/>
-              </a:buClr>
-            </a:pPr>
-            <a:r>
-              <a:rPr lang="ru-RU" dirty="0">
-                <a:solidFill>
-                  <a:schemeClr val="bg1"/>
-                </a:solidFill>
-              </a:rPr>
-              <a:t>Закладки в текстовых файлах</a:t>
-            </a:r>
-            <a:endParaRPr lang="en-US" dirty="0" smtClean="0">
-              <a:solidFill>
-                <a:schemeClr val="bg1"/>
-              </a:solidFill>
-            </a:endParaRPr>
-          </a:p>
-          <a:p>
-            <a:pPr>
-              <a:buClr>
-                <a:schemeClr val="bg1"/>
-              </a:buClr>
-            </a:pPr>
-            <a:r>
-              <a:rPr lang="ru-RU" dirty="0" smtClean="0">
-                <a:solidFill>
-                  <a:schemeClr val="bg1"/>
-                </a:solidFill>
-              </a:rPr>
-              <a:t>Команды меню </a:t>
-            </a:r>
-            <a:r>
-              <a:rPr lang="en-US" dirty="0" smtClean="0">
-                <a:solidFill>
-                  <a:schemeClr val="bg1"/>
-                </a:solidFill>
-              </a:rPr>
-              <a:t>View -&gt; Bookmark Window</a:t>
-            </a:r>
-            <a:r>
-              <a:rPr lang="ru-RU" dirty="0" smtClean="0">
-                <a:solidFill>
-                  <a:schemeClr val="bg1"/>
-                </a:solidFill>
-              </a:rPr>
-              <a:t> и </a:t>
-            </a:r>
-            <a:r>
-              <a:rPr lang="en-US" dirty="0" smtClean="0">
-                <a:solidFill>
-                  <a:schemeClr val="bg1"/>
-                </a:solidFill>
-              </a:rPr>
-              <a:t>Edit -&gt; Bookmarks.</a:t>
-            </a:r>
-          </a:p>
-          <a:p>
-            <a:pPr>
-              <a:buClr>
-                <a:schemeClr val="bg1"/>
-              </a:buClr>
-            </a:pPr>
-            <a:endParaRPr lang="ru-RU" dirty="0" smtClean="0">
-              <a:solidFill>
-                <a:schemeClr val="bg1"/>
-              </a:solidFill>
-            </a:endParaRPr>
-          </a:p>
-          <a:p>
-            <a:pPr>
-              <a:buClr>
-                <a:schemeClr val="bg1"/>
-              </a:buClr>
-            </a:pPr>
-            <a:endParaRPr lang="ru-RU" dirty="0" smtClean="0">
-              <a:solidFill>
-                <a:schemeClr val="bg1"/>
-              </a:solidFill>
-            </a:endParaRPr>
-          </a:p>
-          <a:p>
-            <a:pPr>
-              <a:buClr>
-                <a:schemeClr val="bg1"/>
-              </a:buClr>
-            </a:pPr>
-            <a:endParaRPr lang="ru-RU" dirty="0" smtClean="0">
-              <a:solidFill>
-                <a:schemeClr val="bg1"/>
-              </a:solidFill>
-            </a:endParaRPr>
-          </a:p>
-          <a:p>
-            <a:pPr marL="0" indent="0">
-              <a:buClr>
-                <a:schemeClr val="bg1"/>
-              </a:buClr>
-              <a:buNone/>
-            </a:pPr>
-            <a:endParaRPr lang="en-US" dirty="0">
-              <a:solidFill>
-                <a:schemeClr val="bg1"/>
-              </a:solidFill>
-            </a:endParaRPr>
-          </a:p>
-        </p:txBody>
-      </p:sp>
-    </p:spTree>
-    <p:extLst>
-      <p:ext uri="{BB962C8B-B14F-4D97-AF65-F5344CB8AC3E}">
-        <p14:creationId xmlns:p14="http://schemas.microsoft.com/office/powerpoint/2010/main" val="3985499755"/>
-      </p:ext>
-    </p:extLst>
-  </p:cSld>
-  <p:clrMapOvr>
-    <a:overrideClrMapping bg1="lt1" tx1="dk1" bg2="lt2" tx2="dk2" accent1="accent1" accent2="accent2" accent3="accent3" accent4="accent4" accent5="accent5" accent6="accent6" hlink="hlink" folHlink="folHlink"/>
-  </p:clrMapOvr>
-</p:sld>
-</file>
-
 <file path=ppt/slides/slide17.xml><?xml version="1.0" encoding="utf-8"?>
 <p:sld xmlns:a="http://schemas.openxmlformats.org/drawingml/2006/main" xmlns:r="http://schemas.openxmlformats.org/officeDocument/2006/relationships" xmlns:p="http://schemas.openxmlformats.org/presentationml/2006/main">
   <p:cSld>
@@ -9109,7 +9033,7 @@
             </a:r>
             <a:r>
               <a:rPr lang="en-US" dirty="0" smtClean="0"/>
-              <a:t>Task List</a:t>
+              <a:t>Bookmarks</a:t>
             </a:r>
             <a:endParaRPr lang="en-US" dirty="0"/>
           </a:p>
@@ -9143,7 +9067,7 @@
                   <a:schemeClr val="bg1"/>
                 </a:solidFill>
               </a:rPr>
-              <a:t>Список можно использовать для хранения заметок по проекту</a:t>
+              <a:t>Закладки в текстовых файлах</a:t>
             </a:r>
             <a:endParaRPr lang="en-US" dirty="0" smtClean="0">
               <a:solidFill>
@@ -9163,7 +9087,7 @@
                   <a:schemeClr val="bg1"/>
                 </a:solidFill>
               </a:rPr>
-              <a:t>Команда меню </a:t>
+              <a:t>Команды меню </a:t>
             </a:r>
             <a:r>
               <a:rPr lang="en-US" dirty="0" smtClean="0">
@@ -9171,15 +9095,15 @@
                   <a:schemeClr val="bg1"/>
                 </a:solidFill>
               </a:rPr>
-              <a:t>View -&gt; </a:t>
-            </a:r>
-            <a:r>
-              <a:rPr lang="en-US" dirty="0">
+              <a:t>View -&gt; Bookmark Window</a:t>
+            </a:r>
+            <a:r>
+              <a:rPr lang="ru-RU" dirty="0" smtClean="0">
                 <a:solidFill>
                   <a:schemeClr val="bg1"/>
                 </a:solidFill>
               </a:rPr>
-              <a:t>Task </a:t>
+              <a:t> и </a:t>
             </a:r>
             <a:r>
               <a:rPr lang="en-US" dirty="0" smtClean="0">
@@ -9187,7 +9111,7 @@
                   <a:schemeClr val="bg1"/>
                 </a:solidFill>
               </a:rPr>
-              <a:t>List.</a:t>
+              <a:t>Edit -&gt; Bookmarks.</a:t>
             </a:r>
           </a:p>
           <a:p>
@@ -9196,46 +9120,35 @@
                 <a:schemeClr val="bg1"/>
               </a:buClr>
             </a:pPr>
-            <a:r>
-              <a:rPr lang="ru-RU" dirty="0" smtClean="0">
-                <a:solidFill>
-                  <a:schemeClr val="bg1"/>
-                </a:solidFill>
-              </a:rPr>
-              <a:t>Текст комментария написанный после </a:t>
-            </a:r>
-            <a:r>
-              <a:rPr lang="en-US" dirty="0" smtClean="0">
-                <a:solidFill>
-                  <a:schemeClr val="bg1"/>
-                </a:solidFill>
-              </a:rPr>
-              <a:t>TODO </a:t>
-            </a:r>
-            <a:r>
-              <a:rPr lang="ru-RU" dirty="0" smtClean="0">
-                <a:solidFill>
-                  <a:schemeClr val="bg1"/>
-                </a:solidFill>
-              </a:rPr>
-              <a:t>попадает в</a:t>
-            </a:r>
-            <a:r>
-              <a:rPr lang="en-US" dirty="0" smtClean="0">
-                <a:solidFill>
-                  <a:schemeClr val="bg1"/>
-                </a:solidFill>
-              </a:rPr>
-              <a:t> </a:t>
-            </a:r>
-            <a:r>
-              <a:rPr lang="ru-RU" dirty="0" smtClean="0">
-                <a:solidFill>
-                  <a:schemeClr val="bg1"/>
-                </a:solidFill>
-              </a:rPr>
-              <a:t>него автоматически</a:t>
-            </a:r>
+            <a:endParaRPr lang="ru-RU" dirty="0" smtClean="0">
+              <a:solidFill>
+                <a:schemeClr val="bg1"/>
+              </a:solidFill>
+            </a:endParaRPr>
+          </a:p>
+          <a:p>
+            <a:pPr>
+              <a:buClr>
+                <a:schemeClr val="bg1"/>
+              </a:buClr>
+            </a:pPr>
+            <a:endParaRPr lang="ru-RU" dirty="0" smtClean="0">
+              <a:solidFill>
+                <a:schemeClr val="bg1"/>
+              </a:solidFill>
+            </a:endParaRPr>
+          </a:p>
+          <a:p>
+            <a:pPr>
+              <a:buClr>
+                <a:schemeClr val="bg1"/>
+              </a:buClr>
+            </a:pPr>
+            <a:endParaRPr lang="ru-RU" dirty="0" smtClean="0">
+              <a:solidFill>
+                <a:schemeClr val="bg1"/>
+              </a:solidFill>
+            </a:endParaRPr>
           </a:p>
           <a:p>
             <a:pPr marL="0" indent="0">
@@ -9255,7 +9168,7 @@
     </p:spTree>
     <p:extLst>
       <p:ext uri="{BB962C8B-B14F-4D97-AF65-F5344CB8AC3E}">
-        <p14:creationId xmlns:p14="http://schemas.microsoft.com/office/powerpoint/2010/main" val="1384232909"/>
+        <p14:creationId xmlns:p14="http://schemas.microsoft.com/office/powerpoint/2010/main" val="3985499755"/>
       </p:ext>
     </p:extLst>
   </p:cSld>
@@ -9268,6 +9181,20 @@
 <file path=ppt/slides/slide18.xml><?xml version="1.0" encoding="utf-8"?>
 <p:sld xmlns:a="http://schemas.openxmlformats.org/drawingml/2006/main" xmlns:r="http://schemas.openxmlformats.org/officeDocument/2006/relationships" xmlns:p="http://schemas.openxmlformats.org/presentationml/2006/main">
   <p:cSld>
+    <p:bg>
+      <p:bgPr>
+        <a:blipFill dpi="0" rotWithShape="1">
+          <a:blip r:embed="rId3">
+            <a:lum/>
+          </a:blip>
+          <a:srcRect/>
+          <a:stretch>
+            <a:fillRect/>
+          </a:stretch>
+        </a:blipFill>
+        <a:effectLst/>
+      </p:bgPr>
+    </p:bg>
     <p:spTree>
       <p:nvGrpSpPr>
         <p:cNvPr id="1" name=""/>
@@ -9299,7 +9226,11 @@
           <a:p>
             <a:r>
               <a:rPr lang="ru-RU" dirty="0" smtClean="0"/>
-              <a:t>Отладчик</a:t>
+              <a:t>Окна: </a:t>
+            </a:r>
+            <a:r>
+              <a:rPr lang="en-US" dirty="0" smtClean="0"/>
+              <a:t>Task List</a:t>
             </a:r>
             <a:endParaRPr lang="en-US" dirty="0"/>
           </a:p>
@@ -9317,22 +9248,140 @@
         </p:nvSpPr>
         <p:spPr/>
         <p:txBody>
-          <a:bodyPr/>
+          <a:bodyPr>
+            <a:normAutofit/>
+          </a:bodyPr>
           <a:lstStyle/>
           <a:p>
-            <a:endParaRPr lang="en-US" dirty="0"/>
+            <a:pPr>
+              <a:buClr>
+                <a:schemeClr val="bg1"/>
+              </a:buClr>
+            </a:pPr>
+            <a:r>
+              <a:rPr lang="ru-RU" dirty="0">
+                <a:solidFill>
+                  <a:schemeClr val="bg1"/>
+                </a:solidFill>
+              </a:rPr>
+              <a:t>Список можно использовать для хранения заметок по проекту</a:t>
+            </a:r>
+            <a:endParaRPr lang="en-US" dirty="0" smtClean="0">
+              <a:solidFill>
+                <a:schemeClr val="bg1"/>
+              </a:solidFill>
+            </a:endParaRPr>
+          </a:p>
+          <a:p>
+            <a:pPr>
+              <a:buClr>
+                <a:schemeClr val="bg1"/>
+              </a:buClr>
+            </a:pPr>
+            <a:r>
+              <a:rPr lang="ru-RU" dirty="0" smtClean="0">
+                <a:solidFill>
+                  <a:schemeClr val="bg1"/>
+                </a:solidFill>
+              </a:rPr>
+              <a:t>Команда меню </a:t>
+            </a:r>
+            <a:r>
+              <a:rPr lang="en-US" dirty="0" smtClean="0">
+                <a:solidFill>
+                  <a:schemeClr val="bg1"/>
+                </a:solidFill>
+              </a:rPr>
+              <a:t>View -&gt; </a:t>
+            </a:r>
+            <a:r>
+              <a:rPr lang="en-US" dirty="0">
+                <a:solidFill>
+                  <a:schemeClr val="bg1"/>
+                </a:solidFill>
+              </a:rPr>
+              <a:t>Task </a:t>
+            </a:r>
+            <a:r>
+              <a:rPr lang="en-US" dirty="0" smtClean="0">
+                <a:solidFill>
+                  <a:schemeClr val="bg1"/>
+                </a:solidFill>
+              </a:rPr>
+              <a:t>List.</a:t>
+            </a:r>
+          </a:p>
+          <a:p>
+            <a:pPr>
+              <a:buClr>
+                <a:schemeClr val="bg1"/>
+              </a:buClr>
+            </a:pPr>
+            <a:r>
+              <a:rPr lang="ru-RU" dirty="0" smtClean="0">
+                <a:solidFill>
+                  <a:schemeClr val="bg1"/>
+                </a:solidFill>
+              </a:rPr>
+              <a:t>Текст комментария написанный после </a:t>
+            </a:r>
+            <a:r>
+              <a:rPr lang="en-US" dirty="0" smtClean="0">
+                <a:solidFill>
+                  <a:schemeClr val="bg1"/>
+                </a:solidFill>
+              </a:rPr>
+              <a:t>TODO </a:t>
+            </a:r>
+            <a:r>
+              <a:rPr lang="ru-RU" dirty="0" smtClean="0">
+                <a:solidFill>
+                  <a:schemeClr val="bg1"/>
+                </a:solidFill>
+              </a:rPr>
+              <a:t>попадает в</a:t>
+            </a:r>
+            <a:r>
+              <a:rPr lang="en-US" dirty="0" smtClean="0">
+                <a:solidFill>
+                  <a:schemeClr val="bg1"/>
+                </a:solidFill>
+              </a:rPr>
+              <a:t> </a:t>
+            </a:r>
+            <a:r>
+              <a:rPr lang="ru-RU" dirty="0" smtClean="0">
+                <a:solidFill>
+                  <a:schemeClr val="bg1"/>
+                </a:solidFill>
+              </a:rPr>
+              <a:t>него автоматически</a:t>
+            </a:r>
+          </a:p>
+          <a:p>
+            <a:pPr marL="0" indent="0">
+              <a:buClr>
+                <a:schemeClr val="bg1"/>
+              </a:buClr>
+              <a:buNone/>
+            </a:pPr>
+            <a:endParaRPr lang="en-US" dirty="0">
+              <a:solidFill>
+                <a:schemeClr val="bg1"/>
+              </a:solidFill>
+            </a:endParaRPr>
           </a:p>
         </p:txBody>
       </p:sp>
     </p:spTree>
     <p:extLst>
       <p:ext uri="{BB962C8B-B14F-4D97-AF65-F5344CB8AC3E}">
-        <p14:creationId xmlns:p14="http://schemas.microsoft.com/office/powerpoint/2010/main" val="1495295926"/>
+        <p14:creationId xmlns:p14="http://schemas.microsoft.com/office/powerpoint/2010/main" val="1384232909"/>
       </p:ext>
     </p:extLst>
   </p:cSld>
   <p:clrMapOvr>
-    <a:masterClrMapping/>
+    <a:overrideClrMapping bg1="lt1" tx1="dk1" bg2="lt2" tx2="dk2" accent1="accent1" accent2="accent2" accent3="accent3" accent4="accent4" accent5="accent5" accent6="accent6" hlink="hlink" folHlink="folHlink"/>
   </p:clrMapOvr>
 </p:sld>
 </file>
@@ -9371,11 +9420,7 @@
           <a:p>
             <a:r>
               <a:rPr lang="ru-RU" dirty="0" smtClean="0"/>
-              <a:t>Бесплатные расширения для </a:t>
-            </a:r>
-            <a:r>
-              <a:rPr lang="en-US" dirty="0" smtClean="0"/>
-              <a:t>VS</a:t>
+              <a:t>Отладчик</a:t>
             </a:r>
             <a:endParaRPr lang="en-US" dirty="0"/>
           </a:p>
@@ -9393,173 +9438,8 @@
         </p:nvSpPr>
         <p:spPr/>
         <p:txBody>
-          <a:bodyPr>
-            <a:normAutofit fontScale="70000" lnSpcReduction="20000"/>
-          </a:bodyPr>
+          <a:bodyPr/>
           <a:lstStyle/>
-          <a:p>
-            <a:r>
-              <a:rPr lang="en-US" dirty="0" smtClean="0"/>
-              <a:t>Productivity </a:t>
-            </a:r>
-            <a:r>
-              <a:rPr lang="en-US" dirty="0"/>
-              <a:t>Power </a:t>
-            </a:r>
-            <a:r>
-              <a:rPr lang="en-US" dirty="0" smtClean="0"/>
-              <a:t>Tools</a:t>
-            </a:r>
-          </a:p>
-          <a:p>
-            <a:pPr lvl="1"/>
-            <a:r>
-              <a:rPr lang="en-US" dirty="0" smtClean="0"/>
-              <a:t>VS 2010: </a:t>
-            </a:r>
-            <a:r>
-              <a:rPr lang="en-US" dirty="0" smtClean="0">
-                <a:hlinkClick r:id="rId2"/>
-              </a:rPr>
-              <a:t>http</a:t>
-            </a:r>
-            <a:r>
-              <a:rPr lang="en-US" dirty="0">
-                <a:hlinkClick r:id="rId2"/>
-              </a:rPr>
-              <a:t>://</a:t>
-            </a:r>
-            <a:r>
-              <a:rPr lang="en-US" dirty="0" smtClean="0">
-                <a:hlinkClick r:id="rId2"/>
-              </a:rPr>
-              <a:t>visualstudiogallery.msdn.microsoft.com/d0d33361-18e2-46c0-8ff2-4adea1e34fef</a:t>
-            </a:r>
-            <a:endParaRPr lang="en-US" dirty="0" smtClean="0"/>
-          </a:p>
-          <a:p>
-            <a:pPr lvl="1"/>
-            <a:r>
-              <a:rPr lang="en-US" dirty="0"/>
-              <a:t>VS 2012: </a:t>
-            </a:r>
-            <a:r>
-              <a:rPr lang="en-US" dirty="0">
-                <a:hlinkClick r:id="rId3"/>
-              </a:rPr>
-              <a:t>http://</a:t>
-            </a:r>
-            <a:r>
-              <a:rPr lang="en-US" dirty="0" smtClean="0">
-                <a:hlinkClick r:id="rId3"/>
-              </a:rPr>
-              <a:t>visualstudiogallery.msdn.microsoft.com/3a96a4dc-ba9c-4589-92c5-640e07332afd</a:t>
-            </a:r>
-            <a:endParaRPr lang="en-US" dirty="0" smtClean="0"/>
-          </a:p>
-          <a:p>
-            <a:r>
-              <a:rPr lang="en-US" dirty="0" smtClean="0"/>
-              <a:t>Entity </a:t>
-            </a:r>
-            <a:r>
-              <a:rPr lang="en-US" dirty="0"/>
-              <a:t>Framework Power Tools Beta </a:t>
-            </a:r>
-            <a:r>
-              <a:rPr lang="en-US" dirty="0" smtClean="0"/>
-              <a:t>4</a:t>
-            </a:r>
-          </a:p>
-          <a:p>
-            <a:pPr lvl="1"/>
-            <a:r>
-              <a:rPr lang="en-US" dirty="0" smtClean="0">
-                <a:hlinkClick r:id="rId4"/>
-              </a:rPr>
-              <a:t>http</a:t>
-            </a:r>
-            <a:r>
-              <a:rPr lang="en-US" dirty="0">
-                <a:hlinkClick r:id="rId4"/>
-              </a:rPr>
-              <a:t>://</a:t>
-            </a:r>
-            <a:r>
-              <a:rPr lang="en-US" dirty="0" smtClean="0">
-                <a:hlinkClick r:id="rId4"/>
-              </a:rPr>
-              <a:t>visualstudiogallery.msdn.microsoft.com/72a60b14-1581-4b9b-89f2-846072eff19d</a:t>
-            </a:r>
-            <a:endParaRPr lang="en-US" dirty="0" smtClean="0"/>
-          </a:p>
-          <a:p>
-            <a:r>
-              <a:rPr lang="ru-RU" dirty="0" smtClean="0"/>
-              <a:t>Подсветка синтаксиса для </a:t>
-            </a:r>
-            <a:r>
-              <a:rPr lang="en-US" dirty="0" smtClean="0"/>
-              <a:t>T4</a:t>
-            </a:r>
-          </a:p>
-          <a:p>
-            <a:pPr lvl="1"/>
-            <a:r>
-              <a:rPr lang="en-US" dirty="0"/>
-              <a:t>tangible T4 </a:t>
-            </a:r>
-            <a:r>
-              <a:rPr lang="en-US" dirty="0" smtClean="0"/>
-              <a:t>Editor</a:t>
-            </a:r>
-          </a:p>
-          <a:p>
-            <a:pPr lvl="2"/>
-            <a:r>
-              <a:rPr lang="en-US" dirty="0">
-                <a:hlinkClick r:id="rId5"/>
-              </a:rPr>
-              <a:t>http://</a:t>
-            </a:r>
-            <a:r>
-              <a:rPr lang="en-US" dirty="0" smtClean="0">
-                <a:hlinkClick r:id="rId5"/>
-              </a:rPr>
-              <a:t>visualstudiogallery.msdn.microsoft.com/60297607-5fd4-4da4-97e1-3715e90c1a23</a:t>
-            </a:r>
-            <a:endParaRPr lang="en-US" dirty="0" smtClean="0"/>
-          </a:p>
-          <a:p>
-            <a:pPr lvl="1"/>
-            <a:r>
-              <a:rPr lang="en-US" dirty="0" smtClean="0"/>
-              <a:t>Visual T4 (</a:t>
-            </a:r>
-            <a:r>
-              <a:rPr lang="en-US" dirty="0" err="1" smtClean="0"/>
-              <a:t>Clarius</a:t>
-            </a:r>
-            <a:r>
-              <a:rPr lang="en-US" dirty="0" smtClean="0"/>
-              <a:t>)</a:t>
-            </a:r>
-          </a:p>
-          <a:p>
-            <a:pPr lvl="2"/>
-            <a:r>
-              <a:rPr lang="en-US" dirty="0"/>
-              <a:t>http://visualstudiogallery.msdn.microsoft.com/40a887aa-f3be-40ec-a85d-37044b239591</a:t>
-            </a:r>
-            <a:endParaRPr lang="ru-RU" dirty="0" smtClean="0"/>
-          </a:p>
-          <a:p>
-            <a:endParaRPr lang="en-US" dirty="0" smtClean="0"/>
-          </a:p>
-          <a:p>
-            <a:pPr lvl="1"/>
-            <a:endParaRPr lang="en-US" dirty="0" smtClean="0"/>
-          </a:p>
           <a:p>
             <a:endParaRPr lang="en-US" dirty="0"/>
           </a:p>
@@ -9568,7 +9448,7 @@
     </p:spTree>
     <p:extLst>
       <p:ext uri="{BB962C8B-B14F-4D97-AF65-F5344CB8AC3E}">
-        <p14:creationId xmlns:p14="http://schemas.microsoft.com/office/powerpoint/2010/main" val="1235442158"/>
+        <p14:creationId xmlns:p14="http://schemas.microsoft.com/office/powerpoint/2010/main" val="1495295926"/>
       </p:ext>
     </p:extLst>
   </p:cSld>
@@ -9663,6 +9543,247 @@
 </file>
 
 <file path=ppt/slides/slide20.xml><?xml version="1.0" encoding="utf-8"?>
+<p:sld xmlns:a="http://schemas.openxmlformats.org/drawingml/2006/main" xmlns:r="http://schemas.openxmlformats.org/officeDocument/2006/relationships" xmlns:p="http://schemas.openxmlformats.org/presentationml/2006/main">
+  <p:cSld>
+    <p:spTree>
+      <p:nvGrpSpPr>
+        <p:cNvPr id="1" name=""/>
+        <p:cNvGrpSpPr/>
+        <p:nvPr/>
+      </p:nvGrpSpPr>
+      <p:grpSpPr>
+        <a:xfrm>
+          <a:off x="0" y="0"/>
+          <a:ext cx="0" cy="0"/>
+          <a:chOff x="0" y="0"/>
+          <a:chExt cx="0" cy="0"/>
+        </a:xfrm>
+      </p:grpSpPr>
+      <p:sp>
+        <p:nvSpPr>
+          <p:cNvPr id="2" name="Title 1"/>
+          <p:cNvSpPr>
+            <a:spLocks noGrp="1"/>
+          </p:cNvSpPr>
+          <p:nvPr>
+            <p:ph type="title"/>
+          </p:nvPr>
+        </p:nvSpPr>
+        <p:spPr/>
+        <p:txBody>
+          <a:bodyPr/>
+          <a:lstStyle/>
+          <a:p>
+            <a:r>
+              <a:rPr lang="ru-RU" dirty="0" smtClean="0"/>
+              <a:t>Бесплатные расширения для </a:t>
+            </a:r>
+            <a:r>
+              <a:rPr lang="en-US" dirty="0" smtClean="0"/>
+              <a:t>VS</a:t>
+            </a:r>
+            <a:endParaRPr lang="en-US" dirty="0"/>
+          </a:p>
+        </p:txBody>
+      </p:sp>
+      <p:sp>
+        <p:nvSpPr>
+          <p:cNvPr id="3" name="Content Placeholder 2"/>
+          <p:cNvSpPr>
+            <a:spLocks noGrp="1"/>
+          </p:cNvSpPr>
+          <p:nvPr>
+            <p:ph idx="1"/>
+          </p:nvPr>
+        </p:nvSpPr>
+        <p:spPr/>
+        <p:txBody>
+          <a:bodyPr>
+            <a:normAutofit fontScale="70000" lnSpcReduction="20000"/>
+          </a:bodyPr>
+          <a:lstStyle/>
+          <a:p>
+            <a:r>
+              <a:rPr lang="en-US" dirty="0" smtClean="0"/>
+              <a:t>Productivity </a:t>
+            </a:r>
+            <a:r>
+              <a:rPr lang="en-US" dirty="0"/>
+              <a:t>Power </a:t>
+            </a:r>
+            <a:r>
+              <a:rPr lang="en-US" dirty="0" smtClean="0"/>
+              <a:t>Tools</a:t>
+            </a:r>
+          </a:p>
+          <a:p>
+            <a:pPr lvl="1"/>
+            <a:r>
+              <a:rPr lang="en-US" dirty="0" smtClean="0"/>
+              <a:t>VS 2010: </a:t>
+            </a:r>
+            <a:r>
+              <a:rPr lang="en-US" dirty="0" smtClean="0">
+                <a:hlinkClick r:id="rId2"/>
+              </a:rPr>
+              <a:t>http</a:t>
+            </a:r>
+            <a:r>
+              <a:rPr lang="en-US" dirty="0">
+                <a:hlinkClick r:id="rId2"/>
+              </a:rPr>
+              <a:t>://</a:t>
+            </a:r>
+            <a:r>
+              <a:rPr lang="en-US" dirty="0" smtClean="0">
+                <a:hlinkClick r:id="rId2"/>
+              </a:rPr>
+              <a:t>visualstudiogallery.msdn.microsoft.com/d0d33361-18e2-46c0-8ff2-4adea1e34fef</a:t>
+            </a:r>
+            <a:endParaRPr lang="en-US" dirty="0" smtClean="0"/>
+          </a:p>
+          <a:p>
+            <a:pPr lvl="1"/>
+            <a:r>
+              <a:rPr lang="en-US" dirty="0"/>
+              <a:t>VS 2012: </a:t>
+            </a:r>
+            <a:r>
+              <a:rPr lang="en-US" dirty="0">
+                <a:hlinkClick r:id="rId3"/>
+              </a:rPr>
+              <a:t>http://</a:t>
+            </a:r>
+            <a:r>
+              <a:rPr lang="en-US" dirty="0" smtClean="0">
+                <a:hlinkClick r:id="rId3"/>
+              </a:rPr>
+              <a:t>visualstudiogallery.msdn.microsoft.com/3a96a4dc-ba9c-4589-92c5-640e07332afd</a:t>
+            </a:r>
+            <a:endParaRPr lang="en-US" dirty="0" smtClean="0"/>
+          </a:p>
+          <a:p>
+            <a:r>
+              <a:rPr lang="en-US" dirty="0" smtClean="0"/>
+              <a:t>Entity </a:t>
+            </a:r>
+            <a:r>
+              <a:rPr lang="en-US" dirty="0"/>
+              <a:t>Framework Power Tools Beta </a:t>
+            </a:r>
+            <a:r>
+              <a:rPr lang="en-US" dirty="0" smtClean="0"/>
+              <a:t>4</a:t>
+            </a:r>
+          </a:p>
+          <a:p>
+            <a:pPr lvl="1"/>
+            <a:r>
+              <a:rPr lang="en-US" dirty="0" smtClean="0">
+                <a:hlinkClick r:id="rId4"/>
+              </a:rPr>
+              <a:t>http</a:t>
+            </a:r>
+            <a:r>
+              <a:rPr lang="en-US" dirty="0">
+                <a:hlinkClick r:id="rId4"/>
+              </a:rPr>
+              <a:t>://</a:t>
+            </a:r>
+            <a:r>
+              <a:rPr lang="en-US" dirty="0" smtClean="0">
+                <a:hlinkClick r:id="rId4"/>
+              </a:rPr>
+              <a:t>visualstudiogallery.msdn.microsoft.com/72a60b14-1581-4b9b-89f2-846072eff19d</a:t>
+            </a:r>
+            <a:endParaRPr lang="en-US" dirty="0" smtClean="0"/>
+          </a:p>
+          <a:p>
+            <a:r>
+              <a:rPr lang="ru-RU" dirty="0" smtClean="0"/>
+              <a:t>Подсветка синтаксиса для </a:t>
+            </a:r>
+            <a:r>
+              <a:rPr lang="en-US" dirty="0" smtClean="0"/>
+              <a:t>T4</a:t>
+            </a:r>
+          </a:p>
+          <a:p>
+            <a:pPr lvl="1"/>
+            <a:r>
+              <a:rPr lang="en-US" dirty="0"/>
+              <a:t>tangible T4 </a:t>
+            </a:r>
+            <a:r>
+              <a:rPr lang="en-US" dirty="0" smtClean="0"/>
+              <a:t>Editor</a:t>
+            </a:r>
+          </a:p>
+          <a:p>
+            <a:pPr lvl="2"/>
+            <a:r>
+              <a:rPr lang="en-US" dirty="0">
+                <a:hlinkClick r:id="rId5"/>
+              </a:rPr>
+              <a:t>http://</a:t>
+            </a:r>
+            <a:r>
+              <a:rPr lang="en-US" dirty="0" smtClean="0">
+                <a:hlinkClick r:id="rId5"/>
+              </a:rPr>
+              <a:t>visualstudiogallery.msdn.microsoft.com/60297607-5fd4-4da4-97e1-3715e90c1a23</a:t>
+            </a:r>
+            <a:endParaRPr lang="en-US" dirty="0" smtClean="0"/>
+          </a:p>
+          <a:p>
+            <a:pPr lvl="1"/>
+            <a:r>
+              <a:rPr lang="en-US" dirty="0" smtClean="0"/>
+              <a:t>Visual T4 (</a:t>
+            </a:r>
+            <a:r>
+              <a:rPr lang="en-US" dirty="0" err="1" smtClean="0"/>
+              <a:t>Clarius</a:t>
+            </a:r>
+            <a:r>
+              <a:rPr lang="en-US" dirty="0" smtClean="0"/>
+              <a:t>)</a:t>
+            </a:r>
+          </a:p>
+          <a:p>
+            <a:pPr lvl="2"/>
+            <a:r>
+              <a:rPr lang="en-US" dirty="0"/>
+              <a:t>http://visualstudiogallery.msdn.microsoft.com/40a887aa-f3be-40ec-a85d-37044b239591</a:t>
+            </a:r>
+            <a:endParaRPr lang="ru-RU" dirty="0" smtClean="0"/>
+          </a:p>
+          <a:p>
+            <a:endParaRPr lang="en-US" dirty="0" smtClean="0"/>
+          </a:p>
+          <a:p>
+            <a:pPr lvl="1"/>
+            <a:endParaRPr lang="en-US" dirty="0" smtClean="0"/>
+          </a:p>
+          <a:p>
+            <a:endParaRPr lang="en-US" dirty="0"/>
+          </a:p>
+        </p:txBody>
+      </p:sp>
+    </p:spTree>
+    <p:extLst>
+      <p:ext uri="{BB962C8B-B14F-4D97-AF65-F5344CB8AC3E}">
+        <p14:creationId xmlns:p14="http://schemas.microsoft.com/office/powerpoint/2010/main" val="1235442158"/>
+      </p:ext>
+    </p:extLst>
+  </p:cSld>
+  <p:clrMapOvr>
+    <a:masterClrMapping/>
+  </p:clrMapOvr>
+</p:sld>
+</file>
+
+<file path=ppt/slides/slide21.xml><?xml version="1.0" encoding="utf-8"?>
 <p:sld xmlns:a="http://schemas.openxmlformats.org/drawingml/2006/main" xmlns:r="http://schemas.openxmlformats.org/officeDocument/2006/relationships" xmlns:p="http://schemas.openxmlformats.org/presentationml/2006/main">
   <p:cSld>
     <p:spTree>

--- a/Presentation/tools-visual-studio.pptx
+++ b/Presentation/tools-visual-studio.pptx
@@ -130,7 +130,7 @@
   </p:defaultTextStyle>
   <p:extLst>
     <p:ext uri="{EFAFB233-063F-42B5-8137-9DF3F51BA10A}">
-      <p15:sldGuideLst xmlns:p15="http://schemas.microsoft.com/office/powerpoint/2012/main">
+      <p15:sldGuideLst xmlns:p15="http://schemas.microsoft.com/office/powerpoint/2012/main" xmlns="">
         <p15:guide id="1" orient="horz" pos="2160">
           <p15:clr>
             <a:srgbClr val="A4A3A4"/>
@@ -229,7 +229,7 @@
           <a:p>
             <a:fld id="{B24A7054-7FFB-49F4-A126-5DF6E687FF53}" type="datetimeFigureOut">
               <a:rPr lang="ru-RU" smtClean="0"/>
-              <a:t>28.11.2013</a:t>
+              <a:t>20.04.2014</a:t>
             </a:fld>
             <a:endParaRPr lang="ru-RU"/>
           </a:p>
@@ -1511,7 +1511,7 @@
           <a:p>
             <a:fld id="{8E6E6A2A-E9D3-4A0D-B04A-ABDD367A1E08}" type="datetimeFigureOut">
               <a:rPr lang="ru-RU" smtClean="0"/>
-              <a:t>28.11.2013</a:t>
+              <a:t>20.04.2014</a:t>
             </a:fld>
             <a:endParaRPr lang="ru-RU"/>
           </a:p>
@@ -4024,7 +4024,7 @@
                 </a:solidFill>
               </a:rPr>
               <a:pPr/>
-              <a:t>28.11.2013</a:t>
+              <a:t>20.04.2014</a:t>
             </a:fld>
             <a:endParaRPr lang="ru-RU">
               <a:solidFill>
@@ -5285,7 +5285,7 @@
           <a:p>
             <a:fld id="{AC3D3127-B7C4-45E3-9797-C527EC9FDD78}" type="datetimeFigureOut">
               <a:rPr lang="ru-RU" smtClean="0"/>
-              <a:t>28.11.2013</a:t>
+              <a:t>20.04.2014</a:t>
             </a:fld>
             <a:endParaRPr lang="ru-RU"/>
           </a:p>
@@ -5821,7 +5821,7 @@
                 </a:solidFill>
               </a:rPr>
               <a:pPr/>
-              <a:t>28.11.2013</a:t>
+              <a:t>20.04.2014</a:t>
             </a:fld>
             <a:endParaRPr lang="ru-RU">
               <a:solidFill>
@@ -9780,6 +9780,13 @@
   <p:clrMapOvr>
     <a:masterClrMapping/>
   </p:clrMapOvr>
+  <p:timing>
+    <p:tnLst>
+      <p:par>
+        <p:cTn id="1" dur="indefinite" restart="never" nodeType="tmRoot"/>
+      </p:par>
+    </p:tnLst>
+  </p:timing>
 </p:sld>
 </file>
 
@@ -9813,18 +9820,10 @@
         <p:spPr/>
         <p:txBody>
           <a:bodyPr>
-            <a:normAutofit fontScale="90000"/>
+            <a:normAutofit/>
           </a:bodyPr>
           <a:lstStyle/>
           <a:p>
-            <a:r>
-              <a:rPr lang="ru-RU" dirty="0" smtClean="0"/>
-              <a:t>Платные расширения для </a:t>
-            </a:r>
-            <a:r>
-              <a:rPr lang="en-US" dirty="0" smtClean="0"/>
-              <a:t>Visual Studio</a:t>
-            </a:r>
             <a:endParaRPr lang="ru-RU" dirty="0"/>
           </a:p>
         </p:txBody>
@@ -9846,8 +9845,13 @@
           <a:p>
             <a:r>
               <a:rPr lang="en-US" dirty="0" smtClean="0"/>
-              <a:t>JetBrains ReSharper</a:t>
-            </a:r>
+              <a:t>JetBrains </a:t>
+            </a:r>
+            <a:r>
+              <a:rPr lang="en-US" dirty="0" smtClean="0"/>
+              <a:t>ReSharper</a:t>
+            </a:r>
+            <a:endParaRPr lang="en-US" dirty="0" smtClean="0"/>
           </a:p>
           <a:p>
             <a:pPr lvl="1"/>
@@ -9872,6 +9876,36 @@
             <a:endParaRPr lang="en-US" dirty="0" smtClean="0"/>
           </a:p>
           <a:p>
+            <a:r>
+              <a:rPr lang="en-US" dirty="0" err="1" smtClean="0"/>
+              <a:t>CodeRush</a:t>
+            </a:r>
+            <a:endParaRPr lang="en-US" dirty="0" smtClean="0"/>
+          </a:p>
+          <a:p>
+            <a:pPr lvl="1"/>
+            <a:r>
+              <a:rPr lang="en-US" dirty="0">
+                <a:hlinkClick r:id="rId3"/>
+              </a:rPr>
+              <a:t>https://www.devexpress.com/products/coderush/</a:t>
+            </a:r>
+            <a:endParaRPr lang="en-US" dirty="0" smtClean="0"/>
+          </a:p>
+          <a:p>
+            <a:pPr marL="0" indent="0">
+              <a:buNone/>
+            </a:pPr>
+            <a:endParaRPr lang="ru-RU" dirty="0" smtClean="0"/>
+          </a:p>
+          <a:p>
+            <a:pPr marL="0" indent="0">
+              <a:buNone/>
+            </a:pPr>
+            <a:r>
+              <a:rPr lang="ru-RU" dirty="0" smtClean="0"/>
+              <a:t>Эти расширения добавляют множество дополнительных команд улучшающих производительность работы программиста.</a:t>
+            </a:r>
             <a:endParaRPr lang="ru-RU" dirty="0"/>
           </a:p>
         </p:txBody>
@@ -9886,6 +9920,13 @@
   <p:clrMapOvr>
     <a:masterClrMapping/>
   </p:clrMapOvr>
+  <p:timing>
+    <p:tnLst>
+      <p:par>
+        <p:cTn id="1" dur="indefinite" restart="never" nodeType="tmRoot"/>
+      </p:par>
+    </p:tnLst>
+  </p:timing>
 </p:sld>
 </file>
 

--- a/Presentation/tools-visual-studio.pptx
+++ b/Presentation/tools-visual-studio.pptx
@@ -6,7 +6,7 @@
     <p:sldMasterId id="2147483663" r:id="rId2"/>
   </p:sldMasterIdLst>
   <p:notesMasterIdLst>
-    <p:notesMasterId r:id="rId24"/>
+    <p:notesMasterId r:id="rId25"/>
   </p:notesMasterIdLst>
   <p:sldIdLst>
     <p:sldId id="257" r:id="rId3"/>
@@ -18,18 +18,19 @@
     <p:sldId id="275" r:id="rId9"/>
     <p:sldId id="262" r:id="rId10"/>
     <p:sldId id="265" r:id="rId11"/>
-    <p:sldId id="277" r:id="rId12"/>
-    <p:sldId id="271" r:id="rId13"/>
-    <p:sldId id="266" r:id="rId14"/>
-    <p:sldId id="279" r:id="rId15"/>
-    <p:sldId id="269" r:id="rId16"/>
-    <p:sldId id="273" r:id="rId17"/>
-    <p:sldId id="274" r:id="rId18"/>
-    <p:sldId id="267" r:id="rId19"/>
-    <p:sldId id="268" r:id="rId20"/>
-    <p:sldId id="260" r:id="rId21"/>
-    <p:sldId id="261" r:id="rId22"/>
-    <p:sldId id="276" r:id="rId23"/>
+    <p:sldId id="280" r:id="rId12"/>
+    <p:sldId id="277" r:id="rId13"/>
+    <p:sldId id="271" r:id="rId14"/>
+    <p:sldId id="266" r:id="rId15"/>
+    <p:sldId id="279" r:id="rId16"/>
+    <p:sldId id="269" r:id="rId17"/>
+    <p:sldId id="273" r:id="rId18"/>
+    <p:sldId id="274" r:id="rId19"/>
+    <p:sldId id="267" r:id="rId20"/>
+    <p:sldId id="268" r:id="rId21"/>
+    <p:sldId id="260" r:id="rId22"/>
+    <p:sldId id="261" r:id="rId23"/>
+    <p:sldId id="276" r:id="rId24"/>
   </p:sldIdLst>
   <p:sldSz cx="9144000" cy="6858000" type="screen4x3"/>
   <p:notesSz cx="6858000" cy="9144000"/>
@@ -130,7 +131,7 @@
   </p:defaultTextStyle>
   <p:extLst>
     <p:ext uri="{EFAFB233-063F-42B5-8137-9DF3F51BA10A}">
-      <p15:sldGuideLst xmlns:p15="http://schemas.microsoft.com/office/powerpoint/2012/main" xmlns="">
+      <p15:sldGuideLst xmlns="" xmlns:p15="http://schemas.microsoft.com/office/powerpoint/2012/main">
         <p15:guide id="1" orient="horz" pos="2160">
           <p15:clr>
             <a:srgbClr val="A4A3A4"/>
@@ -229,7 +230,7 @@
           <a:p>
             <a:fld id="{B24A7054-7FFB-49F4-A126-5DF6E687FF53}" type="datetimeFigureOut">
               <a:rPr lang="ru-RU" smtClean="0"/>
-              <a:t>20.04.2014</a:t>
+              <a:t>04.06.2014</a:t>
             </a:fld>
             <a:endParaRPr lang="ru-RU"/>
           </a:p>
@@ -1511,7 +1512,7 @@
           <a:p>
             <a:fld id="{8E6E6A2A-E9D3-4A0D-B04A-ABDD367A1E08}" type="datetimeFigureOut">
               <a:rPr lang="ru-RU" smtClean="0"/>
-              <a:t>20.04.2014</a:t>
+              <a:t>04.06.2014</a:t>
             </a:fld>
             <a:endParaRPr lang="ru-RU"/>
           </a:p>
@@ -4024,7 +4025,7 @@
                 </a:solidFill>
               </a:rPr>
               <a:pPr/>
-              <a:t>20.04.2014</a:t>
+              <a:t>04.06.2014</a:t>
             </a:fld>
             <a:endParaRPr lang="ru-RU">
               <a:solidFill>
@@ -5285,7 +5286,7 @@
           <a:p>
             <a:fld id="{AC3D3127-B7C4-45E3-9797-C527EC9FDD78}" type="datetimeFigureOut">
               <a:rPr lang="ru-RU" smtClean="0"/>
-              <a:t>20.04.2014</a:t>
+              <a:t>04.06.2014</a:t>
             </a:fld>
             <a:endParaRPr lang="ru-RU"/>
           </a:p>
@@ -5821,7 +5822,7 @@
                 </a:solidFill>
               </a:rPr>
               <a:pPr/>
-              <a:t>20.04.2014</a:t>
+              <a:t>04.06.2014</a:t>
             </a:fld>
             <a:endParaRPr lang="ru-RU">
               <a:solidFill>
@@ -6445,9 +6446,21 @@
           <a:p>
             <a:r>
               <a:rPr lang="ru-RU" dirty="0" smtClean="0"/>
-              <a:t>Редактор: комментарии</a:t>
-            </a:r>
-            <a:endParaRPr lang="ru-RU" dirty="0"/>
+              <a:t>Редактор</a:t>
+            </a:r>
+            <a:r>
+              <a:rPr lang="en-US" dirty="0" smtClean="0"/>
+              <a:t>: </a:t>
+            </a:r>
+            <a:r>
+              <a:rPr lang="ru-RU" dirty="0" smtClean="0"/>
+              <a:t>Выделение </a:t>
+            </a:r>
+            <a:r>
+              <a:rPr lang="ru-RU" dirty="0" smtClean="0"/>
+              <a:t>текста</a:t>
+            </a:r>
+            <a:endParaRPr lang="en-US" dirty="0"/>
           </a:p>
         </p:txBody>
       </p:sp>
@@ -6468,101 +6481,113 @@
           </a:bodyPr>
           <a:lstStyle/>
           <a:p>
-            <a:r>
-              <a:rPr lang="en-US" sz="2800" dirty="0" err="1">
+            <a:pPr>
+              <a:buClr>
+                <a:schemeClr val="bg1"/>
+              </a:buClr>
+            </a:pPr>
+            <a:r>
+              <a:rPr lang="en-US" dirty="0" err="1" smtClean="0">
                 <a:solidFill>
                   <a:srgbClr val="F6AE1E"/>
                 </a:solidFill>
               </a:rPr>
-              <a:t>Ctrl+K</a:t>
-            </a:r>
-            <a:r>
-              <a:rPr lang="en-US" sz="2800" dirty="0">
+              <a:t>Ctrl+Shift</a:t>
+            </a:r>
+            <a:r>
+              <a:rPr lang="en-US" dirty="0" smtClean="0">
                 <a:solidFill>
                   <a:srgbClr val="F6AE1E"/>
                 </a:solidFill>
               </a:rPr>
-              <a:t>, </a:t>
-            </a:r>
-            <a:r>
-              <a:rPr lang="en-US" sz="2800" dirty="0" err="1">
-                <a:solidFill>
-                  <a:srgbClr val="F6AE1E"/>
-                </a:solidFill>
-              </a:rPr>
-              <a:t>Ctrl+C</a:t>
-            </a:r>
-            <a:r>
-              <a:rPr lang="en-US" sz="2800" dirty="0">
+              <a:t>+]</a:t>
+            </a:r>
+            <a:r>
+              <a:rPr lang="ru-RU" dirty="0" smtClean="0">
                 <a:solidFill>
                   <a:schemeClr val="bg1"/>
                 </a:solidFill>
               </a:rPr>
-              <a:t> </a:t>
-            </a:r>
-            <a:r>
-              <a:rPr lang="ru-RU" sz="2800" dirty="0">
+              <a:t> выделение блока внутри</a:t>
+            </a:r>
+            <a:r>
+              <a:rPr lang="en-US" dirty="0" smtClean="0">
                 <a:solidFill>
                   <a:schemeClr val="bg1"/>
                 </a:solidFill>
               </a:rPr>
-              <a:t>закоментировать выбранные </a:t>
-            </a:r>
-            <a:r>
-              <a:rPr lang="ru-RU" sz="2800" dirty="0" smtClean="0">
+              <a:t> { }. </a:t>
+            </a:r>
+            <a:r>
+              <a:rPr lang="ru-RU" dirty="0" smtClean="0">
                 <a:solidFill>
                   <a:schemeClr val="bg1"/>
                 </a:solidFill>
               </a:rPr>
-              <a:t>строки</a:t>
-            </a:r>
-          </a:p>
-          <a:p>
-            <a:r>
-              <a:rPr lang="en-US" sz="2800" dirty="0" err="1">
-                <a:solidFill>
-                  <a:srgbClr val="F6AE1E"/>
-                </a:solidFill>
-              </a:rPr>
-              <a:t>Ctrl+K</a:t>
-            </a:r>
-            <a:r>
-              <a:rPr lang="en-US" sz="2800" dirty="0">
-                <a:solidFill>
-                  <a:srgbClr val="F6AE1E"/>
-                </a:solidFill>
-              </a:rPr>
-              <a:t>, </a:t>
-            </a:r>
-            <a:r>
-              <a:rPr lang="en-US" sz="2800" dirty="0" err="1">
-                <a:solidFill>
-                  <a:srgbClr val="F6AE1E"/>
-                </a:solidFill>
-              </a:rPr>
-              <a:t>Ctrl+U</a:t>
-            </a:r>
-            <a:r>
-              <a:rPr lang="en-US" sz="2800" dirty="0"/>
-              <a:t> </a:t>
-            </a:r>
-            <a:r>
-              <a:rPr lang="ru-RU" sz="2800" dirty="0"/>
-              <a:t>снять коментарий с выбранных строк</a:t>
-            </a:r>
+              <a:t>Курсор должен стоять на </a:t>
+            </a:r>
+            <a:r>
+              <a:rPr lang="en-US" dirty="0" smtClean="0">
+                <a:solidFill>
+                  <a:schemeClr val="bg1"/>
+                </a:solidFill>
+              </a:rPr>
+              <a:t>{ </a:t>
+            </a:r>
+            <a:r>
+              <a:rPr lang="ru-RU" dirty="0" smtClean="0">
+                <a:solidFill>
+                  <a:schemeClr val="bg1"/>
+                </a:solidFill>
+              </a:rPr>
+              <a:t>или </a:t>
+            </a:r>
+            <a:r>
+              <a:rPr lang="en-US" dirty="0" smtClean="0">
+                <a:solidFill>
+                  <a:schemeClr val="bg1"/>
+                </a:solidFill>
+              </a:rPr>
+              <a:t>}</a:t>
+            </a:r>
+            <a:endParaRPr lang="ru-RU" dirty="0" smtClean="0">
+              <a:solidFill>
+                <a:schemeClr val="bg1"/>
+              </a:solidFill>
+            </a:endParaRPr>
+          </a:p>
+          <a:p>
+            <a:pPr marL="0" indent="0">
+              <a:buClr>
+                <a:schemeClr val="bg1"/>
+              </a:buClr>
+              <a:buNone/>
+            </a:pPr>
+            <a:endParaRPr lang="en-US" dirty="0">
+              <a:solidFill>
+                <a:schemeClr val="bg1"/>
+              </a:solidFill>
+            </a:endParaRPr>
           </a:p>
         </p:txBody>
       </p:sp>
     </p:spTree>
     <p:extLst>
       <p:ext uri="{BB962C8B-B14F-4D97-AF65-F5344CB8AC3E}">
-        <p14:creationId xmlns:p14="http://schemas.microsoft.com/office/powerpoint/2010/main" val="4274730761"/>
+        <p14:creationId xmlns:p14="http://schemas.microsoft.com/office/powerpoint/2010/main" val="4175683496"/>
       </p:ext>
     </p:extLst>
   </p:cSld>
   <p:clrMapOvr>
     <a:masterClrMapping/>
   </p:clrMapOvr>
+  <p:timing>
+    <p:tnLst>
+      <p:par>
+        <p:cTn id="1" dur="indefinite" restart="never" nodeType="tmRoot"/>
+      </p:par>
+    </p:tnLst>
+  </p:timing>
 </p:sld>
 </file>
 
@@ -6600,17 +6625,9 @@
           <a:p>
             <a:r>
               <a:rPr lang="ru-RU" dirty="0" smtClean="0"/>
-              <a:t>Редактор</a:t>
-            </a:r>
-            <a:r>
-              <a:rPr lang="en-US" dirty="0" smtClean="0"/>
-              <a:t>: </a:t>
-            </a:r>
-            <a:r>
-              <a:rPr lang="ru-RU" dirty="0" smtClean="0"/>
-              <a:t>Колоночный режим</a:t>
-            </a:r>
-            <a:endParaRPr lang="en-US" dirty="0"/>
+              <a:t>Редактор: комментарии</a:t>
+            </a:r>
+            <a:endParaRPr lang="ru-RU" dirty="0"/>
           </a:p>
         </p:txBody>
       </p:sp>
@@ -6631,6 +6648,176 @@
           </a:bodyPr>
           <a:lstStyle/>
           <a:p>
+            <a:r>
+              <a:rPr lang="en-US" sz="2800" dirty="0" err="1">
+                <a:solidFill>
+                  <a:srgbClr val="F6AE1E"/>
+                </a:solidFill>
+              </a:rPr>
+              <a:t>Ctrl+K</a:t>
+            </a:r>
+            <a:r>
+              <a:rPr lang="en-US" sz="2800" dirty="0">
+                <a:solidFill>
+                  <a:srgbClr val="F6AE1E"/>
+                </a:solidFill>
+              </a:rPr>
+              <a:t>, </a:t>
+            </a:r>
+            <a:r>
+              <a:rPr lang="en-US" sz="2800" dirty="0" err="1">
+                <a:solidFill>
+                  <a:srgbClr val="F6AE1E"/>
+                </a:solidFill>
+              </a:rPr>
+              <a:t>Ctrl+C</a:t>
+            </a:r>
+            <a:r>
+              <a:rPr lang="en-US" sz="2800" dirty="0">
+                <a:solidFill>
+                  <a:schemeClr val="bg1"/>
+                </a:solidFill>
+              </a:rPr>
+              <a:t> </a:t>
+            </a:r>
+            <a:r>
+              <a:rPr lang="ru-RU" sz="2800" dirty="0">
+                <a:solidFill>
+                  <a:schemeClr val="bg1"/>
+                </a:solidFill>
+              </a:rPr>
+              <a:t>закоментировать выбранные </a:t>
+            </a:r>
+            <a:r>
+              <a:rPr lang="ru-RU" sz="2800" dirty="0" smtClean="0">
+                <a:solidFill>
+                  <a:schemeClr val="bg1"/>
+                </a:solidFill>
+              </a:rPr>
+              <a:t>строки</a:t>
+            </a:r>
+          </a:p>
+          <a:p>
+            <a:r>
+              <a:rPr lang="en-US" sz="2800" dirty="0" err="1">
+                <a:solidFill>
+                  <a:srgbClr val="F6AE1E"/>
+                </a:solidFill>
+              </a:rPr>
+              <a:t>Ctrl+K</a:t>
+            </a:r>
+            <a:r>
+              <a:rPr lang="en-US" sz="2800" dirty="0">
+                <a:solidFill>
+                  <a:srgbClr val="F6AE1E"/>
+                </a:solidFill>
+              </a:rPr>
+              <a:t>, </a:t>
+            </a:r>
+            <a:r>
+              <a:rPr lang="en-US" sz="2800" dirty="0" err="1">
+                <a:solidFill>
+                  <a:srgbClr val="F6AE1E"/>
+                </a:solidFill>
+              </a:rPr>
+              <a:t>Ctrl+U</a:t>
+            </a:r>
+            <a:r>
+              <a:rPr lang="en-US" sz="2800" dirty="0"/>
+              <a:t> </a:t>
+            </a:r>
+            <a:r>
+              <a:rPr lang="ru-RU" sz="2800" dirty="0"/>
+              <a:t>снять коментарий с выбранных строк</a:t>
+            </a:r>
+          </a:p>
+        </p:txBody>
+      </p:sp>
+    </p:spTree>
+    <p:extLst>
+      <p:ext uri="{BB962C8B-B14F-4D97-AF65-F5344CB8AC3E}">
+        <p14:creationId xmlns:p14="http://schemas.microsoft.com/office/powerpoint/2010/main" val="4274730761"/>
+      </p:ext>
+    </p:extLst>
+  </p:cSld>
+  <p:clrMapOvr>
+    <a:masterClrMapping/>
+  </p:clrMapOvr>
+  <p:timing>
+    <p:tnLst>
+      <p:par>
+        <p:cTn id="1" dur="indefinite" restart="never" nodeType="tmRoot"/>
+      </p:par>
+    </p:tnLst>
+  </p:timing>
+</p:sld>
+</file>
+
+<file path=ppt/slides/slide12.xml><?xml version="1.0" encoding="utf-8"?>
+<p:sld xmlns:a="http://schemas.openxmlformats.org/drawingml/2006/main" xmlns:r="http://schemas.openxmlformats.org/officeDocument/2006/relationships" xmlns:p="http://schemas.openxmlformats.org/presentationml/2006/main">
+  <p:cSld>
+    <p:spTree>
+      <p:nvGrpSpPr>
+        <p:cNvPr id="1" name=""/>
+        <p:cNvGrpSpPr/>
+        <p:nvPr/>
+      </p:nvGrpSpPr>
+      <p:grpSpPr>
+        <a:xfrm>
+          <a:off x="0" y="0"/>
+          <a:ext cx="0" cy="0"/>
+          <a:chOff x="0" y="0"/>
+          <a:chExt cx="0" cy="0"/>
+        </a:xfrm>
+      </p:grpSpPr>
+      <p:sp>
+        <p:nvSpPr>
+          <p:cNvPr id="2" name="Title 1"/>
+          <p:cNvSpPr>
+            <a:spLocks noGrp="1"/>
+          </p:cNvSpPr>
+          <p:nvPr>
+            <p:ph type="title"/>
+          </p:nvPr>
+        </p:nvSpPr>
+        <p:spPr/>
+        <p:txBody>
+          <a:bodyPr/>
+          <a:lstStyle/>
+          <a:p>
+            <a:r>
+              <a:rPr lang="ru-RU" dirty="0" smtClean="0"/>
+              <a:t>Редактор</a:t>
+            </a:r>
+            <a:r>
+              <a:rPr lang="en-US" dirty="0" smtClean="0"/>
+              <a:t>: </a:t>
+            </a:r>
+            <a:r>
+              <a:rPr lang="ru-RU" dirty="0" smtClean="0"/>
+              <a:t>Колоночный режим</a:t>
+            </a:r>
+            <a:endParaRPr lang="en-US" dirty="0"/>
+          </a:p>
+        </p:txBody>
+      </p:sp>
+      <p:sp>
+        <p:nvSpPr>
+          <p:cNvPr id="3" name="Content Placeholder 2"/>
+          <p:cNvSpPr>
+            <a:spLocks noGrp="1"/>
+          </p:cNvSpPr>
+          <p:nvPr>
+            <p:ph idx="1"/>
+          </p:nvPr>
+        </p:nvSpPr>
+        <p:spPr/>
+        <p:txBody>
+          <a:bodyPr>
+            <a:normAutofit/>
+          </a:bodyPr>
+          <a:lstStyle/>
+          <a:p>
             <a:pPr>
               <a:buClr>
                 <a:schemeClr val="bg1"/>
@@ -6762,10 +6949,17 @@
   <p:clrMapOvr>
     <a:masterClrMapping/>
   </p:clrMapOvr>
+  <p:timing>
+    <p:tnLst>
+      <p:par>
+        <p:cTn id="1" dur="indefinite" restart="never" nodeType="tmRoot"/>
+      </p:par>
+    </p:tnLst>
+  </p:timing>
 </p:sld>
 </file>
 
-<file path=ppt/slides/slide12.xml><?xml version="1.0" encoding="utf-8"?>
+<file path=ppt/slides/slide13.xml><?xml version="1.0" encoding="utf-8"?>
 <p:sld xmlns:a="http://schemas.openxmlformats.org/drawingml/2006/main" xmlns:r="http://schemas.openxmlformats.org/officeDocument/2006/relationships" xmlns:p="http://schemas.openxmlformats.org/presentationml/2006/main">
   <p:cSld>
     <p:bg>
@@ -7142,7 +7336,7 @@
 </p:sld>
 </file>
 
-<file path=ppt/slides/slide13.xml><?xml version="1.0" encoding="utf-8"?>
+<file path=ppt/slides/slide14.xml><?xml version="1.0" encoding="utf-8"?>
 <p:sld xmlns:a="http://schemas.openxmlformats.org/drawingml/2006/main" xmlns:r="http://schemas.openxmlformats.org/officeDocument/2006/relationships" xmlns:p="http://schemas.openxmlformats.org/presentationml/2006/main">
   <p:cSld>
     <p:spTree>
@@ -7246,7 +7440,7 @@
 </p:sld>
 </file>
 
-<file path=ppt/slides/slide14.xml><?xml version="1.0" encoding="utf-8"?>
+<file path=ppt/slides/slide15.xml><?xml version="1.0" encoding="utf-8"?>
 <p:sld xmlns:a="http://schemas.openxmlformats.org/drawingml/2006/main" xmlns:r="http://schemas.openxmlformats.org/officeDocument/2006/relationships" xmlns:p="http://schemas.openxmlformats.org/presentationml/2006/main">
   <p:cSld>
     <p:bg>
@@ -7466,7 +7660,7 @@
 </p:sld>
 </file>
 
-<file path=ppt/slides/slide15.xml><?xml version="1.0" encoding="utf-8"?>
+<file path=ppt/slides/slide16.xml><?xml version="1.0" encoding="utf-8"?>
 <p:sld xmlns:a="http://schemas.openxmlformats.org/drawingml/2006/main" xmlns:r="http://schemas.openxmlformats.org/officeDocument/2006/relationships" xmlns:p="http://schemas.openxmlformats.org/presentationml/2006/main">
   <p:cSld>
     <p:spTree>
@@ -7724,7 +7918,7 @@
 </p:sld>
 </file>
 
-<file path=ppt/slides/slide16.xml><?xml version="1.0" encoding="utf-8"?>
+<file path=ppt/slides/slide17.xml><?xml version="1.0" encoding="utf-8"?>
 <p:sld xmlns:a="http://schemas.openxmlformats.org/drawingml/2006/main" xmlns:r="http://schemas.openxmlformats.org/officeDocument/2006/relationships" xmlns:p="http://schemas.openxmlformats.org/presentationml/2006/main">
   <p:cSld>
     <p:spTree>
@@ -8981,203 +9175,6 @@
 </p:sld>
 </file>
 
-<file path=ppt/slides/slide17.xml><?xml version="1.0" encoding="utf-8"?>
-<p:sld xmlns:a="http://schemas.openxmlformats.org/drawingml/2006/main" xmlns:r="http://schemas.openxmlformats.org/officeDocument/2006/relationships" xmlns:p="http://schemas.openxmlformats.org/presentationml/2006/main">
-  <p:cSld>
-    <p:bg>
-      <p:bgPr>
-        <a:blipFill dpi="0" rotWithShape="1">
-          <a:blip r:embed="rId3">
-            <a:lum/>
-          </a:blip>
-          <a:srcRect/>
-          <a:stretch>
-            <a:fillRect/>
-          </a:stretch>
-        </a:blipFill>
-        <a:effectLst/>
-      </p:bgPr>
-    </p:bg>
-    <p:spTree>
-      <p:nvGrpSpPr>
-        <p:cNvPr id="1" name=""/>
-        <p:cNvGrpSpPr/>
-        <p:nvPr/>
-      </p:nvGrpSpPr>
-      <p:grpSpPr>
-        <a:xfrm>
-          <a:off x="0" y="0"/>
-          <a:ext cx="0" cy="0"/>
-          <a:chOff x="0" y="0"/>
-          <a:chExt cx="0" cy="0"/>
-        </a:xfrm>
-      </p:grpSpPr>
-      <p:sp>
-        <p:nvSpPr>
-          <p:cNvPr id="2" name="Title 1"/>
-          <p:cNvSpPr>
-            <a:spLocks noGrp="1"/>
-          </p:cNvSpPr>
-          <p:nvPr>
-            <p:ph type="title"/>
-          </p:nvPr>
-        </p:nvSpPr>
-        <p:spPr/>
-        <p:txBody>
-          <a:bodyPr/>
-          <a:lstStyle/>
-          <a:p>
-            <a:r>
-              <a:rPr lang="ru-RU" dirty="0" smtClean="0"/>
-              <a:t>Окна: </a:t>
-            </a:r>
-            <a:r>
-              <a:rPr lang="en-US" dirty="0" smtClean="0"/>
-              <a:t>Bookmarks</a:t>
-            </a:r>
-            <a:endParaRPr lang="en-US" dirty="0"/>
-          </a:p>
-        </p:txBody>
-      </p:sp>
-      <p:sp>
-        <p:nvSpPr>
-          <p:cNvPr id="3" name="Content Placeholder 2"/>
-          <p:cNvSpPr>
-            <a:spLocks noGrp="1"/>
-          </p:cNvSpPr>
-          <p:nvPr>
-            <p:ph idx="1"/>
-          </p:nvPr>
-        </p:nvSpPr>
-        <p:spPr/>
-        <p:txBody>
-          <a:bodyPr>
-            <a:normAutofit/>
-          </a:bodyPr>
-          <a:lstStyle/>
-          <a:p>
-            <a:pPr>
-              <a:buClr>
-                <a:schemeClr val="bg1"/>
-              </a:buClr>
-            </a:pPr>
-            <a:r>
-              <a:rPr lang="ru-RU" dirty="0">
-                <a:solidFill>
-                  <a:schemeClr val="bg1"/>
-                </a:solidFill>
-              </a:rPr>
-              <a:t>Закладки в текстовых файлах</a:t>
-            </a:r>
-            <a:endParaRPr lang="en-US" dirty="0" smtClean="0">
-              <a:solidFill>
-                <a:schemeClr val="bg1"/>
-              </a:solidFill>
-            </a:endParaRPr>
-          </a:p>
-          <a:p>
-            <a:pPr>
-              <a:buClr>
-                <a:schemeClr val="bg1"/>
-              </a:buClr>
-            </a:pPr>
-            <a:r>
-              <a:rPr lang="ru-RU" dirty="0" smtClean="0">
-                <a:solidFill>
-                  <a:schemeClr val="bg1"/>
-                </a:solidFill>
-              </a:rPr>
-              <a:t>Команды меню </a:t>
-            </a:r>
-            <a:r>
-              <a:rPr lang="en-US" dirty="0" smtClean="0">
-                <a:solidFill>
-                  <a:schemeClr val="bg1"/>
-                </a:solidFill>
-              </a:rPr>
-              <a:t>View -&gt; Bookmark Window</a:t>
-            </a:r>
-            <a:r>
-              <a:rPr lang="ru-RU" dirty="0" smtClean="0">
-                <a:solidFill>
-                  <a:schemeClr val="bg1"/>
-                </a:solidFill>
-              </a:rPr>
-              <a:t> и </a:t>
-            </a:r>
-            <a:r>
-              <a:rPr lang="en-US" dirty="0" smtClean="0">
-                <a:solidFill>
-                  <a:schemeClr val="bg1"/>
-                </a:solidFill>
-              </a:rPr>
-              <a:t>Edit -&gt; Bookmarks.</a:t>
-            </a:r>
-          </a:p>
-          <a:p>
-            <a:pPr>
-              <a:buClr>
-                <a:schemeClr val="bg1"/>
-              </a:buClr>
-            </a:pPr>
-            <a:endParaRPr lang="ru-RU" dirty="0" smtClean="0">
-              <a:solidFill>
-                <a:schemeClr val="bg1"/>
-              </a:solidFill>
-            </a:endParaRPr>
-          </a:p>
-          <a:p>
-            <a:pPr>
-              <a:buClr>
-                <a:schemeClr val="bg1"/>
-              </a:buClr>
-            </a:pPr>
-            <a:endParaRPr lang="ru-RU" dirty="0" smtClean="0">
-              <a:solidFill>
-                <a:schemeClr val="bg1"/>
-              </a:solidFill>
-            </a:endParaRPr>
-          </a:p>
-          <a:p>
-            <a:pPr>
-              <a:buClr>
-                <a:schemeClr val="bg1"/>
-              </a:buClr>
-            </a:pPr>
-            <a:endParaRPr lang="ru-RU" dirty="0" smtClean="0">
-              <a:solidFill>
-                <a:schemeClr val="bg1"/>
-              </a:solidFill>
-            </a:endParaRPr>
-          </a:p>
-          <a:p>
-            <a:pPr marL="0" indent="0">
-              <a:buClr>
-                <a:schemeClr val="bg1"/>
-              </a:buClr>
-              <a:buNone/>
-            </a:pPr>
-            <a:endParaRPr lang="en-US" dirty="0">
-              <a:solidFill>
-                <a:schemeClr val="bg1"/>
-              </a:solidFill>
-            </a:endParaRPr>
-          </a:p>
-        </p:txBody>
-      </p:sp>
-    </p:spTree>
-    <p:extLst>
-      <p:ext uri="{BB962C8B-B14F-4D97-AF65-F5344CB8AC3E}">
-        <p14:creationId xmlns:p14="http://schemas.microsoft.com/office/powerpoint/2010/main" val="3985499755"/>
-      </p:ext>
-    </p:extLst>
-  </p:cSld>
-  <p:clrMapOvr>
-    <a:overrideClrMapping bg1="lt1" tx1="dk1" bg2="lt2" tx2="dk2" accent1="accent1" accent2="accent2" accent3="accent3" accent4="accent4" accent5="accent5" accent6="accent6" hlink="hlink" folHlink="folHlink"/>
-  </p:clrMapOvr>
-</p:sld>
-</file>
-
 <file path=ppt/slides/slide18.xml><?xml version="1.0" encoding="utf-8"?>
 <p:sld xmlns:a="http://schemas.openxmlformats.org/drawingml/2006/main" xmlns:r="http://schemas.openxmlformats.org/officeDocument/2006/relationships" xmlns:p="http://schemas.openxmlformats.org/presentationml/2006/main">
   <p:cSld>
@@ -9230,7 +9227,7 @@
             </a:r>
             <a:r>
               <a:rPr lang="en-US" dirty="0" smtClean="0"/>
-              <a:t>Task List</a:t>
+              <a:t>Bookmarks</a:t>
             </a:r>
             <a:endParaRPr lang="en-US" dirty="0"/>
           </a:p>
@@ -9264,7 +9261,7 @@
                   <a:schemeClr val="bg1"/>
                 </a:solidFill>
               </a:rPr>
-              <a:t>Список можно использовать для хранения заметок по проекту</a:t>
+              <a:t>Закладки в текстовых файлах</a:t>
             </a:r>
             <a:endParaRPr lang="en-US" dirty="0" smtClean="0">
               <a:solidFill>
@@ -9284,7 +9281,7 @@
                   <a:schemeClr val="bg1"/>
                 </a:solidFill>
               </a:rPr>
-              <a:t>Команда меню </a:t>
+              <a:t>Команды меню </a:t>
             </a:r>
             <a:r>
               <a:rPr lang="en-US" dirty="0" smtClean="0">
@@ -9292,15 +9289,15 @@
                   <a:schemeClr val="bg1"/>
                 </a:solidFill>
               </a:rPr>
-              <a:t>View -&gt; </a:t>
-            </a:r>
-            <a:r>
-              <a:rPr lang="en-US" dirty="0">
+              <a:t>View -&gt; Bookmark Window</a:t>
+            </a:r>
+            <a:r>
+              <a:rPr lang="ru-RU" dirty="0" smtClean="0">
                 <a:solidFill>
                   <a:schemeClr val="bg1"/>
                 </a:solidFill>
               </a:rPr>
-              <a:t>Task </a:t>
+              <a:t> и </a:t>
             </a:r>
             <a:r>
               <a:rPr lang="en-US" dirty="0" smtClean="0">
@@ -9308,7 +9305,7 @@
                   <a:schemeClr val="bg1"/>
                 </a:solidFill>
               </a:rPr>
-              <a:t>List.</a:t>
+              <a:t>Edit -&gt; Bookmarks.</a:t>
             </a:r>
           </a:p>
           <a:p>
@@ -9317,46 +9314,35 @@
                 <a:schemeClr val="bg1"/>
               </a:buClr>
             </a:pPr>
-            <a:r>
-              <a:rPr lang="ru-RU" dirty="0" smtClean="0">
-                <a:solidFill>
-                  <a:schemeClr val="bg1"/>
-                </a:solidFill>
-              </a:rPr>
-              <a:t>Текст комментария написанный после </a:t>
-            </a:r>
-            <a:r>
-              <a:rPr lang="en-US" dirty="0" smtClean="0">
-                <a:solidFill>
-                  <a:schemeClr val="bg1"/>
-                </a:solidFill>
-              </a:rPr>
-              <a:t>TODO </a:t>
-            </a:r>
-            <a:r>
-              <a:rPr lang="ru-RU" dirty="0" smtClean="0">
-                <a:solidFill>
-                  <a:schemeClr val="bg1"/>
-                </a:solidFill>
-              </a:rPr>
-              <a:t>попадает в</a:t>
-            </a:r>
-            <a:r>
-              <a:rPr lang="en-US" dirty="0" smtClean="0">
-                <a:solidFill>
-                  <a:schemeClr val="bg1"/>
-                </a:solidFill>
-              </a:rPr>
-              <a:t> </a:t>
-            </a:r>
-            <a:r>
-              <a:rPr lang="ru-RU" dirty="0" smtClean="0">
-                <a:solidFill>
-                  <a:schemeClr val="bg1"/>
-                </a:solidFill>
-              </a:rPr>
-              <a:t>него автоматически</a:t>
-            </a:r>
+            <a:endParaRPr lang="ru-RU" dirty="0" smtClean="0">
+              <a:solidFill>
+                <a:schemeClr val="bg1"/>
+              </a:solidFill>
+            </a:endParaRPr>
+          </a:p>
+          <a:p>
+            <a:pPr>
+              <a:buClr>
+                <a:schemeClr val="bg1"/>
+              </a:buClr>
+            </a:pPr>
+            <a:endParaRPr lang="ru-RU" dirty="0" smtClean="0">
+              <a:solidFill>
+                <a:schemeClr val="bg1"/>
+              </a:solidFill>
+            </a:endParaRPr>
+          </a:p>
+          <a:p>
+            <a:pPr>
+              <a:buClr>
+                <a:schemeClr val="bg1"/>
+              </a:buClr>
+            </a:pPr>
+            <a:endParaRPr lang="ru-RU" dirty="0" smtClean="0">
+              <a:solidFill>
+                <a:schemeClr val="bg1"/>
+              </a:solidFill>
+            </a:endParaRPr>
           </a:p>
           <a:p>
             <a:pPr marL="0" indent="0">
@@ -9376,7 +9362,7 @@
     </p:spTree>
     <p:extLst>
       <p:ext uri="{BB962C8B-B14F-4D97-AF65-F5344CB8AC3E}">
-        <p14:creationId xmlns:p14="http://schemas.microsoft.com/office/powerpoint/2010/main" val="1384232909"/>
+        <p14:creationId xmlns:p14="http://schemas.microsoft.com/office/powerpoint/2010/main" val="3985499755"/>
       </p:ext>
     </p:extLst>
   </p:cSld>
@@ -9389,6 +9375,20 @@
 <file path=ppt/slides/slide19.xml><?xml version="1.0" encoding="utf-8"?>
 <p:sld xmlns:a="http://schemas.openxmlformats.org/drawingml/2006/main" xmlns:r="http://schemas.openxmlformats.org/officeDocument/2006/relationships" xmlns:p="http://schemas.openxmlformats.org/presentationml/2006/main">
   <p:cSld>
+    <p:bg>
+      <p:bgPr>
+        <a:blipFill dpi="0" rotWithShape="1">
+          <a:blip r:embed="rId3">
+            <a:lum/>
+          </a:blip>
+          <a:srcRect/>
+          <a:stretch>
+            <a:fillRect/>
+          </a:stretch>
+        </a:blipFill>
+        <a:effectLst/>
+      </p:bgPr>
+    </p:bg>
     <p:spTree>
       <p:nvGrpSpPr>
         <p:cNvPr id="1" name=""/>
@@ -9420,7 +9420,11 @@
           <a:p>
             <a:r>
               <a:rPr lang="ru-RU" dirty="0" smtClean="0"/>
-              <a:t>Отладчик</a:t>
+              <a:t>Окна: </a:t>
+            </a:r>
+            <a:r>
+              <a:rPr lang="en-US" dirty="0" smtClean="0"/>
+              <a:t>Task List</a:t>
             </a:r>
             <a:endParaRPr lang="en-US" dirty="0"/>
           </a:p>
@@ -9438,22 +9442,140 @@
         </p:nvSpPr>
         <p:spPr/>
         <p:txBody>
-          <a:bodyPr/>
+          <a:bodyPr>
+            <a:normAutofit/>
+          </a:bodyPr>
           <a:lstStyle/>
           <a:p>
-            <a:endParaRPr lang="en-US" dirty="0"/>
+            <a:pPr>
+              <a:buClr>
+                <a:schemeClr val="bg1"/>
+              </a:buClr>
+            </a:pPr>
+            <a:r>
+              <a:rPr lang="ru-RU" dirty="0">
+                <a:solidFill>
+                  <a:schemeClr val="bg1"/>
+                </a:solidFill>
+              </a:rPr>
+              <a:t>Список можно использовать для хранения заметок по проекту</a:t>
+            </a:r>
+            <a:endParaRPr lang="en-US" dirty="0" smtClean="0">
+              <a:solidFill>
+                <a:schemeClr val="bg1"/>
+              </a:solidFill>
+            </a:endParaRPr>
+          </a:p>
+          <a:p>
+            <a:pPr>
+              <a:buClr>
+                <a:schemeClr val="bg1"/>
+              </a:buClr>
+            </a:pPr>
+            <a:r>
+              <a:rPr lang="ru-RU" dirty="0" smtClean="0">
+                <a:solidFill>
+                  <a:schemeClr val="bg1"/>
+                </a:solidFill>
+              </a:rPr>
+              <a:t>Команда меню </a:t>
+            </a:r>
+            <a:r>
+              <a:rPr lang="en-US" dirty="0" smtClean="0">
+                <a:solidFill>
+                  <a:schemeClr val="bg1"/>
+                </a:solidFill>
+              </a:rPr>
+              <a:t>View -&gt; </a:t>
+            </a:r>
+            <a:r>
+              <a:rPr lang="en-US" dirty="0">
+                <a:solidFill>
+                  <a:schemeClr val="bg1"/>
+                </a:solidFill>
+              </a:rPr>
+              <a:t>Task </a:t>
+            </a:r>
+            <a:r>
+              <a:rPr lang="en-US" dirty="0" smtClean="0">
+                <a:solidFill>
+                  <a:schemeClr val="bg1"/>
+                </a:solidFill>
+              </a:rPr>
+              <a:t>List.</a:t>
+            </a:r>
+          </a:p>
+          <a:p>
+            <a:pPr>
+              <a:buClr>
+                <a:schemeClr val="bg1"/>
+              </a:buClr>
+            </a:pPr>
+            <a:r>
+              <a:rPr lang="ru-RU" dirty="0" smtClean="0">
+                <a:solidFill>
+                  <a:schemeClr val="bg1"/>
+                </a:solidFill>
+              </a:rPr>
+              <a:t>Текст комментария написанный после </a:t>
+            </a:r>
+            <a:r>
+              <a:rPr lang="en-US" dirty="0" smtClean="0">
+                <a:solidFill>
+                  <a:schemeClr val="bg1"/>
+                </a:solidFill>
+              </a:rPr>
+              <a:t>TODO </a:t>
+            </a:r>
+            <a:r>
+              <a:rPr lang="ru-RU" dirty="0" smtClean="0">
+                <a:solidFill>
+                  <a:schemeClr val="bg1"/>
+                </a:solidFill>
+              </a:rPr>
+              <a:t>попадает в</a:t>
+            </a:r>
+            <a:r>
+              <a:rPr lang="en-US" dirty="0" smtClean="0">
+                <a:solidFill>
+                  <a:schemeClr val="bg1"/>
+                </a:solidFill>
+              </a:rPr>
+              <a:t> </a:t>
+            </a:r>
+            <a:r>
+              <a:rPr lang="ru-RU" dirty="0" smtClean="0">
+                <a:solidFill>
+                  <a:schemeClr val="bg1"/>
+                </a:solidFill>
+              </a:rPr>
+              <a:t>него автоматически</a:t>
+            </a:r>
+          </a:p>
+          <a:p>
+            <a:pPr marL="0" indent="0">
+              <a:buClr>
+                <a:schemeClr val="bg1"/>
+              </a:buClr>
+              <a:buNone/>
+            </a:pPr>
+            <a:endParaRPr lang="en-US" dirty="0">
+              <a:solidFill>
+                <a:schemeClr val="bg1"/>
+              </a:solidFill>
+            </a:endParaRPr>
           </a:p>
         </p:txBody>
       </p:sp>
     </p:spTree>
     <p:extLst>
       <p:ext uri="{BB962C8B-B14F-4D97-AF65-F5344CB8AC3E}">
-        <p14:creationId xmlns:p14="http://schemas.microsoft.com/office/powerpoint/2010/main" val="1495295926"/>
+        <p14:creationId xmlns:p14="http://schemas.microsoft.com/office/powerpoint/2010/main" val="1384232909"/>
       </p:ext>
     </p:extLst>
   </p:cSld>
   <p:clrMapOvr>
-    <a:masterClrMapping/>
+    <a:overrideClrMapping bg1="lt1" tx1="dk1" bg2="lt2" tx2="dk2" accent1="accent1" accent2="accent2" accent3="accent3" accent4="accent4" accent5="accent5" accent6="accent6" hlink="hlink" folHlink="folHlink"/>
   </p:clrMapOvr>
 </p:sld>
 </file>
@@ -9539,6 +9661,13 @@
       <p:transition spd="slow"/>
     </mc:Fallback>
   </mc:AlternateContent>
+  <p:timing>
+    <p:tnLst>
+      <p:par>
+        <p:cTn id="1" dur="indefinite" restart="never" nodeType="tmRoot"/>
+      </p:par>
+    </p:tnLst>
+  </p:timing>
 </p:sld>
 </file>
 
@@ -9576,11 +9705,7 @@
           <a:p>
             <a:r>
               <a:rPr lang="ru-RU" dirty="0" smtClean="0"/>
-              <a:t>Бесплатные расширения для </a:t>
-            </a:r>
-            <a:r>
-              <a:rPr lang="en-US" dirty="0" smtClean="0"/>
-              <a:t>VS</a:t>
+              <a:t>Отладчик</a:t>
             </a:r>
             <a:endParaRPr lang="en-US" dirty="0"/>
           </a:p>
@@ -9598,173 +9723,8 @@
         </p:nvSpPr>
         <p:spPr/>
         <p:txBody>
-          <a:bodyPr>
-            <a:normAutofit fontScale="70000" lnSpcReduction="20000"/>
-          </a:bodyPr>
+          <a:bodyPr/>
           <a:lstStyle/>
-          <a:p>
-            <a:r>
-              <a:rPr lang="en-US" dirty="0" smtClean="0"/>
-              <a:t>Productivity </a:t>
-            </a:r>
-            <a:r>
-              <a:rPr lang="en-US" dirty="0"/>
-              <a:t>Power </a:t>
-            </a:r>
-            <a:r>
-              <a:rPr lang="en-US" dirty="0" smtClean="0"/>
-              <a:t>Tools</a:t>
-            </a:r>
-          </a:p>
-          <a:p>
-            <a:pPr lvl="1"/>
-            <a:r>
-              <a:rPr lang="en-US" dirty="0" smtClean="0"/>
-              <a:t>VS 2010: </a:t>
-            </a:r>
-            <a:r>
-              <a:rPr lang="en-US" dirty="0" smtClean="0">
-                <a:hlinkClick r:id="rId2"/>
-              </a:rPr>
-              <a:t>http</a:t>
-            </a:r>
-            <a:r>
-              <a:rPr lang="en-US" dirty="0">
-                <a:hlinkClick r:id="rId2"/>
-              </a:rPr>
-              <a:t>://</a:t>
-            </a:r>
-            <a:r>
-              <a:rPr lang="en-US" dirty="0" smtClean="0">
-                <a:hlinkClick r:id="rId2"/>
-              </a:rPr>
-              <a:t>visualstudiogallery.msdn.microsoft.com/d0d33361-18e2-46c0-8ff2-4adea1e34fef</a:t>
-            </a:r>
-            <a:endParaRPr lang="en-US" dirty="0" smtClean="0"/>
-          </a:p>
-          <a:p>
-            <a:pPr lvl="1"/>
-            <a:r>
-              <a:rPr lang="en-US" dirty="0"/>
-              <a:t>VS 2012: </a:t>
-            </a:r>
-            <a:r>
-              <a:rPr lang="en-US" dirty="0">
-                <a:hlinkClick r:id="rId3"/>
-              </a:rPr>
-              <a:t>http://</a:t>
-            </a:r>
-            <a:r>
-              <a:rPr lang="en-US" dirty="0" smtClean="0">
-                <a:hlinkClick r:id="rId3"/>
-              </a:rPr>
-              <a:t>visualstudiogallery.msdn.microsoft.com/3a96a4dc-ba9c-4589-92c5-640e07332afd</a:t>
-            </a:r>
-            <a:endParaRPr lang="en-US" dirty="0" smtClean="0"/>
-          </a:p>
-          <a:p>
-            <a:r>
-              <a:rPr lang="en-US" dirty="0" smtClean="0"/>
-              <a:t>Entity </a:t>
-            </a:r>
-            <a:r>
-              <a:rPr lang="en-US" dirty="0"/>
-              <a:t>Framework Power Tools Beta </a:t>
-            </a:r>
-            <a:r>
-              <a:rPr lang="en-US" dirty="0" smtClean="0"/>
-              <a:t>4</a:t>
-            </a:r>
-          </a:p>
-          <a:p>
-            <a:pPr lvl="1"/>
-            <a:r>
-              <a:rPr lang="en-US" dirty="0" smtClean="0">
-                <a:hlinkClick r:id="rId4"/>
-              </a:rPr>
-              <a:t>http</a:t>
-            </a:r>
-            <a:r>
-              <a:rPr lang="en-US" dirty="0">
-                <a:hlinkClick r:id="rId4"/>
-              </a:rPr>
-              <a:t>://</a:t>
-            </a:r>
-            <a:r>
-              <a:rPr lang="en-US" dirty="0" smtClean="0">
-                <a:hlinkClick r:id="rId4"/>
-              </a:rPr>
-              <a:t>visualstudiogallery.msdn.microsoft.com/72a60b14-1581-4b9b-89f2-846072eff19d</a:t>
-            </a:r>
-            <a:endParaRPr lang="en-US" dirty="0" smtClean="0"/>
-          </a:p>
-          <a:p>
-            <a:r>
-              <a:rPr lang="ru-RU" dirty="0" smtClean="0"/>
-              <a:t>Подсветка синтаксиса для </a:t>
-            </a:r>
-            <a:r>
-              <a:rPr lang="en-US" dirty="0" smtClean="0"/>
-              <a:t>T4</a:t>
-            </a:r>
-          </a:p>
-          <a:p>
-            <a:pPr lvl="1"/>
-            <a:r>
-              <a:rPr lang="en-US" dirty="0"/>
-              <a:t>tangible T4 </a:t>
-            </a:r>
-            <a:r>
-              <a:rPr lang="en-US" dirty="0" smtClean="0"/>
-              <a:t>Editor</a:t>
-            </a:r>
-          </a:p>
-          <a:p>
-            <a:pPr lvl="2"/>
-            <a:r>
-              <a:rPr lang="en-US" dirty="0">
-                <a:hlinkClick r:id="rId5"/>
-              </a:rPr>
-              <a:t>http://</a:t>
-            </a:r>
-            <a:r>
-              <a:rPr lang="en-US" dirty="0" smtClean="0">
-                <a:hlinkClick r:id="rId5"/>
-              </a:rPr>
-              <a:t>visualstudiogallery.msdn.microsoft.com/60297607-5fd4-4da4-97e1-3715e90c1a23</a:t>
-            </a:r>
-            <a:endParaRPr lang="en-US" dirty="0" smtClean="0"/>
-          </a:p>
-          <a:p>
-            <a:pPr lvl="1"/>
-            <a:r>
-              <a:rPr lang="en-US" dirty="0" smtClean="0"/>
-              <a:t>Visual T4 (</a:t>
-            </a:r>
-            <a:r>
-              <a:rPr lang="en-US" dirty="0" err="1" smtClean="0"/>
-              <a:t>Clarius</a:t>
-            </a:r>
-            <a:r>
-              <a:rPr lang="en-US" dirty="0" smtClean="0"/>
-              <a:t>)</a:t>
-            </a:r>
-          </a:p>
-          <a:p>
-            <a:pPr lvl="2"/>
-            <a:r>
-              <a:rPr lang="en-US" dirty="0"/>
-              <a:t>http://visualstudiogallery.msdn.microsoft.com/40a887aa-f3be-40ec-a85d-37044b239591</a:t>
-            </a:r>
-            <a:endParaRPr lang="ru-RU" dirty="0" smtClean="0"/>
-          </a:p>
-          <a:p>
-            <a:endParaRPr lang="en-US" dirty="0" smtClean="0"/>
-          </a:p>
-          <a:p>
-            <a:pPr lvl="1"/>
-            <a:endParaRPr lang="en-US" dirty="0" smtClean="0"/>
-          </a:p>
           <a:p>
             <a:endParaRPr lang="en-US" dirty="0"/>
           </a:p>
@@ -9773,20 +9733,13 @@
     </p:spTree>
     <p:extLst>
       <p:ext uri="{BB962C8B-B14F-4D97-AF65-F5344CB8AC3E}">
-        <p14:creationId xmlns:p14="http://schemas.microsoft.com/office/powerpoint/2010/main" val="1235442158"/>
+        <p14:creationId xmlns:p14="http://schemas.microsoft.com/office/powerpoint/2010/main" val="1495295926"/>
       </p:ext>
     </p:extLst>
   </p:cSld>
   <p:clrMapOvr>
     <a:masterClrMapping/>
   </p:clrMapOvr>
-  <p:timing>
-    <p:tnLst>
-      <p:par>
-        <p:cTn id="1" dur="indefinite" restart="never" nodeType="tmRoot"/>
-      </p:par>
-    </p:tnLst>
-  </p:timing>
 </p:sld>
 </file>
 
@@ -9819,6 +9772,254 @@
         </p:nvSpPr>
         <p:spPr/>
         <p:txBody>
+          <a:bodyPr/>
+          <a:lstStyle/>
+          <a:p>
+            <a:r>
+              <a:rPr lang="ru-RU" dirty="0" smtClean="0"/>
+              <a:t>Бесплатные расширения для </a:t>
+            </a:r>
+            <a:r>
+              <a:rPr lang="en-US" dirty="0" smtClean="0"/>
+              <a:t>VS</a:t>
+            </a:r>
+            <a:endParaRPr lang="en-US" dirty="0"/>
+          </a:p>
+        </p:txBody>
+      </p:sp>
+      <p:sp>
+        <p:nvSpPr>
+          <p:cNvPr id="3" name="Content Placeholder 2"/>
+          <p:cNvSpPr>
+            <a:spLocks noGrp="1"/>
+          </p:cNvSpPr>
+          <p:nvPr>
+            <p:ph idx="1"/>
+          </p:nvPr>
+        </p:nvSpPr>
+        <p:spPr/>
+        <p:txBody>
+          <a:bodyPr>
+            <a:normAutofit fontScale="70000" lnSpcReduction="20000"/>
+          </a:bodyPr>
+          <a:lstStyle/>
+          <a:p>
+            <a:r>
+              <a:rPr lang="en-US" dirty="0" smtClean="0"/>
+              <a:t>Productivity </a:t>
+            </a:r>
+            <a:r>
+              <a:rPr lang="en-US" dirty="0"/>
+              <a:t>Power </a:t>
+            </a:r>
+            <a:r>
+              <a:rPr lang="en-US" dirty="0" smtClean="0"/>
+              <a:t>Tools</a:t>
+            </a:r>
+          </a:p>
+          <a:p>
+            <a:pPr lvl="1"/>
+            <a:r>
+              <a:rPr lang="en-US" dirty="0" smtClean="0"/>
+              <a:t>VS 2010: </a:t>
+            </a:r>
+            <a:r>
+              <a:rPr lang="en-US" dirty="0" smtClean="0">
+                <a:hlinkClick r:id="rId2"/>
+              </a:rPr>
+              <a:t>http</a:t>
+            </a:r>
+            <a:r>
+              <a:rPr lang="en-US" dirty="0">
+                <a:hlinkClick r:id="rId2"/>
+              </a:rPr>
+              <a:t>://</a:t>
+            </a:r>
+            <a:r>
+              <a:rPr lang="en-US" dirty="0" smtClean="0">
+                <a:hlinkClick r:id="rId2"/>
+              </a:rPr>
+              <a:t>visualstudiogallery.msdn.microsoft.com/d0d33361-18e2-46c0-8ff2-4adea1e34fef</a:t>
+            </a:r>
+            <a:endParaRPr lang="en-US" dirty="0" smtClean="0"/>
+          </a:p>
+          <a:p>
+            <a:pPr lvl="1"/>
+            <a:r>
+              <a:rPr lang="en-US" dirty="0"/>
+              <a:t>VS 2012: </a:t>
+            </a:r>
+            <a:r>
+              <a:rPr lang="en-US" dirty="0">
+                <a:hlinkClick r:id="rId3"/>
+              </a:rPr>
+              <a:t>http://</a:t>
+            </a:r>
+            <a:r>
+              <a:rPr lang="en-US" dirty="0" smtClean="0">
+                <a:hlinkClick r:id="rId3"/>
+              </a:rPr>
+              <a:t>visualstudiogallery.msdn.microsoft.com/3a96a4dc-ba9c-4589-92c5-640e07332afd</a:t>
+            </a:r>
+            <a:endParaRPr lang="en-US" dirty="0" smtClean="0"/>
+          </a:p>
+          <a:p>
+            <a:r>
+              <a:rPr lang="en-US" dirty="0" smtClean="0"/>
+              <a:t>Entity </a:t>
+            </a:r>
+            <a:r>
+              <a:rPr lang="en-US" dirty="0"/>
+              <a:t>Framework Power Tools Beta </a:t>
+            </a:r>
+            <a:r>
+              <a:rPr lang="en-US" dirty="0" smtClean="0"/>
+              <a:t>4</a:t>
+            </a:r>
+          </a:p>
+          <a:p>
+            <a:pPr lvl="1"/>
+            <a:r>
+              <a:rPr lang="en-US" dirty="0" smtClean="0">
+                <a:hlinkClick r:id="rId4"/>
+              </a:rPr>
+              <a:t>http</a:t>
+            </a:r>
+            <a:r>
+              <a:rPr lang="en-US" dirty="0">
+                <a:hlinkClick r:id="rId4"/>
+              </a:rPr>
+              <a:t>://</a:t>
+            </a:r>
+            <a:r>
+              <a:rPr lang="en-US" dirty="0" smtClean="0">
+                <a:hlinkClick r:id="rId4"/>
+              </a:rPr>
+              <a:t>visualstudiogallery.msdn.microsoft.com/72a60b14-1581-4b9b-89f2-846072eff19d</a:t>
+            </a:r>
+            <a:endParaRPr lang="en-US" dirty="0" smtClean="0"/>
+          </a:p>
+          <a:p>
+            <a:r>
+              <a:rPr lang="ru-RU" dirty="0" smtClean="0"/>
+              <a:t>Подсветка синтаксиса для </a:t>
+            </a:r>
+            <a:r>
+              <a:rPr lang="en-US" dirty="0" smtClean="0"/>
+              <a:t>T4</a:t>
+            </a:r>
+          </a:p>
+          <a:p>
+            <a:pPr lvl="1"/>
+            <a:r>
+              <a:rPr lang="en-US" dirty="0"/>
+              <a:t>tangible T4 </a:t>
+            </a:r>
+            <a:r>
+              <a:rPr lang="en-US" dirty="0" smtClean="0"/>
+              <a:t>Editor</a:t>
+            </a:r>
+          </a:p>
+          <a:p>
+            <a:pPr lvl="2"/>
+            <a:r>
+              <a:rPr lang="en-US" dirty="0">
+                <a:hlinkClick r:id="rId5"/>
+              </a:rPr>
+              <a:t>http://</a:t>
+            </a:r>
+            <a:r>
+              <a:rPr lang="en-US" dirty="0" smtClean="0">
+                <a:hlinkClick r:id="rId5"/>
+              </a:rPr>
+              <a:t>visualstudiogallery.msdn.microsoft.com/60297607-5fd4-4da4-97e1-3715e90c1a23</a:t>
+            </a:r>
+            <a:endParaRPr lang="en-US" dirty="0" smtClean="0"/>
+          </a:p>
+          <a:p>
+            <a:pPr lvl="1"/>
+            <a:r>
+              <a:rPr lang="en-US" dirty="0" smtClean="0"/>
+              <a:t>Visual T4 (</a:t>
+            </a:r>
+            <a:r>
+              <a:rPr lang="en-US" dirty="0" err="1" smtClean="0"/>
+              <a:t>Clarius</a:t>
+            </a:r>
+            <a:r>
+              <a:rPr lang="en-US" dirty="0" smtClean="0"/>
+              <a:t>)</a:t>
+            </a:r>
+          </a:p>
+          <a:p>
+            <a:pPr lvl="2"/>
+            <a:r>
+              <a:rPr lang="en-US" dirty="0"/>
+              <a:t>http://visualstudiogallery.msdn.microsoft.com/40a887aa-f3be-40ec-a85d-37044b239591</a:t>
+            </a:r>
+            <a:endParaRPr lang="ru-RU" dirty="0" smtClean="0"/>
+          </a:p>
+          <a:p>
+            <a:endParaRPr lang="en-US" dirty="0" smtClean="0"/>
+          </a:p>
+          <a:p>
+            <a:pPr lvl="1"/>
+            <a:endParaRPr lang="en-US" dirty="0" smtClean="0"/>
+          </a:p>
+          <a:p>
+            <a:endParaRPr lang="en-US" dirty="0"/>
+          </a:p>
+        </p:txBody>
+      </p:sp>
+    </p:spTree>
+    <p:extLst>
+      <p:ext uri="{BB962C8B-B14F-4D97-AF65-F5344CB8AC3E}">
+        <p14:creationId xmlns:p14="http://schemas.microsoft.com/office/powerpoint/2010/main" val="1235442158"/>
+      </p:ext>
+    </p:extLst>
+  </p:cSld>
+  <p:clrMapOvr>
+    <a:masterClrMapping/>
+  </p:clrMapOvr>
+  <p:timing>
+    <p:tnLst>
+      <p:par>
+        <p:cTn id="1" dur="indefinite" restart="never" nodeType="tmRoot"/>
+      </p:par>
+    </p:tnLst>
+  </p:timing>
+</p:sld>
+</file>
+
+<file path=ppt/slides/slide22.xml><?xml version="1.0" encoding="utf-8"?>
+<p:sld xmlns:a="http://schemas.openxmlformats.org/drawingml/2006/main" xmlns:r="http://schemas.openxmlformats.org/officeDocument/2006/relationships" xmlns:p="http://schemas.openxmlformats.org/presentationml/2006/main">
+  <p:cSld>
+    <p:spTree>
+      <p:nvGrpSpPr>
+        <p:cNvPr id="1" name=""/>
+        <p:cNvGrpSpPr/>
+        <p:nvPr/>
+      </p:nvGrpSpPr>
+      <p:grpSpPr>
+        <a:xfrm>
+          <a:off x="0" y="0"/>
+          <a:ext cx="0" cy="0"/>
+          <a:chOff x="0" y="0"/>
+          <a:chExt cx="0" cy="0"/>
+        </a:xfrm>
+      </p:grpSpPr>
+      <p:sp>
+        <p:nvSpPr>
+          <p:cNvPr id="2" name="Title 1"/>
+          <p:cNvSpPr>
+            <a:spLocks noGrp="1"/>
+          </p:cNvSpPr>
+          <p:nvPr>
+            <p:ph type="title"/>
+          </p:nvPr>
+        </p:nvSpPr>
+        <p:spPr/>
+        <p:txBody>
           <a:bodyPr>
             <a:normAutofit/>
           </a:bodyPr>
@@ -9845,13 +10046,8 @@
           <a:p>
             <a:r>
               <a:rPr lang="en-US" dirty="0" smtClean="0"/>
-              <a:t>JetBrains </a:t>
-            </a:r>
-            <a:r>
-              <a:rPr lang="en-US" dirty="0" smtClean="0"/>
-              <a:t>ReSharper</a:t>
-            </a:r>
-            <a:endParaRPr lang="en-US" dirty="0" smtClean="0"/>
+              <a:t>JetBrains ReSharper</a:t>
+            </a:r>
           </a:p>
           <a:p>
             <a:pPr lvl="1"/>
@@ -10050,6 +10246,13 @@
   <p:clrMapOvr>
     <a:masterClrMapping/>
   </p:clrMapOvr>
+  <p:timing>
+    <p:tnLst>
+      <p:par>
+        <p:cTn id="1" dur="indefinite" restart="never" nodeType="tmRoot"/>
+      </p:par>
+    </p:tnLst>
+  </p:timing>
 </p:sld>
 </file>
 
@@ -10279,6 +10482,13 @@
   <p:clrMapOvr>
     <a:masterClrMapping/>
   </p:clrMapOvr>
+  <p:timing>
+    <p:tnLst>
+      <p:par>
+        <p:cTn id="1" dur="indefinite" restart="never" nodeType="tmRoot"/>
+      </p:par>
+    </p:tnLst>
+  </p:timing>
 </p:sld>
 </file>
 
@@ -10466,6 +10676,13 @@
   <p:clrMapOvr>
     <a:overrideClrMapping bg1="lt1" tx1="dk1" bg2="lt2" tx2="dk2" accent1="accent1" accent2="accent2" accent3="accent3" accent4="accent4" accent5="accent5" accent6="accent6" hlink="hlink" folHlink="folHlink"/>
   </p:clrMapOvr>
+  <p:timing>
+    <p:tnLst>
+      <p:par>
+        <p:cTn id="1" dur="indefinite" restart="never" nodeType="tmRoot"/>
+      </p:par>
+    </p:tnLst>
+  </p:timing>
 </p:sld>
 </file>
 
@@ -10724,6 +10941,13 @@
   <p:clrMapOvr>
     <a:masterClrMapping/>
   </p:clrMapOvr>
+  <p:timing>
+    <p:tnLst>
+      <p:par>
+        <p:cTn id="1" dur="indefinite" restart="never" nodeType="tmRoot"/>
+      </p:par>
+    </p:tnLst>
+  </p:timing>
 </p:sld>
 </file>
 
@@ -10838,6 +11062,13 @@
   <p:clrMapOvr>
     <a:masterClrMapping/>
   </p:clrMapOvr>
+  <p:timing>
+    <p:tnLst>
+      <p:par>
+        <p:cTn id="1" dur="indefinite" restart="never" nodeType="tmRoot"/>
+      </p:par>
+    </p:tnLst>
+  </p:timing>
 </p:sld>
 </file>
 
@@ -11192,6 +11423,13 @@
   <p:clrMapOvr>
     <a:masterClrMapping/>
   </p:clrMapOvr>
+  <p:timing>
+    <p:tnLst>
+      <p:par>
+        <p:cTn id="1" dur="indefinite" restart="never" nodeType="tmRoot"/>
+      </p:par>
+    </p:tnLst>
+  </p:timing>
 </p:sld>
 </file>
 
@@ -11271,7 +11509,7 @@
                   <a:srgbClr val="F6AE1E"/>
                 </a:solidFill>
               </a:rPr>
-              <a:t>Ctrl+i</a:t>
+              <a:t>Ctrl+I</a:t>
             </a:r>
             <a:r>
               <a:rPr lang="ru-RU" dirty="0" smtClean="0">
@@ -11279,7 +11517,15 @@
                   <a:schemeClr val="bg1"/>
                 </a:solidFill>
               </a:rPr>
-              <a:t> поиск</a:t>
+              <a:t> </a:t>
+            </a:r>
+            <a:r>
+              <a:rPr lang="ru-RU" dirty="0" smtClean="0">
+                <a:solidFill>
+                  <a:schemeClr val="bg1"/>
+                </a:solidFill>
+              </a:rPr>
+              <a:t>поиск</a:t>
             </a:r>
           </a:p>
           <a:p>
@@ -11464,6 +11710,13 @@
   <p:clrMapOvr>
     <a:masterClrMapping/>
   </p:clrMapOvr>
+  <p:timing>
+    <p:tnLst>
+      <p:par>
+        <p:cTn id="1" dur="indefinite" restart="never" nodeType="tmRoot"/>
+      </p:par>
+    </p:tnLst>
+  </p:timing>
 </p:sld>
 </file>
 

--- a/Presentation/tools-visual-studio.pptx
+++ b/Presentation/tools-visual-studio.pptx
@@ -131,7 +131,7 @@
   </p:defaultTextStyle>
   <p:extLst>
     <p:ext uri="{EFAFB233-063F-42B5-8137-9DF3F51BA10A}">
-      <p15:sldGuideLst xmlns="" xmlns:p15="http://schemas.microsoft.com/office/powerpoint/2012/main">
+      <p15:sldGuideLst xmlns:p15="http://schemas.microsoft.com/office/powerpoint/2012/main" xmlns="">
         <p15:guide id="1" orient="horz" pos="2160">
           <p15:clr>
             <a:srgbClr val="A4A3A4"/>
@@ -230,7 +230,7 @@
           <a:p>
             <a:fld id="{B24A7054-7FFB-49F4-A126-5DF6E687FF53}" type="datetimeFigureOut">
               <a:rPr lang="ru-RU" smtClean="0"/>
-              <a:t>04.06.2014</a:t>
+              <a:t>12.08.2014</a:t>
             </a:fld>
             <a:endParaRPr lang="ru-RU"/>
           </a:p>
@@ -1512,7 +1512,7 @@
           <a:p>
             <a:fld id="{8E6E6A2A-E9D3-4A0D-B04A-ABDD367A1E08}" type="datetimeFigureOut">
               <a:rPr lang="ru-RU" smtClean="0"/>
-              <a:t>04.06.2014</a:t>
+              <a:t>12.08.2014</a:t>
             </a:fld>
             <a:endParaRPr lang="ru-RU"/>
           </a:p>
@@ -4025,7 +4025,7 @@
                 </a:solidFill>
               </a:rPr>
               <a:pPr/>
-              <a:t>04.06.2014</a:t>
+              <a:t>12.08.2014</a:t>
             </a:fld>
             <a:endParaRPr lang="ru-RU">
               <a:solidFill>
@@ -5286,7 +5286,7 @@
           <a:p>
             <a:fld id="{AC3D3127-B7C4-45E3-9797-C527EC9FDD78}" type="datetimeFigureOut">
               <a:rPr lang="ru-RU" smtClean="0"/>
-              <a:t>04.06.2014</a:t>
+              <a:t>12.08.2014</a:t>
             </a:fld>
             <a:endParaRPr lang="ru-RU"/>
           </a:p>
@@ -5822,7 +5822,7 @@
                 </a:solidFill>
               </a:rPr>
               <a:pPr/>
-              <a:t>04.06.2014</a:t>
+              <a:t>12.08.2014</a:t>
             </a:fld>
             <a:endParaRPr lang="ru-RU">
               <a:solidFill>
@@ -6454,11 +6454,7 @@
             </a:r>
             <a:r>
               <a:rPr lang="ru-RU" dirty="0" smtClean="0"/>
-              <a:t>Выделение </a:t>
-            </a:r>
-            <a:r>
-              <a:rPr lang="ru-RU" dirty="0" smtClean="0"/>
-              <a:t>текста</a:t>
+              <a:t>Выделение текста</a:t>
             </a:r>
             <a:endParaRPr lang="en-US" dirty="0"/>
           </a:p>
@@ -11020,30 +11016,89 @@
               <a:rPr lang="en-US" dirty="0" err="1" smtClean="0"/>
               <a:t>SafeMode</a:t>
             </a:r>
-            <a:endParaRPr lang="en-US" dirty="0" smtClean="0"/>
-          </a:p>
-          <a:p>
-            <a:pPr lvl="1"/>
+            <a:r>
+              <a:rPr lang="en-US" dirty="0" smtClean="0"/>
+              <a:t/>
+            </a:r>
+            <a:br>
+              <a:rPr lang="en-US" dirty="0" smtClean="0"/>
+            </a:br>
+            <a:r>
+              <a:rPr lang="ru-RU" sz="2800" dirty="0" smtClean="0"/>
+              <a:t>Безопасный </a:t>
+            </a:r>
+            <a:r>
+              <a:rPr lang="ru-RU" sz="2800" dirty="0"/>
+              <a:t>режим</a:t>
+            </a:r>
+            <a:r>
+              <a:rPr lang="en-US" sz="2800" dirty="0"/>
+              <a:t> (</a:t>
+            </a:r>
+            <a:r>
+              <a:rPr lang="ru-RU" sz="2800" dirty="0"/>
+              <a:t>отключает все расширения</a:t>
+            </a:r>
+            <a:r>
+              <a:rPr lang="en-US" sz="2800" dirty="0" smtClean="0"/>
+              <a:t>)</a:t>
+            </a:r>
+          </a:p>
+          <a:p>
+            <a:r>
+              <a:rPr lang="en-US" dirty="0"/>
+              <a:t>/</a:t>
+            </a:r>
+            <a:r>
+              <a:rPr lang="en-US" dirty="0" err="1" smtClean="0"/>
+              <a:t>rootsuffix</a:t>
+            </a:r>
+            <a:r>
+              <a:rPr lang="en-US" dirty="0" smtClean="0"/>
+              <a:t> &lt;</a:t>
+            </a:r>
             <a:r>
               <a:rPr lang="ru-RU" dirty="0" smtClean="0"/>
-              <a:t>Безопасный </a:t>
-            </a:r>
-            <a:r>
-              <a:rPr lang="ru-RU" dirty="0"/>
-              <a:t>режим</a:t>
-            </a:r>
-            <a:r>
-              <a:rPr lang="en-US" dirty="0"/>
-              <a:t> (</a:t>
-            </a:r>
-            <a:r>
-              <a:rPr lang="ru-RU" dirty="0"/>
-              <a:t>отключает все расширения</a:t>
-            </a:r>
-            <a:r>
-              <a:rPr lang="en-US" dirty="0"/>
-              <a:t>)</a:t>
-            </a:r>
+              <a:t>и</a:t>
+            </a:r>
+            <a:r>
+              <a:rPr lang="ru-RU" smtClean="0"/>
+              <a:t>мя</a:t>
+            </a:r>
+            <a:r>
+              <a:rPr lang="en-US" dirty="0" smtClean="0"/>
+              <a:t>&gt;</a:t>
+            </a:r>
+            <a:r>
+              <a:rPr lang="ru-RU" dirty="0" smtClean="0"/>
+              <a:t/>
+            </a:r>
+            <a:br>
+              <a:rPr lang="ru-RU" dirty="0" smtClean="0"/>
+            </a:br>
+            <a:r>
+              <a:rPr lang="ru-RU" sz="2800" dirty="0" smtClean="0"/>
+              <a:t>Запуск </a:t>
+            </a:r>
+            <a:r>
+              <a:rPr lang="en-US" sz="2800" dirty="0" smtClean="0"/>
+              <a:t>VS </a:t>
+            </a:r>
+            <a:r>
+              <a:rPr lang="ru-RU" sz="2800" dirty="0" smtClean="0"/>
+              <a:t>с указанным профилем. Для выборочной установки расширений в разные профили используйте утилиту </a:t>
+            </a:r>
+            <a:r>
+              <a:rPr lang="en-US" sz="2800" dirty="0" smtClean="0"/>
+              <a:t>Root-VSIX</a:t>
+            </a:r>
+            <a:r>
+              <a:rPr lang="en-US" dirty="0" smtClean="0"/>
+              <a:t/>
+            </a:r>
+            <a:br>
+              <a:rPr lang="en-US" dirty="0" smtClean="0"/>
+            </a:br>
             <a:endParaRPr lang="ru-RU" dirty="0"/>
           </a:p>
           <a:p>
@@ -11517,15 +11572,7 @@
                   <a:schemeClr val="bg1"/>
                 </a:solidFill>
               </a:rPr>
-              <a:t> </a:t>
-            </a:r>
-            <a:r>
-              <a:rPr lang="ru-RU" dirty="0" smtClean="0">
-                <a:solidFill>
-                  <a:schemeClr val="bg1"/>
-                </a:solidFill>
-              </a:rPr>
-              <a:t>поиск</a:t>
+              <a:t> поиск</a:t>
             </a:r>
           </a:p>
           <a:p>

--- a/Presentation/tools-visual-studio.pptx
+++ b/Presentation/tools-visual-studio.pptx
@@ -131,7 +131,7 @@
   </p:defaultTextStyle>
   <p:extLst>
     <p:ext uri="{EFAFB233-063F-42B5-8137-9DF3F51BA10A}">
-      <p15:sldGuideLst xmlns:p15="http://schemas.microsoft.com/office/powerpoint/2012/main" xmlns="">
+      <p15:sldGuideLst xmlns="" xmlns:p15="http://schemas.microsoft.com/office/powerpoint/2012/main">
         <p15:guide id="1" orient="horz" pos="2160">
           <p15:clr>
             <a:srgbClr val="A4A3A4"/>
@@ -230,7 +230,7 @@
           <a:p>
             <a:fld id="{B24A7054-7FFB-49F4-A126-5DF6E687FF53}" type="datetimeFigureOut">
               <a:rPr lang="ru-RU" smtClean="0"/>
-              <a:t>12.08.2014</a:t>
+              <a:t>18.08.2014</a:t>
             </a:fld>
             <a:endParaRPr lang="ru-RU"/>
           </a:p>
@@ -1512,7 +1512,7 @@
           <a:p>
             <a:fld id="{8E6E6A2A-E9D3-4A0D-B04A-ABDD367A1E08}" type="datetimeFigureOut">
               <a:rPr lang="ru-RU" smtClean="0"/>
-              <a:t>12.08.2014</a:t>
+              <a:t>18.08.2014</a:t>
             </a:fld>
             <a:endParaRPr lang="ru-RU"/>
           </a:p>
@@ -4025,7 +4025,7 @@
                 </a:solidFill>
               </a:rPr>
               <a:pPr/>
-              <a:t>12.08.2014</a:t>
+              <a:t>18.08.2014</a:t>
             </a:fld>
             <a:endParaRPr lang="ru-RU">
               <a:solidFill>
@@ -5286,7 +5286,7 @@
           <a:p>
             <a:fld id="{AC3D3127-B7C4-45E3-9797-C527EC9FDD78}" type="datetimeFigureOut">
               <a:rPr lang="ru-RU" smtClean="0"/>
-              <a:t>12.08.2014</a:t>
+              <a:t>18.08.2014</a:t>
             </a:fld>
             <a:endParaRPr lang="ru-RU"/>
           </a:p>
@@ -5822,7 +5822,7 @@
                 </a:solidFill>
               </a:rPr>
               <a:pPr/>
-              <a:t>12.08.2014</a:t>
+              <a:t>18.08.2014</a:t>
             </a:fld>
             <a:endParaRPr lang="ru-RU">
               <a:solidFill>
@@ -9796,7 +9796,7 @@
         <p:spPr/>
         <p:txBody>
           <a:bodyPr>
-            <a:normAutofit fontScale="70000" lnSpcReduction="20000"/>
+            <a:normAutofit fontScale="55000" lnSpcReduction="20000"/>
           </a:bodyPr>
           <a:lstStyle/>
           <a:p>
@@ -9892,6 +9892,32 @@
                 <a:hlinkClick r:id="rId4"/>
               </a:rPr>
               <a:t>visualstudiogallery.msdn.microsoft.com/72a60b14-1581-4b9b-89f2-846072eff19d</a:t>
+            </a:r>
+            <a:endParaRPr lang="ru-RU" dirty="0" smtClean="0"/>
+          </a:p>
+          <a:p>
+            <a:r>
+              <a:rPr lang="en-US" dirty="0" err="1" smtClean="0"/>
+              <a:t>VSColorOutput</a:t>
+            </a:r>
+            <a:r>
+              <a:rPr lang="en-US" dirty="0" smtClean="0"/>
+              <a:t> (</a:t>
+            </a:r>
+            <a:r>
+              <a:rPr lang="ru-RU" dirty="0" smtClean="0"/>
+              <a:t>раскраска строк в окне </a:t>
+            </a:r>
+            <a:r>
+              <a:rPr lang="en-US" dirty="0" smtClean="0"/>
+              <a:t>Output)</a:t>
+            </a:r>
+          </a:p>
+          <a:p>
+            <a:pPr lvl="1"/>
+            <a:r>
+              <a:rPr lang="en-US" dirty="0"/>
+              <a:t>http://visualstudiogallery.msdn.microsoft.com/f4d9c2b5-d6d7-4543-a7a5-2d7ebabc2496</a:t>
             </a:r>
             <a:endParaRPr lang="en-US" dirty="0" smtClean="0"/>
           </a:p>
@@ -10021,6 +10047,10 @@
           </a:bodyPr>
           <a:lstStyle/>
           <a:p>
+            <a:r>
+              <a:rPr lang="ru-RU" dirty="0" smtClean="0"/>
+              <a:t>Платные расширения</a:t>
+            </a:r>
             <a:endParaRPr lang="ru-RU" dirty="0"/>
           </a:p>
         </p:txBody>

--- a/Presentation/tools-visual-studio.pptx
+++ b/Presentation/tools-visual-studio.pptx
@@ -6,7 +6,7 @@
     <p:sldMasterId id="2147483663" r:id="rId2"/>
   </p:sldMasterIdLst>
   <p:notesMasterIdLst>
-    <p:notesMasterId r:id="rId25"/>
+    <p:notesMasterId r:id="rId26"/>
   </p:notesMasterIdLst>
   <p:sldIdLst>
     <p:sldId id="257" r:id="rId3"/>
@@ -14,23 +14,24 @@
     <p:sldId id="278" r:id="rId5"/>
     <p:sldId id="264" r:id="rId6"/>
     <p:sldId id="270" r:id="rId7"/>
-    <p:sldId id="272" r:id="rId8"/>
-    <p:sldId id="275" r:id="rId9"/>
-    <p:sldId id="262" r:id="rId10"/>
-    <p:sldId id="265" r:id="rId11"/>
-    <p:sldId id="280" r:id="rId12"/>
-    <p:sldId id="277" r:id="rId13"/>
-    <p:sldId id="271" r:id="rId14"/>
-    <p:sldId id="266" r:id="rId15"/>
-    <p:sldId id="279" r:id="rId16"/>
-    <p:sldId id="269" r:id="rId17"/>
-    <p:sldId id="273" r:id="rId18"/>
-    <p:sldId id="274" r:id="rId19"/>
-    <p:sldId id="267" r:id="rId20"/>
-    <p:sldId id="268" r:id="rId21"/>
-    <p:sldId id="260" r:id="rId22"/>
-    <p:sldId id="261" r:id="rId23"/>
-    <p:sldId id="276" r:id="rId24"/>
+    <p:sldId id="281" r:id="rId8"/>
+    <p:sldId id="272" r:id="rId9"/>
+    <p:sldId id="275" r:id="rId10"/>
+    <p:sldId id="262" r:id="rId11"/>
+    <p:sldId id="265" r:id="rId12"/>
+    <p:sldId id="280" r:id="rId13"/>
+    <p:sldId id="277" r:id="rId14"/>
+    <p:sldId id="271" r:id="rId15"/>
+    <p:sldId id="266" r:id="rId16"/>
+    <p:sldId id="279" r:id="rId17"/>
+    <p:sldId id="269" r:id="rId18"/>
+    <p:sldId id="273" r:id="rId19"/>
+    <p:sldId id="274" r:id="rId20"/>
+    <p:sldId id="267" r:id="rId21"/>
+    <p:sldId id="268" r:id="rId22"/>
+    <p:sldId id="260" r:id="rId23"/>
+    <p:sldId id="261" r:id="rId24"/>
+    <p:sldId id="276" r:id="rId25"/>
   </p:sldIdLst>
   <p:sldSz cx="9144000" cy="6858000" type="screen4x3"/>
   <p:notesSz cx="6858000" cy="9144000"/>
@@ -131,7 +132,7 @@
   </p:defaultTextStyle>
   <p:extLst>
     <p:ext uri="{EFAFB233-063F-42B5-8137-9DF3F51BA10A}">
-      <p15:sldGuideLst xmlns="" xmlns:p15="http://schemas.microsoft.com/office/powerpoint/2012/main">
+      <p15:sldGuideLst xmlns:p15="http://schemas.microsoft.com/office/powerpoint/2012/main" xmlns="">
         <p15:guide id="1" orient="horz" pos="2160">
           <p15:clr>
             <a:srgbClr val="A4A3A4"/>
@@ -230,7 +231,7 @@
           <a:p>
             <a:fld id="{B24A7054-7FFB-49F4-A126-5DF6E687FF53}" type="datetimeFigureOut">
               <a:rPr lang="ru-RU" smtClean="0"/>
-              <a:t>18.08.2014</a:t>
+              <a:t>24.08.2014</a:t>
             </a:fld>
             <a:endParaRPr lang="ru-RU"/>
           </a:p>
@@ -1512,7 +1513,7 @@
           <a:p>
             <a:fld id="{8E6E6A2A-E9D3-4A0D-B04A-ABDD367A1E08}" type="datetimeFigureOut">
               <a:rPr lang="ru-RU" smtClean="0"/>
-              <a:t>18.08.2014</a:t>
+              <a:t>24.08.2014</a:t>
             </a:fld>
             <a:endParaRPr lang="ru-RU"/>
           </a:p>
@@ -4025,7 +4026,7 @@
                 </a:solidFill>
               </a:rPr>
               <a:pPr/>
-              <a:t>18.08.2014</a:t>
+              <a:t>24.08.2014</a:t>
             </a:fld>
             <a:endParaRPr lang="ru-RU">
               <a:solidFill>
@@ -5286,7 +5287,7 @@
           <a:p>
             <a:fld id="{AC3D3127-B7C4-45E3-9797-C527EC9FDD78}" type="datetimeFigureOut">
               <a:rPr lang="ru-RU" smtClean="0"/>
-              <a:t>18.08.2014</a:t>
+              <a:t>24.08.2014</a:t>
             </a:fld>
             <a:endParaRPr lang="ru-RU"/>
           </a:p>
@@ -5822,7 +5823,7 @@
                 </a:solidFill>
               </a:rPr>
               <a:pPr/>
-              <a:t>18.08.2014</a:t>
+              <a:t>24.08.2014</a:t>
             </a:fld>
             <a:endParaRPr lang="ru-RU">
               <a:solidFill>
@@ -6454,7 +6455,7 @@
             </a:r>
             <a:r>
               <a:rPr lang="ru-RU" dirty="0" smtClean="0"/>
-              <a:t>Выделение текста</a:t>
+              <a:t>Поиск текста</a:t>
             </a:r>
             <a:endParaRPr lang="en-US" dirty="0"/>
           </a:p>
@@ -6473,7 +6474,7 @@
         <p:spPr/>
         <p:txBody>
           <a:bodyPr>
-            <a:normAutofit/>
+            <a:normAutofit fontScale="85000" lnSpcReduction="10000"/>
           </a:bodyPr>
           <a:lstStyle/>
           <a:p>
@@ -6488,15 +6489,69 @@
                   <a:srgbClr val="F6AE1E"/>
                 </a:solidFill>
               </a:rPr>
-              <a:t>Ctrl+Shift</a:t>
+              <a:t>Ctrl+I</a:t>
+            </a:r>
+            <a:r>
+              <a:rPr lang="ru-RU" dirty="0" smtClean="0">
+                <a:solidFill>
+                  <a:schemeClr val="bg1"/>
+                </a:solidFill>
+              </a:rPr>
+              <a:t> поиск</a:t>
+            </a:r>
+          </a:p>
+          <a:p>
+            <a:pPr>
+              <a:buClr>
+                <a:schemeClr val="bg1"/>
+              </a:buClr>
+            </a:pPr>
+            <a:r>
+              <a:rPr lang="en-US" dirty="0">
+                <a:solidFill>
+                  <a:srgbClr val="F6AE1E"/>
+                </a:solidFill>
+              </a:rPr>
+              <a:t>F3/Shift+F3</a:t>
             </a:r>
             <a:r>
               <a:rPr lang="en-US" dirty="0" smtClean="0">
                 <a:solidFill>
+                  <a:schemeClr val="bg1"/>
+                </a:solidFill>
+              </a:rPr>
+              <a:t> </a:t>
+            </a:r>
+            <a:r>
+              <a:rPr lang="ru-RU" dirty="0" smtClean="0">
+                <a:solidFill>
+                  <a:schemeClr val="bg1"/>
+                </a:solidFill>
+              </a:rPr>
+              <a:t>найти следующее/предыдущее вхождение строки</a:t>
+            </a:r>
+          </a:p>
+          <a:p>
+            <a:pPr>
+              <a:buClr>
+                <a:schemeClr val="bg1"/>
+              </a:buClr>
+            </a:pPr>
+            <a:r>
+              <a:rPr lang="en-US" dirty="0">
+                <a:solidFill>
                   <a:srgbClr val="F6AE1E"/>
                 </a:solidFill>
               </a:rPr>
-              <a:t>+]</a:t>
+              <a:t>Ctrl+F3</a:t>
+            </a:r>
+            <a:r>
+              <a:rPr lang="en-US" dirty="0" smtClean="0">
+                <a:solidFill>
+                  <a:schemeClr val="bg1"/>
+                </a:solidFill>
+              </a:rPr>
+              <a:t> </a:t>
             </a:r>
             <a:r>
               <a:rPr lang="ru-RU" dirty="0" smtClean="0">
@@ -6504,7 +6559,22 @@
                   <a:schemeClr val="bg1"/>
                 </a:solidFill>
               </a:rPr>
-              <a:t> выделение блока внутри</a:t>
+              <a:t>найти следующее вхождение выделенного текста</a:t>
+            </a:r>
+          </a:p>
+          <a:p>
+            <a:pPr>
+              <a:buClr>
+                <a:schemeClr val="bg1"/>
+              </a:buClr>
+            </a:pPr>
+            <a:r>
+              <a:rPr lang="en-US" dirty="0" err="1">
+                <a:solidFill>
+                  <a:srgbClr val="F6AE1E"/>
+                </a:solidFill>
+              </a:rPr>
+              <a:t>Ctrl+Shift+F</a:t>
             </a:r>
             <a:r>
               <a:rPr lang="en-US" dirty="0" smtClean="0">
@@ -6512,7 +6582,7 @@
                   <a:schemeClr val="bg1"/>
                 </a:solidFill>
               </a:rPr>
-              <a:t> { }. </a:t>
+              <a:t> </a:t>
             </a:r>
             <a:r>
               <a:rPr lang="ru-RU" dirty="0" smtClean="0">
@@ -6520,7 +6590,7 @@
                   <a:schemeClr val="bg1"/>
                 </a:solidFill>
               </a:rPr>
-              <a:t>Курсор должен стоять на </a:t>
+              <a:t>найти в </a:t>
             </a:r>
             <a:r>
               <a:rPr lang="en-US" dirty="0" smtClean="0">
@@ -6528,23 +6598,58 @@
                   <a:schemeClr val="bg1"/>
                 </a:solidFill>
               </a:rPr>
-              <a:t>{ </a:t>
-            </a:r>
-            <a:r>
-              <a:rPr lang="ru-RU" dirty="0" smtClean="0">
+              <a:t>solution</a:t>
+            </a:r>
+          </a:p>
+          <a:p>
+            <a:pPr marL="0" indent="0">
+              <a:buClr>
+                <a:schemeClr val="bg1"/>
+              </a:buClr>
+              <a:buNone/>
+            </a:pPr>
+            <a:endParaRPr lang="ru-RU" dirty="0" smtClean="0">
+              <a:solidFill>
+                <a:schemeClr val="bg1"/>
+              </a:solidFill>
+            </a:endParaRPr>
+          </a:p>
+          <a:p>
+            <a:pPr>
+              <a:buClr>
+                <a:schemeClr val="bg1"/>
+              </a:buClr>
+            </a:pPr>
+            <a:endParaRPr lang="ru-RU" dirty="0">
+              <a:solidFill>
+                <a:schemeClr val="bg1"/>
+              </a:solidFill>
+            </a:endParaRPr>
+          </a:p>
+          <a:p>
+            <a:pPr marL="0" indent="0">
+              <a:buClr>
+                <a:schemeClr val="bg1"/>
+              </a:buClr>
+              <a:buNone/>
+            </a:pPr>
+            <a:r>
+              <a:rPr lang="en-US" dirty="0">
                 <a:solidFill>
                   <a:schemeClr val="bg1"/>
                 </a:solidFill>
-              </a:rPr>
-              <a:t>или </a:t>
+                <a:hlinkClick r:id="rId2"/>
+              </a:rPr>
+              <a:t>http://</a:t>
             </a:r>
             <a:r>
               <a:rPr lang="en-US" dirty="0" smtClean="0">
                 <a:solidFill>
                   <a:schemeClr val="bg1"/>
                 </a:solidFill>
-              </a:rPr>
-              <a:t>}</a:t>
+                <a:hlinkClick r:id="rId2"/>
+              </a:rPr>
+              <a:t>weblogs.asp.net/scottgu/archive/2010/08/24/search-and-navigation-tips-tricks-with-visual-studio.aspx</a:t>
             </a:r>
             <a:endParaRPr lang="ru-RU" dirty="0" smtClean="0">
               <a:solidFill>
@@ -6570,7 +6675,7 @@
     </p:spTree>
     <p:extLst>
       <p:ext uri="{BB962C8B-B14F-4D97-AF65-F5344CB8AC3E}">
-        <p14:creationId xmlns:p14="http://schemas.microsoft.com/office/powerpoint/2010/main" val="4175683496"/>
+        <p14:creationId xmlns:p14="http://schemas.microsoft.com/office/powerpoint/2010/main" val="1967395690"/>
       </p:ext>
     </p:extLst>
   </p:cSld>
@@ -6621,9 +6726,17 @@
           <a:p>
             <a:r>
               <a:rPr lang="ru-RU" dirty="0" smtClean="0"/>
-              <a:t>Редактор: комментарии</a:t>
-            </a:r>
-            <a:endParaRPr lang="ru-RU" dirty="0"/>
+              <a:t>Редактор</a:t>
+            </a:r>
+            <a:r>
+              <a:rPr lang="en-US" dirty="0" smtClean="0"/>
+              <a:t>: </a:t>
+            </a:r>
+            <a:r>
+              <a:rPr lang="ru-RU" dirty="0" smtClean="0"/>
+              <a:t>Выделение текста</a:t>
+            </a:r>
+            <a:endParaRPr lang="en-US" dirty="0"/>
           </a:p>
         </p:txBody>
       </p:sp>
@@ -6644,95 +6757,100 @@
           </a:bodyPr>
           <a:lstStyle/>
           <a:p>
-            <a:r>
-              <a:rPr lang="en-US" sz="2800" dirty="0" err="1">
+            <a:pPr>
+              <a:buClr>
+                <a:schemeClr val="bg1"/>
+              </a:buClr>
+            </a:pPr>
+            <a:r>
+              <a:rPr lang="en-US" dirty="0" err="1" smtClean="0">
                 <a:solidFill>
                   <a:srgbClr val="F6AE1E"/>
                 </a:solidFill>
               </a:rPr>
-              <a:t>Ctrl+K</a:t>
-            </a:r>
-            <a:r>
-              <a:rPr lang="en-US" sz="2800" dirty="0">
+              <a:t>Ctrl+Shift</a:t>
+            </a:r>
+            <a:r>
+              <a:rPr lang="en-US" dirty="0" smtClean="0">
                 <a:solidFill>
                   <a:srgbClr val="F6AE1E"/>
                 </a:solidFill>
               </a:rPr>
-              <a:t>, </a:t>
-            </a:r>
-            <a:r>
-              <a:rPr lang="en-US" sz="2800" dirty="0" err="1">
-                <a:solidFill>
-                  <a:srgbClr val="F6AE1E"/>
-                </a:solidFill>
-              </a:rPr>
-              <a:t>Ctrl+C</a:t>
-            </a:r>
-            <a:r>
-              <a:rPr lang="en-US" sz="2800" dirty="0">
+              <a:t>+]</a:t>
+            </a:r>
+            <a:r>
+              <a:rPr lang="ru-RU" dirty="0" smtClean="0">
                 <a:solidFill>
                   <a:schemeClr val="bg1"/>
                 </a:solidFill>
               </a:rPr>
-              <a:t> </a:t>
-            </a:r>
-            <a:r>
-              <a:rPr lang="ru-RU" sz="2800" dirty="0">
+              <a:t> выделение блока внутри</a:t>
+            </a:r>
+            <a:r>
+              <a:rPr lang="en-US" dirty="0" smtClean="0">
                 <a:solidFill>
                   <a:schemeClr val="bg1"/>
                 </a:solidFill>
               </a:rPr>
-              <a:t>закоментировать выбранные </a:t>
-            </a:r>
-            <a:r>
-              <a:rPr lang="ru-RU" sz="2800" dirty="0" smtClean="0">
+              <a:t> { }. </a:t>
+            </a:r>
+            <a:r>
+              <a:rPr lang="ru-RU" dirty="0" smtClean="0">
                 <a:solidFill>
                   <a:schemeClr val="bg1"/>
                 </a:solidFill>
               </a:rPr>
-              <a:t>строки</a:t>
-            </a:r>
-          </a:p>
-          <a:p>
-            <a:r>
-              <a:rPr lang="en-US" sz="2800" dirty="0" err="1">
-                <a:solidFill>
-                  <a:srgbClr val="F6AE1E"/>
-                </a:solidFill>
-              </a:rPr>
-              <a:t>Ctrl+K</a:t>
-            </a:r>
-            <a:r>
-              <a:rPr lang="en-US" sz="2800" dirty="0">
-                <a:solidFill>
-                  <a:srgbClr val="F6AE1E"/>
-                </a:solidFill>
-              </a:rPr>
-              <a:t>, </a:t>
-            </a:r>
-            <a:r>
-              <a:rPr lang="en-US" sz="2800" dirty="0" err="1">
-                <a:solidFill>
-                  <a:srgbClr val="F6AE1E"/>
-                </a:solidFill>
-              </a:rPr>
-              <a:t>Ctrl+U</a:t>
-            </a:r>
-            <a:r>
-              <a:rPr lang="en-US" sz="2800" dirty="0"/>
-              <a:t> </a:t>
-            </a:r>
-            <a:r>
-              <a:rPr lang="ru-RU" sz="2800" dirty="0"/>
-              <a:t>снять коментарий с выбранных строк</a:t>
-            </a:r>
+              <a:t>Курсор должен стоять на </a:t>
+            </a:r>
+            <a:r>
+              <a:rPr lang="en-US" dirty="0" smtClean="0">
+                <a:solidFill>
+                  <a:schemeClr val="bg1"/>
+                </a:solidFill>
+              </a:rPr>
+              <a:t>{ </a:t>
+            </a:r>
+            <a:r>
+              <a:rPr lang="ru-RU" dirty="0" smtClean="0">
+                <a:solidFill>
+                  <a:schemeClr val="bg1"/>
+                </a:solidFill>
+              </a:rPr>
+              <a:t>или </a:t>
+            </a:r>
+            <a:r>
+              <a:rPr lang="en-US" dirty="0" smtClean="0">
+                <a:solidFill>
+                  <a:schemeClr val="bg1"/>
+                </a:solidFill>
+              </a:rPr>
+              <a:t>}</a:t>
+            </a:r>
+            <a:endParaRPr lang="ru-RU" dirty="0" smtClean="0">
+              <a:solidFill>
+                <a:schemeClr val="bg1"/>
+              </a:solidFill>
+            </a:endParaRPr>
+          </a:p>
+          <a:p>
+            <a:pPr marL="0" indent="0">
+              <a:buClr>
+                <a:schemeClr val="bg1"/>
+              </a:buClr>
+              <a:buNone/>
+            </a:pPr>
+            <a:endParaRPr lang="en-US" dirty="0">
+              <a:solidFill>
+                <a:schemeClr val="bg1"/>
+              </a:solidFill>
+            </a:endParaRPr>
           </a:p>
         </p:txBody>
       </p:sp>
     </p:spTree>
     <p:extLst>
       <p:ext uri="{BB962C8B-B14F-4D97-AF65-F5344CB8AC3E}">
-        <p14:creationId xmlns:p14="http://schemas.microsoft.com/office/powerpoint/2010/main" val="4274730761"/>
+        <p14:creationId xmlns:p14="http://schemas.microsoft.com/office/powerpoint/2010/main" val="4175683496"/>
       </p:ext>
     </p:extLst>
   </p:cSld>
@@ -6783,6 +6901,168 @@
           <a:p>
             <a:r>
               <a:rPr lang="ru-RU" dirty="0" smtClean="0"/>
+              <a:t>Редактор: комментарии</a:t>
+            </a:r>
+            <a:endParaRPr lang="ru-RU" dirty="0"/>
+          </a:p>
+        </p:txBody>
+      </p:sp>
+      <p:sp>
+        <p:nvSpPr>
+          <p:cNvPr id="3" name="Content Placeholder 2"/>
+          <p:cNvSpPr>
+            <a:spLocks noGrp="1"/>
+          </p:cNvSpPr>
+          <p:nvPr>
+            <p:ph idx="1"/>
+          </p:nvPr>
+        </p:nvSpPr>
+        <p:spPr/>
+        <p:txBody>
+          <a:bodyPr>
+            <a:normAutofit/>
+          </a:bodyPr>
+          <a:lstStyle/>
+          <a:p>
+            <a:r>
+              <a:rPr lang="en-US" sz="2800" dirty="0" err="1">
+                <a:solidFill>
+                  <a:srgbClr val="F6AE1E"/>
+                </a:solidFill>
+              </a:rPr>
+              <a:t>Ctrl+K</a:t>
+            </a:r>
+            <a:r>
+              <a:rPr lang="en-US" sz="2800" dirty="0">
+                <a:solidFill>
+                  <a:srgbClr val="F6AE1E"/>
+                </a:solidFill>
+              </a:rPr>
+              <a:t>, </a:t>
+            </a:r>
+            <a:r>
+              <a:rPr lang="en-US" sz="2800" dirty="0" err="1">
+                <a:solidFill>
+                  <a:srgbClr val="F6AE1E"/>
+                </a:solidFill>
+              </a:rPr>
+              <a:t>Ctrl+C</a:t>
+            </a:r>
+            <a:r>
+              <a:rPr lang="en-US" sz="2800" dirty="0">
+                <a:solidFill>
+                  <a:schemeClr val="bg1"/>
+                </a:solidFill>
+              </a:rPr>
+              <a:t> </a:t>
+            </a:r>
+            <a:r>
+              <a:rPr lang="ru-RU" sz="2800" dirty="0">
+                <a:solidFill>
+                  <a:schemeClr val="bg1"/>
+                </a:solidFill>
+              </a:rPr>
+              <a:t>закоментировать выбранные </a:t>
+            </a:r>
+            <a:r>
+              <a:rPr lang="ru-RU" sz="2800" dirty="0" smtClean="0">
+                <a:solidFill>
+                  <a:schemeClr val="bg1"/>
+                </a:solidFill>
+              </a:rPr>
+              <a:t>строки</a:t>
+            </a:r>
+          </a:p>
+          <a:p>
+            <a:r>
+              <a:rPr lang="en-US" sz="2800" dirty="0" err="1">
+                <a:solidFill>
+                  <a:srgbClr val="F6AE1E"/>
+                </a:solidFill>
+              </a:rPr>
+              <a:t>Ctrl+K</a:t>
+            </a:r>
+            <a:r>
+              <a:rPr lang="en-US" sz="2800" dirty="0">
+                <a:solidFill>
+                  <a:srgbClr val="F6AE1E"/>
+                </a:solidFill>
+              </a:rPr>
+              <a:t>, </a:t>
+            </a:r>
+            <a:r>
+              <a:rPr lang="en-US" sz="2800" dirty="0" err="1">
+                <a:solidFill>
+                  <a:srgbClr val="F6AE1E"/>
+                </a:solidFill>
+              </a:rPr>
+              <a:t>Ctrl+U</a:t>
+            </a:r>
+            <a:r>
+              <a:rPr lang="en-US" sz="2800" dirty="0"/>
+              <a:t> </a:t>
+            </a:r>
+            <a:r>
+              <a:rPr lang="ru-RU" sz="2800" dirty="0"/>
+              <a:t>снять коментарий с выбранных строк</a:t>
+            </a:r>
+          </a:p>
+        </p:txBody>
+      </p:sp>
+    </p:spTree>
+    <p:extLst>
+      <p:ext uri="{BB962C8B-B14F-4D97-AF65-F5344CB8AC3E}">
+        <p14:creationId xmlns:p14="http://schemas.microsoft.com/office/powerpoint/2010/main" val="4274730761"/>
+      </p:ext>
+    </p:extLst>
+  </p:cSld>
+  <p:clrMapOvr>
+    <a:masterClrMapping/>
+  </p:clrMapOvr>
+  <p:timing>
+    <p:tnLst>
+      <p:par>
+        <p:cTn id="1" dur="indefinite" restart="never" nodeType="tmRoot"/>
+      </p:par>
+    </p:tnLst>
+  </p:timing>
+</p:sld>
+</file>
+
+<file path=ppt/slides/slide13.xml><?xml version="1.0" encoding="utf-8"?>
+<p:sld xmlns:a="http://schemas.openxmlformats.org/drawingml/2006/main" xmlns:r="http://schemas.openxmlformats.org/officeDocument/2006/relationships" xmlns:p="http://schemas.openxmlformats.org/presentationml/2006/main">
+  <p:cSld>
+    <p:spTree>
+      <p:nvGrpSpPr>
+        <p:cNvPr id="1" name=""/>
+        <p:cNvGrpSpPr/>
+        <p:nvPr/>
+      </p:nvGrpSpPr>
+      <p:grpSpPr>
+        <a:xfrm>
+          <a:off x="0" y="0"/>
+          <a:ext cx="0" cy="0"/>
+          <a:chOff x="0" y="0"/>
+          <a:chExt cx="0" cy="0"/>
+        </a:xfrm>
+      </p:grpSpPr>
+      <p:sp>
+        <p:nvSpPr>
+          <p:cNvPr id="2" name="Title 1"/>
+          <p:cNvSpPr>
+            <a:spLocks noGrp="1"/>
+          </p:cNvSpPr>
+          <p:nvPr>
+            <p:ph type="title"/>
+          </p:nvPr>
+        </p:nvSpPr>
+        <p:spPr/>
+        <p:txBody>
+          <a:bodyPr/>
+          <a:lstStyle/>
+          <a:p>
+            <a:r>
+              <a:rPr lang="ru-RU" dirty="0" smtClean="0"/>
               <a:t>Редактор</a:t>
             </a:r>
             <a:r>
@@ -6955,7 +7235,7 @@
 </p:sld>
 </file>
 
-<file path=ppt/slides/slide13.xml><?xml version="1.0" encoding="utf-8"?>
+<file path=ppt/slides/slide14.xml><?xml version="1.0" encoding="utf-8"?>
 <p:sld xmlns:a="http://schemas.openxmlformats.org/drawingml/2006/main" xmlns:r="http://schemas.openxmlformats.org/officeDocument/2006/relationships" xmlns:p="http://schemas.openxmlformats.org/presentationml/2006/main">
   <p:cSld>
     <p:bg>
@@ -7332,7 +7612,7 @@
 </p:sld>
 </file>
 
-<file path=ppt/slides/slide14.xml><?xml version="1.0" encoding="utf-8"?>
+<file path=ppt/slides/slide15.xml><?xml version="1.0" encoding="utf-8"?>
 <p:sld xmlns:a="http://schemas.openxmlformats.org/drawingml/2006/main" xmlns:r="http://schemas.openxmlformats.org/officeDocument/2006/relationships" xmlns:p="http://schemas.openxmlformats.org/presentationml/2006/main">
   <p:cSld>
     <p:spTree>
@@ -7436,7 +7716,7 @@
 </p:sld>
 </file>
 
-<file path=ppt/slides/slide15.xml><?xml version="1.0" encoding="utf-8"?>
+<file path=ppt/slides/slide16.xml><?xml version="1.0" encoding="utf-8"?>
 <p:sld xmlns:a="http://schemas.openxmlformats.org/drawingml/2006/main" xmlns:r="http://schemas.openxmlformats.org/officeDocument/2006/relationships" xmlns:p="http://schemas.openxmlformats.org/presentationml/2006/main">
   <p:cSld>
     <p:bg>
@@ -7656,7 +7936,7 @@
 </p:sld>
 </file>
 
-<file path=ppt/slides/slide16.xml><?xml version="1.0" encoding="utf-8"?>
+<file path=ppt/slides/slide17.xml><?xml version="1.0" encoding="utf-8"?>
 <p:sld xmlns:a="http://schemas.openxmlformats.org/drawingml/2006/main" xmlns:r="http://schemas.openxmlformats.org/officeDocument/2006/relationships" xmlns:p="http://schemas.openxmlformats.org/presentationml/2006/main">
   <p:cSld>
     <p:spTree>
@@ -7914,7 +8194,7 @@
 </p:sld>
 </file>
 
-<file path=ppt/slides/slide17.xml><?xml version="1.0" encoding="utf-8"?>
+<file path=ppt/slides/slide18.xml><?xml version="1.0" encoding="utf-8"?>
 <p:sld xmlns:a="http://schemas.openxmlformats.org/drawingml/2006/main" xmlns:r="http://schemas.openxmlformats.org/officeDocument/2006/relationships" xmlns:p="http://schemas.openxmlformats.org/presentationml/2006/main">
   <p:cSld>
     <p:spTree>
@@ -9171,203 +9451,6 @@
 </p:sld>
 </file>
 
-<file path=ppt/slides/slide18.xml><?xml version="1.0" encoding="utf-8"?>
-<p:sld xmlns:a="http://schemas.openxmlformats.org/drawingml/2006/main" xmlns:r="http://schemas.openxmlformats.org/officeDocument/2006/relationships" xmlns:p="http://schemas.openxmlformats.org/presentationml/2006/main">
-  <p:cSld>
-    <p:bg>
-      <p:bgPr>
-        <a:blipFill dpi="0" rotWithShape="1">
-          <a:blip r:embed="rId3">
-            <a:lum/>
-          </a:blip>
-          <a:srcRect/>
-          <a:stretch>
-            <a:fillRect/>
-          </a:stretch>
-        </a:blipFill>
-        <a:effectLst/>
-      </p:bgPr>
-    </p:bg>
-    <p:spTree>
-      <p:nvGrpSpPr>
-        <p:cNvPr id="1" name=""/>
-        <p:cNvGrpSpPr/>
-        <p:nvPr/>
-      </p:nvGrpSpPr>
-      <p:grpSpPr>
-        <a:xfrm>
-          <a:off x="0" y="0"/>
-          <a:ext cx="0" cy="0"/>
-          <a:chOff x="0" y="0"/>
-          <a:chExt cx="0" cy="0"/>
-        </a:xfrm>
-      </p:grpSpPr>
-      <p:sp>
-        <p:nvSpPr>
-          <p:cNvPr id="2" name="Title 1"/>
-          <p:cNvSpPr>
-            <a:spLocks noGrp="1"/>
-          </p:cNvSpPr>
-          <p:nvPr>
-            <p:ph type="title"/>
-          </p:nvPr>
-        </p:nvSpPr>
-        <p:spPr/>
-        <p:txBody>
-          <a:bodyPr/>
-          <a:lstStyle/>
-          <a:p>
-            <a:r>
-              <a:rPr lang="ru-RU" dirty="0" smtClean="0"/>
-              <a:t>Окна: </a:t>
-            </a:r>
-            <a:r>
-              <a:rPr lang="en-US" dirty="0" smtClean="0"/>
-              <a:t>Bookmarks</a:t>
-            </a:r>
-            <a:endParaRPr lang="en-US" dirty="0"/>
-          </a:p>
-        </p:txBody>
-      </p:sp>
-      <p:sp>
-        <p:nvSpPr>
-          <p:cNvPr id="3" name="Content Placeholder 2"/>
-          <p:cNvSpPr>
-            <a:spLocks noGrp="1"/>
-          </p:cNvSpPr>
-          <p:nvPr>
-            <p:ph idx="1"/>
-          </p:nvPr>
-        </p:nvSpPr>
-        <p:spPr/>
-        <p:txBody>
-          <a:bodyPr>
-            <a:normAutofit/>
-          </a:bodyPr>
-          <a:lstStyle/>
-          <a:p>
-            <a:pPr>
-              <a:buClr>
-                <a:schemeClr val="bg1"/>
-              </a:buClr>
-            </a:pPr>
-            <a:r>
-              <a:rPr lang="ru-RU" dirty="0">
-                <a:solidFill>
-                  <a:schemeClr val="bg1"/>
-                </a:solidFill>
-              </a:rPr>
-              <a:t>Закладки в текстовых файлах</a:t>
-            </a:r>
-            <a:endParaRPr lang="en-US" dirty="0" smtClean="0">
-              <a:solidFill>
-                <a:schemeClr val="bg1"/>
-              </a:solidFill>
-            </a:endParaRPr>
-          </a:p>
-          <a:p>
-            <a:pPr>
-              <a:buClr>
-                <a:schemeClr val="bg1"/>
-              </a:buClr>
-            </a:pPr>
-            <a:r>
-              <a:rPr lang="ru-RU" dirty="0" smtClean="0">
-                <a:solidFill>
-                  <a:schemeClr val="bg1"/>
-                </a:solidFill>
-              </a:rPr>
-              <a:t>Команды меню </a:t>
-            </a:r>
-            <a:r>
-              <a:rPr lang="en-US" dirty="0" smtClean="0">
-                <a:solidFill>
-                  <a:schemeClr val="bg1"/>
-                </a:solidFill>
-              </a:rPr>
-              <a:t>View -&gt; Bookmark Window</a:t>
-            </a:r>
-            <a:r>
-              <a:rPr lang="ru-RU" dirty="0" smtClean="0">
-                <a:solidFill>
-                  <a:schemeClr val="bg1"/>
-                </a:solidFill>
-              </a:rPr>
-              <a:t> и </a:t>
-            </a:r>
-            <a:r>
-              <a:rPr lang="en-US" dirty="0" smtClean="0">
-                <a:solidFill>
-                  <a:schemeClr val="bg1"/>
-                </a:solidFill>
-              </a:rPr>
-              <a:t>Edit -&gt; Bookmarks.</a:t>
-            </a:r>
-          </a:p>
-          <a:p>
-            <a:pPr>
-              <a:buClr>
-                <a:schemeClr val="bg1"/>
-              </a:buClr>
-            </a:pPr>
-            <a:endParaRPr lang="ru-RU" dirty="0" smtClean="0">
-              <a:solidFill>
-                <a:schemeClr val="bg1"/>
-              </a:solidFill>
-            </a:endParaRPr>
-          </a:p>
-          <a:p>
-            <a:pPr>
-              <a:buClr>
-                <a:schemeClr val="bg1"/>
-              </a:buClr>
-            </a:pPr>
-            <a:endParaRPr lang="ru-RU" dirty="0" smtClean="0">
-              <a:solidFill>
-                <a:schemeClr val="bg1"/>
-              </a:solidFill>
-            </a:endParaRPr>
-          </a:p>
-          <a:p>
-            <a:pPr>
-              <a:buClr>
-                <a:schemeClr val="bg1"/>
-              </a:buClr>
-            </a:pPr>
-            <a:endParaRPr lang="ru-RU" dirty="0" smtClean="0">
-              <a:solidFill>
-                <a:schemeClr val="bg1"/>
-              </a:solidFill>
-            </a:endParaRPr>
-          </a:p>
-          <a:p>
-            <a:pPr marL="0" indent="0">
-              <a:buClr>
-                <a:schemeClr val="bg1"/>
-              </a:buClr>
-              <a:buNone/>
-            </a:pPr>
-            <a:endParaRPr lang="en-US" dirty="0">
-              <a:solidFill>
-                <a:schemeClr val="bg1"/>
-              </a:solidFill>
-            </a:endParaRPr>
-          </a:p>
-        </p:txBody>
-      </p:sp>
-    </p:spTree>
-    <p:extLst>
-      <p:ext uri="{BB962C8B-B14F-4D97-AF65-F5344CB8AC3E}">
-        <p14:creationId xmlns:p14="http://schemas.microsoft.com/office/powerpoint/2010/main" val="3985499755"/>
-      </p:ext>
-    </p:extLst>
-  </p:cSld>
-  <p:clrMapOvr>
-    <a:overrideClrMapping bg1="lt1" tx1="dk1" bg2="lt2" tx2="dk2" accent1="accent1" accent2="accent2" accent3="accent3" accent4="accent4" accent5="accent5" accent6="accent6" hlink="hlink" folHlink="folHlink"/>
-  </p:clrMapOvr>
-</p:sld>
-</file>
-
 <file path=ppt/slides/slide19.xml><?xml version="1.0" encoding="utf-8"?>
 <p:sld xmlns:a="http://schemas.openxmlformats.org/drawingml/2006/main" xmlns:r="http://schemas.openxmlformats.org/officeDocument/2006/relationships" xmlns:p="http://schemas.openxmlformats.org/presentationml/2006/main">
   <p:cSld>
@@ -9420,7 +9503,7 @@
             </a:r>
             <a:r>
               <a:rPr lang="en-US" dirty="0" smtClean="0"/>
-              <a:t>Task List</a:t>
+              <a:t>Bookmarks</a:t>
             </a:r>
             <a:endParaRPr lang="en-US" dirty="0"/>
           </a:p>
@@ -9454,7 +9537,7 @@
                   <a:schemeClr val="bg1"/>
                 </a:solidFill>
               </a:rPr>
-              <a:t>Список можно использовать для хранения заметок по проекту</a:t>
+              <a:t>Закладки в текстовых файлах</a:t>
             </a:r>
             <a:endParaRPr lang="en-US" dirty="0" smtClean="0">
               <a:solidFill>
@@ -9474,7 +9557,7 @@
                   <a:schemeClr val="bg1"/>
                 </a:solidFill>
               </a:rPr>
-              <a:t>Команда меню </a:t>
+              <a:t>Команды меню </a:t>
             </a:r>
             <a:r>
               <a:rPr lang="en-US" dirty="0" smtClean="0">
@@ -9482,15 +9565,15 @@
                   <a:schemeClr val="bg1"/>
                 </a:solidFill>
               </a:rPr>
-              <a:t>View -&gt; </a:t>
-            </a:r>
-            <a:r>
-              <a:rPr lang="en-US" dirty="0">
+              <a:t>View -&gt; Bookmark Window</a:t>
+            </a:r>
+            <a:r>
+              <a:rPr lang="ru-RU" dirty="0" smtClean="0">
                 <a:solidFill>
                   <a:schemeClr val="bg1"/>
                 </a:solidFill>
               </a:rPr>
-              <a:t>Task </a:t>
+              <a:t> и </a:t>
             </a:r>
             <a:r>
               <a:rPr lang="en-US" dirty="0" smtClean="0">
@@ -9498,7 +9581,7 @@
                   <a:schemeClr val="bg1"/>
                 </a:solidFill>
               </a:rPr>
-              <a:t>List.</a:t>
+              <a:t>Edit -&gt; Bookmarks.</a:t>
             </a:r>
           </a:p>
           <a:p>
@@ -9507,46 +9590,35 @@
                 <a:schemeClr val="bg1"/>
               </a:buClr>
             </a:pPr>
-            <a:r>
-              <a:rPr lang="ru-RU" dirty="0" smtClean="0">
-                <a:solidFill>
-                  <a:schemeClr val="bg1"/>
-                </a:solidFill>
-              </a:rPr>
-              <a:t>Текст комментария написанный после </a:t>
-            </a:r>
-            <a:r>
-              <a:rPr lang="en-US" dirty="0" smtClean="0">
-                <a:solidFill>
-                  <a:schemeClr val="bg1"/>
-                </a:solidFill>
-              </a:rPr>
-              <a:t>TODO </a:t>
-            </a:r>
-            <a:r>
-              <a:rPr lang="ru-RU" dirty="0" smtClean="0">
-                <a:solidFill>
-                  <a:schemeClr val="bg1"/>
-                </a:solidFill>
-              </a:rPr>
-              <a:t>попадает в</a:t>
-            </a:r>
-            <a:r>
-              <a:rPr lang="en-US" dirty="0" smtClean="0">
-                <a:solidFill>
-                  <a:schemeClr val="bg1"/>
-                </a:solidFill>
-              </a:rPr>
-              <a:t> </a:t>
-            </a:r>
-            <a:r>
-              <a:rPr lang="ru-RU" dirty="0" smtClean="0">
-                <a:solidFill>
-                  <a:schemeClr val="bg1"/>
-                </a:solidFill>
-              </a:rPr>
-              <a:t>него автоматически</a:t>
-            </a:r>
+            <a:endParaRPr lang="ru-RU" dirty="0" smtClean="0">
+              <a:solidFill>
+                <a:schemeClr val="bg1"/>
+              </a:solidFill>
+            </a:endParaRPr>
+          </a:p>
+          <a:p>
+            <a:pPr>
+              <a:buClr>
+                <a:schemeClr val="bg1"/>
+              </a:buClr>
+            </a:pPr>
+            <a:endParaRPr lang="ru-RU" dirty="0" smtClean="0">
+              <a:solidFill>
+                <a:schemeClr val="bg1"/>
+              </a:solidFill>
+            </a:endParaRPr>
+          </a:p>
+          <a:p>
+            <a:pPr>
+              <a:buClr>
+                <a:schemeClr val="bg1"/>
+              </a:buClr>
+            </a:pPr>
+            <a:endParaRPr lang="ru-RU" dirty="0" smtClean="0">
+              <a:solidFill>
+                <a:schemeClr val="bg1"/>
+              </a:solidFill>
+            </a:endParaRPr>
           </a:p>
           <a:p>
             <a:pPr marL="0" indent="0">
@@ -9566,7 +9638,7 @@
     </p:spTree>
     <p:extLst>
       <p:ext uri="{BB962C8B-B14F-4D97-AF65-F5344CB8AC3E}">
-        <p14:creationId xmlns:p14="http://schemas.microsoft.com/office/powerpoint/2010/main" val="1384232909"/>
+        <p14:creationId xmlns:p14="http://schemas.microsoft.com/office/powerpoint/2010/main" val="3985499755"/>
       </p:ext>
     </p:extLst>
   </p:cSld>
@@ -9670,6 +9742,20 @@
 <file path=ppt/slides/slide20.xml><?xml version="1.0" encoding="utf-8"?>
 <p:sld xmlns:a="http://schemas.openxmlformats.org/drawingml/2006/main" xmlns:r="http://schemas.openxmlformats.org/officeDocument/2006/relationships" xmlns:p="http://schemas.openxmlformats.org/presentationml/2006/main">
   <p:cSld>
+    <p:bg>
+      <p:bgPr>
+        <a:blipFill dpi="0" rotWithShape="1">
+          <a:blip r:embed="rId3">
+            <a:lum/>
+          </a:blip>
+          <a:srcRect/>
+          <a:stretch>
+            <a:fillRect/>
+          </a:stretch>
+        </a:blipFill>
+        <a:effectLst/>
+      </p:bgPr>
+    </p:bg>
     <p:spTree>
       <p:nvGrpSpPr>
         <p:cNvPr id="1" name=""/>
@@ -9701,7 +9787,11 @@
           <a:p>
             <a:r>
               <a:rPr lang="ru-RU" dirty="0" smtClean="0"/>
-              <a:t>Отладчик</a:t>
+              <a:t>Окна: </a:t>
+            </a:r>
+            <a:r>
+              <a:rPr lang="en-US" dirty="0" smtClean="0"/>
+              <a:t>Task List</a:t>
             </a:r>
             <a:endParaRPr lang="en-US" dirty="0"/>
           </a:p>
@@ -9719,22 +9809,140 @@
         </p:nvSpPr>
         <p:spPr/>
         <p:txBody>
-          <a:bodyPr/>
+          <a:bodyPr>
+            <a:normAutofit/>
+          </a:bodyPr>
           <a:lstStyle/>
           <a:p>
-            <a:endParaRPr lang="en-US" dirty="0"/>
+            <a:pPr>
+              <a:buClr>
+                <a:schemeClr val="bg1"/>
+              </a:buClr>
+            </a:pPr>
+            <a:r>
+              <a:rPr lang="ru-RU" dirty="0">
+                <a:solidFill>
+                  <a:schemeClr val="bg1"/>
+                </a:solidFill>
+              </a:rPr>
+              <a:t>Список можно использовать для хранения заметок по проекту</a:t>
+            </a:r>
+            <a:endParaRPr lang="en-US" dirty="0" smtClean="0">
+              <a:solidFill>
+                <a:schemeClr val="bg1"/>
+              </a:solidFill>
+            </a:endParaRPr>
+          </a:p>
+          <a:p>
+            <a:pPr>
+              <a:buClr>
+                <a:schemeClr val="bg1"/>
+              </a:buClr>
+            </a:pPr>
+            <a:r>
+              <a:rPr lang="ru-RU" dirty="0" smtClean="0">
+                <a:solidFill>
+                  <a:schemeClr val="bg1"/>
+                </a:solidFill>
+              </a:rPr>
+              <a:t>Команда меню </a:t>
+            </a:r>
+            <a:r>
+              <a:rPr lang="en-US" dirty="0" smtClean="0">
+                <a:solidFill>
+                  <a:schemeClr val="bg1"/>
+                </a:solidFill>
+              </a:rPr>
+              <a:t>View -&gt; </a:t>
+            </a:r>
+            <a:r>
+              <a:rPr lang="en-US" dirty="0">
+                <a:solidFill>
+                  <a:schemeClr val="bg1"/>
+                </a:solidFill>
+              </a:rPr>
+              <a:t>Task </a:t>
+            </a:r>
+            <a:r>
+              <a:rPr lang="en-US" dirty="0" smtClean="0">
+                <a:solidFill>
+                  <a:schemeClr val="bg1"/>
+                </a:solidFill>
+              </a:rPr>
+              <a:t>List.</a:t>
+            </a:r>
+          </a:p>
+          <a:p>
+            <a:pPr>
+              <a:buClr>
+                <a:schemeClr val="bg1"/>
+              </a:buClr>
+            </a:pPr>
+            <a:r>
+              <a:rPr lang="ru-RU" dirty="0" smtClean="0">
+                <a:solidFill>
+                  <a:schemeClr val="bg1"/>
+                </a:solidFill>
+              </a:rPr>
+              <a:t>Текст комментария написанный после </a:t>
+            </a:r>
+            <a:r>
+              <a:rPr lang="en-US" dirty="0" smtClean="0">
+                <a:solidFill>
+                  <a:schemeClr val="bg1"/>
+                </a:solidFill>
+              </a:rPr>
+              <a:t>TODO </a:t>
+            </a:r>
+            <a:r>
+              <a:rPr lang="ru-RU" dirty="0" smtClean="0">
+                <a:solidFill>
+                  <a:schemeClr val="bg1"/>
+                </a:solidFill>
+              </a:rPr>
+              <a:t>попадает в</a:t>
+            </a:r>
+            <a:r>
+              <a:rPr lang="en-US" dirty="0" smtClean="0">
+                <a:solidFill>
+                  <a:schemeClr val="bg1"/>
+                </a:solidFill>
+              </a:rPr>
+              <a:t> </a:t>
+            </a:r>
+            <a:r>
+              <a:rPr lang="ru-RU" dirty="0" smtClean="0">
+                <a:solidFill>
+                  <a:schemeClr val="bg1"/>
+                </a:solidFill>
+              </a:rPr>
+              <a:t>него автоматически</a:t>
+            </a:r>
+          </a:p>
+          <a:p>
+            <a:pPr marL="0" indent="0">
+              <a:buClr>
+                <a:schemeClr val="bg1"/>
+              </a:buClr>
+              <a:buNone/>
+            </a:pPr>
+            <a:endParaRPr lang="en-US" dirty="0">
+              <a:solidFill>
+                <a:schemeClr val="bg1"/>
+              </a:solidFill>
+            </a:endParaRPr>
           </a:p>
         </p:txBody>
       </p:sp>
     </p:spTree>
     <p:extLst>
       <p:ext uri="{BB962C8B-B14F-4D97-AF65-F5344CB8AC3E}">
-        <p14:creationId xmlns:p14="http://schemas.microsoft.com/office/powerpoint/2010/main" val="1495295926"/>
+        <p14:creationId xmlns:p14="http://schemas.microsoft.com/office/powerpoint/2010/main" val="1384232909"/>
       </p:ext>
     </p:extLst>
   </p:cSld>
   <p:clrMapOvr>
-    <a:masterClrMapping/>
+    <a:overrideClrMapping bg1="lt1" tx1="dk1" bg2="lt2" tx2="dk2" accent1="accent1" accent2="accent2" accent3="accent3" accent4="accent4" accent5="accent5" accent6="accent6" hlink="hlink" folHlink="folHlink"/>
   </p:clrMapOvr>
 </p:sld>
 </file>
@@ -9773,6 +9981,78 @@
           <a:p>
             <a:r>
               <a:rPr lang="ru-RU" dirty="0" smtClean="0"/>
+              <a:t>Отладчик</a:t>
+            </a:r>
+            <a:endParaRPr lang="en-US" dirty="0"/>
+          </a:p>
+        </p:txBody>
+      </p:sp>
+      <p:sp>
+        <p:nvSpPr>
+          <p:cNvPr id="3" name="Content Placeholder 2"/>
+          <p:cNvSpPr>
+            <a:spLocks noGrp="1"/>
+          </p:cNvSpPr>
+          <p:nvPr>
+            <p:ph idx="1"/>
+          </p:nvPr>
+        </p:nvSpPr>
+        <p:spPr/>
+        <p:txBody>
+          <a:bodyPr/>
+          <a:lstStyle/>
+          <a:p>
+            <a:endParaRPr lang="en-US" dirty="0"/>
+          </a:p>
+        </p:txBody>
+      </p:sp>
+    </p:spTree>
+    <p:extLst>
+      <p:ext uri="{BB962C8B-B14F-4D97-AF65-F5344CB8AC3E}">
+        <p14:creationId xmlns:p14="http://schemas.microsoft.com/office/powerpoint/2010/main" val="1495295926"/>
+      </p:ext>
+    </p:extLst>
+  </p:cSld>
+  <p:clrMapOvr>
+    <a:masterClrMapping/>
+  </p:clrMapOvr>
+</p:sld>
+</file>
+
+<file path=ppt/slides/slide22.xml><?xml version="1.0" encoding="utf-8"?>
+<p:sld xmlns:a="http://schemas.openxmlformats.org/drawingml/2006/main" xmlns:r="http://schemas.openxmlformats.org/officeDocument/2006/relationships" xmlns:p="http://schemas.openxmlformats.org/presentationml/2006/main">
+  <p:cSld>
+    <p:spTree>
+      <p:nvGrpSpPr>
+        <p:cNvPr id="1" name=""/>
+        <p:cNvGrpSpPr/>
+        <p:nvPr/>
+      </p:nvGrpSpPr>
+      <p:grpSpPr>
+        <a:xfrm>
+          <a:off x="0" y="0"/>
+          <a:ext cx="0" cy="0"/>
+          <a:chOff x="0" y="0"/>
+          <a:chExt cx="0" cy="0"/>
+        </a:xfrm>
+      </p:grpSpPr>
+      <p:sp>
+        <p:nvSpPr>
+          <p:cNvPr id="2" name="Title 1"/>
+          <p:cNvSpPr>
+            <a:spLocks noGrp="1"/>
+          </p:cNvSpPr>
+          <p:nvPr>
+            <p:ph type="title"/>
+          </p:nvPr>
+        </p:nvSpPr>
+        <p:spPr/>
+        <p:txBody>
+          <a:bodyPr/>
+          <a:lstStyle/>
+          <a:p>
+            <a:r>
+              <a:rPr lang="ru-RU" dirty="0" smtClean="0"/>
               <a:t>Бесплатные расширения для </a:t>
             </a:r>
             <a:r>
@@ -10013,7 +10293,7 @@
 </p:sld>
 </file>
 
-<file path=ppt/slides/slide22.xml><?xml version="1.0" encoding="utf-8"?>
+<file path=ppt/slides/slide23.xml><?xml version="1.0" encoding="utf-8"?>
 <p:sld xmlns:a="http://schemas.openxmlformats.org/drawingml/2006/main" xmlns:r="http://schemas.openxmlformats.org/officeDocument/2006/relationships" xmlns:p="http://schemas.openxmlformats.org/presentationml/2006/main">
   <p:cSld>
     <p:spTree>
@@ -10731,35 +11011,6 @@
       </p:grpSpPr>
       <p:sp>
         <p:nvSpPr>
-          <p:cNvPr id="2" name="Title 1"/>
-          <p:cNvSpPr>
-            <a:spLocks noGrp="1"/>
-          </p:cNvSpPr>
-          <p:nvPr>
-            <p:ph type="title"/>
-          </p:nvPr>
-        </p:nvSpPr>
-        <p:spPr/>
-        <p:txBody>
-          <a:bodyPr>
-            <a:normAutofit fontScale="90000"/>
-          </a:bodyPr>
-          <a:lstStyle/>
-          <a:p>
-            <a:r>
-              <a:rPr lang="en-US" dirty="0" smtClean="0"/>
-              <a:t>Visual Studio </a:t>
-            </a:r>
-            <a:r>
-              <a:rPr lang="ru-RU" dirty="0" smtClean="0"/>
-              <a:t>и права администратора</a:t>
-            </a:r>
-            <a:endParaRPr lang="en-US" dirty="0"/>
-          </a:p>
-        </p:txBody>
-      </p:sp>
-      <p:sp>
-        <p:nvSpPr>
           <p:cNvPr id="3" name="Content Placeholder 2"/>
           <p:cNvSpPr>
             <a:spLocks noGrp="1"/>
@@ -10768,10 +11019,15 @@
             <p:ph idx="1"/>
           </p:nvPr>
         </p:nvSpPr>
-        <p:spPr/>
+        <p:spPr>
+          <a:xfrm>
+            <a:off x="457200" y="620688"/>
+            <a:ext cx="8229600" cy="5505475"/>
+          </a:xfrm>
+        </p:spPr>
         <p:txBody>
           <a:bodyPr>
-            <a:normAutofit fontScale="70000" lnSpcReduction="20000"/>
+            <a:normAutofit fontScale="92500" lnSpcReduction="10000"/>
           </a:bodyPr>
           <a:lstStyle/>
           <a:p>
@@ -10780,35 +11036,15 @@
             </a:pPr>
             <a:r>
               <a:rPr lang="ru-RU" dirty="0" smtClean="0"/>
-              <a:t>Если у вас установлена </a:t>
-            </a:r>
-            <a:r>
-              <a:rPr lang="en-US" dirty="0"/>
-              <a:t>Windows </a:t>
+              <a:t>Комбинации клавиш приведенные в презентации соотвествуют настройкам по умолчанию для </a:t>
             </a:r>
             <a:r>
               <a:rPr lang="en-US" dirty="0" smtClean="0"/>
-              <a:t>Vista, Windows 7 </a:t>
+              <a:t>Visual C#. </a:t>
             </a:r>
             <a:r>
               <a:rPr lang="ru-RU" dirty="0" smtClean="0"/>
-              <a:t>или </a:t>
-            </a:r>
-            <a:r>
-              <a:rPr lang="en-US" dirty="0" smtClean="0"/>
-              <a:t>Windows 8 </a:t>
-            </a:r>
-            <a:r>
-              <a:rPr lang="ru-RU" dirty="0" smtClean="0"/>
-              <a:t>с включенным </a:t>
-            </a:r>
-            <a:r>
-              <a:rPr lang="en-US" dirty="0" smtClean="0"/>
-              <a:t>UAC</a:t>
-            </a:r>
-            <a:r>
-              <a:rPr lang="ru-RU" dirty="0" smtClean="0"/>
-              <a:t>, то для корректной работы отладчика рекомендуется всегда запускать </a:t>
+              <a:t>При первом запуске </a:t>
             </a:r>
             <a:r>
               <a:rPr lang="en-US" dirty="0" smtClean="0"/>
@@ -10816,164 +11052,77 @@
             </a:r>
             <a:r>
               <a:rPr lang="ru-RU" dirty="0" smtClean="0"/>
-              <a:t>с правами администратора. Для этого откройте свойства следующих файлов, перейдите на закладку </a:t>
+              <a:t>предлагает выбрать предпочитаемые настройки. Если вы выбрали не </a:t>
             </a:r>
             <a:r>
               <a:rPr lang="en-US" dirty="0" smtClean="0"/>
-              <a:t>Compatibility</a:t>
+              <a:t>Visual C#</a:t>
             </a:r>
             <a:r>
               <a:rPr lang="ru-RU" dirty="0" smtClean="0"/>
-              <a:t> и </a:t>
-            </a:r>
-            <a:r>
-              <a:rPr lang="ru-RU" smtClean="0"/>
-              <a:t>включите опцию </a:t>
+              <a:t> и хотите это сделать после первого запуска, то выберите команду </a:t>
+            </a:r>
+            <a:r>
+              <a:rPr lang="en-US" dirty="0" smtClean="0"/>
+              <a:t>“Tools -&gt; Import and Export Settings …” </a:t>
             </a:r>
             <a:r>
               <a:rPr lang="ru-RU" dirty="0" smtClean="0"/>
-              <a:t>«</a:t>
+              <a:t>и затем </a:t>
             </a:r>
             <a:r>
               <a:rPr lang="en-US" dirty="0" smtClean="0"/>
-              <a:t>Run this program as administrator</a:t>
-            </a:r>
+              <a:t>“Reset all settings”.</a:t>
+            </a:r>
+          </a:p>
+          <a:p>
+            <a:pPr marL="0" indent="0">
+              <a:buNone/>
+            </a:pPr>
+            <a:endParaRPr lang="en-US" dirty="0"/>
+          </a:p>
+          <a:p>
+            <a:pPr marL="0" indent="0">
+              <a:buNone/>
+            </a:pPr>
             <a:r>
               <a:rPr lang="ru-RU" dirty="0" smtClean="0"/>
-              <a:t>»</a:t>
+              <a:t>Также не забывайте, то </a:t>
             </a:r>
             <a:r>
               <a:rPr lang="en-US" dirty="0" smtClean="0"/>
-              <a:t>:</a:t>
-            </a:r>
-          </a:p>
-          <a:p>
+              <a:t>VS </a:t>
+            </a:r>
+            <a:r>
+              <a:rPr lang="ru-RU" dirty="0" smtClean="0"/>
+              <a:t>дает возможность поменять горячие клавиши или назначить новые в меню </a:t>
+            </a:r>
             <a:r>
               <a:rPr lang="en-US" dirty="0" smtClean="0"/>
-              <a:t>Devenv.exe</a:t>
-            </a:r>
-          </a:p>
-          <a:p>
-            <a:pPr lvl="1"/>
-            <a:r>
-              <a:rPr lang="en-US" dirty="0"/>
-              <a:t>(win 64) "C:\Program Files (x86)\Microsoft Visual Studio </a:t>
+              <a:t>Tools -&gt; Customize, </a:t>
+            </a:r>
+            <a:r>
+              <a:rPr lang="ru-RU" dirty="0" smtClean="0"/>
+              <a:t>кнопка</a:t>
             </a:r>
             <a:r>
               <a:rPr lang="en-US" dirty="0" smtClean="0"/>
-              <a:t>XX.Y\Common7\IDE\“</a:t>
-            </a:r>
-          </a:p>
-          <a:p>
-            <a:pPr lvl="1"/>
-            <a:r>
-              <a:rPr lang="en-US" dirty="0"/>
-              <a:t>(win </a:t>
-            </a:r>
-            <a:r>
-              <a:rPr lang="en-US" dirty="0" smtClean="0"/>
-              <a:t>32) </a:t>
-            </a:r>
-            <a:r>
-              <a:rPr lang="en-US" dirty="0"/>
-              <a:t>"C:\Program </a:t>
-            </a:r>
-            <a:r>
-              <a:rPr lang="en-US" dirty="0" smtClean="0"/>
-              <a:t>Files\Microsoft </a:t>
-            </a:r>
-            <a:r>
-              <a:rPr lang="en-US" dirty="0"/>
-              <a:t>Visual Studio XX.Y\Common7\IDE</a:t>
-            </a:r>
-            <a:r>
-              <a:rPr lang="en-US" dirty="0" smtClean="0"/>
-              <a:t>\“</a:t>
-            </a:r>
-          </a:p>
-          <a:p>
-            <a:r>
-              <a:rPr lang="en-US" dirty="0" smtClean="0"/>
-              <a:t>VSLauncher.exe</a:t>
-            </a:r>
-          </a:p>
-          <a:p>
-            <a:pPr lvl="1"/>
-            <a:r>
-              <a:rPr lang="en-US" dirty="0" smtClean="0"/>
-              <a:t>(win 64) "C</a:t>
-            </a:r>
-            <a:r>
-              <a:rPr lang="en-US" dirty="0"/>
-              <a:t>:\Program Files (x86)\Common Files\</a:t>
-            </a:r>
-            <a:r>
-              <a:rPr lang="en-US" dirty="0" err="1"/>
-              <a:t>microsoft</a:t>
-            </a:r>
-            <a:r>
-              <a:rPr lang="en-US" dirty="0"/>
-              <a:t> shared\</a:t>
-            </a:r>
-            <a:r>
-              <a:rPr lang="en-US" dirty="0" err="1"/>
-              <a:t>MSEnv</a:t>
-            </a:r>
-            <a:r>
-              <a:rPr lang="en-US" dirty="0" smtClean="0"/>
-              <a:t>\“</a:t>
-            </a:r>
-          </a:p>
-          <a:p>
-            <a:pPr lvl="1"/>
-            <a:r>
-              <a:rPr lang="en-US" dirty="0"/>
-              <a:t>(win 32) "C:\Program </a:t>
-            </a:r>
-            <a:r>
-              <a:rPr lang="en-US" dirty="0" smtClean="0"/>
-              <a:t>Files\Common </a:t>
-            </a:r>
-            <a:r>
-              <a:rPr lang="en-US" dirty="0"/>
-              <a:t>Files\</a:t>
-            </a:r>
-            <a:r>
-              <a:rPr lang="en-US" dirty="0" err="1"/>
-              <a:t>microsoft</a:t>
-            </a:r>
-            <a:r>
-              <a:rPr lang="en-US" dirty="0"/>
-              <a:t> shared\</a:t>
-            </a:r>
-            <a:r>
-              <a:rPr lang="en-US" dirty="0" err="1"/>
-              <a:t>MSEnv</a:t>
-            </a:r>
-            <a:r>
-              <a:rPr lang="en-US" dirty="0"/>
-              <a:t>\"</a:t>
-            </a:r>
+              <a:t> Keyboard.</a:t>
+            </a:r>
+            <a:endParaRPr lang="ru-RU" dirty="0"/>
           </a:p>
         </p:txBody>
       </p:sp>
     </p:spTree>
     <p:extLst>
       <p:ext uri="{BB962C8B-B14F-4D97-AF65-F5344CB8AC3E}">
-        <p14:creationId xmlns:p14="http://schemas.microsoft.com/office/powerpoint/2010/main" val="536631026"/>
+        <p14:creationId xmlns:p14="http://schemas.microsoft.com/office/powerpoint/2010/main" val="734817978"/>
       </p:ext>
     </p:extLst>
   </p:cSld>
   <p:clrMapOvr>
     <a:masterClrMapping/>
   </p:clrMapOvr>
-  <p:timing>
-    <p:tnLst>
-      <p:par>
-        <p:cTn id="1" dur="indefinite" restart="never" nodeType="tmRoot"/>
-      </p:par>
-    </p:tnLst>
-  </p:timing>
 </p:sld>
 </file>
 
@@ -11012,14 +11161,14 @@
           <a:lstStyle/>
           <a:p>
             <a:r>
+              <a:rPr lang="en-US" dirty="0" smtClean="0"/>
+              <a:t>Visual Studio </a:t>
+            </a:r>
+            <a:r>
               <a:rPr lang="ru-RU" dirty="0" smtClean="0"/>
-              <a:t>Аргументы командной строки для </a:t>
-            </a:r>
-            <a:r>
-              <a:rPr lang="en-US" dirty="0"/>
-              <a:t>Visual Studio (Devenv.exe)</a:t>
-            </a:r>
-            <a:endParaRPr lang="ru-RU" dirty="0"/>
+              <a:t>и права администратора</a:t>
+            </a:r>
+            <a:endParaRPr lang="en-US" dirty="0"/>
           </a:p>
         </p:txBody>
       </p:sp>
@@ -11035,112 +11184,197 @@
         </p:nvSpPr>
         <p:spPr/>
         <p:txBody>
-          <a:bodyPr/>
+          <a:bodyPr>
+            <a:normAutofit fontScale="70000" lnSpcReduction="20000"/>
+          </a:bodyPr>
           <a:lstStyle/>
           <a:p>
+            <a:pPr marL="0" indent="0">
+              <a:buNone/>
+            </a:pPr>
+            <a:r>
+              <a:rPr lang="ru-RU" dirty="0" smtClean="0"/>
+              <a:t>Если у вас установлена </a:t>
+            </a:r>
             <a:r>
               <a:rPr lang="en-US" dirty="0"/>
-              <a:t>/</a:t>
-            </a:r>
-            <a:r>
-              <a:rPr lang="en-US" dirty="0" err="1" smtClean="0"/>
-              <a:t>SafeMode</a:t>
+              <a:t>Windows </a:t>
             </a:r>
             <a:r>
               <a:rPr lang="en-US" dirty="0" smtClean="0"/>
-              <a:t/>
-            </a:r>
-            <a:br>
+              <a:t>Vista, Windows 7 </a:t>
+            </a:r>
+            <a:r>
+              <a:rPr lang="ru-RU" dirty="0" smtClean="0"/>
+              <a:t>или </a:t>
+            </a:r>
+            <a:r>
               <a:rPr lang="en-US" dirty="0" smtClean="0"/>
-            </a:br>
-            <a:r>
-              <a:rPr lang="ru-RU" sz="2800" dirty="0" smtClean="0"/>
-              <a:t>Безопасный </a:t>
-            </a:r>
-            <a:r>
-              <a:rPr lang="ru-RU" sz="2800" dirty="0"/>
-              <a:t>режим</a:t>
-            </a:r>
-            <a:r>
-              <a:rPr lang="en-US" sz="2800" dirty="0"/>
-              <a:t> (</a:t>
-            </a:r>
-            <a:r>
-              <a:rPr lang="ru-RU" sz="2800" dirty="0"/>
-              <a:t>отключает все расширения</a:t>
-            </a:r>
-            <a:r>
-              <a:rPr lang="en-US" sz="2800" dirty="0" smtClean="0"/>
-              <a:t>)</a:t>
-            </a:r>
-          </a:p>
-          <a:p>
+              <a:t>Windows 8 </a:t>
+            </a:r>
+            <a:r>
+              <a:rPr lang="ru-RU" dirty="0" smtClean="0"/>
+              <a:t>с включенным </a:t>
+            </a:r>
+            <a:r>
+              <a:rPr lang="en-US" dirty="0" smtClean="0"/>
+              <a:t>UAC</a:t>
+            </a:r>
+            <a:r>
+              <a:rPr lang="ru-RU" dirty="0" smtClean="0"/>
+              <a:t>, то для корректной работы отладчика рекомендуется всегда запускать </a:t>
+            </a:r>
+            <a:r>
+              <a:rPr lang="en-US" dirty="0" smtClean="0"/>
+              <a:t>VS </a:t>
+            </a:r>
+            <a:r>
+              <a:rPr lang="ru-RU" dirty="0" smtClean="0"/>
+              <a:t>с правами администратора. Для этого откройте свойства следующих файлов, перейдите на закладку </a:t>
+            </a:r>
+            <a:r>
+              <a:rPr lang="en-US" dirty="0" smtClean="0"/>
+              <a:t>Compatibility</a:t>
+            </a:r>
+            <a:r>
+              <a:rPr lang="ru-RU" dirty="0" smtClean="0"/>
+              <a:t> и </a:t>
+            </a:r>
+            <a:r>
+              <a:rPr lang="ru-RU" smtClean="0"/>
+              <a:t>включите опцию </a:t>
+            </a:r>
+            <a:r>
+              <a:rPr lang="ru-RU" dirty="0" smtClean="0"/>
+              <a:t>«</a:t>
+            </a:r>
+            <a:r>
+              <a:rPr lang="en-US" dirty="0" smtClean="0"/>
+              <a:t>Run this program as administrator</a:t>
+            </a:r>
+            <a:r>
+              <a:rPr lang="ru-RU" dirty="0" smtClean="0"/>
+              <a:t>»</a:t>
+            </a:r>
+            <a:r>
+              <a:rPr lang="en-US" dirty="0" smtClean="0"/>
+              <a:t>:</a:t>
+            </a:r>
+          </a:p>
+          <a:p>
+            <a:r>
+              <a:rPr lang="en-US" dirty="0" smtClean="0"/>
+              <a:t>Devenv.exe</a:t>
+            </a:r>
+          </a:p>
+          <a:p>
+            <a:pPr lvl="1"/>
             <a:r>
               <a:rPr lang="en-US" dirty="0"/>
-              <a:t>/</a:t>
-            </a:r>
-            <a:r>
-              <a:rPr lang="en-US" dirty="0" err="1" smtClean="0"/>
-              <a:t>rootsuffix</a:t>
+              <a:t>(win 64) "C:\Program Files (x86)\Microsoft Visual Studio </a:t>
             </a:r>
             <a:r>
               <a:rPr lang="en-US" dirty="0" smtClean="0"/>
-              <a:t> &lt;</a:t>
-            </a:r>
-            <a:r>
-              <a:rPr lang="ru-RU" dirty="0" smtClean="0"/>
-              <a:t>и</a:t>
-            </a:r>
-            <a:r>
-              <a:rPr lang="ru-RU" smtClean="0"/>
-              <a:t>мя</a:t>
+              <a:t>XX.Y\Common7\IDE\“</a:t>
+            </a:r>
+          </a:p>
+          <a:p>
+            <a:pPr lvl="1"/>
+            <a:r>
+              <a:rPr lang="en-US" dirty="0"/>
+              <a:t>(win </a:t>
             </a:r>
             <a:r>
               <a:rPr lang="en-US" dirty="0" smtClean="0"/>
-              <a:t>&gt;</a:t>
-            </a:r>
-            <a:r>
-              <a:rPr lang="ru-RU" dirty="0" smtClean="0"/>
-              <a:t/>
-            </a:r>
-            <a:br>
-              <a:rPr lang="ru-RU" dirty="0" smtClean="0"/>
-            </a:br>
-            <a:r>
-              <a:rPr lang="ru-RU" sz="2800" dirty="0" smtClean="0"/>
-              <a:t>Запуск </a:t>
-            </a:r>
-            <a:r>
-              <a:rPr lang="en-US" sz="2800" dirty="0" smtClean="0"/>
-              <a:t>VS </a:t>
-            </a:r>
-            <a:r>
-              <a:rPr lang="ru-RU" sz="2800" dirty="0" smtClean="0"/>
-              <a:t>с указанным профилем. Для выборочной установки расширений в разные профили используйте утилиту </a:t>
-            </a:r>
-            <a:r>
-              <a:rPr lang="en-US" sz="2800" dirty="0" smtClean="0"/>
-              <a:t>Root-VSIX</a:t>
+              <a:t>32) </a:t>
+            </a:r>
+            <a:r>
+              <a:rPr lang="en-US" dirty="0"/>
+              <a:t>"C:\Program </a:t>
             </a:r>
             <a:r>
               <a:rPr lang="en-US" dirty="0" smtClean="0"/>
-              <a:t/>
-            </a:r>
-            <a:br>
+              <a:t>Files\Microsoft </a:t>
+            </a:r>
+            <a:r>
+              <a:rPr lang="en-US" dirty="0"/>
+              <a:t>Visual Studio XX.Y\Common7\IDE</a:t>
+            </a:r>
+            <a:r>
               <a:rPr lang="en-US" dirty="0" smtClean="0"/>
-            </a:br>
-            <a:endParaRPr lang="ru-RU" dirty="0"/>
+              <a:t>\“</a:t>
+            </a:r>
+          </a:p>
+          <a:p>
+            <a:r>
+              <a:rPr lang="en-US" dirty="0" smtClean="0"/>
+              <a:t>VSLauncher.exe</a:t>
+            </a:r>
           </a:p>
           <a:p>
             <a:pPr lvl="1"/>
-            <a:endParaRPr lang="ru-RU" dirty="0"/>
+            <a:r>
+              <a:rPr lang="en-US" dirty="0" smtClean="0"/>
+              <a:t>(win 64) "C</a:t>
+            </a:r>
+            <a:r>
+              <a:rPr lang="en-US" dirty="0"/>
+              <a:t>:\Program Files (x86)\Common Files\</a:t>
+            </a:r>
+            <a:r>
+              <a:rPr lang="en-US" dirty="0" err="1"/>
+              <a:t>microsoft</a:t>
+            </a:r>
+            <a:r>
+              <a:rPr lang="en-US" dirty="0"/>
+              <a:t> shared\</a:t>
+            </a:r>
+            <a:r>
+              <a:rPr lang="en-US" dirty="0" err="1"/>
+              <a:t>MSEnv</a:t>
+            </a:r>
+            <a:r>
+              <a:rPr lang="en-US" dirty="0" smtClean="0"/>
+              <a:t>\“</a:t>
+            </a:r>
+          </a:p>
+          <a:p>
+            <a:pPr lvl="1"/>
+            <a:r>
+              <a:rPr lang="en-US" dirty="0"/>
+              <a:t>(win 32) "C:\Program </a:t>
+            </a:r>
+            <a:r>
+              <a:rPr lang="en-US" dirty="0" smtClean="0"/>
+              <a:t>Files\Common </a:t>
+            </a:r>
+            <a:r>
+              <a:rPr lang="en-US" dirty="0"/>
+              <a:t>Files\</a:t>
+            </a:r>
+            <a:r>
+              <a:rPr lang="en-US" dirty="0" err="1"/>
+              <a:t>microsoft</a:t>
+            </a:r>
+            <a:r>
+              <a:rPr lang="en-US" dirty="0"/>
+              <a:t> shared\</a:t>
+            </a:r>
+            <a:r>
+              <a:rPr lang="en-US" dirty="0" err="1"/>
+              <a:t>MSEnv</a:t>
+            </a:r>
+            <a:r>
+              <a:rPr lang="en-US" dirty="0"/>
+              <a:t>\"</a:t>
+            </a:r>
           </a:p>
         </p:txBody>
       </p:sp>
     </p:spTree>
     <p:extLst>
       <p:ext uri="{BB962C8B-B14F-4D97-AF65-F5344CB8AC3E}">
-        <p14:creationId xmlns:p14="http://schemas.microsoft.com/office/powerpoint/2010/main" val="3059897896"/>
+        <p14:creationId xmlns:p14="http://schemas.microsoft.com/office/powerpoint/2010/main" val="536631026"/>
       </p:ext>
     </p:extLst>
   </p:cSld>
@@ -11186,14 +11420,20 @@
         </p:nvSpPr>
         <p:spPr/>
         <p:txBody>
-          <a:bodyPr/>
+          <a:bodyPr>
+            <a:normAutofit fontScale="90000"/>
+          </a:bodyPr>
           <a:lstStyle/>
           <a:p>
             <a:r>
               <a:rPr lang="ru-RU" dirty="0" smtClean="0"/>
-              <a:t>Редактор</a:t>
-            </a:r>
-            <a:endParaRPr lang="en-US" dirty="0"/>
+              <a:t>Аргументы командной строки для </a:t>
+            </a:r>
+            <a:r>
+              <a:rPr lang="en-US" dirty="0"/>
+              <a:t>Visual Studio (Devenv.exe)</a:t>
+            </a:r>
+            <a:endParaRPr lang="ru-RU" dirty="0"/>
           </a:p>
         </p:txBody>
       </p:sp>
@@ -11209,299 +11449,112 @@
         </p:nvSpPr>
         <p:spPr/>
         <p:txBody>
-          <a:bodyPr>
-            <a:normAutofit lnSpcReduction="10000"/>
-          </a:bodyPr>
+          <a:bodyPr/>
           <a:lstStyle/>
           <a:p>
-            <a:pPr>
-              <a:buClr>
-                <a:schemeClr val="bg1"/>
-              </a:buClr>
-            </a:pPr>
-            <a:r>
-              <a:rPr lang="en-US" dirty="0" smtClean="0">
-                <a:solidFill>
-                  <a:srgbClr val="92D050"/>
-                </a:solidFill>
-              </a:rPr>
-              <a:t>[10]</a:t>
+            <a:r>
+              <a:rPr lang="en-US" dirty="0"/>
+              <a:t>/</a:t>
+            </a:r>
+            <a:r>
+              <a:rPr lang="en-US" dirty="0" err="1" smtClean="0"/>
+              <a:t>SafeMode</a:t>
             </a:r>
             <a:r>
               <a:rPr lang="en-US" dirty="0" smtClean="0"/>
-              <a:t> </a:t>
+              <a:t/>
+            </a:r>
+            <a:br>
+              <a:rPr lang="en-US" dirty="0" smtClean="0"/>
+            </a:br>
+            <a:r>
+              <a:rPr lang="ru-RU" sz="2800" dirty="0" smtClean="0"/>
+              <a:t>Безопасный </a:t>
+            </a:r>
+            <a:r>
+              <a:rPr lang="ru-RU" sz="2800" dirty="0"/>
+              <a:t>режим</a:t>
+            </a:r>
+            <a:r>
+              <a:rPr lang="en-US" sz="2800" dirty="0"/>
+              <a:t> (</a:t>
+            </a:r>
+            <a:r>
+              <a:rPr lang="ru-RU" sz="2800" dirty="0"/>
+              <a:t>отключает все расширения</a:t>
+            </a:r>
+            <a:r>
+              <a:rPr lang="en-US" sz="2800" dirty="0" smtClean="0"/>
+              <a:t>)</a:t>
+            </a:r>
+          </a:p>
+          <a:p>
+            <a:r>
+              <a:rPr lang="en-US" dirty="0"/>
+              <a:t>/</a:t>
+            </a:r>
+            <a:r>
+              <a:rPr lang="en-US" dirty="0" err="1" smtClean="0"/>
+              <a:t>rootsuffix</a:t>
+            </a:r>
+            <a:r>
+              <a:rPr lang="en-US" dirty="0" smtClean="0"/>
+              <a:t> &lt;</a:t>
             </a:r>
             <a:r>
               <a:rPr lang="ru-RU" dirty="0" smtClean="0"/>
-              <a:t>Изменение размера шрифта </a:t>
-            </a:r>
-            <a:r>
-              <a:rPr lang="en-US" dirty="0">
-                <a:solidFill>
-                  <a:srgbClr val="F6AE1E"/>
-                </a:solidFill>
-              </a:rPr>
-              <a:t>(</a:t>
-            </a:r>
-            <a:r>
-              <a:rPr lang="en-US" dirty="0" err="1">
-                <a:solidFill>
-                  <a:srgbClr val="F6AE1E"/>
-                </a:solidFill>
-              </a:rPr>
-              <a:t>Ctrl+Shift</a:t>
-            </a:r>
-            <a:r>
-              <a:rPr lang="en-US" dirty="0">
-                <a:solidFill>
-                  <a:srgbClr val="F6AE1E"/>
-                </a:solidFill>
-              </a:rPr>
-              <a:t> + &lt;/&gt; </a:t>
-            </a:r>
-            <a:r>
-              <a:rPr lang="ru-RU" dirty="0" smtClean="0">
-                <a:solidFill>
-                  <a:schemeClr val="bg1"/>
-                </a:solidFill>
-              </a:rPr>
-              <a:t>или</a:t>
-            </a:r>
-            <a:r>
-              <a:rPr lang="en-US" dirty="0" smtClean="0">
-                <a:solidFill>
-                  <a:srgbClr val="F6AE1E"/>
-                </a:solidFill>
-              </a:rPr>
-              <a:t> </a:t>
-            </a:r>
-            <a:r>
-              <a:rPr lang="en-US" dirty="0">
-                <a:solidFill>
-                  <a:srgbClr val="F6AE1E"/>
-                </a:solidFill>
-              </a:rPr>
-              <a:t>Ctrl + Mouse Scroll</a:t>
-            </a:r>
-            <a:r>
-              <a:rPr lang="en-US" dirty="0" smtClean="0">
-                <a:solidFill>
-                  <a:srgbClr val="F6AE1E"/>
-                </a:solidFill>
-              </a:rPr>
-              <a:t>)</a:t>
-            </a:r>
-            <a:endParaRPr lang="ru-RU" dirty="0" smtClean="0">
-              <a:solidFill>
-                <a:srgbClr val="F6AE1E"/>
-              </a:solidFill>
-            </a:endParaRPr>
-          </a:p>
-          <a:p>
-            <a:pPr>
-              <a:buClr>
-                <a:schemeClr val="bg1"/>
-              </a:buClr>
-            </a:pPr>
-            <a:r>
-              <a:rPr lang="en-US" dirty="0">
-                <a:solidFill>
-                  <a:srgbClr val="92D050"/>
-                </a:solidFill>
-              </a:rPr>
-              <a:t>[10]</a:t>
+              <a:t>и</a:t>
+            </a:r>
+            <a:r>
+              <a:rPr lang="ru-RU" smtClean="0"/>
+              <a:t>мя</a:t>
             </a:r>
             <a:r>
               <a:rPr lang="en-US" dirty="0" smtClean="0"/>
-              <a:t> </a:t>
+              <a:t>&gt;</a:t>
             </a:r>
             <a:r>
               <a:rPr lang="ru-RU" dirty="0" smtClean="0"/>
-              <a:t>Многострочное редактирование</a:t>
+              <a:t/>
+            </a:r>
+            <a:br>
+              <a:rPr lang="ru-RU" dirty="0" smtClean="0"/>
+            </a:br>
+            <a:r>
+              <a:rPr lang="ru-RU" sz="2800" dirty="0" smtClean="0"/>
+              <a:t>Запуск </a:t>
+            </a:r>
+            <a:r>
+              <a:rPr lang="en-US" sz="2800" dirty="0" smtClean="0"/>
+              <a:t>VS </a:t>
+            </a:r>
+            <a:r>
+              <a:rPr lang="ru-RU" sz="2800" dirty="0" smtClean="0"/>
+              <a:t>с указанным профилем. Для выборочной установки расширений в разные профили используйте утилиту </a:t>
+            </a:r>
+            <a:r>
+              <a:rPr lang="en-US" sz="2800" dirty="0" smtClean="0"/>
+              <a:t>Root-VSIX</a:t>
             </a:r>
             <a:r>
               <a:rPr lang="en-US" dirty="0" smtClean="0"/>
-              <a:t> </a:t>
-            </a:r>
-            <a:r>
-              <a:rPr lang="en-US" dirty="0" smtClean="0">
-                <a:solidFill>
-                  <a:srgbClr val="F6AE1E"/>
-                </a:solidFill>
-              </a:rPr>
-              <a:t>(</a:t>
-            </a:r>
-            <a:r>
-              <a:rPr lang="en-US" dirty="0" err="1">
-                <a:solidFill>
-                  <a:srgbClr val="F6AE1E"/>
-                </a:solidFill>
-              </a:rPr>
-              <a:t>Alt+Shift</a:t>
-            </a:r>
-            <a:r>
-              <a:rPr lang="en-US" dirty="0">
-                <a:solidFill>
-                  <a:srgbClr val="F6AE1E"/>
-                </a:solidFill>
-              </a:rPr>
-              <a:t> + Up/Down</a:t>
-            </a:r>
-            <a:r>
-              <a:rPr lang="en-US" dirty="0"/>
-              <a:t> </a:t>
-            </a:r>
-            <a:r>
-              <a:rPr lang="ru-RU" dirty="0" smtClean="0"/>
-              <a:t>или</a:t>
-            </a:r>
-            <a:r>
+              <a:t/>
+            </a:r>
+            <a:br>
               <a:rPr lang="en-US" dirty="0" smtClean="0"/>
-              <a:t> </a:t>
-            </a:r>
-            <a:r>
-              <a:rPr lang="en-US" dirty="0">
-                <a:solidFill>
-                  <a:srgbClr val="F6AE1E"/>
-                </a:solidFill>
-              </a:rPr>
-              <a:t>Alt + Mouse Up/Down</a:t>
-            </a:r>
-            <a:r>
-              <a:rPr lang="en-US" dirty="0" smtClean="0">
-                <a:solidFill>
-                  <a:srgbClr val="F6AE1E"/>
-                </a:solidFill>
-              </a:rPr>
-              <a:t>)</a:t>
-            </a:r>
-            <a:endParaRPr lang="ru-RU" dirty="0" smtClean="0">
-              <a:solidFill>
-                <a:srgbClr val="F6AE1E"/>
-              </a:solidFill>
-            </a:endParaRPr>
-          </a:p>
-          <a:p>
-            <a:pPr>
-              <a:buClr>
-                <a:schemeClr val="bg1"/>
-              </a:buClr>
-            </a:pPr>
-            <a:r>
-              <a:rPr lang="en-US" dirty="0" smtClean="0">
-                <a:solidFill>
-                  <a:srgbClr val="92D050"/>
-                </a:solidFill>
-              </a:rPr>
-              <a:t>[0</a:t>
-            </a:r>
-            <a:r>
-              <a:rPr lang="ru-RU" dirty="0" smtClean="0">
-                <a:solidFill>
-                  <a:srgbClr val="92D050"/>
-                </a:solidFill>
-              </a:rPr>
-              <a:t>5</a:t>
-            </a:r>
-            <a:r>
-              <a:rPr lang="en-US" dirty="0" smtClean="0">
-                <a:solidFill>
-                  <a:srgbClr val="92D050"/>
-                </a:solidFill>
-              </a:rPr>
-              <a:t>]</a:t>
-            </a:r>
-            <a:r>
-              <a:rPr lang="en-US" dirty="0" smtClean="0"/>
-              <a:t> </a:t>
-            </a:r>
-            <a:r>
-              <a:rPr lang="ru-RU" dirty="0" smtClean="0"/>
-              <a:t>Вставка текста из ц</a:t>
-            </a:r>
-            <a:r>
-              <a:rPr lang="ru-RU" dirty="0" smtClean="0">
-                <a:solidFill>
-                  <a:schemeClr val="bg1"/>
-                </a:solidFill>
-              </a:rPr>
-              <a:t>иклического буфера обмена </a:t>
-            </a:r>
-            <a:r>
-              <a:rPr lang="en-US" dirty="0">
-                <a:solidFill>
-                  <a:srgbClr val="F6AE1E"/>
-                </a:solidFill>
-              </a:rPr>
-              <a:t>(</a:t>
-            </a:r>
-            <a:r>
-              <a:rPr lang="en-US" dirty="0" err="1">
-                <a:solidFill>
-                  <a:srgbClr val="F6AE1E"/>
-                </a:solidFill>
-              </a:rPr>
-              <a:t>Ctrl+Shift</a:t>
-            </a:r>
-            <a:r>
-              <a:rPr lang="en-US" dirty="0">
-                <a:solidFill>
-                  <a:srgbClr val="F6AE1E"/>
-                </a:solidFill>
-              </a:rPr>
-              <a:t> + V</a:t>
-            </a:r>
-            <a:r>
-              <a:rPr lang="en-US" dirty="0" smtClean="0">
-                <a:solidFill>
-                  <a:srgbClr val="F6AE1E"/>
-                </a:solidFill>
-              </a:rPr>
-              <a:t>)</a:t>
-            </a:r>
-            <a:endParaRPr lang="ru-RU" dirty="0" smtClean="0">
-              <a:solidFill>
-                <a:srgbClr val="F6AE1E"/>
-              </a:solidFill>
-            </a:endParaRPr>
-          </a:p>
-          <a:p>
-            <a:pPr>
-              <a:buClr>
-                <a:schemeClr val="bg1"/>
-              </a:buClr>
-            </a:pPr>
-            <a:r>
-              <a:rPr lang="ru-RU" smtClean="0">
-                <a:solidFill>
-                  <a:schemeClr val="bg1"/>
-                </a:solidFill>
-              </a:rPr>
-              <a:t>Прокрутка текста без изменения положения курсора</a:t>
-            </a:r>
-            <a:r>
-              <a:rPr lang="en-US" dirty="0" smtClean="0">
-                <a:solidFill>
-                  <a:schemeClr val="bg1"/>
-                </a:solidFill>
-              </a:rPr>
-              <a:t> </a:t>
-            </a:r>
-            <a:r>
-              <a:rPr lang="en-US" dirty="0">
-                <a:solidFill>
-                  <a:srgbClr val="F6AE1E"/>
-                </a:solidFill>
-              </a:rPr>
-              <a:t>(Ctrl + Up/Down Arrow)</a:t>
-            </a:r>
+            </a:br>
+            <a:endParaRPr lang="ru-RU" dirty="0"/>
+          </a:p>
+          <a:p>
+            <a:pPr lvl="1"/>
+            <a:endParaRPr lang="ru-RU" dirty="0"/>
           </a:p>
         </p:txBody>
       </p:sp>
     </p:spTree>
     <p:extLst>
       <p:ext uri="{BB962C8B-B14F-4D97-AF65-F5344CB8AC3E}">
-        <p14:creationId xmlns:p14="http://schemas.microsoft.com/office/powerpoint/2010/main" val="468185828"/>
+        <p14:creationId xmlns:p14="http://schemas.microsoft.com/office/powerpoint/2010/main" val="3059897896"/>
       </p:ext>
     </p:extLst>
   </p:cSld>
@@ -11554,14 +11607,6 @@
               <a:rPr lang="ru-RU" dirty="0" smtClean="0"/>
               <a:t>Редактор</a:t>
             </a:r>
-            <a:r>
-              <a:rPr lang="en-US" dirty="0" smtClean="0"/>
-              <a:t>: </a:t>
-            </a:r>
-            <a:r>
-              <a:rPr lang="ru-RU" dirty="0" smtClean="0"/>
-              <a:t>Поиск текста</a:t>
-            </a:r>
             <a:endParaRPr lang="en-US" dirty="0"/>
           </a:p>
         </p:txBody>
@@ -11579,7 +11624,7 @@
         <p:spPr/>
         <p:txBody>
           <a:bodyPr>
-            <a:normAutofit fontScale="85000" lnSpcReduction="10000"/>
+            <a:normAutofit lnSpcReduction="10000"/>
           </a:bodyPr>
           <a:lstStyle/>
           <a:p>
@@ -11589,12 +11634,44 @@
               </a:buClr>
             </a:pPr>
             <a:r>
-              <a:rPr lang="en-US" dirty="0" err="1" smtClean="0">
+              <a:rPr lang="en-US" dirty="0" smtClean="0">
+                <a:solidFill>
+                  <a:srgbClr val="92D050"/>
+                </a:solidFill>
+              </a:rPr>
+              <a:t>[10]</a:t>
+            </a:r>
+            <a:r>
+              <a:rPr lang="en-US" dirty="0" smtClean="0"/>
+              <a:t> </a:t>
+            </a:r>
+            <a:r>
+              <a:rPr lang="ru-RU" dirty="0" smtClean="0"/>
+              <a:t>Изменение размера шрифта </a:t>
+            </a:r>
+            <a:r>
+              <a:rPr lang="en-US" dirty="0">
                 <a:solidFill>
                   <a:srgbClr val="F6AE1E"/>
                 </a:solidFill>
               </a:rPr>
-              <a:t>Ctrl+I</a:t>
+              <a:t>(</a:t>
+            </a:r>
+            <a:r>
+              <a:rPr lang="en-US" dirty="0" err="1">
+                <a:solidFill>
+                  <a:srgbClr val="F6AE1E"/>
+                </a:solidFill>
+              </a:rPr>
+              <a:t>Ctrl+Shift</a:t>
+            </a:r>
+            <a:r>
+              <a:rPr lang="en-US" dirty="0">
+                <a:solidFill>
+                  <a:srgbClr val="F6AE1E"/>
+                </a:solidFill>
+              </a:rPr>
+              <a:t> + &lt;/&gt; </a:t>
             </a:r>
             <a:r>
               <a:rPr lang="ru-RU" dirty="0" smtClean="0">
@@ -11602,8 +11679,37 @@
                   <a:schemeClr val="bg1"/>
                 </a:solidFill>
               </a:rPr>
-              <a:t> поиск</a:t>
-            </a:r>
+              <a:t>или</a:t>
+            </a:r>
+            <a:r>
+              <a:rPr lang="en-US" dirty="0" smtClean="0">
+                <a:solidFill>
+                  <a:srgbClr val="F6AE1E"/>
+                </a:solidFill>
+              </a:rPr>
+              <a:t> </a:t>
+            </a:r>
+            <a:r>
+              <a:rPr lang="en-US" dirty="0">
+                <a:solidFill>
+                  <a:srgbClr val="F6AE1E"/>
+                </a:solidFill>
+              </a:rPr>
+              <a:t>Ctrl + Mouse Scroll</a:t>
+            </a:r>
+            <a:r>
+              <a:rPr lang="en-US" dirty="0" smtClean="0">
+                <a:solidFill>
+                  <a:srgbClr val="F6AE1E"/>
+                </a:solidFill>
+              </a:rPr>
+              <a:t>)</a:t>
+            </a:r>
+            <a:endParaRPr lang="ru-RU" dirty="0" smtClean="0">
+              <a:solidFill>
+                <a:srgbClr val="F6AE1E"/>
+              </a:solidFill>
+            </a:endParaRPr>
           </a:p>
           <a:p>
             <a:pPr>
@@ -11614,27 +11720,80 @@
             <a:r>
               <a:rPr lang="en-US" dirty="0">
                 <a:solidFill>
+                  <a:srgbClr val="92D050"/>
+                </a:solidFill>
+              </a:rPr>
+              <a:t>[10]</a:t>
+            </a:r>
+            <a:r>
+              <a:rPr lang="en-US" dirty="0" smtClean="0"/>
+              <a:t> </a:t>
+            </a:r>
+            <a:r>
+              <a:rPr lang="ru-RU" dirty="0" smtClean="0"/>
+              <a:t>Многострочное редактирование</a:t>
+            </a:r>
+            <a:r>
+              <a:rPr lang="en-US" dirty="0" smtClean="0"/>
+              <a:t> </a:t>
+            </a:r>
+            <a:r>
+              <a:rPr lang="en-US" dirty="0" smtClean="0">
+                <a:solidFill>
                   <a:srgbClr val="F6AE1E"/>
                 </a:solidFill>
               </a:rPr>
-              <a:t>F3/Shift+F3</a:t>
+              <a:t>(</a:t>
+            </a:r>
+            <a:r>
+              <a:rPr lang="en-US" dirty="0" err="1">
+                <a:solidFill>
+                  <a:srgbClr val="F6AE1E"/>
+                </a:solidFill>
+              </a:rPr>
+              <a:t>Alt+Shift</a:t>
+            </a:r>
+            <a:r>
+              <a:rPr lang="en-US" dirty="0">
+                <a:solidFill>
+                  <a:srgbClr val="F6AE1E"/>
+                </a:solidFill>
+              </a:rPr>
+              <a:t> + Up/Down</a:t>
+            </a:r>
+            <a:r>
+              <a:rPr lang="en-US" dirty="0"/>
+              <a:t> </a:t>
+            </a:r>
+            <a:r>
+              <a:rPr lang="ru-RU" dirty="0" smtClean="0"/>
+              <a:t>или</a:t>
+            </a:r>
+            <a:r>
+              <a:rPr lang="en-US" dirty="0" smtClean="0"/>
+              <a:t> </a:t>
+            </a:r>
+            <a:r>
+              <a:rPr lang="en-US" dirty="0">
+                <a:solidFill>
+                  <a:srgbClr val="F6AE1E"/>
+                </a:solidFill>
+              </a:rPr>
+              <a:t>Alt + Mouse Up/Down</a:t>
             </a:r>
             <a:r>
               <a:rPr lang="en-US" dirty="0" smtClean="0">
                 <a:solidFill>
-                  <a:schemeClr val="bg1"/>
-                </a:solidFill>
-              </a:rPr>
-              <a:t> </a:t>
-            </a:r>
-            <a:r>
-              <a:rPr lang="ru-RU" dirty="0" smtClean="0">
-                <a:solidFill>
-                  <a:schemeClr val="bg1"/>
-                </a:solidFill>
-              </a:rPr>
-              <a:t>найти следующее/предыдущее вхождение строки</a:t>
-            </a:r>
+                  <a:srgbClr val="F6AE1E"/>
+                </a:solidFill>
+              </a:rPr>
+              <a:t>)</a:t>
+            </a:r>
+            <a:endParaRPr lang="ru-RU" dirty="0" smtClean="0">
+              <a:solidFill>
+                <a:srgbClr val="F6AE1E"/>
+              </a:solidFill>
+            </a:endParaRPr>
           </a:p>
           <a:p>
             <a:pPr>
@@ -11643,29 +11802,82 @@
               </a:buClr>
             </a:pPr>
             <a:r>
+              <a:rPr lang="en-US" dirty="0" smtClean="0">
+                <a:solidFill>
+                  <a:srgbClr val="92D050"/>
+                </a:solidFill>
+              </a:rPr>
+              <a:t>[0</a:t>
+            </a:r>
+            <a:r>
+              <a:rPr lang="ru-RU" dirty="0" smtClean="0">
+                <a:solidFill>
+                  <a:srgbClr val="92D050"/>
+                </a:solidFill>
+              </a:rPr>
+              <a:t>5</a:t>
+            </a:r>
+            <a:r>
+              <a:rPr lang="en-US" dirty="0" smtClean="0">
+                <a:solidFill>
+                  <a:srgbClr val="92D050"/>
+                </a:solidFill>
+              </a:rPr>
+              <a:t>]</a:t>
+            </a:r>
+            <a:r>
+              <a:rPr lang="en-US" dirty="0" smtClean="0"/>
+              <a:t> </a:t>
+            </a:r>
+            <a:r>
+              <a:rPr lang="ru-RU" dirty="0" smtClean="0"/>
+              <a:t>Вставка текста из ц</a:t>
+            </a:r>
+            <a:r>
+              <a:rPr lang="ru-RU" dirty="0" smtClean="0">
+                <a:solidFill>
+                  <a:schemeClr val="bg1"/>
+                </a:solidFill>
+              </a:rPr>
+              <a:t>иклического буфера обмена </a:t>
+            </a:r>
+            <a:r>
               <a:rPr lang="en-US" dirty="0">
                 <a:solidFill>
                   <a:srgbClr val="F6AE1E"/>
                 </a:solidFill>
               </a:rPr>
-              <a:t>Ctrl+F3</a:t>
+              <a:t>(</a:t>
+            </a:r>
+            <a:r>
+              <a:rPr lang="en-US" dirty="0" err="1">
+                <a:solidFill>
+                  <a:srgbClr val="F6AE1E"/>
+                </a:solidFill>
+              </a:rPr>
+              <a:t>Ctrl+Shift</a:t>
+            </a:r>
+            <a:r>
+              <a:rPr lang="en-US" dirty="0">
+                <a:solidFill>
+                  <a:srgbClr val="F6AE1E"/>
+                </a:solidFill>
+              </a:rPr>
+              <a:t> + V</a:t>
             </a:r>
             <a:r>
               <a:rPr lang="en-US" dirty="0" smtClean="0">
                 <a:solidFill>
-                  <a:schemeClr val="bg1"/>
-                </a:solidFill>
-              </a:rPr>
-              <a:t> </a:t>
-            </a:r>
-            <a:r>
-              <a:rPr lang="ru-RU" dirty="0" smtClean="0">
-                <a:solidFill>
-                  <a:schemeClr val="bg1"/>
-                </a:solidFill>
-              </a:rPr>
-              <a:t>найти следующее вхождение выделенного текста</a:t>
-            </a:r>
+                  <a:srgbClr val="F6AE1E"/>
+                </a:solidFill>
+              </a:rPr>
+              <a:t>)</a:t>
+            </a:r>
+            <a:endParaRPr lang="ru-RU" dirty="0" smtClean="0">
+              <a:solidFill>
+                <a:srgbClr val="F6AE1E"/>
+              </a:solidFill>
+            </a:endParaRPr>
           </a:p>
           <a:p>
             <a:pPr>
@@ -11674,113 +11886,36 @@
               </a:buClr>
             </a:pPr>
             <a:r>
-              <a:rPr lang="en-US" dirty="0" err="1">
+              <a:rPr lang="ru-RU" smtClean="0">
+                <a:solidFill>
+                  <a:schemeClr val="bg1"/>
+                </a:solidFill>
+              </a:rPr>
+              <a:t>Прокрутка текста без изменения положения курсора</a:t>
+            </a:r>
+            <a:r>
+              <a:rPr lang="en-US" dirty="0" smtClean="0">
+                <a:solidFill>
+                  <a:schemeClr val="bg1"/>
+                </a:solidFill>
+              </a:rPr>
+              <a:t> </a:t>
+            </a:r>
+            <a:r>
+              <a:rPr lang="en-US" dirty="0">
                 <a:solidFill>
                   <a:srgbClr val="F6AE1E"/>
                 </a:solidFill>
               </a:rPr>
-              <a:t>Ctrl+Shift+F</a:t>
-            </a:r>
-            <a:r>
-              <a:rPr lang="en-US" dirty="0" smtClean="0">
-                <a:solidFill>
-                  <a:schemeClr val="bg1"/>
-                </a:solidFill>
-              </a:rPr>
-              <a:t> </a:t>
-            </a:r>
-            <a:r>
-              <a:rPr lang="ru-RU" dirty="0" smtClean="0">
-                <a:solidFill>
-                  <a:schemeClr val="bg1"/>
-                </a:solidFill>
-              </a:rPr>
-              <a:t>найти в </a:t>
-            </a:r>
-            <a:r>
-              <a:rPr lang="en-US" dirty="0" smtClean="0">
-                <a:solidFill>
-                  <a:schemeClr val="bg1"/>
-                </a:solidFill>
-              </a:rPr>
-              <a:t>solution</a:t>
-            </a:r>
-          </a:p>
-          <a:p>
-            <a:pPr marL="0" indent="0">
-              <a:buClr>
-                <a:schemeClr val="bg1"/>
-              </a:buClr>
-              <a:buNone/>
-            </a:pPr>
-            <a:endParaRPr lang="ru-RU" dirty="0" smtClean="0">
-              <a:solidFill>
-                <a:schemeClr val="bg1"/>
-              </a:solidFill>
-            </a:endParaRPr>
-          </a:p>
-          <a:p>
-            <a:pPr>
-              <a:buClr>
-                <a:schemeClr val="bg1"/>
-              </a:buClr>
-            </a:pPr>
-            <a:endParaRPr lang="ru-RU" dirty="0">
-              <a:solidFill>
-                <a:schemeClr val="bg1"/>
-              </a:solidFill>
-            </a:endParaRPr>
-          </a:p>
-          <a:p>
-            <a:pPr marL="0" indent="0">
-              <a:buClr>
-                <a:schemeClr val="bg1"/>
-              </a:buClr>
-              <a:buNone/>
-            </a:pPr>
-            <a:r>
-              <a:rPr lang="en-US" dirty="0">
-                <a:solidFill>
-                  <a:schemeClr val="bg1"/>
-                </a:solidFill>
-                <a:hlinkClick r:id="rId2"/>
-              </a:rPr>
-              <a:t>http://</a:t>
-            </a:r>
-            <a:r>
-              <a:rPr lang="en-US" dirty="0" smtClean="0">
-                <a:solidFill>
-                  <a:schemeClr val="bg1"/>
-                </a:solidFill>
-                <a:hlinkClick r:id="rId2"/>
-              </a:rPr>
-              <a:t>weblogs.asp.net/scottgu/archive/2010/08/24/search-and-navigation-tips-tricks-with-visual-studio.aspx</a:t>
-            </a:r>
-            <a:endParaRPr lang="ru-RU" dirty="0" smtClean="0">
-              <a:solidFill>
-                <a:schemeClr val="bg1"/>
-              </a:solidFill>
-            </a:endParaRPr>
-          </a:p>
-          <a:p>
-            <a:pPr marL="0" indent="0">
-              <a:buClr>
-                <a:schemeClr val="bg1"/>
-              </a:buClr>
-              <a:buNone/>
-            </a:pPr>
-            <a:endParaRPr lang="en-US" dirty="0">
-              <a:solidFill>
-                <a:schemeClr val="bg1"/>
-              </a:solidFill>
-            </a:endParaRPr>
+              <a:t>(Ctrl + Up/Down Arrow)</a:t>
+            </a:r>
           </a:p>
         </p:txBody>
       </p:sp>
     </p:spTree>
     <p:extLst>
       <p:ext uri="{BB962C8B-B14F-4D97-AF65-F5344CB8AC3E}">
-        <p14:creationId xmlns:p14="http://schemas.microsoft.com/office/powerpoint/2010/main" val="1967395690"/>
+        <p14:creationId xmlns:p14="http://schemas.microsoft.com/office/powerpoint/2010/main" val="468185828"/>
       </p:ext>
     </p:extLst>
   </p:cSld>

--- a/Presentation/tools-visual-studio.pptx
+++ b/Presentation/tools-visual-studio.pptx
@@ -132,7 +132,7 @@
   </p:defaultTextStyle>
   <p:extLst>
     <p:ext uri="{EFAFB233-063F-42B5-8137-9DF3F51BA10A}">
-      <p15:sldGuideLst xmlns:p15="http://schemas.microsoft.com/office/powerpoint/2012/main" xmlns="">
+      <p15:sldGuideLst xmlns="" xmlns:p15="http://schemas.microsoft.com/office/powerpoint/2012/main">
         <p15:guide id="1" orient="horz" pos="2160">
           <p15:clr>
             <a:srgbClr val="A4A3A4"/>
@@ -231,7 +231,7 @@
           <a:p>
             <a:fld id="{B24A7054-7FFB-49F4-A126-5DF6E687FF53}" type="datetimeFigureOut">
               <a:rPr lang="ru-RU" smtClean="0"/>
-              <a:t>24.08.2014</a:t>
+              <a:t>31.08.2014</a:t>
             </a:fld>
             <a:endParaRPr lang="ru-RU"/>
           </a:p>
@@ -1513,7 +1513,7 @@
           <a:p>
             <a:fld id="{8E6E6A2A-E9D3-4A0D-B04A-ABDD367A1E08}" type="datetimeFigureOut">
               <a:rPr lang="ru-RU" smtClean="0"/>
-              <a:t>24.08.2014</a:t>
+              <a:t>31.08.2014</a:t>
             </a:fld>
             <a:endParaRPr lang="ru-RU"/>
           </a:p>
@@ -4026,7 +4026,7 @@
                 </a:solidFill>
               </a:rPr>
               <a:pPr/>
-              <a:t>24.08.2014</a:t>
+              <a:t>31.08.2014</a:t>
             </a:fld>
             <a:endParaRPr lang="ru-RU">
               <a:solidFill>
@@ -5287,7 +5287,7 @@
           <a:p>
             <a:fld id="{AC3D3127-B7C4-45E3-9797-C527EC9FDD78}" type="datetimeFigureOut">
               <a:rPr lang="ru-RU" smtClean="0"/>
-              <a:t>24.08.2014</a:t>
+              <a:t>31.08.2014</a:t>
             </a:fld>
             <a:endParaRPr lang="ru-RU"/>
           </a:p>
@@ -5823,7 +5823,7 @@
                 </a:solidFill>
               </a:rPr>
               <a:pPr/>
-              <a:t>24.08.2014</a:t>
+              <a:t>31.08.2014</a:t>
             </a:fld>
             <a:endParaRPr lang="ru-RU">
               <a:solidFill>
@@ -7310,7 +7310,7 @@
         <p:spPr/>
         <p:txBody>
           <a:bodyPr>
-            <a:normAutofit fontScale="85000" lnSpcReduction="10000"/>
+            <a:normAutofit fontScale="77500" lnSpcReduction="20000"/>
           </a:bodyPr>
           <a:lstStyle/>
           <a:p>
@@ -7526,7 +7526,38 @@
                   <a:schemeClr val="bg1"/>
                 </a:solidFill>
               </a:rPr>
-              <a:t>перейти на строку №</a:t>
+              <a:t>перейти на строку </a:t>
+            </a:r>
+            <a:r>
+              <a:rPr lang="ru-RU" dirty="0" smtClean="0">
+                <a:solidFill>
+                  <a:schemeClr val="bg1"/>
+                </a:solidFill>
+              </a:rPr>
+              <a:t>№</a:t>
+            </a:r>
+          </a:p>
+          <a:p>
+            <a:pPr>
+              <a:buClr>
+                <a:schemeClr val="bg1"/>
+              </a:buClr>
+            </a:pPr>
+            <a:r>
+              <a:rPr lang="en-US" dirty="0">
+                <a:solidFill>
+                  <a:srgbClr val="F6AE1E"/>
+                </a:solidFill>
+              </a:rPr>
+              <a:t>Ctrl+] </a:t>
+            </a:r>
+            <a:r>
+              <a:rPr lang="ru-RU" dirty="0" smtClean="0">
+                <a:solidFill>
+                  <a:schemeClr val="bg1"/>
+                </a:solidFill>
+              </a:rPr>
+              <a:t>перейти к парной скобке открывающей или закрывающей скобке</a:t>
             </a:r>
             <a:endParaRPr lang="en-US" dirty="0" smtClean="0">
               <a:solidFill>
@@ -7713,6 +7744,13 @@
   <p:clrMapOvr>
     <a:masterClrMapping/>
   </p:clrMapOvr>
+  <p:timing>
+    <p:tnLst>
+      <p:par>
+        <p:cTn id="1" dur="indefinite" restart="never" nodeType="tmRoot"/>
+      </p:par>
+    </p:tnLst>
+  </p:timing>
 </p:sld>
 </file>
 
@@ -7933,6 +7971,13 @@
   <p:clrMapOvr>
     <a:overrideClrMapping bg1="lt1" tx1="dk1" bg2="lt2" tx2="dk2" accent1="accent1" accent2="accent2" accent3="accent3" accent4="accent4" accent5="accent5" accent6="accent6" hlink="hlink" folHlink="folHlink"/>
   </p:clrMapOvr>
+  <p:timing>
+    <p:tnLst>
+      <p:par>
+        <p:cTn id="1" dur="indefinite" restart="never" nodeType="tmRoot"/>
+      </p:par>
+    </p:tnLst>
+  </p:timing>
 </p:sld>
 </file>
 
@@ -11087,7 +11132,11 @@
             </a:pPr>
             <a:r>
               <a:rPr lang="ru-RU" dirty="0" smtClean="0"/>
-              <a:t>Также не забывайте, то </a:t>
+              <a:t>Также не забывайте, </a:t>
+            </a:r>
+            <a:r>
+              <a:rPr lang="ru-RU" dirty="0" smtClean="0"/>
+              <a:t>что </a:t>
             </a:r>
             <a:r>
               <a:rPr lang="en-US" dirty="0" smtClean="0"/>
@@ -11123,6 +11172,13 @@
   <p:clrMapOvr>
     <a:masterClrMapping/>
   </p:clrMapOvr>
+  <p:timing>
+    <p:tnLst>
+      <p:par>
+        <p:cTn id="1" dur="indefinite" restart="never" nodeType="tmRoot"/>
+      </p:par>
+    </p:tnLst>
+  </p:timing>
 </p:sld>
 </file>
 

--- a/Presentation/tools-visual-studio.pptx
+++ b/Presentation/tools-visual-studio.pptx
@@ -6,7 +6,7 @@
     <p:sldMasterId id="2147483663" r:id="rId2"/>
   </p:sldMasterIdLst>
   <p:notesMasterIdLst>
-    <p:notesMasterId r:id="rId26"/>
+    <p:notesMasterId r:id="rId30"/>
   </p:notesMasterIdLst>
   <p:sldIdLst>
     <p:sldId id="257" r:id="rId3"/>
@@ -17,21 +17,25 @@
     <p:sldId id="281" r:id="rId8"/>
     <p:sldId id="272" r:id="rId9"/>
     <p:sldId id="275" r:id="rId10"/>
-    <p:sldId id="262" r:id="rId11"/>
-    <p:sldId id="265" r:id="rId12"/>
-    <p:sldId id="280" r:id="rId13"/>
-    <p:sldId id="277" r:id="rId14"/>
-    <p:sldId id="271" r:id="rId15"/>
-    <p:sldId id="266" r:id="rId16"/>
-    <p:sldId id="279" r:id="rId17"/>
-    <p:sldId id="269" r:id="rId18"/>
-    <p:sldId id="273" r:id="rId19"/>
-    <p:sldId id="274" r:id="rId20"/>
-    <p:sldId id="267" r:id="rId21"/>
-    <p:sldId id="268" r:id="rId22"/>
-    <p:sldId id="260" r:id="rId23"/>
-    <p:sldId id="261" r:id="rId24"/>
-    <p:sldId id="276" r:id="rId25"/>
+    <p:sldId id="284" r:id="rId11"/>
+    <p:sldId id="282" r:id="rId12"/>
+    <p:sldId id="262" r:id="rId13"/>
+    <p:sldId id="283" r:id="rId14"/>
+    <p:sldId id="285" r:id="rId15"/>
+    <p:sldId id="265" r:id="rId16"/>
+    <p:sldId id="280" r:id="rId17"/>
+    <p:sldId id="277" r:id="rId18"/>
+    <p:sldId id="271" r:id="rId19"/>
+    <p:sldId id="266" r:id="rId20"/>
+    <p:sldId id="279" r:id="rId21"/>
+    <p:sldId id="269" r:id="rId22"/>
+    <p:sldId id="273" r:id="rId23"/>
+    <p:sldId id="274" r:id="rId24"/>
+    <p:sldId id="267" r:id="rId25"/>
+    <p:sldId id="268" r:id="rId26"/>
+    <p:sldId id="260" r:id="rId27"/>
+    <p:sldId id="261" r:id="rId28"/>
+    <p:sldId id="276" r:id="rId29"/>
   </p:sldIdLst>
   <p:sldSz cx="9144000" cy="6858000" type="screen4x3"/>
   <p:notesSz cx="6858000" cy="9144000"/>
@@ -231,7 +235,7 @@
           <a:p>
             <a:fld id="{B24A7054-7FFB-49F4-A126-5DF6E687FF53}" type="datetimeFigureOut">
               <a:rPr lang="ru-RU" smtClean="0"/>
-              <a:t>31.08.2014</a:t>
+              <a:t>12.09.2014</a:t>
             </a:fld>
             <a:endParaRPr lang="ru-RU"/>
           </a:p>
@@ -1513,7 +1517,7 @@
           <a:p>
             <a:fld id="{8E6E6A2A-E9D3-4A0D-B04A-ABDD367A1E08}" type="datetimeFigureOut">
               <a:rPr lang="ru-RU" smtClean="0"/>
-              <a:t>31.08.2014</a:t>
+              <a:t>12.09.2014</a:t>
             </a:fld>
             <a:endParaRPr lang="ru-RU"/>
           </a:p>
@@ -4026,7 +4030,7 @@
                 </a:solidFill>
               </a:rPr>
               <a:pPr/>
-              <a:t>31.08.2014</a:t>
+              <a:t>12.09.2014</a:t>
             </a:fld>
             <a:endParaRPr lang="ru-RU">
               <a:solidFill>
@@ -5287,7 +5291,7 @@
           <a:p>
             <a:fld id="{AC3D3127-B7C4-45E3-9797-C527EC9FDD78}" type="datetimeFigureOut">
               <a:rPr lang="ru-RU" smtClean="0"/>
-              <a:t>31.08.2014</a:t>
+              <a:t>12.09.2014</a:t>
             </a:fld>
             <a:endParaRPr lang="ru-RU"/>
           </a:p>
@@ -5823,7 +5827,7 @@
                 </a:solidFill>
               </a:rPr>
               <a:pPr/>
-              <a:t>31.08.2014</a:t>
+              <a:t>12.09.2014</a:t>
             </a:fld>
             <a:endParaRPr lang="ru-RU">
               <a:solidFill>
@@ -6447,17 +6451,9 @@
           <a:p>
             <a:r>
               <a:rPr lang="ru-RU" dirty="0" smtClean="0"/>
-              <a:t>Редактор</a:t>
-            </a:r>
-            <a:r>
-              <a:rPr lang="en-US" dirty="0" smtClean="0"/>
-              <a:t>: </a:t>
-            </a:r>
-            <a:r>
-              <a:rPr lang="ru-RU" dirty="0" smtClean="0"/>
-              <a:t>Поиск текста</a:t>
-            </a:r>
-            <a:endParaRPr lang="en-US" dirty="0"/>
+              <a:t>Редактор: Настройки</a:t>
+            </a:r>
+            <a:endParaRPr lang="ru-RU" dirty="0"/>
           </a:p>
         </p:txBody>
       </p:sp>
@@ -6473,222 +6469,59 @@
         </p:nvSpPr>
         <p:spPr/>
         <p:txBody>
-          <a:bodyPr>
-            <a:normAutofit fontScale="85000" lnSpcReduction="10000"/>
-          </a:bodyPr>
+          <a:bodyPr/>
           <a:lstStyle/>
           <a:p>
-            <a:pPr>
-              <a:buClr>
-                <a:schemeClr val="bg1"/>
-              </a:buClr>
+            <a:pPr marL="0" indent="0">
+              <a:buNone/>
             </a:pPr>
             <a:r>
-              <a:rPr lang="en-US" dirty="0" err="1" smtClean="0">
-                <a:solidFill>
-                  <a:srgbClr val="F6AE1E"/>
-                </a:solidFill>
-              </a:rPr>
-              <a:t>Ctrl+I</a:t>
-            </a:r>
-            <a:r>
-              <a:rPr lang="ru-RU" dirty="0" smtClean="0">
-                <a:solidFill>
-                  <a:schemeClr val="bg1"/>
-                </a:solidFill>
-              </a:rPr>
-              <a:t> поиск</a:t>
-            </a:r>
-          </a:p>
-          <a:p>
-            <a:pPr>
-              <a:buClr>
-                <a:schemeClr val="bg1"/>
-              </a:buClr>
+              <a:rPr lang="ru-RU" dirty="0" smtClean="0"/>
+              <a:t>Редактор </a:t>
+            </a:r>
+            <a:r>
+              <a:rPr lang="en-US" dirty="0" smtClean="0"/>
+              <a:t>VS </a:t>
+            </a:r>
+            <a:r>
+              <a:rPr lang="ru-RU" dirty="0" smtClean="0"/>
+              <a:t>поддерживает множество языков. Настройки можно менять для всех языков сразу или по отдельности в диалоге «</a:t>
+            </a:r>
+            <a:r>
+              <a:rPr lang="en-US" dirty="0" smtClean="0"/>
+              <a:t>Tools -&gt; Options ...</a:t>
+            </a:r>
+            <a:r>
+              <a:rPr lang="ru-RU" dirty="0" smtClean="0"/>
+              <a:t>»</a:t>
+            </a:r>
+            <a:r>
+              <a:rPr lang="en-US" dirty="0" smtClean="0"/>
+              <a:t>.</a:t>
+            </a:r>
+            <a:endParaRPr lang="ru-RU" dirty="0" smtClean="0"/>
+          </a:p>
+          <a:p>
+            <a:pPr marL="0" indent="0">
+              <a:buNone/>
             </a:pPr>
-            <a:r>
-              <a:rPr lang="en-US" dirty="0">
-                <a:solidFill>
-                  <a:srgbClr val="F6AE1E"/>
-                </a:solidFill>
-              </a:rPr>
-              <a:t>F3/Shift+F3</a:t>
-            </a:r>
-            <a:r>
-              <a:rPr lang="en-US" dirty="0" smtClean="0">
-                <a:solidFill>
-                  <a:schemeClr val="bg1"/>
-                </a:solidFill>
-              </a:rPr>
-              <a:t> </a:t>
-            </a:r>
-            <a:r>
-              <a:rPr lang="ru-RU" dirty="0" smtClean="0">
-                <a:solidFill>
-                  <a:schemeClr val="bg1"/>
-                </a:solidFill>
-              </a:rPr>
-              <a:t>найти следующее/предыдущее вхождение строки</a:t>
-            </a:r>
-          </a:p>
-          <a:p>
-            <a:pPr>
-              <a:buClr>
-                <a:schemeClr val="bg1"/>
-              </a:buClr>
-            </a:pPr>
-            <a:r>
-              <a:rPr lang="en-US" dirty="0">
-                <a:solidFill>
-                  <a:srgbClr val="F6AE1E"/>
-                </a:solidFill>
-              </a:rPr>
-              <a:t>Ctrl+F3</a:t>
-            </a:r>
-            <a:r>
-              <a:rPr lang="en-US" dirty="0" smtClean="0">
-                <a:solidFill>
-                  <a:schemeClr val="bg1"/>
-                </a:solidFill>
-              </a:rPr>
-              <a:t> </a:t>
-            </a:r>
-            <a:r>
-              <a:rPr lang="ru-RU" dirty="0" smtClean="0">
-                <a:solidFill>
-                  <a:schemeClr val="bg1"/>
-                </a:solidFill>
-              </a:rPr>
-              <a:t>найти следующее вхождение выделенного текста</a:t>
-            </a:r>
-          </a:p>
-          <a:p>
-            <a:pPr>
-              <a:buClr>
-                <a:schemeClr val="bg1"/>
-              </a:buClr>
-            </a:pPr>
-            <a:r>
-              <a:rPr lang="en-US" dirty="0" err="1">
-                <a:solidFill>
-                  <a:srgbClr val="F6AE1E"/>
-                </a:solidFill>
-              </a:rPr>
-              <a:t>Ctrl+Shift+F</a:t>
-            </a:r>
-            <a:r>
-              <a:rPr lang="en-US" dirty="0" smtClean="0">
-                <a:solidFill>
-                  <a:schemeClr val="bg1"/>
-                </a:solidFill>
-              </a:rPr>
-              <a:t> </a:t>
-            </a:r>
-            <a:r>
-              <a:rPr lang="ru-RU" dirty="0" smtClean="0">
-                <a:solidFill>
-                  <a:schemeClr val="bg1"/>
-                </a:solidFill>
-              </a:rPr>
-              <a:t>найти в </a:t>
-            </a:r>
-            <a:r>
-              <a:rPr lang="en-US" dirty="0" smtClean="0">
-                <a:solidFill>
-                  <a:schemeClr val="bg1"/>
-                </a:solidFill>
-              </a:rPr>
-              <a:t>solution</a:t>
-            </a:r>
-          </a:p>
-          <a:p>
-            <a:pPr marL="0" indent="0">
-              <a:buClr>
-                <a:schemeClr val="bg1"/>
-              </a:buClr>
-              <a:buNone/>
-            </a:pPr>
-            <a:endParaRPr lang="ru-RU" dirty="0" smtClean="0">
-              <a:solidFill>
-                <a:schemeClr val="bg1"/>
-              </a:solidFill>
-            </a:endParaRPr>
-          </a:p>
-          <a:p>
-            <a:pPr>
-              <a:buClr>
-                <a:schemeClr val="bg1"/>
-              </a:buClr>
-            </a:pPr>
-            <a:endParaRPr lang="ru-RU" dirty="0">
-              <a:solidFill>
-                <a:schemeClr val="bg1"/>
-              </a:solidFill>
-            </a:endParaRPr>
-          </a:p>
-          <a:p>
-            <a:pPr marL="0" indent="0">
-              <a:buClr>
-                <a:schemeClr val="bg1"/>
-              </a:buClr>
-              <a:buNone/>
-            </a:pPr>
-            <a:r>
-              <a:rPr lang="en-US" dirty="0">
-                <a:solidFill>
-                  <a:schemeClr val="bg1"/>
-                </a:solidFill>
-                <a:hlinkClick r:id="rId2"/>
-              </a:rPr>
-              <a:t>http://</a:t>
-            </a:r>
-            <a:r>
-              <a:rPr lang="en-US" dirty="0" smtClean="0">
-                <a:solidFill>
-                  <a:schemeClr val="bg1"/>
-                </a:solidFill>
-                <a:hlinkClick r:id="rId2"/>
-              </a:rPr>
-              <a:t>weblogs.asp.net/scottgu/archive/2010/08/24/search-and-navigation-tips-tricks-with-visual-studio.aspx</a:t>
-            </a:r>
-            <a:endParaRPr lang="ru-RU" dirty="0" smtClean="0">
-              <a:solidFill>
-                <a:schemeClr val="bg1"/>
-              </a:solidFill>
-            </a:endParaRPr>
-          </a:p>
-          <a:p>
-            <a:pPr marL="0" indent="0">
-              <a:buClr>
-                <a:schemeClr val="bg1"/>
-              </a:buClr>
-              <a:buNone/>
-            </a:pPr>
-            <a:endParaRPr lang="en-US" dirty="0">
-              <a:solidFill>
-                <a:schemeClr val="bg1"/>
-              </a:solidFill>
-            </a:endParaRPr>
+            <a:endParaRPr lang="ru-RU" dirty="0" smtClean="0"/>
+          </a:p>
+          <a:p>
+            <a:endParaRPr lang="ru-RU" dirty="0"/>
           </a:p>
         </p:txBody>
       </p:sp>
     </p:spTree>
     <p:extLst>
       <p:ext uri="{BB962C8B-B14F-4D97-AF65-F5344CB8AC3E}">
-        <p14:creationId xmlns:p14="http://schemas.microsoft.com/office/powerpoint/2010/main" val="1967395690"/>
+        <p14:creationId xmlns:p14="http://schemas.microsoft.com/office/powerpoint/2010/main" val="2394860654"/>
       </p:ext>
     </p:extLst>
   </p:cSld>
   <p:clrMapOvr>
     <a:masterClrMapping/>
   </p:clrMapOvr>
-  <p:timing>
-    <p:tnLst>
-      <p:par>
-        <p:cTn id="1" dur="indefinite" restart="never" nodeType="tmRoot"/>
-      </p:par>
-    </p:tnLst>
-  </p:timing>
 </p:sld>
 </file>
 
@@ -6728,14 +6561,6 @@
               <a:rPr lang="ru-RU" dirty="0" smtClean="0"/>
               <a:t>Редактор</a:t>
             </a:r>
-            <a:r>
-              <a:rPr lang="en-US" dirty="0" smtClean="0"/>
-              <a:t>: </a:t>
-            </a:r>
-            <a:r>
-              <a:rPr lang="ru-RU" dirty="0" smtClean="0"/>
-              <a:t>Выделение текста</a:t>
-            </a:r>
             <a:endParaRPr lang="en-US" dirty="0"/>
           </a:p>
         </p:txBody>
@@ -6753,7 +6578,7 @@
         <p:spPr/>
         <p:txBody>
           <a:bodyPr>
-            <a:normAutofit/>
+            <a:normAutofit lnSpcReduction="10000"/>
           </a:bodyPr>
           <a:lstStyle/>
           <a:p>
@@ -6763,94 +6588,288 @@
               </a:buClr>
             </a:pPr>
             <a:r>
-              <a:rPr lang="en-US" dirty="0" err="1" smtClean="0">
+              <a:rPr lang="en-US" dirty="0" smtClean="0">
+                <a:solidFill>
+                  <a:srgbClr val="92D050"/>
+                </a:solidFill>
+              </a:rPr>
+              <a:t>[10]</a:t>
+            </a:r>
+            <a:r>
+              <a:rPr lang="en-US" dirty="0" smtClean="0"/>
+              <a:t> </a:t>
+            </a:r>
+            <a:r>
+              <a:rPr lang="ru-RU" dirty="0" smtClean="0"/>
+              <a:t>Изменение размера шрифта </a:t>
+            </a:r>
+            <a:r>
+              <a:rPr lang="en-US" dirty="0">
                 <a:solidFill>
                   <a:srgbClr val="F6AE1E"/>
                 </a:solidFill>
               </a:rPr>
+              <a:t>(</a:t>
+            </a:r>
+            <a:r>
+              <a:rPr lang="en-US" dirty="0" err="1">
+                <a:solidFill>
+                  <a:srgbClr val="F6AE1E"/>
+                </a:solidFill>
+              </a:rPr>
               <a:t>Ctrl+Shift</a:t>
             </a:r>
             <a:r>
+              <a:rPr lang="en-US" dirty="0">
+                <a:solidFill>
+                  <a:srgbClr val="F6AE1E"/>
+                </a:solidFill>
+              </a:rPr>
+              <a:t> + &lt;/&gt; </a:t>
+            </a:r>
+            <a:r>
+              <a:rPr lang="ru-RU" dirty="0" smtClean="0">
+                <a:solidFill>
+                  <a:schemeClr val="bg1"/>
+                </a:solidFill>
+              </a:rPr>
+              <a:t>или</a:t>
+            </a:r>
+            <a:r>
               <a:rPr lang="en-US" dirty="0" smtClean="0">
                 <a:solidFill>
                   <a:srgbClr val="F6AE1E"/>
                 </a:solidFill>
               </a:rPr>
-              <a:t>+]</a:t>
-            </a:r>
-            <a:r>
-              <a:rPr lang="ru-RU" dirty="0" smtClean="0">
-                <a:solidFill>
-                  <a:schemeClr val="bg1"/>
-                </a:solidFill>
-              </a:rPr>
-              <a:t> выделение блока внутри</a:t>
+              <a:t> </a:t>
+            </a:r>
+            <a:r>
+              <a:rPr lang="en-US" dirty="0">
+                <a:solidFill>
+                  <a:srgbClr val="F6AE1E"/>
+                </a:solidFill>
+              </a:rPr>
+              <a:t>Ctrl + Mouse Scroll</a:t>
             </a:r>
             <a:r>
               <a:rPr lang="en-US" dirty="0" smtClean="0">
                 <a:solidFill>
-                  <a:schemeClr val="bg1"/>
-                </a:solidFill>
-              </a:rPr>
-              <a:t> { }. </a:t>
-            </a:r>
-            <a:r>
-              <a:rPr lang="ru-RU" dirty="0" smtClean="0">
-                <a:solidFill>
-                  <a:schemeClr val="bg1"/>
-                </a:solidFill>
-              </a:rPr>
-              <a:t>Курсор должен стоять на </a:t>
-            </a:r>
-            <a:r>
-              <a:rPr lang="en-US" dirty="0" smtClean="0">
-                <a:solidFill>
-                  <a:schemeClr val="bg1"/>
-                </a:solidFill>
-              </a:rPr>
-              <a:t>{ </a:t>
-            </a:r>
-            <a:r>
-              <a:rPr lang="ru-RU" dirty="0" smtClean="0">
-                <a:solidFill>
-                  <a:schemeClr val="bg1"/>
-                </a:solidFill>
-              </a:rPr>
-              <a:t>или </a:t>
-            </a:r>
-            <a:r>
-              <a:rPr lang="en-US" dirty="0" smtClean="0">
-                <a:solidFill>
-                  <a:schemeClr val="bg1"/>
-                </a:solidFill>
-              </a:rPr>
-              <a:t>}</a:t>
+                  <a:srgbClr val="F6AE1E"/>
+                </a:solidFill>
+              </a:rPr>
+              <a:t>)</a:t>
             </a:r>
             <a:endParaRPr lang="ru-RU" dirty="0" smtClean="0">
               <a:solidFill>
-                <a:schemeClr val="bg1"/>
+                <a:srgbClr val="F6AE1E"/>
               </a:solidFill>
             </a:endParaRPr>
           </a:p>
           <a:p>
-            <a:pPr marL="0" indent="0">
+            <a:pPr>
               <a:buClr>
                 <a:schemeClr val="bg1"/>
               </a:buClr>
-              <a:buNone/>
             </a:pPr>
-            <a:endParaRPr lang="en-US" dirty="0">
+            <a:r>
+              <a:rPr lang="en-US" dirty="0">
+                <a:solidFill>
+                  <a:srgbClr val="92D050"/>
+                </a:solidFill>
+              </a:rPr>
+              <a:t>[10]</a:t>
+            </a:r>
+            <a:r>
+              <a:rPr lang="en-US" dirty="0" smtClean="0"/>
+              <a:t> </a:t>
+            </a:r>
+            <a:r>
+              <a:rPr lang="ru-RU" dirty="0" smtClean="0"/>
+              <a:t>Многострочное редактирование</a:t>
+            </a:r>
+            <a:r>
+              <a:rPr lang="en-US" dirty="0" smtClean="0"/>
+              <a:t> </a:t>
+            </a:r>
+            <a:r>
+              <a:rPr lang="en-US" dirty="0" smtClean="0">
+                <a:solidFill>
+                  <a:srgbClr val="F6AE1E"/>
+                </a:solidFill>
+              </a:rPr>
+              <a:t>(</a:t>
+            </a:r>
+            <a:r>
+              <a:rPr lang="en-US" dirty="0" err="1">
+                <a:solidFill>
+                  <a:srgbClr val="F6AE1E"/>
+                </a:solidFill>
+              </a:rPr>
+              <a:t>Alt+Shift</a:t>
+            </a:r>
+            <a:r>
+              <a:rPr lang="en-US" dirty="0">
+                <a:solidFill>
+                  <a:srgbClr val="F6AE1E"/>
+                </a:solidFill>
+              </a:rPr>
+              <a:t> + Up/Down</a:t>
+            </a:r>
+            <a:r>
+              <a:rPr lang="en-US" dirty="0"/>
+              <a:t> </a:t>
+            </a:r>
+            <a:r>
+              <a:rPr lang="ru-RU" dirty="0" smtClean="0"/>
+              <a:t>или</a:t>
+            </a:r>
+            <a:r>
+              <a:rPr lang="en-US" dirty="0" smtClean="0"/>
+              <a:t> </a:t>
+            </a:r>
+            <a:r>
+              <a:rPr lang="en-US" dirty="0">
+                <a:solidFill>
+                  <a:srgbClr val="F6AE1E"/>
+                </a:solidFill>
+              </a:rPr>
+              <a:t>Alt + Mouse Up/Down</a:t>
+            </a:r>
+            <a:r>
+              <a:rPr lang="en-US" dirty="0" smtClean="0">
+                <a:solidFill>
+                  <a:srgbClr val="F6AE1E"/>
+                </a:solidFill>
+              </a:rPr>
+              <a:t>)</a:t>
+            </a:r>
+            <a:endParaRPr lang="ru-RU" dirty="0" smtClean="0">
               <a:solidFill>
-                <a:schemeClr val="bg1"/>
+                <a:srgbClr val="F6AE1E"/>
               </a:solidFill>
             </a:endParaRPr>
+          </a:p>
+          <a:p>
+            <a:pPr>
+              <a:buClr>
+                <a:schemeClr val="bg1"/>
+              </a:buClr>
+            </a:pPr>
+            <a:r>
+              <a:rPr lang="en-US" dirty="0" smtClean="0">
+                <a:solidFill>
+                  <a:srgbClr val="92D050"/>
+                </a:solidFill>
+              </a:rPr>
+              <a:t>[0</a:t>
+            </a:r>
+            <a:r>
+              <a:rPr lang="ru-RU" dirty="0" smtClean="0">
+                <a:solidFill>
+                  <a:srgbClr val="92D050"/>
+                </a:solidFill>
+              </a:rPr>
+              <a:t>5</a:t>
+            </a:r>
+            <a:r>
+              <a:rPr lang="en-US" dirty="0" smtClean="0">
+                <a:solidFill>
+                  <a:srgbClr val="92D050"/>
+                </a:solidFill>
+              </a:rPr>
+              <a:t>]</a:t>
+            </a:r>
+            <a:r>
+              <a:rPr lang="en-US" dirty="0" smtClean="0"/>
+              <a:t> </a:t>
+            </a:r>
+            <a:r>
+              <a:rPr lang="ru-RU" dirty="0" smtClean="0"/>
+              <a:t>Вставка текста из ц</a:t>
+            </a:r>
+            <a:r>
+              <a:rPr lang="ru-RU" dirty="0" smtClean="0">
+                <a:solidFill>
+                  <a:schemeClr val="bg1"/>
+                </a:solidFill>
+              </a:rPr>
+              <a:t>иклического буфера обмена </a:t>
+            </a:r>
+            <a:r>
+              <a:rPr lang="en-US" dirty="0">
+                <a:solidFill>
+                  <a:srgbClr val="F6AE1E"/>
+                </a:solidFill>
+              </a:rPr>
+              <a:t>(</a:t>
+            </a:r>
+            <a:r>
+              <a:rPr lang="en-US" dirty="0" err="1">
+                <a:solidFill>
+                  <a:srgbClr val="F6AE1E"/>
+                </a:solidFill>
+              </a:rPr>
+              <a:t>Ctrl+Shift</a:t>
+            </a:r>
+            <a:r>
+              <a:rPr lang="en-US" dirty="0">
+                <a:solidFill>
+                  <a:srgbClr val="F6AE1E"/>
+                </a:solidFill>
+              </a:rPr>
+              <a:t> + V</a:t>
+            </a:r>
+            <a:r>
+              <a:rPr lang="en-US" dirty="0" smtClean="0">
+                <a:solidFill>
+                  <a:srgbClr val="F6AE1E"/>
+                </a:solidFill>
+              </a:rPr>
+              <a:t>)</a:t>
+            </a:r>
+            <a:endParaRPr lang="ru-RU" dirty="0" smtClean="0">
+              <a:solidFill>
+                <a:srgbClr val="F6AE1E"/>
+              </a:solidFill>
+            </a:endParaRPr>
+          </a:p>
+          <a:p>
+            <a:pPr>
+              <a:buClr>
+                <a:schemeClr val="bg1"/>
+              </a:buClr>
+            </a:pPr>
+            <a:r>
+              <a:rPr lang="ru-RU" dirty="0" smtClean="0">
+                <a:solidFill>
+                  <a:schemeClr val="bg1"/>
+                </a:solidFill>
+              </a:rPr>
+              <a:t>Прокрутка текста без изменения положения курсора</a:t>
+            </a:r>
+            <a:r>
+              <a:rPr lang="en-US" dirty="0" smtClean="0">
+                <a:solidFill>
+                  <a:schemeClr val="bg1"/>
+                </a:solidFill>
+              </a:rPr>
+              <a:t> </a:t>
+            </a:r>
+            <a:r>
+              <a:rPr lang="en-US" dirty="0">
+                <a:solidFill>
+                  <a:srgbClr val="F6AE1E"/>
+                </a:solidFill>
+              </a:rPr>
+              <a:t>(Ctrl + Up/Down Arrow)</a:t>
+            </a:r>
           </a:p>
         </p:txBody>
       </p:sp>
     </p:spTree>
     <p:extLst>
       <p:ext uri="{BB962C8B-B14F-4D97-AF65-F5344CB8AC3E}">
-        <p14:creationId xmlns:p14="http://schemas.microsoft.com/office/powerpoint/2010/main" val="4175683496"/>
+        <p14:creationId xmlns:p14="http://schemas.microsoft.com/office/powerpoint/2010/main" val="468185828"/>
       </p:ext>
     </p:extLst>
   </p:cSld>
@@ -6901,7 +6920,11 @@
           <a:p>
             <a:r>
               <a:rPr lang="ru-RU" dirty="0" smtClean="0"/>
-              <a:t>Редактор: комментарии</a:t>
+              <a:t>Редактор</a:t>
+            </a:r>
+            <a:r>
+              <a:rPr lang="en-US" dirty="0" smtClean="0"/>
+              <a:t>: Virtual Space</a:t>
             </a:r>
             <a:endParaRPr lang="ru-RU" dirty="0"/>
           </a:p>
@@ -6919,113 +6942,58 @@
         </p:nvSpPr>
         <p:spPr/>
         <p:txBody>
-          <a:bodyPr>
-            <a:normAutofit/>
-          </a:bodyPr>
+          <a:bodyPr/>
           <a:lstStyle/>
           <a:p>
-            <a:r>
-              <a:rPr lang="en-US" sz="2800" dirty="0" err="1">
-                <a:solidFill>
-                  <a:srgbClr val="F6AE1E"/>
-                </a:solidFill>
-              </a:rPr>
-              <a:t>Ctrl+K</a:t>
-            </a:r>
-            <a:r>
-              <a:rPr lang="en-US" sz="2800" dirty="0">
-                <a:solidFill>
-                  <a:srgbClr val="F6AE1E"/>
-                </a:solidFill>
-              </a:rPr>
+            <a:pPr marL="0" indent="0">
+              <a:buNone/>
+            </a:pPr>
+            <a:r>
+              <a:rPr lang="ru-RU" dirty="0" smtClean="0"/>
+              <a:t>Если </a:t>
+            </a:r>
+            <a:r>
+              <a:rPr lang="ru-RU" dirty="0"/>
+              <a:t>включить </a:t>
+            </a:r>
+            <a:r>
+              <a:rPr lang="ru-RU" dirty="0" smtClean="0"/>
+              <a:t>переключатель «</a:t>
+            </a:r>
+            <a:r>
+              <a:rPr lang="en-US" dirty="0" smtClean="0"/>
+              <a:t>Enable virtual space</a:t>
+            </a:r>
+            <a:r>
+              <a:rPr lang="ru-RU" dirty="0" smtClean="0"/>
+              <a:t>»</a:t>
+            </a:r>
+            <a:r>
+              <a:rPr lang="en-US" dirty="0" smtClean="0"/>
               <a:t>, </a:t>
             </a:r>
             <a:r>
-              <a:rPr lang="en-US" sz="2800" dirty="0" err="1">
-                <a:solidFill>
-                  <a:srgbClr val="F6AE1E"/>
-                </a:solidFill>
-              </a:rPr>
-              <a:t>Ctrl+C</a:t>
-            </a:r>
-            <a:r>
-              <a:rPr lang="en-US" sz="2800" dirty="0">
-                <a:solidFill>
-                  <a:schemeClr val="bg1"/>
-                </a:solidFill>
-              </a:rPr>
-              <a:t> </a:t>
-            </a:r>
-            <a:r>
-              <a:rPr lang="ru-RU" sz="2800" dirty="0">
-                <a:solidFill>
-                  <a:schemeClr val="bg1"/>
-                </a:solidFill>
-              </a:rPr>
-              <a:t>закоментировать выбранные </a:t>
-            </a:r>
-            <a:r>
-              <a:rPr lang="ru-RU" sz="2800" dirty="0" smtClean="0">
-                <a:solidFill>
-                  <a:schemeClr val="bg1"/>
-                </a:solidFill>
-              </a:rPr>
-              <a:t>строки</a:t>
-            </a:r>
-          </a:p>
-          <a:p>
-            <a:r>
-              <a:rPr lang="en-US" sz="2800" dirty="0" err="1">
-                <a:solidFill>
-                  <a:srgbClr val="F6AE1E"/>
-                </a:solidFill>
-              </a:rPr>
-              <a:t>Ctrl+K</a:t>
-            </a:r>
-            <a:r>
-              <a:rPr lang="en-US" sz="2800" dirty="0">
-                <a:solidFill>
-                  <a:srgbClr val="F6AE1E"/>
-                </a:solidFill>
-              </a:rPr>
-              <a:t>, </a:t>
-            </a:r>
-            <a:r>
-              <a:rPr lang="en-US" sz="2800" dirty="0" err="1">
-                <a:solidFill>
-                  <a:srgbClr val="F6AE1E"/>
-                </a:solidFill>
-              </a:rPr>
-              <a:t>Ctrl+U</a:t>
-            </a:r>
-            <a:r>
-              <a:rPr lang="en-US" sz="2800" dirty="0"/>
-              <a:t> </a:t>
-            </a:r>
-            <a:r>
-              <a:rPr lang="ru-RU" sz="2800" dirty="0"/>
-              <a:t>снять коментарий с выбранных строк</a:t>
-            </a:r>
+              <a:rPr lang="ru-RU" dirty="0" smtClean="0"/>
+              <a:t>то курсор можно будет ставить в любой место в документе, а не только туда где введен </a:t>
+            </a:r>
+            <a:r>
+              <a:rPr lang="ru-RU" smtClean="0"/>
+              <a:t>текст. </a:t>
+            </a:r>
+            <a:endParaRPr lang="ru-RU" dirty="0"/>
           </a:p>
         </p:txBody>
       </p:sp>
     </p:spTree>
     <p:extLst>
       <p:ext uri="{BB962C8B-B14F-4D97-AF65-F5344CB8AC3E}">
-        <p14:creationId xmlns:p14="http://schemas.microsoft.com/office/powerpoint/2010/main" val="4274730761"/>
+        <p14:creationId xmlns:p14="http://schemas.microsoft.com/office/powerpoint/2010/main" val="2950142326"/>
       </p:ext>
     </p:extLst>
   </p:cSld>
   <p:clrMapOvr>
     <a:masterClrMapping/>
   </p:clrMapOvr>
-  <p:timing>
-    <p:tnLst>
-      <p:par>
-        <p:cTn id="1" dur="indefinite" restart="never" nodeType="tmRoot"/>
-      </p:par>
-    </p:tnLst>
-  </p:timing>
 </p:sld>
 </file>
 
@@ -7058,6 +7026,758 @@
         </p:nvSpPr>
         <p:spPr/>
         <p:txBody>
+          <a:bodyPr>
+            <a:normAutofit fontScale="90000"/>
+          </a:bodyPr>
+          <a:lstStyle/>
+          <a:p>
+            <a:r>
+              <a:rPr lang="ru-RU" dirty="0" smtClean="0"/>
+              <a:t>Редактор</a:t>
+            </a:r>
+            <a:r>
+              <a:rPr lang="en-US" dirty="0" smtClean="0"/>
+              <a:t>: </a:t>
+            </a:r>
+            <a:r>
+              <a:rPr lang="en-US" dirty="0" smtClean="0"/>
+              <a:t>Outlining</a:t>
+            </a:r>
+            <a:br>
+              <a:rPr lang="en-US" dirty="0" smtClean="0"/>
+            </a:br>
+            <a:r>
+              <a:rPr lang="ru-RU" dirty="0" smtClean="0"/>
+              <a:t>Свернуть выделенный блок текста</a:t>
+            </a:r>
+            <a:endParaRPr lang="ru-RU" dirty="0"/>
+          </a:p>
+        </p:txBody>
+      </p:sp>
+      <p:sp>
+        <p:nvSpPr>
+          <p:cNvPr id="3" name="Content Placeholder 2"/>
+          <p:cNvSpPr>
+            <a:spLocks noGrp="1"/>
+          </p:cNvSpPr>
+          <p:nvPr>
+            <p:ph idx="1"/>
+          </p:nvPr>
+        </p:nvSpPr>
+        <p:spPr/>
+        <p:txBody>
+          <a:bodyPr/>
+          <a:lstStyle/>
+          <a:p>
+            <a:pPr marL="0" indent="0">
+              <a:buNone/>
+            </a:pPr>
+            <a:r>
+              <a:rPr lang="ru-RU" dirty="0" smtClean="0"/>
+              <a:t>Выделяем текст, нажимаем </a:t>
+            </a:r>
+            <a:r>
+              <a:rPr lang="en-US" dirty="0" smtClean="0">
+                <a:solidFill>
+                  <a:srgbClr val="FFC000"/>
+                </a:solidFill>
+              </a:rPr>
+              <a:t>Ctrl + M, H</a:t>
+            </a:r>
+            <a:r>
+              <a:rPr lang="ru-RU" dirty="0" smtClean="0"/>
+              <a:t> и выделенный блок текста «свернется».</a:t>
+            </a:r>
+            <a:r>
+              <a:rPr lang="en-US" dirty="0" smtClean="0"/>
+              <a:t> </a:t>
+            </a:r>
+            <a:r>
+              <a:rPr lang="ru-RU" dirty="0" smtClean="0"/>
+              <a:t>Та же команда доступна в меню </a:t>
+            </a:r>
+            <a:r>
+              <a:rPr lang="en-US" dirty="0" smtClean="0"/>
+              <a:t>Edit -&gt;</a:t>
+            </a:r>
+            <a:r>
+              <a:rPr lang="ru-RU" dirty="0" smtClean="0"/>
+              <a:t> </a:t>
+            </a:r>
+            <a:r>
+              <a:rPr lang="en-US" dirty="0" smtClean="0"/>
+              <a:t>Outlining</a:t>
+            </a:r>
+            <a:r>
+              <a:rPr lang="ru-RU" dirty="0" smtClean="0"/>
+              <a:t> -</a:t>
+            </a:r>
+            <a:r>
+              <a:rPr lang="en-US" dirty="0" smtClean="0"/>
+              <a:t>&gt; Hide Selection.</a:t>
+            </a:r>
+            <a:endParaRPr lang="ru-RU" dirty="0"/>
+          </a:p>
+        </p:txBody>
+      </p:sp>
+    </p:spTree>
+    <p:extLst>
+      <p:ext uri="{BB962C8B-B14F-4D97-AF65-F5344CB8AC3E}">
+        <p14:creationId xmlns:p14="http://schemas.microsoft.com/office/powerpoint/2010/main" val="2080747852"/>
+      </p:ext>
+    </p:extLst>
+  </p:cSld>
+  <p:clrMapOvr>
+    <a:masterClrMapping/>
+  </p:clrMapOvr>
+</p:sld>
+</file>
+
+<file path=ppt/slides/slide14.xml><?xml version="1.0" encoding="utf-8"?>
+<p:sld xmlns:a="http://schemas.openxmlformats.org/drawingml/2006/main" xmlns:r="http://schemas.openxmlformats.org/officeDocument/2006/relationships" xmlns:p="http://schemas.openxmlformats.org/presentationml/2006/main">
+  <p:cSld>
+    <p:spTree>
+      <p:nvGrpSpPr>
+        <p:cNvPr id="1" name=""/>
+        <p:cNvGrpSpPr/>
+        <p:nvPr/>
+      </p:nvGrpSpPr>
+      <p:grpSpPr>
+        <a:xfrm>
+          <a:off x="0" y="0"/>
+          <a:ext cx="0" cy="0"/>
+          <a:chOff x="0" y="0"/>
+          <a:chExt cx="0" cy="0"/>
+        </a:xfrm>
+      </p:grpSpPr>
+      <p:sp>
+        <p:nvSpPr>
+          <p:cNvPr id="2" name="Title 1"/>
+          <p:cNvSpPr>
+            <a:spLocks noGrp="1"/>
+          </p:cNvSpPr>
+          <p:nvPr>
+            <p:ph type="title"/>
+          </p:nvPr>
+        </p:nvSpPr>
+        <p:spPr/>
+        <p:txBody>
+          <a:bodyPr/>
+          <a:lstStyle/>
+          <a:p>
+            <a:r>
+              <a:rPr lang="ru-RU" dirty="0" smtClean="0"/>
+              <a:t>Редактор</a:t>
+            </a:r>
+            <a:r>
+              <a:rPr lang="en-US" dirty="0" smtClean="0"/>
+              <a:t>: </a:t>
+            </a:r>
+            <a:r>
+              <a:rPr lang="ru-RU" dirty="0" smtClean="0"/>
+              <a:t>Поиск текста</a:t>
+            </a:r>
+            <a:endParaRPr lang="en-US" dirty="0"/>
+          </a:p>
+        </p:txBody>
+      </p:sp>
+      <p:sp>
+        <p:nvSpPr>
+          <p:cNvPr id="3" name="Content Placeholder 2"/>
+          <p:cNvSpPr>
+            <a:spLocks noGrp="1"/>
+          </p:cNvSpPr>
+          <p:nvPr>
+            <p:ph idx="1"/>
+          </p:nvPr>
+        </p:nvSpPr>
+        <p:spPr/>
+        <p:txBody>
+          <a:bodyPr>
+            <a:normAutofit fontScale="85000" lnSpcReduction="10000"/>
+          </a:bodyPr>
+          <a:lstStyle/>
+          <a:p>
+            <a:pPr>
+              <a:buClr>
+                <a:schemeClr val="bg1"/>
+              </a:buClr>
+            </a:pPr>
+            <a:r>
+              <a:rPr lang="en-US" dirty="0" err="1" smtClean="0">
+                <a:solidFill>
+                  <a:srgbClr val="F6AE1E"/>
+                </a:solidFill>
+              </a:rPr>
+              <a:t>Ctrl+I</a:t>
+            </a:r>
+            <a:r>
+              <a:rPr lang="ru-RU" dirty="0" smtClean="0">
+                <a:solidFill>
+                  <a:schemeClr val="bg1"/>
+                </a:solidFill>
+              </a:rPr>
+              <a:t> поиск</a:t>
+            </a:r>
+          </a:p>
+          <a:p>
+            <a:pPr>
+              <a:buClr>
+                <a:schemeClr val="bg1"/>
+              </a:buClr>
+            </a:pPr>
+            <a:r>
+              <a:rPr lang="en-US" dirty="0">
+                <a:solidFill>
+                  <a:srgbClr val="F6AE1E"/>
+                </a:solidFill>
+              </a:rPr>
+              <a:t>F3/Shift+F3</a:t>
+            </a:r>
+            <a:r>
+              <a:rPr lang="en-US" dirty="0" smtClean="0">
+                <a:solidFill>
+                  <a:schemeClr val="bg1"/>
+                </a:solidFill>
+              </a:rPr>
+              <a:t> </a:t>
+            </a:r>
+            <a:r>
+              <a:rPr lang="ru-RU" dirty="0" smtClean="0">
+                <a:solidFill>
+                  <a:schemeClr val="bg1"/>
+                </a:solidFill>
+              </a:rPr>
+              <a:t>найти следующее/предыдущее вхождение строки</a:t>
+            </a:r>
+          </a:p>
+          <a:p>
+            <a:pPr>
+              <a:buClr>
+                <a:schemeClr val="bg1"/>
+              </a:buClr>
+            </a:pPr>
+            <a:r>
+              <a:rPr lang="en-US" dirty="0">
+                <a:solidFill>
+                  <a:srgbClr val="F6AE1E"/>
+                </a:solidFill>
+              </a:rPr>
+              <a:t>Ctrl+F3</a:t>
+            </a:r>
+            <a:r>
+              <a:rPr lang="en-US" dirty="0" smtClean="0">
+                <a:solidFill>
+                  <a:schemeClr val="bg1"/>
+                </a:solidFill>
+              </a:rPr>
+              <a:t> </a:t>
+            </a:r>
+            <a:r>
+              <a:rPr lang="ru-RU" dirty="0" smtClean="0">
+                <a:solidFill>
+                  <a:schemeClr val="bg1"/>
+                </a:solidFill>
+              </a:rPr>
+              <a:t>найти следующее вхождение выделенного текста</a:t>
+            </a:r>
+          </a:p>
+          <a:p>
+            <a:pPr>
+              <a:buClr>
+                <a:schemeClr val="bg1"/>
+              </a:buClr>
+            </a:pPr>
+            <a:r>
+              <a:rPr lang="en-US" dirty="0" err="1">
+                <a:solidFill>
+                  <a:srgbClr val="F6AE1E"/>
+                </a:solidFill>
+              </a:rPr>
+              <a:t>Ctrl+Shift+F</a:t>
+            </a:r>
+            <a:r>
+              <a:rPr lang="en-US" dirty="0" smtClean="0">
+                <a:solidFill>
+                  <a:schemeClr val="bg1"/>
+                </a:solidFill>
+              </a:rPr>
+              <a:t> </a:t>
+            </a:r>
+            <a:r>
+              <a:rPr lang="ru-RU" dirty="0" smtClean="0">
+                <a:solidFill>
+                  <a:schemeClr val="bg1"/>
+                </a:solidFill>
+              </a:rPr>
+              <a:t>найти в </a:t>
+            </a:r>
+            <a:r>
+              <a:rPr lang="en-US" dirty="0" smtClean="0">
+                <a:solidFill>
+                  <a:schemeClr val="bg1"/>
+                </a:solidFill>
+              </a:rPr>
+              <a:t>solution</a:t>
+            </a:r>
+          </a:p>
+          <a:p>
+            <a:pPr marL="0" indent="0">
+              <a:buClr>
+                <a:schemeClr val="bg1"/>
+              </a:buClr>
+              <a:buNone/>
+            </a:pPr>
+            <a:endParaRPr lang="ru-RU" dirty="0" smtClean="0">
+              <a:solidFill>
+                <a:schemeClr val="bg1"/>
+              </a:solidFill>
+            </a:endParaRPr>
+          </a:p>
+          <a:p>
+            <a:pPr>
+              <a:buClr>
+                <a:schemeClr val="bg1"/>
+              </a:buClr>
+            </a:pPr>
+            <a:endParaRPr lang="ru-RU" dirty="0">
+              <a:solidFill>
+                <a:schemeClr val="bg1"/>
+              </a:solidFill>
+            </a:endParaRPr>
+          </a:p>
+          <a:p>
+            <a:pPr marL="0" indent="0">
+              <a:buClr>
+                <a:schemeClr val="bg1"/>
+              </a:buClr>
+              <a:buNone/>
+            </a:pPr>
+            <a:r>
+              <a:rPr lang="en-US" dirty="0">
+                <a:solidFill>
+                  <a:schemeClr val="bg1"/>
+                </a:solidFill>
+                <a:hlinkClick r:id="rId2"/>
+              </a:rPr>
+              <a:t>http://</a:t>
+            </a:r>
+            <a:r>
+              <a:rPr lang="en-US" dirty="0" smtClean="0">
+                <a:solidFill>
+                  <a:schemeClr val="bg1"/>
+                </a:solidFill>
+                <a:hlinkClick r:id="rId2"/>
+              </a:rPr>
+              <a:t>weblogs.asp.net/scottgu/archive/2010/08/24/search-and-navigation-tips-tricks-with-visual-studio.aspx</a:t>
+            </a:r>
+            <a:endParaRPr lang="ru-RU" dirty="0" smtClean="0">
+              <a:solidFill>
+                <a:schemeClr val="bg1"/>
+              </a:solidFill>
+            </a:endParaRPr>
+          </a:p>
+          <a:p>
+            <a:pPr marL="0" indent="0">
+              <a:buClr>
+                <a:schemeClr val="bg1"/>
+              </a:buClr>
+              <a:buNone/>
+            </a:pPr>
+            <a:endParaRPr lang="en-US" dirty="0">
+              <a:solidFill>
+                <a:schemeClr val="bg1"/>
+              </a:solidFill>
+            </a:endParaRPr>
+          </a:p>
+        </p:txBody>
+      </p:sp>
+    </p:spTree>
+    <p:extLst>
+      <p:ext uri="{BB962C8B-B14F-4D97-AF65-F5344CB8AC3E}">
+        <p14:creationId xmlns:p14="http://schemas.microsoft.com/office/powerpoint/2010/main" val="1967395690"/>
+      </p:ext>
+    </p:extLst>
+  </p:cSld>
+  <p:clrMapOvr>
+    <a:masterClrMapping/>
+  </p:clrMapOvr>
+  <p:timing>
+    <p:tnLst>
+      <p:par>
+        <p:cTn id="1" dur="indefinite" restart="never" nodeType="tmRoot"/>
+      </p:par>
+    </p:tnLst>
+  </p:timing>
+</p:sld>
+</file>
+
+<file path=ppt/slides/slide15.xml><?xml version="1.0" encoding="utf-8"?>
+<p:sld xmlns:a="http://schemas.openxmlformats.org/drawingml/2006/main" xmlns:r="http://schemas.openxmlformats.org/officeDocument/2006/relationships" xmlns:p="http://schemas.openxmlformats.org/presentationml/2006/main">
+  <p:cSld>
+    <p:spTree>
+      <p:nvGrpSpPr>
+        <p:cNvPr id="1" name=""/>
+        <p:cNvGrpSpPr/>
+        <p:nvPr/>
+      </p:nvGrpSpPr>
+      <p:grpSpPr>
+        <a:xfrm>
+          <a:off x="0" y="0"/>
+          <a:ext cx="0" cy="0"/>
+          <a:chOff x="0" y="0"/>
+          <a:chExt cx="0" cy="0"/>
+        </a:xfrm>
+      </p:grpSpPr>
+      <p:sp>
+        <p:nvSpPr>
+          <p:cNvPr id="2" name="Title 1"/>
+          <p:cNvSpPr>
+            <a:spLocks noGrp="1"/>
+          </p:cNvSpPr>
+          <p:nvPr>
+            <p:ph type="title"/>
+          </p:nvPr>
+        </p:nvSpPr>
+        <p:spPr/>
+        <p:txBody>
+          <a:bodyPr/>
+          <a:lstStyle/>
+          <a:p>
+            <a:r>
+              <a:rPr lang="ru-RU" dirty="0" smtClean="0"/>
+              <a:t>Редактор</a:t>
+            </a:r>
+            <a:r>
+              <a:rPr lang="en-US" dirty="0" smtClean="0"/>
+              <a:t>: </a:t>
+            </a:r>
+            <a:r>
+              <a:rPr lang="ru-RU" dirty="0" smtClean="0"/>
+              <a:t>Выделение текста</a:t>
+            </a:r>
+            <a:endParaRPr lang="en-US" dirty="0"/>
+          </a:p>
+        </p:txBody>
+      </p:sp>
+      <p:sp>
+        <p:nvSpPr>
+          <p:cNvPr id="3" name="Content Placeholder 2"/>
+          <p:cNvSpPr>
+            <a:spLocks noGrp="1"/>
+          </p:cNvSpPr>
+          <p:nvPr>
+            <p:ph idx="1"/>
+          </p:nvPr>
+        </p:nvSpPr>
+        <p:spPr/>
+        <p:txBody>
+          <a:bodyPr>
+            <a:normAutofit/>
+          </a:bodyPr>
+          <a:lstStyle/>
+          <a:p>
+            <a:pPr>
+              <a:buClr>
+                <a:schemeClr val="bg1"/>
+              </a:buClr>
+            </a:pPr>
+            <a:r>
+              <a:rPr lang="en-US" dirty="0" err="1" smtClean="0">
+                <a:solidFill>
+                  <a:srgbClr val="F6AE1E"/>
+                </a:solidFill>
+              </a:rPr>
+              <a:t>Ctrl+Shift</a:t>
+            </a:r>
+            <a:r>
+              <a:rPr lang="en-US" dirty="0" smtClean="0">
+                <a:solidFill>
+                  <a:srgbClr val="F6AE1E"/>
+                </a:solidFill>
+              </a:rPr>
+              <a:t>+]</a:t>
+            </a:r>
+            <a:r>
+              <a:rPr lang="ru-RU" dirty="0" smtClean="0">
+                <a:solidFill>
+                  <a:schemeClr val="bg1"/>
+                </a:solidFill>
+              </a:rPr>
+              <a:t> выделение блока внутри</a:t>
+            </a:r>
+            <a:r>
+              <a:rPr lang="en-US" dirty="0" smtClean="0">
+                <a:solidFill>
+                  <a:schemeClr val="bg1"/>
+                </a:solidFill>
+              </a:rPr>
+              <a:t> { }. </a:t>
+            </a:r>
+            <a:r>
+              <a:rPr lang="ru-RU" dirty="0" smtClean="0">
+                <a:solidFill>
+                  <a:schemeClr val="bg1"/>
+                </a:solidFill>
+              </a:rPr>
+              <a:t>Курсор должен стоять на </a:t>
+            </a:r>
+            <a:r>
+              <a:rPr lang="en-US" dirty="0" smtClean="0">
+                <a:solidFill>
+                  <a:schemeClr val="bg1"/>
+                </a:solidFill>
+              </a:rPr>
+              <a:t>{ </a:t>
+            </a:r>
+            <a:r>
+              <a:rPr lang="ru-RU" dirty="0" smtClean="0">
+                <a:solidFill>
+                  <a:schemeClr val="bg1"/>
+                </a:solidFill>
+              </a:rPr>
+              <a:t>или </a:t>
+            </a:r>
+            <a:r>
+              <a:rPr lang="en-US" dirty="0" smtClean="0">
+                <a:solidFill>
+                  <a:schemeClr val="bg1"/>
+                </a:solidFill>
+              </a:rPr>
+              <a:t>}</a:t>
+            </a:r>
+            <a:endParaRPr lang="ru-RU" dirty="0" smtClean="0">
+              <a:solidFill>
+                <a:schemeClr val="bg1"/>
+              </a:solidFill>
+            </a:endParaRPr>
+          </a:p>
+          <a:p>
+            <a:pPr marL="0" indent="0">
+              <a:buClr>
+                <a:schemeClr val="bg1"/>
+              </a:buClr>
+              <a:buNone/>
+            </a:pPr>
+            <a:endParaRPr lang="en-US" dirty="0">
+              <a:solidFill>
+                <a:schemeClr val="bg1"/>
+              </a:solidFill>
+            </a:endParaRPr>
+          </a:p>
+        </p:txBody>
+      </p:sp>
+    </p:spTree>
+    <p:extLst>
+      <p:ext uri="{BB962C8B-B14F-4D97-AF65-F5344CB8AC3E}">
+        <p14:creationId xmlns:p14="http://schemas.microsoft.com/office/powerpoint/2010/main" val="4175683496"/>
+      </p:ext>
+    </p:extLst>
+  </p:cSld>
+  <p:clrMapOvr>
+    <a:masterClrMapping/>
+  </p:clrMapOvr>
+  <p:timing>
+    <p:tnLst>
+      <p:par>
+        <p:cTn id="1" dur="indefinite" restart="never" nodeType="tmRoot"/>
+      </p:par>
+    </p:tnLst>
+  </p:timing>
+</p:sld>
+</file>
+
+<file path=ppt/slides/slide16.xml><?xml version="1.0" encoding="utf-8"?>
+<p:sld xmlns:a="http://schemas.openxmlformats.org/drawingml/2006/main" xmlns:r="http://schemas.openxmlformats.org/officeDocument/2006/relationships" xmlns:p="http://schemas.openxmlformats.org/presentationml/2006/main">
+  <p:cSld>
+    <p:spTree>
+      <p:nvGrpSpPr>
+        <p:cNvPr id="1" name=""/>
+        <p:cNvGrpSpPr/>
+        <p:nvPr/>
+      </p:nvGrpSpPr>
+      <p:grpSpPr>
+        <a:xfrm>
+          <a:off x="0" y="0"/>
+          <a:ext cx="0" cy="0"/>
+          <a:chOff x="0" y="0"/>
+          <a:chExt cx="0" cy="0"/>
+        </a:xfrm>
+      </p:grpSpPr>
+      <p:sp>
+        <p:nvSpPr>
+          <p:cNvPr id="2" name="Title 1"/>
+          <p:cNvSpPr>
+            <a:spLocks noGrp="1"/>
+          </p:cNvSpPr>
+          <p:nvPr>
+            <p:ph type="title"/>
+          </p:nvPr>
+        </p:nvSpPr>
+        <p:spPr/>
+        <p:txBody>
+          <a:bodyPr/>
+          <a:lstStyle/>
+          <a:p>
+            <a:r>
+              <a:rPr lang="ru-RU" dirty="0" smtClean="0"/>
+              <a:t>Редактор: комментарии</a:t>
+            </a:r>
+            <a:endParaRPr lang="ru-RU" dirty="0"/>
+          </a:p>
+        </p:txBody>
+      </p:sp>
+      <p:sp>
+        <p:nvSpPr>
+          <p:cNvPr id="3" name="Content Placeholder 2"/>
+          <p:cNvSpPr>
+            <a:spLocks noGrp="1"/>
+          </p:cNvSpPr>
+          <p:nvPr>
+            <p:ph idx="1"/>
+          </p:nvPr>
+        </p:nvSpPr>
+        <p:spPr/>
+        <p:txBody>
+          <a:bodyPr>
+            <a:normAutofit/>
+          </a:bodyPr>
+          <a:lstStyle/>
+          <a:p>
+            <a:r>
+              <a:rPr lang="en-US" sz="2800" dirty="0" err="1">
+                <a:solidFill>
+                  <a:srgbClr val="F6AE1E"/>
+                </a:solidFill>
+              </a:rPr>
+              <a:t>Ctrl+K</a:t>
+            </a:r>
+            <a:r>
+              <a:rPr lang="en-US" sz="2800" dirty="0">
+                <a:solidFill>
+                  <a:srgbClr val="F6AE1E"/>
+                </a:solidFill>
+              </a:rPr>
+              <a:t>, </a:t>
+            </a:r>
+            <a:r>
+              <a:rPr lang="en-US" sz="2800" dirty="0" err="1">
+                <a:solidFill>
+                  <a:srgbClr val="F6AE1E"/>
+                </a:solidFill>
+              </a:rPr>
+              <a:t>Ctrl+C</a:t>
+            </a:r>
+            <a:r>
+              <a:rPr lang="en-US" sz="2800" dirty="0">
+                <a:solidFill>
+                  <a:schemeClr val="bg1"/>
+                </a:solidFill>
+              </a:rPr>
+              <a:t> </a:t>
+            </a:r>
+            <a:r>
+              <a:rPr lang="ru-RU" sz="2800" dirty="0">
+                <a:solidFill>
+                  <a:schemeClr val="bg1"/>
+                </a:solidFill>
+              </a:rPr>
+              <a:t>закоментировать выбранные </a:t>
+            </a:r>
+            <a:r>
+              <a:rPr lang="ru-RU" sz="2800" dirty="0" smtClean="0">
+                <a:solidFill>
+                  <a:schemeClr val="bg1"/>
+                </a:solidFill>
+              </a:rPr>
+              <a:t>строки</a:t>
+            </a:r>
+          </a:p>
+          <a:p>
+            <a:r>
+              <a:rPr lang="en-US" sz="2800" dirty="0" err="1">
+                <a:solidFill>
+                  <a:srgbClr val="F6AE1E"/>
+                </a:solidFill>
+              </a:rPr>
+              <a:t>Ctrl+K</a:t>
+            </a:r>
+            <a:r>
+              <a:rPr lang="en-US" sz="2800" dirty="0">
+                <a:solidFill>
+                  <a:srgbClr val="F6AE1E"/>
+                </a:solidFill>
+              </a:rPr>
+              <a:t>, </a:t>
+            </a:r>
+            <a:r>
+              <a:rPr lang="en-US" sz="2800" dirty="0" err="1">
+                <a:solidFill>
+                  <a:srgbClr val="F6AE1E"/>
+                </a:solidFill>
+              </a:rPr>
+              <a:t>Ctrl+U</a:t>
+            </a:r>
+            <a:r>
+              <a:rPr lang="en-US" sz="2800" dirty="0"/>
+              <a:t> </a:t>
+            </a:r>
+            <a:r>
+              <a:rPr lang="ru-RU" sz="2800" dirty="0"/>
+              <a:t>снять коментарий с выбранных строк</a:t>
+            </a:r>
+          </a:p>
+        </p:txBody>
+      </p:sp>
+    </p:spTree>
+    <p:extLst>
+      <p:ext uri="{BB962C8B-B14F-4D97-AF65-F5344CB8AC3E}">
+        <p14:creationId xmlns:p14="http://schemas.microsoft.com/office/powerpoint/2010/main" val="4274730761"/>
+      </p:ext>
+    </p:extLst>
+  </p:cSld>
+  <p:clrMapOvr>
+    <a:masterClrMapping/>
+  </p:clrMapOvr>
+  <p:timing>
+    <p:tnLst>
+      <p:par>
+        <p:cTn id="1" dur="indefinite" restart="never" nodeType="tmRoot"/>
+      </p:par>
+    </p:tnLst>
+  </p:timing>
+</p:sld>
+</file>
+
+<file path=ppt/slides/slide17.xml><?xml version="1.0" encoding="utf-8"?>
+<p:sld xmlns:a="http://schemas.openxmlformats.org/drawingml/2006/main" xmlns:r="http://schemas.openxmlformats.org/officeDocument/2006/relationships" xmlns:p="http://schemas.openxmlformats.org/presentationml/2006/main">
+  <p:cSld>
+    <p:spTree>
+      <p:nvGrpSpPr>
+        <p:cNvPr id="1" name=""/>
+        <p:cNvGrpSpPr/>
+        <p:nvPr/>
+      </p:nvGrpSpPr>
+      <p:grpSpPr>
+        <a:xfrm>
+          <a:off x="0" y="0"/>
+          <a:ext cx="0" cy="0"/>
+          <a:chOff x="0" y="0"/>
+          <a:chExt cx="0" cy="0"/>
+        </a:xfrm>
+      </p:grpSpPr>
+      <p:sp>
+        <p:nvSpPr>
+          <p:cNvPr id="2" name="Title 1"/>
+          <p:cNvSpPr>
+            <a:spLocks noGrp="1"/>
+          </p:cNvSpPr>
+          <p:nvPr>
+            <p:ph type="title"/>
+          </p:nvPr>
+        </p:nvSpPr>
+        <p:spPr/>
+        <p:txBody>
           <a:bodyPr/>
           <a:lstStyle/>
           <a:p>
@@ -7235,7 +7955,7 @@
 </p:sld>
 </file>
 
-<file path=ppt/slides/slide14.xml><?xml version="1.0" encoding="utf-8"?>
+<file path=ppt/slides/slide18.xml><?xml version="1.0" encoding="utf-8"?>
 <p:sld xmlns:a="http://schemas.openxmlformats.org/drawingml/2006/main" xmlns:r="http://schemas.openxmlformats.org/officeDocument/2006/relationships" xmlns:p="http://schemas.openxmlformats.org/presentationml/2006/main">
   <p:cSld>
     <p:bg>
@@ -7643,7 +8363,7 @@
 </p:sld>
 </file>
 
-<file path=ppt/slides/slide15.xml><?xml version="1.0" encoding="utf-8"?>
+<file path=ppt/slides/slide19.xml><?xml version="1.0" encoding="utf-8"?>
 <p:sld xmlns:a="http://schemas.openxmlformats.org/drawingml/2006/main" xmlns:r="http://schemas.openxmlformats.org/officeDocument/2006/relationships" xmlns:p="http://schemas.openxmlformats.org/presentationml/2006/main">
   <p:cSld>
     <p:spTree>
@@ -7754,7 +8474,98 @@
 </p:sld>
 </file>
 
-<file path=ppt/slides/slide16.xml><?xml version="1.0" encoding="utf-8"?>
+<file path=ppt/slides/slide2.xml><?xml version="1.0" encoding="utf-8"?>
+<p:sld xmlns:a="http://schemas.openxmlformats.org/drawingml/2006/main" xmlns:r="http://schemas.openxmlformats.org/officeDocument/2006/relationships" xmlns:p="http://schemas.openxmlformats.org/presentationml/2006/main" show="0">
+  <p:cSld>
+    <p:spTree>
+      <p:nvGrpSpPr>
+        <p:cNvPr id="1" name=""/>
+        <p:cNvGrpSpPr/>
+        <p:nvPr/>
+      </p:nvGrpSpPr>
+      <p:grpSpPr>
+        <a:xfrm>
+          <a:off x="0" y="0"/>
+          <a:ext cx="0" cy="0"/>
+          <a:chOff x="0" y="0"/>
+          <a:chExt cx="0" cy="0"/>
+        </a:xfrm>
+      </p:grpSpPr>
+      <p:sp>
+        <p:nvSpPr>
+          <p:cNvPr id="2" name="Title 1"/>
+          <p:cNvSpPr>
+            <a:spLocks noGrp="1"/>
+          </p:cNvSpPr>
+          <p:nvPr>
+            <p:ph type="title"/>
+          </p:nvPr>
+        </p:nvSpPr>
+        <p:spPr/>
+        <p:txBody>
+          <a:bodyPr/>
+          <a:lstStyle/>
+          <a:p>
+            <a:r>
+              <a:rPr lang="ru-RU" dirty="0" smtClean="0"/>
+              <a:t>Литература</a:t>
+            </a:r>
+            <a:endParaRPr lang="en-US" dirty="0"/>
+          </a:p>
+        </p:txBody>
+      </p:sp>
+      <p:sp>
+        <p:nvSpPr>
+          <p:cNvPr id="3" name="Content Placeholder 2"/>
+          <p:cNvSpPr>
+            <a:spLocks noGrp="1"/>
+          </p:cNvSpPr>
+          <p:nvPr>
+            <p:ph idx="1"/>
+          </p:nvPr>
+        </p:nvSpPr>
+        <p:spPr/>
+        <p:txBody>
+          <a:bodyPr/>
+          <a:lstStyle/>
+          <a:p>
+            <a:r>
+              <a:rPr lang="en-US" dirty="0" smtClean="0"/>
+              <a:t>TODO!</a:t>
+            </a:r>
+            <a:endParaRPr lang="en-US" dirty="0"/>
+          </a:p>
+        </p:txBody>
+      </p:sp>
+    </p:spTree>
+    <p:extLst>
+      <p:ext uri="{BB962C8B-B14F-4D97-AF65-F5344CB8AC3E}">
+        <p14:creationId xmlns:p14="http://schemas.microsoft.com/office/powerpoint/2010/main" val="1333002201"/>
+      </p:ext>
+    </p:extLst>
+  </p:cSld>
+  <p:clrMapOvr>
+    <a:masterClrMapping/>
+  </p:clrMapOvr>
+  <mc:AlternateContent xmlns:mc="http://schemas.openxmlformats.org/markup-compatibility/2006" xmlns:p14="http://schemas.microsoft.com/office/powerpoint/2010/main">
+    <mc:Choice Requires="p14">
+      <p:transition spd="slow" p14:dur="2000"/>
+    </mc:Choice>
+    <mc:Fallback xmlns="">
+      <p:transition spd="slow"/>
+    </mc:Fallback>
+  </mc:AlternateContent>
+  <p:timing>
+    <p:tnLst>
+      <p:par>
+        <p:cTn id="1" dur="indefinite" restart="never" nodeType="tmRoot"/>
+      </p:par>
+    </p:tnLst>
+  </p:timing>
+</p:sld>
+</file>
+
+<file path=ppt/slides/slide20.xml><?xml version="1.0" encoding="utf-8"?>
 <p:sld xmlns:a="http://schemas.openxmlformats.org/drawingml/2006/main" xmlns:r="http://schemas.openxmlformats.org/officeDocument/2006/relationships" xmlns:p="http://schemas.openxmlformats.org/presentationml/2006/main">
   <p:cSld>
     <p:bg>
@@ -7981,7 +8792,7 @@
 </p:sld>
 </file>
 
-<file path=ppt/slides/slide17.xml><?xml version="1.0" encoding="utf-8"?>
+<file path=ppt/slides/slide21.xml><?xml version="1.0" encoding="utf-8"?>
 <p:sld xmlns:a="http://schemas.openxmlformats.org/drawingml/2006/main" xmlns:r="http://schemas.openxmlformats.org/officeDocument/2006/relationships" xmlns:p="http://schemas.openxmlformats.org/presentationml/2006/main">
   <p:cSld>
     <p:spTree>
@@ -8239,7 +9050,7 @@
 </p:sld>
 </file>
 
-<file path=ppt/slides/slide18.xml><?xml version="1.0" encoding="utf-8"?>
+<file path=ppt/slides/slide22.xml><?xml version="1.0" encoding="utf-8"?>
 <p:sld xmlns:a="http://schemas.openxmlformats.org/drawingml/2006/main" xmlns:r="http://schemas.openxmlformats.org/officeDocument/2006/relationships" xmlns:p="http://schemas.openxmlformats.org/presentationml/2006/main">
   <p:cSld>
     <p:spTree>
@@ -9496,7 +10307,7 @@
 </p:sld>
 </file>
 
-<file path=ppt/slides/slide19.xml><?xml version="1.0" encoding="utf-8"?>
+<file path=ppt/slides/slide23.xml><?xml version="1.0" encoding="utf-8"?>
 <p:sld xmlns:a="http://schemas.openxmlformats.org/drawingml/2006/main" xmlns:r="http://schemas.openxmlformats.org/officeDocument/2006/relationships" xmlns:p="http://schemas.openxmlformats.org/presentationml/2006/main">
   <p:cSld>
     <p:bg>
@@ -9693,98 +10504,7 @@
 </p:sld>
 </file>
 
-<file path=ppt/slides/slide2.xml><?xml version="1.0" encoding="utf-8"?>
-<p:sld xmlns:a="http://schemas.openxmlformats.org/drawingml/2006/main" xmlns:r="http://schemas.openxmlformats.org/officeDocument/2006/relationships" xmlns:p="http://schemas.openxmlformats.org/presentationml/2006/main" show="0">
-  <p:cSld>
-    <p:spTree>
-      <p:nvGrpSpPr>
-        <p:cNvPr id="1" name=""/>
-        <p:cNvGrpSpPr/>
-        <p:nvPr/>
-      </p:nvGrpSpPr>
-      <p:grpSpPr>
-        <a:xfrm>
-          <a:off x="0" y="0"/>
-          <a:ext cx="0" cy="0"/>
-          <a:chOff x="0" y="0"/>
-          <a:chExt cx="0" cy="0"/>
-        </a:xfrm>
-      </p:grpSpPr>
-      <p:sp>
-        <p:nvSpPr>
-          <p:cNvPr id="2" name="Title 1"/>
-          <p:cNvSpPr>
-            <a:spLocks noGrp="1"/>
-          </p:cNvSpPr>
-          <p:nvPr>
-            <p:ph type="title"/>
-          </p:nvPr>
-        </p:nvSpPr>
-        <p:spPr/>
-        <p:txBody>
-          <a:bodyPr/>
-          <a:lstStyle/>
-          <a:p>
-            <a:r>
-              <a:rPr lang="ru-RU" dirty="0" smtClean="0"/>
-              <a:t>Литература</a:t>
-            </a:r>
-            <a:endParaRPr lang="en-US" dirty="0"/>
-          </a:p>
-        </p:txBody>
-      </p:sp>
-      <p:sp>
-        <p:nvSpPr>
-          <p:cNvPr id="3" name="Content Placeholder 2"/>
-          <p:cNvSpPr>
-            <a:spLocks noGrp="1"/>
-          </p:cNvSpPr>
-          <p:nvPr>
-            <p:ph idx="1"/>
-          </p:nvPr>
-        </p:nvSpPr>
-        <p:spPr/>
-        <p:txBody>
-          <a:bodyPr/>
-          <a:lstStyle/>
-          <a:p>
-            <a:r>
-              <a:rPr lang="en-US" dirty="0" smtClean="0"/>
-              <a:t>TODO!</a:t>
-            </a:r>
-            <a:endParaRPr lang="en-US" dirty="0"/>
-          </a:p>
-        </p:txBody>
-      </p:sp>
-    </p:spTree>
-    <p:extLst>
-      <p:ext uri="{BB962C8B-B14F-4D97-AF65-F5344CB8AC3E}">
-        <p14:creationId xmlns:p14="http://schemas.microsoft.com/office/powerpoint/2010/main" val="1333002201"/>
-      </p:ext>
-    </p:extLst>
-  </p:cSld>
-  <p:clrMapOvr>
-    <a:masterClrMapping/>
-  </p:clrMapOvr>
-  <mc:AlternateContent xmlns:mc="http://schemas.openxmlformats.org/markup-compatibility/2006" xmlns:p14="http://schemas.microsoft.com/office/powerpoint/2010/main">
-    <mc:Choice Requires="p14">
-      <p:transition spd="slow" p14:dur="2000"/>
-    </mc:Choice>
-    <mc:Fallback xmlns="">
-      <p:transition spd="slow"/>
-    </mc:Fallback>
-  </mc:AlternateContent>
-  <p:timing>
-    <p:tnLst>
-      <p:par>
-        <p:cTn id="1" dur="indefinite" restart="never" nodeType="tmRoot"/>
-      </p:par>
-    </p:tnLst>
-  </p:timing>
-</p:sld>
-</file>
-
-<file path=ppt/slides/slide20.xml><?xml version="1.0" encoding="utf-8"?>
+<file path=ppt/slides/slide24.xml><?xml version="1.0" encoding="utf-8"?>
 <p:sld xmlns:a="http://schemas.openxmlformats.org/drawingml/2006/main" xmlns:r="http://schemas.openxmlformats.org/officeDocument/2006/relationships" xmlns:p="http://schemas.openxmlformats.org/presentationml/2006/main">
   <p:cSld>
     <p:bg>
@@ -9992,7 +10712,7 @@
 </p:sld>
 </file>
 
-<file path=ppt/slides/slide21.xml><?xml version="1.0" encoding="utf-8"?>
+<file path=ppt/slides/slide25.xml><?xml version="1.0" encoding="utf-8"?>
 <p:sld xmlns:a="http://schemas.openxmlformats.org/drawingml/2006/main" xmlns:r="http://schemas.openxmlformats.org/officeDocument/2006/relationships" xmlns:p="http://schemas.openxmlformats.org/presentationml/2006/main">
   <p:cSld>
     <p:spTree>
@@ -10064,7 +10784,7 @@
 </p:sld>
 </file>
 
-<file path=ppt/slides/slide22.xml><?xml version="1.0" encoding="utf-8"?>
+<file path=ppt/slides/slide26.xml><?xml version="1.0" encoding="utf-8"?>
 <p:sld xmlns:a="http://schemas.openxmlformats.org/drawingml/2006/main" xmlns:r="http://schemas.openxmlformats.org/officeDocument/2006/relationships" xmlns:p="http://schemas.openxmlformats.org/presentationml/2006/main">
   <p:cSld>
     <p:spTree>
@@ -10338,7 +11058,7 @@
 </p:sld>
 </file>
 
-<file path=ppt/slides/slide23.xml><?xml version="1.0" encoding="utf-8"?>
+<file path=ppt/slides/slide27.xml><?xml version="1.0" encoding="utf-8"?>
 <p:sld xmlns:a="http://schemas.openxmlformats.org/drawingml/2006/main" xmlns:r="http://schemas.openxmlformats.org/officeDocument/2006/relationships" xmlns:p="http://schemas.openxmlformats.org/presentationml/2006/main">
   <p:cSld>
     <p:spTree>
@@ -11132,11 +11852,7 @@
             </a:pPr>
             <a:r>
               <a:rPr lang="ru-RU" dirty="0" smtClean="0"/>
-              <a:t>Также не забывайте, </a:t>
-            </a:r>
-            <a:r>
-              <a:rPr lang="ru-RU" dirty="0" smtClean="0"/>
-              <a:t>что </a:t>
+              <a:t>Также не забывайте, что </a:t>
             </a:r>
             <a:r>
               <a:rPr lang="en-US" dirty="0" smtClean="0"/>
@@ -11663,328 +12379,39 @@
               <a:rPr lang="ru-RU" dirty="0" smtClean="0"/>
               <a:t>Редактор</a:t>
             </a:r>
-            <a:endParaRPr lang="en-US" dirty="0"/>
+            <a:endParaRPr lang="ru-RU" dirty="0"/>
           </a:p>
         </p:txBody>
       </p:sp>
       <p:sp>
         <p:nvSpPr>
-          <p:cNvPr id="3" name="Content Placeholder 2"/>
+          <p:cNvPr id="3" name="Text Placeholder 2"/>
           <p:cNvSpPr>
             <a:spLocks noGrp="1"/>
           </p:cNvSpPr>
           <p:nvPr>
-            <p:ph idx="1"/>
+            <p:ph type="body" idx="1"/>
           </p:nvPr>
         </p:nvSpPr>
         <p:spPr/>
         <p:txBody>
-          <a:bodyPr>
-            <a:normAutofit lnSpcReduction="10000"/>
-          </a:bodyPr>
+          <a:bodyPr/>
           <a:lstStyle/>
           <a:p>
-            <a:pPr>
-              <a:buClr>
-                <a:schemeClr val="bg1"/>
-              </a:buClr>
-            </a:pPr>
-            <a:r>
-              <a:rPr lang="en-US" dirty="0" smtClean="0">
-                <a:solidFill>
-                  <a:srgbClr val="92D050"/>
-                </a:solidFill>
-              </a:rPr>
-              <a:t>[10]</a:t>
-            </a:r>
-            <a:r>
-              <a:rPr lang="en-US" dirty="0" smtClean="0"/>
-              <a:t> </a:t>
-            </a:r>
-            <a:r>
-              <a:rPr lang="ru-RU" dirty="0" smtClean="0"/>
-              <a:t>Изменение размера шрифта </a:t>
-            </a:r>
-            <a:r>
-              <a:rPr lang="en-US" dirty="0">
-                <a:solidFill>
-                  <a:srgbClr val="F6AE1E"/>
-                </a:solidFill>
-              </a:rPr>
-              <a:t>(</a:t>
-            </a:r>
-            <a:r>
-              <a:rPr lang="en-US" dirty="0" err="1">
-                <a:solidFill>
-                  <a:srgbClr val="F6AE1E"/>
-                </a:solidFill>
-              </a:rPr>
-              <a:t>Ctrl+Shift</a:t>
-            </a:r>
-            <a:r>
-              <a:rPr lang="en-US" dirty="0">
-                <a:solidFill>
-                  <a:srgbClr val="F6AE1E"/>
-                </a:solidFill>
-              </a:rPr>
-              <a:t> + &lt;/&gt; </a:t>
-            </a:r>
-            <a:r>
-              <a:rPr lang="ru-RU" dirty="0" smtClean="0">
-                <a:solidFill>
-                  <a:schemeClr val="bg1"/>
-                </a:solidFill>
-              </a:rPr>
-              <a:t>или</a:t>
-            </a:r>
-            <a:r>
-              <a:rPr lang="en-US" dirty="0" smtClean="0">
-                <a:solidFill>
-                  <a:srgbClr val="F6AE1E"/>
-                </a:solidFill>
-              </a:rPr>
-              <a:t> </a:t>
-            </a:r>
-            <a:r>
-              <a:rPr lang="en-US" dirty="0">
-                <a:solidFill>
-                  <a:srgbClr val="F6AE1E"/>
-                </a:solidFill>
-              </a:rPr>
-              <a:t>Ctrl + Mouse Scroll</a:t>
-            </a:r>
-            <a:r>
-              <a:rPr lang="en-US" dirty="0" smtClean="0">
-                <a:solidFill>
-                  <a:srgbClr val="F6AE1E"/>
-                </a:solidFill>
-              </a:rPr>
-              <a:t>)</a:t>
-            </a:r>
-            <a:endParaRPr lang="ru-RU" dirty="0" smtClean="0">
-              <a:solidFill>
-                <a:srgbClr val="F6AE1E"/>
-              </a:solidFill>
-            </a:endParaRPr>
-          </a:p>
-          <a:p>
-            <a:pPr>
-              <a:buClr>
-                <a:schemeClr val="bg1"/>
-              </a:buClr>
-            </a:pPr>
-            <a:r>
-              <a:rPr lang="en-US" dirty="0">
-                <a:solidFill>
-                  <a:srgbClr val="92D050"/>
-                </a:solidFill>
-              </a:rPr>
-              <a:t>[10]</a:t>
-            </a:r>
-            <a:r>
-              <a:rPr lang="en-US" dirty="0" smtClean="0"/>
-              <a:t> </a:t>
-            </a:r>
-            <a:r>
-              <a:rPr lang="ru-RU" dirty="0" smtClean="0"/>
-              <a:t>Многострочное редактирование</a:t>
-            </a:r>
-            <a:r>
-              <a:rPr lang="en-US" dirty="0" smtClean="0"/>
-              <a:t> </a:t>
-            </a:r>
-            <a:r>
-              <a:rPr lang="en-US" dirty="0" smtClean="0">
-                <a:solidFill>
-                  <a:srgbClr val="F6AE1E"/>
-                </a:solidFill>
-              </a:rPr>
-              <a:t>(</a:t>
-            </a:r>
-            <a:r>
-              <a:rPr lang="en-US" dirty="0" err="1">
-                <a:solidFill>
-                  <a:srgbClr val="F6AE1E"/>
-                </a:solidFill>
-              </a:rPr>
-              <a:t>Alt+Shift</a:t>
-            </a:r>
-            <a:r>
-              <a:rPr lang="en-US" dirty="0">
-                <a:solidFill>
-                  <a:srgbClr val="F6AE1E"/>
-                </a:solidFill>
-              </a:rPr>
-              <a:t> + Up/Down</a:t>
-            </a:r>
-            <a:r>
-              <a:rPr lang="en-US" dirty="0"/>
-              <a:t> </a:t>
-            </a:r>
-            <a:r>
-              <a:rPr lang="ru-RU" dirty="0" smtClean="0"/>
-              <a:t>или</a:t>
-            </a:r>
-            <a:r>
-              <a:rPr lang="en-US" dirty="0" smtClean="0"/>
-              <a:t> </a:t>
-            </a:r>
-            <a:r>
-              <a:rPr lang="en-US" dirty="0">
-                <a:solidFill>
-                  <a:srgbClr val="F6AE1E"/>
-                </a:solidFill>
-              </a:rPr>
-              <a:t>Alt + Mouse Up/Down</a:t>
-            </a:r>
-            <a:r>
-              <a:rPr lang="en-US" dirty="0" smtClean="0">
-                <a:solidFill>
-                  <a:srgbClr val="F6AE1E"/>
-                </a:solidFill>
-              </a:rPr>
-              <a:t>)</a:t>
-            </a:r>
-            <a:endParaRPr lang="ru-RU" dirty="0" smtClean="0">
-              <a:solidFill>
-                <a:srgbClr val="F6AE1E"/>
-              </a:solidFill>
-            </a:endParaRPr>
-          </a:p>
-          <a:p>
-            <a:pPr>
-              <a:buClr>
-                <a:schemeClr val="bg1"/>
-              </a:buClr>
-            </a:pPr>
-            <a:r>
-              <a:rPr lang="en-US" dirty="0" smtClean="0">
-                <a:solidFill>
-                  <a:srgbClr val="92D050"/>
-                </a:solidFill>
-              </a:rPr>
-              <a:t>[0</a:t>
-            </a:r>
-            <a:r>
-              <a:rPr lang="ru-RU" dirty="0" smtClean="0">
-                <a:solidFill>
-                  <a:srgbClr val="92D050"/>
-                </a:solidFill>
-              </a:rPr>
-              <a:t>5</a:t>
-            </a:r>
-            <a:r>
-              <a:rPr lang="en-US" dirty="0" smtClean="0">
-                <a:solidFill>
-                  <a:srgbClr val="92D050"/>
-                </a:solidFill>
-              </a:rPr>
-              <a:t>]</a:t>
-            </a:r>
-            <a:r>
-              <a:rPr lang="en-US" dirty="0" smtClean="0"/>
-              <a:t> </a:t>
-            </a:r>
-            <a:r>
-              <a:rPr lang="ru-RU" dirty="0" smtClean="0"/>
-              <a:t>Вставка текста из ц</a:t>
-            </a:r>
-            <a:r>
-              <a:rPr lang="ru-RU" dirty="0" smtClean="0">
-                <a:solidFill>
-                  <a:schemeClr val="bg1"/>
-                </a:solidFill>
-              </a:rPr>
-              <a:t>иклического буфера обмена </a:t>
-            </a:r>
-            <a:r>
-              <a:rPr lang="en-US" dirty="0">
-                <a:solidFill>
-                  <a:srgbClr val="F6AE1E"/>
-                </a:solidFill>
-              </a:rPr>
-              <a:t>(</a:t>
-            </a:r>
-            <a:r>
-              <a:rPr lang="en-US" dirty="0" err="1">
-                <a:solidFill>
-                  <a:srgbClr val="F6AE1E"/>
-                </a:solidFill>
-              </a:rPr>
-              <a:t>Ctrl+Shift</a:t>
-            </a:r>
-            <a:r>
-              <a:rPr lang="en-US" dirty="0">
-                <a:solidFill>
-                  <a:srgbClr val="F6AE1E"/>
-                </a:solidFill>
-              </a:rPr>
-              <a:t> + V</a:t>
-            </a:r>
-            <a:r>
-              <a:rPr lang="en-US" dirty="0" smtClean="0">
-                <a:solidFill>
-                  <a:srgbClr val="F6AE1E"/>
-                </a:solidFill>
-              </a:rPr>
-              <a:t>)</a:t>
-            </a:r>
-            <a:endParaRPr lang="ru-RU" dirty="0" smtClean="0">
-              <a:solidFill>
-                <a:srgbClr val="F6AE1E"/>
-              </a:solidFill>
-            </a:endParaRPr>
-          </a:p>
-          <a:p>
-            <a:pPr>
-              <a:buClr>
-                <a:schemeClr val="bg1"/>
-              </a:buClr>
-            </a:pPr>
-            <a:r>
-              <a:rPr lang="ru-RU" smtClean="0">
-                <a:solidFill>
-                  <a:schemeClr val="bg1"/>
-                </a:solidFill>
-              </a:rPr>
-              <a:t>Прокрутка текста без изменения положения курсора</a:t>
-            </a:r>
-            <a:r>
-              <a:rPr lang="en-US" dirty="0" smtClean="0">
-                <a:solidFill>
-                  <a:schemeClr val="bg1"/>
-                </a:solidFill>
-              </a:rPr>
-              <a:t> </a:t>
-            </a:r>
-            <a:r>
-              <a:rPr lang="en-US" dirty="0">
-                <a:solidFill>
-                  <a:srgbClr val="F6AE1E"/>
-                </a:solidFill>
-              </a:rPr>
-              <a:t>(Ctrl + Up/Down Arrow)</a:t>
-            </a:r>
+            <a:endParaRPr lang="ru-RU" dirty="0"/>
           </a:p>
         </p:txBody>
       </p:sp>
     </p:spTree>
     <p:extLst>
       <p:ext uri="{BB962C8B-B14F-4D97-AF65-F5344CB8AC3E}">
-        <p14:creationId xmlns:p14="http://schemas.microsoft.com/office/powerpoint/2010/main" val="468185828"/>
+        <p14:creationId xmlns:p14="http://schemas.microsoft.com/office/powerpoint/2010/main" val="3519851483"/>
       </p:ext>
     </p:extLst>
   </p:cSld>
   <p:clrMapOvr>
     <a:masterClrMapping/>
   </p:clrMapOvr>
-  <p:timing>
-    <p:tnLst>
-      <p:par>
-        <p:cTn id="1" dur="indefinite" restart="never" nodeType="tmRoot"/>
-      </p:par>
-    </p:tnLst>
-  </p:timing>
 </p:sld>
 </file>
 

--- a/Presentation/tools-visual-studio.pptx
+++ b/Presentation/tools-visual-studio.pptx
@@ -6,7 +6,7 @@
     <p:sldMasterId id="2147483663" r:id="rId2"/>
   </p:sldMasterIdLst>
   <p:notesMasterIdLst>
-    <p:notesMasterId r:id="rId30"/>
+    <p:notesMasterId r:id="rId38"/>
   </p:notesMasterIdLst>
   <p:sldIdLst>
     <p:sldId id="257" r:id="rId3"/>
@@ -17,25 +17,33 @@
     <p:sldId id="281" r:id="rId8"/>
     <p:sldId id="272" r:id="rId9"/>
     <p:sldId id="275" r:id="rId10"/>
-    <p:sldId id="284" r:id="rId11"/>
-    <p:sldId id="282" r:id="rId12"/>
-    <p:sldId id="262" r:id="rId13"/>
-    <p:sldId id="283" r:id="rId14"/>
-    <p:sldId id="285" r:id="rId15"/>
-    <p:sldId id="265" r:id="rId16"/>
-    <p:sldId id="280" r:id="rId17"/>
-    <p:sldId id="277" r:id="rId18"/>
-    <p:sldId id="271" r:id="rId19"/>
-    <p:sldId id="266" r:id="rId20"/>
-    <p:sldId id="279" r:id="rId21"/>
-    <p:sldId id="269" r:id="rId22"/>
-    <p:sldId id="273" r:id="rId23"/>
-    <p:sldId id="274" r:id="rId24"/>
-    <p:sldId id="267" r:id="rId25"/>
-    <p:sldId id="268" r:id="rId26"/>
-    <p:sldId id="260" r:id="rId27"/>
-    <p:sldId id="261" r:id="rId28"/>
-    <p:sldId id="276" r:id="rId29"/>
+    <p:sldId id="288" r:id="rId11"/>
+    <p:sldId id="289" r:id="rId12"/>
+    <p:sldId id="291" r:id="rId13"/>
+    <p:sldId id="290" r:id="rId14"/>
+    <p:sldId id="284" r:id="rId15"/>
+    <p:sldId id="282" r:id="rId16"/>
+    <p:sldId id="262" r:id="rId17"/>
+    <p:sldId id="283" r:id="rId18"/>
+    <p:sldId id="285" r:id="rId19"/>
+    <p:sldId id="265" r:id="rId20"/>
+    <p:sldId id="280" r:id="rId21"/>
+    <p:sldId id="277" r:id="rId22"/>
+    <p:sldId id="271" r:id="rId23"/>
+    <p:sldId id="286" r:id="rId24"/>
+    <p:sldId id="266" r:id="rId25"/>
+    <p:sldId id="279" r:id="rId26"/>
+    <p:sldId id="292" r:id="rId27"/>
+    <p:sldId id="269" r:id="rId28"/>
+    <p:sldId id="273" r:id="rId29"/>
+    <p:sldId id="274" r:id="rId30"/>
+    <p:sldId id="267" r:id="rId31"/>
+    <p:sldId id="268" r:id="rId32"/>
+    <p:sldId id="260" r:id="rId33"/>
+    <p:sldId id="293" r:id="rId34"/>
+    <p:sldId id="287" r:id="rId35"/>
+    <p:sldId id="261" r:id="rId36"/>
+    <p:sldId id="276" r:id="rId37"/>
   </p:sldIdLst>
   <p:sldSz cx="9144000" cy="6858000" type="screen4x3"/>
   <p:notesSz cx="6858000" cy="9144000"/>
@@ -235,7 +243,7 @@
           <a:p>
             <a:fld id="{B24A7054-7FFB-49F4-A126-5DF6E687FF53}" type="datetimeFigureOut">
               <a:rPr lang="ru-RU" smtClean="0"/>
-              <a:t>12.09.2014</a:t>
+              <a:t>20.09.2014</a:t>
             </a:fld>
             <a:endParaRPr lang="ru-RU"/>
           </a:p>
@@ -1517,7 +1525,7 @@
           <a:p>
             <a:fld id="{8E6E6A2A-E9D3-4A0D-B04A-ABDD367A1E08}" type="datetimeFigureOut">
               <a:rPr lang="ru-RU" smtClean="0"/>
-              <a:t>12.09.2014</a:t>
+              <a:t>20.09.2014</a:t>
             </a:fld>
             <a:endParaRPr lang="ru-RU"/>
           </a:p>
@@ -4030,7 +4038,7 @@
                 </a:solidFill>
               </a:rPr>
               <a:pPr/>
-              <a:t>12.09.2014</a:t>
+              <a:t>20.09.2014</a:t>
             </a:fld>
             <a:endParaRPr lang="ru-RU">
               <a:solidFill>
@@ -5291,7 +5299,7 @@
           <a:p>
             <a:fld id="{AC3D3127-B7C4-45E3-9797-C527EC9FDD78}" type="datetimeFigureOut">
               <a:rPr lang="ru-RU" smtClean="0"/>
-              <a:t>12.09.2014</a:t>
+              <a:t>20.09.2014</a:t>
             </a:fld>
             <a:endParaRPr lang="ru-RU"/>
           </a:p>
@@ -5827,7 +5835,7 @@
                 </a:solidFill>
               </a:rPr>
               <a:pPr/>
-              <a:t>12.09.2014</a:t>
+              <a:t>20.09.2014</a:t>
             </a:fld>
             <a:endParaRPr lang="ru-RU">
               <a:solidFill>
@@ -6450,8 +6458,16 @@
           <a:lstStyle/>
           <a:p>
             <a:r>
-              <a:rPr lang="ru-RU" dirty="0" smtClean="0"/>
-              <a:t>Редактор: Настройки</a:t>
+              <a:rPr lang="en-US" dirty="0" smtClean="0">
+                <a:solidFill>
+                  <a:srgbClr val="92D050"/>
+                </a:solidFill>
+              </a:rPr>
+              <a:t>[12]</a:t>
+            </a:r>
+            <a:r>
+              <a:rPr lang="en-US" dirty="0" smtClean="0"/>
+              <a:t> Quick Launch</a:t>
             </a:r>
             <a:endParaRPr lang="ru-RU" dirty="0"/>
           </a:p>
@@ -6472,42 +6488,41 @@
           <a:bodyPr/>
           <a:lstStyle/>
           <a:p>
-            <a:pPr marL="0" indent="0">
-              <a:buNone/>
-            </a:pPr>
+            <a:r>
+              <a:rPr lang="en-US" dirty="0" err="1" smtClean="0">
+                <a:solidFill>
+                  <a:srgbClr val="F6AE1E"/>
+                </a:solidFill>
+              </a:rPr>
+              <a:t>Ctrl+Q</a:t>
+            </a:r>
+            <a:r>
+              <a:rPr lang="en-US" dirty="0" smtClean="0"/>
+              <a:t> </a:t>
+            </a:r>
             <a:r>
               <a:rPr lang="ru-RU" dirty="0" smtClean="0"/>
-              <a:t>Редактор </a:t>
+              <a:t>передаст фокус полю </a:t>
+            </a:r>
+            <a:r>
+              <a:rPr lang="en-US" dirty="0"/>
+              <a:t>Quick </a:t>
             </a:r>
             <a:r>
               <a:rPr lang="en-US" dirty="0" smtClean="0"/>
-              <a:t>VS </a:t>
+              <a:t>Launch</a:t>
+            </a:r>
+            <a:endParaRPr lang="ru-RU" dirty="0" smtClean="0"/>
+          </a:p>
+          <a:p>
+            <a:r>
+              <a:rPr lang="en-US" dirty="0" smtClean="0"/>
+              <a:t>@ </a:t>
             </a:r>
             <a:r>
               <a:rPr lang="ru-RU" dirty="0" smtClean="0"/>
-              <a:t>поддерживает множество языков. Настройки можно менять для всех языков сразу или по отдельности в диалоге «</a:t>
-            </a:r>
-            <a:r>
-              <a:rPr lang="en-US" dirty="0" smtClean="0"/>
-              <a:t>Tools -&gt; Options ...</a:t>
-            </a:r>
-            <a:r>
-              <a:rPr lang="ru-RU" dirty="0" smtClean="0"/>
-              <a:t>»</a:t>
-            </a:r>
-            <a:r>
-              <a:rPr lang="en-US" dirty="0" smtClean="0"/>
-              <a:t>.</a:t>
-            </a:r>
-            <a:endParaRPr lang="ru-RU" dirty="0" smtClean="0"/>
-          </a:p>
-          <a:p>
-            <a:pPr marL="0" indent="0">
-              <a:buNone/>
-            </a:pPr>
-            <a:endParaRPr lang="ru-RU" dirty="0" smtClean="0"/>
-          </a:p>
-          <a:p>
+              <a:t>в начале дает возможность фильтрации</a:t>
+            </a:r>
             <a:endParaRPr lang="ru-RU" dirty="0"/>
           </a:p>
         </p:txBody>
@@ -6515,7 +6530,7 @@
     </p:spTree>
     <p:extLst>
       <p:ext uri="{BB962C8B-B14F-4D97-AF65-F5344CB8AC3E}">
-        <p14:creationId xmlns:p14="http://schemas.microsoft.com/office/powerpoint/2010/main" val="2394860654"/>
+        <p14:creationId xmlns:p14="http://schemas.microsoft.com/office/powerpoint/2010/main" val="2737929373"/>
       </p:ext>
     </p:extLst>
   </p:cSld>
@@ -6554,14 +6569,39 @@
         </p:nvSpPr>
         <p:spPr/>
         <p:txBody>
-          <a:bodyPr/>
+          <a:bodyPr>
+            <a:normAutofit fontScale="90000"/>
+          </a:bodyPr>
           <a:lstStyle/>
           <a:p>
             <a:r>
               <a:rPr lang="ru-RU" dirty="0" smtClean="0"/>
-              <a:t>Редактор</a:t>
-            </a:r>
-            <a:endParaRPr lang="en-US" dirty="0"/>
+              <a:t>Окна со списками</a:t>
+            </a:r>
+            <a:r>
+              <a:rPr lang="en-US" dirty="0" smtClean="0"/>
+              <a:t/>
+            </a:r>
+            <a:br>
+              <a:rPr lang="en-US" dirty="0" smtClean="0"/>
+            </a:br>
+            <a:r>
+              <a:rPr lang="ru-RU" dirty="0" smtClean="0"/>
+              <a:t>(</a:t>
+            </a:r>
+            <a:r>
+              <a:rPr lang="en-US" dirty="0" smtClean="0"/>
+              <a:t>find results, find symbol results, </a:t>
+            </a:r>
+            <a:r>
+              <a:rPr lang="en-US" dirty="0" err="1" smtClean="0"/>
+              <a:t>etc</a:t>
+            </a:r>
+            <a:r>
+              <a:rPr lang="en-US" dirty="0" smtClean="0"/>
+              <a:t>)</a:t>
+            </a:r>
+            <a:endParaRPr lang="ru-RU" dirty="0"/>
           </a:p>
         </p:txBody>
       </p:sp>
@@ -6577,23 +6617,16 @@
         </p:nvSpPr>
         <p:spPr/>
         <p:txBody>
-          <a:bodyPr>
-            <a:normAutofit lnSpcReduction="10000"/>
-          </a:bodyPr>
+          <a:bodyPr/>
           <a:lstStyle/>
           <a:p>
-            <a:pPr>
-              <a:buClr>
-                <a:schemeClr val="bg1"/>
-              </a:buClr>
-            </a:pPr>
             <a:r>
               <a:rPr lang="en-US" dirty="0" smtClean="0">
                 <a:solidFill>
-                  <a:srgbClr val="92D050"/>
-                </a:solidFill>
-              </a:rPr>
-              <a:t>[10]</a:t>
+                  <a:srgbClr val="F6AE1E"/>
+                </a:solidFill>
+              </a:rPr>
+              <a:t>F8</a:t>
             </a:r>
             <a:r>
               <a:rPr lang="en-US" dirty="0" smtClean="0"/>
@@ -6601,83 +6634,17 @@
             </a:r>
             <a:r>
               <a:rPr lang="ru-RU" dirty="0" smtClean="0"/>
-              <a:t>Изменение размера шрифта </a:t>
-            </a:r>
-            <a:r>
-              <a:rPr lang="en-US" dirty="0">
+              <a:t>вперед</a:t>
+            </a:r>
+          </a:p>
+          <a:p>
+            <a:r>
+              <a:rPr lang="en-US" dirty="0" smtClean="0">
                 <a:solidFill>
                   <a:srgbClr val="F6AE1E"/>
                 </a:solidFill>
               </a:rPr>
-              <a:t>(</a:t>
-            </a:r>
-            <a:r>
-              <a:rPr lang="en-US" dirty="0" err="1">
-                <a:solidFill>
-                  <a:srgbClr val="F6AE1E"/>
-                </a:solidFill>
-              </a:rPr>
-              <a:t>Ctrl+Shift</a:t>
-            </a:r>
-            <a:r>
-              <a:rPr lang="en-US" dirty="0">
-                <a:solidFill>
-                  <a:srgbClr val="F6AE1E"/>
-                </a:solidFill>
-              </a:rPr>
-              <a:t> + &lt;/&gt; </a:t>
-            </a:r>
-            <a:r>
-              <a:rPr lang="ru-RU" dirty="0" smtClean="0">
-                <a:solidFill>
-                  <a:schemeClr val="bg1"/>
-                </a:solidFill>
-              </a:rPr>
-              <a:t>или</a:t>
-            </a:r>
-            <a:r>
-              <a:rPr lang="en-US" dirty="0" smtClean="0">
-                <a:solidFill>
-                  <a:srgbClr val="F6AE1E"/>
-                </a:solidFill>
-              </a:rPr>
-              <a:t> </a:t>
-            </a:r>
-            <a:r>
-              <a:rPr lang="en-US" dirty="0">
-                <a:solidFill>
-                  <a:srgbClr val="F6AE1E"/>
-                </a:solidFill>
-              </a:rPr>
-              <a:t>Ctrl + Mouse Scroll</a:t>
-            </a:r>
-            <a:r>
-              <a:rPr lang="en-US" dirty="0" smtClean="0">
-                <a:solidFill>
-                  <a:srgbClr val="F6AE1E"/>
-                </a:solidFill>
-              </a:rPr>
-              <a:t>)</a:t>
-            </a:r>
-            <a:endParaRPr lang="ru-RU" dirty="0" smtClean="0">
-              <a:solidFill>
-                <a:srgbClr val="F6AE1E"/>
-              </a:solidFill>
-            </a:endParaRPr>
-          </a:p>
-          <a:p>
-            <a:pPr>
-              <a:buClr>
-                <a:schemeClr val="bg1"/>
-              </a:buClr>
-            </a:pPr>
-            <a:r>
-              <a:rPr lang="en-US" dirty="0">
-                <a:solidFill>
-                  <a:srgbClr val="92D050"/>
-                </a:solidFill>
-              </a:rPr>
-              <a:t>[10]</a:t>
+              <a:t>Shift+F8</a:t>
             </a:r>
             <a:r>
               <a:rPr lang="en-US" dirty="0" smtClean="0"/>
@@ -6685,204 +6652,24 @@
             </a:r>
             <a:r>
               <a:rPr lang="ru-RU" dirty="0" smtClean="0"/>
-              <a:t>Многострочное редактирование</a:t>
-            </a:r>
-            <a:r>
-              <a:rPr lang="en-US" dirty="0" smtClean="0"/>
-              <a:t> </a:t>
-            </a:r>
-            <a:r>
-              <a:rPr lang="en-US" dirty="0" smtClean="0">
-                <a:solidFill>
-                  <a:srgbClr val="F6AE1E"/>
-                </a:solidFill>
-              </a:rPr>
-              <a:t>(</a:t>
-            </a:r>
-            <a:r>
-              <a:rPr lang="en-US" dirty="0" err="1">
-                <a:solidFill>
-                  <a:srgbClr val="F6AE1E"/>
-                </a:solidFill>
-              </a:rPr>
-              <a:t>Alt+Shift</a:t>
-            </a:r>
-            <a:r>
-              <a:rPr lang="en-US" dirty="0">
-                <a:solidFill>
-                  <a:srgbClr val="F6AE1E"/>
-                </a:solidFill>
-              </a:rPr>
-              <a:t> + Up/Down</a:t>
-            </a:r>
-            <a:r>
-              <a:rPr lang="en-US" dirty="0"/>
-              <a:t> </a:t>
-            </a:r>
-            <a:r>
-              <a:rPr lang="ru-RU" dirty="0" smtClean="0"/>
-              <a:t>или</a:t>
-            </a:r>
-            <a:r>
-              <a:rPr lang="en-US" dirty="0" smtClean="0"/>
-              <a:t> </a:t>
-            </a:r>
-            <a:r>
-              <a:rPr lang="en-US" dirty="0">
-                <a:solidFill>
-                  <a:srgbClr val="F6AE1E"/>
-                </a:solidFill>
-              </a:rPr>
-              <a:t>Alt + Mouse Up/Down</a:t>
-            </a:r>
-            <a:r>
-              <a:rPr lang="en-US" dirty="0" smtClean="0">
-                <a:solidFill>
-                  <a:srgbClr val="F6AE1E"/>
-                </a:solidFill>
-              </a:rPr>
-              <a:t>)</a:t>
-            </a:r>
-            <a:endParaRPr lang="ru-RU" dirty="0" smtClean="0">
-              <a:solidFill>
-                <a:srgbClr val="F6AE1E"/>
-              </a:solidFill>
-            </a:endParaRPr>
-          </a:p>
-          <a:p>
-            <a:pPr>
-              <a:buClr>
-                <a:schemeClr val="bg1"/>
-              </a:buClr>
-            </a:pPr>
-            <a:r>
-              <a:rPr lang="en-US" dirty="0" smtClean="0">
-                <a:solidFill>
-                  <a:srgbClr val="92D050"/>
-                </a:solidFill>
-              </a:rPr>
-              <a:t>[0</a:t>
-            </a:r>
-            <a:r>
-              <a:rPr lang="ru-RU" dirty="0" smtClean="0">
-                <a:solidFill>
-                  <a:srgbClr val="92D050"/>
-                </a:solidFill>
-              </a:rPr>
-              <a:t>5</a:t>
-            </a:r>
-            <a:r>
-              <a:rPr lang="en-US" dirty="0" smtClean="0">
-                <a:solidFill>
-                  <a:srgbClr val="92D050"/>
-                </a:solidFill>
-              </a:rPr>
-              <a:t>]</a:t>
-            </a:r>
-            <a:r>
-              <a:rPr lang="en-US" dirty="0" smtClean="0"/>
-              <a:t> </a:t>
-            </a:r>
-            <a:r>
-              <a:rPr lang="ru-RU" dirty="0" smtClean="0"/>
-              <a:t>Вставка текста из ц</a:t>
-            </a:r>
-            <a:r>
-              <a:rPr lang="ru-RU" dirty="0" smtClean="0">
-                <a:solidFill>
-                  <a:schemeClr val="bg1"/>
-                </a:solidFill>
-              </a:rPr>
-              <a:t>иклического буфера обмена </a:t>
-            </a:r>
-            <a:r>
-              <a:rPr lang="en-US" dirty="0">
-                <a:solidFill>
-                  <a:srgbClr val="F6AE1E"/>
-                </a:solidFill>
-              </a:rPr>
-              <a:t>(</a:t>
-            </a:r>
-            <a:r>
-              <a:rPr lang="en-US" dirty="0" err="1">
-                <a:solidFill>
-                  <a:srgbClr val="F6AE1E"/>
-                </a:solidFill>
-              </a:rPr>
-              <a:t>Ctrl+Shift</a:t>
-            </a:r>
-            <a:r>
-              <a:rPr lang="en-US" dirty="0">
-                <a:solidFill>
-                  <a:srgbClr val="F6AE1E"/>
-                </a:solidFill>
-              </a:rPr>
-              <a:t> + V</a:t>
-            </a:r>
-            <a:r>
-              <a:rPr lang="en-US" dirty="0" smtClean="0">
-                <a:solidFill>
-                  <a:srgbClr val="F6AE1E"/>
-                </a:solidFill>
-              </a:rPr>
-              <a:t>)</a:t>
-            </a:r>
-            <a:endParaRPr lang="ru-RU" dirty="0" smtClean="0">
-              <a:solidFill>
-                <a:srgbClr val="F6AE1E"/>
-              </a:solidFill>
-            </a:endParaRPr>
-          </a:p>
-          <a:p>
-            <a:pPr>
-              <a:buClr>
-                <a:schemeClr val="bg1"/>
-              </a:buClr>
-            </a:pPr>
-            <a:r>
-              <a:rPr lang="ru-RU" dirty="0" smtClean="0">
-                <a:solidFill>
-                  <a:schemeClr val="bg1"/>
-                </a:solidFill>
-              </a:rPr>
-              <a:t>Прокрутка текста без изменения положения курсора</a:t>
-            </a:r>
-            <a:r>
-              <a:rPr lang="en-US" dirty="0" smtClean="0">
-                <a:solidFill>
-                  <a:schemeClr val="bg1"/>
-                </a:solidFill>
-              </a:rPr>
-              <a:t> </a:t>
-            </a:r>
-            <a:r>
-              <a:rPr lang="en-US" dirty="0">
-                <a:solidFill>
-                  <a:srgbClr val="F6AE1E"/>
-                </a:solidFill>
-              </a:rPr>
-              <a:t>(Ctrl + Up/Down Arrow)</a:t>
-            </a:r>
+              <a:t>назад</a:t>
+            </a:r>
+          </a:p>
+          <a:p>
+            <a:endParaRPr lang="ru-RU" dirty="0"/>
           </a:p>
         </p:txBody>
       </p:sp>
     </p:spTree>
     <p:extLst>
       <p:ext uri="{BB962C8B-B14F-4D97-AF65-F5344CB8AC3E}">
-        <p14:creationId xmlns:p14="http://schemas.microsoft.com/office/powerpoint/2010/main" val="468185828"/>
+        <p14:creationId xmlns:p14="http://schemas.microsoft.com/office/powerpoint/2010/main" val="489127722"/>
       </p:ext>
     </p:extLst>
   </p:cSld>
   <p:clrMapOvr>
     <a:masterClrMapping/>
   </p:clrMapOvr>
-  <p:timing>
-    <p:tnLst>
-      <p:par>
-        <p:cTn id="1" dur="indefinite" restart="never" nodeType="tmRoot"/>
-      </p:par>
-    </p:tnLst>
-  </p:timing>
 </p:sld>
 </file>
 
@@ -6920,11 +6707,7 @@
           <a:p>
             <a:r>
               <a:rPr lang="ru-RU" dirty="0" smtClean="0"/>
-              <a:t>Редактор</a:t>
-            </a:r>
-            <a:r>
-              <a:rPr lang="en-US" dirty="0" smtClean="0"/>
-              <a:t>: Virtual Space</a:t>
+              <a:t>«Плавающие» окна</a:t>
             </a:r>
             <a:endParaRPr lang="ru-RU" dirty="0"/>
           </a:p>
@@ -6945,40 +6728,39 @@
           <a:bodyPr/>
           <a:lstStyle/>
           <a:p>
-            <a:pPr marL="0" indent="0">
-              <a:buNone/>
-            </a:pPr>
+            <a:r>
+              <a:rPr lang="en-US" dirty="0" err="1" smtClean="0">
+                <a:solidFill>
+                  <a:srgbClr val="F6AE1E"/>
+                </a:solidFill>
+              </a:rPr>
+              <a:t>Ctrl+click</a:t>
+            </a:r>
+            <a:r>
+              <a:rPr lang="en-US" dirty="0" smtClean="0"/>
+              <a:t> </a:t>
+            </a:r>
             <a:r>
               <a:rPr lang="ru-RU" dirty="0" smtClean="0"/>
-              <a:t>Если </a:t>
-            </a:r>
-            <a:r>
-              <a:rPr lang="ru-RU" dirty="0"/>
-              <a:t>включить </a:t>
-            </a:r>
+              <a:t>возвращает окно на место если вы его случайно вытащили не туда</a:t>
+            </a:r>
+          </a:p>
+          <a:p>
             <a:r>
               <a:rPr lang="ru-RU" dirty="0" smtClean="0"/>
-              <a:t>переключатель «</a:t>
-            </a:r>
-            <a:r>
-              <a:rPr lang="en-US" dirty="0" smtClean="0"/>
-              <a:t>Enable virtual space</a:t>
+              <a:t>Удерживайте </a:t>
+            </a:r>
+            <a:r>
+              <a:rPr lang="en-US" dirty="0" smtClean="0">
+                <a:solidFill>
+                  <a:srgbClr val="F6AE1E"/>
+                </a:solidFill>
+              </a:rPr>
+              <a:t>Ctrl</a:t>
             </a:r>
             <a:r>
               <a:rPr lang="ru-RU" dirty="0" smtClean="0"/>
-              <a:t>»</a:t>
-            </a:r>
-            <a:r>
-              <a:rPr lang="en-US" dirty="0" smtClean="0"/>
-              <a:t>, </a:t>
-            </a:r>
-            <a:r>
-              <a:rPr lang="ru-RU" dirty="0" smtClean="0"/>
-              <a:t>то курсор можно будет ставить в любой место в документе, а не только туда где введен </a:t>
-            </a:r>
-            <a:r>
-              <a:rPr lang="ru-RU" smtClean="0"/>
-              <a:t>текст. </a:t>
+              <a:t> во время перетаскивания окна чтобы убрать направляющие</a:t>
             </a:r>
             <a:endParaRPr lang="ru-RU" dirty="0"/>
           </a:p>
@@ -6987,7 +6769,7 @@
     </p:spTree>
     <p:extLst>
       <p:ext uri="{BB962C8B-B14F-4D97-AF65-F5344CB8AC3E}">
-        <p14:creationId xmlns:p14="http://schemas.microsoft.com/office/powerpoint/2010/main" val="2950142326"/>
+        <p14:creationId xmlns:p14="http://schemas.microsoft.com/office/powerpoint/2010/main" val="911313706"/>
       </p:ext>
     </p:extLst>
   </p:cSld>
@@ -7026,42 +6808,25 @@
         </p:nvSpPr>
         <p:spPr/>
         <p:txBody>
-          <a:bodyPr>
-            <a:normAutofit fontScale="90000"/>
-          </a:bodyPr>
+          <a:bodyPr/>
           <a:lstStyle/>
           <a:p>
             <a:r>
               <a:rPr lang="ru-RU" dirty="0" smtClean="0"/>
               <a:t>Редактор</a:t>
             </a:r>
-            <a:r>
-              <a:rPr lang="en-US" dirty="0" smtClean="0"/>
-              <a:t>: </a:t>
-            </a:r>
-            <a:r>
-              <a:rPr lang="en-US" dirty="0" smtClean="0"/>
-              <a:t>Outlining</a:t>
-            </a:r>
-            <a:br>
-              <a:rPr lang="en-US" dirty="0" smtClean="0"/>
-            </a:br>
-            <a:r>
-              <a:rPr lang="ru-RU" dirty="0" smtClean="0"/>
-              <a:t>Свернуть выделенный блок текста</a:t>
-            </a:r>
             <a:endParaRPr lang="ru-RU" dirty="0"/>
           </a:p>
         </p:txBody>
       </p:sp>
       <p:sp>
         <p:nvSpPr>
-          <p:cNvPr id="3" name="Content Placeholder 2"/>
+          <p:cNvPr id="3" name="Text Placeholder 2"/>
           <p:cNvSpPr>
             <a:spLocks noGrp="1"/>
           </p:cNvSpPr>
           <p:nvPr>
-            <p:ph idx="1"/>
+            <p:ph type="body" idx="1"/>
           </p:nvPr>
         </p:nvSpPr>
         <p:spPr/>
@@ -7069,53 +6834,6 @@
           <a:bodyPr/>
           <a:lstStyle/>
           <a:p>
-            <a:pPr marL="0" indent="0">
-              <a:buNone/>
-            </a:pPr>
-            <a:r>
-              <a:rPr lang="ru-RU" dirty="0" smtClean="0"/>
-              <a:t>Выделяем текст, нажимаем </a:t>
-            </a:r>
-            <a:r>
-              <a:rPr lang="en-US" dirty="0" smtClean="0">
-                <a:solidFill>
-                  <a:srgbClr val="FFC000"/>
-                </a:solidFill>
-              </a:rPr>
-              <a:t>Ctrl + M, H</a:t>
-            </a:r>
-            <a:r>
-              <a:rPr lang="ru-RU" dirty="0" smtClean="0"/>
-              <a:t> и выделенный блок текста «свернется».</a:t>
-            </a:r>
-            <a:r>
-              <a:rPr lang="en-US" dirty="0" smtClean="0"/>
-              <a:t> </a:t>
-            </a:r>
-            <a:r>
-              <a:rPr lang="ru-RU" dirty="0" smtClean="0"/>
-              <a:t>Та же команда доступна в меню </a:t>
-            </a:r>
-            <a:r>
-              <a:rPr lang="en-US" dirty="0" smtClean="0"/>
-              <a:t>Edit -&gt;</a:t>
-            </a:r>
-            <a:r>
-              <a:rPr lang="ru-RU" dirty="0" smtClean="0"/>
-              <a:t> </a:t>
-            </a:r>
-            <a:r>
-              <a:rPr lang="en-US" dirty="0" smtClean="0"/>
-              <a:t>Outlining</a:t>
-            </a:r>
-            <a:r>
-              <a:rPr lang="ru-RU" dirty="0" smtClean="0"/>
-              <a:t> -</a:t>
-            </a:r>
-            <a:r>
-              <a:rPr lang="en-US" dirty="0" smtClean="0"/>
-              <a:t>&gt; Hide Selection.</a:t>
-            </a:r>
             <a:endParaRPr lang="ru-RU" dirty="0"/>
           </a:p>
         </p:txBody>
@@ -7123,7 +6841,7 @@
     </p:spTree>
     <p:extLst>
       <p:ext uri="{BB962C8B-B14F-4D97-AF65-F5344CB8AC3E}">
-        <p14:creationId xmlns:p14="http://schemas.microsoft.com/office/powerpoint/2010/main" val="2080747852"/>
+        <p14:creationId xmlns:p14="http://schemas.microsoft.com/office/powerpoint/2010/main" val="3519851483"/>
       </p:ext>
     </p:extLst>
   </p:cSld>
@@ -7167,17 +6885,9 @@
           <a:p>
             <a:r>
               <a:rPr lang="ru-RU" dirty="0" smtClean="0"/>
-              <a:t>Редактор</a:t>
-            </a:r>
-            <a:r>
-              <a:rPr lang="en-US" dirty="0" smtClean="0"/>
-              <a:t>: </a:t>
-            </a:r>
-            <a:r>
-              <a:rPr lang="ru-RU" dirty="0" smtClean="0"/>
-              <a:t>Поиск текста</a:t>
-            </a:r>
-            <a:endParaRPr lang="en-US" dirty="0"/>
+              <a:t>Редактор: Настройки</a:t>
+            </a:r>
+            <a:endParaRPr lang="ru-RU" dirty="0"/>
           </a:p>
         </p:txBody>
       </p:sp>
@@ -7193,222 +6903,59 @@
         </p:nvSpPr>
         <p:spPr/>
         <p:txBody>
-          <a:bodyPr>
-            <a:normAutofit fontScale="85000" lnSpcReduction="10000"/>
-          </a:bodyPr>
+          <a:bodyPr/>
           <a:lstStyle/>
           <a:p>
-            <a:pPr>
-              <a:buClr>
-                <a:schemeClr val="bg1"/>
-              </a:buClr>
+            <a:pPr marL="0" indent="0">
+              <a:buNone/>
             </a:pPr>
             <a:r>
-              <a:rPr lang="en-US" dirty="0" err="1" smtClean="0">
-                <a:solidFill>
-                  <a:srgbClr val="F6AE1E"/>
-                </a:solidFill>
-              </a:rPr>
-              <a:t>Ctrl+I</a:t>
-            </a:r>
-            <a:r>
-              <a:rPr lang="ru-RU" dirty="0" smtClean="0">
-                <a:solidFill>
-                  <a:schemeClr val="bg1"/>
-                </a:solidFill>
-              </a:rPr>
-              <a:t> поиск</a:t>
-            </a:r>
-          </a:p>
-          <a:p>
-            <a:pPr>
-              <a:buClr>
-                <a:schemeClr val="bg1"/>
-              </a:buClr>
+              <a:rPr lang="ru-RU" dirty="0" smtClean="0"/>
+              <a:t>Редактор </a:t>
+            </a:r>
+            <a:r>
+              <a:rPr lang="en-US" dirty="0" smtClean="0"/>
+              <a:t>VS </a:t>
+            </a:r>
+            <a:r>
+              <a:rPr lang="ru-RU" dirty="0" smtClean="0"/>
+              <a:t>поддерживает множество языков. Настройки можно менять для всех языков сразу или по отдельности в диалоге «</a:t>
+            </a:r>
+            <a:r>
+              <a:rPr lang="en-US" dirty="0" smtClean="0"/>
+              <a:t>Tools -&gt; Options ...</a:t>
+            </a:r>
+            <a:r>
+              <a:rPr lang="ru-RU" dirty="0" smtClean="0"/>
+              <a:t>»</a:t>
+            </a:r>
+            <a:r>
+              <a:rPr lang="en-US" dirty="0" smtClean="0"/>
+              <a:t>.</a:t>
+            </a:r>
+            <a:endParaRPr lang="ru-RU" dirty="0" smtClean="0"/>
+          </a:p>
+          <a:p>
+            <a:pPr marL="0" indent="0">
+              <a:buNone/>
             </a:pPr>
-            <a:r>
-              <a:rPr lang="en-US" dirty="0">
-                <a:solidFill>
-                  <a:srgbClr val="F6AE1E"/>
-                </a:solidFill>
-              </a:rPr>
-              <a:t>F3/Shift+F3</a:t>
-            </a:r>
-            <a:r>
-              <a:rPr lang="en-US" dirty="0" smtClean="0">
-                <a:solidFill>
-                  <a:schemeClr val="bg1"/>
-                </a:solidFill>
-              </a:rPr>
-              <a:t> </a:t>
-            </a:r>
-            <a:r>
-              <a:rPr lang="ru-RU" dirty="0" smtClean="0">
-                <a:solidFill>
-                  <a:schemeClr val="bg1"/>
-                </a:solidFill>
-              </a:rPr>
-              <a:t>найти следующее/предыдущее вхождение строки</a:t>
-            </a:r>
-          </a:p>
-          <a:p>
-            <a:pPr>
-              <a:buClr>
-                <a:schemeClr val="bg1"/>
-              </a:buClr>
-            </a:pPr>
-            <a:r>
-              <a:rPr lang="en-US" dirty="0">
-                <a:solidFill>
-                  <a:srgbClr val="F6AE1E"/>
-                </a:solidFill>
-              </a:rPr>
-              <a:t>Ctrl+F3</a:t>
-            </a:r>
-            <a:r>
-              <a:rPr lang="en-US" dirty="0" smtClean="0">
-                <a:solidFill>
-                  <a:schemeClr val="bg1"/>
-                </a:solidFill>
-              </a:rPr>
-              <a:t> </a:t>
-            </a:r>
-            <a:r>
-              <a:rPr lang="ru-RU" dirty="0" smtClean="0">
-                <a:solidFill>
-                  <a:schemeClr val="bg1"/>
-                </a:solidFill>
-              </a:rPr>
-              <a:t>найти следующее вхождение выделенного текста</a:t>
-            </a:r>
-          </a:p>
-          <a:p>
-            <a:pPr>
-              <a:buClr>
-                <a:schemeClr val="bg1"/>
-              </a:buClr>
-            </a:pPr>
-            <a:r>
-              <a:rPr lang="en-US" dirty="0" err="1">
-                <a:solidFill>
-                  <a:srgbClr val="F6AE1E"/>
-                </a:solidFill>
-              </a:rPr>
-              <a:t>Ctrl+Shift+F</a:t>
-            </a:r>
-            <a:r>
-              <a:rPr lang="en-US" dirty="0" smtClean="0">
-                <a:solidFill>
-                  <a:schemeClr val="bg1"/>
-                </a:solidFill>
-              </a:rPr>
-              <a:t> </a:t>
-            </a:r>
-            <a:r>
-              <a:rPr lang="ru-RU" dirty="0" smtClean="0">
-                <a:solidFill>
-                  <a:schemeClr val="bg1"/>
-                </a:solidFill>
-              </a:rPr>
-              <a:t>найти в </a:t>
-            </a:r>
-            <a:r>
-              <a:rPr lang="en-US" dirty="0" smtClean="0">
-                <a:solidFill>
-                  <a:schemeClr val="bg1"/>
-                </a:solidFill>
-              </a:rPr>
-              <a:t>solution</a:t>
-            </a:r>
-          </a:p>
-          <a:p>
-            <a:pPr marL="0" indent="0">
-              <a:buClr>
-                <a:schemeClr val="bg1"/>
-              </a:buClr>
-              <a:buNone/>
-            </a:pPr>
-            <a:endParaRPr lang="ru-RU" dirty="0" smtClean="0">
-              <a:solidFill>
-                <a:schemeClr val="bg1"/>
-              </a:solidFill>
-            </a:endParaRPr>
-          </a:p>
-          <a:p>
-            <a:pPr>
-              <a:buClr>
-                <a:schemeClr val="bg1"/>
-              </a:buClr>
-            </a:pPr>
-            <a:endParaRPr lang="ru-RU" dirty="0">
-              <a:solidFill>
-                <a:schemeClr val="bg1"/>
-              </a:solidFill>
-            </a:endParaRPr>
-          </a:p>
-          <a:p>
-            <a:pPr marL="0" indent="0">
-              <a:buClr>
-                <a:schemeClr val="bg1"/>
-              </a:buClr>
-              <a:buNone/>
-            </a:pPr>
-            <a:r>
-              <a:rPr lang="en-US" dirty="0">
-                <a:solidFill>
-                  <a:schemeClr val="bg1"/>
-                </a:solidFill>
-                <a:hlinkClick r:id="rId2"/>
-              </a:rPr>
-              <a:t>http://</a:t>
-            </a:r>
-            <a:r>
-              <a:rPr lang="en-US" dirty="0" smtClean="0">
-                <a:solidFill>
-                  <a:schemeClr val="bg1"/>
-                </a:solidFill>
-                <a:hlinkClick r:id="rId2"/>
-              </a:rPr>
-              <a:t>weblogs.asp.net/scottgu/archive/2010/08/24/search-and-navigation-tips-tricks-with-visual-studio.aspx</a:t>
-            </a:r>
-            <a:endParaRPr lang="ru-RU" dirty="0" smtClean="0">
-              <a:solidFill>
-                <a:schemeClr val="bg1"/>
-              </a:solidFill>
-            </a:endParaRPr>
-          </a:p>
-          <a:p>
-            <a:pPr marL="0" indent="0">
-              <a:buClr>
-                <a:schemeClr val="bg1"/>
-              </a:buClr>
-              <a:buNone/>
-            </a:pPr>
-            <a:endParaRPr lang="en-US" dirty="0">
-              <a:solidFill>
-                <a:schemeClr val="bg1"/>
-              </a:solidFill>
-            </a:endParaRPr>
+            <a:endParaRPr lang="ru-RU" dirty="0" smtClean="0"/>
+          </a:p>
+          <a:p>
+            <a:endParaRPr lang="ru-RU" dirty="0"/>
           </a:p>
         </p:txBody>
       </p:sp>
     </p:spTree>
     <p:extLst>
       <p:ext uri="{BB962C8B-B14F-4D97-AF65-F5344CB8AC3E}">
-        <p14:creationId xmlns:p14="http://schemas.microsoft.com/office/powerpoint/2010/main" val="1967395690"/>
+        <p14:creationId xmlns:p14="http://schemas.microsoft.com/office/powerpoint/2010/main" val="2394860654"/>
       </p:ext>
     </p:extLst>
   </p:cSld>
   <p:clrMapOvr>
     <a:masterClrMapping/>
   </p:clrMapOvr>
-  <p:timing>
-    <p:tnLst>
-      <p:par>
-        <p:cTn id="1" dur="indefinite" restart="never" nodeType="tmRoot"/>
-      </p:par>
-    </p:tnLst>
-  </p:timing>
 </p:sld>
 </file>
 
@@ -7448,14 +6995,6 @@
               <a:rPr lang="ru-RU" dirty="0" smtClean="0"/>
               <a:t>Редактор</a:t>
             </a:r>
-            <a:r>
-              <a:rPr lang="en-US" dirty="0" smtClean="0"/>
-              <a:t>: </a:t>
-            </a:r>
-            <a:r>
-              <a:rPr lang="ru-RU" dirty="0" smtClean="0"/>
-              <a:t>Выделение текста</a:t>
-            </a:r>
             <a:endParaRPr lang="en-US" dirty="0"/>
           </a:p>
         </p:txBody>
@@ -7473,7 +7012,7 @@
         <p:spPr/>
         <p:txBody>
           <a:bodyPr>
-            <a:normAutofit/>
+            <a:normAutofit lnSpcReduction="10000"/>
           </a:bodyPr>
           <a:lstStyle/>
           <a:p>
@@ -7483,94 +7022,288 @@
               </a:buClr>
             </a:pPr>
             <a:r>
-              <a:rPr lang="en-US" dirty="0" err="1" smtClean="0">
+              <a:rPr lang="en-US" dirty="0" smtClean="0">
+                <a:solidFill>
+                  <a:srgbClr val="92D050"/>
+                </a:solidFill>
+              </a:rPr>
+              <a:t>[10]</a:t>
+            </a:r>
+            <a:r>
+              <a:rPr lang="en-US" dirty="0" smtClean="0"/>
+              <a:t> </a:t>
+            </a:r>
+            <a:r>
+              <a:rPr lang="ru-RU" dirty="0" smtClean="0"/>
+              <a:t>Изменение размера шрифта </a:t>
+            </a:r>
+            <a:r>
+              <a:rPr lang="en-US" dirty="0">
                 <a:solidFill>
                   <a:srgbClr val="F6AE1E"/>
                 </a:solidFill>
               </a:rPr>
+              <a:t>(</a:t>
+            </a:r>
+            <a:r>
+              <a:rPr lang="en-US" dirty="0" err="1">
+                <a:solidFill>
+                  <a:srgbClr val="F6AE1E"/>
+                </a:solidFill>
+              </a:rPr>
               <a:t>Ctrl+Shift</a:t>
             </a:r>
             <a:r>
+              <a:rPr lang="en-US" dirty="0">
+                <a:solidFill>
+                  <a:srgbClr val="F6AE1E"/>
+                </a:solidFill>
+              </a:rPr>
+              <a:t> + &lt;/&gt; </a:t>
+            </a:r>
+            <a:r>
+              <a:rPr lang="ru-RU" dirty="0" smtClean="0">
+                <a:solidFill>
+                  <a:schemeClr val="bg1"/>
+                </a:solidFill>
+              </a:rPr>
+              <a:t>или</a:t>
+            </a:r>
+            <a:r>
               <a:rPr lang="en-US" dirty="0" smtClean="0">
                 <a:solidFill>
                   <a:srgbClr val="F6AE1E"/>
                 </a:solidFill>
               </a:rPr>
-              <a:t>+]</a:t>
-            </a:r>
-            <a:r>
-              <a:rPr lang="ru-RU" dirty="0" smtClean="0">
-                <a:solidFill>
-                  <a:schemeClr val="bg1"/>
-                </a:solidFill>
-              </a:rPr>
-              <a:t> выделение блока внутри</a:t>
+              <a:t> </a:t>
+            </a:r>
+            <a:r>
+              <a:rPr lang="en-US" dirty="0">
+                <a:solidFill>
+                  <a:srgbClr val="F6AE1E"/>
+                </a:solidFill>
+              </a:rPr>
+              <a:t>Ctrl + Mouse Scroll</a:t>
             </a:r>
             <a:r>
               <a:rPr lang="en-US" dirty="0" smtClean="0">
                 <a:solidFill>
-                  <a:schemeClr val="bg1"/>
-                </a:solidFill>
-              </a:rPr>
-              <a:t> { }. </a:t>
-            </a:r>
-            <a:r>
-              <a:rPr lang="ru-RU" dirty="0" smtClean="0">
-                <a:solidFill>
-                  <a:schemeClr val="bg1"/>
-                </a:solidFill>
-              </a:rPr>
-              <a:t>Курсор должен стоять на </a:t>
-            </a:r>
-            <a:r>
-              <a:rPr lang="en-US" dirty="0" smtClean="0">
-                <a:solidFill>
-                  <a:schemeClr val="bg1"/>
-                </a:solidFill>
-              </a:rPr>
-              <a:t>{ </a:t>
-            </a:r>
-            <a:r>
-              <a:rPr lang="ru-RU" dirty="0" smtClean="0">
-                <a:solidFill>
-                  <a:schemeClr val="bg1"/>
-                </a:solidFill>
-              </a:rPr>
-              <a:t>или </a:t>
-            </a:r>
-            <a:r>
-              <a:rPr lang="en-US" dirty="0" smtClean="0">
-                <a:solidFill>
-                  <a:schemeClr val="bg1"/>
-                </a:solidFill>
-              </a:rPr>
-              <a:t>}</a:t>
+                  <a:srgbClr val="F6AE1E"/>
+                </a:solidFill>
+              </a:rPr>
+              <a:t>)</a:t>
             </a:r>
             <a:endParaRPr lang="ru-RU" dirty="0" smtClean="0">
               <a:solidFill>
-                <a:schemeClr val="bg1"/>
+                <a:srgbClr val="F6AE1E"/>
               </a:solidFill>
             </a:endParaRPr>
           </a:p>
           <a:p>
-            <a:pPr marL="0" indent="0">
+            <a:pPr>
               <a:buClr>
                 <a:schemeClr val="bg1"/>
               </a:buClr>
-              <a:buNone/>
             </a:pPr>
-            <a:endParaRPr lang="en-US" dirty="0">
+            <a:r>
+              <a:rPr lang="en-US" dirty="0">
+                <a:solidFill>
+                  <a:srgbClr val="92D050"/>
+                </a:solidFill>
+              </a:rPr>
+              <a:t>[10]</a:t>
+            </a:r>
+            <a:r>
+              <a:rPr lang="en-US" dirty="0" smtClean="0"/>
+              <a:t> </a:t>
+            </a:r>
+            <a:r>
+              <a:rPr lang="ru-RU" dirty="0" smtClean="0"/>
+              <a:t>Многострочное редактирование</a:t>
+            </a:r>
+            <a:r>
+              <a:rPr lang="en-US" dirty="0" smtClean="0"/>
+              <a:t> </a:t>
+            </a:r>
+            <a:r>
+              <a:rPr lang="en-US" dirty="0" smtClean="0">
+                <a:solidFill>
+                  <a:srgbClr val="F6AE1E"/>
+                </a:solidFill>
+              </a:rPr>
+              <a:t>(</a:t>
+            </a:r>
+            <a:r>
+              <a:rPr lang="en-US" dirty="0" err="1">
+                <a:solidFill>
+                  <a:srgbClr val="F6AE1E"/>
+                </a:solidFill>
+              </a:rPr>
+              <a:t>Alt+Shift</a:t>
+            </a:r>
+            <a:r>
+              <a:rPr lang="en-US" dirty="0">
+                <a:solidFill>
+                  <a:srgbClr val="F6AE1E"/>
+                </a:solidFill>
+              </a:rPr>
+              <a:t> + Up/Down</a:t>
+            </a:r>
+            <a:r>
+              <a:rPr lang="en-US" dirty="0"/>
+              <a:t> </a:t>
+            </a:r>
+            <a:r>
+              <a:rPr lang="ru-RU" dirty="0" smtClean="0"/>
+              <a:t>или</a:t>
+            </a:r>
+            <a:r>
+              <a:rPr lang="en-US" dirty="0" smtClean="0"/>
+              <a:t> </a:t>
+            </a:r>
+            <a:r>
+              <a:rPr lang="en-US" dirty="0">
+                <a:solidFill>
+                  <a:srgbClr val="F6AE1E"/>
+                </a:solidFill>
+              </a:rPr>
+              <a:t>Alt + Mouse Up/Down</a:t>
+            </a:r>
+            <a:r>
+              <a:rPr lang="en-US" dirty="0" smtClean="0">
+                <a:solidFill>
+                  <a:srgbClr val="F6AE1E"/>
+                </a:solidFill>
+              </a:rPr>
+              <a:t>)</a:t>
+            </a:r>
+            <a:endParaRPr lang="ru-RU" dirty="0" smtClean="0">
               <a:solidFill>
-                <a:schemeClr val="bg1"/>
+                <a:srgbClr val="F6AE1E"/>
               </a:solidFill>
             </a:endParaRPr>
+          </a:p>
+          <a:p>
+            <a:pPr>
+              <a:buClr>
+                <a:schemeClr val="bg1"/>
+              </a:buClr>
+            </a:pPr>
+            <a:r>
+              <a:rPr lang="en-US" dirty="0" smtClean="0">
+                <a:solidFill>
+                  <a:srgbClr val="92D050"/>
+                </a:solidFill>
+              </a:rPr>
+              <a:t>[0</a:t>
+            </a:r>
+            <a:r>
+              <a:rPr lang="ru-RU" dirty="0" smtClean="0">
+                <a:solidFill>
+                  <a:srgbClr val="92D050"/>
+                </a:solidFill>
+              </a:rPr>
+              <a:t>5</a:t>
+            </a:r>
+            <a:r>
+              <a:rPr lang="en-US" dirty="0" smtClean="0">
+                <a:solidFill>
+                  <a:srgbClr val="92D050"/>
+                </a:solidFill>
+              </a:rPr>
+              <a:t>]</a:t>
+            </a:r>
+            <a:r>
+              <a:rPr lang="en-US" dirty="0" smtClean="0"/>
+              <a:t> </a:t>
+            </a:r>
+            <a:r>
+              <a:rPr lang="ru-RU" dirty="0" smtClean="0"/>
+              <a:t>Вставка текста из ц</a:t>
+            </a:r>
+            <a:r>
+              <a:rPr lang="ru-RU" dirty="0" smtClean="0">
+                <a:solidFill>
+                  <a:schemeClr val="bg1"/>
+                </a:solidFill>
+              </a:rPr>
+              <a:t>иклического буфера обмена </a:t>
+            </a:r>
+            <a:r>
+              <a:rPr lang="en-US" dirty="0">
+                <a:solidFill>
+                  <a:srgbClr val="F6AE1E"/>
+                </a:solidFill>
+              </a:rPr>
+              <a:t>(</a:t>
+            </a:r>
+            <a:r>
+              <a:rPr lang="en-US" dirty="0" err="1">
+                <a:solidFill>
+                  <a:srgbClr val="F6AE1E"/>
+                </a:solidFill>
+              </a:rPr>
+              <a:t>Ctrl+Shift</a:t>
+            </a:r>
+            <a:r>
+              <a:rPr lang="en-US" dirty="0">
+                <a:solidFill>
+                  <a:srgbClr val="F6AE1E"/>
+                </a:solidFill>
+              </a:rPr>
+              <a:t> + V</a:t>
+            </a:r>
+            <a:r>
+              <a:rPr lang="en-US" dirty="0" smtClean="0">
+                <a:solidFill>
+                  <a:srgbClr val="F6AE1E"/>
+                </a:solidFill>
+              </a:rPr>
+              <a:t>)</a:t>
+            </a:r>
+            <a:endParaRPr lang="ru-RU" dirty="0" smtClean="0">
+              <a:solidFill>
+                <a:srgbClr val="F6AE1E"/>
+              </a:solidFill>
+            </a:endParaRPr>
+          </a:p>
+          <a:p>
+            <a:pPr>
+              <a:buClr>
+                <a:schemeClr val="bg1"/>
+              </a:buClr>
+            </a:pPr>
+            <a:r>
+              <a:rPr lang="ru-RU" dirty="0" smtClean="0">
+                <a:solidFill>
+                  <a:schemeClr val="bg1"/>
+                </a:solidFill>
+              </a:rPr>
+              <a:t>Прокрутка текста без изменения положения курсора</a:t>
+            </a:r>
+            <a:r>
+              <a:rPr lang="en-US" dirty="0" smtClean="0">
+                <a:solidFill>
+                  <a:schemeClr val="bg1"/>
+                </a:solidFill>
+              </a:rPr>
+              <a:t> </a:t>
+            </a:r>
+            <a:r>
+              <a:rPr lang="en-US" dirty="0">
+                <a:solidFill>
+                  <a:srgbClr val="F6AE1E"/>
+                </a:solidFill>
+              </a:rPr>
+              <a:t>(Ctrl + Up/Down Arrow)</a:t>
+            </a:r>
           </a:p>
         </p:txBody>
       </p:sp>
     </p:spTree>
     <p:extLst>
       <p:ext uri="{BB962C8B-B14F-4D97-AF65-F5344CB8AC3E}">
-        <p14:creationId xmlns:p14="http://schemas.microsoft.com/office/powerpoint/2010/main" val="4175683496"/>
+        <p14:creationId xmlns:p14="http://schemas.microsoft.com/office/powerpoint/2010/main" val="468185828"/>
       </p:ext>
     </p:extLst>
   </p:cSld>
@@ -7621,7 +7354,11 @@
           <a:p>
             <a:r>
               <a:rPr lang="ru-RU" dirty="0" smtClean="0"/>
-              <a:t>Редактор: комментарии</a:t>
+              <a:t>Редактор</a:t>
+            </a:r>
+            <a:r>
+              <a:rPr lang="en-US" dirty="0" smtClean="0"/>
+              <a:t>: Virtual Space</a:t>
             </a:r>
             <a:endParaRPr lang="ru-RU" dirty="0"/>
           </a:p>
@@ -7639,113 +7376,58 @@
         </p:nvSpPr>
         <p:spPr/>
         <p:txBody>
-          <a:bodyPr>
-            <a:normAutofit/>
-          </a:bodyPr>
+          <a:bodyPr/>
           <a:lstStyle/>
           <a:p>
-            <a:r>
-              <a:rPr lang="en-US" sz="2800" dirty="0" err="1">
-                <a:solidFill>
-                  <a:srgbClr val="F6AE1E"/>
-                </a:solidFill>
-              </a:rPr>
-              <a:t>Ctrl+K</a:t>
-            </a:r>
-            <a:r>
-              <a:rPr lang="en-US" sz="2800" dirty="0">
-                <a:solidFill>
-                  <a:srgbClr val="F6AE1E"/>
-                </a:solidFill>
-              </a:rPr>
+            <a:pPr marL="0" indent="0">
+              <a:buNone/>
+            </a:pPr>
+            <a:r>
+              <a:rPr lang="ru-RU" dirty="0" smtClean="0"/>
+              <a:t>Если </a:t>
+            </a:r>
+            <a:r>
+              <a:rPr lang="ru-RU" dirty="0"/>
+              <a:t>включить </a:t>
+            </a:r>
+            <a:r>
+              <a:rPr lang="ru-RU" dirty="0" smtClean="0"/>
+              <a:t>переключатель «</a:t>
+            </a:r>
+            <a:r>
+              <a:rPr lang="en-US" dirty="0" smtClean="0"/>
+              <a:t>Enable virtual space</a:t>
+            </a:r>
+            <a:r>
+              <a:rPr lang="ru-RU" dirty="0" smtClean="0"/>
+              <a:t>»</a:t>
+            </a:r>
+            <a:r>
+              <a:rPr lang="en-US" dirty="0" smtClean="0"/>
               <a:t>, </a:t>
             </a:r>
             <a:r>
-              <a:rPr lang="en-US" sz="2800" dirty="0" err="1">
-                <a:solidFill>
-                  <a:srgbClr val="F6AE1E"/>
-                </a:solidFill>
-              </a:rPr>
-              <a:t>Ctrl+C</a:t>
-            </a:r>
-            <a:r>
-              <a:rPr lang="en-US" sz="2800" dirty="0">
-                <a:solidFill>
-                  <a:schemeClr val="bg1"/>
-                </a:solidFill>
-              </a:rPr>
-              <a:t> </a:t>
-            </a:r>
-            <a:r>
-              <a:rPr lang="ru-RU" sz="2800" dirty="0">
-                <a:solidFill>
-                  <a:schemeClr val="bg1"/>
-                </a:solidFill>
-              </a:rPr>
-              <a:t>закоментировать выбранные </a:t>
-            </a:r>
-            <a:r>
-              <a:rPr lang="ru-RU" sz="2800" dirty="0" smtClean="0">
-                <a:solidFill>
-                  <a:schemeClr val="bg1"/>
-                </a:solidFill>
-              </a:rPr>
-              <a:t>строки</a:t>
-            </a:r>
-          </a:p>
-          <a:p>
-            <a:r>
-              <a:rPr lang="en-US" sz="2800" dirty="0" err="1">
-                <a:solidFill>
-                  <a:srgbClr val="F6AE1E"/>
-                </a:solidFill>
-              </a:rPr>
-              <a:t>Ctrl+K</a:t>
-            </a:r>
-            <a:r>
-              <a:rPr lang="en-US" sz="2800" dirty="0">
-                <a:solidFill>
-                  <a:srgbClr val="F6AE1E"/>
-                </a:solidFill>
-              </a:rPr>
-              <a:t>, </a:t>
-            </a:r>
-            <a:r>
-              <a:rPr lang="en-US" sz="2800" dirty="0" err="1">
-                <a:solidFill>
-                  <a:srgbClr val="F6AE1E"/>
-                </a:solidFill>
-              </a:rPr>
-              <a:t>Ctrl+U</a:t>
-            </a:r>
-            <a:r>
-              <a:rPr lang="en-US" sz="2800" dirty="0"/>
-              <a:t> </a:t>
-            </a:r>
-            <a:r>
-              <a:rPr lang="ru-RU" sz="2800" dirty="0"/>
-              <a:t>снять коментарий с выбранных строк</a:t>
-            </a:r>
+              <a:rPr lang="ru-RU" dirty="0" smtClean="0"/>
+              <a:t>то курсор можно будет ставить в любой место в документе, а не только туда где введен </a:t>
+            </a:r>
+            <a:r>
+              <a:rPr lang="ru-RU" smtClean="0"/>
+              <a:t>текст. </a:t>
+            </a:r>
+            <a:endParaRPr lang="ru-RU" dirty="0"/>
           </a:p>
         </p:txBody>
       </p:sp>
     </p:spTree>
     <p:extLst>
       <p:ext uri="{BB962C8B-B14F-4D97-AF65-F5344CB8AC3E}">
-        <p14:creationId xmlns:p14="http://schemas.microsoft.com/office/powerpoint/2010/main" val="4274730761"/>
+        <p14:creationId xmlns:p14="http://schemas.microsoft.com/office/powerpoint/2010/main" val="2950142326"/>
       </p:ext>
     </p:extLst>
   </p:cSld>
   <p:clrMapOvr>
     <a:masterClrMapping/>
   </p:clrMapOvr>
-  <p:timing>
-    <p:tnLst>
-      <p:par>
-        <p:cTn id="1" dur="indefinite" restart="never" nodeType="tmRoot"/>
-      </p:par>
-    </p:tnLst>
-  </p:timing>
 </p:sld>
 </file>
 
@@ -7778,7 +7460,9 @@
         </p:nvSpPr>
         <p:spPr/>
         <p:txBody>
-          <a:bodyPr/>
+          <a:bodyPr>
+            <a:normAutofit fontScale="90000"/>
+          </a:bodyPr>
           <a:lstStyle/>
           <a:p>
             <a:r>
@@ -7787,13 +7471,16 @@
             </a:r>
             <a:r>
               <a:rPr lang="en-US" dirty="0" smtClean="0"/>
-              <a:t>: </a:t>
-            </a:r>
+              <a:t>: Outlining</a:t>
+            </a:r>
+            <a:br>
+              <a:rPr lang="en-US" dirty="0" smtClean="0"/>
+            </a:br>
             <a:r>
               <a:rPr lang="ru-RU" dirty="0" smtClean="0"/>
-              <a:t>Колоночный режим</a:t>
-            </a:r>
-            <a:endParaRPr lang="en-US" dirty="0"/>
+              <a:t>Свернуть выделенный блок текста</a:t>
+            </a:r>
+            <a:endParaRPr lang="ru-RU" dirty="0"/>
           </a:p>
         </p:txBody>
       </p:sp>
@@ -7809,169 +7496,76 @@
         </p:nvSpPr>
         <p:spPr/>
         <p:txBody>
-          <a:bodyPr>
-            <a:normAutofit/>
-          </a:bodyPr>
+          <a:bodyPr/>
           <a:lstStyle/>
           <a:p>
-            <a:pPr>
-              <a:buClr>
-                <a:schemeClr val="bg1"/>
-              </a:buClr>
+            <a:pPr marL="0" indent="0">
+              <a:buNone/>
             </a:pPr>
             <a:r>
-              <a:rPr lang="en-US" dirty="0" err="1" smtClean="0">
-                <a:solidFill>
-                  <a:srgbClr val="F6AE1E"/>
-                </a:solidFill>
-              </a:rPr>
-              <a:t>Shift+Alt+Arrow</a:t>
-            </a:r>
-            <a:r>
-              <a:rPr lang="ru-RU" dirty="0" smtClean="0">
-                <a:solidFill>
-                  <a:schemeClr val="bg1"/>
-                </a:solidFill>
-              </a:rPr>
-              <a:t> позволяет выделить прямоугольный блок текста</a:t>
-            </a:r>
-          </a:p>
-          <a:p>
-            <a:pPr>
-              <a:buClr>
-                <a:schemeClr val="bg1"/>
-              </a:buClr>
-            </a:pPr>
-            <a:r>
-              <a:rPr lang="en-US" dirty="0">
-                <a:solidFill>
-                  <a:srgbClr val="F6AE1E"/>
-                </a:solidFill>
-              </a:rPr>
-              <a:t>Alt + Left Mouse</a:t>
+              <a:rPr lang="ru-RU" dirty="0" smtClean="0"/>
+              <a:t>Выделяем текст, нажимаем </a:t>
             </a:r>
             <a:r>
               <a:rPr lang="en-US" dirty="0" smtClean="0">
                 <a:solidFill>
-                  <a:schemeClr val="bg1"/>
-                </a:solidFill>
-              </a:rPr>
-              <a:t> Button </a:t>
-            </a:r>
-            <a:r>
-              <a:rPr lang="ru-RU" dirty="0" smtClean="0">
-                <a:solidFill>
-                  <a:schemeClr val="bg1"/>
-                </a:solidFill>
-              </a:rPr>
-              <a:t>позиционирует курсор за концом строки даже если опция «</a:t>
-            </a:r>
-            <a:r>
-              <a:rPr lang="en-US" dirty="0" smtClean="0">
-                <a:solidFill>
-                  <a:schemeClr val="bg1"/>
-                </a:solidFill>
-              </a:rPr>
-              <a:t>enable virtual space</a:t>
-            </a:r>
-            <a:r>
-              <a:rPr lang="ru-RU" dirty="0" smtClean="0">
-                <a:solidFill>
-                  <a:schemeClr val="bg1"/>
-                </a:solidFill>
-              </a:rPr>
-              <a:t>» выключена</a:t>
-            </a:r>
-          </a:p>
-          <a:p>
-            <a:pPr>
-              <a:buClr>
-                <a:schemeClr val="bg1"/>
-              </a:buClr>
-            </a:pPr>
-            <a:endParaRPr lang="en-US" dirty="0" smtClean="0">
-              <a:solidFill>
-                <a:schemeClr val="bg1"/>
-              </a:solidFill>
-            </a:endParaRPr>
-          </a:p>
-          <a:p>
-            <a:pPr marL="0" indent="0">
-              <a:buClr>
-                <a:schemeClr val="bg1"/>
-              </a:buClr>
-              <a:buNone/>
-            </a:pPr>
-            <a:endParaRPr lang="ru-RU" dirty="0" smtClean="0">
-              <a:solidFill>
-                <a:schemeClr val="bg1"/>
-              </a:solidFill>
-            </a:endParaRPr>
-          </a:p>
-          <a:p>
-            <a:pPr>
-              <a:buClr>
-                <a:schemeClr val="bg1"/>
-              </a:buClr>
-            </a:pPr>
-            <a:endParaRPr lang="ru-RU" dirty="0">
-              <a:solidFill>
-                <a:schemeClr val="bg1"/>
-              </a:solidFill>
-            </a:endParaRPr>
-          </a:p>
-          <a:p>
-            <a:pPr marL="0" indent="0">
-              <a:buClr>
-                <a:schemeClr val="bg1"/>
-              </a:buClr>
-              <a:buNone/>
-            </a:pPr>
-            <a:endParaRPr lang="en-US" dirty="0">
-              <a:solidFill>
-                <a:schemeClr val="bg1"/>
-              </a:solidFill>
-            </a:endParaRPr>
+                  <a:srgbClr val="FFC000"/>
+                </a:solidFill>
+              </a:rPr>
+              <a:t>Ctrl + M, H</a:t>
+            </a:r>
+            <a:r>
+              <a:rPr lang="ru-RU" dirty="0" smtClean="0"/>
+              <a:t> и выделенный блок текста «свернется».</a:t>
+            </a:r>
+            <a:r>
+              <a:rPr lang="en-US" dirty="0" smtClean="0"/>
+              <a:t> </a:t>
+            </a:r>
+            <a:r>
+              <a:rPr lang="ru-RU" dirty="0" smtClean="0"/>
+              <a:t>Та же команда доступна в меню </a:t>
+            </a:r>
+            <a:r>
+              <a:rPr lang="en-US" dirty="0" smtClean="0"/>
+              <a:t>Edit -&gt;</a:t>
+            </a:r>
+            <a:r>
+              <a:rPr lang="ru-RU" dirty="0" smtClean="0"/>
+              <a:t> </a:t>
+            </a:r>
+            <a:r>
+              <a:rPr lang="en-US" dirty="0" smtClean="0"/>
+              <a:t>Outlining</a:t>
+            </a:r>
+            <a:r>
+              <a:rPr lang="ru-RU" dirty="0" smtClean="0"/>
+              <a:t> -</a:t>
+            </a:r>
+            <a:r>
+              <a:rPr lang="en-US" dirty="0" smtClean="0"/>
+              <a:t>&gt; Hide Selection.</a:t>
+            </a:r>
+            <a:endParaRPr lang="ru-RU" dirty="0"/>
           </a:p>
         </p:txBody>
       </p:sp>
     </p:spTree>
     <p:extLst>
       <p:ext uri="{BB962C8B-B14F-4D97-AF65-F5344CB8AC3E}">
-        <p14:creationId xmlns:p14="http://schemas.microsoft.com/office/powerpoint/2010/main" val="1998512366"/>
+        <p14:creationId xmlns:p14="http://schemas.microsoft.com/office/powerpoint/2010/main" val="2080747852"/>
       </p:ext>
     </p:extLst>
   </p:cSld>
   <p:clrMapOvr>
     <a:masterClrMapping/>
   </p:clrMapOvr>
-  <p:timing>
-    <p:tnLst>
-      <p:par>
-        <p:cTn id="1" dur="indefinite" restart="never" nodeType="tmRoot"/>
-      </p:par>
-    </p:tnLst>
-  </p:timing>
 </p:sld>
 </file>
 
 <file path=ppt/slides/slide18.xml><?xml version="1.0" encoding="utf-8"?>
 <p:sld xmlns:a="http://schemas.openxmlformats.org/drawingml/2006/main" xmlns:r="http://schemas.openxmlformats.org/officeDocument/2006/relationships" xmlns:p="http://schemas.openxmlformats.org/presentationml/2006/main">
   <p:cSld>
-    <p:bg>
-      <p:bgPr>
-        <a:blipFill dpi="0" rotWithShape="1">
-          <a:blip r:embed="rId3">
-            <a:lum/>
-          </a:blip>
-          <a:srcRect/>
-          <a:stretch>
-            <a:fillRect/>
-          </a:stretch>
-        </a:blipFill>
-        <a:effectLst/>
-      </p:bgPr>
-    </p:bg>
     <p:spTree>
       <p:nvGrpSpPr>
         <p:cNvPr id="1" name=""/>
@@ -8011,7 +7605,7 @@
             </a:r>
             <a:r>
               <a:rPr lang="ru-RU" dirty="0" smtClean="0"/>
-              <a:t>Навигация по коду</a:t>
+              <a:t>Поиск текста</a:t>
             </a:r>
             <a:endParaRPr lang="en-US" dirty="0"/>
           </a:p>
@@ -8030,7 +7624,7 @@
         <p:spPr/>
         <p:txBody>
           <a:bodyPr>
-            <a:normAutofit fontScale="77500" lnSpcReduction="20000"/>
+            <a:normAutofit fontScale="85000" lnSpcReduction="10000"/>
           </a:bodyPr>
           <a:lstStyle/>
           <a:p>
@@ -8040,20 +7634,28 @@
               </a:buClr>
             </a:pPr>
             <a:r>
+              <a:rPr lang="en-US" dirty="0" err="1" smtClean="0">
+                <a:solidFill>
+                  <a:srgbClr val="F6AE1E"/>
+                </a:solidFill>
+              </a:rPr>
+              <a:t>Ctrl+I</a:t>
+            </a:r>
+            <a:r>
+              <a:rPr lang="ru-RU" dirty="0" smtClean="0">
+                <a:solidFill>
+                  <a:schemeClr val="bg1"/>
+                </a:solidFill>
+              </a:rPr>
+              <a:t> </a:t>
+            </a:r>
+            <a:r>
               <a:rPr lang="en-US" dirty="0" smtClean="0">
                 <a:solidFill>
-                  <a:srgbClr val="F6AE1E"/>
-                </a:solidFill>
-              </a:rPr>
-              <a:t>F12</a:t>
-            </a:r>
-            <a:r>
-              <a:rPr lang="en-US" dirty="0" smtClean="0">
-                <a:solidFill>
                   <a:schemeClr val="bg1"/>
                 </a:solidFill>
               </a:rPr>
-              <a:t> </a:t>
+              <a:t>incremental </a:t>
             </a:r>
             <a:r>
               <a:rPr lang="ru-RU" dirty="0" smtClean="0">
@@ -8061,8 +7663,13 @@
                   <a:schemeClr val="bg1"/>
                 </a:solidFill>
               </a:rPr>
-              <a:t>перейти к объявлению</a:t>
-            </a:r>
+              <a:t>поиск</a:t>
+            </a:r>
+            <a:endParaRPr lang="ru-RU" dirty="0" smtClean="0">
+              <a:solidFill>
+                <a:schemeClr val="bg1"/>
+              </a:solidFill>
+            </a:endParaRPr>
           </a:p>
           <a:p>
             <a:pPr>
@@ -8076,7 +7683,7 @@
                   <a:srgbClr val="F6AE1E"/>
                 </a:solidFill>
               </a:rPr>
-              <a:t>Shift+F12</a:t>
+              <a:t>F3/Shift+F3</a:t>
             </a:r>
             <a:r>
               <a:rPr lang="en-US" dirty="0" smtClean="0">
@@ -8092,7 +7699,7 @@
                   <a:schemeClr val="bg1"/>
                 </a:solidFill>
               </a:rPr>
-              <a:t>найти все места где используется имя</a:t>
+              <a:t>найти следующее/предыдущее вхождение строки</a:t>
             </a:r>
           </a:p>
           <a:p>
@@ -8107,15 +7714,7 @@
                   <a:srgbClr val="F6AE1E"/>
                 </a:solidFill>
               </a:rPr>
-              <a:t>Ctrl+</a:t>
-            </a:r>
-            <a:r>
-              <a:rPr lang="ru-RU" dirty="0">
-                <a:solidFill>
-                  <a:srgbClr val="F6AE1E"/>
-                </a:solidFill>
-              </a:rPr>
-              <a:t>Минус</a:t>
+              <a:t>Ctrl+F3</a:t>
             </a:r>
             <a:r>
               <a:rPr lang="en-US" dirty="0" smtClean="0">
@@ -8131,47 +7730,7 @@
                   <a:schemeClr val="bg1"/>
                 </a:solidFill>
               </a:rPr>
-              <a:t>и </a:t>
-            </a:r>
-            <a:r>
-              <a:rPr lang="en-US" dirty="0" err="1" smtClean="0">
-                <a:solidFill>
-                  <a:srgbClr val="F6AE1E"/>
-                </a:solidFill>
-              </a:rPr>
-              <a:t>Shift+Ctrl</a:t>
-            </a:r>
-            <a:r>
-              <a:rPr lang="en-US" dirty="0" smtClean="0">
-                <a:solidFill>
-                  <a:srgbClr val="F6AE1E"/>
-                </a:solidFill>
-              </a:rPr>
-              <a:t>+</a:t>
-            </a:r>
-            <a:r>
-              <a:rPr lang="ru-RU" dirty="0" smtClean="0">
-                <a:solidFill>
-                  <a:srgbClr val="F6AE1E"/>
-                </a:solidFill>
-              </a:rPr>
-              <a:t>Минус</a:t>
-            </a:r>
-            <a:r>
-              <a:rPr lang="en-US" dirty="0" smtClean="0">
-                <a:solidFill>
-                  <a:schemeClr val="bg1"/>
-                </a:solidFill>
-              </a:rPr>
-              <a:t> </a:t>
-            </a:r>
-            <a:r>
-              <a:rPr lang="ru-RU" dirty="0" smtClean="0">
-                <a:solidFill>
-                  <a:schemeClr val="bg1"/>
-                </a:solidFill>
-              </a:rPr>
-              <a:t>навигация «вперед»/«назад»</a:t>
+              <a:t>найти следующее вхождение выделенного текста</a:t>
             </a:r>
           </a:p>
           <a:p>
@@ -8186,23 +7745,15 @@
                   <a:srgbClr val="F6AE1E"/>
                 </a:solidFill>
               </a:rPr>
-              <a:t>Ctrl+Alt</a:t>
-            </a:r>
-            <a:r>
-              <a:rPr lang="en-US" dirty="0">
-                <a:solidFill>
-                  <a:srgbClr val="F6AE1E"/>
-                </a:solidFill>
-              </a:rPr>
-              <a:t>+</a:t>
-            </a:r>
-            <a:r>
-              <a:rPr lang="ru-RU" dirty="0">
-                <a:solidFill>
-                  <a:srgbClr val="F6AE1E"/>
-                </a:solidFill>
-              </a:rPr>
-              <a:t>Стрелка вниз</a:t>
+              <a:t>Ctrl+Shift+F</a:t>
+            </a:r>
+            <a:r>
+              <a:rPr lang="en-US" dirty="0" smtClean="0">
+                <a:solidFill>
+                  <a:schemeClr val="bg1"/>
+                </a:solidFill>
+              </a:rPr>
+              <a:t> </a:t>
             </a:r>
             <a:r>
               <a:rPr lang="ru-RU" dirty="0" smtClean="0">
@@ -8210,76 +7761,25 @@
                   <a:schemeClr val="bg1"/>
                 </a:solidFill>
               </a:rPr>
-              <a:t> показать список открытых файлов</a:t>
-            </a:r>
-            <a:endParaRPr lang="en-US" dirty="0" smtClean="0">
-              <a:solidFill>
-                <a:schemeClr val="bg1"/>
-              </a:solidFill>
-            </a:endParaRPr>
-          </a:p>
-          <a:p>
-            <a:pPr>
+              <a:t>найти в </a:t>
+            </a:r>
+            <a:r>
+              <a:rPr lang="en-US" dirty="0" smtClean="0">
+                <a:solidFill>
+                  <a:schemeClr val="bg1"/>
+                </a:solidFill>
+              </a:rPr>
+              <a:t>solution</a:t>
+            </a:r>
+          </a:p>
+          <a:p>
+            <a:pPr marL="0" indent="0">
               <a:buClr>
                 <a:schemeClr val="bg1"/>
               </a:buClr>
+              <a:buNone/>
             </a:pPr>
-            <a:r>
-              <a:rPr lang="en-US" dirty="0" err="1">
-                <a:solidFill>
-                  <a:srgbClr val="F6AE1E"/>
-                </a:solidFill>
-              </a:rPr>
-              <a:t>Ctrl+G</a:t>
-            </a:r>
-            <a:r>
-              <a:rPr lang="en-US" dirty="0">
-                <a:solidFill>
-                  <a:schemeClr val="bg1"/>
-                </a:solidFill>
-              </a:rPr>
-              <a:t> </a:t>
-            </a:r>
-            <a:r>
-              <a:rPr lang="ru-RU" dirty="0">
-                <a:solidFill>
-                  <a:schemeClr val="bg1"/>
-                </a:solidFill>
-              </a:rPr>
-              <a:t>перейти на строку </a:t>
-            </a:r>
-            <a:r>
-              <a:rPr lang="ru-RU" dirty="0" smtClean="0">
-                <a:solidFill>
-                  <a:schemeClr val="bg1"/>
-                </a:solidFill>
-              </a:rPr>
-              <a:t>№</a:t>
-            </a:r>
-          </a:p>
-          <a:p>
-            <a:pPr>
-              <a:buClr>
-                <a:schemeClr val="bg1"/>
-              </a:buClr>
-            </a:pPr>
-            <a:r>
-              <a:rPr lang="en-US" dirty="0">
-                <a:solidFill>
-                  <a:srgbClr val="F6AE1E"/>
-                </a:solidFill>
-              </a:rPr>
-              <a:t>Ctrl+] </a:t>
-            </a:r>
-            <a:r>
-              <a:rPr lang="ru-RU" dirty="0" smtClean="0">
-                <a:solidFill>
-                  <a:schemeClr val="bg1"/>
-                </a:solidFill>
-              </a:rPr>
-              <a:t>перейти к парной скобке открывающей или закрывающей скобке</a:t>
-            </a:r>
-            <a:endParaRPr lang="en-US" dirty="0" smtClean="0">
+            <a:endParaRPr lang="ru-RU" dirty="0" smtClean="0">
               <a:solidFill>
                 <a:schemeClr val="bg1"/>
               </a:solidFill>
@@ -8309,7 +7809,7 @@
                 <a:solidFill>
                   <a:schemeClr val="bg1"/>
                 </a:solidFill>
-                <a:hlinkClick r:id="rId4"/>
+                <a:hlinkClick r:id="rId2"/>
               </a:rPr>
               <a:t>http://</a:t>
             </a:r>
@@ -8318,7 +7818,7 @@
                 <a:solidFill>
                   <a:schemeClr val="bg1"/>
                 </a:solidFill>
-                <a:hlinkClick r:id="rId4"/>
+                <a:hlinkClick r:id="rId2"/>
               </a:rPr>
               <a:t>weblogs.asp.net/scottgu/archive/2010/08/24/search-and-navigation-tips-tricks-with-visual-studio.aspx</a:t>
             </a:r>
@@ -8346,12 +7846,12 @@
     </p:spTree>
     <p:extLst>
       <p:ext uri="{BB962C8B-B14F-4D97-AF65-F5344CB8AC3E}">
-        <p14:creationId xmlns:p14="http://schemas.microsoft.com/office/powerpoint/2010/main" val="1465218823"/>
+        <p14:creationId xmlns:p14="http://schemas.microsoft.com/office/powerpoint/2010/main" val="1967395690"/>
       </p:ext>
     </p:extLst>
   </p:cSld>
   <p:clrMapOvr>
-    <a:overrideClrMapping bg1="lt1" tx1="dk1" bg2="lt2" tx2="dk2" accent1="accent1" accent2="accent2" accent3="accent3" accent4="accent4" accent5="accent5" accent6="accent6" hlink="hlink" folHlink="folHlink"/>
+    <a:masterClrMapping/>
   </p:clrMapOvr>
   <p:timing>
     <p:tnLst>
@@ -8392,14 +7892,31 @@
         </p:nvSpPr>
         <p:spPr/>
         <p:txBody>
-          <a:bodyPr/>
+          <a:bodyPr>
+            <a:normAutofit fontScale="90000"/>
+          </a:bodyPr>
           <a:lstStyle/>
           <a:p>
             <a:r>
               <a:rPr lang="ru-RU" dirty="0" smtClean="0"/>
-              <a:t>Редактор: Смарт-тег</a:t>
-            </a:r>
-            <a:endParaRPr lang="ru-RU" dirty="0"/>
+              <a:t>Редактор</a:t>
+            </a:r>
+            <a:r>
+              <a:rPr lang="en-US" dirty="0" smtClean="0"/>
+              <a:t>: </a:t>
+            </a:r>
+            <a:r>
+              <a:rPr lang="ru-RU" dirty="0" smtClean="0"/>
+              <a:t>работа с блоками</a:t>
+            </a:r>
+            <a:br>
+              <a:rPr lang="ru-RU" dirty="0" smtClean="0"/>
+            </a:br>
+            <a:r>
+              <a:rPr lang="ru-RU" dirty="0" smtClean="0"/>
+              <a:t>внутри скобок</a:t>
+            </a:r>
+            <a:endParaRPr lang="en-US" dirty="0"/>
           </a:p>
         </p:txBody>
       </p:sp>
@@ -8415,49 +7932,128 @@
         </p:nvSpPr>
         <p:spPr/>
         <p:txBody>
-          <a:bodyPr/>
+          <a:bodyPr>
+            <a:normAutofit/>
+          </a:bodyPr>
           <a:lstStyle/>
           <a:p>
+            <a:pPr>
+              <a:buClr>
+                <a:schemeClr val="bg1"/>
+              </a:buClr>
+            </a:pPr>
+            <a:r>
+              <a:rPr lang="en-US" dirty="0" err="1" smtClean="0">
+                <a:solidFill>
+                  <a:srgbClr val="F6AE1E"/>
+                </a:solidFill>
+              </a:rPr>
+              <a:t>Ctrl+Shift</a:t>
+            </a:r>
             <a:r>
               <a:rPr lang="en-US" dirty="0" smtClean="0">
                 <a:solidFill>
                   <a:srgbClr val="F6AE1E"/>
                 </a:solidFill>
               </a:rPr>
-              <a:t>Alt + Shift + F10</a:t>
-            </a:r>
-            <a:r>
-              <a:rPr lang="en-US" dirty="0" smtClean="0"/>
-              <a:t> </a:t>
-            </a:r>
-            <a:r>
-              <a:rPr lang="ru-RU" dirty="0" smtClean="0"/>
+              <a:t>+]</a:t>
+            </a:r>
+            <a:r>
+              <a:rPr lang="ru-RU" dirty="0" smtClean="0">
+                <a:solidFill>
+                  <a:schemeClr val="bg1"/>
+                </a:solidFill>
+              </a:rPr>
+              <a:t> выделение блока внутри</a:t>
+            </a:r>
+            <a:r>
+              <a:rPr lang="en-US" dirty="0" smtClean="0">
+                <a:solidFill>
+                  <a:schemeClr val="bg1"/>
+                </a:solidFill>
+              </a:rPr>
+              <a:t> { }. </a:t>
+            </a:r>
+            <a:r>
+              <a:rPr lang="ru-RU" dirty="0" smtClean="0">
+                <a:solidFill>
+                  <a:schemeClr val="bg1"/>
+                </a:solidFill>
+              </a:rPr>
+              <a:t>Курсор должен стоять на </a:t>
+            </a:r>
+            <a:r>
+              <a:rPr lang="en-US" dirty="0" smtClean="0">
+                <a:solidFill>
+                  <a:schemeClr val="bg1"/>
+                </a:solidFill>
+              </a:rPr>
+              <a:t>{ </a:t>
+            </a:r>
+            <a:r>
+              <a:rPr lang="ru-RU" dirty="0" smtClean="0">
+                <a:solidFill>
+                  <a:schemeClr val="bg1"/>
+                </a:solidFill>
+              </a:rPr>
               <a:t>или </a:t>
             </a:r>
             <a:r>
               <a:rPr lang="en-US" dirty="0" smtClean="0">
                 <a:solidFill>
+                  <a:schemeClr val="bg1"/>
+                </a:solidFill>
+              </a:rPr>
+              <a:t>}</a:t>
+            </a:r>
+          </a:p>
+          <a:p>
+            <a:pPr>
+              <a:buClr>
+                <a:schemeClr val="bg1"/>
+              </a:buClr>
+            </a:pPr>
+            <a:r>
+              <a:rPr lang="en-US" dirty="0">
+                <a:solidFill>
                   <a:srgbClr val="F6AE1E"/>
                 </a:solidFill>
               </a:rPr>
-              <a:t>Ctrl + .</a:t>
-            </a:r>
-            <a:r>
-              <a:rPr lang="en-US" dirty="0" smtClean="0"/>
-              <a:t> – </a:t>
-            </a:r>
-            <a:r>
-              <a:rPr lang="ru-RU" dirty="0" smtClean="0"/>
-              <a:t>открыть меню смарт-тега</a:t>
-            </a:r>
-            <a:endParaRPr lang="ru-RU" dirty="0"/>
+              <a:t>Ctrl+] </a:t>
+            </a:r>
+            <a:r>
+              <a:rPr lang="ru-RU" dirty="0">
+                <a:solidFill>
+                  <a:schemeClr val="bg1"/>
+                </a:solidFill>
+              </a:rPr>
+              <a:t>перейти к парной скобке открывающей или закрывающей скобке</a:t>
+            </a:r>
+            <a:endParaRPr lang="ru-RU" dirty="0" smtClean="0">
+              <a:solidFill>
+                <a:schemeClr val="bg1"/>
+              </a:solidFill>
+            </a:endParaRPr>
+          </a:p>
+          <a:p>
+            <a:pPr marL="0" indent="0">
+              <a:buClr>
+                <a:schemeClr val="bg1"/>
+              </a:buClr>
+              <a:buNone/>
+            </a:pPr>
+            <a:endParaRPr lang="en-US" dirty="0">
+              <a:solidFill>
+                <a:schemeClr val="bg1"/>
+              </a:solidFill>
+            </a:endParaRPr>
           </a:p>
         </p:txBody>
       </p:sp>
     </p:spTree>
     <p:extLst>
       <p:ext uri="{BB962C8B-B14F-4D97-AF65-F5344CB8AC3E}">
-        <p14:creationId xmlns:p14="http://schemas.microsoft.com/office/powerpoint/2010/main" val="3059698048"/>
+        <p14:creationId xmlns:p14="http://schemas.microsoft.com/office/powerpoint/2010/main" val="4175683496"/>
       </p:ext>
     </p:extLst>
   </p:cSld>
@@ -8568,6 +8164,508 @@
 <file path=ppt/slides/slide20.xml><?xml version="1.0" encoding="utf-8"?>
 <p:sld xmlns:a="http://schemas.openxmlformats.org/drawingml/2006/main" xmlns:r="http://schemas.openxmlformats.org/officeDocument/2006/relationships" xmlns:p="http://schemas.openxmlformats.org/presentationml/2006/main">
   <p:cSld>
+    <p:spTree>
+      <p:nvGrpSpPr>
+        <p:cNvPr id="1" name=""/>
+        <p:cNvGrpSpPr/>
+        <p:nvPr/>
+      </p:nvGrpSpPr>
+      <p:grpSpPr>
+        <a:xfrm>
+          <a:off x="0" y="0"/>
+          <a:ext cx="0" cy="0"/>
+          <a:chOff x="0" y="0"/>
+          <a:chExt cx="0" cy="0"/>
+        </a:xfrm>
+      </p:grpSpPr>
+      <p:sp>
+        <p:nvSpPr>
+          <p:cNvPr id="2" name="Title 1"/>
+          <p:cNvSpPr>
+            <a:spLocks noGrp="1"/>
+          </p:cNvSpPr>
+          <p:nvPr>
+            <p:ph type="title"/>
+          </p:nvPr>
+        </p:nvSpPr>
+        <p:spPr/>
+        <p:txBody>
+          <a:bodyPr/>
+          <a:lstStyle/>
+          <a:p>
+            <a:r>
+              <a:rPr lang="ru-RU" dirty="0" smtClean="0"/>
+              <a:t>Редактор: комментарии</a:t>
+            </a:r>
+            <a:endParaRPr lang="ru-RU" dirty="0"/>
+          </a:p>
+        </p:txBody>
+      </p:sp>
+      <p:sp>
+        <p:nvSpPr>
+          <p:cNvPr id="3" name="Content Placeholder 2"/>
+          <p:cNvSpPr>
+            <a:spLocks noGrp="1"/>
+          </p:cNvSpPr>
+          <p:nvPr>
+            <p:ph idx="1"/>
+          </p:nvPr>
+        </p:nvSpPr>
+        <p:spPr/>
+        <p:txBody>
+          <a:bodyPr>
+            <a:normAutofit/>
+          </a:bodyPr>
+          <a:lstStyle/>
+          <a:p>
+            <a:r>
+              <a:rPr lang="en-US" sz="2800" dirty="0" err="1">
+                <a:solidFill>
+                  <a:srgbClr val="F6AE1E"/>
+                </a:solidFill>
+              </a:rPr>
+              <a:t>Ctrl+K</a:t>
+            </a:r>
+            <a:r>
+              <a:rPr lang="en-US" sz="2800" dirty="0">
+                <a:solidFill>
+                  <a:srgbClr val="F6AE1E"/>
+                </a:solidFill>
+              </a:rPr>
+              <a:t>, </a:t>
+            </a:r>
+            <a:r>
+              <a:rPr lang="en-US" sz="2800" dirty="0" err="1">
+                <a:solidFill>
+                  <a:srgbClr val="F6AE1E"/>
+                </a:solidFill>
+              </a:rPr>
+              <a:t>Ctrl+C</a:t>
+            </a:r>
+            <a:r>
+              <a:rPr lang="en-US" sz="2800" dirty="0">
+                <a:solidFill>
+                  <a:schemeClr val="bg1"/>
+                </a:solidFill>
+              </a:rPr>
+              <a:t> </a:t>
+            </a:r>
+            <a:r>
+              <a:rPr lang="ru-RU" sz="2800" dirty="0">
+                <a:solidFill>
+                  <a:schemeClr val="bg1"/>
+                </a:solidFill>
+              </a:rPr>
+              <a:t>закоментировать выбранные </a:t>
+            </a:r>
+            <a:r>
+              <a:rPr lang="ru-RU" sz="2800" dirty="0" smtClean="0">
+                <a:solidFill>
+                  <a:schemeClr val="bg1"/>
+                </a:solidFill>
+              </a:rPr>
+              <a:t>строки</a:t>
+            </a:r>
+          </a:p>
+          <a:p>
+            <a:r>
+              <a:rPr lang="en-US" sz="2800" dirty="0" err="1">
+                <a:solidFill>
+                  <a:srgbClr val="F6AE1E"/>
+                </a:solidFill>
+              </a:rPr>
+              <a:t>Ctrl+K</a:t>
+            </a:r>
+            <a:r>
+              <a:rPr lang="en-US" sz="2800" dirty="0">
+                <a:solidFill>
+                  <a:srgbClr val="F6AE1E"/>
+                </a:solidFill>
+              </a:rPr>
+              <a:t>, </a:t>
+            </a:r>
+            <a:r>
+              <a:rPr lang="en-US" sz="2800" dirty="0" err="1">
+                <a:solidFill>
+                  <a:srgbClr val="F6AE1E"/>
+                </a:solidFill>
+              </a:rPr>
+              <a:t>Ctrl+U</a:t>
+            </a:r>
+            <a:r>
+              <a:rPr lang="en-US" sz="2800" dirty="0"/>
+              <a:t> </a:t>
+            </a:r>
+            <a:r>
+              <a:rPr lang="ru-RU" sz="2800" dirty="0"/>
+              <a:t>снять коментарий с выбранных строк</a:t>
+            </a:r>
+          </a:p>
+        </p:txBody>
+      </p:sp>
+    </p:spTree>
+    <p:extLst>
+      <p:ext uri="{BB962C8B-B14F-4D97-AF65-F5344CB8AC3E}">
+        <p14:creationId xmlns:p14="http://schemas.microsoft.com/office/powerpoint/2010/main" val="4274730761"/>
+      </p:ext>
+    </p:extLst>
+  </p:cSld>
+  <p:clrMapOvr>
+    <a:masterClrMapping/>
+  </p:clrMapOvr>
+  <p:timing>
+    <p:tnLst>
+      <p:par>
+        <p:cTn id="1" dur="indefinite" restart="never" nodeType="tmRoot"/>
+      </p:par>
+    </p:tnLst>
+  </p:timing>
+</p:sld>
+</file>
+
+<file path=ppt/slides/slide21.xml><?xml version="1.0" encoding="utf-8"?>
+<p:sld xmlns:a="http://schemas.openxmlformats.org/drawingml/2006/main" xmlns:r="http://schemas.openxmlformats.org/officeDocument/2006/relationships" xmlns:p="http://schemas.openxmlformats.org/presentationml/2006/main">
+  <p:cSld>
+    <p:spTree>
+      <p:nvGrpSpPr>
+        <p:cNvPr id="1" name=""/>
+        <p:cNvGrpSpPr/>
+        <p:nvPr/>
+      </p:nvGrpSpPr>
+      <p:grpSpPr>
+        <a:xfrm>
+          <a:off x="0" y="0"/>
+          <a:ext cx="0" cy="0"/>
+          <a:chOff x="0" y="0"/>
+          <a:chExt cx="0" cy="0"/>
+        </a:xfrm>
+      </p:grpSpPr>
+      <p:sp>
+        <p:nvSpPr>
+          <p:cNvPr id="2" name="Title 1"/>
+          <p:cNvSpPr>
+            <a:spLocks noGrp="1"/>
+          </p:cNvSpPr>
+          <p:nvPr>
+            <p:ph type="title"/>
+          </p:nvPr>
+        </p:nvSpPr>
+        <p:spPr/>
+        <p:txBody>
+          <a:bodyPr/>
+          <a:lstStyle/>
+          <a:p>
+            <a:r>
+              <a:rPr lang="ru-RU" dirty="0" smtClean="0"/>
+              <a:t>Редактор</a:t>
+            </a:r>
+            <a:r>
+              <a:rPr lang="en-US" dirty="0" smtClean="0"/>
+              <a:t>: </a:t>
+            </a:r>
+            <a:r>
+              <a:rPr lang="ru-RU" dirty="0" smtClean="0"/>
+              <a:t>Колоночный режим</a:t>
+            </a:r>
+            <a:endParaRPr lang="en-US" dirty="0"/>
+          </a:p>
+        </p:txBody>
+      </p:sp>
+      <p:sp>
+        <p:nvSpPr>
+          <p:cNvPr id="3" name="Content Placeholder 2"/>
+          <p:cNvSpPr>
+            <a:spLocks noGrp="1"/>
+          </p:cNvSpPr>
+          <p:nvPr>
+            <p:ph idx="1"/>
+          </p:nvPr>
+        </p:nvSpPr>
+        <p:spPr/>
+        <p:txBody>
+          <a:bodyPr>
+            <a:normAutofit/>
+          </a:bodyPr>
+          <a:lstStyle/>
+          <a:p>
+            <a:pPr>
+              <a:buClr>
+                <a:schemeClr val="bg1"/>
+              </a:buClr>
+            </a:pPr>
+            <a:r>
+              <a:rPr lang="en-US" dirty="0" err="1" smtClean="0">
+                <a:solidFill>
+                  <a:srgbClr val="F6AE1E"/>
+                </a:solidFill>
+              </a:rPr>
+              <a:t>Shift+Alt+Arrow</a:t>
+            </a:r>
+            <a:r>
+              <a:rPr lang="ru-RU" dirty="0" smtClean="0">
+                <a:solidFill>
+                  <a:schemeClr val="bg1"/>
+                </a:solidFill>
+              </a:rPr>
+              <a:t> позволяет выделить прямоугольный блок текста</a:t>
+            </a:r>
+          </a:p>
+          <a:p>
+            <a:pPr>
+              <a:buClr>
+                <a:schemeClr val="bg1"/>
+              </a:buClr>
+            </a:pPr>
+            <a:r>
+              <a:rPr lang="en-US" dirty="0">
+                <a:solidFill>
+                  <a:srgbClr val="F6AE1E"/>
+                </a:solidFill>
+              </a:rPr>
+              <a:t>Alt + Left Mouse</a:t>
+            </a:r>
+            <a:r>
+              <a:rPr lang="en-US" dirty="0" smtClean="0">
+                <a:solidFill>
+                  <a:schemeClr val="bg1"/>
+                </a:solidFill>
+              </a:rPr>
+              <a:t> Button </a:t>
+            </a:r>
+            <a:r>
+              <a:rPr lang="ru-RU" dirty="0" smtClean="0">
+                <a:solidFill>
+                  <a:schemeClr val="bg1"/>
+                </a:solidFill>
+              </a:rPr>
+              <a:t>позиционирует курсор за концом строки даже если опция «</a:t>
+            </a:r>
+            <a:r>
+              <a:rPr lang="en-US" dirty="0" smtClean="0">
+                <a:solidFill>
+                  <a:schemeClr val="bg1"/>
+                </a:solidFill>
+              </a:rPr>
+              <a:t>enable virtual space</a:t>
+            </a:r>
+            <a:r>
+              <a:rPr lang="ru-RU" dirty="0" smtClean="0">
+                <a:solidFill>
+                  <a:schemeClr val="bg1"/>
+                </a:solidFill>
+              </a:rPr>
+              <a:t>» выключена</a:t>
+            </a:r>
+          </a:p>
+          <a:p>
+            <a:pPr>
+              <a:buClr>
+                <a:schemeClr val="bg1"/>
+              </a:buClr>
+            </a:pPr>
+            <a:endParaRPr lang="en-US" dirty="0" smtClean="0">
+              <a:solidFill>
+                <a:schemeClr val="bg1"/>
+              </a:solidFill>
+            </a:endParaRPr>
+          </a:p>
+          <a:p>
+            <a:pPr marL="0" indent="0">
+              <a:buClr>
+                <a:schemeClr val="bg1"/>
+              </a:buClr>
+              <a:buNone/>
+            </a:pPr>
+            <a:endParaRPr lang="ru-RU" dirty="0" smtClean="0">
+              <a:solidFill>
+                <a:schemeClr val="bg1"/>
+              </a:solidFill>
+            </a:endParaRPr>
+          </a:p>
+          <a:p>
+            <a:pPr>
+              <a:buClr>
+                <a:schemeClr val="bg1"/>
+              </a:buClr>
+            </a:pPr>
+            <a:endParaRPr lang="ru-RU" dirty="0">
+              <a:solidFill>
+                <a:schemeClr val="bg1"/>
+              </a:solidFill>
+            </a:endParaRPr>
+          </a:p>
+          <a:p>
+            <a:pPr marL="0" indent="0">
+              <a:buClr>
+                <a:schemeClr val="bg1"/>
+              </a:buClr>
+              <a:buNone/>
+            </a:pPr>
+            <a:endParaRPr lang="en-US" dirty="0">
+              <a:solidFill>
+                <a:schemeClr val="bg1"/>
+              </a:solidFill>
+            </a:endParaRPr>
+          </a:p>
+        </p:txBody>
+      </p:sp>
+    </p:spTree>
+    <p:extLst>
+      <p:ext uri="{BB962C8B-B14F-4D97-AF65-F5344CB8AC3E}">
+        <p14:creationId xmlns:p14="http://schemas.microsoft.com/office/powerpoint/2010/main" val="1998512366"/>
+      </p:ext>
+    </p:extLst>
+  </p:cSld>
+  <p:clrMapOvr>
+    <a:masterClrMapping/>
+  </p:clrMapOvr>
+  <p:timing>
+    <p:tnLst>
+      <p:par>
+        <p:cTn id="1" dur="indefinite" restart="never" nodeType="tmRoot"/>
+      </p:par>
+    </p:tnLst>
+  </p:timing>
+</p:sld>
+</file>
+
+<file path=ppt/slides/slide22.xml><?xml version="1.0" encoding="utf-8"?>
+<p:sld xmlns:a="http://schemas.openxmlformats.org/drawingml/2006/main" xmlns:r="http://schemas.openxmlformats.org/officeDocument/2006/relationships" xmlns:p="http://schemas.openxmlformats.org/presentationml/2006/main">
+  <p:cSld>
+    <p:spTree>
+      <p:nvGrpSpPr>
+        <p:cNvPr id="1" name=""/>
+        <p:cNvGrpSpPr/>
+        <p:nvPr/>
+      </p:nvGrpSpPr>
+      <p:grpSpPr>
+        <a:xfrm>
+          <a:off x="0" y="0"/>
+          <a:ext cx="0" cy="0"/>
+          <a:chOff x="0" y="0"/>
+          <a:chExt cx="0" cy="0"/>
+        </a:xfrm>
+      </p:grpSpPr>
+      <p:sp>
+        <p:nvSpPr>
+          <p:cNvPr id="2" name="Title 1"/>
+          <p:cNvSpPr>
+            <a:spLocks noGrp="1"/>
+          </p:cNvSpPr>
+          <p:nvPr>
+            <p:ph type="title"/>
+          </p:nvPr>
+        </p:nvSpPr>
+        <p:spPr/>
+        <p:txBody>
+          <a:bodyPr/>
+          <a:lstStyle/>
+          <a:p>
+            <a:r>
+              <a:rPr lang="ru-RU" dirty="0" smtClean="0"/>
+              <a:t>Редактор: Работа со строками</a:t>
+            </a:r>
+            <a:endParaRPr lang="ru-RU" dirty="0"/>
+          </a:p>
+        </p:txBody>
+      </p:sp>
+      <p:sp>
+        <p:nvSpPr>
+          <p:cNvPr id="3" name="Content Placeholder 2"/>
+          <p:cNvSpPr>
+            <a:spLocks noGrp="1"/>
+          </p:cNvSpPr>
+          <p:nvPr>
+            <p:ph idx="1"/>
+          </p:nvPr>
+        </p:nvSpPr>
+        <p:spPr/>
+        <p:txBody>
+          <a:bodyPr/>
+          <a:lstStyle/>
+          <a:p>
+            <a:r>
+              <a:rPr lang="en-US" dirty="0" err="1" smtClean="0">
+                <a:solidFill>
+                  <a:srgbClr val="F6AE1E"/>
+                </a:solidFill>
+              </a:rPr>
+              <a:t>Ctrl+L</a:t>
+            </a:r>
+            <a:r>
+              <a:rPr lang="en-US" dirty="0" smtClean="0"/>
+              <a:t> </a:t>
+            </a:r>
+            <a:r>
+              <a:rPr lang="ru-RU" dirty="0" smtClean="0"/>
+              <a:t>удалить текущую строку и вставить её в буфер обмена.</a:t>
+            </a:r>
+          </a:p>
+          <a:p>
+            <a:r>
+              <a:rPr lang="en-US" dirty="0" smtClean="0">
+                <a:solidFill>
+                  <a:srgbClr val="92D050"/>
+                </a:solidFill>
+              </a:rPr>
+              <a:t>[13]</a:t>
+            </a:r>
+            <a:r>
+              <a:rPr lang="en-US" dirty="0" smtClean="0">
+                <a:solidFill>
+                  <a:srgbClr val="F6AE1E"/>
+                </a:solidFill>
+              </a:rPr>
+              <a:t> </a:t>
+            </a:r>
+            <a:r>
+              <a:rPr lang="en-US" dirty="0" err="1" smtClean="0">
+                <a:solidFill>
+                  <a:srgbClr val="F6AE1E"/>
+                </a:solidFill>
+              </a:rPr>
+              <a:t>Alt+Up</a:t>
+            </a:r>
+            <a:r>
+              <a:rPr lang="en-US" dirty="0" smtClean="0"/>
+              <a:t>, </a:t>
+            </a:r>
+            <a:r>
+              <a:rPr lang="en-US" dirty="0" err="1" smtClean="0">
+                <a:solidFill>
+                  <a:srgbClr val="F6AE1E"/>
+                </a:solidFill>
+              </a:rPr>
+              <a:t>Alt+Down</a:t>
+            </a:r>
+            <a:r>
+              <a:rPr lang="en-US" dirty="0" smtClean="0"/>
+              <a:t> </a:t>
+            </a:r>
+            <a:r>
+              <a:rPr lang="ru-RU" dirty="0" smtClean="0"/>
+              <a:t>сдвинуть текущую строку вверх или вниз</a:t>
+            </a:r>
+            <a:endParaRPr lang="ru-RU" dirty="0"/>
+          </a:p>
+        </p:txBody>
+      </p:sp>
+    </p:spTree>
+    <p:extLst>
+      <p:ext uri="{BB962C8B-B14F-4D97-AF65-F5344CB8AC3E}">
+        <p14:creationId xmlns:p14="http://schemas.microsoft.com/office/powerpoint/2010/main" val="2334297427"/>
+      </p:ext>
+    </p:extLst>
+  </p:cSld>
+  <p:clrMapOvr>
+    <a:masterClrMapping/>
+  </p:clrMapOvr>
+</p:sld>
+</file>
+
+<file path=ppt/slides/slide23.xml><?xml version="1.0" encoding="utf-8"?>
+<p:sld xmlns:a="http://schemas.openxmlformats.org/drawingml/2006/main" xmlns:r="http://schemas.openxmlformats.org/officeDocument/2006/relationships" xmlns:p="http://schemas.openxmlformats.org/presentationml/2006/main">
+  <p:cSld>
     <p:bg>
       <p:bgPr>
         <a:blipFill dpi="0" rotWithShape="1">
@@ -8640,6 +8738,694 @@
         <p:spPr/>
         <p:txBody>
           <a:bodyPr>
+            <a:normAutofit fontScale="85000" lnSpcReduction="20000"/>
+          </a:bodyPr>
+          <a:lstStyle/>
+          <a:p>
+            <a:pPr>
+              <a:buClr>
+                <a:schemeClr val="bg1"/>
+              </a:buClr>
+            </a:pPr>
+            <a:r>
+              <a:rPr lang="en-US" dirty="0" smtClean="0">
+                <a:solidFill>
+                  <a:srgbClr val="F6AE1E"/>
+                </a:solidFill>
+              </a:rPr>
+              <a:t>F12</a:t>
+            </a:r>
+            <a:r>
+              <a:rPr lang="en-US" dirty="0" smtClean="0">
+                <a:solidFill>
+                  <a:schemeClr val="bg1"/>
+                </a:solidFill>
+              </a:rPr>
+              <a:t> </a:t>
+            </a:r>
+            <a:r>
+              <a:rPr lang="ru-RU" dirty="0" smtClean="0">
+                <a:solidFill>
+                  <a:schemeClr val="bg1"/>
+                </a:solidFill>
+              </a:rPr>
+              <a:t>перейти к </a:t>
+            </a:r>
+            <a:r>
+              <a:rPr lang="ru-RU" dirty="0" smtClean="0">
+                <a:solidFill>
+                  <a:schemeClr val="bg1"/>
+                </a:solidFill>
+              </a:rPr>
+              <a:t>объявлению</a:t>
+            </a:r>
+          </a:p>
+          <a:p>
+            <a:pPr>
+              <a:buClr>
+                <a:schemeClr val="bg1"/>
+              </a:buClr>
+            </a:pPr>
+            <a:r>
+              <a:rPr lang="en-US" dirty="0" smtClean="0">
+                <a:solidFill>
+                  <a:srgbClr val="F6AE1E"/>
+                </a:solidFill>
+              </a:rPr>
+              <a:t>Ctrl+Shift+7</a:t>
+            </a:r>
+            <a:r>
+              <a:rPr lang="en-US" dirty="0" smtClean="0">
+                <a:solidFill>
+                  <a:schemeClr val="bg1"/>
+                </a:solidFill>
+              </a:rPr>
+              <a:t> </a:t>
+            </a:r>
+            <a:r>
+              <a:rPr lang="ru-RU" dirty="0" smtClean="0">
+                <a:solidFill>
+                  <a:schemeClr val="bg1"/>
+                </a:solidFill>
+              </a:rPr>
+              <a:t>и </a:t>
+            </a:r>
+            <a:r>
+              <a:rPr lang="en-US" dirty="0" smtClean="0">
+                <a:solidFill>
+                  <a:srgbClr val="F6AE1E"/>
+                </a:solidFill>
+              </a:rPr>
+              <a:t>Ctrl+Shift+8</a:t>
+            </a:r>
+            <a:r>
+              <a:rPr lang="ru-RU" dirty="0" smtClean="0">
+                <a:solidFill>
+                  <a:schemeClr val="bg1"/>
+                </a:solidFill>
+              </a:rPr>
+              <a:t> переход по типам для которых ранее делали </a:t>
+            </a:r>
+            <a:r>
+              <a:rPr lang="en-US" dirty="0" smtClean="0">
+                <a:solidFill>
+                  <a:schemeClr val="bg1"/>
+                </a:solidFill>
+              </a:rPr>
+              <a:t>F12</a:t>
+            </a:r>
+            <a:endParaRPr lang="en-US" dirty="0" smtClean="0">
+              <a:solidFill>
+                <a:schemeClr val="bg1"/>
+              </a:solidFill>
+            </a:endParaRPr>
+          </a:p>
+          <a:p>
+            <a:pPr>
+              <a:buClr>
+                <a:schemeClr val="bg1"/>
+              </a:buClr>
+            </a:pPr>
+            <a:r>
+              <a:rPr lang="en-US" sz="3100" dirty="0">
+                <a:solidFill>
+                  <a:srgbClr val="92D050"/>
+                </a:solidFill>
+              </a:rPr>
+              <a:t>[</a:t>
+            </a:r>
+            <a:r>
+              <a:rPr lang="en-US" sz="3100" dirty="0" smtClean="0">
+                <a:solidFill>
+                  <a:srgbClr val="92D050"/>
+                </a:solidFill>
+              </a:rPr>
+              <a:t>1</a:t>
+            </a:r>
+            <a:r>
+              <a:rPr lang="ru-RU" sz="3100" dirty="0" smtClean="0">
+                <a:solidFill>
+                  <a:srgbClr val="92D050"/>
+                </a:solidFill>
+              </a:rPr>
+              <a:t>3</a:t>
+            </a:r>
+            <a:r>
+              <a:rPr lang="en-US" sz="3100" dirty="0" smtClean="0">
+                <a:solidFill>
+                  <a:srgbClr val="92D050"/>
+                </a:solidFill>
+              </a:rPr>
+              <a:t>]</a:t>
+            </a:r>
+            <a:r>
+              <a:rPr lang="ru-RU" sz="3100" dirty="0" smtClean="0">
+                <a:solidFill>
+                  <a:srgbClr val="F6AE1E"/>
+                </a:solidFill>
+              </a:rPr>
+              <a:t> </a:t>
+            </a:r>
+            <a:r>
+              <a:rPr lang="en-US" sz="3100" dirty="0" smtClean="0">
+                <a:solidFill>
+                  <a:srgbClr val="F6AE1E"/>
+                </a:solidFill>
+              </a:rPr>
+              <a:t>Alt+F12</a:t>
+            </a:r>
+            <a:r>
+              <a:rPr lang="en-US" dirty="0" smtClean="0">
+                <a:solidFill>
+                  <a:schemeClr val="bg1"/>
+                </a:solidFill>
+              </a:rPr>
+              <a:t> </a:t>
+            </a:r>
+            <a:r>
+              <a:rPr lang="ru-RU" dirty="0" smtClean="0">
+                <a:solidFill>
+                  <a:schemeClr val="bg1"/>
+                </a:solidFill>
+              </a:rPr>
+              <a:t>Просмотр объявления в окне редактора </a:t>
+            </a:r>
+            <a:r>
+              <a:rPr lang="en-US" dirty="0" smtClean="0">
+                <a:solidFill>
+                  <a:schemeClr val="bg1"/>
+                </a:solidFill>
+              </a:rPr>
+              <a:t>(peek definition)</a:t>
+            </a:r>
+            <a:endParaRPr lang="ru-RU" dirty="0" smtClean="0">
+              <a:solidFill>
+                <a:schemeClr val="bg1"/>
+              </a:solidFill>
+            </a:endParaRPr>
+          </a:p>
+          <a:p>
+            <a:pPr>
+              <a:buClr>
+                <a:schemeClr val="bg1"/>
+              </a:buClr>
+            </a:pPr>
+            <a:r>
+              <a:rPr lang="en-US" dirty="0">
+                <a:solidFill>
+                  <a:srgbClr val="F6AE1E"/>
+                </a:solidFill>
+              </a:rPr>
+              <a:t>Shift+F12</a:t>
+            </a:r>
+            <a:r>
+              <a:rPr lang="en-US" dirty="0" smtClean="0">
+                <a:solidFill>
+                  <a:schemeClr val="bg1"/>
+                </a:solidFill>
+              </a:rPr>
+              <a:t> </a:t>
+            </a:r>
+            <a:r>
+              <a:rPr lang="ru-RU" dirty="0" smtClean="0">
+                <a:solidFill>
+                  <a:schemeClr val="bg1"/>
+                </a:solidFill>
+              </a:rPr>
+              <a:t>найти все места где используется имя</a:t>
+            </a:r>
+          </a:p>
+          <a:p>
+            <a:pPr>
+              <a:buClr>
+                <a:schemeClr val="bg1"/>
+              </a:buClr>
+            </a:pPr>
+            <a:r>
+              <a:rPr lang="en-US" dirty="0">
+                <a:solidFill>
+                  <a:srgbClr val="F6AE1E"/>
+                </a:solidFill>
+              </a:rPr>
+              <a:t>Ctrl+</a:t>
+            </a:r>
+            <a:r>
+              <a:rPr lang="ru-RU" dirty="0">
+                <a:solidFill>
+                  <a:srgbClr val="F6AE1E"/>
+                </a:solidFill>
+              </a:rPr>
+              <a:t>Минус</a:t>
+            </a:r>
+            <a:r>
+              <a:rPr lang="en-US" dirty="0" smtClean="0">
+                <a:solidFill>
+                  <a:schemeClr val="bg1"/>
+                </a:solidFill>
+              </a:rPr>
+              <a:t> </a:t>
+            </a:r>
+            <a:r>
+              <a:rPr lang="ru-RU" dirty="0" smtClean="0">
+                <a:solidFill>
+                  <a:schemeClr val="bg1"/>
+                </a:solidFill>
+              </a:rPr>
+              <a:t>и </a:t>
+            </a:r>
+            <a:r>
+              <a:rPr lang="en-US" dirty="0" err="1" smtClean="0">
+                <a:solidFill>
+                  <a:srgbClr val="F6AE1E"/>
+                </a:solidFill>
+              </a:rPr>
+              <a:t>Shift+Ctrl</a:t>
+            </a:r>
+            <a:r>
+              <a:rPr lang="en-US" dirty="0" smtClean="0">
+                <a:solidFill>
+                  <a:srgbClr val="F6AE1E"/>
+                </a:solidFill>
+              </a:rPr>
+              <a:t>+</a:t>
+            </a:r>
+            <a:r>
+              <a:rPr lang="ru-RU" dirty="0" smtClean="0">
+                <a:solidFill>
+                  <a:srgbClr val="F6AE1E"/>
+                </a:solidFill>
+              </a:rPr>
+              <a:t>Минус</a:t>
+            </a:r>
+            <a:r>
+              <a:rPr lang="en-US" dirty="0" smtClean="0">
+                <a:solidFill>
+                  <a:schemeClr val="bg1"/>
+                </a:solidFill>
+              </a:rPr>
+              <a:t> </a:t>
+            </a:r>
+            <a:r>
+              <a:rPr lang="ru-RU" dirty="0" smtClean="0">
+                <a:solidFill>
+                  <a:schemeClr val="bg1"/>
+                </a:solidFill>
+              </a:rPr>
+              <a:t>навигация «вперед»/«назад»</a:t>
+            </a:r>
+          </a:p>
+          <a:p>
+            <a:pPr>
+              <a:buClr>
+                <a:schemeClr val="bg1"/>
+              </a:buClr>
+            </a:pPr>
+            <a:r>
+              <a:rPr lang="en-US" dirty="0" err="1">
+                <a:solidFill>
+                  <a:srgbClr val="F6AE1E"/>
+                </a:solidFill>
+              </a:rPr>
+              <a:t>Ctrl+Alt</a:t>
+            </a:r>
+            <a:r>
+              <a:rPr lang="en-US" dirty="0">
+                <a:solidFill>
+                  <a:srgbClr val="F6AE1E"/>
+                </a:solidFill>
+              </a:rPr>
+              <a:t>+</a:t>
+            </a:r>
+            <a:r>
+              <a:rPr lang="ru-RU" dirty="0">
+                <a:solidFill>
+                  <a:srgbClr val="F6AE1E"/>
+                </a:solidFill>
+              </a:rPr>
+              <a:t>Стрелка вниз</a:t>
+            </a:r>
+            <a:r>
+              <a:rPr lang="ru-RU" dirty="0" smtClean="0">
+                <a:solidFill>
+                  <a:schemeClr val="bg1"/>
+                </a:solidFill>
+              </a:rPr>
+              <a:t> показать список открытых файлов</a:t>
+            </a:r>
+            <a:endParaRPr lang="en-US" dirty="0" smtClean="0">
+              <a:solidFill>
+                <a:schemeClr val="bg1"/>
+              </a:solidFill>
+            </a:endParaRPr>
+          </a:p>
+          <a:p>
+            <a:pPr>
+              <a:buClr>
+                <a:schemeClr val="bg1"/>
+              </a:buClr>
+            </a:pPr>
+            <a:r>
+              <a:rPr lang="en-US" dirty="0" err="1">
+                <a:solidFill>
+                  <a:srgbClr val="F6AE1E"/>
+                </a:solidFill>
+              </a:rPr>
+              <a:t>Ctrl+G</a:t>
+            </a:r>
+            <a:r>
+              <a:rPr lang="en-US" dirty="0">
+                <a:solidFill>
+                  <a:schemeClr val="bg1"/>
+                </a:solidFill>
+              </a:rPr>
+              <a:t> </a:t>
+            </a:r>
+            <a:r>
+              <a:rPr lang="ru-RU" dirty="0">
+                <a:solidFill>
+                  <a:schemeClr val="bg1"/>
+                </a:solidFill>
+              </a:rPr>
+              <a:t>перейти на строку </a:t>
+            </a:r>
+            <a:r>
+              <a:rPr lang="ru-RU" dirty="0" smtClean="0">
+                <a:solidFill>
+                  <a:schemeClr val="bg1"/>
+                </a:solidFill>
+              </a:rPr>
+              <a:t>№</a:t>
+            </a:r>
+            <a:endParaRPr lang="en-US" dirty="0">
+              <a:solidFill>
+                <a:schemeClr val="bg1"/>
+              </a:solidFill>
+            </a:endParaRPr>
+          </a:p>
+        </p:txBody>
+      </p:sp>
+    </p:spTree>
+    <p:extLst>
+      <p:ext uri="{BB962C8B-B14F-4D97-AF65-F5344CB8AC3E}">
+        <p14:creationId xmlns:p14="http://schemas.microsoft.com/office/powerpoint/2010/main" val="1465218823"/>
+      </p:ext>
+    </p:extLst>
+  </p:cSld>
+  <p:clrMapOvr>
+    <a:overrideClrMapping bg1="lt1" tx1="dk1" bg2="lt2" tx2="dk2" accent1="accent1" accent2="accent2" accent3="accent3" accent4="accent4" accent5="accent5" accent6="accent6" hlink="hlink" folHlink="folHlink"/>
+  </p:clrMapOvr>
+  <p:timing>
+    <p:tnLst>
+      <p:par>
+        <p:cTn id="1" dur="indefinite" restart="never" nodeType="tmRoot"/>
+      </p:par>
+    </p:tnLst>
+  </p:timing>
+</p:sld>
+</file>
+
+<file path=ppt/slides/slide24.xml><?xml version="1.0" encoding="utf-8"?>
+<p:sld xmlns:a="http://schemas.openxmlformats.org/drawingml/2006/main" xmlns:r="http://schemas.openxmlformats.org/officeDocument/2006/relationships" xmlns:p="http://schemas.openxmlformats.org/presentationml/2006/main">
+  <p:cSld>
+    <p:spTree>
+      <p:nvGrpSpPr>
+        <p:cNvPr id="1" name=""/>
+        <p:cNvGrpSpPr/>
+        <p:nvPr/>
+      </p:nvGrpSpPr>
+      <p:grpSpPr>
+        <a:xfrm>
+          <a:off x="0" y="0"/>
+          <a:ext cx="0" cy="0"/>
+          <a:chOff x="0" y="0"/>
+          <a:chExt cx="0" cy="0"/>
+        </a:xfrm>
+      </p:grpSpPr>
+      <p:sp>
+        <p:nvSpPr>
+          <p:cNvPr id="2" name="Title 1"/>
+          <p:cNvSpPr>
+            <a:spLocks noGrp="1"/>
+          </p:cNvSpPr>
+          <p:nvPr>
+            <p:ph type="title"/>
+          </p:nvPr>
+        </p:nvSpPr>
+        <p:spPr/>
+        <p:txBody>
+          <a:bodyPr/>
+          <a:lstStyle/>
+          <a:p>
+            <a:r>
+              <a:rPr lang="ru-RU" dirty="0" smtClean="0"/>
+              <a:t>Редактор: Смарт-тег</a:t>
+            </a:r>
+            <a:endParaRPr lang="ru-RU" dirty="0"/>
+          </a:p>
+        </p:txBody>
+      </p:sp>
+      <p:sp>
+        <p:nvSpPr>
+          <p:cNvPr id="3" name="Content Placeholder 2"/>
+          <p:cNvSpPr>
+            <a:spLocks noGrp="1"/>
+          </p:cNvSpPr>
+          <p:nvPr>
+            <p:ph idx="1"/>
+          </p:nvPr>
+        </p:nvSpPr>
+        <p:spPr/>
+        <p:txBody>
+          <a:bodyPr/>
+          <a:lstStyle/>
+          <a:p>
+            <a:r>
+              <a:rPr lang="en-US" dirty="0" smtClean="0">
+                <a:solidFill>
+                  <a:srgbClr val="F6AE1E"/>
+                </a:solidFill>
+              </a:rPr>
+              <a:t>Alt + Shift + F10</a:t>
+            </a:r>
+            <a:r>
+              <a:rPr lang="en-US" dirty="0" smtClean="0"/>
+              <a:t> </a:t>
+            </a:r>
+            <a:r>
+              <a:rPr lang="ru-RU" dirty="0" smtClean="0"/>
+              <a:t>или </a:t>
+            </a:r>
+            <a:r>
+              <a:rPr lang="en-US" dirty="0" smtClean="0">
+                <a:solidFill>
+                  <a:srgbClr val="F6AE1E"/>
+                </a:solidFill>
+              </a:rPr>
+              <a:t>Ctrl + .</a:t>
+            </a:r>
+            <a:r>
+              <a:rPr lang="en-US" dirty="0" smtClean="0"/>
+              <a:t> – </a:t>
+            </a:r>
+            <a:r>
+              <a:rPr lang="ru-RU" dirty="0" smtClean="0"/>
+              <a:t>открыть меню смарт-тега</a:t>
+            </a:r>
+            <a:endParaRPr lang="ru-RU" dirty="0"/>
+          </a:p>
+        </p:txBody>
+      </p:sp>
+    </p:spTree>
+    <p:extLst>
+      <p:ext uri="{BB962C8B-B14F-4D97-AF65-F5344CB8AC3E}">
+        <p14:creationId xmlns:p14="http://schemas.microsoft.com/office/powerpoint/2010/main" val="3059698048"/>
+      </p:ext>
+    </p:extLst>
+  </p:cSld>
+  <p:clrMapOvr>
+    <a:masterClrMapping/>
+  </p:clrMapOvr>
+  <p:timing>
+    <p:tnLst>
+      <p:par>
+        <p:cTn id="1" dur="indefinite" restart="never" nodeType="tmRoot"/>
+      </p:par>
+    </p:tnLst>
+  </p:timing>
+</p:sld>
+</file>
+
+<file path=ppt/slides/slide25.xml><?xml version="1.0" encoding="utf-8"?>
+<p:sld xmlns:a="http://schemas.openxmlformats.org/drawingml/2006/main" xmlns:r="http://schemas.openxmlformats.org/officeDocument/2006/relationships" xmlns:p="http://schemas.openxmlformats.org/presentationml/2006/main">
+  <p:cSld>
+    <p:spTree>
+      <p:nvGrpSpPr>
+        <p:cNvPr id="1" name=""/>
+        <p:cNvGrpSpPr/>
+        <p:nvPr/>
+      </p:nvGrpSpPr>
+      <p:grpSpPr>
+        <a:xfrm>
+          <a:off x="0" y="0"/>
+          <a:ext cx="0" cy="0"/>
+          <a:chOff x="0" y="0"/>
+          <a:chExt cx="0" cy="0"/>
+        </a:xfrm>
+      </p:grpSpPr>
+      <p:sp>
+        <p:nvSpPr>
+          <p:cNvPr id="2" name="Title 1"/>
+          <p:cNvSpPr>
+            <a:spLocks noGrp="1"/>
+          </p:cNvSpPr>
+          <p:nvPr>
+            <p:ph type="title"/>
+          </p:nvPr>
+        </p:nvSpPr>
+        <p:spPr/>
+        <p:txBody>
+          <a:bodyPr/>
+          <a:lstStyle/>
+          <a:p>
+            <a:r>
+              <a:rPr lang="ru-RU" dirty="0" smtClean="0"/>
+              <a:t>Редактор: </a:t>
+            </a:r>
+            <a:r>
+              <a:rPr lang="en-US" dirty="0" smtClean="0"/>
+              <a:t>IntelliSense</a:t>
+            </a:r>
+            <a:endParaRPr lang="ru-RU" dirty="0"/>
+          </a:p>
+        </p:txBody>
+      </p:sp>
+      <p:sp>
+        <p:nvSpPr>
+          <p:cNvPr id="3" name="Content Placeholder 2"/>
+          <p:cNvSpPr>
+            <a:spLocks noGrp="1"/>
+          </p:cNvSpPr>
+          <p:nvPr>
+            <p:ph idx="1"/>
+          </p:nvPr>
+        </p:nvSpPr>
+        <p:spPr/>
+        <p:txBody>
+          <a:bodyPr/>
+          <a:lstStyle/>
+          <a:p>
+            <a:r>
+              <a:rPr lang="en-US" dirty="0" err="1" smtClean="0"/>
+              <a:t>Ctrl+Alt+Space</a:t>
+            </a:r>
+            <a:r>
+              <a:rPr lang="en-US" dirty="0" smtClean="0"/>
+              <a:t> – </a:t>
+            </a:r>
+            <a:r>
+              <a:rPr lang="ru-RU" dirty="0" smtClean="0"/>
+              <a:t>«режим советов». В этом режиме только </a:t>
+            </a:r>
+            <a:r>
+              <a:rPr lang="en-US" dirty="0" smtClean="0"/>
+              <a:t>Tab </a:t>
+            </a:r>
+            <a:r>
+              <a:rPr lang="ru-RU" dirty="0" smtClean="0"/>
+              <a:t>выбирает строку из списка предложений</a:t>
+            </a:r>
+            <a:endParaRPr lang="ru-RU" dirty="0"/>
+          </a:p>
+        </p:txBody>
+      </p:sp>
+    </p:spTree>
+    <p:extLst>
+      <p:ext uri="{BB962C8B-B14F-4D97-AF65-F5344CB8AC3E}">
+        <p14:creationId xmlns:p14="http://schemas.microsoft.com/office/powerpoint/2010/main" val="3953030913"/>
+      </p:ext>
+    </p:extLst>
+  </p:cSld>
+  <p:clrMapOvr>
+    <a:masterClrMapping/>
+  </p:clrMapOvr>
+</p:sld>
+</file>
+
+<file path=ppt/slides/slide26.xml><?xml version="1.0" encoding="utf-8"?>
+<p:sld xmlns:a="http://schemas.openxmlformats.org/drawingml/2006/main" xmlns:r="http://schemas.openxmlformats.org/officeDocument/2006/relationships" xmlns:p="http://schemas.openxmlformats.org/presentationml/2006/main">
+  <p:cSld>
+    <p:bg>
+      <p:bgPr>
+        <a:blipFill dpi="0" rotWithShape="1">
+          <a:blip r:embed="rId3">
+            <a:lum/>
+          </a:blip>
+          <a:srcRect/>
+          <a:stretch>
+            <a:fillRect/>
+          </a:stretch>
+        </a:blipFill>
+        <a:effectLst/>
+      </p:bgPr>
+    </p:bg>
+    <p:spTree>
+      <p:nvGrpSpPr>
+        <p:cNvPr id="1" name=""/>
+        <p:cNvGrpSpPr/>
+        <p:nvPr/>
+      </p:nvGrpSpPr>
+      <p:grpSpPr>
+        <a:xfrm>
+          <a:off x="0" y="0"/>
+          <a:ext cx="0" cy="0"/>
+          <a:chOff x="0" y="0"/>
+          <a:chExt cx="0" cy="0"/>
+        </a:xfrm>
+      </p:grpSpPr>
+      <p:sp>
+        <p:nvSpPr>
+          <p:cNvPr id="2" name="Title 1"/>
+          <p:cNvSpPr>
+            <a:spLocks noGrp="1"/>
+          </p:cNvSpPr>
+          <p:nvPr>
+            <p:ph type="title"/>
+          </p:nvPr>
+        </p:nvSpPr>
+        <p:spPr/>
+        <p:txBody>
+          <a:bodyPr/>
+          <a:lstStyle/>
+          <a:p>
+            <a:r>
+              <a:rPr lang="ru-RU" dirty="0" smtClean="0"/>
+              <a:t>Редактор</a:t>
+            </a:r>
+            <a:r>
+              <a:rPr lang="en-US" dirty="0" smtClean="0"/>
+              <a:t>: </a:t>
+            </a:r>
+            <a:r>
+              <a:rPr lang="ru-RU" dirty="0" smtClean="0"/>
+              <a:t>Навигация по коду</a:t>
+            </a:r>
+            <a:endParaRPr lang="en-US" dirty="0"/>
+          </a:p>
+        </p:txBody>
+      </p:sp>
+      <p:sp>
+        <p:nvSpPr>
+          <p:cNvPr id="3" name="Content Placeholder 2"/>
+          <p:cNvSpPr>
+            <a:spLocks noGrp="1"/>
+          </p:cNvSpPr>
+          <p:nvPr>
+            <p:ph idx="1"/>
+          </p:nvPr>
+        </p:nvSpPr>
+        <p:spPr/>
+        <p:txBody>
+          <a:bodyPr>
             <a:normAutofit/>
           </a:bodyPr>
           <a:lstStyle/>
@@ -8792,7 +9578,7 @@
 </p:sld>
 </file>
 
-<file path=ppt/slides/slide21.xml><?xml version="1.0" encoding="utf-8"?>
+<file path=ppt/slides/slide27.xml><?xml version="1.0" encoding="utf-8"?>
 <p:sld xmlns:a="http://schemas.openxmlformats.org/drawingml/2006/main" xmlns:r="http://schemas.openxmlformats.org/officeDocument/2006/relationships" xmlns:p="http://schemas.openxmlformats.org/presentationml/2006/main">
   <p:cSld>
     <p:spTree>
@@ -8849,7 +9635,7 @@
         <p:spPr/>
         <p:txBody>
           <a:bodyPr>
-            <a:normAutofit/>
+            <a:normAutofit fontScale="85000" lnSpcReduction="20000"/>
           </a:bodyPr>
           <a:lstStyle/>
           <a:p>
@@ -9007,7 +9793,71 @@
                   <a:schemeClr val="bg1"/>
                 </a:solidFill>
               </a:rPr>
-              <a:t>Tools -&gt; Code Snippets Manager.</a:t>
+              <a:t>Tools -&gt; Code Snippets Manager</a:t>
+            </a:r>
+            <a:r>
+              <a:rPr lang="en-US" dirty="0" smtClean="0">
+                <a:solidFill>
+                  <a:schemeClr val="bg1"/>
+                </a:solidFill>
+              </a:rPr>
+              <a:t>.</a:t>
+            </a:r>
+            <a:endParaRPr lang="ru-RU" dirty="0" smtClean="0">
+              <a:solidFill>
+                <a:schemeClr val="bg1"/>
+              </a:solidFill>
+            </a:endParaRPr>
+          </a:p>
+          <a:p>
+            <a:pPr marL="0" indent="0">
+              <a:spcAft>
+                <a:spcPts val="600"/>
+              </a:spcAft>
+              <a:buClr>
+                <a:schemeClr val="bg1"/>
+              </a:buClr>
+              <a:buNone/>
+            </a:pPr>
+            <a:endParaRPr lang="ru-RU" dirty="0" smtClean="0">
+              <a:solidFill>
+                <a:schemeClr val="bg1"/>
+              </a:solidFill>
+            </a:endParaRPr>
+          </a:p>
+          <a:p>
+            <a:pPr marL="0" indent="0">
+              <a:spcAft>
+                <a:spcPts val="600"/>
+              </a:spcAft>
+              <a:buClr>
+                <a:schemeClr val="bg1"/>
+              </a:buClr>
+              <a:buNone/>
+            </a:pPr>
+            <a:r>
+              <a:rPr lang="en-US" dirty="0" err="1" smtClean="0">
+                <a:solidFill>
+                  <a:srgbClr val="F6AE1E"/>
+                </a:solidFill>
+              </a:rPr>
+              <a:t>Ctrl+K+X</a:t>
+            </a:r>
+            <a:r>
+              <a:rPr lang="en-US" dirty="0" smtClean="0">
+                <a:solidFill>
+                  <a:schemeClr val="bg1"/>
+                </a:solidFill>
+              </a:rPr>
+              <a:t> </a:t>
+            </a:r>
+            <a:r>
+              <a:rPr lang="ru-RU" dirty="0" smtClean="0">
+                <a:solidFill>
+                  <a:schemeClr val="bg1"/>
+                </a:solidFill>
+              </a:rPr>
+              <a:t>показывает список сниппетов прямо в редакторе.</a:t>
             </a:r>
             <a:endParaRPr lang="ru-RU" dirty="0" smtClean="0">
               <a:solidFill>
@@ -9050,7 +9900,7 @@
 </p:sld>
 </file>
 
-<file path=ppt/slides/slide22.xml><?xml version="1.0" encoding="utf-8"?>
+<file path=ppt/slides/slide28.xml><?xml version="1.0" encoding="utf-8"?>
 <p:sld xmlns:a="http://schemas.openxmlformats.org/drawingml/2006/main" xmlns:r="http://schemas.openxmlformats.org/officeDocument/2006/relationships" xmlns:p="http://schemas.openxmlformats.org/presentationml/2006/main">
   <p:cSld>
     <p:spTree>
@@ -10307,7 +11157,7 @@
 </p:sld>
 </file>
 
-<file path=ppt/slides/slide23.xml><?xml version="1.0" encoding="utf-8"?>
+<file path=ppt/slides/slide29.xml><?xml version="1.0" encoding="utf-8"?>
 <p:sld xmlns:a="http://schemas.openxmlformats.org/drawingml/2006/main" xmlns:r="http://schemas.openxmlformats.org/officeDocument/2006/relationships" xmlns:p="http://schemas.openxmlformats.org/presentationml/2006/main">
   <p:cSld>
     <p:bg>
@@ -10504,7 +11354,137 @@
 </p:sld>
 </file>
 
-<file path=ppt/slides/slide24.xml><?xml version="1.0" encoding="utf-8"?>
+<file path=ppt/slides/slide3.xml><?xml version="1.0" encoding="utf-8"?>
+<p:sld xmlns:a="http://schemas.openxmlformats.org/drawingml/2006/main" xmlns:r="http://schemas.openxmlformats.org/officeDocument/2006/relationships" xmlns:p="http://schemas.openxmlformats.org/presentationml/2006/main">
+  <p:cSld>
+    <p:spTree>
+      <p:nvGrpSpPr>
+        <p:cNvPr id="1" name=""/>
+        <p:cNvGrpSpPr/>
+        <p:nvPr/>
+      </p:nvGrpSpPr>
+      <p:grpSpPr>
+        <a:xfrm>
+          <a:off x="0" y="0"/>
+          <a:ext cx="0" cy="0"/>
+          <a:chOff x="0" y="0"/>
+          <a:chExt cx="0" cy="0"/>
+        </a:xfrm>
+      </p:grpSpPr>
+      <p:sp>
+        <p:nvSpPr>
+          <p:cNvPr id="2" name="Title 1"/>
+          <p:cNvSpPr>
+            <a:spLocks noGrp="1"/>
+          </p:cNvSpPr>
+          <p:nvPr>
+            <p:ph type="title"/>
+          </p:nvPr>
+        </p:nvSpPr>
+        <p:spPr/>
+        <p:txBody>
+          <a:bodyPr/>
+          <a:lstStyle/>
+          <a:p>
+            <a:r>
+              <a:rPr lang="ru-RU" dirty="0" smtClean="0"/>
+              <a:t>Ссылки</a:t>
+            </a:r>
+            <a:endParaRPr lang="ru-RU" dirty="0"/>
+          </a:p>
+        </p:txBody>
+      </p:sp>
+      <p:sp>
+        <p:nvSpPr>
+          <p:cNvPr id="3" name="Content Placeholder 2"/>
+          <p:cNvSpPr>
+            <a:spLocks noGrp="1"/>
+          </p:cNvSpPr>
+          <p:nvPr>
+            <p:ph idx="1"/>
+          </p:nvPr>
+        </p:nvSpPr>
+        <p:spPr/>
+        <p:txBody>
+          <a:bodyPr/>
+          <a:lstStyle/>
+          <a:p>
+            <a:r>
+              <a:rPr lang="ru-RU" dirty="0" smtClean="0"/>
+              <a:t>Официальная страница</a:t>
+            </a:r>
+            <a:br>
+              <a:rPr lang="ru-RU" dirty="0" smtClean="0"/>
+            </a:br>
+            <a:r>
+              <a:rPr lang="en-US" dirty="0" smtClean="0">
+                <a:hlinkClick r:id="rId2"/>
+              </a:rPr>
+              <a:t>http://msdn.microsoft.com/visualstudio</a:t>
+            </a:r>
+            <a:endParaRPr lang="ru-RU" dirty="0" smtClean="0"/>
+          </a:p>
+          <a:p>
+            <a:r>
+              <a:rPr lang="ru-RU" dirty="0" smtClean="0"/>
+              <a:t>Расширения</a:t>
+            </a:r>
+            <a:br>
+              <a:rPr lang="ru-RU" dirty="0" smtClean="0"/>
+            </a:br>
+            <a:r>
+              <a:rPr lang="en-US" dirty="0" smtClean="0">
+                <a:hlinkClick r:id="rId3"/>
+              </a:rPr>
+              <a:t>http://visualstudiogallery.msdn.microsoft.com</a:t>
+            </a:r>
+            <a:endParaRPr lang="ru-RU" dirty="0" smtClean="0"/>
+          </a:p>
+          <a:p>
+            <a:r>
+              <a:rPr lang="ru-RU" dirty="0" smtClean="0"/>
+              <a:t>Предложения по улучшению</a:t>
+            </a:r>
+            <a:br>
+              <a:rPr lang="ru-RU" dirty="0" smtClean="0"/>
+            </a:br>
+            <a:r>
+              <a:rPr lang="en-US" dirty="0" smtClean="0">
+                <a:hlinkClick r:id="rId4"/>
+              </a:rPr>
+              <a:t>http://visualstudio.uservoice.com</a:t>
+            </a:r>
+            <a:endParaRPr lang="ru-RU" dirty="0" smtClean="0"/>
+          </a:p>
+          <a:p>
+            <a:endParaRPr lang="ru-RU" dirty="0" smtClean="0"/>
+          </a:p>
+          <a:p>
+            <a:endParaRPr lang="ru-RU" dirty="0"/>
+          </a:p>
+        </p:txBody>
+      </p:sp>
+    </p:spTree>
+    <p:extLst>
+      <p:ext uri="{BB962C8B-B14F-4D97-AF65-F5344CB8AC3E}">
+        <p14:creationId xmlns:p14="http://schemas.microsoft.com/office/powerpoint/2010/main" val="1256543289"/>
+      </p:ext>
+    </p:extLst>
+  </p:cSld>
+  <p:clrMapOvr>
+    <a:masterClrMapping/>
+  </p:clrMapOvr>
+  <p:timing>
+    <p:tnLst>
+      <p:par>
+        <p:cTn id="1" dur="indefinite" restart="never" nodeType="tmRoot"/>
+      </p:par>
+    </p:tnLst>
+  </p:timing>
+</p:sld>
+</file>
+
+<file path=ppt/slides/slide30.xml><?xml version="1.0" encoding="utf-8"?>
 <p:sld xmlns:a="http://schemas.openxmlformats.org/drawingml/2006/main" xmlns:r="http://schemas.openxmlformats.org/officeDocument/2006/relationships" xmlns:p="http://schemas.openxmlformats.org/presentationml/2006/main">
   <p:cSld>
     <p:bg>
@@ -10709,10 +11689,17 @@
   <p:clrMapOvr>
     <a:overrideClrMapping bg1="lt1" tx1="dk1" bg2="lt2" tx2="dk2" accent1="accent1" accent2="accent2" accent3="accent3" accent4="accent4" accent5="accent5" accent6="accent6" hlink="hlink" folHlink="folHlink"/>
   </p:clrMapOvr>
+  <p:timing>
+    <p:tnLst>
+      <p:par>
+        <p:cTn id="1" dur="indefinite" restart="never" nodeType="tmRoot"/>
+      </p:par>
+    </p:tnLst>
+  </p:timing>
 </p:sld>
 </file>
 
-<file path=ppt/slides/slide25.xml><?xml version="1.0" encoding="utf-8"?>
+<file path=ppt/slides/slide31.xml><?xml version="1.0" encoding="utf-8"?>
 <p:sld xmlns:a="http://schemas.openxmlformats.org/drawingml/2006/main" xmlns:r="http://schemas.openxmlformats.org/officeDocument/2006/relationships" xmlns:p="http://schemas.openxmlformats.org/presentationml/2006/main">
   <p:cSld>
     <p:spTree>
@@ -10764,8 +11751,52 @@
         </p:nvSpPr>
         <p:spPr/>
         <p:txBody>
-          <a:bodyPr/>
+          <a:bodyPr>
+            <a:normAutofit/>
+          </a:bodyPr>
           <a:lstStyle/>
+          <a:p>
+            <a:r>
+              <a:rPr lang="en-US" dirty="0" smtClean="0">
+                <a:solidFill>
+                  <a:srgbClr val="92D050"/>
+                </a:solidFill>
+              </a:rPr>
+              <a:t>[12]</a:t>
+            </a:r>
+            <a:r>
+              <a:rPr lang="en-US" dirty="0" smtClean="0"/>
+              <a:t> Shift + Alt + f11 </a:t>
+            </a:r>
+            <a:r>
+              <a:rPr lang="en-US" dirty="0" smtClean="0"/>
+              <a:t>step into specific</a:t>
+            </a:r>
+          </a:p>
+          <a:p>
+            <a:r>
+              <a:rPr lang="en-US" dirty="0" smtClean="0"/>
+              <a:t>Shift + </a:t>
+            </a:r>
+            <a:r>
+              <a:rPr lang="en-US" dirty="0"/>
+              <a:t>F11 </a:t>
+            </a:r>
+            <a:r>
+              <a:rPr lang="en-US" dirty="0" smtClean="0"/>
+              <a:t>step out</a:t>
+            </a:r>
+          </a:p>
+          <a:p>
+            <a:r>
+              <a:rPr lang="en-US" dirty="0"/>
+              <a:t>Ctrl+F10 run </a:t>
+            </a:r>
+            <a:r>
+              <a:rPr lang="en-US" dirty="0" smtClean="0"/>
+              <a:t>to cursor</a:t>
+            </a:r>
+          </a:p>
           <a:p>
             <a:endParaRPr lang="en-US" dirty="0"/>
           </a:p>
@@ -10781,10 +11812,299 @@
   <p:clrMapOvr>
     <a:masterClrMapping/>
   </p:clrMapOvr>
+  <p:timing>
+    <p:tnLst>
+      <p:par>
+        <p:cTn id="1" dur="indefinite" restart="never" nodeType="tmRoot"/>
+      </p:par>
+    </p:tnLst>
+  </p:timing>
 </p:sld>
 </file>
 
-<file path=ppt/slides/slide26.xml><?xml version="1.0" encoding="utf-8"?>
+<file path=ppt/slides/slide32.xml><?xml version="1.0" encoding="utf-8"?>
+<p:sld xmlns:a="http://schemas.openxmlformats.org/drawingml/2006/main" xmlns:r="http://schemas.openxmlformats.org/officeDocument/2006/relationships" xmlns:p="http://schemas.openxmlformats.org/presentationml/2006/main">
+  <p:cSld>
+    <p:spTree>
+      <p:nvGrpSpPr>
+        <p:cNvPr id="1" name=""/>
+        <p:cNvGrpSpPr/>
+        <p:nvPr/>
+      </p:nvGrpSpPr>
+      <p:grpSpPr>
+        <a:xfrm>
+          <a:off x="0" y="0"/>
+          <a:ext cx="0" cy="0"/>
+          <a:chOff x="0" y="0"/>
+          <a:chExt cx="0" cy="0"/>
+        </a:xfrm>
+      </p:grpSpPr>
+      <p:sp>
+        <p:nvSpPr>
+          <p:cNvPr id="2" name="Title 1"/>
+          <p:cNvSpPr>
+            <a:spLocks noGrp="1"/>
+          </p:cNvSpPr>
+          <p:nvPr>
+            <p:ph type="title"/>
+          </p:nvPr>
+        </p:nvSpPr>
+        <p:spPr/>
+        <p:txBody>
+          <a:bodyPr/>
+          <a:lstStyle/>
+          <a:p>
+            <a:r>
+              <a:rPr lang="ru-RU" dirty="0" smtClean="0"/>
+              <a:t>Отладчик</a:t>
+            </a:r>
+            <a:r>
+              <a:rPr lang="en-US" dirty="0" smtClean="0"/>
+              <a:t>: data tips</a:t>
+            </a:r>
+            <a:endParaRPr lang="en-US" dirty="0"/>
+          </a:p>
+        </p:txBody>
+      </p:sp>
+      <p:sp>
+        <p:nvSpPr>
+          <p:cNvPr id="3" name="Content Placeholder 2"/>
+          <p:cNvSpPr>
+            <a:spLocks noGrp="1"/>
+          </p:cNvSpPr>
+          <p:nvPr>
+            <p:ph idx="1"/>
+          </p:nvPr>
+        </p:nvSpPr>
+        <p:spPr/>
+        <p:txBody>
+          <a:bodyPr>
+            <a:normAutofit lnSpcReduction="10000"/>
+          </a:bodyPr>
+          <a:lstStyle/>
+          <a:p>
+            <a:r>
+              <a:rPr lang="ru-RU" dirty="0" smtClean="0"/>
+              <a:t>Нажмите и удерживайте </a:t>
+            </a:r>
+            <a:r>
+              <a:rPr lang="en-US" dirty="0" smtClean="0">
+                <a:solidFill>
+                  <a:srgbClr val="F6AE1E"/>
+                </a:solidFill>
+              </a:rPr>
+              <a:t>Ctrl</a:t>
+            </a:r>
+            <a:r>
+              <a:rPr lang="en-US" dirty="0" smtClean="0"/>
+              <a:t> </a:t>
+            </a:r>
+            <a:r>
+              <a:rPr lang="ru-RU" dirty="0" smtClean="0"/>
+              <a:t>чтобы сделать </a:t>
+            </a:r>
+            <a:r>
+              <a:rPr lang="en-US" dirty="0" smtClean="0"/>
+              <a:t>data tip </a:t>
+            </a:r>
+            <a:r>
+              <a:rPr lang="ru-RU" dirty="0" smtClean="0"/>
+              <a:t>прозрачным</a:t>
+            </a:r>
+          </a:p>
+          <a:p>
+            <a:r>
+              <a:rPr lang="en-US" dirty="0" smtClean="0"/>
+              <a:t>Data tip </a:t>
+            </a:r>
+            <a:r>
+              <a:rPr lang="ru-RU" dirty="0" smtClean="0"/>
+              <a:t>работают для комментариев</a:t>
+            </a:r>
+          </a:p>
+          <a:p>
+            <a:r>
+              <a:rPr lang="ru-RU" dirty="0" smtClean="0"/>
+              <a:t>Если прикрепить (</a:t>
+            </a:r>
+            <a:r>
+              <a:rPr lang="en-US" dirty="0" smtClean="0"/>
+              <a:t>pin) data tip, </a:t>
+            </a:r>
+            <a:r>
+              <a:rPr lang="ru-RU" dirty="0" smtClean="0"/>
+              <a:t>то её последнее значение можно будет просматривать и после завершения отладки</a:t>
+            </a:r>
+          </a:p>
+          <a:p>
+            <a:r>
+              <a:rPr lang="ru-RU" dirty="0"/>
+              <a:t>К </a:t>
+            </a:r>
+            <a:r>
+              <a:rPr lang="en-US" dirty="0"/>
+              <a:t>data tip </a:t>
+            </a:r>
+            <a:r>
+              <a:rPr lang="ru-RU" dirty="0"/>
+              <a:t>можно </a:t>
+            </a:r>
+            <a:r>
+              <a:rPr lang="ru-RU" dirty="0" smtClean="0"/>
+              <a:t>написать комментарий. Для этого нажмите символ </a:t>
+            </a:r>
+            <a:r>
+              <a:rPr lang="ru-RU" b="1" dirty="0" smtClean="0"/>
+              <a:t>︾</a:t>
+            </a:r>
+            <a:r>
+              <a:rPr lang="ru-RU" dirty="0" smtClean="0"/>
+              <a:t> справа.</a:t>
+            </a:r>
+          </a:p>
+          <a:p>
+            <a:r>
+              <a:rPr lang="en-US" dirty="0" smtClean="0"/>
+              <a:t>Export/Import Data tips</a:t>
+            </a:r>
+            <a:endParaRPr lang="en-US" dirty="0"/>
+          </a:p>
+        </p:txBody>
+      </p:sp>
+    </p:spTree>
+    <p:extLst>
+      <p:ext uri="{BB962C8B-B14F-4D97-AF65-F5344CB8AC3E}">
+        <p14:creationId xmlns:p14="http://schemas.microsoft.com/office/powerpoint/2010/main" val="2649018507"/>
+      </p:ext>
+    </p:extLst>
+  </p:cSld>
+  <p:clrMapOvr>
+    <a:masterClrMapping/>
+  </p:clrMapOvr>
+  <p:timing>
+    <p:tnLst>
+      <p:par>
+        <p:cTn id="1" dur="indefinite" restart="never" nodeType="tmRoot"/>
+      </p:par>
+    </p:tnLst>
+  </p:timing>
+</p:sld>
+</file>
+
+<file path=ppt/slides/slide33.xml><?xml version="1.0" encoding="utf-8"?>
+<p:sld xmlns:a="http://schemas.openxmlformats.org/drawingml/2006/main" xmlns:r="http://schemas.openxmlformats.org/officeDocument/2006/relationships" xmlns:p="http://schemas.openxmlformats.org/presentationml/2006/main">
+  <p:cSld>
+    <p:spTree>
+      <p:nvGrpSpPr>
+        <p:cNvPr id="1" name=""/>
+        <p:cNvGrpSpPr/>
+        <p:nvPr/>
+      </p:nvGrpSpPr>
+      <p:grpSpPr>
+        <a:xfrm>
+          <a:off x="0" y="0"/>
+          <a:ext cx="0" cy="0"/>
+          <a:chOff x="0" y="0"/>
+          <a:chExt cx="0" cy="0"/>
+        </a:xfrm>
+      </p:grpSpPr>
+      <p:sp>
+        <p:nvSpPr>
+          <p:cNvPr id="2" name="Title 1"/>
+          <p:cNvSpPr>
+            <a:spLocks noGrp="1"/>
+          </p:cNvSpPr>
+          <p:nvPr>
+            <p:ph type="title"/>
+          </p:nvPr>
+        </p:nvSpPr>
+        <p:spPr/>
+        <p:txBody>
+          <a:bodyPr>
+            <a:normAutofit fontScale="90000"/>
+          </a:bodyPr>
+          <a:lstStyle/>
+          <a:p>
+            <a:r>
+              <a:rPr lang="en-US" dirty="0" smtClean="0">
+                <a:solidFill>
+                  <a:srgbClr val="92D050"/>
+                </a:solidFill>
+              </a:rPr>
+              <a:t>[12]</a:t>
+            </a:r>
+            <a:r>
+              <a:rPr lang="en-US" dirty="0" smtClean="0"/>
+              <a:t> </a:t>
+            </a:r>
+            <a:r>
+              <a:rPr lang="ru-RU" dirty="0" smtClean="0"/>
+              <a:t>Отладчик</a:t>
+            </a:r>
+            <a:r>
+              <a:rPr lang="en-US" dirty="0" smtClean="0"/>
+              <a:t>: </a:t>
+            </a:r>
+            <a:r>
+              <a:rPr lang="ru-RU" dirty="0" smtClean="0"/>
+              <a:t>окно </a:t>
+            </a:r>
+            <a:r>
+              <a:rPr lang="en-US" dirty="0" smtClean="0"/>
+              <a:t>Parallel Watch</a:t>
+            </a:r>
+            <a:endParaRPr lang="en-US" dirty="0"/>
+          </a:p>
+        </p:txBody>
+      </p:sp>
+      <p:sp>
+        <p:nvSpPr>
+          <p:cNvPr id="3" name="Content Placeholder 2"/>
+          <p:cNvSpPr>
+            <a:spLocks noGrp="1"/>
+          </p:cNvSpPr>
+          <p:nvPr>
+            <p:ph idx="1"/>
+          </p:nvPr>
+        </p:nvSpPr>
+        <p:spPr/>
+        <p:txBody>
+          <a:bodyPr>
+            <a:normAutofit/>
+          </a:bodyPr>
+          <a:lstStyle/>
+          <a:p>
+            <a:r>
+              <a:rPr lang="ru-RU" dirty="0" smtClean="0"/>
+              <a:t>Можно использовать для просмотра переменных при рекурсивных вызовах</a:t>
+            </a:r>
+          </a:p>
+          <a:p>
+            <a:endParaRPr lang="en-US" dirty="0"/>
+          </a:p>
+        </p:txBody>
+      </p:sp>
+    </p:spTree>
+    <p:extLst>
+      <p:ext uri="{BB962C8B-B14F-4D97-AF65-F5344CB8AC3E}">
+        <p14:creationId xmlns:p14="http://schemas.microsoft.com/office/powerpoint/2010/main" val="600624019"/>
+      </p:ext>
+    </p:extLst>
+  </p:cSld>
+  <p:clrMapOvr>
+    <a:masterClrMapping/>
+  </p:clrMapOvr>
+  <p:timing>
+    <p:tnLst>
+      <p:par>
+        <p:cTn id="1" dur="indefinite" restart="never" nodeType="tmRoot"/>
+      </p:par>
+    </p:tnLst>
+  </p:timing>
+</p:sld>
+</file>
+
+<file path=ppt/slides/slide34.xml><?xml version="1.0" encoding="utf-8"?>
 <p:sld xmlns:a="http://schemas.openxmlformats.org/drawingml/2006/main" xmlns:r="http://schemas.openxmlformats.org/officeDocument/2006/relationships" xmlns:p="http://schemas.openxmlformats.org/presentationml/2006/main">
   <p:cSld>
     <p:spTree>
@@ -11058,7 +12378,7 @@
 </p:sld>
 </file>
 
-<file path=ppt/slides/slide27.xml><?xml version="1.0" encoding="utf-8"?>
+<file path=ppt/slides/slide35.xml><?xml version="1.0" encoding="utf-8"?>
 <p:sld xmlns:a="http://schemas.openxmlformats.org/drawingml/2006/main" xmlns:r="http://schemas.openxmlformats.org/officeDocument/2006/relationships" xmlns:p="http://schemas.openxmlformats.org/presentationml/2006/main">
   <p:cSld>
     <p:spTree>
@@ -11181,136 +12501,6 @@
     <p:extLst>
       <p:ext uri="{BB962C8B-B14F-4D97-AF65-F5344CB8AC3E}">
         <p14:creationId xmlns:p14="http://schemas.microsoft.com/office/powerpoint/2010/main" val="2755780728"/>
-      </p:ext>
-    </p:extLst>
-  </p:cSld>
-  <p:clrMapOvr>
-    <a:masterClrMapping/>
-  </p:clrMapOvr>
-  <p:timing>
-    <p:tnLst>
-      <p:par>
-        <p:cTn id="1" dur="indefinite" restart="never" nodeType="tmRoot"/>
-      </p:par>
-    </p:tnLst>
-  </p:timing>
-</p:sld>
-</file>
-
-<file path=ppt/slides/slide3.xml><?xml version="1.0" encoding="utf-8"?>
-<p:sld xmlns:a="http://schemas.openxmlformats.org/drawingml/2006/main" xmlns:r="http://schemas.openxmlformats.org/officeDocument/2006/relationships" xmlns:p="http://schemas.openxmlformats.org/presentationml/2006/main">
-  <p:cSld>
-    <p:spTree>
-      <p:nvGrpSpPr>
-        <p:cNvPr id="1" name=""/>
-        <p:cNvGrpSpPr/>
-        <p:nvPr/>
-      </p:nvGrpSpPr>
-      <p:grpSpPr>
-        <a:xfrm>
-          <a:off x="0" y="0"/>
-          <a:ext cx="0" cy="0"/>
-          <a:chOff x="0" y="0"/>
-          <a:chExt cx="0" cy="0"/>
-        </a:xfrm>
-      </p:grpSpPr>
-      <p:sp>
-        <p:nvSpPr>
-          <p:cNvPr id="2" name="Title 1"/>
-          <p:cNvSpPr>
-            <a:spLocks noGrp="1"/>
-          </p:cNvSpPr>
-          <p:nvPr>
-            <p:ph type="title"/>
-          </p:nvPr>
-        </p:nvSpPr>
-        <p:spPr/>
-        <p:txBody>
-          <a:bodyPr/>
-          <a:lstStyle/>
-          <a:p>
-            <a:r>
-              <a:rPr lang="ru-RU" dirty="0" smtClean="0"/>
-              <a:t>Ссылки</a:t>
-            </a:r>
-            <a:endParaRPr lang="ru-RU" dirty="0"/>
-          </a:p>
-        </p:txBody>
-      </p:sp>
-      <p:sp>
-        <p:nvSpPr>
-          <p:cNvPr id="3" name="Content Placeholder 2"/>
-          <p:cNvSpPr>
-            <a:spLocks noGrp="1"/>
-          </p:cNvSpPr>
-          <p:nvPr>
-            <p:ph idx="1"/>
-          </p:nvPr>
-        </p:nvSpPr>
-        <p:spPr/>
-        <p:txBody>
-          <a:bodyPr/>
-          <a:lstStyle/>
-          <a:p>
-            <a:r>
-              <a:rPr lang="ru-RU" dirty="0" smtClean="0"/>
-              <a:t>Официальная страница</a:t>
-            </a:r>
-            <a:br>
-              <a:rPr lang="ru-RU" dirty="0" smtClean="0"/>
-            </a:br>
-            <a:r>
-              <a:rPr lang="en-US" dirty="0" smtClean="0">
-                <a:hlinkClick r:id="rId2"/>
-              </a:rPr>
-              <a:t>http://msdn.microsoft.com/visualstudio</a:t>
-            </a:r>
-            <a:endParaRPr lang="ru-RU" dirty="0" smtClean="0"/>
-          </a:p>
-          <a:p>
-            <a:r>
-              <a:rPr lang="ru-RU" dirty="0" smtClean="0"/>
-              <a:t>Расширения</a:t>
-            </a:r>
-            <a:br>
-              <a:rPr lang="ru-RU" dirty="0" smtClean="0"/>
-            </a:br>
-            <a:r>
-              <a:rPr lang="en-US" dirty="0" smtClean="0">
-                <a:hlinkClick r:id="rId3"/>
-              </a:rPr>
-              <a:t>http://visualstudiogallery.msdn.microsoft.com</a:t>
-            </a:r>
-            <a:endParaRPr lang="ru-RU" dirty="0" smtClean="0"/>
-          </a:p>
-          <a:p>
-            <a:r>
-              <a:rPr lang="ru-RU" dirty="0" smtClean="0"/>
-              <a:t>Предложения по улучшению</a:t>
-            </a:r>
-            <a:br>
-              <a:rPr lang="ru-RU" dirty="0" smtClean="0"/>
-            </a:br>
-            <a:r>
-              <a:rPr lang="en-US" dirty="0" smtClean="0">
-                <a:hlinkClick r:id="rId4"/>
-              </a:rPr>
-              <a:t>http://visualstudio.uservoice.com</a:t>
-            </a:r>
-            <a:endParaRPr lang="ru-RU" dirty="0" smtClean="0"/>
-          </a:p>
-          <a:p>
-            <a:endParaRPr lang="ru-RU" dirty="0" smtClean="0"/>
-          </a:p>
-          <a:p>
-            <a:endParaRPr lang="ru-RU" dirty="0"/>
-          </a:p>
-        </p:txBody>
-      </p:sp>
-    </p:spTree>
-    <p:extLst>
-      <p:ext uri="{BB962C8B-B14F-4D97-AF65-F5344CB8AC3E}">
-        <p14:creationId xmlns:p14="http://schemas.microsoft.com/office/powerpoint/2010/main" val="1256543289"/>
       </p:ext>
     </p:extLst>
   </p:cSld>
@@ -11380,7 +12570,7 @@
         <p:spPr/>
         <p:txBody>
           <a:bodyPr>
-            <a:normAutofit lnSpcReduction="10000"/>
+            <a:normAutofit/>
           </a:bodyPr>
           <a:lstStyle/>
           <a:p>
@@ -11446,6 +12636,14 @@
               <a:rPr lang="ru-RU" dirty="0" smtClean="0"/>
               <a:t>5</a:t>
             </a:r>
+            <a:r>
+              <a:rPr lang="en-US" dirty="0" smtClean="0"/>
+              <a:t> </a:t>
+            </a:r>
+            <a:r>
+              <a:rPr lang="ru-RU" dirty="0" smtClean="0"/>
+              <a:t>и выше</a:t>
+            </a:r>
             <a:endParaRPr lang="ru-RU" dirty="0" smtClean="0">
               <a:solidFill>
                 <a:srgbClr val="92D050"/>
@@ -11480,7 +12678,15 @@
             </a:r>
             <a:r>
               <a:rPr lang="en-US" dirty="0" smtClean="0"/>
-              <a:t>Visual Studio 2010</a:t>
+              <a:t>Visual Studio </a:t>
+            </a:r>
+            <a:r>
+              <a:rPr lang="en-US" dirty="0" smtClean="0"/>
+              <a:t>2010</a:t>
+            </a:r>
+            <a:r>
+              <a:rPr lang="ru-RU" dirty="0" smtClean="0"/>
+              <a:t> и выше</a:t>
             </a:r>
           </a:p>
           <a:p>
@@ -11513,31 +12719,64 @@
               <a:rPr lang="en-US" dirty="0" smtClean="0"/>
               <a:t>2012</a:t>
             </a:r>
-            <a:endParaRPr lang="ru-RU" dirty="0" smtClean="0"/>
-          </a:p>
-          <a:p>
-            <a:pPr marL="0" indent="0">
+            <a:r>
+              <a:rPr lang="ru-RU" dirty="0" smtClean="0"/>
+              <a:t> и выше</a:t>
+            </a:r>
+          </a:p>
+          <a:p>
+            <a:pPr lvl="1">
               <a:buClr>
                 <a:schemeClr val="bg1"/>
               </a:buClr>
-              <a:buNone/>
             </a:pPr>
-            <a:endParaRPr lang="en-US" dirty="0" smtClean="0"/>
-          </a:p>
-          <a:p>
-            <a:pPr marL="0" indent="0">
-              <a:buClr>
-                <a:schemeClr val="bg1"/>
-              </a:buClr>
-              <a:buNone/>
-            </a:pPr>
+            <a:r>
+              <a:rPr lang="en-US" dirty="0">
+                <a:solidFill>
+                  <a:srgbClr val="92D050"/>
+                </a:solidFill>
+              </a:rPr>
+              <a:t>[</a:t>
+            </a:r>
+            <a:r>
+              <a:rPr lang="en-US" dirty="0" smtClean="0">
+                <a:solidFill>
+                  <a:srgbClr val="92D050"/>
+                </a:solidFill>
+              </a:rPr>
+              <a:t>1</a:t>
+            </a:r>
+            <a:r>
+              <a:rPr lang="ru-RU" dirty="0" smtClean="0">
+                <a:solidFill>
+                  <a:srgbClr val="92D050"/>
+                </a:solidFill>
+              </a:rPr>
+              <a:t>3</a:t>
+            </a:r>
+            <a:r>
+              <a:rPr lang="en-US" dirty="0" smtClean="0">
+                <a:solidFill>
+                  <a:srgbClr val="92D050"/>
+                </a:solidFill>
+              </a:rPr>
+              <a:t>]</a:t>
+            </a:r>
+            <a:r>
+              <a:rPr lang="en-US" dirty="0" smtClean="0"/>
+              <a:t> </a:t>
+            </a:r>
+            <a:r>
+              <a:rPr lang="en-US" dirty="0"/>
+              <a:t>Visual Studio </a:t>
+            </a:r>
+            <a:r>
+              <a:rPr lang="en-US" dirty="0" smtClean="0"/>
+              <a:t>201</a:t>
+            </a:r>
             <a:r>
               <a:rPr lang="ru-RU" dirty="0" smtClean="0"/>
-              <a:t>Аналогично обозначаются версии ОС </a:t>
-            </a:r>
-            <a:r>
-              <a:rPr lang="en-US" dirty="0" smtClean="0"/>
-              <a:t>Windows</a:t>
+              <a:t>3 и выше</a:t>
             </a:r>
             <a:endParaRPr lang="en-US" dirty="0"/>
           </a:p>
@@ -12376,8 +13615,20 @@
           <a:lstStyle/>
           <a:p>
             <a:r>
+              <a:rPr lang="en-US" dirty="0" smtClean="0">
+                <a:solidFill>
+                  <a:srgbClr val="92D050"/>
+                </a:solidFill>
+              </a:rPr>
+              <a:t>[12]</a:t>
+            </a:r>
+            <a:r>
+              <a:rPr lang="en-US" dirty="0" smtClean="0"/>
+              <a:t> </a:t>
+            </a:r>
+            <a:r>
               <a:rPr lang="ru-RU" dirty="0" smtClean="0"/>
-              <a:t>Редактор</a:t>
+              <a:t>Цветная строка статуса</a:t>
             </a:r>
             <a:endParaRPr lang="ru-RU" dirty="0"/>
           </a:p>
@@ -12385,12 +13636,12 @@
       </p:sp>
       <p:sp>
         <p:nvSpPr>
-          <p:cNvPr id="3" name="Text Placeholder 2"/>
+          <p:cNvPr id="3" name="Content Placeholder 2"/>
           <p:cNvSpPr>
             <a:spLocks noGrp="1"/>
           </p:cNvSpPr>
           <p:nvPr>
-            <p:ph type="body" idx="1"/>
+            <p:ph idx="1"/>
           </p:nvPr>
         </p:nvSpPr>
         <p:spPr/>
@@ -12398,6 +13649,21 @@
           <a:bodyPr/>
           <a:lstStyle/>
           <a:p>
+            <a:pPr marL="0" indent="0">
+              <a:buNone/>
+            </a:pPr>
+            <a:r>
+              <a:rPr lang="ru-RU" dirty="0" smtClean="0"/>
+              <a:t>Строка статуса в </a:t>
+            </a:r>
+            <a:r>
+              <a:rPr lang="en-US" dirty="0" smtClean="0"/>
+              <a:t>Visual Studio </a:t>
+            </a:r>
+            <a:r>
+              <a:rPr lang="ru-RU" dirty="0" smtClean="0"/>
+              <a:t>меняет цвет в заивисимости от режима: по умолчанию, разработка и отладка.</a:t>
+            </a:r>
             <a:endParaRPr lang="ru-RU" dirty="0"/>
           </a:p>
         </p:txBody>
@@ -12405,7 +13671,7 @@
     </p:spTree>
     <p:extLst>
       <p:ext uri="{BB962C8B-B14F-4D97-AF65-F5344CB8AC3E}">
-        <p14:creationId xmlns:p14="http://schemas.microsoft.com/office/powerpoint/2010/main" val="3519851483"/>
+        <p14:creationId xmlns:p14="http://schemas.microsoft.com/office/powerpoint/2010/main" val="1784779431"/>
       </p:ext>
     </p:extLst>
   </p:cSld>

--- a/Presentation/tools-visual-studio.pptx
+++ b/Presentation/tools-visual-studio.pptx
@@ -144,7 +144,7 @@
   </p:defaultTextStyle>
   <p:extLst>
     <p:ext uri="{EFAFB233-063F-42B5-8137-9DF3F51BA10A}">
-      <p15:sldGuideLst xmlns="" xmlns:p15="http://schemas.microsoft.com/office/powerpoint/2012/main">
+      <p15:sldGuideLst xmlns:p15="http://schemas.microsoft.com/office/powerpoint/2012/main" xmlns="">
         <p15:guide id="1" orient="horz" pos="2160">
           <p15:clr>
             <a:srgbClr val="A4A3A4"/>
@@ -243,7 +243,7 @@
           <a:p>
             <a:fld id="{B24A7054-7FFB-49F4-A126-5DF6E687FF53}" type="datetimeFigureOut">
               <a:rPr lang="ru-RU" smtClean="0"/>
-              <a:t>20.09.2014</a:t>
+              <a:t>06.10.2014</a:t>
             </a:fld>
             <a:endParaRPr lang="ru-RU"/>
           </a:p>
@@ -1525,7 +1525,7 @@
           <a:p>
             <a:fld id="{8E6E6A2A-E9D3-4A0D-B04A-ABDD367A1E08}" type="datetimeFigureOut">
               <a:rPr lang="ru-RU" smtClean="0"/>
-              <a:t>20.09.2014</a:t>
+              <a:t>06.10.2014</a:t>
             </a:fld>
             <a:endParaRPr lang="ru-RU"/>
           </a:p>
@@ -4038,7 +4038,7 @@
                 </a:solidFill>
               </a:rPr>
               <a:pPr/>
-              <a:t>20.09.2014</a:t>
+              <a:t>06.10.2014</a:t>
             </a:fld>
             <a:endParaRPr lang="ru-RU">
               <a:solidFill>
@@ -5299,7 +5299,7 @@
           <a:p>
             <a:fld id="{AC3D3127-B7C4-45E3-9797-C527EC9FDD78}" type="datetimeFigureOut">
               <a:rPr lang="ru-RU" smtClean="0"/>
-              <a:t>20.09.2014</a:t>
+              <a:t>06.10.2014</a:t>
             </a:fld>
             <a:endParaRPr lang="ru-RU"/>
           </a:p>
@@ -5835,7 +5835,7 @@
                 </a:solidFill>
               </a:rPr>
               <a:pPr/>
-              <a:t>20.09.2014</a:t>
+              <a:t>06.10.2014</a:t>
             </a:fld>
             <a:endParaRPr lang="ru-RU">
               <a:solidFill>
@@ -7639,7 +7639,7 @@
                   <a:srgbClr val="F6AE1E"/>
                 </a:solidFill>
               </a:rPr>
-              <a:t>Ctrl+I</a:t>
+              <a:t>Ctrl+i</a:t>
             </a:r>
             <a:r>
               <a:rPr lang="ru-RU" dirty="0" smtClean="0">
@@ -7665,11 +7665,6 @@
               </a:rPr>
               <a:t>поиск</a:t>
             </a:r>
-            <a:endParaRPr lang="ru-RU" dirty="0" smtClean="0">
-              <a:solidFill>
-                <a:schemeClr val="bg1"/>
-              </a:solidFill>
-            </a:endParaRPr>
           </a:p>
           <a:p>
             <a:pPr>
@@ -8769,15 +8764,7 @@
                   <a:schemeClr val="bg1"/>
                 </a:solidFill>
               </a:rPr>
-              <a:t>перейти к </a:t>
-            </a:r>
-            <a:r>
-              <a:rPr lang="ru-RU" dirty="0" smtClean="0">
-                <a:solidFill>
-                  <a:schemeClr val="bg1"/>
-                </a:solidFill>
-              </a:rPr>
-              <a:t>объявлению</a:t>
+              <a:t>перейти к объявлению</a:t>
             </a:r>
           </a:p>
           <a:p>
@@ -8834,11 +8821,6 @@
               </a:rPr>
               <a:t>F12</a:t>
             </a:r>
-            <a:endParaRPr lang="en-US" dirty="0" smtClean="0">
-              <a:solidFill>
-                <a:schemeClr val="bg1"/>
-              </a:solidFill>
-            </a:endParaRPr>
           </a:p>
           <a:p>
             <a:pPr>
@@ -9793,15 +9775,7 @@
                   <a:schemeClr val="bg1"/>
                 </a:solidFill>
               </a:rPr>
-              <a:t>Tools -&gt; Code Snippets Manager</a:t>
-            </a:r>
-            <a:r>
-              <a:rPr lang="en-US" dirty="0" smtClean="0">
-                <a:solidFill>
-                  <a:schemeClr val="bg1"/>
-                </a:solidFill>
-              </a:rPr>
-              <a:t>.</a:t>
+              <a:t>Tools -&gt; Code Snippets Manager.</a:t>
             </a:r>
             <a:endParaRPr lang="ru-RU" dirty="0" smtClean="0">
               <a:solidFill>
@@ -9859,11 +9833,6 @@
               </a:rPr>
               <a:t>показывает список сниппетов прямо в редакторе.</a:t>
             </a:r>
-            <a:endParaRPr lang="ru-RU" dirty="0" smtClean="0">
-              <a:solidFill>
-                <a:schemeClr val="bg1"/>
-              </a:solidFill>
-            </a:endParaRPr>
           </a:p>
           <a:p>
             <a:pPr marL="0" indent="0">
@@ -11766,11 +11735,7 @@
             </a:r>
             <a:r>
               <a:rPr lang="en-US" dirty="0" smtClean="0"/>
-              <a:t> Shift + Alt + f11 </a:t>
-            </a:r>
-            <a:r>
-              <a:rPr lang="en-US" dirty="0" smtClean="0"/>
-              <a:t>step into specific</a:t>
+              <a:t> Shift + Alt + f11 step into specific</a:t>
             </a:r>
           </a:p>
           <a:p>
@@ -12678,11 +12643,7 @@
             </a:r>
             <a:r>
               <a:rPr lang="en-US" dirty="0" smtClean="0"/>
-              <a:t>Visual Studio </a:t>
-            </a:r>
-            <a:r>
-              <a:rPr lang="en-US" dirty="0" smtClean="0"/>
-              <a:t>2010</a:t>
+              <a:t>Visual Studio 2010</a:t>
             </a:r>
             <a:r>
               <a:rPr lang="ru-RU" dirty="0" smtClean="0"/>
@@ -13662,7 +13623,15 @@
             </a:r>
             <a:r>
               <a:rPr lang="ru-RU" dirty="0" smtClean="0"/>
-              <a:t>меняет цвет в заивисимости от режима: по умолчанию, разработка и отладка.</a:t>
+              <a:t>меняет цвет в </a:t>
+            </a:r>
+            <a:r>
+              <a:rPr lang="ru-RU" dirty="0" smtClean="0"/>
+              <a:t>зависимости </a:t>
+            </a:r>
+            <a:r>
+              <a:rPr lang="ru-RU" dirty="0" smtClean="0"/>
+              <a:t>от режима: по умолчанию, разработка и отладка.</a:t>
             </a:r>
             <a:endParaRPr lang="ru-RU" dirty="0"/>
           </a:p>

--- a/Presentation/tools-visual-studio.pptx
+++ b/Presentation/tools-visual-studio.pptx
@@ -6,7 +6,7 @@
     <p:sldMasterId id="2147483663" r:id="rId2"/>
   </p:sldMasterIdLst>
   <p:notesMasterIdLst>
-    <p:notesMasterId r:id="rId38"/>
+    <p:notesMasterId r:id="rId39"/>
   </p:notesMasterIdLst>
   <p:sldIdLst>
     <p:sldId id="257" r:id="rId3"/>
@@ -37,13 +37,14 @@
     <p:sldId id="269" r:id="rId28"/>
     <p:sldId id="273" r:id="rId29"/>
     <p:sldId id="274" r:id="rId30"/>
-    <p:sldId id="267" r:id="rId31"/>
-    <p:sldId id="268" r:id="rId32"/>
-    <p:sldId id="260" r:id="rId33"/>
-    <p:sldId id="293" r:id="rId34"/>
-    <p:sldId id="287" r:id="rId35"/>
-    <p:sldId id="261" r:id="rId36"/>
-    <p:sldId id="276" r:id="rId37"/>
+    <p:sldId id="294" r:id="rId31"/>
+    <p:sldId id="267" r:id="rId32"/>
+    <p:sldId id="268" r:id="rId33"/>
+    <p:sldId id="260" r:id="rId34"/>
+    <p:sldId id="293" r:id="rId35"/>
+    <p:sldId id="287" r:id="rId36"/>
+    <p:sldId id="261" r:id="rId37"/>
+    <p:sldId id="276" r:id="rId38"/>
   </p:sldIdLst>
   <p:sldSz cx="9144000" cy="6858000" type="screen4x3"/>
   <p:notesSz cx="6858000" cy="9144000"/>
@@ -243,7 +244,7 @@
           <a:p>
             <a:fld id="{B24A7054-7FFB-49F4-A126-5DF6E687FF53}" type="datetimeFigureOut">
               <a:rPr lang="ru-RU" smtClean="0"/>
-              <a:t>06.10.2014</a:t>
+              <a:t>04.12.2014</a:t>
             </a:fld>
             <a:endParaRPr lang="ru-RU"/>
           </a:p>
@@ -1525,7 +1526,7 @@
           <a:p>
             <a:fld id="{8E6E6A2A-E9D3-4A0D-B04A-ABDD367A1E08}" type="datetimeFigureOut">
               <a:rPr lang="ru-RU" smtClean="0"/>
-              <a:t>06.10.2014</a:t>
+              <a:t>04.12.2014</a:t>
             </a:fld>
             <a:endParaRPr lang="ru-RU"/>
           </a:p>
@@ -4038,7 +4039,7 @@
                 </a:solidFill>
               </a:rPr>
               <a:pPr/>
-              <a:t>06.10.2014</a:t>
+              <a:t>04.12.2014</a:t>
             </a:fld>
             <a:endParaRPr lang="ru-RU">
               <a:solidFill>
@@ -5299,7 +5300,7 @@
           <a:p>
             <a:fld id="{AC3D3127-B7C4-45E3-9797-C527EC9FDD78}" type="datetimeFigureOut">
               <a:rPr lang="ru-RU" smtClean="0"/>
-              <a:t>06.10.2014</a:t>
+              <a:t>04.12.2014</a:t>
             </a:fld>
             <a:endParaRPr lang="ru-RU"/>
           </a:p>
@@ -5835,7 +5836,7 @@
                 </a:solidFill>
               </a:rPr>
               <a:pPr/>
-              <a:t>06.10.2014</a:t>
+              <a:t>04.12.2014</a:t>
             </a:fld>
             <a:endParaRPr lang="ru-RU">
               <a:solidFill>
@@ -8639,7 +8640,11 @@
             </a:r>
             <a:r>
               <a:rPr lang="ru-RU" dirty="0" smtClean="0"/>
-              <a:t>сдвинуть текущую строку вверх или вниз</a:t>
+              <a:t>сдвинуть текущую строку/блок </a:t>
+            </a:r>
+            <a:r>
+              <a:rPr lang="ru-RU" smtClean="0"/>
+              <a:t>вверх или вниз</a:t>
             </a:r>
             <a:endParaRPr lang="ru-RU" dirty="0"/>
           </a:p>
@@ -11129,20 +11134,6 @@
 <file path=ppt/slides/slide29.xml><?xml version="1.0" encoding="utf-8"?>
 <p:sld xmlns:a="http://schemas.openxmlformats.org/drawingml/2006/main" xmlns:r="http://schemas.openxmlformats.org/officeDocument/2006/relationships" xmlns:p="http://schemas.openxmlformats.org/presentationml/2006/main">
   <p:cSld>
-    <p:bg>
-      <p:bgPr>
-        <a:blipFill dpi="0" rotWithShape="1">
-          <a:blip r:embed="rId3">
-            <a:lum/>
-          </a:blip>
-          <a:srcRect/>
-          <a:stretch>
-            <a:fillRect/>
-          </a:stretch>
-        </a:blipFill>
-        <a:effectLst/>
-      </p:bgPr>
-    </p:bg>
     <p:spTree>
       <p:nvGrpSpPr>
         <p:cNvPr id="1" name=""/>
@@ -11174,13 +11165,13 @@
           <a:p>
             <a:r>
               <a:rPr lang="ru-RU" dirty="0" smtClean="0"/>
-              <a:t>Окна: </a:t>
+              <a:t>Код внутри </a:t>
             </a:r>
             <a:r>
               <a:rPr lang="en-US" dirty="0" smtClean="0"/>
-              <a:t>Bookmarks</a:t>
-            </a:r>
-            <a:endParaRPr lang="en-US" dirty="0"/>
+              <a:t>Toolbox</a:t>
+            </a:r>
+            <a:endParaRPr lang="ru-RU" dirty="0"/>
           </a:p>
         </p:txBody>
       </p:sp>
@@ -11196,129 +11187,53 @@
         </p:nvSpPr>
         <p:spPr/>
         <p:txBody>
-          <a:bodyPr>
-            <a:normAutofit/>
-          </a:bodyPr>
+          <a:bodyPr/>
           <a:lstStyle/>
           <a:p>
-            <a:pPr>
-              <a:buClr>
-                <a:schemeClr val="bg1"/>
-              </a:buClr>
+            <a:pPr marL="0" indent="0">
+              <a:buNone/>
             </a:pPr>
             <a:r>
-              <a:rPr lang="ru-RU" dirty="0">
-                <a:solidFill>
-                  <a:schemeClr val="bg1"/>
-                </a:solidFill>
-              </a:rPr>
-              <a:t>Закладки в текстовых файлах</a:t>
-            </a:r>
-            <a:endParaRPr lang="en-US" dirty="0" smtClean="0">
-              <a:solidFill>
-                <a:schemeClr val="bg1"/>
-              </a:solidFill>
-            </a:endParaRPr>
-          </a:p>
-          <a:p>
-            <a:pPr>
-              <a:buClr>
-                <a:schemeClr val="bg1"/>
-              </a:buClr>
-            </a:pPr>
-            <a:r>
-              <a:rPr lang="ru-RU" dirty="0" smtClean="0">
-                <a:solidFill>
-                  <a:schemeClr val="bg1"/>
-                </a:solidFill>
-              </a:rPr>
-              <a:t>Команды меню </a:t>
-            </a:r>
-            <a:r>
-              <a:rPr lang="en-US" dirty="0" smtClean="0">
-                <a:solidFill>
-                  <a:schemeClr val="bg1"/>
-                </a:solidFill>
-              </a:rPr>
-              <a:t>View -&gt; Bookmark Window</a:t>
-            </a:r>
-            <a:r>
-              <a:rPr lang="ru-RU" dirty="0" smtClean="0">
-                <a:solidFill>
-                  <a:schemeClr val="bg1"/>
-                </a:solidFill>
-              </a:rPr>
-              <a:t> и </a:t>
-            </a:r>
-            <a:r>
-              <a:rPr lang="en-US" dirty="0" smtClean="0">
-                <a:solidFill>
-                  <a:schemeClr val="bg1"/>
-                </a:solidFill>
-              </a:rPr>
-              <a:t>Edit -&gt; Bookmarks.</a:t>
-            </a:r>
-          </a:p>
-          <a:p>
-            <a:pPr>
-              <a:buClr>
-                <a:schemeClr val="bg1"/>
-              </a:buClr>
-            </a:pPr>
-            <a:endParaRPr lang="ru-RU" dirty="0" smtClean="0">
-              <a:solidFill>
-                <a:schemeClr val="bg1"/>
-              </a:solidFill>
-            </a:endParaRPr>
-          </a:p>
-          <a:p>
-            <a:pPr>
-              <a:buClr>
-                <a:schemeClr val="bg1"/>
-              </a:buClr>
-            </a:pPr>
-            <a:endParaRPr lang="ru-RU" dirty="0" smtClean="0">
-              <a:solidFill>
-                <a:schemeClr val="bg1"/>
-              </a:solidFill>
-            </a:endParaRPr>
-          </a:p>
-          <a:p>
-            <a:pPr>
-              <a:buClr>
-                <a:schemeClr val="bg1"/>
-              </a:buClr>
-            </a:pPr>
-            <a:endParaRPr lang="ru-RU" dirty="0" smtClean="0">
-              <a:solidFill>
-                <a:schemeClr val="bg1"/>
-              </a:solidFill>
-            </a:endParaRPr>
-          </a:p>
-          <a:p>
-            <a:pPr marL="0" indent="0">
-              <a:buClr>
-                <a:schemeClr val="bg1"/>
-              </a:buClr>
-              <a:buNone/>
-            </a:pPr>
-            <a:endParaRPr lang="en-US" dirty="0">
-              <a:solidFill>
-                <a:schemeClr val="bg1"/>
-              </a:solidFill>
-            </a:endParaRPr>
+              <a:rPr lang="ru-RU" dirty="0" smtClean="0"/>
+              <a:t>В </a:t>
+            </a:r>
+            <a:r>
+              <a:rPr lang="en-US" dirty="0" smtClean="0"/>
+              <a:t>Toolbox </a:t>
+            </a:r>
+            <a:r>
+              <a:rPr lang="ru-RU" dirty="0" smtClean="0"/>
+              <a:t>можно перетаскивать куски кода, давать им имена, организовывать в папки </a:t>
+            </a:r>
+            <a:r>
+              <a:rPr lang="en-US" dirty="0" smtClean="0"/>
+              <a:t>(Add new tab) </a:t>
+            </a:r>
+            <a:r>
+              <a:rPr lang="ru-RU" dirty="0" smtClean="0"/>
+              <a:t>чтобы позже вставлять с помощью </a:t>
+            </a:r>
+            <a:r>
+              <a:rPr lang="en-US" dirty="0" smtClean="0"/>
+              <a:t>drag-n-drop </a:t>
+            </a:r>
+            <a:r>
+              <a:rPr lang="ru-RU" dirty="0" smtClean="0"/>
+              <a:t>в редактор.</a:t>
+            </a:r>
+            <a:endParaRPr lang="ru-RU" dirty="0"/>
           </a:p>
         </p:txBody>
       </p:sp>
     </p:spTree>
     <p:extLst>
       <p:ext uri="{BB962C8B-B14F-4D97-AF65-F5344CB8AC3E}">
-        <p14:creationId xmlns:p14="http://schemas.microsoft.com/office/powerpoint/2010/main" val="3985499755"/>
+        <p14:creationId xmlns:p14="http://schemas.microsoft.com/office/powerpoint/2010/main" val="2572925695"/>
       </p:ext>
     </p:extLst>
   </p:cSld>
   <p:clrMapOvr>
-    <a:overrideClrMapping bg1="lt1" tx1="dk1" bg2="lt2" tx2="dk2" accent1="accent1" accent2="accent2" accent3="accent3" accent4="accent4" accent5="accent5" accent6="accent6" hlink="hlink" folHlink="folHlink"/>
+    <a:masterClrMapping/>
   </p:clrMapOvr>
 </p:sld>
 </file>
@@ -11505,7 +11420,7 @@
             </a:r>
             <a:r>
               <a:rPr lang="en-US" dirty="0" smtClean="0"/>
-              <a:t>Task List</a:t>
+              <a:t>Bookmarks</a:t>
             </a:r>
             <a:endParaRPr lang="en-US" dirty="0"/>
           </a:p>
@@ -11539,7 +11454,7 @@
                   <a:schemeClr val="bg1"/>
                 </a:solidFill>
               </a:rPr>
-              <a:t>Список можно использовать для хранения заметок по проекту</a:t>
+              <a:t>Закладки в текстовых файлах</a:t>
             </a:r>
             <a:endParaRPr lang="en-US" dirty="0" smtClean="0">
               <a:solidFill>
@@ -11559,7 +11474,7 @@
                   <a:schemeClr val="bg1"/>
                 </a:solidFill>
               </a:rPr>
-              <a:t>Команда меню </a:t>
+              <a:t>Команды меню </a:t>
             </a:r>
             <a:r>
               <a:rPr lang="en-US" dirty="0" smtClean="0">
@@ -11567,15 +11482,15 @@
                   <a:schemeClr val="bg1"/>
                 </a:solidFill>
               </a:rPr>
-              <a:t>View -&gt; </a:t>
-            </a:r>
-            <a:r>
-              <a:rPr lang="en-US" dirty="0">
+              <a:t>View -&gt; Bookmark Window</a:t>
+            </a:r>
+            <a:r>
+              <a:rPr lang="ru-RU" dirty="0" smtClean="0">
                 <a:solidFill>
                   <a:schemeClr val="bg1"/>
                 </a:solidFill>
               </a:rPr>
-              <a:t>Task </a:t>
+              <a:t> и </a:t>
             </a:r>
             <a:r>
               <a:rPr lang="en-US" dirty="0" smtClean="0">
@@ -11583,7 +11498,7 @@
                   <a:schemeClr val="bg1"/>
                 </a:solidFill>
               </a:rPr>
-              <a:t>List.</a:t>
+              <a:t>Edit -&gt; Bookmarks.</a:t>
             </a:r>
           </a:p>
           <a:p>
@@ -11592,46 +11507,35 @@
                 <a:schemeClr val="bg1"/>
               </a:buClr>
             </a:pPr>
-            <a:r>
-              <a:rPr lang="ru-RU" dirty="0" smtClean="0">
-                <a:solidFill>
-                  <a:schemeClr val="bg1"/>
-                </a:solidFill>
-              </a:rPr>
-              <a:t>Текст комментария написанный после </a:t>
-            </a:r>
-            <a:r>
-              <a:rPr lang="en-US" dirty="0" smtClean="0">
-                <a:solidFill>
-                  <a:schemeClr val="bg1"/>
-                </a:solidFill>
-              </a:rPr>
-              <a:t>TODO </a:t>
-            </a:r>
-            <a:r>
-              <a:rPr lang="ru-RU" dirty="0" smtClean="0">
-                <a:solidFill>
-                  <a:schemeClr val="bg1"/>
-                </a:solidFill>
-              </a:rPr>
-              <a:t>попадает в</a:t>
-            </a:r>
-            <a:r>
-              <a:rPr lang="en-US" dirty="0" smtClean="0">
-                <a:solidFill>
-                  <a:schemeClr val="bg1"/>
-                </a:solidFill>
-              </a:rPr>
-              <a:t> </a:t>
-            </a:r>
-            <a:r>
-              <a:rPr lang="ru-RU" dirty="0" smtClean="0">
-                <a:solidFill>
-                  <a:schemeClr val="bg1"/>
-                </a:solidFill>
-              </a:rPr>
-              <a:t>него автоматически</a:t>
-            </a:r>
+            <a:endParaRPr lang="ru-RU" dirty="0" smtClean="0">
+              <a:solidFill>
+                <a:schemeClr val="bg1"/>
+              </a:solidFill>
+            </a:endParaRPr>
+          </a:p>
+          <a:p>
+            <a:pPr>
+              <a:buClr>
+                <a:schemeClr val="bg1"/>
+              </a:buClr>
+            </a:pPr>
+            <a:endParaRPr lang="ru-RU" dirty="0" smtClean="0">
+              <a:solidFill>
+                <a:schemeClr val="bg1"/>
+              </a:solidFill>
+            </a:endParaRPr>
+          </a:p>
+          <a:p>
+            <a:pPr>
+              <a:buClr>
+                <a:schemeClr val="bg1"/>
+              </a:buClr>
+            </a:pPr>
+            <a:endParaRPr lang="ru-RU" dirty="0" smtClean="0">
+              <a:solidFill>
+                <a:schemeClr val="bg1"/>
+              </a:solidFill>
+            </a:endParaRPr>
           </a:p>
           <a:p>
             <a:pPr marL="0" indent="0">
@@ -11651,26 +11555,33 @@
     </p:spTree>
     <p:extLst>
       <p:ext uri="{BB962C8B-B14F-4D97-AF65-F5344CB8AC3E}">
-        <p14:creationId xmlns:p14="http://schemas.microsoft.com/office/powerpoint/2010/main" val="1384232909"/>
+        <p14:creationId xmlns:p14="http://schemas.microsoft.com/office/powerpoint/2010/main" val="3985499755"/>
       </p:ext>
     </p:extLst>
   </p:cSld>
   <p:clrMapOvr>
     <a:overrideClrMapping bg1="lt1" tx1="dk1" bg2="lt2" tx2="dk2" accent1="accent1" accent2="accent2" accent3="accent3" accent4="accent4" accent5="accent5" accent6="accent6" hlink="hlink" folHlink="folHlink"/>
   </p:clrMapOvr>
-  <p:timing>
-    <p:tnLst>
-      <p:par>
-        <p:cTn id="1" dur="indefinite" restart="never" nodeType="tmRoot"/>
-      </p:par>
-    </p:tnLst>
-  </p:timing>
 </p:sld>
 </file>
 
 <file path=ppt/slides/slide31.xml><?xml version="1.0" encoding="utf-8"?>
 <p:sld xmlns:a="http://schemas.openxmlformats.org/drawingml/2006/main" xmlns:r="http://schemas.openxmlformats.org/officeDocument/2006/relationships" xmlns:p="http://schemas.openxmlformats.org/presentationml/2006/main">
   <p:cSld>
+    <p:bg>
+      <p:bgPr>
+        <a:blipFill dpi="0" rotWithShape="1">
+          <a:blip r:embed="rId3">
+            <a:lum/>
+          </a:blip>
+          <a:srcRect/>
+          <a:stretch>
+            <a:fillRect/>
+          </a:stretch>
+        </a:blipFill>
+        <a:effectLst/>
+      </p:bgPr>
+    </p:bg>
     <p:spTree>
       <p:nvGrpSpPr>
         <p:cNvPr id="1" name=""/>
@@ -11702,7 +11613,11 @@
           <a:p>
             <a:r>
               <a:rPr lang="ru-RU" dirty="0" smtClean="0"/>
-              <a:t>Отладчик</a:t>
+              <a:t>Окна: </a:t>
+            </a:r>
+            <a:r>
+              <a:rPr lang="en-US" dirty="0" smtClean="0"/>
+              <a:t>Task List</a:t>
             </a:r>
             <a:endParaRPr lang="en-US" dirty="0"/>
           </a:p>
@@ -11725,57 +11640,135 @@
           </a:bodyPr>
           <a:lstStyle/>
           <a:p>
+            <a:pPr>
+              <a:buClr>
+                <a:schemeClr val="bg1"/>
+              </a:buClr>
+            </a:pPr>
+            <a:r>
+              <a:rPr lang="ru-RU" dirty="0">
+                <a:solidFill>
+                  <a:schemeClr val="bg1"/>
+                </a:solidFill>
+              </a:rPr>
+              <a:t>Список можно использовать для хранения заметок по проекту</a:t>
+            </a:r>
+            <a:endParaRPr lang="en-US" dirty="0" smtClean="0">
+              <a:solidFill>
+                <a:schemeClr val="bg1"/>
+              </a:solidFill>
+            </a:endParaRPr>
+          </a:p>
+          <a:p>
+            <a:pPr>
+              <a:buClr>
+                <a:schemeClr val="bg1"/>
+              </a:buClr>
+            </a:pPr>
+            <a:r>
+              <a:rPr lang="ru-RU" dirty="0" smtClean="0">
+                <a:solidFill>
+                  <a:schemeClr val="bg1"/>
+                </a:solidFill>
+              </a:rPr>
+              <a:t>Команда меню </a:t>
+            </a:r>
             <a:r>
               <a:rPr lang="en-US" dirty="0" smtClean="0">
                 <a:solidFill>
-                  <a:srgbClr val="92D050"/>
-                </a:solidFill>
-              </a:rPr>
-              <a:t>[12]</a:t>
-            </a:r>
-            <a:r>
-              <a:rPr lang="en-US" dirty="0" smtClean="0"/>
-              <a:t> Shift + Alt + f11 step into specific</a:t>
-            </a:r>
-          </a:p>
-          <a:p>
-            <a:r>
-              <a:rPr lang="en-US" dirty="0" smtClean="0"/>
-              <a:t>Shift + </a:t>
-            </a:r>
-            <a:r>
-              <a:rPr lang="en-US" dirty="0"/>
-              <a:t>F11 </a:t>
-            </a:r>
-            <a:r>
-              <a:rPr lang="en-US" dirty="0" smtClean="0"/>
-              <a:t>step out</a:t>
-            </a:r>
-          </a:p>
-          <a:p>
-            <a:r>
-              <a:rPr lang="en-US" dirty="0"/>
-              <a:t>Ctrl+F10 run </a:t>
-            </a:r>
-            <a:r>
-              <a:rPr lang="en-US" dirty="0" smtClean="0"/>
-              <a:t>to cursor</a:t>
-            </a:r>
-          </a:p>
-          <a:p>
-            <a:endParaRPr lang="en-US" dirty="0"/>
+                  <a:schemeClr val="bg1"/>
+                </a:solidFill>
+              </a:rPr>
+              <a:t>View -&gt; </a:t>
+            </a:r>
+            <a:r>
+              <a:rPr lang="en-US" dirty="0">
+                <a:solidFill>
+                  <a:schemeClr val="bg1"/>
+                </a:solidFill>
+              </a:rPr>
+              <a:t>Task </a:t>
+            </a:r>
+            <a:r>
+              <a:rPr lang="en-US" dirty="0" smtClean="0">
+                <a:solidFill>
+                  <a:schemeClr val="bg1"/>
+                </a:solidFill>
+              </a:rPr>
+              <a:t>List.</a:t>
+            </a:r>
+          </a:p>
+          <a:p>
+            <a:pPr>
+              <a:buClr>
+                <a:schemeClr val="bg1"/>
+              </a:buClr>
+            </a:pPr>
+            <a:r>
+              <a:rPr lang="ru-RU" dirty="0" smtClean="0">
+                <a:solidFill>
+                  <a:schemeClr val="bg1"/>
+                </a:solidFill>
+              </a:rPr>
+              <a:t>Текст комментария написанный после </a:t>
+            </a:r>
+            <a:r>
+              <a:rPr lang="en-US" dirty="0" smtClean="0">
+                <a:solidFill>
+                  <a:schemeClr val="bg1"/>
+                </a:solidFill>
+              </a:rPr>
+              <a:t>TODO </a:t>
+            </a:r>
+            <a:r>
+              <a:rPr lang="ru-RU" dirty="0" smtClean="0">
+                <a:solidFill>
+                  <a:schemeClr val="bg1"/>
+                </a:solidFill>
+              </a:rPr>
+              <a:t>попадает в</a:t>
+            </a:r>
+            <a:r>
+              <a:rPr lang="en-US" dirty="0" smtClean="0">
+                <a:solidFill>
+                  <a:schemeClr val="bg1"/>
+                </a:solidFill>
+              </a:rPr>
+              <a:t> </a:t>
+            </a:r>
+            <a:r>
+              <a:rPr lang="ru-RU" dirty="0" smtClean="0">
+                <a:solidFill>
+                  <a:schemeClr val="bg1"/>
+                </a:solidFill>
+              </a:rPr>
+              <a:t>него автоматически</a:t>
+            </a:r>
+          </a:p>
+          <a:p>
+            <a:pPr marL="0" indent="0">
+              <a:buClr>
+                <a:schemeClr val="bg1"/>
+              </a:buClr>
+              <a:buNone/>
+            </a:pPr>
+            <a:endParaRPr lang="en-US" dirty="0">
+              <a:solidFill>
+                <a:schemeClr val="bg1"/>
+              </a:solidFill>
+            </a:endParaRPr>
           </a:p>
         </p:txBody>
       </p:sp>
     </p:spTree>
     <p:extLst>
       <p:ext uri="{BB962C8B-B14F-4D97-AF65-F5344CB8AC3E}">
-        <p14:creationId xmlns:p14="http://schemas.microsoft.com/office/powerpoint/2010/main" val="1495295926"/>
+        <p14:creationId xmlns:p14="http://schemas.microsoft.com/office/powerpoint/2010/main" val="1384232909"/>
       </p:ext>
     </p:extLst>
   </p:cSld>
   <p:clrMapOvr>
-    <a:masterClrMapping/>
+    <a:overrideClrMapping bg1="lt1" tx1="dk1" bg2="lt2" tx2="dk2" accent1="accent1" accent2="accent2" accent3="accent3" accent4="accent4" accent5="accent5" accent6="accent6" hlink="hlink" folHlink="folHlink"/>
   </p:clrMapOvr>
   <p:timing>
     <p:tnLst>
@@ -11823,10 +11816,6 @@
               <a:rPr lang="ru-RU" dirty="0" smtClean="0"/>
               <a:t>Отладчик</a:t>
             </a:r>
-            <a:r>
-              <a:rPr lang="en-US" dirty="0" smtClean="0"/>
-              <a:t>: data tips</a:t>
-            </a:r>
             <a:endParaRPr lang="en-US" dirty="0"/>
           </a:p>
         </p:txBody>
@@ -11844,94 +11833,48 @@
         <p:spPr/>
         <p:txBody>
           <a:bodyPr>
-            <a:normAutofit lnSpcReduction="10000"/>
+            <a:normAutofit/>
           </a:bodyPr>
           <a:lstStyle/>
           <a:p>
             <a:r>
-              <a:rPr lang="ru-RU" dirty="0" smtClean="0"/>
-              <a:t>Нажмите и удерживайте </a:t>
-            </a:r>
-            <a:r>
               <a:rPr lang="en-US" dirty="0" smtClean="0">
                 <a:solidFill>
-                  <a:srgbClr val="F6AE1E"/>
-                </a:solidFill>
-              </a:rPr>
-              <a:t>Ctrl</a:t>
+                  <a:srgbClr val="92D050"/>
+                </a:solidFill>
+              </a:rPr>
+              <a:t>[12]</a:t>
             </a:r>
             <a:r>
               <a:rPr lang="en-US" dirty="0" smtClean="0"/>
-              <a:t> </a:t>
-            </a:r>
-            <a:r>
-              <a:rPr lang="ru-RU" dirty="0" smtClean="0"/>
-              <a:t>чтобы сделать </a:t>
-            </a:r>
+              <a:t> Shift + Alt + f11 step into specific</a:t>
+            </a:r>
+          </a:p>
+          <a:p>
             <a:r>
               <a:rPr lang="en-US" dirty="0" smtClean="0"/>
-              <a:t>data tip </a:t>
-            </a:r>
-            <a:r>
-              <a:rPr lang="ru-RU" dirty="0" smtClean="0"/>
-              <a:t>прозрачным</a:t>
-            </a:r>
-          </a:p>
-          <a:p>
+              <a:t>Shift + </a:t>
+            </a:r>
+            <a:r>
+              <a:rPr lang="en-US" dirty="0"/>
+              <a:t>F11 </a:t>
+            </a:r>
             <a:r>
               <a:rPr lang="en-US" dirty="0" smtClean="0"/>
-              <a:t>Data tip </a:t>
-            </a:r>
-            <a:r>
-              <a:rPr lang="ru-RU" dirty="0" smtClean="0"/>
-              <a:t>работают для комментариев</a:t>
-            </a:r>
-          </a:p>
-          <a:p>
-            <a:r>
-              <a:rPr lang="ru-RU" dirty="0" smtClean="0"/>
-              <a:t>Если прикрепить (</a:t>
+              <a:t>step out</a:t>
+            </a:r>
+          </a:p>
+          <a:p>
+            <a:r>
+              <a:rPr lang="en-US" dirty="0"/>
+              <a:t>Ctrl+F10 run </a:t>
             </a:r>
             <a:r>
               <a:rPr lang="en-US" dirty="0" smtClean="0"/>
-              <a:t>pin) data tip, </a:t>
-            </a:r>
-            <a:r>
-              <a:rPr lang="ru-RU" dirty="0" smtClean="0"/>
-              <a:t>то её последнее значение можно будет просматривать и после завершения отладки</a:t>
-            </a:r>
-          </a:p>
-          <a:p>
-            <a:r>
-              <a:rPr lang="ru-RU" dirty="0"/>
-              <a:t>К </a:t>
-            </a:r>
-            <a:r>
-              <a:rPr lang="en-US" dirty="0"/>
-              <a:t>data tip </a:t>
-            </a:r>
-            <a:r>
-              <a:rPr lang="ru-RU" dirty="0"/>
-              <a:t>можно </a:t>
-            </a:r>
-            <a:r>
-              <a:rPr lang="ru-RU" dirty="0" smtClean="0"/>
-              <a:t>написать комментарий. Для этого нажмите символ </a:t>
-            </a:r>
-            <a:r>
-              <a:rPr lang="ru-RU" b="1" dirty="0" smtClean="0"/>
-              <a:t>︾</a:t>
-            </a:r>
-            <a:r>
-              <a:rPr lang="ru-RU" dirty="0" smtClean="0"/>
-              <a:t> справа.</a:t>
-            </a:r>
-          </a:p>
-          <a:p>
-            <a:r>
-              <a:rPr lang="en-US" dirty="0" smtClean="0"/>
-              <a:t>Export/Import Data tips</a:t>
-            </a:r>
+              <a:t>to cursor</a:t>
+            </a:r>
+          </a:p>
+          <a:p>
             <a:endParaRPr lang="en-US" dirty="0"/>
           </a:p>
         </p:txBody>
@@ -11939,7 +11882,7 @@
     </p:spTree>
     <p:extLst>
       <p:ext uri="{BB962C8B-B14F-4D97-AF65-F5344CB8AC3E}">
-        <p14:creationId xmlns:p14="http://schemas.microsoft.com/office/powerpoint/2010/main" val="2649018507"/>
+        <p14:creationId xmlns:p14="http://schemas.microsoft.com/office/powerpoint/2010/main" val="1495295926"/>
       </p:ext>
     </p:extLst>
   </p:cSld>
@@ -11985,38 +11928,16 @@
         </p:nvSpPr>
         <p:spPr/>
         <p:txBody>
-          <a:bodyPr>
-            <a:normAutofit fontScale="90000"/>
-          </a:bodyPr>
+          <a:bodyPr/>
           <a:lstStyle/>
           <a:p>
-            <a:r>
-              <a:rPr lang="en-US" dirty="0" smtClean="0">
-                <a:solidFill>
-                  <a:srgbClr val="92D050"/>
-                </a:solidFill>
-              </a:rPr>
-              <a:t>[12]</a:t>
-            </a:r>
-            <a:r>
-              <a:rPr lang="en-US" dirty="0" smtClean="0"/>
-              <a:t> </a:t>
-            </a:r>
             <a:r>
               <a:rPr lang="ru-RU" dirty="0" smtClean="0"/>
               <a:t>Отладчик</a:t>
             </a:r>
             <a:r>
               <a:rPr lang="en-US" dirty="0" smtClean="0"/>
-              <a:t>: </a:t>
-            </a:r>
-            <a:r>
-              <a:rPr lang="ru-RU" dirty="0" smtClean="0"/>
-              <a:t>окно </a:t>
-            </a:r>
-            <a:r>
-              <a:rPr lang="en-US" dirty="0" smtClean="0"/>
-              <a:t>Parallel Watch</a:t>
+              <a:t>: data tips</a:t>
             </a:r>
             <a:endParaRPr lang="en-US" dirty="0"/>
           </a:p>
@@ -12035,16 +11956,94 @@
         <p:spPr/>
         <p:txBody>
           <a:bodyPr>
-            <a:normAutofit/>
+            <a:normAutofit lnSpcReduction="10000"/>
           </a:bodyPr>
           <a:lstStyle/>
           <a:p>
             <a:r>
               <a:rPr lang="ru-RU" dirty="0" smtClean="0"/>
-              <a:t>Можно использовать для просмотра переменных при рекурсивных вызовах</a:t>
-            </a:r>
-          </a:p>
-          <a:p>
+              <a:t>Нажмите и удерживайте </a:t>
+            </a:r>
+            <a:r>
+              <a:rPr lang="en-US" dirty="0" smtClean="0">
+                <a:solidFill>
+                  <a:srgbClr val="F6AE1E"/>
+                </a:solidFill>
+              </a:rPr>
+              <a:t>Ctrl</a:t>
+            </a:r>
+            <a:r>
+              <a:rPr lang="en-US" dirty="0" smtClean="0"/>
+              <a:t> </a:t>
+            </a:r>
+            <a:r>
+              <a:rPr lang="ru-RU" dirty="0" smtClean="0"/>
+              <a:t>чтобы сделать </a:t>
+            </a:r>
+            <a:r>
+              <a:rPr lang="en-US" dirty="0" smtClean="0"/>
+              <a:t>data tip </a:t>
+            </a:r>
+            <a:r>
+              <a:rPr lang="ru-RU" dirty="0" smtClean="0"/>
+              <a:t>прозрачным</a:t>
+            </a:r>
+          </a:p>
+          <a:p>
+            <a:r>
+              <a:rPr lang="en-US" dirty="0" smtClean="0"/>
+              <a:t>Data tip </a:t>
+            </a:r>
+            <a:r>
+              <a:rPr lang="ru-RU" dirty="0" smtClean="0"/>
+              <a:t>работают для комментариев</a:t>
+            </a:r>
+          </a:p>
+          <a:p>
+            <a:r>
+              <a:rPr lang="ru-RU" dirty="0" smtClean="0"/>
+              <a:t>Если прикрепить (</a:t>
+            </a:r>
+            <a:r>
+              <a:rPr lang="en-US" dirty="0" smtClean="0"/>
+              <a:t>pin) data tip, </a:t>
+            </a:r>
+            <a:r>
+              <a:rPr lang="ru-RU" dirty="0" smtClean="0"/>
+              <a:t>то её последнее значение можно будет просматривать и после завершения отладки</a:t>
+            </a:r>
+          </a:p>
+          <a:p>
+            <a:r>
+              <a:rPr lang="ru-RU" dirty="0"/>
+              <a:t>К </a:t>
+            </a:r>
+            <a:r>
+              <a:rPr lang="en-US" dirty="0"/>
+              <a:t>data tip </a:t>
+            </a:r>
+            <a:r>
+              <a:rPr lang="ru-RU" dirty="0"/>
+              <a:t>можно </a:t>
+            </a:r>
+            <a:r>
+              <a:rPr lang="ru-RU" dirty="0" smtClean="0"/>
+              <a:t>написать комментарий. Для этого нажмите символ </a:t>
+            </a:r>
+            <a:r>
+              <a:rPr lang="ru-RU" b="1" dirty="0" smtClean="0"/>
+              <a:t>︾</a:t>
+            </a:r>
+            <a:r>
+              <a:rPr lang="ru-RU" dirty="0" smtClean="0"/>
+              <a:t> справа.</a:t>
+            </a:r>
+          </a:p>
+          <a:p>
+            <a:r>
+              <a:rPr lang="en-US" dirty="0" smtClean="0"/>
+              <a:t>Export/Import Data tips</a:t>
+            </a:r>
             <a:endParaRPr lang="en-US" dirty="0"/>
           </a:p>
         </p:txBody>
@@ -12052,7 +12051,7 @@
     </p:spTree>
     <p:extLst>
       <p:ext uri="{BB962C8B-B14F-4D97-AF65-F5344CB8AC3E}">
-        <p14:creationId xmlns:p14="http://schemas.microsoft.com/office/powerpoint/2010/main" val="600624019"/>
+        <p14:creationId xmlns:p14="http://schemas.microsoft.com/office/powerpoint/2010/main" val="2649018507"/>
       </p:ext>
     </p:extLst>
   </p:cSld>
@@ -12098,6 +12097,119 @@
         </p:nvSpPr>
         <p:spPr/>
         <p:txBody>
+          <a:bodyPr>
+            <a:normAutofit fontScale="90000"/>
+          </a:bodyPr>
+          <a:lstStyle/>
+          <a:p>
+            <a:r>
+              <a:rPr lang="en-US" dirty="0" smtClean="0">
+                <a:solidFill>
+                  <a:srgbClr val="92D050"/>
+                </a:solidFill>
+              </a:rPr>
+              <a:t>[12]</a:t>
+            </a:r>
+            <a:r>
+              <a:rPr lang="en-US" dirty="0" smtClean="0"/>
+              <a:t> </a:t>
+            </a:r>
+            <a:r>
+              <a:rPr lang="ru-RU" dirty="0" smtClean="0"/>
+              <a:t>Отладчик</a:t>
+            </a:r>
+            <a:r>
+              <a:rPr lang="en-US" dirty="0" smtClean="0"/>
+              <a:t>: </a:t>
+            </a:r>
+            <a:r>
+              <a:rPr lang="ru-RU" dirty="0" smtClean="0"/>
+              <a:t>окно </a:t>
+            </a:r>
+            <a:r>
+              <a:rPr lang="en-US" dirty="0" smtClean="0"/>
+              <a:t>Parallel Watch</a:t>
+            </a:r>
+            <a:endParaRPr lang="en-US" dirty="0"/>
+          </a:p>
+        </p:txBody>
+      </p:sp>
+      <p:sp>
+        <p:nvSpPr>
+          <p:cNvPr id="3" name="Content Placeholder 2"/>
+          <p:cNvSpPr>
+            <a:spLocks noGrp="1"/>
+          </p:cNvSpPr>
+          <p:nvPr>
+            <p:ph idx="1"/>
+          </p:nvPr>
+        </p:nvSpPr>
+        <p:spPr/>
+        <p:txBody>
+          <a:bodyPr>
+            <a:normAutofit/>
+          </a:bodyPr>
+          <a:lstStyle/>
+          <a:p>
+            <a:r>
+              <a:rPr lang="ru-RU" dirty="0" smtClean="0"/>
+              <a:t>Можно использовать для просмотра переменных при рекурсивных вызовах</a:t>
+            </a:r>
+          </a:p>
+          <a:p>
+            <a:endParaRPr lang="en-US" dirty="0"/>
+          </a:p>
+        </p:txBody>
+      </p:sp>
+    </p:spTree>
+    <p:extLst>
+      <p:ext uri="{BB962C8B-B14F-4D97-AF65-F5344CB8AC3E}">
+        <p14:creationId xmlns:p14="http://schemas.microsoft.com/office/powerpoint/2010/main" val="600624019"/>
+      </p:ext>
+    </p:extLst>
+  </p:cSld>
+  <p:clrMapOvr>
+    <a:masterClrMapping/>
+  </p:clrMapOvr>
+  <p:timing>
+    <p:tnLst>
+      <p:par>
+        <p:cTn id="1" dur="indefinite" restart="never" nodeType="tmRoot"/>
+      </p:par>
+    </p:tnLst>
+  </p:timing>
+</p:sld>
+</file>
+
+<file path=ppt/slides/slide35.xml><?xml version="1.0" encoding="utf-8"?>
+<p:sld xmlns:a="http://schemas.openxmlformats.org/drawingml/2006/main" xmlns:r="http://schemas.openxmlformats.org/officeDocument/2006/relationships" xmlns:p="http://schemas.openxmlformats.org/presentationml/2006/main">
+  <p:cSld>
+    <p:spTree>
+      <p:nvGrpSpPr>
+        <p:cNvPr id="1" name=""/>
+        <p:cNvGrpSpPr/>
+        <p:nvPr/>
+      </p:nvGrpSpPr>
+      <p:grpSpPr>
+        <a:xfrm>
+          <a:off x="0" y="0"/>
+          <a:ext cx="0" cy="0"/>
+          <a:chOff x="0" y="0"/>
+          <a:chExt cx="0" cy="0"/>
+        </a:xfrm>
+      </p:grpSpPr>
+      <p:sp>
+        <p:nvSpPr>
+          <p:cNvPr id="2" name="Title 1"/>
+          <p:cNvSpPr>
+            <a:spLocks noGrp="1"/>
+          </p:cNvSpPr>
+          <p:nvPr>
+            <p:ph type="title"/>
+          </p:nvPr>
+        </p:nvSpPr>
+        <p:spPr/>
+        <p:txBody>
           <a:bodyPr/>
           <a:lstStyle/>
           <a:p>
@@ -12343,7 +12455,7 @@
 </p:sld>
 </file>
 
-<file path=ppt/slides/slide35.xml><?xml version="1.0" encoding="utf-8"?>
+<file path=ppt/slides/slide36.xml><?xml version="1.0" encoding="utf-8"?>
 <p:sld xmlns:a="http://schemas.openxmlformats.org/drawingml/2006/main" xmlns:r="http://schemas.openxmlformats.org/officeDocument/2006/relationships" xmlns:p="http://schemas.openxmlformats.org/presentationml/2006/main">
   <p:cSld>
     <p:spTree>
@@ -13623,15 +13735,7 @@
             </a:r>
             <a:r>
               <a:rPr lang="ru-RU" dirty="0" smtClean="0"/>
-              <a:t>меняет цвет в </a:t>
-            </a:r>
-            <a:r>
-              <a:rPr lang="ru-RU" dirty="0" smtClean="0"/>
-              <a:t>зависимости </a:t>
-            </a:r>
-            <a:r>
-              <a:rPr lang="ru-RU" dirty="0" smtClean="0"/>
-              <a:t>от режима: по умолчанию, разработка и отладка.</a:t>
+              <a:t>меняет цвет в зависимости от режима: по умолчанию, разработка и отладка.</a:t>
             </a:r>
             <a:endParaRPr lang="ru-RU" dirty="0"/>
           </a:p>

--- a/Presentation/tools-visual-studio.pptx
+++ b/Presentation/tools-visual-studio.pptx
@@ -6,7 +6,7 @@
     <p:sldMasterId id="2147483663" r:id="rId2"/>
   </p:sldMasterIdLst>
   <p:notesMasterIdLst>
-    <p:notesMasterId r:id="rId39"/>
+    <p:notesMasterId r:id="rId40"/>
   </p:notesMasterIdLst>
   <p:sldIdLst>
     <p:sldId id="257" r:id="rId3"/>
@@ -28,23 +28,24 @@
     <p:sldId id="285" r:id="rId19"/>
     <p:sldId id="265" r:id="rId20"/>
     <p:sldId id="280" r:id="rId21"/>
-    <p:sldId id="277" r:id="rId22"/>
-    <p:sldId id="271" r:id="rId23"/>
-    <p:sldId id="286" r:id="rId24"/>
-    <p:sldId id="266" r:id="rId25"/>
-    <p:sldId id="279" r:id="rId26"/>
-    <p:sldId id="292" r:id="rId27"/>
-    <p:sldId id="269" r:id="rId28"/>
-    <p:sldId id="273" r:id="rId29"/>
-    <p:sldId id="274" r:id="rId30"/>
-    <p:sldId id="294" r:id="rId31"/>
-    <p:sldId id="267" r:id="rId32"/>
-    <p:sldId id="268" r:id="rId33"/>
-    <p:sldId id="260" r:id="rId34"/>
-    <p:sldId id="293" r:id="rId35"/>
-    <p:sldId id="287" r:id="rId36"/>
-    <p:sldId id="261" r:id="rId37"/>
-    <p:sldId id="276" r:id="rId38"/>
+    <p:sldId id="295" r:id="rId22"/>
+    <p:sldId id="277" r:id="rId23"/>
+    <p:sldId id="271" r:id="rId24"/>
+    <p:sldId id="286" r:id="rId25"/>
+    <p:sldId id="266" r:id="rId26"/>
+    <p:sldId id="279" r:id="rId27"/>
+    <p:sldId id="292" r:id="rId28"/>
+    <p:sldId id="269" r:id="rId29"/>
+    <p:sldId id="273" r:id="rId30"/>
+    <p:sldId id="274" r:id="rId31"/>
+    <p:sldId id="294" r:id="rId32"/>
+    <p:sldId id="267" r:id="rId33"/>
+    <p:sldId id="268" r:id="rId34"/>
+    <p:sldId id="260" r:id="rId35"/>
+    <p:sldId id="293" r:id="rId36"/>
+    <p:sldId id="287" r:id="rId37"/>
+    <p:sldId id="261" r:id="rId38"/>
+    <p:sldId id="276" r:id="rId39"/>
   </p:sldIdLst>
   <p:sldSz cx="9144000" cy="6858000" type="screen4x3"/>
   <p:notesSz cx="6858000" cy="9144000"/>
@@ -145,7 +146,7 @@
   </p:defaultTextStyle>
   <p:extLst>
     <p:ext uri="{EFAFB233-063F-42B5-8137-9DF3F51BA10A}">
-      <p15:sldGuideLst xmlns:p15="http://schemas.microsoft.com/office/powerpoint/2012/main" xmlns="">
+      <p15:sldGuideLst xmlns="" xmlns:p15="http://schemas.microsoft.com/office/powerpoint/2012/main">
         <p15:guide id="1" orient="horz" pos="2160">
           <p15:clr>
             <a:srgbClr val="A4A3A4"/>
@@ -244,7 +245,7 @@
           <a:p>
             <a:fld id="{B24A7054-7FFB-49F4-A126-5DF6E687FF53}" type="datetimeFigureOut">
               <a:rPr lang="ru-RU" smtClean="0"/>
-              <a:t>04.12.2014</a:t>
+              <a:t>08.10.2015</a:t>
             </a:fld>
             <a:endParaRPr lang="ru-RU"/>
           </a:p>
@@ -1526,7 +1527,7 @@
           <a:p>
             <a:fld id="{8E6E6A2A-E9D3-4A0D-B04A-ABDD367A1E08}" type="datetimeFigureOut">
               <a:rPr lang="ru-RU" smtClean="0"/>
-              <a:t>04.12.2014</a:t>
+              <a:t>08.10.2015</a:t>
             </a:fld>
             <a:endParaRPr lang="ru-RU"/>
           </a:p>
@@ -4039,7 +4040,7 @@
                 </a:solidFill>
               </a:rPr>
               <a:pPr/>
-              <a:t>04.12.2014</a:t>
+              <a:t>08.10.2015</a:t>
             </a:fld>
             <a:endParaRPr lang="ru-RU">
               <a:solidFill>
@@ -5300,7 +5301,7 @@
           <a:p>
             <a:fld id="{AC3D3127-B7C4-45E3-9797-C527EC9FDD78}" type="datetimeFigureOut">
               <a:rPr lang="ru-RU" smtClean="0"/>
-              <a:t>04.12.2014</a:t>
+              <a:t>08.10.2015</a:t>
             </a:fld>
             <a:endParaRPr lang="ru-RU"/>
           </a:p>
@@ -5836,7 +5837,7 @@
                 </a:solidFill>
               </a:rPr>
               <a:pPr/>
-              <a:t>04.12.2014</a:t>
+              <a:t>08.10.2015</a:t>
             </a:fld>
             <a:endParaRPr lang="ru-RU">
               <a:solidFill>
@@ -8186,12 +8187,14 @@
         </p:nvSpPr>
         <p:spPr/>
         <p:txBody>
-          <a:bodyPr/>
+          <a:bodyPr>
+            <a:normAutofit/>
+          </a:bodyPr>
           <a:lstStyle/>
           <a:p>
             <a:r>
               <a:rPr lang="ru-RU" dirty="0" smtClean="0"/>
-              <a:t>Редактор: комментарии</a:t>
+              <a:t>Редактор: удаление текста</a:t>
             </a:r>
             <a:endParaRPr lang="ru-RU" dirty="0"/>
           </a:p>
@@ -8209,113 +8212,73 @@
         </p:nvSpPr>
         <p:spPr/>
         <p:txBody>
-          <a:bodyPr>
-            <a:normAutofit/>
-          </a:bodyPr>
+          <a:bodyPr/>
           <a:lstStyle/>
           <a:p>
             <a:r>
-              <a:rPr lang="en-US" sz="2800" dirty="0" err="1">
+              <a:rPr lang="en-US" dirty="0" smtClean="0">
                 <a:solidFill>
                   <a:srgbClr val="F6AE1E"/>
                 </a:solidFill>
               </a:rPr>
-              <a:t>Ctrl+K</a:t>
-            </a:r>
-            <a:r>
-              <a:rPr lang="en-US" sz="2800" dirty="0">
+              <a:t>Ctrl</a:t>
+            </a:r>
+            <a:r>
+              <a:rPr lang="ru-RU" dirty="0" smtClean="0">
                 <a:solidFill>
                   <a:srgbClr val="F6AE1E"/>
                 </a:solidFill>
               </a:rPr>
-              <a:t>, </a:t>
-            </a:r>
-            <a:r>
-              <a:rPr lang="en-US" sz="2800" dirty="0" err="1">
+              <a:t>+</a:t>
+            </a:r>
+            <a:r>
+              <a:rPr lang="en-US" dirty="0" smtClean="0">
                 <a:solidFill>
                   <a:srgbClr val="F6AE1E"/>
                 </a:solidFill>
               </a:rPr>
-              <a:t>Ctrl+C</a:t>
-            </a:r>
-            <a:r>
-              <a:rPr lang="en-US" sz="2800" dirty="0">
-                <a:solidFill>
-                  <a:schemeClr val="bg1"/>
-                </a:solidFill>
-              </a:rPr>
+              <a:t>Backspace</a:t>
+            </a:r>
+            <a:r>
+              <a:rPr lang="en-US" dirty="0" smtClean="0"/>
               <a:t> </a:t>
             </a:r>
             <a:r>
-              <a:rPr lang="ru-RU" sz="2800" dirty="0">
-                <a:solidFill>
-                  <a:schemeClr val="bg1"/>
-                </a:solidFill>
-              </a:rPr>
-              <a:t>закоментировать выбранные </a:t>
-            </a:r>
-            <a:r>
-              <a:rPr lang="ru-RU" sz="2800" dirty="0" smtClean="0">
-                <a:solidFill>
-                  <a:schemeClr val="bg1"/>
-                </a:solidFill>
-              </a:rPr>
-              <a:t>строки</a:t>
-            </a:r>
-          </a:p>
-          <a:p>
-            <a:r>
-              <a:rPr lang="en-US" sz="2800" dirty="0" err="1">
+              <a:rPr lang="ru-RU" dirty="0" smtClean="0"/>
+              <a:t>удалить слово слева от курсора</a:t>
+            </a:r>
+            <a:r>
+              <a:rPr lang="en-US" dirty="0" smtClean="0"/>
+              <a:t> </a:t>
+            </a:r>
+          </a:p>
+          <a:p>
+            <a:r>
+              <a:rPr lang="en-US" dirty="0" err="1" smtClean="0">
                 <a:solidFill>
                   <a:srgbClr val="F6AE1E"/>
                 </a:solidFill>
               </a:rPr>
-              <a:t>Ctrl+K</a:t>
-            </a:r>
-            <a:r>
-              <a:rPr lang="en-US" sz="2800" dirty="0">
-                <a:solidFill>
-                  <a:srgbClr val="F6AE1E"/>
-                </a:solidFill>
-              </a:rPr>
-              <a:t>, </a:t>
-            </a:r>
-            <a:r>
-              <a:rPr lang="en-US" sz="2800" dirty="0" err="1">
-                <a:solidFill>
-                  <a:srgbClr val="F6AE1E"/>
-                </a:solidFill>
-              </a:rPr>
-              <a:t>Ctrl+U</a:t>
-            </a:r>
-            <a:r>
-              <a:rPr lang="en-US" sz="2800" dirty="0"/>
-              <a:t> </a:t>
-            </a:r>
-            <a:r>
-              <a:rPr lang="ru-RU" sz="2800" dirty="0"/>
-              <a:t>снять коментарий с выбранных строк</a:t>
-            </a:r>
+              <a:t>Ctrl+Del</a:t>
+            </a:r>
+            <a:r>
+              <a:rPr lang="ru-RU" dirty="0" smtClean="0"/>
+              <a:t> удалить слово справа от курсора</a:t>
+            </a:r>
+            <a:endParaRPr lang="ru-RU" dirty="0"/>
           </a:p>
         </p:txBody>
       </p:sp>
     </p:spTree>
     <p:extLst>
       <p:ext uri="{BB962C8B-B14F-4D97-AF65-F5344CB8AC3E}">
-        <p14:creationId xmlns:p14="http://schemas.microsoft.com/office/powerpoint/2010/main" val="4274730761"/>
+        <p14:creationId xmlns:p14="http://schemas.microsoft.com/office/powerpoint/2010/main" val="3793092540"/>
       </p:ext>
     </p:extLst>
   </p:cSld>
   <p:clrMapOvr>
     <a:masterClrMapping/>
   </p:clrMapOvr>
-  <p:timing>
-    <p:tnLst>
-      <p:par>
-        <p:cTn id="1" dur="indefinite" restart="never" nodeType="tmRoot"/>
-      </p:par>
-    </p:tnLst>
-  </p:timing>
 </p:sld>
 </file>
 
@@ -8353,17 +8316,9 @@
           <a:p>
             <a:r>
               <a:rPr lang="ru-RU" dirty="0" smtClean="0"/>
-              <a:t>Редактор</a:t>
-            </a:r>
-            <a:r>
-              <a:rPr lang="en-US" dirty="0" smtClean="0"/>
-              <a:t>: </a:t>
-            </a:r>
-            <a:r>
-              <a:rPr lang="ru-RU" dirty="0" smtClean="0"/>
-              <a:t>Колоночный режим</a:t>
-            </a:r>
-            <a:endParaRPr lang="en-US" dirty="0"/>
+              <a:t>Редактор: комментарии</a:t>
+            </a:r>
+            <a:endParaRPr lang="ru-RU" dirty="0"/>
           </a:p>
         </p:txBody>
       </p:sp>
@@ -8384,131 +8339,95 @@
           </a:bodyPr>
           <a:lstStyle/>
           <a:p>
-            <a:pPr>
-              <a:buClr>
-                <a:schemeClr val="bg1"/>
-              </a:buClr>
-            </a:pPr>
-            <a:r>
-              <a:rPr lang="en-US" dirty="0" err="1" smtClean="0">
+            <a:r>
+              <a:rPr lang="en-US" sz="2800" dirty="0" err="1">
                 <a:solidFill>
                   <a:srgbClr val="F6AE1E"/>
                 </a:solidFill>
               </a:rPr>
-              <a:t>Shift+Alt+Arrow</a:t>
-            </a:r>
-            <a:r>
-              <a:rPr lang="ru-RU" dirty="0" smtClean="0">
+              <a:t>Ctrl+K</a:t>
+            </a:r>
+            <a:r>
+              <a:rPr lang="en-US" sz="2800" dirty="0">
+                <a:solidFill>
+                  <a:srgbClr val="F6AE1E"/>
+                </a:solidFill>
+              </a:rPr>
+              <a:t>, </a:t>
+            </a:r>
+            <a:r>
+              <a:rPr lang="en-US" sz="2800" dirty="0" err="1">
+                <a:solidFill>
+                  <a:srgbClr val="F6AE1E"/>
+                </a:solidFill>
+              </a:rPr>
+              <a:t>Ctrl+C</a:t>
+            </a:r>
+            <a:r>
+              <a:rPr lang="en-US" sz="2800" dirty="0">
                 <a:solidFill>
                   <a:schemeClr val="bg1"/>
                 </a:solidFill>
               </a:rPr>
-              <a:t> позволяет выделить прямоугольный блок текста</a:t>
-            </a:r>
-          </a:p>
-          <a:p>
-            <a:pPr>
-              <a:buClr>
-                <a:schemeClr val="bg1"/>
-              </a:buClr>
-            </a:pPr>
-            <a:r>
-              <a:rPr lang="en-US" dirty="0">
+              <a:t> </a:t>
+            </a:r>
+            <a:r>
+              <a:rPr lang="ru-RU" sz="2800" dirty="0">
+                <a:solidFill>
+                  <a:schemeClr val="bg1"/>
+                </a:solidFill>
+              </a:rPr>
+              <a:t>закоментировать выбранные </a:t>
+            </a:r>
+            <a:r>
+              <a:rPr lang="ru-RU" sz="2800" dirty="0" smtClean="0">
+                <a:solidFill>
+                  <a:schemeClr val="bg1"/>
+                </a:solidFill>
+              </a:rPr>
+              <a:t>строки</a:t>
+            </a:r>
+          </a:p>
+          <a:p>
+            <a:r>
+              <a:rPr lang="en-US" sz="2800" dirty="0" err="1">
                 <a:solidFill>
                   <a:srgbClr val="F6AE1E"/>
                 </a:solidFill>
               </a:rPr>
-              <a:t>Alt + Left Mouse</a:t>
-            </a:r>
-            <a:r>
-              <a:rPr lang="en-US" dirty="0" smtClean="0">
-                <a:solidFill>
-                  <a:schemeClr val="bg1"/>
-                </a:solidFill>
-              </a:rPr>
-              <a:t> Button </a:t>
-            </a:r>
-            <a:r>
-              <a:rPr lang="ru-RU" dirty="0" smtClean="0">
-                <a:solidFill>
-                  <a:schemeClr val="bg1"/>
-                </a:solidFill>
-              </a:rPr>
-              <a:t>позиционирует курсор за концом строки даже если опция «</a:t>
-            </a:r>
-            <a:r>
-              <a:rPr lang="en-US" dirty="0" smtClean="0">
-                <a:solidFill>
-                  <a:schemeClr val="bg1"/>
-                </a:solidFill>
-              </a:rPr>
-              <a:t>enable virtual space</a:t>
-            </a:r>
-            <a:r>
-              <a:rPr lang="ru-RU" dirty="0" smtClean="0">
-                <a:solidFill>
-                  <a:schemeClr val="bg1"/>
-                </a:solidFill>
-              </a:rPr>
-              <a:t>» выключена</a:t>
-            </a:r>
-          </a:p>
-          <a:p>
-            <a:pPr>
-              <a:buClr>
-                <a:schemeClr val="bg1"/>
-              </a:buClr>
-            </a:pPr>
-            <a:endParaRPr lang="en-US" dirty="0" smtClean="0">
-              <a:solidFill>
-                <a:schemeClr val="bg1"/>
-              </a:solidFill>
-            </a:endParaRPr>
-          </a:p>
-          <a:p>
-            <a:pPr marL="0" indent="0">
-              <a:buClr>
-                <a:schemeClr val="bg1"/>
-              </a:buClr>
-              <a:buNone/>
-            </a:pPr>
-            <a:endParaRPr lang="ru-RU" dirty="0" smtClean="0">
-              <a:solidFill>
-                <a:schemeClr val="bg1"/>
-              </a:solidFill>
-            </a:endParaRPr>
-          </a:p>
-          <a:p>
-            <a:pPr>
-              <a:buClr>
-                <a:schemeClr val="bg1"/>
-              </a:buClr>
-            </a:pPr>
-            <a:endParaRPr lang="ru-RU" dirty="0">
-              <a:solidFill>
-                <a:schemeClr val="bg1"/>
-              </a:solidFill>
-            </a:endParaRPr>
-          </a:p>
-          <a:p>
-            <a:pPr marL="0" indent="0">
-              <a:buClr>
-                <a:schemeClr val="bg1"/>
-              </a:buClr>
-              <a:buNone/>
-            </a:pPr>
-            <a:endParaRPr lang="en-US" dirty="0">
-              <a:solidFill>
-                <a:schemeClr val="bg1"/>
-              </a:solidFill>
-            </a:endParaRPr>
+              <a:t>Ctrl+K</a:t>
+            </a:r>
+            <a:r>
+              <a:rPr lang="en-US" sz="2800" dirty="0">
+                <a:solidFill>
+                  <a:srgbClr val="F6AE1E"/>
+                </a:solidFill>
+              </a:rPr>
+              <a:t>, </a:t>
+            </a:r>
+            <a:r>
+              <a:rPr lang="en-US" sz="2800" dirty="0" err="1">
+                <a:solidFill>
+                  <a:srgbClr val="F6AE1E"/>
+                </a:solidFill>
+              </a:rPr>
+              <a:t>Ctrl+U</a:t>
+            </a:r>
+            <a:r>
+              <a:rPr lang="en-US" sz="2800" dirty="0"/>
+              <a:t> </a:t>
+            </a:r>
+            <a:r>
+              <a:rPr lang="ru-RU" sz="2800" dirty="0"/>
+              <a:t>снять коментарий с выбранных строк</a:t>
+            </a:r>
           </a:p>
         </p:txBody>
       </p:sp>
     </p:spTree>
     <p:extLst>
       <p:ext uri="{BB962C8B-B14F-4D97-AF65-F5344CB8AC3E}">
-        <p14:creationId xmlns:p14="http://schemas.microsoft.com/office/powerpoint/2010/main" val="1998512366"/>
+        <p14:creationId xmlns:p14="http://schemas.microsoft.com/office/powerpoint/2010/main" val="4274730761"/>
       </p:ext>
     </p:extLst>
   </p:cSld>
@@ -8559,6 +8478,228 @@
           <a:p>
             <a:r>
               <a:rPr lang="ru-RU" dirty="0" smtClean="0"/>
+              <a:t>Редактор</a:t>
+            </a:r>
+            <a:r>
+              <a:rPr lang="en-US" dirty="0" smtClean="0"/>
+              <a:t>: </a:t>
+            </a:r>
+            <a:r>
+              <a:rPr lang="ru-RU" dirty="0" smtClean="0"/>
+              <a:t>Колоночный режим</a:t>
+            </a:r>
+            <a:endParaRPr lang="en-US" dirty="0"/>
+          </a:p>
+        </p:txBody>
+      </p:sp>
+      <p:sp>
+        <p:nvSpPr>
+          <p:cNvPr id="3" name="Content Placeholder 2"/>
+          <p:cNvSpPr>
+            <a:spLocks noGrp="1"/>
+          </p:cNvSpPr>
+          <p:nvPr>
+            <p:ph idx="1"/>
+          </p:nvPr>
+        </p:nvSpPr>
+        <p:spPr/>
+        <p:txBody>
+          <a:bodyPr>
+            <a:normAutofit/>
+          </a:bodyPr>
+          <a:lstStyle/>
+          <a:p>
+            <a:pPr>
+              <a:buClr>
+                <a:schemeClr val="bg1"/>
+              </a:buClr>
+            </a:pPr>
+            <a:r>
+              <a:rPr lang="en-US" dirty="0" err="1" smtClean="0">
+                <a:solidFill>
+                  <a:srgbClr val="F6AE1E"/>
+                </a:solidFill>
+              </a:rPr>
+              <a:t>Shift+Alt+Arrow</a:t>
+            </a:r>
+            <a:r>
+              <a:rPr lang="ru-RU" dirty="0" smtClean="0">
+                <a:solidFill>
+                  <a:schemeClr val="bg1"/>
+                </a:solidFill>
+              </a:rPr>
+              <a:t> позволяет выделить прямоугольный блок текста</a:t>
+            </a:r>
+          </a:p>
+          <a:p>
+            <a:pPr>
+              <a:buClr>
+                <a:schemeClr val="bg1"/>
+              </a:buClr>
+            </a:pPr>
+            <a:r>
+              <a:rPr lang="en-US" dirty="0">
+                <a:solidFill>
+                  <a:srgbClr val="F6AE1E"/>
+                </a:solidFill>
+              </a:rPr>
+              <a:t>Alt + Left Mouse</a:t>
+            </a:r>
+            <a:r>
+              <a:rPr lang="en-US" dirty="0" smtClean="0">
+                <a:solidFill>
+                  <a:schemeClr val="bg1"/>
+                </a:solidFill>
+              </a:rPr>
+              <a:t> </a:t>
+            </a:r>
+            <a:r>
+              <a:rPr lang="en-US" dirty="0">
+                <a:solidFill>
+                  <a:srgbClr val="F6AE1E"/>
+                </a:solidFill>
+              </a:rPr>
+              <a:t>Button</a:t>
+            </a:r>
+            <a:r>
+              <a:rPr lang="en-US" dirty="0" smtClean="0">
+                <a:solidFill>
+                  <a:schemeClr val="bg1"/>
+                </a:solidFill>
+              </a:rPr>
+              <a:t> </a:t>
+            </a:r>
+            <a:r>
+              <a:rPr lang="ru-RU" dirty="0" smtClean="0">
+                <a:solidFill>
+                  <a:schemeClr val="bg1"/>
+                </a:solidFill>
+              </a:rPr>
+              <a:t>позиционирует курсор за концом строки даже если опция «</a:t>
+            </a:r>
+            <a:r>
+              <a:rPr lang="en-US" dirty="0" smtClean="0">
+                <a:solidFill>
+                  <a:schemeClr val="bg1"/>
+                </a:solidFill>
+              </a:rPr>
+              <a:t>enable virtual space</a:t>
+            </a:r>
+            <a:r>
+              <a:rPr lang="ru-RU" dirty="0" smtClean="0">
+                <a:solidFill>
+                  <a:schemeClr val="bg1"/>
+                </a:solidFill>
+              </a:rPr>
+              <a:t>» выключена</a:t>
+            </a:r>
+          </a:p>
+          <a:p>
+            <a:pPr>
+              <a:buClr>
+                <a:schemeClr val="bg1"/>
+              </a:buClr>
+            </a:pPr>
+            <a:endParaRPr lang="en-US" dirty="0" smtClean="0">
+              <a:solidFill>
+                <a:schemeClr val="bg1"/>
+              </a:solidFill>
+            </a:endParaRPr>
+          </a:p>
+          <a:p>
+            <a:pPr marL="0" indent="0">
+              <a:buClr>
+                <a:schemeClr val="bg1"/>
+              </a:buClr>
+              <a:buNone/>
+            </a:pPr>
+            <a:endParaRPr lang="ru-RU" dirty="0" smtClean="0">
+              <a:solidFill>
+                <a:schemeClr val="bg1"/>
+              </a:solidFill>
+            </a:endParaRPr>
+          </a:p>
+          <a:p>
+            <a:pPr>
+              <a:buClr>
+                <a:schemeClr val="bg1"/>
+              </a:buClr>
+            </a:pPr>
+            <a:endParaRPr lang="ru-RU" dirty="0">
+              <a:solidFill>
+                <a:schemeClr val="bg1"/>
+              </a:solidFill>
+            </a:endParaRPr>
+          </a:p>
+          <a:p>
+            <a:pPr marL="0" indent="0">
+              <a:buClr>
+                <a:schemeClr val="bg1"/>
+              </a:buClr>
+              <a:buNone/>
+            </a:pPr>
+            <a:endParaRPr lang="en-US" dirty="0">
+              <a:solidFill>
+                <a:schemeClr val="bg1"/>
+              </a:solidFill>
+            </a:endParaRPr>
+          </a:p>
+        </p:txBody>
+      </p:sp>
+    </p:spTree>
+    <p:extLst>
+      <p:ext uri="{BB962C8B-B14F-4D97-AF65-F5344CB8AC3E}">
+        <p14:creationId xmlns:p14="http://schemas.microsoft.com/office/powerpoint/2010/main" val="1998512366"/>
+      </p:ext>
+    </p:extLst>
+  </p:cSld>
+  <p:clrMapOvr>
+    <a:masterClrMapping/>
+  </p:clrMapOvr>
+  <p:timing>
+    <p:tnLst>
+      <p:par>
+        <p:cTn id="1" dur="indefinite" restart="never" nodeType="tmRoot"/>
+      </p:par>
+    </p:tnLst>
+  </p:timing>
+</p:sld>
+</file>
+
+<file path=ppt/slides/slide23.xml><?xml version="1.0" encoding="utf-8"?>
+<p:sld xmlns:a="http://schemas.openxmlformats.org/drawingml/2006/main" xmlns:r="http://schemas.openxmlformats.org/officeDocument/2006/relationships" xmlns:p="http://schemas.openxmlformats.org/presentationml/2006/main">
+  <p:cSld>
+    <p:spTree>
+      <p:nvGrpSpPr>
+        <p:cNvPr id="1" name=""/>
+        <p:cNvGrpSpPr/>
+        <p:nvPr/>
+      </p:nvGrpSpPr>
+      <p:grpSpPr>
+        <a:xfrm>
+          <a:off x="0" y="0"/>
+          <a:ext cx="0" cy="0"/>
+          <a:chOff x="0" y="0"/>
+          <a:chExt cx="0" cy="0"/>
+        </a:xfrm>
+      </p:grpSpPr>
+      <p:sp>
+        <p:nvSpPr>
+          <p:cNvPr id="2" name="Title 1"/>
+          <p:cNvSpPr>
+            <a:spLocks noGrp="1"/>
+          </p:cNvSpPr>
+          <p:nvPr>
+            <p:ph type="title"/>
+          </p:nvPr>
+        </p:nvSpPr>
+        <p:spPr/>
+        <p:txBody>
+          <a:bodyPr/>
+          <a:lstStyle/>
+          <a:p>
+            <a:r>
+              <a:rPr lang="ru-RU" dirty="0" smtClean="0"/>
               <a:t>Редактор: Работа со строками</a:t>
             </a:r>
             <a:endParaRPr lang="ru-RU" dirty="0"/>
@@ -8663,7 +8804,7 @@
 </p:sld>
 </file>
 
-<file path=ppt/slides/slide23.xml><?xml version="1.0" encoding="utf-8"?>
+<file path=ppt/slides/slide24.xml><?xml version="1.0" encoding="utf-8"?>
 <p:sld xmlns:a="http://schemas.openxmlformats.org/drawingml/2006/main" xmlns:r="http://schemas.openxmlformats.org/officeDocument/2006/relationships" xmlns:p="http://schemas.openxmlformats.org/presentationml/2006/main">
   <p:cSld>
     <p:bg>
@@ -8738,7 +8879,7 @@
         <p:spPr/>
         <p:txBody>
           <a:bodyPr>
-            <a:normAutofit fontScale="85000" lnSpcReduction="20000"/>
+            <a:normAutofit fontScale="77500" lnSpcReduction="20000"/>
           </a:bodyPr>
           <a:lstStyle/>
           <a:p>
@@ -9102,6 +9243,73 @@
                 </a:solidFill>
               </a:rPr>
               <a:t>№</a:t>
+            </a:r>
+          </a:p>
+          <a:p>
+            <a:pPr>
+              <a:buClr>
+                <a:schemeClr val="bg1"/>
+              </a:buClr>
+            </a:pPr>
+            <a:r>
+              <a:rPr lang="en-US" dirty="0" err="1" smtClean="0">
+                <a:solidFill>
+                  <a:srgbClr val="F6AE1E"/>
+                </a:solidFill>
+              </a:rPr>
+              <a:t>Ctrl+Home</a:t>
+            </a:r>
+            <a:r>
+              <a:rPr lang="en-US" dirty="0" smtClean="0">
+                <a:solidFill>
+                  <a:schemeClr val="bg1"/>
+                </a:solidFill>
+              </a:rPr>
+              <a:t> </a:t>
+            </a:r>
+            <a:r>
+              <a:rPr lang="ru-RU" dirty="0" smtClean="0">
+                <a:solidFill>
+                  <a:schemeClr val="bg1"/>
+                </a:solidFill>
+              </a:rPr>
+              <a:t>начало файла</a:t>
+            </a:r>
+            <a:endParaRPr lang="en-US" dirty="0" smtClean="0">
+              <a:solidFill>
+                <a:schemeClr val="bg1"/>
+              </a:solidFill>
+            </a:endParaRPr>
+          </a:p>
+          <a:p>
+            <a:pPr>
+              <a:buClr>
+                <a:schemeClr val="bg1"/>
+              </a:buClr>
+            </a:pPr>
+            <a:r>
+              <a:rPr lang="en-US" dirty="0" err="1" smtClean="0">
+                <a:solidFill>
+                  <a:srgbClr val="F6AE1E"/>
+                </a:solidFill>
+              </a:rPr>
+              <a:t>Ctrl+End</a:t>
+            </a:r>
+            <a:r>
+              <a:rPr lang="en-US" dirty="0" smtClean="0">
+                <a:solidFill>
+                  <a:schemeClr val="bg1"/>
+                </a:solidFill>
+              </a:rPr>
+              <a:t> </a:t>
+            </a:r>
+            <a:r>
+              <a:rPr lang="ru-RU" dirty="0" smtClean="0">
+                <a:solidFill>
+                  <a:schemeClr val="bg1"/>
+                </a:solidFill>
+              </a:rPr>
+              <a:t>конец файла</a:t>
             </a:r>
             <a:endParaRPr lang="en-US" dirty="0">
               <a:solidFill>
@@ -9120,117 +9328,6 @@
   </p:cSld>
   <p:clrMapOvr>
     <a:overrideClrMapping bg1="lt1" tx1="dk1" bg2="lt2" tx2="dk2" accent1="accent1" accent2="accent2" accent3="accent3" accent4="accent4" accent5="accent5" accent6="accent6" hlink="hlink" folHlink="folHlink"/>
-  </p:clrMapOvr>
-  <p:timing>
-    <p:tnLst>
-      <p:par>
-        <p:cTn id="1" dur="indefinite" restart="never" nodeType="tmRoot"/>
-      </p:par>
-    </p:tnLst>
-  </p:timing>
-</p:sld>
-</file>
-
-<file path=ppt/slides/slide24.xml><?xml version="1.0" encoding="utf-8"?>
-<p:sld xmlns:a="http://schemas.openxmlformats.org/drawingml/2006/main" xmlns:r="http://schemas.openxmlformats.org/officeDocument/2006/relationships" xmlns:p="http://schemas.openxmlformats.org/presentationml/2006/main">
-  <p:cSld>
-    <p:spTree>
-      <p:nvGrpSpPr>
-        <p:cNvPr id="1" name=""/>
-        <p:cNvGrpSpPr/>
-        <p:nvPr/>
-      </p:nvGrpSpPr>
-      <p:grpSpPr>
-        <a:xfrm>
-          <a:off x="0" y="0"/>
-          <a:ext cx="0" cy="0"/>
-          <a:chOff x="0" y="0"/>
-          <a:chExt cx="0" cy="0"/>
-        </a:xfrm>
-      </p:grpSpPr>
-      <p:sp>
-        <p:nvSpPr>
-          <p:cNvPr id="2" name="Title 1"/>
-          <p:cNvSpPr>
-            <a:spLocks noGrp="1"/>
-          </p:cNvSpPr>
-          <p:nvPr>
-            <p:ph type="title"/>
-          </p:nvPr>
-        </p:nvSpPr>
-        <p:spPr/>
-        <p:txBody>
-          <a:bodyPr/>
-          <a:lstStyle/>
-          <a:p>
-            <a:r>
-              <a:rPr lang="ru-RU" dirty="0" smtClean="0"/>
-              <a:t>Редактор: Смарт-тег</a:t>
-            </a:r>
-            <a:endParaRPr lang="ru-RU" dirty="0"/>
-          </a:p>
-        </p:txBody>
-      </p:sp>
-      <p:sp>
-        <p:nvSpPr>
-          <p:cNvPr id="3" name="Content Placeholder 2"/>
-          <p:cNvSpPr>
-            <a:spLocks noGrp="1"/>
-          </p:cNvSpPr>
-          <p:nvPr>
-            <p:ph idx="1"/>
-          </p:nvPr>
-        </p:nvSpPr>
-        <p:spPr/>
-        <p:txBody>
-          <a:bodyPr/>
-          <a:lstStyle/>
-          <a:p>
-            <a:r>
-              <a:rPr lang="en-US" dirty="0" smtClean="0">
-                <a:solidFill>
-                  <a:srgbClr val="F6AE1E"/>
-                </a:solidFill>
-              </a:rPr>
-              <a:t>Alt + Shift + F10</a:t>
-            </a:r>
-            <a:r>
-              <a:rPr lang="en-US" dirty="0" smtClean="0"/>
-              <a:t> </a:t>
-            </a:r>
-            <a:r>
-              <a:rPr lang="ru-RU" dirty="0" smtClean="0"/>
-              <a:t>или </a:t>
-            </a:r>
-            <a:r>
-              <a:rPr lang="en-US" dirty="0" smtClean="0">
-                <a:solidFill>
-                  <a:srgbClr val="F6AE1E"/>
-                </a:solidFill>
-              </a:rPr>
-              <a:t>Ctrl + .</a:t>
-            </a:r>
-            <a:r>
-              <a:rPr lang="en-US" dirty="0" smtClean="0"/>
-              <a:t> – </a:t>
-            </a:r>
-            <a:r>
-              <a:rPr lang="ru-RU" dirty="0" smtClean="0"/>
-              <a:t>открыть меню смарт-тега</a:t>
-            </a:r>
-            <a:endParaRPr lang="ru-RU" dirty="0"/>
-          </a:p>
-        </p:txBody>
-      </p:sp>
-    </p:spTree>
-    <p:extLst>
-      <p:ext uri="{BB962C8B-B14F-4D97-AF65-F5344CB8AC3E}">
-        <p14:creationId xmlns:p14="http://schemas.microsoft.com/office/powerpoint/2010/main" val="3059698048"/>
-      </p:ext>
-    </p:extLst>
-  </p:cSld>
-  <p:clrMapOvr>
-    <a:masterClrMapping/>
   </p:clrMapOvr>
   <p:timing>
     <p:tnLst>
@@ -9276,6 +9373,117 @@
           <a:p>
             <a:r>
               <a:rPr lang="ru-RU" dirty="0" smtClean="0"/>
+              <a:t>Редактор: Смарт-тег</a:t>
+            </a:r>
+            <a:endParaRPr lang="ru-RU" dirty="0"/>
+          </a:p>
+        </p:txBody>
+      </p:sp>
+      <p:sp>
+        <p:nvSpPr>
+          <p:cNvPr id="3" name="Content Placeholder 2"/>
+          <p:cNvSpPr>
+            <a:spLocks noGrp="1"/>
+          </p:cNvSpPr>
+          <p:nvPr>
+            <p:ph idx="1"/>
+          </p:nvPr>
+        </p:nvSpPr>
+        <p:spPr/>
+        <p:txBody>
+          <a:bodyPr/>
+          <a:lstStyle/>
+          <a:p>
+            <a:r>
+              <a:rPr lang="en-US" dirty="0" smtClean="0">
+                <a:solidFill>
+                  <a:srgbClr val="F6AE1E"/>
+                </a:solidFill>
+              </a:rPr>
+              <a:t>Alt + Shift + F10</a:t>
+            </a:r>
+            <a:r>
+              <a:rPr lang="en-US" dirty="0" smtClean="0"/>
+              <a:t> </a:t>
+            </a:r>
+            <a:r>
+              <a:rPr lang="ru-RU" dirty="0" smtClean="0"/>
+              <a:t>или </a:t>
+            </a:r>
+            <a:r>
+              <a:rPr lang="en-US" dirty="0" smtClean="0">
+                <a:solidFill>
+                  <a:srgbClr val="F6AE1E"/>
+                </a:solidFill>
+              </a:rPr>
+              <a:t>Ctrl + .</a:t>
+            </a:r>
+            <a:r>
+              <a:rPr lang="en-US" dirty="0" smtClean="0"/>
+              <a:t> – </a:t>
+            </a:r>
+            <a:r>
+              <a:rPr lang="ru-RU" dirty="0" smtClean="0"/>
+              <a:t>открыть меню смарт-тега</a:t>
+            </a:r>
+            <a:endParaRPr lang="ru-RU" dirty="0"/>
+          </a:p>
+        </p:txBody>
+      </p:sp>
+    </p:spTree>
+    <p:extLst>
+      <p:ext uri="{BB962C8B-B14F-4D97-AF65-F5344CB8AC3E}">
+        <p14:creationId xmlns:p14="http://schemas.microsoft.com/office/powerpoint/2010/main" val="3059698048"/>
+      </p:ext>
+    </p:extLst>
+  </p:cSld>
+  <p:clrMapOvr>
+    <a:masterClrMapping/>
+  </p:clrMapOvr>
+  <p:timing>
+    <p:tnLst>
+      <p:par>
+        <p:cTn id="1" dur="indefinite" restart="never" nodeType="tmRoot"/>
+      </p:par>
+    </p:tnLst>
+  </p:timing>
+</p:sld>
+</file>
+
+<file path=ppt/slides/slide26.xml><?xml version="1.0" encoding="utf-8"?>
+<p:sld xmlns:a="http://schemas.openxmlformats.org/drawingml/2006/main" xmlns:r="http://schemas.openxmlformats.org/officeDocument/2006/relationships" xmlns:p="http://schemas.openxmlformats.org/presentationml/2006/main">
+  <p:cSld>
+    <p:spTree>
+      <p:nvGrpSpPr>
+        <p:cNvPr id="1" name=""/>
+        <p:cNvGrpSpPr/>
+        <p:nvPr/>
+      </p:nvGrpSpPr>
+      <p:grpSpPr>
+        <a:xfrm>
+          <a:off x="0" y="0"/>
+          <a:ext cx="0" cy="0"/>
+          <a:chOff x="0" y="0"/>
+          <a:chExt cx="0" cy="0"/>
+        </a:xfrm>
+      </p:grpSpPr>
+      <p:sp>
+        <p:nvSpPr>
+          <p:cNvPr id="2" name="Title 1"/>
+          <p:cNvSpPr>
+            <a:spLocks noGrp="1"/>
+          </p:cNvSpPr>
+          <p:nvPr>
+            <p:ph type="title"/>
+          </p:nvPr>
+        </p:nvSpPr>
+        <p:spPr/>
+        <p:txBody>
+          <a:bodyPr/>
+          <a:lstStyle/>
+          <a:p>
+            <a:r>
+              <a:rPr lang="ru-RU" dirty="0" smtClean="0"/>
               <a:t>Редактор: </a:t>
             </a:r>
             <a:r>
@@ -9338,7 +9546,7 @@
 </p:sld>
 </file>
 
-<file path=ppt/slides/slide26.xml><?xml version="1.0" encoding="utf-8"?>
+<file path=ppt/slides/slide27.xml><?xml version="1.0" encoding="utf-8"?>
 <p:sld xmlns:a="http://schemas.openxmlformats.org/drawingml/2006/main" xmlns:r="http://schemas.openxmlformats.org/officeDocument/2006/relationships" xmlns:p="http://schemas.openxmlformats.org/presentationml/2006/main">
   <p:cSld>
     <p:bg>
@@ -9565,7 +9773,7 @@
 </p:sld>
 </file>
 
-<file path=ppt/slides/slide27.xml><?xml version="1.0" encoding="utf-8"?>
+<file path=ppt/slides/slide28.xml><?xml version="1.0" encoding="utf-8"?>
 <p:sld xmlns:a="http://schemas.openxmlformats.org/drawingml/2006/main" xmlns:r="http://schemas.openxmlformats.org/officeDocument/2006/relationships" xmlns:p="http://schemas.openxmlformats.org/presentationml/2006/main">
   <p:cSld>
     <p:spTree>
@@ -9874,7 +10082,7 @@
 </p:sld>
 </file>
 
-<file path=ppt/slides/slide28.xml><?xml version="1.0" encoding="utf-8"?>
+<file path=ppt/slides/slide29.xml><?xml version="1.0" encoding="utf-8"?>
 <p:sld xmlns:a="http://schemas.openxmlformats.org/drawingml/2006/main" xmlns:r="http://schemas.openxmlformats.org/officeDocument/2006/relationships" xmlns:p="http://schemas.openxmlformats.org/presentationml/2006/main">
   <p:cSld>
     <p:spTree>
@@ -11131,113 +11339,6 @@
 </p:sld>
 </file>
 
-<file path=ppt/slides/slide29.xml><?xml version="1.0" encoding="utf-8"?>
-<p:sld xmlns:a="http://schemas.openxmlformats.org/drawingml/2006/main" xmlns:r="http://schemas.openxmlformats.org/officeDocument/2006/relationships" xmlns:p="http://schemas.openxmlformats.org/presentationml/2006/main">
-  <p:cSld>
-    <p:spTree>
-      <p:nvGrpSpPr>
-        <p:cNvPr id="1" name=""/>
-        <p:cNvGrpSpPr/>
-        <p:nvPr/>
-      </p:nvGrpSpPr>
-      <p:grpSpPr>
-        <a:xfrm>
-          <a:off x="0" y="0"/>
-          <a:ext cx="0" cy="0"/>
-          <a:chOff x="0" y="0"/>
-          <a:chExt cx="0" cy="0"/>
-        </a:xfrm>
-      </p:grpSpPr>
-      <p:sp>
-        <p:nvSpPr>
-          <p:cNvPr id="2" name="Title 1"/>
-          <p:cNvSpPr>
-            <a:spLocks noGrp="1"/>
-          </p:cNvSpPr>
-          <p:nvPr>
-            <p:ph type="title"/>
-          </p:nvPr>
-        </p:nvSpPr>
-        <p:spPr/>
-        <p:txBody>
-          <a:bodyPr/>
-          <a:lstStyle/>
-          <a:p>
-            <a:r>
-              <a:rPr lang="ru-RU" dirty="0" smtClean="0"/>
-              <a:t>Код внутри </a:t>
-            </a:r>
-            <a:r>
-              <a:rPr lang="en-US" dirty="0" smtClean="0"/>
-              <a:t>Toolbox</a:t>
-            </a:r>
-            <a:endParaRPr lang="ru-RU" dirty="0"/>
-          </a:p>
-        </p:txBody>
-      </p:sp>
-      <p:sp>
-        <p:nvSpPr>
-          <p:cNvPr id="3" name="Content Placeholder 2"/>
-          <p:cNvSpPr>
-            <a:spLocks noGrp="1"/>
-          </p:cNvSpPr>
-          <p:nvPr>
-            <p:ph idx="1"/>
-          </p:nvPr>
-        </p:nvSpPr>
-        <p:spPr/>
-        <p:txBody>
-          <a:bodyPr/>
-          <a:lstStyle/>
-          <a:p>
-            <a:pPr marL="0" indent="0">
-              <a:buNone/>
-            </a:pPr>
-            <a:r>
-              <a:rPr lang="ru-RU" dirty="0" smtClean="0"/>
-              <a:t>В </a:t>
-            </a:r>
-            <a:r>
-              <a:rPr lang="en-US" dirty="0" smtClean="0"/>
-              <a:t>Toolbox </a:t>
-            </a:r>
-            <a:r>
-              <a:rPr lang="ru-RU" dirty="0" smtClean="0"/>
-              <a:t>можно перетаскивать куски кода, давать им имена, организовывать в папки </a:t>
-            </a:r>
-            <a:r>
-              <a:rPr lang="en-US" dirty="0" smtClean="0"/>
-              <a:t>(Add new tab) </a:t>
-            </a:r>
-            <a:r>
-              <a:rPr lang="ru-RU" dirty="0" smtClean="0"/>
-              <a:t>чтобы позже вставлять с помощью </a:t>
-            </a:r>
-            <a:r>
-              <a:rPr lang="en-US" dirty="0" smtClean="0"/>
-              <a:t>drag-n-drop </a:t>
-            </a:r>
-            <a:r>
-              <a:rPr lang="ru-RU" dirty="0" smtClean="0"/>
-              <a:t>в редактор.</a:t>
-            </a:r>
-            <a:endParaRPr lang="ru-RU" dirty="0"/>
-          </a:p>
-        </p:txBody>
-      </p:sp>
-    </p:spTree>
-    <p:extLst>
-      <p:ext uri="{BB962C8B-B14F-4D97-AF65-F5344CB8AC3E}">
-        <p14:creationId xmlns:p14="http://schemas.microsoft.com/office/powerpoint/2010/main" val="2572925695"/>
-      </p:ext>
-    </p:extLst>
-  </p:cSld>
-  <p:clrMapOvr>
-    <a:masterClrMapping/>
-  </p:clrMapOvr>
-</p:sld>
-</file>
-
 <file path=ppt/slides/slide3.xml><?xml version="1.0" encoding="utf-8"?>
 <p:sld xmlns:a="http://schemas.openxmlformats.org/drawingml/2006/main" xmlns:r="http://schemas.openxmlformats.org/officeDocument/2006/relationships" xmlns:p="http://schemas.openxmlformats.org/presentationml/2006/main">
   <p:cSld>
@@ -11371,20 +11472,6 @@
 <file path=ppt/slides/slide30.xml><?xml version="1.0" encoding="utf-8"?>
 <p:sld xmlns:a="http://schemas.openxmlformats.org/drawingml/2006/main" xmlns:r="http://schemas.openxmlformats.org/officeDocument/2006/relationships" xmlns:p="http://schemas.openxmlformats.org/presentationml/2006/main">
   <p:cSld>
-    <p:bg>
-      <p:bgPr>
-        <a:blipFill dpi="0" rotWithShape="1">
-          <a:blip r:embed="rId3">
-            <a:lum/>
-          </a:blip>
-          <a:srcRect/>
-          <a:stretch>
-            <a:fillRect/>
-          </a:stretch>
-        </a:blipFill>
-        <a:effectLst/>
-      </p:bgPr>
-    </p:bg>
     <p:spTree>
       <p:nvGrpSpPr>
         <p:cNvPr id="1" name=""/>
@@ -11416,13 +11503,13 @@
           <a:p>
             <a:r>
               <a:rPr lang="ru-RU" dirty="0" smtClean="0"/>
-              <a:t>Окна: </a:t>
+              <a:t>Код внутри </a:t>
             </a:r>
             <a:r>
               <a:rPr lang="en-US" dirty="0" smtClean="0"/>
-              <a:t>Bookmarks</a:t>
-            </a:r>
-            <a:endParaRPr lang="en-US" dirty="0"/>
+              <a:t>Toolbox</a:t>
+            </a:r>
+            <a:endParaRPr lang="ru-RU" dirty="0"/>
           </a:p>
         </p:txBody>
       </p:sp>
@@ -11438,129 +11525,53 @@
         </p:nvSpPr>
         <p:spPr/>
         <p:txBody>
-          <a:bodyPr>
-            <a:normAutofit/>
-          </a:bodyPr>
+          <a:bodyPr/>
           <a:lstStyle/>
           <a:p>
-            <a:pPr>
-              <a:buClr>
-                <a:schemeClr val="bg1"/>
-              </a:buClr>
+            <a:pPr marL="0" indent="0">
+              <a:buNone/>
             </a:pPr>
             <a:r>
-              <a:rPr lang="ru-RU" dirty="0">
-                <a:solidFill>
-                  <a:schemeClr val="bg1"/>
-                </a:solidFill>
-              </a:rPr>
-              <a:t>Закладки в текстовых файлах</a:t>
-            </a:r>
-            <a:endParaRPr lang="en-US" dirty="0" smtClean="0">
-              <a:solidFill>
-                <a:schemeClr val="bg1"/>
-              </a:solidFill>
-            </a:endParaRPr>
-          </a:p>
-          <a:p>
-            <a:pPr>
-              <a:buClr>
-                <a:schemeClr val="bg1"/>
-              </a:buClr>
-            </a:pPr>
-            <a:r>
-              <a:rPr lang="ru-RU" dirty="0" smtClean="0">
-                <a:solidFill>
-                  <a:schemeClr val="bg1"/>
-                </a:solidFill>
-              </a:rPr>
-              <a:t>Команды меню </a:t>
-            </a:r>
-            <a:r>
-              <a:rPr lang="en-US" dirty="0" smtClean="0">
-                <a:solidFill>
-                  <a:schemeClr val="bg1"/>
-                </a:solidFill>
-              </a:rPr>
-              <a:t>View -&gt; Bookmark Window</a:t>
-            </a:r>
-            <a:r>
-              <a:rPr lang="ru-RU" dirty="0" smtClean="0">
-                <a:solidFill>
-                  <a:schemeClr val="bg1"/>
-                </a:solidFill>
-              </a:rPr>
-              <a:t> и </a:t>
-            </a:r>
-            <a:r>
-              <a:rPr lang="en-US" dirty="0" smtClean="0">
-                <a:solidFill>
-                  <a:schemeClr val="bg1"/>
-                </a:solidFill>
-              </a:rPr>
-              <a:t>Edit -&gt; Bookmarks.</a:t>
-            </a:r>
-          </a:p>
-          <a:p>
-            <a:pPr>
-              <a:buClr>
-                <a:schemeClr val="bg1"/>
-              </a:buClr>
-            </a:pPr>
-            <a:endParaRPr lang="ru-RU" dirty="0" smtClean="0">
-              <a:solidFill>
-                <a:schemeClr val="bg1"/>
-              </a:solidFill>
-            </a:endParaRPr>
-          </a:p>
-          <a:p>
-            <a:pPr>
-              <a:buClr>
-                <a:schemeClr val="bg1"/>
-              </a:buClr>
-            </a:pPr>
-            <a:endParaRPr lang="ru-RU" dirty="0" smtClean="0">
-              <a:solidFill>
-                <a:schemeClr val="bg1"/>
-              </a:solidFill>
-            </a:endParaRPr>
-          </a:p>
-          <a:p>
-            <a:pPr>
-              <a:buClr>
-                <a:schemeClr val="bg1"/>
-              </a:buClr>
-            </a:pPr>
-            <a:endParaRPr lang="ru-RU" dirty="0" smtClean="0">
-              <a:solidFill>
-                <a:schemeClr val="bg1"/>
-              </a:solidFill>
-            </a:endParaRPr>
-          </a:p>
-          <a:p>
-            <a:pPr marL="0" indent="0">
-              <a:buClr>
-                <a:schemeClr val="bg1"/>
-              </a:buClr>
-              <a:buNone/>
-            </a:pPr>
-            <a:endParaRPr lang="en-US" dirty="0">
-              <a:solidFill>
-                <a:schemeClr val="bg1"/>
-              </a:solidFill>
-            </a:endParaRPr>
+              <a:rPr lang="ru-RU" dirty="0" smtClean="0"/>
+              <a:t>В </a:t>
+            </a:r>
+            <a:r>
+              <a:rPr lang="en-US" dirty="0" smtClean="0"/>
+              <a:t>Toolbox </a:t>
+            </a:r>
+            <a:r>
+              <a:rPr lang="ru-RU" dirty="0" smtClean="0"/>
+              <a:t>можно перетаскивать куски кода, давать им имена, организовывать в папки </a:t>
+            </a:r>
+            <a:r>
+              <a:rPr lang="en-US" dirty="0" smtClean="0"/>
+              <a:t>(Add new tab) </a:t>
+            </a:r>
+            <a:r>
+              <a:rPr lang="ru-RU" dirty="0" smtClean="0"/>
+              <a:t>чтобы позже вставлять с помощью </a:t>
+            </a:r>
+            <a:r>
+              <a:rPr lang="en-US" dirty="0" smtClean="0"/>
+              <a:t>drag-n-drop </a:t>
+            </a:r>
+            <a:r>
+              <a:rPr lang="ru-RU" dirty="0" smtClean="0"/>
+              <a:t>в редактор.</a:t>
+            </a:r>
+            <a:endParaRPr lang="ru-RU" dirty="0"/>
           </a:p>
         </p:txBody>
       </p:sp>
     </p:spTree>
     <p:extLst>
       <p:ext uri="{BB962C8B-B14F-4D97-AF65-F5344CB8AC3E}">
-        <p14:creationId xmlns:p14="http://schemas.microsoft.com/office/powerpoint/2010/main" val="3985499755"/>
+        <p14:creationId xmlns:p14="http://schemas.microsoft.com/office/powerpoint/2010/main" val="2572925695"/>
       </p:ext>
     </p:extLst>
   </p:cSld>
   <p:clrMapOvr>
-    <a:overrideClrMapping bg1="lt1" tx1="dk1" bg2="lt2" tx2="dk2" accent1="accent1" accent2="accent2" accent3="accent3" accent4="accent4" accent5="accent5" accent6="accent6" hlink="hlink" folHlink="folHlink"/>
+    <a:masterClrMapping/>
   </p:clrMapOvr>
 </p:sld>
 </file>
@@ -11617,7 +11628,7 @@
             </a:r>
             <a:r>
               <a:rPr lang="en-US" dirty="0" smtClean="0"/>
-              <a:t>Task List</a:t>
+              <a:t>Bookmarks</a:t>
             </a:r>
             <a:endParaRPr lang="en-US" dirty="0"/>
           </a:p>
@@ -11651,7 +11662,7 @@
                   <a:schemeClr val="bg1"/>
                 </a:solidFill>
               </a:rPr>
-              <a:t>Список можно использовать для хранения заметок по проекту</a:t>
+              <a:t>Закладки в текстовых файлах</a:t>
             </a:r>
             <a:endParaRPr lang="en-US" dirty="0" smtClean="0">
               <a:solidFill>
@@ -11671,7 +11682,7 @@
                   <a:schemeClr val="bg1"/>
                 </a:solidFill>
               </a:rPr>
-              <a:t>Команда меню </a:t>
+              <a:t>Команды меню </a:t>
             </a:r>
             <a:r>
               <a:rPr lang="en-US" dirty="0" smtClean="0">
@@ -11679,15 +11690,15 @@
                   <a:schemeClr val="bg1"/>
                 </a:solidFill>
               </a:rPr>
-              <a:t>View -&gt; </a:t>
-            </a:r>
-            <a:r>
-              <a:rPr lang="en-US" dirty="0">
+              <a:t>View -&gt; Bookmark Window</a:t>
+            </a:r>
+            <a:r>
+              <a:rPr lang="ru-RU" dirty="0" smtClean="0">
                 <a:solidFill>
                   <a:schemeClr val="bg1"/>
                 </a:solidFill>
               </a:rPr>
-              <a:t>Task </a:t>
+              <a:t> и </a:t>
             </a:r>
             <a:r>
               <a:rPr lang="en-US" dirty="0" smtClean="0">
@@ -11695,7 +11706,7 @@
                   <a:schemeClr val="bg1"/>
                 </a:solidFill>
               </a:rPr>
-              <a:t>List.</a:t>
+              <a:t>Edit -&gt; Bookmarks.</a:t>
             </a:r>
           </a:p>
           <a:p>
@@ -11704,46 +11715,35 @@
                 <a:schemeClr val="bg1"/>
               </a:buClr>
             </a:pPr>
-            <a:r>
-              <a:rPr lang="ru-RU" dirty="0" smtClean="0">
-                <a:solidFill>
-                  <a:schemeClr val="bg1"/>
-                </a:solidFill>
-              </a:rPr>
-              <a:t>Текст комментария написанный после </a:t>
-            </a:r>
-            <a:r>
-              <a:rPr lang="en-US" dirty="0" smtClean="0">
-                <a:solidFill>
-                  <a:schemeClr val="bg1"/>
-                </a:solidFill>
-              </a:rPr>
-              <a:t>TODO </a:t>
-            </a:r>
-            <a:r>
-              <a:rPr lang="ru-RU" dirty="0" smtClean="0">
-                <a:solidFill>
-                  <a:schemeClr val="bg1"/>
-                </a:solidFill>
-              </a:rPr>
-              <a:t>попадает в</a:t>
-            </a:r>
-            <a:r>
-              <a:rPr lang="en-US" dirty="0" smtClean="0">
-                <a:solidFill>
-                  <a:schemeClr val="bg1"/>
-                </a:solidFill>
-              </a:rPr>
-              <a:t> </a:t>
-            </a:r>
-            <a:r>
-              <a:rPr lang="ru-RU" dirty="0" smtClean="0">
-                <a:solidFill>
-                  <a:schemeClr val="bg1"/>
-                </a:solidFill>
-              </a:rPr>
-              <a:t>него автоматически</a:t>
-            </a:r>
+            <a:endParaRPr lang="ru-RU" dirty="0" smtClean="0">
+              <a:solidFill>
+                <a:schemeClr val="bg1"/>
+              </a:solidFill>
+            </a:endParaRPr>
+          </a:p>
+          <a:p>
+            <a:pPr>
+              <a:buClr>
+                <a:schemeClr val="bg1"/>
+              </a:buClr>
+            </a:pPr>
+            <a:endParaRPr lang="ru-RU" dirty="0" smtClean="0">
+              <a:solidFill>
+                <a:schemeClr val="bg1"/>
+              </a:solidFill>
+            </a:endParaRPr>
+          </a:p>
+          <a:p>
+            <a:pPr>
+              <a:buClr>
+                <a:schemeClr val="bg1"/>
+              </a:buClr>
+            </a:pPr>
+            <a:endParaRPr lang="ru-RU" dirty="0" smtClean="0">
+              <a:solidFill>
+                <a:schemeClr val="bg1"/>
+              </a:solidFill>
+            </a:endParaRPr>
           </a:p>
           <a:p>
             <a:pPr marL="0" indent="0">
@@ -11763,26 +11763,33 @@
     </p:spTree>
     <p:extLst>
       <p:ext uri="{BB962C8B-B14F-4D97-AF65-F5344CB8AC3E}">
-        <p14:creationId xmlns:p14="http://schemas.microsoft.com/office/powerpoint/2010/main" val="1384232909"/>
+        <p14:creationId xmlns:p14="http://schemas.microsoft.com/office/powerpoint/2010/main" val="3985499755"/>
       </p:ext>
     </p:extLst>
   </p:cSld>
   <p:clrMapOvr>
     <a:overrideClrMapping bg1="lt1" tx1="dk1" bg2="lt2" tx2="dk2" accent1="accent1" accent2="accent2" accent3="accent3" accent4="accent4" accent5="accent5" accent6="accent6" hlink="hlink" folHlink="folHlink"/>
   </p:clrMapOvr>
-  <p:timing>
-    <p:tnLst>
-      <p:par>
-        <p:cTn id="1" dur="indefinite" restart="never" nodeType="tmRoot"/>
-      </p:par>
-    </p:tnLst>
-  </p:timing>
 </p:sld>
 </file>
 
 <file path=ppt/slides/slide32.xml><?xml version="1.0" encoding="utf-8"?>
 <p:sld xmlns:a="http://schemas.openxmlformats.org/drawingml/2006/main" xmlns:r="http://schemas.openxmlformats.org/officeDocument/2006/relationships" xmlns:p="http://schemas.openxmlformats.org/presentationml/2006/main">
   <p:cSld>
+    <p:bg>
+      <p:bgPr>
+        <a:blipFill dpi="0" rotWithShape="1">
+          <a:blip r:embed="rId3">
+            <a:lum/>
+          </a:blip>
+          <a:srcRect/>
+          <a:stretch>
+            <a:fillRect/>
+          </a:stretch>
+        </a:blipFill>
+        <a:effectLst/>
+      </p:bgPr>
+    </p:bg>
     <p:spTree>
       <p:nvGrpSpPr>
         <p:cNvPr id="1" name=""/>
@@ -11814,7 +11821,11 @@
           <a:p>
             <a:r>
               <a:rPr lang="ru-RU" dirty="0" smtClean="0"/>
-              <a:t>Отладчик</a:t>
+              <a:t>Окна: </a:t>
+            </a:r>
+            <a:r>
+              <a:rPr lang="en-US" dirty="0" smtClean="0"/>
+              <a:t>Task List</a:t>
             </a:r>
             <a:endParaRPr lang="en-US" dirty="0"/>
           </a:p>
@@ -11837,57 +11848,135 @@
           </a:bodyPr>
           <a:lstStyle/>
           <a:p>
+            <a:pPr>
+              <a:buClr>
+                <a:schemeClr val="bg1"/>
+              </a:buClr>
+            </a:pPr>
+            <a:r>
+              <a:rPr lang="ru-RU" dirty="0">
+                <a:solidFill>
+                  <a:schemeClr val="bg1"/>
+                </a:solidFill>
+              </a:rPr>
+              <a:t>Список можно использовать для хранения заметок по проекту</a:t>
+            </a:r>
+            <a:endParaRPr lang="en-US" dirty="0" smtClean="0">
+              <a:solidFill>
+                <a:schemeClr val="bg1"/>
+              </a:solidFill>
+            </a:endParaRPr>
+          </a:p>
+          <a:p>
+            <a:pPr>
+              <a:buClr>
+                <a:schemeClr val="bg1"/>
+              </a:buClr>
+            </a:pPr>
+            <a:r>
+              <a:rPr lang="ru-RU" dirty="0" smtClean="0">
+                <a:solidFill>
+                  <a:schemeClr val="bg1"/>
+                </a:solidFill>
+              </a:rPr>
+              <a:t>Команда меню </a:t>
+            </a:r>
             <a:r>
               <a:rPr lang="en-US" dirty="0" smtClean="0">
                 <a:solidFill>
-                  <a:srgbClr val="92D050"/>
-                </a:solidFill>
-              </a:rPr>
-              <a:t>[12]</a:t>
-            </a:r>
-            <a:r>
-              <a:rPr lang="en-US" dirty="0" smtClean="0"/>
-              <a:t> Shift + Alt + f11 step into specific</a:t>
-            </a:r>
-          </a:p>
-          <a:p>
-            <a:r>
-              <a:rPr lang="en-US" dirty="0" smtClean="0"/>
-              <a:t>Shift + </a:t>
-            </a:r>
-            <a:r>
-              <a:rPr lang="en-US" dirty="0"/>
-              <a:t>F11 </a:t>
-            </a:r>
-            <a:r>
-              <a:rPr lang="en-US" dirty="0" smtClean="0"/>
-              <a:t>step out</a:t>
-            </a:r>
-          </a:p>
-          <a:p>
-            <a:r>
-              <a:rPr lang="en-US" dirty="0"/>
-              <a:t>Ctrl+F10 run </a:t>
-            </a:r>
-            <a:r>
-              <a:rPr lang="en-US" dirty="0" smtClean="0"/>
-              <a:t>to cursor</a:t>
-            </a:r>
-          </a:p>
-          <a:p>
-            <a:endParaRPr lang="en-US" dirty="0"/>
+                  <a:schemeClr val="bg1"/>
+                </a:solidFill>
+              </a:rPr>
+              <a:t>View -&gt; </a:t>
+            </a:r>
+            <a:r>
+              <a:rPr lang="en-US" dirty="0">
+                <a:solidFill>
+                  <a:schemeClr val="bg1"/>
+                </a:solidFill>
+              </a:rPr>
+              <a:t>Task </a:t>
+            </a:r>
+            <a:r>
+              <a:rPr lang="en-US" dirty="0" smtClean="0">
+                <a:solidFill>
+                  <a:schemeClr val="bg1"/>
+                </a:solidFill>
+              </a:rPr>
+              <a:t>List.</a:t>
+            </a:r>
+          </a:p>
+          <a:p>
+            <a:pPr>
+              <a:buClr>
+                <a:schemeClr val="bg1"/>
+              </a:buClr>
+            </a:pPr>
+            <a:r>
+              <a:rPr lang="ru-RU" dirty="0" smtClean="0">
+                <a:solidFill>
+                  <a:schemeClr val="bg1"/>
+                </a:solidFill>
+              </a:rPr>
+              <a:t>Текст комментария написанный после </a:t>
+            </a:r>
+            <a:r>
+              <a:rPr lang="en-US" dirty="0" smtClean="0">
+                <a:solidFill>
+                  <a:schemeClr val="bg1"/>
+                </a:solidFill>
+              </a:rPr>
+              <a:t>TODO </a:t>
+            </a:r>
+            <a:r>
+              <a:rPr lang="ru-RU" dirty="0" smtClean="0">
+                <a:solidFill>
+                  <a:schemeClr val="bg1"/>
+                </a:solidFill>
+              </a:rPr>
+              <a:t>попадает в</a:t>
+            </a:r>
+            <a:r>
+              <a:rPr lang="en-US" dirty="0" smtClean="0">
+                <a:solidFill>
+                  <a:schemeClr val="bg1"/>
+                </a:solidFill>
+              </a:rPr>
+              <a:t> </a:t>
+            </a:r>
+            <a:r>
+              <a:rPr lang="ru-RU" dirty="0" smtClean="0">
+                <a:solidFill>
+                  <a:schemeClr val="bg1"/>
+                </a:solidFill>
+              </a:rPr>
+              <a:t>него автоматически</a:t>
+            </a:r>
+          </a:p>
+          <a:p>
+            <a:pPr marL="0" indent="0">
+              <a:buClr>
+                <a:schemeClr val="bg1"/>
+              </a:buClr>
+              <a:buNone/>
+            </a:pPr>
+            <a:endParaRPr lang="en-US" dirty="0">
+              <a:solidFill>
+                <a:schemeClr val="bg1"/>
+              </a:solidFill>
+            </a:endParaRPr>
           </a:p>
         </p:txBody>
       </p:sp>
     </p:spTree>
     <p:extLst>
       <p:ext uri="{BB962C8B-B14F-4D97-AF65-F5344CB8AC3E}">
-        <p14:creationId xmlns:p14="http://schemas.microsoft.com/office/powerpoint/2010/main" val="1495295926"/>
+        <p14:creationId xmlns:p14="http://schemas.microsoft.com/office/powerpoint/2010/main" val="1384232909"/>
       </p:ext>
     </p:extLst>
   </p:cSld>
   <p:clrMapOvr>
-    <a:masterClrMapping/>
+    <a:overrideClrMapping bg1="lt1" tx1="dk1" bg2="lt2" tx2="dk2" accent1="accent1" accent2="accent2" accent3="accent3" accent4="accent4" accent5="accent5" accent6="accent6" hlink="hlink" folHlink="folHlink"/>
   </p:clrMapOvr>
   <p:timing>
     <p:tnLst>
@@ -11935,10 +12024,6 @@
               <a:rPr lang="ru-RU" dirty="0" smtClean="0"/>
               <a:t>Отладчик</a:t>
             </a:r>
-            <a:r>
-              <a:rPr lang="en-US" dirty="0" smtClean="0"/>
-              <a:t>: data tips</a:t>
-            </a:r>
             <a:endParaRPr lang="en-US" dirty="0"/>
           </a:p>
         </p:txBody>
@@ -11956,94 +12041,48 @@
         <p:spPr/>
         <p:txBody>
           <a:bodyPr>
-            <a:normAutofit lnSpcReduction="10000"/>
+            <a:normAutofit/>
           </a:bodyPr>
           <a:lstStyle/>
           <a:p>
             <a:r>
-              <a:rPr lang="ru-RU" dirty="0" smtClean="0"/>
-              <a:t>Нажмите и удерживайте </a:t>
-            </a:r>
-            <a:r>
               <a:rPr lang="en-US" dirty="0" smtClean="0">
                 <a:solidFill>
-                  <a:srgbClr val="F6AE1E"/>
-                </a:solidFill>
-              </a:rPr>
-              <a:t>Ctrl</a:t>
+                  <a:srgbClr val="92D050"/>
+                </a:solidFill>
+              </a:rPr>
+              <a:t>[12]</a:t>
             </a:r>
             <a:r>
               <a:rPr lang="en-US" dirty="0" smtClean="0"/>
-              <a:t> </a:t>
-            </a:r>
-            <a:r>
-              <a:rPr lang="ru-RU" dirty="0" smtClean="0"/>
-              <a:t>чтобы сделать </a:t>
-            </a:r>
+              <a:t> Shift + Alt + f11 step into specific</a:t>
+            </a:r>
+          </a:p>
+          <a:p>
             <a:r>
               <a:rPr lang="en-US" dirty="0" smtClean="0"/>
-              <a:t>data tip </a:t>
-            </a:r>
-            <a:r>
-              <a:rPr lang="ru-RU" dirty="0" smtClean="0"/>
-              <a:t>прозрачным</a:t>
-            </a:r>
-          </a:p>
-          <a:p>
+              <a:t>Shift + </a:t>
+            </a:r>
+            <a:r>
+              <a:rPr lang="en-US" dirty="0"/>
+              <a:t>F11 </a:t>
+            </a:r>
             <a:r>
               <a:rPr lang="en-US" dirty="0" smtClean="0"/>
-              <a:t>Data tip </a:t>
-            </a:r>
-            <a:r>
-              <a:rPr lang="ru-RU" dirty="0" smtClean="0"/>
-              <a:t>работают для комментариев</a:t>
-            </a:r>
-          </a:p>
-          <a:p>
-            <a:r>
-              <a:rPr lang="ru-RU" dirty="0" smtClean="0"/>
-              <a:t>Если прикрепить (</a:t>
+              <a:t>step out</a:t>
+            </a:r>
+          </a:p>
+          <a:p>
+            <a:r>
+              <a:rPr lang="en-US" dirty="0"/>
+              <a:t>Ctrl+F10 run </a:t>
             </a:r>
             <a:r>
               <a:rPr lang="en-US" dirty="0" smtClean="0"/>
-              <a:t>pin) data tip, </a:t>
-            </a:r>
-            <a:r>
-              <a:rPr lang="ru-RU" dirty="0" smtClean="0"/>
-              <a:t>то её последнее значение можно будет просматривать и после завершения отладки</a:t>
-            </a:r>
-          </a:p>
-          <a:p>
-            <a:r>
-              <a:rPr lang="ru-RU" dirty="0"/>
-              <a:t>К </a:t>
-            </a:r>
-            <a:r>
-              <a:rPr lang="en-US" dirty="0"/>
-              <a:t>data tip </a:t>
-            </a:r>
-            <a:r>
-              <a:rPr lang="ru-RU" dirty="0"/>
-              <a:t>можно </a:t>
-            </a:r>
-            <a:r>
-              <a:rPr lang="ru-RU" dirty="0" smtClean="0"/>
-              <a:t>написать комментарий. Для этого нажмите символ </a:t>
-            </a:r>
-            <a:r>
-              <a:rPr lang="ru-RU" b="1" dirty="0" smtClean="0"/>
-              <a:t>︾</a:t>
-            </a:r>
-            <a:r>
-              <a:rPr lang="ru-RU" dirty="0" smtClean="0"/>
-              <a:t> справа.</a:t>
-            </a:r>
-          </a:p>
-          <a:p>
-            <a:r>
-              <a:rPr lang="en-US" dirty="0" smtClean="0"/>
-              <a:t>Export/Import Data tips</a:t>
-            </a:r>
+              <a:t>to cursor</a:t>
+            </a:r>
+          </a:p>
+          <a:p>
             <a:endParaRPr lang="en-US" dirty="0"/>
           </a:p>
         </p:txBody>
@@ -12051,7 +12090,7 @@
     </p:spTree>
     <p:extLst>
       <p:ext uri="{BB962C8B-B14F-4D97-AF65-F5344CB8AC3E}">
-        <p14:creationId xmlns:p14="http://schemas.microsoft.com/office/powerpoint/2010/main" val="2649018507"/>
+        <p14:creationId xmlns:p14="http://schemas.microsoft.com/office/powerpoint/2010/main" val="1495295926"/>
       </p:ext>
     </p:extLst>
   </p:cSld>
@@ -12097,38 +12136,16 @@
         </p:nvSpPr>
         <p:spPr/>
         <p:txBody>
-          <a:bodyPr>
-            <a:normAutofit fontScale="90000"/>
-          </a:bodyPr>
+          <a:bodyPr/>
           <a:lstStyle/>
           <a:p>
-            <a:r>
-              <a:rPr lang="en-US" dirty="0" smtClean="0">
-                <a:solidFill>
-                  <a:srgbClr val="92D050"/>
-                </a:solidFill>
-              </a:rPr>
-              <a:t>[12]</a:t>
-            </a:r>
-            <a:r>
-              <a:rPr lang="en-US" dirty="0" smtClean="0"/>
-              <a:t> </a:t>
-            </a:r>
             <a:r>
               <a:rPr lang="ru-RU" dirty="0" smtClean="0"/>
               <a:t>Отладчик</a:t>
             </a:r>
             <a:r>
               <a:rPr lang="en-US" dirty="0" smtClean="0"/>
-              <a:t>: </a:t>
-            </a:r>
-            <a:r>
-              <a:rPr lang="ru-RU" dirty="0" smtClean="0"/>
-              <a:t>окно </a:t>
-            </a:r>
-            <a:r>
-              <a:rPr lang="en-US" dirty="0" smtClean="0"/>
-              <a:t>Parallel Watch</a:t>
+              <a:t>: data tips</a:t>
             </a:r>
             <a:endParaRPr lang="en-US" dirty="0"/>
           </a:p>
@@ -12147,16 +12164,94 @@
         <p:spPr/>
         <p:txBody>
           <a:bodyPr>
-            <a:normAutofit/>
+            <a:normAutofit lnSpcReduction="10000"/>
           </a:bodyPr>
           <a:lstStyle/>
           <a:p>
             <a:r>
               <a:rPr lang="ru-RU" dirty="0" smtClean="0"/>
-              <a:t>Можно использовать для просмотра переменных при рекурсивных вызовах</a:t>
-            </a:r>
-          </a:p>
-          <a:p>
+              <a:t>Нажмите и удерживайте </a:t>
+            </a:r>
+            <a:r>
+              <a:rPr lang="en-US" dirty="0" smtClean="0">
+                <a:solidFill>
+                  <a:srgbClr val="F6AE1E"/>
+                </a:solidFill>
+              </a:rPr>
+              <a:t>Ctrl</a:t>
+            </a:r>
+            <a:r>
+              <a:rPr lang="en-US" dirty="0" smtClean="0"/>
+              <a:t> </a:t>
+            </a:r>
+            <a:r>
+              <a:rPr lang="ru-RU" dirty="0" smtClean="0"/>
+              <a:t>чтобы сделать </a:t>
+            </a:r>
+            <a:r>
+              <a:rPr lang="en-US" dirty="0" smtClean="0"/>
+              <a:t>data tip </a:t>
+            </a:r>
+            <a:r>
+              <a:rPr lang="ru-RU" dirty="0" smtClean="0"/>
+              <a:t>прозрачным</a:t>
+            </a:r>
+          </a:p>
+          <a:p>
+            <a:r>
+              <a:rPr lang="en-US" dirty="0" smtClean="0"/>
+              <a:t>Data tip </a:t>
+            </a:r>
+            <a:r>
+              <a:rPr lang="ru-RU" dirty="0" smtClean="0"/>
+              <a:t>работают для комментариев</a:t>
+            </a:r>
+          </a:p>
+          <a:p>
+            <a:r>
+              <a:rPr lang="ru-RU" dirty="0" smtClean="0"/>
+              <a:t>Если прикрепить (</a:t>
+            </a:r>
+            <a:r>
+              <a:rPr lang="en-US" dirty="0" smtClean="0"/>
+              <a:t>pin) data tip, </a:t>
+            </a:r>
+            <a:r>
+              <a:rPr lang="ru-RU" dirty="0" smtClean="0"/>
+              <a:t>то её последнее значение можно будет просматривать и после завершения отладки</a:t>
+            </a:r>
+          </a:p>
+          <a:p>
+            <a:r>
+              <a:rPr lang="ru-RU" dirty="0"/>
+              <a:t>К </a:t>
+            </a:r>
+            <a:r>
+              <a:rPr lang="en-US" dirty="0"/>
+              <a:t>data tip </a:t>
+            </a:r>
+            <a:r>
+              <a:rPr lang="ru-RU" dirty="0"/>
+              <a:t>можно </a:t>
+            </a:r>
+            <a:r>
+              <a:rPr lang="ru-RU" dirty="0" smtClean="0"/>
+              <a:t>написать комментарий. Для этого нажмите символ </a:t>
+            </a:r>
+            <a:r>
+              <a:rPr lang="ru-RU" b="1" dirty="0" smtClean="0"/>
+              <a:t>︾</a:t>
+            </a:r>
+            <a:r>
+              <a:rPr lang="ru-RU" dirty="0" smtClean="0"/>
+              <a:t> справа.</a:t>
+            </a:r>
+          </a:p>
+          <a:p>
+            <a:r>
+              <a:rPr lang="en-US" dirty="0" smtClean="0"/>
+              <a:t>Export/Import Data tips</a:t>
+            </a:r>
             <a:endParaRPr lang="en-US" dirty="0"/>
           </a:p>
         </p:txBody>
@@ -12164,7 +12259,7 @@
     </p:spTree>
     <p:extLst>
       <p:ext uri="{BB962C8B-B14F-4D97-AF65-F5344CB8AC3E}">
-        <p14:creationId xmlns:p14="http://schemas.microsoft.com/office/powerpoint/2010/main" val="600624019"/>
+        <p14:creationId xmlns:p14="http://schemas.microsoft.com/office/powerpoint/2010/main" val="2649018507"/>
       </p:ext>
     </p:extLst>
   </p:cSld>
@@ -12210,6 +12305,119 @@
         </p:nvSpPr>
         <p:spPr/>
         <p:txBody>
+          <a:bodyPr>
+            <a:normAutofit fontScale="90000"/>
+          </a:bodyPr>
+          <a:lstStyle/>
+          <a:p>
+            <a:r>
+              <a:rPr lang="en-US" dirty="0" smtClean="0">
+                <a:solidFill>
+                  <a:srgbClr val="92D050"/>
+                </a:solidFill>
+              </a:rPr>
+              <a:t>[12]</a:t>
+            </a:r>
+            <a:r>
+              <a:rPr lang="en-US" dirty="0" smtClean="0"/>
+              <a:t> </a:t>
+            </a:r>
+            <a:r>
+              <a:rPr lang="ru-RU" dirty="0" smtClean="0"/>
+              <a:t>Отладчик</a:t>
+            </a:r>
+            <a:r>
+              <a:rPr lang="en-US" dirty="0" smtClean="0"/>
+              <a:t>: </a:t>
+            </a:r>
+            <a:r>
+              <a:rPr lang="ru-RU" dirty="0" smtClean="0"/>
+              <a:t>окно </a:t>
+            </a:r>
+            <a:r>
+              <a:rPr lang="en-US" dirty="0" smtClean="0"/>
+              <a:t>Parallel Watch</a:t>
+            </a:r>
+            <a:endParaRPr lang="en-US" dirty="0"/>
+          </a:p>
+        </p:txBody>
+      </p:sp>
+      <p:sp>
+        <p:nvSpPr>
+          <p:cNvPr id="3" name="Content Placeholder 2"/>
+          <p:cNvSpPr>
+            <a:spLocks noGrp="1"/>
+          </p:cNvSpPr>
+          <p:nvPr>
+            <p:ph idx="1"/>
+          </p:nvPr>
+        </p:nvSpPr>
+        <p:spPr/>
+        <p:txBody>
+          <a:bodyPr>
+            <a:normAutofit/>
+          </a:bodyPr>
+          <a:lstStyle/>
+          <a:p>
+            <a:r>
+              <a:rPr lang="ru-RU" dirty="0" smtClean="0"/>
+              <a:t>Можно использовать для просмотра переменных при рекурсивных вызовах</a:t>
+            </a:r>
+          </a:p>
+          <a:p>
+            <a:endParaRPr lang="en-US" dirty="0"/>
+          </a:p>
+        </p:txBody>
+      </p:sp>
+    </p:spTree>
+    <p:extLst>
+      <p:ext uri="{BB962C8B-B14F-4D97-AF65-F5344CB8AC3E}">
+        <p14:creationId xmlns:p14="http://schemas.microsoft.com/office/powerpoint/2010/main" val="600624019"/>
+      </p:ext>
+    </p:extLst>
+  </p:cSld>
+  <p:clrMapOvr>
+    <a:masterClrMapping/>
+  </p:clrMapOvr>
+  <p:timing>
+    <p:tnLst>
+      <p:par>
+        <p:cTn id="1" dur="indefinite" restart="never" nodeType="tmRoot"/>
+      </p:par>
+    </p:tnLst>
+  </p:timing>
+</p:sld>
+</file>
+
+<file path=ppt/slides/slide36.xml><?xml version="1.0" encoding="utf-8"?>
+<p:sld xmlns:a="http://schemas.openxmlformats.org/drawingml/2006/main" xmlns:r="http://schemas.openxmlformats.org/officeDocument/2006/relationships" xmlns:p="http://schemas.openxmlformats.org/presentationml/2006/main">
+  <p:cSld>
+    <p:spTree>
+      <p:nvGrpSpPr>
+        <p:cNvPr id="1" name=""/>
+        <p:cNvGrpSpPr/>
+        <p:nvPr/>
+      </p:nvGrpSpPr>
+      <p:grpSpPr>
+        <a:xfrm>
+          <a:off x="0" y="0"/>
+          <a:ext cx="0" cy="0"/>
+          <a:chOff x="0" y="0"/>
+          <a:chExt cx="0" cy="0"/>
+        </a:xfrm>
+      </p:grpSpPr>
+      <p:sp>
+        <p:nvSpPr>
+          <p:cNvPr id="2" name="Title 1"/>
+          <p:cNvSpPr>
+            <a:spLocks noGrp="1"/>
+          </p:cNvSpPr>
+          <p:nvPr>
+            <p:ph type="title"/>
+          </p:nvPr>
+        </p:nvSpPr>
+        <p:spPr/>
+        <p:txBody>
           <a:bodyPr/>
           <a:lstStyle/>
           <a:p>
@@ -12455,7 +12663,7 @@
 </p:sld>
 </file>
 
-<file path=ppt/slides/slide36.xml><?xml version="1.0" encoding="utf-8"?>
+<file path=ppt/slides/slide37.xml><?xml version="1.0" encoding="utf-8"?>
 <p:sld xmlns:a="http://schemas.openxmlformats.org/drawingml/2006/main" xmlns:r="http://schemas.openxmlformats.org/officeDocument/2006/relationships" xmlns:p="http://schemas.openxmlformats.org/presentationml/2006/main">
   <p:cSld>
     <p:spTree>

--- a/Presentation/tools-visual-studio.pptx
+++ b/Presentation/tools-visual-studio.pptx
@@ -6,7 +6,7 @@
     <p:sldMasterId id="2147483663" r:id="rId2"/>
   </p:sldMasterIdLst>
   <p:notesMasterIdLst>
-    <p:notesMasterId r:id="rId40"/>
+    <p:notesMasterId r:id="rId43"/>
   </p:notesMasterIdLst>
   <p:sldIdLst>
     <p:sldId id="257" r:id="rId3"/>
@@ -20,32 +20,35 @@
     <p:sldId id="288" r:id="rId11"/>
     <p:sldId id="289" r:id="rId12"/>
     <p:sldId id="291" r:id="rId13"/>
-    <p:sldId id="290" r:id="rId14"/>
-    <p:sldId id="284" r:id="rId15"/>
-    <p:sldId id="282" r:id="rId16"/>
-    <p:sldId id="262" r:id="rId17"/>
-    <p:sldId id="283" r:id="rId18"/>
-    <p:sldId id="285" r:id="rId19"/>
-    <p:sldId id="265" r:id="rId20"/>
-    <p:sldId id="280" r:id="rId21"/>
-    <p:sldId id="295" r:id="rId22"/>
-    <p:sldId id="277" r:id="rId23"/>
-    <p:sldId id="271" r:id="rId24"/>
-    <p:sldId id="286" r:id="rId25"/>
-    <p:sldId id="266" r:id="rId26"/>
-    <p:sldId id="279" r:id="rId27"/>
-    <p:sldId id="292" r:id="rId28"/>
-    <p:sldId id="269" r:id="rId29"/>
-    <p:sldId id="273" r:id="rId30"/>
-    <p:sldId id="274" r:id="rId31"/>
-    <p:sldId id="294" r:id="rId32"/>
-    <p:sldId id="267" r:id="rId33"/>
-    <p:sldId id="268" r:id="rId34"/>
-    <p:sldId id="260" r:id="rId35"/>
-    <p:sldId id="293" r:id="rId36"/>
-    <p:sldId id="287" r:id="rId37"/>
-    <p:sldId id="261" r:id="rId38"/>
-    <p:sldId id="276" r:id="rId39"/>
+    <p:sldId id="267" r:id="rId14"/>
+    <p:sldId id="268" r:id="rId15"/>
+    <p:sldId id="290" r:id="rId16"/>
+    <p:sldId id="284" r:id="rId17"/>
+    <p:sldId id="298" r:id="rId18"/>
+    <p:sldId id="282" r:id="rId19"/>
+    <p:sldId id="262" r:id="rId20"/>
+    <p:sldId id="283" r:id="rId21"/>
+    <p:sldId id="285" r:id="rId22"/>
+    <p:sldId id="265" r:id="rId23"/>
+    <p:sldId id="280" r:id="rId24"/>
+    <p:sldId id="295" r:id="rId25"/>
+    <p:sldId id="277" r:id="rId26"/>
+    <p:sldId id="271" r:id="rId27"/>
+    <p:sldId id="286" r:id="rId28"/>
+    <p:sldId id="266" r:id="rId29"/>
+    <p:sldId id="279" r:id="rId30"/>
+    <p:sldId id="292" r:id="rId31"/>
+    <p:sldId id="269" r:id="rId32"/>
+    <p:sldId id="273" r:id="rId33"/>
+    <p:sldId id="274" r:id="rId34"/>
+    <p:sldId id="294" r:id="rId35"/>
+    <p:sldId id="296" r:id="rId36"/>
+    <p:sldId id="260" r:id="rId37"/>
+    <p:sldId id="293" r:id="rId38"/>
+    <p:sldId id="287" r:id="rId39"/>
+    <p:sldId id="297" r:id="rId40"/>
+    <p:sldId id="261" r:id="rId41"/>
+    <p:sldId id="276" r:id="rId42"/>
   </p:sldIdLst>
   <p:sldSz cx="9144000" cy="6858000" type="screen4x3"/>
   <p:notesSz cx="6858000" cy="9144000"/>
@@ -146,7 +149,7 @@
   </p:defaultTextStyle>
   <p:extLst>
     <p:ext uri="{EFAFB233-063F-42B5-8137-9DF3F51BA10A}">
-      <p15:sldGuideLst xmlns="" xmlns:p15="http://schemas.microsoft.com/office/powerpoint/2012/main">
+      <p15:sldGuideLst xmlns:p15="http://schemas.microsoft.com/office/powerpoint/2012/main" xmlns="">
         <p15:guide id="1" orient="horz" pos="2160">
           <p15:clr>
             <a:srgbClr val="A4A3A4"/>
@@ -245,7 +248,7 @@
           <a:p>
             <a:fld id="{B24A7054-7FFB-49F4-A126-5DF6E687FF53}" type="datetimeFigureOut">
               <a:rPr lang="ru-RU" smtClean="0"/>
-              <a:t>08.10.2015</a:t>
+              <a:t>08.01.2016</a:t>
             </a:fld>
             <a:endParaRPr lang="ru-RU"/>
           </a:p>
@@ -1527,7 +1530,7 @@
           <a:p>
             <a:fld id="{8E6E6A2A-E9D3-4A0D-B04A-ABDD367A1E08}" type="datetimeFigureOut">
               <a:rPr lang="ru-RU" smtClean="0"/>
-              <a:t>08.10.2015</a:t>
+              <a:t>08.01.2016</a:t>
             </a:fld>
             <a:endParaRPr lang="ru-RU"/>
           </a:p>
@@ -4040,7 +4043,7 @@
                 </a:solidFill>
               </a:rPr>
               <a:pPr/>
-              <a:t>08.10.2015</a:t>
+              <a:t>08.01.2016</a:t>
             </a:fld>
             <a:endParaRPr lang="ru-RU">
               <a:solidFill>
@@ -5301,7 +5304,7 @@
           <a:p>
             <a:fld id="{AC3D3127-B7C4-45E3-9797-C527EC9FDD78}" type="datetimeFigureOut">
               <a:rPr lang="ru-RU" smtClean="0"/>
-              <a:t>08.10.2015</a:t>
+              <a:t>08.01.2016</a:t>
             </a:fld>
             <a:endParaRPr lang="ru-RU"/>
           </a:p>
@@ -5837,7 +5840,7 @@
                 </a:solidFill>
               </a:rPr>
               <a:pPr/>
-              <a:t>08.10.2015</a:t>
+              <a:t>08.01.2016</a:t>
             </a:fld>
             <a:endParaRPr lang="ru-RU">
               <a:solidFill>
@@ -6539,6 +6542,13 @@
   <p:clrMapOvr>
     <a:masterClrMapping/>
   </p:clrMapOvr>
+  <p:timing>
+    <p:tnLst>
+      <p:par>
+        <p:cTn id="1" dur="indefinite" restart="never" nodeType="tmRoot"/>
+      </p:par>
+    </p:tnLst>
+  </p:timing>
 </p:sld>
 </file>
 
@@ -6672,12 +6682,33 @@
   <p:clrMapOvr>
     <a:masterClrMapping/>
   </p:clrMapOvr>
+  <p:timing>
+    <p:tnLst>
+      <p:par>
+        <p:cTn id="1" dur="indefinite" restart="never" nodeType="tmRoot"/>
+      </p:par>
+    </p:tnLst>
+  </p:timing>
 </p:sld>
 </file>
 
 <file path=ppt/slides/slide12.xml><?xml version="1.0" encoding="utf-8"?>
 <p:sld xmlns:a="http://schemas.openxmlformats.org/drawingml/2006/main" xmlns:r="http://schemas.openxmlformats.org/officeDocument/2006/relationships" xmlns:p="http://schemas.openxmlformats.org/presentationml/2006/main">
   <p:cSld>
+    <p:bg>
+      <p:bgPr>
+        <a:blipFill dpi="0" rotWithShape="1">
+          <a:blip r:embed="rId3">
+            <a:lum/>
+          </a:blip>
+          <a:srcRect/>
+          <a:stretch>
+            <a:fillRect/>
+          </a:stretch>
+        </a:blipFill>
+        <a:effectLst/>
+      </p:bgPr>
+    </p:bg>
     <p:spTree>
       <p:nvGrpSpPr>
         <p:cNvPr id="1" name=""/>
@@ -6709,9 +6740,13 @@
           <a:p>
             <a:r>
               <a:rPr lang="ru-RU" dirty="0" smtClean="0"/>
-              <a:t>«Плавающие» окна</a:t>
-            </a:r>
-            <a:endParaRPr lang="ru-RU" dirty="0"/>
+              <a:t>Окна: </a:t>
+            </a:r>
+            <a:r>
+              <a:rPr lang="en-US" dirty="0" smtClean="0"/>
+              <a:t>Bookmarks</a:t>
+            </a:r>
+            <a:endParaRPr lang="en-US" dirty="0"/>
           </a:p>
         </p:txBody>
       </p:sp>
@@ -6727,63 +6762,157 @@
         </p:nvSpPr>
         <p:spPr/>
         <p:txBody>
-          <a:bodyPr/>
+          <a:bodyPr>
+            <a:normAutofit/>
+          </a:bodyPr>
           <a:lstStyle/>
           <a:p>
-            <a:r>
-              <a:rPr lang="en-US" dirty="0" err="1" smtClean="0">
-                <a:solidFill>
-                  <a:srgbClr val="F6AE1E"/>
-                </a:solidFill>
-              </a:rPr>
-              <a:t>Ctrl+click</a:t>
-            </a:r>
-            <a:r>
-              <a:rPr lang="en-US" dirty="0" smtClean="0"/>
-              <a:t> </a:t>
-            </a:r>
-            <a:r>
-              <a:rPr lang="ru-RU" dirty="0" smtClean="0"/>
-              <a:t>возвращает окно на место если вы его случайно вытащили не туда</a:t>
-            </a:r>
-          </a:p>
-          <a:p>
-            <a:r>
-              <a:rPr lang="ru-RU" dirty="0" smtClean="0"/>
-              <a:t>Удерживайте </a:t>
+            <a:pPr>
+              <a:buClr>
+                <a:schemeClr val="bg1"/>
+              </a:buClr>
+            </a:pPr>
+            <a:r>
+              <a:rPr lang="ru-RU" dirty="0">
+                <a:solidFill>
+                  <a:schemeClr val="bg1"/>
+                </a:solidFill>
+              </a:rPr>
+              <a:t>Закладки в текстовых файлах</a:t>
+            </a:r>
+            <a:endParaRPr lang="en-US" dirty="0" smtClean="0">
+              <a:solidFill>
+                <a:schemeClr val="bg1"/>
+              </a:solidFill>
+            </a:endParaRPr>
+          </a:p>
+          <a:p>
+            <a:pPr>
+              <a:buClr>
+                <a:schemeClr val="bg1"/>
+              </a:buClr>
+            </a:pPr>
+            <a:r>
+              <a:rPr lang="ru-RU" dirty="0" smtClean="0">
+                <a:solidFill>
+                  <a:schemeClr val="bg1"/>
+                </a:solidFill>
+              </a:rPr>
+              <a:t>Команды меню </a:t>
             </a:r>
             <a:r>
               <a:rPr lang="en-US" dirty="0" smtClean="0">
                 <a:solidFill>
-                  <a:srgbClr val="F6AE1E"/>
-                </a:solidFill>
-              </a:rPr>
-              <a:t>Ctrl</a:t>
-            </a:r>
-            <a:r>
-              <a:rPr lang="ru-RU" dirty="0" smtClean="0"/>
-              <a:t> во время перетаскивания окна чтобы убрать направляющие</a:t>
-            </a:r>
-            <a:endParaRPr lang="ru-RU" dirty="0"/>
+                  <a:schemeClr val="bg1"/>
+                </a:solidFill>
+              </a:rPr>
+              <a:t>View -&gt; Bookmark Window</a:t>
+            </a:r>
+            <a:r>
+              <a:rPr lang="ru-RU" dirty="0" smtClean="0">
+                <a:solidFill>
+                  <a:schemeClr val="bg1"/>
+                </a:solidFill>
+              </a:rPr>
+              <a:t> и </a:t>
+            </a:r>
+            <a:r>
+              <a:rPr lang="en-US" dirty="0" smtClean="0">
+                <a:solidFill>
+                  <a:schemeClr val="bg1"/>
+                </a:solidFill>
+              </a:rPr>
+              <a:t>Edit -&gt; Bookmarks.</a:t>
+            </a:r>
+          </a:p>
+          <a:p>
+            <a:pPr>
+              <a:buClr>
+                <a:schemeClr val="bg1"/>
+              </a:buClr>
+            </a:pPr>
+            <a:endParaRPr lang="ru-RU" dirty="0" smtClean="0">
+              <a:solidFill>
+                <a:schemeClr val="bg1"/>
+              </a:solidFill>
+            </a:endParaRPr>
+          </a:p>
+          <a:p>
+            <a:pPr>
+              <a:buClr>
+                <a:schemeClr val="bg1"/>
+              </a:buClr>
+            </a:pPr>
+            <a:endParaRPr lang="ru-RU" dirty="0" smtClean="0">
+              <a:solidFill>
+                <a:schemeClr val="bg1"/>
+              </a:solidFill>
+            </a:endParaRPr>
+          </a:p>
+          <a:p>
+            <a:pPr>
+              <a:buClr>
+                <a:schemeClr val="bg1"/>
+              </a:buClr>
+            </a:pPr>
+            <a:endParaRPr lang="ru-RU" dirty="0" smtClean="0">
+              <a:solidFill>
+                <a:schemeClr val="bg1"/>
+              </a:solidFill>
+            </a:endParaRPr>
+          </a:p>
+          <a:p>
+            <a:pPr marL="0" indent="0">
+              <a:buClr>
+                <a:schemeClr val="bg1"/>
+              </a:buClr>
+              <a:buNone/>
+            </a:pPr>
+            <a:endParaRPr lang="en-US" dirty="0">
+              <a:solidFill>
+                <a:schemeClr val="bg1"/>
+              </a:solidFill>
+            </a:endParaRPr>
           </a:p>
         </p:txBody>
       </p:sp>
     </p:spTree>
     <p:extLst>
       <p:ext uri="{BB962C8B-B14F-4D97-AF65-F5344CB8AC3E}">
-        <p14:creationId xmlns:p14="http://schemas.microsoft.com/office/powerpoint/2010/main" val="911313706"/>
+        <p14:creationId xmlns:p14="http://schemas.microsoft.com/office/powerpoint/2010/main" val="3985499755"/>
       </p:ext>
     </p:extLst>
   </p:cSld>
   <p:clrMapOvr>
-    <a:masterClrMapping/>
+    <a:overrideClrMapping bg1="lt1" tx1="dk1" bg2="lt2" tx2="dk2" accent1="accent1" accent2="accent2" accent3="accent3" accent4="accent4" accent5="accent5" accent6="accent6" hlink="hlink" folHlink="folHlink"/>
   </p:clrMapOvr>
+  <p:timing>
+    <p:tnLst>
+      <p:par>
+        <p:cTn id="1" dur="indefinite" restart="never" nodeType="tmRoot"/>
+      </p:par>
+    </p:tnLst>
+  </p:timing>
 </p:sld>
 </file>
 
 <file path=ppt/slides/slide13.xml><?xml version="1.0" encoding="utf-8"?>
 <p:sld xmlns:a="http://schemas.openxmlformats.org/drawingml/2006/main" xmlns:r="http://schemas.openxmlformats.org/officeDocument/2006/relationships" xmlns:p="http://schemas.openxmlformats.org/presentationml/2006/main">
   <p:cSld>
+    <p:bg>
+      <p:bgPr>
+        <a:blipFill dpi="0" rotWithShape="1">
+          <a:blip r:embed="rId3">
+            <a:lum/>
+          </a:blip>
+          <a:srcRect/>
+          <a:stretch>
+            <a:fillRect/>
+          </a:stretch>
+        </a:blipFill>
+        <a:effectLst/>
+      </p:bgPr>
+    </p:bg>
     <p:spTree>
       <p:nvGrpSpPr>
         <p:cNvPr id="1" name=""/>
@@ -6815,41 +6944,170 @@
           <a:p>
             <a:r>
               <a:rPr lang="ru-RU" dirty="0" smtClean="0"/>
-              <a:t>Редактор</a:t>
-            </a:r>
-            <a:endParaRPr lang="ru-RU" dirty="0"/>
-          </a:p>
-        </p:txBody>
-      </p:sp>
-      <p:sp>
-        <p:nvSpPr>
-          <p:cNvPr id="3" name="Text Placeholder 2"/>
+              <a:t>Окна: </a:t>
+            </a:r>
+            <a:r>
+              <a:rPr lang="en-US" dirty="0" smtClean="0"/>
+              <a:t>Task List</a:t>
+            </a:r>
+            <a:endParaRPr lang="en-US" dirty="0"/>
+          </a:p>
+        </p:txBody>
+      </p:sp>
+      <p:sp>
+        <p:nvSpPr>
+          <p:cNvPr id="3" name="Content Placeholder 2"/>
           <p:cNvSpPr>
             <a:spLocks noGrp="1"/>
           </p:cNvSpPr>
           <p:nvPr>
-            <p:ph type="body" idx="1"/>
+            <p:ph idx="1"/>
           </p:nvPr>
         </p:nvSpPr>
         <p:spPr/>
         <p:txBody>
-          <a:bodyPr/>
+          <a:bodyPr>
+            <a:normAutofit/>
+          </a:bodyPr>
           <a:lstStyle/>
           <a:p>
-            <a:endParaRPr lang="ru-RU" dirty="0"/>
+            <a:pPr>
+              <a:buClr>
+                <a:schemeClr val="bg1"/>
+              </a:buClr>
+            </a:pPr>
+            <a:r>
+              <a:rPr lang="ru-RU" dirty="0">
+                <a:solidFill>
+                  <a:schemeClr val="bg1"/>
+                </a:solidFill>
+              </a:rPr>
+              <a:t>Список можно использовать для хранения заметок по проекту</a:t>
+            </a:r>
+            <a:endParaRPr lang="en-US" dirty="0" smtClean="0">
+              <a:solidFill>
+                <a:schemeClr val="bg1"/>
+              </a:solidFill>
+            </a:endParaRPr>
+          </a:p>
+          <a:p>
+            <a:pPr>
+              <a:buClr>
+                <a:schemeClr val="bg1"/>
+              </a:buClr>
+            </a:pPr>
+            <a:r>
+              <a:rPr lang="ru-RU" dirty="0" smtClean="0">
+                <a:solidFill>
+                  <a:schemeClr val="bg1"/>
+                </a:solidFill>
+              </a:rPr>
+              <a:t>Команда меню </a:t>
+            </a:r>
+            <a:r>
+              <a:rPr lang="en-US" dirty="0" smtClean="0">
+                <a:solidFill>
+                  <a:schemeClr val="bg1"/>
+                </a:solidFill>
+              </a:rPr>
+              <a:t>View -&gt; </a:t>
+            </a:r>
+            <a:r>
+              <a:rPr lang="en-US" dirty="0">
+                <a:solidFill>
+                  <a:schemeClr val="bg1"/>
+                </a:solidFill>
+              </a:rPr>
+              <a:t>Task </a:t>
+            </a:r>
+            <a:r>
+              <a:rPr lang="en-US" dirty="0" smtClean="0">
+                <a:solidFill>
+                  <a:schemeClr val="bg1"/>
+                </a:solidFill>
+              </a:rPr>
+              <a:t>List.</a:t>
+            </a:r>
+          </a:p>
+          <a:p>
+            <a:pPr>
+              <a:buClr>
+                <a:schemeClr val="bg1"/>
+              </a:buClr>
+            </a:pPr>
+            <a:r>
+              <a:rPr lang="ru-RU" dirty="0" smtClean="0">
+                <a:solidFill>
+                  <a:schemeClr val="bg1"/>
+                </a:solidFill>
+              </a:rPr>
+              <a:t>Текст комментария написанный после </a:t>
+            </a:r>
+            <a:r>
+              <a:rPr lang="en-US" dirty="0" smtClean="0">
+                <a:solidFill>
+                  <a:schemeClr val="bg1"/>
+                </a:solidFill>
+              </a:rPr>
+              <a:t>TODO </a:t>
+            </a:r>
+            <a:r>
+              <a:rPr lang="ru-RU" dirty="0" smtClean="0">
+                <a:solidFill>
+                  <a:schemeClr val="bg1"/>
+                </a:solidFill>
+              </a:rPr>
+              <a:t>попадает в</a:t>
+            </a:r>
+            <a:r>
+              <a:rPr lang="en-US" dirty="0" smtClean="0">
+                <a:solidFill>
+                  <a:schemeClr val="bg1"/>
+                </a:solidFill>
+              </a:rPr>
+              <a:t> </a:t>
+            </a:r>
+            <a:r>
+              <a:rPr lang="ru-RU" dirty="0" smtClean="0">
+                <a:solidFill>
+                  <a:schemeClr val="bg1"/>
+                </a:solidFill>
+              </a:rPr>
+              <a:t>него автоматически</a:t>
+            </a:r>
+          </a:p>
+          <a:p>
+            <a:pPr marL="0" indent="0">
+              <a:buClr>
+                <a:schemeClr val="bg1"/>
+              </a:buClr>
+              <a:buNone/>
+            </a:pPr>
+            <a:endParaRPr lang="en-US" dirty="0">
+              <a:solidFill>
+                <a:schemeClr val="bg1"/>
+              </a:solidFill>
+            </a:endParaRPr>
           </a:p>
         </p:txBody>
       </p:sp>
     </p:spTree>
     <p:extLst>
       <p:ext uri="{BB962C8B-B14F-4D97-AF65-F5344CB8AC3E}">
-        <p14:creationId xmlns:p14="http://schemas.microsoft.com/office/powerpoint/2010/main" val="3519851483"/>
+        <p14:creationId xmlns:p14="http://schemas.microsoft.com/office/powerpoint/2010/main" val="1384232909"/>
       </p:ext>
     </p:extLst>
   </p:cSld>
   <p:clrMapOvr>
-    <a:masterClrMapping/>
+    <a:overrideClrMapping bg1="lt1" tx1="dk1" bg2="lt2" tx2="dk2" accent1="accent1" accent2="accent2" accent3="accent3" accent4="accent4" accent5="accent5" accent6="accent6" hlink="hlink" folHlink="folHlink"/>
   </p:clrMapOvr>
+  <p:timing>
+    <p:tnLst>
+      <p:par>
+        <p:cTn id="1" dur="indefinite" restart="never" nodeType="tmRoot"/>
+      </p:par>
+    </p:tnLst>
+  </p:timing>
 </p:sld>
 </file>
 
@@ -6887,7 +7145,7 @@
           <a:p>
             <a:r>
               <a:rPr lang="ru-RU" dirty="0" smtClean="0"/>
-              <a:t>Редактор: Настройки</a:t>
+              <a:t>«Плавающие» окна</a:t>
             </a:r>
             <a:endParaRPr lang="ru-RU" dirty="0"/>
           </a:p>
@@ -6908,42 +7166,40 @@
           <a:bodyPr/>
           <a:lstStyle/>
           <a:p>
-            <a:pPr marL="0" indent="0">
-              <a:buNone/>
-            </a:pPr>
+            <a:r>
+              <a:rPr lang="en-US" dirty="0" err="1" smtClean="0">
+                <a:solidFill>
+                  <a:srgbClr val="F6AE1E"/>
+                </a:solidFill>
+              </a:rPr>
+              <a:t>Ctrl+click</a:t>
+            </a:r>
+            <a:r>
+              <a:rPr lang="en-US" dirty="0" smtClean="0"/>
+              <a:t> </a:t>
+            </a:r>
             <a:r>
               <a:rPr lang="ru-RU" dirty="0" smtClean="0"/>
-              <a:t>Редактор </a:t>
-            </a:r>
-            <a:r>
-              <a:rPr lang="en-US" dirty="0" smtClean="0"/>
-              <a:t>VS </a:t>
-            </a:r>
+              <a:t>возвращает окно на место если вы его случайно вытащили не туда</a:t>
+            </a:r>
+          </a:p>
+          <a:p>
             <a:r>
               <a:rPr lang="ru-RU" dirty="0" smtClean="0"/>
-              <a:t>поддерживает множество языков. Настройки можно менять для всех языков сразу или по отдельности в диалоге «</a:t>
-            </a:r>
-            <a:r>
-              <a:rPr lang="en-US" dirty="0" smtClean="0"/>
-              <a:t>Tools -&gt; Options ...</a:t>
+              <a:t>Удерживайте </a:t>
+            </a:r>
+            <a:r>
+              <a:rPr lang="en-US" dirty="0" smtClean="0">
+                <a:solidFill>
+                  <a:srgbClr val="F6AE1E"/>
+                </a:solidFill>
+              </a:rPr>
+              <a:t>Ctrl</a:t>
             </a:r>
             <a:r>
               <a:rPr lang="ru-RU" dirty="0" smtClean="0"/>
-              <a:t>»</a:t>
-            </a:r>
-            <a:r>
-              <a:rPr lang="en-US" dirty="0" smtClean="0"/>
-              <a:t>.</a:t>
-            </a:r>
-            <a:endParaRPr lang="ru-RU" dirty="0" smtClean="0"/>
-          </a:p>
-          <a:p>
-            <a:pPr marL="0" indent="0">
-              <a:buNone/>
-            </a:pPr>
-            <a:endParaRPr lang="ru-RU" dirty="0" smtClean="0"/>
-          </a:p>
-          <a:p>
+              <a:t> во время перетаскивания окна чтобы убрать направляющие</a:t>
+            </a:r>
             <a:endParaRPr lang="ru-RU" dirty="0"/>
           </a:p>
         </p:txBody>
@@ -6951,13 +7207,20 @@
     </p:spTree>
     <p:extLst>
       <p:ext uri="{BB962C8B-B14F-4D97-AF65-F5344CB8AC3E}">
-        <p14:creationId xmlns:p14="http://schemas.microsoft.com/office/powerpoint/2010/main" val="2394860654"/>
+        <p14:creationId xmlns:p14="http://schemas.microsoft.com/office/powerpoint/2010/main" val="911313706"/>
       </p:ext>
     </p:extLst>
   </p:cSld>
   <p:clrMapOvr>
     <a:masterClrMapping/>
   </p:clrMapOvr>
+  <p:timing>
+    <p:tnLst>
+      <p:par>
+        <p:cTn id="1" dur="indefinite" restart="never" nodeType="tmRoot"/>
+      </p:par>
+    </p:tnLst>
+  </p:timing>
 </p:sld>
 </file>
 
@@ -6997,315 +7260,33 @@
               <a:rPr lang="ru-RU" dirty="0" smtClean="0"/>
               <a:t>Редактор</a:t>
             </a:r>
-            <a:endParaRPr lang="en-US" dirty="0"/>
-          </a:p>
-        </p:txBody>
-      </p:sp>
-      <p:sp>
-        <p:nvSpPr>
-          <p:cNvPr id="3" name="Content Placeholder 2"/>
+            <a:endParaRPr lang="ru-RU" dirty="0"/>
+          </a:p>
+        </p:txBody>
+      </p:sp>
+      <p:sp>
+        <p:nvSpPr>
+          <p:cNvPr id="3" name="Text Placeholder 2"/>
           <p:cNvSpPr>
             <a:spLocks noGrp="1"/>
           </p:cNvSpPr>
           <p:nvPr>
-            <p:ph idx="1"/>
+            <p:ph type="body" idx="1"/>
           </p:nvPr>
         </p:nvSpPr>
         <p:spPr/>
         <p:txBody>
-          <a:bodyPr>
-            <a:normAutofit lnSpcReduction="10000"/>
-          </a:bodyPr>
+          <a:bodyPr/>
           <a:lstStyle/>
           <a:p>
-            <a:pPr>
-              <a:buClr>
-                <a:schemeClr val="bg1"/>
-              </a:buClr>
-            </a:pPr>
-            <a:r>
-              <a:rPr lang="en-US" dirty="0" smtClean="0">
-                <a:solidFill>
-                  <a:srgbClr val="92D050"/>
-                </a:solidFill>
-              </a:rPr>
-              <a:t>[10]</a:t>
-            </a:r>
-            <a:r>
-              <a:rPr lang="en-US" dirty="0" smtClean="0"/>
-              <a:t> </a:t>
-            </a:r>
-            <a:r>
-              <a:rPr lang="ru-RU" dirty="0" smtClean="0"/>
-              <a:t>Изменение размера шрифта </a:t>
-            </a:r>
-            <a:r>
-              <a:rPr lang="en-US" dirty="0">
-                <a:solidFill>
-                  <a:srgbClr val="F6AE1E"/>
-                </a:solidFill>
-              </a:rPr>
-              <a:t>(</a:t>
-            </a:r>
-            <a:r>
-              <a:rPr lang="en-US" dirty="0" err="1">
-                <a:solidFill>
-                  <a:srgbClr val="F6AE1E"/>
-                </a:solidFill>
-              </a:rPr>
-              <a:t>Ctrl+Shift</a:t>
-            </a:r>
-            <a:r>
-              <a:rPr lang="en-US" dirty="0">
-                <a:solidFill>
-                  <a:srgbClr val="F6AE1E"/>
-                </a:solidFill>
-              </a:rPr>
-              <a:t> + &lt;/&gt; </a:t>
-            </a:r>
-            <a:r>
-              <a:rPr lang="ru-RU" dirty="0" smtClean="0">
-                <a:solidFill>
-                  <a:schemeClr val="bg1"/>
-                </a:solidFill>
-              </a:rPr>
-              <a:t>или</a:t>
-            </a:r>
-            <a:r>
-              <a:rPr lang="en-US" dirty="0" smtClean="0">
-                <a:solidFill>
-                  <a:srgbClr val="F6AE1E"/>
-                </a:solidFill>
-              </a:rPr>
-              <a:t> </a:t>
-            </a:r>
-            <a:r>
-              <a:rPr lang="en-US" dirty="0">
-                <a:solidFill>
-                  <a:srgbClr val="F6AE1E"/>
-                </a:solidFill>
-              </a:rPr>
-              <a:t>Ctrl + Mouse Scroll</a:t>
-            </a:r>
-            <a:r>
-              <a:rPr lang="en-US" dirty="0" smtClean="0">
-                <a:solidFill>
-                  <a:srgbClr val="F6AE1E"/>
-                </a:solidFill>
-              </a:rPr>
-              <a:t>)</a:t>
-            </a:r>
-            <a:endParaRPr lang="ru-RU" dirty="0" smtClean="0">
-              <a:solidFill>
-                <a:srgbClr val="F6AE1E"/>
-              </a:solidFill>
-            </a:endParaRPr>
-          </a:p>
-          <a:p>
-            <a:pPr>
-              <a:buClr>
-                <a:schemeClr val="bg1"/>
-              </a:buClr>
-            </a:pPr>
-            <a:r>
-              <a:rPr lang="en-US" dirty="0">
-                <a:solidFill>
-                  <a:srgbClr val="92D050"/>
-                </a:solidFill>
-              </a:rPr>
-              <a:t>[10]</a:t>
-            </a:r>
-            <a:r>
-              <a:rPr lang="en-US" dirty="0" smtClean="0"/>
-              <a:t> </a:t>
-            </a:r>
-            <a:r>
-              <a:rPr lang="ru-RU" dirty="0" smtClean="0"/>
-              <a:t>Многострочное редактирование</a:t>
-            </a:r>
-            <a:r>
-              <a:rPr lang="en-US" dirty="0" smtClean="0"/>
-              <a:t> </a:t>
-            </a:r>
-            <a:r>
-              <a:rPr lang="en-US" dirty="0" smtClean="0">
-                <a:solidFill>
-                  <a:srgbClr val="F6AE1E"/>
-                </a:solidFill>
-              </a:rPr>
-              <a:t>(</a:t>
-            </a:r>
-            <a:r>
-              <a:rPr lang="en-US" dirty="0" err="1">
-                <a:solidFill>
-                  <a:srgbClr val="F6AE1E"/>
-                </a:solidFill>
-              </a:rPr>
-              <a:t>Alt+Shift</a:t>
-            </a:r>
-            <a:r>
-              <a:rPr lang="en-US" dirty="0">
-                <a:solidFill>
-                  <a:srgbClr val="F6AE1E"/>
-                </a:solidFill>
-              </a:rPr>
-              <a:t> + Up/Down</a:t>
-            </a:r>
-            <a:r>
-              <a:rPr lang="en-US" dirty="0"/>
-              <a:t> </a:t>
-            </a:r>
-            <a:r>
-              <a:rPr lang="ru-RU" dirty="0" smtClean="0"/>
-              <a:t>или</a:t>
-            </a:r>
-            <a:r>
-              <a:rPr lang="en-US" dirty="0" smtClean="0"/>
-              <a:t> </a:t>
-            </a:r>
-            <a:r>
-              <a:rPr lang="en-US" dirty="0">
-                <a:solidFill>
-                  <a:srgbClr val="F6AE1E"/>
-                </a:solidFill>
-              </a:rPr>
-              <a:t>Alt + Mouse Up/Down</a:t>
-            </a:r>
-            <a:r>
-              <a:rPr lang="en-US" dirty="0" smtClean="0">
-                <a:solidFill>
-                  <a:srgbClr val="F6AE1E"/>
-                </a:solidFill>
-              </a:rPr>
-              <a:t>)</a:t>
-            </a:r>
-            <a:endParaRPr lang="ru-RU" dirty="0" smtClean="0">
-              <a:solidFill>
-                <a:srgbClr val="F6AE1E"/>
-              </a:solidFill>
-            </a:endParaRPr>
-          </a:p>
-          <a:p>
-            <a:pPr>
-              <a:buClr>
-                <a:schemeClr val="bg1"/>
-              </a:buClr>
-            </a:pPr>
-            <a:r>
-              <a:rPr lang="en-US" dirty="0" smtClean="0">
-                <a:solidFill>
-                  <a:srgbClr val="92D050"/>
-                </a:solidFill>
-              </a:rPr>
-              <a:t>[0</a:t>
-            </a:r>
-            <a:r>
-              <a:rPr lang="ru-RU" dirty="0" smtClean="0">
-                <a:solidFill>
-                  <a:srgbClr val="92D050"/>
-                </a:solidFill>
-              </a:rPr>
-              <a:t>5</a:t>
-            </a:r>
-            <a:r>
-              <a:rPr lang="en-US" dirty="0" smtClean="0">
-                <a:solidFill>
-                  <a:srgbClr val="92D050"/>
-                </a:solidFill>
-              </a:rPr>
-              <a:t>]</a:t>
-            </a:r>
-            <a:r>
-              <a:rPr lang="en-US" dirty="0" smtClean="0"/>
-              <a:t> </a:t>
-            </a:r>
-            <a:r>
-              <a:rPr lang="ru-RU" dirty="0" smtClean="0"/>
-              <a:t>Вставка текста из ц</a:t>
-            </a:r>
-            <a:r>
-              <a:rPr lang="ru-RU" dirty="0" smtClean="0">
-                <a:solidFill>
-                  <a:schemeClr val="bg1"/>
-                </a:solidFill>
-              </a:rPr>
-              <a:t>иклического буфера обмена </a:t>
-            </a:r>
-            <a:r>
-              <a:rPr lang="en-US" dirty="0">
-                <a:solidFill>
-                  <a:srgbClr val="F6AE1E"/>
-                </a:solidFill>
-              </a:rPr>
-              <a:t>(</a:t>
-            </a:r>
-            <a:r>
-              <a:rPr lang="en-US" dirty="0" err="1">
-                <a:solidFill>
-                  <a:srgbClr val="F6AE1E"/>
-                </a:solidFill>
-              </a:rPr>
-              <a:t>Ctrl+Shift</a:t>
-            </a:r>
-            <a:r>
-              <a:rPr lang="en-US" dirty="0">
-                <a:solidFill>
-                  <a:srgbClr val="F6AE1E"/>
-                </a:solidFill>
-              </a:rPr>
-              <a:t> + V</a:t>
-            </a:r>
-            <a:r>
-              <a:rPr lang="en-US" dirty="0" smtClean="0">
-                <a:solidFill>
-                  <a:srgbClr val="F6AE1E"/>
-                </a:solidFill>
-              </a:rPr>
-              <a:t>)</a:t>
-            </a:r>
-            <a:endParaRPr lang="ru-RU" dirty="0" smtClean="0">
-              <a:solidFill>
-                <a:srgbClr val="F6AE1E"/>
-              </a:solidFill>
-            </a:endParaRPr>
-          </a:p>
-          <a:p>
-            <a:pPr>
-              <a:buClr>
-                <a:schemeClr val="bg1"/>
-              </a:buClr>
-            </a:pPr>
-            <a:r>
-              <a:rPr lang="ru-RU" dirty="0" smtClean="0">
-                <a:solidFill>
-                  <a:schemeClr val="bg1"/>
-                </a:solidFill>
-              </a:rPr>
-              <a:t>Прокрутка текста без изменения положения курсора</a:t>
-            </a:r>
-            <a:r>
-              <a:rPr lang="en-US" dirty="0" smtClean="0">
-                <a:solidFill>
-                  <a:schemeClr val="bg1"/>
-                </a:solidFill>
-              </a:rPr>
-              <a:t> </a:t>
-            </a:r>
-            <a:r>
-              <a:rPr lang="en-US" dirty="0">
-                <a:solidFill>
-                  <a:srgbClr val="F6AE1E"/>
-                </a:solidFill>
-              </a:rPr>
-              <a:t>(Ctrl + Up/Down Arrow)</a:t>
-            </a:r>
+            <a:endParaRPr lang="ru-RU" dirty="0"/>
           </a:p>
         </p:txBody>
       </p:sp>
     </p:spTree>
     <p:extLst>
       <p:ext uri="{BB962C8B-B14F-4D97-AF65-F5344CB8AC3E}">
-        <p14:creationId xmlns:p14="http://schemas.microsoft.com/office/powerpoint/2010/main" val="468185828"/>
+        <p14:creationId xmlns:p14="http://schemas.microsoft.com/office/powerpoint/2010/main" val="3519851483"/>
       </p:ext>
     </p:extLst>
   </p:cSld>
@@ -7356,11 +7337,7 @@
           <a:p>
             <a:r>
               <a:rPr lang="ru-RU" dirty="0" smtClean="0"/>
-              <a:t>Редактор</a:t>
-            </a:r>
-            <a:r>
-              <a:rPr lang="en-US" dirty="0" smtClean="0"/>
-              <a:t>: Virtual Space</a:t>
+              <a:t>Редактор: Подсветка синтаксиса</a:t>
             </a:r>
             <a:endParaRPr lang="ru-RU" dirty="0"/>
           </a:p>
@@ -7386,35 +7363,17 @@
             </a:pPr>
             <a:r>
               <a:rPr lang="ru-RU" dirty="0" smtClean="0"/>
-              <a:t>Если </a:t>
-            </a:r>
-            <a:r>
-              <a:rPr lang="ru-RU" dirty="0"/>
-              <a:t>включить </a:t>
+              <a:t>На сайте </a:t>
+            </a:r>
+            <a:r>
+              <a:rPr lang="en-US" dirty="0" smtClean="0">
+                <a:hlinkClick r:id="rId2"/>
+              </a:rPr>
+              <a:t>studiostyl.es</a:t>
             </a:r>
             <a:r>
               <a:rPr lang="ru-RU" dirty="0" smtClean="0"/>
-              <a:t>переключатель «</a:t>
-            </a:r>
-            <a:r>
-              <a:rPr lang="en-US" dirty="0" smtClean="0"/>
-              <a:t>Enable virtual space</a:t>
-            </a:r>
-            <a:r>
-              <a:rPr lang="ru-RU" dirty="0" smtClean="0"/>
-              <a:t>»</a:t>
-            </a:r>
-            <a:r>
-              <a:rPr lang="en-US" dirty="0" smtClean="0"/>
-              <a:t>, </a:t>
-            </a:r>
-            <a:r>
-              <a:rPr lang="ru-RU" dirty="0" smtClean="0"/>
-              <a:t>то курсор можно будет ставить в любой место в документе, а не только туда где введен </a:t>
-            </a:r>
-            <a:r>
-              <a:rPr lang="ru-RU" smtClean="0"/>
-              <a:t>текст. </a:t>
+              <a:t> можно скачать готовые цветовые схемы</a:t>
             </a:r>
             <a:endParaRPr lang="ru-RU" dirty="0"/>
           </a:p>
@@ -7423,13 +7382,20 @@
     </p:spTree>
     <p:extLst>
       <p:ext uri="{BB962C8B-B14F-4D97-AF65-F5344CB8AC3E}">
-        <p14:creationId xmlns:p14="http://schemas.microsoft.com/office/powerpoint/2010/main" val="2950142326"/>
+        <p14:creationId xmlns:p14="http://schemas.microsoft.com/office/powerpoint/2010/main" val="486353961"/>
       </p:ext>
     </p:extLst>
   </p:cSld>
   <p:clrMapOvr>
     <a:masterClrMapping/>
   </p:clrMapOvr>
+  <p:timing>
+    <p:tnLst>
+      <p:par>
+        <p:cTn id="1" dur="indefinite" restart="never" nodeType="tmRoot"/>
+      </p:par>
+    </p:tnLst>
+  </p:timing>
 </p:sld>
 </file>
 
@@ -7462,25 +7428,12 @@
         </p:nvSpPr>
         <p:spPr/>
         <p:txBody>
-          <a:bodyPr>
-            <a:normAutofit fontScale="90000"/>
-          </a:bodyPr>
+          <a:bodyPr/>
           <a:lstStyle/>
           <a:p>
             <a:r>
               <a:rPr lang="ru-RU" dirty="0" smtClean="0"/>
-              <a:t>Редактор</a:t>
-            </a:r>
-            <a:r>
-              <a:rPr lang="en-US" dirty="0" smtClean="0"/>
-              <a:t>: Outlining</a:t>
-            </a:r>
-            <a:br>
-              <a:rPr lang="en-US" dirty="0" smtClean="0"/>
-            </a:br>
-            <a:r>
-              <a:rPr lang="ru-RU" dirty="0" smtClean="0"/>
-              <a:t>Свернуть выделенный блок текста</a:t>
+              <a:t>Редактор: Настройки</a:t>
             </a:r>
             <a:endParaRPr lang="ru-RU" dirty="0"/>
           </a:p>
@@ -7506,48 +7459,37 @@
             </a:pPr>
             <a:r>
               <a:rPr lang="ru-RU" dirty="0" smtClean="0"/>
-              <a:t>Выделяем текст, нажимаем </a:t>
-            </a:r>
-            <a:r>
-              <a:rPr lang="en-US" dirty="0" smtClean="0">
-                <a:solidFill>
-                  <a:srgbClr val="FFC000"/>
-                </a:solidFill>
-              </a:rPr>
-              <a:t>Ctrl + M, H</a:t>
+              <a:t>Редактор </a:t>
+            </a:r>
+            <a:r>
+              <a:rPr lang="en-US" dirty="0" smtClean="0"/>
+              <a:t>VS </a:t>
             </a:r>
             <a:r>
               <a:rPr lang="ru-RU" dirty="0" smtClean="0"/>
-              <a:t> и выделенный блок текста «свернется».</a:t>
+              <a:t>поддерживает множество языков. Настройки можно менять для всех языков сразу или по отдельности в диалоге «</a:t>
             </a:r>
             <a:r>
               <a:rPr lang="en-US" dirty="0" smtClean="0"/>
-              <a:t> </a:t>
+              <a:t>Tools -&gt; Options ...</a:t>
             </a:r>
             <a:r>
               <a:rPr lang="ru-RU" dirty="0" smtClean="0"/>
-              <a:t>Та же команда доступна в меню </a:t>
+              <a:t>»</a:t>
             </a:r>
             <a:r>
               <a:rPr lang="en-US" dirty="0" smtClean="0"/>
-              <a:t>Edit -&gt;</a:t>
-            </a:r>
-            <a:r>
-              <a:rPr lang="ru-RU" dirty="0" smtClean="0"/>
-              <a:t> </a:t>
-            </a:r>
-            <a:r>
-              <a:rPr lang="en-US" dirty="0" smtClean="0"/>
-              <a:t>Outlining</a:t>
-            </a:r>
-            <a:r>
-              <a:rPr lang="ru-RU" dirty="0" smtClean="0"/>
-              <a:t> -</a:t>
-            </a:r>
-            <a:r>
-              <a:rPr lang="en-US" dirty="0" smtClean="0"/>
-              <a:t>&gt; Hide Selection.</a:t>
-            </a:r>
+              <a:t>.</a:t>
+            </a:r>
+            <a:endParaRPr lang="ru-RU" dirty="0" smtClean="0"/>
+          </a:p>
+          <a:p>
+            <a:pPr marL="0" indent="0">
+              <a:buNone/>
+            </a:pPr>
+            <a:endParaRPr lang="ru-RU" dirty="0" smtClean="0"/>
+          </a:p>
+          <a:p>
             <a:endParaRPr lang="ru-RU" dirty="0"/>
           </a:p>
         </p:txBody>
@@ -7555,13 +7497,20 @@
     </p:spTree>
     <p:extLst>
       <p:ext uri="{BB962C8B-B14F-4D97-AF65-F5344CB8AC3E}">
-        <p14:creationId xmlns:p14="http://schemas.microsoft.com/office/powerpoint/2010/main" val="2080747852"/>
+        <p14:creationId xmlns:p14="http://schemas.microsoft.com/office/powerpoint/2010/main" val="2394860654"/>
       </p:ext>
     </p:extLst>
   </p:cSld>
   <p:clrMapOvr>
     <a:masterClrMapping/>
   </p:clrMapOvr>
+  <p:timing>
+    <p:tnLst>
+      <p:par>
+        <p:cTn id="1" dur="indefinite" restart="never" nodeType="tmRoot"/>
+      </p:par>
+    </p:tnLst>
+  </p:timing>
 </p:sld>
 </file>
 
@@ -7601,14 +7550,6 @@
               <a:rPr lang="ru-RU" dirty="0" smtClean="0"/>
               <a:t>Редактор</a:t>
             </a:r>
-            <a:r>
-              <a:rPr lang="en-US" dirty="0" smtClean="0"/>
-              <a:t>: </a:t>
-            </a:r>
-            <a:r>
-              <a:rPr lang="ru-RU" dirty="0" smtClean="0"/>
-              <a:t>Поиск текста</a:t>
-            </a:r>
             <a:endParaRPr lang="en-US" dirty="0"/>
           </a:p>
         </p:txBody>
@@ -7626,7 +7567,7 @@
         <p:spPr/>
         <p:txBody>
           <a:bodyPr>
-            <a:normAutofit fontScale="85000" lnSpcReduction="10000"/>
+            <a:normAutofit lnSpcReduction="10000"/>
           </a:bodyPr>
           <a:lstStyle/>
           <a:p>
@@ -7636,12 +7577,44 @@
               </a:buClr>
             </a:pPr>
             <a:r>
-              <a:rPr lang="en-US" dirty="0" err="1" smtClean="0">
+              <a:rPr lang="en-US" dirty="0" smtClean="0">
+                <a:solidFill>
+                  <a:srgbClr val="92D050"/>
+                </a:solidFill>
+              </a:rPr>
+              <a:t>[10]</a:t>
+            </a:r>
+            <a:r>
+              <a:rPr lang="en-US" dirty="0" smtClean="0"/>
+              <a:t> </a:t>
+            </a:r>
+            <a:r>
+              <a:rPr lang="ru-RU" dirty="0" smtClean="0"/>
+              <a:t>Изменение размера шрифта </a:t>
+            </a:r>
+            <a:r>
+              <a:rPr lang="en-US" dirty="0">
                 <a:solidFill>
                   <a:srgbClr val="F6AE1E"/>
                 </a:solidFill>
               </a:rPr>
-              <a:t>Ctrl+i</a:t>
+              <a:t>(</a:t>
+            </a:r>
+            <a:r>
+              <a:rPr lang="en-US" dirty="0" err="1">
+                <a:solidFill>
+                  <a:srgbClr val="F6AE1E"/>
+                </a:solidFill>
+              </a:rPr>
+              <a:t>Ctrl+Shift</a:t>
+            </a:r>
+            <a:r>
+              <a:rPr lang="en-US" dirty="0">
+                <a:solidFill>
+                  <a:srgbClr val="F6AE1E"/>
+                </a:solidFill>
+              </a:rPr>
+              <a:t> + &lt;/&gt; </a:t>
             </a:r>
             <a:r>
               <a:rPr lang="ru-RU" dirty="0" smtClean="0">
@@ -7649,24 +7622,37 @@
                   <a:schemeClr val="bg1"/>
                 </a:solidFill>
               </a:rPr>
+              <a:t>или</a:t>
+            </a:r>
+            <a:r>
+              <a:rPr lang="en-US" dirty="0" smtClean="0">
+                <a:solidFill>
+                  <a:srgbClr val="F6AE1E"/>
+                </a:solidFill>
+              </a:rPr>
               <a:t> </a:t>
             </a:r>
             <a:r>
+              <a:rPr lang="en-US" dirty="0">
+                <a:solidFill>
+                  <a:srgbClr val="F6AE1E"/>
+                </a:solidFill>
+              </a:rPr>
+              <a:t>Ctrl + Mouse Scroll</a:t>
+            </a:r>
+            <a:r>
               <a:rPr lang="en-US" dirty="0" smtClean="0">
                 <a:solidFill>
-                  <a:schemeClr val="bg1"/>
-                </a:solidFill>
-              </a:rPr>
-              <a:t>incremental </a:t>
-            </a:r>
-            <a:r>
-              <a:rPr lang="ru-RU" dirty="0" smtClean="0">
-                <a:solidFill>
-                  <a:schemeClr val="bg1"/>
-                </a:solidFill>
-              </a:rPr>
-              <a:t>поиск</a:t>
-            </a:r>
+                  <a:srgbClr val="F6AE1E"/>
+                </a:solidFill>
+              </a:rPr>
+              <a:t>)</a:t>
+            </a:r>
+            <a:endParaRPr lang="ru-RU" dirty="0" smtClean="0">
+              <a:solidFill>
+                <a:srgbClr val="F6AE1E"/>
+              </a:solidFill>
+            </a:endParaRPr>
           </a:p>
           <a:p>
             <a:pPr>
@@ -7677,27 +7663,80 @@
             <a:r>
               <a:rPr lang="en-US" dirty="0">
                 <a:solidFill>
+                  <a:srgbClr val="92D050"/>
+                </a:solidFill>
+              </a:rPr>
+              <a:t>[10]</a:t>
+            </a:r>
+            <a:r>
+              <a:rPr lang="en-US" dirty="0" smtClean="0"/>
+              <a:t> </a:t>
+            </a:r>
+            <a:r>
+              <a:rPr lang="ru-RU" dirty="0" smtClean="0"/>
+              <a:t>Многострочное редактирование</a:t>
+            </a:r>
+            <a:r>
+              <a:rPr lang="en-US" dirty="0" smtClean="0"/>
+              <a:t> </a:t>
+            </a:r>
+            <a:r>
+              <a:rPr lang="en-US" dirty="0" smtClean="0">
+                <a:solidFill>
                   <a:srgbClr val="F6AE1E"/>
                 </a:solidFill>
               </a:rPr>
-              <a:t>F3/Shift+F3</a:t>
+              <a:t>(</a:t>
+            </a:r>
+            <a:r>
+              <a:rPr lang="en-US" dirty="0" err="1">
+                <a:solidFill>
+                  <a:srgbClr val="F6AE1E"/>
+                </a:solidFill>
+              </a:rPr>
+              <a:t>Alt+Shift</a:t>
+            </a:r>
+            <a:r>
+              <a:rPr lang="en-US" dirty="0">
+                <a:solidFill>
+                  <a:srgbClr val="F6AE1E"/>
+                </a:solidFill>
+              </a:rPr>
+              <a:t> + Up/Down</a:t>
+            </a:r>
+            <a:r>
+              <a:rPr lang="en-US" dirty="0"/>
+              <a:t> </a:t>
+            </a:r>
+            <a:r>
+              <a:rPr lang="ru-RU" dirty="0" smtClean="0"/>
+              <a:t>или</a:t>
+            </a:r>
+            <a:r>
+              <a:rPr lang="en-US" dirty="0" smtClean="0"/>
+              <a:t> </a:t>
+            </a:r>
+            <a:r>
+              <a:rPr lang="en-US" dirty="0">
+                <a:solidFill>
+                  <a:srgbClr val="F6AE1E"/>
+                </a:solidFill>
+              </a:rPr>
+              <a:t>Alt + Mouse Up/Down</a:t>
             </a:r>
             <a:r>
               <a:rPr lang="en-US" dirty="0" smtClean="0">
                 <a:solidFill>
-                  <a:schemeClr val="bg1"/>
-                </a:solidFill>
-              </a:rPr>
-              <a:t> </a:t>
-            </a:r>
-            <a:r>
-              <a:rPr lang="ru-RU" dirty="0" smtClean="0">
-                <a:solidFill>
-                  <a:schemeClr val="bg1"/>
-                </a:solidFill>
-              </a:rPr>
-              <a:t>найти следующее/предыдущее вхождение строки</a:t>
-            </a:r>
+                  <a:srgbClr val="F6AE1E"/>
+                </a:solidFill>
+              </a:rPr>
+              <a:t>)</a:t>
+            </a:r>
+            <a:endParaRPr lang="ru-RU" dirty="0" smtClean="0">
+              <a:solidFill>
+                <a:srgbClr val="F6AE1E"/>
+              </a:solidFill>
+            </a:endParaRPr>
           </a:p>
           <a:p>
             <a:pPr>
@@ -7706,29 +7745,82 @@
               </a:buClr>
             </a:pPr>
             <a:r>
+              <a:rPr lang="en-US" dirty="0" smtClean="0">
+                <a:solidFill>
+                  <a:srgbClr val="92D050"/>
+                </a:solidFill>
+              </a:rPr>
+              <a:t>[0</a:t>
+            </a:r>
+            <a:r>
+              <a:rPr lang="ru-RU" dirty="0" smtClean="0">
+                <a:solidFill>
+                  <a:srgbClr val="92D050"/>
+                </a:solidFill>
+              </a:rPr>
+              <a:t>5</a:t>
+            </a:r>
+            <a:r>
+              <a:rPr lang="en-US" dirty="0" smtClean="0">
+                <a:solidFill>
+                  <a:srgbClr val="92D050"/>
+                </a:solidFill>
+              </a:rPr>
+              <a:t>]</a:t>
+            </a:r>
+            <a:r>
+              <a:rPr lang="en-US" dirty="0" smtClean="0"/>
+              <a:t> </a:t>
+            </a:r>
+            <a:r>
+              <a:rPr lang="ru-RU" dirty="0" smtClean="0"/>
+              <a:t>Вставка текста из ц</a:t>
+            </a:r>
+            <a:r>
+              <a:rPr lang="ru-RU" dirty="0" smtClean="0">
+                <a:solidFill>
+                  <a:schemeClr val="bg1"/>
+                </a:solidFill>
+              </a:rPr>
+              <a:t>иклического буфера обмена </a:t>
+            </a:r>
+            <a:r>
               <a:rPr lang="en-US" dirty="0">
                 <a:solidFill>
                   <a:srgbClr val="F6AE1E"/>
                 </a:solidFill>
               </a:rPr>
-              <a:t>Ctrl+F3</a:t>
+              <a:t>(</a:t>
+            </a:r>
+            <a:r>
+              <a:rPr lang="en-US" dirty="0" err="1">
+                <a:solidFill>
+                  <a:srgbClr val="F6AE1E"/>
+                </a:solidFill>
+              </a:rPr>
+              <a:t>Ctrl+Shift</a:t>
+            </a:r>
+            <a:r>
+              <a:rPr lang="en-US" dirty="0">
+                <a:solidFill>
+                  <a:srgbClr val="F6AE1E"/>
+                </a:solidFill>
+              </a:rPr>
+              <a:t> + V</a:t>
             </a:r>
             <a:r>
               <a:rPr lang="en-US" dirty="0" smtClean="0">
                 <a:solidFill>
-                  <a:schemeClr val="bg1"/>
-                </a:solidFill>
-              </a:rPr>
-              <a:t> </a:t>
-            </a:r>
-            <a:r>
-              <a:rPr lang="ru-RU" dirty="0" smtClean="0">
-                <a:solidFill>
-                  <a:schemeClr val="bg1"/>
-                </a:solidFill>
-              </a:rPr>
-              <a:t>найти следующее вхождение выделенного текста</a:t>
-            </a:r>
+                  <a:srgbClr val="F6AE1E"/>
+                </a:solidFill>
+              </a:rPr>
+              <a:t>)</a:t>
+            </a:r>
+            <a:endParaRPr lang="ru-RU" dirty="0" smtClean="0">
+              <a:solidFill>
+                <a:srgbClr val="F6AE1E"/>
+              </a:solidFill>
+            </a:endParaRPr>
           </a:p>
           <a:p>
             <a:pPr>
@@ -7737,113 +7829,36 @@
               </a:buClr>
             </a:pPr>
             <a:r>
-              <a:rPr lang="en-US" dirty="0" err="1">
+              <a:rPr lang="ru-RU" dirty="0" smtClean="0">
+                <a:solidFill>
+                  <a:schemeClr val="bg1"/>
+                </a:solidFill>
+              </a:rPr>
+              <a:t>Прокрутка текста без изменения положения курсора</a:t>
+            </a:r>
+            <a:r>
+              <a:rPr lang="en-US" dirty="0" smtClean="0">
+                <a:solidFill>
+                  <a:schemeClr val="bg1"/>
+                </a:solidFill>
+              </a:rPr>
+              <a:t> </a:t>
+            </a:r>
+            <a:r>
+              <a:rPr lang="en-US" dirty="0">
                 <a:solidFill>
                   <a:srgbClr val="F6AE1E"/>
                 </a:solidFill>
               </a:rPr>
-              <a:t>Ctrl+Shift+F</a:t>
-            </a:r>
-            <a:r>
-              <a:rPr lang="en-US" dirty="0" smtClean="0">
-                <a:solidFill>
-                  <a:schemeClr val="bg1"/>
-                </a:solidFill>
-              </a:rPr>
-              <a:t> </a:t>
-            </a:r>
-            <a:r>
-              <a:rPr lang="ru-RU" dirty="0" smtClean="0">
-                <a:solidFill>
-                  <a:schemeClr val="bg1"/>
-                </a:solidFill>
-              </a:rPr>
-              <a:t>найти в </a:t>
-            </a:r>
-            <a:r>
-              <a:rPr lang="en-US" dirty="0" smtClean="0">
-                <a:solidFill>
-                  <a:schemeClr val="bg1"/>
-                </a:solidFill>
-              </a:rPr>
-              <a:t>solution</a:t>
-            </a:r>
-          </a:p>
-          <a:p>
-            <a:pPr marL="0" indent="0">
-              <a:buClr>
-                <a:schemeClr val="bg1"/>
-              </a:buClr>
-              <a:buNone/>
-            </a:pPr>
-            <a:endParaRPr lang="ru-RU" dirty="0" smtClean="0">
-              <a:solidFill>
-                <a:schemeClr val="bg1"/>
-              </a:solidFill>
-            </a:endParaRPr>
-          </a:p>
-          <a:p>
-            <a:pPr>
-              <a:buClr>
-                <a:schemeClr val="bg1"/>
-              </a:buClr>
-            </a:pPr>
-            <a:endParaRPr lang="ru-RU" dirty="0">
-              <a:solidFill>
-                <a:schemeClr val="bg1"/>
-              </a:solidFill>
-            </a:endParaRPr>
-          </a:p>
-          <a:p>
-            <a:pPr marL="0" indent="0">
-              <a:buClr>
-                <a:schemeClr val="bg1"/>
-              </a:buClr>
-              <a:buNone/>
-            </a:pPr>
-            <a:r>
-              <a:rPr lang="en-US" dirty="0">
-                <a:solidFill>
-                  <a:schemeClr val="bg1"/>
-                </a:solidFill>
-                <a:hlinkClick r:id="rId2"/>
-              </a:rPr>
-              <a:t>http://</a:t>
-            </a:r>
-            <a:r>
-              <a:rPr lang="en-US" dirty="0" smtClean="0">
-                <a:solidFill>
-                  <a:schemeClr val="bg1"/>
-                </a:solidFill>
-                <a:hlinkClick r:id="rId2"/>
-              </a:rPr>
-              <a:t>weblogs.asp.net/scottgu/archive/2010/08/24/search-and-navigation-tips-tricks-with-visual-studio.aspx</a:t>
-            </a:r>
-            <a:endParaRPr lang="ru-RU" dirty="0" smtClean="0">
-              <a:solidFill>
-                <a:schemeClr val="bg1"/>
-              </a:solidFill>
-            </a:endParaRPr>
-          </a:p>
-          <a:p>
-            <a:pPr marL="0" indent="0">
-              <a:buClr>
-                <a:schemeClr val="bg1"/>
-              </a:buClr>
-              <a:buNone/>
-            </a:pPr>
-            <a:endParaRPr lang="en-US" dirty="0">
-              <a:solidFill>
-                <a:schemeClr val="bg1"/>
-              </a:solidFill>
-            </a:endParaRPr>
+              <a:t>(Ctrl + Up/Down Arrow)</a:t>
+            </a:r>
           </a:p>
         </p:txBody>
       </p:sp>
     </p:spTree>
     <p:extLst>
       <p:ext uri="{BB962C8B-B14F-4D97-AF65-F5344CB8AC3E}">
-        <p14:creationId xmlns:p14="http://schemas.microsoft.com/office/powerpoint/2010/main" val="1967395690"/>
+        <p14:creationId xmlns:p14="http://schemas.microsoft.com/office/powerpoint/2010/main" val="468185828"/>
       </p:ext>
     </p:extLst>
   </p:cSld>
@@ -7889,9 +7904,7 @@
         </p:nvSpPr>
         <p:spPr/>
         <p:txBody>
-          <a:bodyPr>
-            <a:normAutofit fontScale="90000"/>
-          </a:bodyPr>
+          <a:bodyPr/>
           <a:lstStyle/>
           <a:p>
             <a:r>
@@ -7900,20 +7913,9 @@
             </a:r>
             <a:r>
               <a:rPr lang="en-US" dirty="0" smtClean="0"/>
-              <a:t>: </a:t>
-            </a:r>
-            <a:r>
-              <a:rPr lang="ru-RU" dirty="0" smtClean="0"/>
-              <a:t>работа с блоками</a:t>
-            </a:r>
-            <a:br>
-              <a:rPr lang="ru-RU" dirty="0" smtClean="0"/>
-            </a:br>
-            <a:r>
-              <a:rPr lang="ru-RU" dirty="0" smtClean="0"/>
-              <a:t>внутри скобок</a:t>
-            </a:r>
-            <a:endParaRPr lang="en-US" dirty="0"/>
+              <a:t>: Virtual Space</a:t>
+            </a:r>
+            <a:endParaRPr lang="ru-RU" dirty="0"/>
           </a:p>
         </p:txBody>
       </p:sp>
@@ -7929,128 +7931,52 @@
         </p:nvSpPr>
         <p:spPr/>
         <p:txBody>
-          <a:bodyPr>
-            <a:normAutofit/>
-          </a:bodyPr>
+          <a:bodyPr/>
           <a:lstStyle/>
           <a:p>
-            <a:pPr>
-              <a:buClr>
-                <a:schemeClr val="bg1"/>
-              </a:buClr>
+            <a:pPr marL="0" indent="0">
+              <a:buNone/>
             </a:pPr>
             <a:r>
-              <a:rPr lang="en-US" dirty="0" err="1" smtClean="0">
-                <a:solidFill>
-                  <a:srgbClr val="F6AE1E"/>
-                </a:solidFill>
-              </a:rPr>
-              <a:t>Ctrl+Shift</a:t>
-            </a:r>
-            <a:r>
-              <a:rPr lang="en-US" dirty="0" smtClean="0">
-                <a:solidFill>
-                  <a:srgbClr val="F6AE1E"/>
-                </a:solidFill>
-              </a:rPr>
-              <a:t>+]</a:t>
-            </a:r>
-            <a:r>
-              <a:rPr lang="ru-RU" dirty="0" smtClean="0">
-                <a:solidFill>
-                  <a:schemeClr val="bg1"/>
-                </a:solidFill>
-              </a:rPr>
-              <a:t> выделение блока внутри</a:t>
-            </a:r>
-            <a:r>
-              <a:rPr lang="en-US" dirty="0" smtClean="0">
-                <a:solidFill>
-                  <a:schemeClr val="bg1"/>
-                </a:solidFill>
-              </a:rPr>
-              <a:t> { }. </a:t>
-            </a:r>
-            <a:r>
-              <a:rPr lang="ru-RU" dirty="0" smtClean="0">
-                <a:solidFill>
-                  <a:schemeClr val="bg1"/>
-                </a:solidFill>
-              </a:rPr>
-              <a:t>Курсор должен стоять на </a:t>
-            </a:r>
-            <a:r>
-              <a:rPr lang="en-US" dirty="0" smtClean="0">
-                <a:solidFill>
-                  <a:schemeClr val="bg1"/>
-                </a:solidFill>
-              </a:rPr>
-              <a:t>{ </a:t>
-            </a:r>
-            <a:r>
-              <a:rPr lang="ru-RU" dirty="0" smtClean="0">
-                <a:solidFill>
-                  <a:schemeClr val="bg1"/>
-                </a:solidFill>
-              </a:rPr>
-              <a:t>или </a:t>
-            </a:r>
-            <a:r>
-              <a:rPr lang="en-US" dirty="0" smtClean="0">
-                <a:solidFill>
-                  <a:schemeClr val="bg1"/>
-                </a:solidFill>
-              </a:rPr>
-              <a:t>}</a:t>
-            </a:r>
-          </a:p>
-          <a:p>
-            <a:pPr>
-              <a:buClr>
-                <a:schemeClr val="bg1"/>
-              </a:buClr>
-            </a:pPr>
-            <a:r>
-              <a:rPr lang="en-US" dirty="0">
-                <a:solidFill>
-                  <a:srgbClr val="F6AE1E"/>
-                </a:solidFill>
-              </a:rPr>
-              <a:t>Ctrl+] </a:t>
-            </a:r>
-            <a:r>
-              <a:rPr lang="ru-RU" dirty="0">
-                <a:solidFill>
-                  <a:schemeClr val="bg1"/>
-                </a:solidFill>
-              </a:rPr>
-              <a:t>перейти к парной скобке открывающей или закрывающей скобке</a:t>
-            </a:r>
-            <a:endParaRPr lang="ru-RU" dirty="0" smtClean="0">
-              <a:solidFill>
-                <a:schemeClr val="bg1"/>
-              </a:solidFill>
-            </a:endParaRPr>
-          </a:p>
-          <a:p>
-            <a:pPr marL="0" indent="0">
-              <a:buClr>
-                <a:schemeClr val="bg1"/>
-              </a:buClr>
-              <a:buNone/>
-            </a:pPr>
-            <a:endParaRPr lang="en-US" dirty="0">
-              <a:solidFill>
-                <a:schemeClr val="bg1"/>
-              </a:solidFill>
-            </a:endParaRPr>
+              <a:rPr lang="ru-RU" dirty="0" smtClean="0"/>
+              <a:t>Если </a:t>
+            </a:r>
+            <a:r>
+              <a:rPr lang="ru-RU" dirty="0"/>
+              <a:t>включить </a:t>
+            </a:r>
+            <a:r>
+              <a:rPr lang="ru-RU" dirty="0" smtClean="0"/>
+              <a:t>переключатель «</a:t>
+            </a:r>
+            <a:r>
+              <a:rPr lang="en-US" dirty="0" smtClean="0"/>
+              <a:t>Enable virtual space</a:t>
+            </a:r>
+            <a:r>
+              <a:rPr lang="ru-RU" dirty="0" smtClean="0"/>
+              <a:t>»</a:t>
+            </a:r>
+            <a:r>
+              <a:rPr lang="en-US" dirty="0" smtClean="0"/>
+              <a:t>, </a:t>
+            </a:r>
+            <a:r>
+              <a:rPr lang="ru-RU" dirty="0" smtClean="0"/>
+              <a:t>то курсор можно будет ставить в любой место в документе, а не только туда где введен </a:t>
+            </a:r>
+            <a:r>
+              <a:rPr lang="ru-RU" smtClean="0"/>
+              <a:t>текст. </a:t>
+            </a:r>
+            <a:endParaRPr lang="ru-RU" dirty="0"/>
           </a:p>
         </p:txBody>
       </p:sp>
     </p:spTree>
     <p:extLst>
       <p:ext uri="{BB962C8B-B14F-4D97-AF65-F5344CB8AC3E}">
-        <p14:creationId xmlns:p14="http://schemas.microsoft.com/office/powerpoint/2010/main" val="4175683496"/>
+        <p14:creationId xmlns:p14="http://schemas.microsoft.com/office/powerpoint/2010/main" val="2950142326"/>
       </p:ext>
     </p:extLst>
   </p:cSld>
@@ -8188,13 +8114,24 @@
         <p:spPr/>
         <p:txBody>
           <a:bodyPr>
-            <a:normAutofit/>
+            <a:normAutofit fontScale="90000"/>
           </a:bodyPr>
           <a:lstStyle/>
           <a:p>
             <a:r>
               <a:rPr lang="ru-RU" dirty="0" smtClean="0"/>
-              <a:t>Редактор: удаление текста</a:t>
+              <a:t>Редактор</a:t>
+            </a:r>
+            <a:r>
+              <a:rPr lang="en-US" dirty="0" smtClean="0"/>
+              <a:t>: Outlining</a:t>
+            </a:r>
+            <a:br>
+              <a:rPr lang="en-US" dirty="0" smtClean="0"/>
+            </a:br>
+            <a:r>
+              <a:rPr lang="ru-RU" dirty="0" smtClean="0"/>
+              <a:t>Свернуть выделенный блок текста</a:t>
             </a:r>
             <a:endParaRPr lang="ru-RU" dirty="0"/>
           </a:p>
@@ -8215,29 +8152,24 @@
           <a:bodyPr/>
           <a:lstStyle/>
           <a:p>
+            <a:pPr marL="0" indent="0">
+              <a:buNone/>
+            </a:pPr>
+            <a:r>
+              <a:rPr lang="ru-RU" dirty="0" smtClean="0"/>
+              <a:t>Выделяем текст, нажимаем </a:t>
+            </a:r>
             <a:r>
               <a:rPr lang="en-US" dirty="0" smtClean="0">
                 <a:solidFill>
-                  <a:srgbClr val="F6AE1E"/>
-                </a:solidFill>
-              </a:rPr>
-              <a:t>Ctrl</a:t>
-            </a:r>
-            <a:r>
-              <a:rPr lang="ru-RU" dirty="0" smtClean="0">
-                <a:solidFill>
-                  <a:srgbClr val="F6AE1E"/>
-                </a:solidFill>
-              </a:rPr>
-              <a:t>+</a:t>
-            </a:r>
-            <a:r>
-              <a:rPr lang="en-US" dirty="0" smtClean="0">
-                <a:solidFill>
-                  <a:srgbClr val="F6AE1E"/>
-                </a:solidFill>
-              </a:rPr>
-              <a:t>Backspace</a:t>
+                  <a:srgbClr val="FFC000"/>
+                </a:solidFill>
+              </a:rPr>
+              <a:t>Ctrl + M, H</a:t>
+            </a:r>
+            <a:r>
+              <a:rPr lang="ru-RU" dirty="0" smtClean="0"/>
+              <a:t> и выделенный блок текста «свернется».</a:t>
             </a:r>
             <a:r>
               <a:rPr lang="en-US" dirty="0" smtClean="0"/>
@@ -8245,25 +8177,27 @@
             </a:r>
             <a:r>
               <a:rPr lang="ru-RU" dirty="0" smtClean="0"/>
-              <a:t>удалить слово слева от курсора</a:t>
+              <a:t>Та же команда доступна в меню </a:t>
             </a:r>
             <a:r>
               <a:rPr lang="en-US" dirty="0" smtClean="0"/>
+              <a:t>Edit -&gt;</a:t>
+            </a:r>
+            <a:r>
+              <a:rPr lang="ru-RU" dirty="0" smtClean="0"/>
               <a:t> </a:t>
             </a:r>
-          </a:p>
-          <a:p>
-            <a:r>
-              <a:rPr lang="en-US" dirty="0" err="1" smtClean="0">
-                <a:solidFill>
-                  <a:srgbClr val="F6AE1E"/>
-                </a:solidFill>
-              </a:rPr>
-              <a:t>Ctrl+Del</a:t>
+            <a:r>
+              <a:rPr lang="en-US" dirty="0" smtClean="0"/>
+              <a:t>Outlining</a:t>
             </a:r>
             <a:r>
               <a:rPr lang="ru-RU" dirty="0" smtClean="0"/>
-              <a:t> удалить слово справа от курсора</a:t>
+              <a:t> -</a:t>
+            </a:r>
+            <a:r>
+              <a:rPr lang="en-US" dirty="0" smtClean="0"/>
+              <a:t>&gt; Hide Selection.</a:t>
             </a:r>
             <a:endParaRPr lang="ru-RU" dirty="0"/>
           </a:p>
@@ -8272,13 +8206,20 @@
     </p:spTree>
     <p:extLst>
       <p:ext uri="{BB962C8B-B14F-4D97-AF65-F5344CB8AC3E}">
-        <p14:creationId xmlns:p14="http://schemas.microsoft.com/office/powerpoint/2010/main" val="3793092540"/>
+        <p14:creationId xmlns:p14="http://schemas.microsoft.com/office/powerpoint/2010/main" val="2080747852"/>
       </p:ext>
     </p:extLst>
   </p:cSld>
   <p:clrMapOvr>
     <a:masterClrMapping/>
   </p:clrMapOvr>
+  <p:timing>
+    <p:tnLst>
+      <p:par>
+        <p:cTn id="1" dur="indefinite" restart="never" nodeType="tmRoot"/>
+      </p:par>
+    </p:tnLst>
+  </p:timing>
 </p:sld>
 </file>
 
@@ -8316,9 +8257,17 @@
           <a:p>
             <a:r>
               <a:rPr lang="ru-RU" dirty="0" smtClean="0"/>
-              <a:t>Редактор: комментарии</a:t>
-            </a:r>
-            <a:endParaRPr lang="ru-RU" dirty="0"/>
+              <a:t>Редактор</a:t>
+            </a:r>
+            <a:r>
+              <a:rPr lang="en-US" dirty="0" smtClean="0"/>
+              <a:t>: </a:t>
+            </a:r>
+            <a:r>
+              <a:rPr lang="ru-RU" dirty="0" smtClean="0"/>
+              <a:t>Поиск текста</a:t>
+            </a:r>
+            <a:endParaRPr lang="en-US" dirty="0"/>
           </a:p>
         </p:txBody>
       </p:sp>
@@ -8335,36 +8284,95 @@
         <p:spPr/>
         <p:txBody>
           <a:bodyPr>
-            <a:normAutofit/>
+            <a:normAutofit fontScale="85000" lnSpcReduction="10000"/>
           </a:bodyPr>
           <a:lstStyle/>
           <a:p>
-            <a:r>
-              <a:rPr lang="en-US" sz="2800" dirty="0" err="1">
+            <a:pPr>
+              <a:buClr>
+                <a:schemeClr val="bg1"/>
+              </a:buClr>
+            </a:pPr>
+            <a:r>
+              <a:rPr lang="en-US" dirty="0" err="1" smtClean="0">
                 <a:solidFill>
                   <a:srgbClr val="F6AE1E"/>
                 </a:solidFill>
               </a:rPr>
-              <a:t>Ctrl+K</a:t>
-            </a:r>
-            <a:r>
-              <a:rPr lang="en-US" sz="2800" dirty="0">
+              <a:t>Ctrl+i</a:t>
+            </a:r>
+            <a:r>
+              <a:rPr lang="ru-RU" dirty="0" smtClean="0">
+                <a:solidFill>
+                  <a:schemeClr val="bg1"/>
+                </a:solidFill>
+              </a:rPr>
+              <a:t> </a:t>
+            </a:r>
+            <a:r>
+              <a:rPr lang="en-US" dirty="0" smtClean="0">
+                <a:solidFill>
+                  <a:schemeClr val="bg1"/>
+                </a:solidFill>
+              </a:rPr>
+              <a:t>incremental </a:t>
+            </a:r>
+            <a:r>
+              <a:rPr lang="ru-RU" dirty="0" smtClean="0">
+                <a:solidFill>
+                  <a:schemeClr val="bg1"/>
+                </a:solidFill>
+              </a:rPr>
+              <a:t>поиск</a:t>
+            </a:r>
+          </a:p>
+          <a:p>
+            <a:pPr>
+              <a:buClr>
+                <a:schemeClr val="bg1"/>
+              </a:buClr>
+            </a:pPr>
+            <a:r>
+              <a:rPr lang="en-US" dirty="0">
                 <a:solidFill>
                   <a:srgbClr val="F6AE1E"/>
                 </a:solidFill>
               </a:rPr>
-              <a:t>, </a:t>
-            </a:r>
-            <a:r>
-              <a:rPr lang="en-US" sz="2800" dirty="0" err="1">
+              <a:t>F3/Shift+F3</a:t>
+            </a:r>
+            <a:r>
+              <a:rPr lang="en-US" dirty="0" smtClean="0">
+                <a:solidFill>
+                  <a:schemeClr val="bg1"/>
+                </a:solidFill>
+              </a:rPr>
+              <a:t> </a:t>
+            </a:r>
+            <a:r>
+              <a:rPr lang="ru-RU" dirty="0" smtClean="0">
+                <a:solidFill>
+                  <a:schemeClr val="bg1"/>
+                </a:solidFill>
+              </a:rPr>
+              <a:t>найти следующее/предыдущее вхождение строки</a:t>
+            </a:r>
+          </a:p>
+          <a:p>
+            <a:pPr>
+              <a:buClr>
+                <a:schemeClr val="bg1"/>
+              </a:buClr>
+            </a:pPr>
+            <a:r>
+              <a:rPr lang="en-US" dirty="0">
                 <a:solidFill>
                   <a:srgbClr val="F6AE1E"/>
                 </a:solidFill>
               </a:rPr>
-              <a:t>Ctrl+C</a:t>
-            </a:r>
-            <a:r>
-              <a:rPr lang="en-US" sz="2800" dirty="0">
+              <a:t>Ctrl+F3</a:t>
+            </a:r>
+            <a:r>
+              <a:rPr lang="en-US" dirty="0" smtClean="0">
                 <a:solidFill>
                   <a:schemeClr val="bg1"/>
                 </a:solidFill>
@@ -8372,62 +8380,128 @@
               <a:t> </a:t>
             </a:r>
             <a:r>
-              <a:rPr lang="ru-RU" sz="2800" dirty="0">
+              <a:rPr lang="ru-RU" dirty="0" smtClean="0">
                 <a:solidFill>
                   <a:schemeClr val="bg1"/>
                 </a:solidFill>
               </a:rPr>
-              <a:t>закоментировать выбранные </a:t>
-            </a:r>
-            <a:r>
-              <a:rPr lang="ru-RU" sz="2800" dirty="0" smtClean="0">
+              <a:t>найти следующее вхождение выделенного текста</a:t>
+            </a:r>
+          </a:p>
+          <a:p>
+            <a:pPr>
+              <a:buClr>
+                <a:schemeClr val="bg1"/>
+              </a:buClr>
+            </a:pPr>
+            <a:r>
+              <a:rPr lang="en-US" dirty="0" err="1">
+                <a:solidFill>
+                  <a:srgbClr val="F6AE1E"/>
+                </a:solidFill>
+              </a:rPr>
+              <a:t>Ctrl+Shift+F</a:t>
+            </a:r>
+            <a:r>
+              <a:rPr lang="en-US" dirty="0" smtClean="0">
                 <a:solidFill>
                   <a:schemeClr val="bg1"/>
                 </a:solidFill>
               </a:rPr>
-              <a:t>строки</a:t>
-            </a:r>
-          </a:p>
-          <a:p>
-            <a:r>
-              <a:rPr lang="en-US" sz="2800" dirty="0" err="1">
-                <a:solidFill>
-                  <a:srgbClr val="F6AE1E"/>
-                </a:solidFill>
-              </a:rPr>
-              <a:t>Ctrl+K</a:t>
-            </a:r>
-            <a:r>
-              <a:rPr lang="en-US" sz="2800" dirty="0">
-                <a:solidFill>
-                  <a:srgbClr val="F6AE1E"/>
-                </a:solidFill>
-              </a:rPr>
-              <a:t>, </a:t>
-            </a:r>
-            <a:r>
-              <a:rPr lang="en-US" sz="2800" dirty="0" err="1">
-                <a:solidFill>
-                  <a:srgbClr val="F6AE1E"/>
-                </a:solidFill>
-              </a:rPr>
-              <a:t>Ctrl+U</a:t>
-            </a:r>
-            <a:r>
-              <a:rPr lang="en-US" sz="2800" dirty="0"/>
               <a:t> </a:t>
             </a:r>
             <a:r>
-              <a:rPr lang="ru-RU" sz="2800" dirty="0"/>
-              <a:t>снять коментарий с выбранных строк</a:t>
-            </a:r>
+              <a:rPr lang="ru-RU" dirty="0" smtClean="0">
+                <a:solidFill>
+                  <a:schemeClr val="bg1"/>
+                </a:solidFill>
+              </a:rPr>
+              <a:t>найти в </a:t>
+            </a:r>
+            <a:r>
+              <a:rPr lang="en-US" dirty="0" smtClean="0">
+                <a:solidFill>
+                  <a:schemeClr val="bg1"/>
+                </a:solidFill>
+              </a:rPr>
+              <a:t>solution</a:t>
+            </a:r>
+          </a:p>
+          <a:p>
+            <a:pPr marL="0" indent="0">
+              <a:buClr>
+                <a:schemeClr val="bg1"/>
+              </a:buClr>
+              <a:buNone/>
+            </a:pPr>
+            <a:endParaRPr lang="ru-RU" dirty="0" smtClean="0">
+              <a:solidFill>
+                <a:schemeClr val="bg1"/>
+              </a:solidFill>
+            </a:endParaRPr>
+          </a:p>
+          <a:p>
+            <a:pPr>
+              <a:buClr>
+                <a:schemeClr val="bg1"/>
+              </a:buClr>
+            </a:pPr>
+            <a:endParaRPr lang="ru-RU" dirty="0">
+              <a:solidFill>
+                <a:schemeClr val="bg1"/>
+              </a:solidFill>
+            </a:endParaRPr>
+          </a:p>
+          <a:p>
+            <a:pPr marL="0" indent="0">
+              <a:buClr>
+                <a:schemeClr val="bg1"/>
+              </a:buClr>
+              <a:buNone/>
+            </a:pPr>
+            <a:r>
+              <a:rPr lang="en-US" dirty="0">
+                <a:solidFill>
+                  <a:schemeClr val="bg1"/>
+                </a:solidFill>
+                <a:hlinkClick r:id="rId2"/>
+              </a:rPr>
+              <a:t>http://</a:t>
+            </a:r>
+            <a:r>
+              <a:rPr lang="en-US" dirty="0" smtClean="0">
+                <a:solidFill>
+                  <a:schemeClr val="bg1"/>
+                </a:solidFill>
+                <a:hlinkClick r:id="rId2"/>
+              </a:rPr>
+              <a:t>weblogs.asp.net/scottgu/archive/2010/08/24/search-and-navigation-tips-tricks-with-visual-studio.aspx</a:t>
+            </a:r>
+            <a:endParaRPr lang="ru-RU" dirty="0" smtClean="0">
+              <a:solidFill>
+                <a:schemeClr val="bg1"/>
+              </a:solidFill>
+            </a:endParaRPr>
+          </a:p>
+          <a:p>
+            <a:pPr marL="0" indent="0">
+              <a:buClr>
+                <a:schemeClr val="bg1"/>
+              </a:buClr>
+              <a:buNone/>
+            </a:pPr>
+            <a:endParaRPr lang="en-US" dirty="0">
+              <a:solidFill>
+                <a:schemeClr val="bg1"/>
+              </a:solidFill>
+            </a:endParaRPr>
           </a:p>
         </p:txBody>
       </p:sp>
     </p:spTree>
     <p:extLst>
       <p:ext uri="{BB962C8B-B14F-4D97-AF65-F5344CB8AC3E}">
-        <p14:creationId xmlns:p14="http://schemas.microsoft.com/office/powerpoint/2010/main" val="4274730761"/>
+        <p14:creationId xmlns:p14="http://schemas.microsoft.com/office/powerpoint/2010/main" val="1967395690"/>
       </p:ext>
     </p:extLst>
   </p:cSld>
@@ -8473,7 +8547,9 @@
         </p:nvSpPr>
         <p:spPr/>
         <p:txBody>
-          <a:bodyPr/>
+          <a:bodyPr>
+            <a:normAutofit fontScale="90000"/>
+          </a:bodyPr>
           <a:lstStyle/>
           <a:p>
             <a:r>
@@ -8486,7 +8562,14 @@
             </a:r>
             <a:r>
               <a:rPr lang="ru-RU" dirty="0" smtClean="0"/>
-              <a:t>Колоночный режим</a:t>
+              <a:t>работа с блоками</a:t>
+            </a:r>
+            <a:br>
+              <a:rPr lang="ru-RU" dirty="0" smtClean="0"/>
+            </a:br>
+            <a:r>
+              <a:rPr lang="ru-RU" dirty="0" smtClean="0"/>
+              <a:t>внутри скобок</a:t>
             </a:r>
             <a:endParaRPr lang="en-US" dirty="0"/>
           </a:p>
@@ -8520,7 +8603,15 @@
                   <a:srgbClr val="F6AE1E"/>
                 </a:solidFill>
               </a:rPr>
-              <a:t>Shift+Alt+Arrow</a:t>
+              <a:t>Ctrl+Shift</a:t>
+            </a:r>
+            <a:r>
+              <a:rPr lang="en-US" dirty="0" smtClean="0">
+                <a:solidFill>
+                  <a:srgbClr val="F6AE1E"/>
+                </a:solidFill>
+              </a:rPr>
+              <a:t>+]</a:t>
             </a:r>
             <a:r>
               <a:rPr lang="ru-RU" dirty="0" smtClean="0">
@@ -8528,7 +8619,47 @@
                   <a:schemeClr val="bg1"/>
                 </a:solidFill>
               </a:rPr>
-              <a:t> позволяет выделить прямоугольный блок текста</a:t>
+              <a:t> выделение блока внутри</a:t>
+            </a:r>
+            <a:r>
+              <a:rPr lang="en-US" dirty="0" smtClean="0">
+                <a:solidFill>
+                  <a:schemeClr val="bg1"/>
+                </a:solidFill>
+              </a:rPr>
+              <a:t> { }. </a:t>
+            </a:r>
+            <a:r>
+              <a:rPr lang="ru-RU" dirty="0" smtClean="0">
+                <a:solidFill>
+                  <a:schemeClr val="bg1"/>
+                </a:solidFill>
+              </a:rPr>
+              <a:t>Курсор должен стоять на </a:t>
+            </a:r>
+            <a:r>
+              <a:rPr lang="en-US" dirty="0" smtClean="0">
+                <a:solidFill>
+                  <a:schemeClr val="bg1"/>
+                </a:solidFill>
+              </a:rPr>
+              <a:t>{ </a:t>
+            </a:r>
+            <a:r>
+              <a:rPr lang="ru-RU" dirty="0" smtClean="0">
+                <a:solidFill>
+                  <a:schemeClr val="bg1"/>
+                </a:solidFill>
+              </a:rPr>
+              <a:t>или </a:t>
+            </a:r>
+            <a:r>
+              <a:rPr lang="en-US" dirty="0" smtClean="0">
+                <a:solidFill>
+                  <a:schemeClr val="bg1"/>
+                </a:solidFill>
+              </a:rPr>
+              <a:t>}</a:t>
             </a:r>
           </a:p>
           <a:p>
@@ -8543,89 +8674,17 @@
                   <a:srgbClr val="F6AE1E"/>
                 </a:solidFill>
               </a:rPr>
-              <a:t>Alt + Left Mouse</a:t>
-            </a:r>
-            <a:r>
-              <a:rPr lang="en-US" dirty="0" smtClean="0">
+              <a:t>Ctrl+] </a:t>
+            </a:r>
+            <a:r>
+              <a:rPr lang="ru-RU" dirty="0">
                 <a:solidFill>
                   <a:schemeClr val="bg1"/>
                 </a:solidFill>
               </a:rPr>
-              <a:t> </a:t>
-            </a:r>
-            <a:r>
-              <a:rPr lang="en-US" dirty="0">
-                <a:solidFill>
-                  <a:srgbClr val="F6AE1E"/>
-                </a:solidFill>
-              </a:rPr>
-              <a:t>Button</a:t>
-            </a:r>
-            <a:r>
-              <a:rPr lang="en-US" dirty="0" smtClean="0">
-                <a:solidFill>
-                  <a:schemeClr val="bg1"/>
-                </a:solidFill>
-              </a:rPr>
-              <a:t> </a:t>
-            </a:r>
-            <a:r>
-              <a:rPr lang="ru-RU" dirty="0" smtClean="0">
-                <a:solidFill>
-                  <a:schemeClr val="bg1"/>
-                </a:solidFill>
-              </a:rPr>
-              <a:t>позиционирует курсор за концом строки даже если опция «</a:t>
-            </a:r>
-            <a:r>
-              <a:rPr lang="en-US" dirty="0" smtClean="0">
-                <a:solidFill>
-                  <a:schemeClr val="bg1"/>
-                </a:solidFill>
-              </a:rPr>
-              <a:t>enable virtual space</a:t>
-            </a:r>
-            <a:r>
-              <a:rPr lang="ru-RU" dirty="0" smtClean="0">
-                <a:solidFill>
-                  <a:schemeClr val="bg1"/>
-                </a:solidFill>
-              </a:rPr>
-              <a:t>» выключена</a:t>
-            </a:r>
-          </a:p>
-          <a:p>
-            <a:pPr>
-              <a:buClr>
-                <a:schemeClr val="bg1"/>
-              </a:buClr>
-            </a:pPr>
-            <a:endParaRPr lang="en-US" dirty="0" smtClean="0">
-              <a:solidFill>
-                <a:schemeClr val="bg1"/>
-              </a:solidFill>
-            </a:endParaRPr>
-          </a:p>
-          <a:p>
-            <a:pPr marL="0" indent="0">
-              <a:buClr>
-                <a:schemeClr val="bg1"/>
-              </a:buClr>
-              <a:buNone/>
-            </a:pPr>
+              <a:t>перейти к парной скобке открывающей или закрывающей скобке</a:t>
+            </a:r>
             <a:endParaRPr lang="ru-RU" dirty="0" smtClean="0">
-              <a:solidFill>
-                <a:schemeClr val="bg1"/>
-              </a:solidFill>
-            </a:endParaRPr>
-          </a:p>
-          <a:p>
-            <a:pPr>
-              <a:buClr>
-                <a:schemeClr val="bg1"/>
-              </a:buClr>
-            </a:pPr>
-            <a:endParaRPr lang="ru-RU" dirty="0">
               <a:solidFill>
                 <a:schemeClr val="bg1"/>
               </a:solidFill>
@@ -8649,7 +8708,7 @@
     </p:spTree>
     <p:extLst>
       <p:ext uri="{BB962C8B-B14F-4D97-AF65-F5344CB8AC3E}">
-        <p14:creationId xmlns:p14="http://schemas.microsoft.com/office/powerpoint/2010/main" val="1998512366"/>
+        <p14:creationId xmlns:p14="http://schemas.microsoft.com/office/powerpoint/2010/main" val="4175683496"/>
       </p:ext>
     </p:extLst>
   </p:cSld>
@@ -8695,12 +8754,14 @@
         </p:nvSpPr>
         <p:spPr/>
         <p:txBody>
-          <a:bodyPr/>
+          <a:bodyPr>
+            <a:normAutofit/>
+          </a:bodyPr>
           <a:lstStyle/>
           <a:p>
             <a:r>
               <a:rPr lang="ru-RU" dirty="0" smtClean="0"/>
-              <a:t>Редактор: Работа со строками</a:t>
+              <a:t>Редактор: удаление текста</a:t>
             </a:r>
             <a:endParaRPr lang="ru-RU" dirty="0"/>
           </a:p>
@@ -8722,12 +8783,28 @@
           <a:lstStyle/>
           <a:p>
             <a:r>
-              <a:rPr lang="en-US" dirty="0" err="1" smtClean="0">
+              <a:rPr lang="en-US" dirty="0" smtClean="0">
                 <a:solidFill>
                   <a:srgbClr val="F6AE1E"/>
                 </a:solidFill>
               </a:rPr>
-              <a:t>Ctrl+L</a:t>
+              <a:t>Ctrl</a:t>
+            </a:r>
+            <a:r>
+              <a:rPr lang="ru-RU" dirty="0" smtClean="0">
+                <a:solidFill>
+                  <a:srgbClr val="F6AE1E"/>
+                </a:solidFill>
+              </a:rPr>
+              <a:t>+</a:t>
+            </a:r>
+            <a:r>
+              <a:rPr lang="en-US" dirty="0" smtClean="0">
+                <a:solidFill>
+                  <a:srgbClr val="F6AE1E"/>
+                </a:solidFill>
+              </a:rPr>
+              <a:t>Backspace</a:t>
             </a:r>
             <a:r>
               <a:rPr lang="en-US" dirty="0" smtClean="0"/>
@@ -8735,57 +8812,25 @@
             </a:r>
             <a:r>
               <a:rPr lang="ru-RU" dirty="0" smtClean="0"/>
-              <a:t>удалить текущую строку и вставить её в буфер обмена.</a:t>
-            </a:r>
-          </a:p>
-          <a:p>
-            <a:r>
-              <a:rPr lang="en-US" dirty="0" smtClean="0">
-                <a:solidFill>
-                  <a:srgbClr val="92D050"/>
-                </a:solidFill>
-              </a:rPr>
-              <a:t>[13]</a:t>
-            </a:r>
-            <a:r>
-              <a:rPr lang="en-US" dirty="0" smtClean="0">
-                <a:solidFill>
-                  <a:srgbClr val="F6AE1E"/>
-                </a:solidFill>
-              </a:rPr>
-              <a:t> </a:t>
-            </a:r>
-            <a:r>
-              <a:rPr lang="en-US" dirty="0" err="1" smtClean="0">
-                <a:solidFill>
-                  <a:srgbClr val="F6AE1E"/>
-                </a:solidFill>
-              </a:rPr>
-              <a:t>Alt+Up</a:t>
-            </a:r>
-            <a:r>
-              <a:rPr lang="en-US" dirty="0" smtClean="0"/>
-              <a:t>, </a:t>
-            </a:r>
-            <a:r>
-              <a:rPr lang="en-US" dirty="0" err="1" smtClean="0">
-                <a:solidFill>
-                  <a:srgbClr val="F6AE1E"/>
-                </a:solidFill>
-              </a:rPr>
-              <a:t>Alt+Down</a:t>
+              <a:t>удалить слово слева от курсора</a:t>
             </a:r>
             <a:r>
               <a:rPr lang="en-US" dirty="0" smtClean="0"/>
               <a:t> </a:t>
             </a:r>
+          </a:p>
+          <a:p>
+            <a:r>
+              <a:rPr lang="en-US" dirty="0" err="1" smtClean="0">
+                <a:solidFill>
+                  <a:srgbClr val="F6AE1E"/>
+                </a:solidFill>
+              </a:rPr>
+              <a:t>Ctrl+Del</a:t>
+            </a:r>
             <a:r>
               <a:rPr lang="ru-RU" dirty="0" smtClean="0"/>
-              <a:t>сдвинуть текущую строку/блок </a:t>
-            </a:r>
-            <a:r>
-              <a:rPr lang="ru-RU" smtClean="0"/>
-              <a:t>вверх или вниз</a:t>
+              <a:t> удалить слово справа от курсора</a:t>
             </a:r>
             <a:endParaRPr lang="ru-RU" dirty="0"/>
           </a:p>
@@ -8794,33 +8839,26 @@
     </p:spTree>
     <p:extLst>
       <p:ext uri="{BB962C8B-B14F-4D97-AF65-F5344CB8AC3E}">
-        <p14:creationId xmlns:p14="http://schemas.microsoft.com/office/powerpoint/2010/main" val="2334297427"/>
+        <p14:creationId xmlns:p14="http://schemas.microsoft.com/office/powerpoint/2010/main" val="3793092540"/>
       </p:ext>
     </p:extLst>
   </p:cSld>
   <p:clrMapOvr>
     <a:masterClrMapping/>
   </p:clrMapOvr>
+  <p:timing>
+    <p:tnLst>
+      <p:par>
+        <p:cTn id="1" dur="indefinite" restart="never" nodeType="tmRoot"/>
+      </p:par>
+    </p:tnLst>
+  </p:timing>
 </p:sld>
 </file>
 
 <file path=ppt/slides/slide24.xml><?xml version="1.0" encoding="utf-8"?>
 <p:sld xmlns:a="http://schemas.openxmlformats.org/drawingml/2006/main" xmlns:r="http://schemas.openxmlformats.org/officeDocument/2006/relationships" xmlns:p="http://schemas.openxmlformats.org/presentationml/2006/main">
   <p:cSld>
-    <p:bg>
-      <p:bgPr>
-        <a:blipFill dpi="0" rotWithShape="1">
-          <a:blip r:embed="rId3">
-            <a:lum/>
-          </a:blip>
-          <a:srcRect/>
-          <a:stretch>
-            <a:fillRect/>
-          </a:stretch>
-        </a:blipFill>
-        <a:effectLst/>
-      </p:bgPr>
-    </p:bg>
     <p:spTree>
       <p:nvGrpSpPr>
         <p:cNvPr id="1" name=""/>
@@ -8852,17 +8890,9 @@
           <a:p>
             <a:r>
               <a:rPr lang="ru-RU" dirty="0" smtClean="0"/>
-              <a:t>Редактор</a:t>
-            </a:r>
-            <a:r>
-              <a:rPr lang="en-US" dirty="0" smtClean="0"/>
-              <a:t>: </a:t>
-            </a:r>
-            <a:r>
-              <a:rPr lang="ru-RU" dirty="0" smtClean="0"/>
-              <a:t>Навигация по коду</a:t>
-            </a:r>
-            <a:endParaRPr lang="en-US" dirty="0"/>
+              <a:t>Редактор: комментарии</a:t>
+            </a:r>
+            <a:endParaRPr lang="ru-RU" dirty="0"/>
           </a:p>
         </p:txBody>
       </p:sp>
@@ -8879,25 +8909,36 @@
         <p:spPr/>
         <p:txBody>
           <a:bodyPr>
-            <a:normAutofit fontScale="77500" lnSpcReduction="20000"/>
+            <a:normAutofit/>
           </a:bodyPr>
           <a:lstStyle/>
           <a:p>
-            <a:pPr>
-              <a:buClr>
-                <a:schemeClr val="bg1"/>
-              </a:buClr>
-            </a:pPr>
-            <a:r>
-              <a:rPr lang="en-US" dirty="0" smtClean="0">
+            <a:r>
+              <a:rPr lang="en-US" sz="2800" dirty="0" err="1">
                 <a:solidFill>
                   <a:srgbClr val="F6AE1E"/>
                 </a:solidFill>
               </a:rPr>
-              <a:t>F12</a:t>
-            </a:r>
-            <a:r>
-              <a:rPr lang="en-US" dirty="0" smtClean="0">
+              <a:t>Ctrl+K</a:t>
+            </a:r>
+            <a:r>
+              <a:rPr lang="en-US" sz="2800" dirty="0">
+                <a:solidFill>
+                  <a:srgbClr val="F6AE1E"/>
+                </a:solidFill>
+              </a:rPr>
+              <a:t>, </a:t>
+            </a:r>
+            <a:r>
+              <a:rPr lang="en-US" sz="2800" dirty="0" err="1">
+                <a:solidFill>
+                  <a:srgbClr val="F6AE1E"/>
+                </a:solidFill>
+              </a:rPr>
+              <a:t>Ctrl+C</a:t>
+            </a:r>
+            <a:r>
+              <a:rPr lang="en-US" sz="2800" dirty="0">
                 <a:solidFill>
                   <a:schemeClr val="bg1"/>
                 </a:solidFill>
@@ -8905,429 +8946,67 @@
               <a:t> </a:t>
             </a:r>
             <a:r>
-              <a:rPr lang="ru-RU" dirty="0" smtClean="0">
+              <a:rPr lang="ru-RU" sz="2800" dirty="0">
                 <a:solidFill>
                   <a:schemeClr val="bg1"/>
                 </a:solidFill>
               </a:rPr>
-              <a:t>перейти к объявлению</a:t>
-            </a:r>
-          </a:p>
-          <a:p>
-            <a:pPr>
-              <a:buClr>
-                <a:schemeClr val="bg1"/>
-              </a:buClr>
-            </a:pPr>
-            <a:r>
-              <a:rPr lang="en-US" dirty="0" smtClean="0">
+              <a:t>закоментировать выбранные </a:t>
+            </a:r>
+            <a:r>
+              <a:rPr lang="ru-RU" sz="2800" dirty="0" smtClean="0">
+                <a:solidFill>
+                  <a:schemeClr val="bg1"/>
+                </a:solidFill>
+              </a:rPr>
+              <a:t>строки</a:t>
+            </a:r>
+          </a:p>
+          <a:p>
+            <a:r>
+              <a:rPr lang="en-US" sz="2800" dirty="0" err="1">
                 <a:solidFill>
                   <a:srgbClr val="F6AE1E"/>
                 </a:solidFill>
               </a:rPr>
-              <a:t>Ctrl+Shift+7</a:t>
-            </a:r>
-            <a:r>
-              <a:rPr lang="en-US" dirty="0" smtClean="0">
-                <a:solidFill>
-                  <a:schemeClr val="bg1"/>
-                </a:solidFill>
-              </a:rPr>
+              <a:t>Ctrl+K</a:t>
+            </a:r>
+            <a:r>
+              <a:rPr lang="en-US" sz="2800" dirty="0">
+                <a:solidFill>
+                  <a:srgbClr val="F6AE1E"/>
+                </a:solidFill>
+              </a:rPr>
+              <a:t>, </a:t>
+            </a:r>
+            <a:r>
+              <a:rPr lang="en-US" sz="2800" dirty="0" err="1">
+                <a:solidFill>
+                  <a:srgbClr val="F6AE1E"/>
+                </a:solidFill>
+              </a:rPr>
+              <a:t>Ctrl+U</a:t>
+            </a:r>
+            <a:r>
+              <a:rPr lang="en-US" sz="2800" dirty="0"/>
               <a:t> </a:t>
             </a:r>
             <a:r>
-              <a:rPr lang="ru-RU" dirty="0" smtClean="0">
-                <a:solidFill>
-                  <a:schemeClr val="bg1"/>
-                </a:solidFill>
-              </a:rPr>
-              <a:t>и </a:t>
-            </a:r>
-            <a:r>
-              <a:rPr lang="en-US" dirty="0" smtClean="0">
-                <a:solidFill>
-                  <a:srgbClr val="F6AE1E"/>
-                </a:solidFill>
-              </a:rPr>
-              <a:t>Ctrl+Shift+8</a:t>
-            </a:r>
-            <a:r>
-              <a:rPr lang="ru-RU" dirty="0" smtClean="0">
-                <a:solidFill>
-                  <a:schemeClr val="bg1"/>
-                </a:solidFill>
-              </a:rPr>
-              <a:t> переход по типам для которых ранее делали </a:t>
-            </a:r>
-            <a:r>
-              <a:rPr lang="en-US" dirty="0" smtClean="0">
-                <a:solidFill>
-                  <a:schemeClr val="bg1"/>
-                </a:solidFill>
-              </a:rPr>
-              <a:t>F12</a:t>
-            </a:r>
-          </a:p>
-          <a:p>
-            <a:pPr>
-              <a:buClr>
-                <a:schemeClr val="bg1"/>
-              </a:buClr>
-            </a:pPr>
-            <a:r>
-              <a:rPr lang="en-US" sz="3100" dirty="0">
-                <a:solidFill>
-                  <a:srgbClr val="92D050"/>
-                </a:solidFill>
-              </a:rPr>
-              <a:t>[</a:t>
-            </a:r>
-            <a:r>
-              <a:rPr lang="en-US" sz="3100" dirty="0" smtClean="0">
-                <a:solidFill>
-                  <a:srgbClr val="92D050"/>
-                </a:solidFill>
-              </a:rPr>
-              <a:t>1</a:t>
-            </a:r>
-            <a:r>
-              <a:rPr lang="ru-RU" sz="3100" dirty="0" smtClean="0">
-                <a:solidFill>
-                  <a:srgbClr val="92D050"/>
-                </a:solidFill>
-              </a:rPr>
-              <a:t>3</a:t>
-            </a:r>
-            <a:r>
-              <a:rPr lang="en-US" sz="3100" dirty="0" smtClean="0">
-                <a:solidFill>
-                  <a:srgbClr val="92D050"/>
-                </a:solidFill>
-              </a:rPr>
-              <a:t>]</a:t>
-            </a:r>
-            <a:r>
-              <a:rPr lang="ru-RU" sz="3100" dirty="0" smtClean="0">
-                <a:solidFill>
-                  <a:srgbClr val="F6AE1E"/>
-                </a:solidFill>
-              </a:rPr>
-              <a:t> </a:t>
-            </a:r>
-            <a:r>
-              <a:rPr lang="en-US" sz="3100" dirty="0" smtClean="0">
-                <a:solidFill>
-                  <a:srgbClr val="F6AE1E"/>
-                </a:solidFill>
-              </a:rPr>
-              <a:t>Alt+F12</a:t>
-            </a:r>
-            <a:r>
-              <a:rPr lang="en-US" dirty="0" smtClean="0">
-                <a:solidFill>
-                  <a:schemeClr val="bg1"/>
-                </a:solidFill>
-              </a:rPr>
-              <a:t> </a:t>
-            </a:r>
-            <a:r>
-              <a:rPr lang="ru-RU" dirty="0" smtClean="0">
-                <a:solidFill>
-                  <a:schemeClr val="bg1"/>
-                </a:solidFill>
-              </a:rPr>
-              <a:t>Просмотр объявления в окне редактора </a:t>
-            </a:r>
-            <a:r>
-              <a:rPr lang="en-US" dirty="0" smtClean="0">
-                <a:solidFill>
-                  <a:schemeClr val="bg1"/>
-                </a:solidFill>
-              </a:rPr>
-              <a:t>(peek definition)</a:t>
-            </a:r>
-            <a:endParaRPr lang="ru-RU" dirty="0" smtClean="0">
-              <a:solidFill>
-                <a:schemeClr val="bg1"/>
-              </a:solidFill>
-            </a:endParaRPr>
-          </a:p>
-          <a:p>
-            <a:pPr>
-              <a:buClr>
-                <a:schemeClr val="bg1"/>
-              </a:buClr>
-            </a:pPr>
-            <a:r>
-              <a:rPr lang="en-US" dirty="0">
-                <a:solidFill>
-                  <a:srgbClr val="F6AE1E"/>
-                </a:solidFill>
-              </a:rPr>
-              <a:t>Shift+F12</a:t>
-            </a:r>
-            <a:r>
-              <a:rPr lang="en-US" dirty="0" smtClean="0">
-                <a:solidFill>
-                  <a:schemeClr val="bg1"/>
-                </a:solidFill>
-              </a:rPr>
-              <a:t> </a:t>
-            </a:r>
-            <a:r>
-              <a:rPr lang="ru-RU" dirty="0" smtClean="0">
-                <a:solidFill>
-                  <a:schemeClr val="bg1"/>
-                </a:solidFill>
-              </a:rPr>
-              <a:t>найти все места где используется имя</a:t>
-            </a:r>
-          </a:p>
-          <a:p>
-            <a:pPr>
-              <a:buClr>
-                <a:schemeClr val="bg1"/>
-              </a:buClr>
-            </a:pPr>
-            <a:r>
-              <a:rPr lang="en-US" dirty="0">
-                <a:solidFill>
-                  <a:srgbClr val="F6AE1E"/>
-                </a:solidFill>
-              </a:rPr>
-              <a:t>Ctrl+</a:t>
-            </a:r>
-            <a:r>
-              <a:rPr lang="ru-RU" dirty="0">
-                <a:solidFill>
-                  <a:srgbClr val="F6AE1E"/>
-                </a:solidFill>
-              </a:rPr>
-              <a:t>Минус</a:t>
-            </a:r>
-            <a:r>
-              <a:rPr lang="en-US" dirty="0" smtClean="0">
-                <a:solidFill>
-                  <a:schemeClr val="bg1"/>
-                </a:solidFill>
-              </a:rPr>
-              <a:t> </a:t>
-            </a:r>
-            <a:r>
-              <a:rPr lang="ru-RU" dirty="0" smtClean="0">
-                <a:solidFill>
-                  <a:schemeClr val="bg1"/>
-                </a:solidFill>
-              </a:rPr>
-              <a:t>и </a:t>
-            </a:r>
-            <a:r>
-              <a:rPr lang="en-US" dirty="0" err="1" smtClean="0">
-                <a:solidFill>
-                  <a:srgbClr val="F6AE1E"/>
-                </a:solidFill>
-              </a:rPr>
-              <a:t>Shift+Ctrl</a:t>
-            </a:r>
-            <a:r>
-              <a:rPr lang="en-US" dirty="0" smtClean="0">
-                <a:solidFill>
-                  <a:srgbClr val="F6AE1E"/>
-                </a:solidFill>
-              </a:rPr>
-              <a:t>+</a:t>
-            </a:r>
-            <a:r>
-              <a:rPr lang="ru-RU" dirty="0" smtClean="0">
-                <a:solidFill>
-                  <a:srgbClr val="F6AE1E"/>
-                </a:solidFill>
-              </a:rPr>
-              <a:t>Минус</a:t>
-            </a:r>
-            <a:r>
-              <a:rPr lang="en-US" dirty="0" smtClean="0">
-                <a:solidFill>
-                  <a:schemeClr val="bg1"/>
-                </a:solidFill>
-              </a:rPr>
-              <a:t> </a:t>
-            </a:r>
-            <a:r>
-              <a:rPr lang="ru-RU" dirty="0" smtClean="0">
-                <a:solidFill>
-                  <a:schemeClr val="bg1"/>
-                </a:solidFill>
-              </a:rPr>
-              <a:t>навигация «вперед»/«назад»</a:t>
-            </a:r>
-          </a:p>
-          <a:p>
-            <a:pPr>
-              <a:buClr>
-                <a:schemeClr val="bg1"/>
-              </a:buClr>
-            </a:pPr>
-            <a:r>
-              <a:rPr lang="en-US" dirty="0" err="1">
-                <a:solidFill>
-                  <a:srgbClr val="F6AE1E"/>
-                </a:solidFill>
-              </a:rPr>
-              <a:t>Ctrl+Alt</a:t>
-            </a:r>
-            <a:r>
-              <a:rPr lang="en-US" dirty="0">
-                <a:solidFill>
-                  <a:srgbClr val="F6AE1E"/>
-                </a:solidFill>
-              </a:rPr>
-              <a:t>+</a:t>
-            </a:r>
-            <a:r>
-              <a:rPr lang="ru-RU" dirty="0">
-                <a:solidFill>
-                  <a:srgbClr val="F6AE1E"/>
-                </a:solidFill>
-              </a:rPr>
-              <a:t>Стрелка вниз</a:t>
-            </a:r>
-            <a:r>
-              <a:rPr lang="ru-RU" dirty="0" smtClean="0">
-                <a:solidFill>
-                  <a:schemeClr val="bg1"/>
-                </a:solidFill>
-              </a:rPr>
-              <a:t> показать список открытых файлов</a:t>
-            </a:r>
-            <a:endParaRPr lang="en-US" dirty="0" smtClean="0">
-              <a:solidFill>
-                <a:schemeClr val="bg1"/>
-              </a:solidFill>
-            </a:endParaRPr>
-          </a:p>
-          <a:p>
-            <a:pPr>
-              <a:buClr>
-                <a:schemeClr val="bg1"/>
-              </a:buClr>
-            </a:pPr>
-            <a:r>
-              <a:rPr lang="en-US" dirty="0" err="1">
-                <a:solidFill>
-                  <a:srgbClr val="F6AE1E"/>
-                </a:solidFill>
-              </a:rPr>
-              <a:t>Ctrl+G</a:t>
-            </a:r>
-            <a:r>
-              <a:rPr lang="en-US" dirty="0">
-                <a:solidFill>
-                  <a:schemeClr val="bg1"/>
-                </a:solidFill>
-              </a:rPr>
-              <a:t> </a:t>
-            </a:r>
-            <a:r>
-              <a:rPr lang="ru-RU" dirty="0">
-                <a:solidFill>
-                  <a:schemeClr val="bg1"/>
-                </a:solidFill>
-              </a:rPr>
-              <a:t>перейти на строку </a:t>
-            </a:r>
-            <a:r>
-              <a:rPr lang="ru-RU" dirty="0" smtClean="0">
-                <a:solidFill>
-                  <a:schemeClr val="bg1"/>
-                </a:solidFill>
-              </a:rPr>
-              <a:t>№</a:t>
-            </a:r>
-          </a:p>
-          <a:p>
-            <a:pPr>
-              <a:buClr>
-                <a:schemeClr val="bg1"/>
-              </a:buClr>
-            </a:pPr>
-            <a:r>
-              <a:rPr lang="en-US" dirty="0" err="1" smtClean="0">
-                <a:solidFill>
-                  <a:srgbClr val="F6AE1E"/>
-                </a:solidFill>
-              </a:rPr>
-              <a:t>Ctrl+Home</a:t>
-            </a:r>
-            <a:r>
-              <a:rPr lang="en-US" dirty="0" smtClean="0">
-                <a:solidFill>
-                  <a:schemeClr val="bg1"/>
-                </a:solidFill>
-              </a:rPr>
-              <a:t> </a:t>
-            </a:r>
-            <a:r>
-              <a:rPr lang="ru-RU" dirty="0" smtClean="0">
-                <a:solidFill>
-                  <a:schemeClr val="bg1"/>
-                </a:solidFill>
-              </a:rPr>
-              <a:t>начало файла</a:t>
-            </a:r>
-            <a:endParaRPr lang="en-US" dirty="0" smtClean="0">
-              <a:solidFill>
-                <a:schemeClr val="bg1"/>
-              </a:solidFill>
-            </a:endParaRPr>
-          </a:p>
-          <a:p>
-            <a:pPr>
-              <a:buClr>
-                <a:schemeClr val="bg1"/>
-              </a:buClr>
-            </a:pPr>
-            <a:r>
-              <a:rPr lang="en-US" dirty="0" err="1" smtClean="0">
-                <a:solidFill>
-                  <a:srgbClr val="F6AE1E"/>
-                </a:solidFill>
-              </a:rPr>
-              <a:t>Ctrl+End</a:t>
-            </a:r>
-            <a:r>
-              <a:rPr lang="en-US" dirty="0" smtClean="0">
-                <a:solidFill>
-                  <a:schemeClr val="bg1"/>
-                </a:solidFill>
-              </a:rPr>
-              <a:t> </a:t>
-            </a:r>
-            <a:r>
-              <a:rPr lang="ru-RU" dirty="0" smtClean="0">
-                <a:solidFill>
-                  <a:schemeClr val="bg1"/>
-                </a:solidFill>
-              </a:rPr>
-              <a:t>конец файла</a:t>
-            </a:r>
-            <a:endParaRPr lang="en-US" dirty="0">
-              <a:solidFill>
-                <a:schemeClr val="bg1"/>
-              </a:solidFill>
-            </a:endParaRPr>
+              <a:rPr lang="ru-RU" sz="2800" dirty="0"/>
+              <a:t>снять коментарий с выбранных строк</a:t>
+            </a:r>
           </a:p>
         </p:txBody>
       </p:sp>
     </p:spTree>
     <p:extLst>
       <p:ext uri="{BB962C8B-B14F-4D97-AF65-F5344CB8AC3E}">
-        <p14:creationId xmlns:p14="http://schemas.microsoft.com/office/powerpoint/2010/main" val="1465218823"/>
+        <p14:creationId xmlns:p14="http://schemas.microsoft.com/office/powerpoint/2010/main" val="4274730761"/>
       </p:ext>
     </p:extLst>
   </p:cSld>
   <p:clrMapOvr>
-    <a:overrideClrMapping bg1="lt1" tx1="dk1" bg2="lt2" tx2="dk2" accent1="accent1" accent2="accent2" accent3="accent3" accent4="accent4" accent5="accent5" accent6="accent6" hlink="hlink" folHlink="folHlink"/>
+    <a:masterClrMapping/>
   </p:clrMapOvr>
   <p:timing>
     <p:tnLst>
@@ -9373,9 +9052,17 @@
           <a:p>
             <a:r>
               <a:rPr lang="ru-RU" dirty="0" smtClean="0"/>
-              <a:t>Редактор: Смарт-тег</a:t>
-            </a:r>
-            <a:endParaRPr lang="ru-RU" dirty="0"/>
+              <a:t>Редактор</a:t>
+            </a:r>
+            <a:r>
+              <a:rPr lang="en-US" dirty="0" smtClean="0"/>
+              <a:t>: </a:t>
+            </a:r>
+            <a:r>
+              <a:rPr lang="ru-RU" dirty="0" smtClean="0"/>
+              <a:t>Колоночный режим</a:t>
+            </a:r>
+            <a:endParaRPr lang="en-US" dirty="0"/>
           </a:p>
         </p:txBody>
       </p:sp>
@@ -9391,49 +9078,152 @@
         </p:nvSpPr>
         <p:spPr/>
         <p:txBody>
-          <a:bodyPr/>
+          <a:bodyPr>
+            <a:normAutofit/>
+          </a:bodyPr>
           <a:lstStyle/>
           <a:p>
+            <a:pPr>
+              <a:buClr>
+                <a:schemeClr val="bg1"/>
+              </a:buClr>
+            </a:pPr>
+            <a:r>
+              <a:rPr lang="en-US" dirty="0" err="1" smtClean="0">
+                <a:solidFill>
+                  <a:srgbClr val="F6AE1E"/>
+                </a:solidFill>
+              </a:rPr>
+              <a:t>Shift+Alt+Arrow</a:t>
+            </a:r>
+            <a:r>
+              <a:rPr lang="ru-RU" dirty="0" smtClean="0">
+                <a:solidFill>
+                  <a:schemeClr val="bg1"/>
+                </a:solidFill>
+              </a:rPr>
+              <a:t> позволяет выделить прямоугольный блок текста</a:t>
+            </a:r>
+          </a:p>
+          <a:p>
+            <a:pPr>
+              <a:buClr>
+                <a:schemeClr val="bg1"/>
+              </a:buClr>
+            </a:pPr>
+            <a:r>
+              <a:rPr lang="en-US" dirty="0">
+                <a:solidFill>
+                  <a:srgbClr val="F6AE1E"/>
+                </a:solidFill>
+              </a:rPr>
+              <a:t>Alt + Left Mouse</a:t>
+            </a:r>
             <a:r>
               <a:rPr lang="en-US" dirty="0" smtClean="0">
                 <a:solidFill>
+                  <a:schemeClr val="bg1"/>
+                </a:solidFill>
+              </a:rPr>
+              <a:t> </a:t>
+            </a:r>
+            <a:r>
+              <a:rPr lang="en-US" dirty="0">
+                <a:solidFill>
                   <a:srgbClr val="F6AE1E"/>
                 </a:solidFill>
               </a:rPr>
-              <a:t>Alt + Shift + F10</a:t>
-            </a:r>
-            <a:r>
-              <a:rPr lang="en-US" dirty="0" smtClean="0"/>
+              <a:t>Button</a:t>
+            </a:r>
+            <a:r>
+              <a:rPr lang="en-US" dirty="0" smtClean="0">
+                <a:solidFill>
+                  <a:schemeClr val="bg1"/>
+                </a:solidFill>
+              </a:rPr>
               <a:t> </a:t>
             </a:r>
             <a:r>
-              <a:rPr lang="ru-RU" dirty="0" smtClean="0"/>
-              <a:t>или </a:t>
+              <a:rPr lang="ru-RU" dirty="0" smtClean="0">
+                <a:solidFill>
+                  <a:schemeClr val="bg1"/>
+                </a:solidFill>
+              </a:rPr>
+              <a:t>позиционирует курсор за концом строки даже если опция «</a:t>
             </a:r>
             <a:r>
               <a:rPr lang="en-US" dirty="0" smtClean="0">
                 <a:solidFill>
-                  <a:srgbClr val="F6AE1E"/>
-                </a:solidFill>
-              </a:rPr>
-              <a:t>Ctrl + .</a:t>
-            </a:r>
-            <a:r>
-              <a:rPr lang="en-US" dirty="0" smtClean="0"/>
-              <a:t> – </a:t>
-            </a:r>
-            <a:r>
-              <a:rPr lang="ru-RU" dirty="0" smtClean="0"/>
-              <a:t>открыть меню смарт-тега</a:t>
-            </a:r>
-            <a:endParaRPr lang="ru-RU" dirty="0"/>
+                  <a:schemeClr val="bg1"/>
+                </a:solidFill>
+              </a:rPr>
+              <a:t>enable virtual space</a:t>
+            </a:r>
+            <a:r>
+              <a:rPr lang="ru-RU" dirty="0" smtClean="0">
+                <a:solidFill>
+                  <a:schemeClr val="bg1"/>
+                </a:solidFill>
+              </a:rPr>
+              <a:t>» выключена</a:t>
+            </a:r>
+          </a:p>
+          <a:p>
+            <a:pPr>
+              <a:buClr>
+                <a:schemeClr val="bg1"/>
+              </a:buClr>
+            </a:pPr>
+            <a:endParaRPr lang="en-US" dirty="0" smtClean="0">
+              <a:solidFill>
+                <a:schemeClr val="bg1"/>
+              </a:solidFill>
+            </a:endParaRPr>
+          </a:p>
+          <a:p>
+            <a:pPr marL="0" indent="0">
+              <a:buClr>
+                <a:schemeClr val="bg1"/>
+              </a:buClr>
+              <a:buNone/>
+            </a:pPr>
+            <a:endParaRPr lang="ru-RU" dirty="0" smtClean="0">
+              <a:solidFill>
+                <a:schemeClr val="bg1"/>
+              </a:solidFill>
+            </a:endParaRPr>
+          </a:p>
+          <a:p>
+            <a:pPr>
+              <a:buClr>
+                <a:schemeClr val="bg1"/>
+              </a:buClr>
+            </a:pPr>
+            <a:endParaRPr lang="ru-RU" dirty="0">
+              <a:solidFill>
+                <a:schemeClr val="bg1"/>
+              </a:solidFill>
+            </a:endParaRPr>
+          </a:p>
+          <a:p>
+            <a:pPr marL="0" indent="0">
+              <a:buClr>
+                <a:schemeClr val="bg1"/>
+              </a:buClr>
+              <a:buNone/>
+            </a:pPr>
+            <a:endParaRPr lang="en-US" dirty="0">
+              <a:solidFill>
+                <a:schemeClr val="bg1"/>
+              </a:solidFill>
+            </a:endParaRPr>
           </a:p>
         </p:txBody>
       </p:sp>
     </p:spTree>
     <p:extLst>
       <p:ext uri="{BB962C8B-B14F-4D97-AF65-F5344CB8AC3E}">
-        <p14:creationId xmlns:p14="http://schemas.microsoft.com/office/powerpoint/2010/main" val="3059698048"/>
+        <p14:creationId xmlns:p14="http://schemas.microsoft.com/office/powerpoint/2010/main" val="1998512366"/>
       </p:ext>
     </p:extLst>
   </p:cSld>
@@ -9484,11 +9274,7 @@
           <a:p>
             <a:r>
               <a:rPr lang="ru-RU" dirty="0" smtClean="0"/>
-              <a:t>Редактор: </a:t>
-            </a:r>
-            <a:r>
-              <a:rPr lang="en-US" dirty="0" smtClean="0"/>
-              <a:t>IntelliSense</a:t>
+              <a:t>Редактор: Работа со строками</a:t>
             </a:r>
             <a:endParaRPr lang="ru-RU" dirty="0"/>
           </a:p>
@@ -9510,24 +9296,70 @@
           <a:lstStyle/>
           <a:p>
             <a:r>
-              <a:rPr lang="en-US" dirty="0" err="1" smtClean="0"/>
-              <a:t>Ctrl+Alt+Space</a:t>
+              <a:rPr lang="en-US" dirty="0" err="1" smtClean="0">
+                <a:solidFill>
+                  <a:srgbClr val="F6AE1E"/>
+                </a:solidFill>
+              </a:rPr>
+              <a:t>Ctrl+L</a:t>
             </a:r>
             <a:r>
               <a:rPr lang="en-US" dirty="0" smtClean="0"/>
-              <a:t> – </a:t>
+              <a:t> </a:t>
             </a:r>
             <a:r>
               <a:rPr lang="ru-RU" dirty="0" smtClean="0"/>
-              <a:t>«режим советов». В этом режиме только </a:t>
+              <a:t>удалить текущую строку и вставить её в буфер обмена.</a:t>
+            </a:r>
+          </a:p>
+          <a:p>
+            <a:r>
+              <a:rPr lang="en-US" dirty="0" smtClean="0">
+                <a:solidFill>
+                  <a:srgbClr val="92D050"/>
+                </a:solidFill>
+              </a:rPr>
+              <a:t>[13]</a:t>
+            </a:r>
+            <a:r>
+              <a:rPr lang="en-US" dirty="0" smtClean="0">
+                <a:solidFill>
+                  <a:srgbClr val="F6AE1E"/>
+                </a:solidFill>
+              </a:rPr>
+              <a:t> </a:t>
+            </a:r>
+            <a:r>
+              <a:rPr lang="en-US" dirty="0" err="1" smtClean="0">
+                <a:solidFill>
+                  <a:srgbClr val="F6AE1E"/>
+                </a:solidFill>
+              </a:rPr>
+              <a:t>Alt+Up</a:t>
             </a:r>
             <a:r>
               <a:rPr lang="en-US" dirty="0" smtClean="0"/>
-              <a:t>Tab </a:t>
+              <a:t>, </a:t>
+            </a:r>
+            <a:r>
+              <a:rPr lang="en-US" dirty="0" err="1" smtClean="0">
+                <a:solidFill>
+                  <a:srgbClr val="F6AE1E"/>
+                </a:solidFill>
+              </a:rPr>
+              <a:t>Alt+Down</a:t>
+            </a:r>
+            <a:r>
+              <a:rPr lang="en-US" dirty="0" smtClean="0"/>
+              <a:t> </a:t>
             </a:r>
             <a:r>
               <a:rPr lang="ru-RU" dirty="0" smtClean="0"/>
-              <a:t>выбирает строку из списка предложений</a:t>
+              <a:t>сдвинуть текущую строку/блок </a:t>
+            </a:r>
+            <a:r>
+              <a:rPr lang="ru-RU" smtClean="0"/>
+              <a:t>вверх или вниз</a:t>
             </a:r>
             <a:endParaRPr lang="ru-RU" dirty="0"/>
           </a:p>
@@ -9536,13 +9368,20 @@
     </p:spTree>
     <p:extLst>
       <p:ext uri="{BB962C8B-B14F-4D97-AF65-F5344CB8AC3E}">
-        <p14:creationId xmlns:p14="http://schemas.microsoft.com/office/powerpoint/2010/main" val="3953030913"/>
+        <p14:creationId xmlns:p14="http://schemas.microsoft.com/office/powerpoint/2010/main" val="2334297427"/>
       </p:ext>
     </p:extLst>
   </p:cSld>
   <p:clrMapOvr>
     <a:masterClrMapping/>
   </p:clrMapOvr>
+  <p:timing>
+    <p:tnLst>
+      <p:par>
+        <p:cTn id="1" dur="indefinite" restart="never" nodeType="tmRoot"/>
+      </p:par>
+    </p:tnLst>
+  </p:timing>
 </p:sld>
 </file>
 
@@ -9621,7 +9460,7 @@
         <p:spPr/>
         <p:txBody>
           <a:bodyPr>
-            <a:normAutofit/>
+            <a:normAutofit fontScale="77500" lnSpcReduction="20000"/>
           </a:bodyPr>
           <a:lstStyle/>
           <a:p>
@@ -9633,10 +9472,18 @@
             <a:r>
               <a:rPr lang="en-US" dirty="0" smtClean="0">
                 <a:solidFill>
+                  <a:srgbClr val="F6AE1E"/>
+                </a:solidFill>
+              </a:rPr>
+              <a:t>F12</a:t>
+            </a:r>
+            <a:r>
+              <a:rPr lang="en-US" dirty="0" smtClean="0">
+                <a:solidFill>
                   <a:schemeClr val="bg1"/>
                 </a:solidFill>
               </a:rPr>
-              <a:t>ReSharper </a:t>
+              <a:t> </a:t>
             </a:r>
             <a:r>
               <a:rPr lang="ru-RU" dirty="0" smtClean="0">
@@ -9644,23 +9491,7 @@
                   <a:schemeClr val="bg1"/>
                 </a:solidFill>
               </a:rPr>
-              <a:t>ускоряет навигацию по коду за счет следующих команд:</a:t>
-            </a:r>
-            <a:r>
-              <a:rPr lang="en-US" dirty="0" smtClean="0">
-                <a:solidFill>
-                  <a:schemeClr val="bg1"/>
-                </a:solidFill>
-              </a:rPr>
-              <a:t> Go To Type, Go To File, Go To Symbol </a:t>
-            </a:r>
-            <a:r>
-              <a:rPr lang="ru-RU" dirty="0" smtClean="0">
-                <a:solidFill>
-                  <a:schemeClr val="bg1"/>
-                </a:solidFill>
-              </a:rPr>
-              <a:t>и других</a:t>
+              <a:t>перейти к объявлению</a:t>
             </a:r>
           </a:p>
           <a:p>
@@ -9670,20 +9501,238 @@
               </a:buClr>
             </a:pPr>
             <a:r>
+              <a:rPr lang="en-US" dirty="0" smtClean="0">
+                <a:solidFill>
+                  <a:srgbClr val="F6AE1E"/>
+                </a:solidFill>
+              </a:rPr>
+              <a:t>Ctrl+Shift+7</a:t>
+            </a:r>
+            <a:r>
+              <a:rPr lang="en-US" dirty="0" smtClean="0">
+                <a:solidFill>
+                  <a:schemeClr val="bg1"/>
+                </a:solidFill>
+              </a:rPr>
+              <a:t> </a:t>
+            </a:r>
+            <a:r>
               <a:rPr lang="ru-RU" dirty="0" smtClean="0">
                 <a:solidFill>
                   <a:schemeClr val="bg1"/>
                 </a:solidFill>
               </a:rPr>
-              <a:t>Если искомые имена используют </a:t>
+              <a:t>и </a:t>
+            </a:r>
+            <a:r>
+              <a:rPr lang="en-US" dirty="0" smtClean="0">
+                <a:solidFill>
+                  <a:srgbClr val="F6AE1E"/>
+                </a:solidFill>
+              </a:rPr>
+              <a:t>Ctrl+Shift+8</a:t>
+            </a:r>
+            <a:r>
+              <a:rPr lang="ru-RU" dirty="0" smtClean="0">
+                <a:solidFill>
+                  <a:schemeClr val="bg1"/>
+                </a:solidFill>
+              </a:rPr>
+              <a:t> переход по типам для которых ранее делали </a:t>
+            </a:r>
+            <a:r>
+              <a:rPr lang="en-US" dirty="0" smtClean="0">
+                <a:solidFill>
+                  <a:schemeClr val="bg1"/>
+                </a:solidFill>
+              </a:rPr>
+              <a:t>F12</a:t>
+            </a:r>
+          </a:p>
+          <a:p>
+            <a:pPr>
+              <a:buClr>
+                <a:schemeClr val="bg1"/>
+              </a:buClr>
+            </a:pPr>
+            <a:r>
+              <a:rPr lang="en-US" sz="3100" dirty="0">
+                <a:solidFill>
+                  <a:srgbClr val="92D050"/>
+                </a:solidFill>
+              </a:rPr>
+              <a:t>[</a:t>
+            </a:r>
+            <a:r>
+              <a:rPr lang="en-US" sz="3100" dirty="0" smtClean="0">
+                <a:solidFill>
+                  <a:srgbClr val="92D050"/>
+                </a:solidFill>
+              </a:rPr>
+              <a:t>1</a:t>
+            </a:r>
+            <a:r>
+              <a:rPr lang="ru-RU" sz="3100" dirty="0" smtClean="0">
+                <a:solidFill>
+                  <a:srgbClr val="92D050"/>
+                </a:solidFill>
+              </a:rPr>
+              <a:t>3</a:t>
+            </a:r>
+            <a:r>
+              <a:rPr lang="en-US" sz="3100" dirty="0" smtClean="0">
+                <a:solidFill>
+                  <a:srgbClr val="92D050"/>
+                </a:solidFill>
+              </a:rPr>
+              <a:t>]</a:t>
+            </a:r>
+            <a:r>
+              <a:rPr lang="ru-RU" sz="3100" dirty="0" smtClean="0">
+                <a:solidFill>
+                  <a:srgbClr val="F6AE1E"/>
+                </a:solidFill>
+              </a:rPr>
+              <a:t> </a:t>
+            </a:r>
+            <a:r>
+              <a:rPr lang="en-US" sz="3100" dirty="0" smtClean="0">
+                <a:solidFill>
+                  <a:srgbClr val="F6AE1E"/>
+                </a:solidFill>
+              </a:rPr>
+              <a:t>Alt+F12</a:t>
+            </a:r>
+            <a:r>
+              <a:rPr lang="en-US" dirty="0" smtClean="0">
+                <a:solidFill>
+                  <a:schemeClr val="bg1"/>
+                </a:solidFill>
+              </a:rPr>
+              <a:t> </a:t>
+            </a:r>
+            <a:r>
+              <a:rPr lang="ru-RU" dirty="0" smtClean="0">
+                <a:solidFill>
+                  <a:schemeClr val="bg1"/>
+                </a:solidFill>
+              </a:rPr>
+              <a:t>Просмотр объявления в окне редактора </a:t>
+            </a:r>
+            <a:r>
+              <a:rPr lang="en-US" dirty="0" smtClean="0">
+                <a:solidFill>
+                  <a:schemeClr val="bg1"/>
+                </a:solidFill>
+              </a:rPr>
+              <a:t>(peek definition)</a:t>
+            </a:r>
+            <a:endParaRPr lang="ru-RU" dirty="0" smtClean="0">
+              <a:solidFill>
+                <a:schemeClr val="bg1"/>
+              </a:solidFill>
+            </a:endParaRPr>
+          </a:p>
+          <a:p>
+            <a:pPr>
+              <a:buClr>
+                <a:schemeClr val="bg1"/>
+              </a:buClr>
+            </a:pPr>
+            <a:r>
+              <a:rPr lang="en-US" dirty="0">
+                <a:solidFill>
+                  <a:srgbClr val="F6AE1E"/>
+                </a:solidFill>
+              </a:rPr>
+              <a:t>Shift+F12</a:t>
+            </a:r>
+            <a:r>
+              <a:rPr lang="en-US" dirty="0" smtClean="0">
+                <a:solidFill>
+                  <a:schemeClr val="bg1"/>
+                </a:solidFill>
+              </a:rPr>
+              <a:t> </a:t>
+            </a:r>
+            <a:r>
+              <a:rPr lang="ru-RU" dirty="0" smtClean="0">
+                <a:solidFill>
+                  <a:schemeClr val="bg1"/>
+                </a:solidFill>
+              </a:rPr>
+              <a:t>найти все места где используется имя</a:t>
+            </a:r>
+          </a:p>
+          <a:p>
+            <a:pPr>
+              <a:buClr>
+                <a:schemeClr val="bg1"/>
+              </a:buClr>
+            </a:pPr>
+            <a:r>
+              <a:rPr lang="en-US" dirty="0">
+                <a:solidFill>
+                  <a:srgbClr val="F6AE1E"/>
+                </a:solidFill>
+              </a:rPr>
+              <a:t>Ctrl+</a:t>
+            </a:r>
+            <a:r>
+              <a:rPr lang="ru-RU" dirty="0">
+                <a:solidFill>
+                  <a:srgbClr val="F6AE1E"/>
+                </a:solidFill>
+              </a:rPr>
+              <a:t>Минус</a:t>
+            </a:r>
+            <a:r>
+              <a:rPr lang="en-US" dirty="0" smtClean="0">
+                <a:solidFill>
+                  <a:schemeClr val="bg1"/>
+                </a:solidFill>
+              </a:rPr>
+              <a:t> </a:t>
+            </a:r>
+            <a:r>
+              <a:rPr lang="ru-RU" dirty="0" smtClean="0">
+                <a:solidFill>
+                  <a:schemeClr val="bg1"/>
+                </a:solidFill>
+              </a:rPr>
+              <a:t>и </a:t>
             </a:r>
             <a:r>
               <a:rPr lang="en-US" dirty="0" err="1" smtClean="0">
                 <a:solidFill>
+                  <a:srgbClr val="F6AE1E"/>
+                </a:solidFill>
+              </a:rPr>
+              <a:t>Shift+Ctrl</a:t>
+            </a:r>
+            <a:r>
+              <a:rPr lang="en-US" dirty="0" smtClean="0">
+                <a:solidFill>
+                  <a:srgbClr val="F6AE1E"/>
+                </a:solidFill>
+              </a:rPr>
+              <a:t>+</a:t>
+            </a:r>
+            <a:r>
+              <a:rPr lang="ru-RU" dirty="0" smtClean="0">
+                <a:solidFill>
+                  <a:srgbClr val="F6AE1E"/>
+                </a:solidFill>
+              </a:rPr>
+              <a:t>Минус</a:t>
+            </a:r>
+            <a:r>
+              <a:rPr lang="en-US" dirty="0" smtClean="0">
+                <a:solidFill>
                   <a:schemeClr val="bg1"/>
                 </a:solidFill>
               </a:rPr>
-              <a:t>CamelCase</a:t>
+              <a:t> </a:t>
             </a:r>
             <a:r>
               <a:rPr lang="ru-RU" dirty="0" smtClean="0">
@@ -9691,23 +9740,46 @@
                   <a:schemeClr val="bg1"/>
                 </a:solidFill>
               </a:rPr>
-              <a:t>,</a:t>
-            </a:r>
-            <a:r>
-              <a:rPr lang="en-US" dirty="0" smtClean="0">
+              <a:t>навигация «вперед»/«назад»</a:t>
+            </a:r>
+          </a:p>
+          <a:p>
+            <a:pPr>
+              <a:buClr>
+                <a:schemeClr val="bg1"/>
+              </a:buClr>
+            </a:pPr>
+            <a:r>
+              <a:rPr lang="en-US" dirty="0" err="1">
+                <a:solidFill>
+                  <a:srgbClr val="F6AE1E"/>
+                </a:solidFill>
+              </a:rPr>
+              <a:t>Ctrl+Alt</a:t>
+            </a:r>
+            <a:r>
+              <a:rPr lang="en-US" dirty="0">
+                <a:solidFill>
+                  <a:srgbClr val="F6AE1E"/>
+                </a:solidFill>
+              </a:rPr>
+              <a:t>+</a:t>
+            </a:r>
+            <a:r>
+              <a:rPr lang="ru-RU" dirty="0">
+                <a:solidFill>
+                  <a:srgbClr val="F6AE1E"/>
+                </a:solidFill>
+              </a:rPr>
+              <a:t>Стрелка вниз</a:t>
+            </a:r>
+            <a:r>
+              <a:rPr lang="ru-RU" dirty="0" smtClean="0">
                 <a:solidFill>
                   <a:schemeClr val="bg1"/>
                 </a:solidFill>
               </a:rPr>
-              <a:t> </a:t>
-            </a:r>
-            <a:r>
-              <a:rPr lang="ru-RU" dirty="0" smtClean="0">
-                <a:solidFill>
-                  <a:schemeClr val="bg1"/>
-                </a:solidFill>
-              </a:rPr>
-              <a:t>то в окне поиска символов можно вводить только первые буквы из каждого слова</a:t>
+              <a:t> показать список открытых файлов</a:t>
             </a:r>
             <a:endParaRPr lang="en-US" dirty="0" smtClean="0">
               <a:solidFill>
@@ -9722,20 +9794,87 @@
               </a:buClr>
             </a:pPr>
             <a:r>
+              <a:rPr lang="en-US" dirty="0" err="1">
+                <a:solidFill>
+                  <a:srgbClr val="F6AE1E"/>
+                </a:solidFill>
+              </a:rPr>
+              <a:t>Ctrl+G</a:t>
+            </a:r>
+            <a:r>
+              <a:rPr lang="en-US" dirty="0">
+                <a:solidFill>
+                  <a:schemeClr val="bg1"/>
+                </a:solidFill>
+              </a:rPr>
+              <a:t> </a:t>
+            </a:r>
+            <a:r>
+              <a:rPr lang="ru-RU" dirty="0">
+                <a:solidFill>
+                  <a:schemeClr val="bg1"/>
+                </a:solidFill>
+              </a:rPr>
+              <a:t>перейти на строку </a:t>
+            </a:r>
+            <a:r>
               <a:rPr lang="ru-RU" dirty="0" smtClean="0">
                 <a:solidFill>
                   <a:schemeClr val="bg1"/>
                 </a:solidFill>
               </a:rPr>
-              <a:t>См. также меню </a:t>
-            </a:r>
+              <a:t>№</a:t>
+            </a:r>
+          </a:p>
+          <a:p>
+            <a:pPr>
+              <a:buClr>
+                <a:schemeClr val="bg1"/>
+              </a:buClr>
+            </a:pPr>
             <a:r>
               <a:rPr lang="en-US" dirty="0" err="1" smtClean="0">
                 <a:solidFill>
+                  <a:srgbClr val="F6AE1E"/>
+                </a:solidFill>
+              </a:rPr>
+              <a:t>Ctrl+Home</a:t>
+            </a:r>
+            <a:r>
+              <a:rPr lang="en-US" dirty="0" smtClean="0">
+                <a:solidFill>
                   <a:schemeClr val="bg1"/>
                 </a:solidFill>
               </a:rPr>
-              <a:t>Resharper</a:t>
+              <a:t> </a:t>
+            </a:r>
+            <a:r>
+              <a:rPr lang="ru-RU" dirty="0" smtClean="0">
+                <a:solidFill>
+                  <a:schemeClr val="bg1"/>
+                </a:solidFill>
+              </a:rPr>
+              <a:t>начало файла</a:t>
+            </a:r>
+            <a:endParaRPr lang="en-US" dirty="0" smtClean="0">
+              <a:solidFill>
+                <a:schemeClr val="bg1"/>
+              </a:solidFill>
+            </a:endParaRPr>
+          </a:p>
+          <a:p>
+            <a:pPr>
+              <a:buClr>
+                <a:schemeClr val="bg1"/>
+              </a:buClr>
+            </a:pPr>
+            <a:r>
+              <a:rPr lang="en-US" dirty="0" err="1" smtClean="0">
+                <a:solidFill>
+                  <a:srgbClr val="F6AE1E"/>
+                </a:solidFill>
+              </a:rPr>
+              <a:t>Ctrl+End</a:t>
             </a:r>
             <a:r>
               <a:rPr lang="en-US" dirty="0" smtClean="0">
@@ -9743,7 +9882,15 @@
                   <a:schemeClr val="bg1"/>
                 </a:solidFill>
               </a:rPr>
-              <a:t> -&gt; Navigate</a:t>
+              <a:t> </a:t>
+            </a:r>
+            <a:r>
+              <a:rPr lang="ru-RU" dirty="0" smtClean="0">
+                <a:solidFill>
+                  <a:schemeClr val="bg1"/>
+                </a:solidFill>
+              </a:rPr>
+              <a:t>конец файла</a:t>
             </a:r>
             <a:endParaRPr lang="en-US" dirty="0">
               <a:solidFill>
@@ -9756,7 +9903,7 @@
     </p:spTree>
     <p:extLst>
       <p:ext uri="{BB962C8B-B14F-4D97-AF65-F5344CB8AC3E}">
-        <p14:creationId xmlns:p14="http://schemas.microsoft.com/office/powerpoint/2010/main" val="1382214877"/>
+        <p14:creationId xmlns:p14="http://schemas.microsoft.com/office/powerpoint/2010/main" val="1465218823"/>
       </p:ext>
     </p:extLst>
   </p:cSld>
@@ -9807,13 +9954,9 @@
           <a:p>
             <a:r>
               <a:rPr lang="ru-RU" dirty="0" smtClean="0"/>
-              <a:t>Редактор</a:t>
-            </a:r>
-            <a:r>
-              <a:rPr lang="en-US" dirty="0" smtClean="0"/>
-              <a:t>: Code Snippets</a:t>
-            </a:r>
-            <a:endParaRPr lang="en-US" dirty="0"/>
+              <a:t>Редактор: Смарт-тег</a:t>
+            </a:r>
+            <a:endParaRPr lang="ru-RU" dirty="0"/>
           </a:p>
         </p:txBody>
       </p:sp>
@@ -9829,243 +9972,49 @@
         </p:nvSpPr>
         <p:spPr/>
         <p:txBody>
-          <a:bodyPr>
-            <a:normAutofit fontScale="85000" lnSpcReduction="20000"/>
-          </a:bodyPr>
+          <a:bodyPr/>
           <a:lstStyle/>
           <a:p>
-            <a:pPr marL="0" indent="0">
-              <a:spcAft>
-                <a:spcPts val="600"/>
-              </a:spcAft>
-              <a:buClr>
-                <a:schemeClr val="bg1"/>
-              </a:buClr>
-              <a:buNone/>
-            </a:pPr>
             <a:r>
               <a:rPr lang="en-US" dirty="0" smtClean="0">
                 <a:solidFill>
-                  <a:schemeClr val="bg1"/>
-                </a:solidFill>
-              </a:rPr>
-              <a:t>“Code Snippets” </a:t>
-            </a:r>
-            <a:r>
-              <a:rPr lang="ru-RU" dirty="0" smtClean="0">
-                <a:solidFill>
-                  <a:schemeClr val="bg1"/>
-                </a:solidFill>
-              </a:rPr>
-              <a:t>это короткие шаблоны кода на различных языках программирования.</a:t>
-            </a:r>
-          </a:p>
-          <a:p>
-            <a:pPr marL="0" indent="0">
-              <a:spcAft>
-                <a:spcPts val="600"/>
-              </a:spcAft>
-              <a:buClr>
-                <a:schemeClr val="bg1"/>
-              </a:buClr>
-              <a:buNone/>
-            </a:pPr>
-            <a:r>
-              <a:rPr lang="ru-RU" dirty="0" smtClean="0">
-                <a:solidFill>
-                  <a:schemeClr val="bg1"/>
-                </a:solidFill>
-              </a:rPr>
-              <a:t>Шаблону может быть назначена короткая комбинация (</a:t>
+                  <a:srgbClr val="F6AE1E"/>
+                </a:solidFill>
+              </a:rPr>
+              <a:t>Alt + Shift + F10</a:t>
+            </a:r>
+            <a:r>
+              <a:rPr lang="en-US" dirty="0" smtClean="0"/>
+              <a:t> </a:t>
+            </a:r>
+            <a:r>
+              <a:rPr lang="ru-RU" dirty="0" smtClean="0"/>
+              <a:t>или </a:t>
             </a:r>
             <a:r>
               <a:rPr lang="en-US" dirty="0" smtClean="0">
                 <a:solidFill>
-                  <a:schemeClr val="bg1"/>
-                </a:solidFill>
-              </a:rPr>
-              <a:t>shortcut</a:t>
-            </a:r>
-            <a:r>
-              <a:rPr lang="ru-RU" dirty="0" smtClean="0">
-                <a:solidFill>
-                  <a:schemeClr val="bg1"/>
-                </a:solidFill>
-              </a:rPr>
-              <a:t>) для быстрой вставки. Набрав</a:t>
-            </a:r>
-            <a:r>
-              <a:rPr lang="en-US" dirty="0">
-                <a:solidFill>
-                  <a:schemeClr val="bg1"/>
-                </a:solidFill>
-              </a:rPr>
-              <a:t> </a:t>
-            </a:r>
-            <a:r>
-              <a:rPr lang="en-US" dirty="0" smtClean="0">
-                <a:solidFill>
-                  <a:schemeClr val="bg1"/>
-                </a:solidFill>
-              </a:rPr>
-              <a:t>shortcut </a:t>
-            </a:r>
-            <a:r>
-              <a:rPr lang="ru-RU" dirty="0" smtClean="0">
-                <a:solidFill>
-                  <a:schemeClr val="bg1"/>
-                </a:solidFill>
-              </a:rPr>
-              <a:t>и нажав </a:t>
-            </a:r>
-            <a:r>
-              <a:rPr lang="en-US" dirty="0" smtClean="0">
-                <a:solidFill>
                   <a:srgbClr val="F6AE1E"/>
                 </a:solidFill>
               </a:rPr>
-              <a:t>Tab</a:t>
-            </a:r>
-            <a:r>
-              <a:rPr lang="en-US" dirty="0" smtClean="0">
-                <a:solidFill>
-                  <a:schemeClr val="bg1"/>
-                </a:solidFill>
-              </a:rPr>
-              <a:t> </a:t>
-            </a:r>
-            <a:r>
-              <a:rPr lang="ru-RU" dirty="0">
-                <a:solidFill>
-                  <a:schemeClr val="bg1"/>
-                </a:solidFill>
-              </a:rPr>
-              <a:t>мы </a:t>
-            </a:r>
-            <a:r>
-              <a:rPr lang="ru-RU" dirty="0" smtClean="0">
-                <a:solidFill>
-                  <a:schemeClr val="bg1"/>
-                </a:solidFill>
-              </a:rPr>
-              <a:t>получим текст шаблона в месте где был </a:t>
-            </a:r>
-            <a:r>
-              <a:rPr lang="en-US" dirty="0" smtClean="0">
-                <a:solidFill>
-                  <a:schemeClr val="bg1"/>
-                </a:solidFill>
-              </a:rPr>
-              <a:t>shortcut.</a:t>
-            </a:r>
-            <a:endParaRPr lang="ru-RU" dirty="0" smtClean="0">
-              <a:solidFill>
-                <a:schemeClr val="bg1"/>
-              </a:solidFill>
-            </a:endParaRPr>
-          </a:p>
-          <a:p>
-            <a:pPr marL="0" indent="0">
-              <a:spcAft>
-                <a:spcPts val="600"/>
-              </a:spcAft>
-              <a:buClr>
-                <a:schemeClr val="bg1"/>
-              </a:buClr>
-              <a:buNone/>
-            </a:pPr>
-            <a:r>
-              <a:rPr lang="ru-RU" dirty="0" smtClean="0">
-                <a:solidFill>
-                  <a:schemeClr val="bg1"/>
-                </a:solidFill>
-              </a:rPr>
-              <a:t>Настройка производится через меню </a:t>
-            </a:r>
-            <a:r>
-              <a:rPr lang="en-US" dirty="0" smtClean="0">
-                <a:solidFill>
-                  <a:schemeClr val="bg1"/>
-                </a:solidFill>
-              </a:rPr>
-              <a:t>Tools -&gt; Code Snippets Manager.</a:t>
-            </a:r>
-            <a:endParaRPr lang="ru-RU" dirty="0" smtClean="0">
-              <a:solidFill>
-                <a:schemeClr val="bg1"/>
-              </a:solidFill>
-            </a:endParaRPr>
-          </a:p>
-          <a:p>
-            <a:pPr marL="0" indent="0">
-              <a:spcAft>
-                <a:spcPts val="600"/>
-              </a:spcAft>
-              <a:buClr>
-                <a:schemeClr val="bg1"/>
-              </a:buClr>
-              <a:buNone/>
-            </a:pPr>
-            <a:endParaRPr lang="ru-RU" dirty="0" smtClean="0">
-              <a:solidFill>
-                <a:schemeClr val="bg1"/>
-              </a:solidFill>
-            </a:endParaRPr>
-          </a:p>
-          <a:p>
-            <a:pPr marL="0" indent="0">
-              <a:spcAft>
-                <a:spcPts val="600"/>
-              </a:spcAft>
-              <a:buClr>
-                <a:schemeClr val="bg1"/>
-              </a:buClr>
-              <a:buNone/>
-            </a:pPr>
-            <a:r>
-              <a:rPr lang="en-US" dirty="0" err="1" smtClean="0">
-                <a:solidFill>
-                  <a:srgbClr val="F6AE1E"/>
-                </a:solidFill>
-              </a:rPr>
-              <a:t>Ctrl+K+X</a:t>
-            </a:r>
-            <a:r>
-              <a:rPr lang="en-US" dirty="0" smtClean="0">
-                <a:solidFill>
-                  <a:schemeClr val="bg1"/>
-                </a:solidFill>
-              </a:rPr>
-              <a:t> </a:t>
-            </a:r>
-            <a:r>
-              <a:rPr lang="ru-RU" dirty="0" smtClean="0">
-                <a:solidFill>
-                  <a:schemeClr val="bg1"/>
-                </a:solidFill>
-              </a:rPr>
-              <a:t>показывает список сниппетов прямо в редакторе.</a:t>
-            </a:r>
-          </a:p>
-          <a:p>
-            <a:pPr marL="0" indent="0">
-              <a:buClr>
-                <a:schemeClr val="bg1"/>
-              </a:buClr>
-              <a:buNone/>
-            </a:pPr>
-            <a:endParaRPr lang="en-US" dirty="0">
-              <a:solidFill>
-                <a:schemeClr val="bg1"/>
-              </a:solidFill>
-            </a:endParaRPr>
+              <a:t>Ctrl + .</a:t>
+            </a:r>
+            <a:r>
+              <a:rPr lang="en-US" dirty="0" smtClean="0"/>
+              <a:t> – </a:t>
+            </a:r>
+            <a:r>
+              <a:rPr lang="ru-RU" dirty="0" smtClean="0"/>
+              <a:t>открыть меню смарт-тега</a:t>
+            </a:r>
+            <a:endParaRPr lang="ru-RU" dirty="0"/>
           </a:p>
         </p:txBody>
       </p:sp>
     </p:spTree>
     <p:extLst>
       <p:ext uri="{BB962C8B-B14F-4D97-AF65-F5344CB8AC3E}">
-        <p14:creationId xmlns:p14="http://schemas.microsoft.com/office/powerpoint/2010/main" val="3245183492"/>
+        <p14:creationId xmlns:p14="http://schemas.microsoft.com/office/powerpoint/2010/main" val="3059698048"/>
       </p:ext>
     </p:extLst>
   </p:cSld>
@@ -10115,8 +10064,785 @@
           <a:lstStyle/>
           <a:p>
             <a:r>
+              <a:rPr lang="ru-RU" dirty="0" smtClean="0"/>
+              <a:t>Редактор: </a:t>
+            </a:r>
+            <a:r>
               <a:rPr lang="en-US" dirty="0" smtClean="0"/>
-              <a:t>Code Snippets (C#)</a:t>
+              <a:t>IntelliSense</a:t>
+            </a:r>
+            <a:endParaRPr lang="ru-RU" dirty="0"/>
+          </a:p>
+        </p:txBody>
+      </p:sp>
+      <p:sp>
+        <p:nvSpPr>
+          <p:cNvPr id="3" name="Content Placeholder 2"/>
+          <p:cNvSpPr>
+            <a:spLocks noGrp="1"/>
+          </p:cNvSpPr>
+          <p:nvPr>
+            <p:ph idx="1"/>
+          </p:nvPr>
+        </p:nvSpPr>
+        <p:spPr/>
+        <p:txBody>
+          <a:bodyPr/>
+          <a:lstStyle/>
+          <a:p>
+            <a:r>
+              <a:rPr lang="en-US" dirty="0" err="1" smtClean="0"/>
+              <a:t>Ctrl+Alt+Space</a:t>
+            </a:r>
+            <a:r>
+              <a:rPr lang="en-US" dirty="0" smtClean="0"/>
+              <a:t> – </a:t>
+            </a:r>
+            <a:r>
+              <a:rPr lang="ru-RU" dirty="0" smtClean="0"/>
+              <a:t>«режим советов». В этом режиме только </a:t>
+            </a:r>
+            <a:r>
+              <a:rPr lang="en-US" dirty="0" smtClean="0"/>
+              <a:t>Tab </a:t>
+            </a:r>
+            <a:r>
+              <a:rPr lang="ru-RU" dirty="0" smtClean="0"/>
+              <a:t>выбирает строку из списка предложений</a:t>
+            </a:r>
+            <a:endParaRPr lang="ru-RU" dirty="0"/>
+          </a:p>
+        </p:txBody>
+      </p:sp>
+    </p:spTree>
+    <p:extLst>
+      <p:ext uri="{BB962C8B-B14F-4D97-AF65-F5344CB8AC3E}">
+        <p14:creationId xmlns:p14="http://schemas.microsoft.com/office/powerpoint/2010/main" val="3953030913"/>
+      </p:ext>
+    </p:extLst>
+  </p:cSld>
+  <p:clrMapOvr>
+    <a:masterClrMapping/>
+  </p:clrMapOvr>
+  <p:timing>
+    <p:tnLst>
+      <p:par>
+        <p:cTn id="1" dur="indefinite" restart="never" nodeType="tmRoot"/>
+      </p:par>
+    </p:tnLst>
+  </p:timing>
+</p:sld>
+</file>
+
+<file path=ppt/slides/slide3.xml><?xml version="1.0" encoding="utf-8"?>
+<p:sld xmlns:a="http://schemas.openxmlformats.org/drawingml/2006/main" xmlns:r="http://schemas.openxmlformats.org/officeDocument/2006/relationships" xmlns:p="http://schemas.openxmlformats.org/presentationml/2006/main">
+  <p:cSld>
+    <p:spTree>
+      <p:nvGrpSpPr>
+        <p:cNvPr id="1" name=""/>
+        <p:cNvGrpSpPr/>
+        <p:nvPr/>
+      </p:nvGrpSpPr>
+      <p:grpSpPr>
+        <a:xfrm>
+          <a:off x="0" y="0"/>
+          <a:ext cx="0" cy="0"/>
+          <a:chOff x="0" y="0"/>
+          <a:chExt cx="0" cy="0"/>
+        </a:xfrm>
+      </p:grpSpPr>
+      <p:sp>
+        <p:nvSpPr>
+          <p:cNvPr id="2" name="Title 1"/>
+          <p:cNvSpPr>
+            <a:spLocks noGrp="1"/>
+          </p:cNvSpPr>
+          <p:nvPr>
+            <p:ph type="title"/>
+          </p:nvPr>
+        </p:nvSpPr>
+        <p:spPr/>
+        <p:txBody>
+          <a:bodyPr/>
+          <a:lstStyle/>
+          <a:p>
+            <a:r>
+              <a:rPr lang="ru-RU" dirty="0" smtClean="0"/>
+              <a:t>Ссылки</a:t>
+            </a:r>
+            <a:endParaRPr lang="ru-RU" dirty="0"/>
+          </a:p>
+        </p:txBody>
+      </p:sp>
+      <p:sp>
+        <p:nvSpPr>
+          <p:cNvPr id="3" name="Content Placeholder 2"/>
+          <p:cNvSpPr>
+            <a:spLocks noGrp="1"/>
+          </p:cNvSpPr>
+          <p:nvPr>
+            <p:ph idx="1"/>
+          </p:nvPr>
+        </p:nvSpPr>
+        <p:spPr/>
+        <p:txBody>
+          <a:bodyPr/>
+          <a:lstStyle/>
+          <a:p>
+            <a:r>
+              <a:rPr lang="ru-RU" dirty="0" smtClean="0"/>
+              <a:t>Официальная страница</a:t>
+            </a:r>
+            <a:br>
+              <a:rPr lang="ru-RU" dirty="0" smtClean="0"/>
+            </a:br>
+            <a:r>
+              <a:rPr lang="en-US" dirty="0" smtClean="0">
+                <a:hlinkClick r:id="rId2"/>
+              </a:rPr>
+              <a:t>http://msdn.microsoft.com/visualstudio</a:t>
+            </a:r>
+            <a:endParaRPr lang="ru-RU" dirty="0" smtClean="0"/>
+          </a:p>
+          <a:p>
+            <a:r>
+              <a:rPr lang="ru-RU" dirty="0" smtClean="0"/>
+              <a:t>Расширения</a:t>
+            </a:r>
+            <a:br>
+              <a:rPr lang="ru-RU" dirty="0" smtClean="0"/>
+            </a:br>
+            <a:r>
+              <a:rPr lang="en-US" dirty="0" smtClean="0">
+                <a:hlinkClick r:id="rId3"/>
+              </a:rPr>
+              <a:t>http://visualstudiogallery.msdn.microsoft.com</a:t>
+            </a:r>
+            <a:endParaRPr lang="ru-RU" dirty="0" smtClean="0"/>
+          </a:p>
+          <a:p>
+            <a:r>
+              <a:rPr lang="ru-RU" dirty="0" smtClean="0"/>
+              <a:t>Предложения по улучшению</a:t>
+            </a:r>
+            <a:br>
+              <a:rPr lang="ru-RU" dirty="0" smtClean="0"/>
+            </a:br>
+            <a:r>
+              <a:rPr lang="en-US" dirty="0" smtClean="0">
+                <a:hlinkClick r:id="rId4"/>
+              </a:rPr>
+              <a:t>http://visualstudio.uservoice.com</a:t>
+            </a:r>
+            <a:endParaRPr lang="ru-RU" dirty="0" smtClean="0"/>
+          </a:p>
+          <a:p>
+            <a:endParaRPr lang="ru-RU" dirty="0" smtClean="0"/>
+          </a:p>
+          <a:p>
+            <a:endParaRPr lang="ru-RU" dirty="0"/>
+          </a:p>
+        </p:txBody>
+      </p:sp>
+    </p:spTree>
+    <p:extLst>
+      <p:ext uri="{BB962C8B-B14F-4D97-AF65-F5344CB8AC3E}">
+        <p14:creationId xmlns:p14="http://schemas.microsoft.com/office/powerpoint/2010/main" val="1256543289"/>
+      </p:ext>
+    </p:extLst>
+  </p:cSld>
+  <p:clrMapOvr>
+    <a:masterClrMapping/>
+  </p:clrMapOvr>
+  <p:timing>
+    <p:tnLst>
+      <p:par>
+        <p:cTn id="1" dur="indefinite" restart="never" nodeType="tmRoot"/>
+      </p:par>
+    </p:tnLst>
+  </p:timing>
+</p:sld>
+</file>
+
+<file path=ppt/slides/slide30.xml><?xml version="1.0" encoding="utf-8"?>
+<p:sld xmlns:a="http://schemas.openxmlformats.org/drawingml/2006/main" xmlns:r="http://schemas.openxmlformats.org/officeDocument/2006/relationships" xmlns:p="http://schemas.openxmlformats.org/presentationml/2006/main">
+  <p:cSld>
+    <p:bg>
+      <p:bgPr>
+        <a:blipFill dpi="0" rotWithShape="1">
+          <a:blip r:embed="rId3">
+            <a:lum/>
+          </a:blip>
+          <a:srcRect/>
+          <a:stretch>
+            <a:fillRect/>
+          </a:stretch>
+        </a:blipFill>
+        <a:effectLst/>
+      </p:bgPr>
+    </p:bg>
+    <p:spTree>
+      <p:nvGrpSpPr>
+        <p:cNvPr id="1" name=""/>
+        <p:cNvGrpSpPr/>
+        <p:nvPr/>
+      </p:nvGrpSpPr>
+      <p:grpSpPr>
+        <a:xfrm>
+          <a:off x="0" y="0"/>
+          <a:ext cx="0" cy="0"/>
+          <a:chOff x="0" y="0"/>
+          <a:chExt cx="0" cy="0"/>
+        </a:xfrm>
+      </p:grpSpPr>
+      <p:sp>
+        <p:nvSpPr>
+          <p:cNvPr id="2" name="Title 1"/>
+          <p:cNvSpPr>
+            <a:spLocks noGrp="1"/>
+          </p:cNvSpPr>
+          <p:nvPr>
+            <p:ph type="title"/>
+          </p:nvPr>
+        </p:nvSpPr>
+        <p:spPr/>
+        <p:txBody>
+          <a:bodyPr/>
+          <a:lstStyle/>
+          <a:p>
+            <a:r>
+              <a:rPr lang="ru-RU" dirty="0" smtClean="0"/>
+              <a:t>Редактор</a:t>
+            </a:r>
+            <a:r>
+              <a:rPr lang="en-US" dirty="0" smtClean="0"/>
+              <a:t>: </a:t>
+            </a:r>
+            <a:r>
+              <a:rPr lang="ru-RU" dirty="0" smtClean="0"/>
+              <a:t>Навигация по коду</a:t>
+            </a:r>
+            <a:endParaRPr lang="en-US" dirty="0"/>
+          </a:p>
+        </p:txBody>
+      </p:sp>
+      <p:sp>
+        <p:nvSpPr>
+          <p:cNvPr id="3" name="Content Placeholder 2"/>
+          <p:cNvSpPr>
+            <a:spLocks noGrp="1"/>
+          </p:cNvSpPr>
+          <p:nvPr>
+            <p:ph idx="1"/>
+          </p:nvPr>
+        </p:nvSpPr>
+        <p:spPr/>
+        <p:txBody>
+          <a:bodyPr>
+            <a:normAutofit/>
+          </a:bodyPr>
+          <a:lstStyle/>
+          <a:p>
+            <a:pPr>
+              <a:buClr>
+                <a:schemeClr val="bg1"/>
+              </a:buClr>
+            </a:pPr>
+            <a:r>
+              <a:rPr lang="en-US" dirty="0" smtClean="0">
+                <a:solidFill>
+                  <a:schemeClr val="bg1"/>
+                </a:solidFill>
+              </a:rPr>
+              <a:t>ReSharper </a:t>
+            </a:r>
+            <a:r>
+              <a:rPr lang="ru-RU" dirty="0" smtClean="0">
+                <a:solidFill>
+                  <a:schemeClr val="bg1"/>
+                </a:solidFill>
+              </a:rPr>
+              <a:t>ускоряет навигацию по коду за счет следующих команд:</a:t>
+            </a:r>
+            <a:r>
+              <a:rPr lang="en-US" dirty="0" smtClean="0">
+                <a:solidFill>
+                  <a:schemeClr val="bg1"/>
+                </a:solidFill>
+              </a:rPr>
+              <a:t> Go To Type, Go To File, Go To Symbol </a:t>
+            </a:r>
+            <a:r>
+              <a:rPr lang="ru-RU" dirty="0" smtClean="0">
+                <a:solidFill>
+                  <a:schemeClr val="bg1"/>
+                </a:solidFill>
+              </a:rPr>
+              <a:t>и других</a:t>
+            </a:r>
+          </a:p>
+          <a:p>
+            <a:pPr>
+              <a:buClr>
+                <a:schemeClr val="bg1"/>
+              </a:buClr>
+            </a:pPr>
+            <a:r>
+              <a:rPr lang="ru-RU" dirty="0" smtClean="0">
+                <a:solidFill>
+                  <a:schemeClr val="bg1"/>
+                </a:solidFill>
+              </a:rPr>
+              <a:t>Если искомые имена используют </a:t>
+            </a:r>
+            <a:r>
+              <a:rPr lang="en-US" dirty="0" err="1" smtClean="0">
+                <a:solidFill>
+                  <a:schemeClr val="bg1"/>
+                </a:solidFill>
+              </a:rPr>
+              <a:t>CamelCase</a:t>
+            </a:r>
+            <a:r>
+              <a:rPr lang="ru-RU" dirty="0" smtClean="0">
+                <a:solidFill>
+                  <a:schemeClr val="bg1"/>
+                </a:solidFill>
+              </a:rPr>
+              <a:t>,</a:t>
+            </a:r>
+            <a:r>
+              <a:rPr lang="en-US" dirty="0" smtClean="0">
+                <a:solidFill>
+                  <a:schemeClr val="bg1"/>
+                </a:solidFill>
+              </a:rPr>
+              <a:t> </a:t>
+            </a:r>
+            <a:r>
+              <a:rPr lang="ru-RU" dirty="0" smtClean="0">
+                <a:solidFill>
+                  <a:schemeClr val="bg1"/>
+                </a:solidFill>
+              </a:rPr>
+              <a:t>то в окне поиска символов можно вводить только первые буквы из каждого слова</a:t>
+            </a:r>
+            <a:endParaRPr lang="en-US" dirty="0" smtClean="0">
+              <a:solidFill>
+                <a:schemeClr val="bg1"/>
+              </a:solidFill>
+            </a:endParaRPr>
+          </a:p>
+          <a:p>
+            <a:pPr>
+              <a:buClr>
+                <a:schemeClr val="bg1"/>
+              </a:buClr>
+            </a:pPr>
+            <a:r>
+              <a:rPr lang="ru-RU" dirty="0" smtClean="0">
+                <a:solidFill>
+                  <a:schemeClr val="bg1"/>
+                </a:solidFill>
+              </a:rPr>
+              <a:t>См. также меню </a:t>
+            </a:r>
+            <a:r>
+              <a:rPr lang="en-US" dirty="0" err="1" smtClean="0">
+                <a:solidFill>
+                  <a:schemeClr val="bg1"/>
+                </a:solidFill>
+              </a:rPr>
+              <a:t>Resharper</a:t>
+            </a:r>
+            <a:r>
+              <a:rPr lang="en-US" dirty="0" smtClean="0">
+                <a:solidFill>
+                  <a:schemeClr val="bg1"/>
+                </a:solidFill>
+              </a:rPr>
+              <a:t> -&gt; Navigate</a:t>
+            </a:r>
+            <a:endParaRPr lang="en-US" dirty="0">
+              <a:solidFill>
+                <a:schemeClr val="bg1"/>
+              </a:solidFill>
+            </a:endParaRPr>
+          </a:p>
+        </p:txBody>
+      </p:sp>
+    </p:spTree>
+    <p:extLst>
+      <p:ext uri="{BB962C8B-B14F-4D97-AF65-F5344CB8AC3E}">
+        <p14:creationId xmlns:p14="http://schemas.microsoft.com/office/powerpoint/2010/main" val="1382214877"/>
+      </p:ext>
+    </p:extLst>
+  </p:cSld>
+  <p:clrMapOvr>
+    <a:overrideClrMapping bg1="lt1" tx1="dk1" bg2="lt2" tx2="dk2" accent1="accent1" accent2="accent2" accent3="accent3" accent4="accent4" accent5="accent5" accent6="accent6" hlink="hlink" folHlink="folHlink"/>
+  </p:clrMapOvr>
+  <p:timing>
+    <p:tnLst>
+      <p:par>
+        <p:cTn id="1" dur="indefinite" restart="never" nodeType="tmRoot"/>
+      </p:par>
+    </p:tnLst>
+  </p:timing>
+</p:sld>
+</file>
+
+<file path=ppt/slides/slide31.xml><?xml version="1.0" encoding="utf-8"?>
+<p:sld xmlns:a="http://schemas.openxmlformats.org/drawingml/2006/main" xmlns:r="http://schemas.openxmlformats.org/officeDocument/2006/relationships" xmlns:p="http://schemas.openxmlformats.org/presentationml/2006/main">
+  <p:cSld>
+    <p:spTree>
+      <p:nvGrpSpPr>
+        <p:cNvPr id="1" name=""/>
+        <p:cNvGrpSpPr/>
+        <p:nvPr/>
+      </p:nvGrpSpPr>
+      <p:grpSpPr>
+        <a:xfrm>
+          <a:off x="0" y="0"/>
+          <a:ext cx="0" cy="0"/>
+          <a:chOff x="0" y="0"/>
+          <a:chExt cx="0" cy="0"/>
+        </a:xfrm>
+      </p:grpSpPr>
+      <p:sp>
+        <p:nvSpPr>
+          <p:cNvPr id="2" name="Title 1"/>
+          <p:cNvSpPr>
+            <a:spLocks noGrp="1"/>
+          </p:cNvSpPr>
+          <p:nvPr>
+            <p:ph type="title"/>
+          </p:nvPr>
+        </p:nvSpPr>
+        <p:spPr/>
+        <p:txBody>
+          <a:bodyPr/>
+          <a:lstStyle/>
+          <a:p>
+            <a:r>
+              <a:rPr lang="ru-RU" dirty="0" smtClean="0"/>
+              <a:t>Редактор</a:t>
+            </a:r>
+            <a:r>
+              <a:rPr lang="en-US" dirty="0" smtClean="0"/>
+              <a:t>: Code Snippets</a:t>
+            </a:r>
+            <a:endParaRPr lang="en-US" dirty="0"/>
+          </a:p>
+        </p:txBody>
+      </p:sp>
+      <p:sp>
+        <p:nvSpPr>
+          <p:cNvPr id="3" name="Content Placeholder 2"/>
+          <p:cNvSpPr>
+            <a:spLocks noGrp="1"/>
+          </p:cNvSpPr>
+          <p:nvPr>
+            <p:ph idx="1"/>
+          </p:nvPr>
+        </p:nvSpPr>
+        <p:spPr/>
+        <p:txBody>
+          <a:bodyPr>
+            <a:normAutofit fontScale="85000" lnSpcReduction="20000"/>
+          </a:bodyPr>
+          <a:lstStyle/>
+          <a:p>
+            <a:pPr marL="0" indent="0">
+              <a:spcAft>
+                <a:spcPts val="600"/>
+              </a:spcAft>
+              <a:buClr>
+                <a:schemeClr val="bg1"/>
+              </a:buClr>
+              <a:buNone/>
+            </a:pPr>
+            <a:r>
+              <a:rPr lang="en-US" dirty="0" smtClean="0">
+                <a:solidFill>
+                  <a:schemeClr val="bg1"/>
+                </a:solidFill>
+              </a:rPr>
+              <a:t>“Code Snippets” </a:t>
+            </a:r>
+            <a:r>
+              <a:rPr lang="ru-RU" dirty="0" smtClean="0">
+                <a:solidFill>
+                  <a:schemeClr val="bg1"/>
+                </a:solidFill>
+              </a:rPr>
+              <a:t>это короткие шаблоны кода на различных языках программирования.</a:t>
+            </a:r>
+          </a:p>
+          <a:p>
+            <a:pPr marL="0" indent="0">
+              <a:spcAft>
+                <a:spcPts val="600"/>
+              </a:spcAft>
+              <a:buClr>
+                <a:schemeClr val="bg1"/>
+              </a:buClr>
+              <a:buNone/>
+            </a:pPr>
+            <a:r>
+              <a:rPr lang="ru-RU" dirty="0" smtClean="0">
+                <a:solidFill>
+                  <a:schemeClr val="bg1"/>
+                </a:solidFill>
+              </a:rPr>
+              <a:t>Шаблону может быть назначена короткая комбинация (</a:t>
+            </a:r>
+            <a:r>
+              <a:rPr lang="en-US" dirty="0" smtClean="0">
+                <a:solidFill>
+                  <a:schemeClr val="bg1"/>
+                </a:solidFill>
+              </a:rPr>
+              <a:t>shortcut</a:t>
+            </a:r>
+            <a:r>
+              <a:rPr lang="ru-RU" dirty="0" smtClean="0">
+                <a:solidFill>
+                  <a:schemeClr val="bg1"/>
+                </a:solidFill>
+              </a:rPr>
+              <a:t>) для быстрой вставки. Набрав</a:t>
+            </a:r>
+            <a:r>
+              <a:rPr lang="en-US" dirty="0">
+                <a:solidFill>
+                  <a:schemeClr val="bg1"/>
+                </a:solidFill>
+              </a:rPr>
+              <a:t> </a:t>
+            </a:r>
+            <a:r>
+              <a:rPr lang="en-US" dirty="0" smtClean="0">
+                <a:solidFill>
+                  <a:schemeClr val="bg1"/>
+                </a:solidFill>
+              </a:rPr>
+              <a:t>shortcut </a:t>
+            </a:r>
+            <a:r>
+              <a:rPr lang="ru-RU" dirty="0" smtClean="0">
+                <a:solidFill>
+                  <a:schemeClr val="bg1"/>
+                </a:solidFill>
+              </a:rPr>
+              <a:t>и нажав </a:t>
+            </a:r>
+            <a:r>
+              <a:rPr lang="en-US" dirty="0" smtClean="0">
+                <a:solidFill>
+                  <a:srgbClr val="F6AE1E"/>
+                </a:solidFill>
+              </a:rPr>
+              <a:t>Tab</a:t>
+            </a:r>
+            <a:r>
+              <a:rPr lang="en-US" dirty="0" smtClean="0">
+                <a:solidFill>
+                  <a:schemeClr val="bg1"/>
+                </a:solidFill>
+              </a:rPr>
+              <a:t> </a:t>
+            </a:r>
+            <a:r>
+              <a:rPr lang="ru-RU" dirty="0">
+                <a:solidFill>
+                  <a:schemeClr val="bg1"/>
+                </a:solidFill>
+              </a:rPr>
+              <a:t>мы </a:t>
+            </a:r>
+            <a:r>
+              <a:rPr lang="ru-RU" dirty="0" smtClean="0">
+                <a:solidFill>
+                  <a:schemeClr val="bg1"/>
+                </a:solidFill>
+              </a:rPr>
+              <a:t>получим текст шаблона в месте где был </a:t>
+            </a:r>
+            <a:r>
+              <a:rPr lang="en-US" dirty="0" smtClean="0">
+                <a:solidFill>
+                  <a:schemeClr val="bg1"/>
+                </a:solidFill>
+              </a:rPr>
+              <a:t>shortcut.</a:t>
+            </a:r>
+            <a:endParaRPr lang="ru-RU" dirty="0" smtClean="0">
+              <a:solidFill>
+                <a:schemeClr val="bg1"/>
+              </a:solidFill>
+            </a:endParaRPr>
+          </a:p>
+          <a:p>
+            <a:pPr marL="0" indent="0">
+              <a:spcAft>
+                <a:spcPts val="600"/>
+              </a:spcAft>
+              <a:buClr>
+                <a:schemeClr val="bg1"/>
+              </a:buClr>
+              <a:buNone/>
+            </a:pPr>
+            <a:r>
+              <a:rPr lang="ru-RU" dirty="0" smtClean="0">
+                <a:solidFill>
+                  <a:schemeClr val="bg1"/>
+                </a:solidFill>
+              </a:rPr>
+              <a:t>Настройка производится через меню </a:t>
+            </a:r>
+            <a:r>
+              <a:rPr lang="en-US" dirty="0" smtClean="0">
+                <a:solidFill>
+                  <a:schemeClr val="bg1"/>
+                </a:solidFill>
+              </a:rPr>
+              <a:t>Tools -&gt; Code Snippets Manager.</a:t>
+            </a:r>
+            <a:endParaRPr lang="ru-RU" dirty="0" smtClean="0">
+              <a:solidFill>
+                <a:schemeClr val="bg1"/>
+              </a:solidFill>
+            </a:endParaRPr>
+          </a:p>
+          <a:p>
+            <a:pPr marL="0" indent="0">
+              <a:spcAft>
+                <a:spcPts val="600"/>
+              </a:spcAft>
+              <a:buClr>
+                <a:schemeClr val="bg1"/>
+              </a:buClr>
+              <a:buNone/>
+            </a:pPr>
+            <a:endParaRPr lang="ru-RU" dirty="0" smtClean="0">
+              <a:solidFill>
+                <a:schemeClr val="bg1"/>
+              </a:solidFill>
+            </a:endParaRPr>
+          </a:p>
+          <a:p>
+            <a:pPr marL="0" indent="0">
+              <a:spcAft>
+                <a:spcPts val="600"/>
+              </a:spcAft>
+              <a:buClr>
+                <a:schemeClr val="bg1"/>
+              </a:buClr>
+              <a:buNone/>
+            </a:pPr>
+            <a:r>
+              <a:rPr lang="en-US" dirty="0" err="1" smtClean="0">
+                <a:solidFill>
+                  <a:srgbClr val="F6AE1E"/>
+                </a:solidFill>
+              </a:rPr>
+              <a:t>Ctrl+K+X</a:t>
+            </a:r>
+            <a:r>
+              <a:rPr lang="en-US" dirty="0" smtClean="0">
+                <a:solidFill>
+                  <a:schemeClr val="bg1"/>
+                </a:solidFill>
+              </a:rPr>
+              <a:t> </a:t>
+            </a:r>
+            <a:r>
+              <a:rPr lang="ru-RU" dirty="0" smtClean="0">
+                <a:solidFill>
+                  <a:schemeClr val="bg1"/>
+                </a:solidFill>
+              </a:rPr>
+              <a:t>показывает список сниппетов прямо в редакторе.</a:t>
+            </a:r>
+          </a:p>
+          <a:p>
+            <a:pPr marL="0" indent="0">
+              <a:buClr>
+                <a:schemeClr val="bg1"/>
+              </a:buClr>
+              <a:buNone/>
+            </a:pPr>
+            <a:endParaRPr lang="en-US" dirty="0">
+              <a:solidFill>
+                <a:schemeClr val="bg1"/>
+              </a:solidFill>
+            </a:endParaRPr>
+          </a:p>
+        </p:txBody>
+      </p:sp>
+    </p:spTree>
+    <p:extLst>
+      <p:ext uri="{BB962C8B-B14F-4D97-AF65-F5344CB8AC3E}">
+        <p14:creationId xmlns:p14="http://schemas.microsoft.com/office/powerpoint/2010/main" val="3245183492"/>
+      </p:ext>
+    </p:extLst>
+  </p:cSld>
+  <p:clrMapOvr>
+    <a:masterClrMapping/>
+  </p:clrMapOvr>
+  <p:timing>
+    <p:tnLst>
+      <p:par>
+        <p:cTn id="1" dur="indefinite" restart="never" nodeType="tmRoot"/>
+      </p:par>
+    </p:tnLst>
+  </p:timing>
+</p:sld>
+</file>
+
+<file path=ppt/slides/slide32.xml><?xml version="1.0" encoding="utf-8"?>
+<p:sld xmlns:a="http://schemas.openxmlformats.org/drawingml/2006/main" xmlns:r="http://schemas.openxmlformats.org/officeDocument/2006/relationships" xmlns:p="http://schemas.openxmlformats.org/presentationml/2006/main">
+  <p:cSld>
+    <p:spTree>
+      <p:nvGrpSpPr>
+        <p:cNvPr id="1" name=""/>
+        <p:cNvGrpSpPr/>
+        <p:nvPr/>
+      </p:nvGrpSpPr>
+      <p:grpSpPr>
+        <a:xfrm>
+          <a:off x="0" y="0"/>
+          <a:ext cx="0" cy="0"/>
+          <a:chOff x="0" y="0"/>
+          <a:chExt cx="0" cy="0"/>
+        </a:xfrm>
+      </p:grpSpPr>
+      <p:sp>
+        <p:nvSpPr>
+          <p:cNvPr id="2" name="Title 1"/>
+          <p:cNvSpPr>
+            <a:spLocks noGrp="1"/>
+          </p:cNvSpPr>
+          <p:nvPr>
+            <p:ph type="title"/>
+          </p:nvPr>
+        </p:nvSpPr>
+        <p:spPr/>
+        <p:txBody>
+          <a:bodyPr/>
+          <a:lstStyle/>
+          <a:p>
+            <a:r>
+              <a:rPr lang="ru-RU" dirty="0" smtClean="0"/>
+              <a:t>Стандартные сниппеты</a:t>
+            </a:r>
+            <a:r>
+              <a:rPr lang="en-US" dirty="0" smtClean="0"/>
+              <a:t> </a:t>
+            </a:r>
+            <a:r>
+              <a:rPr lang="en-US" dirty="0" smtClean="0"/>
+              <a:t>(C#)</a:t>
             </a:r>
             <a:endParaRPr lang="en-US" dirty="0"/>
           </a:p>
@@ -11339,655 +12065,6 @@
 </p:sld>
 </file>
 
-<file path=ppt/slides/slide3.xml><?xml version="1.0" encoding="utf-8"?>
-<p:sld xmlns:a="http://schemas.openxmlformats.org/drawingml/2006/main" xmlns:r="http://schemas.openxmlformats.org/officeDocument/2006/relationships" xmlns:p="http://schemas.openxmlformats.org/presentationml/2006/main">
-  <p:cSld>
-    <p:spTree>
-      <p:nvGrpSpPr>
-        <p:cNvPr id="1" name=""/>
-        <p:cNvGrpSpPr/>
-        <p:nvPr/>
-      </p:nvGrpSpPr>
-      <p:grpSpPr>
-        <a:xfrm>
-          <a:off x="0" y="0"/>
-          <a:ext cx="0" cy="0"/>
-          <a:chOff x="0" y="0"/>
-          <a:chExt cx="0" cy="0"/>
-        </a:xfrm>
-      </p:grpSpPr>
-      <p:sp>
-        <p:nvSpPr>
-          <p:cNvPr id="2" name="Title 1"/>
-          <p:cNvSpPr>
-            <a:spLocks noGrp="1"/>
-          </p:cNvSpPr>
-          <p:nvPr>
-            <p:ph type="title"/>
-          </p:nvPr>
-        </p:nvSpPr>
-        <p:spPr/>
-        <p:txBody>
-          <a:bodyPr/>
-          <a:lstStyle/>
-          <a:p>
-            <a:r>
-              <a:rPr lang="ru-RU" dirty="0" smtClean="0"/>
-              <a:t>Ссылки</a:t>
-            </a:r>
-            <a:endParaRPr lang="ru-RU" dirty="0"/>
-          </a:p>
-        </p:txBody>
-      </p:sp>
-      <p:sp>
-        <p:nvSpPr>
-          <p:cNvPr id="3" name="Content Placeholder 2"/>
-          <p:cNvSpPr>
-            <a:spLocks noGrp="1"/>
-          </p:cNvSpPr>
-          <p:nvPr>
-            <p:ph idx="1"/>
-          </p:nvPr>
-        </p:nvSpPr>
-        <p:spPr/>
-        <p:txBody>
-          <a:bodyPr/>
-          <a:lstStyle/>
-          <a:p>
-            <a:r>
-              <a:rPr lang="ru-RU" dirty="0" smtClean="0"/>
-              <a:t>Официальная страница</a:t>
-            </a:r>
-            <a:br>
-              <a:rPr lang="ru-RU" dirty="0" smtClean="0"/>
-            </a:br>
-            <a:r>
-              <a:rPr lang="en-US" dirty="0" smtClean="0">
-                <a:hlinkClick r:id="rId2"/>
-              </a:rPr>
-              <a:t>http://msdn.microsoft.com/visualstudio</a:t>
-            </a:r>
-            <a:endParaRPr lang="ru-RU" dirty="0" smtClean="0"/>
-          </a:p>
-          <a:p>
-            <a:r>
-              <a:rPr lang="ru-RU" dirty="0" smtClean="0"/>
-              <a:t>Расширения</a:t>
-            </a:r>
-            <a:br>
-              <a:rPr lang="ru-RU" dirty="0" smtClean="0"/>
-            </a:br>
-            <a:r>
-              <a:rPr lang="en-US" dirty="0" smtClean="0">
-                <a:hlinkClick r:id="rId3"/>
-              </a:rPr>
-              <a:t>http://visualstudiogallery.msdn.microsoft.com</a:t>
-            </a:r>
-            <a:endParaRPr lang="ru-RU" dirty="0" smtClean="0"/>
-          </a:p>
-          <a:p>
-            <a:r>
-              <a:rPr lang="ru-RU" dirty="0" smtClean="0"/>
-              <a:t>Предложения по улучшению</a:t>
-            </a:r>
-            <a:br>
-              <a:rPr lang="ru-RU" dirty="0" smtClean="0"/>
-            </a:br>
-            <a:r>
-              <a:rPr lang="en-US" dirty="0" smtClean="0">
-                <a:hlinkClick r:id="rId4"/>
-              </a:rPr>
-              <a:t>http://visualstudio.uservoice.com</a:t>
-            </a:r>
-            <a:endParaRPr lang="ru-RU" dirty="0" smtClean="0"/>
-          </a:p>
-          <a:p>
-            <a:endParaRPr lang="ru-RU" dirty="0" smtClean="0"/>
-          </a:p>
-          <a:p>
-            <a:endParaRPr lang="ru-RU" dirty="0"/>
-          </a:p>
-        </p:txBody>
-      </p:sp>
-    </p:spTree>
-    <p:extLst>
-      <p:ext uri="{BB962C8B-B14F-4D97-AF65-F5344CB8AC3E}">
-        <p14:creationId xmlns:p14="http://schemas.microsoft.com/office/powerpoint/2010/main" val="1256543289"/>
-      </p:ext>
-    </p:extLst>
-  </p:cSld>
-  <p:clrMapOvr>
-    <a:masterClrMapping/>
-  </p:clrMapOvr>
-  <p:timing>
-    <p:tnLst>
-      <p:par>
-        <p:cTn id="1" dur="indefinite" restart="never" nodeType="tmRoot"/>
-      </p:par>
-    </p:tnLst>
-  </p:timing>
-</p:sld>
-</file>
-
-<file path=ppt/slides/slide30.xml><?xml version="1.0" encoding="utf-8"?>
-<p:sld xmlns:a="http://schemas.openxmlformats.org/drawingml/2006/main" xmlns:r="http://schemas.openxmlformats.org/officeDocument/2006/relationships" xmlns:p="http://schemas.openxmlformats.org/presentationml/2006/main">
-  <p:cSld>
-    <p:spTree>
-      <p:nvGrpSpPr>
-        <p:cNvPr id="1" name=""/>
-        <p:cNvGrpSpPr/>
-        <p:nvPr/>
-      </p:nvGrpSpPr>
-      <p:grpSpPr>
-        <a:xfrm>
-          <a:off x="0" y="0"/>
-          <a:ext cx="0" cy="0"/>
-          <a:chOff x="0" y="0"/>
-          <a:chExt cx="0" cy="0"/>
-        </a:xfrm>
-      </p:grpSpPr>
-      <p:sp>
-        <p:nvSpPr>
-          <p:cNvPr id="2" name="Title 1"/>
-          <p:cNvSpPr>
-            <a:spLocks noGrp="1"/>
-          </p:cNvSpPr>
-          <p:nvPr>
-            <p:ph type="title"/>
-          </p:nvPr>
-        </p:nvSpPr>
-        <p:spPr/>
-        <p:txBody>
-          <a:bodyPr/>
-          <a:lstStyle/>
-          <a:p>
-            <a:r>
-              <a:rPr lang="ru-RU" dirty="0" smtClean="0"/>
-              <a:t>Код внутри </a:t>
-            </a:r>
-            <a:r>
-              <a:rPr lang="en-US" dirty="0" smtClean="0"/>
-              <a:t>Toolbox</a:t>
-            </a:r>
-            <a:endParaRPr lang="ru-RU" dirty="0"/>
-          </a:p>
-        </p:txBody>
-      </p:sp>
-      <p:sp>
-        <p:nvSpPr>
-          <p:cNvPr id="3" name="Content Placeholder 2"/>
-          <p:cNvSpPr>
-            <a:spLocks noGrp="1"/>
-          </p:cNvSpPr>
-          <p:nvPr>
-            <p:ph idx="1"/>
-          </p:nvPr>
-        </p:nvSpPr>
-        <p:spPr/>
-        <p:txBody>
-          <a:bodyPr/>
-          <a:lstStyle/>
-          <a:p>
-            <a:pPr marL="0" indent="0">
-              <a:buNone/>
-            </a:pPr>
-            <a:r>
-              <a:rPr lang="ru-RU" dirty="0" smtClean="0"/>
-              <a:t>В </a:t>
-            </a:r>
-            <a:r>
-              <a:rPr lang="en-US" dirty="0" smtClean="0"/>
-              <a:t>Toolbox </a:t>
-            </a:r>
-            <a:r>
-              <a:rPr lang="ru-RU" dirty="0" smtClean="0"/>
-              <a:t>можно перетаскивать куски кода, давать им имена, организовывать в папки </a:t>
-            </a:r>
-            <a:r>
-              <a:rPr lang="en-US" dirty="0" smtClean="0"/>
-              <a:t>(Add new tab) </a:t>
-            </a:r>
-            <a:r>
-              <a:rPr lang="ru-RU" dirty="0" smtClean="0"/>
-              <a:t>чтобы позже вставлять с помощью </a:t>
-            </a:r>
-            <a:r>
-              <a:rPr lang="en-US" dirty="0" smtClean="0"/>
-              <a:t>drag-n-drop </a:t>
-            </a:r>
-            <a:r>
-              <a:rPr lang="ru-RU" dirty="0" smtClean="0"/>
-              <a:t>в редактор.</a:t>
-            </a:r>
-            <a:endParaRPr lang="ru-RU" dirty="0"/>
-          </a:p>
-        </p:txBody>
-      </p:sp>
-    </p:spTree>
-    <p:extLst>
-      <p:ext uri="{BB962C8B-B14F-4D97-AF65-F5344CB8AC3E}">
-        <p14:creationId xmlns:p14="http://schemas.microsoft.com/office/powerpoint/2010/main" val="2572925695"/>
-      </p:ext>
-    </p:extLst>
-  </p:cSld>
-  <p:clrMapOvr>
-    <a:masterClrMapping/>
-  </p:clrMapOvr>
-</p:sld>
-</file>
-
-<file path=ppt/slides/slide31.xml><?xml version="1.0" encoding="utf-8"?>
-<p:sld xmlns:a="http://schemas.openxmlformats.org/drawingml/2006/main" xmlns:r="http://schemas.openxmlformats.org/officeDocument/2006/relationships" xmlns:p="http://schemas.openxmlformats.org/presentationml/2006/main">
-  <p:cSld>
-    <p:bg>
-      <p:bgPr>
-        <a:blipFill dpi="0" rotWithShape="1">
-          <a:blip r:embed="rId3">
-            <a:lum/>
-          </a:blip>
-          <a:srcRect/>
-          <a:stretch>
-            <a:fillRect/>
-          </a:stretch>
-        </a:blipFill>
-        <a:effectLst/>
-      </p:bgPr>
-    </p:bg>
-    <p:spTree>
-      <p:nvGrpSpPr>
-        <p:cNvPr id="1" name=""/>
-        <p:cNvGrpSpPr/>
-        <p:nvPr/>
-      </p:nvGrpSpPr>
-      <p:grpSpPr>
-        <a:xfrm>
-          <a:off x="0" y="0"/>
-          <a:ext cx="0" cy="0"/>
-          <a:chOff x="0" y="0"/>
-          <a:chExt cx="0" cy="0"/>
-        </a:xfrm>
-      </p:grpSpPr>
-      <p:sp>
-        <p:nvSpPr>
-          <p:cNvPr id="2" name="Title 1"/>
-          <p:cNvSpPr>
-            <a:spLocks noGrp="1"/>
-          </p:cNvSpPr>
-          <p:nvPr>
-            <p:ph type="title"/>
-          </p:nvPr>
-        </p:nvSpPr>
-        <p:spPr/>
-        <p:txBody>
-          <a:bodyPr/>
-          <a:lstStyle/>
-          <a:p>
-            <a:r>
-              <a:rPr lang="ru-RU" dirty="0" smtClean="0"/>
-              <a:t>Окна: </a:t>
-            </a:r>
-            <a:r>
-              <a:rPr lang="en-US" dirty="0" smtClean="0"/>
-              <a:t>Bookmarks</a:t>
-            </a:r>
-            <a:endParaRPr lang="en-US" dirty="0"/>
-          </a:p>
-        </p:txBody>
-      </p:sp>
-      <p:sp>
-        <p:nvSpPr>
-          <p:cNvPr id="3" name="Content Placeholder 2"/>
-          <p:cNvSpPr>
-            <a:spLocks noGrp="1"/>
-          </p:cNvSpPr>
-          <p:nvPr>
-            <p:ph idx="1"/>
-          </p:nvPr>
-        </p:nvSpPr>
-        <p:spPr/>
-        <p:txBody>
-          <a:bodyPr>
-            <a:normAutofit/>
-          </a:bodyPr>
-          <a:lstStyle/>
-          <a:p>
-            <a:pPr>
-              <a:buClr>
-                <a:schemeClr val="bg1"/>
-              </a:buClr>
-            </a:pPr>
-            <a:r>
-              <a:rPr lang="ru-RU" dirty="0">
-                <a:solidFill>
-                  <a:schemeClr val="bg1"/>
-                </a:solidFill>
-              </a:rPr>
-              <a:t>Закладки в текстовых файлах</a:t>
-            </a:r>
-            <a:endParaRPr lang="en-US" dirty="0" smtClean="0">
-              <a:solidFill>
-                <a:schemeClr val="bg1"/>
-              </a:solidFill>
-            </a:endParaRPr>
-          </a:p>
-          <a:p>
-            <a:pPr>
-              <a:buClr>
-                <a:schemeClr val="bg1"/>
-              </a:buClr>
-            </a:pPr>
-            <a:r>
-              <a:rPr lang="ru-RU" dirty="0" smtClean="0">
-                <a:solidFill>
-                  <a:schemeClr val="bg1"/>
-                </a:solidFill>
-              </a:rPr>
-              <a:t>Команды меню </a:t>
-            </a:r>
-            <a:r>
-              <a:rPr lang="en-US" dirty="0" smtClean="0">
-                <a:solidFill>
-                  <a:schemeClr val="bg1"/>
-                </a:solidFill>
-              </a:rPr>
-              <a:t>View -&gt; Bookmark Window</a:t>
-            </a:r>
-            <a:r>
-              <a:rPr lang="ru-RU" dirty="0" smtClean="0">
-                <a:solidFill>
-                  <a:schemeClr val="bg1"/>
-                </a:solidFill>
-              </a:rPr>
-              <a:t> и </a:t>
-            </a:r>
-            <a:r>
-              <a:rPr lang="en-US" dirty="0" smtClean="0">
-                <a:solidFill>
-                  <a:schemeClr val="bg1"/>
-                </a:solidFill>
-              </a:rPr>
-              <a:t>Edit -&gt; Bookmarks.</a:t>
-            </a:r>
-          </a:p>
-          <a:p>
-            <a:pPr>
-              <a:buClr>
-                <a:schemeClr val="bg1"/>
-              </a:buClr>
-            </a:pPr>
-            <a:endParaRPr lang="ru-RU" dirty="0" smtClean="0">
-              <a:solidFill>
-                <a:schemeClr val="bg1"/>
-              </a:solidFill>
-            </a:endParaRPr>
-          </a:p>
-          <a:p>
-            <a:pPr>
-              <a:buClr>
-                <a:schemeClr val="bg1"/>
-              </a:buClr>
-            </a:pPr>
-            <a:endParaRPr lang="ru-RU" dirty="0" smtClean="0">
-              <a:solidFill>
-                <a:schemeClr val="bg1"/>
-              </a:solidFill>
-            </a:endParaRPr>
-          </a:p>
-          <a:p>
-            <a:pPr>
-              <a:buClr>
-                <a:schemeClr val="bg1"/>
-              </a:buClr>
-            </a:pPr>
-            <a:endParaRPr lang="ru-RU" dirty="0" smtClean="0">
-              <a:solidFill>
-                <a:schemeClr val="bg1"/>
-              </a:solidFill>
-            </a:endParaRPr>
-          </a:p>
-          <a:p>
-            <a:pPr marL="0" indent="0">
-              <a:buClr>
-                <a:schemeClr val="bg1"/>
-              </a:buClr>
-              <a:buNone/>
-            </a:pPr>
-            <a:endParaRPr lang="en-US" dirty="0">
-              <a:solidFill>
-                <a:schemeClr val="bg1"/>
-              </a:solidFill>
-            </a:endParaRPr>
-          </a:p>
-        </p:txBody>
-      </p:sp>
-    </p:spTree>
-    <p:extLst>
-      <p:ext uri="{BB962C8B-B14F-4D97-AF65-F5344CB8AC3E}">
-        <p14:creationId xmlns:p14="http://schemas.microsoft.com/office/powerpoint/2010/main" val="3985499755"/>
-      </p:ext>
-    </p:extLst>
-  </p:cSld>
-  <p:clrMapOvr>
-    <a:overrideClrMapping bg1="lt1" tx1="dk1" bg2="lt2" tx2="dk2" accent1="accent1" accent2="accent2" accent3="accent3" accent4="accent4" accent5="accent5" accent6="accent6" hlink="hlink" folHlink="folHlink"/>
-  </p:clrMapOvr>
-</p:sld>
-</file>
-
-<file path=ppt/slides/slide32.xml><?xml version="1.0" encoding="utf-8"?>
-<p:sld xmlns:a="http://schemas.openxmlformats.org/drawingml/2006/main" xmlns:r="http://schemas.openxmlformats.org/officeDocument/2006/relationships" xmlns:p="http://schemas.openxmlformats.org/presentationml/2006/main">
-  <p:cSld>
-    <p:bg>
-      <p:bgPr>
-        <a:blipFill dpi="0" rotWithShape="1">
-          <a:blip r:embed="rId3">
-            <a:lum/>
-          </a:blip>
-          <a:srcRect/>
-          <a:stretch>
-            <a:fillRect/>
-          </a:stretch>
-        </a:blipFill>
-        <a:effectLst/>
-      </p:bgPr>
-    </p:bg>
-    <p:spTree>
-      <p:nvGrpSpPr>
-        <p:cNvPr id="1" name=""/>
-        <p:cNvGrpSpPr/>
-        <p:nvPr/>
-      </p:nvGrpSpPr>
-      <p:grpSpPr>
-        <a:xfrm>
-          <a:off x="0" y="0"/>
-          <a:ext cx="0" cy="0"/>
-          <a:chOff x="0" y="0"/>
-          <a:chExt cx="0" cy="0"/>
-        </a:xfrm>
-      </p:grpSpPr>
-      <p:sp>
-        <p:nvSpPr>
-          <p:cNvPr id="2" name="Title 1"/>
-          <p:cNvSpPr>
-            <a:spLocks noGrp="1"/>
-          </p:cNvSpPr>
-          <p:nvPr>
-            <p:ph type="title"/>
-          </p:nvPr>
-        </p:nvSpPr>
-        <p:spPr/>
-        <p:txBody>
-          <a:bodyPr/>
-          <a:lstStyle/>
-          <a:p>
-            <a:r>
-              <a:rPr lang="ru-RU" dirty="0" smtClean="0"/>
-              <a:t>Окна: </a:t>
-            </a:r>
-            <a:r>
-              <a:rPr lang="en-US" dirty="0" smtClean="0"/>
-              <a:t>Task List</a:t>
-            </a:r>
-            <a:endParaRPr lang="en-US" dirty="0"/>
-          </a:p>
-        </p:txBody>
-      </p:sp>
-      <p:sp>
-        <p:nvSpPr>
-          <p:cNvPr id="3" name="Content Placeholder 2"/>
-          <p:cNvSpPr>
-            <a:spLocks noGrp="1"/>
-          </p:cNvSpPr>
-          <p:nvPr>
-            <p:ph idx="1"/>
-          </p:nvPr>
-        </p:nvSpPr>
-        <p:spPr/>
-        <p:txBody>
-          <a:bodyPr>
-            <a:normAutofit/>
-          </a:bodyPr>
-          <a:lstStyle/>
-          <a:p>
-            <a:pPr>
-              <a:buClr>
-                <a:schemeClr val="bg1"/>
-              </a:buClr>
-            </a:pPr>
-            <a:r>
-              <a:rPr lang="ru-RU" dirty="0">
-                <a:solidFill>
-                  <a:schemeClr val="bg1"/>
-                </a:solidFill>
-              </a:rPr>
-              <a:t>Список можно использовать для хранения заметок по проекту</a:t>
-            </a:r>
-            <a:endParaRPr lang="en-US" dirty="0" smtClean="0">
-              <a:solidFill>
-                <a:schemeClr val="bg1"/>
-              </a:solidFill>
-            </a:endParaRPr>
-          </a:p>
-          <a:p>
-            <a:pPr>
-              <a:buClr>
-                <a:schemeClr val="bg1"/>
-              </a:buClr>
-            </a:pPr>
-            <a:r>
-              <a:rPr lang="ru-RU" dirty="0" smtClean="0">
-                <a:solidFill>
-                  <a:schemeClr val="bg1"/>
-                </a:solidFill>
-              </a:rPr>
-              <a:t>Команда меню </a:t>
-            </a:r>
-            <a:r>
-              <a:rPr lang="en-US" dirty="0" smtClean="0">
-                <a:solidFill>
-                  <a:schemeClr val="bg1"/>
-                </a:solidFill>
-              </a:rPr>
-              <a:t>View -&gt; </a:t>
-            </a:r>
-            <a:r>
-              <a:rPr lang="en-US" dirty="0">
-                <a:solidFill>
-                  <a:schemeClr val="bg1"/>
-                </a:solidFill>
-              </a:rPr>
-              <a:t>Task </a:t>
-            </a:r>
-            <a:r>
-              <a:rPr lang="en-US" dirty="0" smtClean="0">
-                <a:solidFill>
-                  <a:schemeClr val="bg1"/>
-                </a:solidFill>
-              </a:rPr>
-              <a:t>List.</a:t>
-            </a:r>
-          </a:p>
-          <a:p>
-            <a:pPr>
-              <a:buClr>
-                <a:schemeClr val="bg1"/>
-              </a:buClr>
-            </a:pPr>
-            <a:r>
-              <a:rPr lang="ru-RU" dirty="0" smtClean="0">
-                <a:solidFill>
-                  <a:schemeClr val="bg1"/>
-                </a:solidFill>
-              </a:rPr>
-              <a:t>Текст комментария написанный после </a:t>
-            </a:r>
-            <a:r>
-              <a:rPr lang="en-US" dirty="0" smtClean="0">
-                <a:solidFill>
-                  <a:schemeClr val="bg1"/>
-                </a:solidFill>
-              </a:rPr>
-              <a:t>TODO </a:t>
-            </a:r>
-            <a:r>
-              <a:rPr lang="ru-RU" dirty="0" smtClean="0">
-                <a:solidFill>
-                  <a:schemeClr val="bg1"/>
-                </a:solidFill>
-              </a:rPr>
-              <a:t>попадает в</a:t>
-            </a:r>
-            <a:r>
-              <a:rPr lang="en-US" dirty="0" smtClean="0">
-                <a:solidFill>
-                  <a:schemeClr val="bg1"/>
-                </a:solidFill>
-              </a:rPr>
-              <a:t> </a:t>
-            </a:r>
-            <a:r>
-              <a:rPr lang="ru-RU" dirty="0" smtClean="0">
-                <a:solidFill>
-                  <a:schemeClr val="bg1"/>
-                </a:solidFill>
-              </a:rPr>
-              <a:t>него автоматически</a:t>
-            </a:r>
-          </a:p>
-          <a:p>
-            <a:pPr marL="0" indent="0">
-              <a:buClr>
-                <a:schemeClr val="bg1"/>
-              </a:buClr>
-              <a:buNone/>
-            </a:pPr>
-            <a:endParaRPr lang="en-US" dirty="0">
-              <a:solidFill>
-                <a:schemeClr val="bg1"/>
-              </a:solidFill>
-            </a:endParaRPr>
-          </a:p>
-        </p:txBody>
-      </p:sp>
-    </p:spTree>
-    <p:extLst>
-      <p:ext uri="{BB962C8B-B14F-4D97-AF65-F5344CB8AC3E}">
-        <p14:creationId xmlns:p14="http://schemas.microsoft.com/office/powerpoint/2010/main" val="1384232909"/>
-      </p:ext>
-    </p:extLst>
-  </p:cSld>
-  <p:clrMapOvr>
-    <a:overrideClrMapping bg1="lt1" tx1="dk1" bg2="lt2" tx2="dk2" accent1="accent1" accent2="accent2" accent3="accent3" accent4="accent4" accent5="accent5" accent6="accent6" hlink="hlink" folHlink="folHlink"/>
-  </p:clrMapOvr>
-  <p:timing>
-    <p:tnLst>
-      <p:par>
-        <p:cTn id="1" dur="indefinite" restart="never" nodeType="tmRoot"/>
-      </p:par>
-    </p:tnLst>
-  </p:timing>
-</p:sld>
-</file>
-
 <file path=ppt/slides/slide33.xml><?xml version="1.0" encoding="utf-8"?>
 <p:sld xmlns:a="http://schemas.openxmlformats.org/drawingml/2006/main" xmlns:r="http://schemas.openxmlformats.org/officeDocument/2006/relationships" xmlns:p="http://schemas.openxmlformats.org/presentationml/2006/main">
   <p:cSld>
@@ -12022,9 +12099,13 @@
           <a:p>
             <a:r>
               <a:rPr lang="ru-RU" dirty="0" smtClean="0"/>
-              <a:t>Отладчик</a:t>
-            </a:r>
-            <a:endParaRPr lang="en-US" dirty="0"/>
+              <a:t>Код внутри </a:t>
+            </a:r>
+            <a:r>
+              <a:rPr lang="en-US" dirty="0" smtClean="0"/>
+              <a:t>Toolbox</a:t>
+            </a:r>
+            <a:endParaRPr lang="ru-RU" dirty="0"/>
           </a:p>
         </p:txBody>
       </p:sp>
@@ -12040,57 +12121,48 @@
         </p:nvSpPr>
         <p:spPr/>
         <p:txBody>
-          <a:bodyPr>
-            <a:normAutofit/>
-          </a:bodyPr>
+          <a:bodyPr/>
           <a:lstStyle/>
           <a:p>
-            <a:r>
-              <a:rPr lang="en-US" dirty="0" smtClean="0">
-                <a:solidFill>
-                  <a:srgbClr val="92D050"/>
-                </a:solidFill>
-              </a:rPr>
-              <a:t>[12]</a:t>
+            <a:pPr marL="0" indent="0">
+              <a:buNone/>
+            </a:pPr>
+            <a:r>
+              <a:rPr lang="ru-RU" dirty="0" smtClean="0"/>
+              <a:t>В </a:t>
             </a:r>
             <a:r>
               <a:rPr lang="en-US" dirty="0" smtClean="0"/>
-              <a:t> Shift + Alt + f11 step into specific</a:t>
-            </a:r>
-          </a:p>
-          <a:p>
+              <a:t>Toolbox </a:t>
+            </a:r>
+            <a:r>
+              <a:rPr lang="ru-RU" dirty="0" smtClean="0"/>
+              <a:t>можно перетаскивать куски кода, давать им имена, организовывать в папки </a:t>
+            </a:r>
             <a:r>
               <a:rPr lang="en-US" dirty="0" smtClean="0"/>
-              <a:t>Shift + </a:t>
-            </a:r>
-            <a:r>
-              <a:rPr lang="en-US" dirty="0"/>
-              <a:t>F11 </a:t>
+              <a:t>(Add new tab) </a:t>
+            </a:r>
+            <a:r>
+              <a:rPr lang="ru-RU" dirty="0" smtClean="0"/>
+              <a:t>чтобы позже вставлять с помощью </a:t>
             </a:r>
             <a:r>
               <a:rPr lang="en-US" dirty="0" smtClean="0"/>
-              <a:t>step out</a:t>
-            </a:r>
-          </a:p>
-          <a:p>
-            <a:r>
-              <a:rPr lang="en-US" dirty="0"/>
-              <a:t>Ctrl+F10 run </a:t>
-            </a:r>
-            <a:r>
-              <a:rPr lang="en-US" dirty="0" smtClean="0"/>
-              <a:t>to cursor</a:t>
-            </a:r>
-          </a:p>
-          <a:p>
-            <a:endParaRPr lang="en-US" dirty="0"/>
+              <a:t>drag-n-drop </a:t>
+            </a:r>
+            <a:r>
+              <a:rPr lang="ru-RU" dirty="0" smtClean="0"/>
+              <a:t>в редактор.</a:t>
+            </a:r>
+            <a:endParaRPr lang="ru-RU" dirty="0"/>
           </a:p>
         </p:txBody>
       </p:sp>
     </p:spTree>
     <p:extLst>
       <p:ext uri="{BB962C8B-B14F-4D97-AF65-F5344CB8AC3E}">
-        <p14:creationId xmlns:p14="http://schemas.microsoft.com/office/powerpoint/2010/main" val="1495295926"/>
+        <p14:creationId xmlns:p14="http://schemas.microsoft.com/office/powerpoint/2010/main" val="2572925695"/>
       </p:ext>
     </p:extLst>
   </p:cSld>
@@ -12143,123 +12215,33 @@
               <a:rPr lang="ru-RU" dirty="0" smtClean="0"/>
               <a:t>Отладчик</a:t>
             </a:r>
-            <a:r>
-              <a:rPr lang="en-US" dirty="0" smtClean="0"/>
-              <a:t>: data tips</a:t>
-            </a:r>
-            <a:endParaRPr lang="en-US" dirty="0"/>
-          </a:p>
-        </p:txBody>
-      </p:sp>
-      <p:sp>
-        <p:nvSpPr>
-          <p:cNvPr id="3" name="Content Placeholder 2"/>
+            <a:endParaRPr lang="ru-RU" dirty="0"/>
+          </a:p>
+        </p:txBody>
+      </p:sp>
+      <p:sp>
+        <p:nvSpPr>
+          <p:cNvPr id="3" name="Text Placeholder 2"/>
           <p:cNvSpPr>
             <a:spLocks noGrp="1"/>
           </p:cNvSpPr>
           <p:nvPr>
-            <p:ph idx="1"/>
+            <p:ph type="body" idx="1"/>
           </p:nvPr>
         </p:nvSpPr>
         <p:spPr/>
         <p:txBody>
-          <a:bodyPr>
-            <a:normAutofit lnSpcReduction="10000"/>
-          </a:bodyPr>
+          <a:bodyPr/>
           <a:lstStyle/>
           <a:p>
-            <a:r>
-              <a:rPr lang="ru-RU" dirty="0" smtClean="0"/>
-              <a:t>Нажмите и удерживайте </a:t>
-            </a:r>
-            <a:r>
-              <a:rPr lang="en-US" dirty="0" smtClean="0">
-                <a:solidFill>
-                  <a:srgbClr val="F6AE1E"/>
-                </a:solidFill>
-              </a:rPr>
-              <a:t>Ctrl</a:t>
-            </a:r>
-            <a:r>
-              <a:rPr lang="en-US" dirty="0" smtClean="0"/>
-              <a:t> </a:t>
-            </a:r>
-            <a:r>
-              <a:rPr lang="ru-RU" dirty="0" smtClean="0"/>
-              <a:t>чтобы сделать </a:t>
-            </a:r>
-            <a:r>
-              <a:rPr lang="en-US" dirty="0" smtClean="0"/>
-              <a:t>data tip </a:t>
-            </a:r>
-            <a:r>
-              <a:rPr lang="ru-RU" dirty="0" smtClean="0"/>
-              <a:t>прозрачным</a:t>
-            </a:r>
-          </a:p>
-          <a:p>
-            <a:r>
-              <a:rPr lang="en-US" dirty="0" smtClean="0"/>
-              <a:t>Data tip </a:t>
-            </a:r>
-            <a:r>
-              <a:rPr lang="ru-RU" dirty="0" smtClean="0"/>
-              <a:t>работают для комментариев</a:t>
-            </a:r>
-          </a:p>
-          <a:p>
-            <a:r>
-              <a:rPr lang="ru-RU" dirty="0" smtClean="0"/>
-              <a:t>Если прикрепить (</a:t>
-            </a:r>
-            <a:r>
-              <a:rPr lang="en-US" dirty="0" smtClean="0"/>
-              <a:t>pin) data tip, </a:t>
-            </a:r>
-            <a:r>
-              <a:rPr lang="ru-RU" dirty="0" smtClean="0"/>
-              <a:t>то её последнее значение можно будет просматривать и после завершения отладки</a:t>
-            </a:r>
-          </a:p>
-          <a:p>
-            <a:r>
-              <a:rPr lang="ru-RU" dirty="0"/>
-              <a:t>К </a:t>
-            </a:r>
-            <a:r>
-              <a:rPr lang="en-US" dirty="0"/>
-              <a:t>data tip </a:t>
-            </a:r>
-            <a:r>
-              <a:rPr lang="ru-RU" dirty="0"/>
-              <a:t>можно </a:t>
-            </a:r>
-            <a:r>
-              <a:rPr lang="ru-RU" dirty="0" smtClean="0"/>
-              <a:t>написать комментарий. Для этого нажмите символ </a:t>
-            </a:r>
-            <a:r>
-              <a:rPr lang="ru-RU" b="1" dirty="0" smtClean="0"/>
-              <a:t>︾</a:t>
-            </a:r>
-            <a:r>
-              <a:rPr lang="ru-RU" dirty="0" smtClean="0"/>
-              <a:t> справа.</a:t>
-            </a:r>
-          </a:p>
-          <a:p>
-            <a:r>
-              <a:rPr lang="en-US" dirty="0" smtClean="0"/>
-              <a:t>Export/Import Data tips</a:t>
-            </a:r>
-            <a:endParaRPr lang="en-US" dirty="0"/>
+            <a:endParaRPr lang="ru-RU"/>
           </a:p>
         </p:txBody>
       </p:sp>
     </p:spTree>
     <p:extLst>
       <p:ext uri="{BB962C8B-B14F-4D97-AF65-F5344CB8AC3E}">
-        <p14:creationId xmlns:p14="http://schemas.microsoft.com/office/powerpoint/2010/main" val="2649018507"/>
+        <p14:creationId xmlns:p14="http://schemas.microsoft.com/office/powerpoint/2010/main" val="4230197436"/>
       </p:ext>
     </p:extLst>
   </p:cSld>
@@ -12305,38 +12287,12 @@
         </p:nvSpPr>
         <p:spPr/>
         <p:txBody>
-          <a:bodyPr>
-            <a:normAutofit fontScale="90000"/>
-          </a:bodyPr>
+          <a:bodyPr/>
           <a:lstStyle/>
           <a:p>
-            <a:r>
-              <a:rPr lang="en-US" dirty="0" smtClean="0">
-                <a:solidFill>
-                  <a:srgbClr val="92D050"/>
-                </a:solidFill>
-              </a:rPr>
-              <a:t>[12]</a:t>
-            </a:r>
-            <a:r>
-              <a:rPr lang="en-US" dirty="0" smtClean="0"/>
-              <a:t> </a:t>
-            </a:r>
             <a:r>
               <a:rPr lang="ru-RU" dirty="0" smtClean="0"/>
               <a:t>Отладчик</a:t>
-            </a:r>
-            <a:r>
-              <a:rPr lang="en-US" dirty="0" smtClean="0"/>
-              <a:t>: </a:t>
-            </a:r>
-            <a:r>
-              <a:rPr lang="ru-RU" dirty="0" smtClean="0"/>
-              <a:t>окно </a:t>
-            </a:r>
-            <a:r>
-              <a:rPr lang="en-US" dirty="0" smtClean="0"/>
-              <a:t>Parallel Watch</a:t>
             </a:r>
             <a:endParaRPr lang="en-US" dirty="0"/>
           </a:p>
@@ -12360,8 +12316,40 @@
           <a:lstStyle/>
           <a:p>
             <a:r>
-              <a:rPr lang="ru-RU" dirty="0" smtClean="0"/>
-              <a:t>Можно использовать для просмотра переменных при рекурсивных вызовах</a:t>
+              <a:rPr lang="en-US" dirty="0" smtClean="0">
+                <a:solidFill>
+                  <a:srgbClr val="92D050"/>
+                </a:solidFill>
+              </a:rPr>
+              <a:t>[12]</a:t>
+            </a:r>
+            <a:r>
+              <a:rPr lang="en-US" dirty="0" smtClean="0"/>
+              <a:t> Shift + Alt + f11 step into specific</a:t>
+            </a:r>
+          </a:p>
+          <a:p>
+            <a:r>
+              <a:rPr lang="en-US" dirty="0" smtClean="0"/>
+              <a:t>Shift + </a:t>
+            </a:r>
+            <a:r>
+              <a:rPr lang="en-US" dirty="0"/>
+              <a:t>F11 </a:t>
+            </a:r>
+            <a:r>
+              <a:rPr lang="en-US" dirty="0" smtClean="0"/>
+              <a:t>step out</a:t>
+            </a:r>
+          </a:p>
+          <a:p>
+            <a:r>
+              <a:rPr lang="en-US" dirty="0"/>
+              <a:t>Ctrl+F10 run </a:t>
+            </a:r>
+            <a:r>
+              <a:rPr lang="en-US" dirty="0" smtClean="0"/>
+              <a:t>to cursor</a:t>
             </a:r>
           </a:p>
           <a:p>
@@ -12372,7 +12360,7 @@
     </p:spTree>
     <p:extLst>
       <p:ext uri="{BB962C8B-B14F-4D97-AF65-F5344CB8AC3E}">
-        <p14:creationId xmlns:p14="http://schemas.microsoft.com/office/powerpoint/2010/main" val="600624019"/>
+        <p14:creationId xmlns:p14="http://schemas.microsoft.com/office/powerpoint/2010/main" val="1495295926"/>
       </p:ext>
     </p:extLst>
   </p:cSld>
@@ -12423,11 +12411,11 @@
           <a:p>
             <a:r>
               <a:rPr lang="ru-RU" dirty="0" smtClean="0"/>
-              <a:t>Бесплатные расширения для </a:t>
+              <a:t>Отладчик</a:t>
             </a:r>
             <a:r>
               <a:rPr lang="en-US" dirty="0" smtClean="0"/>
-              <a:t>VS</a:t>
+              <a:t>: data tips</a:t>
             </a:r>
             <a:endParaRPr lang="en-US" dirty="0"/>
           </a:p>
@@ -12446,199 +12434,94 @@
         <p:spPr/>
         <p:txBody>
           <a:bodyPr>
-            <a:normAutofit fontScale="55000" lnSpcReduction="20000"/>
+            <a:normAutofit lnSpcReduction="10000"/>
           </a:bodyPr>
           <a:lstStyle/>
           <a:p>
             <a:r>
+              <a:rPr lang="ru-RU" dirty="0" smtClean="0"/>
+              <a:t>Нажмите и удерживайте </a:t>
+            </a:r>
+            <a:r>
+              <a:rPr lang="en-US" dirty="0" smtClean="0">
+                <a:solidFill>
+                  <a:srgbClr val="F6AE1E"/>
+                </a:solidFill>
+              </a:rPr>
+              <a:t>Ctrl</a:t>
+            </a:r>
+            <a:r>
               <a:rPr lang="en-US" dirty="0" smtClean="0"/>
-              <a:t>Productivity </a:t>
+              <a:t> </a:t>
+            </a:r>
+            <a:r>
+              <a:rPr lang="ru-RU" dirty="0" smtClean="0"/>
+              <a:t>чтобы сделать </a:t>
+            </a:r>
+            <a:r>
+              <a:rPr lang="en-US" dirty="0" smtClean="0"/>
+              <a:t>data tip </a:t>
+            </a:r>
+            <a:r>
+              <a:rPr lang="ru-RU" dirty="0" smtClean="0"/>
+              <a:t>прозрачным</a:t>
+            </a:r>
+          </a:p>
+          <a:p>
+            <a:r>
+              <a:rPr lang="en-US" dirty="0" smtClean="0"/>
+              <a:t>Data tip </a:t>
+            </a:r>
+            <a:r>
+              <a:rPr lang="ru-RU" dirty="0" smtClean="0"/>
+              <a:t>работают для комментариев</a:t>
+            </a:r>
+          </a:p>
+          <a:p>
+            <a:r>
+              <a:rPr lang="ru-RU" dirty="0" smtClean="0"/>
+              <a:t>Если прикрепить (</a:t>
+            </a:r>
+            <a:r>
+              <a:rPr lang="en-US" dirty="0" smtClean="0"/>
+              <a:t>pin) data tip, </a:t>
+            </a:r>
+            <a:r>
+              <a:rPr lang="ru-RU" dirty="0" smtClean="0"/>
+              <a:t>то её последнее значение можно будет просматривать и после завершения отладки</a:t>
+            </a:r>
+          </a:p>
+          <a:p>
+            <a:r>
+              <a:rPr lang="ru-RU" dirty="0"/>
+              <a:t>К </a:t>
             </a:r>
             <a:r>
               <a:rPr lang="en-US" dirty="0"/>
-              <a:t>Power </a:t>
-            </a:r>
+              <a:t>data tip </a:t>
+            </a:r>
+            <a:r>
+              <a:rPr lang="ru-RU" dirty="0"/>
+              <a:t>можно </a:t>
+            </a:r>
+            <a:r>
+              <a:rPr lang="ru-RU" dirty="0" smtClean="0"/>
+              <a:t>написать комментарий. Для этого нажмите символ </a:t>
+            </a:r>
+            <a:r>
+              <a:rPr lang="ru-RU" b="1" dirty="0" smtClean="0"/>
+              <a:t>︾</a:t>
+            </a:r>
+            <a:r>
+              <a:rPr lang="ru-RU" dirty="0" smtClean="0"/>
+              <a:t> справа.</a:t>
+            </a:r>
+          </a:p>
+          <a:p>
             <a:r>
               <a:rPr lang="en-US" dirty="0" smtClean="0"/>
-              <a:t>Tools</a:t>
-            </a:r>
-          </a:p>
-          <a:p>
-            <a:pPr lvl="1"/>
-            <a:r>
-              <a:rPr lang="en-US" dirty="0" smtClean="0"/>
-              <a:t>VS 2010: </a:t>
-            </a:r>
-            <a:r>
-              <a:rPr lang="en-US" dirty="0" smtClean="0">
-                <a:hlinkClick r:id="rId2"/>
-              </a:rPr>
-              <a:t>http</a:t>
-            </a:r>
-            <a:r>
-              <a:rPr lang="en-US" dirty="0">
-                <a:hlinkClick r:id="rId2"/>
-              </a:rPr>
-              <a:t>://</a:t>
-            </a:r>
-            <a:r>
-              <a:rPr lang="en-US" dirty="0" smtClean="0">
-                <a:hlinkClick r:id="rId2"/>
-              </a:rPr>
-              <a:t>visualstudiogallery.msdn.microsoft.com/d0d33361-18e2-46c0-8ff2-4adea1e34fef</a:t>
-            </a:r>
-            <a:endParaRPr lang="en-US" dirty="0" smtClean="0"/>
-          </a:p>
-          <a:p>
-            <a:pPr lvl="1"/>
-            <a:r>
-              <a:rPr lang="en-US" dirty="0"/>
-              <a:t>VS 2012: </a:t>
-            </a:r>
-            <a:r>
-              <a:rPr lang="en-US" dirty="0">
-                <a:hlinkClick r:id="rId3"/>
-              </a:rPr>
-              <a:t>http://</a:t>
-            </a:r>
-            <a:r>
-              <a:rPr lang="en-US" dirty="0" smtClean="0">
-                <a:hlinkClick r:id="rId3"/>
-              </a:rPr>
-              <a:t>visualstudiogallery.msdn.microsoft.com/3a96a4dc-ba9c-4589-92c5-640e07332afd</a:t>
-            </a:r>
-            <a:endParaRPr lang="en-US" dirty="0" smtClean="0"/>
-          </a:p>
-          <a:p>
-            <a:r>
-              <a:rPr lang="en-US" dirty="0" smtClean="0"/>
-              <a:t>Entity </a:t>
-            </a:r>
-            <a:r>
-              <a:rPr lang="en-US" dirty="0"/>
-              <a:t>Framework Power Tools Beta </a:t>
-            </a:r>
-            <a:r>
-              <a:rPr lang="en-US" dirty="0" smtClean="0"/>
-              <a:t>4</a:t>
-            </a:r>
-          </a:p>
-          <a:p>
-            <a:pPr lvl="1"/>
-            <a:r>
-              <a:rPr lang="en-US" dirty="0" smtClean="0">
-                <a:hlinkClick r:id="rId4"/>
-              </a:rPr>
-              <a:t>http</a:t>
-            </a:r>
-            <a:r>
-              <a:rPr lang="en-US" dirty="0">
-                <a:hlinkClick r:id="rId4"/>
-              </a:rPr>
-              <a:t>://</a:t>
-            </a:r>
-            <a:r>
-              <a:rPr lang="en-US" dirty="0" smtClean="0">
-                <a:hlinkClick r:id="rId4"/>
-              </a:rPr>
-              <a:t>visualstudiogallery.msdn.microsoft.com/72a60b14-1581-4b9b-89f2-846072eff19d</a:t>
-            </a:r>
-            <a:endParaRPr lang="ru-RU" dirty="0" smtClean="0"/>
-          </a:p>
-          <a:p>
-            <a:r>
-              <a:rPr lang="en-US" dirty="0" err="1" smtClean="0"/>
-              <a:t>VSColorOutput</a:t>
-            </a:r>
-            <a:r>
-              <a:rPr lang="en-US" dirty="0" smtClean="0"/>
-              <a:t> (</a:t>
-            </a:r>
-            <a:r>
-              <a:rPr lang="ru-RU" dirty="0" smtClean="0"/>
-              <a:t>раскраска строк в окне </a:t>
-            </a:r>
-            <a:r>
-              <a:rPr lang="en-US" dirty="0" smtClean="0"/>
-              <a:t>Output)</a:t>
-            </a:r>
-          </a:p>
-          <a:p>
-            <a:pPr lvl="1"/>
-            <a:r>
-              <a:rPr lang="en-US" dirty="0"/>
-              <a:t>http://visualstudiogallery.msdn.microsoft.com/f4d9c2b5-d6d7-4543-a7a5-2d7ebabc2496</a:t>
-            </a:r>
-            <a:endParaRPr lang="en-US" dirty="0" smtClean="0"/>
-          </a:p>
-          <a:p>
-            <a:r>
-              <a:rPr lang="ru-RU" dirty="0" smtClean="0"/>
-              <a:t>Подсветка синтаксиса для </a:t>
-            </a:r>
-            <a:r>
-              <a:rPr lang="en-US" dirty="0" smtClean="0"/>
-              <a:t>T4</a:t>
-            </a:r>
-          </a:p>
-          <a:p>
-            <a:pPr lvl="1"/>
-            <a:r>
-              <a:rPr lang="en-US" dirty="0"/>
-              <a:t>tangible T4 </a:t>
-            </a:r>
-            <a:r>
-              <a:rPr lang="en-US" dirty="0" smtClean="0"/>
-              <a:t>Editor</a:t>
-            </a:r>
-          </a:p>
-          <a:p>
-            <a:pPr lvl="2"/>
-            <a:r>
-              <a:rPr lang="en-US" dirty="0">
-                <a:hlinkClick r:id="rId5"/>
-              </a:rPr>
-              <a:t>http://</a:t>
-            </a:r>
-            <a:r>
-              <a:rPr lang="en-US" dirty="0" smtClean="0">
-                <a:hlinkClick r:id="rId5"/>
-              </a:rPr>
-              <a:t>visualstudiogallery.msdn.microsoft.com/60297607-5fd4-4da4-97e1-3715e90c1a23</a:t>
-            </a:r>
-            <a:endParaRPr lang="en-US" dirty="0" smtClean="0"/>
-          </a:p>
-          <a:p>
-            <a:pPr lvl="1"/>
-            <a:r>
-              <a:rPr lang="en-US" dirty="0" smtClean="0"/>
-              <a:t>Visual T4 (</a:t>
-            </a:r>
-            <a:r>
-              <a:rPr lang="en-US" dirty="0" err="1" smtClean="0"/>
-              <a:t>Clarius</a:t>
-            </a:r>
-            <a:r>
-              <a:rPr lang="en-US" dirty="0" smtClean="0"/>
-              <a:t>)</a:t>
-            </a:r>
-          </a:p>
-          <a:p>
-            <a:pPr lvl="2"/>
-            <a:r>
-              <a:rPr lang="en-US" dirty="0"/>
-              <a:t>http://visualstudiogallery.msdn.microsoft.com/40a887aa-f3be-40ec-a85d-37044b239591</a:t>
-            </a:r>
-            <a:endParaRPr lang="ru-RU" dirty="0" smtClean="0"/>
-          </a:p>
-          <a:p>
-            <a:endParaRPr lang="en-US" dirty="0" smtClean="0"/>
-          </a:p>
-          <a:p>
-            <a:pPr lvl="1"/>
-            <a:endParaRPr lang="en-US" dirty="0" smtClean="0"/>
-          </a:p>
-          <a:p>
+              <a:t>Export/Import Data tips</a:t>
+            </a:r>
             <a:endParaRPr lang="en-US" dirty="0"/>
           </a:p>
         </p:txBody>
@@ -12646,7 +12529,7 @@
     </p:spTree>
     <p:extLst>
       <p:ext uri="{BB962C8B-B14F-4D97-AF65-F5344CB8AC3E}">
-        <p14:creationId xmlns:p14="http://schemas.microsoft.com/office/powerpoint/2010/main" val="1235442158"/>
+        <p14:creationId xmlns:p14="http://schemas.microsoft.com/office/powerpoint/2010/main" val="2649018507"/>
       </p:ext>
     </p:extLst>
   </p:cSld>
@@ -12693,15 +12576,39 @@
         <p:spPr/>
         <p:txBody>
           <a:bodyPr>
-            <a:normAutofit/>
+            <a:normAutofit fontScale="90000"/>
           </a:bodyPr>
           <a:lstStyle/>
           <a:p>
             <a:r>
+              <a:rPr lang="en-US" dirty="0" smtClean="0">
+                <a:solidFill>
+                  <a:srgbClr val="92D050"/>
+                </a:solidFill>
+              </a:rPr>
+              <a:t>[12]</a:t>
+            </a:r>
+            <a:r>
+              <a:rPr lang="en-US" dirty="0" smtClean="0"/>
+              <a:t> </a:t>
+            </a:r>
+            <a:r>
               <a:rPr lang="ru-RU" dirty="0" smtClean="0"/>
-              <a:t>Платные расширения</a:t>
-            </a:r>
-            <a:endParaRPr lang="ru-RU" dirty="0"/>
+              <a:t>Отладчик</a:t>
+            </a:r>
+            <a:r>
+              <a:rPr lang="en-US" dirty="0" smtClean="0"/>
+              <a:t>: </a:t>
+            </a:r>
+            <a:r>
+              <a:rPr lang="ru-RU" dirty="0" smtClean="0"/>
+              <a:t>окно </a:t>
+            </a:r>
+            <a:r>
+              <a:rPr lang="en-US" dirty="0" smtClean="0"/>
+              <a:t>Parallel Watch</a:t>
+            </a:r>
+            <a:endParaRPr lang="en-US" dirty="0"/>
           </a:p>
         </p:txBody>
       </p:sp>
@@ -12717,75 +12624,378 @@
         </p:nvSpPr>
         <p:spPr/>
         <p:txBody>
-          <a:bodyPr/>
+          <a:bodyPr>
+            <a:normAutofit/>
+          </a:bodyPr>
           <a:lstStyle/>
           <a:p>
             <a:r>
-              <a:rPr lang="en-US" dirty="0" smtClean="0"/>
-              <a:t>JetBrains ReSharper</a:t>
-            </a:r>
-          </a:p>
-          <a:p>
-            <a:pPr lvl="1"/>
-            <a:r>
-              <a:rPr lang="en-US" dirty="0" smtClean="0">
-                <a:hlinkClick r:id="rId2"/>
-              </a:rPr>
-              <a:t>http</a:t>
-            </a:r>
-            <a:r>
-              <a:rPr lang="en-US" dirty="0">
-                <a:hlinkClick r:id="rId2"/>
-              </a:rPr>
-              <a:t>://www.jetbrains.com/resharper</a:t>
-            </a:r>
-            <a:r>
-              <a:rPr lang="en-US" dirty="0" smtClean="0">
-                <a:hlinkClick r:id="rId2"/>
-              </a:rPr>
-              <a:t>/</a:t>
-            </a:r>
-            <a:endParaRPr lang="en-US" dirty="0" smtClean="0"/>
-          </a:p>
-          <a:p>
-            <a:r>
-              <a:rPr lang="en-US" dirty="0" err="1" smtClean="0"/>
-              <a:t>CodeRush</a:t>
-            </a:r>
-            <a:endParaRPr lang="en-US" dirty="0" smtClean="0"/>
-          </a:p>
-          <a:p>
-            <a:pPr lvl="1"/>
-            <a:r>
-              <a:rPr lang="en-US" dirty="0">
-                <a:hlinkClick r:id="rId3"/>
-              </a:rPr>
-              <a:t>https://www.devexpress.com/products/coderush/</a:t>
-            </a:r>
-            <a:endParaRPr lang="en-US" dirty="0" smtClean="0"/>
-          </a:p>
-          <a:p>
-            <a:pPr marL="0" indent="0">
-              <a:buNone/>
-            </a:pPr>
-            <a:endParaRPr lang="ru-RU" dirty="0" smtClean="0"/>
-          </a:p>
-          <a:p>
-            <a:pPr marL="0" indent="0">
-              <a:buNone/>
-            </a:pPr>
-            <a:r>
               <a:rPr lang="ru-RU" dirty="0" smtClean="0"/>
-              <a:t>Эти расширения добавляют множество дополнительных команд улучшающих производительность работы программиста.</a:t>
-            </a:r>
-            <a:endParaRPr lang="ru-RU" dirty="0"/>
+              <a:t>Можно использовать для просмотра переменных при рекурсивных вызовах</a:t>
+            </a:r>
+          </a:p>
+          <a:p>
+            <a:endParaRPr lang="en-US" dirty="0"/>
           </a:p>
         </p:txBody>
       </p:sp>
     </p:spTree>
     <p:extLst>
       <p:ext uri="{BB962C8B-B14F-4D97-AF65-F5344CB8AC3E}">
-        <p14:creationId xmlns:p14="http://schemas.microsoft.com/office/powerpoint/2010/main" val="2755780728"/>
+        <p14:creationId xmlns:p14="http://schemas.microsoft.com/office/powerpoint/2010/main" val="600624019"/>
+      </p:ext>
+    </p:extLst>
+  </p:cSld>
+  <p:clrMapOvr>
+    <a:masterClrMapping/>
+  </p:clrMapOvr>
+  <p:timing>
+    <p:tnLst>
+      <p:par>
+        <p:cTn id="1" dur="indefinite" restart="never" nodeType="tmRoot"/>
+      </p:par>
+    </p:tnLst>
+  </p:timing>
+</p:sld>
+</file>
+
+<file path=ppt/slides/slide38.xml><?xml version="1.0" encoding="utf-8"?>
+<p:sld xmlns:a="http://schemas.openxmlformats.org/drawingml/2006/main" xmlns:r="http://schemas.openxmlformats.org/officeDocument/2006/relationships" xmlns:p="http://schemas.openxmlformats.org/presentationml/2006/main">
+  <p:cSld>
+    <p:spTree>
+      <p:nvGrpSpPr>
+        <p:cNvPr id="1" name=""/>
+        <p:cNvGrpSpPr/>
+        <p:nvPr/>
+      </p:nvGrpSpPr>
+      <p:grpSpPr>
+        <a:xfrm>
+          <a:off x="0" y="0"/>
+          <a:ext cx="0" cy="0"/>
+          <a:chOff x="0" y="0"/>
+          <a:chExt cx="0" cy="0"/>
+        </a:xfrm>
+      </p:grpSpPr>
+      <p:sp>
+        <p:nvSpPr>
+          <p:cNvPr id="2" name="Title 1"/>
+          <p:cNvSpPr>
+            <a:spLocks noGrp="1"/>
+          </p:cNvSpPr>
+          <p:nvPr>
+            <p:ph type="title"/>
+          </p:nvPr>
+        </p:nvSpPr>
+        <p:spPr/>
+        <p:txBody>
+          <a:bodyPr/>
+          <a:lstStyle/>
+          <a:p>
+            <a:r>
+              <a:rPr lang="ru-RU" dirty="0" smtClean="0"/>
+              <a:t>расширения</a:t>
+            </a:r>
+            <a:endParaRPr lang="ru-RU" dirty="0"/>
+          </a:p>
+        </p:txBody>
+      </p:sp>
+      <p:sp>
+        <p:nvSpPr>
+          <p:cNvPr id="3" name="Text Placeholder 2"/>
+          <p:cNvSpPr>
+            <a:spLocks noGrp="1"/>
+          </p:cNvSpPr>
+          <p:nvPr>
+            <p:ph type="body" idx="1"/>
+          </p:nvPr>
+        </p:nvSpPr>
+        <p:spPr/>
+        <p:txBody>
+          <a:bodyPr/>
+          <a:lstStyle/>
+          <a:p>
+            <a:endParaRPr lang="ru-RU"/>
+          </a:p>
+        </p:txBody>
+      </p:sp>
+    </p:spTree>
+    <p:extLst>
+      <p:ext uri="{BB962C8B-B14F-4D97-AF65-F5344CB8AC3E}">
+        <p14:creationId xmlns:p14="http://schemas.microsoft.com/office/powerpoint/2010/main" val="4076763243"/>
+      </p:ext>
+    </p:extLst>
+  </p:cSld>
+  <p:clrMapOvr>
+    <a:masterClrMapping/>
+  </p:clrMapOvr>
+  <p:timing>
+    <p:tnLst>
+      <p:par>
+        <p:cTn id="1" dur="indefinite" restart="never" nodeType="tmRoot"/>
+      </p:par>
+    </p:tnLst>
+  </p:timing>
+</p:sld>
+</file>
+
+<file path=ppt/slides/slide39.xml><?xml version="1.0" encoding="utf-8"?>
+<p:sld xmlns:a="http://schemas.openxmlformats.org/drawingml/2006/main" xmlns:r="http://schemas.openxmlformats.org/officeDocument/2006/relationships" xmlns:p="http://schemas.openxmlformats.org/presentationml/2006/main">
+  <p:cSld>
+    <p:spTree>
+      <p:nvGrpSpPr>
+        <p:cNvPr id="1" name=""/>
+        <p:cNvGrpSpPr/>
+        <p:nvPr/>
+      </p:nvGrpSpPr>
+      <p:grpSpPr>
+        <a:xfrm>
+          <a:off x="0" y="0"/>
+          <a:ext cx="0" cy="0"/>
+          <a:chOff x="0" y="0"/>
+          <a:chExt cx="0" cy="0"/>
+        </a:xfrm>
+      </p:grpSpPr>
+      <p:sp>
+        <p:nvSpPr>
+          <p:cNvPr id="2" name="Title 1"/>
+          <p:cNvSpPr>
+            <a:spLocks noGrp="1"/>
+          </p:cNvSpPr>
+          <p:nvPr>
+            <p:ph type="title"/>
+          </p:nvPr>
+        </p:nvSpPr>
+        <p:spPr/>
+        <p:txBody>
+          <a:bodyPr/>
+          <a:lstStyle/>
+          <a:p>
+            <a:r>
+              <a:rPr lang="ru-RU" dirty="0" smtClean="0"/>
+              <a:t>Бесплатные расширения для </a:t>
+            </a:r>
+            <a:r>
+              <a:rPr lang="en-US" dirty="0" smtClean="0"/>
+              <a:t>VS</a:t>
+            </a:r>
+            <a:endParaRPr lang="en-US" dirty="0"/>
+          </a:p>
+        </p:txBody>
+      </p:sp>
+      <p:sp>
+        <p:nvSpPr>
+          <p:cNvPr id="3" name="Content Placeholder 2"/>
+          <p:cNvSpPr>
+            <a:spLocks noGrp="1"/>
+          </p:cNvSpPr>
+          <p:nvPr>
+            <p:ph idx="1"/>
+          </p:nvPr>
+        </p:nvSpPr>
+        <p:spPr/>
+        <p:txBody>
+          <a:bodyPr>
+            <a:normAutofit fontScale="55000" lnSpcReduction="20000"/>
+          </a:bodyPr>
+          <a:lstStyle/>
+          <a:p>
+            <a:r>
+              <a:rPr lang="en-US" dirty="0" smtClean="0"/>
+              <a:t>Productivity </a:t>
+            </a:r>
+            <a:r>
+              <a:rPr lang="en-US" dirty="0"/>
+              <a:t>Power </a:t>
+            </a:r>
+            <a:r>
+              <a:rPr lang="en-US" dirty="0" smtClean="0"/>
+              <a:t>Tools</a:t>
+            </a:r>
+          </a:p>
+          <a:p>
+            <a:pPr lvl="1"/>
+            <a:r>
+              <a:rPr lang="en-US" dirty="0" smtClean="0"/>
+              <a:t>VS 2010: </a:t>
+            </a:r>
+            <a:r>
+              <a:rPr lang="en-US" dirty="0" smtClean="0">
+                <a:hlinkClick r:id="rId2"/>
+              </a:rPr>
+              <a:t>http</a:t>
+            </a:r>
+            <a:r>
+              <a:rPr lang="en-US" dirty="0">
+                <a:hlinkClick r:id="rId2"/>
+              </a:rPr>
+              <a:t>://</a:t>
+            </a:r>
+            <a:r>
+              <a:rPr lang="en-US" dirty="0" smtClean="0">
+                <a:hlinkClick r:id="rId2"/>
+              </a:rPr>
+              <a:t>visualstudiogallery.msdn.microsoft.com/d0d33361-18e2-46c0-8ff2-4adea1e34fef</a:t>
+            </a:r>
+            <a:endParaRPr lang="en-US" dirty="0" smtClean="0"/>
+          </a:p>
+          <a:p>
+            <a:pPr lvl="1"/>
+            <a:r>
+              <a:rPr lang="en-US" dirty="0"/>
+              <a:t>VS 2012: </a:t>
+            </a:r>
+            <a:r>
+              <a:rPr lang="en-US" dirty="0">
+                <a:hlinkClick r:id="rId3"/>
+              </a:rPr>
+              <a:t>http://</a:t>
+            </a:r>
+            <a:r>
+              <a:rPr lang="en-US" dirty="0" smtClean="0">
+                <a:hlinkClick r:id="rId3"/>
+              </a:rPr>
+              <a:t>visualstudiogallery.msdn.microsoft.com/3a96a4dc-ba9c-4589-92c5-640e07332afd</a:t>
+            </a:r>
+            <a:endParaRPr lang="en-US" dirty="0" smtClean="0"/>
+          </a:p>
+          <a:p>
+            <a:r>
+              <a:rPr lang="en-US" dirty="0" smtClean="0"/>
+              <a:t>Entity </a:t>
+            </a:r>
+            <a:r>
+              <a:rPr lang="en-US" dirty="0"/>
+              <a:t>Framework Power Tools Beta </a:t>
+            </a:r>
+            <a:r>
+              <a:rPr lang="en-US" dirty="0" smtClean="0"/>
+              <a:t>4</a:t>
+            </a:r>
+          </a:p>
+          <a:p>
+            <a:pPr lvl="1"/>
+            <a:r>
+              <a:rPr lang="en-US" dirty="0" smtClean="0">
+                <a:hlinkClick r:id="rId4"/>
+              </a:rPr>
+              <a:t>http</a:t>
+            </a:r>
+            <a:r>
+              <a:rPr lang="en-US" dirty="0">
+                <a:hlinkClick r:id="rId4"/>
+              </a:rPr>
+              <a:t>://</a:t>
+            </a:r>
+            <a:r>
+              <a:rPr lang="en-US" dirty="0" smtClean="0">
+                <a:hlinkClick r:id="rId4"/>
+              </a:rPr>
+              <a:t>visualstudiogallery.msdn.microsoft.com/72a60b14-1581-4b9b-89f2-846072eff19d</a:t>
+            </a:r>
+            <a:endParaRPr lang="ru-RU" dirty="0" smtClean="0"/>
+          </a:p>
+          <a:p>
+            <a:r>
+              <a:rPr lang="en-US" dirty="0" err="1" smtClean="0"/>
+              <a:t>VSColorOutput</a:t>
+            </a:r>
+            <a:r>
+              <a:rPr lang="en-US" dirty="0" smtClean="0"/>
+              <a:t> (</a:t>
+            </a:r>
+            <a:r>
+              <a:rPr lang="ru-RU" dirty="0" smtClean="0"/>
+              <a:t>раскраска строк в окне </a:t>
+            </a:r>
+            <a:r>
+              <a:rPr lang="en-US" dirty="0" smtClean="0"/>
+              <a:t>Output)</a:t>
+            </a:r>
+          </a:p>
+          <a:p>
+            <a:pPr lvl="1"/>
+            <a:r>
+              <a:rPr lang="en-US" dirty="0"/>
+              <a:t>http://visualstudiogallery.msdn.microsoft.com/f4d9c2b5-d6d7-4543-a7a5-2d7ebabc2496</a:t>
+            </a:r>
+            <a:endParaRPr lang="en-US" dirty="0" smtClean="0"/>
+          </a:p>
+          <a:p>
+            <a:r>
+              <a:rPr lang="ru-RU" dirty="0" smtClean="0"/>
+              <a:t>Подсветка синтаксиса для </a:t>
+            </a:r>
+            <a:r>
+              <a:rPr lang="en-US" dirty="0" smtClean="0"/>
+              <a:t>T4</a:t>
+            </a:r>
+          </a:p>
+          <a:p>
+            <a:pPr lvl="1"/>
+            <a:r>
+              <a:rPr lang="en-US" dirty="0"/>
+              <a:t>tangible T4 </a:t>
+            </a:r>
+            <a:r>
+              <a:rPr lang="en-US" dirty="0" smtClean="0"/>
+              <a:t>Editor</a:t>
+            </a:r>
+          </a:p>
+          <a:p>
+            <a:pPr lvl="2"/>
+            <a:r>
+              <a:rPr lang="en-US" dirty="0">
+                <a:hlinkClick r:id="rId5"/>
+              </a:rPr>
+              <a:t>http://</a:t>
+            </a:r>
+            <a:r>
+              <a:rPr lang="en-US" dirty="0" smtClean="0">
+                <a:hlinkClick r:id="rId5"/>
+              </a:rPr>
+              <a:t>visualstudiogallery.msdn.microsoft.com/60297607-5fd4-4da4-97e1-3715e90c1a23</a:t>
+            </a:r>
+            <a:endParaRPr lang="en-US" dirty="0" smtClean="0"/>
+          </a:p>
+          <a:p>
+            <a:pPr lvl="1"/>
+            <a:r>
+              <a:rPr lang="en-US" dirty="0" smtClean="0"/>
+              <a:t>Visual T4 (</a:t>
+            </a:r>
+            <a:r>
+              <a:rPr lang="en-US" dirty="0" err="1" smtClean="0"/>
+              <a:t>Clarius</a:t>
+            </a:r>
+            <a:r>
+              <a:rPr lang="en-US" dirty="0" smtClean="0"/>
+              <a:t>)</a:t>
+            </a:r>
+          </a:p>
+          <a:p>
+            <a:pPr lvl="2"/>
+            <a:r>
+              <a:rPr lang="en-US" dirty="0"/>
+              <a:t>http://visualstudiogallery.msdn.microsoft.com/40a887aa-f3be-40ec-a85d-37044b239591</a:t>
+            </a:r>
+            <a:endParaRPr lang="ru-RU" dirty="0" smtClean="0"/>
+          </a:p>
+          <a:p>
+            <a:endParaRPr lang="en-US" dirty="0" smtClean="0"/>
+          </a:p>
+          <a:p>
+            <a:pPr lvl="1"/>
+            <a:endParaRPr lang="en-US" dirty="0" smtClean="0"/>
+          </a:p>
+          <a:p>
+            <a:endParaRPr lang="en-US" dirty="0"/>
+          </a:p>
+        </p:txBody>
+      </p:sp>
+    </p:spTree>
+    <p:extLst>
+      <p:ext uri="{BB962C8B-B14F-4D97-AF65-F5344CB8AC3E}">
+        <p14:creationId xmlns:p14="http://schemas.microsoft.com/office/powerpoint/2010/main" val="1235442158"/>
       </p:ext>
     </p:extLst>
   </p:cSld>
@@ -13067,6 +13277,145 @@
     <p:extLst>
       <p:ext uri="{BB962C8B-B14F-4D97-AF65-F5344CB8AC3E}">
         <p14:creationId xmlns:p14="http://schemas.microsoft.com/office/powerpoint/2010/main" val="2311832295"/>
+      </p:ext>
+    </p:extLst>
+  </p:cSld>
+  <p:clrMapOvr>
+    <a:masterClrMapping/>
+  </p:clrMapOvr>
+  <p:timing>
+    <p:tnLst>
+      <p:par>
+        <p:cTn id="1" dur="indefinite" restart="never" nodeType="tmRoot"/>
+      </p:par>
+    </p:tnLst>
+  </p:timing>
+</p:sld>
+</file>
+
+<file path=ppt/slides/slide40.xml><?xml version="1.0" encoding="utf-8"?>
+<p:sld xmlns:a="http://schemas.openxmlformats.org/drawingml/2006/main" xmlns:r="http://schemas.openxmlformats.org/officeDocument/2006/relationships" xmlns:p="http://schemas.openxmlformats.org/presentationml/2006/main">
+  <p:cSld>
+    <p:spTree>
+      <p:nvGrpSpPr>
+        <p:cNvPr id="1" name=""/>
+        <p:cNvGrpSpPr/>
+        <p:nvPr/>
+      </p:nvGrpSpPr>
+      <p:grpSpPr>
+        <a:xfrm>
+          <a:off x="0" y="0"/>
+          <a:ext cx="0" cy="0"/>
+          <a:chOff x="0" y="0"/>
+          <a:chExt cx="0" cy="0"/>
+        </a:xfrm>
+      </p:grpSpPr>
+      <p:sp>
+        <p:nvSpPr>
+          <p:cNvPr id="2" name="Title 1"/>
+          <p:cNvSpPr>
+            <a:spLocks noGrp="1"/>
+          </p:cNvSpPr>
+          <p:nvPr>
+            <p:ph type="title"/>
+          </p:nvPr>
+        </p:nvSpPr>
+        <p:spPr/>
+        <p:txBody>
+          <a:bodyPr>
+            <a:normAutofit/>
+          </a:bodyPr>
+          <a:lstStyle/>
+          <a:p>
+            <a:r>
+              <a:rPr lang="ru-RU" dirty="0" smtClean="0"/>
+              <a:t>Платные расширения</a:t>
+            </a:r>
+            <a:endParaRPr lang="ru-RU" dirty="0"/>
+          </a:p>
+        </p:txBody>
+      </p:sp>
+      <p:sp>
+        <p:nvSpPr>
+          <p:cNvPr id="3" name="Content Placeholder 2"/>
+          <p:cNvSpPr>
+            <a:spLocks noGrp="1"/>
+          </p:cNvSpPr>
+          <p:nvPr>
+            <p:ph idx="1"/>
+          </p:nvPr>
+        </p:nvSpPr>
+        <p:spPr/>
+        <p:txBody>
+          <a:bodyPr/>
+          <a:lstStyle/>
+          <a:p>
+            <a:r>
+              <a:rPr lang="en-US" dirty="0" smtClean="0"/>
+              <a:t>JetBrains ReSharper</a:t>
+            </a:r>
+          </a:p>
+          <a:p>
+            <a:pPr lvl="1"/>
+            <a:r>
+              <a:rPr lang="en-US" dirty="0" smtClean="0">
+                <a:hlinkClick r:id="rId2"/>
+              </a:rPr>
+              <a:t>http</a:t>
+            </a:r>
+            <a:r>
+              <a:rPr lang="en-US" dirty="0">
+                <a:hlinkClick r:id="rId2"/>
+              </a:rPr>
+              <a:t>://www.jetbrains.com/resharper</a:t>
+            </a:r>
+            <a:r>
+              <a:rPr lang="en-US" dirty="0" smtClean="0">
+                <a:hlinkClick r:id="rId2"/>
+              </a:rPr>
+              <a:t>/</a:t>
+            </a:r>
+            <a:endParaRPr lang="en-US" dirty="0" smtClean="0"/>
+          </a:p>
+          <a:p>
+            <a:r>
+              <a:rPr lang="en-US" dirty="0" err="1" smtClean="0"/>
+              <a:t>CodeRush</a:t>
+            </a:r>
+            <a:endParaRPr lang="en-US" dirty="0" smtClean="0"/>
+          </a:p>
+          <a:p>
+            <a:pPr lvl="1"/>
+            <a:r>
+              <a:rPr lang="en-US" dirty="0">
+                <a:hlinkClick r:id="rId3"/>
+              </a:rPr>
+              <a:t>https://www.devexpress.com/products/coderush/</a:t>
+            </a:r>
+            <a:endParaRPr lang="en-US" dirty="0" smtClean="0"/>
+          </a:p>
+          <a:p>
+            <a:pPr marL="0" indent="0">
+              <a:buNone/>
+            </a:pPr>
+            <a:endParaRPr lang="ru-RU" dirty="0" smtClean="0"/>
+          </a:p>
+          <a:p>
+            <a:pPr marL="0" indent="0">
+              <a:buNone/>
+            </a:pPr>
+            <a:r>
+              <a:rPr lang="ru-RU" dirty="0" smtClean="0"/>
+              <a:t>Эти расширения добавляют множество дополнительных команд улучшающих производительность работы программиста.</a:t>
+            </a:r>
+            <a:endParaRPr lang="ru-RU" dirty="0"/>
+          </a:p>
+        </p:txBody>
+      </p:sp>
+    </p:spTree>
+    <p:extLst>
+      <p:ext uri="{BB962C8B-B14F-4D97-AF65-F5344CB8AC3E}">
+        <p14:creationId xmlns:p14="http://schemas.microsoft.com/office/powerpoint/2010/main" val="2755780728"/>
       </p:ext>
     </p:extLst>
   </p:cSld>
@@ -13959,6 +14308,13 @@
   <p:clrMapOvr>
     <a:masterClrMapping/>
   </p:clrMapOvr>
+  <p:timing>
+    <p:tnLst>
+      <p:par>
+        <p:cTn id="1" dur="indefinite" restart="never" nodeType="tmRoot"/>
+      </p:par>
+    </p:tnLst>
+  </p:timing>
 </p:sld>
 </file>
 

--- a/Presentation/tools-visual-studio.pptx
+++ b/Presentation/tools-visual-studio.pptx
@@ -6,7 +6,7 @@
     <p:sldMasterId id="2147483663" r:id="rId2"/>
   </p:sldMasterIdLst>
   <p:notesMasterIdLst>
-    <p:notesMasterId r:id="rId43"/>
+    <p:notesMasterId r:id="rId44"/>
   </p:notesMasterIdLst>
   <p:sldIdLst>
     <p:sldId id="257" r:id="rId3"/>
@@ -25,30 +25,31 @@
     <p:sldId id="290" r:id="rId16"/>
     <p:sldId id="284" r:id="rId17"/>
     <p:sldId id="298" r:id="rId18"/>
-    <p:sldId id="282" r:id="rId19"/>
-    <p:sldId id="262" r:id="rId20"/>
-    <p:sldId id="283" r:id="rId21"/>
-    <p:sldId id="285" r:id="rId22"/>
-    <p:sldId id="265" r:id="rId23"/>
-    <p:sldId id="280" r:id="rId24"/>
-    <p:sldId id="295" r:id="rId25"/>
-    <p:sldId id="277" r:id="rId26"/>
-    <p:sldId id="271" r:id="rId27"/>
-    <p:sldId id="286" r:id="rId28"/>
-    <p:sldId id="266" r:id="rId29"/>
-    <p:sldId id="279" r:id="rId30"/>
-    <p:sldId id="292" r:id="rId31"/>
-    <p:sldId id="269" r:id="rId32"/>
-    <p:sldId id="273" r:id="rId33"/>
-    <p:sldId id="274" r:id="rId34"/>
-    <p:sldId id="294" r:id="rId35"/>
-    <p:sldId id="296" r:id="rId36"/>
-    <p:sldId id="260" r:id="rId37"/>
-    <p:sldId id="293" r:id="rId38"/>
-    <p:sldId id="287" r:id="rId39"/>
-    <p:sldId id="297" r:id="rId40"/>
-    <p:sldId id="261" r:id="rId41"/>
-    <p:sldId id="276" r:id="rId42"/>
+    <p:sldId id="299" r:id="rId19"/>
+    <p:sldId id="282" r:id="rId20"/>
+    <p:sldId id="262" r:id="rId21"/>
+    <p:sldId id="283" r:id="rId22"/>
+    <p:sldId id="285" r:id="rId23"/>
+    <p:sldId id="265" r:id="rId24"/>
+    <p:sldId id="280" r:id="rId25"/>
+    <p:sldId id="295" r:id="rId26"/>
+    <p:sldId id="277" r:id="rId27"/>
+    <p:sldId id="271" r:id="rId28"/>
+    <p:sldId id="286" r:id="rId29"/>
+    <p:sldId id="266" r:id="rId30"/>
+    <p:sldId id="279" r:id="rId31"/>
+    <p:sldId id="292" r:id="rId32"/>
+    <p:sldId id="269" r:id="rId33"/>
+    <p:sldId id="273" r:id="rId34"/>
+    <p:sldId id="274" r:id="rId35"/>
+    <p:sldId id="294" r:id="rId36"/>
+    <p:sldId id="296" r:id="rId37"/>
+    <p:sldId id="260" r:id="rId38"/>
+    <p:sldId id="293" r:id="rId39"/>
+    <p:sldId id="287" r:id="rId40"/>
+    <p:sldId id="297" r:id="rId41"/>
+    <p:sldId id="261" r:id="rId42"/>
+    <p:sldId id="276" r:id="rId43"/>
   </p:sldIdLst>
   <p:sldSz cx="9144000" cy="6858000" type="screen4x3"/>
   <p:notesSz cx="6858000" cy="9144000"/>
@@ -149,7 +150,7 @@
   </p:defaultTextStyle>
   <p:extLst>
     <p:ext uri="{EFAFB233-063F-42B5-8137-9DF3F51BA10A}">
-      <p15:sldGuideLst xmlns:p15="http://schemas.microsoft.com/office/powerpoint/2012/main" xmlns="">
+      <p15:sldGuideLst xmlns:p15="http://schemas.microsoft.com/office/powerpoint/2012/main">
         <p15:guide id="1" orient="horz" pos="2160">
           <p15:clr>
             <a:srgbClr val="A4A3A4"/>
@@ -248,7 +249,7 @@
           <a:p>
             <a:fld id="{B24A7054-7FFB-49F4-A126-5DF6E687FF53}" type="datetimeFigureOut">
               <a:rPr lang="ru-RU" smtClean="0"/>
-              <a:t>08.01.2016</a:t>
+              <a:t>22.07.2017</a:t>
             </a:fld>
             <a:endParaRPr lang="ru-RU"/>
           </a:p>
@@ -1530,7 +1531,7 @@
           <a:p>
             <a:fld id="{8E6E6A2A-E9D3-4A0D-B04A-ABDD367A1E08}" type="datetimeFigureOut">
               <a:rPr lang="ru-RU" smtClean="0"/>
-              <a:t>08.01.2016</a:t>
+              <a:t>22.07.2017</a:t>
             </a:fld>
             <a:endParaRPr lang="ru-RU"/>
           </a:p>
@@ -4043,7 +4044,7 @@
                 </a:solidFill>
               </a:rPr>
               <a:pPr/>
-              <a:t>08.01.2016</a:t>
+              <a:t>22.07.2017</a:t>
             </a:fld>
             <a:endParaRPr lang="ru-RU">
               <a:solidFill>
@@ -5304,7 +5305,7 @@
           <a:p>
             <a:fld id="{AC3D3127-B7C4-45E3-9797-C527EC9FDD78}" type="datetimeFigureOut">
               <a:rPr lang="ru-RU" smtClean="0"/>
-              <a:t>08.01.2016</a:t>
+              <a:t>22.07.2017</a:t>
             </a:fld>
             <a:endParaRPr lang="ru-RU"/>
           </a:p>
@@ -5840,7 +5841,7 @@
                 </a:solidFill>
               </a:rPr>
               <a:pPr/>
-              <a:t>08.01.2016</a:t>
+              <a:t>22.07.2017</a:t>
             </a:fld>
             <a:endParaRPr lang="ru-RU">
               <a:solidFill>
@@ -7433,9 +7434,9 @@
           <a:p>
             <a:r>
               <a:rPr lang="ru-RU" dirty="0" smtClean="0"/>
-              <a:t>Редактор: Настройки</a:t>
-            </a:r>
-            <a:endParaRPr lang="ru-RU" dirty="0"/>
+              <a:t>Шрифты</a:t>
+            </a:r>
+            <a:endParaRPr lang="en-US" dirty="0"/>
           </a:p>
         </p:txBody>
       </p:sp>
@@ -7451,7 +7452,9 @@
         </p:nvSpPr>
         <p:spPr/>
         <p:txBody>
-          <a:bodyPr/>
+          <a:bodyPr>
+            <a:normAutofit fontScale="92500"/>
+          </a:bodyPr>
           <a:lstStyle/>
           <a:p>
             <a:pPr marL="0" indent="0">
@@ -7459,58 +7462,115 @@
             </a:pPr>
             <a:r>
               <a:rPr lang="ru-RU" dirty="0" smtClean="0"/>
-              <a:t>Редактор </a:t>
+              <a:t>Хороший шрифт упрощает чтение и понимание кода.</a:t>
+            </a:r>
+          </a:p>
+          <a:p>
+            <a:pPr marL="0" indent="0">
+              <a:buNone/>
+            </a:pPr>
+            <a:endParaRPr lang="ru-RU" dirty="0"/>
+          </a:p>
+          <a:p>
+            <a:pPr marL="0" indent="0">
+              <a:buNone/>
+            </a:pPr>
+            <a:r>
+              <a:rPr lang="ru-RU" dirty="0" smtClean="0"/>
+              <a:t>Шрифты с лигатурами (комбинации символов)</a:t>
+            </a:r>
+          </a:p>
+          <a:p>
+            <a:r>
+              <a:rPr lang="en-US" dirty="0" err="1" smtClean="0"/>
+              <a:t>FiraCode</a:t>
+            </a:r>
+            <a:r>
+              <a:rPr lang="en-US" dirty="0"/>
+              <a:t> (</a:t>
+            </a:r>
+            <a:r>
+              <a:rPr lang="en-US" dirty="0">
+                <a:hlinkClick r:id="rId2"/>
+              </a:rPr>
+              <a:t>https://</a:t>
+            </a:r>
+            <a:r>
+              <a:rPr lang="en-US" dirty="0" smtClean="0">
+                <a:hlinkClick r:id="rId2"/>
+              </a:rPr>
+              <a:t>github.com/tonsky/FiraCode</a:t>
             </a:r>
             <a:r>
               <a:rPr lang="en-US" dirty="0" smtClean="0"/>
-              <a:t>VS </a:t>
+              <a:t>)</a:t>
+            </a:r>
+          </a:p>
+          <a:p>
+            <a:r>
+              <a:rPr lang="en-US" dirty="0"/>
+              <a:t>Monoid (</a:t>
+            </a:r>
+            <a:r>
+              <a:rPr lang="en-US" dirty="0">
+                <a:hlinkClick r:id="rId3"/>
+              </a:rPr>
+              <a:t>https://</a:t>
+            </a:r>
+            <a:r>
+              <a:rPr lang="en-US" dirty="0" smtClean="0">
+                <a:hlinkClick r:id="rId3"/>
+              </a:rPr>
+              <a:t>github.com/larsenwork/monoid</a:t>
+            </a:r>
+            <a:r>
+              <a:rPr lang="en-US" dirty="0" smtClean="0"/>
+              <a:t>)</a:t>
+            </a:r>
+          </a:p>
+          <a:p>
+            <a:r>
+              <a:rPr lang="en-US" dirty="0" err="1" smtClean="0"/>
+              <a:t>Hasklig</a:t>
+            </a:r>
+            <a:r>
+              <a:rPr lang="en-US" dirty="0"/>
+              <a:t> (</a:t>
+            </a:r>
+            <a:r>
+              <a:rPr lang="en-US" dirty="0">
+                <a:hlinkClick r:id="rId4"/>
+              </a:rPr>
+              <a:t>https://</a:t>
+            </a:r>
+            <a:r>
+              <a:rPr lang="en-US" dirty="0" smtClean="0">
+                <a:hlinkClick r:id="rId4"/>
+              </a:rPr>
+              <a:t>github.com/i-tu/Hasklig</a:t>
+            </a:r>
+            <a:r>
+              <a:rPr lang="en-US" dirty="0" smtClean="0"/>
+              <a:t>)</a:t>
             </a:r>
             <a:r>
               <a:rPr lang="ru-RU" dirty="0" smtClean="0"/>
-              <a:t>поддерживает множество языков. Настройки можно менять для всех языков сразу или по отдельности в диалоге «</a:t>
-            </a:r>
-            <a:r>
-              <a:rPr lang="en-US" dirty="0" smtClean="0"/>
-              <a:t>Tools -&gt; Options ...</a:t>
-            </a:r>
-            <a:r>
-              <a:rPr lang="ru-RU" dirty="0" smtClean="0"/>
-              <a:t>»</a:t>
-            </a:r>
-            <a:r>
-              <a:rPr lang="en-US" dirty="0" smtClean="0"/>
-              <a:t>.</a:t>
-            </a:r>
-            <a:endParaRPr lang="ru-RU" dirty="0" smtClean="0"/>
-          </a:p>
-          <a:p>
-            <a:pPr marL="0" indent="0">
-              <a:buNone/>
-            </a:pPr>
-            <a:endParaRPr lang="ru-RU" dirty="0" smtClean="0"/>
-          </a:p>
-          <a:p>
-            <a:endParaRPr lang="ru-RU" dirty="0"/>
+              <a:t> </a:t>
+            </a:r>
+            <a:endParaRPr lang="en-US" dirty="0"/>
           </a:p>
         </p:txBody>
       </p:sp>
     </p:spTree>
     <p:extLst>
       <p:ext uri="{BB962C8B-B14F-4D97-AF65-F5344CB8AC3E}">
-        <p14:creationId xmlns:p14="http://schemas.microsoft.com/office/powerpoint/2010/main" val="2394860654"/>
+        <p14:creationId xmlns:p14="http://schemas.microsoft.com/office/powerpoint/2010/main" val="3131915580"/>
       </p:ext>
     </p:extLst>
   </p:cSld>
   <p:clrMapOvr>
     <a:masterClrMapping/>
   </p:clrMapOvr>
-  <p:timing>
-    <p:tnLst>
-      <p:par>
-        <p:cTn id="1" dur="indefinite" restart="never" nodeType="tmRoot"/>
-      </p:par>
-    </p:tnLst>
-  </p:timing>
 </p:sld>
 </file>
 
@@ -7548,9 +7608,9 @@
           <a:p>
             <a:r>
               <a:rPr lang="ru-RU" dirty="0" smtClean="0"/>
-              <a:t>Редактор</a:t>
-            </a:r>
-            <a:endParaRPr lang="en-US" dirty="0"/>
+              <a:t>Редактор: Настройки</a:t>
+            </a:r>
+            <a:endParaRPr lang="ru-RU" dirty="0"/>
           </a:p>
         </p:txBody>
       </p:sp>
@@ -7566,299 +7626,53 @@
         </p:nvSpPr>
         <p:spPr/>
         <p:txBody>
-          <a:bodyPr>
-            <a:normAutofit lnSpcReduction="10000"/>
-          </a:bodyPr>
+          <a:bodyPr/>
           <a:lstStyle/>
           <a:p>
-            <a:pPr>
-              <a:buClr>
-                <a:schemeClr val="bg1"/>
-              </a:buClr>
+            <a:pPr marL="0" indent="0">
+              <a:buNone/>
             </a:pPr>
             <a:r>
-              <a:rPr lang="en-US" dirty="0" smtClean="0">
-                <a:solidFill>
-                  <a:srgbClr val="92D050"/>
-                </a:solidFill>
-              </a:rPr>
-              <a:t>[10]</a:t>
+              <a:rPr lang="ru-RU" dirty="0" smtClean="0"/>
+              <a:t>Редактор </a:t>
             </a:r>
             <a:r>
               <a:rPr lang="en-US" dirty="0" smtClean="0"/>
-              <a:t> </a:t>
+              <a:t>VS </a:t>
             </a:r>
             <a:r>
               <a:rPr lang="ru-RU" dirty="0" smtClean="0"/>
-              <a:t>Изменение размера шрифта </a:t>
-            </a:r>
-            <a:r>
-              <a:rPr lang="en-US" dirty="0">
-                <a:solidFill>
-                  <a:srgbClr val="F6AE1E"/>
-                </a:solidFill>
-              </a:rPr>
-              <a:t>(</a:t>
-            </a:r>
-            <a:r>
-              <a:rPr lang="en-US" dirty="0" err="1">
-                <a:solidFill>
-                  <a:srgbClr val="F6AE1E"/>
-                </a:solidFill>
-              </a:rPr>
-              <a:t>Ctrl+Shift</a:t>
-            </a:r>
-            <a:r>
-              <a:rPr lang="en-US" dirty="0">
-                <a:solidFill>
-                  <a:srgbClr val="F6AE1E"/>
-                </a:solidFill>
-              </a:rPr>
-              <a:t> + &lt;/&gt; </a:t>
-            </a:r>
-            <a:r>
-              <a:rPr lang="ru-RU" dirty="0" smtClean="0">
-                <a:solidFill>
-                  <a:schemeClr val="bg1"/>
-                </a:solidFill>
-              </a:rPr>
-              <a:t>или</a:t>
-            </a:r>
-            <a:r>
-              <a:rPr lang="en-US" dirty="0" smtClean="0">
-                <a:solidFill>
-                  <a:srgbClr val="F6AE1E"/>
-                </a:solidFill>
-              </a:rPr>
-              <a:t> </a:t>
-            </a:r>
-            <a:r>
-              <a:rPr lang="en-US" dirty="0">
-                <a:solidFill>
-                  <a:srgbClr val="F6AE1E"/>
-                </a:solidFill>
-              </a:rPr>
-              <a:t>Ctrl + Mouse Scroll</a:t>
-            </a:r>
-            <a:r>
-              <a:rPr lang="en-US" dirty="0" smtClean="0">
-                <a:solidFill>
-                  <a:srgbClr val="F6AE1E"/>
-                </a:solidFill>
-              </a:rPr>
-              <a:t>)</a:t>
-            </a:r>
-            <a:endParaRPr lang="ru-RU" dirty="0" smtClean="0">
-              <a:solidFill>
-                <a:srgbClr val="F6AE1E"/>
-              </a:solidFill>
-            </a:endParaRPr>
-          </a:p>
-          <a:p>
-            <a:pPr>
-              <a:buClr>
-                <a:schemeClr val="bg1"/>
-              </a:buClr>
+              <a:t>поддерживает множество языков. Настройки можно менять для всех языков сразу или по отдельности в диалоге «</a:t>
+            </a:r>
+            <a:r>
+              <a:rPr lang="en-US" dirty="0" smtClean="0"/>
+              <a:t>Tools -&gt; Options ...</a:t>
+            </a:r>
+            <a:r>
+              <a:rPr lang="ru-RU" dirty="0" smtClean="0"/>
+              <a:t>»</a:t>
+            </a:r>
+            <a:r>
+              <a:rPr lang="en-US" dirty="0" smtClean="0"/>
+              <a:t>.</a:t>
+            </a:r>
+            <a:endParaRPr lang="ru-RU" dirty="0" smtClean="0"/>
+          </a:p>
+          <a:p>
+            <a:pPr marL="0" indent="0">
+              <a:buNone/>
             </a:pPr>
-            <a:r>
-              <a:rPr lang="en-US" dirty="0">
-                <a:solidFill>
-                  <a:srgbClr val="92D050"/>
-                </a:solidFill>
-              </a:rPr>
-              <a:t>[10]</a:t>
-            </a:r>
-            <a:r>
-              <a:rPr lang="en-US" dirty="0" smtClean="0"/>
-              <a:t> </a:t>
-            </a:r>
-            <a:r>
-              <a:rPr lang="ru-RU" dirty="0" smtClean="0"/>
-              <a:t>Многострочное редактирование</a:t>
-            </a:r>
-            <a:r>
-              <a:rPr lang="en-US" dirty="0" smtClean="0"/>
-              <a:t> </a:t>
-            </a:r>
-            <a:r>
-              <a:rPr lang="en-US" dirty="0" smtClean="0">
-                <a:solidFill>
-                  <a:srgbClr val="F6AE1E"/>
-                </a:solidFill>
-              </a:rPr>
-              <a:t>(</a:t>
-            </a:r>
-            <a:r>
-              <a:rPr lang="en-US" dirty="0" err="1">
-                <a:solidFill>
-                  <a:srgbClr val="F6AE1E"/>
-                </a:solidFill>
-              </a:rPr>
-              <a:t>Alt+Shift</a:t>
-            </a:r>
-            <a:r>
-              <a:rPr lang="en-US" dirty="0">
-                <a:solidFill>
-                  <a:srgbClr val="F6AE1E"/>
-                </a:solidFill>
-              </a:rPr>
-              <a:t> + Up/Down</a:t>
-            </a:r>
-            <a:r>
-              <a:rPr lang="en-US" dirty="0"/>
-              <a:t> </a:t>
-            </a:r>
-            <a:r>
-              <a:rPr lang="ru-RU" dirty="0" smtClean="0"/>
-              <a:t>или</a:t>
-            </a:r>
-            <a:r>
-              <a:rPr lang="en-US" dirty="0" smtClean="0"/>
-              <a:t> </a:t>
-            </a:r>
-            <a:r>
-              <a:rPr lang="en-US" dirty="0">
-                <a:solidFill>
-                  <a:srgbClr val="F6AE1E"/>
-                </a:solidFill>
-              </a:rPr>
-              <a:t>Alt + Mouse Up/Down</a:t>
-            </a:r>
-            <a:r>
-              <a:rPr lang="en-US" dirty="0" smtClean="0">
-                <a:solidFill>
-                  <a:srgbClr val="F6AE1E"/>
-                </a:solidFill>
-              </a:rPr>
-              <a:t>)</a:t>
-            </a:r>
-            <a:endParaRPr lang="ru-RU" dirty="0" smtClean="0">
-              <a:solidFill>
-                <a:srgbClr val="F6AE1E"/>
-              </a:solidFill>
-            </a:endParaRPr>
-          </a:p>
-          <a:p>
-            <a:pPr>
-              <a:buClr>
-                <a:schemeClr val="bg1"/>
-              </a:buClr>
-            </a:pPr>
-            <a:r>
-              <a:rPr lang="en-US" dirty="0" smtClean="0">
-                <a:solidFill>
-                  <a:srgbClr val="92D050"/>
-                </a:solidFill>
-              </a:rPr>
-              <a:t>[0</a:t>
-            </a:r>
-            <a:r>
-              <a:rPr lang="ru-RU" dirty="0" smtClean="0">
-                <a:solidFill>
-                  <a:srgbClr val="92D050"/>
-                </a:solidFill>
-              </a:rPr>
-              <a:t>5</a:t>
-            </a:r>
-            <a:r>
-              <a:rPr lang="en-US" dirty="0" smtClean="0">
-                <a:solidFill>
-                  <a:srgbClr val="92D050"/>
-                </a:solidFill>
-              </a:rPr>
-              <a:t>]</a:t>
-            </a:r>
-            <a:r>
-              <a:rPr lang="en-US" dirty="0" smtClean="0"/>
-              <a:t> </a:t>
-            </a:r>
-            <a:r>
-              <a:rPr lang="ru-RU" dirty="0" smtClean="0"/>
-              <a:t>Вставка текста из ц</a:t>
-            </a:r>
-            <a:r>
-              <a:rPr lang="ru-RU" dirty="0" smtClean="0">
-                <a:solidFill>
-                  <a:schemeClr val="bg1"/>
-                </a:solidFill>
-              </a:rPr>
-              <a:t>иклического буфера обмена </a:t>
-            </a:r>
-            <a:r>
-              <a:rPr lang="en-US" dirty="0">
-                <a:solidFill>
-                  <a:srgbClr val="F6AE1E"/>
-                </a:solidFill>
-              </a:rPr>
-              <a:t>(</a:t>
-            </a:r>
-            <a:r>
-              <a:rPr lang="en-US" dirty="0" err="1">
-                <a:solidFill>
-                  <a:srgbClr val="F6AE1E"/>
-                </a:solidFill>
-              </a:rPr>
-              <a:t>Ctrl+Shift</a:t>
-            </a:r>
-            <a:r>
-              <a:rPr lang="en-US" dirty="0">
-                <a:solidFill>
-                  <a:srgbClr val="F6AE1E"/>
-                </a:solidFill>
-              </a:rPr>
-              <a:t> + V</a:t>
-            </a:r>
-            <a:r>
-              <a:rPr lang="en-US" dirty="0" smtClean="0">
-                <a:solidFill>
-                  <a:srgbClr val="F6AE1E"/>
-                </a:solidFill>
-              </a:rPr>
-              <a:t>)</a:t>
-            </a:r>
-            <a:endParaRPr lang="ru-RU" dirty="0" smtClean="0">
-              <a:solidFill>
-                <a:srgbClr val="F6AE1E"/>
-              </a:solidFill>
-            </a:endParaRPr>
-          </a:p>
-          <a:p>
-            <a:pPr>
-              <a:buClr>
-                <a:schemeClr val="bg1"/>
-              </a:buClr>
-            </a:pPr>
-            <a:r>
-              <a:rPr lang="ru-RU" dirty="0" smtClean="0">
-                <a:solidFill>
-                  <a:schemeClr val="bg1"/>
-                </a:solidFill>
-              </a:rPr>
-              <a:t>Прокрутка текста без изменения положения курсора</a:t>
-            </a:r>
-            <a:r>
-              <a:rPr lang="en-US" dirty="0" smtClean="0">
-                <a:solidFill>
-                  <a:schemeClr val="bg1"/>
-                </a:solidFill>
-              </a:rPr>
-              <a:t> </a:t>
-            </a:r>
-            <a:r>
-              <a:rPr lang="en-US" dirty="0">
-                <a:solidFill>
-                  <a:srgbClr val="F6AE1E"/>
-                </a:solidFill>
-              </a:rPr>
-              <a:t>(Ctrl + Up/Down Arrow)</a:t>
-            </a:r>
+            <a:endParaRPr lang="ru-RU" dirty="0" smtClean="0"/>
+          </a:p>
+          <a:p>
+            <a:endParaRPr lang="ru-RU" dirty="0"/>
           </a:p>
         </p:txBody>
       </p:sp>
     </p:spTree>
     <p:extLst>
       <p:ext uri="{BB962C8B-B14F-4D97-AF65-F5344CB8AC3E}">
-        <p14:creationId xmlns:p14="http://schemas.microsoft.com/office/powerpoint/2010/main" val="468185828"/>
+        <p14:creationId xmlns:p14="http://schemas.microsoft.com/office/powerpoint/2010/main" val="2394860654"/>
       </p:ext>
     </p:extLst>
   </p:cSld>
@@ -7911,11 +7725,7 @@
               <a:rPr lang="ru-RU" dirty="0" smtClean="0"/>
               <a:t>Редактор</a:t>
             </a:r>
-            <a:r>
-              <a:rPr lang="en-US" dirty="0" smtClean="0"/>
-              <a:t>: Virtual Space</a:t>
-            </a:r>
-            <a:endParaRPr lang="ru-RU" dirty="0"/>
+            <a:endParaRPr lang="en-US" dirty="0"/>
           </a:p>
         </p:txBody>
       </p:sp>
@@ -7931,52 +7741,299 @@
         </p:nvSpPr>
         <p:spPr/>
         <p:txBody>
-          <a:bodyPr/>
+          <a:bodyPr>
+            <a:normAutofit lnSpcReduction="10000"/>
+          </a:bodyPr>
           <a:lstStyle/>
           <a:p>
-            <a:pPr marL="0" indent="0">
-              <a:buNone/>
+            <a:pPr>
+              <a:buClr>
+                <a:schemeClr val="bg1"/>
+              </a:buClr>
             </a:pPr>
             <a:r>
+              <a:rPr lang="en-US" dirty="0" smtClean="0">
+                <a:solidFill>
+                  <a:srgbClr val="92D050"/>
+                </a:solidFill>
+              </a:rPr>
+              <a:t>[10]</a:t>
+            </a:r>
+            <a:r>
+              <a:rPr lang="en-US" dirty="0" smtClean="0"/>
+              <a:t> </a:t>
+            </a:r>
+            <a:r>
               <a:rPr lang="ru-RU" dirty="0" smtClean="0"/>
-              <a:t>Если </a:t>
-            </a:r>
-            <a:r>
-              <a:rPr lang="ru-RU" dirty="0"/>
-              <a:t>включить </a:t>
+              <a:t>Изменение размера шрифта </a:t>
+            </a:r>
+            <a:r>
+              <a:rPr lang="en-US" dirty="0">
+                <a:solidFill>
+                  <a:srgbClr val="F6AE1E"/>
+                </a:solidFill>
+              </a:rPr>
+              <a:t>(</a:t>
+            </a:r>
+            <a:r>
+              <a:rPr lang="en-US" dirty="0" err="1">
+                <a:solidFill>
+                  <a:srgbClr val="F6AE1E"/>
+                </a:solidFill>
+              </a:rPr>
+              <a:t>Ctrl+Shift</a:t>
+            </a:r>
+            <a:r>
+              <a:rPr lang="en-US" dirty="0">
+                <a:solidFill>
+                  <a:srgbClr val="F6AE1E"/>
+                </a:solidFill>
+              </a:rPr>
+              <a:t> + &lt;/&gt; </a:t>
+            </a:r>
+            <a:r>
+              <a:rPr lang="ru-RU" dirty="0" smtClean="0">
+                <a:solidFill>
+                  <a:schemeClr val="bg1"/>
+                </a:solidFill>
+              </a:rPr>
+              <a:t>или</a:t>
+            </a:r>
+            <a:r>
+              <a:rPr lang="en-US" dirty="0" smtClean="0">
+                <a:solidFill>
+                  <a:srgbClr val="F6AE1E"/>
+                </a:solidFill>
+              </a:rPr>
+              <a:t> </a:t>
+            </a:r>
+            <a:r>
+              <a:rPr lang="en-US" dirty="0">
+                <a:solidFill>
+                  <a:srgbClr val="F6AE1E"/>
+                </a:solidFill>
+              </a:rPr>
+              <a:t>Ctrl + Mouse Scroll</a:t>
+            </a:r>
+            <a:r>
+              <a:rPr lang="en-US" dirty="0" smtClean="0">
+                <a:solidFill>
+                  <a:srgbClr val="F6AE1E"/>
+                </a:solidFill>
+              </a:rPr>
+              <a:t>)</a:t>
+            </a:r>
+            <a:endParaRPr lang="ru-RU" dirty="0" smtClean="0">
+              <a:solidFill>
+                <a:srgbClr val="F6AE1E"/>
+              </a:solidFill>
+            </a:endParaRPr>
+          </a:p>
+          <a:p>
+            <a:pPr>
+              <a:buClr>
+                <a:schemeClr val="bg1"/>
+              </a:buClr>
+            </a:pPr>
+            <a:r>
+              <a:rPr lang="en-US" dirty="0">
+                <a:solidFill>
+                  <a:srgbClr val="92D050"/>
+                </a:solidFill>
+              </a:rPr>
+              <a:t>[10]</a:t>
+            </a:r>
+            <a:r>
+              <a:rPr lang="en-US" dirty="0" smtClean="0"/>
+              <a:t> </a:t>
             </a:r>
             <a:r>
               <a:rPr lang="ru-RU" dirty="0" smtClean="0"/>
-              <a:t>переключатель «</a:t>
+              <a:t>Многострочное редактирование</a:t>
             </a:r>
             <a:r>
               <a:rPr lang="en-US" dirty="0" smtClean="0"/>
-              <a:t>Enable virtual space</a:t>
+              <a:t> </a:t>
+            </a:r>
+            <a:r>
+              <a:rPr lang="en-US" dirty="0" smtClean="0">
+                <a:solidFill>
+                  <a:srgbClr val="F6AE1E"/>
+                </a:solidFill>
+              </a:rPr>
+              <a:t>(</a:t>
+            </a:r>
+            <a:r>
+              <a:rPr lang="en-US" dirty="0" err="1">
+                <a:solidFill>
+                  <a:srgbClr val="F6AE1E"/>
+                </a:solidFill>
+              </a:rPr>
+              <a:t>Alt+Shift</a:t>
+            </a:r>
+            <a:r>
+              <a:rPr lang="en-US" dirty="0">
+                <a:solidFill>
+                  <a:srgbClr val="F6AE1E"/>
+                </a:solidFill>
+              </a:rPr>
+              <a:t> + Up/Down</a:t>
+            </a:r>
+            <a:r>
+              <a:rPr lang="en-US" dirty="0"/>
+              <a:t> </a:t>
             </a:r>
             <a:r>
               <a:rPr lang="ru-RU" dirty="0" smtClean="0"/>
-              <a:t>»</a:t>
+              <a:t>или</a:t>
             </a:r>
             <a:r>
               <a:rPr lang="en-US" dirty="0" smtClean="0"/>
-              <a:t>, </a:t>
+              <a:t> </a:t>
+            </a:r>
+            <a:r>
+              <a:rPr lang="en-US" dirty="0">
+                <a:solidFill>
+                  <a:srgbClr val="F6AE1E"/>
+                </a:solidFill>
+              </a:rPr>
+              <a:t>Alt + Mouse Up/Down</a:t>
+            </a:r>
+            <a:r>
+              <a:rPr lang="en-US" dirty="0" smtClean="0">
+                <a:solidFill>
+                  <a:srgbClr val="F6AE1E"/>
+                </a:solidFill>
+              </a:rPr>
+              <a:t>)</a:t>
+            </a:r>
+            <a:endParaRPr lang="ru-RU" dirty="0" smtClean="0">
+              <a:solidFill>
+                <a:srgbClr val="F6AE1E"/>
+              </a:solidFill>
+            </a:endParaRPr>
+          </a:p>
+          <a:p>
+            <a:pPr>
+              <a:buClr>
+                <a:schemeClr val="bg1"/>
+              </a:buClr>
+            </a:pPr>
+            <a:r>
+              <a:rPr lang="en-US" dirty="0" smtClean="0">
+                <a:solidFill>
+                  <a:srgbClr val="92D050"/>
+                </a:solidFill>
+              </a:rPr>
+              <a:t>[0</a:t>
+            </a:r>
+            <a:r>
+              <a:rPr lang="ru-RU" dirty="0" smtClean="0">
+                <a:solidFill>
+                  <a:srgbClr val="92D050"/>
+                </a:solidFill>
+              </a:rPr>
+              <a:t>5</a:t>
+            </a:r>
+            <a:r>
+              <a:rPr lang="en-US" dirty="0" smtClean="0">
+                <a:solidFill>
+                  <a:srgbClr val="92D050"/>
+                </a:solidFill>
+              </a:rPr>
+              <a:t>]</a:t>
+            </a:r>
+            <a:r>
+              <a:rPr lang="en-US" dirty="0" smtClean="0"/>
+              <a:t> </a:t>
             </a:r>
             <a:r>
               <a:rPr lang="ru-RU" dirty="0" smtClean="0"/>
-              <a:t>то курсор можно будет ставить в любой место в документе, а не только туда где введен </a:t>
-            </a:r>
-            <a:r>
-              <a:rPr lang="ru-RU" smtClean="0"/>
-              <a:t>текст. </a:t>
-            </a:r>
-            <a:endParaRPr lang="ru-RU" dirty="0"/>
+              <a:t>Вставка текста из ц</a:t>
+            </a:r>
+            <a:r>
+              <a:rPr lang="ru-RU" dirty="0" smtClean="0">
+                <a:solidFill>
+                  <a:schemeClr val="bg1"/>
+                </a:solidFill>
+              </a:rPr>
+              <a:t>иклического буфера обмена </a:t>
+            </a:r>
+            <a:r>
+              <a:rPr lang="en-US" dirty="0">
+                <a:solidFill>
+                  <a:srgbClr val="F6AE1E"/>
+                </a:solidFill>
+              </a:rPr>
+              <a:t>(</a:t>
+            </a:r>
+            <a:r>
+              <a:rPr lang="en-US" dirty="0" err="1">
+                <a:solidFill>
+                  <a:srgbClr val="F6AE1E"/>
+                </a:solidFill>
+              </a:rPr>
+              <a:t>Ctrl+Shift</a:t>
+            </a:r>
+            <a:r>
+              <a:rPr lang="en-US" dirty="0">
+                <a:solidFill>
+                  <a:srgbClr val="F6AE1E"/>
+                </a:solidFill>
+              </a:rPr>
+              <a:t> + V</a:t>
+            </a:r>
+            <a:r>
+              <a:rPr lang="en-US" dirty="0" smtClean="0">
+                <a:solidFill>
+                  <a:srgbClr val="F6AE1E"/>
+                </a:solidFill>
+              </a:rPr>
+              <a:t>)</a:t>
+            </a:r>
+            <a:endParaRPr lang="ru-RU" dirty="0" smtClean="0">
+              <a:solidFill>
+                <a:srgbClr val="F6AE1E"/>
+              </a:solidFill>
+            </a:endParaRPr>
+          </a:p>
+          <a:p>
+            <a:pPr>
+              <a:buClr>
+                <a:schemeClr val="bg1"/>
+              </a:buClr>
+            </a:pPr>
+            <a:r>
+              <a:rPr lang="ru-RU" dirty="0" smtClean="0">
+                <a:solidFill>
+                  <a:schemeClr val="bg1"/>
+                </a:solidFill>
+              </a:rPr>
+              <a:t>Прокрутка текста без изменения положения курсора</a:t>
+            </a:r>
+            <a:r>
+              <a:rPr lang="en-US" dirty="0" smtClean="0">
+                <a:solidFill>
+                  <a:schemeClr val="bg1"/>
+                </a:solidFill>
+              </a:rPr>
+              <a:t> </a:t>
+            </a:r>
+            <a:r>
+              <a:rPr lang="en-US" dirty="0">
+                <a:solidFill>
+                  <a:srgbClr val="F6AE1E"/>
+                </a:solidFill>
+              </a:rPr>
+              <a:t>(Ctrl + Up/Down Arrow)</a:t>
+            </a:r>
           </a:p>
         </p:txBody>
       </p:sp>
     </p:spTree>
     <p:extLst>
       <p:ext uri="{BB962C8B-B14F-4D97-AF65-F5344CB8AC3E}">
-        <p14:creationId xmlns:p14="http://schemas.microsoft.com/office/powerpoint/2010/main" val="2950142326"/>
+        <p14:creationId xmlns:p14="http://schemas.microsoft.com/office/powerpoint/2010/main" val="468185828"/>
       </p:ext>
     </p:extLst>
   </p:cSld>
@@ -8113,9 +8170,7 @@
         </p:nvSpPr>
         <p:spPr/>
         <p:txBody>
-          <a:bodyPr>
-            <a:normAutofit fontScale="90000"/>
-          </a:bodyPr>
+          <a:bodyPr/>
           <a:lstStyle/>
           <a:p>
             <a:r>
@@ -8124,14 +8179,7 @@
             </a:r>
             <a:r>
               <a:rPr lang="en-US" dirty="0" smtClean="0"/>
-              <a:t>: Outlining</a:t>
-            </a:r>
-            <a:br>
-              <a:rPr lang="en-US" dirty="0" smtClean="0"/>
-            </a:br>
-            <a:r>
-              <a:rPr lang="ru-RU" dirty="0" smtClean="0"/>
-              <a:t>Свернуть выделенный блок текста</a:t>
+              <a:t>: Virtual Space</a:t>
             </a:r>
             <a:endParaRPr lang="ru-RU" dirty="0"/>
           </a:p>
@@ -8157,47 +8205,35 @@
             </a:pPr>
             <a:r>
               <a:rPr lang="ru-RU" dirty="0" smtClean="0"/>
-              <a:t>Выделяем текст, нажимаем </a:t>
-            </a:r>
-            <a:r>
-              <a:rPr lang="en-US" dirty="0" smtClean="0">
-                <a:solidFill>
-                  <a:srgbClr val="FFC000"/>
-                </a:solidFill>
-              </a:rPr>
-              <a:t>Ctrl + M, H</a:t>
+              <a:t>Если </a:t>
+            </a:r>
+            <a:r>
+              <a:rPr lang="ru-RU" dirty="0"/>
+              <a:t>включить </a:t>
             </a:r>
             <a:r>
               <a:rPr lang="ru-RU" dirty="0" smtClean="0"/>
-              <a:t> и выделенный блок текста «свернется».</a:t>
+              <a:t>переключатель «</a:t>
             </a:r>
             <a:r>
               <a:rPr lang="en-US" dirty="0" smtClean="0"/>
-              <a:t> </a:t>
+              <a:t>Enable virtual space</a:t>
             </a:r>
             <a:r>
               <a:rPr lang="ru-RU" dirty="0" smtClean="0"/>
-              <a:t>Та же команда доступна в меню </a:t>
+              <a:t>»</a:t>
             </a:r>
             <a:r>
               <a:rPr lang="en-US" dirty="0" smtClean="0"/>
-              <a:t>Edit -&gt;</a:t>
+              <a:t>, </a:t>
             </a:r>
             <a:r>
               <a:rPr lang="ru-RU" dirty="0" smtClean="0"/>
-              <a:t> </a:t>
-            </a:r>
-            <a:r>
-              <a:rPr lang="en-US" dirty="0" smtClean="0"/>
-              <a:t>Outlining</a:t>
-            </a:r>
-            <a:r>
-              <a:rPr lang="ru-RU" dirty="0" smtClean="0"/>
-              <a:t> -</a:t>
-            </a:r>
-            <a:r>
-              <a:rPr lang="en-US" dirty="0" smtClean="0"/>
-              <a:t>&gt; Hide Selection.</a:t>
+              <a:t>то курсор можно будет ставить в любой место в документе, а не только туда где введен </a:t>
+            </a:r>
+            <a:r>
+              <a:rPr lang="ru-RU" smtClean="0"/>
+              <a:t>текст. </a:t>
             </a:r>
             <a:endParaRPr lang="ru-RU" dirty="0"/>
           </a:p>
@@ -8206,7 +8242,7 @@
     </p:spTree>
     <p:extLst>
       <p:ext uri="{BB962C8B-B14F-4D97-AF65-F5344CB8AC3E}">
-        <p14:creationId xmlns:p14="http://schemas.microsoft.com/office/powerpoint/2010/main" val="2080747852"/>
+        <p14:creationId xmlns:p14="http://schemas.microsoft.com/office/powerpoint/2010/main" val="2950142326"/>
       </p:ext>
     </p:extLst>
   </p:cSld>
@@ -8252,7 +8288,9 @@
         </p:nvSpPr>
         <p:spPr/>
         <p:txBody>
-          <a:bodyPr/>
+          <a:bodyPr>
+            <a:normAutofit fontScale="90000"/>
+          </a:bodyPr>
           <a:lstStyle/>
           <a:p>
             <a:r>
@@ -8261,13 +8299,16 @@
             </a:r>
             <a:r>
               <a:rPr lang="en-US" dirty="0" smtClean="0"/>
-              <a:t>: </a:t>
-            </a:r>
+              <a:t>: Outlining</a:t>
+            </a:r>
+            <a:br>
+              <a:rPr lang="en-US" dirty="0" smtClean="0"/>
+            </a:br>
             <a:r>
               <a:rPr lang="ru-RU" dirty="0" smtClean="0"/>
-              <a:t>Поиск текста</a:t>
-            </a:r>
-            <a:endParaRPr lang="en-US" dirty="0"/>
+              <a:t>Свернуть выделенный блок текста</a:t>
+            </a:r>
+            <a:endParaRPr lang="ru-RU" dirty="0"/>
           </a:p>
         </p:txBody>
       </p:sp>
@@ -8283,225 +8324,64 @@
         </p:nvSpPr>
         <p:spPr/>
         <p:txBody>
-          <a:bodyPr>
-            <a:normAutofit fontScale="85000" lnSpcReduction="10000"/>
-          </a:bodyPr>
+          <a:bodyPr/>
           <a:lstStyle/>
           <a:p>
-            <a:pPr>
-              <a:buClr>
-                <a:schemeClr val="bg1"/>
-              </a:buClr>
+            <a:pPr marL="0" indent="0">
+              <a:buNone/>
             </a:pPr>
             <a:r>
-              <a:rPr lang="en-US" dirty="0" err="1" smtClean="0">
-                <a:solidFill>
-                  <a:srgbClr val="F6AE1E"/>
-                </a:solidFill>
-              </a:rPr>
-              <a:t>Ctrl+i</a:t>
-            </a:r>
-            <a:r>
-              <a:rPr lang="ru-RU" dirty="0" smtClean="0">
-                <a:solidFill>
-                  <a:schemeClr val="bg1"/>
-                </a:solidFill>
-              </a:rPr>
+              <a:rPr lang="ru-RU" dirty="0" smtClean="0"/>
+              <a:t>Выделяем текст, нажимаем </a:t>
+            </a:r>
+            <a:r>
+              <a:rPr lang="en-US" dirty="0" smtClean="0">
+                <a:solidFill>
+                  <a:srgbClr val="FFC000"/>
+                </a:solidFill>
+              </a:rPr>
+              <a:t>Ctrl + M, H</a:t>
+            </a:r>
+            <a:r>
+              <a:rPr lang="ru-RU" dirty="0" smtClean="0"/>
+              <a:t> и выделенный блок текста «свернется».</a:t>
+            </a:r>
+            <a:r>
+              <a:rPr lang="en-US" dirty="0" smtClean="0"/>
               <a:t> </a:t>
             </a:r>
             <a:r>
-              <a:rPr lang="en-US" dirty="0" smtClean="0">
-                <a:solidFill>
-                  <a:schemeClr val="bg1"/>
-                </a:solidFill>
-              </a:rPr>
-              <a:t>incremental </a:t>
-            </a:r>
-            <a:r>
-              <a:rPr lang="ru-RU" dirty="0" smtClean="0">
-                <a:solidFill>
-                  <a:schemeClr val="bg1"/>
-                </a:solidFill>
-              </a:rPr>
-              <a:t>поиск</a:t>
-            </a:r>
-          </a:p>
-          <a:p>
-            <a:pPr>
-              <a:buClr>
-                <a:schemeClr val="bg1"/>
-              </a:buClr>
-            </a:pPr>
-            <a:r>
-              <a:rPr lang="en-US" dirty="0">
-                <a:solidFill>
-                  <a:srgbClr val="F6AE1E"/>
-                </a:solidFill>
-              </a:rPr>
-              <a:t>F3/Shift+F3</a:t>
-            </a:r>
-            <a:r>
-              <a:rPr lang="en-US" dirty="0" smtClean="0">
-                <a:solidFill>
-                  <a:schemeClr val="bg1"/>
-                </a:solidFill>
-              </a:rPr>
+              <a:rPr lang="ru-RU" dirty="0" smtClean="0"/>
+              <a:t>Та же команда доступна в меню </a:t>
+            </a:r>
+            <a:r>
+              <a:rPr lang="en-US" dirty="0" smtClean="0"/>
+              <a:t>Edit -&gt;</a:t>
+            </a:r>
+            <a:r>
+              <a:rPr lang="ru-RU" dirty="0" smtClean="0"/>
               <a:t> </a:t>
             </a:r>
             <a:r>
-              <a:rPr lang="ru-RU" dirty="0" smtClean="0">
-                <a:solidFill>
-                  <a:schemeClr val="bg1"/>
-                </a:solidFill>
-              </a:rPr>
-              <a:t>найти следующее/предыдущее вхождение строки</a:t>
-            </a:r>
-          </a:p>
-          <a:p>
-            <a:pPr>
-              <a:buClr>
-                <a:schemeClr val="bg1"/>
-              </a:buClr>
-            </a:pPr>
-            <a:r>
-              <a:rPr lang="en-US" dirty="0">
-                <a:solidFill>
-                  <a:srgbClr val="F6AE1E"/>
-                </a:solidFill>
-              </a:rPr>
-              <a:t>Ctrl+F3</a:t>
-            </a:r>
-            <a:r>
-              <a:rPr lang="en-US" dirty="0" smtClean="0">
-                <a:solidFill>
-                  <a:schemeClr val="bg1"/>
-                </a:solidFill>
-              </a:rPr>
-              <a:t> </a:t>
-            </a:r>
-            <a:r>
-              <a:rPr lang="ru-RU" dirty="0" smtClean="0">
-                <a:solidFill>
-                  <a:schemeClr val="bg1"/>
-                </a:solidFill>
-              </a:rPr>
-              <a:t>найти следующее вхождение выделенного текста</a:t>
-            </a:r>
-          </a:p>
-          <a:p>
-            <a:pPr>
-              <a:buClr>
-                <a:schemeClr val="bg1"/>
-              </a:buClr>
-            </a:pPr>
-            <a:r>
-              <a:rPr lang="en-US" dirty="0" err="1">
-                <a:solidFill>
-                  <a:srgbClr val="F6AE1E"/>
-                </a:solidFill>
-              </a:rPr>
-              <a:t>Ctrl+Shift+F</a:t>
-            </a:r>
-            <a:r>
-              <a:rPr lang="en-US" dirty="0" smtClean="0">
-                <a:solidFill>
-                  <a:schemeClr val="bg1"/>
-                </a:solidFill>
-              </a:rPr>
-              <a:t> </a:t>
-            </a:r>
-            <a:r>
-              <a:rPr lang="ru-RU" dirty="0" smtClean="0">
-                <a:solidFill>
-                  <a:schemeClr val="bg1"/>
-                </a:solidFill>
-              </a:rPr>
-              <a:t>найти в </a:t>
-            </a:r>
-            <a:r>
-              <a:rPr lang="en-US" dirty="0" smtClean="0">
-                <a:solidFill>
-                  <a:schemeClr val="bg1"/>
-                </a:solidFill>
-              </a:rPr>
-              <a:t>solution</a:t>
-            </a:r>
-          </a:p>
-          <a:p>
-            <a:pPr marL="0" indent="0">
-              <a:buClr>
-                <a:schemeClr val="bg1"/>
-              </a:buClr>
-              <a:buNone/>
-            </a:pPr>
-            <a:endParaRPr lang="ru-RU" dirty="0" smtClean="0">
-              <a:solidFill>
-                <a:schemeClr val="bg1"/>
-              </a:solidFill>
-            </a:endParaRPr>
-          </a:p>
-          <a:p>
-            <a:pPr>
-              <a:buClr>
-                <a:schemeClr val="bg1"/>
-              </a:buClr>
-            </a:pPr>
-            <a:endParaRPr lang="ru-RU" dirty="0">
-              <a:solidFill>
-                <a:schemeClr val="bg1"/>
-              </a:solidFill>
-            </a:endParaRPr>
-          </a:p>
-          <a:p>
-            <a:pPr marL="0" indent="0">
-              <a:buClr>
-                <a:schemeClr val="bg1"/>
-              </a:buClr>
-              <a:buNone/>
-            </a:pPr>
-            <a:r>
-              <a:rPr lang="en-US" dirty="0">
-                <a:solidFill>
-                  <a:schemeClr val="bg1"/>
-                </a:solidFill>
-                <a:hlinkClick r:id="rId2"/>
-              </a:rPr>
-              <a:t>http://</a:t>
-            </a:r>
-            <a:r>
-              <a:rPr lang="en-US" dirty="0" smtClean="0">
-                <a:solidFill>
-                  <a:schemeClr val="bg1"/>
-                </a:solidFill>
-                <a:hlinkClick r:id="rId2"/>
-              </a:rPr>
-              <a:t>weblogs.asp.net/scottgu/archive/2010/08/24/search-and-navigation-tips-tricks-with-visual-studio.aspx</a:t>
-            </a:r>
-            <a:endParaRPr lang="ru-RU" dirty="0" smtClean="0">
-              <a:solidFill>
-                <a:schemeClr val="bg1"/>
-              </a:solidFill>
-            </a:endParaRPr>
-          </a:p>
-          <a:p>
-            <a:pPr marL="0" indent="0">
-              <a:buClr>
-                <a:schemeClr val="bg1"/>
-              </a:buClr>
-              <a:buNone/>
-            </a:pPr>
-            <a:endParaRPr lang="en-US" dirty="0">
-              <a:solidFill>
-                <a:schemeClr val="bg1"/>
-              </a:solidFill>
-            </a:endParaRPr>
+              <a:rPr lang="en-US" dirty="0" smtClean="0"/>
+              <a:t>Outlining</a:t>
+            </a:r>
+            <a:r>
+              <a:rPr lang="ru-RU" dirty="0" smtClean="0"/>
+              <a:t> -</a:t>
+            </a:r>
+            <a:r>
+              <a:rPr lang="en-US" dirty="0" smtClean="0"/>
+              <a:t>&gt; Hide Selection.</a:t>
+            </a:r>
+            <a:endParaRPr lang="ru-RU" dirty="0"/>
           </a:p>
         </p:txBody>
       </p:sp>
     </p:spTree>
     <p:extLst>
       <p:ext uri="{BB962C8B-B14F-4D97-AF65-F5344CB8AC3E}">
-        <p14:creationId xmlns:p14="http://schemas.microsoft.com/office/powerpoint/2010/main" val="1967395690"/>
+        <p14:creationId xmlns:p14="http://schemas.microsoft.com/office/powerpoint/2010/main" val="2080747852"/>
       </p:ext>
     </p:extLst>
   </p:cSld>
@@ -8547,9 +8427,7 @@
         </p:nvSpPr>
         <p:spPr/>
         <p:txBody>
-          <a:bodyPr>
-            <a:normAutofit fontScale="90000"/>
-          </a:bodyPr>
+          <a:bodyPr/>
           <a:lstStyle/>
           <a:p>
             <a:r>
@@ -8562,14 +8440,7 @@
             </a:r>
             <a:r>
               <a:rPr lang="ru-RU" dirty="0" smtClean="0"/>
-              <a:t>работа с блоками</a:t>
-            </a:r>
-            <a:br>
-              <a:rPr lang="ru-RU" dirty="0" smtClean="0"/>
-            </a:br>
-            <a:r>
-              <a:rPr lang="ru-RU" dirty="0" smtClean="0"/>
-              <a:t>внутри скобок</a:t>
+              <a:t>Поиск текста</a:t>
             </a:r>
             <a:endParaRPr lang="en-US" dirty="0"/>
           </a:p>
@@ -8588,7 +8459,7 @@
         <p:spPr/>
         <p:txBody>
           <a:bodyPr>
-            <a:normAutofit/>
+            <a:normAutofit fontScale="85000" lnSpcReduction="10000"/>
           </a:bodyPr>
           <a:lstStyle/>
           <a:p>
@@ -8603,15 +8474,23 @@
                   <a:srgbClr val="F6AE1E"/>
                 </a:solidFill>
               </a:rPr>
-              <a:t>Ctrl+Shift</a:t>
+              <a:t>Ctrl+i</a:t>
+            </a:r>
+            <a:r>
+              <a:rPr lang="ru-RU" dirty="0" smtClean="0">
+                <a:solidFill>
+                  <a:schemeClr val="bg1"/>
+                </a:solidFill>
+              </a:rPr>
+              <a:t> </a:t>
             </a:r>
             <a:r>
               <a:rPr lang="en-US" dirty="0" smtClean="0">
                 <a:solidFill>
-                  <a:srgbClr val="F6AE1E"/>
-                </a:solidFill>
-              </a:rPr>
-              <a:t>+]</a:t>
+                  <a:schemeClr val="bg1"/>
+                </a:solidFill>
+              </a:rPr>
+              <a:t>incremental </a:t>
             </a:r>
             <a:r>
               <a:rPr lang="ru-RU" dirty="0" smtClean="0">
@@ -8619,47 +8498,7 @@
                   <a:schemeClr val="bg1"/>
                 </a:solidFill>
               </a:rPr>
-              <a:t> выделение блока внутри</a:t>
-            </a:r>
-            <a:r>
-              <a:rPr lang="en-US" dirty="0" smtClean="0">
-                <a:solidFill>
-                  <a:schemeClr val="bg1"/>
-                </a:solidFill>
-              </a:rPr>
-              <a:t> { }. </a:t>
-            </a:r>
-            <a:r>
-              <a:rPr lang="ru-RU" dirty="0" smtClean="0">
-                <a:solidFill>
-                  <a:schemeClr val="bg1"/>
-                </a:solidFill>
-              </a:rPr>
-              <a:t>Курсор должен стоять на </a:t>
-            </a:r>
-            <a:r>
-              <a:rPr lang="en-US" dirty="0" smtClean="0">
-                <a:solidFill>
-                  <a:schemeClr val="bg1"/>
-                </a:solidFill>
-              </a:rPr>
-              <a:t>{ </a:t>
-            </a:r>
-            <a:r>
-              <a:rPr lang="ru-RU" dirty="0" smtClean="0">
-                <a:solidFill>
-                  <a:schemeClr val="bg1"/>
-                </a:solidFill>
-              </a:rPr>
-              <a:t>или </a:t>
-            </a:r>
-            <a:r>
-              <a:rPr lang="en-US" dirty="0" smtClean="0">
-                <a:solidFill>
-                  <a:schemeClr val="bg1"/>
-                </a:solidFill>
-              </a:rPr>
-              <a:t>}</a:t>
+              <a:t>поиск</a:t>
             </a:r>
           </a:p>
           <a:p>
@@ -8674,15 +8513,144 @@
                   <a:srgbClr val="F6AE1E"/>
                 </a:solidFill>
               </a:rPr>
-              <a:t>Ctrl+] </a:t>
-            </a:r>
-            <a:r>
-              <a:rPr lang="ru-RU" dirty="0">
+              <a:t>F3/Shift+F3</a:t>
+            </a:r>
+            <a:r>
+              <a:rPr lang="en-US" dirty="0" smtClean="0">
                 <a:solidFill>
                   <a:schemeClr val="bg1"/>
                 </a:solidFill>
               </a:rPr>
-              <a:t>перейти к парной скобке открывающей или закрывающей скобке</a:t>
+              <a:t> </a:t>
+            </a:r>
+            <a:r>
+              <a:rPr lang="ru-RU" dirty="0" smtClean="0">
+                <a:solidFill>
+                  <a:schemeClr val="bg1"/>
+                </a:solidFill>
+              </a:rPr>
+              <a:t>найти следующее/предыдущее вхождение строки</a:t>
+            </a:r>
+          </a:p>
+          <a:p>
+            <a:pPr>
+              <a:buClr>
+                <a:schemeClr val="bg1"/>
+              </a:buClr>
+            </a:pPr>
+            <a:r>
+              <a:rPr lang="en-US" dirty="0">
+                <a:solidFill>
+                  <a:srgbClr val="F6AE1E"/>
+                </a:solidFill>
+              </a:rPr>
+              <a:t>Ctrl+F3</a:t>
+            </a:r>
+            <a:r>
+              <a:rPr lang="en-US" dirty="0" smtClean="0">
+                <a:solidFill>
+                  <a:schemeClr val="bg1"/>
+                </a:solidFill>
+              </a:rPr>
+              <a:t> </a:t>
+            </a:r>
+            <a:r>
+              <a:rPr lang="ru-RU" dirty="0" smtClean="0">
+                <a:solidFill>
+                  <a:schemeClr val="bg1"/>
+                </a:solidFill>
+              </a:rPr>
+              <a:t>найти следующее вхождение выделенного текста</a:t>
+            </a:r>
+          </a:p>
+          <a:p>
+            <a:pPr>
+              <a:buClr>
+                <a:schemeClr val="bg1"/>
+              </a:buClr>
+            </a:pPr>
+            <a:r>
+              <a:rPr lang="en-US" dirty="0" err="1">
+                <a:solidFill>
+                  <a:srgbClr val="F6AE1E"/>
+                </a:solidFill>
+              </a:rPr>
+              <a:t>Ctrl+Shift+F</a:t>
+            </a:r>
+            <a:r>
+              <a:rPr lang="en-US" dirty="0" smtClean="0">
+                <a:solidFill>
+                  <a:schemeClr val="bg1"/>
+                </a:solidFill>
+              </a:rPr>
+              <a:t> </a:t>
+            </a:r>
+            <a:r>
+              <a:rPr lang="ru-RU" dirty="0" smtClean="0">
+                <a:solidFill>
+                  <a:schemeClr val="bg1"/>
+                </a:solidFill>
+              </a:rPr>
+              <a:t>найти в </a:t>
+            </a:r>
+            <a:r>
+              <a:rPr lang="en-US" dirty="0" smtClean="0">
+                <a:solidFill>
+                  <a:schemeClr val="bg1"/>
+                </a:solidFill>
+              </a:rPr>
+              <a:t>solution</a:t>
+            </a:r>
+          </a:p>
+          <a:p>
+            <a:pPr marL="0" indent="0">
+              <a:buClr>
+                <a:schemeClr val="bg1"/>
+              </a:buClr>
+              <a:buNone/>
+            </a:pPr>
+            <a:endParaRPr lang="ru-RU" dirty="0" smtClean="0">
+              <a:solidFill>
+                <a:schemeClr val="bg1"/>
+              </a:solidFill>
+            </a:endParaRPr>
+          </a:p>
+          <a:p>
+            <a:pPr>
+              <a:buClr>
+                <a:schemeClr val="bg1"/>
+              </a:buClr>
+            </a:pPr>
+            <a:endParaRPr lang="ru-RU" dirty="0">
+              <a:solidFill>
+                <a:schemeClr val="bg1"/>
+              </a:solidFill>
+            </a:endParaRPr>
+          </a:p>
+          <a:p>
+            <a:pPr marL="0" indent="0">
+              <a:buClr>
+                <a:schemeClr val="bg1"/>
+              </a:buClr>
+              <a:buNone/>
+            </a:pPr>
+            <a:r>
+              <a:rPr lang="en-US" dirty="0">
+                <a:solidFill>
+                  <a:schemeClr val="bg1"/>
+                </a:solidFill>
+                <a:hlinkClick r:id="rId2"/>
+              </a:rPr>
+              <a:t>http://</a:t>
+            </a:r>
+            <a:r>
+              <a:rPr lang="en-US" dirty="0" smtClean="0">
+                <a:solidFill>
+                  <a:schemeClr val="bg1"/>
+                </a:solidFill>
+                <a:hlinkClick r:id="rId2"/>
+              </a:rPr>
+              <a:t>weblogs.asp.net/scottgu/archive/2010/08/24/search-and-navigation-tips-tricks-with-visual-studio.aspx</a:t>
             </a:r>
             <a:endParaRPr lang="ru-RU" dirty="0" smtClean="0">
               <a:solidFill>
@@ -8708,7 +8676,7 @@
     </p:spTree>
     <p:extLst>
       <p:ext uri="{BB962C8B-B14F-4D97-AF65-F5344CB8AC3E}">
-        <p14:creationId xmlns:p14="http://schemas.microsoft.com/office/powerpoint/2010/main" val="4175683496"/>
+        <p14:creationId xmlns:p14="http://schemas.microsoft.com/office/powerpoint/2010/main" val="1967395690"/>
       </p:ext>
     </p:extLst>
   </p:cSld>
@@ -8755,15 +8723,30 @@
         <p:spPr/>
         <p:txBody>
           <a:bodyPr>
-            <a:normAutofit/>
+            <a:normAutofit fontScale="90000"/>
           </a:bodyPr>
           <a:lstStyle/>
           <a:p>
             <a:r>
               <a:rPr lang="ru-RU" dirty="0" smtClean="0"/>
-              <a:t>Редактор: удаление текста</a:t>
-            </a:r>
-            <a:endParaRPr lang="ru-RU" dirty="0"/>
+              <a:t>Редактор</a:t>
+            </a:r>
+            <a:r>
+              <a:rPr lang="en-US" dirty="0" smtClean="0"/>
+              <a:t>: </a:t>
+            </a:r>
+            <a:r>
+              <a:rPr lang="ru-RU" dirty="0" smtClean="0"/>
+              <a:t>работа с блоками</a:t>
+            </a:r>
+            <a:br>
+              <a:rPr lang="ru-RU" dirty="0" smtClean="0"/>
+            </a:br>
+            <a:r>
+              <a:rPr lang="ru-RU" dirty="0" smtClean="0"/>
+              <a:t>внутри скобок</a:t>
+            </a:r>
+            <a:endParaRPr lang="en-US" dirty="0"/>
           </a:p>
         </p:txBody>
       </p:sp>
@@ -8779,67 +8762,128 @@
         </p:nvSpPr>
         <p:spPr/>
         <p:txBody>
-          <a:bodyPr/>
+          <a:bodyPr>
+            <a:normAutofit/>
+          </a:bodyPr>
           <a:lstStyle/>
           <a:p>
+            <a:pPr>
+              <a:buClr>
+                <a:schemeClr val="bg1"/>
+              </a:buClr>
+            </a:pPr>
+            <a:r>
+              <a:rPr lang="en-US" dirty="0" err="1" smtClean="0">
+                <a:solidFill>
+                  <a:srgbClr val="F6AE1E"/>
+                </a:solidFill>
+              </a:rPr>
+              <a:t>Ctrl+Shift</a:t>
+            </a:r>
             <a:r>
               <a:rPr lang="en-US" dirty="0" smtClean="0">
                 <a:solidFill>
                   <a:srgbClr val="F6AE1E"/>
                 </a:solidFill>
               </a:rPr>
-              <a:t>Ctrl</a:t>
+              <a:t>+]</a:t>
             </a:r>
             <a:r>
               <a:rPr lang="ru-RU" dirty="0" smtClean="0">
                 <a:solidFill>
+                  <a:schemeClr val="bg1"/>
+                </a:solidFill>
+              </a:rPr>
+              <a:t> выделение блока внутри</a:t>
+            </a:r>
+            <a:r>
+              <a:rPr lang="en-US" dirty="0" smtClean="0">
+                <a:solidFill>
+                  <a:schemeClr val="bg1"/>
+                </a:solidFill>
+              </a:rPr>
+              <a:t> { }. </a:t>
+            </a:r>
+            <a:r>
+              <a:rPr lang="ru-RU" dirty="0" smtClean="0">
+                <a:solidFill>
+                  <a:schemeClr val="bg1"/>
+                </a:solidFill>
+              </a:rPr>
+              <a:t>Курсор должен стоять на </a:t>
+            </a:r>
+            <a:r>
+              <a:rPr lang="en-US" dirty="0" smtClean="0">
+                <a:solidFill>
+                  <a:schemeClr val="bg1"/>
+                </a:solidFill>
+              </a:rPr>
+              <a:t>{ </a:t>
+            </a:r>
+            <a:r>
+              <a:rPr lang="ru-RU" dirty="0" smtClean="0">
+                <a:solidFill>
+                  <a:schemeClr val="bg1"/>
+                </a:solidFill>
+              </a:rPr>
+              <a:t>или </a:t>
+            </a:r>
+            <a:r>
+              <a:rPr lang="en-US" dirty="0" smtClean="0">
+                <a:solidFill>
+                  <a:schemeClr val="bg1"/>
+                </a:solidFill>
+              </a:rPr>
+              <a:t>}</a:t>
+            </a:r>
+          </a:p>
+          <a:p>
+            <a:pPr>
+              <a:buClr>
+                <a:schemeClr val="bg1"/>
+              </a:buClr>
+            </a:pPr>
+            <a:r>
+              <a:rPr lang="en-US" dirty="0">
+                <a:solidFill>
                   <a:srgbClr val="F6AE1E"/>
                 </a:solidFill>
               </a:rPr>
-              <a:t>+</a:t>
-            </a:r>
-            <a:r>
-              <a:rPr lang="en-US" dirty="0" smtClean="0">
-                <a:solidFill>
-                  <a:srgbClr val="F6AE1E"/>
-                </a:solidFill>
-              </a:rPr>
-              <a:t>Backspace</a:t>
-            </a:r>
-            <a:r>
-              <a:rPr lang="en-US" dirty="0" smtClean="0"/>
-              <a:t> </a:t>
-            </a:r>
-            <a:r>
-              <a:rPr lang="ru-RU" dirty="0" smtClean="0"/>
-              <a:t>удалить слово слева от курсора</a:t>
-            </a:r>
-            <a:r>
-              <a:rPr lang="en-US" dirty="0" smtClean="0"/>
-              <a:t> </a:t>
-            </a:r>
-          </a:p>
-          <a:p>
-            <a:r>
-              <a:rPr lang="en-US" dirty="0" err="1" smtClean="0">
-                <a:solidFill>
-                  <a:srgbClr val="F6AE1E"/>
-                </a:solidFill>
-              </a:rPr>
-              <a:t>Ctrl+Del</a:t>
-            </a:r>
-            <a:r>
-              <a:rPr lang="ru-RU" dirty="0" smtClean="0"/>
-              <a:t> удалить слово справа от курсора</a:t>
-            </a:r>
-            <a:endParaRPr lang="ru-RU" dirty="0"/>
+              <a:t>Ctrl+] </a:t>
+            </a:r>
+            <a:r>
+              <a:rPr lang="ru-RU" dirty="0">
+                <a:solidFill>
+                  <a:schemeClr val="bg1"/>
+                </a:solidFill>
+              </a:rPr>
+              <a:t>перейти к парной скобке открывающей или закрывающей скобке</a:t>
+            </a:r>
+            <a:endParaRPr lang="ru-RU" dirty="0" smtClean="0">
+              <a:solidFill>
+                <a:schemeClr val="bg1"/>
+              </a:solidFill>
+            </a:endParaRPr>
+          </a:p>
+          <a:p>
+            <a:pPr marL="0" indent="0">
+              <a:buClr>
+                <a:schemeClr val="bg1"/>
+              </a:buClr>
+              <a:buNone/>
+            </a:pPr>
+            <a:endParaRPr lang="en-US" dirty="0">
+              <a:solidFill>
+                <a:schemeClr val="bg1"/>
+              </a:solidFill>
+            </a:endParaRPr>
           </a:p>
         </p:txBody>
       </p:sp>
     </p:spTree>
     <p:extLst>
       <p:ext uri="{BB962C8B-B14F-4D97-AF65-F5344CB8AC3E}">
-        <p14:creationId xmlns:p14="http://schemas.microsoft.com/office/powerpoint/2010/main" val="3793092540"/>
+        <p14:creationId xmlns:p14="http://schemas.microsoft.com/office/powerpoint/2010/main" val="4175683496"/>
       </p:ext>
     </p:extLst>
   </p:cSld>
@@ -8885,12 +8929,14 @@
         </p:nvSpPr>
         <p:spPr/>
         <p:txBody>
-          <a:bodyPr/>
+          <a:bodyPr>
+            <a:normAutofit/>
+          </a:bodyPr>
           <a:lstStyle/>
           <a:p>
             <a:r>
               <a:rPr lang="ru-RU" dirty="0" smtClean="0"/>
-              <a:t>Редактор: комментарии</a:t>
+              <a:t>Редактор: удаление текста</a:t>
             </a:r>
             <a:endParaRPr lang="ru-RU" dirty="0"/>
           </a:p>
@@ -8908,100 +8954,67 @@
         </p:nvSpPr>
         <p:spPr/>
         <p:txBody>
-          <a:bodyPr>
-            <a:normAutofit/>
-          </a:bodyPr>
+          <a:bodyPr/>
           <a:lstStyle/>
           <a:p>
             <a:r>
-              <a:rPr lang="en-US" sz="2800" dirty="0" err="1">
+              <a:rPr lang="en-US" dirty="0" smtClean="0">
                 <a:solidFill>
                   <a:srgbClr val="F6AE1E"/>
                 </a:solidFill>
               </a:rPr>
-              <a:t>Ctrl+K</a:t>
-            </a:r>
-            <a:r>
-              <a:rPr lang="en-US" sz="2800" dirty="0">
+              <a:t>Ctrl</a:t>
+            </a:r>
+            <a:r>
+              <a:rPr lang="ru-RU" dirty="0" smtClean="0">
                 <a:solidFill>
                   <a:srgbClr val="F6AE1E"/>
                 </a:solidFill>
               </a:rPr>
-              <a:t>, </a:t>
-            </a:r>
-            <a:r>
-              <a:rPr lang="en-US" sz="2800" dirty="0" err="1">
+              <a:t>+</a:t>
+            </a:r>
+            <a:r>
+              <a:rPr lang="en-US" dirty="0" smtClean="0">
                 <a:solidFill>
                   <a:srgbClr val="F6AE1E"/>
                 </a:solidFill>
               </a:rPr>
-              <a:t>Ctrl+C</a:t>
-            </a:r>
-            <a:r>
-              <a:rPr lang="en-US" sz="2800" dirty="0">
-                <a:solidFill>
-                  <a:schemeClr val="bg1"/>
-                </a:solidFill>
-              </a:rPr>
+              <a:t>Backspace</a:t>
+            </a:r>
+            <a:r>
+              <a:rPr lang="en-US" dirty="0" smtClean="0"/>
               <a:t> </a:t>
             </a:r>
             <a:r>
-              <a:rPr lang="ru-RU" sz="2800" dirty="0">
-                <a:solidFill>
-                  <a:schemeClr val="bg1"/>
-                </a:solidFill>
-              </a:rPr>
-              <a:t>закоментировать выбранные </a:t>
-            </a:r>
-            <a:r>
-              <a:rPr lang="ru-RU" sz="2800" dirty="0" smtClean="0">
-                <a:solidFill>
-                  <a:schemeClr val="bg1"/>
-                </a:solidFill>
-              </a:rPr>
-              <a:t>строки</a:t>
-            </a:r>
-          </a:p>
-          <a:p>
-            <a:r>
-              <a:rPr lang="en-US" sz="2800" dirty="0" err="1">
+              <a:rPr lang="ru-RU" dirty="0" smtClean="0"/>
+              <a:t>удалить слово слева от курсора</a:t>
+            </a:r>
+            <a:r>
+              <a:rPr lang="en-US" dirty="0" smtClean="0"/>
+              <a:t> </a:t>
+            </a:r>
+          </a:p>
+          <a:p>
+            <a:r>
+              <a:rPr lang="en-US" dirty="0" err="1" smtClean="0">
                 <a:solidFill>
                   <a:srgbClr val="F6AE1E"/>
                 </a:solidFill>
               </a:rPr>
-              <a:t>Ctrl+K</a:t>
-            </a:r>
-            <a:r>
-              <a:rPr lang="en-US" sz="2800" dirty="0">
-                <a:solidFill>
-                  <a:srgbClr val="F6AE1E"/>
-                </a:solidFill>
-              </a:rPr>
-              <a:t>, </a:t>
-            </a:r>
-            <a:r>
-              <a:rPr lang="en-US" sz="2800" dirty="0" err="1">
-                <a:solidFill>
-                  <a:srgbClr val="F6AE1E"/>
-                </a:solidFill>
-              </a:rPr>
-              <a:t>Ctrl+U</a:t>
-            </a:r>
-            <a:r>
-              <a:rPr lang="en-US" sz="2800" dirty="0"/>
-              <a:t> </a:t>
-            </a:r>
-            <a:r>
-              <a:rPr lang="ru-RU" sz="2800" dirty="0"/>
-              <a:t>снять коментарий с выбранных строк</a:t>
-            </a:r>
+              <a:t>Ctrl+Del</a:t>
+            </a:r>
+            <a:r>
+              <a:rPr lang="ru-RU" dirty="0" smtClean="0"/>
+              <a:t> удалить слово справа от курсора</a:t>
+            </a:r>
+            <a:endParaRPr lang="ru-RU" dirty="0"/>
           </a:p>
         </p:txBody>
       </p:sp>
     </p:spTree>
     <p:extLst>
       <p:ext uri="{BB962C8B-B14F-4D97-AF65-F5344CB8AC3E}">
-        <p14:creationId xmlns:p14="http://schemas.microsoft.com/office/powerpoint/2010/main" val="4274730761"/>
+        <p14:creationId xmlns:p14="http://schemas.microsoft.com/office/powerpoint/2010/main" val="3793092540"/>
       </p:ext>
     </p:extLst>
   </p:cSld>
@@ -9052,17 +9065,9 @@
           <a:p>
             <a:r>
               <a:rPr lang="ru-RU" dirty="0" smtClean="0"/>
-              <a:t>Редактор</a:t>
-            </a:r>
-            <a:r>
-              <a:rPr lang="en-US" dirty="0" smtClean="0"/>
-              <a:t>: </a:t>
-            </a:r>
-            <a:r>
-              <a:rPr lang="ru-RU" dirty="0" smtClean="0"/>
-              <a:t>Колоночный режим</a:t>
-            </a:r>
-            <a:endParaRPr lang="en-US" dirty="0"/>
+              <a:t>Редактор: комментарии</a:t>
+            </a:r>
+            <a:endParaRPr lang="ru-RU" dirty="0"/>
           </a:p>
         </p:txBody>
       </p:sp>
@@ -9083,147 +9088,95 @@
           </a:bodyPr>
           <a:lstStyle/>
           <a:p>
-            <a:pPr>
-              <a:buClr>
-                <a:schemeClr val="bg1"/>
-              </a:buClr>
-            </a:pPr>
-            <a:r>
-              <a:rPr lang="en-US" dirty="0" err="1" smtClean="0">
+            <a:r>
+              <a:rPr lang="en-US" sz="2800" dirty="0" err="1">
                 <a:solidFill>
                   <a:srgbClr val="F6AE1E"/>
                 </a:solidFill>
               </a:rPr>
-              <a:t>Shift+Alt+Arrow</a:t>
-            </a:r>
-            <a:r>
-              <a:rPr lang="ru-RU" dirty="0" smtClean="0">
+              <a:t>Ctrl+K</a:t>
+            </a:r>
+            <a:r>
+              <a:rPr lang="en-US" sz="2800" dirty="0">
+                <a:solidFill>
+                  <a:srgbClr val="F6AE1E"/>
+                </a:solidFill>
+              </a:rPr>
+              <a:t>, </a:t>
+            </a:r>
+            <a:r>
+              <a:rPr lang="en-US" sz="2800" dirty="0" err="1">
+                <a:solidFill>
+                  <a:srgbClr val="F6AE1E"/>
+                </a:solidFill>
+              </a:rPr>
+              <a:t>Ctrl+C</a:t>
+            </a:r>
+            <a:r>
+              <a:rPr lang="en-US" sz="2800" dirty="0">
                 <a:solidFill>
                   <a:schemeClr val="bg1"/>
                 </a:solidFill>
               </a:rPr>
-              <a:t> позволяет выделить прямоугольный блок текста</a:t>
-            </a:r>
-          </a:p>
-          <a:p>
-            <a:pPr>
-              <a:buClr>
-                <a:schemeClr val="bg1"/>
-              </a:buClr>
-            </a:pPr>
-            <a:r>
-              <a:rPr lang="en-US" dirty="0">
+              <a:t> </a:t>
+            </a:r>
+            <a:r>
+              <a:rPr lang="ru-RU" sz="2800" dirty="0">
+                <a:solidFill>
+                  <a:schemeClr val="bg1"/>
+                </a:solidFill>
+              </a:rPr>
+              <a:t>закоментировать выбранные </a:t>
+            </a:r>
+            <a:r>
+              <a:rPr lang="ru-RU" sz="2800" dirty="0" smtClean="0">
+                <a:solidFill>
+                  <a:schemeClr val="bg1"/>
+                </a:solidFill>
+              </a:rPr>
+              <a:t>строки</a:t>
+            </a:r>
+          </a:p>
+          <a:p>
+            <a:r>
+              <a:rPr lang="en-US" sz="2800" dirty="0" err="1">
                 <a:solidFill>
                   <a:srgbClr val="F6AE1E"/>
                 </a:solidFill>
               </a:rPr>
-              <a:t>Alt + Left Mouse</a:t>
-            </a:r>
-            <a:r>
-              <a:rPr lang="en-US" dirty="0" smtClean="0">
-                <a:solidFill>
-                  <a:schemeClr val="bg1"/>
-                </a:solidFill>
-              </a:rPr>
+              <a:t>Ctrl+K</a:t>
+            </a:r>
+            <a:r>
+              <a:rPr lang="en-US" sz="2800" dirty="0">
+                <a:solidFill>
+                  <a:srgbClr val="F6AE1E"/>
+                </a:solidFill>
+              </a:rPr>
+              <a:t>, </a:t>
+            </a:r>
+            <a:r>
+              <a:rPr lang="en-US" sz="2800" dirty="0" err="1">
+                <a:solidFill>
+                  <a:srgbClr val="F6AE1E"/>
+                </a:solidFill>
+              </a:rPr>
+              <a:t>Ctrl+U</a:t>
+            </a:r>
+            <a:r>
+              <a:rPr lang="en-US" sz="2800" dirty="0"/>
               <a:t> </a:t>
             </a:r>
             <a:r>
-              <a:rPr lang="en-US" dirty="0">
-                <a:solidFill>
-                  <a:srgbClr val="F6AE1E"/>
-                </a:solidFill>
-              </a:rPr>
-              <a:t>Button</a:t>
-            </a:r>
-            <a:r>
-              <a:rPr lang="en-US" dirty="0" smtClean="0">
-                <a:solidFill>
-                  <a:schemeClr val="bg1"/>
-                </a:solidFill>
-              </a:rPr>
-              <a:t> </a:t>
-            </a:r>
-            <a:r>
-              <a:rPr lang="ru-RU" dirty="0" smtClean="0">
-                <a:solidFill>
-                  <a:schemeClr val="bg1"/>
-                </a:solidFill>
-              </a:rPr>
-              <a:t>позиционирует курсор за концом строки даже если опция «</a:t>
-            </a:r>
-            <a:r>
-              <a:rPr lang="en-US" dirty="0" smtClean="0">
-                <a:solidFill>
-                  <a:schemeClr val="bg1"/>
-                </a:solidFill>
-              </a:rPr>
-              <a:t>enable virtual space</a:t>
-            </a:r>
-            <a:r>
-              <a:rPr lang="ru-RU" dirty="0" smtClean="0">
-                <a:solidFill>
-                  <a:schemeClr val="bg1"/>
-                </a:solidFill>
-              </a:rPr>
-              <a:t>» выключена</a:t>
-            </a:r>
-          </a:p>
-          <a:p>
-            <a:pPr>
-              <a:buClr>
-                <a:schemeClr val="bg1"/>
-              </a:buClr>
-            </a:pPr>
-            <a:endParaRPr lang="en-US" dirty="0" smtClean="0">
-              <a:solidFill>
-                <a:schemeClr val="bg1"/>
-              </a:solidFill>
-            </a:endParaRPr>
-          </a:p>
-          <a:p>
-            <a:pPr marL="0" indent="0">
-              <a:buClr>
-                <a:schemeClr val="bg1"/>
-              </a:buClr>
-              <a:buNone/>
-            </a:pPr>
-            <a:endParaRPr lang="ru-RU" dirty="0" smtClean="0">
-              <a:solidFill>
-                <a:schemeClr val="bg1"/>
-              </a:solidFill>
-            </a:endParaRPr>
-          </a:p>
-          <a:p>
-            <a:pPr>
-              <a:buClr>
-                <a:schemeClr val="bg1"/>
-              </a:buClr>
-            </a:pPr>
-            <a:endParaRPr lang="ru-RU" dirty="0">
-              <a:solidFill>
-                <a:schemeClr val="bg1"/>
-              </a:solidFill>
-            </a:endParaRPr>
-          </a:p>
-          <a:p>
-            <a:pPr marL="0" indent="0">
-              <a:buClr>
-                <a:schemeClr val="bg1"/>
-              </a:buClr>
-              <a:buNone/>
-            </a:pPr>
-            <a:endParaRPr lang="en-US" dirty="0">
-              <a:solidFill>
-                <a:schemeClr val="bg1"/>
-              </a:solidFill>
-            </a:endParaRPr>
+              <a:rPr lang="ru-RU" sz="2800" dirty="0"/>
+              <a:t>снять коментарий с выбранных строк</a:t>
+            </a:r>
           </a:p>
         </p:txBody>
       </p:sp>
     </p:spTree>
     <p:extLst>
       <p:ext uri="{BB962C8B-B14F-4D97-AF65-F5344CB8AC3E}">
-        <p14:creationId xmlns:p14="http://schemas.microsoft.com/office/powerpoint/2010/main" val="1998512366"/>
+        <p14:creationId xmlns:p14="http://schemas.microsoft.com/office/powerpoint/2010/main" val="4274730761"/>
       </p:ext>
     </p:extLst>
   </p:cSld>
@@ -9274,6 +9227,228 @@
           <a:p>
             <a:r>
               <a:rPr lang="ru-RU" dirty="0" smtClean="0"/>
+              <a:t>Редактор</a:t>
+            </a:r>
+            <a:r>
+              <a:rPr lang="en-US" dirty="0" smtClean="0"/>
+              <a:t>: </a:t>
+            </a:r>
+            <a:r>
+              <a:rPr lang="ru-RU" dirty="0" smtClean="0"/>
+              <a:t>Колоночный режим</a:t>
+            </a:r>
+            <a:endParaRPr lang="en-US" dirty="0"/>
+          </a:p>
+        </p:txBody>
+      </p:sp>
+      <p:sp>
+        <p:nvSpPr>
+          <p:cNvPr id="3" name="Content Placeholder 2"/>
+          <p:cNvSpPr>
+            <a:spLocks noGrp="1"/>
+          </p:cNvSpPr>
+          <p:nvPr>
+            <p:ph idx="1"/>
+          </p:nvPr>
+        </p:nvSpPr>
+        <p:spPr/>
+        <p:txBody>
+          <a:bodyPr>
+            <a:normAutofit/>
+          </a:bodyPr>
+          <a:lstStyle/>
+          <a:p>
+            <a:pPr>
+              <a:buClr>
+                <a:schemeClr val="bg1"/>
+              </a:buClr>
+            </a:pPr>
+            <a:r>
+              <a:rPr lang="en-US" dirty="0" err="1" smtClean="0">
+                <a:solidFill>
+                  <a:srgbClr val="F6AE1E"/>
+                </a:solidFill>
+              </a:rPr>
+              <a:t>Shift+Alt+Arrow</a:t>
+            </a:r>
+            <a:r>
+              <a:rPr lang="ru-RU" dirty="0" smtClean="0">
+                <a:solidFill>
+                  <a:schemeClr val="bg1"/>
+                </a:solidFill>
+              </a:rPr>
+              <a:t> позволяет выделить прямоугольный блок текста</a:t>
+            </a:r>
+          </a:p>
+          <a:p>
+            <a:pPr>
+              <a:buClr>
+                <a:schemeClr val="bg1"/>
+              </a:buClr>
+            </a:pPr>
+            <a:r>
+              <a:rPr lang="en-US" dirty="0">
+                <a:solidFill>
+                  <a:srgbClr val="F6AE1E"/>
+                </a:solidFill>
+              </a:rPr>
+              <a:t>Alt + Left Mouse</a:t>
+            </a:r>
+            <a:r>
+              <a:rPr lang="en-US" dirty="0" smtClean="0">
+                <a:solidFill>
+                  <a:schemeClr val="bg1"/>
+                </a:solidFill>
+              </a:rPr>
+              <a:t> </a:t>
+            </a:r>
+            <a:r>
+              <a:rPr lang="en-US" dirty="0">
+                <a:solidFill>
+                  <a:srgbClr val="F6AE1E"/>
+                </a:solidFill>
+              </a:rPr>
+              <a:t>Button</a:t>
+            </a:r>
+            <a:r>
+              <a:rPr lang="en-US" dirty="0" smtClean="0">
+                <a:solidFill>
+                  <a:schemeClr val="bg1"/>
+                </a:solidFill>
+              </a:rPr>
+              <a:t> </a:t>
+            </a:r>
+            <a:r>
+              <a:rPr lang="ru-RU" dirty="0" smtClean="0">
+                <a:solidFill>
+                  <a:schemeClr val="bg1"/>
+                </a:solidFill>
+              </a:rPr>
+              <a:t>позиционирует курсор за концом строки даже если опция «</a:t>
+            </a:r>
+            <a:r>
+              <a:rPr lang="en-US" dirty="0" smtClean="0">
+                <a:solidFill>
+                  <a:schemeClr val="bg1"/>
+                </a:solidFill>
+              </a:rPr>
+              <a:t>enable virtual space</a:t>
+            </a:r>
+            <a:r>
+              <a:rPr lang="ru-RU" dirty="0" smtClean="0">
+                <a:solidFill>
+                  <a:schemeClr val="bg1"/>
+                </a:solidFill>
+              </a:rPr>
+              <a:t>» выключена</a:t>
+            </a:r>
+          </a:p>
+          <a:p>
+            <a:pPr>
+              <a:buClr>
+                <a:schemeClr val="bg1"/>
+              </a:buClr>
+            </a:pPr>
+            <a:endParaRPr lang="en-US" dirty="0" smtClean="0">
+              <a:solidFill>
+                <a:schemeClr val="bg1"/>
+              </a:solidFill>
+            </a:endParaRPr>
+          </a:p>
+          <a:p>
+            <a:pPr marL="0" indent="0">
+              <a:buClr>
+                <a:schemeClr val="bg1"/>
+              </a:buClr>
+              <a:buNone/>
+            </a:pPr>
+            <a:endParaRPr lang="ru-RU" dirty="0" smtClean="0">
+              <a:solidFill>
+                <a:schemeClr val="bg1"/>
+              </a:solidFill>
+            </a:endParaRPr>
+          </a:p>
+          <a:p>
+            <a:pPr>
+              <a:buClr>
+                <a:schemeClr val="bg1"/>
+              </a:buClr>
+            </a:pPr>
+            <a:endParaRPr lang="ru-RU" dirty="0">
+              <a:solidFill>
+                <a:schemeClr val="bg1"/>
+              </a:solidFill>
+            </a:endParaRPr>
+          </a:p>
+          <a:p>
+            <a:pPr marL="0" indent="0">
+              <a:buClr>
+                <a:schemeClr val="bg1"/>
+              </a:buClr>
+              <a:buNone/>
+            </a:pPr>
+            <a:endParaRPr lang="en-US" dirty="0">
+              <a:solidFill>
+                <a:schemeClr val="bg1"/>
+              </a:solidFill>
+            </a:endParaRPr>
+          </a:p>
+        </p:txBody>
+      </p:sp>
+    </p:spTree>
+    <p:extLst>
+      <p:ext uri="{BB962C8B-B14F-4D97-AF65-F5344CB8AC3E}">
+        <p14:creationId xmlns:p14="http://schemas.microsoft.com/office/powerpoint/2010/main" val="1998512366"/>
+      </p:ext>
+    </p:extLst>
+  </p:cSld>
+  <p:clrMapOvr>
+    <a:masterClrMapping/>
+  </p:clrMapOvr>
+  <p:timing>
+    <p:tnLst>
+      <p:par>
+        <p:cTn id="1" dur="indefinite" restart="never" nodeType="tmRoot"/>
+      </p:par>
+    </p:tnLst>
+  </p:timing>
+</p:sld>
+</file>
+
+<file path=ppt/slides/slide27.xml><?xml version="1.0" encoding="utf-8"?>
+<p:sld xmlns:a="http://schemas.openxmlformats.org/drawingml/2006/main" xmlns:r="http://schemas.openxmlformats.org/officeDocument/2006/relationships" xmlns:p="http://schemas.openxmlformats.org/presentationml/2006/main">
+  <p:cSld>
+    <p:spTree>
+      <p:nvGrpSpPr>
+        <p:cNvPr id="1" name=""/>
+        <p:cNvGrpSpPr/>
+        <p:nvPr/>
+      </p:nvGrpSpPr>
+      <p:grpSpPr>
+        <a:xfrm>
+          <a:off x="0" y="0"/>
+          <a:ext cx="0" cy="0"/>
+          <a:chOff x="0" y="0"/>
+          <a:chExt cx="0" cy="0"/>
+        </a:xfrm>
+      </p:grpSpPr>
+      <p:sp>
+        <p:nvSpPr>
+          <p:cNvPr id="2" name="Title 1"/>
+          <p:cNvSpPr>
+            <a:spLocks noGrp="1"/>
+          </p:cNvSpPr>
+          <p:nvPr>
+            <p:ph type="title"/>
+          </p:nvPr>
+        </p:nvSpPr>
+        <p:spPr/>
+        <p:txBody>
+          <a:bodyPr/>
+          <a:lstStyle/>
+          <a:p>
+            <a:r>
+              <a:rPr lang="ru-RU" dirty="0" smtClean="0"/>
               <a:t>Редактор: Работа со строками</a:t>
             </a:r>
             <a:endParaRPr lang="ru-RU" dirty="0"/>
@@ -9385,7 +9560,7 @@
 </p:sld>
 </file>
 
-<file path=ppt/slides/slide27.xml><?xml version="1.0" encoding="utf-8"?>
+<file path=ppt/slides/slide28.xml><?xml version="1.0" encoding="utf-8"?>
 <p:sld xmlns:a="http://schemas.openxmlformats.org/drawingml/2006/main" xmlns:r="http://schemas.openxmlformats.org/officeDocument/2006/relationships" xmlns:p="http://schemas.openxmlformats.org/presentationml/2006/main">
   <p:cSld>
     <p:bg>
@@ -9920,117 +10095,6 @@
 </p:sld>
 </file>
 
-<file path=ppt/slides/slide28.xml><?xml version="1.0" encoding="utf-8"?>
-<p:sld xmlns:a="http://schemas.openxmlformats.org/drawingml/2006/main" xmlns:r="http://schemas.openxmlformats.org/officeDocument/2006/relationships" xmlns:p="http://schemas.openxmlformats.org/presentationml/2006/main">
-  <p:cSld>
-    <p:spTree>
-      <p:nvGrpSpPr>
-        <p:cNvPr id="1" name=""/>
-        <p:cNvGrpSpPr/>
-        <p:nvPr/>
-      </p:nvGrpSpPr>
-      <p:grpSpPr>
-        <a:xfrm>
-          <a:off x="0" y="0"/>
-          <a:ext cx="0" cy="0"/>
-          <a:chOff x="0" y="0"/>
-          <a:chExt cx="0" cy="0"/>
-        </a:xfrm>
-      </p:grpSpPr>
-      <p:sp>
-        <p:nvSpPr>
-          <p:cNvPr id="2" name="Title 1"/>
-          <p:cNvSpPr>
-            <a:spLocks noGrp="1"/>
-          </p:cNvSpPr>
-          <p:nvPr>
-            <p:ph type="title"/>
-          </p:nvPr>
-        </p:nvSpPr>
-        <p:spPr/>
-        <p:txBody>
-          <a:bodyPr/>
-          <a:lstStyle/>
-          <a:p>
-            <a:r>
-              <a:rPr lang="ru-RU" dirty="0" smtClean="0"/>
-              <a:t>Редактор: Смарт-тег</a:t>
-            </a:r>
-            <a:endParaRPr lang="ru-RU" dirty="0"/>
-          </a:p>
-        </p:txBody>
-      </p:sp>
-      <p:sp>
-        <p:nvSpPr>
-          <p:cNvPr id="3" name="Content Placeholder 2"/>
-          <p:cNvSpPr>
-            <a:spLocks noGrp="1"/>
-          </p:cNvSpPr>
-          <p:nvPr>
-            <p:ph idx="1"/>
-          </p:nvPr>
-        </p:nvSpPr>
-        <p:spPr/>
-        <p:txBody>
-          <a:bodyPr/>
-          <a:lstStyle/>
-          <a:p>
-            <a:r>
-              <a:rPr lang="en-US" dirty="0" smtClean="0">
-                <a:solidFill>
-                  <a:srgbClr val="F6AE1E"/>
-                </a:solidFill>
-              </a:rPr>
-              <a:t>Alt + Shift + F10</a:t>
-            </a:r>
-            <a:r>
-              <a:rPr lang="en-US" dirty="0" smtClean="0"/>
-              <a:t> </a:t>
-            </a:r>
-            <a:r>
-              <a:rPr lang="ru-RU" dirty="0" smtClean="0"/>
-              <a:t>или </a:t>
-            </a:r>
-            <a:r>
-              <a:rPr lang="en-US" dirty="0" smtClean="0">
-                <a:solidFill>
-                  <a:srgbClr val="F6AE1E"/>
-                </a:solidFill>
-              </a:rPr>
-              <a:t>Ctrl + .</a:t>
-            </a:r>
-            <a:r>
-              <a:rPr lang="en-US" dirty="0" smtClean="0"/>
-              <a:t> – </a:t>
-            </a:r>
-            <a:r>
-              <a:rPr lang="ru-RU" dirty="0" smtClean="0"/>
-              <a:t>открыть меню смарт-тега</a:t>
-            </a:r>
-            <a:endParaRPr lang="ru-RU" dirty="0"/>
-          </a:p>
-        </p:txBody>
-      </p:sp>
-    </p:spTree>
-    <p:extLst>
-      <p:ext uri="{BB962C8B-B14F-4D97-AF65-F5344CB8AC3E}">
-        <p14:creationId xmlns:p14="http://schemas.microsoft.com/office/powerpoint/2010/main" val="3059698048"/>
-      </p:ext>
-    </p:extLst>
-  </p:cSld>
-  <p:clrMapOvr>
-    <a:masterClrMapping/>
-  </p:clrMapOvr>
-  <p:timing>
-    <p:tnLst>
-      <p:par>
-        <p:cTn id="1" dur="indefinite" restart="never" nodeType="tmRoot"/>
-      </p:par>
-    </p:tnLst>
-  </p:timing>
-</p:sld>
-</file>
-
 <file path=ppt/slides/slide29.xml><?xml version="1.0" encoding="utf-8"?>
 <p:sld xmlns:a="http://schemas.openxmlformats.org/drawingml/2006/main" xmlns:r="http://schemas.openxmlformats.org/officeDocument/2006/relationships" xmlns:p="http://schemas.openxmlformats.org/presentationml/2006/main">
   <p:cSld>
@@ -10065,11 +10129,7 @@
           <a:p>
             <a:r>
               <a:rPr lang="ru-RU" dirty="0" smtClean="0"/>
-              <a:t>Редактор: </a:t>
-            </a:r>
-            <a:r>
-              <a:rPr lang="en-US" dirty="0" smtClean="0"/>
-              <a:t>IntelliSense</a:t>
+              <a:t>Редактор: Смарт-тег</a:t>
             </a:r>
             <a:endParaRPr lang="ru-RU" dirty="0"/>
           </a:p>
@@ -10091,8 +10151,28 @@
           <a:lstStyle/>
           <a:p>
             <a:r>
-              <a:rPr lang="en-US" dirty="0" err="1" smtClean="0"/>
-              <a:t>Ctrl+Alt+Space</a:t>
+              <a:rPr lang="en-US" dirty="0" smtClean="0">
+                <a:solidFill>
+                  <a:srgbClr val="F6AE1E"/>
+                </a:solidFill>
+              </a:rPr>
+              <a:t>Alt + Shift + F10</a:t>
+            </a:r>
+            <a:r>
+              <a:rPr lang="en-US" dirty="0" smtClean="0"/>
+              <a:t> </a:t>
+            </a:r>
+            <a:r>
+              <a:rPr lang="ru-RU" dirty="0" smtClean="0"/>
+              <a:t>или </a:t>
+            </a:r>
+            <a:r>
+              <a:rPr lang="en-US" dirty="0" smtClean="0">
+                <a:solidFill>
+                  <a:srgbClr val="F6AE1E"/>
+                </a:solidFill>
+              </a:rPr>
+              <a:t>Ctrl + .</a:t>
             </a:r>
             <a:r>
               <a:rPr lang="en-US" dirty="0" smtClean="0"/>
@@ -10100,15 +10180,7 @@
             </a:r>
             <a:r>
               <a:rPr lang="ru-RU" dirty="0" smtClean="0"/>
-              <a:t>«режим советов». В этом режиме только </a:t>
-            </a:r>
-            <a:r>
-              <a:rPr lang="en-US" dirty="0" smtClean="0"/>
-              <a:t>Tab </a:t>
-            </a:r>
-            <a:r>
-              <a:rPr lang="ru-RU" dirty="0" smtClean="0"/>
-              <a:t>выбирает строку из списка предложений</a:t>
+              <a:t>открыть меню смарт-тега</a:t>
             </a:r>
             <a:endParaRPr lang="ru-RU" dirty="0"/>
           </a:p>
@@ -10117,7 +10189,7 @@
     </p:spTree>
     <p:extLst>
       <p:ext uri="{BB962C8B-B14F-4D97-AF65-F5344CB8AC3E}">
-        <p14:creationId xmlns:p14="http://schemas.microsoft.com/office/powerpoint/2010/main" val="3953030913"/>
+        <p14:creationId xmlns:p14="http://schemas.microsoft.com/office/powerpoint/2010/main" val="3059698048"/>
       </p:ext>
     </p:extLst>
   </p:cSld>
@@ -10267,6 +10339,109 @@
 <file path=ppt/slides/slide30.xml><?xml version="1.0" encoding="utf-8"?>
 <p:sld xmlns:a="http://schemas.openxmlformats.org/drawingml/2006/main" xmlns:r="http://schemas.openxmlformats.org/officeDocument/2006/relationships" xmlns:p="http://schemas.openxmlformats.org/presentationml/2006/main">
   <p:cSld>
+    <p:spTree>
+      <p:nvGrpSpPr>
+        <p:cNvPr id="1" name=""/>
+        <p:cNvGrpSpPr/>
+        <p:nvPr/>
+      </p:nvGrpSpPr>
+      <p:grpSpPr>
+        <a:xfrm>
+          <a:off x="0" y="0"/>
+          <a:ext cx="0" cy="0"/>
+          <a:chOff x="0" y="0"/>
+          <a:chExt cx="0" cy="0"/>
+        </a:xfrm>
+      </p:grpSpPr>
+      <p:sp>
+        <p:nvSpPr>
+          <p:cNvPr id="2" name="Title 1"/>
+          <p:cNvSpPr>
+            <a:spLocks noGrp="1"/>
+          </p:cNvSpPr>
+          <p:nvPr>
+            <p:ph type="title"/>
+          </p:nvPr>
+        </p:nvSpPr>
+        <p:spPr/>
+        <p:txBody>
+          <a:bodyPr/>
+          <a:lstStyle/>
+          <a:p>
+            <a:r>
+              <a:rPr lang="ru-RU" dirty="0" smtClean="0"/>
+              <a:t>Редактор: </a:t>
+            </a:r>
+            <a:r>
+              <a:rPr lang="en-US" dirty="0" smtClean="0"/>
+              <a:t>IntelliSense</a:t>
+            </a:r>
+            <a:endParaRPr lang="ru-RU" dirty="0"/>
+          </a:p>
+        </p:txBody>
+      </p:sp>
+      <p:sp>
+        <p:nvSpPr>
+          <p:cNvPr id="3" name="Content Placeholder 2"/>
+          <p:cNvSpPr>
+            <a:spLocks noGrp="1"/>
+          </p:cNvSpPr>
+          <p:nvPr>
+            <p:ph idx="1"/>
+          </p:nvPr>
+        </p:nvSpPr>
+        <p:spPr/>
+        <p:txBody>
+          <a:bodyPr/>
+          <a:lstStyle/>
+          <a:p>
+            <a:r>
+              <a:rPr lang="en-US" dirty="0" err="1" smtClean="0"/>
+              <a:t>Ctrl+Alt+Space</a:t>
+            </a:r>
+            <a:r>
+              <a:rPr lang="en-US" dirty="0" smtClean="0"/>
+              <a:t> – </a:t>
+            </a:r>
+            <a:r>
+              <a:rPr lang="ru-RU" dirty="0" smtClean="0"/>
+              <a:t>«режим советов». В этом режиме только </a:t>
+            </a:r>
+            <a:r>
+              <a:rPr lang="en-US" dirty="0" smtClean="0"/>
+              <a:t>Tab </a:t>
+            </a:r>
+            <a:r>
+              <a:rPr lang="ru-RU" dirty="0" smtClean="0"/>
+              <a:t>выбирает строку из списка предложений</a:t>
+            </a:r>
+            <a:endParaRPr lang="ru-RU" dirty="0"/>
+          </a:p>
+        </p:txBody>
+      </p:sp>
+    </p:spTree>
+    <p:extLst>
+      <p:ext uri="{BB962C8B-B14F-4D97-AF65-F5344CB8AC3E}">
+        <p14:creationId xmlns:p14="http://schemas.microsoft.com/office/powerpoint/2010/main" val="3953030913"/>
+      </p:ext>
+    </p:extLst>
+  </p:cSld>
+  <p:clrMapOvr>
+    <a:masterClrMapping/>
+  </p:clrMapOvr>
+  <p:timing>
+    <p:tnLst>
+      <p:par>
+        <p:cTn id="1" dur="indefinite" restart="never" nodeType="tmRoot"/>
+      </p:par>
+    </p:tnLst>
+  </p:timing>
+</p:sld>
+</file>
+
+<file path=ppt/slides/slide31.xml><?xml version="1.0" encoding="utf-8"?>
+<p:sld xmlns:a="http://schemas.openxmlformats.org/drawingml/2006/main" xmlns:r="http://schemas.openxmlformats.org/officeDocument/2006/relationships" xmlns:p="http://schemas.openxmlformats.org/presentationml/2006/main">
+  <p:cSld>
     <p:bg>
       <p:bgPr>
         <a:blipFill dpi="0" rotWithShape="1">
@@ -10491,7 +10666,7 @@
 </p:sld>
 </file>
 
-<file path=ppt/slides/slide31.xml><?xml version="1.0" encoding="utf-8"?>
+<file path=ppt/slides/slide32.xml><?xml version="1.0" encoding="utf-8"?>
 <p:sld xmlns:a="http://schemas.openxmlformats.org/drawingml/2006/main" xmlns:r="http://schemas.openxmlformats.org/officeDocument/2006/relationships" xmlns:p="http://schemas.openxmlformats.org/presentationml/2006/main">
   <p:cSld>
     <p:spTree>
@@ -10800,7 +10975,7 @@
 </p:sld>
 </file>
 
-<file path=ppt/slides/slide32.xml><?xml version="1.0" encoding="utf-8"?>
+<file path=ppt/slides/slide33.xml><?xml version="1.0" encoding="utf-8"?>
 <p:sld xmlns:a="http://schemas.openxmlformats.org/drawingml/2006/main" xmlns:r="http://schemas.openxmlformats.org/officeDocument/2006/relationships" xmlns:p="http://schemas.openxmlformats.org/presentationml/2006/main">
   <p:cSld>
     <p:spTree>
@@ -10838,11 +11013,7 @@
             </a:r>
             <a:r>
               <a:rPr lang="en-US" dirty="0" smtClean="0"/>
-              <a:t> </a:t>
-            </a:r>
-            <a:r>
-              <a:rPr lang="en-US" dirty="0" smtClean="0"/>
-              <a:t>(C#)</a:t>
+              <a:t> (C#)</a:t>
             </a:r>
             <a:endParaRPr lang="en-US" dirty="0"/>
           </a:p>
@@ -12065,120 +12236,6 @@
 </p:sld>
 </file>
 
-<file path=ppt/slides/slide33.xml><?xml version="1.0" encoding="utf-8"?>
-<p:sld xmlns:a="http://schemas.openxmlformats.org/drawingml/2006/main" xmlns:r="http://schemas.openxmlformats.org/officeDocument/2006/relationships" xmlns:p="http://schemas.openxmlformats.org/presentationml/2006/main">
-  <p:cSld>
-    <p:spTree>
-      <p:nvGrpSpPr>
-        <p:cNvPr id="1" name=""/>
-        <p:cNvGrpSpPr/>
-        <p:nvPr/>
-      </p:nvGrpSpPr>
-      <p:grpSpPr>
-        <a:xfrm>
-          <a:off x="0" y="0"/>
-          <a:ext cx="0" cy="0"/>
-          <a:chOff x="0" y="0"/>
-          <a:chExt cx="0" cy="0"/>
-        </a:xfrm>
-      </p:grpSpPr>
-      <p:sp>
-        <p:nvSpPr>
-          <p:cNvPr id="2" name="Title 1"/>
-          <p:cNvSpPr>
-            <a:spLocks noGrp="1"/>
-          </p:cNvSpPr>
-          <p:nvPr>
-            <p:ph type="title"/>
-          </p:nvPr>
-        </p:nvSpPr>
-        <p:spPr/>
-        <p:txBody>
-          <a:bodyPr/>
-          <a:lstStyle/>
-          <a:p>
-            <a:r>
-              <a:rPr lang="ru-RU" dirty="0" smtClean="0"/>
-              <a:t>Код внутри </a:t>
-            </a:r>
-            <a:r>
-              <a:rPr lang="en-US" dirty="0" smtClean="0"/>
-              <a:t>Toolbox</a:t>
-            </a:r>
-            <a:endParaRPr lang="ru-RU" dirty="0"/>
-          </a:p>
-        </p:txBody>
-      </p:sp>
-      <p:sp>
-        <p:nvSpPr>
-          <p:cNvPr id="3" name="Content Placeholder 2"/>
-          <p:cNvSpPr>
-            <a:spLocks noGrp="1"/>
-          </p:cNvSpPr>
-          <p:nvPr>
-            <p:ph idx="1"/>
-          </p:nvPr>
-        </p:nvSpPr>
-        <p:spPr/>
-        <p:txBody>
-          <a:bodyPr/>
-          <a:lstStyle/>
-          <a:p>
-            <a:pPr marL="0" indent="0">
-              <a:buNone/>
-            </a:pPr>
-            <a:r>
-              <a:rPr lang="ru-RU" dirty="0" smtClean="0"/>
-              <a:t>В </a:t>
-            </a:r>
-            <a:r>
-              <a:rPr lang="en-US" dirty="0" smtClean="0"/>
-              <a:t>Toolbox </a:t>
-            </a:r>
-            <a:r>
-              <a:rPr lang="ru-RU" dirty="0" smtClean="0"/>
-              <a:t>можно перетаскивать куски кода, давать им имена, организовывать в папки </a:t>
-            </a:r>
-            <a:r>
-              <a:rPr lang="en-US" dirty="0" smtClean="0"/>
-              <a:t>(Add new tab) </a:t>
-            </a:r>
-            <a:r>
-              <a:rPr lang="ru-RU" dirty="0" smtClean="0"/>
-              <a:t>чтобы позже вставлять с помощью </a:t>
-            </a:r>
-            <a:r>
-              <a:rPr lang="en-US" dirty="0" smtClean="0"/>
-              <a:t>drag-n-drop </a:t>
-            </a:r>
-            <a:r>
-              <a:rPr lang="ru-RU" dirty="0" smtClean="0"/>
-              <a:t>в редактор.</a:t>
-            </a:r>
-            <a:endParaRPr lang="ru-RU" dirty="0"/>
-          </a:p>
-        </p:txBody>
-      </p:sp>
-    </p:spTree>
-    <p:extLst>
-      <p:ext uri="{BB962C8B-B14F-4D97-AF65-F5344CB8AC3E}">
-        <p14:creationId xmlns:p14="http://schemas.microsoft.com/office/powerpoint/2010/main" val="2572925695"/>
-      </p:ext>
-    </p:extLst>
-  </p:cSld>
-  <p:clrMapOvr>
-    <a:masterClrMapping/>
-  </p:clrMapOvr>
-  <p:timing>
-    <p:tnLst>
-      <p:par>
-        <p:cTn id="1" dur="indefinite" restart="never" nodeType="tmRoot"/>
-      </p:par>
-    </p:tnLst>
-  </p:timing>
-</p:sld>
-</file>
-
 <file path=ppt/slides/slide34.xml><?xml version="1.0" encoding="utf-8"?>
 <p:sld xmlns:a="http://schemas.openxmlformats.org/drawingml/2006/main" xmlns:r="http://schemas.openxmlformats.org/officeDocument/2006/relationships" xmlns:p="http://schemas.openxmlformats.org/presentationml/2006/main">
   <p:cSld>
@@ -12213,7 +12270,11 @@
           <a:p>
             <a:r>
               <a:rPr lang="ru-RU" dirty="0" smtClean="0"/>
-              <a:t>Отладчик</a:t>
+              <a:t>Код внутри </a:t>
+            </a:r>
+            <a:r>
+              <a:rPr lang="en-US" dirty="0" smtClean="0"/>
+              <a:t>Toolbox</a:t>
             </a:r>
             <a:endParaRPr lang="ru-RU" dirty="0"/>
           </a:p>
@@ -12221,12 +12282,12 @@
       </p:sp>
       <p:sp>
         <p:nvSpPr>
-          <p:cNvPr id="3" name="Text Placeholder 2"/>
+          <p:cNvPr id="3" name="Content Placeholder 2"/>
           <p:cNvSpPr>
             <a:spLocks noGrp="1"/>
           </p:cNvSpPr>
           <p:nvPr>
-            <p:ph type="body" idx="1"/>
+            <p:ph idx="1"/>
           </p:nvPr>
         </p:nvSpPr>
         <p:spPr/>
@@ -12234,14 +12295,45 @@
           <a:bodyPr/>
           <a:lstStyle/>
           <a:p>
-            <a:endParaRPr lang="ru-RU"/>
+            <a:pPr marL="0" indent="0">
+              <a:buNone/>
+            </a:pPr>
+            <a:r>
+              <a:rPr lang="ru-RU" dirty="0" smtClean="0"/>
+              <a:t>В </a:t>
+            </a:r>
+            <a:r>
+              <a:rPr lang="en-US" dirty="0" smtClean="0"/>
+              <a:t>Toolbox </a:t>
+            </a:r>
+            <a:r>
+              <a:rPr lang="ru-RU" dirty="0" smtClean="0"/>
+              <a:t>можно перетаскивать куски кода, давать им имена, организовывать в папки </a:t>
+            </a:r>
+            <a:r>
+              <a:rPr lang="en-US" dirty="0" smtClean="0"/>
+              <a:t>(Add new tab) </a:t>
+            </a:r>
+            <a:r>
+              <a:rPr lang="ru-RU" dirty="0" smtClean="0"/>
+              <a:t>чтобы позже вставлять с помощью </a:t>
+            </a:r>
+            <a:r>
+              <a:rPr lang="en-US" dirty="0" smtClean="0"/>
+              <a:t>drag-n-drop </a:t>
+            </a:r>
+            <a:r>
+              <a:rPr lang="ru-RU" dirty="0" smtClean="0"/>
+              <a:t>в редактор.</a:t>
+            </a:r>
+            <a:endParaRPr lang="ru-RU" dirty="0"/>
           </a:p>
         </p:txBody>
       </p:sp>
     </p:spTree>
     <p:extLst>
       <p:ext uri="{BB962C8B-B14F-4D97-AF65-F5344CB8AC3E}">
-        <p14:creationId xmlns:p14="http://schemas.microsoft.com/office/powerpoint/2010/main" val="4230197436"/>
+        <p14:creationId xmlns:p14="http://schemas.microsoft.com/office/powerpoint/2010/main" val="2572925695"/>
       </p:ext>
     </p:extLst>
   </p:cSld>
@@ -12294,73 +12386,33 @@
               <a:rPr lang="ru-RU" dirty="0" smtClean="0"/>
               <a:t>Отладчик</a:t>
             </a:r>
-            <a:endParaRPr lang="en-US" dirty="0"/>
-          </a:p>
-        </p:txBody>
-      </p:sp>
-      <p:sp>
-        <p:nvSpPr>
-          <p:cNvPr id="3" name="Content Placeholder 2"/>
+            <a:endParaRPr lang="ru-RU" dirty="0"/>
+          </a:p>
+        </p:txBody>
+      </p:sp>
+      <p:sp>
+        <p:nvSpPr>
+          <p:cNvPr id="3" name="Text Placeholder 2"/>
           <p:cNvSpPr>
             <a:spLocks noGrp="1"/>
           </p:cNvSpPr>
           <p:nvPr>
-            <p:ph idx="1"/>
+            <p:ph type="body" idx="1"/>
           </p:nvPr>
         </p:nvSpPr>
         <p:spPr/>
         <p:txBody>
-          <a:bodyPr>
-            <a:normAutofit/>
-          </a:bodyPr>
+          <a:bodyPr/>
           <a:lstStyle/>
           <a:p>
-            <a:r>
-              <a:rPr lang="en-US" dirty="0" smtClean="0">
-                <a:solidFill>
-                  <a:srgbClr val="92D050"/>
-                </a:solidFill>
-              </a:rPr>
-              <a:t>[12]</a:t>
-            </a:r>
-            <a:r>
-              <a:rPr lang="en-US" dirty="0" smtClean="0"/>
-              <a:t> Shift + Alt + f11 step into specific</a:t>
-            </a:r>
-          </a:p>
-          <a:p>
-            <a:r>
-              <a:rPr lang="en-US" dirty="0" smtClean="0"/>
-              <a:t>Shift + </a:t>
-            </a:r>
-            <a:r>
-              <a:rPr lang="en-US" dirty="0"/>
-              <a:t>F11 </a:t>
-            </a:r>
-            <a:r>
-              <a:rPr lang="en-US" dirty="0" smtClean="0"/>
-              <a:t>step out</a:t>
-            </a:r>
-          </a:p>
-          <a:p>
-            <a:r>
-              <a:rPr lang="en-US" dirty="0"/>
-              <a:t>Ctrl+F10 run </a:t>
-            </a:r>
-            <a:r>
-              <a:rPr lang="en-US" dirty="0" smtClean="0"/>
-              <a:t>to cursor</a:t>
-            </a:r>
-          </a:p>
-          <a:p>
-            <a:endParaRPr lang="en-US" dirty="0"/>
+            <a:endParaRPr lang="ru-RU"/>
           </a:p>
         </p:txBody>
       </p:sp>
     </p:spTree>
     <p:extLst>
       <p:ext uri="{BB962C8B-B14F-4D97-AF65-F5344CB8AC3E}">
-        <p14:creationId xmlns:p14="http://schemas.microsoft.com/office/powerpoint/2010/main" val="1495295926"/>
+        <p14:creationId xmlns:p14="http://schemas.microsoft.com/office/powerpoint/2010/main" val="4230197436"/>
       </p:ext>
     </p:extLst>
   </p:cSld>
@@ -12413,10 +12465,6 @@
               <a:rPr lang="ru-RU" dirty="0" smtClean="0"/>
               <a:t>Отладчик</a:t>
             </a:r>
-            <a:r>
-              <a:rPr lang="en-US" dirty="0" smtClean="0"/>
-              <a:t>: data tips</a:t>
-            </a:r>
             <a:endParaRPr lang="en-US" dirty="0"/>
           </a:p>
         </p:txBody>
@@ -12434,94 +12482,48 @@
         <p:spPr/>
         <p:txBody>
           <a:bodyPr>
-            <a:normAutofit lnSpcReduction="10000"/>
+            <a:normAutofit/>
           </a:bodyPr>
           <a:lstStyle/>
           <a:p>
             <a:r>
-              <a:rPr lang="ru-RU" dirty="0" smtClean="0"/>
-              <a:t>Нажмите и удерживайте </a:t>
-            </a:r>
-            <a:r>
               <a:rPr lang="en-US" dirty="0" smtClean="0">
                 <a:solidFill>
-                  <a:srgbClr val="F6AE1E"/>
-                </a:solidFill>
-              </a:rPr>
-              <a:t>Ctrl</a:t>
+                  <a:srgbClr val="92D050"/>
+                </a:solidFill>
+              </a:rPr>
+              <a:t>[12]</a:t>
             </a:r>
             <a:r>
               <a:rPr lang="en-US" dirty="0" smtClean="0"/>
-              <a:t> </a:t>
-            </a:r>
-            <a:r>
-              <a:rPr lang="ru-RU" dirty="0" smtClean="0"/>
-              <a:t>чтобы сделать </a:t>
-            </a:r>
+              <a:t> Shift + Alt + f11 step into specific</a:t>
+            </a:r>
+          </a:p>
+          <a:p>
             <a:r>
               <a:rPr lang="en-US" dirty="0" smtClean="0"/>
-              <a:t>data tip </a:t>
-            </a:r>
-            <a:r>
-              <a:rPr lang="ru-RU" dirty="0" smtClean="0"/>
-              <a:t>прозрачным</a:t>
-            </a:r>
-          </a:p>
-          <a:p>
+              <a:t>Shift + </a:t>
+            </a:r>
+            <a:r>
+              <a:rPr lang="en-US" dirty="0"/>
+              <a:t>F11 </a:t>
+            </a:r>
             <a:r>
               <a:rPr lang="en-US" dirty="0" smtClean="0"/>
-              <a:t>Data tip </a:t>
-            </a:r>
-            <a:r>
-              <a:rPr lang="ru-RU" dirty="0" smtClean="0"/>
-              <a:t>работают для комментариев</a:t>
-            </a:r>
-          </a:p>
-          <a:p>
-            <a:r>
-              <a:rPr lang="ru-RU" dirty="0" smtClean="0"/>
-              <a:t>Если прикрепить (</a:t>
+              <a:t>step out</a:t>
+            </a:r>
+          </a:p>
+          <a:p>
+            <a:r>
+              <a:rPr lang="en-US" dirty="0"/>
+              <a:t>Ctrl+F10 run </a:t>
             </a:r>
             <a:r>
               <a:rPr lang="en-US" dirty="0" smtClean="0"/>
-              <a:t>pin) data tip, </a:t>
-            </a:r>
-            <a:r>
-              <a:rPr lang="ru-RU" dirty="0" smtClean="0"/>
-              <a:t>то её последнее значение можно будет просматривать и после завершения отладки</a:t>
-            </a:r>
-          </a:p>
-          <a:p>
-            <a:r>
-              <a:rPr lang="ru-RU" dirty="0"/>
-              <a:t>К </a:t>
-            </a:r>
-            <a:r>
-              <a:rPr lang="en-US" dirty="0"/>
-              <a:t>data tip </a:t>
-            </a:r>
-            <a:r>
-              <a:rPr lang="ru-RU" dirty="0"/>
-              <a:t>можно </a:t>
-            </a:r>
-            <a:r>
-              <a:rPr lang="ru-RU" dirty="0" smtClean="0"/>
-              <a:t>написать комментарий. Для этого нажмите символ </a:t>
-            </a:r>
-            <a:r>
-              <a:rPr lang="ru-RU" b="1" dirty="0" smtClean="0"/>
-              <a:t>︾</a:t>
-            </a:r>
-            <a:r>
-              <a:rPr lang="ru-RU" dirty="0" smtClean="0"/>
-              <a:t> справа.</a:t>
-            </a:r>
-          </a:p>
-          <a:p>
-            <a:r>
-              <a:rPr lang="en-US" dirty="0" smtClean="0"/>
-              <a:t>Export/Import Data tips</a:t>
-            </a:r>
+              <a:t>to cursor</a:t>
+            </a:r>
+          </a:p>
+          <a:p>
             <a:endParaRPr lang="en-US" dirty="0"/>
           </a:p>
         </p:txBody>
@@ -12529,7 +12531,7 @@
     </p:spTree>
     <p:extLst>
       <p:ext uri="{BB962C8B-B14F-4D97-AF65-F5344CB8AC3E}">
-        <p14:creationId xmlns:p14="http://schemas.microsoft.com/office/powerpoint/2010/main" val="2649018507"/>
+        <p14:creationId xmlns:p14="http://schemas.microsoft.com/office/powerpoint/2010/main" val="1495295926"/>
       </p:ext>
     </p:extLst>
   </p:cSld>
@@ -12575,38 +12577,16 @@
         </p:nvSpPr>
         <p:spPr/>
         <p:txBody>
-          <a:bodyPr>
-            <a:normAutofit fontScale="90000"/>
-          </a:bodyPr>
+          <a:bodyPr/>
           <a:lstStyle/>
           <a:p>
-            <a:r>
-              <a:rPr lang="en-US" dirty="0" smtClean="0">
-                <a:solidFill>
-                  <a:srgbClr val="92D050"/>
-                </a:solidFill>
-              </a:rPr>
-              <a:t>[12]</a:t>
-            </a:r>
-            <a:r>
-              <a:rPr lang="en-US" dirty="0" smtClean="0"/>
-              <a:t> </a:t>
-            </a:r>
             <a:r>
               <a:rPr lang="ru-RU" dirty="0" smtClean="0"/>
               <a:t>Отладчик</a:t>
             </a:r>
             <a:r>
               <a:rPr lang="en-US" dirty="0" smtClean="0"/>
-              <a:t>: </a:t>
-            </a:r>
-            <a:r>
-              <a:rPr lang="ru-RU" dirty="0" smtClean="0"/>
-              <a:t>окно </a:t>
-            </a:r>
-            <a:r>
-              <a:rPr lang="en-US" dirty="0" smtClean="0"/>
-              <a:t>Parallel Watch</a:t>
+              <a:t>: data tips</a:t>
             </a:r>
             <a:endParaRPr lang="en-US" dirty="0"/>
           </a:p>
@@ -12625,16 +12605,94 @@
         <p:spPr/>
         <p:txBody>
           <a:bodyPr>
-            <a:normAutofit/>
+            <a:normAutofit lnSpcReduction="10000"/>
           </a:bodyPr>
           <a:lstStyle/>
           <a:p>
             <a:r>
               <a:rPr lang="ru-RU" dirty="0" smtClean="0"/>
-              <a:t>Можно использовать для просмотра переменных при рекурсивных вызовах</a:t>
-            </a:r>
-          </a:p>
-          <a:p>
+              <a:t>Нажмите и удерживайте </a:t>
+            </a:r>
+            <a:r>
+              <a:rPr lang="en-US" dirty="0" smtClean="0">
+                <a:solidFill>
+                  <a:srgbClr val="F6AE1E"/>
+                </a:solidFill>
+              </a:rPr>
+              <a:t>Ctrl</a:t>
+            </a:r>
+            <a:r>
+              <a:rPr lang="en-US" dirty="0" smtClean="0"/>
+              <a:t> </a:t>
+            </a:r>
+            <a:r>
+              <a:rPr lang="ru-RU" dirty="0" smtClean="0"/>
+              <a:t>чтобы сделать </a:t>
+            </a:r>
+            <a:r>
+              <a:rPr lang="en-US" dirty="0" smtClean="0"/>
+              <a:t>data tip </a:t>
+            </a:r>
+            <a:r>
+              <a:rPr lang="ru-RU" dirty="0" smtClean="0"/>
+              <a:t>прозрачным</a:t>
+            </a:r>
+          </a:p>
+          <a:p>
+            <a:r>
+              <a:rPr lang="en-US" dirty="0" smtClean="0"/>
+              <a:t>Data tip </a:t>
+            </a:r>
+            <a:r>
+              <a:rPr lang="ru-RU" dirty="0" smtClean="0"/>
+              <a:t>работают для комментариев</a:t>
+            </a:r>
+          </a:p>
+          <a:p>
+            <a:r>
+              <a:rPr lang="ru-RU" dirty="0" smtClean="0"/>
+              <a:t>Если прикрепить (</a:t>
+            </a:r>
+            <a:r>
+              <a:rPr lang="en-US" dirty="0" smtClean="0"/>
+              <a:t>pin) data tip, </a:t>
+            </a:r>
+            <a:r>
+              <a:rPr lang="ru-RU" dirty="0" smtClean="0"/>
+              <a:t>то её последнее значение можно будет просматривать и после завершения отладки</a:t>
+            </a:r>
+          </a:p>
+          <a:p>
+            <a:r>
+              <a:rPr lang="ru-RU" dirty="0"/>
+              <a:t>К </a:t>
+            </a:r>
+            <a:r>
+              <a:rPr lang="en-US" dirty="0"/>
+              <a:t>data tip </a:t>
+            </a:r>
+            <a:r>
+              <a:rPr lang="ru-RU" dirty="0"/>
+              <a:t>можно </a:t>
+            </a:r>
+            <a:r>
+              <a:rPr lang="ru-RU" dirty="0" smtClean="0"/>
+              <a:t>написать комментарий. Для этого нажмите символ </a:t>
+            </a:r>
+            <a:r>
+              <a:rPr lang="ru-RU" b="1" dirty="0" smtClean="0"/>
+              <a:t>︾</a:t>
+            </a:r>
+            <a:r>
+              <a:rPr lang="ru-RU" dirty="0" smtClean="0"/>
+              <a:t> справа.</a:t>
+            </a:r>
+          </a:p>
+          <a:p>
+            <a:r>
+              <a:rPr lang="en-US" dirty="0" smtClean="0"/>
+              <a:t>Export/Import Data tips</a:t>
+            </a:r>
             <a:endParaRPr lang="en-US" dirty="0"/>
           </a:p>
         </p:txBody>
@@ -12642,7 +12700,7 @@
     </p:spTree>
     <p:extLst>
       <p:ext uri="{BB962C8B-B14F-4D97-AF65-F5344CB8AC3E}">
-        <p14:creationId xmlns:p14="http://schemas.microsoft.com/office/powerpoint/2010/main" val="600624019"/>
+        <p14:creationId xmlns:p14="http://schemas.microsoft.com/office/powerpoint/2010/main" val="2649018507"/>
       </p:ext>
     </p:extLst>
   </p:cSld>
@@ -12688,40 +12746,74 @@
         </p:nvSpPr>
         <p:spPr/>
         <p:txBody>
-          <a:bodyPr/>
+          <a:bodyPr>
+            <a:normAutofit fontScale="90000"/>
+          </a:bodyPr>
           <a:lstStyle/>
           <a:p>
             <a:r>
+              <a:rPr lang="en-US" dirty="0" smtClean="0">
+                <a:solidFill>
+                  <a:srgbClr val="92D050"/>
+                </a:solidFill>
+              </a:rPr>
+              <a:t>[12]</a:t>
+            </a:r>
+            <a:r>
+              <a:rPr lang="en-US" dirty="0" smtClean="0"/>
+              <a:t> </a:t>
+            </a:r>
+            <a:r>
               <a:rPr lang="ru-RU" dirty="0" smtClean="0"/>
-              <a:t>расширения</a:t>
-            </a:r>
-            <a:endParaRPr lang="ru-RU" dirty="0"/>
-          </a:p>
-        </p:txBody>
-      </p:sp>
-      <p:sp>
-        <p:nvSpPr>
-          <p:cNvPr id="3" name="Text Placeholder 2"/>
+              <a:t>Отладчик</a:t>
+            </a:r>
+            <a:r>
+              <a:rPr lang="en-US" dirty="0" smtClean="0"/>
+              <a:t>: </a:t>
+            </a:r>
+            <a:r>
+              <a:rPr lang="ru-RU" dirty="0" smtClean="0"/>
+              <a:t>окно </a:t>
+            </a:r>
+            <a:r>
+              <a:rPr lang="en-US" dirty="0" smtClean="0"/>
+              <a:t>Parallel Watch</a:t>
+            </a:r>
+            <a:endParaRPr lang="en-US" dirty="0"/>
+          </a:p>
+        </p:txBody>
+      </p:sp>
+      <p:sp>
+        <p:nvSpPr>
+          <p:cNvPr id="3" name="Content Placeholder 2"/>
           <p:cNvSpPr>
             <a:spLocks noGrp="1"/>
           </p:cNvSpPr>
           <p:nvPr>
-            <p:ph type="body" idx="1"/>
+            <p:ph idx="1"/>
           </p:nvPr>
         </p:nvSpPr>
         <p:spPr/>
         <p:txBody>
-          <a:bodyPr/>
+          <a:bodyPr>
+            <a:normAutofit/>
+          </a:bodyPr>
           <a:lstStyle/>
           <a:p>
-            <a:endParaRPr lang="ru-RU"/>
+            <a:r>
+              <a:rPr lang="ru-RU" dirty="0" smtClean="0"/>
+              <a:t>Можно использовать для просмотра переменных при рекурсивных вызовах</a:t>
+            </a:r>
+          </a:p>
+          <a:p>
+            <a:endParaRPr lang="en-US" dirty="0"/>
           </a:p>
         </p:txBody>
       </p:sp>
     </p:spTree>
     <p:extLst>
       <p:ext uri="{BB962C8B-B14F-4D97-AF65-F5344CB8AC3E}">
-        <p14:creationId xmlns:p14="http://schemas.microsoft.com/office/powerpoint/2010/main" val="4076763243"/>
+        <p14:creationId xmlns:p14="http://schemas.microsoft.com/office/powerpoint/2010/main" val="600624019"/>
       </p:ext>
     </p:extLst>
   </p:cSld>
@@ -12772,230 +12864,35 @@
           <a:p>
             <a:r>
               <a:rPr lang="ru-RU" dirty="0" smtClean="0"/>
-              <a:t>Бесплатные расширения для </a:t>
-            </a:r>
-            <a:r>
-              <a:rPr lang="en-US" dirty="0" smtClean="0"/>
-              <a:t>VS</a:t>
-            </a:r>
-            <a:endParaRPr lang="en-US" dirty="0"/>
-          </a:p>
-        </p:txBody>
-      </p:sp>
-      <p:sp>
-        <p:nvSpPr>
-          <p:cNvPr id="3" name="Content Placeholder 2"/>
+              <a:t>расширения</a:t>
+            </a:r>
+            <a:endParaRPr lang="ru-RU" dirty="0"/>
+          </a:p>
+        </p:txBody>
+      </p:sp>
+      <p:sp>
+        <p:nvSpPr>
+          <p:cNvPr id="3" name="Text Placeholder 2"/>
           <p:cNvSpPr>
             <a:spLocks noGrp="1"/>
           </p:cNvSpPr>
           <p:nvPr>
-            <p:ph idx="1"/>
+            <p:ph type="body" idx="1"/>
           </p:nvPr>
         </p:nvSpPr>
         <p:spPr/>
         <p:txBody>
-          <a:bodyPr>
-            <a:normAutofit fontScale="55000" lnSpcReduction="20000"/>
-          </a:bodyPr>
+          <a:bodyPr/>
           <a:lstStyle/>
           <a:p>
-            <a:r>
-              <a:rPr lang="en-US" dirty="0" smtClean="0"/>
-              <a:t>Productivity </a:t>
-            </a:r>
-            <a:r>
-              <a:rPr lang="en-US" dirty="0"/>
-              <a:t>Power </a:t>
-            </a:r>
-            <a:r>
-              <a:rPr lang="en-US" dirty="0" smtClean="0"/>
-              <a:t>Tools</a:t>
-            </a:r>
-          </a:p>
-          <a:p>
-            <a:pPr lvl="1"/>
-            <a:r>
-              <a:rPr lang="en-US" dirty="0" smtClean="0"/>
-              <a:t>VS 2010: </a:t>
-            </a:r>
-            <a:r>
-              <a:rPr lang="en-US" dirty="0" smtClean="0">
-                <a:hlinkClick r:id="rId2"/>
-              </a:rPr>
-              <a:t>http</a:t>
-            </a:r>
-            <a:r>
-              <a:rPr lang="en-US" dirty="0">
-                <a:hlinkClick r:id="rId2"/>
-              </a:rPr>
-              <a:t>://</a:t>
-            </a:r>
-            <a:r>
-              <a:rPr lang="en-US" dirty="0" smtClean="0">
-                <a:hlinkClick r:id="rId2"/>
-              </a:rPr>
-              <a:t>visualstudiogallery.msdn.microsoft.com/d0d33361-18e2-46c0-8ff2-4adea1e34fef</a:t>
-            </a:r>
-            <a:endParaRPr lang="en-US" dirty="0" smtClean="0"/>
-          </a:p>
-          <a:p>
-            <a:pPr lvl="1"/>
-            <a:r>
-              <a:rPr lang="en-US" dirty="0"/>
-              <a:t>VS 2012: </a:t>
-            </a:r>
-            <a:r>
-              <a:rPr lang="en-US" dirty="0">
-                <a:hlinkClick r:id="rId3"/>
-              </a:rPr>
-              <a:t>http://</a:t>
-            </a:r>
-            <a:r>
-              <a:rPr lang="en-US" dirty="0" smtClean="0">
-                <a:hlinkClick r:id="rId3"/>
-              </a:rPr>
-              <a:t>visualstudiogallery.msdn.microsoft.com/3a96a4dc-ba9c-4589-92c5-640e07332afd</a:t>
-            </a:r>
-            <a:endParaRPr lang="en-US" dirty="0" smtClean="0"/>
-          </a:p>
-          <a:p>
-            <a:r>
-              <a:rPr lang="en-US" dirty="0" smtClean="0"/>
-              <a:t>Entity </a:t>
-            </a:r>
-            <a:r>
-              <a:rPr lang="en-US" dirty="0"/>
-              <a:t>Framework Power Tools Beta </a:t>
-            </a:r>
-            <a:r>
-              <a:rPr lang="en-US" dirty="0" smtClean="0"/>
-              <a:t>4</a:t>
-            </a:r>
-          </a:p>
-          <a:p>
-            <a:pPr lvl="1"/>
-            <a:r>
-              <a:rPr lang="en-US" dirty="0" smtClean="0">
-                <a:hlinkClick r:id="rId4"/>
-              </a:rPr>
-              <a:t>http</a:t>
-            </a:r>
-            <a:r>
-              <a:rPr lang="en-US" dirty="0">
-                <a:hlinkClick r:id="rId4"/>
-              </a:rPr>
-              <a:t>://</a:t>
-            </a:r>
-            <a:r>
-              <a:rPr lang="en-US" dirty="0" smtClean="0">
-                <a:hlinkClick r:id="rId4"/>
-              </a:rPr>
-              <a:t>visualstudiogallery.msdn.microsoft.com/72a60b14-1581-4b9b-89f2-846072eff19d</a:t>
-            </a:r>
-            <a:endParaRPr lang="ru-RU" dirty="0" smtClean="0"/>
-          </a:p>
-          <a:p>
-            <a:r>
-              <a:rPr lang="en-US" dirty="0" err="1" smtClean="0"/>
-              <a:t>VSColorOutput</a:t>
-            </a:r>
-            <a:r>
-              <a:rPr lang="en-US" dirty="0" smtClean="0"/>
-              <a:t> (</a:t>
-            </a:r>
-            <a:r>
-              <a:rPr lang="ru-RU" dirty="0" smtClean="0"/>
-              <a:t>раскраска строк в окне </a:t>
-            </a:r>
-            <a:r>
-              <a:rPr lang="en-US" dirty="0" smtClean="0"/>
-              <a:t>Output)</a:t>
-            </a:r>
-          </a:p>
-          <a:p>
-            <a:pPr lvl="1"/>
-            <a:r>
-              <a:rPr lang="en-US" dirty="0"/>
-              <a:t>http://visualstudiogallery.msdn.microsoft.com/f4d9c2b5-d6d7-4543-a7a5-2d7ebabc2496</a:t>
-            </a:r>
-            <a:endParaRPr lang="en-US" dirty="0" smtClean="0"/>
-          </a:p>
-          <a:p>
-            <a:r>
-              <a:rPr lang="ru-RU" dirty="0" smtClean="0"/>
-              <a:t>Подсветка синтаксиса для </a:t>
-            </a:r>
-            <a:r>
-              <a:rPr lang="en-US" dirty="0" smtClean="0"/>
-              <a:t>T4</a:t>
-            </a:r>
-          </a:p>
-          <a:p>
-            <a:pPr lvl="1"/>
-            <a:r>
-              <a:rPr lang="en-US" dirty="0"/>
-              <a:t>tangible T4 </a:t>
-            </a:r>
-            <a:r>
-              <a:rPr lang="en-US" dirty="0" smtClean="0"/>
-              <a:t>Editor</a:t>
-            </a:r>
-          </a:p>
-          <a:p>
-            <a:pPr lvl="2"/>
-            <a:r>
-              <a:rPr lang="en-US" dirty="0">
-                <a:hlinkClick r:id="rId5"/>
-              </a:rPr>
-              <a:t>http://</a:t>
-            </a:r>
-            <a:r>
-              <a:rPr lang="en-US" dirty="0" smtClean="0">
-                <a:hlinkClick r:id="rId5"/>
-              </a:rPr>
-              <a:t>visualstudiogallery.msdn.microsoft.com/60297607-5fd4-4da4-97e1-3715e90c1a23</a:t>
-            </a:r>
-            <a:endParaRPr lang="en-US" dirty="0" smtClean="0"/>
-          </a:p>
-          <a:p>
-            <a:pPr lvl="1"/>
-            <a:r>
-              <a:rPr lang="en-US" dirty="0" smtClean="0"/>
-              <a:t>Visual T4 (</a:t>
-            </a:r>
-            <a:r>
-              <a:rPr lang="en-US" dirty="0" err="1" smtClean="0"/>
-              <a:t>Clarius</a:t>
-            </a:r>
-            <a:r>
-              <a:rPr lang="en-US" dirty="0" smtClean="0"/>
-              <a:t>)</a:t>
-            </a:r>
-          </a:p>
-          <a:p>
-            <a:pPr lvl="2"/>
-            <a:r>
-              <a:rPr lang="en-US" dirty="0"/>
-              <a:t>http://visualstudiogallery.msdn.microsoft.com/40a887aa-f3be-40ec-a85d-37044b239591</a:t>
-            </a:r>
-            <a:endParaRPr lang="ru-RU" dirty="0" smtClean="0"/>
-          </a:p>
-          <a:p>
-            <a:endParaRPr lang="en-US" dirty="0" smtClean="0"/>
-          </a:p>
-          <a:p>
-            <a:pPr lvl="1"/>
-            <a:endParaRPr lang="en-US" dirty="0" smtClean="0"/>
-          </a:p>
-          <a:p>
-            <a:endParaRPr lang="en-US" dirty="0"/>
+            <a:endParaRPr lang="ru-RU"/>
           </a:p>
         </p:txBody>
       </p:sp>
     </p:spTree>
     <p:extLst>
       <p:ext uri="{BB962C8B-B14F-4D97-AF65-F5344CB8AC3E}">
-        <p14:creationId xmlns:p14="http://schemas.microsoft.com/office/powerpoint/2010/main" val="1235442158"/>
+        <p14:creationId xmlns:p14="http://schemas.microsoft.com/office/powerpoint/2010/main" val="4076763243"/>
       </p:ext>
     </p:extLst>
   </p:cSld>
@@ -13294,6 +13191,280 @@
 </file>
 
 <file path=ppt/slides/slide40.xml><?xml version="1.0" encoding="utf-8"?>
+<p:sld xmlns:a="http://schemas.openxmlformats.org/drawingml/2006/main" xmlns:r="http://schemas.openxmlformats.org/officeDocument/2006/relationships" xmlns:p="http://schemas.openxmlformats.org/presentationml/2006/main">
+  <p:cSld>
+    <p:spTree>
+      <p:nvGrpSpPr>
+        <p:cNvPr id="1" name=""/>
+        <p:cNvGrpSpPr/>
+        <p:nvPr/>
+      </p:nvGrpSpPr>
+      <p:grpSpPr>
+        <a:xfrm>
+          <a:off x="0" y="0"/>
+          <a:ext cx="0" cy="0"/>
+          <a:chOff x="0" y="0"/>
+          <a:chExt cx="0" cy="0"/>
+        </a:xfrm>
+      </p:grpSpPr>
+      <p:sp>
+        <p:nvSpPr>
+          <p:cNvPr id="2" name="Title 1"/>
+          <p:cNvSpPr>
+            <a:spLocks noGrp="1"/>
+          </p:cNvSpPr>
+          <p:nvPr>
+            <p:ph type="title"/>
+          </p:nvPr>
+        </p:nvSpPr>
+        <p:spPr/>
+        <p:txBody>
+          <a:bodyPr/>
+          <a:lstStyle/>
+          <a:p>
+            <a:r>
+              <a:rPr lang="ru-RU" dirty="0" smtClean="0"/>
+              <a:t>Бесплатные расширения для </a:t>
+            </a:r>
+            <a:r>
+              <a:rPr lang="en-US" dirty="0" smtClean="0"/>
+              <a:t>VS</a:t>
+            </a:r>
+            <a:endParaRPr lang="en-US" dirty="0"/>
+          </a:p>
+        </p:txBody>
+      </p:sp>
+      <p:sp>
+        <p:nvSpPr>
+          <p:cNvPr id="3" name="Content Placeholder 2"/>
+          <p:cNvSpPr>
+            <a:spLocks noGrp="1"/>
+          </p:cNvSpPr>
+          <p:nvPr>
+            <p:ph idx="1"/>
+          </p:nvPr>
+        </p:nvSpPr>
+        <p:spPr/>
+        <p:txBody>
+          <a:bodyPr>
+            <a:normAutofit fontScale="55000" lnSpcReduction="20000"/>
+          </a:bodyPr>
+          <a:lstStyle/>
+          <a:p>
+            <a:r>
+              <a:rPr lang="en-US" dirty="0" smtClean="0"/>
+              <a:t>Productivity </a:t>
+            </a:r>
+            <a:r>
+              <a:rPr lang="en-US" dirty="0"/>
+              <a:t>Power </a:t>
+            </a:r>
+            <a:r>
+              <a:rPr lang="en-US" dirty="0" smtClean="0"/>
+              <a:t>Tools</a:t>
+            </a:r>
+          </a:p>
+          <a:p>
+            <a:pPr lvl="1"/>
+            <a:r>
+              <a:rPr lang="en-US" dirty="0" smtClean="0"/>
+              <a:t>VS 2010: </a:t>
+            </a:r>
+            <a:r>
+              <a:rPr lang="en-US" dirty="0" smtClean="0">
+                <a:hlinkClick r:id="rId2"/>
+              </a:rPr>
+              <a:t>http</a:t>
+            </a:r>
+            <a:r>
+              <a:rPr lang="en-US" dirty="0">
+                <a:hlinkClick r:id="rId2"/>
+              </a:rPr>
+              <a:t>://</a:t>
+            </a:r>
+            <a:r>
+              <a:rPr lang="en-US" dirty="0" smtClean="0">
+                <a:hlinkClick r:id="rId2"/>
+              </a:rPr>
+              <a:t>visualstudiogallery.msdn.microsoft.com/d0d33361-18e2-46c0-8ff2-4adea1e34fef</a:t>
+            </a:r>
+            <a:endParaRPr lang="en-US" dirty="0" smtClean="0"/>
+          </a:p>
+          <a:p>
+            <a:pPr lvl="1"/>
+            <a:r>
+              <a:rPr lang="en-US" dirty="0"/>
+              <a:t>VS 2012: </a:t>
+            </a:r>
+            <a:r>
+              <a:rPr lang="en-US" dirty="0">
+                <a:hlinkClick r:id="rId3"/>
+              </a:rPr>
+              <a:t>http://</a:t>
+            </a:r>
+            <a:r>
+              <a:rPr lang="en-US" dirty="0" smtClean="0">
+                <a:hlinkClick r:id="rId3"/>
+              </a:rPr>
+              <a:t>visualstudiogallery.msdn.microsoft.com/3a96a4dc-ba9c-4589-92c5-640e07332afd</a:t>
+            </a:r>
+            <a:endParaRPr lang="en-US" dirty="0" smtClean="0"/>
+          </a:p>
+          <a:p>
+            <a:r>
+              <a:rPr lang="en-US" dirty="0" smtClean="0"/>
+              <a:t>Entity </a:t>
+            </a:r>
+            <a:r>
+              <a:rPr lang="en-US" dirty="0"/>
+              <a:t>Framework Power Tools Beta </a:t>
+            </a:r>
+            <a:r>
+              <a:rPr lang="en-US" dirty="0" smtClean="0"/>
+              <a:t>4</a:t>
+            </a:r>
+          </a:p>
+          <a:p>
+            <a:pPr lvl="1"/>
+            <a:r>
+              <a:rPr lang="en-US" dirty="0" smtClean="0">
+                <a:hlinkClick r:id="rId4"/>
+              </a:rPr>
+              <a:t>http</a:t>
+            </a:r>
+            <a:r>
+              <a:rPr lang="en-US" dirty="0">
+                <a:hlinkClick r:id="rId4"/>
+              </a:rPr>
+              <a:t>://</a:t>
+            </a:r>
+            <a:r>
+              <a:rPr lang="en-US" dirty="0" smtClean="0">
+                <a:hlinkClick r:id="rId4"/>
+              </a:rPr>
+              <a:t>visualstudiogallery.msdn.microsoft.com/72a60b14-1581-4b9b-89f2-846072eff19d</a:t>
+            </a:r>
+            <a:endParaRPr lang="ru-RU" dirty="0" smtClean="0"/>
+          </a:p>
+          <a:p>
+            <a:r>
+              <a:rPr lang="en-US" dirty="0" err="1" smtClean="0"/>
+              <a:t>VSColorOutput</a:t>
+            </a:r>
+            <a:r>
+              <a:rPr lang="en-US" dirty="0" smtClean="0"/>
+              <a:t> (</a:t>
+            </a:r>
+            <a:r>
+              <a:rPr lang="ru-RU" dirty="0" smtClean="0"/>
+              <a:t>раскраска строк в окне </a:t>
+            </a:r>
+            <a:r>
+              <a:rPr lang="en-US" dirty="0" smtClean="0"/>
+              <a:t>Output)</a:t>
+            </a:r>
+          </a:p>
+          <a:p>
+            <a:pPr lvl="1"/>
+            <a:r>
+              <a:rPr lang="en-US" dirty="0"/>
+              <a:t>http://visualstudiogallery.msdn.microsoft.com/f4d9c2b5-d6d7-4543-a7a5-2d7ebabc2496</a:t>
+            </a:r>
+            <a:endParaRPr lang="en-US" dirty="0" smtClean="0"/>
+          </a:p>
+          <a:p>
+            <a:r>
+              <a:rPr lang="ru-RU" dirty="0" smtClean="0"/>
+              <a:t>Подсветка синтаксиса для </a:t>
+            </a:r>
+            <a:r>
+              <a:rPr lang="en-US" dirty="0" smtClean="0"/>
+              <a:t>T4</a:t>
+            </a:r>
+          </a:p>
+          <a:p>
+            <a:pPr lvl="1"/>
+            <a:r>
+              <a:rPr lang="en-US" dirty="0"/>
+              <a:t>tangible T4 </a:t>
+            </a:r>
+            <a:r>
+              <a:rPr lang="en-US" dirty="0" smtClean="0"/>
+              <a:t>Editor</a:t>
+            </a:r>
+          </a:p>
+          <a:p>
+            <a:pPr lvl="2"/>
+            <a:r>
+              <a:rPr lang="en-US" dirty="0">
+                <a:hlinkClick r:id="rId5"/>
+              </a:rPr>
+              <a:t>http://</a:t>
+            </a:r>
+            <a:r>
+              <a:rPr lang="en-US" dirty="0" smtClean="0">
+                <a:hlinkClick r:id="rId5"/>
+              </a:rPr>
+              <a:t>visualstudiogallery.msdn.microsoft.com/60297607-5fd4-4da4-97e1-3715e90c1a23</a:t>
+            </a:r>
+            <a:endParaRPr lang="en-US" dirty="0" smtClean="0"/>
+          </a:p>
+          <a:p>
+            <a:pPr lvl="1"/>
+            <a:r>
+              <a:rPr lang="en-US" dirty="0" smtClean="0"/>
+              <a:t>Visual T4 (</a:t>
+            </a:r>
+            <a:r>
+              <a:rPr lang="en-US" dirty="0" err="1" smtClean="0"/>
+              <a:t>Clarius</a:t>
+            </a:r>
+            <a:r>
+              <a:rPr lang="en-US" dirty="0" smtClean="0"/>
+              <a:t>)</a:t>
+            </a:r>
+          </a:p>
+          <a:p>
+            <a:pPr lvl="2"/>
+            <a:r>
+              <a:rPr lang="en-US" dirty="0"/>
+              <a:t>http://visualstudiogallery.msdn.microsoft.com/40a887aa-f3be-40ec-a85d-37044b239591</a:t>
+            </a:r>
+            <a:endParaRPr lang="ru-RU" dirty="0" smtClean="0"/>
+          </a:p>
+          <a:p>
+            <a:endParaRPr lang="en-US" dirty="0" smtClean="0"/>
+          </a:p>
+          <a:p>
+            <a:pPr lvl="1"/>
+            <a:endParaRPr lang="en-US" dirty="0" smtClean="0"/>
+          </a:p>
+          <a:p>
+            <a:endParaRPr lang="en-US" dirty="0"/>
+          </a:p>
+        </p:txBody>
+      </p:sp>
+    </p:spTree>
+    <p:extLst>
+      <p:ext uri="{BB962C8B-B14F-4D97-AF65-F5344CB8AC3E}">
+        <p14:creationId xmlns:p14="http://schemas.microsoft.com/office/powerpoint/2010/main" val="1235442158"/>
+      </p:ext>
+    </p:extLst>
+  </p:cSld>
+  <p:clrMapOvr>
+    <a:masterClrMapping/>
+  </p:clrMapOvr>
+  <p:timing>
+    <p:tnLst>
+      <p:par>
+        <p:cTn id="1" dur="indefinite" restart="never" nodeType="tmRoot"/>
+      </p:par>
+    </p:tnLst>
+  </p:timing>
+</p:sld>
+</file>
+
+<file path=ppt/slides/slide41.xml><?xml version="1.0" encoding="utf-8"?>
 <p:sld xmlns:a="http://schemas.openxmlformats.org/drawingml/2006/main" xmlns:r="http://schemas.openxmlformats.org/officeDocument/2006/relationships" xmlns:p="http://schemas.openxmlformats.org/presentationml/2006/main">
   <p:cSld>
     <p:spTree>

--- a/Presentation/tools-visual-studio.pptx
+++ b/Presentation/tools-visual-studio.pptx
@@ -249,7 +249,7 @@
           <a:p>
             <a:fld id="{B24A7054-7FFB-49F4-A126-5DF6E687FF53}" type="datetimeFigureOut">
               <a:rPr lang="ru-RU" smtClean="0"/>
-              <a:t>22.07.2017</a:t>
+              <a:t>01.07.2018</a:t>
             </a:fld>
             <a:endParaRPr lang="ru-RU"/>
           </a:p>
@@ -313,35 +313,35 @@
           <a:p>
             <a:pPr lvl="0"/>
             <a:r>
-              <a:rPr lang="en-US" smtClean="0"/>
+              <a:rPr lang="en-US"/>
               <a:t>Click to edit Master text styles</a:t>
             </a:r>
           </a:p>
           <a:p>
             <a:pPr lvl="1"/>
             <a:r>
-              <a:rPr lang="en-US" smtClean="0"/>
+              <a:rPr lang="en-US"/>
               <a:t>Second level</a:t>
             </a:r>
           </a:p>
           <a:p>
             <a:pPr lvl="2"/>
             <a:r>
-              <a:rPr lang="en-US" smtClean="0"/>
+              <a:rPr lang="en-US"/>
               <a:t>Third level</a:t>
             </a:r>
           </a:p>
           <a:p>
             <a:pPr lvl="3"/>
             <a:r>
-              <a:rPr lang="en-US" smtClean="0"/>
+              <a:rPr lang="en-US"/>
               <a:t>Fourth level</a:t>
             </a:r>
           </a:p>
           <a:p>
             <a:pPr lvl="4"/>
             <a:r>
-              <a:rPr lang="en-US" smtClean="0"/>
+              <a:rPr lang="en-US"/>
               <a:t>Fifth level</a:t>
             </a:r>
             <a:endParaRPr lang="ru-RU"/>
@@ -557,7 +557,7 @@
           <a:p>
             <a:pPr algn="ctr"/>
             <a:r>
-              <a:rPr lang="ru-RU" sz="3600" b="1" i="1" dirty="0" smtClean="0">
+              <a:rPr lang="ru-RU" sz="3600" b="1" i="1" dirty="0">
                 <a:solidFill>
                   <a:schemeClr val="bg1"/>
                 </a:solidFill>
@@ -565,7 +565,7 @@
               <a:t>Основы программирования на </a:t>
             </a:r>
             <a:r>
-              <a:rPr lang="en-US" sz="3600" b="1" i="1" dirty="0" smtClean="0">
+              <a:rPr lang="en-US" sz="3600" b="1" i="1" dirty="0">
                 <a:solidFill>
                   <a:schemeClr val="bg1"/>
                 </a:solidFill>
@@ -672,26 +672,18 @@
                   <a:schemeClr val="bg1"/>
                 </a:solidFill>
               </a:rPr>
-              <a:t>Занятие </a:t>
-            </a:r>
-            <a:r>
-              <a:rPr lang="ru-RU" sz="2400" dirty="0" smtClean="0">
+              <a:t>Занятие №</a:t>
+            </a:r>
+            <a:r>
+              <a:rPr lang="en-US" sz="2400" dirty="0">
                 <a:solidFill>
                   <a:schemeClr val="bg1"/>
                 </a:solidFill>
               </a:rPr>
-              <a:t>№</a:t>
-            </a:r>
-            <a:r>
-              <a:rPr lang="en-US" sz="2400" dirty="0" smtClean="0">
-                <a:solidFill>
-                  <a:schemeClr val="bg1"/>
-                </a:solidFill>
-              </a:rPr>
               <a:t>1</a:t>
             </a:r>
             <a:r>
-              <a:rPr lang="ru-RU" sz="2400" dirty="0" smtClean="0">
+              <a:rPr lang="ru-RU" sz="2400" dirty="0">
                 <a:solidFill>
                   <a:schemeClr val="bg1"/>
                 </a:solidFill>
@@ -716,13 +708,6 @@
   <p:clrMapOvr>
     <a:masterClrMapping/>
   </p:clrMapOvr>
-  <p:timing>
-    <p:tnLst>
-      <p:par>
-        <p:cTn id="1" dur="indefinite" restart="never" nodeType="tmRoot"/>
-      </p:par>
-    </p:tnLst>
-  </p:timing>
 </p:sldLayout>
 </file>
 
@@ -768,7 +753,7 @@
           </a:lstStyle>
           <a:p>
             <a:r>
-              <a:rPr lang="en-US" smtClean="0"/>
+              <a:rPr lang="en-US"/>
               <a:t>Click to edit Master title style</a:t>
             </a:r>
             <a:endParaRPr lang="ru-RU" dirty="0"/>
@@ -825,35 +810,35 @@
           <a:p>
             <a:pPr lvl="0"/>
             <a:r>
-              <a:rPr lang="en-US" smtClean="0"/>
+              <a:rPr lang="en-US"/>
               <a:t>Click to edit Master text styles</a:t>
             </a:r>
           </a:p>
           <a:p>
             <a:pPr lvl="1"/>
             <a:r>
-              <a:rPr lang="en-US" smtClean="0"/>
+              <a:rPr lang="en-US"/>
               <a:t>Second level</a:t>
             </a:r>
           </a:p>
           <a:p>
             <a:pPr lvl="2"/>
             <a:r>
-              <a:rPr lang="en-US" smtClean="0"/>
+              <a:rPr lang="en-US"/>
               <a:t>Third level</a:t>
             </a:r>
           </a:p>
           <a:p>
             <a:pPr lvl="3"/>
             <a:r>
-              <a:rPr lang="en-US" smtClean="0"/>
+              <a:rPr lang="en-US"/>
               <a:t>Fourth level</a:t>
             </a:r>
           </a:p>
           <a:p>
             <a:pPr lvl="4"/>
             <a:r>
-              <a:rPr lang="en-US" smtClean="0"/>
+              <a:rPr lang="en-US"/>
               <a:t>Fifth level</a:t>
             </a:r>
             <a:endParaRPr lang="ru-RU" dirty="0"/>
@@ -919,7 +904,7 @@
           <a:p>
             <a:pPr lvl="0"/>
             <a:r>
-              <a:rPr lang="en-US" smtClean="0"/>
+              <a:rPr lang="en-US"/>
               <a:t>Click to edit Master text styles</a:t>
             </a:r>
           </a:p>
@@ -980,7 +965,7 @@
           </a:lstStyle>
           <a:p>
             <a:r>
-              <a:rPr lang="en-US" smtClean="0"/>
+              <a:rPr lang="en-US"/>
               <a:t>Click to edit Master title style</a:t>
             </a:r>
             <a:endParaRPr lang="ru-RU" dirty="0"/>
@@ -1045,7 +1030,7 @@
           </a:lstStyle>
           <a:p>
             <a:r>
-              <a:rPr lang="en-US" smtClean="0"/>
+              <a:rPr lang="en-US"/>
               <a:t>Click icon to add picture</a:t>
             </a:r>
             <a:endParaRPr lang="ru-RU"/>
@@ -1111,7 +1096,7 @@
           <a:p>
             <a:pPr lvl="0"/>
             <a:r>
-              <a:rPr lang="en-US" smtClean="0"/>
+              <a:rPr lang="en-US"/>
               <a:t>Click to edit Master text styles</a:t>
             </a:r>
           </a:p>
@@ -1163,7 +1148,7 @@
           <a:lstStyle/>
           <a:p>
             <a:r>
-              <a:rPr lang="en-US" smtClean="0"/>
+              <a:rPr lang="en-US"/>
               <a:t>Click to edit Master title style</a:t>
             </a:r>
             <a:endParaRPr lang="ru-RU" dirty="0"/>
@@ -1187,35 +1172,35 @@
           <a:p>
             <a:pPr lvl="0"/>
             <a:r>
-              <a:rPr lang="en-US" smtClean="0"/>
+              <a:rPr lang="en-US"/>
               <a:t>Click to edit Master text styles</a:t>
             </a:r>
           </a:p>
           <a:p>
             <a:pPr lvl="1"/>
             <a:r>
-              <a:rPr lang="en-US" smtClean="0"/>
+              <a:rPr lang="en-US"/>
               <a:t>Second level</a:t>
             </a:r>
           </a:p>
           <a:p>
             <a:pPr lvl="2"/>
             <a:r>
-              <a:rPr lang="en-US" smtClean="0"/>
+              <a:rPr lang="en-US"/>
               <a:t>Third level</a:t>
             </a:r>
           </a:p>
           <a:p>
             <a:pPr lvl="3"/>
             <a:r>
-              <a:rPr lang="en-US" smtClean="0"/>
+              <a:rPr lang="en-US"/>
               <a:t>Fourth level</a:t>
             </a:r>
           </a:p>
           <a:p>
             <a:pPr lvl="4"/>
             <a:r>
-              <a:rPr lang="en-US" smtClean="0"/>
+              <a:rPr lang="en-US"/>
               <a:t>Fifth level</a:t>
             </a:r>
             <a:endParaRPr lang="ru-RU" dirty="0"/>
@@ -1273,7 +1258,7 @@
           <a:lstStyle/>
           <a:p>
             <a:r>
-              <a:rPr lang="en-US" smtClean="0"/>
+              <a:rPr lang="en-US"/>
               <a:t>Click to edit Master title style</a:t>
             </a:r>
             <a:endParaRPr lang="ru-RU" dirty="0"/>
@@ -1302,35 +1287,35 @@
           <a:p>
             <a:pPr lvl="0"/>
             <a:r>
-              <a:rPr lang="en-US" smtClean="0"/>
+              <a:rPr lang="en-US"/>
               <a:t>Click to edit Master text styles</a:t>
             </a:r>
           </a:p>
           <a:p>
             <a:pPr lvl="1"/>
             <a:r>
-              <a:rPr lang="en-US" smtClean="0"/>
+              <a:rPr lang="en-US"/>
               <a:t>Second level</a:t>
             </a:r>
           </a:p>
           <a:p>
             <a:pPr lvl="2"/>
             <a:r>
-              <a:rPr lang="en-US" smtClean="0"/>
+              <a:rPr lang="en-US"/>
               <a:t>Third level</a:t>
             </a:r>
           </a:p>
           <a:p>
             <a:pPr lvl="3"/>
             <a:r>
-              <a:rPr lang="en-US" smtClean="0"/>
+              <a:rPr lang="en-US"/>
               <a:t>Fourth level</a:t>
             </a:r>
           </a:p>
           <a:p>
             <a:pPr lvl="4"/>
             <a:r>
-              <a:rPr lang="en-US" smtClean="0"/>
+              <a:rPr lang="en-US"/>
               <a:t>Fifth level</a:t>
             </a:r>
             <a:endParaRPr lang="ru-RU" dirty="0"/>
@@ -1388,7 +1373,7 @@
           <a:lstStyle/>
           <a:p>
             <a:r>
-              <a:rPr lang="en-US" smtClean="0"/>
+              <a:rPr lang="en-US"/>
               <a:t>Click to edit Master title style</a:t>
             </a:r>
             <a:endParaRPr lang="ru-RU"/>
@@ -1507,7 +1492,7 @@
           </a:lstStyle>
           <a:p>
             <a:r>
-              <a:rPr lang="en-US" smtClean="0"/>
+              <a:rPr lang="en-US"/>
               <a:t>Click to edit Master subtitle style</a:t>
             </a:r>
             <a:endParaRPr lang="ru-RU"/>
@@ -1531,7 +1516,7 @@
           <a:p>
             <a:fld id="{8E6E6A2A-E9D3-4A0D-B04A-ABDD367A1E08}" type="datetimeFigureOut">
               <a:rPr lang="ru-RU" smtClean="0"/>
-              <a:t>22.07.2017</a:t>
+              <a:t>01.07.2018</a:t>
             </a:fld>
             <a:endParaRPr lang="ru-RU"/>
           </a:p>
@@ -1632,7 +1617,7 @@
           <a:p>
             <a:pPr algn="ctr"/>
             <a:r>
-              <a:rPr lang="ru-RU" sz="3600" b="1" i="1" dirty="0" smtClean="0">
+              <a:rPr lang="ru-RU" sz="3600" b="1" i="1" dirty="0">
                 <a:solidFill>
                   <a:prstClr val="white"/>
                 </a:solidFill>
@@ -1640,7 +1625,7 @@
               <a:t>Основы программирования на </a:t>
             </a:r>
             <a:r>
-              <a:rPr lang="en-US" sz="3600" b="1" i="1" dirty="0" smtClean="0">
+              <a:rPr lang="en-US" sz="3600" b="1" i="1" dirty="0">
                 <a:solidFill>
                   <a:prstClr val="white"/>
                 </a:solidFill>
@@ -1747,26 +1732,18 @@
                   <a:prstClr val="white"/>
                 </a:solidFill>
               </a:rPr>
-              <a:t>Занятие </a:t>
-            </a:r>
-            <a:r>
-              <a:rPr lang="ru-RU" sz="2400" dirty="0" smtClean="0">
+              <a:t>Занятие №</a:t>
+            </a:r>
+            <a:r>
+              <a:rPr lang="en-US" sz="2400" dirty="0">
                 <a:solidFill>
                   <a:prstClr val="white"/>
                 </a:solidFill>
               </a:rPr>
-              <a:t>№</a:t>
-            </a:r>
-            <a:r>
-              <a:rPr lang="en-US" sz="2400" dirty="0" smtClean="0">
-                <a:solidFill>
-                  <a:prstClr val="white"/>
-                </a:solidFill>
-              </a:rPr>
               <a:t>1</a:t>
             </a:r>
             <a:r>
-              <a:rPr lang="ru-RU" sz="2400" dirty="0" smtClean="0">
+              <a:rPr lang="ru-RU" sz="2400" dirty="0">
                 <a:solidFill>
                   <a:prstClr val="white"/>
                 </a:solidFill>
@@ -1791,13 +1768,6 @@
   <p:clrMapOvr>
     <a:masterClrMapping/>
   </p:clrMapOvr>
-  <p:timing>
-    <p:tnLst>
-      <p:par>
-        <p:cTn id="1" dur="indefinite" restart="never" nodeType="tmRoot"/>
-      </p:par>
-    </p:tnLst>
-  </p:timing>
 </p:sldLayout>
 </file>
 
@@ -1846,26 +1816,18 @@
                   <a:prstClr val="white"/>
                 </a:solidFill>
               </a:rPr>
-              <a:t>Занятие </a:t>
-            </a:r>
-            <a:r>
-              <a:rPr lang="ru-RU" sz="2400" dirty="0" smtClean="0">
+              <a:t>Занятие №</a:t>
+            </a:r>
+            <a:r>
+              <a:rPr lang="en-US" sz="2400" dirty="0">
                 <a:solidFill>
                   <a:prstClr val="white"/>
                 </a:solidFill>
               </a:rPr>
-              <a:t>№</a:t>
-            </a:r>
-            <a:r>
-              <a:rPr lang="en-US" sz="2400" dirty="0" smtClean="0">
-                <a:solidFill>
-                  <a:prstClr val="white"/>
-                </a:solidFill>
-              </a:rPr>
               <a:t>2</a:t>
             </a:r>
             <a:r>
-              <a:rPr lang="ru-RU" sz="2400" dirty="0" smtClean="0">
+              <a:rPr lang="ru-RU" sz="2400" dirty="0">
                 <a:solidFill>
                   <a:prstClr val="white"/>
                 </a:solidFill>
@@ -1903,7 +1865,7 @@
           <a:p>
             <a:pPr algn="ctr"/>
             <a:r>
-              <a:rPr lang="ru-RU" sz="3600" b="1" i="1" dirty="0" smtClean="0">
+              <a:rPr lang="ru-RU" sz="3600" b="1" i="1" dirty="0">
                 <a:solidFill>
                   <a:prstClr val="white"/>
                 </a:solidFill>
@@ -1911,7 +1873,7 @@
               <a:t>Основы программирования на </a:t>
             </a:r>
             <a:r>
-              <a:rPr lang="en-US" sz="3600" b="1" i="1" dirty="0" smtClean="0">
+              <a:rPr lang="en-US" sz="3600" b="1" i="1" dirty="0">
                 <a:solidFill>
                   <a:prstClr val="white"/>
                 </a:solidFill>
@@ -2000,13 +1962,6 @@
   <p:clrMapOvr>
     <a:masterClrMapping/>
   </p:clrMapOvr>
-  <p:timing>
-    <p:tnLst>
-      <p:par>
-        <p:cTn id="1" dur="indefinite" restart="never" nodeType="tmRoot"/>
-      </p:par>
-    </p:tnLst>
-  </p:timing>
 </p:sldLayout>
 </file>
 
@@ -2043,7 +1998,7 @@
           <a:lstStyle/>
           <a:p>
             <a:r>
-              <a:rPr lang="en-US" smtClean="0"/>
+              <a:rPr lang="en-US"/>
               <a:t>Click to edit Master title style</a:t>
             </a:r>
             <a:endParaRPr lang="ru-RU" dirty="0"/>
@@ -2067,35 +2022,35 @@
           <a:p>
             <a:pPr lvl="0"/>
             <a:r>
-              <a:rPr lang="en-US" smtClean="0"/>
+              <a:rPr lang="en-US"/>
               <a:t>Click to edit Master text styles</a:t>
             </a:r>
           </a:p>
           <a:p>
             <a:pPr lvl="1"/>
             <a:r>
-              <a:rPr lang="en-US" smtClean="0"/>
+              <a:rPr lang="en-US"/>
               <a:t>Second level</a:t>
             </a:r>
           </a:p>
           <a:p>
             <a:pPr lvl="2"/>
             <a:r>
-              <a:rPr lang="en-US" smtClean="0"/>
+              <a:rPr lang="en-US"/>
               <a:t>Third level</a:t>
             </a:r>
           </a:p>
           <a:p>
             <a:pPr lvl="3"/>
             <a:r>
-              <a:rPr lang="en-US" smtClean="0"/>
+              <a:rPr lang="en-US"/>
               <a:t>Fourth level</a:t>
             </a:r>
           </a:p>
           <a:p>
             <a:pPr lvl="4"/>
             <a:r>
-              <a:rPr lang="en-US" smtClean="0"/>
+              <a:rPr lang="en-US"/>
               <a:t>Fifth level</a:t>
             </a:r>
             <a:endParaRPr lang="ru-RU" dirty="0"/>
@@ -2157,7 +2112,7 @@
           </a:lstStyle>
           <a:p>
             <a:r>
-              <a:rPr lang="en-US" smtClean="0"/>
+              <a:rPr lang="en-US"/>
               <a:t>Click to edit Master title style</a:t>
             </a:r>
             <a:endParaRPr lang="ru-RU" dirty="0"/>
@@ -2277,7 +2232,7 @@
           <a:p>
             <a:pPr lvl="0"/>
             <a:r>
-              <a:rPr lang="en-US" smtClean="0"/>
+              <a:rPr lang="en-US"/>
               <a:t>Click to edit Master text styles</a:t>
             </a:r>
           </a:p>
@@ -2329,7 +2284,7 @@
           <a:lstStyle/>
           <a:p>
             <a:r>
-              <a:rPr lang="en-US" smtClean="0"/>
+              <a:rPr lang="en-US"/>
               <a:t>Click to edit Master title style</a:t>
             </a:r>
             <a:endParaRPr lang="ru-RU" dirty="0"/>
@@ -2386,35 +2341,35 @@
           <a:p>
             <a:pPr lvl="0"/>
             <a:r>
-              <a:rPr lang="en-US" smtClean="0"/>
+              <a:rPr lang="en-US"/>
               <a:t>Click to edit Master text styles</a:t>
             </a:r>
           </a:p>
           <a:p>
             <a:pPr lvl="1"/>
             <a:r>
-              <a:rPr lang="en-US" smtClean="0"/>
+              <a:rPr lang="en-US"/>
               <a:t>Second level</a:t>
             </a:r>
           </a:p>
           <a:p>
             <a:pPr lvl="2"/>
             <a:r>
-              <a:rPr lang="en-US" smtClean="0"/>
+              <a:rPr lang="en-US"/>
               <a:t>Third level</a:t>
             </a:r>
           </a:p>
           <a:p>
             <a:pPr lvl="3"/>
             <a:r>
-              <a:rPr lang="en-US" smtClean="0"/>
+              <a:rPr lang="en-US"/>
               <a:t>Fourth level</a:t>
             </a:r>
           </a:p>
           <a:p>
             <a:pPr lvl="4"/>
             <a:r>
-              <a:rPr lang="en-US" smtClean="0"/>
+              <a:rPr lang="en-US"/>
               <a:t>Fifth level</a:t>
             </a:r>
             <a:endParaRPr lang="ru-RU" dirty="0"/>
@@ -2471,35 +2426,35 @@
           <a:p>
             <a:pPr lvl="0"/>
             <a:r>
-              <a:rPr lang="en-US" smtClean="0"/>
+              <a:rPr lang="en-US"/>
               <a:t>Click to edit Master text styles</a:t>
             </a:r>
           </a:p>
           <a:p>
             <a:pPr lvl="1"/>
             <a:r>
-              <a:rPr lang="en-US" smtClean="0"/>
+              <a:rPr lang="en-US"/>
               <a:t>Second level</a:t>
             </a:r>
           </a:p>
           <a:p>
             <a:pPr lvl="2"/>
             <a:r>
-              <a:rPr lang="en-US" smtClean="0"/>
+              <a:rPr lang="en-US"/>
               <a:t>Third level</a:t>
             </a:r>
           </a:p>
           <a:p>
             <a:pPr lvl="3"/>
             <a:r>
-              <a:rPr lang="en-US" smtClean="0"/>
+              <a:rPr lang="en-US"/>
               <a:t>Fourth level</a:t>
             </a:r>
           </a:p>
           <a:p>
             <a:pPr lvl="4"/>
             <a:r>
-              <a:rPr lang="en-US" smtClean="0"/>
+              <a:rPr lang="en-US"/>
               <a:t>Fifth level</a:t>
             </a:r>
             <a:endParaRPr lang="ru-RU" dirty="0"/>
@@ -2564,26 +2519,18 @@
                   <a:schemeClr val="bg1"/>
                 </a:solidFill>
               </a:rPr>
-              <a:t>Занятие </a:t>
-            </a:r>
-            <a:r>
-              <a:rPr lang="ru-RU" sz="2400" dirty="0" smtClean="0">
+              <a:t>Занятие №</a:t>
+            </a:r>
+            <a:r>
+              <a:rPr lang="en-US" sz="2400" dirty="0">
                 <a:solidFill>
                   <a:schemeClr val="bg1"/>
                 </a:solidFill>
               </a:rPr>
-              <a:t>№</a:t>
-            </a:r>
-            <a:r>
-              <a:rPr lang="en-US" sz="2400" dirty="0" smtClean="0">
-                <a:solidFill>
-                  <a:schemeClr val="bg1"/>
-                </a:solidFill>
-              </a:rPr>
               <a:t>2</a:t>
             </a:r>
             <a:r>
-              <a:rPr lang="ru-RU" sz="2400" dirty="0" smtClean="0">
+              <a:rPr lang="ru-RU" sz="2400" dirty="0">
                 <a:solidFill>
                   <a:schemeClr val="bg1"/>
                 </a:solidFill>
@@ -2621,7 +2568,7 @@
           <a:p>
             <a:pPr algn="ctr"/>
             <a:r>
-              <a:rPr lang="ru-RU" sz="3600" b="1" i="1" dirty="0" smtClean="0">
+              <a:rPr lang="ru-RU" sz="3600" b="1" i="1" dirty="0">
                 <a:solidFill>
                   <a:schemeClr val="bg1"/>
                 </a:solidFill>
@@ -2629,7 +2576,7 @@
               <a:t>Основы программирования на </a:t>
             </a:r>
             <a:r>
-              <a:rPr lang="en-US" sz="3600" b="1" i="1" dirty="0" smtClean="0">
+              <a:rPr lang="en-US" sz="3600" b="1" i="1" dirty="0">
                 <a:solidFill>
                   <a:schemeClr val="bg1"/>
                 </a:solidFill>
@@ -2718,13 +2665,6 @@
   <p:clrMapOvr>
     <a:masterClrMapping/>
   </p:clrMapOvr>
-  <p:timing>
-    <p:tnLst>
-      <p:par>
-        <p:cTn id="1" dur="indefinite" restart="never" nodeType="tmRoot"/>
-      </p:par>
-    </p:tnLst>
-  </p:timing>
 </p:sldLayout>
 </file>
 
@@ -2765,7 +2705,7 @@
           </a:lstStyle>
           <a:p>
             <a:r>
-              <a:rPr lang="en-US" smtClean="0"/>
+              <a:rPr lang="en-US"/>
               <a:t>Click to edit Master title style</a:t>
             </a:r>
             <a:endParaRPr lang="ru-RU" dirty="0"/>
@@ -2831,7 +2771,7 @@
           <a:p>
             <a:pPr lvl="0"/>
             <a:r>
-              <a:rPr lang="en-US" smtClean="0"/>
+              <a:rPr lang="en-US"/>
               <a:t>Click to edit Master text styles</a:t>
             </a:r>
           </a:p>
@@ -2887,35 +2827,35 @@
           <a:p>
             <a:pPr lvl="0"/>
             <a:r>
-              <a:rPr lang="en-US" smtClean="0"/>
+              <a:rPr lang="en-US"/>
               <a:t>Click to edit Master text styles</a:t>
             </a:r>
           </a:p>
           <a:p>
             <a:pPr lvl="1"/>
             <a:r>
-              <a:rPr lang="en-US" smtClean="0"/>
+              <a:rPr lang="en-US"/>
               <a:t>Second level</a:t>
             </a:r>
           </a:p>
           <a:p>
             <a:pPr lvl="2"/>
             <a:r>
-              <a:rPr lang="en-US" smtClean="0"/>
+              <a:rPr lang="en-US"/>
               <a:t>Third level</a:t>
             </a:r>
           </a:p>
           <a:p>
             <a:pPr lvl="3"/>
             <a:r>
-              <a:rPr lang="en-US" smtClean="0"/>
+              <a:rPr lang="en-US"/>
               <a:t>Fourth level</a:t>
             </a:r>
           </a:p>
           <a:p>
             <a:pPr lvl="4"/>
             <a:r>
-              <a:rPr lang="en-US" smtClean="0"/>
+              <a:rPr lang="en-US"/>
               <a:t>Fifth level</a:t>
             </a:r>
             <a:endParaRPr lang="ru-RU" dirty="0"/>
@@ -2981,7 +2921,7 @@
           <a:p>
             <a:pPr lvl="0"/>
             <a:r>
-              <a:rPr lang="en-US" smtClean="0"/>
+              <a:rPr lang="en-US"/>
               <a:t>Click to edit Master text styles</a:t>
             </a:r>
           </a:p>
@@ -3037,35 +2977,35 @@
           <a:p>
             <a:pPr lvl="0"/>
             <a:r>
-              <a:rPr lang="en-US" smtClean="0"/>
+              <a:rPr lang="en-US"/>
               <a:t>Click to edit Master text styles</a:t>
             </a:r>
           </a:p>
           <a:p>
             <a:pPr lvl="1"/>
             <a:r>
-              <a:rPr lang="en-US" smtClean="0"/>
+              <a:rPr lang="en-US"/>
               <a:t>Second level</a:t>
             </a:r>
           </a:p>
           <a:p>
             <a:pPr lvl="2"/>
             <a:r>
-              <a:rPr lang="en-US" smtClean="0"/>
+              <a:rPr lang="en-US"/>
               <a:t>Third level</a:t>
             </a:r>
           </a:p>
           <a:p>
             <a:pPr lvl="3"/>
             <a:r>
-              <a:rPr lang="en-US" smtClean="0"/>
+              <a:rPr lang="en-US"/>
               <a:t>Fourth level</a:t>
             </a:r>
           </a:p>
           <a:p>
             <a:pPr lvl="4"/>
             <a:r>
-              <a:rPr lang="en-US" smtClean="0"/>
+              <a:rPr lang="en-US"/>
               <a:t>Fifth level</a:t>
             </a:r>
             <a:endParaRPr lang="ru-RU" dirty="0"/>
@@ -3118,7 +3058,7 @@
           <a:lstStyle/>
           <a:p>
             <a:r>
-              <a:rPr lang="en-US" smtClean="0"/>
+              <a:rPr lang="en-US"/>
               <a:t>Click to edit Master title style</a:t>
             </a:r>
             <a:endParaRPr lang="ru-RU" dirty="0"/>
@@ -3179,7 +3119,7 @@
           <a:p>
             <a:pPr algn="ctr"/>
             <a:r>
-              <a:rPr lang="ru-RU" sz="3200" dirty="0" smtClean="0">
+              <a:rPr lang="ru-RU" sz="3200" dirty="0">
                 <a:solidFill>
                   <a:srgbClr val="FFFFFF"/>
                 </a:solidFill>
@@ -3274,7 +3214,7 @@
           </a:lstStyle>
           <a:p>
             <a:r>
-              <a:rPr lang="en-US" smtClean="0"/>
+              <a:rPr lang="en-US"/>
               <a:t>Click to edit Master title style</a:t>
             </a:r>
             <a:endParaRPr lang="ru-RU" dirty="0"/>
@@ -3331,35 +3271,35 @@
           <a:p>
             <a:pPr lvl="0"/>
             <a:r>
-              <a:rPr lang="en-US" smtClean="0"/>
+              <a:rPr lang="en-US"/>
               <a:t>Click to edit Master text styles</a:t>
             </a:r>
           </a:p>
           <a:p>
             <a:pPr lvl="1"/>
             <a:r>
-              <a:rPr lang="en-US" smtClean="0"/>
+              <a:rPr lang="en-US"/>
               <a:t>Second level</a:t>
             </a:r>
           </a:p>
           <a:p>
             <a:pPr lvl="2"/>
             <a:r>
-              <a:rPr lang="en-US" smtClean="0"/>
+              <a:rPr lang="en-US"/>
               <a:t>Third level</a:t>
             </a:r>
           </a:p>
           <a:p>
             <a:pPr lvl="3"/>
             <a:r>
-              <a:rPr lang="en-US" smtClean="0"/>
+              <a:rPr lang="en-US"/>
               <a:t>Fourth level</a:t>
             </a:r>
           </a:p>
           <a:p>
             <a:pPr lvl="4"/>
             <a:r>
-              <a:rPr lang="en-US" smtClean="0"/>
+              <a:rPr lang="en-US"/>
               <a:t>Fifth level</a:t>
             </a:r>
             <a:endParaRPr lang="ru-RU" dirty="0"/>
@@ -3425,7 +3365,7 @@
           <a:p>
             <a:pPr lvl="0"/>
             <a:r>
-              <a:rPr lang="en-US" smtClean="0"/>
+              <a:rPr lang="en-US"/>
               <a:t>Click to edit Master text styles</a:t>
             </a:r>
           </a:p>
@@ -3486,7 +3426,7 @@
           </a:lstStyle>
           <a:p>
             <a:r>
-              <a:rPr lang="en-US" smtClean="0"/>
+              <a:rPr lang="en-US"/>
               <a:t>Click to edit Master title style</a:t>
             </a:r>
             <a:endParaRPr lang="ru-RU" dirty="0"/>
@@ -3551,7 +3491,7 @@
           </a:lstStyle>
           <a:p>
             <a:r>
-              <a:rPr lang="en-US" smtClean="0"/>
+              <a:rPr lang="en-US"/>
               <a:t>Click icon to add picture</a:t>
             </a:r>
             <a:endParaRPr lang="ru-RU"/>
@@ -3617,7 +3557,7 @@
           <a:p>
             <a:pPr lvl="0"/>
             <a:r>
-              <a:rPr lang="en-US" smtClean="0"/>
+              <a:rPr lang="en-US"/>
               <a:t>Click to edit Master text styles</a:t>
             </a:r>
           </a:p>
@@ -3669,7 +3609,7 @@
           <a:lstStyle/>
           <a:p>
             <a:r>
-              <a:rPr lang="en-US" smtClean="0"/>
+              <a:rPr lang="en-US"/>
               <a:t>Click to edit Master title style</a:t>
             </a:r>
             <a:endParaRPr lang="ru-RU" dirty="0"/>
@@ -3693,35 +3633,35 @@
           <a:p>
             <a:pPr lvl="0"/>
             <a:r>
-              <a:rPr lang="en-US" smtClean="0"/>
+              <a:rPr lang="en-US"/>
               <a:t>Click to edit Master text styles</a:t>
             </a:r>
           </a:p>
           <a:p>
             <a:pPr lvl="1"/>
             <a:r>
-              <a:rPr lang="en-US" smtClean="0"/>
+              <a:rPr lang="en-US"/>
               <a:t>Second level</a:t>
             </a:r>
           </a:p>
           <a:p>
             <a:pPr lvl="2"/>
             <a:r>
-              <a:rPr lang="en-US" smtClean="0"/>
+              <a:rPr lang="en-US"/>
               <a:t>Third level</a:t>
             </a:r>
           </a:p>
           <a:p>
             <a:pPr lvl="3"/>
             <a:r>
-              <a:rPr lang="en-US" smtClean="0"/>
+              <a:rPr lang="en-US"/>
               <a:t>Fourth level</a:t>
             </a:r>
           </a:p>
           <a:p>
             <a:pPr lvl="4"/>
             <a:r>
-              <a:rPr lang="en-US" smtClean="0"/>
+              <a:rPr lang="en-US"/>
               <a:t>Fifth level</a:t>
             </a:r>
             <a:endParaRPr lang="ru-RU" dirty="0"/>
@@ -3779,7 +3719,7 @@
           <a:lstStyle/>
           <a:p>
             <a:r>
-              <a:rPr lang="en-US" smtClean="0"/>
+              <a:rPr lang="en-US"/>
               <a:t>Click to edit Master title style</a:t>
             </a:r>
             <a:endParaRPr lang="ru-RU" dirty="0"/>
@@ -3808,35 +3748,35 @@
           <a:p>
             <a:pPr lvl="0"/>
             <a:r>
-              <a:rPr lang="en-US" smtClean="0"/>
+              <a:rPr lang="en-US"/>
               <a:t>Click to edit Master text styles</a:t>
             </a:r>
           </a:p>
           <a:p>
             <a:pPr lvl="1"/>
             <a:r>
-              <a:rPr lang="en-US" smtClean="0"/>
+              <a:rPr lang="en-US"/>
               <a:t>Second level</a:t>
             </a:r>
           </a:p>
           <a:p>
             <a:pPr lvl="2"/>
             <a:r>
-              <a:rPr lang="en-US" smtClean="0"/>
+              <a:rPr lang="en-US"/>
               <a:t>Third level</a:t>
             </a:r>
           </a:p>
           <a:p>
             <a:pPr lvl="3"/>
             <a:r>
-              <a:rPr lang="en-US" smtClean="0"/>
+              <a:rPr lang="en-US"/>
               <a:t>Fourth level</a:t>
             </a:r>
           </a:p>
           <a:p>
             <a:pPr lvl="4"/>
             <a:r>
-              <a:rPr lang="en-US" smtClean="0"/>
+              <a:rPr lang="en-US"/>
               <a:t>Fifth level</a:t>
             </a:r>
             <a:endParaRPr lang="ru-RU" dirty="0"/>
@@ -3894,7 +3834,7 @@
           <a:lstStyle/>
           <a:p>
             <a:r>
-              <a:rPr lang="en-US" smtClean="0"/>
+              <a:rPr lang="en-US"/>
               <a:t>Click to edit Master title style</a:t>
             </a:r>
             <a:endParaRPr lang="ru-RU"/>
@@ -4013,7 +3953,7 @@
           </a:lstStyle>
           <a:p>
             <a:r>
-              <a:rPr lang="en-US" smtClean="0"/>
+              <a:rPr lang="en-US"/>
               <a:t>Click to edit Master subtitle style</a:t>
             </a:r>
             <a:endParaRPr lang="ru-RU"/>
@@ -4044,7 +3984,7 @@
                 </a:solidFill>
               </a:rPr>
               <a:pPr/>
-              <a:t>22.07.2017</a:t>
+              <a:t>01.07.2018</a:t>
             </a:fld>
             <a:endParaRPr lang="ru-RU">
               <a:solidFill>
@@ -4163,7 +4103,7 @@
           <a:lstStyle/>
           <a:p>
             <a:r>
-              <a:rPr lang="en-US" smtClean="0"/>
+              <a:rPr lang="en-US"/>
               <a:t>Click to edit Master title style</a:t>
             </a:r>
             <a:endParaRPr lang="ru-RU" dirty="0"/>
@@ -4187,35 +4127,35 @@
           <a:p>
             <a:pPr lvl="0"/>
             <a:r>
-              <a:rPr lang="en-US" smtClean="0"/>
+              <a:rPr lang="en-US"/>
               <a:t>Click to edit Master text styles</a:t>
             </a:r>
           </a:p>
           <a:p>
             <a:pPr lvl="1"/>
             <a:r>
-              <a:rPr lang="en-US" smtClean="0"/>
+              <a:rPr lang="en-US"/>
               <a:t>Second level</a:t>
             </a:r>
           </a:p>
           <a:p>
             <a:pPr lvl="2"/>
             <a:r>
-              <a:rPr lang="en-US" smtClean="0"/>
+              <a:rPr lang="en-US"/>
               <a:t>Third level</a:t>
             </a:r>
           </a:p>
           <a:p>
             <a:pPr lvl="3"/>
             <a:r>
-              <a:rPr lang="en-US" smtClean="0"/>
+              <a:rPr lang="en-US"/>
               <a:t>Fourth level</a:t>
             </a:r>
           </a:p>
           <a:p>
             <a:pPr lvl="4"/>
             <a:r>
-              <a:rPr lang="en-US" smtClean="0"/>
+              <a:rPr lang="en-US"/>
               <a:t>Fifth level</a:t>
             </a:r>
             <a:endParaRPr lang="ru-RU" dirty="0"/>
@@ -4277,7 +4217,7 @@
           </a:lstStyle>
           <a:p>
             <a:r>
-              <a:rPr lang="en-US" smtClean="0"/>
+              <a:rPr lang="en-US"/>
               <a:t>Click to edit Master title style</a:t>
             </a:r>
             <a:endParaRPr lang="ru-RU" dirty="0"/>
@@ -4397,7 +4337,7 @@
           <a:p>
             <a:pPr lvl="0"/>
             <a:r>
-              <a:rPr lang="en-US" smtClean="0"/>
+              <a:rPr lang="en-US"/>
               <a:t>Click to edit Master text styles</a:t>
             </a:r>
           </a:p>
@@ -4449,7 +4389,7 @@
           <a:lstStyle/>
           <a:p>
             <a:r>
-              <a:rPr lang="en-US" smtClean="0"/>
+              <a:rPr lang="en-US"/>
               <a:t>Click to edit Master title style</a:t>
             </a:r>
             <a:endParaRPr lang="ru-RU" dirty="0"/>
@@ -4506,35 +4446,35 @@
           <a:p>
             <a:pPr lvl="0"/>
             <a:r>
-              <a:rPr lang="en-US" smtClean="0"/>
+              <a:rPr lang="en-US"/>
               <a:t>Click to edit Master text styles</a:t>
             </a:r>
           </a:p>
           <a:p>
             <a:pPr lvl="1"/>
             <a:r>
-              <a:rPr lang="en-US" smtClean="0"/>
+              <a:rPr lang="en-US"/>
               <a:t>Second level</a:t>
             </a:r>
           </a:p>
           <a:p>
             <a:pPr lvl="2"/>
             <a:r>
-              <a:rPr lang="en-US" smtClean="0"/>
+              <a:rPr lang="en-US"/>
               <a:t>Third level</a:t>
             </a:r>
           </a:p>
           <a:p>
             <a:pPr lvl="3"/>
             <a:r>
-              <a:rPr lang="en-US" smtClean="0"/>
+              <a:rPr lang="en-US"/>
               <a:t>Fourth level</a:t>
             </a:r>
           </a:p>
           <a:p>
             <a:pPr lvl="4"/>
             <a:r>
-              <a:rPr lang="en-US" smtClean="0"/>
+              <a:rPr lang="en-US"/>
               <a:t>Fifth level</a:t>
             </a:r>
             <a:endParaRPr lang="ru-RU" dirty="0"/>
@@ -4591,35 +4531,35 @@
           <a:p>
             <a:pPr lvl="0"/>
             <a:r>
-              <a:rPr lang="en-US" smtClean="0"/>
+              <a:rPr lang="en-US"/>
               <a:t>Click to edit Master text styles</a:t>
             </a:r>
           </a:p>
           <a:p>
             <a:pPr lvl="1"/>
             <a:r>
-              <a:rPr lang="en-US" smtClean="0"/>
+              <a:rPr lang="en-US"/>
               <a:t>Second level</a:t>
             </a:r>
           </a:p>
           <a:p>
             <a:pPr lvl="2"/>
             <a:r>
-              <a:rPr lang="en-US" smtClean="0"/>
+              <a:rPr lang="en-US"/>
               <a:t>Third level</a:t>
             </a:r>
           </a:p>
           <a:p>
             <a:pPr lvl="3"/>
             <a:r>
-              <a:rPr lang="en-US" smtClean="0"/>
+              <a:rPr lang="en-US"/>
               <a:t>Fourth level</a:t>
             </a:r>
           </a:p>
           <a:p>
             <a:pPr lvl="4"/>
             <a:r>
-              <a:rPr lang="en-US" smtClean="0"/>
+              <a:rPr lang="en-US"/>
               <a:t>Fifth level</a:t>
             </a:r>
             <a:endParaRPr lang="ru-RU" dirty="0"/>
@@ -4676,7 +4616,7 @@
           </a:lstStyle>
           <a:p>
             <a:r>
-              <a:rPr lang="en-US" smtClean="0"/>
+              <a:rPr lang="en-US"/>
               <a:t>Click to edit Master title style</a:t>
             </a:r>
             <a:endParaRPr lang="ru-RU" dirty="0"/>
@@ -4742,7 +4682,7 @@
           <a:p>
             <a:pPr lvl="0"/>
             <a:r>
-              <a:rPr lang="en-US" smtClean="0"/>
+              <a:rPr lang="en-US"/>
               <a:t>Click to edit Master text styles</a:t>
             </a:r>
           </a:p>
@@ -4798,35 +4738,35 @@
           <a:p>
             <a:pPr lvl="0"/>
             <a:r>
-              <a:rPr lang="en-US" smtClean="0"/>
+              <a:rPr lang="en-US"/>
               <a:t>Click to edit Master text styles</a:t>
             </a:r>
           </a:p>
           <a:p>
             <a:pPr lvl="1"/>
             <a:r>
-              <a:rPr lang="en-US" smtClean="0"/>
+              <a:rPr lang="en-US"/>
               <a:t>Second level</a:t>
             </a:r>
           </a:p>
           <a:p>
             <a:pPr lvl="2"/>
             <a:r>
-              <a:rPr lang="en-US" smtClean="0"/>
+              <a:rPr lang="en-US"/>
               <a:t>Third level</a:t>
             </a:r>
           </a:p>
           <a:p>
             <a:pPr lvl="3"/>
             <a:r>
-              <a:rPr lang="en-US" smtClean="0"/>
+              <a:rPr lang="en-US"/>
               <a:t>Fourth level</a:t>
             </a:r>
           </a:p>
           <a:p>
             <a:pPr lvl="4"/>
             <a:r>
-              <a:rPr lang="en-US" smtClean="0"/>
+              <a:rPr lang="en-US"/>
               <a:t>Fifth level</a:t>
             </a:r>
             <a:endParaRPr lang="ru-RU" dirty="0"/>
@@ -4892,7 +4832,7 @@
           <a:p>
             <a:pPr lvl="0"/>
             <a:r>
-              <a:rPr lang="en-US" smtClean="0"/>
+              <a:rPr lang="en-US"/>
               <a:t>Click to edit Master text styles</a:t>
             </a:r>
           </a:p>
@@ -4948,35 +4888,35 @@
           <a:p>
             <a:pPr lvl="0"/>
             <a:r>
-              <a:rPr lang="en-US" smtClean="0"/>
+              <a:rPr lang="en-US"/>
               <a:t>Click to edit Master text styles</a:t>
             </a:r>
           </a:p>
           <a:p>
             <a:pPr lvl="1"/>
             <a:r>
-              <a:rPr lang="en-US" smtClean="0"/>
+              <a:rPr lang="en-US"/>
               <a:t>Second level</a:t>
             </a:r>
           </a:p>
           <a:p>
             <a:pPr lvl="2"/>
             <a:r>
-              <a:rPr lang="en-US" smtClean="0"/>
+              <a:rPr lang="en-US"/>
               <a:t>Third level</a:t>
             </a:r>
           </a:p>
           <a:p>
             <a:pPr lvl="3"/>
             <a:r>
-              <a:rPr lang="en-US" smtClean="0"/>
+              <a:rPr lang="en-US"/>
               <a:t>Fourth level</a:t>
             </a:r>
           </a:p>
           <a:p>
             <a:pPr lvl="4"/>
             <a:r>
-              <a:rPr lang="en-US" smtClean="0"/>
+              <a:rPr lang="en-US"/>
               <a:t>Fifth level</a:t>
             </a:r>
             <a:endParaRPr lang="ru-RU" dirty="0"/>
@@ -5029,7 +4969,7 @@
           <a:lstStyle/>
           <a:p>
             <a:r>
-              <a:rPr lang="en-US" smtClean="0"/>
+              <a:rPr lang="en-US"/>
               <a:t>Click to edit Master title style</a:t>
             </a:r>
             <a:endParaRPr lang="ru-RU" dirty="0"/>
@@ -5090,14 +5030,14 @@
           <a:p>
             <a:pPr algn="ctr"/>
             <a:r>
-              <a:rPr lang="ru-RU" sz="3200" dirty="0" smtClean="0"/>
+              <a:rPr lang="ru-RU" sz="3200" dirty="0"/>
               <a:t>Название.</a:t>
             </a:r>
             <a:r>
-              <a:rPr lang="ru-RU" sz="3200" baseline="0" dirty="0" smtClean="0"/>
+              <a:rPr lang="ru-RU" sz="3200" baseline="0" dirty="0"/>
               <a:t> Демонстрация.</a:t>
             </a:r>
-            <a:endParaRPr lang="ru-RU" sz="3200" dirty="0" smtClean="0"/>
+            <a:endParaRPr lang="ru-RU" sz="3200" dirty="0"/>
           </a:p>
         </p:txBody>
       </p:sp>
@@ -5201,7 +5141,7 @@
           <a:lstStyle/>
           <a:p>
             <a:r>
-              <a:rPr lang="en-US" smtClean="0"/>
+              <a:rPr lang="en-US"/>
               <a:t>Click to edit Master title style</a:t>
             </a:r>
             <a:endParaRPr lang="ru-RU"/>
@@ -5235,35 +5175,35 @@
           <a:p>
             <a:pPr lvl="0"/>
             <a:r>
-              <a:rPr lang="en-US" smtClean="0"/>
+              <a:rPr lang="en-US"/>
               <a:t>Click to edit Master text styles</a:t>
             </a:r>
           </a:p>
           <a:p>
             <a:pPr lvl="1"/>
             <a:r>
-              <a:rPr lang="en-US" smtClean="0"/>
+              <a:rPr lang="en-US"/>
               <a:t>Second level</a:t>
             </a:r>
           </a:p>
           <a:p>
             <a:pPr lvl="2"/>
             <a:r>
-              <a:rPr lang="en-US" smtClean="0"/>
+              <a:rPr lang="en-US"/>
               <a:t>Third level</a:t>
             </a:r>
           </a:p>
           <a:p>
             <a:pPr lvl="3"/>
             <a:r>
-              <a:rPr lang="en-US" smtClean="0"/>
+              <a:rPr lang="en-US"/>
               <a:t>Fourth level</a:t>
             </a:r>
           </a:p>
           <a:p>
             <a:pPr lvl="4"/>
             <a:r>
-              <a:rPr lang="en-US" smtClean="0"/>
+              <a:rPr lang="en-US"/>
               <a:t>Fifth level</a:t>
             </a:r>
             <a:endParaRPr lang="ru-RU"/>
@@ -5305,7 +5245,7 @@
           <a:p>
             <a:fld id="{AC3D3127-B7C4-45E3-9797-C527EC9FDD78}" type="datetimeFigureOut">
               <a:rPr lang="ru-RU" smtClean="0"/>
-              <a:t>22.07.2017</a:t>
+              <a:t>01.07.2018</a:t>
             </a:fld>
             <a:endParaRPr lang="ru-RU"/>
           </a:p>
@@ -5413,13 +5353,6 @@
     <p:sldLayoutId id="2147483659" r:id="rId13"/>
     <p:sldLayoutId id="2147483662" r:id="rId14"/>
   </p:sldLayoutIdLst>
-  <p:timing>
-    <p:tnLst>
-      <p:par>
-        <p:cTn id="1" dur="indefinite" restart="never" nodeType="tmRoot"/>
-      </p:par>
-    </p:tnLst>
-  </p:timing>
   <p:txStyles>
     <p:titleStyle>
       <a:lvl1pPr algn="ctr" defTabSz="914400" rtl="0" eaLnBrk="1" latinLnBrk="0" hangingPunct="1">
@@ -5730,7 +5663,7 @@
           <a:lstStyle/>
           <a:p>
             <a:r>
-              <a:rPr lang="en-US" smtClean="0"/>
+              <a:rPr lang="en-US"/>
               <a:t>Click to edit Master title style</a:t>
             </a:r>
             <a:endParaRPr lang="ru-RU"/>
@@ -5764,35 +5697,35 @@
           <a:p>
             <a:pPr lvl="0"/>
             <a:r>
-              <a:rPr lang="en-US" smtClean="0"/>
+              <a:rPr lang="en-US"/>
               <a:t>Click to edit Master text styles</a:t>
             </a:r>
           </a:p>
           <a:p>
             <a:pPr lvl="1"/>
             <a:r>
-              <a:rPr lang="en-US" smtClean="0"/>
+              <a:rPr lang="en-US"/>
               <a:t>Second level</a:t>
             </a:r>
           </a:p>
           <a:p>
             <a:pPr lvl="2"/>
             <a:r>
-              <a:rPr lang="en-US" smtClean="0"/>
+              <a:rPr lang="en-US"/>
               <a:t>Third level</a:t>
             </a:r>
           </a:p>
           <a:p>
             <a:pPr lvl="3"/>
             <a:r>
-              <a:rPr lang="en-US" smtClean="0"/>
+              <a:rPr lang="en-US"/>
               <a:t>Fourth level</a:t>
             </a:r>
           </a:p>
           <a:p>
             <a:pPr lvl="4"/>
             <a:r>
-              <a:rPr lang="en-US" smtClean="0"/>
+              <a:rPr lang="en-US"/>
               <a:t>Fifth level</a:t>
             </a:r>
             <a:endParaRPr lang="ru-RU"/>
@@ -5841,7 +5774,7 @@
                 </a:solidFill>
               </a:rPr>
               <a:pPr/>
-              <a:t>22.07.2017</a:t>
+              <a:t>01.07.2018</a:t>
             </a:fld>
             <a:endParaRPr lang="ru-RU">
               <a:solidFill>
@@ -5974,13 +5907,6 @@
     <p:sldLayoutId id="2147483676" r:id="rId13"/>
     <p:sldLayoutId id="2147483677" r:id="rId14"/>
   </p:sldLayoutIdLst>
-  <p:timing>
-    <p:tnLst>
-      <p:par>
-        <p:cTn id="1" dur="indefinite" restart="never" nodeType="tmRoot"/>
-      </p:par>
-    </p:tnLst>
-  </p:timing>
   <p:txStyles>
     <p:titleStyle>
       <a:lvl1pPr algn="ctr" defTabSz="914400" rtl="0" eaLnBrk="1" latinLnBrk="0" hangingPunct="1">
@@ -6260,7 +6186,7 @@
         <p:spPr>
           <a:xfrm>
             <a:off x="143508" y="1304764"/>
-            <a:ext cx="8856984" cy="646331"/>
+            <a:ext cx="8856984" cy="523220"/>
           </a:xfrm>
           <a:prstGeom prst="rect">
             <a:avLst/>
@@ -6274,7 +6200,7 @@
           <a:p>
             <a:pPr algn="ctr"/>
             <a:r>
-              <a:rPr lang="ru-RU" sz="3600" b="1" i="1" dirty="0" smtClean="0">
+              <a:rPr lang="ru-RU" sz="2800" i="1" dirty="0">
                 <a:solidFill>
                   <a:schemeClr val="bg1"/>
                 </a:solidFill>
@@ -6282,14 +6208,14 @@
               <a:t>Основы программирования на </a:t>
             </a:r>
             <a:r>
-              <a:rPr lang="en-US" sz="3600" b="1" i="1" dirty="0" smtClean="0">
+              <a:rPr lang="en-US" sz="2800" i="1" dirty="0">
                 <a:solidFill>
                   <a:schemeClr val="bg1"/>
                 </a:solidFill>
               </a:rPr>
               <a:t>C#</a:t>
             </a:r>
-            <a:endParaRPr lang="ru-RU" sz="3600" b="1" i="1" dirty="0">
+            <a:endParaRPr lang="ru-RU" sz="2800" i="1" dirty="0">
               <a:solidFill>
                 <a:schemeClr val="bg1"/>
               </a:solidFill>
@@ -6297,70 +6223,6 @@
           </a:p>
         </p:txBody>
       </p:sp>
-      <p:pic>
-        <p:nvPicPr>
-          <p:cNvPr id="6" name="Picture 5"/>
-          <p:cNvPicPr>
-            <a:picLocks noChangeAspect="1" noChangeArrowheads="1"/>
-          </p:cNvPicPr>
-          <p:nvPr/>
-        </p:nvPicPr>
-        <p:blipFill>
-          <a:blip r:embed="rId2">
-            <a:extLst>
-              <a:ext uri="{28A0092B-C50C-407E-A947-70E740481C1C}">
-                <a14:useLocalDpi xmlns:a14="http://schemas.microsoft.com/office/drawing/2010/main" val="0"/>
-              </a:ext>
-            </a:extLst>
-          </a:blip>
-          <a:srcRect/>
-          <a:stretch>
-            <a:fillRect/>
-          </a:stretch>
-        </p:blipFill>
-        <p:spPr bwMode="auto">
-          <a:xfrm>
-            <a:off x="1638300" y="3829211"/>
-            <a:ext cx="5867400" cy="1724025"/>
-          </a:xfrm>
-          <a:prstGeom prst="rect">
-            <a:avLst/>
-          </a:prstGeom>
-          <a:noFill/>
-          <a:ln>
-            <a:noFill/>
-          </a:ln>
-          <a:effectLst/>
-          <a:extLst>
-            <a:ext uri="{909E8E84-426E-40DD-AFC4-6F175D3DCCD1}">
-              <a14:hiddenFill xmlns:a14="http://schemas.microsoft.com/office/drawing/2010/main">
-                <a:solidFill>
-                  <a:schemeClr val="accent1"/>
-                </a:solidFill>
-              </a14:hiddenFill>
-            </a:ext>
-            <a:ext uri="{91240B29-F687-4F45-9708-019B960494DF}">
-              <a14:hiddenLine xmlns:a14="http://schemas.microsoft.com/office/drawing/2010/main" w="9525">
-                <a:solidFill>
-                  <a:schemeClr val="tx1"/>
-                </a:solidFill>
-                <a:miter lim="800000"/>
-                <a:headEnd/>
-                <a:tailEnd/>
-              </a14:hiddenLine>
-            </a:ext>
-            <a:ext uri="{AF507438-7753-43E0-B8FC-AC1667EBCBE1}">
-              <a14:hiddenEffects xmlns:a14="http://schemas.microsoft.com/office/drawing/2010/main">
-                <a:effectLst>
-                  <a:outerShdw dist="35921" dir="2700000" algn="ctr" rotWithShape="0">
-                    <a:schemeClr val="bg2"/>
-                  </a:outerShdw>
-                </a:effectLst>
-              </a14:hiddenEffects>
-            </a:ext>
-          </a:extLst>
-        </p:spPr>
-      </p:pic>
       <p:sp>
         <p:nvSpPr>
           <p:cNvPr id="7" name="TextBox 6"/>
@@ -6370,7 +6232,7 @@
         <p:spPr>
           <a:xfrm>
             <a:off x="143508" y="2528900"/>
-            <a:ext cx="8856984" cy="830997"/>
+            <a:ext cx="8856984" cy="1200329"/>
           </a:xfrm>
           <a:prstGeom prst="rect">
             <a:avLst/>
@@ -6385,28 +6247,139 @@
           <a:p>
             <a:pPr algn="ctr"/>
             <a:r>
-              <a:rPr lang="ru-RU" sz="2400" dirty="0" smtClean="0">
+              <a:rPr lang="ru-RU" sz="3600" b="1" dirty="0">
                 <a:solidFill>
                   <a:schemeClr val="bg1"/>
                 </a:solidFill>
-              </a:rPr>
-              <a:t>Интегрированная среда разработки</a:t>
+                <a:latin typeface="Footlight MT Light" panose="0204060206030A020304" pitchFamily="18" charset="77"/>
+              </a:rPr>
+              <a:t>§ Интегрированная среда разработки</a:t>
             </a:r>
           </a:p>
           <a:p>
             <a:pPr algn="ctr"/>
             <a:r>
-              <a:rPr lang="en-US" sz="2400" dirty="0" smtClean="0">
+              <a:rPr lang="en-US" sz="3600" b="1" dirty="0">
                 <a:solidFill>
                   <a:schemeClr val="bg1"/>
                 </a:solidFill>
+                <a:latin typeface="Footlight MT Light" panose="0204060206030A020304" pitchFamily="18" charset="77"/>
               </a:rPr>
               <a:t>Microsoft Visual Studio</a:t>
             </a:r>
-            <a:endParaRPr lang="en-US" sz="2400" dirty="0">
+          </a:p>
+        </p:txBody>
+      </p:sp>
+      <p:sp>
+        <p:nvSpPr>
+          <p:cNvPr id="8" name="TextBox 7">
+            <a:extLst>
+              <a:ext uri="{FF2B5EF4-FFF2-40B4-BE49-F238E27FC236}">
+                <a16:creationId xmlns:a16="http://schemas.microsoft.com/office/drawing/2014/main" id="{3C5FA6AB-ECC6-D94C-A1D2-33162AF3C54A}"/>
+              </a:ext>
+            </a:extLst>
+          </p:cNvPr>
+          <p:cNvSpPr txBox="1"/>
+          <p:nvPr/>
+        </p:nvSpPr>
+        <p:spPr>
+          <a:xfrm>
+            <a:off x="2339752" y="4984720"/>
+            <a:ext cx="4464496" cy="1138773"/>
+          </a:xfrm>
+          <a:prstGeom prst="rect">
+            <a:avLst/>
+          </a:prstGeom>
+          <a:noFill/>
+        </p:spPr>
+        <p:txBody>
+          <a:bodyPr wrap="square" rtlCol="0">
+            <a:spAutoFit/>
+          </a:bodyPr>
+          <a:lstStyle/>
+          <a:p>
+            <a:r>
+              <a:rPr lang="ru-RU" sz="2000" dirty="0">
+                <a:solidFill>
+                  <a:schemeClr val="bg1"/>
+                </a:solidFill>
+                <a:effectLst>
+                  <a:outerShdw blurRad="50800" dist="38100" dir="5400000" algn="t" rotWithShape="0">
+                    <a:prstClr val="black">
+                      <a:alpha val="40000"/>
+                    </a:prstClr>
+                  </a:outerShdw>
+                </a:effectLst>
+                <a:latin typeface="Segoe Print" panose="02000800000000000000" pitchFamily="2" charset="0"/>
+              </a:rPr>
+              <a:t>Центр Обучающих Технологий</a:t>
+            </a:r>
+          </a:p>
+          <a:p>
+            <a:pPr algn="ctr"/>
+            <a:r>
+              <a:rPr lang="ru-RU" sz="1600" dirty="0">
+                <a:solidFill>
+                  <a:schemeClr val="bg1"/>
+                </a:solidFill>
+                <a:effectLst>
+                  <a:outerShdw blurRad="50800" dist="38100" dir="5400000" algn="t" rotWithShape="0">
+                    <a:prstClr val="black">
+                      <a:alpha val="40000"/>
+                    </a:prstClr>
+                  </a:outerShdw>
+                </a:effectLst>
+                <a:latin typeface="Segoe Print" panose="02000800000000000000" pitchFamily="2" charset="0"/>
+              </a:rPr>
+              <a:t>основан в 2002 году</a:t>
+            </a:r>
+          </a:p>
+          <a:p>
+            <a:pPr algn="ctr"/>
+            <a:endParaRPr lang="ru-RU" sz="1600" dirty="0">
               <a:solidFill>
                 <a:schemeClr val="bg1"/>
               </a:solidFill>
+              <a:effectLst>
+                <a:outerShdw blurRad="50800" dist="38100" dir="5400000" algn="t" rotWithShape="0">
+                  <a:prstClr val="black">
+                    <a:alpha val="40000"/>
+                  </a:prstClr>
+                </a:outerShdw>
+              </a:effectLst>
+              <a:latin typeface="Segoe Print" panose="02000800000000000000" pitchFamily="2" charset="0"/>
+            </a:endParaRPr>
+          </a:p>
+          <a:p>
+            <a:pPr algn="ctr"/>
+            <a:r>
+              <a:rPr lang="en-US" sz="1600" dirty="0" err="1">
+                <a:solidFill>
+                  <a:schemeClr val="bg1"/>
+                </a:solidFill>
+                <a:effectLst>
+                  <a:outerShdw blurRad="50800" dist="38100" dir="5400000" algn="t" rotWithShape="0">
+                    <a:prstClr val="black">
+                      <a:alpha val="40000"/>
+                    </a:prstClr>
+                  </a:outerShdw>
+                </a:effectLst>
+                <a:latin typeface="Segoe Print" panose="02000800000000000000" pitchFamily="2" charset="0"/>
+              </a:rPr>
+              <a:t>trainingcenter.by</a:t>
+            </a:r>
+            <a:endParaRPr lang="en-US" sz="1600" dirty="0">
+              <a:solidFill>
+                <a:schemeClr val="bg1"/>
+              </a:solidFill>
+              <a:effectLst>
+                <a:outerShdw blurRad="50800" dist="38100" dir="5400000" algn="t" rotWithShape="0">
+                  <a:prstClr val="black">
+                    <a:alpha val="40000"/>
+                  </a:prstClr>
+                </a:outerShdw>
+              </a:effectLst>
+              <a:latin typeface="Segoe Print" panose="02000800000000000000" pitchFamily="2" charset="0"/>
             </a:endParaRPr>
           </a:p>
         </p:txBody>
@@ -6421,13 +6394,6 @@
   <p:clrMapOvr>
     <a:masterClrMapping/>
   </p:clrMapOvr>
-  <p:timing>
-    <p:tnLst>
-      <p:par>
-        <p:cTn id="1" dur="indefinite" restart="never" nodeType="tmRoot"/>
-      </p:par>
-    </p:tnLst>
-  </p:timing>
 </p:sld>
 </file>
 
@@ -6464,7 +6430,7 @@
           <a:lstStyle/>
           <a:p>
             <a:r>
-              <a:rPr lang="en-US" dirty="0" smtClean="0">
+              <a:rPr lang="en-US" dirty="0">
                 <a:solidFill>
                   <a:srgbClr val="92D050"/>
                 </a:solidFill>
@@ -6472,7 +6438,7 @@
               <a:t>[12]</a:t>
             </a:r>
             <a:r>
-              <a:rPr lang="en-US" dirty="0" smtClean="0"/>
+              <a:rPr lang="en-US" dirty="0"/>
               <a:t> Quick Launch</a:t>
             </a:r>
             <a:endParaRPr lang="ru-RU" dirty="0"/>
@@ -6495,7 +6461,7 @@
           <a:lstStyle/>
           <a:p>
             <a:r>
-              <a:rPr lang="en-US" dirty="0" err="1" smtClean="0">
+              <a:rPr lang="en-US" dirty="0" err="1">
                 <a:solidFill>
                   <a:srgbClr val="F6AE1E"/>
                 </a:solidFill>
@@ -6503,33 +6469,28 @@
               <a:t>Ctrl+Q</a:t>
             </a:r>
             <a:r>
-              <a:rPr lang="en-US" dirty="0" smtClean="0"/>
+              <a:rPr lang="en-US" dirty="0"/>
               <a:t> </a:t>
             </a:r>
             <a:r>
-              <a:rPr lang="ru-RU" dirty="0" smtClean="0"/>
+              <a:rPr lang="ru-RU" dirty="0"/>
               <a:t>передаст фокус полю </a:t>
             </a:r>
             <a:r>
               <a:rPr lang="en-US" dirty="0"/>
-              <a:t>Quick </a:t>
-            </a:r>
-            <a:r>
-              <a:rPr lang="en-US" dirty="0" smtClean="0"/>
-              <a:t>Launch</a:t>
-            </a:r>
-            <a:endParaRPr lang="ru-RU" dirty="0" smtClean="0"/>
-          </a:p>
-          <a:p>
-            <a:r>
-              <a:rPr lang="en-US" dirty="0" smtClean="0"/>
+              <a:t>Quick Launch</a:t>
+            </a:r>
+            <a:endParaRPr lang="ru-RU" dirty="0"/>
+          </a:p>
+          <a:p>
+            <a:r>
+              <a:rPr lang="en-US" dirty="0"/>
               <a:t>@ </a:t>
             </a:r>
             <a:r>
-              <a:rPr lang="ru-RU" dirty="0" smtClean="0"/>
+              <a:rPr lang="ru-RU" dirty="0"/>
               <a:t>в начале дает возможность фильтрации</a:t>
             </a:r>
-            <a:endParaRPr lang="ru-RU" dirty="0"/>
           </a:p>
         </p:txBody>
       </p:sp>
@@ -6543,13 +6504,6 @@
   <p:clrMapOvr>
     <a:masterClrMapping/>
   </p:clrMapOvr>
-  <p:timing>
-    <p:tnLst>
-      <p:par>
-        <p:cTn id="1" dur="indefinite" restart="never" nodeType="tmRoot"/>
-      </p:par>
-    </p:tnLst>
-  </p:timing>
 </p:sld>
 </file>
 
@@ -6588,30 +6542,26 @@
           <a:lstStyle/>
           <a:p>
             <a:r>
-              <a:rPr lang="ru-RU" dirty="0" smtClean="0"/>
+              <a:rPr lang="ru-RU" dirty="0"/>
               <a:t>Окна со списками</a:t>
             </a:r>
-            <a:r>
-              <a:rPr lang="en-US" dirty="0" smtClean="0"/>
-              <a:t/>
-            </a:r>
             <a:br>
-              <a:rPr lang="en-US" dirty="0" smtClean="0"/>
+              <a:rPr lang="en-US" dirty="0"/>
             </a:br>
             <a:r>
-              <a:rPr lang="ru-RU" dirty="0" smtClean="0"/>
+              <a:rPr lang="ru-RU" dirty="0"/>
               <a:t>(</a:t>
             </a:r>
             <a:r>
-              <a:rPr lang="en-US" dirty="0" smtClean="0"/>
+              <a:rPr lang="en-US" dirty="0"/>
               <a:t>find results, find symbol results, </a:t>
             </a:r>
             <a:r>
-              <a:rPr lang="en-US" dirty="0" err="1" smtClean="0"/>
+              <a:rPr lang="en-US" dirty="0" err="1"/>
               <a:t>etc</a:t>
             </a:r>
             <a:r>
-              <a:rPr lang="en-US" dirty="0" smtClean="0"/>
+              <a:rPr lang="en-US" dirty="0"/>
               <a:t>)</a:t>
             </a:r>
             <a:endParaRPr lang="ru-RU" dirty="0"/>
@@ -6634,7 +6584,7 @@
           <a:lstStyle/>
           <a:p>
             <a:r>
-              <a:rPr lang="en-US" dirty="0" smtClean="0">
+              <a:rPr lang="en-US" dirty="0">
                 <a:solidFill>
                   <a:srgbClr val="F6AE1E"/>
                 </a:solidFill>
@@ -6642,17 +6592,17 @@
               <a:t>F8</a:t>
             </a:r>
             <a:r>
-              <a:rPr lang="en-US" dirty="0" smtClean="0"/>
+              <a:rPr lang="en-US" dirty="0"/>
               <a:t> </a:t>
             </a:r>
             <a:r>
-              <a:rPr lang="ru-RU" dirty="0" smtClean="0"/>
+              <a:rPr lang="ru-RU" dirty="0"/>
               <a:t>вперед</a:t>
             </a:r>
           </a:p>
           <a:p>
             <a:r>
-              <a:rPr lang="en-US" dirty="0" smtClean="0">
+              <a:rPr lang="en-US" dirty="0">
                 <a:solidFill>
                   <a:srgbClr val="F6AE1E"/>
                 </a:solidFill>
@@ -6660,11 +6610,11 @@
               <a:t>Shift+F8</a:t>
             </a:r>
             <a:r>
-              <a:rPr lang="en-US" dirty="0" smtClean="0"/>
+              <a:rPr lang="en-US" dirty="0"/>
               <a:t> </a:t>
             </a:r>
             <a:r>
-              <a:rPr lang="ru-RU" dirty="0" smtClean="0"/>
+              <a:rPr lang="ru-RU" dirty="0"/>
               <a:t>назад</a:t>
             </a:r>
           </a:p>
@@ -6683,13 +6633,6 @@
   <p:clrMapOvr>
     <a:masterClrMapping/>
   </p:clrMapOvr>
-  <p:timing>
-    <p:tnLst>
-      <p:par>
-        <p:cTn id="1" dur="indefinite" restart="never" nodeType="tmRoot"/>
-      </p:par>
-    </p:tnLst>
-  </p:timing>
 </p:sld>
 </file>
 
@@ -6740,14 +6683,13 @@
           <a:lstStyle/>
           <a:p>
             <a:r>
-              <a:rPr lang="ru-RU" dirty="0" smtClean="0"/>
+              <a:rPr lang="ru-RU" dirty="0"/>
               <a:t>Окна: </a:t>
             </a:r>
             <a:r>
-              <a:rPr lang="en-US" dirty="0" smtClean="0"/>
+              <a:rPr lang="en-US" dirty="0"/>
               <a:t>Bookmarks</a:t>
             </a:r>
-            <a:endParaRPr lang="en-US" dirty="0"/>
           </a:p>
         </p:txBody>
       </p:sp>
@@ -6781,7 +6723,7 @@
               </a:rPr>
               <a:t>Закладки в текстовых файлах</a:t>
             </a:r>
-            <a:endParaRPr lang="en-US" dirty="0" smtClean="0">
+            <a:endParaRPr lang="en-US" dirty="0">
               <a:solidFill>
                 <a:schemeClr val="bg1"/>
               </a:solidFill>
@@ -6794,7 +6736,7 @@
               </a:buClr>
             </a:pPr>
             <a:r>
-              <a:rPr lang="ru-RU" dirty="0" smtClean="0">
+              <a:rPr lang="ru-RU" dirty="0">
                 <a:solidFill>
                   <a:schemeClr val="bg1"/>
                 </a:solidFill>
@@ -6802,7 +6744,7 @@
               <a:t>Команды меню </a:t>
             </a:r>
             <a:r>
-              <a:rPr lang="en-US" dirty="0" smtClean="0">
+              <a:rPr lang="en-US" dirty="0">
                 <a:solidFill>
                   <a:schemeClr val="bg1"/>
                 </a:solidFill>
@@ -6810,7 +6752,7 @@
               <a:t>View -&gt; Bookmark Window</a:t>
             </a:r>
             <a:r>
-              <a:rPr lang="ru-RU" dirty="0" smtClean="0">
+              <a:rPr lang="ru-RU" dirty="0">
                 <a:solidFill>
                   <a:schemeClr val="bg1"/>
                 </a:solidFill>
@@ -6818,7 +6760,7 @@
               <a:t> и </a:t>
             </a:r>
             <a:r>
-              <a:rPr lang="en-US" dirty="0" smtClean="0">
+              <a:rPr lang="en-US" dirty="0">
                 <a:solidFill>
                   <a:schemeClr val="bg1"/>
                 </a:solidFill>
@@ -6832,7 +6774,7 @@
                 <a:schemeClr val="bg1"/>
               </a:buClr>
             </a:pPr>
-            <a:endParaRPr lang="ru-RU" dirty="0" smtClean="0">
+            <a:endParaRPr lang="ru-RU" dirty="0">
               <a:solidFill>
                 <a:schemeClr val="bg1"/>
               </a:solidFill>
@@ -6844,7 +6786,7 @@
                 <a:schemeClr val="bg1"/>
               </a:buClr>
             </a:pPr>
-            <a:endParaRPr lang="ru-RU" dirty="0" smtClean="0">
+            <a:endParaRPr lang="ru-RU" dirty="0">
               <a:solidFill>
                 <a:schemeClr val="bg1"/>
               </a:solidFill>
@@ -6856,7 +6798,7 @@
                 <a:schemeClr val="bg1"/>
               </a:buClr>
             </a:pPr>
-            <a:endParaRPr lang="ru-RU" dirty="0" smtClean="0">
+            <a:endParaRPr lang="ru-RU" dirty="0">
               <a:solidFill>
                 <a:schemeClr val="bg1"/>
               </a:solidFill>
@@ -6887,13 +6829,6 @@
   <p:clrMapOvr>
     <a:overrideClrMapping bg1="lt1" tx1="dk1" bg2="lt2" tx2="dk2" accent1="accent1" accent2="accent2" accent3="accent3" accent4="accent4" accent5="accent5" accent6="accent6" hlink="hlink" folHlink="folHlink"/>
   </p:clrMapOvr>
-  <p:timing>
-    <p:tnLst>
-      <p:par>
-        <p:cTn id="1" dur="indefinite" restart="never" nodeType="tmRoot"/>
-      </p:par>
-    </p:tnLst>
-  </p:timing>
 </p:sld>
 </file>
 
@@ -6944,14 +6879,13 @@
           <a:lstStyle/>
           <a:p>
             <a:r>
-              <a:rPr lang="ru-RU" dirty="0" smtClean="0"/>
+              <a:rPr lang="ru-RU" dirty="0"/>
               <a:t>Окна: </a:t>
             </a:r>
             <a:r>
-              <a:rPr lang="en-US" dirty="0" smtClean="0"/>
+              <a:rPr lang="en-US" dirty="0"/>
               <a:t>Task List</a:t>
             </a:r>
-            <a:endParaRPr lang="en-US" dirty="0"/>
           </a:p>
         </p:txBody>
       </p:sp>
@@ -6985,7 +6919,7 @@
               </a:rPr>
               <a:t>Список можно использовать для хранения заметок по проекту</a:t>
             </a:r>
-            <a:endParaRPr lang="en-US" dirty="0" smtClean="0">
+            <a:endParaRPr lang="en-US" dirty="0">
               <a:solidFill>
                 <a:schemeClr val="bg1"/>
               </a:solidFill>
@@ -6998,7 +6932,7 @@
               </a:buClr>
             </a:pPr>
             <a:r>
-              <a:rPr lang="ru-RU" dirty="0" smtClean="0">
+              <a:rPr lang="ru-RU" dirty="0">
                 <a:solidFill>
                   <a:schemeClr val="bg1"/>
                 </a:solidFill>
@@ -7006,28 +6940,12 @@
               <a:t>Команда меню </a:t>
             </a:r>
             <a:r>
-              <a:rPr lang="en-US" dirty="0" smtClean="0">
+              <a:rPr lang="en-US" dirty="0">
                 <a:solidFill>
                   <a:schemeClr val="bg1"/>
                 </a:solidFill>
               </a:rPr>
-              <a:t>View -&gt; </a:t>
-            </a:r>
-            <a:r>
-              <a:rPr lang="en-US" dirty="0">
-                <a:solidFill>
-                  <a:schemeClr val="bg1"/>
-                </a:solidFill>
-              </a:rPr>
-              <a:t>Task </a:t>
-            </a:r>
-            <a:r>
-              <a:rPr lang="en-US" dirty="0" smtClean="0">
-                <a:solidFill>
-                  <a:schemeClr val="bg1"/>
-                </a:solidFill>
-              </a:rPr>
-              <a:t>List.</a:t>
+              <a:t>View -&gt; Task List.</a:t>
             </a:r>
           </a:p>
           <a:p>
@@ -7037,7 +6955,7 @@
               </a:buClr>
             </a:pPr>
             <a:r>
-              <a:rPr lang="ru-RU" dirty="0" smtClean="0">
+              <a:rPr lang="ru-RU" dirty="0">
                 <a:solidFill>
                   <a:schemeClr val="bg1"/>
                 </a:solidFill>
@@ -7045,7 +6963,7 @@
               <a:t>Текст комментария написанный после </a:t>
             </a:r>
             <a:r>
-              <a:rPr lang="en-US" dirty="0" smtClean="0">
+              <a:rPr lang="en-US" dirty="0">
                 <a:solidFill>
                   <a:schemeClr val="bg1"/>
                 </a:solidFill>
@@ -7053,7 +6971,7 @@
               <a:t>TODO </a:t>
             </a:r>
             <a:r>
-              <a:rPr lang="ru-RU" dirty="0" smtClean="0">
+              <a:rPr lang="ru-RU" dirty="0">
                 <a:solidFill>
                   <a:schemeClr val="bg1"/>
                 </a:solidFill>
@@ -7061,7 +6979,7 @@
               <a:t>попадает в</a:t>
             </a:r>
             <a:r>
-              <a:rPr lang="en-US" dirty="0" smtClean="0">
+              <a:rPr lang="en-US" dirty="0">
                 <a:solidFill>
                   <a:schemeClr val="bg1"/>
                 </a:solidFill>
@@ -7069,7 +6987,7 @@
               <a:t> </a:t>
             </a:r>
             <a:r>
-              <a:rPr lang="ru-RU" dirty="0" smtClean="0">
+              <a:rPr lang="ru-RU" dirty="0">
                 <a:solidFill>
                   <a:schemeClr val="bg1"/>
                 </a:solidFill>
@@ -7102,13 +7020,6 @@
   <p:clrMapOvr>
     <a:overrideClrMapping bg1="lt1" tx1="dk1" bg2="lt2" tx2="dk2" accent1="accent1" accent2="accent2" accent3="accent3" accent4="accent4" accent5="accent5" accent6="accent6" hlink="hlink" folHlink="folHlink"/>
   </p:clrMapOvr>
-  <p:timing>
-    <p:tnLst>
-      <p:par>
-        <p:cTn id="1" dur="indefinite" restart="never" nodeType="tmRoot"/>
-      </p:par>
-    </p:tnLst>
-  </p:timing>
 </p:sld>
 </file>
 
@@ -7145,10 +7056,9 @@
           <a:lstStyle/>
           <a:p>
             <a:r>
-              <a:rPr lang="ru-RU" dirty="0" smtClean="0"/>
+              <a:rPr lang="ru-RU" dirty="0"/>
               <a:t>«Плавающие» окна</a:t>
             </a:r>
-            <a:endParaRPr lang="ru-RU" dirty="0"/>
           </a:p>
         </p:txBody>
       </p:sp>
@@ -7168,7 +7078,7 @@
           <a:lstStyle/>
           <a:p>
             <a:r>
-              <a:rPr lang="en-US" dirty="0" err="1" smtClean="0">
+              <a:rPr lang="en-US" dirty="0" err="1">
                 <a:solidFill>
                   <a:srgbClr val="F6AE1E"/>
                 </a:solidFill>
@@ -7176,21 +7086,21 @@
               <a:t>Ctrl+click</a:t>
             </a:r>
             <a:r>
-              <a:rPr lang="en-US" dirty="0" smtClean="0"/>
+              <a:rPr lang="en-US" dirty="0"/>
               <a:t> </a:t>
             </a:r>
             <a:r>
-              <a:rPr lang="ru-RU" dirty="0" smtClean="0"/>
+              <a:rPr lang="ru-RU" dirty="0"/>
               <a:t>возвращает окно на место если вы его случайно вытащили не туда</a:t>
             </a:r>
           </a:p>
           <a:p>
             <a:r>
-              <a:rPr lang="ru-RU" dirty="0" smtClean="0"/>
+              <a:rPr lang="ru-RU" dirty="0"/>
               <a:t>Удерживайте </a:t>
             </a:r>
             <a:r>
-              <a:rPr lang="en-US" dirty="0" smtClean="0">
+              <a:rPr lang="en-US" dirty="0">
                 <a:solidFill>
                   <a:srgbClr val="F6AE1E"/>
                 </a:solidFill>
@@ -7198,10 +7108,9 @@
               <a:t>Ctrl</a:t>
             </a:r>
             <a:r>
-              <a:rPr lang="ru-RU" dirty="0" smtClean="0"/>
+              <a:rPr lang="ru-RU" dirty="0"/>
               <a:t> во время перетаскивания окна чтобы убрать направляющие</a:t>
             </a:r>
-            <a:endParaRPr lang="ru-RU" dirty="0"/>
           </a:p>
         </p:txBody>
       </p:sp>
@@ -7215,13 +7124,6 @@
   <p:clrMapOvr>
     <a:masterClrMapping/>
   </p:clrMapOvr>
-  <p:timing>
-    <p:tnLst>
-      <p:par>
-        <p:cTn id="1" dur="indefinite" restart="never" nodeType="tmRoot"/>
-      </p:par>
-    </p:tnLst>
-  </p:timing>
 </p:sld>
 </file>
 
@@ -7258,10 +7160,9 @@
           <a:lstStyle/>
           <a:p>
             <a:r>
-              <a:rPr lang="ru-RU" dirty="0" smtClean="0"/>
+              <a:rPr lang="ru-RU" dirty="0"/>
               <a:t>Редактор</a:t>
             </a:r>
-            <a:endParaRPr lang="ru-RU" dirty="0"/>
           </a:p>
         </p:txBody>
       </p:sp>
@@ -7294,13 +7195,6 @@
   <p:clrMapOvr>
     <a:masterClrMapping/>
   </p:clrMapOvr>
-  <p:timing>
-    <p:tnLst>
-      <p:par>
-        <p:cTn id="1" dur="indefinite" restart="never" nodeType="tmRoot"/>
-      </p:par>
-    </p:tnLst>
-  </p:timing>
 </p:sld>
 </file>
 
@@ -7337,10 +7231,9 @@
           <a:lstStyle/>
           <a:p>
             <a:r>
-              <a:rPr lang="ru-RU" dirty="0" smtClean="0"/>
+              <a:rPr lang="ru-RU" dirty="0"/>
               <a:t>Редактор: Подсветка синтаксиса</a:t>
             </a:r>
-            <a:endParaRPr lang="ru-RU" dirty="0"/>
           </a:p>
         </p:txBody>
       </p:sp>
@@ -7363,20 +7256,19 @@
               <a:buNone/>
             </a:pPr>
             <a:r>
-              <a:rPr lang="ru-RU" dirty="0" smtClean="0"/>
+              <a:rPr lang="ru-RU" dirty="0"/>
               <a:t>На сайте </a:t>
             </a:r>
             <a:r>
-              <a:rPr lang="en-US" dirty="0" smtClean="0">
+              <a:rPr lang="en-US" dirty="0">
                 <a:hlinkClick r:id="rId2"/>
               </a:rPr>
               <a:t>studiostyl.es</a:t>
             </a:r>
             <a:r>
-              <a:rPr lang="ru-RU" dirty="0" smtClean="0"/>
+              <a:rPr lang="ru-RU" dirty="0"/>
               <a:t> можно скачать готовые цветовые схемы</a:t>
             </a:r>
-            <a:endParaRPr lang="ru-RU" dirty="0"/>
           </a:p>
         </p:txBody>
       </p:sp>
@@ -7390,13 +7282,6 @@
   <p:clrMapOvr>
     <a:masterClrMapping/>
   </p:clrMapOvr>
-  <p:timing>
-    <p:tnLst>
-      <p:par>
-        <p:cTn id="1" dur="indefinite" restart="never" nodeType="tmRoot"/>
-      </p:par>
-    </p:tnLst>
-  </p:timing>
 </p:sld>
 </file>
 
@@ -7433,7 +7318,7 @@
           <a:lstStyle/>
           <a:p>
             <a:r>
-              <a:rPr lang="ru-RU" dirty="0" smtClean="0"/>
+              <a:rPr lang="ru-RU" dirty="0"/>
               <a:t>Шрифты</a:t>
             </a:r>
             <a:endParaRPr lang="en-US" dirty="0"/>
@@ -7461,7 +7346,7 @@
               <a:buNone/>
             </a:pPr>
             <a:r>
-              <a:rPr lang="ru-RU" dirty="0" smtClean="0"/>
+              <a:rPr lang="ru-RU" dirty="0"/>
               <a:t>Хороший шрифт упрощает чтение и понимание кода.</a:t>
             </a:r>
           </a:p>
@@ -7476,13 +7361,13 @@
               <a:buNone/>
             </a:pPr>
             <a:r>
-              <a:rPr lang="ru-RU" dirty="0" smtClean="0"/>
+              <a:rPr lang="ru-RU" dirty="0"/>
               <a:t>Шрифты с лигатурами (комбинации символов)</a:t>
             </a:r>
           </a:p>
           <a:p>
             <a:r>
-              <a:rPr lang="en-US" dirty="0" err="1" smtClean="0"/>
+              <a:rPr lang="en-US" dirty="0" err="1"/>
               <a:t>FiraCode</a:t>
             </a:r>
             <a:r>
@@ -7493,16 +7378,10 @@
               <a:rPr lang="en-US" dirty="0">
                 <a:hlinkClick r:id="rId2"/>
               </a:rPr>
-              <a:t>https://</a:t>
-            </a:r>
-            <a:r>
-              <a:rPr lang="en-US" dirty="0" smtClean="0">
-                <a:hlinkClick r:id="rId2"/>
-              </a:rPr>
-              <a:t>github.com/tonsky/FiraCode</a:t>
-            </a:r>
-            <a:r>
-              <a:rPr lang="en-US" dirty="0" smtClean="0"/>
+              <a:t>https://github.com/tonsky/FiraCode</a:t>
+            </a:r>
+            <a:r>
+              <a:rPr lang="en-US" dirty="0"/>
               <a:t>)</a:t>
             </a:r>
           </a:p>
@@ -7515,22 +7394,16 @@
               <a:rPr lang="en-US" dirty="0">
                 <a:hlinkClick r:id="rId3"/>
               </a:rPr>
-              <a:t>https://</a:t>
-            </a:r>
-            <a:r>
-              <a:rPr lang="en-US" dirty="0" smtClean="0">
-                <a:hlinkClick r:id="rId3"/>
-              </a:rPr>
-              <a:t>github.com/larsenwork/monoid</a:t>
-            </a:r>
-            <a:r>
-              <a:rPr lang="en-US" dirty="0" smtClean="0"/>
+              <a:t>https://github.com/larsenwork/monoid</a:t>
+            </a:r>
+            <a:r>
+              <a:rPr lang="en-US" dirty="0"/>
               <a:t>)</a:t>
             </a:r>
           </a:p>
           <a:p>
             <a:r>
-              <a:rPr lang="en-US" dirty="0" err="1" smtClean="0"/>
+              <a:rPr lang="en-US" dirty="0" err="1"/>
               <a:t>Hasklig</a:t>
             </a:r>
             <a:r>
@@ -7541,20 +7414,14 @@
               <a:rPr lang="en-US" dirty="0">
                 <a:hlinkClick r:id="rId4"/>
               </a:rPr>
-              <a:t>https://</a:t>
-            </a:r>
-            <a:r>
-              <a:rPr lang="en-US" dirty="0" smtClean="0">
-                <a:hlinkClick r:id="rId4"/>
-              </a:rPr>
-              <a:t>github.com/i-tu/Hasklig</a:t>
-            </a:r>
-            <a:r>
-              <a:rPr lang="en-US" dirty="0" smtClean="0"/>
+              <a:t>https://github.com/i-tu/Hasklig</a:t>
+            </a:r>
+            <a:r>
+              <a:rPr lang="en-US" dirty="0"/>
               <a:t>)</a:t>
             </a:r>
             <a:r>
-              <a:rPr lang="ru-RU" dirty="0" smtClean="0"/>
+              <a:rPr lang="ru-RU" dirty="0"/>
               <a:t> </a:t>
             </a:r>
             <a:endParaRPr lang="en-US" dirty="0"/>
@@ -7607,10 +7474,9 @@
           <a:lstStyle/>
           <a:p>
             <a:r>
-              <a:rPr lang="ru-RU" dirty="0" smtClean="0"/>
+              <a:rPr lang="ru-RU" dirty="0"/>
               <a:t>Редактор: Настройки</a:t>
             </a:r>
-            <a:endParaRPr lang="ru-RU" dirty="0"/>
           </a:p>
         </p:txBody>
       </p:sp>
@@ -7633,36 +7499,36 @@
               <a:buNone/>
             </a:pPr>
             <a:r>
-              <a:rPr lang="ru-RU" dirty="0" smtClean="0"/>
+              <a:rPr lang="ru-RU" dirty="0"/>
               <a:t>Редактор </a:t>
             </a:r>
             <a:r>
-              <a:rPr lang="en-US" dirty="0" smtClean="0"/>
+              <a:rPr lang="en-US" dirty="0"/>
               <a:t>VS </a:t>
             </a:r>
             <a:r>
-              <a:rPr lang="ru-RU" dirty="0" smtClean="0"/>
+              <a:rPr lang="ru-RU" dirty="0"/>
               <a:t>поддерживает множество языков. Настройки можно менять для всех языков сразу или по отдельности в диалоге «</a:t>
             </a:r>
             <a:r>
-              <a:rPr lang="en-US" dirty="0" smtClean="0"/>
+              <a:rPr lang="en-US" dirty="0"/>
               <a:t>Tools -&gt; Options ...</a:t>
             </a:r>
             <a:r>
-              <a:rPr lang="ru-RU" dirty="0" smtClean="0"/>
+              <a:rPr lang="ru-RU" dirty="0"/>
               <a:t>»</a:t>
             </a:r>
             <a:r>
-              <a:rPr lang="en-US" dirty="0" smtClean="0"/>
+              <a:rPr lang="en-US" dirty="0"/>
               <a:t>.</a:t>
             </a:r>
-            <a:endParaRPr lang="ru-RU" dirty="0" smtClean="0"/>
+            <a:endParaRPr lang="ru-RU" dirty="0"/>
           </a:p>
           <a:p>
             <a:pPr marL="0" indent="0">
               <a:buNone/>
             </a:pPr>
-            <a:endParaRPr lang="ru-RU" dirty="0" smtClean="0"/>
+            <a:endParaRPr lang="ru-RU" dirty="0"/>
           </a:p>
           <a:p>
             <a:endParaRPr lang="ru-RU" dirty="0"/>
@@ -7679,13 +7545,6 @@
   <p:clrMapOvr>
     <a:masterClrMapping/>
   </p:clrMapOvr>
-  <p:timing>
-    <p:tnLst>
-      <p:par>
-        <p:cTn id="1" dur="indefinite" restart="never" nodeType="tmRoot"/>
-      </p:par>
-    </p:tnLst>
-  </p:timing>
 </p:sld>
 </file>
 
@@ -7722,7 +7581,7 @@
           <a:lstStyle/>
           <a:p>
             <a:r>
-              <a:rPr lang="ru-RU" dirty="0" smtClean="0"/>
+              <a:rPr lang="ru-RU" dirty="0"/>
               <a:t>Редактор</a:t>
             </a:r>
             <a:endParaRPr lang="en-US" dirty="0"/>
@@ -7752,7 +7611,7 @@
               </a:buClr>
             </a:pPr>
             <a:r>
-              <a:rPr lang="en-US" dirty="0" smtClean="0">
+              <a:rPr lang="en-US" dirty="0">
                 <a:solidFill>
                   <a:srgbClr val="92D050"/>
                 </a:solidFill>
@@ -7760,11 +7619,11 @@
               <a:t>[10]</a:t>
             </a:r>
             <a:r>
-              <a:rPr lang="en-US" dirty="0" smtClean="0"/>
+              <a:rPr lang="en-US" dirty="0"/>
               <a:t> </a:t>
             </a:r>
             <a:r>
-              <a:rPr lang="ru-RU" dirty="0" smtClean="0"/>
+              <a:rPr lang="ru-RU" dirty="0"/>
               <a:t>Изменение размера шрифта </a:t>
             </a:r>
             <a:r>
@@ -7792,7 +7651,7 @@
               <a:t> + &lt;/&gt; </a:t>
             </a:r>
             <a:r>
-              <a:rPr lang="ru-RU" dirty="0" smtClean="0">
+              <a:rPr lang="ru-RU" dirty="0">
                 <a:solidFill>
                   <a:schemeClr val="bg1"/>
                 </a:solidFill>
@@ -7800,30 +7659,14 @@
               <a:t>или</a:t>
             </a:r>
             <a:r>
-              <a:rPr lang="en-US" dirty="0" smtClean="0">
+              <a:rPr lang="en-US" dirty="0">
                 <a:solidFill>
                   <a:srgbClr val="F6AE1E"/>
                 </a:solidFill>
               </a:rPr>
-              <a:t> </a:t>
-            </a:r>
-            <a:r>
-              <a:rPr lang="en-US" dirty="0">
-                <a:solidFill>
-                  <a:srgbClr val="F6AE1E"/>
-                </a:solidFill>
-              </a:rPr>
-              <a:t>Ctrl + Mouse Scroll</a:t>
-            </a:r>
-            <a:r>
-              <a:rPr lang="en-US" dirty="0" smtClean="0">
-                <a:solidFill>
-                  <a:srgbClr val="F6AE1E"/>
-                </a:solidFill>
-              </a:rPr>
-              <a:t>)</a:t>
-            </a:r>
-            <a:endParaRPr lang="ru-RU" dirty="0" smtClean="0">
+              <a:t> Ctrl + Mouse Scroll)</a:t>
+            </a:r>
+            <a:endParaRPr lang="ru-RU" dirty="0">
               <a:solidFill>
                 <a:srgbClr val="F6AE1E"/>
               </a:solidFill>
@@ -7844,51 +7687,51 @@
               <a:t>[10]</a:t>
             </a:r>
             <a:r>
-              <a:rPr lang="en-US" dirty="0" smtClean="0"/>
-              <a:t> </a:t>
-            </a:r>
-            <a:r>
-              <a:rPr lang="ru-RU" dirty="0" smtClean="0"/>
-              <a:t>Многострочное редактирование</a:t>
-            </a:r>
-            <a:r>
-              <a:rPr lang="en-US" dirty="0" smtClean="0"/>
-              <a:t> </a:t>
-            </a:r>
-            <a:r>
-              <a:rPr lang="en-US" dirty="0" smtClean="0">
-                <a:solidFill>
-                  <a:srgbClr val="F6AE1E"/>
-                </a:solidFill>
-              </a:rPr>
-              <a:t>(</a:t>
-            </a:r>
-            <a:r>
-              <a:rPr lang="en-US" dirty="0" err="1">
-                <a:solidFill>
-                  <a:srgbClr val="F6AE1E"/>
-                </a:solidFill>
-              </a:rPr>
-              <a:t>Alt+Shift</a:t>
-            </a:r>
-            <a:r>
-              <a:rPr lang="en-US" dirty="0">
-                <a:solidFill>
-                  <a:srgbClr val="F6AE1E"/>
-                </a:solidFill>
-              </a:rPr>
-              <a:t> + Up/Down</a:t>
-            </a:r>
-            <a:r>
               <a:rPr lang="en-US" dirty="0"/>
               <a:t> </a:t>
             </a:r>
             <a:r>
-              <a:rPr lang="ru-RU" dirty="0" smtClean="0"/>
+              <a:rPr lang="ru-RU" dirty="0"/>
+              <a:t>Многострочное редактирование</a:t>
+            </a:r>
+            <a:r>
+              <a:rPr lang="en-US" dirty="0"/>
+              <a:t> </a:t>
+            </a:r>
+            <a:r>
+              <a:rPr lang="en-US" dirty="0">
+                <a:solidFill>
+                  <a:srgbClr val="F6AE1E"/>
+                </a:solidFill>
+              </a:rPr>
+              <a:t>(</a:t>
+            </a:r>
+            <a:r>
+              <a:rPr lang="en-US" dirty="0" err="1">
+                <a:solidFill>
+                  <a:srgbClr val="F6AE1E"/>
+                </a:solidFill>
+              </a:rPr>
+              <a:t>Alt+Shift</a:t>
+            </a:r>
+            <a:r>
+              <a:rPr lang="en-US" dirty="0">
+                <a:solidFill>
+                  <a:srgbClr val="F6AE1E"/>
+                </a:solidFill>
+              </a:rPr>
+              <a:t> + Up/Down</a:t>
+            </a:r>
+            <a:r>
+              <a:rPr lang="en-US" dirty="0"/>
+              <a:t> </a:t>
+            </a:r>
+            <a:r>
+              <a:rPr lang="ru-RU" dirty="0"/>
               <a:t>или</a:t>
             </a:r>
             <a:r>
-              <a:rPr lang="en-US" dirty="0" smtClean="0"/>
+              <a:rPr lang="en-US" dirty="0"/>
               <a:t> </a:t>
             </a:r>
             <a:r>
@@ -7897,17 +7740,9 @@
                   <a:srgbClr val="F6AE1E"/>
                 </a:solidFill>
               </a:rPr>
-              <a:t>Alt + Mouse Up/Down</a:t>
-            </a:r>
-            <a:r>
-              <a:rPr lang="en-US" dirty="0" smtClean="0">
-                <a:solidFill>
-                  <a:srgbClr val="F6AE1E"/>
-                </a:solidFill>
-              </a:rPr>
-              <a:t>)</a:t>
-            </a:r>
-            <a:endParaRPr lang="ru-RU" dirty="0" smtClean="0">
+              <a:t>Alt + Mouse Up/Down)</a:t>
+            </a:r>
+            <a:endParaRPr lang="ru-RU" dirty="0">
               <a:solidFill>
                 <a:srgbClr val="F6AE1E"/>
               </a:solidFill>
@@ -7920,7 +7755,7 @@
               </a:buClr>
             </a:pPr>
             <a:r>
-              <a:rPr lang="en-US" dirty="0" smtClean="0">
+              <a:rPr lang="en-US" dirty="0">
                 <a:solidFill>
                   <a:srgbClr val="92D050"/>
                 </a:solidFill>
@@ -7928,7 +7763,7 @@
               <a:t>[0</a:t>
             </a:r>
             <a:r>
-              <a:rPr lang="ru-RU" dirty="0" smtClean="0">
+              <a:rPr lang="ru-RU" dirty="0">
                 <a:solidFill>
                   <a:srgbClr val="92D050"/>
                 </a:solidFill>
@@ -7936,7 +7771,7 @@
               <a:t>5</a:t>
             </a:r>
             <a:r>
-              <a:rPr lang="en-US" dirty="0" smtClean="0">
+              <a:rPr lang="en-US" dirty="0">
                 <a:solidFill>
                   <a:srgbClr val="92D050"/>
                 </a:solidFill>
@@ -7944,15 +7779,15 @@
               <a:t>]</a:t>
             </a:r>
             <a:r>
-              <a:rPr lang="en-US" dirty="0" smtClean="0"/>
+              <a:rPr lang="en-US" dirty="0"/>
               <a:t> </a:t>
             </a:r>
             <a:r>
-              <a:rPr lang="ru-RU" dirty="0" smtClean="0"/>
+              <a:rPr lang="ru-RU" dirty="0"/>
               <a:t>Вставка текста из ц</a:t>
             </a:r>
             <a:r>
-              <a:rPr lang="ru-RU" dirty="0" smtClean="0">
+              <a:rPr lang="ru-RU" dirty="0">
                 <a:solidFill>
                   <a:schemeClr val="bg1"/>
                 </a:solidFill>
@@ -7981,17 +7816,9 @@
                   <a:srgbClr val="F6AE1E"/>
                 </a:solidFill>
               </a:rPr>
-              <a:t> + V</a:t>
-            </a:r>
-            <a:r>
-              <a:rPr lang="en-US" dirty="0" smtClean="0">
-                <a:solidFill>
-                  <a:srgbClr val="F6AE1E"/>
-                </a:solidFill>
-              </a:rPr>
-              <a:t>)</a:t>
-            </a:r>
-            <a:endParaRPr lang="ru-RU" dirty="0" smtClean="0">
+              <a:t> + V)</a:t>
+            </a:r>
+            <a:endParaRPr lang="ru-RU" dirty="0">
               <a:solidFill>
                 <a:srgbClr val="F6AE1E"/>
               </a:solidFill>
@@ -8004,7 +7831,7 @@
               </a:buClr>
             </a:pPr>
             <a:r>
-              <a:rPr lang="ru-RU" dirty="0" smtClean="0">
+              <a:rPr lang="ru-RU" dirty="0">
                 <a:solidFill>
                   <a:schemeClr val="bg1"/>
                 </a:solidFill>
@@ -8012,7 +7839,7 @@
               <a:t>Прокрутка текста без изменения положения курсора</a:t>
             </a:r>
             <a:r>
-              <a:rPr lang="en-US" dirty="0" smtClean="0">
+              <a:rPr lang="en-US" dirty="0">
                 <a:solidFill>
                   <a:schemeClr val="bg1"/>
                 </a:solidFill>
@@ -8040,13 +7867,6 @@
   <p:clrMapOvr>
     <a:masterClrMapping/>
   </p:clrMapOvr>
-  <p:timing>
-    <p:tnLst>
-      <p:par>
-        <p:cTn id="1" dur="indefinite" restart="never" nodeType="tmRoot"/>
-      </p:par>
-    </p:tnLst>
-  </p:timing>
 </p:sld>
 </file>
 
@@ -8083,7 +7903,7 @@
           <a:lstStyle/>
           <a:p>
             <a:r>
-              <a:rPr lang="ru-RU" dirty="0" smtClean="0"/>
+              <a:rPr lang="ru-RU" dirty="0"/>
               <a:t>Литература</a:t>
             </a:r>
             <a:endParaRPr lang="en-US" dirty="0"/>
@@ -8106,10 +7926,9 @@
           <a:lstStyle/>
           <a:p>
             <a:r>
-              <a:rPr lang="en-US" dirty="0" smtClean="0"/>
+              <a:rPr lang="en-US" dirty="0"/>
               <a:t>TODO!</a:t>
             </a:r>
-            <a:endParaRPr lang="en-US" dirty="0"/>
           </a:p>
         </p:txBody>
       </p:sp>
@@ -8123,21 +7942,6 @@
   <p:clrMapOvr>
     <a:masterClrMapping/>
   </p:clrMapOvr>
-  <mc:AlternateContent xmlns:mc="http://schemas.openxmlformats.org/markup-compatibility/2006" xmlns:p14="http://schemas.microsoft.com/office/powerpoint/2010/main">
-    <mc:Choice Requires="p14">
-      <p:transition spd="slow" p14:dur="2000"/>
-    </mc:Choice>
-    <mc:Fallback xmlns="">
-      <p:transition spd="slow"/>
-    </mc:Fallback>
-  </mc:AlternateContent>
-  <p:timing>
-    <p:tnLst>
-      <p:par>
-        <p:cTn id="1" dur="indefinite" restart="never" nodeType="tmRoot"/>
-      </p:par>
-    </p:tnLst>
-  </p:timing>
 </p:sld>
 </file>
 
@@ -8174,11 +7978,11 @@
           <a:lstStyle/>
           <a:p>
             <a:r>
-              <a:rPr lang="ru-RU" dirty="0" smtClean="0"/>
+              <a:rPr lang="ru-RU" dirty="0"/>
               <a:t>Редактор</a:t>
             </a:r>
             <a:r>
-              <a:rPr lang="en-US" dirty="0" smtClean="0"/>
+              <a:rPr lang="en-US" dirty="0"/>
               <a:t>: Virtual Space</a:t>
             </a:r>
             <a:endParaRPr lang="ru-RU" dirty="0"/>
@@ -8204,35 +8008,27 @@
               <a:buNone/>
             </a:pPr>
             <a:r>
-              <a:rPr lang="ru-RU" dirty="0" smtClean="0"/>
-              <a:t>Если </a:t>
-            </a:r>
-            <a:r>
               <a:rPr lang="ru-RU" dirty="0"/>
-              <a:t>включить </a:t>
-            </a:r>
-            <a:r>
-              <a:rPr lang="ru-RU" dirty="0" smtClean="0"/>
-              <a:t>переключатель «</a:t>
-            </a:r>
-            <a:r>
-              <a:rPr lang="en-US" dirty="0" smtClean="0"/>
+              <a:t>Если включить переключатель «</a:t>
+            </a:r>
+            <a:r>
+              <a:rPr lang="en-US" dirty="0"/>
               <a:t>Enable virtual space</a:t>
             </a:r>
             <a:r>
-              <a:rPr lang="ru-RU" dirty="0" smtClean="0"/>
+              <a:rPr lang="ru-RU" dirty="0"/>
               <a:t>»</a:t>
             </a:r>
             <a:r>
-              <a:rPr lang="en-US" dirty="0" smtClean="0"/>
+              <a:rPr lang="en-US" dirty="0"/>
               <a:t>, </a:t>
             </a:r>
             <a:r>
-              <a:rPr lang="ru-RU" dirty="0" smtClean="0"/>
+              <a:rPr lang="ru-RU" dirty="0"/>
               <a:t>то курсор можно будет ставить в любой место в документе, а не только туда где введен </a:t>
             </a:r>
             <a:r>
-              <a:rPr lang="ru-RU" smtClean="0"/>
+              <a:rPr lang="ru-RU"/>
               <a:t>текст. </a:t>
             </a:r>
             <a:endParaRPr lang="ru-RU" dirty="0"/>
@@ -8249,13 +8045,6 @@
   <p:clrMapOvr>
     <a:masterClrMapping/>
   </p:clrMapOvr>
-  <p:timing>
-    <p:tnLst>
-      <p:par>
-        <p:cTn id="1" dur="indefinite" restart="never" nodeType="tmRoot"/>
-      </p:par>
-    </p:tnLst>
-  </p:timing>
 </p:sld>
 </file>
 
@@ -8294,21 +8083,20 @@
           <a:lstStyle/>
           <a:p>
             <a:r>
-              <a:rPr lang="ru-RU" dirty="0" smtClean="0"/>
+              <a:rPr lang="ru-RU" dirty="0"/>
               <a:t>Редактор</a:t>
             </a:r>
             <a:r>
-              <a:rPr lang="en-US" dirty="0" smtClean="0"/>
+              <a:rPr lang="en-US" dirty="0"/>
               <a:t>: Outlining</a:t>
             </a:r>
             <a:br>
-              <a:rPr lang="en-US" dirty="0" smtClean="0"/>
+              <a:rPr lang="en-US" dirty="0"/>
             </a:br>
             <a:r>
-              <a:rPr lang="ru-RU" dirty="0" smtClean="0"/>
+              <a:rPr lang="ru-RU" dirty="0"/>
               <a:t>Свернуть выделенный блок текста</a:t>
             </a:r>
-            <a:endParaRPr lang="ru-RU" dirty="0"/>
           </a:p>
         </p:txBody>
       </p:sp>
@@ -8331,11 +8119,11 @@
               <a:buNone/>
             </a:pPr>
             <a:r>
-              <a:rPr lang="ru-RU" dirty="0" smtClean="0"/>
+              <a:rPr lang="ru-RU" dirty="0"/>
               <a:t>Выделяем текст, нажимаем </a:t>
             </a:r>
             <a:r>
-              <a:rPr lang="en-US" dirty="0" smtClean="0">
+              <a:rPr lang="en-US" dirty="0">
                 <a:solidFill>
                   <a:srgbClr val="FFC000"/>
                 </a:solidFill>
@@ -8343,35 +8131,35 @@
               <a:t>Ctrl + M, H</a:t>
             </a:r>
             <a:r>
-              <a:rPr lang="ru-RU" dirty="0" smtClean="0"/>
+              <a:rPr lang="ru-RU" dirty="0"/>
               <a:t> и выделенный блок текста «свернется».</a:t>
             </a:r>
             <a:r>
-              <a:rPr lang="en-US" dirty="0" smtClean="0"/>
+              <a:rPr lang="en-US" dirty="0"/>
               <a:t> </a:t>
             </a:r>
             <a:r>
-              <a:rPr lang="ru-RU" dirty="0" smtClean="0"/>
+              <a:rPr lang="ru-RU" dirty="0"/>
               <a:t>Та же команда доступна в меню </a:t>
             </a:r>
             <a:r>
-              <a:rPr lang="en-US" dirty="0" smtClean="0"/>
+              <a:rPr lang="en-US" dirty="0"/>
               <a:t>Edit -&gt;</a:t>
             </a:r>
             <a:r>
-              <a:rPr lang="ru-RU" dirty="0" smtClean="0"/>
+              <a:rPr lang="ru-RU" dirty="0"/>
               <a:t> </a:t>
             </a:r>
             <a:r>
-              <a:rPr lang="en-US" dirty="0" smtClean="0"/>
+              <a:rPr lang="en-US" dirty="0"/>
               <a:t>Outlining</a:t>
             </a:r>
             <a:r>
-              <a:rPr lang="ru-RU" dirty="0" smtClean="0"/>
+              <a:rPr lang="ru-RU" dirty="0"/>
               <a:t> -</a:t>
             </a:r>
             <a:r>
-              <a:rPr lang="en-US" dirty="0" smtClean="0"/>
+              <a:rPr lang="en-US" dirty="0"/>
               <a:t>&gt; Hide Selection.</a:t>
             </a:r>
             <a:endParaRPr lang="ru-RU" dirty="0"/>
@@ -8388,13 +8176,6 @@
   <p:clrMapOvr>
     <a:masterClrMapping/>
   </p:clrMapOvr>
-  <p:timing>
-    <p:tnLst>
-      <p:par>
-        <p:cTn id="1" dur="indefinite" restart="never" nodeType="tmRoot"/>
-      </p:par>
-    </p:tnLst>
-  </p:timing>
 </p:sld>
 </file>
 
@@ -8431,15 +8212,15 @@
           <a:lstStyle/>
           <a:p>
             <a:r>
-              <a:rPr lang="ru-RU" dirty="0" smtClean="0"/>
+              <a:rPr lang="ru-RU" dirty="0"/>
               <a:t>Редактор</a:t>
             </a:r>
             <a:r>
-              <a:rPr lang="en-US" dirty="0" smtClean="0"/>
+              <a:rPr lang="en-US" dirty="0"/>
               <a:t>: </a:t>
             </a:r>
             <a:r>
-              <a:rPr lang="ru-RU" dirty="0" smtClean="0"/>
+              <a:rPr lang="ru-RU" dirty="0"/>
               <a:t>Поиск текста</a:t>
             </a:r>
             <a:endParaRPr lang="en-US" dirty="0"/>
@@ -8469,7 +8250,7 @@
               </a:buClr>
             </a:pPr>
             <a:r>
-              <a:rPr lang="en-US" dirty="0" err="1" smtClean="0">
+              <a:rPr lang="en-US" dirty="0" err="1">
                 <a:solidFill>
                   <a:srgbClr val="F6AE1E"/>
                 </a:solidFill>
@@ -8477,7 +8258,7 @@
               <a:t>Ctrl+i</a:t>
             </a:r>
             <a:r>
-              <a:rPr lang="ru-RU" dirty="0" smtClean="0">
+              <a:rPr lang="ru-RU" dirty="0">
                 <a:solidFill>
                   <a:schemeClr val="bg1"/>
                 </a:solidFill>
@@ -8485,7 +8266,7 @@
               <a:t> </a:t>
             </a:r>
             <a:r>
-              <a:rPr lang="en-US" dirty="0" smtClean="0">
+              <a:rPr lang="en-US" dirty="0">
                 <a:solidFill>
                   <a:schemeClr val="bg1"/>
                 </a:solidFill>
@@ -8493,7 +8274,7 @@
               <a:t>incremental </a:t>
             </a:r>
             <a:r>
-              <a:rPr lang="ru-RU" dirty="0" smtClean="0">
+              <a:rPr lang="ru-RU" dirty="0">
                 <a:solidFill>
                   <a:schemeClr val="bg1"/>
                 </a:solidFill>
@@ -8516,7 +8297,7 @@
               <a:t>F3/Shift+F3</a:t>
             </a:r>
             <a:r>
-              <a:rPr lang="en-US" dirty="0" smtClean="0">
+              <a:rPr lang="en-US" dirty="0">
                 <a:solidFill>
                   <a:schemeClr val="bg1"/>
                 </a:solidFill>
@@ -8524,7 +8305,7 @@
               <a:t> </a:t>
             </a:r>
             <a:r>
-              <a:rPr lang="ru-RU" dirty="0" smtClean="0">
+              <a:rPr lang="ru-RU" dirty="0">
                 <a:solidFill>
                   <a:schemeClr val="bg1"/>
                 </a:solidFill>
@@ -8547,7 +8328,7 @@
               <a:t>Ctrl+F3</a:t>
             </a:r>
             <a:r>
-              <a:rPr lang="en-US" dirty="0" smtClean="0">
+              <a:rPr lang="en-US" dirty="0">
                 <a:solidFill>
                   <a:schemeClr val="bg1"/>
                 </a:solidFill>
@@ -8555,7 +8336,7 @@
               <a:t> </a:t>
             </a:r>
             <a:r>
-              <a:rPr lang="ru-RU" dirty="0" smtClean="0">
+              <a:rPr lang="ru-RU" dirty="0">
                 <a:solidFill>
                   <a:schemeClr val="bg1"/>
                 </a:solidFill>
@@ -8578,7 +8359,7 @@
               <a:t>Ctrl+Shift+F</a:t>
             </a:r>
             <a:r>
-              <a:rPr lang="en-US" dirty="0" smtClean="0">
+              <a:rPr lang="en-US" dirty="0">
                 <a:solidFill>
                   <a:schemeClr val="bg1"/>
                 </a:solidFill>
@@ -8586,7 +8367,7 @@
               <a:t> </a:t>
             </a:r>
             <a:r>
-              <a:rPr lang="ru-RU" dirty="0" smtClean="0">
+              <a:rPr lang="ru-RU" dirty="0">
                 <a:solidFill>
                   <a:schemeClr val="bg1"/>
                 </a:solidFill>
@@ -8594,7 +8375,7 @@
               <a:t>найти в </a:t>
             </a:r>
             <a:r>
-              <a:rPr lang="en-US" dirty="0" smtClean="0">
+              <a:rPr lang="en-US" dirty="0">
                 <a:solidFill>
                   <a:schemeClr val="bg1"/>
                 </a:solidFill>
@@ -8609,7 +8390,7 @@
               </a:buClr>
               <a:buNone/>
             </a:pPr>
-            <a:endParaRPr lang="ru-RU" dirty="0" smtClean="0">
+            <a:endParaRPr lang="ru-RU" dirty="0">
               <a:solidFill>
                 <a:schemeClr val="bg1"/>
               </a:solidFill>
@@ -8641,18 +8422,9 @@
                 </a:solidFill>
                 <a:hlinkClick r:id="rId2"/>
               </a:rPr>
-              <a:t>http://</a:t>
-            </a:r>
-            <a:r>
-              <a:rPr lang="en-US" dirty="0" smtClean="0">
-                <a:solidFill>
-                  <a:schemeClr val="bg1"/>
-                </a:solidFill>
-                <a:hlinkClick r:id="rId2"/>
-              </a:rPr>
-              <a:t>weblogs.asp.net/scottgu/archive/2010/08/24/search-and-navigation-tips-tricks-with-visual-studio.aspx</a:t>
-            </a:r>
-            <a:endParaRPr lang="ru-RU" dirty="0" smtClean="0">
+              <a:t>http://weblogs.asp.net/scottgu/archive/2010/08/24/search-and-navigation-tips-tricks-with-visual-studio.aspx</a:t>
+            </a:r>
+            <a:endParaRPr lang="ru-RU" dirty="0">
               <a:solidFill>
                 <a:schemeClr val="bg1"/>
               </a:solidFill>
@@ -8683,13 +8455,6 @@
   <p:clrMapOvr>
     <a:masterClrMapping/>
   </p:clrMapOvr>
-  <p:timing>
-    <p:tnLst>
-      <p:par>
-        <p:cTn id="1" dur="indefinite" restart="never" nodeType="tmRoot"/>
-      </p:par>
-    </p:tnLst>
-  </p:timing>
 </p:sld>
 </file>
 
@@ -8728,22 +8493,22 @@
           <a:lstStyle/>
           <a:p>
             <a:r>
-              <a:rPr lang="ru-RU" dirty="0" smtClean="0"/>
+              <a:rPr lang="ru-RU" dirty="0"/>
               <a:t>Редактор</a:t>
             </a:r>
             <a:r>
-              <a:rPr lang="en-US" dirty="0" smtClean="0"/>
+              <a:rPr lang="en-US" dirty="0"/>
               <a:t>: </a:t>
             </a:r>
             <a:r>
-              <a:rPr lang="ru-RU" dirty="0" smtClean="0"/>
+              <a:rPr lang="ru-RU" dirty="0"/>
               <a:t>работа с блоками</a:t>
             </a:r>
             <a:br>
-              <a:rPr lang="ru-RU" dirty="0" smtClean="0"/>
+              <a:rPr lang="ru-RU" dirty="0"/>
             </a:br>
             <a:r>
-              <a:rPr lang="ru-RU" dirty="0" smtClean="0"/>
+              <a:rPr lang="ru-RU" dirty="0"/>
               <a:t>внутри скобок</a:t>
             </a:r>
             <a:endParaRPr lang="en-US" dirty="0"/>
@@ -8773,7 +8538,7 @@
               </a:buClr>
             </a:pPr>
             <a:r>
-              <a:rPr lang="en-US" dirty="0" err="1" smtClean="0">
+              <a:rPr lang="en-US" dirty="0" err="1">
                 <a:solidFill>
                   <a:srgbClr val="F6AE1E"/>
                 </a:solidFill>
@@ -8781,7 +8546,7 @@
               <a:t>Ctrl+Shift</a:t>
             </a:r>
             <a:r>
-              <a:rPr lang="en-US" dirty="0" smtClean="0">
+              <a:rPr lang="en-US" dirty="0">
                 <a:solidFill>
                   <a:srgbClr val="F6AE1E"/>
                 </a:solidFill>
@@ -8789,7 +8554,7 @@
               <a:t>+]</a:t>
             </a:r>
             <a:r>
-              <a:rPr lang="ru-RU" dirty="0" smtClean="0">
+              <a:rPr lang="ru-RU" dirty="0">
                 <a:solidFill>
                   <a:schemeClr val="bg1"/>
                 </a:solidFill>
@@ -8797,7 +8562,7 @@
               <a:t> выделение блока внутри</a:t>
             </a:r>
             <a:r>
-              <a:rPr lang="en-US" dirty="0" smtClean="0">
+              <a:rPr lang="en-US" dirty="0">
                 <a:solidFill>
                   <a:schemeClr val="bg1"/>
                 </a:solidFill>
@@ -8805,7 +8570,7 @@
               <a:t> { }. </a:t>
             </a:r>
             <a:r>
-              <a:rPr lang="ru-RU" dirty="0" smtClean="0">
+              <a:rPr lang="ru-RU" dirty="0">
                 <a:solidFill>
                   <a:schemeClr val="bg1"/>
                 </a:solidFill>
@@ -8813,7 +8578,7 @@
               <a:t>Курсор должен стоять на </a:t>
             </a:r>
             <a:r>
-              <a:rPr lang="en-US" dirty="0" smtClean="0">
+              <a:rPr lang="en-US" dirty="0">
                 <a:solidFill>
                   <a:schemeClr val="bg1"/>
                 </a:solidFill>
@@ -8821,7 +8586,7 @@
               <a:t>{ </a:t>
             </a:r>
             <a:r>
-              <a:rPr lang="ru-RU" dirty="0" smtClean="0">
+              <a:rPr lang="ru-RU" dirty="0">
                 <a:solidFill>
                   <a:schemeClr val="bg1"/>
                 </a:solidFill>
@@ -8829,7 +8594,7 @@
               <a:t>или </a:t>
             </a:r>
             <a:r>
-              <a:rPr lang="en-US" dirty="0" smtClean="0">
+              <a:rPr lang="en-US" dirty="0">
                 <a:solidFill>
                   <a:schemeClr val="bg1"/>
                 </a:solidFill>
@@ -8859,11 +8624,6 @@
               </a:rPr>
               <a:t>перейти к парной скобке открывающей или закрывающей скобке</a:t>
             </a:r>
-            <a:endParaRPr lang="ru-RU" dirty="0" smtClean="0">
-              <a:solidFill>
-                <a:schemeClr val="bg1"/>
-              </a:solidFill>
-            </a:endParaRPr>
           </a:p>
           <a:p>
             <a:pPr marL="0" indent="0">
@@ -8890,13 +8650,6 @@
   <p:clrMapOvr>
     <a:masterClrMapping/>
   </p:clrMapOvr>
-  <p:timing>
-    <p:tnLst>
-      <p:par>
-        <p:cTn id="1" dur="indefinite" restart="never" nodeType="tmRoot"/>
-      </p:par>
-    </p:tnLst>
-  </p:timing>
 </p:sld>
 </file>
 
@@ -8935,10 +8688,9 @@
           <a:lstStyle/>
           <a:p>
             <a:r>
-              <a:rPr lang="ru-RU" dirty="0" smtClean="0"/>
+              <a:rPr lang="ru-RU" dirty="0"/>
               <a:t>Редактор: удаление текста</a:t>
             </a:r>
-            <a:endParaRPr lang="ru-RU" dirty="0"/>
           </a:p>
         </p:txBody>
       </p:sp>
@@ -8958,7 +8710,7 @@
           <a:lstStyle/>
           <a:p>
             <a:r>
-              <a:rPr lang="en-US" dirty="0" smtClean="0">
+              <a:rPr lang="en-US" dirty="0">
                 <a:solidFill>
                   <a:srgbClr val="F6AE1E"/>
                 </a:solidFill>
@@ -8966,7 +8718,7 @@
               <a:t>Ctrl</a:t>
             </a:r>
             <a:r>
-              <a:rPr lang="ru-RU" dirty="0" smtClean="0">
+              <a:rPr lang="ru-RU" dirty="0">
                 <a:solidFill>
                   <a:srgbClr val="F6AE1E"/>
                 </a:solidFill>
@@ -8974,7 +8726,7 @@
               <a:t>+</a:t>
             </a:r>
             <a:r>
-              <a:rPr lang="en-US" dirty="0" smtClean="0">
+              <a:rPr lang="en-US" dirty="0">
                 <a:solidFill>
                   <a:srgbClr val="F6AE1E"/>
                 </a:solidFill>
@@ -8982,21 +8734,21 @@
               <a:t>Backspace</a:t>
             </a:r>
             <a:r>
-              <a:rPr lang="en-US" dirty="0" smtClean="0"/>
+              <a:rPr lang="en-US" dirty="0"/>
               <a:t> </a:t>
             </a:r>
             <a:r>
-              <a:rPr lang="ru-RU" dirty="0" smtClean="0"/>
+              <a:rPr lang="ru-RU" dirty="0"/>
               <a:t>удалить слово слева от курсора</a:t>
             </a:r>
             <a:r>
-              <a:rPr lang="en-US" dirty="0" smtClean="0"/>
+              <a:rPr lang="en-US" dirty="0"/>
               <a:t> </a:t>
             </a:r>
           </a:p>
           <a:p>
             <a:r>
-              <a:rPr lang="en-US" dirty="0" err="1" smtClean="0">
+              <a:rPr lang="en-US" dirty="0" err="1">
                 <a:solidFill>
                   <a:srgbClr val="F6AE1E"/>
                 </a:solidFill>
@@ -9004,10 +8756,9 @@
               <a:t>Ctrl+Del</a:t>
             </a:r>
             <a:r>
-              <a:rPr lang="ru-RU" dirty="0" smtClean="0"/>
+              <a:rPr lang="ru-RU" dirty="0"/>
               <a:t> удалить слово справа от курсора</a:t>
             </a:r>
-            <a:endParaRPr lang="ru-RU" dirty="0"/>
           </a:p>
         </p:txBody>
       </p:sp>
@@ -9021,13 +8772,6 @@
   <p:clrMapOvr>
     <a:masterClrMapping/>
   </p:clrMapOvr>
-  <p:timing>
-    <p:tnLst>
-      <p:par>
-        <p:cTn id="1" dur="indefinite" restart="never" nodeType="tmRoot"/>
-      </p:par>
-    </p:tnLst>
-  </p:timing>
 </p:sld>
 </file>
 
@@ -9064,10 +8808,9 @@
           <a:lstStyle/>
           <a:p>
             <a:r>
-              <a:rPr lang="ru-RU" dirty="0" smtClean="0"/>
+              <a:rPr lang="ru-RU" dirty="0"/>
               <a:t>Редактор: комментарии</a:t>
             </a:r>
-            <a:endParaRPr lang="ru-RU" dirty="0"/>
           </a:p>
         </p:txBody>
       </p:sp>
@@ -9126,15 +8869,7 @@
                   <a:schemeClr val="bg1"/>
                 </a:solidFill>
               </a:rPr>
-              <a:t>закоментировать выбранные </a:t>
-            </a:r>
-            <a:r>
-              <a:rPr lang="ru-RU" sz="2800" dirty="0" smtClean="0">
-                <a:solidFill>
-                  <a:schemeClr val="bg1"/>
-                </a:solidFill>
-              </a:rPr>
-              <a:t>строки</a:t>
+              <a:t>закоментировать выбранные строки</a:t>
             </a:r>
           </a:p>
           <a:p>
@@ -9183,13 +8918,6 @@
   <p:clrMapOvr>
     <a:masterClrMapping/>
   </p:clrMapOvr>
-  <p:timing>
-    <p:tnLst>
-      <p:par>
-        <p:cTn id="1" dur="indefinite" restart="never" nodeType="tmRoot"/>
-      </p:par>
-    </p:tnLst>
-  </p:timing>
 </p:sld>
 </file>
 
@@ -9226,15 +8954,15 @@
           <a:lstStyle/>
           <a:p>
             <a:r>
-              <a:rPr lang="ru-RU" dirty="0" smtClean="0"/>
+              <a:rPr lang="ru-RU" dirty="0"/>
               <a:t>Редактор</a:t>
             </a:r>
             <a:r>
-              <a:rPr lang="en-US" dirty="0" smtClean="0"/>
+              <a:rPr lang="en-US" dirty="0"/>
               <a:t>: </a:t>
             </a:r>
             <a:r>
-              <a:rPr lang="ru-RU" dirty="0" smtClean="0"/>
+              <a:rPr lang="ru-RU" dirty="0"/>
               <a:t>Колоночный режим</a:t>
             </a:r>
             <a:endParaRPr lang="en-US" dirty="0"/>
@@ -9264,7 +8992,7 @@
               </a:buClr>
             </a:pPr>
             <a:r>
-              <a:rPr lang="en-US" dirty="0" err="1" smtClean="0">
+              <a:rPr lang="en-US" dirty="0" err="1">
                 <a:solidFill>
                   <a:srgbClr val="F6AE1E"/>
                 </a:solidFill>
@@ -9272,7 +9000,7 @@
               <a:t>Shift+Alt+Arrow</a:t>
             </a:r>
             <a:r>
-              <a:rPr lang="ru-RU" dirty="0" smtClean="0">
+              <a:rPr lang="ru-RU" dirty="0">
                 <a:solidFill>
                   <a:schemeClr val="bg1"/>
                 </a:solidFill>
@@ -9295,7 +9023,7 @@
               <a:t>Alt + Left Mouse</a:t>
             </a:r>
             <a:r>
-              <a:rPr lang="en-US" dirty="0" smtClean="0">
+              <a:rPr lang="en-US" dirty="0">
                 <a:solidFill>
                   <a:schemeClr val="bg1"/>
                 </a:solidFill>
@@ -9311,7 +9039,7 @@
               <a:t>Button</a:t>
             </a:r>
             <a:r>
-              <a:rPr lang="en-US" dirty="0" smtClean="0">
+              <a:rPr lang="en-US" dirty="0">
                 <a:solidFill>
                   <a:schemeClr val="bg1"/>
                 </a:solidFill>
@@ -9319,7 +9047,7 @@
               <a:t> </a:t>
             </a:r>
             <a:r>
-              <a:rPr lang="ru-RU" dirty="0" smtClean="0">
+              <a:rPr lang="ru-RU" dirty="0">
                 <a:solidFill>
                   <a:schemeClr val="bg1"/>
                 </a:solidFill>
@@ -9327,7 +9055,7 @@
               <a:t>позиционирует курсор за концом строки даже если опция «</a:t>
             </a:r>
             <a:r>
-              <a:rPr lang="en-US" dirty="0" smtClean="0">
+              <a:rPr lang="en-US" dirty="0">
                 <a:solidFill>
                   <a:schemeClr val="bg1"/>
                 </a:solidFill>
@@ -9335,7 +9063,7 @@
               <a:t>enable virtual space</a:t>
             </a:r>
             <a:r>
-              <a:rPr lang="ru-RU" dirty="0" smtClean="0">
+              <a:rPr lang="ru-RU" dirty="0">
                 <a:solidFill>
                   <a:schemeClr val="bg1"/>
                 </a:solidFill>
@@ -9349,7 +9077,7 @@
                 <a:schemeClr val="bg1"/>
               </a:buClr>
             </a:pPr>
-            <a:endParaRPr lang="en-US" dirty="0" smtClean="0">
+            <a:endParaRPr lang="en-US" dirty="0">
               <a:solidFill>
                 <a:schemeClr val="bg1"/>
               </a:solidFill>
@@ -9362,7 +9090,7 @@
               </a:buClr>
               <a:buNone/>
             </a:pPr>
-            <a:endParaRPr lang="ru-RU" dirty="0" smtClean="0">
+            <a:endParaRPr lang="ru-RU" dirty="0">
               <a:solidFill>
                 <a:schemeClr val="bg1"/>
               </a:solidFill>
@@ -9405,13 +9133,6 @@
   <p:clrMapOvr>
     <a:masterClrMapping/>
   </p:clrMapOvr>
-  <p:timing>
-    <p:tnLst>
-      <p:par>
-        <p:cTn id="1" dur="indefinite" restart="never" nodeType="tmRoot"/>
-      </p:par>
-    </p:tnLst>
-  </p:timing>
 </p:sld>
 </file>
 
@@ -9448,10 +9169,9 @@
           <a:lstStyle/>
           <a:p>
             <a:r>
-              <a:rPr lang="ru-RU" dirty="0" smtClean="0"/>
+              <a:rPr lang="ru-RU" dirty="0"/>
               <a:t>Редактор: Работа со строками</a:t>
             </a:r>
-            <a:endParaRPr lang="ru-RU" dirty="0"/>
           </a:p>
         </p:txBody>
       </p:sp>
@@ -9471,7 +9191,7 @@
           <a:lstStyle/>
           <a:p>
             <a:r>
-              <a:rPr lang="en-US" dirty="0" err="1" smtClean="0">
+              <a:rPr lang="en-US" dirty="0" err="1">
                 <a:solidFill>
                   <a:srgbClr val="F6AE1E"/>
                 </a:solidFill>
@@ -9479,17 +9199,17 @@
               <a:t>Ctrl+L</a:t>
             </a:r>
             <a:r>
-              <a:rPr lang="en-US" dirty="0" smtClean="0"/>
+              <a:rPr lang="en-US" dirty="0"/>
               <a:t> </a:t>
             </a:r>
             <a:r>
-              <a:rPr lang="ru-RU" dirty="0" smtClean="0"/>
+              <a:rPr lang="ru-RU" dirty="0"/>
               <a:t>удалить текущую строку и вставить её в буфер обмена.</a:t>
             </a:r>
           </a:p>
           <a:p>
             <a:r>
-              <a:rPr lang="en-US" dirty="0" smtClean="0">
+              <a:rPr lang="en-US" dirty="0">
                 <a:solidFill>
                   <a:srgbClr val="92D050"/>
                 </a:solidFill>
@@ -9497,7 +9217,7 @@
               <a:t>[13]</a:t>
             </a:r>
             <a:r>
-              <a:rPr lang="en-US" dirty="0" smtClean="0">
+              <a:rPr lang="en-US" dirty="0">
                 <a:solidFill>
                   <a:srgbClr val="F6AE1E"/>
                 </a:solidFill>
@@ -9505,7 +9225,7 @@
               <a:t> </a:t>
             </a:r>
             <a:r>
-              <a:rPr lang="en-US" dirty="0" err="1" smtClean="0">
+              <a:rPr lang="en-US" dirty="0" err="1">
                 <a:solidFill>
                   <a:srgbClr val="F6AE1E"/>
                 </a:solidFill>
@@ -9513,11 +9233,11 @@
               <a:t>Alt+Up</a:t>
             </a:r>
             <a:r>
-              <a:rPr lang="en-US" dirty="0" smtClean="0"/>
+              <a:rPr lang="en-US" dirty="0"/>
               <a:t>, </a:t>
             </a:r>
             <a:r>
-              <a:rPr lang="en-US" dirty="0" err="1" smtClean="0">
+              <a:rPr lang="en-US" dirty="0" err="1">
                 <a:solidFill>
                   <a:srgbClr val="F6AE1E"/>
                 </a:solidFill>
@@ -9525,15 +9245,15 @@
               <a:t>Alt+Down</a:t>
             </a:r>
             <a:r>
-              <a:rPr lang="en-US" dirty="0" smtClean="0"/>
+              <a:rPr lang="en-US" dirty="0"/>
               <a:t> </a:t>
             </a:r>
             <a:r>
-              <a:rPr lang="ru-RU" dirty="0" smtClean="0"/>
+              <a:rPr lang="ru-RU" dirty="0"/>
               <a:t>сдвинуть текущую строку/блок </a:t>
             </a:r>
             <a:r>
-              <a:rPr lang="ru-RU" smtClean="0"/>
+              <a:rPr lang="ru-RU"/>
               <a:t>вверх или вниз</a:t>
             </a:r>
             <a:endParaRPr lang="ru-RU" dirty="0"/>
@@ -9550,13 +9270,6 @@
   <p:clrMapOvr>
     <a:masterClrMapping/>
   </p:clrMapOvr>
-  <p:timing>
-    <p:tnLst>
-      <p:par>
-        <p:cTn id="1" dur="indefinite" restart="never" nodeType="tmRoot"/>
-      </p:par>
-    </p:tnLst>
-  </p:timing>
 </p:sld>
 </file>
 
@@ -9607,15 +9320,15 @@
           <a:lstStyle/>
           <a:p>
             <a:r>
-              <a:rPr lang="ru-RU" dirty="0" smtClean="0"/>
+              <a:rPr lang="ru-RU" dirty="0"/>
               <a:t>Редактор</a:t>
             </a:r>
             <a:r>
-              <a:rPr lang="en-US" dirty="0" smtClean="0"/>
+              <a:rPr lang="en-US" dirty="0"/>
               <a:t>: </a:t>
             </a:r>
             <a:r>
-              <a:rPr lang="ru-RU" dirty="0" smtClean="0"/>
+              <a:rPr lang="ru-RU" dirty="0"/>
               <a:t>Навигация по коду</a:t>
             </a:r>
             <a:endParaRPr lang="en-US" dirty="0"/>
@@ -9645,7 +9358,7 @@
               </a:buClr>
             </a:pPr>
             <a:r>
-              <a:rPr lang="en-US" dirty="0" smtClean="0">
+              <a:rPr lang="en-US" dirty="0">
                 <a:solidFill>
                   <a:srgbClr val="F6AE1E"/>
                 </a:solidFill>
@@ -9653,7 +9366,7 @@
               <a:t>F12</a:t>
             </a:r>
             <a:r>
-              <a:rPr lang="en-US" dirty="0" smtClean="0">
+              <a:rPr lang="en-US" dirty="0">
                 <a:solidFill>
                   <a:schemeClr val="bg1"/>
                 </a:solidFill>
@@ -9661,7 +9374,7 @@
               <a:t> </a:t>
             </a:r>
             <a:r>
-              <a:rPr lang="ru-RU" dirty="0" smtClean="0">
+              <a:rPr lang="ru-RU" dirty="0">
                 <a:solidFill>
                   <a:schemeClr val="bg1"/>
                 </a:solidFill>
@@ -9676,7 +9389,7 @@
               </a:buClr>
             </a:pPr>
             <a:r>
-              <a:rPr lang="en-US" dirty="0" smtClean="0">
+              <a:rPr lang="en-US" dirty="0">
                 <a:solidFill>
                   <a:srgbClr val="F6AE1E"/>
                 </a:solidFill>
@@ -9684,7 +9397,7 @@
               <a:t>Ctrl+Shift+7</a:t>
             </a:r>
             <a:r>
-              <a:rPr lang="en-US" dirty="0" smtClean="0">
+              <a:rPr lang="en-US" dirty="0">
                 <a:solidFill>
                   <a:schemeClr val="bg1"/>
                 </a:solidFill>
@@ -9692,7 +9405,7 @@
               <a:t> </a:t>
             </a:r>
             <a:r>
-              <a:rPr lang="ru-RU" dirty="0" smtClean="0">
+              <a:rPr lang="ru-RU" dirty="0">
                 <a:solidFill>
                   <a:schemeClr val="bg1"/>
                 </a:solidFill>
@@ -9700,7 +9413,7 @@
               <a:t>и </a:t>
             </a:r>
             <a:r>
-              <a:rPr lang="en-US" dirty="0" smtClean="0">
+              <a:rPr lang="en-US" dirty="0">
                 <a:solidFill>
                   <a:srgbClr val="F6AE1E"/>
                 </a:solidFill>
@@ -9708,7 +9421,7 @@
               <a:t>Ctrl+Shift+8</a:t>
             </a:r>
             <a:r>
-              <a:rPr lang="ru-RU" dirty="0" smtClean="0">
+              <a:rPr lang="ru-RU" dirty="0">
                 <a:solidFill>
                   <a:schemeClr val="bg1"/>
                 </a:solidFill>
@@ -9716,7 +9429,7 @@
               <a:t> переход по типам для которых ранее делали </a:t>
             </a:r>
             <a:r>
-              <a:rPr lang="en-US" dirty="0" smtClean="0">
+              <a:rPr lang="en-US" dirty="0">
                 <a:solidFill>
                   <a:schemeClr val="bg1"/>
                 </a:solidFill>
@@ -9736,34 +9449,26 @@
                   <a:srgbClr val="92D050"/>
                 </a:solidFill>
               </a:rPr>
-              <a:t>[</a:t>
-            </a:r>
-            <a:r>
-              <a:rPr lang="en-US" sz="3100" dirty="0" smtClean="0">
+              <a:t>[1</a:t>
+            </a:r>
+            <a:r>
+              <a:rPr lang="ru-RU" sz="3100" dirty="0">
                 <a:solidFill>
                   <a:srgbClr val="92D050"/>
                 </a:solidFill>
               </a:rPr>
-              <a:t>1</a:t>
-            </a:r>
-            <a:r>
-              <a:rPr lang="ru-RU" sz="3100" dirty="0" smtClean="0">
+              <a:t>3</a:t>
+            </a:r>
+            <a:r>
+              <a:rPr lang="en-US" sz="3100" dirty="0">
                 <a:solidFill>
                   <a:srgbClr val="92D050"/>
                 </a:solidFill>
               </a:rPr>
-              <a:t>3</a:t>
-            </a:r>
-            <a:r>
-              <a:rPr lang="en-US" sz="3100" dirty="0" smtClean="0">
-                <a:solidFill>
-                  <a:srgbClr val="92D050"/>
-                </a:solidFill>
-              </a:rPr>
               <a:t>]</a:t>
             </a:r>
             <a:r>
-              <a:rPr lang="ru-RU" sz="3100" dirty="0" smtClean="0">
+              <a:rPr lang="ru-RU" sz="3100" dirty="0">
                 <a:solidFill>
                   <a:srgbClr val="F6AE1E"/>
                 </a:solidFill>
@@ -9771,7 +9476,7 @@
               <a:t> </a:t>
             </a:r>
             <a:r>
-              <a:rPr lang="en-US" sz="3100" dirty="0" smtClean="0">
+              <a:rPr lang="en-US" sz="3100" dirty="0">
                 <a:solidFill>
                   <a:srgbClr val="F6AE1E"/>
                 </a:solidFill>
@@ -9779,7 +9484,7 @@
               <a:t>Alt+F12</a:t>
             </a:r>
             <a:r>
-              <a:rPr lang="en-US" dirty="0" smtClean="0">
+              <a:rPr lang="en-US" dirty="0">
                 <a:solidFill>
                   <a:schemeClr val="bg1"/>
                 </a:solidFill>
@@ -9787,7 +9492,7 @@
               <a:t> </a:t>
             </a:r>
             <a:r>
-              <a:rPr lang="ru-RU" dirty="0" smtClean="0">
+              <a:rPr lang="ru-RU" dirty="0">
                 <a:solidFill>
                   <a:schemeClr val="bg1"/>
                 </a:solidFill>
@@ -9795,14 +9500,14 @@
               <a:t>Просмотр объявления в окне редактора </a:t>
             </a:r>
             <a:r>
-              <a:rPr lang="en-US" dirty="0" smtClean="0">
+              <a:rPr lang="en-US" dirty="0">
                 <a:solidFill>
                   <a:schemeClr val="bg1"/>
                 </a:solidFill>
               </a:rPr>
               <a:t>(peek definition)</a:t>
             </a:r>
-            <a:endParaRPr lang="ru-RU" dirty="0" smtClean="0">
+            <a:endParaRPr lang="ru-RU" dirty="0">
               <a:solidFill>
                 <a:schemeClr val="bg1"/>
               </a:solidFill>
@@ -9823,7 +9528,7 @@
               <a:t>Shift+F12</a:t>
             </a:r>
             <a:r>
-              <a:rPr lang="en-US" dirty="0" smtClean="0">
+              <a:rPr lang="en-US" dirty="0">
                 <a:solidFill>
                   <a:schemeClr val="bg1"/>
                 </a:solidFill>
@@ -9831,7 +9536,7 @@
               <a:t> </a:t>
             </a:r>
             <a:r>
-              <a:rPr lang="ru-RU" dirty="0" smtClean="0">
+              <a:rPr lang="ru-RU" dirty="0">
                 <a:solidFill>
                   <a:schemeClr val="bg1"/>
                 </a:solidFill>
@@ -9862,7 +9567,7 @@
               <a:t>Минус</a:t>
             </a:r>
             <a:r>
-              <a:rPr lang="en-US" dirty="0" smtClean="0">
+              <a:rPr lang="en-US" dirty="0">
                 <a:solidFill>
                   <a:schemeClr val="bg1"/>
                 </a:solidFill>
@@ -9870,7 +9575,7 @@
               <a:t> </a:t>
             </a:r>
             <a:r>
-              <a:rPr lang="ru-RU" dirty="0" smtClean="0">
+              <a:rPr lang="ru-RU" dirty="0">
                 <a:solidFill>
                   <a:schemeClr val="bg1"/>
                 </a:solidFill>
@@ -9878,7 +9583,7 @@
               <a:t>и </a:t>
             </a:r>
             <a:r>
-              <a:rPr lang="en-US" dirty="0" err="1" smtClean="0">
+              <a:rPr lang="en-US" dirty="0" err="1">
                 <a:solidFill>
                   <a:srgbClr val="F6AE1E"/>
                 </a:solidFill>
@@ -9886,7 +9591,7 @@
               <a:t>Shift+Ctrl</a:t>
             </a:r>
             <a:r>
-              <a:rPr lang="en-US" dirty="0" smtClean="0">
+              <a:rPr lang="en-US" dirty="0">
                 <a:solidFill>
                   <a:srgbClr val="F6AE1E"/>
                 </a:solidFill>
@@ -9894,7 +9599,7 @@
               <a:t>+</a:t>
             </a:r>
             <a:r>
-              <a:rPr lang="ru-RU" dirty="0" smtClean="0">
+              <a:rPr lang="ru-RU" dirty="0">
                 <a:solidFill>
                   <a:srgbClr val="F6AE1E"/>
                 </a:solidFill>
@@ -9902,7 +9607,7 @@
               <a:t>Минус</a:t>
             </a:r>
             <a:r>
-              <a:rPr lang="en-US" dirty="0" smtClean="0">
+              <a:rPr lang="en-US" dirty="0">
                 <a:solidFill>
                   <a:schemeClr val="bg1"/>
                 </a:solidFill>
@@ -9910,7 +9615,7 @@
               <a:t> </a:t>
             </a:r>
             <a:r>
-              <a:rPr lang="ru-RU" dirty="0" smtClean="0">
+              <a:rPr lang="ru-RU" dirty="0">
                 <a:solidFill>
                   <a:schemeClr val="bg1"/>
                 </a:solidFill>
@@ -9949,14 +9654,14 @@
               <a:t>Стрелка вниз</a:t>
             </a:r>
             <a:r>
-              <a:rPr lang="ru-RU" dirty="0" smtClean="0">
+              <a:rPr lang="ru-RU" dirty="0">
                 <a:solidFill>
                   <a:schemeClr val="bg1"/>
                 </a:solidFill>
               </a:rPr>
               <a:t> показать список открытых файлов</a:t>
             </a:r>
-            <a:endParaRPr lang="en-US" dirty="0" smtClean="0">
+            <a:endParaRPr lang="en-US" dirty="0">
               <a:solidFill>
                 <a:schemeClr val="bg1"/>
               </a:solidFill>
@@ -9990,15 +9695,7 @@
                   <a:schemeClr val="bg1"/>
                 </a:solidFill>
               </a:rPr>
-              <a:t>перейти на строку </a:t>
-            </a:r>
-            <a:r>
-              <a:rPr lang="ru-RU" dirty="0" smtClean="0">
-                <a:solidFill>
-                  <a:schemeClr val="bg1"/>
-                </a:solidFill>
-              </a:rPr>
-              <a:t>№</a:t>
+              <a:t>перейти на строку №</a:t>
             </a:r>
           </a:p>
           <a:p>
@@ -10008,7 +9705,7 @@
               </a:buClr>
             </a:pPr>
             <a:r>
-              <a:rPr lang="en-US" dirty="0" err="1" smtClean="0">
+              <a:rPr lang="en-US" dirty="0" err="1">
                 <a:solidFill>
                   <a:srgbClr val="F6AE1E"/>
                 </a:solidFill>
@@ -10016,7 +9713,7 @@
               <a:t>Ctrl+Home</a:t>
             </a:r>
             <a:r>
-              <a:rPr lang="en-US" dirty="0" smtClean="0">
+              <a:rPr lang="en-US" dirty="0">
                 <a:solidFill>
                   <a:schemeClr val="bg1"/>
                 </a:solidFill>
@@ -10024,14 +9721,14 @@
               <a:t> </a:t>
             </a:r>
             <a:r>
-              <a:rPr lang="ru-RU" dirty="0" smtClean="0">
+              <a:rPr lang="ru-RU" dirty="0">
                 <a:solidFill>
                   <a:schemeClr val="bg1"/>
                 </a:solidFill>
               </a:rPr>
               <a:t>начало файла</a:t>
             </a:r>
-            <a:endParaRPr lang="en-US" dirty="0" smtClean="0">
+            <a:endParaRPr lang="en-US" dirty="0">
               <a:solidFill>
                 <a:schemeClr val="bg1"/>
               </a:solidFill>
@@ -10044,7 +9741,7 @@
               </a:buClr>
             </a:pPr>
             <a:r>
-              <a:rPr lang="en-US" dirty="0" err="1" smtClean="0">
+              <a:rPr lang="en-US" dirty="0" err="1">
                 <a:solidFill>
                   <a:srgbClr val="F6AE1E"/>
                 </a:solidFill>
@@ -10052,7 +9749,7 @@
               <a:t>Ctrl+End</a:t>
             </a:r>
             <a:r>
-              <a:rPr lang="en-US" dirty="0" smtClean="0">
+              <a:rPr lang="en-US" dirty="0">
                 <a:solidFill>
                   <a:schemeClr val="bg1"/>
                 </a:solidFill>
@@ -10060,7 +9757,7 @@
               <a:t> </a:t>
             </a:r>
             <a:r>
-              <a:rPr lang="ru-RU" dirty="0" smtClean="0">
+              <a:rPr lang="ru-RU" dirty="0">
                 <a:solidFill>
                   <a:schemeClr val="bg1"/>
                 </a:solidFill>
@@ -10085,13 +9782,6 @@
   <p:clrMapOvr>
     <a:overrideClrMapping bg1="lt1" tx1="dk1" bg2="lt2" tx2="dk2" accent1="accent1" accent2="accent2" accent3="accent3" accent4="accent4" accent5="accent5" accent6="accent6" hlink="hlink" folHlink="folHlink"/>
   </p:clrMapOvr>
-  <p:timing>
-    <p:tnLst>
-      <p:par>
-        <p:cTn id="1" dur="indefinite" restart="never" nodeType="tmRoot"/>
-      </p:par>
-    </p:tnLst>
-  </p:timing>
 </p:sld>
 </file>
 
@@ -10128,10 +9818,9 @@
           <a:lstStyle/>
           <a:p>
             <a:r>
-              <a:rPr lang="ru-RU" dirty="0" smtClean="0"/>
+              <a:rPr lang="ru-RU" dirty="0"/>
               <a:t>Редактор: Смарт-тег</a:t>
             </a:r>
-            <a:endParaRPr lang="ru-RU" dirty="0"/>
           </a:p>
         </p:txBody>
       </p:sp>
@@ -10151,7 +9840,7 @@
           <a:lstStyle/>
           <a:p>
             <a:r>
-              <a:rPr lang="en-US" dirty="0" smtClean="0">
+              <a:rPr lang="en-US" dirty="0">
                 <a:solidFill>
                   <a:srgbClr val="F6AE1E"/>
                 </a:solidFill>
@@ -10159,15 +9848,15 @@
               <a:t>Alt + Shift + F10</a:t>
             </a:r>
             <a:r>
-              <a:rPr lang="en-US" dirty="0" smtClean="0"/>
+              <a:rPr lang="en-US" dirty="0"/>
               <a:t> </a:t>
             </a:r>
             <a:r>
-              <a:rPr lang="ru-RU" dirty="0" smtClean="0"/>
+              <a:rPr lang="ru-RU" dirty="0"/>
               <a:t>или </a:t>
             </a:r>
             <a:r>
-              <a:rPr lang="en-US" dirty="0" smtClean="0">
+              <a:rPr lang="en-US" dirty="0">
                 <a:solidFill>
                   <a:srgbClr val="F6AE1E"/>
                 </a:solidFill>
@@ -10175,14 +9864,13 @@
               <a:t>Ctrl + .</a:t>
             </a:r>
             <a:r>
-              <a:rPr lang="en-US" dirty="0" smtClean="0"/>
+              <a:rPr lang="en-US" dirty="0"/>
               <a:t> – </a:t>
             </a:r>
             <a:r>
-              <a:rPr lang="ru-RU" dirty="0" smtClean="0"/>
+              <a:rPr lang="ru-RU" dirty="0"/>
               <a:t>открыть меню смарт-тега</a:t>
             </a:r>
-            <a:endParaRPr lang="ru-RU" dirty="0"/>
           </a:p>
         </p:txBody>
       </p:sp>
@@ -10196,13 +9884,6 @@
   <p:clrMapOvr>
     <a:masterClrMapping/>
   </p:clrMapOvr>
-  <p:timing>
-    <p:tnLst>
-      <p:par>
-        <p:cTn id="1" dur="indefinite" restart="never" nodeType="tmRoot"/>
-      </p:par>
-    </p:tnLst>
-  </p:timing>
 </p:sld>
 </file>
 
@@ -10239,10 +9920,9 @@
           <a:lstStyle/>
           <a:p>
             <a:r>
-              <a:rPr lang="ru-RU" dirty="0" smtClean="0"/>
+              <a:rPr lang="ru-RU" dirty="0"/>
               <a:t>Ссылки</a:t>
             </a:r>
-            <a:endParaRPr lang="ru-RU" dirty="0"/>
           </a:p>
         </p:txBody>
       </p:sp>
@@ -10262,54 +9942,54 @@
           <a:lstStyle/>
           <a:p>
             <a:r>
-              <a:rPr lang="ru-RU" dirty="0" smtClean="0"/>
+              <a:rPr lang="ru-RU" dirty="0"/>
               <a:t>Официальная страница</a:t>
             </a:r>
             <a:br>
-              <a:rPr lang="ru-RU" dirty="0" smtClean="0"/>
+              <a:rPr lang="ru-RU" dirty="0"/>
             </a:br>
             <a:r>
-              <a:rPr lang="en-US" dirty="0" smtClean="0">
+              <a:rPr lang="en-US" dirty="0">
                 <a:hlinkClick r:id="rId2"/>
               </a:rPr>
               <a:t>http://msdn.microsoft.com/visualstudio</a:t>
             </a:r>
-            <a:endParaRPr lang="ru-RU" dirty="0" smtClean="0"/>
-          </a:p>
-          <a:p>
-            <a:r>
-              <a:rPr lang="ru-RU" dirty="0" smtClean="0"/>
+            <a:endParaRPr lang="ru-RU" dirty="0"/>
+          </a:p>
+          <a:p>
+            <a:r>
+              <a:rPr lang="ru-RU" dirty="0"/>
               <a:t>Расширения</a:t>
             </a:r>
             <a:br>
-              <a:rPr lang="ru-RU" dirty="0" smtClean="0"/>
+              <a:rPr lang="ru-RU" dirty="0"/>
             </a:br>
             <a:r>
-              <a:rPr lang="en-US" dirty="0" smtClean="0">
+              <a:rPr lang="en-US" dirty="0">
                 <a:hlinkClick r:id="rId3"/>
               </a:rPr>
               <a:t>http://visualstudiogallery.msdn.microsoft.com</a:t>
             </a:r>
-            <a:endParaRPr lang="ru-RU" dirty="0" smtClean="0"/>
-          </a:p>
-          <a:p>
-            <a:r>
-              <a:rPr lang="ru-RU" dirty="0" smtClean="0"/>
+            <a:endParaRPr lang="ru-RU" dirty="0"/>
+          </a:p>
+          <a:p>
+            <a:r>
+              <a:rPr lang="ru-RU" dirty="0"/>
               <a:t>Предложения по улучшению</a:t>
             </a:r>
             <a:br>
-              <a:rPr lang="ru-RU" dirty="0" smtClean="0"/>
+              <a:rPr lang="ru-RU" dirty="0"/>
             </a:br>
             <a:r>
-              <a:rPr lang="en-US" dirty="0" smtClean="0">
+              <a:rPr lang="en-US" dirty="0">
                 <a:hlinkClick r:id="rId4"/>
               </a:rPr>
               <a:t>http://visualstudio.uservoice.com</a:t>
             </a:r>
-            <a:endParaRPr lang="ru-RU" dirty="0" smtClean="0"/>
-          </a:p>
-          <a:p>
-            <a:endParaRPr lang="ru-RU" dirty="0" smtClean="0"/>
+            <a:endParaRPr lang="ru-RU" dirty="0"/>
+          </a:p>
+          <a:p>
+            <a:endParaRPr lang="ru-RU" dirty="0"/>
           </a:p>
           <a:p>
             <a:endParaRPr lang="ru-RU" dirty="0"/>
@@ -10326,13 +10006,6 @@
   <p:clrMapOvr>
     <a:masterClrMapping/>
   </p:clrMapOvr>
-  <p:timing>
-    <p:tnLst>
-      <p:par>
-        <p:cTn id="1" dur="indefinite" restart="never" nodeType="tmRoot"/>
-      </p:par>
-    </p:tnLst>
-  </p:timing>
 </p:sld>
 </file>
 
@@ -10369,11 +10042,11 @@
           <a:lstStyle/>
           <a:p>
             <a:r>
-              <a:rPr lang="ru-RU" dirty="0" smtClean="0"/>
+              <a:rPr lang="ru-RU" dirty="0"/>
               <a:t>Редактор: </a:t>
             </a:r>
             <a:r>
-              <a:rPr lang="en-US" dirty="0" smtClean="0"/>
+              <a:rPr lang="en-US" dirty="0"/>
               <a:t>IntelliSense</a:t>
             </a:r>
             <a:endParaRPr lang="ru-RU" dirty="0"/>
@@ -10396,26 +10069,25 @@
           <a:lstStyle/>
           <a:p>
             <a:r>
-              <a:rPr lang="en-US" dirty="0" err="1" smtClean="0"/>
+              <a:rPr lang="en-US" dirty="0" err="1"/>
               <a:t>Ctrl+Alt+Space</a:t>
             </a:r>
             <a:r>
-              <a:rPr lang="en-US" dirty="0" smtClean="0"/>
+              <a:rPr lang="en-US" dirty="0"/>
               <a:t> – </a:t>
             </a:r>
             <a:r>
-              <a:rPr lang="ru-RU" dirty="0" smtClean="0"/>
+              <a:rPr lang="ru-RU" dirty="0"/>
               <a:t>«режим советов». В этом режиме только </a:t>
             </a:r>
             <a:r>
-              <a:rPr lang="en-US" dirty="0" smtClean="0"/>
+              <a:rPr lang="en-US" dirty="0"/>
               <a:t>Tab </a:t>
             </a:r>
             <a:r>
-              <a:rPr lang="ru-RU" dirty="0" smtClean="0"/>
+              <a:rPr lang="ru-RU" dirty="0"/>
               <a:t>выбирает строку из списка предложений</a:t>
             </a:r>
-            <a:endParaRPr lang="ru-RU" dirty="0"/>
           </a:p>
         </p:txBody>
       </p:sp>
@@ -10429,13 +10101,6 @@
   <p:clrMapOvr>
     <a:masterClrMapping/>
   </p:clrMapOvr>
-  <p:timing>
-    <p:tnLst>
-      <p:par>
-        <p:cTn id="1" dur="indefinite" restart="never" nodeType="tmRoot"/>
-      </p:par>
-    </p:tnLst>
-  </p:timing>
 </p:sld>
 </file>
 
@@ -10486,15 +10151,15 @@
           <a:lstStyle/>
           <a:p>
             <a:r>
-              <a:rPr lang="ru-RU" dirty="0" smtClean="0"/>
+              <a:rPr lang="ru-RU" dirty="0"/>
               <a:t>Редактор</a:t>
             </a:r>
             <a:r>
-              <a:rPr lang="en-US" dirty="0" smtClean="0"/>
+              <a:rPr lang="en-US" dirty="0"/>
               <a:t>: </a:t>
             </a:r>
             <a:r>
-              <a:rPr lang="ru-RU" dirty="0" smtClean="0"/>
+              <a:rPr lang="ru-RU" dirty="0"/>
               <a:t>Навигация по коду</a:t>
             </a:r>
             <a:endParaRPr lang="en-US" dirty="0"/>
@@ -10524,7 +10189,7 @@
               </a:buClr>
             </a:pPr>
             <a:r>
-              <a:rPr lang="en-US" dirty="0" smtClean="0">
+              <a:rPr lang="en-US" dirty="0">
                 <a:solidFill>
                   <a:schemeClr val="bg1"/>
                 </a:solidFill>
@@ -10532,7 +10197,7 @@
               <a:t>ReSharper </a:t>
             </a:r>
             <a:r>
-              <a:rPr lang="ru-RU" dirty="0" smtClean="0">
+              <a:rPr lang="ru-RU" dirty="0">
                 <a:solidFill>
                   <a:schemeClr val="bg1"/>
                 </a:solidFill>
@@ -10540,7 +10205,7 @@
               <a:t>ускоряет навигацию по коду за счет следующих команд:</a:t>
             </a:r>
             <a:r>
-              <a:rPr lang="en-US" dirty="0" smtClean="0">
+              <a:rPr lang="en-US" dirty="0">
                 <a:solidFill>
                   <a:schemeClr val="bg1"/>
                 </a:solidFill>
@@ -10548,7 +10213,7 @@
               <a:t> Go To Type, Go To File, Go To Symbol </a:t>
             </a:r>
             <a:r>
-              <a:rPr lang="ru-RU" dirty="0" smtClean="0">
+              <a:rPr lang="ru-RU" dirty="0">
                 <a:solidFill>
                   <a:schemeClr val="bg1"/>
                 </a:solidFill>
@@ -10563,7 +10228,7 @@
               </a:buClr>
             </a:pPr>
             <a:r>
-              <a:rPr lang="ru-RU" dirty="0" smtClean="0">
+              <a:rPr lang="ru-RU" dirty="0">
                 <a:solidFill>
                   <a:schemeClr val="bg1"/>
                 </a:solidFill>
@@ -10571,7 +10236,7 @@
               <a:t>Если искомые имена используют </a:t>
             </a:r>
             <a:r>
-              <a:rPr lang="en-US" dirty="0" err="1" smtClean="0">
+              <a:rPr lang="en-US" dirty="0" err="1">
                 <a:solidFill>
                   <a:schemeClr val="bg1"/>
                 </a:solidFill>
@@ -10579,7 +10244,7 @@
               <a:t>CamelCase</a:t>
             </a:r>
             <a:r>
-              <a:rPr lang="ru-RU" dirty="0" smtClean="0">
+              <a:rPr lang="ru-RU" dirty="0">
                 <a:solidFill>
                   <a:schemeClr val="bg1"/>
                 </a:solidFill>
@@ -10587,7 +10252,7 @@
               <a:t>,</a:t>
             </a:r>
             <a:r>
-              <a:rPr lang="en-US" dirty="0" smtClean="0">
+              <a:rPr lang="en-US" dirty="0">
                 <a:solidFill>
                   <a:schemeClr val="bg1"/>
                 </a:solidFill>
@@ -10595,14 +10260,14 @@
               <a:t> </a:t>
             </a:r>
             <a:r>
-              <a:rPr lang="ru-RU" dirty="0" smtClean="0">
+              <a:rPr lang="ru-RU" dirty="0">
                 <a:solidFill>
                   <a:schemeClr val="bg1"/>
                 </a:solidFill>
               </a:rPr>
               <a:t>то в окне поиска символов можно вводить только первые буквы из каждого слова</a:t>
             </a:r>
-            <a:endParaRPr lang="en-US" dirty="0" smtClean="0">
+            <a:endParaRPr lang="en-US" dirty="0">
               <a:solidFill>
                 <a:schemeClr val="bg1"/>
               </a:solidFill>
@@ -10615,7 +10280,7 @@
               </a:buClr>
             </a:pPr>
             <a:r>
-              <a:rPr lang="ru-RU" dirty="0" smtClean="0">
+              <a:rPr lang="ru-RU" dirty="0">
                 <a:solidFill>
                   <a:schemeClr val="bg1"/>
                 </a:solidFill>
@@ -10623,7 +10288,7 @@
               <a:t>См. также меню </a:t>
             </a:r>
             <a:r>
-              <a:rPr lang="en-US" dirty="0" err="1" smtClean="0">
+              <a:rPr lang="en-US" dirty="0" err="1">
                 <a:solidFill>
                   <a:schemeClr val="bg1"/>
                 </a:solidFill>
@@ -10631,18 +10296,13 @@
               <a:t>Resharper</a:t>
             </a:r>
             <a:r>
-              <a:rPr lang="en-US" dirty="0" smtClean="0">
+              <a:rPr lang="en-US" dirty="0">
                 <a:solidFill>
                   <a:schemeClr val="bg1"/>
                 </a:solidFill>
               </a:rPr>
               <a:t> -&gt; Navigate</a:t>
             </a:r>
-            <a:endParaRPr lang="en-US" dirty="0">
-              <a:solidFill>
-                <a:schemeClr val="bg1"/>
-              </a:solidFill>
-            </a:endParaRPr>
           </a:p>
         </p:txBody>
       </p:sp>
@@ -10656,13 +10316,6 @@
   <p:clrMapOvr>
     <a:overrideClrMapping bg1="lt1" tx1="dk1" bg2="lt2" tx2="dk2" accent1="accent1" accent2="accent2" accent3="accent3" accent4="accent4" accent5="accent5" accent6="accent6" hlink="hlink" folHlink="folHlink"/>
   </p:clrMapOvr>
-  <p:timing>
-    <p:tnLst>
-      <p:par>
-        <p:cTn id="1" dur="indefinite" restart="never" nodeType="tmRoot"/>
-      </p:par>
-    </p:tnLst>
-  </p:timing>
 </p:sld>
 </file>
 
@@ -10699,14 +10352,13 @@
           <a:lstStyle/>
           <a:p>
             <a:r>
-              <a:rPr lang="ru-RU" dirty="0" smtClean="0"/>
+              <a:rPr lang="ru-RU" dirty="0"/>
               <a:t>Редактор</a:t>
             </a:r>
             <a:r>
-              <a:rPr lang="en-US" dirty="0" smtClean="0"/>
+              <a:rPr lang="en-US" dirty="0"/>
               <a:t>: Code Snippets</a:t>
             </a:r>
-            <a:endParaRPr lang="en-US" dirty="0"/>
           </a:p>
         </p:txBody>
       </p:sp>
@@ -10737,7 +10389,7 @@
               <a:buNone/>
             </a:pPr>
             <a:r>
-              <a:rPr lang="en-US" dirty="0" smtClean="0">
+              <a:rPr lang="en-US" dirty="0">
                 <a:solidFill>
                   <a:schemeClr val="bg1"/>
                 </a:solidFill>
@@ -10745,7 +10397,7 @@
               <a:t>“Code Snippets” </a:t>
             </a:r>
             <a:r>
-              <a:rPr lang="ru-RU" dirty="0" smtClean="0">
+              <a:rPr lang="ru-RU" dirty="0">
                 <a:solidFill>
                   <a:schemeClr val="bg1"/>
                 </a:solidFill>
@@ -10764,7 +10416,7 @@
               <a:buNone/>
             </a:pPr>
             <a:r>
-              <a:rPr lang="ru-RU" dirty="0" smtClean="0">
+              <a:rPr lang="ru-RU" dirty="0">
                 <a:solidFill>
                   <a:schemeClr val="bg1"/>
                 </a:solidFill>
@@ -10772,7 +10424,7 @@
               <a:t>Шаблону может быть назначена короткая комбинация (</a:t>
             </a:r>
             <a:r>
-              <a:rPr lang="en-US" dirty="0" smtClean="0">
+              <a:rPr lang="en-US" dirty="0">
                 <a:solidFill>
                   <a:schemeClr val="bg1"/>
                 </a:solidFill>
@@ -10780,7 +10432,7 @@
               <a:t>shortcut</a:t>
             </a:r>
             <a:r>
-              <a:rPr lang="ru-RU" dirty="0" smtClean="0">
+              <a:rPr lang="ru-RU" dirty="0">
                 <a:solidFill>
                   <a:schemeClr val="bg1"/>
                 </a:solidFill>
@@ -10793,65 +10445,49 @@
                   <a:schemeClr val="bg1"/>
                 </a:solidFill>
               </a:rPr>
+              <a:t> shortcut </a:t>
+            </a:r>
+            <a:r>
+              <a:rPr lang="ru-RU" dirty="0">
+                <a:solidFill>
+                  <a:schemeClr val="bg1"/>
+                </a:solidFill>
+              </a:rPr>
+              <a:t>и нажав </a:t>
+            </a:r>
+            <a:r>
+              <a:rPr lang="en-US" dirty="0">
+                <a:solidFill>
+                  <a:srgbClr val="F6AE1E"/>
+                </a:solidFill>
+              </a:rPr>
+              <a:t>Tab</a:t>
+            </a:r>
+            <a:r>
+              <a:rPr lang="en-US" dirty="0">
+                <a:solidFill>
+                  <a:schemeClr val="bg1"/>
+                </a:solidFill>
+              </a:rPr>
               <a:t> </a:t>
             </a:r>
             <a:r>
-              <a:rPr lang="en-US" dirty="0" smtClean="0">
+              <a:rPr lang="ru-RU" dirty="0">
                 <a:solidFill>
                   <a:schemeClr val="bg1"/>
                 </a:solidFill>
               </a:rPr>
-              <a:t>shortcut </a:t>
-            </a:r>
-            <a:r>
-              <a:rPr lang="ru-RU" dirty="0" smtClean="0">
+              <a:t>мы получим текст шаблона в месте где был </a:t>
+            </a:r>
+            <a:r>
+              <a:rPr lang="en-US" dirty="0">
                 <a:solidFill>
                   <a:schemeClr val="bg1"/>
                 </a:solidFill>
               </a:rPr>
-              <a:t>и нажав </a:t>
-            </a:r>
-            <a:r>
-              <a:rPr lang="en-US" dirty="0" smtClean="0">
-                <a:solidFill>
-                  <a:srgbClr val="F6AE1E"/>
-                </a:solidFill>
-              </a:rPr>
-              <a:t>Tab</a:t>
-            </a:r>
-            <a:r>
-              <a:rPr lang="en-US" dirty="0" smtClean="0">
-                <a:solidFill>
-                  <a:schemeClr val="bg1"/>
-                </a:solidFill>
-              </a:rPr>
-              <a:t> </a:t>
-            </a:r>
-            <a:r>
-              <a:rPr lang="ru-RU" dirty="0">
-                <a:solidFill>
-                  <a:schemeClr val="bg1"/>
-                </a:solidFill>
-              </a:rPr>
-              <a:t>мы </a:t>
-            </a:r>
-            <a:r>
-              <a:rPr lang="ru-RU" dirty="0" smtClean="0">
-                <a:solidFill>
-                  <a:schemeClr val="bg1"/>
-                </a:solidFill>
-              </a:rPr>
-              <a:t>получим текст шаблона в месте где был </a:t>
-            </a:r>
-            <a:r>
-              <a:rPr lang="en-US" dirty="0" smtClean="0">
-                <a:solidFill>
-                  <a:schemeClr val="bg1"/>
-                </a:solidFill>
-              </a:rPr>
               <a:t>shortcut.</a:t>
             </a:r>
-            <a:endParaRPr lang="ru-RU" dirty="0" smtClean="0">
+            <a:endParaRPr lang="ru-RU" dirty="0">
               <a:solidFill>
                 <a:schemeClr val="bg1"/>
               </a:solidFill>
@@ -10868,7 +10504,7 @@
               <a:buNone/>
             </a:pPr>
             <a:r>
-              <a:rPr lang="ru-RU" dirty="0" smtClean="0">
+              <a:rPr lang="ru-RU" dirty="0">
                 <a:solidFill>
                   <a:schemeClr val="bg1"/>
                 </a:solidFill>
@@ -10876,14 +10512,14 @@
               <a:t>Настройка производится через меню </a:t>
             </a:r>
             <a:r>
-              <a:rPr lang="en-US" dirty="0" smtClean="0">
+              <a:rPr lang="en-US" dirty="0">
                 <a:solidFill>
                   <a:schemeClr val="bg1"/>
                 </a:solidFill>
               </a:rPr>
               <a:t>Tools -&gt; Code Snippets Manager.</a:t>
             </a:r>
-            <a:endParaRPr lang="ru-RU" dirty="0" smtClean="0">
+            <a:endParaRPr lang="ru-RU" dirty="0">
               <a:solidFill>
                 <a:schemeClr val="bg1"/>
               </a:solidFill>
@@ -10899,7 +10535,7 @@
               </a:buClr>
               <a:buNone/>
             </a:pPr>
-            <a:endParaRPr lang="ru-RU" dirty="0" smtClean="0">
+            <a:endParaRPr lang="ru-RU" dirty="0">
               <a:solidFill>
                 <a:schemeClr val="bg1"/>
               </a:solidFill>
@@ -10916,7 +10552,7 @@
               <a:buNone/>
             </a:pPr>
             <a:r>
-              <a:rPr lang="en-US" dirty="0" err="1" smtClean="0">
+              <a:rPr lang="en-US" dirty="0" err="1">
                 <a:solidFill>
                   <a:srgbClr val="F6AE1E"/>
                 </a:solidFill>
@@ -10924,7 +10560,7 @@
               <a:t>Ctrl+K+X</a:t>
             </a:r>
             <a:r>
-              <a:rPr lang="en-US" dirty="0" smtClean="0">
+              <a:rPr lang="en-US" dirty="0">
                 <a:solidFill>
                   <a:schemeClr val="bg1"/>
                 </a:solidFill>
@@ -10932,7 +10568,7 @@
               <a:t> </a:t>
             </a:r>
             <a:r>
-              <a:rPr lang="ru-RU" dirty="0" smtClean="0">
+              <a:rPr lang="ru-RU" dirty="0">
                 <a:solidFill>
                   <a:schemeClr val="bg1"/>
                 </a:solidFill>
@@ -10965,13 +10601,6 @@
   <p:clrMapOvr>
     <a:masterClrMapping/>
   </p:clrMapOvr>
-  <p:timing>
-    <p:tnLst>
-      <p:par>
-        <p:cTn id="1" dur="indefinite" restart="never" nodeType="tmRoot"/>
-      </p:par>
-    </p:tnLst>
-  </p:timing>
 </p:sld>
 </file>
 
@@ -11008,14 +10637,13 @@
           <a:lstStyle/>
           <a:p>
             <a:r>
-              <a:rPr lang="ru-RU" dirty="0" smtClean="0"/>
+              <a:rPr lang="ru-RU" dirty="0"/>
               <a:t>Стандартные сниппеты</a:t>
             </a:r>
             <a:r>
-              <a:rPr lang="en-US" dirty="0" smtClean="0"/>
+              <a:rPr lang="en-US" dirty="0"/>
               <a:t> (C#)</a:t>
             </a:r>
-            <a:endParaRPr lang="en-US" dirty="0"/>
           </a:p>
         </p:txBody>
       </p:sp>
@@ -11045,8 +10673,20 @@
                 <a:tableStyleId>{5C22544A-7EE6-4342-B048-85BDC9FD1C3A}</a:tableStyleId>
               </a:tblPr>
               <a:tblGrid>
-                <a:gridCol w="2098576"/>
-                <a:gridCol w="6131024"/>
+                <a:gridCol w="2098576">
+                  <a:extLst>
+                    <a:ext uri="{9D8B030D-6E8A-4147-A177-3AD203B41FA5}">
+                      <a16:colId xmlns:a16="http://schemas.microsoft.com/office/drawing/2014/main" val="20000"/>
+                    </a:ext>
+                  </a:extLst>
+                </a:gridCol>
+                <a:gridCol w="6131024">
+                  <a:extLst>
+                    <a:ext uri="{9D8B030D-6E8A-4147-A177-3AD203B41FA5}">
+                      <a16:colId xmlns:a16="http://schemas.microsoft.com/office/drawing/2014/main" val="20001"/>
+                    </a:ext>
+                  </a:extLst>
+                </a:gridCol>
               </a:tblGrid>
               <a:tr h="370840">
                 <a:tc>
@@ -11055,18 +10695,13 @@
                     <a:lstStyle/>
                     <a:p>
                       <a:r>
-                        <a:rPr lang="en-US" dirty="0" smtClean="0">
+                        <a:rPr lang="en-US" dirty="0">
                           <a:solidFill>
                             <a:srgbClr val="0070C0"/>
                           </a:solidFill>
                         </a:rPr>
                         <a:t>Shortcut</a:t>
                       </a:r>
-                      <a:endParaRPr lang="en-US" dirty="0">
-                        <a:solidFill>
-                          <a:srgbClr val="0070C0"/>
-                        </a:solidFill>
-                      </a:endParaRPr>
                     </a:p>
                   </a:txBody>
                   <a:tcPr>
@@ -11125,7 +10760,7 @@
                     <a:lstStyle/>
                     <a:p>
                       <a:r>
-                        <a:rPr lang="ru-RU" dirty="0" smtClean="0">
+                        <a:rPr lang="ru-RU" dirty="0">
                           <a:solidFill>
                             <a:srgbClr val="0070C0"/>
                           </a:solidFill>
@@ -11189,6 +10824,11 @@
                     </a:solidFill>
                   </a:tcPr>
                 </a:tc>
+                <a:extLst>
+                  <a:ext uri="{0D108BD9-81ED-4DB2-BD59-A6C34878D82A}">
+                    <a16:rowId xmlns:a16="http://schemas.microsoft.com/office/drawing/2014/main" val="10000"/>
+                  </a:ext>
+                </a:extLst>
               </a:tr>
               <a:tr h="370840">
                 <a:tc>
@@ -11197,18 +10837,13 @@
                     <a:lstStyle/>
                     <a:p>
                       <a:r>
-                        <a:rPr lang="en-US" dirty="0" smtClean="0">
+                        <a:rPr lang="en-US" dirty="0">
                           <a:solidFill>
                             <a:schemeClr val="bg1"/>
                           </a:solidFill>
                         </a:rPr>
                         <a:t>class</a:t>
                       </a:r>
-                      <a:endParaRPr lang="en-US" dirty="0">
-                        <a:solidFill>
-                          <a:schemeClr val="bg1"/>
-                        </a:solidFill>
-                      </a:endParaRPr>
                     </a:p>
                   </a:txBody>
                   <a:tcPr>
@@ -11265,7 +10900,7 @@
                     <a:lstStyle/>
                     <a:p>
                       <a:r>
-                        <a:rPr lang="ru-RU" dirty="0" smtClean="0">
+                        <a:rPr lang="ru-RU" dirty="0">
                           <a:solidFill>
                             <a:schemeClr val="bg1"/>
                           </a:solidFill>
@@ -11327,6 +10962,11 @@
                     <a:noFill/>
                   </a:tcPr>
                 </a:tc>
+                <a:extLst>
+                  <a:ext uri="{0D108BD9-81ED-4DB2-BD59-A6C34878D82A}">
+                    <a16:rowId xmlns:a16="http://schemas.microsoft.com/office/drawing/2014/main" val="10001"/>
+                  </a:ext>
+                </a:extLst>
               </a:tr>
               <a:tr h="370840">
                 <a:tc>
@@ -11335,7 +10975,7 @@
                     <a:lstStyle/>
                     <a:p>
                       <a:r>
-                        <a:rPr lang="en-US" dirty="0" err="1" smtClean="0">
+                        <a:rPr lang="en-US" dirty="0" err="1">
                           <a:solidFill>
                             <a:schemeClr val="bg1"/>
                           </a:solidFill>
@@ -11403,7 +11043,7 @@
                     <a:lstStyle/>
                     <a:p>
                       <a:r>
-                        <a:rPr lang="ru-RU" dirty="0" smtClean="0">
+                        <a:rPr lang="ru-RU" dirty="0">
                           <a:solidFill>
                             <a:schemeClr val="bg1"/>
                           </a:solidFill>
@@ -11411,7 +11051,7 @@
                         <a:t>Конструктор</a:t>
                       </a:r>
                       <a:r>
-                        <a:rPr lang="ru-RU" baseline="0" dirty="0" smtClean="0">
+                        <a:rPr lang="ru-RU" baseline="0" dirty="0">
                           <a:solidFill>
                             <a:schemeClr val="bg1"/>
                           </a:solidFill>
@@ -11473,6 +11113,11 @@
                     <a:noFill/>
                   </a:tcPr>
                 </a:tc>
+                <a:extLst>
+                  <a:ext uri="{0D108BD9-81ED-4DB2-BD59-A6C34878D82A}">
+                    <a16:rowId xmlns:a16="http://schemas.microsoft.com/office/drawing/2014/main" val="10002"/>
+                  </a:ext>
+                </a:extLst>
               </a:tr>
               <a:tr h="370840">
                 <a:tc>
@@ -11481,18 +11126,13 @@
                     <a:lstStyle/>
                     <a:p>
                       <a:r>
-                        <a:rPr lang="en-US" dirty="0" smtClean="0">
+                        <a:rPr lang="en-US" dirty="0">
                           <a:solidFill>
                             <a:schemeClr val="bg1"/>
                           </a:solidFill>
                         </a:rPr>
                         <a:t>~</a:t>
                       </a:r>
-                      <a:endParaRPr lang="en-US" dirty="0">
-                        <a:solidFill>
-                          <a:schemeClr val="bg1"/>
-                        </a:solidFill>
-                      </a:endParaRPr>
                     </a:p>
                   </a:txBody>
                   <a:tcPr>
@@ -11549,7 +11189,7 @@
                     <a:lstStyle/>
                     <a:p>
                       <a:r>
-                        <a:rPr lang="ru-RU" dirty="0" smtClean="0">
+                        <a:rPr lang="ru-RU" dirty="0">
                           <a:solidFill>
                             <a:schemeClr val="bg1"/>
                           </a:solidFill>
@@ -11611,6 +11251,11 @@
                     <a:noFill/>
                   </a:tcPr>
                 </a:tc>
+                <a:extLst>
+                  <a:ext uri="{0D108BD9-81ED-4DB2-BD59-A6C34878D82A}">
+                    <a16:rowId xmlns:a16="http://schemas.microsoft.com/office/drawing/2014/main" val="10003"/>
+                  </a:ext>
+                </a:extLst>
               </a:tr>
               <a:tr h="370840">
                 <a:tc>
@@ -11619,18 +11264,13 @@
                     <a:lstStyle/>
                     <a:p>
                       <a:r>
-                        <a:rPr lang="en-US" dirty="0" smtClean="0">
+                        <a:rPr lang="en-US" dirty="0">
                           <a:solidFill>
                             <a:schemeClr val="bg1"/>
                           </a:solidFill>
                         </a:rPr>
                         <a:t>prop</a:t>
                       </a:r>
-                      <a:endParaRPr lang="en-US" dirty="0">
-                        <a:solidFill>
-                          <a:schemeClr val="bg1"/>
-                        </a:solidFill>
-                      </a:endParaRPr>
                     </a:p>
                   </a:txBody>
                   <a:tcPr>
@@ -11687,7 +11327,7 @@
                     <a:lstStyle/>
                     <a:p>
                       <a:r>
-                        <a:rPr lang="en-US" dirty="0" smtClean="0">
+                        <a:rPr lang="en-US" dirty="0">
                           <a:solidFill>
                             <a:schemeClr val="bg1"/>
                           </a:solidFill>
@@ -11695,7 +11335,7 @@
                         <a:t>Auto-</a:t>
                       </a:r>
                       <a:r>
-                        <a:rPr lang="ru-RU" dirty="0" smtClean="0">
+                        <a:rPr lang="ru-RU" dirty="0">
                           <a:solidFill>
                             <a:schemeClr val="bg1"/>
                           </a:solidFill>
@@ -11757,6 +11397,11 @@
                     <a:noFill/>
                   </a:tcPr>
                 </a:tc>
+                <a:extLst>
+                  <a:ext uri="{0D108BD9-81ED-4DB2-BD59-A6C34878D82A}">
+                    <a16:rowId xmlns:a16="http://schemas.microsoft.com/office/drawing/2014/main" val="10004"/>
+                  </a:ext>
+                </a:extLst>
               </a:tr>
               <a:tr h="370840">
                 <a:tc>
@@ -11765,7 +11410,7 @@
                     <a:lstStyle/>
                     <a:p>
                       <a:r>
-                        <a:rPr lang="en-US" dirty="0" err="1" smtClean="0">
+                        <a:rPr lang="en-US" dirty="0" err="1">
                           <a:solidFill>
                             <a:schemeClr val="bg1"/>
                           </a:solidFill>
@@ -11833,7 +11478,7 @@
                     <a:lstStyle/>
                     <a:p>
                       <a:r>
-                        <a:rPr lang="ru-RU" dirty="0" smtClean="0">
+                        <a:rPr lang="ru-RU" dirty="0">
                           <a:solidFill>
                             <a:schemeClr val="bg1"/>
                           </a:solidFill>
@@ -11841,7 +11486,7 @@
                         <a:t>Свойство</a:t>
                       </a:r>
                       <a:r>
-                        <a:rPr lang="ru-RU" baseline="0" dirty="0" smtClean="0">
+                        <a:rPr lang="ru-RU" baseline="0" dirty="0">
                           <a:solidFill>
                             <a:schemeClr val="bg1"/>
                           </a:solidFill>
@@ -11849,7 +11494,7 @@
                         <a:t> с  </a:t>
                       </a:r>
                       <a:r>
-                        <a:rPr lang="en-US" baseline="0" dirty="0" smtClean="0">
+                        <a:rPr lang="en-US" baseline="0" dirty="0">
                           <a:solidFill>
                             <a:schemeClr val="bg1"/>
                           </a:solidFill>
@@ -11857,7 +11502,7 @@
                         <a:t>get/set </a:t>
                       </a:r>
                       <a:r>
-                        <a:rPr lang="ru-RU" baseline="0" dirty="0" smtClean="0">
+                        <a:rPr lang="ru-RU" baseline="0" dirty="0">
                           <a:solidFill>
                             <a:schemeClr val="bg1"/>
                           </a:solidFill>
@@ -11919,6 +11564,11 @@
                     <a:noFill/>
                   </a:tcPr>
                 </a:tc>
+                <a:extLst>
+                  <a:ext uri="{0D108BD9-81ED-4DB2-BD59-A6C34878D82A}">
+                    <a16:rowId xmlns:a16="http://schemas.microsoft.com/office/drawing/2014/main" val="10005"/>
+                  </a:ext>
+                </a:extLst>
               </a:tr>
               <a:tr h="370840">
                 <a:tc>
@@ -11927,14 +11577,14 @@
                     <a:lstStyle/>
                     <a:p>
                       <a:r>
-                        <a:rPr lang="en-US" dirty="0" err="1" smtClean="0">
+                        <a:rPr lang="en-US" dirty="0" err="1">
                           <a:solidFill>
                             <a:schemeClr val="bg1"/>
                           </a:solidFill>
                         </a:rPr>
                         <a:t>propg</a:t>
                       </a:r>
-                      <a:endParaRPr lang="en-US" dirty="0" smtClean="0">
+                      <a:endParaRPr lang="en-US" dirty="0">
                         <a:solidFill>
                           <a:schemeClr val="bg1"/>
                         </a:solidFill>
@@ -11995,7 +11645,7 @@
                     <a:lstStyle/>
                     <a:p>
                       <a:r>
-                        <a:rPr lang="en-US" dirty="0" smtClean="0">
+                        <a:rPr lang="en-US" dirty="0">
                           <a:solidFill>
                             <a:schemeClr val="bg1"/>
                           </a:solidFill>
@@ -12003,7 +11653,7 @@
                         <a:t>Auto-c</a:t>
                       </a:r>
                       <a:r>
-                        <a:rPr lang="ru-RU" dirty="0" smtClean="0">
+                        <a:rPr lang="ru-RU" dirty="0">
                           <a:solidFill>
                             <a:schemeClr val="bg1"/>
                           </a:solidFill>
@@ -12011,7 +11661,7 @@
                         <a:t>войство с </a:t>
                       </a:r>
                       <a:r>
-                        <a:rPr lang="en-US" dirty="0" smtClean="0">
+                        <a:rPr lang="en-US" dirty="0">
                           <a:solidFill>
                             <a:schemeClr val="bg1"/>
                           </a:solidFill>
@@ -12019,7 +11669,7 @@
                         <a:t>public get </a:t>
                       </a:r>
                       <a:r>
-                        <a:rPr lang="ru-RU" dirty="0" smtClean="0">
+                        <a:rPr lang="ru-RU" dirty="0">
                           <a:solidFill>
                             <a:schemeClr val="bg1"/>
                           </a:solidFill>
@@ -12027,18 +11677,13 @@
                         <a:t>и </a:t>
                       </a:r>
                       <a:r>
-                        <a:rPr lang="en-US" dirty="0" smtClean="0">
+                        <a:rPr lang="en-US" dirty="0">
                           <a:solidFill>
                             <a:schemeClr val="bg1"/>
                           </a:solidFill>
                         </a:rPr>
                         <a:t>private set</a:t>
                       </a:r>
-                      <a:endParaRPr lang="en-US" dirty="0">
-                        <a:solidFill>
-                          <a:schemeClr val="bg1"/>
-                        </a:solidFill>
-                      </a:endParaRPr>
                     </a:p>
                   </a:txBody>
                   <a:tcPr>
@@ -12089,6 +11734,11 @@
                     <a:noFill/>
                   </a:tcPr>
                 </a:tc>
+                <a:extLst>
+                  <a:ext uri="{0D108BD9-81ED-4DB2-BD59-A6C34878D82A}">
+                    <a16:rowId xmlns:a16="http://schemas.microsoft.com/office/drawing/2014/main" val="10006"/>
+                  </a:ext>
+                </a:extLst>
               </a:tr>
               <a:tr h="370840">
                 <a:tc>
@@ -12211,6 +11861,11 @@
                     <a:noFill/>
                   </a:tcPr>
                 </a:tc>
+                <a:extLst>
+                  <a:ext uri="{0D108BD9-81ED-4DB2-BD59-A6C34878D82A}">
+                    <a16:rowId xmlns:a16="http://schemas.microsoft.com/office/drawing/2014/main" val="10007"/>
+                  </a:ext>
+                </a:extLst>
               </a:tr>
             </a:tbl>
           </a:graphicData>
@@ -12226,13 +11881,6 @@
   <p:clrMapOvr>
     <a:masterClrMapping/>
   </p:clrMapOvr>
-  <p:timing>
-    <p:tnLst>
-      <p:par>
-        <p:cTn id="1" dur="indefinite" restart="never" nodeType="tmRoot"/>
-      </p:par>
-    </p:tnLst>
-  </p:timing>
 </p:sld>
 </file>
 
@@ -12269,11 +11917,11 @@
           <a:lstStyle/>
           <a:p>
             <a:r>
-              <a:rPr lang="ru-RU" dirty="0" smtClean="0"/>
+              <a:rPr lang="ru-RU" dirty="0"/>
               <a:t>Код внутри </a:t>
             </a:r>
             <a:r>
-              <a:rPr lang="en-US" dirty="0" smtClean="0"/>
+              <a:rPr lang="en-US" dirty="0"/>
               <a:t>Toolbox</a:t>
             </a:r>
             <a:endParaRPr lang="ru-RU" dirty="0"/>
@@ -12299,34 +11947,33 @@
               <a:buNone/>
             </a:pPr>
             <a:r>
-              <a:rPr lang="ru-RU" dirty="0" smtClean="0"/>
+              <a:rPr lang="ru-RU" dirty="0"/>
               <a:t>В </a:t>
             </a:r>
             <a:r>
-              <a:rPr lang="en-US" dirty="0" smtClean="0"/>
+              <a:rPr lang="en-US" dirty="0"/>
               <a:t>Toolbox </a:t>
             </a:r>
             <a:r>
-              <a:rPr lang="ru-RU" dirty="0" smtClean="0"/>
+              <a:rPr lang="ru-RU" dirty="0"/>
               <a:t>можно перетаскивать куски кода, давать им имена, организовывать в папки </a:t>
             </a:r>
             <a:r>
-              <a:rPr lang="en-US" dirty="0" smtClean="0"/>
+              <a:rPr lang="en-US" dirty="0"/>
               <a:t>(Add new tab) </a:t>
             </a:r>
             <a:r>
-              <a:rPr lang="ru-RU" dirty="0" smtClean="0"/>
+              <a:rPr lang="ru-RU" dirty="0"/>
               <a:t>чтобы позже вставлять с помощью </a:t>
             </a:r>
             <a:r>
-              <a:rPr lang="en-US" dirty="0" smtClean="0"/>
+              <a:rPr lang="en-US" dirty="0"/>
               <a:t>drag-n-drop </a:t>
             </a:r>
             <a:r>
-              <a:rPr lang="ru-RU" dirty="0" smtClean="0"/>
+              <a:rPr lang="ru-RU" dirty="0"/>
               <a:t>в редактор.</a:t>
             </a:r>
-            <a:endParaRPr lang="ru-RU" dirty="0"/>
           </a:p>
         </p:txBody>
       </p:sp>
@@ -12340,13 +11987,6 @@
   <p:clrMapOvr>
     <a:masterClrMapping/>
   </p:clrMapOvr>
-  <p:timing>
-    <p:tnLst>
-      <p:par>
-        <p:cTn id="1" dur="indefinite" restart="never" nodeType="tmRoot"/>
-      </p:par>
-    </p:tnLst>
-  </p:timing>
 </p:sld>
 </file>
 
@@ -12383,10 +12023,9 @@
           <a:lstStyle/>
           <a:p>
             <a:r>
-              <a:rPr lang="ru-RU" dirty="0" smtClean="0"/>
+              <a:rPr lang="ru-RU" dirty="0"/>
               <a:t>Отладчик</a:t>
             </a:r>
-            <a:endParaRPr lang="ru-RU" dirty="0"/>
           </a:p>
         </p:txBody>
       </p:sp>
@@ -12419,13 +12058,6 @@
   <p:clrMapOvr>
     <a:masterClrMapping/>
   </p:clrMapOvr>
-  <p:timing>
-    <p:tnLst>
-      <p:par>
-        <p:cTn id="1" dur="indefinite" restart="never" nodeType="tmRoot"/>
-      </p:par>
-    </p:tnLst>
-  </p:timing>
 </p:sld>
 </file>
 
@@ -12462,7 +12094,7 @@
           <a:lstStyle/>
           <a:p>
             <a:r>
-              <a:rPr lang="ru-RU" dirty="0" smtClean="0"/>
+              <a:rPr lang="ru-RU" dirty="0"/>
               <a:t>Отладчик</a:t>
             </a:r>
             <a:endParaRPr lang="en-US" dirty="0"/>
@@ -12487,7 +12119,7 @@
           <a:lstStyle/>
           <a:p>
             <a:r>
-              <a:rPr lang="en-US" dirty="0" smtClean="0">
+              <a:rPr lang="en-US" dirty="0">
                 <a:solidFill>
                   <a:srgbClr val="92D050"/>
                 </a:solidFill>
@@ -12495,32 +12127,20 @@
               <a:t>[12]</a:t>
             </a:r>
             <a:r>
-              <a:rPr lang="en-US" dirty="0" smtClean="0"/>
+              <a:rPr lang="en-US" dirty="0"/>
               <a:t> Shift + Alt + f11 step into specific</a:t>
             </a:r>
           </a:p>
           <a:p>
             <a:r>
-              <a:rPr lang="en-US" dirty="0" smtClean="0"/>
-              <a:t>Shift + </a:t>
-            </a:r>
-            <a:r>
               <a:rPr lang="en-US" dirty="0"/>
-              <a:t>F11 </a:t>
-            </a:r>
-            <a:r>
-              <a:rPr lang="en-US" dirty="0" smtClean="0"/>
-              <a:t>step out</a:t>
+              <a:t>Shift + F11 step out</a:t>
             </a:r>
           </a:p>
           <a:p>
             <a:r>
               <a:rPr lang="en-US" dirty="0"/>
-              <a:t>Ctrl+F10 run </a:t>
-            </a:r>
-            <a:r>
-              <a:rPr lang="en-US" dirty="0" smtClean="0"/>
-              <a:t>to cursor</a:t>
+              <a:t>Ctrl+F10 run to cursor</a:t>
             </a:r>
           </a:p>
           <a:p>
@@ -12538,13 +12158,6 @@
   <p:clrMapOvr>
     <a:masterClrMapping/>
   </p:clrMapOvr>
-  <p:timing>
-    <p:tnLst>
-      <p:par>
-        <p:cTn id="1" dur="indefinite" restart="never" nodeType="tmRoot"/>
-      </p:par>
-    </p:tnLst>
-  </p:timing>
 </p:sld>
 </file>
 
@@ -12581,14 +12194,13 @@
           <a:lstStyle/>
           <a:p>
             <a:r>
-              <a:rPr lang="ru-RU" dirty="0" smtClean="0"/>
+              <a:rPr lang="ru-RU" dirty="0"/>
               <a:t>Отладчик</a:t>
             </a:r>
             <a:r>
-              <a:rPr lang="en-US" dirty="0" smtClean="0"/>
+              <a:rPr lang="en-US" dirty="0"/>
               <a:t>: data tips</a:t>
             </a:r>
-            <a:endParaRPr lang="en-US" dirty="0"/>
           </a:p>
         </p:txBody>
       </p:sp>
@@ -12610,11 +12222,11 @@
           <a:lstStyle/>
           <a:p>
             <a:r>
-              <a:rPr lang="ru-RU" dirty="0" smtClean="0"/>
+              <a:rPr lang="ru-RU" dirty="0"/>
               <a:t>Нажмите и удерживайте </a:t>
             </a:r>
             <a:r>
-              <a:rPr lang="en-US" dirty="0" smtClean="0">
+              <a:rPr lang="en-US" dirty="0">
                 <a:solidFill>
                   <a:srgbClr val="F6AE1E"/>
                 </a:solidFill>
@@ -12622,43 +12234,43 @@
               <a:t>Ctrl</a:t>
             </a:r>
             <a:r>
-              <a:rPr lang="en-US" dirty="0" smtClean="0"/>
+              <a:rPr lang="en-US" dirty="0"/>
               <a:t> </a:t>
             </a:r>
             <a:r>
-              <a:rPr lang="ru-RU" dirty="0" smtClean="0"/>
+              <a:rPr lang="ru-RU" dirty="0"/>
               <a:t>чтобы сделать </a:t>
             </a:r>
             <a:r>
-              <a:rPr lang="en-US" dirty="0" smtClean="0"/>
+              <a:rPr lang="en-US" dirty="0"/>
               <a:t>data tip </a:t>
             </a:r>
             <a:r>
-              <a:rPr lang="ru-RU" dirty="0" smtClean="0"/>
+              <a:rPr lang="ru-RU" dirty="0"/>
               <a:t>прозрачным</a:t>
             </a:r>
           </a:p>
           <a:p>
             <a:r>
-              <a:rPr lang="en-US" dirty="0" smtClean="0"/>
+              <a:rPr lang="en-US" dirty="0"/>
               <a:t>Data tip </a:t>
             </a:r>
             <a:r>
-              <a:rPr lang="ru-RU" dirty="0" smtClean="0"/>
+              <a:rPr lang="ru-RU" dirty="0"/>
               <a:t>работают для комментариев</a:t>
             </a:r>
           </a:p>
           <a:p>
             <a:r>
-              <a:rPr lang="ru-RU" dirty="0" smtClean="0"/>
+              <a:rPr lang="ru-RU" dirty="0"/>
               <a:t>Если прикрепить (</a:t>
             </a:r>
             <a:r>
-              <a:rPr lang="en-US" dirty="0" smtClean="0"/>
+              <a:rPr lang="en-US" dirty="0"/>
               <a:t>pin) data tip, </a:t>
             </a:r>
             <a:r>
-              <a:rPr lang="ru-RU" dirty="0" smtClean="0"/>
+              <a:rPr lang="ru-RU" dirty="0"/>
               <a:t>то её последнее значение можно будет просматривать и после завершения отладки</a:t>
             </a:r>
           </a:p>
@@ -12673,27 +12285,22 @@
             </a:r>
             <a:r>
               <a:rPr lang="ru-RU" dirty="0"/>
-              <a:t>можно </a:t>
-            </a:r>
-            <a:r>
-              <a:rPr lang="ru-RU" dirty="0" smtClean="0"/>
-              <a:t>написать комментарий. Для этого нажмите символ </a:t>
-            </a:r>
-            <a:r>
-              <a:rPr lang="ru-RU" b="1" dirty="0" smtClean="0"/>
+              <a:t>можно написать комментарий. Для этого нажмите символ </a:t>
+            </a:r>
+            <a:r>
+              <a:rPr lang="ru-RU" b="1" dirty="0"/>
               <a:t>︾</a:t>
             </a:r>
             <a:r>
-              <a:rPr lang="ru-RU" dirty="0" smtClean="0"/>
+              <a:rPr lang="ru-RU" dirty="0"/>
               <a:t> справа.</a:t>
             </a:r>
           </a:p>
           <a:p>
             <a:r>
-              <a:rPr lang="en-US" dirty="0" smtClean="0"/>
+              <a:rPr lang="en-US" dirty="0"/>
               <a:t>Export/Import Data tips</a:t>
             </a:r>
-            <a:endParaRPr lang="en-US" dirty="0"/>
           </a:p>
         </p:txBody>
       </p:sp>
@@ -12707,13 +12314,6 @@
   <p:clrMapOvr>
     <a:masterClrMapping/>
   </p:clrMapOvr>
-  <p:timing>
-    <p:tnLst>
-      <p:par>
-        <p:cTn id="1" dur="indefinite" restart="never" nodeType="tmRoot"/>
-      </p:par>
-    </p:tnLst>
-  </p:timing>
 </p:sld>
 </file>
 
@@ -12752,7 +12352,7 @@
           <a:lstStyle/>
           <a:p>
             <a:r>
-              <a:rPr lang="en-US" dirty="0" smtClean="0">
+              <a:rPr lang="en-US" dirty="0">
                 <a:solidFill>
                   <a:srgbClr val="92D050"/>
                 </a:solidFill>
@@ -12760,26 +12360,25 @@
               <a:t>[12]</a:t>
             </a:r>
             <a:r>
-              <a:rPr lang="en-US" dirty="0" smtClean="0"/>
+              <a:rPr lang="en-US" dirty="0"/>
               <a:t> </a:t>
             </a:r>
             <a:r>
-              <a:rPr lang="ru-RU" dirty="0" smtClean="0"/>
+              <a:rPr lang="ru-RU" dirty="0"/>
               <a:t>Отладчик</a:t>
             </a:r>
             <a:r>
-              <a:rPr lang="en-US" dirty="0" smtClean="0"/>
+              <a:rPr lang="en-US" dirty="0"/>
               <a:t>: </a:t>
             </a:r>
             <a:r>
-              <a:rPr lang="ru-RU" dirty="0" smtClean="0"/>
+              <a:rPr lang="ru-RU" dirty="0"/>
               <a:t>окно </a:t>
             </a:r>
             <a:r>
-              <a:rPr lang="en-US" dirty="0" smtClean="0"/>
+              <a:rPr lang="en-US" dirty="0"/>
               <a:t>Parallel Watch</a:t>
             </a:r>
-            <a:endParaRPr lang="en-US" dirty="0"/>
           </a:p>
         </p:txBody>
       </p:sp>
@@ -12801,7 +12400,7 @@
           <a:lstStyle/>
           <a:p>
             <a:r>
-              <a:rPr lang="ru-RU" dirty="0" smtClean="0"/>
+              <a:rPr lang="ru-RU" dirty="0"/>
               <a:t>Можно использовать для просмотра переменных при рекурсивных вызовах</a:t>
             </a:r>
           </a:p>
@@ -12820,13 +12419,6 @@
   <p:clrMapOvr>
     <a:masterClrMapping/>
   </p:clrMapOvr>
-  <p:timing>
-    <p:tnLst>
-      <p:par>
-        <p:cTn id="1" dur="indefinite" restart="never" nodeType="tmRoot"/>
-      </p:par>
-    </p:tnLst>
-  </p:timing>
 </p:sld>
 </file>
 
@@ -12863,10 +12455,9 @@
           <a:lstStyle/>
           <a:p>
             <a:r>
-              <a:rPr lang="ru-RU" dirty="0" smtClean="0"/>
+              <a:rPr lang="ru-RU" dirty="0"/>
               <a:t>расширения</a:t>
             </a:r>
-            <a:endParaRPr lang="ru-RU" dirty="0"/>
           </a:p>
         </p:txBody>
       </p:sp>
@@ -12899,13 +12490,6 @@
   <p:clrMapOvr>
     <a:masterClrMapping/>
   </p:clrMapOvr>
-  <p:timing>
-    <p:tnLst>
-      <p:par>
-        <p:cTn id="1" dur="indefinite" restart="never" nodeType="tmRoot"/>
-      </p:par>
-    </p:tnLst>
-  </p:timing>
 </p:sld>
 </file>
 
@@ -12942,7 +12526,7 @@
           <a:lstStyle/>
           <a:p>
             <a:r>
-              <a:rPr lang="ru-RU" dirty="0" smtClean="0"/>
+              <a:rPr lang="ru-RU" dirty="0"/>
               <a:t>Условные обозначения</a:t>
             </a:r>
             <a:endParaRPr lang="en-US" dirty="0"/>
@@ -12970,15 +12554,15 @@
               <a:buNone/>
             </a:pPr>
             <a:r>
-              <a:rPr lang="ru-RU" dirty="0" smtClean="0"/>
+              <a:rPr lang="ru-RU" dirty="0"/>
               <a:t>Версия </a:t>
             </a:r>
             <a:r>
-              <a:rPr lang="en-US" dirty="0" smtClean="0"/>
+              <a:rPr lang="en-US" dirty="0"/>
               <a:t>Visual Studio </a:t>
             </a:r>
             <a:r>
-              <a:rPr lang="ru-RU" dirty="0" smtClean="0"/>
+              <a:rPr lang="ru-RU" dirty="0"/>
               <a:t>начиная с которой можно использовать указанные возможности указывается в квадратных скобках:</a:t>
             </a:r>
           </a:p>
@@ -12989,7 +12573,7 @@
               </a:buClr>
             </a:pPr>
             <a:r>
-              <a:rPr lang="en-US" dirty="0" smtClean="0">
+              <a:rPr lang="en-US" dirty="0">
                 <a:solidFill>
                   <a:srgbClr val="92D050"/>
                 </a:solidFill>
@@ -12997,7 +12581,7 @@
               <a:t>[0</a:t>
             </a:r>
             <a:r>
-              <a:rPr lang="ru-RU" dirty="0" smtClean="0">
+              <a:rPr lang="ru-RU" dirty="0">
                 <a:solidFill>
                   <a:srgbClr val="92D050"/>
                 </a:solidFill>
@@ -13005,7 +12589,7 @@
               <a:t>5</a:t>
             </a:r>
             <a:r>
-              <a:rPr lang="en-US" dirty="0" smtClean="0">
+              <a:rPr lang="en-US" dirty="0">
                 <a:solidFill>
                   <a:srgbClr val="92D050"/>
                 </a:solidFill>
@@ -13013,30 +12597,22 @@
               <a:t>]</a:t>
             </a:r>
             <a:r>
-              <a:rPr lang="en-US" dirty="0" smtClean="0"/>
+              <a:rPr lang="en-US" dirty="0"/>
+              <a:t> Visual Studio 200</a:t>
+            </a:r>
+            <a:r>
+              <a:rPr lang="ru-RU" dirty="0"/>
+              <a:t>5</a:t>
+            </a:r>
+            <a:r>
+              <a:rPr lang="en-US" dirty="0"/>
               <a:t> </a:t>
             </a:r>
             <a:r>
-              <a:rPr lang="en-US" dirty="0"/>
-              <a:t>Visual Studio </a:t>
-            </a:r>
-            <a:r>
-              <a:rPr lang="en-US" dirty="0" smtClean="0"/>
-              <a:t>200</a:t>
-            </a:r>
-            <a:r>
-              <a:rPr lang="ru-RU" dirty="0" smtClean="0"/>
-              <a:t>5</a:t>
-            </a:r>
-            <a:r>
-              <a:rPr lang="en-US" dirty="0" smtClean="0"/>
-              <a:t> </a:t>
-            </a:r>
-            <a:r>
-              <a:rPr lang="ru-RU" dirty="0" smtClean="0"/>
+              <a:rPr lang="ru-RU" dirty="0"/>
               <a:t>и выше</a:t>
             </a:r>
-            <a:endParaRPr lang="ru-RU" dirty="0" smtClean="0">
+            <a:endParaRPr lang="ru-RU" dirty="0">
               <a:solidFill>
                 <a:srgbClr val="92D050"/>
               </a:solidFill>
@@ -13049,31 +12625,19 @@
               </a:buClr>
             </a:pPr>
             <a:r>
-              <a:rPr lang="en-US" dirty="0" smtClean="0">
+              <a:rPr lang="en-US" dirty="0">
                 <a:solidFill>
                   <a:srgbClr val="92D050"/>
                 </a:solidFill>
               </a:rPr>
-              <a:t>[10</a:t>
-            </a:r>
-            <a:r>
-              <a:rPr lang="en-US" dirty="0">
-                <a:solidFill>
-                  <a:srgbClr val="92D050"/>
-                </a:solidFill>
-              </a:rPr>
-              <a:t>]</a:t>
+              <a:t>[10]</a:t>
             </a:r>
             <a:r>
               <a:rPr lang="en-US" dirty="0"/>
-              <a:t> </a:t>
-            </a:r>
-            <a:r>
-              <a:rPr lang="en-US" dirty="0" smtClean="0"/>
-              <a:t>Visual Studio 2010</a:t>
-            </a:r>
-            <a:r>
-              <a:rPr lang="ru-RU" dirty="0" smtClean="0"/>
+              <a:t> Visual Studio 2010</a:t>
+            </a:r>
+            <a:r>
+              <a:rPr lang="ru-RU" dirty="0"/>
               <a:t> и выше</a:t>
             </a:r>
           </a:p>
@@ -13084,31 +12648,19 @@
               </a:buClr>
             </a:pPr>
             <a:r>
-              <a:rPr lang="en-US" dirty="0" smtClean="0">
+              <a:rPr lang="en-US" dirty="0">
                 <a:solidFill>
                   <a:srgbClr val="92D050"/>
                 </a:solidFill>
               </a:rPr>
-              <a:t>[</a:t>
-            </a:r>
-            <a:r>
-              <a:rPr lang="en-US" dirty="0">
-                <a:solidFill>
-                  <a:srgbClr val="92D050"/>
-                </a:solidFill>
-              </a:rPr>
-              <a:t>12]</a:t>
+              <a:t>[12]</a:t>
             </a:r>
             <a:r>
               <a:rPr lang="en-US" dirty="0"/>
-              <a:t> Visual Studio </a:t>
-            </a:r>
-            <a:r>
-              <a:rPr lang="en-US" dirty="0" smtClean="0"/>
-              <a:t>2012</a:t>
-            </a:r>
-            <a:r>
-              <a:rPr lang="ru-RU" dirty="0" smtClean="0"/>
+              <a:t> Visual Studio 2012</a:t>
+            </a:r>
+            <a:r>
+              <a:rPr lang="ru-RU" dirty="0"/>
               <a:t> и выше</a:t>
             </a:r>
           </a:p>
@@ -13124,46 +12676,30 @@
                   <a:srgbClr val="92D050"/>
                 </a:solidFill>
               </a:rPr>
-              <a:t>[</a:t>
-            </a:r>
-            <a:r>
-              <a:rPr lang="en-US" dirty="0" smtClean="0">
+              <a:t>[1</a:t>
+            </a:r>
+            <a:r>
+              <a:rPr lang="ru-RU" dirty="0">
                 <a:solidFill>
                   <a:srgbClr val="92D050"/>
                 </a:solidFill>
               </a:rPr>
-              <a:t>1</a:t>
-            </a:r>
-            <a:r>
-              <a:rPr lang="ru-RU" dirty="0" smtClean="0">
+              <a:t>3</a:t>
+            </a:r>
+            <a:r>
+              <a:rPr lang="en-US" dirty="0">
                 <a:solidFill>
                   <a:srgbClr val="92D050"/>
                 </a:solidFill>
               </a:rPr>
-              <a:t>3</a:t>
-            </a:r>
-            <a:r>
-              <a:rPr lang="en-US" dirty="0" smtClean="0">
-                <a:solidFill>
-                  <a:srgbClr val="92D050"/>
-                </a:solidFill>
-              </a:rPr>
               <a:t>]</a:t>
             </a:r>
             <a:r>
-              <a:rPr lang="en-US" dirty="0" smtClean="0"/>
-              <a:t> </a:t>
-            </a:r>
-            <a:r>
               <a:rPr lang="en-US" dirty="0"/>
-              <a:t>Visual Studio </a:t>
-            </a:r>
-            <a:r>
-              <a:rPr lang="en-US" dirty="0" smtClean="0"/>
-              <a:t>201</a:t>
-            </a:r>
-            <a:r>
-              <a:rPr lang="ru-RU" dirty="0" smtClean="0"/>
+              <a:t> Visual Studio 201</a:t>
+            </a:r>
+            <a:r>
+              <a:rPr lang="ru-RU" dirty="0"/>
               <a:t>3 и выше</a:t>
             </a:r>
             <a:endParaRPr lang="en-US" dirty="0"/>
@@ -13180,13 +12716,6 @@
   <p:clrMapOvr>
     <a:masterClrMapping/>
   </p:clrMapOvr>
-  <p:timing>
-    <p:tnLst>
-      <p:par>
-        <p:cTn id="1" dur="indefinite" restart="never" nodeType="tmRoot"/>
-      </p:par>
-    </p:tnLst>
-  </p:timing>
 </p:sld>
 </file>
 
@@ -13223,14 +12752,13 @@
           <a:lstStyle/>
           <a:p>
             <a:r>
-              <a:rPr lang="ru-RU" dirty="0" smtClean="0"/>
+              <a:rPr lang="ru-RU" dirty="0"/>
               <a:t>Бесплатные расширения для </a:t>
             </a:r>
             <a:r>
-              <a:rPr lang="en-US" dirty="0" smtClean="0"/>
+              <a:rPr lang="en-US" dirty="0"/>
               <a:t>VS</a:t>
             </a:r>
-            <a:endParaRPr lang="en-US" dirty="0"/>
           </a:p>
         </p:txBody>
       </p:sp>
@@ -13252,43 +12780,23 @@
           <a:lstStyle/>
           <a:p>
             <a:r>
-              <a:rPr lang="en-US" dirty="0" smtClean="0"/>
-              <a:t>Productivity </a:t>
-            </a:r>
-            <a:r>
               <a:rPr lang="en-US" dirty="0"/>
-              <a:t>Power </a:t>
-            </a:r>
-            <a:r>
-              <a:rPr lang="en-US" dirty="0" smtClean="0"/>
-              <a:t>Tools</a:t>
+              <a:t>Productivity Power Tools</a:t>
             </a:r>
           </a:p>
           <a:p>
             <a:pPr lvl="1"/>
             <a:r>
-              <a:rPr lang="en-US" dirty="0" smtClean="0"/>
+              <a:rPr lang="en-US" dirty="0"/>
               <a:t>VS 2010: </a:t>
-            </a:r>
-            <a:r>
-              <a:rPr lang="en-US" dirty="0" smtClean="0">
-                <a:hlinkClick r:id="rId2"/>
-              </a:rPr>
-              <a:t>http</a:t>
             </a:r>
             <a:r>
               <a:rPr lang="en-US" dirty="0">
                 <a:hlinkClick r:id="rId2"/>
               </a:rPr>
-              <a:t>://</a:t>
-            </a:r>
-            <a:r>
-              <a:rPr lang="en-US" dirty="0" smtClean="0">
-                <a:hlinkClick r:id="rId2"/>
-              </a:rPr>
-              <a:t>visualstudiogallery.msdn.microsoft.com/d0d33361-18e2-46c0-8ff2-4adea1e34fef</a:t>
-            </a:r>
-            <a:endParaRPr lang="en-US" dirty="0" smtClean="0"/>
+              <a:t>http://visualstudiogallery.msdn.microsoft.com/d0d33361-18e2-46c0-8ff2-4adea1e34fef</a:t>
+            </a:r>
+            <a:endParaRPr lang="en-US" dirty="0"/>
           </a:p>
           <a:p>
             <a:pPr lvl="1"/>
@@ -13300,67 +12808,41 @@
               <a:rPr lang="en-US" dirty="0">
                 <a:hlinkClick r:id="rId3"/>
               </a:rPr>
-              <a:t>http://</a:t>
-            </a:r>
-            <a:r>
-              <a:rPr lang="en-US" dirty="0" smtClean="0">
-                <a:hlinkClick r:id="rId3"/>
-              </a:rPr>
-              <a:t>visualstudiogallery.msdn.microsoft.com/3a96a4dc-ba9c-4589-92c5-640e07332afd</a:t>
-            </a:r>
-            <a:endParaRPr lang="en-US" dirty="0" smtClean="0"/>
-          </a:p>
-          <a:p>
-            <a:r>
-              <a:rPr lang="en-US" dirty="0" smtClean="0"/>
-              <a:t>Entity </a:t>
-            </a:r>
+              <a:t>http://visualstudiogallery.msdn.microsoft.com/3a96a4dc-ba9c-4589-92c5-640e07332afd</a:t>
+            </a:r>
+            <a:endParaRPr lang="en-US" dirty="0"/>
+          </a:p>
+          <a:p>
             <a:r>
               <a:rPr lang="en-US" dirty="0"/>
-              <a:t>Framework Power Tools Beta </a:t>
-            </a:r>
-            <a:r>
-              <a:rPr lang="en-US" dirty="0" smtClean="0"/>
-              <a:t>4</a:t>
+              <a:t>Entity Framework Power Tools Beta 4</a:t>
             </a:r>
           </a:p>
           <a:p>
             <a:pPr lvl="1"/>
-            <a:r>
-              <a:rPr lang="en-US" dirty="0" smtClean="0">
-                <a:hlinkClick r:id="rId4"/>
-              </a:rPr>
-              <a:t>http</a:t>
-            </a:r>
             <a:r>
               <a:rPr lang="en-US" dirty="0">
                 <a:hlinkClick r:id="rId4"/>
               </a:rPr>
-              <a:t>://</a:t>
-            </a:r>
-            <a:r>
-              <a:rPr lang="en-US" dirty="0" smtClean="0">
-                <a:hlinkClick r:id="rId4"/>
-              </a:rPr>
-              <a:t>visualstudiogallery.msdn.microsoft.com/72a60b14-1581-4b9b-89f2-846072eff19d</a:t>
-            </a:r>
-            <a:endParaRPr lang="ru-RU" dirty="0" smtClean="0"/>
-          </a:p>
-          <a:p>
-            <a:r>
-              <a:rPr lang="en-US" dirty="0" err="1" smtClean="0"/>
+              <a:t>http://visualstudiogallery.msdn.microsoft.com/72a60b14-1581-4b9b-89f2-846072eff19d</a:t>
+            </a:r>
+            <a:endParaRPr lang="ru-RU" dirty="0"/>
+          </a:p>
+          <a:p>
+            <a:r>
+              <a:rPr lang="en-US" dirty="0" err="1"/>
               <a:t>VSColorOutput</a:t>
             </a:r>
             <a:r>
-              <a:rPr lang="en-US" dirty="0" smtClean="0"/>
+              <a:rPr lang="en-US" dirty="0"/>
               <a:t> (</a:t>
             </a:r>
             <a:r>
-              <a:rPr lang="ru-RU" dirty="0" smtClean="0"/>
+              <a:rPr lang="ru-RU" dirty="0"/>
               <a:t>раскраска строк в окне </a:t>
             </a:r>
             <a:r>
-              <a:rPr lang="en-US" dirty="0" smtClean="0"/>
+              <a:rPr lang="en-US" dirty="0"/>
               <a:t>Output)</a:t>
             </a:r>
           </a:p>
@@ -13370,15 +12852,14 @@
               <a:rPr lang="en-US" dirty="0"/>
               <a:t>http://visualstudiogallery.msdn.microsoft.com/f4d9c2b5-d6d7-4543-a7a5-2d7ebabc2496</a:t>
             </a:r>
-            <a:endParaRPr lang="en-US" dirty="0" smtClean="0"/>
-          </a:p>
-          <a:p>
-            <a:r>
-              <a:rPr lang="ru-RU" dirty="0" smtClean="0"/>
+          </a:p>
+          <a:p>
+            <a:r>
+              <a:rPr lang="ru-RU" dirty="0"/>
               <a:t>Подсветка синтаксиса для </a:t>
             </a:r>
             <a:r>
-              <a:rPr lang="en-US" dirty="0" smtClean="0"/>
+              <a:rPr lang="en-US" dirty="0"/>
               <a:t>T4</a:t>
             </a:r>
           </a:p>
@@ -13386,11 +12867,7 @@
             <a:pPr lvl="1"/>
             <a:r>
               <a:rPr lang="en-US" dirty="0"/>
-              <a:t>tangible T4 </a:t>
-            </a:r>
-            <a:r>
-              <a:rPr lang="en-US" dirty="0" smtClean="0"/>
-              <a:t>Editor</a:t>
+              <a:t>tangible T4 Editor</a:t>
             </a:r>
           </a:p>
           <a:p>
@@ -13399,28 +12876,22 @@
               <a:rPr lang="en-US" dirty="0">
                 <a:hlinkClick r:id="rId5"/>
               </a:rPr>
-              <a:t>http://</a:t>
-            </a:r>
-            <a:r>
-              <a:rPr lang="en-US" dirty="0" smtClean="0">
-                <a:hlinkClick r:id="rId5"/>
-              </a:rPr>
-              <a:t>visualstudiogallery.msdn.microsoft.com/60297607-5fd4-4da4-97e1-3715e90c1a23</a:t>
-            </a:r>
-            <a:endParaRPr lang="en-US" dirty="0" smtClean="0"/>
+              <a:t>http://visualstudiogallery.msdn.microsoft.com/60297607-5fd4-4da4-97e1-3715e90c1a23</a:t>
+            </a:r>
+            <a:endParaRPr lang="en-US" dirty="0"/>
           </a:p>
           <a:p>
             <a:pPr lvl="1"/>
             <a:r>
-              <a:rPr lang="en-US" dirty="0" smtClean="0"/>
+              <a:rPr lang="en-US" dirty="0"/>
               <a:t>Visual T4 (</a:t>
             </a:r>
             <a:r>
-              <a:rPr lang="en-US" dirty="0" err="1" smtClean="0"/>
+              <a:rPr lang="en-US" dirty="0" err="1"/>
               <a:t>Clarius</a:t>
             </a:r>
             <a:r>
-              <a:rPr lang="en-US" dirty="0" smtClean="0"/>
+              <a:rPr lang="en-US" dirty="0"/>
               <a:t>)</a:t>
             </a:r>
           </a:p>
@@ -13430,14 +12901,14 @@
               <a:rPr lang="en-US" dirty="0"/>
               <a:t>http://visualstudiogallery.msdn.microsoft.com/40a887aa-f3be-40ec-a85d-37044b239591</a:t>
             </a:r>
-            <a:endParaRPr lang="ru-RU" dirty="0" smtClean="0"/>
-          </a:p>
-          <a:p>
-            <a:endParaRPr lang="en-US" dirty="0" smtClean="0"/>
+            <a:endParaRPr lang="ru-RU" dirty="0"/>
+          </a:p>
+          <a:p>
+            <a:endParaRPr lang="en-US" dirty="0"/>
           </a:p>
           <a:p>
             <a:pPr lvl="1"/>
-            <a:endParaRPr lang="en-US" dirty="0" smtClean="0"/>
+            <a:endParaRPr lang="en-US" dirty="0"/>
           </a:p>
           <a:p>
             <a:endParaRPr lang="en-US" dirty="0"/>
@@ -13454,13 +12925,6 @@
   <p:clrMapOvr>
     <a:masterClrMapping/>
   </p:clrMapOvr>
-  <p:timing>
-    <p:tnLst>
-      <p:par>
-        <p:cTn id="1" dur="indefinite" restart="never" nodeType="tmRoot"/>
-      </p:par>
-    </p:tnLst>
-  </p:timing>
 </p:sld>
 </file>
 
@@ -13499,10 +12963,9 @@
           <a:lstStyle/>
           <a:p>
             <a:r>
-              <a:rPr lang="ru-RU" dirty="0" smtClean="0"/>
+              <a:rPr lang="ru-RU" dirty="0"/>
               <a:t>Платные расширения</a:t>
             </a:r>
-            <a:endParaRPr lang="ru-RU" dirty="0"/>
           </a:p>
         </p:txBody>
       </p:sp>
@@ -13522,38 +12985,26 @@
           <a:lstStyle/>
           <a:p>
             <a:r>
-              <a:rPr lang="en-US" dirty="0" smtClean="0"/>
+              <a:rPr lang="en-US" dirty="0"/>
               <a:t>JetBrains ReSharper</a:t>
             </a:r>
           </a:p>
           <a:p>
             <a:pPr lvl="1"/>
-            <a:r>
-              <a:rPr lang="en-US" dirty="0" smtClean="0">
-                <a:hlinkClick r:id="rId2"/>
-              </a:rPr>
-              <a:t>http</a:t>
-            </a:r>
             <a:r>
               <a:rPr lang="en-US" dirty="0">
                 <a:hlinkClick r:id="rId2"/>
               </a:rPr>
-              <a:t>://www.jetbrains.com/resharper</a:t>
-            </a:r>
-            <a:r>
-              <a:rPr lang="en-US" dirty="0" smtClean="0">
-                <a:hlinkClick r:id="rId2"/>
-              </a:rPr>
-              <a:t>/</a:t>
-            </a:r>
-            <a:endParaRPr lang="en-US" dirty="0" smtClean="0"/>
-          </a:p>
-          <a:p>
-            <a:r>
-              <a:rPr lang="en-US" dirty="0" err="1" smtClean="0"/>
+              <a:t>http://www.jetbrains.com/resharper/</a:t>
+            </a:r>
+            <a:endParaRPr lang="en-US" dirty="0"/>
+          </a:p>
+          <a:p>
+            <a:r>
+              <a:rPr lang="en-US" dirty="0" err="1"/>
               <a:t>CodeRush</a:t>
             </a:r>
-            <a:endParaRPr lang="en-US" dirty="0" smtClean="0"/>
+            <a:endParaRPr lang="en-US" dirty="0"/>
           </a:p>
           <a:p>
             <a:pPr lvl="1"/>
@@ -13563,23 +13014,22 @@
               </a:rPr>
               <a:t>https://www.devexpress.com/products/coderush/</a:t>
             </a:r>
-            <a:endParaRPr lang="en-US" dirty="0" smtClean="0"/>
+            <a:endParaRPr lang="en-US" dirty="0"/>
           </a:p>
           <a:p>
             <a:pPr marL="0" indent="0">
               <a:buNone/>
             </a:pPr>
-            <a:endParaRPr lang="ru-RU" dirty="0" smtClean="0"/>
+            <a:endParaRPr lang="ru-RU" dirty="0"/>
           </a:p>
           <a:p>
             <a:pPr marL="0" indent="0">
               <a:buNone/>
             </a:pPr>
             <a:r>
-              <a:rPr lang="ru-RU" dirty="0" smtClean="0"/>
+              <a:rPr lang="ru-RU" dirty="0"/>
               <a:t>Эти расширения добавляют множество дополнительных команд улучшающих производительность работы программиста.</a:t>
             </a:r>
-            <a:endParaRPr lang="ru-RU" dirty="0"/>
           </a:p>
         </p:txBody>
       </p:sp>
@@ -13593,13 +13043,6 @@
   <p:clrMapOvr>
     <a:masterClrMapping/>
   </p:clrMapOvr>
-  <p:timing>
-    <p:tnLst>
-      <p:par>
-        <p:cTn id="1" dur="indefinite" restart="never" nodeType="tmRoot"/>
-      </p:par>
-    </p:tnLst>
-  </p:timing>
 </p:sld>
 </file>
 
@@ -13681,7 +13124,7 @@
               <a:buNone/>
             </a:pPr>
             <a:r>
-              <a:rPr lang="ru-RU" dirty="0" smtClean="0">
+              <a:rPr lang="ru-RU" dirty="0">
                 <a:solidFill>
                   <a:schemeClr val="bg1"/>
                 </a:solidFill>
@@ -13689,7 +13132,7 @@
               <a:t>Информация на слайдах с красным фоном относится к </a:t>
             </a:r>
             <a:r>
-              <a:rPr lang="en-US" dirty="0" smtClean="0">
+              <a:rPr lang="en-US" dirty="0">
                 <a:solidFill>
                   <a:schemeClr val="bg1"/>
                 </a:solidFill>
@@ -13697,7 +13140,7 @@
               <a:t>Visual Studio </a:t>
             </a:r>
             <a:r>
-              <a:rPr lang="ru-RU" dirty="0" smtClean="0">
+              <a:rPr lang="ru-RU" dirty="0">
                 <a:solidFill>
                   <a:schemeClr val="bg1"/>
                 </a:solidFill>
@@ -13705,14 +13148,14 @@
               <a:t>с установленным </a:t>
             </a:r>
             <a:r>
-              <a:rPr lang="en-US" dirty="0" smtClean="0">
+              <a:rPr lang="en-US" dirty="0">
                 <a:solidFill>
                   <a:schemeClr val="bg1"/>
                 </a:solidFill>
               </a:rPr>
               <a:t>JetBrains ReSharper</a:t>
             </a:r>
-            <a:endParaRPr lang="ru-RU" dirty="0" smtClean="0">
+            <a:endParaRPr lang="ru-RU" dirty="0">
               <a:solidFill>
                 <a:schemeClr val="bg1"/>
               </a:solidFill>
@@ -13745,18 +13188,9 @@
                 </a:solidFill>
                 <a:hlinkClick r:id="rId4"/>
               </a:rPr>
-              <a:t>http://www.jetbrains.com/resharper</a:t>
-            </a:r>
-            <a:r>
-              <a:rPr lang="en-US" dirty="0" smtClean="0">
-                <a:solidFill>
-                  <a:schemeClr val="bg1"/>
-                </a:solidFill>
-                <a:hlinkClick r:id="rId4"/>
-              </a:rPr>
-              <a:t>/</a:t>
-            </a:r>
-            <a:endParaRPr lang="ru-RU" dirty="0" smtClean="0">
+              <a:t>http://www.jetbrains.com/resharper/</a:t>
+            </a:r>
+            <a:endParaRPr lang="ru-RU" dirty="0">
               <a:solidFill>
                 <a:schemeClr val="bg1"/>
               </a:solidFill>
@@ -13787,13 +13221,6 @@
   <p:clrMapOvr>
     <a:overrideClrMapping bg1="lt1" tx1="dk1" bg2="lt2" tx2="dk2" accent1="accent1" accent2="accent2" accent3="accent3" accent4="accent4" accent5="accent5" accent6="accent6" hlink="hlink" folHlink="folHlink"/>
   </p:clrMapOvr>
-  <p:timing>
-    <p:tnLst>
-      <p:par>
-        <p:cTn id="1" dur="indefinite" restart="never" nodeType="tmRoot"/>
-      </p:par>
-    </p:tnLst>
-  </p:timing>
 </p:sld>
 </file>
 
@@ -13840,43 +13267,43 @@
               <a:buNone/>
             </a:pPr>
             <a:r>
-              <a:rPr lang="ru-RU" dirty="0" smtClean="0"/>
+              <a:rPr lang="ru-RU" dirty="0"/>
               <a:t>Комбинации клавиш приведенные в презентации соотвествуют настройкам по умолчанию для </a:t>
             </a:r>
             <a:r>
-              <a:rPr lang="en-US" dirty="0" smtClean="0"/>
+              <a:rPr lang="en-US" dirty="0"/>
               <a:t>Visual C#. </a:t>
             </a:r>
             <a:r>
-              <a:rPr lang="ru-RU" dirty="0" smtClean="0"/>
+              <a:rPr lang="ru-RU" dirty="0"/>
               <a:t>При первом запуске </a:t>
             </a:r>
             <a:r>
-              <a:rPr lang="en-US" dirty="0" smtClean="0"/>
+              <a:rPr lang="en-US" dirty="0"/>
               <a:t>VS </a:t>
             </a:r>
             <a:r>
-              <a:rPr lang="ru-RU" dirty="0" smtClean="0"/>
+              <a:rPr lang="ru-RU" dirty="0"/>
               <a:t>предлагает выбрать предпочитаемые настройки. Если вы выбрали не </a:t>
             </a:r>
             <a:r>
-              <a:rPr lang="en-US" dirty="0" smtClean="0"/>
+              <a:rPr lang="en-US" dirty="0"/>
               <a:t>Visual C#</a:t>
             </a:r>
             <a:r>
-              <a:rPr lang="ru-RU" dirty="0" smtClean="0"/>
+              <a:rPr lang="ru-RU" dirty="0"/>
               <a:t> и хотите это сделать после первого запуска, то выберите команду </a:t>
             </a:r>
             <a:r>
-              <a:rPr lang="en-US" dirty="0" smtClean="0"/>
+              <a:rPr lang="en-US" dirty="0"/>
               <a:t>“Tools -&gt; Import and Export Settings …” </a:t>
             </a:r>
             <a:r>
-              <a:rPr lang="ru-RU" dirty="0" smtClean="0"/>
+              <a:rPr lang="ru-RU" dirty="0"/>
               <a:t>и затем </a:t>
             </a:r>
             <a:r>
-              <a:rPr lang="en-US" dirty="0" smtClean="0"/>
+              <a:rPr lang="en-US" dirty="0"/>
               <a:t>“Reset all settings”.</a:t>
             </a:r>
           </a:p>
@@ -13891,27 +13318,27 @@
               <a:buNone/>
             </a:pPr>
             <a:r>
-              <a:rPr lang="ru-RU" dirty="0" smtClean="0"/>
+              <a:rPr lang="ru-RU" dirty="0"/>
               <a:t>Также не забывайте, что </a:t>
             </a:r>
             <a:r>
-              <a:rPr lang="en-US" dirty="0" smtClean="0"/>
+              <a:rPr lang="en-US" dirty="0"/>
               <a:t>VS </a:t>
             </a:r>
             <a:r>
-              <a:rPr lang="ru-RU" dirty="0" smtClean="0"/>
+              <a:rPr lang="ru-RU" dirty="0"/>
               <a:t>дает возможность поменять горячие клавиши или назначить новые в меню </a:t>
             </a:r>
             <a:r>
-              <a:rPr lang="en-US" dirty="0" smtClean="0"/>
+              <a:rPr lang="en-US" dirty="0"/>
               <a:t>Tools -&gt; Customize, </a:t>
             </a:r>
             <a:r>
-              <a:rPr lang="ru-RU" dirty="0" smtClean="0"/>
+              <a:rPr lang="ru-RU" dirty="0"/>
               <a:t>кнопка</a:t>
             </a:r>
             <a:r>
-              <a:rPr lang="en-US" dirty="0" smtClean="0"/>
+              <a:rPr lang="en-US" dirty="0"/>
               <a:t> Keyboard.</a:t>
             </a:r>
             <a:endParaRPr lang="ru-RU" dirty="0"/>
@@ -13928,13 +13355,6 @@
   <p:clrMapOvr>
     <a:masterClrMapping/>
   </p:clrMapOvr>
-  <p:timing>
-    <p:tnLst>
-      <p:par>
-        <p:cTn id="1" dur="indefinite" restart="never" nodeType="tmRoot"/>
-      </p:par>
-    </p:tnLst>
-  </p:timing>
 </p:sld>
 </file>
 
@@ -13973,11 +13393,11 @@
           <a:lstStyle/>
           <a:p>
             <a:r>
-              <a:rPr lang="en-US" dirty="0" smtClean="0"/>
+              <a:rPr lang="en-US" dirty="0"/>
               <a:t>Visual Studio </a:t>
             </a:r>
             <a:r>
-              <a:rPr lang="ru-RU" dirty="0" smtClean="0"/>
+              <a:rPr lang="ru-RU" dirty="0"/>
               <a:t>и права администратора</a:t>
             </a:r>
             <a:endParaRPr lang="en-US" dirty="0"/>
@@ -14005,77 +13425,73 @@
               <a:buNone/>
             </a:pPr>
             <a:r>
-              <a:rPr lang="ru-RU" dirty="0" smtClean="0"/>
+              <a:rPr lang="ru-RU" dirty="0"/>
               <a:t>Если у вас установлена </a:t>
             </a:r>
             <a:r>
               <a:rPr lang="en-US" dirty="0"/>
-              <a:t>Windows </a:t>
-            </a:r>
-            <a:r>
-              <a:rPr lang="en-US" dirty="0" smtClean="0"/>
-              <a:t>Vista, Windows 7 </a:t>
-            </a:r>
-            <a:r>
-              <a:rPr lang="ru-RU" dirty="0" smtClean="0"/>
+              <a:t>Windows Vista, Windows 7 </a:t>
+            </a:r>
+            <a:r>
+              <a:rPr lang="ru-RU" dirty="0"/>
               <a:t>или </a:t>
             </a:r>
             <a:r>
-              <a:rPr lang="en-US" dirty="0" smtClean="0"/>
+              <a:rPr lang="en-US" dirty="0"/>
               <a:t>Windows 8 </a:t>
             </a:r>
             <a:r>
-              <a:rPr lang="ru-RU" dirty="0" smtClean="0"/>
+              <a:rPr lang="ru-RU" dirty="0"/>
               <a:t>с включенным </a:t>
             </a:r>
             <a:r>
-              <a:rPr lang="en-US" dirty="0" smtClean="0"/>
+              <a:rPr lang="en-US" dirty="0"/>
               <a:t>UAC</a:t>
             </a:r>
             <a:r>
-              <a:rPr lang="ru-RU" dirty="0" smtClean="0"/>
+              <a:rPr lang="ru-RU" dirty="0"/>
               <a:t>, то для корректной работы отладчика рекомендуется всегда запускать </a:t>
             </a:r>
             <a:r>
-              <a:rPr lang="en-US" dirty="0" smtClean="0"/>
+              <a:rPr lang="en-US" dirty="0"/>
               <a:t>VS </a:t>
             </a:r>
             <a:r>
-              <a:rPr lang="ru-RU" dirty="0" smtClean="0"/>
+              <a:rPr lang="ru-RU" dirty="0"/>
               <a:t>с правами администратора. Для этого откройте свойства следующих файлов, перейдите на закладку </a:t>
             </a:r>
             <a:r>
-              <a:rPr lang="en-US" dirty="0" smtClean="0"/>
+              <a:rPr lang="en-US" dirty="0"/>
               <a:t>Compatibility</a:t>
             </a:r>
             <a:r>
-              <a:rPr lang="ru-RU" dirty="0" smtClean="0"/>
+              <a:rPr lang="ru-RU" dirty="0"/>
               <a:t> и </a:t>
             </a:r>
             <a:r>
-              <a:rPr lang="ru-RU" smtClean="0"/>
+              <a:rPr lang="ru-RU"/>
               <a:t>включите опцию </a:t>
             </a:r>
             <a:r>
-              <a:rPr lang="ru-RU" dirty="0" smtClean="0"/>
+              <a:rPr lang="ru-RU" dirty="0"/>
               <a:t>«</a:t>
             </a:r>
             <a:r>
-              <a:rPr lang="en-US" dirty="0" smtClean="0"/>
+              <a:rPr lang="en-US" dirty="0"/>
               <a:t>Run this program as administrator</a:t>
             </a:r>
             <a:r>
-              <a:rPr lang="ru-RU" dirty="0" smtClean="0"/>
+              <a:rPr lang="ru-RU" dirty="0"/>
               <a:t>»</a:t>
             </a:r>
             <a:r>
-              <a:rPr lang="en-US" dirty="0" smtClean="0"/>
+              <a:rPr lang="en-US" dirty="0"/>
               <a:t>:</a:t>
             </a:r>
           </a:p>
           <a:p>
             <a:r>
-              <a:rPr lang="en-US" dirty="0" smtClean="0"/>
+              <a:rPr lang="en-US" dirty="0"/>
               <a:t>Devenv.exe</a:t>
             </a:r>
           </a:p>
@@ -14083,55 +13499,27 @@
             <a:pPr lvl="1"/>
             <a:r>
               <a:rPr lang="en-US" dirty="0"/>
-              <a:t>(win 64) "C:\Program Files (x86)\Microsoft Visual Studio </a:t>
-            </a:r>
-            <a:r>
-              <a:rPr lang="en-US" dirty="0" smtClean="0"/>
-              <a:t>XX.Y\Common7\IDE\“</a:t>
+              <a:t>(win 64) "C:\Program Files (x86)\Microsoft Visual Studio XX.Y\Common7\IDE\“</a:t>
             </a:r>
           </a:p>
           <a:p>
             <a:pPr lvl="1"/>
             <a:r>
               <a:rPr lang="en-US" dirty="0"/>
-              <a:t>(win </a:t>
-            </a:r>
-            <a:r>
-              <a:rPr lang="en-US" dirty="0" smtClean="0"/>
-              <a:t>32) </a:t>
-            </a:r>
+              <a:t>(win 32) "C:\Program Files\Microsoft Visual Studio XX.Y\Common7\IDE\“</a:t>
+            </a:r>
+          </a:p>
+          <a:p>
             <a:r>
               <a:rPr lang="en-US" dirty="0"/>
-              <a:t>"C:\Program </a:t>
-            </a:r>
-            <a:r>
-              <a:rPr lang="en-US" dirty="0" smtClean="0"/>
-              <a:t>Files\Microsoft </a:t>
-            </a:r>
+              <a:t>VSLauncher.exe</a:t>
+            </a:r>
+          </a:p>
+          <a:p>
+            <a:pPr lvl="1"/>
             <a:r>
               <a:rPr lang="en-US" dirty="0"/>
-              <a:t>Visual Studio XX.Y\Common7\IDE</a:t>
-            </a:r>
-            <a:r>
-              <a:rPr lang="en-US" dirty="0" smtClean="0"/>
-              <a:t>\“</a:t>
-            </a:r>
-          </a:p>
-          <a:p>
-            <a:r>
-              <a:rPr lang="en-US" dirty="0" smtClean="0"/>
-              <a:t>VSLauncher.exe</a:t>
-            </a:r>
-          </a:p>
-          <a:p>
-            <a:pPr lvl="1"/>
-            <a:r>
-              <a:rPr lang="en-US" dirty="0" smtClean="0"/>
-              <a:t>(win 64) "C</a:t>
-            </a:r>
-            <a:r>
-              <a:rPr lang="en-US" dirty="0"/>
-              <a:t>:\Program Files (x86)\Common Files\</a:t>
+              <a:t>(win 64) "C:\Program Files (x86)\Common Files\</a:t>
             </a:r>
             <a:r>
               <a:rPr lang="en-US" dirty="0" err="1"/>
@@ -14146,7 +13534,7 @@
               <a:t>MSEnv</a:t>
             </a:r>
             <a:r>
-              <a:rPr lang="en-US" dirty="0" smtClean="0"/>
+              <a:rPr lang="en-US" dirty="0"/>
               <a:t>\“</a:t>
             </a:r>
           </a:p>
@@ -14154,15 +13542,7 @@
             <a:pPr lvl="1"/>
             <a:r>
               <a:rPr lang="en-US" dirty="0"/>
-              <a:t>(win 32) "C:\Program </a:t>
-            </a:r>
-            <a:r>
-              <a:rPr lang="en-US" dirty="0" smtClean="0"/>
-              <a:t>Files\Common </a:t>
-            </a:r>
-            <a:r>
-              <a:rPr lang="en-US" dirty="0"/>
-              <a:t>Files\</a:t>
+              <a:t>(win 32) "C:\Program Files\Common Files\</a:t>
             </a:r>
             <a:r>
               <a:rPr lang="en-US" dirty="0" err="1"/>
@@ -14193,13 +13573,6 @@
   <p:clrMapOvr>
     <a:masterClrMapping/>
   </p:clrMapOvr>
-  <p:timing>
-    <p:tnLst>
-      <p:par>
-        <p:cTn id="1" dur="indefinite" restart="never" nodeType="tmRoot"/>
-      </p:par>
-    </p:tnLst>
-  </p:timing>
 </p:sld>
 </file>
 
@@ -14238,7 +13611,7 @@
           <a:lstStyle/>
           <a:p>
             <a:r>
-              <a:rPr lang="ru-RU" dirty="0" smtClean="0"/>
+              <a:rPr lang="ru-RU" dirty="0"/>
               <a:t>Аргументы командной строки для </a:t>
             </a:r>
             <a:r>
@@ -14269,23 +13642,15 @@
               <a:t>/</a:t>
             </a:r>
             <a:r>
-              <a:rPr lang="en-US" dirty="0" err="1" smtClean="0"/>
+              <a:rPr lang="en-US" dirty="0" err="1"/>
               <a:t>SafeMode</a:t>
             </a:r>
-            <a:r>
-              <a:rPr lang="en-US" dirty="0" smtClean="0"/>
-              <a:t/>
-            </a:r>
             <a:br>
-              <a:rPr lang="en-US" dirty="0" smtClean="0"/>
+              <a:rPr lang="en-US" dirty="0"/>
             </a:br>
             <a:r>
-              <a:rPr lang="ru-RU" sz="2800" dirty="0" smtClean="0"/>
-              <a:t>Безопасный </a:t>
-            </a:r>
-            <a:r>
               <a:rPr lang="ru-RU" sz="2800" dirty="0"/>
-              <a:t>режим</a:t>
+              <a:t>Безопасный режим</a:t>
             </a:r>
             <a:r>
               <a:rPr lang="en-US" sz="2800" dirty="0"/>
@@ -14296,7 +13661,7 @@
               <a:t>отключает все расширения</a:t>
             </a:r>
             <a:r>
-              <a:rPr lang="en-US" sz="2800" dirty="0" smtClean="0"/>
+              <a:rPr lang="en-US" sz="2800" dirty="0"/>
               <a:t>)</a:t>
             </a:r>
           </a:p>
@@ -14306,54 +13671,46 @@
               <a:t>/</a:t>
             </a:r>
             <a:r>
-              <a:rPr lang="en-US" dirty="0" err="1" smtClean="0"/>
+              <a:rPr lang="en-US" dirty="0" err="1"/>
               <a:t>rootsuffix</a:t>
             </a:r>
             <a:r>
-              <a:rPr lang="en-US" dirty="0" smtClean="0"/>
+              <a:rPr lang="en-US" dirty="0"/>
               <a:t> &lt;</a:t>
             </a:r>
             <a:r>
-              <a:rPr lang="ru-RU" dirty="0" smtClean="0"/>
+              <a:rPr lang="ru-RU" dirty="0"/>
               <a:t>и</a:t>
             </a:r>
             <a:r>
-              <a:rPr lang="ru-RU" smtClean="0"/>
+              <a:rPr lang="ru-RU"/>
               <a:t>мя</a:t>
             </a:r>
             <a:r>
-              <a:rPr lang="en-US" dirty="0" smtClean="0"/>
+              <a:rPr lang="en-US" dirty="0"/>
               <a:t>&gt;</a:t>
             </a:r>
-            <a:r>
-              <a:rPr lang="ru-RU" dirty="0" smtClean="0"/>
-              <a:t/>
-            </a:r>
             <a:br>
-              <a:rPr lang="ru-RU" dirty="0" smtClean="0"/>
+              <a:rPr lang="ru-RU" dirty="0"/>
             </a:br>
             <a:r>
-              <a:rPr lang="ru-RU" sz="2800" dirty="0" smtClean="0"/>
+              <a:rPr lang="ru-RU" sz="2800" dirty="0"/>
               <a:t>Запуск </a:t>
             </a:r>
             <a:r>
-              <a:rPr lang="en-US" sz="2800" dirty="0" smtClean="0"/>
+              <a:rPr lang="en-US" sz="2800" dirty="0"/>
               <a:t>VS </a:t>
             </a:r>
             <a:r>
-              <a:rPr lang="ru-RU" sz="2800" dirty="0" smtClean="0"/>
+              <a:rPr lang="ru-RU" sz="2800" dirty="0"/>
               <a:t>с указанным профилем. Для выборочной установки расширений в разные профили используйте утилиту </a:t>
             </a:r>
             <a:r>
-              <a:rPr lang="en-US" sz="2800" dirty="0" smtClean="0"/>
+              <a:rPr lang="en-US" sz="2800" dirty="0"/>
               <a:t>Root-VSIX</a:t>
             </a:r>
-            <a:r>
-              <a:rPr lang="en-US" dirty="0" smtClean="0"/>
-              <a:t/>
-            </a:r>
             <a:br>
-              <a:rPr lang="en-US" dirty="0" smtClean="0"/>
+              <a:rPr lang="en-US" dirty="0"/>
             </a:br>
             <a:endParaRPr lang="ru-RU" dirty="0"/>
           </a:p>
@@ -14373,13 +13730,6 @@
   <p:clrMapOvr>
     <a:masterClrMapping/>
   </p:clrMapOvr>
-  <p:timing>
-    <p:tnLst>
-      <p:par>
-        <p:cTn id="1" dur="indefinite" restart="never" nodeType="tmRoot"/>
-      </p:par>
-    </p:tnLst>
-  </p:timing>
 </p:sld>
 </file>
 
@@ -14416,7 +13766,7 @@
           <a:lstStyle/>
           <a:p>
             <a:r>
-              <a:rPr lang="en-US" dirty="0" smtClean="0">
+              <a:rPr lang="en-US" dirty="0">
                 <a:solidFill>
                   <a:srgbClr val="92D050"/>
                 </a:solidFill>
@@ -14424,14 +13774,13 @@
               <a:t>[12]</a:t>
             </a:r>
             <a:r>
-              <a:rPr lang="en-US" dirty="0" smtClean="0"/>
+              <a:rPr lang="en-US" dirty="0"/>
               <a:t> </a:t>
             </a:r>
             <a:r>
-              <a:rPr lang="ru-RU" dirty="0" smtClean="0"/>
+              <a:rPr lang="ru-RU" dirty="0"/>
               <a:t>Цветная строка статуса</a:t>
             </a:r>
-            <a:endParaRPr lang="ru-RU" dirty="0"/>
           </a:p>
         </p:txBody>
       </p:sp>
@@ -14454,18 +13803,17 @@
               <a:buNone/>
             </a:pPr>
             <a:r>
-              <a:rPr lang="ru-RU" dirty="0" smtClean="0"/>
+              <a:rPr lang="ru-RU" dirty="0"/>
               <a:t>Строка статуса в </a:t>
             </a:r>
             <a:r>
-              <a:rPr lang="en-US" dirty="0" smtClean="0"/>
+              <a:rPr lang="en-US" dirty="0"/>
               <a:t>Visual Studio </a:t>
             </a:r>
             <a:r>
-              <a:rPr lang="ru-RU" dirty="0" smtClean="0"/>
+              <a:rPr lang="ru-RU" dirty="0"/>
               <a:t>меняет цвет в зависимости от режима: по умолчанию, разработка и отладка.</a:t>
             </a:r>
-            <a:endParaRPr lang="ru-RU" dirty="0"/>
           </a:p>
         </p:txBody>
       </p:sp>
@@ -14479,13 +13827,6 @@
   <p:clrMapOvr>
     <a:masterClrMapping/>
   </p:clrMapOvr>
-  <p:timing>
-    <p:tnLst>
-      <p:par>
-        <p:cTn id="1" dur="indefinite" restart="never" nodeType="tmRoot"/>
-      </p:par>
-    </p:tnLst>
-  </p:timing>
 </p:sld>
 </file>
 

--- a/Presentation/tools-visual-studio.pptx
+++ b/Presentation/tools-visual-studio.pptx
@@ -6,7 +6,7 @@
     <p:sldMasterId id="2147483663" r:id="rId2"/>
   </p:sldMasterIdLst>
   <p:notesMasterIdLst>
-    <p:notesMasterId r:id="rId44"/>
+    <p:notesMasterId r:id="rId45"/>
   </p:notesMasterIdLst>
   <p:sldIdLst>
     <p:sldId id="257" r:id="rId3"/>
@@ -47,9 +47,10 @@
     <p:sldId id="260" r:id="rId38"/>
     <p:sldId id="293" r:id="rId39"/>
     <p:sldId id="287" r:id="rId40"/>
-    <p:sldId id="297" r:id="rId41"/>
-    <p:sldId id="261" r:id="rId42"/>
-    <p:sldId id="276" r:id="rId43"/>
+    <p:sldId id="300" r:id="rId41"/>
+    <p:sldId id="297" r:id="rId42"/>
+    <p:sldId id="261" r:id="rId43"/>
+    <p:sldId id="276" r:id="rId44"/>
   </p:sldIdLst>
   <p:sldSz cx="9144000" cy="6858000" type="screen4x3"/>
   <p:notesSz cx="6858000" cy="9144000"/>
@@ -149,6 +150,68 @@
     </a:lvl9pPr>
   </p:defaultTextStyle>
   <p:extLst>
+    <p:ext uri="{521415D9-36F7-43E2-AB2F-B90AF26B5E84}">
+      <p14:sectionLst xmlns:p14="http://schemas.microsoft.com/office/powerpoint/2010/main">
+        <p14:section name="Default Section" id="{C2C3FD8C-F795-9140-BFF7-24CE14192573}">
+          <p14:sldIdLst>
+            <p14:sldId id="257"/>
+            <p14:sldId id="259"/>
+            <p14:sldId id="278"/>
+            <p14:sldId id="264"/>
+            <p14:sldId id="270"/>
+            <p14:sldId id="281"/>
+            <p14:sldId id="272"/>
+            <p14:sldId id="275"/>
+            <p14:sldId id="288"/>
+            <p14:sldId id="289"/>
+            <p14:sldId id="291"/>
+            <p14:sldId id="267"/>
+            <p14:sldId id="268"/>
+            <p14:sldId id="290"/>
+          </p14:sldIdLst>
+        </p14:section>
+        <p14:section name="Редактор" id="{E472480F-CB2E-2141-9EA5-34182C1341DD}">
+          <p14:sldIdLst>
+            <p14:sldId id="284"/>
+            <p14:sldId id="298"/>
+            <p14:sldId id="299"/>
+            <p14:sldId id="282"/>
+            <p14:sldId id="262"/>
+            <p14:sldId id="283"/>
+            <p14:sldId id="285"/>
+            <p14:sldId id="265"/>
+            <p14:sldId id="280"/>
+            <p14:sldId id="295"/>
+            <p14:sldId id="277"/>
+            <p14:sldId id="271"/>
+            <p14:sldId id="286"/>
+            <p14:sldId id="266"/>
+            <p14:sldId id="279"/>
+            <p14:sldId id="292"/>
+            <p14:sldId id="269"/>
+            <p14:sldId id="273"/>
+            <p14:sldId id="274"/>
+            <p14:sldId id="294"/>
+          </p14:sldIdLst>
+        </p14:section>
+        <p14:section name="Отладчик" id="{4FB12F45-7F35-2342-A83A-36D74F603A90}">
+          <p14:sldIdLst>
+            <p14:sldId id="296"/>
+            <p14:sldId id="260"/>
+            <p14:sldId id="293"/>
+            <p14:sldId id="287"/>
+            <p14:sldId id="300"/>
+          </p14:sldIdLst>
+        </p14:section>
+        <p14:section name="Расширения" id="{6C4ADD1D-FEF7-D240-9102-B51EEEA2215D}">
+          <p14:sldIdLst>
+            <p14:sldId id="297"/>
+            <p14:sldId id="261"/>
+            <p14:sldId id="276"/>
+          </p14:sldIdLst>
+        </p14:section>
+      </p14:sectionLst>
+    </p:ext>
     <p:ext uri="{EFAFB233-063F-42B5-8137-9DF3F51BA10A}">
       <p15:sldGuideLst xmlns:p15="http://schemas.microsoft.com/office/powerpoint/2012/main">
         <p15:guide id="1" orient="horz" pos="2160">
@@ -249,7 +312,7 @@
           <a:p>
             <a:fld id="{B24A7054-7FFB-49F4-A126-5DF6E687FF53}" type="datetimeFigureOut">
               <a:rPr lang="ru-RU" smtClean="0"/>
-              <a:t>01.07.2018</a:t>
+              <a:t>13.08.2018</a:t>
             </a:fld>
             <a:endParaRPr lang="ru-RU"/>
           </a:p>
@@ -1516,7 +1579,7 @@
           <a:p>
             <a:fld id="{8E6E6A2A-E9D3-4A0D-B04A-ABDD367A1E08}" type="datetimeFigureOut">
               <a:rPr lang="ru-RU" smtClean="0"/>
-              <a:t>01.07.2018</a:t>
+              <a:t>13.08.2018</a:t>
             </a:fld>
             <a:endParaRPr lang="ru-RU"/>
           </a:p>
@@ -3984,7 +4047,7 @@
                 </a:solidFill>
               </a:rPr>
               <a:pPr/>
-              <a:t>01.07.2018</a:t>
+              <a:t>13.08.2018</a:t>
             </a:fld>
             <a:endParaRPr lang="ru-RU">
               <a:solidFill>
@@ -5245,7 +5308,7 @@
           <a:p>
             <a:fld id="{AC3D3127-B7C4-45E3-9797-C527EC9FDD78}" type="datetimeFigureOut">
               <a:rPr lang="ru-RU" smtClean="0"/>
-              <a:t>01.07.2018</a:t>
+              <a:t>13.08.2018</a:t>
             </a:fld>
             <a:endParaRPr lang="ru-RU"/>
           </a:p>
@@ -5774,7 +5837,7 @@
                 </a:solidFill>
               </a:rPr>
               <a:pPr/>
-              <a:t>01.07.2018</a:t>
+              <a:t>13.08.2018</a:t>
             </a:fld>
             <a:endParaRPr lang="ru-RU">
               <a:solidFill>
@@ -12441,12 +12504,49 @@
       </p:grpSpPr>
       <p:sp>
         <p:nvSpPr>
-          <p:cNvPr id="2" name="Title 1"/>
+          <p:cNvPr id="2" name="Title 1">
+            <a:extLst>
+              <a:ext uri="{FF2B5EF4-FFF2-40B4-BE49-F238E27FC236}">
+                <a16:creationId xmlns:a16="http://schemas.microsoft.com/office/drawing/2014/main" id="{DF36753B-EF49-7440-BF4F-058150ED8812}"/>
+              </a:ext>
+            </a:extLst>
+          </p:cNvPr>
           <p:cNvSpPr>
             <a:spLocks noGrp="1"/>
           </p:cNvSpPr>
           <p:nvPr>
             <p:ph type="title"/>
+          </p:nvPr>
+        </p:nvSpPr>
+        <p:spPr/>
+        <p:txBody>
+          <a:bodyPr>
+            <a:normAutofit fontScale="90000"/>
+          </a:bodyPr>
+          <a:lstStyle/>
+          <a:p>
+            <a:r>
+              <a:rPr lang="ru-RU" dirty="0"/>
+              <a:t>Отображение значений параметров в стеке вызовов</a:t>
+            </a:r>
+            <a:endParaRPr lang="en-US" dirty="0"/>
+          </a:p>
+        </p:txBody>
+      </p:sp>
+      <p:sp>
+        <p:nvSpPr>
+          <p:cNvPr id="3" name="Content Placeholder 2">
+            <a:extLst>
+              <a:ext uri="{FF2B5EF4-FFF2-40B4-BE49-F238E27FC236}">
+                <a16:creationId xmlns:a16="http://schemas.microsoft.com/office/drawing/2014/main" id="{0896499D-FD03-4546-A8E1-9BC95B97CB7E}"/>
+              </a:ext>
+            </a:extLst>
+          </p:cNvPr>
+          <p:cNvSpPr>
+            <a:spLocks noGrp="1"/>
+          </p:cNvSpPr>
+          <p:nvPr>
+            <p:ph idx="1"/>
           </p:nvPr>
         </p:nvSpPr>
         <p:spPr/>
@@ -12454,36 +12554,29 @@
           <a:bodyPr/>
           <a:lstStyle/>
           <a:p>
+            <a:pPr marL="0" indent="0">
+              <a:buNone/>
+            </a:pPr>
             <a:r>
               <a:rPr lang="ru-RU" dirty="0"/>
-              <a:t>расширения</a:t>
-            </a:r>
-          </a:p>
-        </p:txBody>
-      </p:sp>
-      <p:sp>
-        <p:nvSpPr>
-          <p:cNvPr id="3" name="Text Placeholder 2"/>
-          <p:cNvSpPr>
-            <a:spLocks noGrp="1"/>
-          </p:cNvSpPr>
-          <p:nvPr>
-            <p:ph type="body" idx="1"/>
-          </p:nvPr>
-        </p:nvSpPr>
-        <p:spPr/>
-        <p:txBody>
-          <a:bodyPr/>
-          <a:lstStyle/>
-          <a:p>
-            <a:endParaRPr lang="ru-RU"/>
+              <a:t>Используем команду контекстного меню «</a:t>
+            </a:r>
+            <a:r>
+              <a:rPr lang="en-US" dirty="0"/>
+              <a:t>Show Parameter Values</a:t>
+            </a:r>
+            <a:r>
+              <a:rPr lang="ru-RU" dirty="0"/>
+              <a:t>»</a:t>
+            </a:r>
+            <a:endParaRPr lang="en-US" dirty="0"/>
           </a:p>
         </p:txBody>
       </p:sp>
     </p:spTree>
     <p:extLst>
       <p:ext uri="{BB962C8B-B14F-4D97-AF65-F5344CB8AC3E}">
-        <p14:creationId xmlns:p14="http://schemas.microsoft.com/office/powerpoint/2010/main" val="4076763243"/>
+        <p14:creationId xmlns:p14="http://schemas.microsoft.com/office/powerpoint/2010/main" val="3743038232"/>
       </p:ext>
     </p:extLst>
   </p:cSld>
@@ -12753,6 +12846,77 @@
           <a:p>
             <a:r>
               <a:rPr lang="ru-RU" dirty="0"/>
+              <a:t>расширения</a:t>
+            </a:r>
+          </a:p>
+        </p:txBody>
+      </p:sp>
+      <p:sp>
+        <p:nvSpPr>
+          <p:cNvPr id="3" name="Text Placeholder 2"/>
+          <p:cNvSpPr>
+            <a:spLocks noGrp="1"/>
+          </p:cNvSpPr>
+          <p:nvPr>
+            <p:ph type="body" idx="1"/>
+          </p:nvPr>
+        </p:nvSpPr>
+        <p:spPr/>
+        <p:txBody>
+          <a:bodyPr/>
+          <a:lstStyle/>
+          <a:p>
+            <a:endParaRPr lang="ru-RU"/>
+          </a:p>
+        </p:txBody>
+      </p:sp>
+    </p:spTree>
+    <p:extLst>
+      <p:ext uri="{BB962C8B-B14F-4D97-AF65-F5344CB8AC3E}">
+        <p14:creationId xmlns:p14="http://schemas.microsoft.com/office/powerpoint/2010/main" val="4076763243"/>
+      </p:ext>
+    </p:extLst>
+  </p:cSld>
+  <p:clrMapOvr>
+    <a:masterClrMapping/>
+  </p:clrMapOvr>
+</p:sld>
+</file>
+
+<file path=ppt/slides/slide41.xml><?xml version="1.0" encoding="utf-8"?>
+<p:sld xmlns:a="http://schemas.openxmlformats.org/drawingml/2006/main" xmlns:r="http://schemas.openxmlformats.org/officeDocument/2006/relationships" xmlns:p="http://schemas.openxmlformats.org/presentationml/2006/main">
+  <p:cSld>
+    <p:spTree>
+      <p:nvGrpSpPr>
+        <p:cNvPr id="1" name=""/>
+        <p:cNvGrpSpPr/>
+        <p:nvPr/>
+      </p:nvGrpSpPr>
+      <p:grpSpPr>
+        <a:xfrm>
+          <a:off x="0" y="0"/>
+          <a:ext cx="0" cy="0"/>
+          <a:chOff x="0" y="0"/>
+          <a:chExt cx="0" cy="0"/>
+        </a:xfrm>
+      </p:grpSpPr>
+      <p:sp>
+        <p:nvSpPr>
+          <p:cNvPr id="2" name="Title 1"/>
+          <p:cNvSpPr>
+            <a:spLocks noGrp="1"/>
+          </p:cNvSpPr>
+          <p:nvPr>
+            <p:ph type="title"/>
+          </p:nvPr>
+        </p:nvSpPr>
+        <p:spPr/>
+        <p:txBody>
+          <a:bodyPr/>
+          <a:lstStyle/>
+          <a:p>
+            <a:r>
+              <a:rPr lang="ru-RU" dirty="0"/>
               <a:t>Бесплатные расширения для </a:t>
             </a:r>
             <a:r>
@@ -12928,7 +13092,7 @@
 </p:sld>
 </file>
 
-<file path=ppt/slides/slide41.xml><?xml version="1.0" encoding="utf-8"?>
+<file path=ppt/slides/slide42.xml><?xml version="1.0" encoding="utf-8"?>
 <p:sld xmlns:a="http://schemas.openxmlformats.org/drawingml/2006/main" xmlns:r="http://schemas.openxmlformats.org/officeDocument/2006/relationships" xmlns:p="http://schemas.openxmlformats.org/presentationml/2006/main">
   <p:cSld>
     <p:spTree>

--- a/Presentation/tools-visual-studio.pptx
+++ b/Presentation/tools-visual-studio.pptx
@@ -213,7 +213,7 @@
       </p14:sectionLst>
     </p:ext>
     <p:ext uri="{EFAFB233-063F-42B5-8137-9DF3F51BA10A}">
-      <p15:sldGuideLst xmlns:p15="http://schemas.microsoft.com/office/powerpoint/2012/main">
+      <p15:sldGuideLst xmlns:p15="http://schemas.microsoft.com/office/powerpoint/2012/main" xmlns="">
         <p15:guide id="1" orient="horz" pos="2160">
           <p15:clr>
             <a:srgbClr val="A4A3A4"/>
@@ -312,7 +312,7 @@
           <a:p>
             <a:fld id="{B24A7054-7FFB-49F4-A126-5DF6E687FF53}" type="datetimeFigureOut">
               <a:rPr lang="ru-RU" smtClean="0"/>
-              <a:t>13.08.2018</a:t>
+              <a:t>22.02.2019</a:t>
             </a:fld>
             <a:endParaRPr lang="ru-RU"/>
           </a:p>
@@ -581,8 +581,8 @@
 </file>
 
 <file path=ppt/slideLayouts/slideLayout1.xml><?xml version="1.0" encoding="utf-8"?>
-<p:sldLayout xmlns:a="http://schemas.openxmlformats.org/drawingml/2006/main" xmlns:r="http://schemas.openxmlformats.org/officeDocument/2006/relationships" xmlns:p="http://schemas.openxmlformats.org/presentationml/2006/main" preserve="1" userDrawn="1">
-  <p:cSld name="Title Slide">
+<p:sldLayout xmlns:a="http://schemas.openxmlformats.org/drawingml/2006/main" xmlns:r="http://schemas.openxmlformats.org/officeDocument/2006/relationships" xmlns:p="http://schemas.openxmlformats.org/presentationml/2006/main" type="obj" preserve="1">
+  <p:cSld name="Title and Content">
     <p:spTree>
       <p:nvGrpSpPr>
         <p:cNvPr id="1" name=""/>
@@ -599,172 +599,83 @@
       </p:grpSpPr>
       <p:sp>
         <p:nvSpPr>
-          <p:cNvPr id="7" name="Rectangle 6"/>
-          <p:cNvSpPr/>
-          <p:nvPr userDrawn="1"/>
-        </p:nvSpPr>
-        <p:spPr>
-          <a:xfrm>
-            <a:off x="143508" y="1304764"/>
-            <a:ext cx="8856984" cy="646331"/>
-          </a:xfrm>
-          <a:prstGeom prst="rect">
-            <a:avLst/>
-          </a:prstGeom>
-        </p:spPr>
-        <p:txBody>
-          <a:bodyPr wrap="square">
-            <a:spAutoFit/>
-          </a:bodyPr>
+          <p:cNvPr id="2" name="Title 1"/>
+          <p:cNvSpPr>
+            <a:spLocks noGrp="1"/>
+          </p:cNvSpPr>
+          <p:nvPr>
+            <p:ph type="title"/>
+          </p:nvPr>
+        </p:nvSpPr>
+        <p:spPr/>
+        <p:txBody>
+          <a:bodyPr/>
           <a:lstStyle/>
           <a:p>
-            <a:pPr algn="ctr"/>
-            <a:r>
-              <a:rPr lang="ru-RU" sz="3600" b="1" i="1" dirty="0">
-                <a:solidFill>
-                  <a:schemeClr val="bg1"/>
-                </a:solidFill>
-              </a:rPr>
-              <a:t>Основы программирования на </a:t>
-            </a:r>
-            <a:r>
-              <a:rPr lang="en-US" sz="3600" b="1" i="1" dirty="0">
-                <a:solidFill>
-                  <a:schemeClr val="bg1"/>
-                </a:solidFill>
-              </a:rPr>
-              <a:t>C#</a:t>
-            </a:r>
-            <a:endParaRPr lang="ru-RU" sz="3600" b="1" i="1" dirty="0">
-              <a:solidFill>
-                <a:schemeClr val="bg1"/>
-              </a:solidFill>
-            </a:endParaRPr>
-          </a:p>
-        </p:txBody>
-      </p:sp>
-      <p:pic>
-        <p:nvPicPr>
-          <p:cNvPr id="8" name="Picture 5"/>
-          <p:cNvPicPr>
-            <a:picLocks noChangeAspect="1" noChangeArrowheads="1"/>
-          </p:cNvPicPr>
-          <p:nvPr userDrawn="1"/>
-        </p:nvPicPr>
-        <p:blipFill>
-          <a:blip r:embed="rId2">
-            <a:extLst>
-              <a:ext uri="{28A0092B-C50C-407E-A947-70E740481C1C}">
-                <a14:useLocalDpi xmlns:a14="http://schemas.microsoft.com/office/drawing/2010/main" val="0"/>
-              </a:ext>
-            </a:extLst>
-          </a:blip>
-          <a:srcRect/>
-          <a:stretch>
-            <a:fillRect/>
-          </a:stretch>
-        </p:blipFill>
-        <p:spPr bwMode="auto">
-          <a:xfrm>
-            <a:off x="1638300" y="3829211"/>
-            <a:ext cx="5867400" cy="1724025"/>
-          </a:xfrm>
-          <a:prstGeom prst="rect">
-            <a:avLst/>
-          </a:prstGeom>
-          <a:noFill/>
-          <a:ln>
-            <a:noFill/>
-          </a:ln>
-          <a:effectLst/>
-          <a:extLst>
-            <a:ext uri="{909E8E84-426E-40DD-AFC4-6F175D3DCCD1}">
-              <a14:hiddenFill xmlns:a14="http://schemas.microsoft.com/office/drawing/2010/main">
-                <a:solidFill>
-                  <a:schemeClr val="accent1"/>
-                </a:solidFill>
-              </a14:hiddenFill>
-            </a:ext>
-            <a:ext uri="{91240B29-F687-4F45-9708-019B960494DF}">
-              <a14:hiddenLine xmlns:a14="http://schemas.microsoft.com/office/drawing/2010/main" w="9525">
-                <a:solidFill>
-                  <a:schemeClr val="tx1"/>
-                </a:solidFill>
-                <a:miter lim="800000"/>
-                <a:headEnd/>
-                <a:tailEnd/>
-              </a14:hiddenLine>
-            </a:ext>
-            <a:ext uri="{AF507438-7753-43E0-B8FC-AC1667EBCBE1}">
-              <a14:hiddenEffects xmlns:a14="http://schemas.microsoft.com/office/drawing/2010/main">
-                <a:effectLst>
-                  <a:outerShdw dist="35921" dir="2700000" algn="ctr" rotWithShape="0">
-                    <a:schemeClr val="bg2"/>
-                  </a:outerShdw>
-                </a:effectLst>
-              </a14:hiddenEffects>
-            </a:ext>
-          </a:extLst>
-        </p:spPr>
-      </p:pic>
-      <p:sp>
-        <p:nvSpPr>
-          <p:cNvPr id="9" name="TextBox 8"/>
-          <p:cNvSpPr txBox="1"/>
-          <p:nvPr userDrawn="1"/>
-        </p:nvSpPr>
-        <p:spPr>
-          <a:xfrm>
-            <a:off x="2774873" y="2528900"/>
-            <a:ext cx="4240263" cy="461665"/>
-          </a:xfrm>
-          <a:prstGeom prst="rect">
-            <a:avLst/>
-          </a:prstGeom>
-          <a:noFill/>
-        </p:spPr>
-        <p:txBody>
-          <a:bodyPr wrap="none" rtlCol="0">
-            <a:spAutoFit/>
-          </a:bodyPr>
+            <a:r>
+              <a:rPr lang="en-US"/>
+              <a:t>Click to edit Master title style</a:t>
+            </a:r>
+            <a:endParaRPr lang="ru-RU" dirty="0"/>
+          </a:p>
+        </p:txBody>
+      </p:sp>
+      <p:sp>
+        <p:nvSpPr>
+          <p:cNvPr id="3" name="Content Placeholder 2"/>
+          <p:cNvSpPr>
+            <a:spLocks noGrp="1"/>
+          </p:cNvSpPr>
+          <p:nvPr>
+            <p:ph idx="1"/>
+          </p:nvPr>
+        </p:nvSpPr>
+        <p:spPr/>
+        <p:txBody>
+          <a:bodyPr/>
           <a:lstStyle/>
           <a:p>
-            <a:r>
-              <a:rPr lang="ru-RU" sz="2400" dirty="0">
-                <a:solidFill>
-                  <a:schemeClr val="bg1"/>
-                </a:solidFill>
-              </a:rPr>
-              <a:t>Занятие №</a:t>
-            </a:r>
-            <a:r>
-              <a:rPr lang="en-US" sz="2400" dirty="0">
-                <a:solidFill>
-                  <a:schemeClr val="bg1"/>
-                </a:solidFill>
-              </a:rPr>
-              <a:t>1</a:t>
-            </a:r>
-            <a:r>
-              <a:rPr lang="ru-RU" sz="2400" dirty="0">
-                <a:solidFill>
-                  <a:schemeClr val="bg1"/>
-                </a:solidFill>
-              </a:rPr>
-              <a:t>. Название занятия</a:t>
-            </a:r>
-            <a:endParaRPr lang="en-US" sz="2400" dirty="0">
-              <a:solidFill>
-                <a:schemeClr val="bg1"/>
-              </a:solidFill>
-            </a:endParaRPr>
+            <a:pPr lvl="0"/>
+            <a:r>
+              <a:rPr lang="en-US"/>
+              <a:t>Click to edit Master text styles</a:t>
+            </a:r>
+          </a:p>
+          <a:p>
+            <a:pPr lvl="1"/>
+            <a:r>
+              <a:rPr lang="en-US"/>
+              <a:t>Second level</a:t>
+            </a:r>
+          </a:p>
+          <a:p>
+            <a:pPr lvl="2"/>
+            <a:r>
+              <a:rPr lang="en-US"/>
+              <a:t>Third level</a:t>
+            </a:r>
+          </a:p>
+          <a:p>
+            <a:pPr lvl="3"/>
+            <a:r>
+              <a:rPr lang="en-US"/>
+              <a:t>Fourth level</a:t>
+            </a:r>
+          </a:p>
+          <a:p>
+            <a:pPr lvl="4"/>
+            <a:r>
+              <a:rPr lang="en-US"/>
+              <a:t>Fifth level</a:t>
+            </a:r>
+            <a:endParaRPr lang="ru-RU" dirty="0"/>
           </a:p>
         </p:txBody>
       </p:sp>
     </p:spTree>
     <p:extLst>
       <p:ext uri="{BB962C8B-B14F-4D97-AF65-F5344CB8AC3E}">
-        <p14:creationId xmlns:p14="http://schemas.microsoft.com/office/powerpoint/2010/main" val="2062725571"/>
+        <p14:creationId xmlns:p14="http://schemas.microsoft.com/office/powerpoint/2010/main" val="3363467697"/>
       </p:ext>
     </p:extLst>
   </p:cSld>
@@ -775,6 +686,1662 @@
 </file>
 
 <file path=ppt/slideLayouts/slideLayout10.xml><?xml version="1.0" encoding="utf-8"?>
+<p:sldLayout xmlns:a="http://schemas.openxmlformats.org/drawingml/2006/main" xmlns:r="http://schemas.openxmlformats.org/officeDocument/2006/relationships" xmlns:p="http://schemas.openxmlformats.org/presentationml/2006/main" type="vertTx" preserve="1">
+  <p:cSld name="Title and Vertical Text">
+    <p:spTree>
+      <p:nvGrpSpPr>
+        <p:cNvPr id="1" name=""/>
+        <p:cNvGrpSpPr/>
+        <p:nvPr/>
+      </p:nvGrpSpPr>
+      <p:grpSpPr>
+        <a:xfrm>
+          <a:off x="0" y="0"/>
+          <a:ext cx="0" cy="0"/>
+          <a:chOff x="0" y="0"/>
+          <a:chExt cx="0" cy="0"/>
+        </a:xfrm>
+      </p:grpSpPr>
+      <p:sp>
+        <p:nvSpPr>
+          <p:cNvPr id="2" name="Title 1"/>
+          <p:cNvSpPr>
+            <a:spLocks noGrp="1"/>
+          </p:cNvSpPr>
+          <p:nvPr>
+            <p:ph type="title"/>
+          </p:nvPr>
+        </p:nvSpPr>
+        <p:spPr/>
+        <p:txBody>
+          <a:bodyPr/>
+          <a:lstStyle/>
+          <a:p>
+            <a:r>
+              <a:rPr lang="en-US"/>
+              <a:t>Click to edit Master title style</a:t>
+            </a:r>
+            <a:endParaRPr lang="ru-RU" dirty="0"/>
+          </a:p>
+        </p:txBody>
+      </p:sp>
+      <p:sp>
+        <p:nvSpPr>
+          <p:cNvPr id="3" name="Vertical Text Placeholder 2"/>
+          <p:cNvSpPr>
+            <a:spLocks noGrp="1"/>
+          </p:cNvSpPr>
+          <p:nvPr>
+            <p:ph type="body" orient="vert" idx="1"/>
+          </p:nvPr>
+        </p:nvSpPr>
+        <p:spPr/>
+        <p:txBody>
+          <a:bodyPr vert="eaVert"/>
+          <a:lstStyle/>
+          <a:p>
+            <a:pPr lvl="0"/>
+            <a:r>
+              <a:rPr lang="en-US"/>
+              <a:t>Click to edit Master text styles</a:t>
+            </a:r>
+          </a:p>
+          <a:p>
+            <a:pPr lvl="1"/>
+            <a:r>
+              <a:rPr lang="en-US"/>
+              <a:t>Second level</a:t>
+            </a:r>
+          </a:p>
+          <a:p>
+            <a:pPr lvl="2"/>
+            <a:r>
+              <a:rPr lang="en-US"/>
+              <a:t>Third level</a:t>
+            </a:r>
+          </a:p>
+          <a:p>
+            <a:pPr lvl="3"/>
+            <a:r>
+              <a:rPr lang="en-US"/>
+              <a:t>Fourth level</a:t>
+            </a:r>
+          </a:p>
+          <a:p>
+            <a:pPr lvl="4"/>
+            <a:r>
+              <a:rPr lang="en-US"/>
+              <a:t>Fifth level</a:t>
+            </a:r>
+            <a:endParaRPr lang="ru-RU" dirty="0"/>
+          </a:p>
+        </p:txBody>
+      </p:sp>
+    </p:spTree>
+    <p:extLst>
+      <p:ext uri="{BB962C8B-B14F-4D97-AF65-F5344CB8AC3E}">
+        <p14:creationId xmlns:p14="http://schemas.microsoft.com/office/powerpoint/2010/main" val="2015559697"/>
+      </p:ext>
+    </p:extLst>
+  </p:cSld>
+  <p:clrMapOvr>
+    <a:masterClrMapping/>
+  </p:clrMapOvr>
+</p:sldLayout>
+</file>
+
+<file path=ppt/slideLayouts/slideLayout11.xml><?xml version="1.0" encoding="utf-8"?>
+<p:sldLayout xmlns:a="http://schemas.openxmlformats.org/drawingml/2006/main" xmlns:r="http://schemas.openxmlformats.org/officeDocument/2006/relationships" xmlns:p="http://schemas.openxmlformats.org/presentationml/2006/main" type="vertTitleAndTx" preserve="1">
+  <p:cSld name="Vertical Title and Text">
+    <p:spTree>
+      <p:nvGrpSpPr>
+        <p:cNvPr id="1" name=""/>
+        <p:cNvGrpSpPr/>
+        <p:nvPr/>
+      </p:nvGrpSpPr>
+      <p:grpSpPr>
+        <a:xfrm>
+          <a:off x="0" y="0"/>
+          <a:ext cx="0" cy="0"/>
+          <a:chOff x="0" y="0"/>
+          <a:chExt cx="0" cy="0"/>
+        </a:xfrm>
+      </p:grpSpPr>
+      <p:sp>
+        <p:nvSpPr>
+          <p:cNvPr id="2" name="Vertical Title 1"/>
+          <p:cNvSpPr>
+            <a:spLocks noGrp="1"/>
+          </p:cNvSpPr>
+          <p:nvPr>
+            <p:ph type="title" orient="vert"/>
+          </p:nvPr>
+        </p:nvSpPr>
+        <p:spPr>
+          <a:xfrm>
+            <a:off x="6629400" y="274638"/>
+            <a:ext cx="2057400" cy="5851525"/>
+          </a:xfrm>
+        </p:spPr>
+        <p:txBody>
+          <a:bodyPr vert="eaVert"/>
+          <a:lstStyle/>
+          <a:p>
+            <a:r>
+              <a:rPr lang="en-US"/>
+              <a:t>Click to edit Master title style</a:t>
+            </a:r>
+            <a:endParaRPr lang="ru-RU" dirty="0"/>
+          </a:p>
+        </p:txBody>
+      </p:sp>
+      <p:sp>
+        <p:nvSpPr>
+          <p:cNvPr id="3" name="Vertical Text Placeholder 2"/>
+          <p:cNvSpPr>
+            <a:spLocks noGrp="1"/>
+          </p:cNvSpPr>
+          <p:nvPr>
+            <p:ph type="body" orient="vert" idx="1"/>
+          </p:nvPr>
+        </p:nvSpPr>
+        <p:spPr>
+          <a:xfrm>
+            <a:off x="457200" y="274638"/>
+            <a:ext cx="6019800" cy="5851525"/>
+          </a:xfrm>
+        </p:spPr>
+        <p:txBody>
+          <a:bodyPr vert="eaVert"/>
+          <a:lstStyle/>
+          <a:p>
+            <a:pPr lvl="0"/>
+            <a:r>
+              <a:rPr lang="en-US"/>
+              <a:t>Click to edit Master text styles</a:t>
+            </a:r>
+          </a:p>
+          <a:p>
+            <a:pPr lvl="1"/>
+            <a:r>
+              <a:rPr lang="en-US"/>
+              <a:t>Second level</a:t>
+            </a:r>
+          </a:p>
+          <a:p>
+            <a:pPr lvl="2"/>
+            <a:r>
+              <a:rPr lang="en-US"/>
+              <a:t>Third level</a:t>
+            </a:r>
+          </a:p>
+          <a:p>
+            <a:pPr lvl="3"/>
+            <a:r>
+              <a:rPr lang="en-US"/>
+              <a:t>Fourth level</a:t>
+            </a:r>
+          </a:p>
+          <a:p>
+            <a:pPr lvl="4"/>
+            <a:r>
+              <a:rPr lang="en-US"/>
+              <a:t>Fifth level</a:t>
+            </a:r>
+            <a:endParaRPr lang="ru-RU" dirty="0"/>
+          </a:p>
+        </p:txBody>
+      </p:sp>
+    </p:spTree>
+    <p:extLst>
+      <p:ext uri="{BB962C8B-B14F-4D97-AF65-F5344CB8AC3E}">
+        <p14:creationId xmlns:p14="http://schemas.microsoft.com/office/powerpoint/2010/main" val="370514854"/>
+      </p:ext>
+    </p:extLst>
+  </p:cSld>
+  <p:clrMapOvr>
+    <a:masterClrMapping/>
+  </p:clrMapOvr>
+</p:sldLayout>
+</file>
+
+<file path=ppt/slideLayouts/slideLayout12.xml><?xml version="1.0" encoding="utf-8"?>
+<p:sldLayout xmlns:a="http://schemas.openxmlformats.org/drawingml/2006/main" xmlns:r="http://schemas.openxmlformats.org/officeDocument/2006/relationships" xmlns:p="http://schemas.openxmlformats.org/presentationml/2006/main" type="title">
+  <p:cSld name="2_Title Slide">
+    <p:spTree>
+      <p:nvGrpSpPr>
+        <p:cNvPr id="1" name=""/>
+        <p:cNvGrpSpPr/>
+        <p:nvPr/>
+      </p:nvGrpSpPr>
+      <p:grpSpPr>
+        <a:xfrm>
+          <a:off x="0" y="0"/>
+          <a:ext cx="0" cy="0"/>
+          <a:chOff x="0" y="0"/>
+          <a:chExt cx="0" cy="0"/>
+        </a:xfrm>
+      </p:grpSpPr>
+      <p:sp>
+        <p:nvSpPr>
+          <p:cNvPr id="2" name="Title 1"/>
+          <p:cNvSpPr>
+            <a:spLocks noGrp="1"/>
+          </p:cNvSpPr>
+          <p:nvPr>
+            <p:ph type="ctrTitle"/>
+          </p:nvPr>
+        </p:nvSpPr>
+        <p:spPr>
+          <a:xfrm>
+            <a:off x="685800" y="2130425"/>
+            <a:ext cx="7772400" cy="1470025"/>
+          </a:xfrm>
+        </p:spPr>
+        <p:txBody>
+          <a:bodyPr/>
+          <a:lstStyle/>
+          <a:p>
+            <a:r>
+              <a:rPr lang="en-US"/>
+              <a:t>Click to edit Master title style</a:t>
+            </a:r>
+            <a:endParaRPr lang="ru-RU"/>
+          </a:p>
+        </p:txBody>
+      </p:sp>
+      <p:sp>
+        <p:nvSpPr>
+          <p:cNvPr id="3" name="Subtitle 2"/>
+          <p:cNvSpPr>
+            <a:spLocks noGrp="1"/>
+          </p:cNvSpPr>
+          <p:nvPr>
+            <p:ph type="subTitle" idx="1"/>
+          </p:nvPr>
+        </p:nvSpPr>
+        <p:spPr>
+          <a:xfrm>
+            <a:off x="1371600" y="3886200"/>
+            <a:ext cx="6400800" cy="1752600"/>
+          </a:xfrm>
+        </p:spPr>
+        <p:txBody>
+          <a:bodyPr/>
+          <a:lstStyle>
+            <a:lvl1pPr marL="0" indent="0" algn="ctr">
+              <a:buNone/>
+              <a:defRPr>
+                <a:solidFill>
+                  <a:schemeClr val="tx1">
+                    <a:tint val="75000"/>
+                  </a:schemeClr>
+                </a:solidFill>
+              </a:defRPr>
+            </a:lvl1pPr>
+            <a:lvl2pPr marL="457200" indent="0" algn="ctr">
+              <a:buNone/>
+              <a:defRPr>
+                <a:solidFill>
+                  <a:schemeClr val="tx1">
+                    <a:tint val="75000"/>
+                  </a:schemeClr>
+                </a:solidFill>
+              </a:defRPr>
+            </a:lvl2pPr>
+            <a:lvl3pPr marL="914400" indent="0" algn="ctr">
+              <a:buNone/>
+              <a:defRPr>
+                <a:solidFill>
+                  <a:schemeClr val="tx1">
+                    <a:tint val="75000"/>
+                  </a:schemeClr>
+                </a:solidFill>
+              </a:defRPr>
+            </a:lvl3pPr>
+            <a:lvl4pPr marL="1371600" indent="0" algn="ctr">
+              <a:buNone/>
+              <a:defRPr>
+                <a:solidFill>
+                  <a:schemeClr val="tx1">
+                    <a:tint val="75000"/>
+                  </a:schemeClr>
+                </a:solidFill>
+              </a:defRPr>
+            </a:lvl4pPr>
+            <a:lvl5pPr marL="1828800" indent="0" algn="ctr">
+              <a:buNone/>
+              <a:defRPr>
+                <a:solidFill>
+                  <a:schemeClr val="tx1">
+                    <a:tint val="75000"/>
+                  </a:schemeClr>
+                </a:solidFill>
+              </a:defRPr>
+            </a:lvl5pPr>
+            <a:lvl6pPr marL="2286000" indent="0" algn="ctr">
+              <a:buNone/>
+              <a:defRPr>
+                <a:solidFill>
+                  <a:schemeClr val="tx1">
+                    <a:tint val="75000"/>
+                  </a:schemeClr>
+                </a:solidFill>
+              </a:defRPr>
+            </a:lvl6pPr>
+            <a:lvl7pPr marL="2743200" indent="0" algn="ctr">
+              <a:buNone/>
+              <a:defRPr>
+                <a:solidFill>
+                  <a:schemeClr val="tx1">
+                    <a:tint val="75000"/>
+                  </a:schemeClr>
+                </a:solidFill>
+              </a:defRPr>
+            </a:lvl7pPr>
+            <a:lvl8pPr marL="3200400" indent="0" algn="ctr">
+              <a:buNone/>
+              <a:defRPr>
+                <a:solidFill>
+                  <a:schemeClr val="tx1">
+                    <a:tint val="75000"/>
+                  </a:schemeClr>
+                </a:solidFill>
+              </a:defRPr>
+            </a:lvl8pPr>
+            <a:lvl9pPr marL="3657600" indent="0" algn="ctr">
+              <a:buNone/>
+              <a:defRPr>
+                <a:solidFill>
+                  <a:schemeClr val="tx1">
+                    <a:tint val="75000"/>
+                  </a:schemeClr>
+                </a:solidFill>
+              </a:defRPr>
+            </a:lvl9pPr>
+          </a:lstStyle>
+          <a:p>
+            <a:r>
+              <a:rPr lang="en-US"/>
+              <a:t>Click to edit Master subtitle style</a:t>
+            </a:r>
+            <a:endParaRPr lang="ru-RU"/>
+          </a:p>
+        </p:txBody>
+      </p:sp>
+      <p:sp>
+        <p:nvSpPr>
+          <p:cNvPr id="4" name="Date Placeholder 3"/>
+          <p:cNvSpPr>
+            <a:spLocks noGrp="1"/>
+          </p:cNvSpPr>
+          <p:nvPr>
+            <p:ph type="dt" sz="half" idx="10"/>
+          </p:nvPr>
+        </p:nvSpPr>
+        <p:spPr/>
+        <p:txBody>
+          <a:bodyPr/>
+          <a:lstStyle/>
+          <a:p>
+            <a:fld id="{8E6E6A2A-E9D3-4A0D-B04A-ABDD367A1E08}" type="datetimeFigureOut">
+              <a:rPr lang="ru-RU" smtClean="0"/>
+              <a:t>22.02.2019</a:t>
+            </a:fld>
+            <a:endParaRPr lang="ru-RU"/>
+          </a:p>
+        </p:txBody>
+      </p:sp>
+      <p:sp>
+        <p:nvSpPr>
+          <p:cNvPr id="5" name="Footer Placeholder 4"/>
+          <p:cNvSpPr>
+            <a:spLocks noGrp="1"/>
+          </p:cNvSpPr>
+          <p:nvPr>
+            <p:ph type="ftr" sz="quarter" idx="11"/>
+          </p:nvPr>
+        </p:nvSpPr>
+        <p:spPr/>
+        <p:txBody>
+          <a:bodyPr/>
+          <a:lstStyle/>
+          <a:p>
+            <a:endParaRPr lang="ru-RU"/>
+          </a:p>
+        </p:txBody>
+      </p:sp>
+      <p:sp>
+        <p:nvSpPr>
+          <p:cNvPr id="6" name="Slide Number Placeholder 5"/>
+          <p:cNvSpPr>
+            <a:spLocks noGrp="1"/>
+          </p:cNvSpPr>
+          <p:nvPr>
+            <p:ph type="sldNum" sz="quarter" idx="12"/>
+          </p:nvPr>
+        </p:nvSpPr>
+        <p:spPr/>
+        <p:txBody>
+          <a:bodyPr/>
+          <a:lstStyle/>
+          <a:p>
+            <a:fld id="{BC0D3D34-2E8A-4A38-B864-C677BA056495}" type="slidenum">
+              <a:rPr lang="ru-RU" smtClean="0"/>
+              <a:t>‹#›</a:t>
+            </a:fld>
+            <a:endParaRPr lang="ru-RU"/>
+          </a:p>
+        </p:txBody>
+      </p:sp>
+    </p:spTree>
+    <p:extLst>
+      <p:ext uri="{BB962C8B-B14F-4D97-AF65-F5344CB8AC3E}">
+        <p14:creationId xmlns:p14="http://schemas.microsoft.com/office/powerpoint/2010/main" val="95676599"/>
+      </p:ext>
+    </p:extLst>
+  </p:cSld>
+  <p:clrMapOvr>
+    <a:masterClrMapping/>
+  </p:clrMapOvr>
+</p:sldLayout>
+</file>
+
+<file path=ppt/slideLayouts/slideLayout13.xml><?xml version="1.0" encoding="utf-8"?>
+<p:sldLayout xmlns:a="http://schemas.openxmlformats.org/drawingml/2006/main" xmlns:r="http://schemas.openxmlformats.org/officeDocument/2006/relationships" xmlns:p="http://schemas.openxmlformats.org/presentationml/2006/main" type="obj" preserve="1">
+  <p:cSld name="Title and Content">
+    <p:spTree>
+      <p:nvGrpSpPr>
+        <p:cNvPr id="1" name=""/>
+        <p:cNvGrpSpPr/>
+        <p:nvPr/>
+      </p:nvGrpSpPr>
+      <p:grpSpPr>
+        <a:xfrm>
+          <a:off x="0" y="0"/>
+          <a:ext cx="0" cy="0"/>
+          <a:chOff x="0" y="0"/>
+          <a:chExt cx="0" cy="0"/>
+        </a:xfrm>
+      </p:grpSpPr>
+      <p:sp>
+        <p:nvSpPr>
+          <p:cNvPr id="2" name="Title 1"/>
+          <p:cNvSpPr>
+            <a:spLocks noGrp="1"/>
+          </p:cNvSpPr>
+          <p:nvPr>
+            <p:ph type="title"/>
+          </p:nvPr>
+        </p:nvSpPr>
+        <p:spPr/>
+        <p:txBody>
+          <a:bodyPr/>
+          <a:lstStyle/>
+          <a:p>
+            <a:r>
+              <a:rPr lang="en-US"/>
+              <a:t>Click to edit Master title style</a:t>
+            </a:r>
+            <a:endParaRPr lang="ru-RU" dirty="0"/>
+          </a:p>
+        </p:txBody>
+      </p:sp>
+      <p:sp>
+        <p:nvSpPr>
+          <p:cNvPr id="3" name="Content Placeholder 2"/>
+          <p:cNvSpPr>
+            <a:spLocks noGrp="1"/>
+          </p:cNvSpPr>
+          <p:nvPr>
+            <p:ph idx="1"/>
+          </p:nvPr>
+        </p:nvSpPr>
+        <p:spPr/>
+        <p:txBody>
+          <a:bodyPr/>
+          <a:lstStyle/>
+          <a:p>
+            <a:pPr lvl="0"/>
+            <a:r>
+              <a:rPr lang="en-US"/>
+              <a:t>Click to edit Master text styles</a:t>
+            </a:r>
+          </a:p>
+          <a:p>
+            <a:pPr lvl="1"/>
+            <a:r>
+              <a:rPr lang="en-US"/>
+              <a:t>Second level</a:t>
+            </a:r>
+          </a:p>
+          <a:p>
+            <a:pPr lvl="2"/>
+            <a:r>
+              <a:rPr lang="en-US"/>
+              <a:t>Third level</a:t>
+            </a:r>
+          </a:p>
+          <a:p>
+            <a:pPr lvl="3"/>
+            <a:r>
+              <a:rPr lang="en-US"/>
+              <a:t>Fourth level</a:t>
+            </a:r>
+          </a:p>
+          <a:p>
+            <a:pPr lvl="4"/>
+            <a:r>
+              <a:rPr lang="en-US"/>
+              <a:t>Fifth level</a:t>
+            </a:r>
+            <a:endParaRPr lang="ru-RU" dirty="0"/>
+          </a:p>
+        </p:txBody>
+      </p:sp>
+    </p:spTree>
+    <p:extLst>
+      <p:ext uri="{BB962C8B-B14F-4D97-AF65-F5344CB8AC3E}">
+        <p14:creationId xmlns:p14="http://schemas.microsoft.com/office/powerpoint/2010/main" val="3044441750"/>
+      </p:ext>
+    </p:extLst>
+  </p:cSld>
+  <p:clrMapOvr>
+    <a:masterClrMapping/>
+  </p:clrMapOvr>
+</p:sldLayout>
+</file>
+
+<file path=ppt/slideLayouts/slideLayout14.xml><?xml version="1.0" encoding="utf-8"?>
+<p:sldLayout xmlns:a="http://schemas.openxmlformats.org/drawingml/2006/main" xmlns:r="http://schemas.openxmlformats.org/officeDocument/2006/relationships" xmlns:p="http://schemas.openxmlformats.org/presentationml/2006/main" type="secHead" preserve="1">
+  <p:cSld name="Section Header">
+    <p:spTree>
+      <p:nvGrpSpPr>
+        <p:cNvPr id="1" name=""/>
+        <p:cNvGrpSpPr/>
+        <p:nvPr/>
+      </p:nvGrpSpPr>
+      <p:grpSpPr>
+        <a:xfrm>
+          <a:off x="0" y="0"/>
+          <a:ext cx="0" cy="0"/>
+          <a:chOff x="0" y="0"/>
+          <a:chExt cx="0" cy="0"/>
+        </a:xfrm>
+      </p:grpSpPr>
+      <p:sp>
+        <p:nvSpPr>
+          <p:cNvPr id="2" name="Title 1"/>
+          <p:cNvSpPr>
+            <a:spLocks noGrp="1"/>
+          </p:cNvSpPr>
+          <p:nvPr>
+            <p:ph type="title"/>
+          </p:nvPr>
+        </p:nvSpPr>
+        <p:spPr>
+          <a:xfrm>
+            <a:off x="722313" y="4406900"/>
+            <a:ext cx="7772400" cy="1362075"/>
+          </a:xfrm>
+        </p:spPr>
+        <p:txBody>
+          <a:bodyPr anchor="t"/>
+          <a:lstStyle>
+            <a:lvl1pPr algn="l">
+              <a:defRPr sz="4000" b="1" cap="all"/>
+            </a:lvl1pPr>
+          </a:lstStyle>
+          <a:p>
+            <a:r>
+              <a:rPr lang="en-US"/>
+              <a:t>Click to edit Master title style</a:t>
+            </a:r>
+            <a:endParaRPr lang="ru-RU" dirty="0"/>
+          </a:p>
+        </p:txBody>
+      </p:sp>
+      <p:sp>
+        <p:nvSpPr>
+          <p:cNvPr id="3" name="Text Placeholder 2"/>
+          <p:cNvSpPr>
+            <a:spLocks noGrp="1"/>
+          </p:cNvSpPr>
+          <p:nvPr>
+            <p:ph type="body" idx="1"/>
+          </p:nvPr>
+        </p:nvSpPr>
+        <p:spPr>
+          <a:xfrm>
+            <a:off x="722313" y="2906713"/>
+            <a:ext cx="7772400" cy="1500187"/>
+          </a:xfrm>
+        </p:spPr>
+        <p:txBody>
+          <a:bodyPr anchor="b"/>
+          <a:lstStyle>
+            <a:lvl1pPr marL="0" indent="0">
+              <a:buNone/>
+              <a:defRPr sz="2000">
+                <a:solidFill>
+                  <a:schemeClr val="tx1">
+                    <a:tint val="75000"/>
+                  </a:schemeClr>
+                </a:solidFill>
+              </a:defRPr>
+            </a:lvl1pPr>
+            <a:lvl2pPr marL="457200" indent="0">
+              <a:buNone/>
+              <a:defRPr sz="1800">
+                <a:solidFill>
+                  <a:schemeClr val="tx1">
+                    <a:tint val="75000"/>
+                  </a:schemeClr>
+                </a:solidFill>
+              </a:defRPr>
+            </a:lvl2pPr>
+            <a:lvl3pPr marL="914400" indent="0">
+              <a:buNone/>
+              <a:defRPr sz="1600">
+                <a:solidFill>
+                  <a:schemeClr val="tx1">
+                    <a:tint val="75000"/>
+                  </a:schemeClr>
+                </a:solidFill>
+              </a:defRPr>
+            </a:lvl3pPr>
+            <a:lvl4pPr marL="1371600" indent="0">
+              <a:buNone/>
+              <a:defRPr sz="1400">
+                <a:solidFill>
+                  <a:schemeClr val="tx1">
+                    <a:tint val="75000"/>
+                  </a:schemeClr>
+                </a:solidFill>
+              </a:defRPr>
+            </a:lvl4pPr>
+            <a:lvl5pPr marL="1828800" indent="0">
+              <a:buNone/>
+              <a:defRPr sz="1400">
+                <a:solidFill>
+                  <a:schemeClr val="tx1">
+                    <a:tint val="75000"/>
+                  </a:schemeClr>
+                </a:solidFill>
+              </a:defRPr>
+            </a:lvl5pPr>
+            <a:lvl6pPr marL="2286000" indent="0">
+              <a:buNone/>
+              <a:defRPr sz="1400">
+                <a:solidFill>
+                  <a:schemeClr val="tx1">
+                    <a:tint val="75000"/>
+                  </a:schemeClr>
+                </a:solidFill>
+              </a:defRPr>
+            </a:lvl6pPr>
+            <a:lvl7pPr marL="2743200" indent="0">
+              <a:buNone/>
+              <a:defRPr sz="1400">
+                <a:solidFill>
+                  <a:schemeClr val="tx1">
+                    <a:tint val="75000"/>
+                  </a:schemeClr>
+                </a:solidFill>
+              </a:defRPr>
+            </a:lvl7pPr>
+            <a:lvl8pPr marL="3200400" indent="0">
+              <a:buNone/>
+              <a:defRPr sz="1400">
+                <a:solidFill>
+                  <a:schemeClr val="tx1">
+                    <a:tint val="75000"/>
+                  </a:schemeClr>
+                </a:solidFill>
+              </a:defRPr>
+            </a:lvl8pPr>
+            <a:lvl9pPr marL="3657600" indent="0">
+              <a:buNone/>
+              <a:defRPr sz="1400">
+                <a:solidFill>
+                  <a:schemeClr val="tx1">
+                    <a:tint val="75000"/>
+                  </a:schemeClr>
+                </a:solidFill>
+              </a:defRPr>
+            </a:lvl9pPr>
+          </a:lstStyle>
+          <a:p>
+            <a:pPr lvl="0"/>
+            <a:r>
+              <a:rPr lang="en-US"/>
+              <a:t>Click to edit Master text styles</a:t>
+            </a:r>
+          </a:p>
+        </p:txBody>
+      </p:sp>
+    </p:spTree>
+    <p:extLst>
+      <p:ext uri="{BB962C8B-B14F-4D97-AF65-F5344CB8AC3E}">
+        <p14:creationId xmlns:p14="http://schemas.microsoft.com/office/powerpoint/2010/main" val="3203723413"/>
+      </p:ext>
+    </p:extLst>
+  </p:cSld>
+  <p:clrMapOvr>
+    <a:masterClrMapping/>
+  </p:clrMapOvr>
+</p:sldLayout>
+</file>
+
+<file path=ppt/slideLayouts/slideLayout15.xml><?xml version="1.0" encoding="utf-8"?>
+<p:sldLayout xmlns:a="http://schemas.openxmlformats.org/drawingml/2006/main" xmlns:r="http://schemas.openxmlformats.org/officeDocument/2006/relationships" xmlns:p="http://schemas.openxmlformats.org/presentationml/2006/main" type="twoObj" preserve="1">
+  <p:cSld name="Two Content">
+    <p:spTree>
+      <p:nvGrpSpPr>
+        <p:cNvPr id="1" name=""/>
+        <p:cNvGrpSpPr/>
+        <p:nvPr/>
+      </p:nvGrpSpPr>
+      <p:grpSpPr>
+        <a:xfrm>
+          <a:off x="0" y="0"/>
+          <a:ext cx="0" cy="0"/>
+          <a:chOff x="0" y="0"/>
+          <a:chExt cx="0" cy="0"/>
+        </a:xfrm>
+      </p:grpSpPr>
+      <p:sp>
+        <p:nvSpPr>
+          <p:cNvPr id="2" name="Title 1"/>
+          <p:cNvSpPr>
+            <a:spLocks noGrp="1"/>
+          </p:cNvSpPr>
+          <p:nvPr>
+            <p:ph type="title"/>
+          </p:nvPr>
+        </p:nvSpPr>
+        <p:spPr/>
+        <p:txBody>
+          <a:bodyPr/>
+          <a:lstStyle/>
+          <a:p>
+            <a:r>
+              <a:rPr lang="en-US"/>
+              <a:t>Click to edit Master title style</a:t>
+            </a:r>
+            <a:endParaRPr lang="ru-RU" dirty="0"/>
+          </a:p>
+        </p:txBody>
+      </p:sp>
+      <p:sp>
+        <p:nvSpPr>
+          <p:cNvPr id="3" name="Content Placeholder 2"/>
+          <p:cNvSpPr>
+            <a:spLocks noGrp="1"/>
+          </p:cNvSpPr>
+          <p:nvPr>
+            <p:ph sz="half" idx="1"/>
+          </p:nvPr>
+        </p:nvSpPr>
+        <p:spPr>
+          <a:xfrm>
+            <a:off x="457200" y="1600200"/>
+            <a:ext cx="4038600" cy="4525963"/>
+          </a:xfrm>
+        </p:spPr>
+        <p:txBody>
+          <a:bodyPr/>
+          <a:lstStyle>
+            <a:lvl1pPr>
+              <a:defRPr sz="2800"/>
+            </a:lvl1pPr>
+            <a:lvl2pPr>
+              <a:defRPr sz="2400"/>
+            </a:lvl2pPr>
+            <a:lvl3pPr>
+              <a:defRPr sz="2000"/>
+            </a:lvl3pPr>
+            <a:lvl4pPr>
+              <a:defRPr sz="1800"/>
+            </a:lvl4pPr>
+            <a:lvl5pPr>
+              <a:defRPr sz="1800"/>
+            </a:lvl5pPr>
+            <a:lvl6pPr>
+              <a:defRPr sz="1800"/>
+            </a:lvl6pPr>
+            <a:lvl7pPr>
+              <a:defRPr sz="1800"/>
+            </a:lvl7pPr>
+            <a:lvl8pPr>
+              <a:defRPr sz="1800"/>
+            </a:lvl8pPr>
+            <a:lvl9pPr>
+              <a:defRPr sz="1800"/>
+            </a:lvl9pPr>
+          </a:lstStyle>
+          <a:p>
+            <a:pPr lvl="0"/>
+            <a:r>
+              <a:rPr lang="en-US"/>
+              <a:t>Click to edit Master text styles</a:t>
+            </a:r>
+          </a:p>
+          <a:p>
+            <a:pPr lvl="1"/>
+            <a:r>
+              <a:rPr lang="en-US"/>
+              <a:t>Second level</a:t>
+            </a:r>
+          </a:p>
+          <a:p>
+            <a:pPr lvl="2"/>
+            <a:r>
+              <a:rPr lang="en-US"/>
+              <a:t>Third level</a:t>
+            </a:r>
+          </a:p>
+          <a:p>
+            <a:pPr lvl="3"/>
+            <a:r>
+              <a:rPr lang="en-US"/>
+              <a:t>Fourth level</a:t>
+            </a:r>
+          </a:p>
+          <a:p>
+            <a:pPr lvl="4"/>
+            <a:r>
+              <a:rPr lang="en-US"/>
+              <a:t>Fifth level</a:t>
+            </a:r>
+            <a:endParaRPr lang="ru-RU" dirty="0"/>
+          </a:p>
+        </p:txBody>
+      </p:sp>
+      <p:sp>
+        <p:nvSpPr>
+          <p:cNvPr id="4" name="Content Placeholder 3"/>
+          <p:cNvSpPr>
+            <a:spLocks noGrp="1"/>
+          </p:cNvSpPr>
+          <p:nvPr>
+            <p:ph sz="half" idx="2"/>
+          </p:nvPr>
+        </p:nvSpPr>
+        <p:spPr>
+          <a:xfrm>
+            <a:off x="4648200" y="1600200"/>
+            <a:ext cx="4038600" cy="4525963"/>
+          </a:xfrm>
+        </p:spPr>
+        <p:txBody>
+          <a:bodyPr/>
+          <a:lstStyle>
+            <a:lvl1pPr>
+              <a:defRPr sz="2800"/>
+            </a:lvl1pPr>
+            <a:lvl2pPr>
+              <a:defRPr sz="2400"/>
+            </a:lvl2pPr>
+            <a:lvl3pPr>
+              <a:defRPr sz="2000"/>
+            </a:lvl3pPr>
+            <a:lvl4pPr>
+              <a:defRPr sz="1800"/>
+            </a:lvl4pPr>
+            <a:lvl5pPr>
+              <a:defRPr sz="1800"/>
+            </a:lvl5pPr>
+            <a:lvl6pPr>
+              <a:defRPr sz="1800"/>
+            </a:lvl6pPr>
+            <a:lvl7pPr>
+              <a:defRPr sz="1800"/>
+            </a:lvl7pPr>
+            <a:lvl8pPr>
+              <a:defRPr sz="1800"/>
+            </a:lvl8pPr>
+            <a:lvl9pPr>
+              <a:defRPr sz="1800"/>
+            </a:lvl9pPr>
+          </a:lstStyle>
+          <a:p>
+            <a:pPr lvl="0"/>
+            <a:r>
+              <a:rPr lang="en-US"/>
+              <a:t>Click to edit Master text styles</a:t>
+            </a:r>
+          </a:p>
+          <a:p>
+            <a:pPr lvl="1"/>
+            <a:r>
+              <a:rPr lang="en-US"/>
+              <a:t>Second level</a:t>
+            </a:r>
+          </a:p>
+          <a:p>
+            <a:pPr lvl="2"/>
+            <a:r>
+              <a:rPr lang="en-US"/>
+              <a:t>Third level</a:t>
+            </a:r>
+          </a:p>
+          <a:p>
+            <a:pPr lvl="3"/>
+            <a:r>
+              <a:rPr lang="en-US"/>
+              <a:t>Fourth level</a:t>
+            </a:r>
+          </a:p>
+          <a:p>
+            <a:pPr lvl="4"/>
+            <a:r>
+              <a:rPr lang="en-US"/>
+              <a:t>Fifth level</a:t>
+            </a:r>
+            <a:endParaRPr lang="ru-RU" dirty="0"/>
+          </a:p>
+        </p:txBody>
+      </p:sp>
+    </p:spTree>
+    <p:extLst>
+      <p:ext uri="{BB962C8B-B14F-4D97-AF65-F5344CB8AC3E}">
+        <p14:creationId xmlns:p14="http://schemas.microsoft.com/office/powerpoint/2010/main" val="3660060987"/>
+      </p:ext>
+    </p:extLst>
+  </p:cSld>
+  <p:clrMapOvr>
+    <a:masterClrMapping/>
+  </p:clrMapOvr>
+</p:sldLayout>
+</file>
+
+<file path=ppt/slideLayouts/slideLayout16.xml><?xml version="1.0" encoding="utf-8"?>
+<p:sldLayout xmlns:a="http://schemas.openxmlformats.org/drawingml/2006/main" xmlns:r="http://schemas.openxmlformats.org/officeDocument/2006/relationships" xmlns:p="http://schemas.openxmlformats.org/presentationml/2006/main" type="twoTxTwoObj" preserve="1">
+  <p:cSld name="Comparison">
+    <p:spTree>
+      <p:nvGrpSpPr>
+        <p:cNvPr id="1" name=""/>
+        <p:cNvGrpSpPr/>
+        <p:nvPr/>
+      </p:nvGrpSpPr>
+      <p:grpSpPr>
+        <a:xfrm>
+          <a:off x="0" y="0"/>
+          <a:ext cx="0" cy="0"/>
+          <a:chOff x="0" y="0"/>
+          <a:chExt cx="0" cy="0"/>
+        </a:xfrm>
+      </p:grpSpPr>
+      <p:sp>
+        <p:nvSpPr>
+          <p:cNvPr id="2" name="Title 1"/>
+          <p:cNvSpPr>
+            <a:spLocks noGrp="1"/>
+          </p:cNvSpPr>
+          <p:nvPr>
+            <p:ph type="title"/>
+          </p:nvPr>
+        </p:nvSpPr>
+        <p:spPr/>
+        <p:txBody>
+          <a:bodyPr/>
+          <a:lstStyle>
+            <a:lvl1pPr>
+              <a:defRPr/>
+            </a:lvl1pPr>
+          </a:lstStyle>
+          <a:p>
+            <a:r>
+              <a:rPr lang="en-US"/>
+              <a:t>Click to edit Master title style</a:t>
+            </a:r>
+            <a:endParaRPr lang="ru-RU" dirty="0"/>
+          </a:p>
+        </p:txBody>
+      </p:sp>
+      <p:sp>
+        <p:nvSpPr>
+          <p:cNvPr id="3" name="Text Placeholder 2"/>
+          <p:cNvSpPr>
+            <a:spLocks noGrp="1"/>
+          </p:cNvSpPr>
+          <p:nvPr>
+            <p:ph type="body" idx="1"/>
+          </p:nvPr>
+        </p:nvSpPr>
+        <p:spPr>
+          <a:xfrm>
+            <a:off x="457200" y="1535113"/>
+            <a:ext cx="4040188" cy="639762"/>
+          </a:xfrm>
+        </p:spPr>
+        <p:txBody>
+          <a:bodyPr anchor="b"/>
+          <a:lstStyle>
+            <a:lvl1pPr marL="0" indent="0">
+              <a:buNone/>
+              <a:defRPr sz="2400" b="1"/>
+            </a:lvl1pPr>
+            <a:lvl2pPr marL="457200" indent="0">
+              <a:buNone/>
+              <a:defRPr sz="2000" b="1"/>
+            </a:lvl2pPr>
+            <a:lvl3pPr marL="914400" indent="0">
+              <a:buNone/>
+              <a:defRPr sz="1800" b="1"/>
+            </a:lvl3pPr>
+            <a:lvl4pPr marL="1371600" indent="0">
+              <a:buNone/>
+              <a:defRPr sz="1600" b="1"/>
+            </a:lvl4pPr>
+            <a:lvl5pPr marL="1828800" indent="0">
+              <a:buNone/>
+              <a:defRPr sz="1600" b="1"/>
+            </a:lvl5pPr>
+            <a:lvl6pPr marL="2286000" indent="0">
+              <a:buNone/>
+              <a:defRPr sz="1600" b="1"/>
+            </a:lvl6pPr>
+            <a:lvl7pPr marL="2743200" indent="0">
+              <a:buNone/>
+              <a:defRPr sz="1600" b="1"/>
+            </a:lvl7pPr>
+            <a:lvl8pPr marL="3200400" indent="0">
+              <a:buNone/>
+              <a:defRPr sz="1600" b="1"/>
+            </a:lvl8pPr>
+            <a:lvl9pPr marL="3657600" indent="0">
+              <a:buNone/>
+              <a:defRPr sz="1600" b="1"/>
+            </a:lvl9pPr>
+          </a:lstStyle>
+          <a:p>
+            <a:pPr lvl="0"/>
+            <a:r>
+              <a:rPr lang="en-US"/>
+              <a:t>Click to edit Master text styles</a:t>
+            </a:r>
+          </a:p>
+        </p:txBody>
+      </p:sp>
+      <p:sp>
+        <p:nvSpPr>
+          <p:cNvPr id="4" name="Content Placeholder 3"/>
+          <p:cNvSpPr>
+            <a:spLocks noGrp="1"/>
+          </p:cNvSpPr>
+          <p:nvPr>
+            <p:ph sz="half" idx="2"/>
+          </p:nvPr>
+        </p:nvSpPr>
+        <p:spPr>
+          <a:xfrm>
+            <a:off x="457200" y="2174875"/>
+            <a:ext cx="4040188" cy="3951288"/>
+          </a:xfrm>
+        </p:spPr>
+        <p:txBody>
+          <a:bodyPr/>
+          <a:lstStyle>
+            <a:lvl1pPr>
+              <a:defRPr sz="2400"/>
+            </a:lvl1pPr>
+            <a:lvl2pPr>
+              <a:defRPr sz="2000"/>
+            </a:lvl2pPr>
+            <a:lvl3pPr>
+              <a:defRPr sz="1800"/>
+            </a:lvl3pPr>
+            <a:lvl4pPr>
+              <a:defRPr sz="1600"/>
+            </a:lvl4pPr>
+            <a:lvl5pPr>
+              <a:defRPr sz="1600"/>
+            </a:lvl5pPr>
+            <a:lvl6pPr>
+              <a:defRPr sz="1600"/>
+            </a:lvl6pPr>
+            <a:lvl7pPr>
+              <a:defRPr sz="1600"/>
+            </a:lvl7pPr>
+            <a:lvl8pPr>
+              <a:defRPr sz="1600"/>
+            </a:lvl8pPr>
+            <a:lvl9pPr>
+              <a:defRPr sz="1600"/>
+            </a:lvl9pPr>
+          </a:lstStyle>
+          <a:p>
+            <a:pPr lvl="0"/>
+            <a:r>
+              <a:rPr lang="en-US"/>
+              <a:t>Click to edit Master text styles</a:t>
+            </a:r>
+          </a:p>
+          <a:p>
+            <a:pPr lvl="1"/>
+            <a:r>
+              <a:rPr lang="en-US"/>
+              <a:t>Second level</a:t>
+            </a:r>
+          </a:p>
+          <a:p>
+            <a:pPr lvl="2"/>
+            <a:r>
+              <a:rPr lang="en-US"/>
+              <a:t>Third level</a:t>
+            </a:r>
+          </a:p>
+          <a:p>
+            <a:pPr lvl="3"/>
+            <a:r>
+              <a:rPr lang="en-US"/>
+              <a:t>Fourth level</a:t>
+            </a:r>
+          </a:p>
+          <a:p>
+            <a:pPr lvl="4"/>
+            <a:r>
+              <a:rPr lang="en-US"/>
+              <a:t>Fifth level</a:t>
+            </a:r>
+            <a:endParaRPr lang="ru-RU" dirty="0"/>
+          </a:p>
+        </p:txBody>
+      </p:sp>
+      <p:sp>
+        <p:nvSpPr>
+          <p:cNvPr id="5" name="Text Placeholder 4"/>
+          <p:cNvSpPr>
+            <a:spLocks noGrp="1"/>
+          </p:cNvSpPr>
+          <p:nvPr>
+            <p:ph type="body" sz="quarter" idx="3"/>
+          </p:nvPr>
+        </p:nvSpPr>
+        <p:spPr>
+          <a:xfrm>
+            <a:off x="4645025" y="1535113"/>
+            <a:ext cx="4041775" cy="639762"/>
+          </a:xfrm>
+        </p:spPr>
+        <p:txBody>
+          <a:bodyPr anchor="b"/>
+          <a:lstStyle>
+            <a:lvl1pPr marL="0" indent="0">
+              <a:buNone/>
+              <a:defRPr sz="2400" b="1"/>
+            </a:lvl1pPr>
+            <a:lvl2pPr marL="457200" indent="0">
+              <a:buNone/>
+              <a:defRPr sz="2000" b="1"/>
+            </a:lvl2pPr>
+            <a:lvl3pPr marL="914400" indent="0">
+              <a:buNone/>
+              <a:defRPr sz="1800" b="1"/>
+            </a:lvl3pPr>
+            <a:lvl4pPr marL="1371600" indent="0">
+              <a:buNone/>
+              <a:defRPr sz="1600" b="1"/>
+            </a:lvl4pPr>
+            <a:lvl5pPr marL="1828800" indent="0">
+              <a:buNone/>
+              <a:defRPr sz="1600" b="1"/>
+            </a:lvl5pPr>
+            <a:lvl6pPr marL="2286000" indent="0">
+              <a:buNone/>
+              <a:defRPr sz="1600" b="1"/>
+            </a:lvl6pPr>
+            <a:lvl7pPr marL="2743200" indent="0">
+              <a:buNone/>
+              <a:defRPr sz="1600" b="1"/>
+            </a:lvl7pPr>
+            <a:lvl8pPr marL="3200400" indent="0">
+              <a:buNone/>
+              <a:defRPr sz="1600" b="1"/>
+            </a:lvl8pPr>
+            <a:lvl9pPr marL="3657600" indent="0">
+              <a:buNone/>
+              <a:defRPr sz="1600" b="1"/>
+            </a:lvl9pPr>
+          </a:lstStyle>
+          <a:p>
+            <a:pPr lvl="0"/>
+            <a:r>
+              <a:rPr lang="en-US"/>
+              <a:t>Click to edit Master text styles</a:t>
+            </a:r>
+          </a:p>
+        </p:txBody>
+      </p:sp>
+      <p:sp>
+        <p:nvSpPr>
+          <p:cNvPr id="6" name="Content Placeholder 5"/>
+          <p:cNvSpPr>
+            <a:spLocks noGrp="1"/>
+          </p:cNvSpPr>
+          <p:nvPr>
+            <p:ph sz="quarter" idx="4"/>
+          </p:nvPr>
+        </p:nvSpPr>
+        <p:spPr>
+          <a:xfrm>
+            <a:off x="4645025" y="2174875"/>
+            <a:ext cx="4041775" cy="3951288"/>
+          </a:xfrm>
+        </p:spPr>
+        <p:txBody>
+          <a:bodyPr/>
+          <a:lstStyle>
+            <a:lvl1pPr>
+              <a:defRPr sz="2400"/>
+            </a:lvl1pPr>
+            <a:lvl2pPr>
+              <a:defRPr sz="2000"/>
+            </a:lvl2pPr>
+            <a:lvl3pPr>
+              <a:defRPr sz="1800"/>
+            </a:lvl3pPr>
+            <a:lvl4pPr>
+              <a:defRPr sz="1600"/>
+            </a:lvl4pPr>
+            <a:lvl5pPr>
+              <a:defRPr sz="1600"/>
+            </a:lvl5pPr>
+            <a:lvl6pPr>
+              <a:defRPr sz="1600"/>
+            </a:lvl6pPr>
+            <a:lvl7pPr>
+              <a:defRPr sz="1600"/>
+            </a:lvl7pPr>
+            <a:lvl8pPr>
+              <a:defRPr sz="1600"/>
+            </a:lvl8pPr>
+            <a:lvl9pPr>
+              <a:defRPr sz="1600"/>
+            </a:lvl9pPr>
+          </a:lstStyle>
+          <a:p>
+            <a:pPr lvl="0"/>
+            <a:r>
+              <a:rPr lang="en-US"/>
+              <a:t>Click to edit Master text styles</a:t>
+            </a:r>
+          </a:p>
+          <a:p>
+            <a:pPr lvl="1"/>
+            <a:r>
+              <a:rPr lang="en-US"/>
+              <a:t>Second level</a:t>
+            </a:r>
+          </a:p>
+          <a:p>
+            <a:pPr lvl="2"/>
+            <a:r>
+              <a:rPr lang="en-US"/>
+              <a:t>Third level</a:t>
+            </a:r>
+          </a:p>
+          <a:p>
+            <a:pPr lvl="3"/>
+            <a:r>
+              <a:rPr lang="en-US"/>
+              <a:t>Fourth level</a:t>
+            </a:r>
+          </a:p>
+          <a:p>
+            <a:pPr lvl="4"/>
+            <a:r>
+              <a:rPr lang="en-US"/>
+              <a:t>Fifth level</a:t>
+            </a:r>
+            <a:endParaRPr lang="ru-RU" dirty="0"/>
+          </a:p>
+        </p:txBody>
+      </p:sp>
+    </p:spTree>
+    <p:extLst>
+      <p:ext uri="{BB962C8B-B14F-4D97-AF65-F5344CB8AC3E}">
+        <p14:creationId xmlns:p14="http://schemas.microsoft.com/office/powerpoint/2010/main" val="662862902"/>
+      </p:ext>
+    </p:extLst>
+  </p:cSld>
+  <p:clrMapOvr>
+    <a:masterClrMapping/>
+  </p:clrMapOvr>
+</p:sldLayout>
+</file>
+
+<file path=ppt/slideLayouts/slideLayout17.xml><?xml version="1.0" encoding="utf-8"?>
+<p:sldLayout xmlns:a="http://schemas.openxmlformats.org/drawingml/2006/main" xmlns:r="http://schemas.openxmlformats.org/officeDocument/2006/relationships" xmlns:p="http://schemas.openxmlformats.org/presentationml/2006/main" type="titleOnly" preserve="1">
+  <p:cSld name="Title Only">
+    <p:spTree>
+      <p:nvGrpSpPr>
+        <p:cNvPr id="1" name=""/>
+        <p:cNvGrpSpPr/>
+        <p:nvPr/>
+      </p:nvGrpSpPr>
+      <p:grpSpPr>
+        <a:xfrm>
+          <a:off x="0" y="0"/>
+          <a:ext cx="0" cy="0"/>
+          <a:chOff x="0" y="0"/>
+          <a:chExt cx="0" cy="0"/>
+        </a:xfrm>
+      </p:grpSpPr>
+      <p:sp>
+        <p:nvSpPr>
+          <p:cNvPr id="2" name="Title 1"/>
+          <p:cNvSpPr>
+            <a:spLocks noGrp="1"/>
+          </p:cNvSpPr>
+          <p:nvPr>
+            <p:ph type="title"/>
+          </p:nvPr>
+        </p:nvSpPr>
+        <p:spPr/>
+        <p:txBody>
+          <a:bodyPr/>
+          <a:lstStyle/>
+          <a:p>
+            <a:r>
+              <a:rPr lang="en-US"/>
+              <a:t>Click to edit Master title style</a:t>
+            </a:r>
+            <a:endParaRPr lang="ru-RU" dirty="0"/>
+          </a:p>
+        </p:txBody>
+      </p:sp>
+    </p:spTree>
+    <p:extLst>
+      <p:ext uri="{BB962C8B-B14F-4D97-AF65-F5344CB8AC3E}">
+        <p14:creationId xmlns:p14="http://schemas.microsoft.com/office/powerpoint/2010/main" val="2189313946"/>
+      </p:ext>
+    </p:extLst>
+  </p:cSld>
+  <p:clrMapOvr>
+    <a:masterClrMapping/>
+  </p:clrMapOvr>
+</p:sldLayout>
+</file>
+
+<file path=ppt/slideLayouts/slideLayout18.xml><?xml version="1.0" encoding="utf-8"?>
+<p:sldLayout xmlns:a="http://schemas.openxmlformats.org/drawingml/2006/main" xmlns:r="http://schemas.openxmlformats.org/officeDocument/2006/relationships" xmlns:p="http://schemas.openxmlformats.org/presentationml/2006/main" preserve="1" userDrawn="1">
+  <p:cSld name="Demo">
+    <p:spTree>
+      <p:nvGrpSpPr>
+        <p:cNvPr id="1" name=""/>
+        <p:cNvGrpSpPr/>
+        <p:nvPr/>
+      </p:nvGrpSpPr>
+      <p:grpSpPr>
+        <a:xfrm>
+          <a:off x="0" y="0"/>
+          <a:ext cx="0" cy="0"/>
+          <a:chOff x="0" y="0"/>
+          <a:chExt cx="0" cy="0"/>
+        </a:xfrm>
+      </p:grpSpPr>
+      <p:sp>
+        <p:nvSpPr>
+          <p:cNvPr id="10" name="TextBox 9"/>
+          <p:cNvSpPr txBox="1"/>
+          <p:nvPr userDrawn="1"/>
+        </p:nvSpPr>
+        <p:spPr>
+          <a:xfrm>
+            <a:off x="359532" y="3136613"/>
+            <a:ext cx="8424936" cy="584775"/>
+          </a:xfrm>
+          <a:prstGeom prst="rect">
+            <a:avLst/>
+          </a:prstGeom>
+          <a:noFill/>
+        </p:spPr>
+        <p:txBody>
+          <a:bodyPr wrap="square" rtlCol="0" anchor="ctr">
+            <a:spAutoFit/>
+          </a:bodyPr>
+          <a:lstStyle/>
+          <a:p>
+            <a:pPr algn="ctr"/>
+            <a:r>
+              <a:rPr lang="ru-RU" sz="3200" dirty="0">
+                <a:solidFill>
+                  <a:srgbClr val="FFFFFF"/>
+                </a:solidFill>
+              </a:rPr>
+              <a:t>Название. Демонстрация.</a:t>
+            </a:r>
+          </a:p>
+        </p:txBody>
+      </p:sp>
+    </p:spTree>
+    <p:extLst>
+      <p:ext uri="{BB962C8B-B14F-4D97-AF65-F5344CB8AC3E}">
+        <p14:creationId xmlns:p14="http://schemas.microsoft.com/office/powerpoint/2010/main" val="2577568704"/>
+      </p:ext>
+    </p:extLst>
+  </p:cSld>
+  <p:clrMapOvr>
+    <a:masterClrMapping/>
+  </p:clrMapOvr>
+</p:sldLayout>
+</file>
+
+<file path=ppt/slideLayouts/slideLayout19.xml><?xml version="1.0" encoding="utf-8"?>
+<p:sldLayout xmlns:a="http://schemas.openxmlformats.org/drawingml/2006/main" xmlns:r="http://schemas.openxmlformats.org/officeDocument/2006/relationships" xmlns:p="http://schemas.openxmlformats.org/presentationml/2006/main" type="blank" preserve="1">
+  <p:cSld name="1_Blank">
+    <p:spTree>
+      <p:nvGrpSpPr>
+        <p:cNvPr id="1" name=""/>
+        <p:cNvGrpSpPr/>
+        <p:nvPr/>
+      </p:nvGrpSpPr>
+      <p:grpSpPr>
+        <a:xfrm>
+          <a:off x="0" y="0"/>
+          <a:ext cx="0" cy="0"/>
+          <a:chOff x="0" y="0"/>
+          <a:chExt cx="0" cy="0"/>
+        </a:xfrm>
+      </p:grpSpPr>
+    </p:spTree>
+    <p:extLst>
+      <p:ext uri="{BB962C8B-B14F-4D97-AF65-F5344CB8AC3E}">
+        <p14:creationId xmlns:p14="http://schemas.microsoft.com/office/powerpoint/2010/main" val="1631284434"/>
+      </p:ext>
+    </p:extLst>
+  </p:cSld>
+  <p:clrMapOvr>
+    <a:masterClrMapping/>
+  </p:clrMapOvr>
+</p:sldLayout>
+</file>
+
+<file path=ppt/slideLayouts/slideLayout2.xml><?xml version="1.0" encoding="utf-8"?>
+<p:sldLayout xmlns:a="http://schemas.openxmlformats.org/drawingml/2006/main" xmlns:r="http://schemas.openxmlformats.org/officeDocument/2006/relationships" xmlns:p="http://schemas.openxmlformats.org/presentationml/2006/main" type="secHead" preserve="1">
+  <p:cSld name="Section Header">
+    <p:spTree>
+      <p:nvGrpSpPr>
+        <p:cNvPr id="1" name=""/>
+        <p:cNvGrpSpPr/>
+        <p:nvPr/>
+      </p:nvGrpSpPr>
+      <p:grpSpPr>
+        <a:xfrm>
+          <a:off x="0" y="0"/>
+          <a:ext cx="0" cy="0"/>
+          <a:chOff x="0" y="0"/>
+          <a:chExt cx="0" cy="0"/>
+        </a:xfrm>
+      </p:grpSpPr>
+      <p:sp>
+        <p:nvSpPr>
+          <p:cNvPr id="2" name="Title 1"/>
+          <p:cNvSpPr>
+            <a:spLocks noGrp="1"/>
+          </p:cNvSpPr>
+          <p:nvPr>
+            <p:ph type="title"/>
+          </p:nvPr>
+        </p:nvSpPr>
+        <p:spPr>
+          <a:xfrm>
+            <a:off x="722313" y="4406900"/>
+            <a:ext cx="7772400" cy="1362075"/>
+          </a:xfrm>
+        </p:spPr>
+        <p:txBody>
+          <a:bodyPr anchor="t"/>
+          <a:lstStyle>
+            <a:lvl1pPr algn="l">
+              <a:defRPr sz="4000" b="1" cap="all"/>
+            </a:lvl1pPr>
+          </a:lstStyle>
+          <a:p>
+            <a:r>
+              <a:rPr lang="en-US"/>
+              <a:t>Click to edit Master title style</a:t>
+            </a:r>
+            <a:endParaRPr lang="ru-RU" dirty="0"/>
+          </a:p>
+        </p:txBody>
+      </p:sp>
+      <p:sp>
+        <p:nvSpPr>
+          <p:cNvPr id="3" name="Text Placeholder 2"/>
+          <p:cNvSpPr>
+            <a:spLocks noGrp="1"/>
+          </p:cNvSpPr>
+          <p:nvPr>
+            <p:ph type="body" idx="1"/>
+          </p:nvPr>
+        </p:nvSpPr>
+        <p:spPr>
+          <a:xfrm>
+            <a:off x="722313" y="2906713"/>
+            <a:ext cx="7772400" cy="1500187"/>
+          </a:xfrm>
+        </p:spPr>
+        <p:txBody>
+          <a:bodyPr anchor="b"/>
+          <a:lstStyle>
+            <a:lvl1pPr marL="0" indent="0">
+              <a:buNone/>
+              <a:defRPr sz="2000">
+                <a:solidFill>
+                  <a:schemeClr val="tx1">
+                    <a:tint val="75000"/>
+                  </a:schemeClr>
+                </a:solidFill>
+              </a:defRPr>
+            </a:lvl1pPr>
+            <a:lvl2pPr marL="457200" indent="0">
+              <a:buNone/>
+              <a:defRPr sz="1800">
+                <a:solidFill>
+                  <a:schemeClr val="tx1">
+                    <a:tint val="75000"/>
+                  </a:schemeClr>
+                </a:solidFill>
+              </a:defRPr>
+            </a:lvl2pPr>
+            <a:lvl3pPr marL="914400" indent="0">
+              <a:buNone/>
+              <a:defRPr sz="1600">
+                <a:solidFill>
+                  <a:schemeClr val="tx1">
+                    <a:tint val="75000"/>
+                  </a:schemeClr>
+                </a:solidFill>
+              </a:defRPr>
+            </a:lvl3pPr>
+            <a:lvl4pPr marL="1371600" indent="0">
+              <a:buNone/>
+              <a:defRPr sz="1400">
+                <a:solidFill>
+                  <a:schemeClr val="tx1">
+                    <a:tint val="75000"/>
+                  </a:schemeClr>
+                </a:solidFill>
+              </a:defRPr>
+            </a:lvl4pPr>
+            <a:lvl5pPr marL="1828800" indent="0">
+              <a:buNone/>
+              <a:defRPr sz="1400">
+                <a:solidFill>
+                  <a:schemeClr val="tx1">
+                    <a:tint val="75000"/>
+                  </a:schemeClr>
+                </a:solidFill>
+              </a:defRPr>
+            </a:lvl5pPr>
+            <a:lvl6pPr marL="2286000" indent="0">
+              <a:buNone/>
+              <a:defRPr sz="1400">
+                <a:solidFill>
+                  <a:schemeClr val="tx1">
+                    <a:tint val="75000"/>
+                  </a:schemeClr>
+                </a:solidFill>
+              </a:defRPr>
+            </a:lvl6pPr>
+            <a:lvl7pPr marL="2743200" indent="0">
+              <a:buNone/>
+              <a:defRPr sz="1400">
+                <a:solidFill>
+                  <a:schemeClr val="tx1">
+                    <a:tint val="75000"/>
+                  </a:schemeClr>
+                </a:solidFill>
+              </a:defRPr>
+            </a:lvl7pPr>
+            <a:lvl8pPr marL="3200400" indent="0">
+              <a:buNone/>
+              <a:defRPr sz="1400">
+                <a:solidFill>
+                  <a:schemeClr val="tx1">
+                    <a:tint val="75000"/>
+                  </a:schemeClr>
+                </a:solidFill>
+              </a:defRPr>
+            </a:lvl8pPr>
+            <a:lvl9pPr marL="3657600" indent="0">
+              <a:buNone/>
+              <a:defRPr sz="1400">
+                <a:solidFill>
+                  <a:schemeClr val="tx1">
+                    <a:tint val="75000"/>
+                  </a:schemeClr>
+                </a:solidFill>
+              </a:defRPr>
+            </a:lvl9pPr>
+          </a:lstStyle>
+          <a:p>
+            <a:pPr lvl="0"/>
+            <a:r>
+              <a:rPr lang="en-US"/>
+              <a:t>Click to edit Master text styles</a:t>
+            </a:r>
+          </a:p>
+        </p:txBody>
+      </p:sp>
+    </p:spTree>
+    <p:extLst>
+      <p:ext uri="{BB962C8B-B14F-4D97-AF65-F5344CB8AC3E}">
+        <p14:creationId xmlns:p14="http://schemas.microsoft.com/office/powerpoint/2010/main" val="1627150216"/>
+      </p:ext>
+    </p:extLst>
+  </p:cSld>
+  <p:clrMapOvr>
+    <a:masterClrMapping/>
+  </p:clrMapOvr>
+</p:sldLayout>
+</file>
+
+<file path=ppt/slideLayouts/slideLayout20.xml><?xml version="1.0" encoding="utf-8"?>
 <p:sldLayout xmlns:a="http://schemas.openxmlformats.org/drawingml/2006/main" xmlns:r="http://schemas.openxmlformats.org/officeDocument/2006/relationships" xmlns:p="http://schemas.openxmlformats.org/presentationml/2006/main" type="objTx" preserve="1">
   <p:cSld name="Content with Caption">
     <p:spTree>
@@ -976,7 +2543,7 @@
     </p:spTree>
     <p:extLst>
       <p:ext uri="{BB962C8B-B14F-4D97-AF65-F5344CB8AC3E}">
-        <p14:creationId xmlns:p14="http://schemas.microsoft.com/office/powerpoint/2010/main" val="4043488563"/>
+        <p14:creationId xmlns:p14="http://schemas.microsoft.com/office/powerpoint/2010/main" val="1732151203"/>
       </p:ext>
     </p:extLst>
   </p:cSld>
@@ -986,7 +2553,7 @@
 </p:sldLayout>
 </file>
 
-<file path=ppt/slideLayouts/slideLayout11.xml><?xml version="1.0" encoding="utf-8"?>
+<file path=ppt/slideLayouts/slideLayout21.xml><?xml version="1.0" encoding="utf-8"?>
 <p:sldLayout xmlns:a="http://schemas.openxmlformats.org/drawingml/2006/main" xmlns:r="http://schemas.openxmlformats.org/officeDocument/2006/relationships" xmlns:p="http://schemas.openxmlformats.org/presentationml/2006/main" type="picTx" preserve="1">
   <p:cSld name="Picture with Caption">
     <p:spTree>
@@ -1168,7 +2735,7 @@
     </p:spTree>
     <p:extLst>
       <p:ext uri="{BB962C8B-B14F-4D97-AF65-F5344CB8AC3E}">
-        <p14:creationId xmlns:p14="http://schemas.microsoft.com/office/powerpoint/2010/main" val="2103675460"/>
+        <p14:creationId xmlns:p14="http://schemas.microsoft.com/office/powerpoint/2010/main" val="3537590217"/>
       </p:ext>
     </p:extLst>
   </p:cSld>
@@ -1178,7 +2745,7 @@
 </p:sldLayout>
 </file>
 
-<file path=ppt/slideLayouts/slideLayout12.xml><?xml version="1.0" encoding="utf-8"?>
+<file path=ppt/slideLayouts/slideLayout22.xml><?xml version="1.0" encoding="utf-8"?>
 <p:sldLayout xmlns:a="http://schemas.openxmlformats.org/drawingml/2006/main" xmlns:r="http://schemas.openxmlformats.org/officeDocument/2006/relationships" xmlns:p="http://schemas.openxmlformats.org/presentationml/2006/main" type="vertTx" preserve="1">
   <p:cSld name="Title and Vertical Text">
     <p:spTree>
@@ -1273,7 +2840,7 @@
     </p:spTree>
     <p:extLst>
       <p:ext uri="{BB962C8B-B14F-4D97-AF65-F5344CB8AC3E}">
-        <p14:creationId xmlns:p14="http://schemas.microsoft.com/office/powerpoint/2010/main" val="2015559697"/>
+        <p14:creationId xmlns:p14="http://schemas.microsoft.com/office/powerpoint/2010/main" val="1179732692"/>
       </p:ext>
     </p:extLst>
   </p:cSld>
@@ -1283,7 +2850,7 @@
 </p:sldLayout>
 </file>
 
-<file path=ppt/slideLayouts/slideLayout13.xml><?xml version="1.0" encoding="utf-8"?>
+<file path=ppt/slideLayouts/slideLayout23.xml><?xml version="1.0" encoding="utf-8"?>
 <p:sldLayout xmlns:a="http://schemas.openxmlformats.org/drawingml/2006/main" xmlns:r="http://schemas.openxmlformats.org/officeDocument/2006/relationships" xmlns:p="http://schemas.openxmlformats.org/presentationml/2006/main" type="vertTitleAndTx" preserve="1">
   <p:cSld name="Vertical Title and Text">
     <p:spTree>
@@ -1388,7 +2955,7 @@
     </p:spTree>
     <p:extLst>
       <p:ext uri="{BB962C8B-B14F-4D97-AF65-F5344CB8AC3E}">
-        <p14:creationId xmlns:p14="http://schemas.microsoft.com/office/powerpoint/2010/main" val="370514854"/>
+        <p14:creationId xmlns:p14="http://schemas.microsoft.com/office/powerpoint/2010/main" val="1954166240"/>
       </p:ext>
     </p:extLst>
   </p:cSld>
@@ -1398,7 +2965,7 @@
 </p:sldLayout>
 </file>
 
-<file path=ppt/slideLayouts/slideLayout14.xml><?xml version="1.0" encoding="utf-8"?>
+<file path=ppt/slideLayouts/slideLayout24.xml><?xml version="1.0" encoding="utf-8"?>
 <p:sldLayout xmlns:a="http://schemas.openxmlformats.org/drawingml/2006/main" xmlns:r="http://schemas.openxmlformats.org/officeDocument/2006/relationships" xmlns:p="http://schemas.openxmlformats.org/presentationml/2006/main" type="title">
   <p:cSld name="2_Title Slide">
     <p:spTree>
@@ -1578,10 +3145,23 @@
           <a:lstStyle/>
           <a:p>
             <a:fld id="{8E6E6A2A-E9D3-4A0D-B04A-ABDD367A1E08}" type="datetimeFigureOut">
-              <a:rPr lang="ru-RU" smtClean="0"/>
-              <a:t>13.08.2018</a:t>
+              <a:rPr lang="ru-RU" smtClean="0">
+                <a:solidFill>
+                  <a:srgbClr val="FFFFFF">
+                    <a:tint val="75000"/>
+                  </a:srgbClr>
+                </a:solidFill>
+              </a:rPr>
+              <a:pPr/>
+              <a:t>22.02.2019</a:t>
             </a:fld>
-            <a:endParaRPr lang="ru-RU"/>
+            <a:endParaRPr lang="ru-RU">
+              <a:solidFill>
+                <a:srgbClr val="FFFFFF">
+                  <a:tint val="75000"/>
+                </a:srgbClr>
+              </a:solidFill>
+            </a:endParaRPr>
           </a:p>
         </p:txBody>
       </p:sp>
@@ -1600,7 +3180,13 @@
           <a:bodyPr/>
           <a:lstStyle/>
           <a:p>
-            <a:endParaRPr lang="ru-RU"/>
+            <a:endParaRPr lang="ru-RU">
+              <a:solidFill>
+                <a:srgbClr val="FFFFFF">
+                  <a:tint val="75000"/>
+                </a:srgbClr>
+              </a:solidFill>
+            </a:endParaRPr>
           </a:p>
         </p:txBody>
       </p:sp>
@@ -1620,17 +3206,30 @@
           <a:lstStyle/>
           <a:p>
             <a:fld id="{BC0D3D34-2E8A-4A38-B864-C677BA056495}" type="slidenum">
-              <a:rPr lang="ru-RU" smtClean="0"/>
+              <a:rPr lang="ru-RU" smtClean="0">
+                <a:solidFill>
+                  <a:srgbClr val="FFFFFF">
+                    <a:tint val="75000"/>
+                  </a:srgbClr>
+                </a:solidFill>
+              </a:rPr>
+              <a:pPr/>
               <a:t>‹#›</a:t>
             </a:fld>
-            <a:endParaRPr lang="ru-RU"/>
+            <a:endParaRPr lang="ru-RU">
+              <a:solidFill>
+                <a:srgbClr val="FFFFFF">
+                  <a:tint val="75000"/>
+                </a:srgbClr>
+              </a:solidFill>
+            </a:endParaRPr>
           </a:p>
         </p:txBody>
       </p:sp>
     </p:spTree>
     <p:extLst>
       <p:ext uri="{BB962C8B-B14F-4D97-AF65-F5344CB8AC3E}">
-        <p14:creationId xmlns:p14="http://schemas.microsoft.com/office/powerpoint/2010/main" val="95676599"/>
+        <p14:creationId xmlns:p14="http://schemas.microsoft.com/office/powerpoint/2010/main" val="3442749556"/>
       </p:ext>
     </p:extLst>
   </p:cSld>
@@ -1640,681 +3239,7 @@
 </p:sldLayout>
 </file>
 
-<file path=ppt/slideLayouts/slideLayout15.xml><?xml version="1.0" encoding="utf-8"?>
-<p:sldLayout xmlns:a="http://schemas.openxmlformats.org/drawingml/2006/main" xmlns:r="http://schemas.openxmlformats.org/officeDocument/2006/relationships" xmlns:p="http://schemas.openxmlformats.org/presentationml/2006/main" preserve="1" userDrawn="1">
-  <p:cSld name="Title Slide">
-    <p:spTree>
-      <p:nvGrpSpPr>
-        <p:cNvPr id="1" name=""/>
-        <p:cNvGrpSpPr/>
-        <p:nvPr/>
-      </p:nvGrpSpPr>
-      <p:grpSpPr>
-        <a:xfrm>
-          <a:off x="0" y="0"/>
-          <a:ext cx="0" cy="0"/>
-          <a:chOff x="0" y="0"/>
-          <a:chExt cx="0" cy="0"/>
-        </a:xfrm>
-      </p:grpSpPr>
-      <p:sp>
-        <p:nvSpPr>
-          <p:cNvPr id="7" name="Rectangle 6"/>
-          <p:cNvSpPr/>
-          <p:nvPr userDrawn="1"/>
-        </p:nvSpPr>
-        <p:spPr>
-          <a:xfrm>
-            <a:off x="143508" y="1304764"/>
-            <a:ext cx="8856984" cy="646331"/>
-          </a:xfrm>
-          <a:prstGeom prst="rect">
-            <a:avLst/>
-          </a:prstGeom>
-        </p:spPr>
-        <p:txBody>
-          <a:bodyPr wrap="square">
-            <a:spAutoFit/>
-          </a:bodyPr>
-          <a:lstStyle/>
-          <a:p>
-            <a:pPr algn="ctr"/>
-            <a:r>
-              <a:rPr lang="ru-RU" sz="3600" b="1" i="1" dirty="0">
-                <a:solidFill>
-                  <a:prstClr val="white"/>
-                </a:solidFill>
-              </a:rPr>
-              <a:t>Основы программирования на </a:t>
-            </a:r>
-            <a:r>
-              <a:rPr lang="en-US" sz="3600" b="1" i="1" dirty="0">
-                <a:solidFill>
-                  <a:prstClr val="white"/>
-                </a:solidFill>
-              </a:rPr>
-              <a:t>C#</a:t>
-            </a:r>
-            <a:endParaRPr lang="ru-RU" sz="3600" b="1" i="1" dirty="0">
-              <a:solidFill>
-                <a:prstClr val="white"/>
-              </a:solidFill>
-            </a:endParaRPr>
-          </a:p>
-        </p:txBody>
-      </p:sp>
-      <p:pic>
-        <p:nvPicPr>
-          <p:cNvPr id="8" name="Picture 5"/>
-          <p:cNvPicPr>
-            <a:picLocks noChangeAspect="1" noChangeArrowheads="1"/>
-          </p:cNvPicPr>
-          <p:nvPr userDrawn="1"/>
-        </p:nvPicPr>
-        <p:blipFill>
-          <a:blip r:embed="rId2">
-            <a:extLst>
-              <a:ext uri="{28A0092B-C50C-407E-A947-70E740481C1C}">
-                <a14:useLocalDpi xmlns:a14="http://schemas.microsoft.com/office/drawing/2010/main" val="0"/>
-              </a:ext>
-            </a:extLst>
-          </a:blip>
-          <a:srcRect/>
-          <a:stretch>
-            <a:fillRect/>
-          </a:stretch>
-        </p:blipFill>
-        <p:spPr bwMode="auto">
-          <a:xfrm>
-            <a:off x="1638300" y="3829211"/>
-            <a:ext cx="5867400" cy="1724025"/>
-          </a:xfrm>
-          <a:prstGeom prst="rect">
-            <a:avLst/>
-          </a:prstGeom>
-          <a:noFill/>
-          <a:ln>
-            <a:noFill/>
-          </a:ln>
-          <a:effectLst/>
-          <a:extLst>
-            <a:ext uri="{909E8E84-426E-40DD-AFC4-6F175D3DCCD1}">
-              <a14:hiddenFill xmlns:a14="http://schemas.microsoft.com/office/drawing/2010/main">
-                <a:solidFill>
-                  <a:schemeClr val="accent1"/>
-                </a:solidFill>
-              </a14:hiddenFill>
-            </a:ext>
-            <a:ext uri="{91240B29-F687-4F45-9708-019B960494DF}">
-              <a14:hiddenLine xmlns:a14="http://schemas.microsoft.com/office/drawing/2010/main" w="9525">
-                <a:solidFill>
-                  <a:schemeClr val="tx1"/>
-                </a:solidFill>
-                <a:miter lim="800000"/>
-                <a:headEnd/>
-                <a:tailEnd/>
-              </a14:hiddenLine>
-            </a:ext>
-            <a:ext uri="{AF507438-7753-43E0-B8FC-AC1667EBCBE1}">
-              <a14:hiddenEffects xmlns:a14="http://schemas.microsoft.com/office/drawing/2010/main">
-                <a:effectLst>
-                  <a:outerShdw dist="35921" dir="2700000" algn="ctr" rotWithShape="0">
-                    <a:schemeClr val="bg2"/>
-                  </a:outerShdw>
-                </a:effectLst>
-              </a14:hiddenEffects>
-            </a:ext>
-          </a:extLst>
-        </p:spPr>
-      </p:pic>
-      <p:sp>
-        <p:nvSpPr>
-          <p:cNvPr id="9" name="TextBox 8"/>
-          <p:cNvSpPr txBox="1"/>
-          <p:nvPr userDrawn="1"/>
-        </p:nvSpPr>
-        <p:spPr>
-          <a:xfrm>
-            <a:off x="2774873" y="2528900"/>
-            <a:ext cx="4240263" cy="461665"/>
-          </a:xfrm>
-          <a:prstGeom prst="rect">
-            <a:avLst/>
-          </a:prstGeom>
-          <a:noFill/>
-        </p:spPr>
-        <p:txBody>
-          <a:bodyPr wrap="none" rtlCol="0">
-            <a:spAutoFit/>
-          </a:bodyPr>
-          <a:lstStyle/>
-          <a:p>
-            <a:r>
-              <a:rPr lang="ru-RU" sz="2400" dirty="0">
-                <a:solidFill>
-                  <a:prstClr val="white"/>
-                </a:solidFill>
-              </a:rPr>
-              <a:t>Занятие №</a:t>
-            </a:r>
-            <a:r>
-              <a:rPr lang="en-US" sz="2400" dirty="0">
-                <a:solidFill>
-                  <a:prstClr val="white"/>
-                </a:solidFill>
-              </a:rPr>
-              <a:t>1</a:t>
-            </a:r>
-            <a:r>
-              <a:rPr lang="ru-RU" sz="2400" dirty="0">
-                <a:solidFill>
-                  <a:prstClr val="white"/>
-                </a:solidFill>
-              </a:rPr>
-              <a:t>. Название занятия</a:t>
-            </a:r>
-            <a:endParaRPr lang="en-US" sz="2400" dirty="0">
-              <a:solidFill>
-                <a:prstClr val="white"/>
-              </a:solidFill>
-            </a:endParaRPr>
-          </a:p>
-        </p:txBody>
-      </p:sp>
-    </p:spTree>
-    <p:extLst>
-      <p:ext uri="{BB962C8B-B14F-4D97-AF65-F5344CB8AC3E}">
-        <p14:creationId xmlns:p14="http://schemas.microsoft.com/office/powerpoint/2010/main" val="3761522734"/>
-      </p:ext>
-    </p:extLst>
-  </p:cSld>
-  <p:clrMapOvr>
-    <a:masterClrMapping/>
-  </p:clrMapOvr>
-</p:sldLayout>
-</file>
-
-<file path=ppt/slideLayouts/slideLayout16.xml><?xml version="1.0" encoding="utf-8"?>
-<p:sldLayout xmlns:a="http://schemas.openxmlformats.org/drawingml/2006/main" xmlns:r="http://schemas.openxmlformats.org/officeDocument/2006/relationships" xmlns:p="http://schemas.openxmlformats.org/presentationml/2006/main" preserve="1" userDrawn="1">
-  <p:cSld name="1_Title Slide">
-    <p:spTree>
-      <p:nvGrpSpPr>
-        <p:cNvPr id="1" name=""/>
-        <p:cNvGrpSpPr/>
-        <p:nvPr/>
-      </p:nvGrpSpPr>
-      <p:grpSpPr>
-        <a:xfrm>
-          <a:off x="0" y="0"/>
-          <a:ext cx="0" cy="0"/>
-          <a:chOff x="0" y="0"/>
-          <a:chExt cx="0" cy="0"/>
-        </a:xfrm>
-      </p:grpSpPr>
-      <p:sp>
-        <p:nvSpPr>
-          <p:cNvPr id="9" name="TextBox 8"/>
-          <p:cNvSpPr txBox="1"/>
-          <p:nvPr userDrawn="1"/>
-        </p:nvSpPr>
-        <p:spPr>
-          <a:xfrm>
-            <a:off x="2774873" y="2528900"/>
-            <a:ext cx="4240263" cy="461665"/>
-          </a:xfrm>
-          <a:prstGeom prst="rect">
-            <a:avLst/>
-          </a:prstGeom>
-          <a:noFill/>
-        </p:spPr>
-        <p:txBody>
-          <a:bodyPr wrap="none" rtlCol="0">
-            <a:spAutoFit/>
-          </a:bodyPr>
-          <a:lstStyle/>
-          <a:p>
-            <a:r>
-              <a:rPr lang="ru-RU" sz="2400" dirty="0">
-                <a:solidFill>
-                  <a:prstClr val="white"/>
-                </a:solidFill>
-              </a:rPr>
-              <a:t>Занятие №</a:t>
-            </a:r>
-            <a:r>
-              <a:rPr lang="en-US" sz="2400" dirty="0">
-                <a:solidFill>
-                  <a:prstClr val="white"/>
-                </a:solidFill>
-              </a:rPr>
-              <a:t>2</a:t>
-            </a:r>
-            <a:r>
-              <a:rPr lang="ru-RU" sz="2400" dirty="0">
-                <a:solidFill>
-                  <a:prstClr val="white"/>
-                </a:solidFill>
-              </a:rPr>
-              <a:t>. Название занятия</a:t>
-            </a:r>
-            <a:endParaRPr lang="en-US" sz="2400" dirty="0">
-              <a:solidFill>
-                <a:prstClr val="white"/>
-              </a:solidFill>
-            </a:endParaRPr>
-          </a:p>
-        </p:txBody>
-      </p:sp>
-      <p:sp>
-        <p:nvSpPr>
-          <p:cNvPr id="7" name="Rectangle 6"/>
-          <p:cNvSpPr/>
-          <p:nvPr userDrawn="1"/>
-        </p:nvSpPr>
-        <p:spPr>
-          <a:xfrm>
-            <a:off x="143508" y="1304764"/>
-            <a:ext cx="8856984" cy="646331"/>
-          </a:xfrm>
-          <a:prstGeom prst="rect">
-            <a:avLst/>
-          </a:prstGeom>
-        </p:spPr>
-        <p:txBody>
-          <a:bodyPr wrap="square">
-            <a:spAutoFit/>
-          </a:bodyPr>
-          <a:lstStyle/>
-          <a:p>
-            <a:pPr algn="ctr"/>
-            <a:r>
-              <a:rPr lang="ru-RU" sz="3600" b="1" i="1" dirty="0">
-                <a:solidFill>
-                  <a:prstClr val="white"/>
-                </a:solidFill>
-              </a:rPr>
-              <a:t>Основы программирования на </a:t>
-            </a:r>
-            <a:r>
-              <a:rPr lang="en-US" sz="3600" b="1" i="1" dirty="0">
-                <a:solidFill>
-                  <a:prstClr val="white"/>
-                </a:solidFill>
-              </a:rPr>
-              <a:t>C#</a:t>
-            </a:r>
-            <a:endParaRPr lang="ru-RU" sz="3600" b="1" i="1" dirty="0">
-              <a:solidFill>
-                <a:prstClr val="white"/>
-              </a:solidFill>
-            </a:endParaRPr>
-          </a:p>
-        </p:txBody>
-      </p:sp>
-      <p:pic>
-        <p:nvPicPr>
-          <p:cNvPr id="8" name="Picture 5"/>
-          <p:cNvPicPr>
-            <a:picLocks noChangeAspect="1" noChangeArrowheads="1"/>
-          </p:cNvPicPr>
-          <p:nvPr userDrawn="1"/>
-        </p:nvPicPr>
-        <p:blipFill>
-          <a:blip r:embed="rId2">
-            <a:extLst>
-              <a:ext uri="{28A0092B-C50C-407E-A947-70E740481C1C}">
-                <a14:useLocalDpi xmlns:a14="http://schemas.microsoft.com/office/drawing/2010/main" val="0"/>
-              </a:ext>
-            </a:extLst>
-          </a:blip>
-          <a:srcRect/>
-          <a:stretch>
-            <a:fillRect/>
-          </a:stretch>
-        </p:blipFill>
-        <p:spPr bwMode="auto">
-          <a:xfrm>
-            <a:off x="1638300" y="3829211"/>
-            <a:ext cx="5867400" cy="1724025"/>
-          </a:xfrm>
-          <a:prstGeom prst="rect">
-            <a:avLst/>
-          </a:prstGeom>
-          <a:noFill/>
-          <a:ln>
-            <a:noFill/>
-          </a:ln>
-          <a:effectLst/>
-          <a:extLst>
-            <a:ext uri="{909E8E84-426E-40DD-AFC4-6F175D3DCCD1}">
-              <a14:hiddenFill xmlns:a14="http://schemas.microsoft.com/office/drawing/2010/main">
-                <a:solidFill>
-                  <a:schemeClr val="accent1"/>
-                </a:solidFill>
-              </a14:hiddenFill>
-            </a:ext>
-            <a:ext uri="{91240B29-F687-4F45-9708-019B960494DF}">
-              <a14:hiddenLine xmlns:a14="http://schemas.microsoft.com/office/drawing/2010/main" w="9525">
-                <a:solidFill>
-                  <a:schemeClr val="tx1"/>
-                </a:solidFill>
-                <a:miter lim="800000"/>
-                <a:headEnd/>
-                <a:tailEnd/>
-              </a14:hiddenLine>
-            </a:ext>
-            <a:ext uri="{AF507438-7753-43E0-B8FC-AC1667EBCBE1}">
-              <a14:hiddenEffects xmlns:a14="http://schemas.microsoft.com/office/drawing/2010/main">
-                <a:effectLst>
-                  <a:outerShdw dist="35921" dir="2700000" algn="ctr" rotWithShape="0">
-                    <a:schemeClr val="bg2"/>
-                  </a:outerShdw>
-                </a:effectLst>
-              </a14:hiddenEffects>
-            </a:ext>
-          </a:extLst>
-        </p:spPr>
-      </p:pic>
-    </p:spTree>
-    <p:extLst>
-      <p:ext uri="{BB962C8B-B14F-4D97-AF65-F5344CB8AC3E}">
-        <p14:creationId xmlns:p14="http://schemas.microsoft.com/office/powerpoint/2010/main" val="3808151451"/>
-      </p:ext>
-    </p:extLst>
-  </p:cSld>
-  <p:clrMapOvr>
-    <a:masterClrMapping/>
-  </p:clrMapOvr>
-</p:sldLayout>
-</file>
-
-<file path=ppt/slideLayouts/slideLayout17.xml><?xml version="1.0" encoding="utf-8"?>
-<p:sldLayout xmlns:a="http://schemas.openxmlformats.org/drawingml/2006/main" xmlns:r="http://schemas.openxmlformats.org/officeDocument/2006/relationships" xmlns:p="http://schemas.openxmlformats.org/presentationml/2006/main" type="obj" preserve="1">
-  <p:cSld name="Title and Content">
-    <p:spTree>
-      <p:nvGrpSpPr>
-        <p:cNvPr id="1" name=""/>
-        <p:cNvGrpSpPr/>
-        <p:nvPr/>
-      </p:nvGrpSpPr>
-      <p:grpSpPr>
-        <a:xfrm>
-          <a:off x="0" y="0"/>
-          <a:ext cx="0" cy="0"/>
-          <a:chOff x="0" y="0"/>
-          <a:chExt cx="0" cy="0"/>
-        </a:xfrm>
-      </p:grpSpPr>
-      <p:sp>
-        <p:nvSpPr>
-          <p:cNvPr id="2" name="Title 1"/>
-          <p:cNvSpPr>
-            <a:spLocks noGrp="1"/>
-          </p:cNvSpPr>
-          <p:nvPr>
-            <p:ph type="title"/>
-          </p:nvPr>
-        </p:nvSpPr>
-        <p:spPr/>
-        <p:txBody>
-          <a:bodyPr/>
-          <a:lstStyle/>
-          <a:p>
-            <a:r>
-              <a:rPr lang="en-US"/>
-              <a:t>Click to edit Master title style</a:t>
-            </a:r>
-            <a:endParaRPr lang="ru-RU" dirty="0"/>
-          </a:p>
-        </p:txBody>
-      </p:sp>
-      <p:sp>
-        <p:nvSpPr>
-          <p:cNvPr id="3" name="Content Placeholder 2"/>
-          <p:cNvSpPr>
-            <a:spLocks noGrp="1"/>
-          </p:cNvSpPr>
-          <p:nvPr>
-            <p:ph idx="1"/>
-          </p:nvPr>
-        </p:nvSpPr>
-        <p:spPr/>
-        <p:txBody>
-          <a:bodyPr/>
-          <a:lstStyle/>
-          <a:p>
-            <a:pPr lvl="0"/>
-            <a:r>
-              <a:rPr lang="en-US"/>
-              <a:t>Click to edit Master text styles</a:t>
-            </a:r>
-          </a:p>
-          <a:p>
-            <a:pPr lvl="1"/>
-            <a:r>
-              <a:rPr lang="en-US"/>
-              <a:t>Second level</a:t>
-            </a:r>
-          </a:p>
-          <a:p>
-            <a:pPr lvl="2"/>
-            <a:r>
-              <a:rPr lang="en-US"/>
-              <a:t>Third level</a:t>
-            </a:r>
-          </a:p>
-          <a:p>
-            <a:pPr lvl="3"/>
-            <a:r>
-              <a:rPr lang="en-US"/>
-              <a:t>Fourth level</a:t>
-            </a:r>
-          </a:p>
-          <a:p>
-            <a:pPr lvl="4"/>
-            <a:r>
-              <a:rPr lang="en-US"/>
-              <a:t>Fifth level</a:t>
-            </a:r>
-            <a:endParaRPr lang="ru-RU" dirty="0"/>
-          </a:p>
-        </p:txBody>
-      </p:sp>
-    </p:spTree>
-    <p:extLst>
-      <p:ext uri="{BB962C8B-B14F-4D97-AF65-F5344CB8AC3E}">
-        <p14:creationId xmlns:p14="http://schemas.microsoft.com/office/powerpoint/2010/main" val="3044441750"/>
-      </p:ext>
-    </p:extLst>
-  </p:cSld>
-  <p:clrMapOvr>
-    <a:masterClrMapping/>
-  </p:clrMapOvr>
-</p:sldLayout>
-</file>
-
-<file path=ppt/slideLayouts/slideLayout18.xml><?xml version="1.0" encoding="utf-8"?>
-<p:sldLayout xmlns:a="http://schemas.openxmlformats.org/drawingml/2006/main" xmlns:r="http://schemas.openxmlformats.org/officeDocument/2006/relationships" xmlns:p="http://schemas.openxmlformats.org/presentationml/2006/main" type="secHead" preserve="1">
-  <p:cSld name="Section Header">
-    <p:spTree>
-      <p:nvGrpSpPr>
-        <p:cNvPr id="1" name=""/>
-        <p:cNvGrpSpPr/>
-        <p:nvPr/>
-      </p:nvGrpSpPr>
-      <p:grpSpPr>
-        <a:xfrm>
-          <a:off x="0" y="0"/>
-          <a:ext cx="0" cy="0"/>
-          <a:chOff x="0" y="0"/>
-          <a:chExt cx="0" cy="0"/>
-        </a:xfrm>
-      </p:grpSpPr>
-      <p:sp>
-        <p:nvSpPr>
-          <p:cNvPr id="2" name="Title 1"/>
-          <p:cNvSpPr>
-            <a:spLocks noGrp="1"/>
-          </p:cNvSpPr>
-          <p:nvPr>
-            <p:ph type="title"/>
-          </p:nvPr>
-        </p:nvSpPr>
-        <p:spPr>
-          <a:xfrm>
-            <a:off x="722313" y="4406900"/>
-            <a:ext cx="7772400" cy="1362075"/>
-          </a:xfrm>
-        </p:spPr>
-        <p:txBody>
-          <a:bodyPr anchor="t"/>
-          <a:lstStyle>
-            <a:lvl1pPr algn="l">
-              <a:defRPr sz="4000" b="1" cap="all"/>
-            </a:lvl1pPr>
-          </a:lstStyle>
-          <a:p>
-            <a:r>
-              <a:rPr lang="en-US"/>
-              <a:t>Click to edit Master title style</a:t>
-            </a:r>
-            <a:endParaRPr lang="ru-RU" dirty="0"/>
-          </a:p>
-        </p:txBody>
-      </p:sp>
-      <p:sp>
-        <p:nvSpPr>
-          <p:cNvPr id="3" name="Text Placeholder 2"/>
-          <p:cNvSpPr>
-            <a:spLocks noGrp="1"/>
-          </p:cNvSpPr>
-          <p:nvPr>
-            <p:ph type="body" idx="1"/>
-          </p:nvPr>
-        </p:nvSpPr>
-        <p:spPr>
-          <a:xfrm>
-            <a:off x="722313" y="2906713"/>
-            <a:ext cx="7772400" cy="1500187"/>
-          </a:xfrm>
-        </p:spPr>
-        <p:txBody>
-          <a:bodyPr anchor="b"/>
-          <a:lstStyle>
-            <a:lvl1pPr marL="0" indent="0">
-              <a:buNone/>
-              <a:defRPr sz="2000">
-                <a:solidFill>
-                  <a:schemeClr val="tx1">
-                    <a:tint val="75000"/>
-                  </a:schemeClr>
-                </a:solidFill>
-              </a:defRPr>
-            </a:lvl1pPr>
-            <a:lvl2pPr marL="457200" indent="0">
-              <a:buNone/>
-              <a:defRPr sz="1800">
-                <a:solidFill>
-                  <a:schemeClr val="tx1">
-                    <a:tint val="75000"/>
-                  </a:schemeClr>
-                </a:solidFill>
-              </a:defRPr>
-            </a:lvl2pPr>
-            <a:lvl3pPr marL="914400" indent="0">
-              <a:buNone/>
-              <a:defRPr sz="1600">
-                <a:solidFill>
-                  <a:schemeClr val="tx1">
-                    <a:tint val="75000"/>
-                  </a:schemeClr>
-                </a:solidFill>
-              </a:defRPr>
-            </a:lvl3pPr>
-            <a:lvl4pPr marL="1371600" indent="0">
-              <a:buNone/>
-              <a:defRPr sz="1400">
-                <a:solidFill>
-                  <a:schemeClr val="tx1">
-                    <a:tint val="75000"/>
-                  </a:schemeClr>
-                </a:solidFill>
-              </a:defRPr>
-            </a:lvl4pPr>
-            <a:lvl5pPr marL="1828800" indent="0">
-              <a:buNone/>
-              <a:defRPr sz="1400">
-                <a:solidFill>
-                  <a:schemeClr val="tx1">
-                    <a:tint val="75000"/>
-                  </a:schemeClr>
-                </a:solidFill>
-              </a:defRPr>
-            </a:lvl5pPr>
-            <a:lvl6pPr marL="2286000" indent="0">
-              <a:buNone/>
-              <a:defRPr sz="1400">
-                <a:solidFill>
-                  <a:schemeClr val="tx1">
-                    <a:tint val="75000"/>
-                  </a:schemeClr>
-                </a:solidFill>
-              </a:defRPr>
-            </a:lvl6pPr>
-            <a:lvl7pPr marL="2743200" indent="0">
-              <a:buNone/>
-              <a:defRPr sz="1400">
-                <a:solidFill>
-                  <a:schemeClr val="tx1">
-                    <a:tint val="75000"/>
-                  </a:schemeClr>
-                </a:solidFill>
-              </a:defRPr>
-            </a:lvl7pPr>
-            <a:lvl8pPr marL="3200400" indent="0">
-              <a:buNone/>
-              <a:defRPr sz="1400">
-                <a:solidFill>
-                  <a:schemeClr val="tx1">
-                    <a:tint val="75000"/>
-                  </a:schemeClr>
-                </a:solidFill>
-              </a:defRPr>
-            </a:lvl8pPr>
-            <a:lvl9pPr marL="3657600" indent="0">
-              <a:buNone/>
-              <a:defRPr sz="1400">
-                <a:solidFill>
-                  <a:schemeClr val="tx1">
-                    <a:tint val="75000"/>
-                  </a:schemeClr>
-                </a:solidFill>
-              </a:defRPr>
-            </a:lvl9pPr>
-          </a:lstStyle>
-          <a:p>
-            <a:pPr lvl="0"/>
-            <a:r>
-              <a:rPr lang="en-US"/>
-              <a:t>Click to edit Master text styles</a:t>
-            </a:r>
-          </a:p>
-        </p:txBody>
-      </p:sp>
-    </p:spTree>
-    <p:extLst>
-      <p:ext uri="{BB962C8B-B14F-4D97-AF65-F5344CB8AC3E}">
-        <p14:creationId xmlns:p14="http://schemas.microsoft.com/office/powerpoint/2010/main" val="3203723413"/>
-      </p:ext>
-    </p:extLst>
-  </p:cSld>
-  <p:clrMapOvr>
-    <a:masterClrMapping/>
-  </p:clrMapOvr>
-</p:sldLayout>
-</file>
-
-<file path=ppt/slideLayouts/slideLayout19.xml><?xml version="1.0" encoding="utf-8"?>
+<file path=ppt/slideLayouts/slideLayout3.xml><?xml version="1.0" encoding="utf-8"?>
 <p:sldLayout xmlns:a="http://schemas.openxmlformats.org/drawingml/2006/main" xmlns:r="http://schemas.openxmlformats.org/officeDocument/2006/relationships" xmlns:p="http://schemas.openxmlformats.org/presentationml/2006/main" type="twoObj" preserve="1">
   <p:cSld name="Two Content">
     <p:spTree>
@@ -2527,7 +3452,7 @@
     </p:spTree>
     <p:extLst>
       <p:ext uri="{BB962C8B-B14F-4D97-AF65-F5344CB8AC3E}">
-        <p14:creationId xmlns:p14="http://schemas.microsoft.com/office/powerpoint/2010/main" val="3660060987"/>
+        <p14:creationId xmlns:p14="http://schemas.microsoft.com/office/powerpoint/2010/main" val="1026234569"/>
       </p:ext>
     </p:extLst>
   </p:cSld>
@@ -2537,201 +3462,7 @@
 </p:sldLayout>
 </file>
 
-<file path=ppt/slideLayouts/slideLayout2.xml><?xml version="1.0" encoding="utf-8"?>
-<p:sldLayout xmlns:a="http://schemas.openxmlformats.org/drawingml/2006/main" xmlns:r="http://schemas.openxmlformats.org/officeDocument/2006/relationships" xmlns:p="http://schemas.openxmlformats.org/presentationml/2006/main" preserve="1" userDrawn="1">
-  <p:cSld name="1_Title Slide">
-    <p:spTree>
-      <p:nvGrpSpPr>
-        <p:cNvPr id="1" name=""/>
-        <p:cNvGrpSpPr/>
-        <p:nvPr/>
-      </p:nvGrpSpPr>
-      <p:grpSpPr>
-        <a:xfrm>
-          <a:off x="0" y="0"/>
-          <a:ext cx="0" cy="0"/>
-          <a:chOff x="0" y="0"/>
-          <a:chExt cx="0" cy="0"/>
-        </a:xfrm>
-      </p:grpSpPr>
-      <p:sp>
-        <p:nvSpPr>
-          <p:cNvPr id="9" name="TextBox 8"/>
-          <p:cNvSpPr txBox="1"/>
-          <p:nvPr userDrawn="1"/>
-        </p:nvSpPr>
-        <p:spPr>
-          <a:xfrm>
-            <a:off x="2774873" y="2528900"/>
-            <a:ext cx="4240263" cy="461665"/>
-          </a:xfrm>
-          <a:prstGeom prst="rect">
-            <a:avLst/>
-          </a:prstGeom>
-          <a:noFill/>
-        </p:spPr>
-        <p:txBody>
-          <a:bodyPr wrap="none" rtlCol="0">
-            <a:spAutoFit/>
-          </a:bodyPr>
-          <a:lstStyle/>
-          <a:p>
-            <a:r>
-              <a:rPr lang="ru-RU" sz="2400" dirty="0">
-                <a:solidFill>
-                  <a:schemeClr val="bg1"/>
-                </a:solidFill>
-              </a:rPr>
-              <a:t>Занятие №</a:t>
-            </a:r>
-            <a:r>
-              <a:rPr lang="en-US" sz="2400" dirty="0">
-                <a:solidFill>
-                  <a:schemeClr val="bg1"/>
-                </a:solidFill>
-              </a:rPr>
-              <a:t>2</a:t>
-            </a:r>
-            <a:r>
-              <a:rPr lang="ru-RU" sz="2400" dirty="0">
-                <a:solidFill>
-                  <a:schemeClr val="bg1"/>
-                </a:solidFill>
-              </a:rPr>
-              <a:t>. Название занятия</a:t>
-            </a:r>
-            <a:endParaRPr lang="en-US" sz="2400" dirty="0">
-              <a:solidFill>
-                <a:schemeClr val="bg1"/>
-              </a:solidFill>
-            </a:endParaRPr>
-          </a:p>
-        </p:txBody>
-      </p:sp>
-      <p:sp>
-        <p:nvSpPr>
-          <p:cNvPr id="7" name="Rectangle 6"/>
-          <p:cNvSpPr/>
-          <p:nvPr userDrawn="1"/>
-        </p:nvSpPr>
-        <p:spPr>
-          <a:xfrm>
-            <a:off x="143508" y="1304764"/>
-            <a:ext cx="8856984" cy="646331"/>
-          </a:xfrm>
-          <a:prstGeom prst="rect">
-            <a:avLst/>
-          </a:prstGeom>
-        </p:spPr>
-        <p:txBody>
-          <a:bodyPr wrap="square">
-            <a:spAutoFit/>
-          </a:bodyPr>
-          <a:lstStyle/>
-          <a:p>
-            <a:pPr algn="ctr"/>
-            <a:r>
-              <a:rPr lang="ru-RU" sz="3600" b="1" i="1" dirty="0">
-                <a:solidFill>
-                  <a:schemeClr val="bg1"/>
-                </a:solidFill>
-              </a:rPr>
-              <a:t>Основы программирования на </a:t>
-            </a:r>
-            <a:r>
-              <a:rPr lang="en-US" sz="3600" b="1" i="1" dirty="0">
-                <a:solidFill>
-                  <a:schemeClr val="bg1"/>
-                </a:solidFill>
-              </a:rPr>
-              <a:t>C#</a:t>
-            </a:r>
-            <a:endParaRPr lang="ru-RU" sz="3600" b="1" i="1" dirty="0">
-              <a:solidFill>
-                <a:schemeClr val="bg1"/>
-              </a:solidFill>
-            </a:endParaRPr>
-          </a:p>
-        </p:txBody>
-      </p:sp>
-      <p:pic>
-        <p:nvPicPr>
-          <p:cNvPr id="8" name="Picture 5"/>
-          <p:cNvPicPr>
-            <a:picLocks noChangeAspect="1" noChangeArrowheads="1"/>
-          </p:cNvPicPr>
-          <p:nvPr userDrawn="1"/>
-        </p:nvPicPr>
-        <p:blipFill>
-          <a:blip r:embed="rId2">
-            <a:extLst>
-              <a:ext uri="{28A0092B-C50C-407E-A947-70E740481C1C}">
-                <a14:useLocalDpi xmlns:a14="http://schemas.microsoft.com/office/drawing/2010/main" val="0"/>
-              </a:ext>
-            </a:extLst>
-          </a:blip>
-          <a:srcRect/>
-          <a:stretch>
-            <a:fillRect/>
-          </a:stretch>
-        </p:blipFill>
-        <p:spPr bwMode="auto">
-          <a:xfrm>
-            <a:off x="1638300" y="3829211"/>
-            <a:ext cx="5867400" cy="1724025"/>
-          </a:xfrm>
-          <a:prstGeom prst="rect">
-            <a:avLst/>
-          </a:prstGeom>
-          <a:noFill/>
-          <a:ln>
-            <a:noFill/>
-          </a:ln>
-          <a:effectLst/>
-          <a:extLst>
-            <a:ext uri="{909E8E84-426E-40DD-AFC4-6F175D3DCCD1}">
-              <a14:hiddenFill xmlns:a14="http://schemas.microsoft.com/office/drawing/2010/main">
-                <a:solidFill>
-                  <a:schemeClr val="accent1"/>
-                </a:solidFill>
-              </a14:hiddenFill>
-            </a:ext>
-            <a:ext uri="{91240B29-F687-4F45-9708-019B960494DF}">
-              <a14:hiddenLine xmlns:a14="http://schemas.microsoft.com/office/drawing/2010/main" w="9525">
-                <a:solidFill>
-                  <a:schemeClr val="tx1"/>
-                </a:solidFill>
-                <a:miter lim="800000"/>
-                <a:headEnd/>
-                <a:tailEnd/>
-              </a14:hiddenLine>
-            </a:ext>
-            <a:ext uri="{AF507438-7753-43E0-B8FC-AC1667EBCBE1}">
-              <a14:hiddenEffects xmlns:a14="http://schemas.microsoft.com/office/drawing/2010/main">
-                <a:effectLst>
-                  <a:outerShdw dist="35921" dir="2700000" algn="ctr" rotWithShape="0">
-                    <a:schemeClr val="bg2"/>
-                  </a:outerShdw>
-                </a:effectLst>
-              </a14:hiddenEffects>
-            </a:ext>
-          </a:extLst>
-        </p:spPr>
-      </p:pic>
-    </p:spTree>
-    <p:extLst>
-      <p:ext uri="{BB962C8B-B14F-4D97-AF65-F5344CB8AC3E}">
-        <p14:creationId xmlns:p14="http://schemas.microsoft.com/office/powerpoint/2010/main" val="3296324981"/>
-      </p:ext>
-    </p:extLst>
-  </p:cSld>
-  <p:clrMapOvr>
-    <a:masterClrMapping/>
-  </p:clrMapOvr>
-</p:sldLayout>
-</file>
-
-<file path=ppt/slideLayouts/slideLayout20.xml><?xml version="1.0" encoding="utf-8"?>
+<file path=ppt/slideLayouts/slideLayout4.xml><?xml version="1.0" encoding="utf-8"?>
 <p:sldLayout xmlns:a="http://schemas.openxmlformats.org/drawingml/2006/main" xmlns:r="http://schemas.openxmlformats.org/officeDocument/2006/relationships" xmlns:p="http://schemas.openxmlformats.org/presentationml/2006/main" type="twoTxTwoObj" preserve="1">
   <p:cSld name="Comparison">
     <p:spTree>
@@ -3078,7 +3809,7 @@
     </p:spTree>
     <p:extLst>
       <p:ext uri="{BB962C8B-B14F-4D97-AF65-F5344CB8AC3E}">
-        <p14:creationId xmlns:p14="http://schemas.microsoft.com/office/powerpoint/2010/main" val="662862902"/>
+        <p14:creationId xmlns:p14="http://schemas.microsoft.com/office/powerpoint/2010/main" val="4044979405"/>
       </p:ext>
     </p:extLst>
   </p:cSld>
@@ -3088,7 +3819,7 @@
 </p:sldLayout>
 </file>
 
-<file path=ppt/slideLayouts/slideLayout21.xml><?xml version="1.0" encoding="utf-8"?>
+<file path=ppt/slideLayouts/slideLayout5.xml><?xml version="1.0" encoding="utf-8"?>
 <p:sldLayout xmlns:a="http://schemas.openxmlformats.org/drawingml/2006/main" xmlns:r="http://schemas.openxmlformats.org/officeDocument/2006/relationships" xmlns:p="http://schemas.openxmlformats.org/presentationml/2006/main" type="titleOnly" preserve="1">
   <p:cSld name="Title Only">
     <p:spTree>
@@ -3131,7 +3862,7 @@
     </p:spTree>
     <p:extLst>
       <p:ext uri="{BB962C8B-B14F-4D97-AF65-F5344CB8AC3E}">
-        <p14:creationId xmlns:p14="http://schemas.microsoft.com/office/powerpoint/2010/main" val="2189313946"/>
+        <p14:creationId xmlns:p14="http://schemas.microsoft.com/office/powerpoint/2010/main" val="125202666"/>
       </p:ext>
     </p:extLst>
   </p:cSld>
@@ -3141,7 +3872,7 @@
 </p:sldLayout>
 </file>
 
-<file path=ppt/slideLayouts/slideLayout22.xml><?xml version="1.0" encoding="utf-8"?>
+<file path=ppt/slideLayouts/slideLayout6.xml><?xml version="1.0" encoding="utf-8"?>
 <p:sldLayout xmlns:a="http://schemas.openxmlformats.org/drawingml/2006/main" xmlns:r="http://schemas.openxmlformats.org/officeDocument/2006/relationships" xmlns:p="http://schemas.openxmlformats.org/presentationml/2006/main" preserve="1" userDrawn="1">
   <p:cSld name="Demo">
     <p:spTree>
@@ -3182,20 +3913,21 @@
           <a:p>
             <a:pPr algn="ctr"/>
             <a:r>
-              <a:rPr lang="ru-RU" sz="3200" dirty="0">
-                <a:solidFill>
-                  <a:srgbClr val="FFFFFF"/>
-                </a:solidFill>
-              </a:rPr>
-              <a:t>Название. Демонстрация.</a:t>
-            </a:r>
+              <a:rPr lang="ru-RU" sz="3200" dirty="0"/>
+              <a:t>Название.</a:t>
+            </a:r>
+            <a:r>
+              <a:rPr lang="ru-RU" sz="3200" baseline="0" dirty="0"/>
+              <a:t> Демонстрация.</a:t>
+            </a:r>
+            <a:endParaRPr lang="ru-RU" sz="3200" dirty="0"/>
           </a:p>
         </p:txBody>
       </p:sp>
     </p:spTree>
     <p:extLst>
       <p:ext uri="{BB962C8B-B14F-4D97-AF65-F5344CB8AC3E}">
-        <p14:creationId xmlns:p14="http://schemas.microsoft.com/office/powerpoint/2010/main" val="2577568704"/>
+        <p14:creationId xmlns:p14="http://schemas.microsoft.com/office/powerpoint/2010/main" val="3308008441"/>
       </p:ext>
     </p:extLst>
   </p:cSld>
@@ -3205,7 +3937,7 @@
 </p:sldLayout>
 </file>
 
-<file path=ppt/slideLayouts/slideLayout23.xml><?xml version="1.0" encoding="utf-8"?>
+<file path=ppt/slideLayouts/slideLayout7.xml><?xml version="1.0" encoding="utf-8"?>
 <p:sldLayout xmlns:a="http://schemas.openxmlformats.org/drawingml/2006/main" xmlns:r="http://schemas.openxmlformats.org/officeDocument/2006/relationships" xmlns:p="http://schemas.openxmlformats.org/presentationml/2006/main" type="blank" preserve="1">
   <p:cSld name="1_Blank">
     <p:spTree>
@@ -3225,7 +3957,7 @@
     </p:spTree>
     <p:extLst>
       <p:ext uri="{BB962C8B-B14F-4D97-AF65-F5344CB8AC3E}">
-        <p14:creationId xmlns:p14="http://schemas.microsoft.com/office/powerpoint/2010/main" val="1631284434"/>
+        <p14:creationId xmlns:p14="http://schemas.microsoft.com/office/powerpoint/2010/main" val="2618453949"/>
       </p:ext>
     </p:extLst>
   </p:cSld>
@@ -3235,7 +3967,7 @@
 </p:sldLayout>
 </file>
 
-<file path=ppt/slideLayouts/slideLayout24.xml><?xml version="1.0" encoding="utf-8"?>
+<file path=ppt/slideLayouts/slideLayout8.xml><?xml version="1.0" encoding="utf-8"?>
 <p:sldLayout xmlns:a="http://schemas.openxmlformats.org/drawingml/2006/main" xmlns:r="http://schemas.openxmlformats.org/officeDocument/2006/relationships" xmlns:p="http://schemas.openxmlformats.org/presentationml/2006/main" type="objTx" preserve="1">
   <p:cSld name="Content with Caption">
     <p:spTree>
@@ -3437,7 +4169,7 @@
     </p:spTree>
     <p:extLst>
       <p:ext uri="{BB962C8B-B14F-4D97-AF65-F5344CB8AC3E}">
-        <p14:creationId xmlns:p14="http://schemas.microsoft.com/office/powerpoint/2010/main" val="1732151203"/>
+        <p14:creationId xmlns:p14="http://schemas.microsoft.com/office/powerpoint/2010/main" val="4043488563"/>
       </p:ext>
     </p:extLst>
   </p:cSld>
@@ -3447,7 +4179,7 @@
 </p:sldLayout>
 </file>
 
-<file path=ppt/slideLayouts/slideLayout25.xml><?xml version="1.0" encoding="utf-8"?>
+<file path=ppt/slideLayouts/slideLayout9.xml><?xml version="1.0" encoding="utf-8"?>
 <p:sldLayout xmlns:a="http://schemas.openxmlformats.org/drawingml/2006/main" xmlns:r="http://schemas.openxmlformats.org/officeDocument/2006/relationships" xmlns:p="http://schemas.openxmlformats.org/presentationml/2006/main" type="picTx" preserve="1">
   <p:cSld name="Picture with Caption">
     <p:spTree>
@@ -3629,1515 +4361,7 @@
     </p:spTree>
     <p:extLst>
       <p:ext uri="{BB962C8B-B14F-4D97-AF65-F5344CB8AC3E}">
-        <p14:creationId xmlns:p14="http://schemas.microsoft.com/office/powerpoint/2010/main" val="3537590217"/>
-      </p:ext>
-    </p:extLst>
-  </p:cSld>
-  <p:clrMapOvr>
-    <a:masterClrMapping/>
-  </p:clrMapOvr>
-</p:sldLayout>
-</file>
-
-<file path=ppt/slideLayouts/slideLayout26.xml><?xml version="1.0" encoding="utf-8"?>
-<p:sldLayout xmlns:a="http://schemas.openxmlformats.org/drawingml/2006/main" xmlns:r="http://schemas.openxmlformats.org/officeDocument/2006/relationships" xmlns:p="http://schemas.openxmlformats.org/presentationml/2006/main" type="vertTx" preserve="1">
-  <p:cSld name="Title and Vertical Text">
-    <p:spTree>
-      <p:nvGrpSpPr>
-        <p:cNvPr id="1" name=""/>
-        <p:cNvGrpSpPr/>
-        <p:nvPr/>
-      </p:nvGrpSpPr>
-      <p:grpSpPr>
-        <a:xfrm>
-          <a:off x="0" y="0"/>
-          <a:ext cx="0" cy="0"/>
-          <a:chOff x="0" y="0"/>
-          <a:chExt cx="0" cy="0"/>
-        </a:xfrm>
-      </p:grpSpPr>
-      <p:sp>
-        <p:nvSpPr>
-          <p:cNvPr id="2" name="Title 1"/>
-          <p:cNvSpPr>
-            <a:spLocks noGrp="1"/>
-          </p:cNvSpPr>
-          <p:nvPr>
-            <p:ph type="title"/>
-          </p:nvPr>
-        </p:nvSpPr>
-        <p:spPr/>
-        <p:txBody>
-          <a:bodyPr/>
-          <a:lstStyle/>
-          <a:p>
-            <a:r>
-              <a:rPr lang="en-US"/>
-              <a:t>Click to edit Master title style</a:t>
-            </a:r>
-            <a:endParaRPr lang="ru-RU" dirty="0"/>
-          </a:p>
-        </p:txBody>
-      </p:sp>
-      <p:sp>
-        <p:nvSpPr>
-          <p:cNvPr id="3" name="Vertical Text Placeholder 2"/>
-          <p:cNvSpPr>
-            <a:spLocks noGrp="1"/>
-          </p:cNvSpPr>
-          <p:nvPr>
-            <p:ph type="body" orient="vert" idx="1"/>
-          </p:nvPr>
-        </p:nvSpPr>
-        <p:spPr/>
-        <p:txBody>
-          <a:bodyPr vert="eaVert"/>
-          <a:lstStyle/>
-          <a:p>
-            <a:pPr lvl="0"/>
-            <a:r>
-              <a:rPr lang="en-US"/>
-              <a:t>Click to edit Master text styles</a:t>
-            </a:r>
-          </a:p>
-          <a:p>
-            <a:pPr lvl="1"/>
-            <a:r>
-              <a:rPr lang="en-US"/>
-              <a:t>Second level</a:t>
-            </a:r>
-          </a:p>
-          <a:p>
-            <a:pPr lvl="2"/>
-            <a:r>
-              <a:rPr lang="en-US"/>
-              <a:t>Third level</a:t>
-            </a:r>
-          </a:p>
-          <a:p>
-            <a:pPr lvl="3"/>
-            <a:r>
-              <a:rPr lang="en-US"/>
-              <a:t>Fourth level</a:t>
-            </a:r>
-          </a:p>
-          <a:p>
-            <a:pPr lvl="4"/>
-            <a:r>
-              <a:rPr lang="en-US"/>
-              <a:t>Fifth level</a:t>
-            </a:r>
-            <a:endParaRPr lang="ru-RU" dirty="0"/>
-          </a:p>
-        </p:txBody>
-      </p:sp>
-    </p:spTree>
-    <p:extLst>
-      <p:ext uri="{BB962C8B-B14F-4D97-AF65-F5344CB8AC3E}">
-        <p14:creationId xmlns:p14="http://schemas.microsoft.com/office/powerpoint/2010/main" val="1179732692"/>
-      </p:ext>
-    </p:extLst>
-  </p:cSld>
-  <p:clrMapOvr>
-    <a:masterClrMapping/>
-  </p:clrMapOvr>
-</p:sldLayout>
-</file>
-
-<file path=ppt/slideLayouts/slideLayout27.xml><?xml version="1.0" encoding="utf-8"?>
-<p:sldLayout xmlns:a="http://schemas.openxmlformats.org/drawingml/2006/main" xmlns:r="http://schemas.openxmlformats.org/officeDocument/2006/relationships" xmlns:p="http://schemas.openxmlformats.org/presentationml/2006/main" type="vertTitleAndTx" preserve="1">
-  <p:cSld name="Vertical Title and Text">
-    <p:spTree>
-      <p:nvGrpSpPr>
-        <p:cNvPr id="1" name=""/>
-        <p:cNvGrpSpPr/>
-        <p:nvPr/>
-      </p:nvGrpSpPr>
-      <p:grpSpPr>
-        <a:xfrm>
-          <a:off x="0" y="0"/>
-          <a:ext cx="0" cy="0"/>
-          <a:chOff x="0" y="0"/>
-          <a:chExt cx="0" cy="0"/>
-        </a:xfrm>
-      </p:grpSpPr>
-      <p:sp>
-        <p:nvSpPr>
-          <p:cNvPr id="2" name="Vertical Title 1"/>
-          <p:cNvSpPr>
-            <a:spLocks noGrp="1"/>
-          </p:cNvSpPr>
-          <p:nvPr>
-            <p:ph type="title" orient="vert"/>
-          </p:nvPr>
-        </p:nvSpPr>
-        <p:spPr>
-          <a:xfrm>
-            <a:off x="6629400" y="274638"/>
-            <a:ext cx="2057400" cy="5851525"/>
-          </a:xfrm>
-        </p:spPr>
-        <p:txBody>
-          <a:bodyPr vert="eaVert"/>
-          <a:lstStyle/>
-          <a:p>
-            <a:r>
-              <a:rPr lang="en-US"/>
-              <a:t>Click to edit Master title style</a:t>
-            </a:r>
-            <a:endParaRPr lang="ru-RU" dirty="0"/>
-          </a:p>
-        </p:txBody>
-      </p:sp>
-      <p:sp>
-        <p:nvSpPr>
-          <p:cNvPr id="3" name="Vertical Text Placeholder 2"/>
-          <p:cNvSpPr>
-            <a:spLocks noGrp="1"/>
-          </p:cNvSpPr>
-          <p:nvPr>
-            <p:ph type="body" orient="vert" idx="1"/>
-          </p:nvPr>
-        </p:nvSpPr>
-        <p:spPr>
-          <a:xfrm>
-            <a:off x="457200" y="274638"/>
-            <a:ext cx="6019800" cy="5851525"/>
-          </a:xfrm>
-        </p:spPr>
-        <p:txBody>
-          <a:bodyPr vert="eaVert"/>
-          <a:lstStyle/>
-          <a:p>
-            <a:pPr lvl="0"/>
-            <a:r>
-              <a:rPr lang="en-US"/>
-              <a:t>Click to edit Master text styles</a:t>
-            </a:r>
-          </a:p>
-          <a:p>
-            <a:pPr lvl="1"/>
-            <a:r>
-              <a:rPr lang="en-US"/>
-              <a:t>Second level</a:t>
-            </a:r>
-          </a:p>
-          <a:p>
-            <a:pPr lvl="2"/>
-            <a:r>
-              <a:rPr lang="en-US"/>
-              <a:t>Third level</a:t>
-            </a:r>
-          </a:p>
-          <a:p>
-            <a:pPr lvl="3"/>
-            <a:r>
-              <a:rPr lang="en-US"/>
-              <a:t>Fourth level</a:t>
-            </a:r>
-          </a:p>
-          <a:p>
-            <a:pPr lvl="4"/>
-            <a:r>
-              <a:rPr lang="en-US"/>
-              <a:t>Fifth level</a:t>
-            </a:r>
-            <a:endParaRPr lang="ru-RU" dirty="0"/>
-          </a:p>
-        </p:txBody>
-      </p:sp>
-    </p:spTree>
-    <p:extLst>
-      <p:ext uri="{BB962C8B-B14F-4D97-AF65-F5344CB8AC3E}">
-        <p14:creationId xmlns:p14="http://schemas.microsoft.com/office/powerpoint/2010/main" val="1954166240"/>
-      </p:ext>
-    </p:extLst>
-  </p:cSld>
-  <p:clrMapOvr>
-    <a:masterClrMapping/>
-  </p:clrMapOvr>
-</p:sldLayout>
-</file>
-
-<file path=ppt/slideLayouts/slideLayout28.xml><?xml version="1.0" encoding="utf-8"?>
-<p:sldLayout xmlns:a="http://schemas.openxmlformats.org/drawingml/2006/main" xmlns:r="http://schemas.openxmlformats.org/officeDocument/2006/relationships" xmlns:p="http://schemas.openxmlformats.org/presentationml/2006/main" type="title">
-  <p:cSld name="2_Title Slide">
-    <p:spTree>
-      <p:nvGrpSpPr>
-        <p:cNvPr id="1" name=""/>
-        <p:cNvGrpSpPr/>
-        <p:nvPr/>
-      </p:nvGrpSpPr>
-      <p:grpSpPr>
-        <a:xfrm>
-          <a:off x="0" y="0"/>
-          <a:ext cx="0" cy="0"/>
-          <a:chOff x="0" y="0"/>
-          <a:chExt cx="0" cy="0"/>
-        </a:xfrm>
-      </p:grpSpPr>
-      <p:sp>
-        <p:nvSpPr>
-          <p:cNvPr id="2" name="Title 1"/>
-          <p:cNvSpPr>
-            <a:spLocks noGrp="1"/>
-          </p:cNvSpPr>
-          <p:nvPr>
-            <p:ph type="ctrTitle"/>
-          </p:nvPr>
-        </p:nvSpPr>
-        <p:spPr>
-          <a:xfrm>
-            <a:off x="685800" y="2130425"/>
-            <a:ext cx="7772400" cy="1470025"/>
-          </a:xfrm>
-        </p:spPr>
-        <p:txBody>
-          <a:bodyPr/>
-          <a:lstStyle/>
-          <a:p>
-            <a:r>
-              <a:rPr lang="en-US"/>
-              <a:t>Click to edit Master title style</a:t>
-            </a:r>
-            <a:endParaRPr lang="ru-RU"/>
-          </a:p>
-        </p:txBody>
-      </p:sp>
-      <p:sp>
-        <p:nvSpPr>
-          <p:cNvPr id="3" name="Subtitle 2"/>
-          <p:cNvSpPr>
-            <a:spLocks noGrp="1"/>
-          </p:cNvSpPr>
-          <p:nvPr>
-            <p:ph type="subTitle" idx="1"/>
-          </p:nvPr>
-        </p:nvSpPr>
-        <p:spPr>
-          <a:xfrm>
-            <a:off x="1371600" y="3886200"/>
-            <a:ext cx="6400800" cy="1752600"/>
-          </a:xfrm>
-        </p:spPr>
-        <p:txBody>
-          <a:bodyPr/>
-          <a:lstStyle>
-            <a:lvl1pPr marL="0" indent="0" algn="ctr">
-              <a:buNone/>
-              <a:defRPr>
-                <a:solidFill>
-                  <a:schemeClr val="tx1">
-                    <a:tint val="75000"/>
-                  </a:schemeClr>
-                </a:solidFill>
-              </a:defRPr>
-            </a:lvl1pPr>
-            <a:lvl2pPr marL="457200" indent="0" algn="ctr">
-              <a:buNone/>
-              <a:defRPr>
-                <a:solidFill>
-                  <a:schemeClr val="tx1">
-                    <a:tint val="75000"/>
-                  </a:schemeClr>
-                </a:solidFill>
-              </a:defRPr>
-            </a:lvl2pPr>
-            <a:lvl3pPr marL="914400" indent="0" algn="ctr">
-              <a:buNone/>
-              <a:defRPr>
-                <a:solidFill>
-                  <a:schemeClr val="tx1">
-                    <a:tint val="75000"/>
-                  </a:schemeClr>
-                </a:solidFill>
-              </a:defRPr>
-            </a:lvl3pPr>
-            <a:lvl4pPr marL="1371600" indent="0" algn="ctr">
-              <a:buNone/>
-              <a:defRPr>
-                <a:solidFill>
-                  <a:schemeClr val="tx1">
-                    <a:tint val="75000"/>
-                  </a:schemeClr>
-                </a:solidFill>
-              </a:defRPr>
-            </a:lvl4pPr>
-            <a:lvl5pPr marL="1828800" indent="0" algn="ctr">
-              <a:buNone/>
-              <a:defRPr>
-                <a:solidFill>
-                  <a:schemeClr val="tx1">
-                    <a:tint val="75000"/>
-                  </a:schemeClr>
-                </a:solidFill>
-              </a:defRPr>
-            </a:lvl5pPr>
-            <a:lvl6pPr marL="2286000" indent="0" algn="ctr">
-              <a:buNone/>
-              <a:defRPr>
-                <a:solidFill>
-                  <a:schemeClr val="tx1">
-                    <a:tint val="75000"/>
-                  </a:schemeClr>
-                </a:solidFill>
-              </a:defRPr>
-            </a:lvl6pPr>
-            <a:lvl7pPr marL="2743200" indent="0" algn="ctr">
-              <a:buNone/>
-              <a:defRPr>
-                <a:solidFill>
-                  <a:schemeClr val="tx1">
-                    <a:tint val="75000"/>
-                  </a:schemeClr>
-                </a:solidFill>
-              </a:defRPr>
-            </a:lvl7pPr>
-            <a:lvl8pPr marL="3200400" indent="0" algn="ctr">
-              <a:buNone/>
-              <a:defRPr>
-                <a:solidFill>
-                  <a:schemeClr val="tx1">
-                    <a:tint val="75000"/>
-                  </a:schemeClr>
-                </a:solidFill>
-              </a:defRPr>
-            </a:lvl8pPr>
-            <a:lvl9pPr marL="3657600" indent="0" algn="ctr">
-              <a:buNone/>
-              <a:defRPr>
-                <a:solidFill>
-                  <a:schemeClr val="tx1">
-                    <a:tint val="75000"/>
-                  </a:schemeClr>
-                </a:solidFill>
-              </a:defRPr>
-            </a:lvl9pPr>
-          </a:lstStyle>
-          <a:p>
-            <a:r>
-              <a:rPr lang="en-US"/>
-              <a:t>Click to edit Master subtitle style</a:t>
-            </a:r>
-            <a:endParaRPr lang="ru-RU"/>
-          </a:p>
-        </p:txBody>
-      </p:sp>
-      <p:sp>
-        <p:nvSpPr>
-          <p:cNvPr id="4" name="Date Placeholder 3"/>
-          <p:cNvSpPr>
-            <a:spLocks noGrp="1"/>
-          </p:cNvSpPr>
-          <p:nvPr>
-            <p:ph type="dt" sz="half" idx="10"/>
-          </p:nvPr>
-        </p:nvSpPr>
-        <p:spPr/>
-        <p:txBody>
-          <a:bodyPr/>
-          <a:lstStyle/>
-          <a:p>
-            <a:fld id="{8E6E6A2A-E9D3-4A0D-B04A-ABDD367A1E08}" type="datetimeFigureOut">
-              <a:rPr lang="ru-RU" smtClean="0">
-                <a:solidFill>
-                  <a:srgbClr val="FFFFFF">
-                    <a:tint val="75000"/>
-                  </a:srgbClr>
-                </a:solidFill>
-              </a:rPr>
-              <a:pPr/>
-              <a:t>13.08.2018</a:t>
-            </a:fld>
-            <a:endParaRPr lang="ru-RU">
-              <a:solidFill>
-                <a:srgbClr val="FFFFFF">
-                  <a:tint val="75000"/>
-                </a:srgbClr>
-              </a:solidFill>
-            </a:endParaRPr>
-          </a:p>
-        </p:txBody>
-      </p:sp>
-      <p:sp>
-        <p:nvSpPr>
-          <p:cNvPr id="5" name="Footer Placeholder 4"/>
-          <p:cNvSpPr>
-            <a:spLocks noGrp="1"/>
-          </p:cNvSpPr>
-          <p:nvPr>
-            <p:ph type="ftr" sz="quarter" idx="11"/>
-          </p:nvPr>
-        </p:nvSpPr>
-        <p:spPr/>
-        <p:txBody>
-          <a:bodyPr/>
-          <a:lstStyle/>
-          <a:p>
-            <a:endParaRPr lang="ru-RU">
-              <a:solidFill>
-                <a:srgbClr val="FFFFFF">
-                  <a:tint val="75000"/>
-                </a:srgbClr>
-              </a:solidFill>
-            </a:endParaRPr>
-          </a:p>
-        </p:txBody>
-      </p:sp>
-      <p:sp>
-        <p:nvSpPr>
-          <p:cNvPr id="6" name="Slide Number Placeholder 5"/>
-          <p:cNvSpPr>
-            <a:spLocks noGrp="1"/>
-          </p:cNvSpPr>
-          <p:nvPr>
-            <p:ph type="sldNum" sz="quarter" idx="12"/>
-          </p:nvPr>
-        </p:nvSpPr>
-        <p:spPr/>
-        <p:txBody>
-          <a:bodyPr/>
-          <a:lstStyle/>
-          <a:p>
-            <a:fld id="{BC0D3D34-2E8A-4A38-B864-C677BA056495}" type="slidenum">
-              <a:rPr lang="ru-RU" smtClean="0">
-                <a:solidFill>
-                  <a:srgbClr val="FFFFFF">
-                    <a:tint val="75000"/>
-                  </a:srgbClr>
-                </a:solidFill>
-              </a:rPr>
-              <a:pPr/>
-              <a:t>‹#›</a:t>
-            </a:fld>
-            <a:endParaRPr lang="ru-RU">
-              <a:solidFill>
-                <a:srgbClr val="FFFFFF">
-                  <a:tint val="75000"/>
-                </a:srgbClr>
-              </a:solidFill>
-            </a:endParaRPr>
-          </a:p>
-        </p:txBody>
-      </p:sp>
-    </p:spTree>
-    <p:extLst>
-      <p:ext uri="{BB962C8B-B14F-4D97-AF65-F5344CB8AC3E}">
-        <p14:creationId xmlns:p14="http://schemas.microsoft.com/office/powerpoint/2010/main" val="3442749556"/>
-      </p:ext>
-    </p:extLst>
-  </p:cSld>
-  <p:clrMapOvr>
-    <a:masterClrMapping/>
-  </p:clrMapOvr>
-</p:sldLayout>
-</file>
-
-<file path=ppt/slideLayouts/slideLayout3.xml><?xml version="1.0" encoding="utf-8"?>
-<p:sldLayout xmlns:a="http://schemas.openxmlformats.org/drawingml/2006/main" xmlns:r="http://schemas.openxmlformats.org/officeDocument/2006/relationships" xmlns:p="http://schemas.openxmlformats.org/presentationml/2006/main" type="obj" preserve="1">
-  <p:cSld name="Title and Content">
-    <p:spTree>
-      <p:nvGrpSpPr>
-        <p:cNvPr id="1" name=""/>
-        <p:cNvGrpSpPr/>
-        <p:nvPr/>
-      </p:nvGrpSpPr>
-      <p:grpSpPr>
-        <a:xfrm>
-          <a:off x="0" y="0"/>
-          <a:ext cx="0" cy="0"/>
-          <a:chOff x="0" y="0"/>
-          <a:chExt cx="0" cy="0"/>
-        </a:xfrm>
-      </p:grpSpPr>
-      <p:sp>
-        <p:nvSpPr>
-          <p:cNvPr id="2" name="Title 1"/>
-          <p:cNvSpPr>
-            <a:spLocks noGrp="1"/>
-          </p:cNvSpPr>
-          <p:nvPr>
-            <p:ph type="title"/>
-          </p:nvPr>
-        </p:nvSpPr>
-        <p:spPr/>
-        <p:txBody>
-          <a:bodyPr/>
-          <a:lstStyle/>
-          <a:p>
-            <a:r>
-              <a:rPr lang="en-US"/>
-              <a:t>Click to edit Master title style</a:t>
-            </a:r>
-            <a:endParaRPr lang="ru-RU" dirty="0"/>
-          </a:p>
-        </p:txBody>
-      </p:sp>
-      <p:sp>
-        <p:nvSpPr>
-          <p:cNvPr id="3" name="Content Placeholder 2"/>
-          <p:cNvSpPr>
-            <a:spLocks noGrp="1"/>
-          </p:cNvSpPr>
-          <p:nvPr>
-            <p:ph idx="1"/>
-          </p:nvPr>
-        </p:nvSpPr>
-        <p:spPr/>
-        <p:txBody>
-          <a:bodyPr/>
-          <a:lstStyle/>
-          <a:p>
-            <a:pPr lvl="0"/>
-            <a:r>
-              <a:rPr lang="en-US"/>
-              <a:t>Click to edit Master text styles</a:t>
-            </a:r>
-          </a:p>
-          <a:p>
-            <a:pPr lvl="1"/>
-            <a:r>
-              <a:rPr lang="en-US"/>
-              <a:t>Second level</a:t>
-            </a:r>
-          </a:p>
-          <a:p>
-            <a:pPr lvl="2"/>
-            <a:r>
-              <a:rPr lang="en-US"/>
-              <a:t>Third level</a:t>
-            </a:r>
-          </a:p>
-          <a:p>
-            <a:pPr lvl="3"/>
-            <a:r>
-              <a:rPr lang="en-US"/>
-              <a:t>Fourth level</a:t>
-            </a:r>
-          </a:p>
-          <a:p>
-            <a:pPr lvl="4"/>
-            <a:r>
-              <a:rPr lang="en-US"/>
-              <a:t>Fifth level</a:t>
-            </a:r>
-            <a:endParaRPr lang="ru-RU" dirty="0"/>
-          </a:p>
-        </p:txBody>
-      </p:sp>
-    </p:spTree>
-    <p:extLst>
-      <p:ext uri="{BB962C8B-B14F-4D97-AF65-F5344CB8AC3E}">
-        <p14:creationId xmlns:p14="http://schemas.microsoft.com/office/powerpoint/2010/main" val="3363467697"/>
-      </p:ext>
-    </p:extLst>
-  </p:cSld>
-  <p:clrMapOvr>
-    <a:masterClrMapping/>
-  </p:clrMapOvr>
-</p:sldLayout>
-</file>
-
-<file path=ppt/slideLayouts/slideLayout4.xml><?xml version="1.0" encoding="utf-8"?>
-<p:sldLayout xmlns:a="http://schemas.openxmlformats.org/drawingml/2006/main" xmlns:r="http://schemas.openxmlformats.org/officeDocument/2006/relationships" xmlns:p="http://schemas.openxmlformats.org/presentationml/2006/main" type="secHead" preserve="1">
-  <p:cSld name="Section Header">
-    <p:spTree>
-      <p:nvGrpSpPr>
-        <p:cNvPr id="1" name=""/>
-        <p:cNvGrpSpPr/>
-        <p:nvPr/>
-      </p:nvGrpSpPr>
-      <p:grpSpPr>
-        <a:xfrm>
-          <a:off x="0" y="0"/>
-          <a:ext cx="0" cy="0"/>
-          <a:chOff x="0" y="0"/>
-          <a:chExt cx="0" cy="0"/>
-        </a:xfrm>
-      </p:grpSpPr>
-      <p:sp>
-        <p:nvSpPr>
-          <p:cNvPr id="2" name="Title 1"/>
-          <p:cNvSpPr>
-            <a:spLocks noGrp="1"/>
-          </p:cNvSpPr>
-          <p:nvPr>
-            <p:ph type="title"/>
-          </p:nvPr>
-        </p:nvSpPr>
-        <p:spPr>
-          <a:xfrm>
-            <a:off x="722313" y="4406900"/>
-            <a:ext cx="7772400" cy="1362075"/>
-          </a:xfrm>
-        </p:spPr>
-        <p:txBody>
-          <a:bodyPr anchor="t"/>
-          <a:lstStyle>
-            <a:lvl1pPr algn="l">
-              <a:defRPr sz="4000" b="1" cap="all"/>
-            </a:lvl1pPr>
-          </a:lstStyle>
-          <a:p>
-            <a:r>
-              <a:rPr lang="en-US"/>
-              <a:t>Click to edit Master title style</a:t>
-            </a:r>
-            <a:endParaRPr lang="ru-RU" dirty="0"/>
-          </a:p>
-        </p:txBody>
-      </p:sp>
-      <p:sp>
-        <p:nvSpPr>
-          <p:cNvPr id="3" name="Text Placeholder 2"/>
-          <p:cNvSpPr>
-            <a:spLocks noGrp="1"/>
-          </p:cNvSpPr>
-          <p:nvPr>
-            <p:ph type="body" idx="1"/>
-          </p:nvPr>
-        </p:nvSpPr>
-        <p:spPr>
-          <a:xfrm>
-            <a:off x="722313" y="2906713"/>
-            <a:ext cx="7772400" cy="1500187"/>
-          </a:xfrm>
-        </p:spPr>
-        <p:txBody>
-          <a:bodyPr anchor="b"/>
-          <a:lstStyle>
-            <a:lvl1pPr marL="0" indent="0">
-              <a:buNone/>
-              <a:defRPr sz="2000">
-                <a:solidFill>
-                  <a:schemeClr val="tx1">
-                    <a:tint val="75000"/>
-                  </a:schemeClr>
-                </a:solidFill>
-              </a:defRPr>
-            </a:lvl1pPr>
-            <a:lvl2pPr marL="457200" indent="0">
-              <a:buNone/>
-              <a:defRPr sz="1800">
-                <a:solidFill>
-                  <a:schemeClr val="tx1">
-                    <a:tint val="75000"/>
-                  </a:schemeClr>
-                </a:solidFill>
-              </a:defRPr>
-            </a:lvl2pPr>
-            <a:lvl3pPr marL="914400" indent="0">
-              <a:buNone/>
-              <a:defRPr sz="1600">
-                <a:solidFill>
-                  <a:schemeClr val="tx1">
-                    <a:tint val="75000"/>
-                  </a:schemeClr>
-                </a:solidFill>
-              </a:defRPr>
-            </a:lvl3pPr>
-            <a:lvl4pPr marL="1371600" indent="0">
-              <a:buNone/>
-              <a:defRPr sz="1400">
-                <a:solidFill>
-                  <a:schemeClr val="tx1">
-                    <a:tint val="75000"/>
-                  </a:schemeClr>
-                </a:solidFill>
-              </a:defRPr>
-            </a:lvl4pPr>
-            <a:lvl5pPr marL="1828800" indent="0">
-              <a:buNone/>
-              <a:defRPr sz="1400">
-                <a:solidFill>
-                  <a:schemeClr val="tx1">
-                    <a:tint val="75000"/>
-                  </a:schemeClr>
-                </a:solidFill>
-              </a:defRPr>
-            </a:lvl5pPr>
-            <a:lvl6pPr marL="2286000" indent="0">
-              <a:buNone/>
-              <a:defRPr sz="1400">
-                <a:solidFill>
-                  <a:schemeClr val="tx1">
-                    <a:tint val="75000"/>
-                  </a:schemeClr>
-                </a:solidFill>
-              </a:defRPr>
-            </a:lvl6pPr>
-            <a:lvl7pPr marL="2743200" indent="0">
-              <a:buNone/>
-              <a:defRPr sz="1400">
-                <a:solidFill>
-                  <a:schemeClr val="tx1">
-                    <a:tint val="75000"/>
-                  </a:schemeClr>
-                </a:solidFill>
-              </a:defRPr>
-            </a:lvl7pPr>
-            <a:lvl8pPr marL="3200400" indent="0">
-              <a:buNone/>
-              <a:defRPr sz="1400">
-                <a:solidFill>
-                  <a:schemeClr val="tx1">
-                    <a:tint val="75000"/>
-                  </a:schemeClr>
-                </a:solidFill>
-              </a:defRPr>
-            </a:lvl8pPr>
-            <a:lvl9pPr marL="3657600" indent="0">
-              <a:buNone/>
-              <a:defRPr sz="1400">
-                <a:solidFill>
-                  <a:schemeClr val="tx1">
-                    <a:tint val="75000"/>
-                  </a:schemeClr>
-                </a:solidFill>
-              </a:defRPr>
-            </a:lvl9pPr>
-          </a:lstStyle>
-          <a:p>
-            <a:pPr lvl="0"/>
-            <a:r>
-              <a:rPr lang="en-US"/>
-              <a:t>Click to edit Master text styles</a:t>
-            </a:r>
-          </a:p>
-        </p:txBody>
-      </p:sp>
-    </p:spTree>
-    <p:extLst>
-      <p:ext uri="{BB962C8B-B14F-4D97-AF65-F5344CB8AC3E}">
-        <p14:creationId xmlns:p14="http://schemas.microsoft.com/office/powerpoint/2010/main" val="1627150216"/>
-      </p:ext>
-    </p:extLst>
-  </p:cSld>
-  <p:clrMapOvr>
-    <a:masterClrMapping/>
-  </p:clrMapOvr>
-</p:sldLayout>
-</file>
-
-<file path=ppt/slideLayouts/slideLayout5.xml><?xml version="1.0" encoding="utf-8"?>
-<p:sldLayout xmlns:a="http://schemas.openxmlformats.org/drawingml/2006/main" xmlns:r="http://schemas.openxmlformats.org/officeDocument/2006/relationships" xmlns:p="http://schemas.openxmlformats.org/presentationml/2006/main" type="twoObj" preserve="1">
-  <p:cSld name="Two Content">
-    <p:spTree>
-      <p:nvGrpSpPr>
-        <p:cNvPr id="1" name=""/>
-        <p:cNvGrpSpPr/>
-        <p:nvPr/>
-      </p:nvGrpSpPr>
-      <p:grpSpPr>
-        <a:xfrm>
-          <a:off x="0" y="0"/>
-          <a:ext cx="0" cy="0"/>
-          <a:chOff x="0" y="0"/>
-          <a:chExt cx="0" cy="0"/>
-        </a:xfrm>
-      </p:grpSpPr>
-      <p:sp>
-        <p:nvSpPr>
-          <p:cNvPr id="2" name="Title 1"/>
-          <p:cNvSpPr>
-            <a:spLocks noGrp="1"/>
-          </p:cNvSpPr>
-          <p:nvPr>
-            <p:ph type="title"/>
-          </p:nvPr>
-        </p:nvSpPr>
-        <p:spPr/>
-        <p:txBody>
-          <a:bodyPr/>
-          <a:lstStyle/>
-          <a:p>
-            <a:r>
-              <a:rPr lang="en-US"/>
-              <a:t>Click to edit Master title style</a:t>
-            </a:r>
-            <a:endParaRPr lang="ru-RU" dirty="0"/>
-          </a:p>
-        </p:txBody>
-      </p:sp>
-      <p:sp>
-        <p:nvSpPr>
-          <p:cNvPr id="3" name="Content Placeholder 2"/>
-          <p:cNvSpPr>
-            <a:spLocks noGrp="1"/>
-          </p:cNvSpPr>
-          <p:nvPr>
-            <p:ph sz="half" idx="1"/>
-          </p:nvPr>
-        </p:nvSpPr>
-        <p:spPr>
-          <a:xfrm>
-            <a:off x="457200" y="1600200"/>
-            <a:ext cx="4038600" cy="4525963"/>
-          </a:xfrm>
-        </p:spPr>
-        <p:txBody>
-          <a:bodyPr/>
-          <a:lstStyle>
-            <a:lvl1pPr>
-              <a:defRPr sz="2800"/>
-            </a:lvl1pPr>
-            <a:lvl2pPr>
-              <a:defRPr sz="2400"/>
-            </a:lvl2pPr>
-            <a:lvl3pPr>
-              <a:defRPr sz="2000"/>
-            </a:lvl3pPr>
-            <a:lvl4pPr>
-              <a:defRPr sz="1800"/>
-            </a:lvl4pPr>
-            <a:lvl5pPr>
-              <a:defRPr sz="1800"/>
-            </a:lvl5pPr>
-            <a:lvl6pPr>
-              <a:defRPr sz="1800"/>
-            </a:lvl6pPr>
-            <a:lvl7pPr>
-              <a:defRPr sz="1800"/>
-            </a:lvl7pPr>
-            <a:lvl8pPr>
-              <a:defRPr sz="1800"/>
-            </a:lvl8pPr>
-            <a:lvl9pPr>
-              <a:defRPr sz="1800"/>
-            </a:lvl9pPr>
-          </a:lstStyle>
-          <a:p>
-            <a:pPr lvl="0"/>
-            <a:r>
-              <a:rPr lang="en-US"/>
-              <a:t>Click to edit Master text styles</a:t>
-            </a:r>
-          </a:p>
-          <a:p>
-            <a:pPr lvl="1"/>
-            <a:r>
-              <a:rPr lang="en-US"/>
-              <a:t>Second level</a:t>
-            </a:r>
-          </a:p>
-          <a:p>
-            <a:pPr lvl="2"/>
-            <a:r>
-              <a:rPr lang="en-US"/>
-              <a:t>Third level</a:t>
-            </a:r>
-          </a:p>
-          <a:p>
-            <a:pPr lvl="3"/>
-            <a:r>
-              <a:rPr lang="en-US"/>
-              <a:t>Fourth level</a:t>
-            </a:r>
-          </a:p>
-          <a:p>
-            <a:pPr lvl="4"/>
-            <a:r>
-              <a:rPr lang="en-US"/>
-              <a:t>Fifth level</a:t>
-            </a:r>
-            <a:endParaRPr lang="ru-RU" dirty="0"/>
-          </a:p>
-        </p:txBody>
-      </p:sp>
-      <p:sp>
-        <p:nvSpPr>
-          <p:cNvPr id="4" name="Content Placeholder 3"/>
-          <p:cNvSpPr>
-            <a:spLocks noGrp="1"/>
-          </p:cNvSpPr>
-          <p:nvPr>
-            <p:ph sz="half" idx="2"/>
-          </p:nvPr>
-        </p:nvSpPr>
-        <p:spPr>
-          <a:xfrm>
-            <a:off x="4648200" y="1600200"/>
-            <a:ext cx="4038600" cy="4525963"/>
-          </a:xfrm>
-        </p:spPr>
-        <p:txBody>
-          <a:bodyPr/>
-          <a:lstStyle>
-            <a:lvl1pPr>
-              <a:defRPr sz="2800"/>
-            </a:lvl1pPr>
-            <a:lvl2pPr>
-              <a:defRPr sz="2400"/>
-            </a:lvl2pPr>
-            <a:lvl3pPr>
-              <a:defRPr sz="2000"/>
-            </a:lvl3pPr>
-            <a:lvl4pPr>
-              <a:defRPr sz="1800"/>
-            </a:lvl4pPr>
-            <a:lvl5pPr>
-              <a:defRPr sz="1800"/>
-            </a:lvl5pPr>
-            <a:lvl6pPr>
-              <a:defRPr sz="1800"/>
-            </a:lvl6pPr>
-            <a:lvl7pPr>
-              <a:defRPr sz="1800"/>
-            </a:lvl7pPr>
-            <a:lvl8pPr>
-              <a:defRPr sz="1800"/>
-            </a:lvl8pPr>
-            <a:lvl9pPr>
-              <a:defRPr sz="1800"/>
-            </a:lvl9pPr>
-          </a:lstStyle>
-          <a:p>
-            <a:pPr lvl="0"/>
-            <a:r>
-              <a:rPr lang="en-US"/>
-              <a:t>Click to edit Master text styles</a:t>
-            </a:r>
-          </a:p>
-          <a:p>
-            <a:pPr lvl="1"/>
-            <a:r>
-              <a:rPr lang="en-US"/>
-              <a:t>Second level</a:t>
-            </a:r>
-          </a:p>
-          <a:p>
-            <a:pPr lvl="2"/>
-            <a:r>
-              <a:rPr lang="en-US"/>
-              <a:t>Third level</a:t>
-            </a:r>
-          </a:p>
-          <a:p>
-            <a:pPr lvl="3"/>
-            <a:r>
-              <a:rPr lang="en-US"/>
-              <a:t>Fourth level</a:t>
-            </a:r>
-          </a:p>
-          <a:p>
-            <a:pPr lvl="4"/>
-            <a:r>
-              <a:rPr lang="en-US"/>
-              <a:t>Fifth level</a:t>
-            </a:r>
-            <a:endParaRPr lang="ru-RU" dirty="0"/>
-          </a:p>
-        </p:txBody>
-      </p:sp>
-    </p:spTree>
-    <p:extLst>
-      <p:ext uri="{BB962C8B-B14F-4D97-AF65-F5344CB8AC3E}">
-        <p14:creationId xmlns:p14="http://schemas.microsoft.com/office/powerpoint/2010/main" val="1026234569"/>
-      </p:ext>
-    </p:extLst>
-  </p:cSld>
-  <p:clrMapOvr>
-    <a:masterClrMapping/>
-  </p:clrMapOvr>
-</p:sldLayout>
-</file>
-
-<file path=ppt/slideLayouts/slideLayout6.xml><?xml version="1.0" encoding="utf-8"?>
-<p:sldLayout xmlns:a="http://schemas.openxmlformats.org/drawingml/2006/main" xmlns:r="http://schemas.openxmlformats.org/officeDocument/2006/relationships" xmlns:p="http://schemas.openxmlformats.org/presentationml/2006/main" type="twoTxTwoObj" preserve="1">
-  <p:cSld name="Comparison">
-    <p:spTree>
-      <p:nvGrpSpPr>
-        <p:cNvPr id="1" name=""/>
-        <p:cNvGrpSpPr/>
-        <p:nvPr/>
-      </p:nvGrpSpPr>
-      <p:grpSpPr>
-        <a:xfrm>
-          <a:off x="0" y="0"/>
-          <a:ext cx="0" cy="0"/>
-          <a:chOff x="0" y="0"/>
-          <a:chExt cx="0" cy="0"/>
-        </a:xfrm>
-      </p:grpSpPr>
-      <p:sp>
-        <p:nvSpPr>
-          <p:cNvPr id="2" name="Title 1"/>
-          <p:cNvSpPr>
-            <a:spLocks noGrp="1"/>
-          </p:cNvSpPr>
-          <p:nvPr>
-            <p:ph type="title"/>
-          </p:nvPr>
-        </p:nvSpPr>
-        <p:spPr/>
-        <p:txBody>
-          <a:bodyPr/>
-          <a:lstStyle>
-            <a:lvl1pPr>
-              <a:defRPr/>
-            </a:lvl1pPr>
-          </a:lstStyle>
-          <a:p>
-            <a:r>
-              <a:rPr lang="en-US"/>
-              <a:t>Click to edit Master title style</a:t>
-            </a:r>
-            <a:endParaRPr lang="ru-RU" dirty="0"/>
-          </a:p>
-        </p:txBody>
-      </p:sp>
-      <p:sp>
-        <p:nvSpPr>
-          <p:cNvPr id="3" name="Text Placeholder 2"/>
-          <p:cNvSpPr>
-            <a:spLocks noGrp="1"/>
-          </p:cNvSpPr>
-          <p:nvPr>
-            <p:ph type="body" idx="1"/>
-          </p:nvPr>
-        </p:nvSpPr>
-        <p:spPr>
-          <a:xfrm>
-            <a:off x="457200" y="1535113"/>
-            <a:ext cx="4040188" cy="639762"/>
-          </a:xfrm>
-        </p:spPr>
-        <p:txBody>
-          <a:bodyPr anchor="b"/>
-          <a:lstStyle>
-            <a:lvl1pPr marL="0" indent="0">
-              <a:buNone/>
-              <a:defRPr sz="2400" b="1"/>
-            </a:lvl1pPr>
-            <a:lvl2pPr marL="457200" indent="0">
-              <a:buNone/>
-              <a:defRPr sz="2000" b="1"/>
-            </a:lvl2pPr>
-            <a:lvl3pPr marL="914400" indent="0">
-              <a:buNone/>
-              <a:defRPr sz="1800" b="1"/>
-            </a:lvl3pPr>
-            <a:lvl4pPr marL="1371600" indent="0">
-              <a:buNone/>
-              <a:defRPr sz="1600" b="1"/>
-            </a:lvl4pPr>
-            <a:lvl5pPr marL="1828800" indent="0">
-              <a:buNone/>
-              <a:defRPr sz="1600" b="1"/>
-            </a:lvl5pPr>
-            <a:lvl6pPr marL="2286000" indent="0">
-              <a:buNone/>
-              <a:defRPr sz="1600" b="1"/>
-            </a:lvl6pPr>
-            <a:lvl7pPr marL="2743200" indent="0">
-              <a:buNone/>
-              <a:defRPr sz="1600" b="1"/>
-            </a:lvl7pPr>
-            <a:lvl8pPr marL="3200400" indent="0">
-              <a:buNone/>
-              <a:defRPr sz="1600" b="1"/>
-            </a:lvl8pPr>
-            <a:lvl9pPr marL="3657600" indent="0">
-              <a:buNone/>
-              <a:defRPr sz="1600" b="1"/>
-            </a:lvl9pPr>
-          </a:lstStyle>
-          <a:p>
-            <a:pPr lvl="0"/>
-            <a:r>
-              <a:rPr lang="en-US"/>
-              <a:t>Click to edit Master text styles</a:t>
-            </a:r>
-          </a:p>
-        </p:txBody>
-      </p:sp>
-      <p:sp>
-        <p:nvSpPr>
-          <p:cNvPr id="4" name="Content Placeholder 3"/>
-          <p:cNvSpPr>
-            <a:spLocks noGrp="1"/>
-          </p:cNvSpPr>
-          <p:nvPr>
-            <p:ph sz="half" idx="2"/>
-          </p:nvPr>
-        </p:nvSpPr>
-        <p:spPr>
-          <a:xfrm>
-            <a:off x="457200" y="2174875"/>
-            <a:ext cx="4040188" cy="3951288"/>
-          </a:xfrm>
-        </p:spPr>
-        <p:txBody>
-          <a:bodyPr/>
-          <a:lstStyle>
-            <a:lvl1pPr>
-              <a:defRPr sz="2400"/>
-            </a:lvl1pPr>
-            <a:lvl2pPr>
-              <a:defRPr sz="2000"/>
-            </a:lvl2pPr>
-            <a:lvl3pPr>
-              <a:defRPr sz="1800"/>
-            </a:lvl3pPr>
-            <a:lvl4pPr>
-              <a:defRPr sz="1600"/>
-            </a:lvl4pPr>
-            <a:lvl5pPr>
-              <a:defRPr sz="1600"/>
-            </a:lvl5pPr>
-            <a:lvl6pPr>
-              <a:defRPr sz="1600"/>
-            </a:lvl6pPr>
-            <a:lvl7pPr>
-              <a:defRPr sz="1600"/>
-            </a:lvl7pPr>
-            <a:lvl8pPr>
-              <a:defRPr sz="1600"/>
-            </a:lvl8pPr>
-            <a:lvl9pPr>
-              <a:defRPr sz="1600"/>
-            </a:lvl9pPr>
-          </a:lstStyle>
-          <a:p>
-            <a:pPr lvl="0"/>
-            <a:r>
-              <a:rPr lang="en-US"/>
-              <a:t>Click to edit Master text styles</a:t>
-            </a:r>
-          </a:p>
-          <a:p>
-            <a:pPr lvl="1"/>
-            <a:r>
-              <a:rPr lang="en-US"/>
-              <a:t>Second level</a:t>
-            </a:r>
-          </a:p>
-          <a:p>
-            <a:pPr lvl="2"/>
-            <a:r>
-              <a:rPr lang="en-US"/>
-              <a:t>Third level</a:t>
-            </a:r>
-          </a:p>
-          <a:p>
-            <a:pPr lvl="3"/>
-            <a:r>
-              <a:rPr lang="en-US"/>
-              <a:t>Fourth level</a:t>
-            </a:r>
-          </a:p>
-          <a:p>
-            <a:pPr lvl="4"/>
-            <a:r>
-              <a:rPr lang="en-US"/>
-              <a:t>Fifth level</a:t>
-            </a:r>
-            <a:endParaRPr lang="ru-RU" dirty="0"/>
-          </a:p>
-        </p:txBody>
-      </p:sp>
-      <p:sp>
-        <p:nvSpPr>
-          <p:cNvPr id="5" name="Text Placeholder 4"/>
-          <p:cNvSpPr>
-            <a:spLocks noGrp="1"/>
-          </p:cNvSpPr>
-          <p:nvPr>
-            <p:ph type="body" sz="quarter" idx="3"/>
-          </p:nvPr>
-        </p:nvSpPr>
-        <p:spPr>
-          <a:xfrm>
-            <a:off x="4645025" y="1535113"/>
-            <a:ext cx="4041775" cy="639762"/>
-          </a:xfrm>
-        </p:spPr>
-        <p:txBody>
-          <a:bodyPr anchor="b"/>
-          <a:lstStyle>
-            <a:lvl1pPr marL="0" indent="0">
-              <a:buNone/>
-              <a:defRPr sz="2400" b="1"/>
-            </a:lvl1pPr>
-            <a:lvl2pPr marL="457200" indent="0">
-              <a:buNone/>
-              <a:defRPr sz="2000" b="1"/>
-            </a:lvl2pPr>
-            <a:lvl3pPr marL="914400" indent="0">
-              <a:buNone/>
-              <a:defRPr sz="1800" b="1"/>
-            </a:lvl3pPr>
-            <a:lvl4pPr marL="1371600" indent="0">
-              <a:buNone/>
-              <a:defRPr sz="1600" b="1"/>
-            </a:lvl4pPr>
-            <a:lvl5pPr marL="1828800" indent="0">
-              <a:buNone/>
-              <a:defRPr sz="1600" b="1"/>
-            </a:lvl5pPr>
-            <a:lvl6pPr marL="2286000" indent="0">
-              <a:buNone/>
-              <a:defRPr sz="1600" b="1"/>
-            </a:lvl6pPr>
-            <a:lvl7pPr marL="2743200" indent="0">
-              <a:buNone/>
-              <a:defRPr sz="1600" b="1"/>
-            </a:lvl7pPr>
-            <a:lvl8pPr marL="3200400" indent="0">
-              <a:buNone/>
-              <a:defRPr sz="1600" b="1"/>
-            </a:lvl8pPr>
-            <a:lvl9pPr marL="3657600" indent="0">
-              <a:buNone/>
-              <a:defRPr sz="1600" b="1"/>
-            </a:lvl9pPr>
-          </a:lstStyle>
-          <a:p>
-            <a:pPr lvl="0"/>
-            <a:r>
-              <a:rPr lang="en-US"/>
-              <a:t>Click to edit Master text styles</a:t>
-            </a:r>
-          </a:p>
-        </p:txBody>
-      </p:sp>
-      <p:sp>
-        <p:nvSpPr>
-          <p:cNvPr id="6" name="Content Placeholder 5"/>
-          <p:cNvSpPr>
-            <a:spLocks noGrp="1"/>
-          </p:cNvSpPr>
-          <p:nvPr>
-            <p:ph sz="quarter" idx="4"/>
-          </p:nvPr>
-        </p:nvSpPr>
-        <p:spPr>
-          <a:xfrm>
-            <a:off x="4645025" y="2174875"/>
-            <a:ext cx="4041775" cy="3951288"/>
-          </a:xfrm>
-        </p:spPr>
-        <p:txBody>
-          <a:bodyPr/>
-          <a:lstStyle>
-            <a:lvl1pPr>
-              <a:defRPr sz="2400"/>
-            </a:lvl1pPr>
-            <a:lvl2pPr>
-              <a:defRPr sz="2000"/>
-            </a:lvl2pPr>
-            <a:lvl3pPr>
-              <a:defRPr sz="1800"/>
-            </a:lvl3pPr>
-            <a:lvl4pPr>
-              <a:defRPr sz="1600"/>
-            </a:lvl4pPr>
-            <a:lvl5pPr>
-              <a:defRPr sz="1600"/>
-            </a:lvl5pPr>
-            <a:lvl6pPr>
-              <a:defRPr sz="1600"/>
-            </a:lvl6pPr>
-            <a:lvl7pPr>
-              <a:defRPr sz="1600"/>
-            </a:lvl7pPr>
-            <a:lvl8pPr>
-              <a:defRPr sz="1600"/>
-            </a:lvl8pPr>
-            <a:lvl9pPr>
-              <a:defRPr sz="1600"/>
-            </a:lvl9pPr>
-          </a:lstStyle>
-          <a:p>
-            <a:pPr lvl="0"/>
-            <a:r>
-              <a:rPr lang="en-US"/>
-              <a:t>Click to edit Master text styles</a:t>
-            </a:r>
-          </a:p>
-          <a:p>
-            <a:pPr lvl="1"/>
-            <a:r>
-              <a:rPr lang="en-US"/>
-              <a:t>Second level</a:t>
-            </a:r>
-          </a:p>
-          <a:p>
-            <a:pPr lvl="2"/>
-            <a:r>
-              <a:rPr lang="en-US"/>
-              <a:t>Third level</a:t>
-            </a:r>
-          </a:p>
-          <a:p>
-            <a:pPr lvl="3"/>
-            <a:r>
-              <a:rPr lang="en-US"/>
-              <a:t>Fourth level</a:t>
-            </a:r>
-          </a:p>
-          <a:p>
-            <a:pPr lvl="4"/>
-            <a:r>
-              <a:rPr lang="en-US"/>
-              <a:t>Fifth level</a:t>
-            </a:r>
-            <a:endParaRPr lang="ru-RU" dirty="0"/>
-          </a:p>
-        </p:txBody>
-      </p:sp>
-    </p:spTree>
-    <p:extLst>
-      <p:ext uri="{BB962C8B-B14F-4D97-AF65-F5344CB8AC3E}">
-        <p14:creationId xmlns:p14="http://schemas.microsoft.com/office/powerpoint/2010/main" val="4044979405"/>
-      </p:ext>
-    </p:extLst>
-  </p:cSld>
-  <p:clrMapOvr>
-    <a:masterClrMapping/>
-  </p:clrMapOvr>
-</p:sldLayout>
-</file>
-
-<file path=ppt/slideLayouts/slideLayout7.xml><?xml version="1.0" encoding="utf-8"?>
-<p:sldLayout xmlns:a="http://schemas.openxmlformats.org/drawingml/2006/main" xmlns:r="http://schemas.openxmlformats.org/officeDocument/2006/relationships" xmlns:p="http://schemas.openxmlformats.org/presentationml/2006/main" type="titleOnly" preserve="1">
-  <p:cSld name="Title Only">
-    <p:spTree>
-      <p:nvGrpSpPr>
-        <p:cNvPr id="1" name=""/>
-        <p:cNvGrpSpPr/>
-        <p:nvPr/>
-      </p:nvGrpSpPr>
-      <p:grpSpPr>
-        <a:xfrm>
-          <a:off x="0" y="0"/>
-          <a:ext cx="0" cy="0"/>
-          <a:chOff x="0" y="0"/>
-          <a:chExt cx="0" cy="0"/>
-        </a:xfrm>
-      </p:grpSpPr>
-      <p:sp>
-        <p:nvSpPr>
-          <p:cNvPr id="2" name="Title 1"/>
-          <p:cNvSpPr>
-            <a:spLocks noGrp="1"/>
-          </p:cNvSpPr>
-          <p:nvPr>
-            <p:ph type="title"/>
-          </p:nvPr>
-        </p:nvSpPr>
-        <p:spPr/>
-        <p:txBody>
-          <a:bodyPr/>
-          <a:lstStyle/>
-          <a:p>
-            <a:r>
-              <a:rPr lang="en-US"/>
-              <a:t>Click to edit Master title style</a:t>
-            </a:r>
-            <a:endParaRPr lang="ru-RU" dirty="0"/>
-          </a:p>
-        </p:txBody>
-      </p:sp>
-    </p:spTree>
-    <p:extLst>
-      <p:ext uri="{BB962C8B-B14F-4D97-AF65-F5344CB8AC3E}">
-        <p14:creationId xmlns:p14="http://schemas.microsoft.com/office/powerpoint/2010/main" val="125202666"/>
-      </p:ext>
-    </p:extLst>
-  </p:cSld>
-  <p:clrMapOvr>
-    <a:masterClrMapping/>
-  </p:clrMapOvr>
-</p:sldLayout>
-</file>
-
-<file path=ppt/slideLayouts/slideLayout8.xml><?xml version="1.0" encoding="utf-8"?>
-<p:sldLayout xmlns:a="http://schemas.openxmlformats.org/drawingml/2006/main" xmlns:r="http://schemas.openxmlformats.org/officeDocument/2006/relationships" xmlns:p="http://schemas.openxmlformats.org/presentationml/2006/main" preserve="1" userDrawn="1">
-  <p:cSld name="Demo">
-    <p:spTree>
-      <p:nvGrpSpPr>
-        <p:cNvPr id="1" name=""/>
-        <p:cNvGrpSpPr/>
-        <p:nvPr/>
-      </p:nvGrpSpPr>
-      <p:grpSpPr>
-        <a:xfrm>
-          <a:off x="0" y="0"/>
-          <a:ext cx="0" cy="0"/>
-          <a:chOff x="0" y="0"/>
-          <a:chExt cx="0" cy="0"/>
-        </a:xfrm>
-      </p:grpSpPr>
-      <p:sp>
-        <p:nvSpPr>
-          <p:cNvPr id="10" name="TextBox 9"/>
-          <p:cNvSpPr txBox="1"/>
-          <p:nvPr userDrawn="1"/>
-        </p:nvSpPr>
-        <p:spPr>
-          <a:xfrm>
-            <a:off x="359532" y="3136613"/>
-            <a:ext cx="8424936" cy="584775"/>
-          </a:xfrm>
-          <a:prstGeom prst="rect">
-            <a:avLst/>
-          </a:prstGeom>
-          <a:noFill/>
-        </p:spPr>
-        <p:txBody>
-          <a:bodyPr wrap="square" rtlCol="0" anchor="ctr">
-            <a:spAutoFit/>
-          </a:bodyPr>
-          <a:lstStyle/>
-          <a:p>
-            <a:pPr algn="ctr"/>
-            <a:r>
-              <a:rPr lang="ru-RU" sz="3200" dirty="0"/>
-              <a:t>Название.</a:t>
-            </a:r>
-            <a:r>
-              <a:rPr lang="ru-RU" sz="3200" baseline="0" dirty="0"/>
-              <a:t> Демонстрация.</a:t>
-            </a:r>
-            <a:endParaRPr lang="ru-RU" sz="3200" dirty="0"/>
-          </a:p>
-        </p:txBody>
-      </p:sp>
-    </p:spTree>
-    <p:extLst>
-      <p:ext uri="{BB962C8B-B14F-4D97-AF65-F5344CB8AC3E}">
-        <p14:creationId xmlns:p14="http://schemas.microsoft.com/office/powerpoint/2010/main" val="3308008441"/>
-      </p:ext>
-    </p:extLst>
-  </p:cSld>
-  <p:clrMapOvr>
-    <a:masterClrMapping/>
-  </p:clrMapOvr>
-</p:sldLayout>
-</file>
-
-<file path=ppt/slideLayouts/slideLayout9.xml><?xml version="1.0" encoding="utf-8"?>
-<p:sldLayout xmlns:a="http://schemas.openxmlformats.org/drawingml/2006/main" xmlns:r="http://schemas.openxmlformats.org/officeDocument/2006/relationships" xmlns:p="http://schemas.openxmlformats.org/presentationml/2006/main" type="blank" preserve="1">
-  <p:cSld name="1_Blank">
-    <p:spTree>
-      <p:nvGrpSpPr>
-        <p:cNvPr id="1" name=""/>
-        <p:cNvGrpSpPr/>
-        <p:nvPr/>
-      </p:nvGrpSpPr>
-      <p:grpSpPr>
-        <a:xfrm>
-          <a:off x="0" y="0"/>
-          <a:ext cx="0" cy="0"/>
-          <a:chOff x="0" y="0"/>
-          <a:chExt cx="0" cy="0"/>
-        </a:xfrm>
-      </p:grpSpPr>
-    </p:spTree>
-    <p:extLst>
-      <p:ext uri="{BB962C8B-B14F-4D97-AF65-F5344CB8AC3E}">
-        <p14:creationId xmlns:p14="http://schemas.microsoft.com/office/powerpoint/2010/main" val="2618453949"/>
+        <p14:creationId xmlns:p14="http://schemas.microsoft.com/office/powerpoint/2010/main" val="2103675460"/>
       </p:ext>
     </p:extLst>
   </p:cSld>
@@ -5153,7 +4377,7 @@
     <p:bg>
       <p:bgPr>
         <a:blipFill dpi="0" rotWithShape="1">
-          <a:blip r:embed="rId16">
+          <a:blip r:embed="rId14">
             <a:lum/>
           </a:blip>
           <a:srcRect/>
@@ -5308,7 +4532,7 @@
           <a:p>
             <a:fld id="{AC3D3127-B7C4-45E3-9797-C527EC9FDD78}" type="datetimeFigureOut">
               <a:rPr lang="ru-RU" smtClean="0"/>
-              <a:t>13.08.2018</a:t>
+              <a:t>22.02.2019</a:t>
             </a:fld>
             <a:endParaRPr lang="ru-RU"/>
           </a:p>
@@ -5401,20 +4625,18 @@
   </p:cSld>
   <p:clrMap bg1="lt1" tx1="dk1" bg2="lt2" tx2="dk2" accent1="accent1" accent2="accent2" accent3="accent3" accent4="accent4" accent5="accent5" accent6="accent6" hlink="hlink" folHlink="folHlink"/>
   <p:sldLayoutIdLst>
-    <p:sldLayoutId id="2147483649" r:id="rId1"/>
-    <p:sldLayoutId id="2147483661" r:id="rId2"/>
-    <p:sldLayoutId id="2147483650" r:id="rId3"/>
-    <p:sldLayoutId id="2147483651" r:id="rId4"/>
-    <p:sldLayoutId id="2147483652" r:id="rId5"/>
-    <p:sldLayoutId id="2147483653" r:id="rId6"/>
-    <p:sldLayoutId id="2147483654" r:id="rId7"/>
-    <p:sldLayoutId id="2147483655" r:id="rId8"/>
-    <p:sldLayoutId id="2147483660" r:id="rId9"/>
-    <p:sldLayoutId id="2147483656" r:id="rId10"/>
-    <p:sldLayoutId id="2147483657" r:id="rId11"/>
-    <p:sldLayoutId id="2147483658" r:id="rId12"/>
-    <p:sldLayoutId id="2147483659" r:id="rId13"/>
-    <p:sldLayoutId id="2147483662" r:id="rId14"/>
+    <p:sldLayoutId id="2147483650" r:id="rId1"/>
+    <p:sldLayoutId id="2147483651" r:id="rId2"/>
+    <p:sldLayoutId id="2147483652" r:id="rId3"/>
+    <p:sldLayoutId id="2147483653" r:id="rId4"/>
+    <p:sldLayoutId id="2147483654" r:id="rId5"/>
+    <p:sldLayoutId id="2147483655" r:id="rId6"/>
+    <p:sldLayoutId id="2147483660" r:id="rId7"/>
+    <p:sldLayoutId id="2147483656" r:id="rId8"/>
+    <p:sldLayoutId id="2147483657" r:id="rId9"/>
+    <p:sldLayoutId id="2147483658" r:id="rId10"/>
+    <p:sldLayoutId id="2147483659" r:id="rId11"/>
+    <p:sldLayoutId id="2147483662" r:id="rId12"/>
   </p:sldLayoutIdLst>
   <p:txStyles>
     <p:titleStyle>
@@ -5675,7 +4897,7 @@
     <p:bg>
       <p:bgPr>
         <a:blipFill dpi="0" rotWithShape="1">
-          <a:blip r:embed="rId16">
+          <a:blip r:embed="rId14">
             <a:lum/>
           </a:blip>
           <a:srcRect/>
@@ -5837,7 +5059,7 @@
                 </a:solidFill>
               </a:rPr>
               <a:pPr/>
-              <a:t>13.08.2018</a:t>
+              <a:t>22.02.2019</a:t>
             </a:fld>
             <a:endParaRPr lang="ru-RU">
               <a:solidFill>
@@ -5955,20 +5177,18 @@
   </p:cSld>
   <p:clrMap bg1="lt1" tx1="dk1" bg2="lt2" tx2="dk2" accent1="accent1" accent2="accent2" accent3="accent3" accent4="accent4" accent5="accent5" accent6="accent6" hlink="hlink" folHlink="folHlink"/>
   <p:sldLayoutIdLst>
-    <p:sldLayoutId id="2147483664" r:id="rId1"/>
-    <p:sldLayoutId id="2147483665" r:id="rId2"/>
-    <p:sldLayoutId id="2147483666" r:id="rId3"/>
-    <p:sldLayoutId id="2147483667" r:id="rId4"/>
-    <p:sldLayoutId id="2147483668" r:id="rId5"/>
-    <p:sldLayoutId id="2147483669" r:id="rId6"/>
-    <p:sldLayoutId id="2147483670" r:id="rId7"/>
-    <p:sldLayoutId id="2147483671" r:id="rId8"/>
-    <p:sldLayoutId id="2147483672" r:id="rId9"/>
-    <p:sldLayoutId id="2147483673" r:id="rId10"/>
-    <p:sldLayoutId id="2147483674" r:id="rId11"/>
-    <p:sldLayoutId id="2147483675" r:id="rId12"/>
-    <p:sldLayoutId id="2147483676" r:id="rId13"/>
-    <p:sldLayoutId id="2147483677" r:id="rId14"/>
+    <p:sldLayoutId id="2147483666" r:id="rId1"/>
+    <p:sldLayoutId id="2147483667" r:id="rId2"/>
+    <p:sldLayoutId id="2147483668" r:id="rId3"/>
+    <p:sldLayoutId id="2147483669" r:id="rId4"/>
+    <p:sldLayoutId id="2147483670" r:id="rId5"/>
+    <p:sldLayoutId id="2147483671" r:id="rId6"/>
+    <p:sldLayoutId id="2147483672" r:id="rId7"/>
+    <p:sldLayoutId id="2147483673" r:id="rId8"/>
+    <p:sldLayoutId id="2147483674" r:id="rId9"/>
+    <p:sldLayoutId id="2147483675" r:id="rId10"/>
+    <p:sldLayoutId id="2147483676" r:id="rId11"/>
+    <p:sldLayoutId id="2147483677" r:id="rId12"/>
   </p:sldLayoutIdLst>
   <p:txStyles>
     <p:titleStyle>
@@ -6338,7 +5558,7 @@
           <p:cNvPr id="8" name="TextBox 7">
             <a:extLst>
               <a:ext uri="{FF2B5EF4-FFF2-40B4-BE49-F238E27FC236}">
-                <a16:creationId xmlns:a16="http://schemas.microsoft.com/office/drawing/2014/main" id="{3C5FA6AB-ECC6-D94C-A1D2-33162AF3C54A}"/>
+                <a16:creationId xmlns:a16="http://schemas.microsoft.com/office/drawing/2014/main" xmlns="" id="{3C5FA6AB-ECC6-D94C-A1D2-33162AF3C54A}"/>
               </a:ext>
             </a:extLst>
           </p:cNvPr>
@@ -6607,6 +5827,10 @@
             <a:r>
               <a:rPr lang="ru-RU" dirty="0"/>
               <a:t>Окна со списками</a:t>
+            </a:r>
+            <a:r>
+              <a:rPr lang="en-US" dirty="0"/>
+              <a:t/>
             </a:r>
             <a:br>
               <a:rPr lang="en-US" dirty="0"/>
@@ -8005,6 +7229,14 @@
   <p:clrMapOvr>
     <a:masterClrMapping/>
   </p:clrMapOvr>
+  <mc:AlternateContent xmlns:mc="http://schemas.openxmlformats.org/markup-compatibility/2006">
+    <mc:Choice xmlns:p14="http://schemas.microsoft.com/office/powerpoint/2010/main" Requires="p14">
+      <p:transition spd="slow" p14:dur="2000"/>
+    </mc:Choice>
+    <mc:Fallback>
+      <p:transition spd="slow"/>
+    </mc:Fallback>
+  </mc:AlternateContent>
 </p:sld>
 </file>
 
@@ -10739,14 +9971,14 @@
                 <a:gridCol w="2098576">
                   <a:extLst>
                     <a:ext uri="{9D8B030D-6E8A-4147-A177-3AD203B41FA5}">
-                      <a16:colId xmlns:a16="http://schemas.microsoft.com/office/drawing/2014/main" val="20000"/>
+                      <a16:colId xmlns:a16="http://schemas.microsoft.com/office/drawing/2014/main" xmlns="" val="20000"/>
                     </a:ext>
                   </a:extLst>
                 </a:gridCol>
                 <a:gridCol w="6131024">
                   <a:extLst>
                     <a:ext uri="{9D8B030D-6E8A-4147-A177-3AD203B41FA5}">
-                      <a16:colId xmlns:a16="http://schemas.microsoft.com/office/drawing/2014/main" val="20001"/>
+                      <a16:colId xmlns:a16="http://schemas.microsoft.com/office/drawing/2014/main" xmlns="" val="20001"/>
                     </a:ext>
                   </a:extLst>
                 </a:gridCol>
@@ -10889,7 +10121,7 @@
                 </a:tc>
                 <a:extLst>
                   <a:ext uri="{0D108BD9-81ED-4DB2-BD59-A6C34878D82A}">
-                    <a16:rowId xmlns:a16="http://schemas.microsoft.com/office/drawing/2014/main" val="10000"/>
+                    <a16:rowId xmlns:a16="http://schemas.microsoft.com/office/drawing/2014/main" xmlns="" val="10000"/>
                   </a:ext>
                 </a:extLst>
               </a:tr>
@@ -11027,7 +10259,7 @@
                 </a:tc>
                 <a:extLst>
                   <a:ext uri="{0D108BD9-81ED-4DB2-BD59-A6C34878D82A}">
-                    <a16:rowId xmlns:a16="http://schemas.microsoft.com/office/drawing/2014/main" val="10001"/>
+                    <a16:rowId xmlns:a16="http://schemas.microsoft.com/office/drawing/2014/main" xmlns="" val="10001"/>
                   </a:ext>
                 </a:extLst>
               </a:tr>
@@ -11178,7 +10410,7 @@
                 </a:tc>
                 <a:extLst>
                   <a:ext uri="{0D108BD9-81ED-4DB2-BD59-A6C34878D82A}">
-                    <a16:rowId xmlns:a16="http://schemas.microsoft.com/office/drawing/2014/main" val="10002"/>
+                    <a16:rowId xmlns:a16="http://schemas.microsoft.com/office/drawing/2014/main" xmlns="" val="10002"/>
                   </a:ext>
                 </a:extLst>
               </a:tr>
@@ -11316,7 +10548,7 @@
                 </a:tc>
                 <a:extLst>
                   <a:ext uri="{0D108BD9-81ED-4DB2-BD59-A6C34878D82A}">
-                    <a16:rowId xmlns:a16="http://schemas.microsoft.com/office/drawing/2014/main" val="10003"/>
+                    <a16:rowId xmlns:a16="http://schemas.microsoft.com/office/drawing/2014/main" xmlns="" val="10003"/>
                   </a:ext>
                 </a:extLst>
               </a:tr>
@@ -11462,7 +10694,7 @@
                 </a:tc>
                 <a:extLst>
                   <a:ext uri="{0D108BD9-81ED-4DB2-BD59-A6C34878D82A}">
-                    <a16:rowId xmlns:a16="http://schemas.microsoft.com/office/drawing/2014/main" val="10004"/>
+                    <a16:rowId xmlns:a16="http://schemas.microsoft.com/office/drawing/2014/main" xmlns="" val="10004"/>
                   </a:ext>
                 </a:extLst>
               </a:tr>
@@ -11629,7 +10861,7 @@
                 </a:tc>
                 <a:extLst>
                   <a:ext uri="{0D108BD9-81ED-4DB2-BD59-A6C34878D82A}">
-                    <a16:rowId xmlns:a16="http://schemas.microsoft.com/office/drawing/2014/main" val="10005"/>
+                    <a16:rowId xmlns:a16="http://schemas.microsoft.com/office/drawing/2014/main" xmlns="" val="10005"/>
                   </a:ext>
                 </a:extLst>
               </a:tr>
@@ -11799,7 +11031,7 @@
                 </a:tc>
                 <a:extLst>
                   <a:ext uri="{0D108BD9-81ED-4DB2-BD59-A6C34878D82A}">
-                    <a16:rowId xmlns:a16="http://schemas.microsoft.com/office/drawing/2014/main" val="10006"/>
+                    <a16:rowId xmlns:a16="http://schemas.microsoft.com/office/drawing/2014/main" xmlns="" val="10006"/>
                   </a:ext>
                 </a:extLst>
               </a:tr>
@@ -11926,7 +11158,7 @@
                 </a:tc>
                 <a:extLst>
                   <a:ext uri="{0D108BD9-81ED-4DB2-BD59-A6C34878D82A}">
-                    <a16:rowId xmlns:a16="http://schemas.microsoft.com/office/drawing/2014/main" val="10007"/>
+                    <a16:rowId xmlns:a16="http://schemas.microsoft.com/office/drawing/2014/main" xmlns="" val="10007"/>
                   </a:ext>
                 </a:extLst>
               </a:tr>
@@ -12507,7 +11739,7 @@
           <p:cNvPr id="2" name="Title 1">
             <a:extLst>
               <a:ext uri="{FF2B5EF4-FFF2-40B4-BE49-F238E27FC236}">
-                <a16:creationId xmlns:a16="http://schemas.microsoft.com/office/drawing/2014/main" id="{DF36753B-EF49-7440-BF4F-058150ED8812}"/>
+                <a16:creationId xmlns:a16="http://schemas.microsoft.com/office/drawing/2014/main" xmlns="" id="{DF36753B-EF49-7440-BF4F-058150ED8812}"/>
               </a:ext>
             </a:extLst>
           </p:cNvPr>
@@ -12538,7 +11770,7 @@
           <p:cNvPr id="3" name="Content Placeholder 2">
             <a:extLst>
               <a:ext uri="{FF2B5EF4-FFF2-40B4-BE49-F238E27FC236}">
-                <a16:creationId xmlns:a16="http://schemas.microsoft.com/office/drawing/2014/main" id="{0896499D-FD03-4546-A8E1-9BC95B97CB7E}"/>
+                <a16:creationId xmlns:a16="http://schemas.microsoft.com/office/drawing/2014/main" xmlns="" id="{0896499D-FD03-4546-A8E1-9BC95B97CB7E}"/>
               </a:ext>
             </a:extLst>
           </p:cNvPr>
@@ -13809,6 +13041,10 @@
               <a:rPr lang="en-US" dirty="0" err="1"/>
               <a:t>SafeMode</a:t>
             </a:r>
+            <a:r>
+              <a:rPr lang="en-US" dirty="0"/>
+              <a:t/>
+            </a:r>
             <a:br>
               <a:rPr lang="en-US" dirty="0"/>
             </a:br>
@@ -13854,6 +13090,10 @@
               <a:rPr lang="en-US" dirty="0"/>
               <a:t>&gt;</a:t>
             </a:r>
+            <a:r>
+              <a:rPr lang="ru-RU" dirty="0"/>
+              <a:t/>
+            </a:r>
             <a:br>
               <a:rPr lang="ru-RU" dirty="0"/>
             </a:br>
@@ -13872,6 +13112,10 @@
             <a:r>
               <a:rPr lang="en-US" sz="2800" dirty="0"/>
               <a:t>Root-VSIX</a:t>
+            </a:r>
+            <a:r>
+              <a:rPr lang="en-US" dirty="0"/>
+              <a:t/>
             </a:r>
             <a:br>
               <a:rPr lang="en-US" dirty="0"/>
